--- a/extreme_programming.pptx
+++ b/extreme_programming.pptx
@@ -4,8 +4,13 @@
   <p:sldMasterIdLst>
     <p:sldMasterId id="2147483648" r:id="rId1"/>
   </p:sldMasterIdLst>
+  <p:notesMasterIdLst>
+    <p:notesMasterId r:id="rId5"/>
+  </p:notesMasterIdLst>
   <p:sldIdLst>
     <p:sldId id="256" r:id="rId2"/>
+    <p:sldId id="257" r:id="rId3"/>
+    <p:sldId id="258" r:id="rId4"/>
   </p:sldIdLst>
   <p:sldSz cx="12192000" cy="6858000"/>
   <p:notesSz cx="6858000" cy="9144000"/>
@@ -104,7 +109,534 @@
       </a:defRPr>
     </a:lvl9pPr>
   </p:defaultTextStyle>
+  <p:extLst>
+    <p:ext uri="{EFAFB233-063F-42B5-8137-9DF3F51BA10A}">
+      <p15:sldGuideLst xmlns:p15="http://schemas.microsoft.com/office/powerpoint/2012/main"/>
+    </p:ext>
+  </p:extLst>
 </p:presentation>
+</file>
+
+<file path=ppt/notesMasters/notesMaster1.xml><?xml version="1.0" encoding="utf-8"?>
+<p:notesMaster xmlns:a="http://schemas.openxmlformats.org/drawingml/2006/main" xmlns:r="http://schemas.openxmlformats.org/officeDocument/2006/relationships" xmlns:p="http://schemas.openxmlformats.org/presentationml/2006/main">
+  <p:cSld>
+    <p:bg>
+      <p:bgRef idx="1001">
+        <a:schemeClr val="bg1"/>
+      </p:bgRef>
+    </p:bg>
+    <p:spTree>
+      <p:nvGrpSpPr>
+        <p:cNvPr id="1" name=""/>
+        <p:cNvGrpSpPr/>
+        <p:nvPr/>
+      </p:nvGrpSpPr>
+      <p:grpSpPr>
+        <a:xfrm>
+          <a:off x="0" y="0"/>
+          <a:ext cx="0" cy="0"/>
+          <a:chOff x="0" y="0"/>
+          <a:chExt cx="0" cy="0"/>
+        </a:xfrm>
+      </p:grpSpPr>
+      <p:sp>
+        <p:nvSpPr>
+          <p:cNvPr id="2" name="Header Placeholder 1"/>
+          <p:cNvSpPr>
+            <a:spLocks noGrp="1"/>
+          </p:cNvSpPr>
+          <p:nvPr>
+            <p:ph type="hdr" sz="quarter"/>
+          </p:nvPr>
+        </p:nvSpPr>
+        <p:spPr>
+          <a:xfrm>
+            <a:off x="0" y="0"/>
+            <a:ext cx="2971800" cy="458788"/>
+          </a:xfrm>
+          <a:prstGeom prst="rect">
+            <a:avLst/>
+          </a:prstGeom>
+        </p:spPr>
+        <p:txBody>
+          <a:bodyPr vert="horz" lIns="91440" tIns="45720" rIns="91440" bIns="45720" rtlCol="0"/>
+          <a:lstStyle>
+            <a:lvl1pPr algn="l">
+              <a:defRPr sz="1200"/>
+            </a:lvl1pPr>
+          </a:lstStyle>
+          <a:p>
+            <a:endParaRPr lang="en-US"/>
+          </a:p>
+        </p:txBody>
+      </p:sp>
+      <p:sp>
+        <p:nvSpPr>
+          <p:cNvPr id="3" name="Date Placeholder 2"/>
+          <p:cNvSpPr>
+            <a:spLocks noGrp="1"/>
+          </p:cNvSpPr>
+          <p:nvPr>
+            <p:ph type="dt" idx="1"/>
+          </p:nvPr>
+        </p:nvSpPr>
+        <p:spPr>
+          <a:xfrm>
+            <a:off x="3884613" y="0"/>
+            <a:ext cx="2971800" cy="458788"/>
+          </a:xfrm>
+          <a:prstGeom prst="rect">
+            <a:avLst/>
+          </a:prstGeom>
+        </p:spPr>
+        <p:txBody>
+          <a:bodyPr vert="horz" lIns="91440" tIns="45720" rIns="91440" bIns="45720" rtlCol="0"/>
+          <a:lstStyle>
+            <a:lvl1pPr algn="r">
+              <a:defRPr sz="1200"/>
+            </a:lvl1pPr>
+          </a:lstStyle>
+          <a:p>
+            <a:fld id="{70711676-1DE2-458B-90FC-D5D4D01EA265}" type="datetimeFigureOut">
+              <a:rPr lang="en-US" smtClean="0"/>
+              <a:t>19|12|6</a:t>
+            </a:fld>
+            <a:endParaRPr lang="en-US"/>
+          </a:p>
+        </p:txBody>
+      </p:sp>
+      <p:sp>
+        <p:nvSpPr>
+          <p:cNvPr id="4" name="Slide Image Placeholder 3"/>
+          <p:cNvSpPr>
+            <a:spLocks noGrp="1" noRot="1" noChangeAspect="1"/>
+          </p:cNvSpPr>
+          <p:nvPr>
+            <p:ph type="sldImg" idx="2"/>
+          </p:nvPr>
+        </p:nvSpPr>
+        <p:spPr>
+          <a:xfrm>
+            <a:off x="685800" y="1143000"/>
+            <a:ext cx="5486400" cy="3086100"/>
+          </a:xfrm>
+          <a:prstGeom prst="rect">
+            <a:avLst/>
+          </a:prstGeom>
+          <a:noFill/>
+          <a:ln w="12700">
+            <a:solidFill>
+              <a:prstClr val="black"/>
+            </a:solidFill>
+          </a:ln>
+        </p:spPr>
+        <p:txBody>
+          <a:bodyPr vert="horz" lIns="91440" tIns="45720" rIns="91440" bIns="45720" rtlCol="0" anchor="ctr"/>
+          <a:lstStyle/>
+          <a:p>
+            <a:endParaRPr lang="en-US"/>
+          </a:p>
+        </p:txBody>
+      </p:sp>
+      <p:sp>
+        <p:nvSpPr>
+          <p:cNvPr id="5" name="Notes Placeholder 4"/>
+          <p:cNvSpPr>
+            <a:spLocks noGrp="1"/>
+          </p:cNvSpPr>
+          <p:nvPr>
+            <p:ph type="body" sz="quarter" idx="3"/>
+          </p:nvPr>
+        </p:nvSpPr>
+        <p:spPr>
+          <a:xfrm>
+            <a:off x="685800" y="4400550"/>
+            <a:ext cx="5486400" cy="3600450"/>
+          </a:xfrm>
+          <a:prstGeom prst="rect">
+            <a:avLst/>
+          </a:prstGeom>
+        </p:spPr>
+        <p:txBody>
+          <a:bodyPr vert="horz" lIns="91440" tIns="45720" rIns="91440" bIns="45720" rtlCol="0"/>
+          <a:lstStyle/>
+          <a:p>
+            <a:pPr lvl="0"/>
+            <a:r>
+              <a:rPr lang="en-US" smtClean="0"/>
+              <a:t>Click to edit Master text styles</a:t>
+            </a:r>
+          </a:p>
+          <a:p>
+            <a:pPr lvl="1"/>
+            <a:r>
+              <a:rPr lang="en-US" smtClean="0"/>
+              <a:t>Second level</a:t>
+            </a:r>
+          </a:p>
+          <a:p>
+            <a:pPr lvl="2"/>
+            <a:r>
+              <a:rPr lang="en-US" smtClean="0"/>
+              <a:t>Third level</a:t>
+            </a:r>
+          </a:p>
+          <a:p>
+            <a:pPr lvl="3"/>
+            <a:r>
+              <a:rPr lang="en-US" smtClean="0"/>
+              <a:t>Fourth level</a:t>
+            </a:r>
+          </a:p>
+          <a:p>
+            <a:pPr lvl="4"/>
+            <a:r>
+              <a:rPr lang="en-US" smtClean="0"/>
+              <a:t>Fifth level</a:t>
+            </a:r>
+            <a:endParaRPr lang="en-US"/>
+          </a:p>
+        </p:txBody>
+      </p:sp>
+      <p:sp>
+        <p:nvSpPr>
+          <p:cNvPr id="6" name="Footer Placeholder 5"/>
+          <p:cNvSpPr>
+            <a:spLocks noGrp="1"/>
+          </p:cNvSpPr>
+          <p:nvPr>
+            <p:ph type="ftr" sz="quarter" idx="4"/>
+          </p:nvPr>
+        </p:nvSpPr>
+        <p:spPr>
+          <a:xfrm>
+            <a:off x="0" y="8685213"/>
+            <a:ext cx="2971800" cy="458787"/>
+          </a:xfrm>
+          <a:prstGeom prst="rect">
+            <a:avLst/>
+          </a:prstGeom>
+        </p:spPr>
+        <p:txBody>
+          <a:bodyPr vert="horz" lIns="91440" tIns="45720" rIns="91440" bIns="45720" rtlCol="0" anchor="b"/>
+          <a:lstStyle>
+            <a:lvl1pPr algn="l">
+              <a:defRPr sz="1200"/>
+            </a:lvl1pPr>
+          </a:lstStyle>
+          <a:p>
+            <a:endParaRPr lang="en-US"/>
+          </a:p>
+        </p:txBody>
+      </p:sp>
+      <p:sp>
+        <p:nvSpPr>
+          <p:cNvPr id="7" name="Slide Number Placeholder 6"/>
+          <p:cNvSpPr>
+            <a:spLocks noGrp="1"/>
+          </p:cNvSpPr>
+          <p:nvPr>
+            <p:ph type="sldNum" sz="quarter" idx="5"/>
+          </p:nvPr>
+        </p:nvSpPr>
+        <p:spPr>
+          <a:xfrm>
+            <a:off x="3884613" y="8685213"/>
+            <a:ext cx="2971800" cy="458787"/>
+          </a:xfrm>
+          <a:prstGeom prst="rect">
+            <a:avLst/>
+          </a:prstGeom>
+        </p:spPr>
+        <p:txBody>
+          <a:bodyPr vert="horz" lIns="91440" tIns="45720" rIns="91440" bIns="45720" rtlCol="0" anchor="b"/>
+          <a:lstStyle>
+            <a:lvl1pPr algn="r">
+              <a:defRPr sz="1200"/>
+            </a:lvl1pPr>
+          </a:lstStyle>
+          <a:p>
+            <a:fld id="{76E79186-0F7F-4415-A6CE-613EF7028156}" type="slidenum">
+              <a:rPr lang="en-US" smtClean="0"/>
+              <a:t>‹#›</a:t>
+            </a:fld>
+            <a:endParaRPr lang="en-US"/>
+          </a:p>
+        </p:txBody>
+      </p:sp>
+    </p:spTree>
+    <p:extLst>
+      <p:ext uri="{BB962C8B-B14F-4D97-AF65-F5344CB8AC3E}">
+        <p14:creationId xmlns:p14="http://schemas.microsoft.com/office/powerpoint/2010/main" val="3713907381"/>
+      </p:ext>
+    </p:extLst>
+  </p:cSld>
+  <p:clrMap bg1="lt1" tx1="dk1" bg2="lt2" tx2="dk2" accent1="accent1" accent2="accent2" accent3="accent3" accent4="accent4" accent5="accent5" accent6="accent6" hlink="hlink" folHlink="folHlink"/>
+  <p:notesStyle>
+    <a:lvl1pPr marL="0" algn="l" defTabSz="914400" rtl="0" eaLnBrk="1" latinLnBrk="0" hangingPunct="1">
+      <a:defRPr sz="1200" kern="1200">
+        <a:solidFill>
+          <a:schemeClr val="tx1"/>
+        </a:solidFill>
+        <a:latin typeface="+mn-lt"/>
+        <a:ea typeface="+mn-ea"/>
+        <a:cs typeface="+mn-cs"/>
+      </a:defRPr>
+    </a:lvl1pPr>
+    <a:lvl2pPr marL="457200" algn="l" defTabSz="914400" rtl="0" eaLnBrk="1" latinLnBrk="0" hangingPunct="1">
+      <a:defRPr sz="1200" kern="1200">
+        <a:solidFill>
+          <a:schemeClr val="tx1"/>
+        </a:solidFill>
+        <a:latin typeface="+mn-lt"/>
+        <a:ea typeface="+mn-ea"/>
+        <a:cs typeface="+mn-cs"/>
+      </a:defRPr>
+    </a:lvl2pPr>
+    <a:lvl3pPr marL="914400" algn="l" defTabSz="914400" rtl="0" eaLnBrk="1" latinLnBrk="0" hangingPunct="1">
+      <a:defRPr sz="1200" kern="1200">
+        <a:solidFill>
+          <a:schemeClr val="tx1"/>
+        </a:solidFill>
+        <a:latin typeface="+mn-lt"/>
+        <a:ea typeface="+mn-ea"/>
+        <a:cs typeface="+mn-cs"/>
+      </a:defRPr>
+    </a:lvl3pPr>
+    <a:lvl4pPr marL="1371600" algn="l" defTabSz="914400" rtl="0" eaLnBrk="1" latinLnBrk="0" hangingPunct="1">
+      <a:defRPr sz="1200" kern="1200">
+        <a:solidFill>
+          <a:schemeClr val="tx1"/>
+        </a:solidFill>
+        <a:latin typeface="+mn-lt"/>
+        <a:ea typeface="+mn-ea"/>
+        <a:cs typeface="+mn-cs"/>
+      </a:defRPr>
+    </a:lvl4pPr>
+    <a:lvl5pPr marL="1828800" algn="l" defTabSz="914400" rtl="0" eaLnBrk="1" latinLnBrk="0" hangingPunct="1">
+      <a:defRPr sz="1200" kern="1200">
+        <a:solidFill>
+          <a:schemeClr val="tx1"/>
+        </a:solidFill>
+        <a:latin typeface="+mn-lt"/>
+        <a:ea typeface="+mn-ea"/>
+        <a:cs typeface="+mn-cs"/>
+      </a:defRPr>
+    </a:lvl5pPr>
+    <a:lvl6pPr marL="2286000" algn="l" defTabSz="914400" rtl="0" eaLnBrk="1" latinLnBrk="0" hangingPunct="1">
+      <a:defRPr sz="1200" kern="1200">
+        <a:solidFill>
+          <a:schemeClr val="tx1"/>
+        </a:solidFill>
+        <a:latin typeface="+mn-lt"/>
+        <a:ea typeface="+mn-ea"/>
+        <a:cs typeface="+mn-cs"/>
+      </a:defRPr>
+    </a:lvl6pPr>
+    <a:lvl7pPr marL="2743200" algn="l" defTabSz="914400" rtl="0" eaLnBrk="1" latinLnBrk="0" hangingPunct="1">
+      <a:defRPr sz="1200" kern="1200">
+        <a:solidFill>
+          <a:schemeClr val="tx1"/>
+        </a:solidFill>
+        <a:latin typeface="+mn-lt"/>
+        <a:ea typeface="+mn-ea"/>
+        <a:cs typeface="+mn-cs"/>
+      </a:defRPr>
+    </a:lvl7pPr>
+    <a:lvl8pPr marL="3200400" algn="l" defTabSz="914400" rtl="0" eaLnBrk="1" latinLnBrk="0" hangingPunct="1">
+      <a:defRPr sz="1200" kern="1200">
+        <a:solidFill>
+          <a:schemeClr val="tx1"/>
+        </a:solidFill>
+        <a:latin typeface="+mn-lt"/>
+        <a:ea typeface="+mn-ea"/>
+        <a:cs typeface="+mn-cs"/>
+      </a:defRPr>
+    </a:lvl8pPr>
+    <a:lvl9pPr marL="3657600" algn="l" defTabSz="914400" rtl="0" eaLnBrk="1" latinLnBrk="0" hangingPunct="1">
+      <a:defRPr sz="1200" kern="1200">
+        <a:solidFill>
+          <a:schemeClr val="tx1"/>
+        </a:solidFill>
+        <a:latin typeface="+mn-lt"/>
+        <a:ea typeface="+mn-ea"/>
+        <a:cs typeface="+mn-cs"/>
+      </a:defRPr>
+    </a:lvl9pPr>
+  </p:notesStyle>
+</p:notesMaster>
+</file>
+
+<file path=ppt/notesSlides/notesSlide1.xml><?xml version="1.0" encoding="utf-8"?>
+<p:notes xmlns:a="http://schemas.openxmlformats.org/drawingml/2006/main" xmlns:r="http://schemas.openxmlformats.org/officeDocument/2006/relationships" xmlns:p="http://schemas.openxmlformats.org/presentationml/2006/main">
+  <p:cSld>
+    <p:spTree>
+      <p:nvGrpSpPr>
+        <p:cNvPr id="1" name=""/>
+        <p:cNvGrpSpPr/>
+        <p:nvPr/>
+      </p:nvGrpSpPr>
+      <p:grpSpPr>
+        <a:xfrm>
+          <a:off x="0" y="0"/>
+          <a:ext cx="0" cy="0"/>
+          <a:chOff x="0" y="0"/>
+          <a:chExt cx="0" cy="0"/>
+        </a:xfrm>
+      </p:grpSpPr>
+      <p:sp>
+        <p:nvSpPr>
+          <p:cNvPr id="2" name="Slide Image Placeholder 1"/>
+          <p:cNvSpPr>
+            <a:spLocks noGrp="1" noRot="1" noChangeAspect="1"/>
+          </p:cNvSpPr>
+          <p:nvPr>
+            <p:ph type="sldImg"/>
+          </p:nvPr>
+        </p:nvSpPr>
+        <p:spPr/>
+      </p:sp>
+      <p:sp>
+        <p:nvSpPr>
+          <p:cNvPr id="3" name="Notes Placeholder 2"/>
+          <p:cNvSpPr>
+            <a:spLocks noGrp="1"/>
+          </p:cNvSpPr>
+          <p:nvPr>
+            <p:ph type="body" idx="1"/>
+          </p:nvPr>
+        </p:nvSpPr>
+        <p:spPr/>
+        <p:txBody>
+          <a:bodyPr/>
+          <a:lstStyle/>
+          <a:p>
+            <a:r>
+              <a:rPr lang="en-US" dirty="0" smtClean="0"/>
+              <a:t>START OF AASHISH! (RISE OF CONCEPT)</a:t>
+            </a:r>
+            <a:endParaRPr lang="en-US" dirty="0"/>
+          </a:p>
+        </p:txBody>
+      </p:sp>
+      <p:sp>
+        <p:nvSpPr>
+          <p:cNvPr id="4" name="Slide Number Placeholder 3"/>
+          <p:cNvSpPr>
+            <a:spLocks noGrp="1"/>
+          </p:cNvSpPr>
+          <p:nvPr>
+            <p:ph type="sldNum" sz="quarter" idx="10"/>
+          </p:nvPr>
+        </p:nvSpPr>
+        <p:spPr/>
+        <p:txBody>
+          <a:bodyPr/>
+          <a:lstStyle/>
+          <a:p>
+            <a:fld id="{76E79186-0F7F-4415-A6CE-613EF7028156}" type="slidenum">
+              <a:rPr lang="en-US" smtClean="0"/>
+              <a:t>2</a:t>
+            </a:fld>
+            <a:endParaRPr lang="en-US"/>
+          </a:p>
+        </p:txBody>
+      </p:sp>
+    </p:spTree>
+    <p:extLst>
+      <p:ext uri="{BB962C8B-B14F-4D97-AF65-F5344CB8AC3E}">
+        <p14:creationId xmlns:p14="http://schemas.microsoft.com/office/powerpoint/2010/main" val="4002730355"/>
+      </p:ext>
+    </p:extLst>
+  </p:cSld>
+  <p:clrMapOvr>
+    <a:masterClrMapping/>
+  </p:clrMapOvr>
+</p:notes>
+</file>
+
+<file path=ppt/notesSlides/notesSlide2.xml><?xml version="1.0" encoding="utf-8"?>
+<p:notes xmlns:a="http://schemas.openxmlformats.org/drawingml/2006/main" xmlns:r="http://schemas.openxmlformats.org/officeDocument/2006/relationships" xmlns:p="http://schemas.openxmlformats.org/presentationml/2006/main">
+  <p:cSld>
+    <p:spTree>
+      <p:nvGrpSpPr>
+        <p:cNvPr id="1" name=""/>
+        <p:cNvGrpSpPr/>
+        <p:nvPr/>
+      </p:nvGrpSpPr>
+      <p:grpSpPr>
+        <a:xfrm>
+          <a:off x="0" y="0"/>
+          <a:ext cx="0" cy="0"/>
+          <a:chOff x="0" y="0"/>
+          <a:chExt cx="0" cy="0"/>
+        </a:xfrm>
+      </p:grpSpPr>
+      <p:sp>
+        <p:nvSpPr>
+          <p:cNvPr id="2" name="Slide Image Placeholder 1"/>
+          <p:cNvSpPr>
+            <a:spLocks noGrp="1" noRot="1" noChangeAspect="1"/>
+          </p:cNvSpPr>
+          <p:nvPr>
+            <p:ph type="sldImg"/>
+          </p:nvPr>
+        </p:nvSpPr>
+        <p:spPr/>
+      </p:sp>
+      <p:sp>
+        <p:nvSpPr>
+          <p:cNvPr id="3" name="Notes Placeholder 2"/>
+          <p:cNvSpPr>
+            <a:spLocks noGrp="1"/>
+          </p:cNvSpPr>
+          <p:nvPr>
+            <p:ph type="body" idx="1"/>
+          </p:nvPr>
+        </p:nvSpPr>
+        <p:spPr/>
+        <p:txBody>
+          <a:bodyPr/>
+          <a:lstStyle/>
+          <a:p>
+            <a:endParaRPr lang="en-US" dirty="0"/>
+          </a:p>
+        </p:txBody>
+      </p:sp>
+      <p:sp>
+        <p:nvSpPr>
+          <p:cNvPr id="4" name="Slide Number Placeholder 3"/>
+          <p:cNvSpPr>
+            <a:spLocks noGrp="1"/>
+          </p:cNvSpPr>
+          <p:nvPr>
+            <p:ph type="sldNum" sz="quarter" idx="10"/>
+          </p:nvPr>
+        </p:nvSpPr>
+        <p:spPr/>
+        <p:txBody>
+          <a:bodyPr/>
+          <a:lstStyle/>
+          <a:p>
+            <a:fld id="{76E79186-0F7F-4415-A6CE-613EF7028156}" type="slidenum">
+              <a:rPr lang="en-US" smtClean="0"/>
+              <a:t>3</a:t>
+            </a:fld>
+            <a:endParaRPr lang="en-US"/>
+          </a:p>
+        </p:txBody>
+      </p:sp>
+    </p:spTree>
+    <p:extLst>
+      <p:ext uri="{BB962C8B-B14F-4D97-AF65-F5344CB8AC3E}">
+        <p14:creationId xmlns:p14="http://schemas.microsoft.com/office/powerpoint/2010/main" val="2799486911"/>
+      </p:ext>
+    </p:extLst>
+  </p:cSld>
+  <p:clrMapOvr>
+    <a:masterClrMapping/>
+  </p:clrMapOvr>
+</p:notes>
 </file>
 
 <file path=ppt/slideLayouts/slideLayout1.xml><?xml version="1.0" encoding="utf-8"?>
@@ -238,7 +770,7 @@
           <a:p>
             <a:fld id="{EF60C9F4-19BA-40F2-B011-90CF0A2B4916}" type="datetimeFigureOut">
               <a:rPr lang="en-US" smtClean="0"/>
-              <a:t>19|12|5</a:t>
+              <a:t>19|12|6</a:t>
             </a:fld>
             <a:endParaRPr lang="en-US"/>
           </a:p>
@@ -408,7 +940,7 @@
           <a:p>
             <a:fld id="{EF60C9F4-19BA-40F2-B011-90CF0A2B4916}" type="datetimeFigureOut">
               <a:rPr lang="en-US" smtClean="0"/>
-              <a:t>19|12|5</a:t>
+              <a:t>19|12|6</a:t>
             </a:fld>
             <a:endParaRPr lang="en-US"/>
           </a:p>
@@ -588,7 +1120,7 @@
           <a:p>
             <a:fld id="{EF60C9F4-19BA-40F2-B011-90CF0A2B4916}" type="datetimeFigureOut">
               <a:rPr lang="en-US" smtClean="0"/>
-              <a:t>19|12|5</a:t>
+              <a:t>19|12|6</a:t>
             </a:fld>
             <a:endParaRPr lang="en-US"/>
           </a:p>
@@ -758,7 +1290,7 @@
           <a:p>
             <a:fld id="{EF60C9F4-19BA-40F2-B011-90CF0A2B4916}" type="datetimeFigureOut">
               <a:rPr lang="en-US" smtClean="0"/>
-              <a:t>19|12|5</a:t>
+              <a:t>19|12|6</a:t>
             </a:fld>
             <a:endParaRPr lang="en-US"/>
           </a:p>
@@ -1004,7 +1536,7 @@
           <a:p>
             <a:fld id="{EF60C9F4-19BA-40F2-B011-90CF0A2B4916}" type="datetimeFigureOut">
               <a:rPr lang="en-US" smtClean="0"/>
-              <a:t>19|12|5</a:t>
+              <a:t>19|12|6</a:t>
             </a:fld>
             <a:endParaRPr lang="en-US"/>
           </a:p>
@@ -1236,7 +1768,7 @@
           <a:p>
             <a:fld id="{EF60C9F4-19BA-40F2-B011-90CF0A2B4916}" type="datetimeFigureOut">
               <a:rPr lang="en-US" smtClean="0"/>
-              <a:t>19|12|5</a:t>
+              <a:t>19|12|6</a:t>
             </a:fld>
             <a:endParaRPr lang="en-US"/>
           </a:p>
@@ -1603,7 +2135,7 @@
           <a:p>
             <a:fld id="{EF60C9F4-19BA-40F2-B011-90CF0A2B4916}" type="datetimeFigureOut">
               <a:rPr lang="en-US" smtClean="0"/>
-              <a:t>19|12|5</a:t>
+              <a:t>19|12|6</a:t>
             </a:fld>
             <a:endParaRPr lang="en-US"/>
           </a:p>
@@ -1721,7 +2253,7 @@
           <a:p>
             <a:fld id="{EF60C9F4-19BA-40F2-B011-90CF0A2B4916}" type="datetimeFigureOut">
               <a:rPr lang="en-US" smtClean="0"/>
-              <a:t>19|12|5</a:t>
+              <a:t>19|12|6</a:t>
             </a:fld>
             <a:endParaRPr lang="en-US"/>
           </a:p>
@@ -1816,7 +2348,7 @@
           <a:p>
             <a:fld id="{EF60C9F4-19BA-40F2-B011-90CF0A2B4916}" type="datetimeFigureOut">
               <a:rPr lang="en-US" smtClean="0"/>
-              <a:t>19|12|5</a:t>
+              <a:t>19|12|6</a:t>
             </a:fld>
             <a:endParaRPr lang="en-US"/>
           </a:p>
@@ -2093,7 +2625,7 @@
           <a:p>
             <a:fld id="{EF60C9F4-19BA-40F2-B011-90CF0A2B4916}" type="datetimeFigureOut">
               <a:rPr lang="en-US" smtClean="0"/>
-              <a:t>19|12|5</a:t>
+              <a:t>19|12|6</a:t>
             </a:fld>
             <a:endParaRPr lang="en-US"/>
           </a:p>
@@ -2346,7 +2878,7 @@
           <a:p>
             <a:fld id="{EF60C9F4-19BA-40F2-B011-90CF0A2B4916}" type="datetimeFigureOut">
               <a:rPr lang="en-US" smtClean="0"/>
-              <a:t>19|12|5</a:t>
+              <a:t>19|12|6</a:t>
             </a:fld>
             <a:endParaRPr lang="en-US"/>
           </a:p>
@@ -2559,7 +3091,7 @@
           <a:p>
             <a:fld id="{EF60C9F4-19BA-40F2-B011-90CF0A2B4916}" type="datetimeFigureOut">
               <a:rPr lang="en-US" smtClean="0"/>
-              <a:t>19|12|5</a:t>
+              <a:t>19|12|6</a:t>
             </a:fld>
             <a:endParaRPr lang="en-US"/>
           </a:p>
@@ -3103,6 +3635,824 @@
   <p:clrMapOvr>
     <a:masterClrMapping/>
   </p:clrMapOvr>
+  <p:timing>
+    <p:tnLst>
+      <p:par>
+        <p:cTn id="1" dur="indefinite" restart="never" nodeType="tmRoot"/>
+      </p:par>
+    </p:tnLst>
+  </p:timing>
+</p:sld>
+</file>
+
+<file path=ppt/slides/slide2.xml><?xml version="1.0" encoding="utf-8"?>
+<p:sld xmlns:a="http://schemas.openxmlformats.org/drawingml/2006/main" xmlns:r="http://schemas.openxmlformats.org/officeDocument/2006/relationships" xmlns:p="http://schemas.openxmlformats.org/presentationml/2006/main">
+  <p:cSld>
+    <p:spTree>
+      <p:nvGrpSpPr>
+        <p:cNvPr id="1" name=""/>
+        <p:cNvGrpSpPr/>
+        <p:nvPr/>
+      </p:nvGrpSpPr>
+      <p:grpSpPr>
+        <a:xfrm>
+          <a:off x="0" y="0"/>
+          <a:ext cx="0" cy="0"/>
+          <a:chOff x="0" y="0"/>
+          <a:chExt cx="0" cy="0"/>
+        </a:xfrm>
+      </p:grpSpPr>
+      <p:sp>
+        <p:nvSpPr>
+          <p:cNvPr id="2" name="Title 1"/>
+          <p:cNvSpPr>
+            <a:spLocks noGrp="1"/>
+          </p:cNvSpPr>
+          <p:nvPr>
+            <p:ph type="title"/>
+          </p:nvPr>
+        </p:nvSpPr>
+        <p:spPr/>
+        <p:txBody>
+          <a:bodyPr/>
+          <a:lstStyle/>
+          <a:p>
+            <a:r>
+              <a:rPr lang="en-US" dirty="0" smtClean="0"/>
+              <a:t>Rise of Extreme Programming</a:t>
+            </a:r>
+            <a:endParaRPr lang="en-US" dirty="0"/>
+          </a:p>
+        </p:txBody>
+      </p:sp>
+      <p:sp>
+        <p:nvSpPr>
+          <p:cNvPr id="3" name="Content Placeholder 2"/>
+          <p:cNvSpPr>
+            <a:spLocks noGrp="1"/>
+          </p:cNvSpPr>
+          <p:nvPr>
+            <p:ph idx="1"/>
+          </p:nvPr>
+        </p:nvSpPr>
+        <p:spPr>
+          <a:xfrm>
+            <a:off x="838200" y="1825625"/>
+            <a:ext cx="10515600" cy="1054053"/>
+          </a:xfrm>
+        </p:spPr>
+        <p:txBody>
+          <a:bodyPr/>
+          <a:lstStyle/>
+          <a:p>
+            <a:r>
+              <a:rPr lang="en-US" dirty="0" smtClean="0"/>
+              <a:t>In 1990s, Object Oriented Programming replaced procedural programming.</a:t>
+            </a:r>
+            <a:endParaRPr lang="en-US" dirty="0"/>
+          </a:p>
+        </p:txBody>
+      </p:sp>
+      <p:pic>
+        <p:nvPicPr>
+          <p:cNvPr id="4" name="Picture 3"/>
+          <p:cNvPicPr>
+            <a:picLocks noChangeAspect="1"/>
+          </p:cNvPicPr>
+          <p:nvPr/>
+        </p:nvPicPr>
+        <p:blipFill>
+          <a:blip r:embed="rId3">
+            <a:extLst>
+              <a:ext uri="{28A0092B-C50C-407E-A947-70E740481C1C}">
+                <a14:useLocalDpi xmlns:a14="http://schemas.microsoft.com/office/drawing/2010/main" val="0"/>
+              </a:ext>
+            </a:extLst>
+          </a:blip>
+          <a:stretch>
+            <a:fillRect/>
+          </a:stretch>
+        </p:blipFill>
+        <p:spPr>
+          <a:xfrm>
+            <a:off x="2946517" y="3207225"/>
+            <a:ext cx="6298966" cy="2320119"/>
+          </a:xfrm>
+          <a:prstGeom prst="rect">
+            <a:avLst/>
+          </a:prstGeom>
+        </p:spPr>
+      </p:pic>
+    </p:spTree>
+    <p:extLst>
+      <p:ext uri="{BB962C8B-B14F-4D97-AF65-F5344CB8AC3E}">
+        <p14:creationId xmlns:p14="http://schemas.microsoft.com/office/powerpoint/2010/main" val="736929604"/>
+      </p:ext>
+    </p:extLst>
+  </p:cSld>
+  <p:clrMapOvr>
+    <a:masterClrMapping/>
+  </p:clrMapOvr>
+  <p:timing>
+    <p:tnLst>
+      <p:par>
+        <p:cTn id="1" dur="indefinite" restart="never" nodeType="tmRoot">
+          <p:childTnLst>
+            <p:seq concurrent="1" nextAc="seek">
+              <p:cTn id="2" dur="indefinite" nodeType="mainSeq">
+                <p:childTnLst>
+                  <p:par>
+                    <p:cTn id="3" fill="hold">
+                      <p:stCondLst>
+                        <p:cond delay="indefinite"/>
+                      </p:stCondLst>
+                      <p:childTnLst>
+                        <p:par>
+                          <p:cTn id="4" fill="hold">
+                            <p:stCondLst>
+                              <p:cond delay="0"/>
+                            </p:stCondLst>
+                            <p:childTnLst>
+                              <p:par>
+                                <p:cTn id="5" presetID="1" presetClass="entr" presetSubtype="0" fill="hold" nodeType="clickEffect">
+                                  <p:stCondLst>
+                                    <p:cond delay="0"/>
+                                  </p:stCondLst>
+                                  <p:childTnLst>
+                                    <p:set>
+                                      <p:cBhvr>
+                                        <p:cTn id="6" dur="1" fill="hold">
+                                          <p:stCondLst>
+                                            <p:cond delay="0"/>
+                                          </p:stCondLst>
+                                        </p:cTn>
+                                        <p:tgtEl>
+                                          <p:spTgt spid="4"/>
+                                        </p:tgtEl>
+                                        <p:attrNameLst>
+                                          <p:attrName>style.visibility</p:attrName>
+                                        </p:attrNameLst>
+                                      </p:cBhvr>
+                                      <p:to>
+                                        <p:strVal val="visible"/>
+                                      </p:to>
+                                    </p:set>
+                                  </p:childTnLst>
+                                </p:cTn>
+                              </p:par>
+                            </p:childTnLst>
+                          </p:cTn>
+                        </p:par>
+                      </p:childTnLst>
+                    </p:cTn>
+                  </p:par>
+                </p:childTnLst>
+              </p:cTn>
+              <p:prevCondLst>
+                <p:cond evt="onPrev" delay="0">
+                  <p:tgtEl>
+                    <p:sldTgt/>
+                  </p:tgtEl>
+                </p:cond>
+              </p:prevCondLst>
+              <p:nextCondLst>
+                <p:cond evt="onNext" delay="0">
+                  <p:tgtEl>
+                    <p:sldTgt/>
+                  </p:tgtEl>
+                </p:cond>
+              </p:nextCondLst>
+            </p:seq>
+          </p:childTnLst>
+        </p:cTn>
+      </p:par>
+    </p:tnLst>
+  </p:timing>
+</p:sld>
+</file>
+
+<file path=ppt/slides/slide3.xml><?xml version="1.0" encoding="utf-8"?>
+<p:sld xmlns:a="http://schemas.openxmlformats.org/drawingml/2006/main" xmlns:r="http://schemas.openxmlformats.org/officeDocument/2006/relationships" xmlns:p="http://schemas.openxmlformats.org/presentationml/2006/main">
+  <p:cSld>
+    <p:spTree>
+      <p:nvGrpSpPr>
+        <p:cNvPr id="1" name=""/>
+        <p:cNvGrpSpPr/>
+        <p:nvPr/>
+      </p:nvGrpSpPr>
+      <p:grpSpPr>
+        <a:xfrm>
+          <a:off x="0" y="0"/>
+          <a:ext cx="0" cy="0"/>
+          <a:chOff x="0" y="0"/>
+          <a:chExt cx="0" cy="0"/>
+        </a:xfrm>
+      </p:grpSpPr>
+      <p:sp>
+        <p:nvSpPr>
+          <p:cNvPr id="2" name="Title 1"/>
+          <p:cNvSpPr>
+            <a:spLocks noGrp="1"/>
+          </p:cNvSpPr>
+          <p:nvPr>
+            <p:ph type="title"/>
+          </p:nvPr>
+        </p:nvSpPr>
+        <p:spPr/>
+        <p:txBody>
+          <a:bodyPr/>
+          <a:lstStyle/>
+          <a:p>
+            <a:r>
+              <a:rPr lang="en-US" dirty="0" smtClean="0"/>
+              <a:t>Rise of Extreme Programming</a:t>
+            </a:r>
+            <a:endParaRPr lang="en-US" dirty="0"/>
+          </a:p>
+        </p:txBody>
+      </p:sp>
+      <p:sp>
+        <p:nvSpPr>
+          <p:cNvPr id="3" name="Content Placeholder 2"/>
+          <p:cNvSpPr>
+            <a:spLocks noGrp="1"/>
+          </p:cNvSpPr>
+          <p:nvPr>
+            <p:ph idx="1"/>
+          </p:nvPr>
+        </p:nvSpPr>
+        <p:spPr>
+          <a:xfrm>
+            <a:off x="838200" y="1825625"/>
+            <a:ext cx="10515600" cy="1054053"/>
+          </a:xfrm>
+        </p:spPr>
+        <p:txBody>
+          <a:bodyPr/>
+          <a:lstStyle/>
+          <a:p>
+            <a:r>
+              <a:rPr lang="en-US" dirty="0" smtClean="0"/>
+              <a:t>Internet changed the business requirement to rapidly changing.</a:t>
+            </a:r>
+            <a:endParaRPr lang="en-US" dirty="0"/>
+          </a:p>
+        </p:txBody>
+      </p:sp>
+      <p:grpSp>
+        <p:nvGrpSpPr>
+          <p:cNvPr id="17" name="Group 16"/>
+          <p:cNvGrpSpPr/>
+          <p:nvPr/>
+        </p:nvGrpSpPr>
+        <p:grpSpPr>
+          <a:xfrm>
+            <a:off x="436730" y="2879678"/>
+            <a:ext cx="10887070" cy="2975212"/>
+            <a:chOff x="436730" y="2879678"/>
+            <a:chExt cx="10887070" cy="2975212"/>
+          </a:xfrm>
+        </p:grpSpPr>
+        <p:sp>
+          <p:nvSpPr>
+            <p:cNvPr id="5" name="Explosion 1 4"/>
+            <p:cNvSpPr/>
+            <p:nvPr/>
+          </p:nvSpPr>
+          <p:spPr>
+            <a:xfrm>
+              <a:off x="436730" y="2879678"/>
+              <a:ext cx="2879678" cy="2975212"/>
+            </a:xfrm>
+            <a:prstGeom prst="irregularSeal1">
+              <a:avLst/>
+            </a:prstGeom>
+          </p:spPr>
+          <p:style>
+            <a:lnRef idx="2">
+              <a:schemeClr val="accent1">
+                <a:shade val="50000"/>
+              </a:schemeClr>
+            </a:lnRef>
+            <a:fillRef idx="1">
+              <a:schemeClr val="accent1"/>
+            </a:fillRef>
+            <a:effectRef idx="0">
+              <a:schemeClr val="accent1"/>
+            </a:effectRef>
+            <a:fontRef idx="minor">
+              <a:schemeClr val="lt1"/>
+            </a:fontRef>
+          </p:style>
+          <p:txBody>
+            <a:bodyPr rtlCol="0" anchor="ctr"/>
+            <a:lstStyle/>
+            <a:p>
+              <a:pPr algn="ctr"/>
+              <a:r>
+                <a:rPr lang="en-US" dirty="0" smtClean="0"/>
+                <a:t>Dot Com Bubble</a:t>
+              </a:r>
+              <a:endParaRPr lang="en-US" dirty="0"/>
+            </a:p>
+          </p:txBody>
+        </p:sp>
+        <p:cxnSp>
+          <p:nvCxnSpPr>
+            <p:cNvPr id="8" name="Straight Arrow Connector 7"/>
+            <p:cNvCxnSpPr/>
+            <p:nvPr/>
+          </p:nvCxnSpPr>
+          <p:spPr>
+            <a:xfrm>
+              <a:off x="3658739" y="4341766"/>
+              <a:ext cx="1372737" cy="17012"/>
+            </a:xfrm>
+            <a:prstGeom prst="straightConnector1">
+              <a:avLst/>
+            </a:prstGeom>
+            <a:ln>
+              <a:tailEnd type="triangle"/>
+            </a:ln>
+          </p:spPr>
+          <p:style>
+            <a:lnRef idx="1">
+              <a:schemeClr val="accent1"/>
+            </a:lnRef>
+            <a:fillRef idx="0">
+              <a:schemeClr val="accent1"/>
+            </a:fillRef>
+            <a:effectRef idx="0">
+              <a:schemeClr val="accent1"/>
+            </a:effectRef>
+            <a:fontRef idx="minor">
+              <a:schemeClr val="tx1"/>
+            </a:fontRef>
+          </p:style>
+        </p:cxnSp>
+        <p:sp>
+          <p:nvSpPr>
+            <p:cNvPr id="10" name="TextBox 9"/>
+            <p:cNvSpPr txBox="1"/>
+            <p:nvPr/>
+          </p:nvSpPr>
+          <p:spPr>
+            <a:xfrm>
+              <a:off x="5222544" y="4088662"/>
+              <a:ext cx="2619628" cy="523220"/>
+            </a:xfrm>
+            <a:prstGeom prst="rect">
+              <a:avLst/>
+            </a:prstGeom>
+            <a:noFill/>
+          </p:spPr>
+          <p:txBody>
+            <a:bodyPr wrap="none" rtlCol="0">
+              <a:spAutoFit/>
+            </a:bodyPr>
+            <a:lstStyle/>
+            <a:p>
+              <a:r>
+                <a:rPr lang="en-US" sz="2800" dirty="0" smtClean="0"/>
+                <a:t>↑ Internet rose</a:t>
+              </a:r>
+              <a:endParaRPr lang="en-US" dirty="0"/>
+            </a:p>
+          </p:txBody>
+        </p:sp>
+        <p:cxnSp>
+          <p:nvCxnSpPr>
+            <p:cNvPr id="11" name="Straight Arrow Connector 10"/>
+            <p:cNvCxnSpPr/>
+            <p:nvPr/>
+          </p:nvCxnSpPr>
+          <p:spPr>
+            <a:xfrm>
+              <a:off x="8033240" y="4352050"/>
+              <a:ext cx="1372737" cy="17012"/>
+            </a:xfrm>
+            <a:prstGeom prst="straightConnector1">
+              <a:avLst/>
+            </a:prstGeom>
+            <a:ln>
+              <a:tailEnd type="triangle"/>
+            </a:ln>
+          </p:spPr>
+          <p:style>
+            <a:lnRef idx="1">
+              <a:schemeClr val="accent1"/>
+            </a:lnRef>
+            <a:fillRef idx="0">
+              <a:schemeClr val="accent1"/>
+            </a:fillRef>
+            <a:effectRef idx="0">
+              <a:schemeClr val="accent1"/>
+            </a:effectRef>
+            <a:fontRef idx="minor">
+              <a:schemeClr val="tx1"/>
+            </a:fontRef>
+          </p:style>
+        </p:cxnSp>
+        <p:sp>
+          <p:nvSpPr>
+            <p:cNvPr id="12" name="TextBox 11"/>
+            <p:cNvSpPr txBox="1"/>
+            <p:nvPr/>
+          </p:nvSpPr>
+          <p:spPr>
+            <a:xfrm>
+              <a:off x="9597045" y="4080156"/>
+              <a:ext cx="1726755" cy="646331"/>
+            </a:xfrm>
+            <a:prstGeom prst="rect">
+              <a:avLst/>
+            </a:prstGeom>
+            <a:noFill/>
+          </p:spPr>
+          <p:txBody>
+            <a:bodyPr wrap="none" rtlCol="0">
+              <a:spAutoFit/>
+            </a:bodyPr>
+            <a:lstStyle/>
+            <a:p>
+              <a:r>
+                <a:rPr lang="en-US" dirty="0" smtClean="0"/>
+                <a:t>Development</a:t>
+              </a:r>
+            </a:p>
+            <a:p>
+              <a:pPr algn="ctr"/>
+              <a:r>
+                <a:rPr lang="en-US" dirty="0" smtClean="0"/>
+                <a:t>Time </a:t>
+              </a:r>
+              <a:r>
+                <a:rPr lang="en-US" dirty="0"/>
+                <a:t>↓</a:t>
+              </a:r>
+              <a:endParaRPr lang="en-US" dirty="0"/>
+            </a:p>
+          </p:txBody>
+        </p:sp>
+      </p:grpSp>
+      <p:sp>
+        <p:nvSpPr>
+          <p:cNvPr id="18" name="Rectangle 17"/>
+          <p:cNvSpPr/>
+          <p:nvPr/>
+        </p:nvSpPr>
+        <p:spPr>
+          <a:xfrm>
+            <a:off x="3038460" y="2610292"/>
+            <a:ext cx="6115080" cy="1323439"/>
+          </a:xfrm>
+          <a:prstGeom prst="rect">
+            <a:avLst/>
+          </a:prstGeom>
+          <a:noFill/>
+        </p:spPr>
+        <p:txBody>
+          <a:bodyPr wrap="square" lIns="91440" tIns="45720" rIns="91440" bIns="45720">
+            <a:spAutoFit/>
+          </a:bodyPr>
+          <a:lstStyle/>
+          <a:p>
+            <a:pPr algn="ctr"/>
+            <a:r>
+              <a:rPr lang="en-US" sz="8000" b="1" cap="none" spc="0" dirty="0" smtClean="0">
+                <a:ln w="10160">
+                  <a:solidFill>
+                    <a:schemeClr val="accent5"/>
+                  </a:solidFill>
+                  <a:prstDash val="solid"/>
+                </a:ln>
+                <a:solidFill>
+                  <a:srgbClr val="FFFFFF"/>
+                </a:solidFill>
+                <a:effectLst>
+                  <a:outerShdw blurRad="38100" dist="22860" dir="5400000" algn="tl" rotWithShape="0">
+                    <a:srgbClr val="000000">
+                      <a:alpha val="30000"/>
+                    </a:srgbClr>
+                  </a:outerShdw>
+                </a:effectLst>
+              </a:rPr>
+              <a:t>KENT BECK</a:t>
+            </a:r>
+            <a:endParaRPr lang="en-US" sz="8000" b="1" cap="none" spc="0" dirty="0">
+              <a:ln w="10160">
+                <a:solidFill>
+                  <a:schemeClr val="accent5"/>
+                </a:solidFill>
+                <a:prstDash val="solid"/>
+              </a:ln>
+              <a:solidFill>
+                <a:srgbClr val="FFFFFF"/>
+              </a:solidFill>
+              <a:effectLst>
+                <a:outerShdw blurRad="38100" dist="22860" dir="5400000" algn="tl" rotWithShape="0">
+                  <a:srgbClr val="000000">
+                    <a:alpha val="30000"/>
+                  </a:srgbClr>
+                </a:outerShdw>
+              </a:effectLst>
+            </a:endParaRPr>
+          </a:p>
+        </p:txBody>
+      </p:sp>
+    </p:spTree>
+    <p:extLst>
+      <p:ext uri="{BB962C8B-B14F-4D97-AF65-F5344CB8AC3E}">
+        <p14:creationId xmlns:p14="http://schemas.microsoft.com/office/powerpoint/2010/main" val="166721128"/>
+      </p:ext>
+    </p:extLst>
+  </p:cSld>
+  <p:clrMapOvr>
+    <a:masterClrMapping/>
+  </p:clrMapOvr>
+  <p:timing>
+    <p:tnLst>
+      <p:par>
+        <p:cTn id="1" dur="indefinite" restart="never" nodeType="tmRoot">
+          <p:childTnLst>
+            <p:seq concurrent="1" nextAc="seek">
+              <p:cTn id="2" dur="indefinite" nodeType="mainSeq">
+                <p:childTnLst>
+                  <p:par>
+                    <p:cTn id="3" fill="hold">
+                      <p:stCondLst>
+                        <p:cond delay="indefinite"/>
+                      </p:stCondLst>
+                      <p:childTnLst>
+                        <p:par>
+                          <p:cTn id="4" fill="hold">
+                            <p:stCondLst>
+                              <p:cond delay="0"/>
+                            </p:stCondLst>
+                            <p:childTnLst>
+                              <p:par>
+                                <p:cTn id="5" presetID="1" presetClass="entr" presetSubtype="0" fill="hold" nodeType="clickEffect">
+                                  <p:stCondLst>
+                                    <p:cond delay="0"/>
+                                  </p:stCondLst>
+                                  <p:childTnLst>
+                                    <p:set>
+                                      <p:cBhvr>
+                                        <p:cTn id="6" dur="1" fill="hold">
+                                          <p:stCondLst>
+                                            <p:cond delay="0"/>
+                                          </p:stCondLst>
+                                        </p:cTn>
+                                        <p:tgtEl>
+                                          <p:spTgt spid="17"/>
+                                        </p:tgtEl>
+                                        <p:attrNameLst>
+                                          <p:attrName>style.visibility</p:attrName>
+                                        </p:attrNameLst>
+                                      </p:cBhvr>
+                                      <p:to>
+                                        <p:strVal val="visible"/>
+                                      </p:to>
+                                    </p:set>
+                                  </p:childTnLst>
+                                </p:cTn>
+                              </p:par>
+                            </p:childTnLst>
+                          </p:cTn>
+                        </p:par>
+                      </p:childTnLst>
+                    </p:cTn>
+                  </p:par>
+                  <p:par>
+                    <p:cTn id="7" fill="hold">
+                      <p:stCondLst>
+                        <p:cond delay="indefinite"/>
+                      </p:stCondLst>
+                      <p:childTnLst>
+                        <p:par>
+                          <p:cTn id="8" fill="hold">
+                            <p:stCondLst>
+                              <p:cond delay="0"/>
+                            </p:stCondLst>
+                            <p:childTnLst>
+                              <p:par>
+                                <p:cTn id="9" presetID="10" presetClass="exit" presetSubtype="0" fill="hold" nodeType="clickEffect">
+                                  <p:stCondLst>
+                                    <p:cond delay="0"/>
+                                  </p:stCondLst>
+                                  <p:childTnLst>
+                                    <p:animEffect transition="out" filter="fade">
+                                      <p:cBhvr>
+                                        <p:cTn id="10" dur="500"/>
+                                        <p:tgtEl>
+                                          <p:spTgt spid="17"/>
+                                        </p:tgtEl>
+                                      </p:cBhvr>
+                                    </p:animEffect>
+                                    <p:set>
+                                      <p:cBhvr>
+                                        <p:cTn id="11" dur="1" fill="hold">
+                                          <p:stCondLst>
+                                            <p:cond delay="499"/>
+                                          </p:stCondLst>
+                                        </p:cTn>
+                                        <p:tgtEl>
+                                          <p:spTgt spid="17"/>
+                                        </p:tgtEl>
+                                        <p:attrNameLst>
+                                          <p:attrName>style.visibility</p:attrName>
+                                        </p:attrNameLst>
+                                      </p:cBhvr>
+                                      <p:to>
+                                        <p:strVal val="hidden"/>
+                                      </p:to>
+                                    </p:set>
+                                  </p:childTnLst>
+                                </p:cTn>
+                              </p:par>
+                              <p:par>
+                                <p:cTn id="12" presetID="10" presetClass="exit" presetSubtype="0" fill="hold" grpId="0" nodeType="withEffect">
+                                  <p:stCondLst>
+                                    <p:cond delay="0"/>
+                                  </p:stCondLst>
+                                  <p:childTnLst>
+                                    <p:animEffect transition="out" filter="fade">
+                                      <p:cBhvr>
+                                        <p:cTn id="13" dur="500"/>
+                                        <p:tgtEl>
+                                          <p:spTgt spid="3">
+                                            <p:txEl>
+                                              <p:pRg st="0" end="0"/>
+                                            </p:txEl>
+                                          </p:spTgt>
+                                        </p:tgtEl>
+                                      </p:cBhvr>
+                                    </p:animEffect>
+                                    <p:set>
+                                      <p:cBhvr>
+                                        <p:cTn id="14" dur="1" fill="hold">
+                                          <p:stCondLst>
+                                            <p:cond delay="499"/>
+                                          </p:stCondLst>
+                                        </p:cTn>
+                                        <p:tgtEl>
+                                          <p:spTgt spid="3">
+                                            <p:txEl>
+                                              <p:pRg st="0" end="0"/>
+                                            </p:txEl>
+                                          </p:spTgt>
+                                        </p:tgtEl>
+                                        <p:attrNameLst>
+                                          <p:attrName>style.visibility</p:attrName>
+                                        </p:attrNameLst>
+                                      </p:cBhvr>
+                                      <p:to>
+                                        <p:strVal val="hidden"/>
+                                      </p:to>
+                                    </p:set>
+                                  </p:childTnLst>
+                                </p:cTn>
+                              </p:par>
+                              <p:par>
+                                <p:cTn id="15" presetID="37" presetClass="entr" presetSubtype="0" fill="hold" grpId="0" nodeType="withEffect">
+                                  <p:stCondLst>
+                                    <p:cond delay="0"/>
+                                  </p:stCondLst>
+                                  <p:childTnLst>
+                                    <p:set>
+                                      <p:cBhvr>
+                                        <p:cTn id="16" dur="1" fill="hold">
+                                          <p:stCondLst>
+                                            <p:cond delay="0"/>
+                                          </p:stCondLst>
+                                        </p:cTn>
+                                        <p:tgtEl>
+                                          <p:spTgt spid="18"/>
+                                        </p:tgtEl>
+                                        <p:attrNameLst>
+                                          <p:attrName>style.visibility</p:attrName>
+                                        </p:attrNameLst>
+                                      </p:cBhvr>
+                                      <p:to>
+                                        <p:strVal val="visible"/>
+                                      </p:to>
+                                    </p:set>
+                                    <p:animEffect transition="in" filter="fade">
+                                      <p:cBhvr>
+                                        <p:cTn id="17" dur="1000"/>
+                                        <p:tgtEl>
+                                          <p:spTgt spid="18"/>
+                                        </p:tgtEl>
+                                      </p:cBhvr>
+                                    </p:animEffect>
+                                    <p:anim calcmode="lin" valueType="num">
+                                      <p:cBhvr>
+                                        <p:cTn id="18" dur="1000" fill="hold"/>
+                                        <p:tgtEl>
+                                          <p:spTgt spid="18"/>
+                                        </p:tgtEl>
+                                        <p:attrNameLst>
+                                          <p:attrName>ppt_x</p:attrName>
+                                        </p:attrNameLst>
+                                      </p:cBhvr>
+                                      <p:tavLst>
+                                        <p:tav tm="0">
+                                          <p:val>
+                                            <p:strVal val="#ppt_x"/>
+                                          </p:val>
+                                        </p:tav>
+                                        <p:tav tm="100000">
+                                          <p:val>
+                                            <p:strVal val="#ppt_x"/>
+                                          </p:val>
+                                        </p:tav>
+                                      </p:tavLst>
+                                    </p:anim>
+                                    <p:anim calcmode="lin" valueType="num">
+                                      <p:cBhvr>
+                                        <p:cTn id="19" dur="900" decel="100000" fill="hold"/>
+                                        <p:tgtEl>
+                                          <p:spTgt spid="18"/>
+                                        </p:tgtEl>
+                                        <p:attrNameLst>
+                                          <p:attrName>ppt_y</p:attrName>
+                                        </p:attrNameLst>
+                                      </p:cBhvr>
+                                      <p:tavLst>
+                                        <p:tav tm="0">
+                                          <p:val>
+                                            <p:strVal val="#ppt_y+1"/>
+                                          </p:val>
+                                        </p:tav>
+                                        <p:tav tm="100000">
+                                          <p:val>
+                                            <p:strVal val="#ppt_y-.03"/>
+                                          </p:val>
+                                        </p:tav>
+                                      </p:tavLst>
+                                    </p:anim>
+                                    <p:anim calcmode="lin" valueType="num">
+                                      <p:cBhvr>
+                                        <p:cTn id="20" dur="100" accel="100000" fill="hold">
+                                          <p:stCondLst>
+                                            <p:cond delay="900"/>
+                                          </p:stCondLst>
+                                        </p:cTn>
+                                        <p:tgtEl>
+                                          <p:spTgt spid="18"/>
+                                        </p:tgtEl>
+                                        <p:attrNameLst>
+                                          <p:attrName>ppt_y</p:attrName>
+                                        </p:attrNameLst>
+                                      </p:cBhvr>
+                                      <p:tavLst>
+                                        <p:tav tm="0">
+                                          <p:val>
+                                            <p:strVal val="#ppt_y-.03"/>
+                                          </p:val>
+                                        </p:tav>
+                                        <p:tav tm="100000">
+                                          <p:val>
+                                            <p:strVal val="#ppt_y"/>
+                                          </p:val>
+                                        </p:tav>
+                                      </p:tavLst>
+                                    </p:anim>
+                                  </p:childTnLst>
+                                </p:cTn>
+                              </p:par>
+                            </p:childTnLst>
+                          </p:cTn>
+                        </p:par>
+                      </p:childTnLst>
+                    </p:cTn>
+                  </p:par>
+                </p:childTnLst>
+              </p:cTn>
+              <p:prevCondLst>
+                <p:cond evt="onPrev" delay="0">
+                  <p:tgtEl>
+                    <p:sldTgt/>
+                  </p:tgtEl>
+                </p:cond>
+              </p:prevCondLst>
+              <p:nextCondLst>
+                <p:cond evt="onNext" delay="0">
+                  <p:tgtEl>
+                    <p:sldTgt/>
+                  </p:tgtEl>
+                </p:cond>
+              </p:nextCondLst>
+            </p:seq>
+          </p:childTnLst>
+        </p:cTn>
+      </p:par>
+    </p:tnLst>
+    <p:bldLst>
+      <p:bldP spid="3" grpId="0" build="p"/>
+      <p:bldP spid="18" grpId="0"/>
+    </p:bldLst>
+  </p:timing>
 </p:sld>
 </file>
 
@@ -3365,4 +4715,265 @@
     </a:ext>
   </a:extLst>
 </a:theme>
+</file>
+
+<file path=ppt/theme/theme2.xml><?xml version="1.0" encoding="utf-8"?>
+<a:theme xmlns:a="http://schemas.openxmlformats.org/drawingml/2006/main" name="Office Theme">
+  <a:themeElements>
+    <a:clrScheme name="Office">
+      <a:dk1>
+        <a:sysClr val="windowText" lastClr="000000"/>
+      </a:dk1>
+      <a:lt1>
+        <a:sysClr val="window" lastClr="FFFFFF"/>
+      </a:lt1>
+      <a:dk2>
+        <a:srgbClr val="44546A"/>
+      </a:dk2>
+      <a:lt2>
+        <a:srgbClr val="E7E6E6"/>
+      </a:lt2>
+      <a:accent1>
+        <a:srgbClr val="5B9BD5"/>
+      </a:accent1>
+      <a:accent2>
+        <a:srgbClr val="ED7D31"/>
+      </a:accent2>
+      <a:accent3>
+        <a:srgbClr val="A5A5A5"/>
+      </a:accent3>
+      <a:accent4>
+        <a:srgbClr val="FFC000"/>
+      </a:accent4>
+      <a:accent5>
+        <a:srgbClr val="4472C4"/>
+      </a:accent5>
+      <a:accent6>
+        <a:srgbClr val="70AD47"/>
+      </a:accent6>
+      <a:hlink>
+        <a:srgbClr val="0563C1"/>
+      </a:hlink>
+      <a:folHlink>
+        <a:srgbClr val="954F72"/>
+      </a:folHlink>
+    </a:clrScheme>
+    <a:fontScheme name="Office">
+      <a:majorFont>
+        <a:latin typeface="Calibri Light" panose="020F0302020204030204"/>
+        <a:ea typeface=""/>
+        <a:cs typeface=""/>
+        <a:font script="Jpan" typeface="ＭＳ Ｐゴシック"/>
+        <a:font script="Hang" typeface="맑은 고딕"/>
+        <a:font script="Hans" typeface="宋体"/>
+        <a:font script="Hant" typeface="新細明體"/>
+        <a:font script="Arab" typeface="Times New Roman"/>
+        <a:font script="Hebr" typeface="Times New Roman"/>
+        <a:font script="Thai" typeface="Angsana New"/>
+        <a:font script="Ethi" typeface="Nyala"/>
+        <a:font script="Beng" typeface="Vrinda"/>
+        <a:font script="Gujr" typeface="Shruti"/>
+        <a:font script="Khmr" typeface="MoolBoran"/>
+        <a:font script="Knda" typeface="Tunga"/>
+        <a:font script="Guru" typeface="Raavi"/>
+        <a:font script="Cans" typeface="Euphemia"/>
+        <a:font script="Cher" typeface="Plantagenet Cherokee"/>
+        <a:font script="Yiii" typeface="Microsoft Yi Baiti"/>
+        <a:font script="Tibt" typeface="Microsoft Himalaya"/>
+        <a:font script="Thaa" typeface="MV Boli"/>
+        <a:font script="Deva" typeface="Mangal"/>
+        <a:font script="Telu" typeface="Gautami"/>
+        <a:font script="Taml" typeface="Latha"/>
+        <a:font script="Syrc" typeface="Estrangelo Edessa"/>
+        <a:font script="Orya" typeface="Kalinga"/>
+        <a:font script="Mlym" typeface="Kartika"/>
+        <a:font script="Laoo" typeface="DokChampa"/>
+        <a:font script="Sinh" typeface="Iskoola Pota"/>
+        <a:font script="Mong" typeface="Mongolian Baiti"/>
+        <a:font script="Viet" typeface="Times New Roman"/>
+        <a:font script="Uigh" typeface="Microsoft Uighur"/>
+        <a:font script="Geor" typeface="Sylfaen"/>
+      </a:majorFont>
+      <a:minorFont>
+        <a:latin typeface="Calibri" panose="020F0502020204030204"/>
+        <a:ea typeface=""/>
+        <a:cs typeface=""/>
+        <a:font script="Jpan" typeface="ＭＳ Ｐゴシック"/>
+        <a:font script="Hang" typeface="맑은 고딕"/>
+        <a:font script="Hans" typeface="宋体"/>
+        <a:font script="Hant" typeface="新細明體"/>
+        <a:font script="Arab" typeface="Arial"/>
+        <a:font script="Hebr" typeface="Arial"/>
+        <a:font script="Thai" typeface="Cordia New"/>
+        <a:font script="Ethi" typeface="Nyala"/>
+        <a:font script="Beng" typeface="Vrinda"/>
+        <a:font script="Gujr" typeface="Shruti"/>
+        <a:font script="Khmr" typeface="DaunPenh"/>
+        <a:font script="Knda" typeface="Tunga"/>
+        <a:font script="Guru" typeface="Raavi"/>
+        <a:font script="Cans" typeface="Euphemia"/>
+        <a:font script="Cher" typeface="Plantagenet Cherokee"/>
+        <a:font script="Yiii" typeface="Microsoft Yi Baiti"/>
+        <a:font script="Tibt" typeface="Microsoft Himalaya"/>
+        <a:font script="Thaa" typeface="MV Boli"/>
+        <a:font script="Deva" typeface="Mangal"/>
+        <a:font script="Telu" typeface="Gautami"/>
+        <a:font script="Taml" typeface="Latha"/>
+        <a:font script="Syrc" typeface="Estrangelo Edessa"/>
+        <a:font script="Orya" typeface="Kalinga"/>
+        <a:font script="Mlym" typeface="Kartika"/>
+        <a:font script="Laoo" typeface="DokChampa"/>
+        <a:font script="Sinh" typeface="Iskoola Pota"/>
+        <a:font script="Mong" typeface="Mongolian Baiti"/>
+        <a:font script="Viet" typeface="Arial"/>
+        <a:font script="Uigh" typeface="Microsoft Uighur"/>
+        <a:font script="Geor" typeface="Sylfaen"/>
+      </a:minorFont>
+    </a:fontScheme>
+    <a:fmtScheme name="Office">
+      <a:fillStyleLst>
+        <a:solidFill>
+          <a:schemeClr val="phClr"/>
+        </a:solidFill>
+        <a:gradFill rotWithShape="1">
+          <a:gsLst>
+            <a:gs pos="0">
+              <a:schemeClr val="phClr">
+                <a:lumMod val="110000"/>
+                <a:satMod val="105000"/>
+                <a:tint val="67000"/>
+              </a:schemeClr>
+            </a:gs>
+            <a:gs pos="50000">
+              <a:schemeClr val="phClr">
+                <a:lumMod val="105000"/>
+                <a:satMod val="103000"/>
+                <a:tint val="73000"/>
+              </a:schemeClr>
+            </a:gs>
+            <a:gs pos="100000">
+              <a:schemeClr val="phClr">
+                <a:lumMod val="105000"/>
+                <a:satMod val="109000"/>
+                <a:tint val="81000"/>
+              </a:schemeClr>
+            </a:gs>
+          </a:gsLst>
+          <a:lin ang="5400000" scaled="0"/>
+        </a:gradFill>
+        <a:gradFill rotWithShape="1">
+          <a:gsLst>
+            <a:gs pos="0">
+              <a:schemeClr val="phClr">
+                <a:satMod val="103000"/>
+                <a:lumMod val="102000"/>
+                <a:tint val="94000"/>
+              </a:schemeClr>
+            </a:gs>
+            <a:gs pos="50000">
+              <a:schemeClr val="phClr">
+                <a:satMod val="110000"/>
+                <a:lumMod val="100000"/>
+                <a:shade val="100000"/>
+              </a:schemeClr>
+            </a:gs>
+            <a:gs pos="100000">
+              <a:schemeClr val="phClr">
+                <a:lumMod val="99000"/>
+                <a:satMod val="120000"/>
+                <a:shade val="78000"/>
+              </a:schemeClr>
+            </a:gs>
+          </a:gsLst>
+          <a:lin ang="5400000" scaled="0"/>
+        </a:gradFill>
+      </a:fillStyleLst>
+      <a:lnStyleLst>
+        <a:ln w="6350" cap="flat" cmpd="sng" algn="ctr">
+          <a:solidFill>
+            <a:schemeClr val="phClr"/>
+          </a:solidFill>
+          <a:prstDash val="solid"/>
+          <a:miter lim="800000"/>
+        </a:ln>
+        <a:ln w="12700" cap="flat" cmpd="sng" algn="ctr">
+          <a:solidFill>
+            <a:schemeClr val="phClr"/>
+          </a:solidFill>
+          <a:prstDash val="solid"/>
+          <a:miter lim="800000"/>
+        </a:ln>
+        <a:ln w="19050" cap="flat" cmpd="sng" algn="ctr">
+          <a:solidFill>
+            <a:schemeClr val="phClr"/>
+          </a:solidFill>
+          <a:prstDash val="solid"/>
+          <a:miter lim="800000"/>
+        </a:ln>
+      </a:lnStyleLst>
+      <a:effectStyleLst>
+        <a:effectStyle>
+          <a:effectLst/>
+        </a:effectStyle>
+        <a:effectStyle>
+          <a:effectLst/>
+        </a:effectStyle>
+        <a:effectStyle>
+          <a:effectLst>
+            <a:outerShdw blurRad="57150" dist="19050" dir="5400000" algn="ctr" rotWithShape="0">
+              <a:srgbClr val="000000">
+                <a:alpha val="63000"/>
+              </a:srgbClr>
+            </a:outerShdw>
+          </a:effectLst>
+        </a:effectStyle>
+      </a:effectStyleLst>
+      <a:bgFillStyleLst>
+        <a:solidFill>
+          <a:schemeClr val="phClr"/>
+        </a:solidFill>
+        <a:solidFill>
+          <a:schemeClr val="phClr">
+            <a:tint val="95000"/>
+            <a:satMod val="170000"/>
+          </a:schemeClr>
+        </a:solidFill>
+        <a:gradFill rotWithShape="1">
+          <a:gsLst>
+            <a:gs pos="0">
+              <a:schemeClr val="phClr">
+                <a:tint val="93000"/>
+                <a:satMod val="150000"/>
+                <a:shade val="98000"/>
+                <a:lumMod val="102000"/>
+              </a:schemeClr>
+            </a:gs>
+            <a:gs pos="50000">
+              <a:schemeClr val="phClr">
+                <a:tint val="98000"/>
+                <a:satMod val="130000"/>
+                <a:shade val="90000"/>
+                <a:lumMod val="103000"/>
+              </a:schemeClr>
+            </a:gs>
+            <a:gs pos="100000">
+              <a:schemeClr val="phClr">
+                <a:shade val="63000"/>
+                <a:satMod val="120000"/>
+              </a:schemeClr>
+            </a:gs>
+          </a:gsLst>
+          <a:lin ang="5400000" scaled="0"/>
+        </a:gradFill>
+      </a:bgFillStyleLst>
+    </a:fmtScheme>
+  </a:themeElements>
+  <a:objectDefaults/>
+  <a:extraClrSchemeLst/>
+  <a:extLst>
+    <a:ext uri="{05A4C25C-085E-4340-85A3-A5531E510DB2}">
+      <thm15:themeFamily xmlns:thm15="http://schemas.microsoft.com/office/thememl/2012/main" name="Office Theme" id="{62F939B6-93AF-4DB8-9C6B-D6C7DFDC589F}" vid="{4A3C46E8-61CC-4603-A589-7422A47A8E4A}"/>
+    </a:ext>
+  </a:extLst>
+</a:theme>
 </file>
--- a/extreme_programming.pptx
+++ b/extreme_programming.pptx
@@ -3482,6 +3482,21 @@
 <file path=ppt/slides/slide1.xml><?xml version="1.0" encoding="utf-8"?>
 <p:sld xmlns:a="http://schemas.openxmlformats.org/drawingml/2006/main" xmlns:r="http://schemas.openxmlformats.org/officeDocument/2006/relationships" xmlns:p="http://schemas.openxmlformats.org/presentationml/2006/main">
   <p:cSld>
+    <p:bg>
+      <p:bgPr>
+        <a:blipFill dpi="0" rotWithShape="1">
+          <a:blip r:embed="rId2">
+            <a:alphaModFix amt="56000"/>
+            <a:lum/>
+          </a:blip>
+          <a:srcRect/>
+          <a:stretch>
+            <a:fillRect l="-3000" r="-3000"/>
+          </a:stretch>
+        </a:blipFill>
+        <a:effectLst/>
+      </p:bgPr>
+    </p:bg>
     <p:spTree>
       <p:nvGrpSpPr>
         <p:cNvPr id="1" name=""/>
@@ -3508,8 +3523,8 @@
         </p:nvSpPr>
         <p:spPr>
           <a:xfrm>
-            <a:off x="1056068" y="1122363"/>
-            <a:ext cx="9611932" cy="2387600"/>
+            <a:off x="-336633" y="222031"/>
+            <a:ext cx="9818258" cy="1663040"/>
           </a:xfrm>
         </p:spPr>
         <p:txBody>
@@ -3536,16 +3551,25 @@
         </p:nvSpPr>
         <p:spPr>
           <a:xfrm>
-            <a:off x="1524000" y="3602037"/>
-            <a:ext cx="9144000" cy="2785883"/>
+            <a:off x="8060787" y="3925594"/>
+            <a:ext cx="3610708" cy="2785883"/>
           </a:xfrm>
+          <a:solidFill>
+            <a:schemeClr val="tx1">
+              <a:alpha val="40000"/>
+            </a:schemeClr>
+          </a:solidFill>
         </p:spPr>
         <p:txBody>
           <a:bodyPr/>
           <a:lstStyle/>
           <a:p>
             <a:r>
-              <a:rPr lang="en-US" dirty="0" smtClean="0"/>
+              <a:rPr lang="en-US" dirty="0" smtClean="0">
+                <a:solidFill>
+                  <a:schemeClr val="bg1"/>
+                </a:solidFill>
+              </a:rPr>
               <a:t>Prepared By:</a:t>
             </a:r>
           </a:p>
@@ -3555,7 +3579,11 @@
               <a:buChar char="-"/>
             </a:pPr>
             <a:r>
-              <a:rPr lang="en-US" dirty="0" smtClean="0"/>
+              <a:rPr lang="en-US" dirty="0" smtClean="0">
+                <a:solidFill>
+                  <a:schemeClr val="bg1"/>
+                </a:solidFill>
+              </a:rPr>
               <a:t>Aashish Tamrakar</a:t>
             </a:r>
           </a:p>
@@ -3565,18 +3593,34 @@
               <a:buChar char="-"/>
             </a:pPr>
             <a:r>
-              <a:rPr lang="en-US" dirty="0" err="1" smtClean="0"/>
+              <a:rPr lang="en-US" dirty="0" err="1" smtClean="0">
+                <a:solidFill>
+                  <a:schemeClr val="bg1"/>
+                </a:solidFill>
+              </a:rPr>
               <a:t>Asim</a:t>
             </a:r>
             <a:r>
-              <a:rPr lang="en-US" dirty="0" smtClean="0"/>
+              <a:rPr lang="en-US" dirty="0" smtClean="0">
+                <a:solidFill>
+                  <a:schemeClr val="bg1"/>
+                </a:solidFill>
+              </a:rPr>
               <a:t> </a:t>
             </a:r>
             <a:r>
-              <a:rPr lang="en-US" dirty="0" err="1" smtClean="0"/>
+              <a:rPr lang="en-US" dirty="0" err="1" smtClean="0">
+                <a:solidFill>
+                  <a:schemeClr val="bg1"/>
+                </a:solidFill>
+              </a:rPr>
               <a:t>Aryal</a:t>
             </a:r>
-            <a:endParaRPr lang="en-US" dirty="0" smtClean="0"/>
+            <a:endParaRPr lang="en-US" dirty="0" smtClean="0">
+              <a:solidFill>
+                <a:schemeClr val="bg1"/>
+              </a:solidFill>
+            </a:endParaRPr>
           </a:p>
           <a:p>
             <a:pPr marL="342900" indent="-342900">
@@ -3584,18 +3628,34 @@
               <a:buChar char="-"/>
             </a:pPr>
             <a:r>
-              <a:rPr lang="en-US" dirty="0" err="1" smtClean="0"/>
+              <a:rPr lang="en-US" dirty="0" err="1" smtClean="0">
+                <a:solidFill>
+                  <a:schemeClr val="bg1"/>
+                </a:solidFill>
+              </a:rPr>
               <a:t>Niroj</a:t>
             </a:r>
             <a:r>
-              <a:rPr lang="en-US" dirty="0" smtClean="0"/>
+              <a:rPr lang="en-US" dirty="0" smtClean="0">
+                <a:solidFill>
+                  <a:schemeClr val="bg1"/>
+                </a:solidFill>
+              </a:rPr>
               <a:t> </a:t>
             </a:r>
             <a:r>
-              <a:rPr lang="en-US" dirty="0" err="1" smtClean="0"/>
+              <a:rPr lang="en-US" dirty="0" err="1" smtClean="0">
+                <a:solidFill>
+                  <a:schemeClr val="bg1"/>
+                </a:solidFill>
+              </a:rPr>
               <a:t>Bajracharya</a:t>
             </a:r>
-            <a:endParaRPr lang="en-US" dirty="0" smtClean="0"/>
+            <a:endParaRPr lang="en-US" dirty="0" smtClean="0">
+              <a:solidFill>
+                <a:schemeClr val="bg1"/>
+              </a:solidFill>
+            </a:endParaRPr>
           </a:p>
           <a:p>
             <a:pPr marL="342900" indent="-342900">
@@ -3603,18 +3663,34 @@
               <a:buChar char="-"/>
             </a:pPr>
             <a:r>
-              <a:rPr lang="en-US" dirty="0" err="1" smtClean="0"/>
+              <a:rPr lang="en-US" dirty="0" err="1" smtClean="0">
+                <a:solidFill>
+                  <a:schemeClr val="bg1"/>
+                </a:solidFill>
+              </a:rPr>
               <a:t>Sudip</a:t>
             </a:r>
             <a:r>
-              <a:rPr lang="en-US" dirty="0" smtClean="0"/>
+              <a:rPr lang="en-US" dirty="0" smtClean="0">
+                <a:solidFill>
+                  <a:schemeClr val="bg1"/>
+                </a:solidFill>
+              </a:rPr>
               <a:t> </a:t>
             </a:r>
             <a:r>
-              <a:rPr lang="en-US" smtClean="0"/>
+              <a:rPr lang="en-US" dirty="0" err="1" smtClean="0">
+                <a:solidFill>
+                  <a:schemeClr val="bg1"/>
+                </a:solidFill>
+              </a:rPr>
               <a:t>Gyawali</a:t>
             </a:r>
-            <a:endParaRPr lang="en-US" dirty="0" smtClean="0"/>
+            <a:endParaRPr lang="en-US" dirty="0" smtClean="0">
+              <a:solidFill>
+                <a:schemeClr val="bg1"/>
+              </a:solidFill>
+            </a:endParaRPr>
           </a:p>
           <a:p>
             <a:pPr marL="342900" indent="-342900">

--- a/extreme_programming.pptx
+++ b/extreme_programming.pptx
@@ -5,12 +5,14 @@
     <p:sldMasterId id="2147483648" r:id="rId1"/>
   </p:sldMasterIdLst>
   <p:notesMasterIdLst>
-    <p:notesMasterId r:id="rId5"/>
+    <p:notesMasterId r:id="rId7"/>
   </p:notesMasterIdLst>
   <p:sldIdLst>
     <p:sldId id="256" r:id="rId2"/>
     <p:sldId id="257" r:id="rId3"/>
     <p:sldId id="258" r:id="rId4"/>
+    <p:sldId id="259" r:id="rId5"/>
+    <p:sldId id="260" r:id="rId6"/>
   </p:sldIdLst>
   <p:sldSz cx="12192000" cy="6858000"/>
   <p:notesSz cx="6858000" cy="9144000"/>
@@ -115,6 +117,3702 @@
     </p:ext>
   </p:extLst>
 </p:presentation>
+</file>
+
+<file path=ppt/diagrams/colors1.xml><?xml version="1.0" encoding="utf-8"?>
+<dgm:colorsDef xmlns:dgm="http://schemas.openxmlformats.org/drawingml/2006/diagram" xmlns:a="http://schemas.openxmlformats.org/drawingml/2006/main" uniqueId="urn:microsoft.com/office/officeart/2005/8/colors/accent1_2">
+  <dgm:title val=""/>
+  <dgm:desc val=""/>
+  <dgm:catLst>
+    <dgm:cat type="accent1" pri="11200"/>
+  </dgm:catLst>
+  <dgm:styleLbl name="node0">
+    <dgm:fillClrLst meth="repeat">
+      <a:schemeClr val="accent1"/>
+    </dgm:fillClrLst>
+    <dgm:linClrLst meth="repeat">
+      <a:schemeClr val="lt1"/>
+    </dgm:linClrLst>
+    <dgm:effectClrLst/>
+    <dgm:txLinClrLst/>
+    <dgm:txFillClrLst/>
+    <dgm:txEffectClrLst/>
+  </dgm:styleLbl>
+  <dgm:styleLbl name="alignNode1">
+    <dgm:fillClrLst meth="repeat">
+      <a:schemeClr val="accent1"/>
+    </dgm:fillClrLst>
+    <dgm:linClrLst meth="repeat">
+      <a:schemeClr val="accent1"/>
+    </dgm:linClrLst>
+    <dgm:effectClrLst/>
+    <dgm:txLinClrLst/>
+    <dgm:txFillClrLst/>
+    <dgm:txEffectClrLst/>
+  </dgm:styleLbl>
+  <dgm:styleLbl name="node1">
+    <dgm:fillClrLst meth="repeat">
+      <a:schemeClr val="accent1"/>
+    </dgm:fillClrLst>
+    <dgm:linClrLst meth="repeat">
+      <a:schemeClr val="lt1"/>
+    </dgm:linClrLst>
+    <dgm:effectClrLst/>
+    <dgm:txLinClrLst/>
+    <dgm:txFillClrLst/>
+    <dgm:txEffectClrLst/>
+  </dgm:styleLbl>
+  <dgm:styleLbl name="lnNode1">
+    <dgm:fillClrLst meth="repeat">
+      <a:schemeClr val="accent1"/>
+    </dgm:fillClrLst>
+    <dgm:linClrLst meth="repeat">
+      <a:schemeClr val="lt1"/>
+    </dgm:linClrLst>
+    <dgm:effectClrLst/>
+    <dgm:txLinClrLst/>
+    <dgm:txFillClrLst/>
+    <dgm:txEffectClrLst/>
+  </dgm:styleLbl>
+  <dgm:styleLbl name="vennNode1">
+    <dgm:fillClrLst meth="repeat">
+      <a:schemeClr val="accent1">
+        <a:alpha val="50000"/>
+      </a:schemeClr>
+    </dgm:fillClrLst>
+    <dgm:linClrLst meth="repeat">
+      <a:schemeClr val="lt1"/>
+    </dgm:linClrLst>
+    <dgm:effectClrLst/>
+    <dgm:txLinClrLst/>
+    <dgm:txFillClrLst/>
+    <dgm:txEffectClrLst/>
+  </dgm:styleLbl>
+  <dgm:styleLbl name="node2">
+    <dgm:fillClrLst meth="repeat">
+      <a:schemeClr val="accent1"/>
+    </dgm:fillClrLst>
+    <dgm:linClrLst meth="repeat">
+      <a:schemeClr val="lt1"/>
+    </dgm:linClrLst>
+    <dgm:effectClrLst/>
+    <dgm:txLinClrLst/>
+    <dgm:txFillClrLst/>
+    <dgm:txEffectClrLst/>
+  </dgm:styleLbl>
+  <dgm:styleLbl name="node3">
+    <dgm:fillClrLst meth="repeat">
+      <a:schemeClr val="accent1"/>
+    </dgm:fillClrLst>
+    <dgm:linClrLst meth="repeat">
+      <a:schemeClr val="lt1"/>
+    </dgm:linClrLst>
+    <dgm:effectClrLst/>
+    <dgm:txLinClrLst/>
+    <dgm:txFillClrLst/>
+    <dgm:txEffectClrLst/>
+  </dgm:styleLbl>
+  <dgm:styleLbl name="node4">
+    <dgm:fillClrLst meth="repeat">
+      <a:schemeClr val="accent1"/>
+    </dgm:fillClrLst>
+    <dgm:linClrLst meth="repeat">
+      <a:schemeClr val="lt1"/>
+    </dgm:linClrLst>
+    <dgm:effectClrLst/>
+    <dgm:txLinClrLst/>
+    <dgm:txFillClrLst/>
+    <dgm:txEffectClrLst/>
+  </dgm:styleLbl>
+  <dgm:styleLbl name="fgImgPlace1">
+    <dgm:fillClrLst meth="repeat">
+      <a:schemeClr val="accent1">
+        <a:tint val="50000"/>
+      </a:schemeClr>
+    </dgm:fillClrLst>
+    <dgm:linClrLst meth="repeat">
+      <a:schemeClr val="lt1"/>
+    </dgm:linClrLst>
+    <dgm:effectClrLst/>
+    <dgm:txLinClrLst/>
+    <dgm:txFillClrLst meth="repeat">
+      <a:schemeClr val="lt1"/>
+    </dgm:txFillClrLst>
+    <dgm:txEffectClrLst/>
+  </dgm:styleLbl>
+  <dgm:styleLbl name="alignImgPlace1">
+    <dgm:fillClrLst meth="repeat">
+      <a:schemeClr val="accent1">
+        <a:tint val="50000"/>
+      </a:schemeClr>
+    </dgm:fillClrLst>
+    <dgm:linClrLst meth="repeat">
+      <a:schemeClr val="lt1"/>
+    </dgm:linClrLst>
+    <dgm:effectClrLst/>
+    <dgm:txLinClrLst/>
+    <dgm:txFillClrLst meth="repeat">
+      <a:schemeClr val="lt1"/>
+    </dgm:txFillClrLst>
+    <dgm:txEffectClrLst/>
+  </dgm:styleLbl>
+  <dgm:styleLbl name="bgImgPlace1">
+    <dgm:fillClrLst meth="repeat">
+      <a:schemeClr val="accent1">
+        <a:tint val="50000"/>
+      </a:schemeClr>
+    </dgm:fillClrLst>
+    <dgm:linClrLst meth="repeat">
+      <a:schemeClr val="lt1"/>
+    </dgm:linClrLst>
+    <dgm:effectClrLst/>
+    <dgm:txLinClrLst/>
+    <dgm:txFillClrLst meth="repeat">
+      <a:schemeClr val="lt1"/>
+    </dgm:txFillClrLst>
+    <dgm:txEffectClrLst/>
+  </dgm:styleLbl>
+  <dgm:styleLbl name="sibTrans2D1">
+    <dgm:fillClrLst meth="repeat">
+      <a:schemeClr val="accent1">
+        <a:tint val="60000"/>
+      </a:schemeClr>
+    </dgm:fillClrLst>
+    <dgm:linClrLst meth="repeat">
+      <a:schemeClr val="accent1">
+        <a:tint val="60000"/>
+      </a:schemeClr>
+    </dgm:linClrLst>
+    <dgm:effectClrLst/>
+    <dgm:txLinClrLst/>
+    <dgm:txFillClrLst/>
+    <dgm:txEffectClrLst/>
+  </dgm:styleLbl>
+  <dgm:styleLbl name="fgSibTrans2D1">
+    <dgm:fillClrLst meth="repeat">
+      <a:schemeClr val="accent1">
+        <a:tint val="60000"/>
+      </a:schemeClr>
+    </dgm:fillClrLst>
+    <dgm:linClrLst meth="repeat">
+      <a:schemeClr val="accent1">
+        <a:tint val="60000"/>
+      </a:schemeClr>
+    </dgm:linClrLst>
+    <dgm:effectClrLst/>
+    <dgm:txLinClrLst/>
+    <dgm:txFillClrLst/>
+    <dgm:txEffectClrLst/>
+  </dgm:styleLbl>
+  <dgm:styleLbl name="bgSibTrans2D1">
+    <dgm:fillClrLst meth="repeat">
+      <a:schemeClr val="accent1">
+        <a:tint val="60000"/>
+      </a:schemeClr>
+    </dgm:fillClrLst>
+    <dgm:linClrLst meth="repeat">
+      <a:schemeClr val="accent1">
+        <a:tint val="60000"/>
+      </a:schemeClr>
+    </dgm:linClrLst>
+    <dgm:effectClrLst/>
+    <dgm:txLinClrLst/>
+    <dgm:txFillClrLst/>
+    <dgm:txEffectClrLst/>
+  </dgm:styleLbl>
+  <dgm:styleLbl name="sibTrans1D1">
+    <dgm:fillClrLst meth="repeat">
+      <a:schemeClr val="accent1"/>
+    </dgm:fillClrLst>
+    <dgm:linClrLst meth="repeat">
+      <a:schemeClr val="accent1"/>
+    </dgm:linClrLst>
+    <dgm:effectClrLst/>
+    <dgm:txLinClrLst/>
+    <dgm:txFillClrLst meth="repeat">
+      <a:schemeClr val="tx1"/>
+    </dgm:txFillClrLst>
+    <dgm:txEffectClrLst/>
+  </dgm:styleLbl>
+  <dgm:styleLbl name="callout">
+    <dgm:fillClrLst meth="repeat">
+      <a:schemeClr val="accent1"/>
+    </dgm:fillClrLst>
+    <dgm:linClrLst meth="repeat">
+      <a:schemeClr val="accent1">
+        <a:tint val="50000"/>
+      </a:schemeClr>
+    </dgm:linClrLst>
+    <dgm:effectClrLst/>
+    <dgm:txLinClrLst/>
+    <dgm:txFillClrLst meth="repeat">
+      <a:schemeClr val="tx1"/>
+    </dgm:txFillClrLst>
+    <dgm:txEffectClrLst/>
+  </dgm:styleLbl>
+  <dgm:styleLbl name="asst0">
+    <dgm:fillClrLst meth="repeat">
+      <a:schemeClr val="accent1"/>
+    </dgm:fillClrLst>
+    <dgm:linClrLst meth="repeat">
+      <a:schemeClr val="lt1"/>
+    </dgm:linClrLst>
+    <dgm:effectClrLst/>
+    <dgm:txLinClrLst/>
+    <dgm:txFillClrLst/>
+    <dgm:txEffectClrLst/>
+  </dgm:styleLbl>
+  <dgm:styleLbl name="asst1">
+    <dgm:fillClrLst meth="repeat">
+      <a:schemeClr val="accent1"/>
+    </dgm:fillClrLst>
+    <dgm:linClrLst meth="repeat">
+      <a:schemeClr val="lt1"/>
+    </dgm:linClrLst>
+    <dgm:effectClrLst/>
+    <dgm:txLinClrLst/>
+    <dgm:txFillClrLst/>
+    <dgm:txEffectClrLst/>
+  </dgm:styleLbl>
+  <dgm:styleLbl name="asst2">
+    <dgm:fillClrLst meth="repeat">
+      <a:schemeClr val="accent1"/>
+    </dgm:fillClrLst>
+    <dgm:linClrLst meth="repeat">
+      <a:schemeClr val="lt1"/>
+    </dgm:linClrLst>
+    <dgm:effectClrLst/>
+    <dgm:txLinClrLst/>
+    <dgm:txFillClrLst/>
+    <dgm:txEffectClrLst/>
+  </dgm:styleLbl>
+  <dgm:styleLbl name="asst3">
+    <dgm:fillClrLst meth="repeat">
+      <a:schemeClr val="accent1"/>
+    </dgm:fillClrLst>
+    <dgm:linClrLst meth="repeat">
+      <a:schemeClr val="lt1"/>
+    </dgm:linClrLst>
+    <dgm:effectClrLst/>
+    <dgm:txLinClrLst/>
+    <dgm:txFillClrLst/>
+    <dgm:txEffectClrLst/>
+  </dgm:styleLbl>
+  <dgm:styleLbl name="asst4">
+    <dgm:fillClrLst meth="repeat">
+      <a:schemeClr val="accent1"/>
+    </dgm:fillClrLst>
+    <dgm:linClrLst meth="repeat">
+      <a:schemeClr val="lt1"/>
+    </dgm:linClrLst>
+    <dgm:effectClrLst/>
+    <dgm:txLinClrLst/>
+    <dgm:txFillClrLst/>
+    <dgm:txEffectClrLst/>
+  </dgm:styleLbl>
+  <dgm:styleLbl name="parChTrans2D1">
+    <dgm:fillClrLst meth="repeat">
+      <a:schemeClr val="accent1">
+        <a:tint val="60000"/>
+      </a:schemeClr>
+    </dgm:fillClrLst>
+    <dgm:linClrLst meth="repeat">
+      <a:schemeClr val="accent1">
+        <a:tint val="60000"/>
+      </a:schemeClr>
+    </dgm:linClrLst>
+    <dgm:effectClrLst/>
+    <dgm:txLinClrLst/>
+    <dgm:txFillClrLst meth="repeat">
+      <a:schemeClr val="lt1"/>
+    </dgm:txFillClrLst>
+    <dgm:txEffectClrLst/>
+  </dgm:styleLbl>
+  <dgm:styleLbl name="parChTrans2D2">
+    <dgm:fillClrLst meth="repeat">
+      <a:schemeClr val="accent1"/>
+    </dgm:fillClrLst>
+    <dgm:linClrLst meth="repeat">
+      <a:schemeClr val="accent1"/>
+    </dgm:linClrLst>
+    <dgm:effectClrLst/>
+    <dgm:txLinClrLst/>
+    <dgm:txFillClrLst meth="repeat">
+      <a:schemeClr val="lt1"/>
+    </dgm:txFillClrLst>
+    <dgm:txEffectClrLst/>
+  </dgm:styleLbl>
+  <dgm:styleLbl name="parChTrans2D3">
+    <dgm:fillClrLst meth="repeat">
+      <a:schemeClr val="accent1"/>
+    </dgm:fillClrLst>
+    <dgm:linClrLst meth="repeat">
+      <a:schemeClr val="accent1"/>
+    </dgm:linClrLst>
+    <dgm:effectClrLst/>
+    <dgm:txLinClrLst/>
+    <dgm:txFillClrLst meth="repeat">
+      <a:schemeClr val="lt1"/>
+    </dgm:txFillClrLst>
+    <dgm:txEffectClrLst/>
+  </dgm:styleLbl>
+  <dgm:styleLbl name="parChTrans2D4">
+    <dgm:fillClrLst meth="repeat">
+      <a:schemeClr val="accent1"/>
+    </dgm:fillClrLst>
+    <dgm:linClrLst meth="repeat">
+      <a:schemeClr val="accent1"/>
+    </dgm:linClrLst>
+    <dgm:effectClrLst/>
+    <dgm:txLinClrLst/>
+    <dgm:txFillClrLst meth="repeat">
+      <a:schemeClr val="lt1"/>
+    </dgm:txFillClrLst>
+    <dgm:txEffectClrLst/>
+  </dgm:styleLbl>
+  <dgm:styleLbl name="parChTrans1D1">
+    <dgm:fillClrLst meth="repeat">
+      <a:schemeClr val="accent1"/>
+    </dgm:fillClrLst>
+    <dgm:linClrLst meth="repeat">
+      <a:schemeClr val="accent1">
+        <a:shade val="60000"/>
+      </a:schemeClr>
+    </dgm:linClrLst>
+    <dgm:effectClrLst/>
+    <dgm:txLinClrLst/>
+    <dgm:txFillClrLst meth="repeat">
+      <a:schemeClr val="tx1"/>
+    </dgm:txFillClrLst>
+    <dgm:txEffectClrLst/>
+  </dgm:styleLbl>
+  <dgm:styleLbl name="parChTrans1D2">
+    <dgm:fillClrLst meth="repeat">
+      <a:schemeClr val="accent1"/>
+    </dgm:fillClrLst>
+    <dgm:linClrLst meth="repeat">
+      <a:schemeClr val="accent1">
+        <a:shade val="60000"/>
+      </a:schemeClr>
+    </dgm:linClrLst>
+    <dgm:effectClrLst/>
+    <dgm:txLinClrLst/>
+    <dgm:txFillClrLst meth="repeat">
+      <a:schemeClr val="tx1"/>
+    </dgm:txFillClrLst>
+    <dgm:txEffectClrLst/>
+  </dgm:styleLbl>
+  <dgm:styleLbl name="parChTrans1D3">
+    <dgm:fillClrLst meth="repeat">
+      <a:schemeClr val="accent1"/>
+    </dgm:fillClrLst>
+    <dgm:linClrLst meth="repeat">
+      <a:schemeClr val="accent1">
+        <a:shade val="80000"/>
+      </a:schemeClr>
+    </dgm:linClrLst>
+    <dgm:effectClrLst/>
+    <dgm:txLinClrLst/>
+    <dgm:txFillClrLst meth="repeat">
+      <a:schemeClr val="tx1"/>
+    </dgm:txFillClrLst>
+    <dgm:txEffectClrLst/>
+  </dgm:styleLbl>
+  <dgm:styleLbl name="parChTrans1D4">
+    <dgm:fillClrLst meth="repeat">
+      <a:schemeClr val="accent1"/>
+    </dgm:fillClrLst>
+    <dgm:linClrLst meth="repeat">
+      <a:schemeClr val="accent1">
+        <a:shade val="80000"/>
+      </a:schemeClr>
+    </dgm:linClrLst>
+    <dgm:effectClrLst/>
+    <dgm:txLinClrLst/>
+    <dgm:txFillClrLst meth="repeat">
+      <a:schemeClr val="tx1"/>
+    </dgm:txFillClrLst>
+    <dgm:txEffectClrLst/>
+  </dgm:styleLbl>
+  <dgm:styleLbl name="fgAcc1">
+    <dgm:fillClrLst meth="repeat">
+      <a:schemeClr val="lt1">
+        <a:alpha val="90000"/>
+      </a:schemeClr>
+    </dgm:fillClrLst>
+    <dgm:linClrLst meth="repeat">
+      <a:schemeClr val="accent1"/>
+    </dgm:linClrLst>
+    <dgm:effectClrLst/>
+    <dgm:txLinClrLst/>
+    <dgm:txFillClrLst meth="repeat">
+      <a:schemeClr val="dk1"/>
+    </dgm:txFillClrLst>
+    <dgm:txEffectClrLst/>
+  </dgm:styleLbl>
+  <dgm:styleLbl name="conFgAcc1">
+    <dgm:fillClrLst meth="repeat">
+      <a:schemeClr val="lt1">
+        <a:alpha val="90000"/>
+      </a:schemeClr>
+    </dgm:fillClrLst>
+    <dgm:linClrLst meth="repeat">
+      <a:schemeClr val="accent1"/>
+    </dgm:linClrLst>
+    <dgm:effectClrLst/>
+    <dgm:txLinClrLst/>
+    <dgm:txFillClrLst meth="repeat">
+      <a:schemeClr val="dk1"/>
+    </dgm:txFillClrLst>
+    <dgm:txEffectClrLst/>
+  </dgm:styleLbl>
+  <dgm:styleLbl name="alignAcc1">
+    <dgm:fillClrLst meth="repeat">
+      <a:schemeClr val="lt1">
+        <a:alpha val="90000"/>
+      </a:schemeClr>
+    </dgm:fillClrLst>
+    <dgm:linClrLst meth="repeat">
+      <a:schemeClr val="accent1"/>
+    </dgm:linClrLst>
+    <dgm:effectClrLst/>
+    <dgm:txLinClrLst/>
+    <dgm:txFillClrLst meth="repeat">
+      <a:schemeClr val="dk1"/>
+    </dgm:txFillClrLst>
+    <dgm:txEffectClrLst/>
+  </dgm:styleLbl>
+  <dgm:styleLbl name="trAlignAcc1">
+    <dgm:fillClrLst meth="repeat">
+      <a:schemeClr val="lt1">
+        <a:alpha val="40000"/>
+      </a:schemeClr>
+    </dgm:fillClrLst>
+    <dgm:linClrLst meth="repeat">
+      <a:schemeClr val="accent1"/>
+    </dgm:linClrLst>
+    <dgm:effectClrLst/>
+    <dgm:txLinClrLst/>
+    <dgm:txFillClrLst meth="repeat">
+      <a:schemeClr val="dk1"/>
+    </dgm:txFillClrLst>
+    <dgm:txEffectClrLst/>
+  </dgm:styleLbl>
+  <dgm:styleLbl name="bgAcc1">
+    <dgm:fillClrLst meth="repeat">
+      <a:schemeClr val="lt1">
+        <a:alpha val="90000"/>
+      </a:schemeClr>
+    </dgm:fillClrLst>
+    <dgm:linClrLst meth="repeat">
+      <a:schemeClr val="accent1"/>
+    </dgm:linClrLst>
+    <dgm:effectClrLst/>
+    <dgm:txLinClrLst/>
+    <dgm:txFillClrLst meth="repeat">
+      <a:schemeClr val="dk1"/>
+    </dgm:txFillClrLst>
+    <dgm:txEffectClrLst/>
+  </dgm:styleLbl>
+  <dgm:styleLbl name="solidFgAcc1">
+    <dgm:fillClrLst meth="repeat">
+      <a:schemeClr val="lt1"/>
+    </dgm:fillClrLst>
+    <dgm:linClrLst meth="repeat">
+      <a:schemeClr val="accent1"/>
+    </dgm:linClrLst>
+    <dgm:effectClrLst/>
+    <dgm:txLinClrLst/>
+    <dgm:txFillClrLst meth="repeat">
+      <a:schemeClr val="dk1"/>
+    </dgm:txFillClrLst>
+    <dgm:txEffectClrLst/>
+  </dgm:styleLbl>
+  <dgm:styleLbl name="solidAlignAcc1">
+    <dgm:fillClrLst meth="repeat">
+      <a:schemeClr val="lt1"/>
+    </dgm:fillClrLst>
+    <dgm:linClrLst meth="repeat">
+      <a:schemeClr val="accent1"/>
+    </dgm:linClrLst>
+    <dgm:effectClrLst/>
+    <dgm:txLinClrLst/>
+    <dgm:txFillClrLst meth="repeat">
+      <a:schemeClr val="dk1"/>
+    </dgm:txFillClrLst>
+    <dgm:txEffectClrLst/>
+  </dgm:styleLbl>
+  <dgm:styleLbl name="solidBgAcc1">
+    <dgm:fillClrLst meth="repeat">
+      <a:schemeClr val="lt1"/>
+    </dgm:fillClrLst>
+    <dgm:linClrLst meth="repeat">
+      <a:schemeClr val="accent1"/>
+    </dgm:linClrLst>
+    <dgm:effectClrLst/>
+    <dgm:txLinClrLst/>
+    <dgm:txFillClrLst meth="repeat">
+      <a:schemeClr val="dk1"/>
+    </dgm:txFillClrLst>
+    <dgm:txEffectClrLst/>
+  </dgm:styleLbl>
+  <dgm:styleLbl name="fgAccFollowNode1">
+    <dgm:fillClrLst meth="repeat">
+      <a:schemeClr val="accent1">
+        <a:alpha val="90000"/>
+        <a:tint val="40000"/>
+      </a:schemeClr>
+    </dgm:fillClrLst>
+    <dgm:linClrLst meth="repeat">
+      <a:schemeClr val="accent1">
+        <a:alpha val="90000"/>
+        <a:tint val="40000"/>
+      </a:schemeClr>
+    </dgm:linClrLst>
+    <dgm:effectClrLst/>
+    <dgm:txLinClrLst/>
+    <dgm:txFillClrLst meth="repeat">
+      <a:schemeClr val="dk1"/>
+    </dgm:txFillClrLst>
+    <dgm:txEffectClrLst/>
+  </dgm:styleLbl>
+  <dgm:styleLbl name="alignAccFollowNode1">
+    <dgm:fillClrLst meth="repeat">
+      <a:schemeClr val="accent1">
+        <a:alpha val="90000"/>
+        <a:tint val="40000"/>
+      </a:schemeClr>
+    </dgm:fillClrLst>
+    <dgm:linClrLst meth="repeat">
+      <a:schemeClr val="accent1">
+        <a:alpha val="90000"/>
+        <a:tint val="40000"/>
+      </a:schemeClr>
+    </dgm:linClrLst>
+    <dgm:effectClrLst/>
+    <dgm:txLinClrLst/>
+    <dgm:txFillClrLst meth="repeat">
+      <a:schemeClr val="dk1"/>
+    </dgm:txFillClrLst>
+    <dgm:txEffectClrLst/>
+  </dgm:styleLbl>
+  <dgm:styleLbl name="bgAccFollowNode1">
+    <dgm:fillClrLst meth="repeat">
+      <a:schemeClr val="accent1">
+        <a:alpha val="90000"/>
+        <a:tint val="40000"/>
+      </a:schemeClr>
+    </dgm:fillClrLst>
+    <dgm:linClrLst meth="repeat">
+      <a:schemeClr val="accent1">
+        <a:alpha val="90000"/>
+        <a:tint val="40000"/>
+      </a:schemeClr>
+    </dgm:linClrLst>
+    <dgm:effectClrLst/>
+    <dgm:txLinClrLst/>
+    <dgm:txFillClrLst meth="repeat">
+      <a:schemeClr val="dk1"/>
+    </dgm:txFillClrLst>
+    <dgm:txEffectClrLst/>
+  </dgm:styleLbl>
+  <dgm:styleLbl name="fgAcc0">
+    <dgm:fillClrLst meth="repeat">
+      <a:schemeClr val="lt1">
+        <a:alpha val="90000"/>
+      </a:schemeClr>
+    </dgm:fillClrLst>
+    <dgm:linClrLst meth="repeat">
+      <a:schemeClr val="accent1"/>
+    </dgm:linClrLst>
+    <dgm:effectClrLst/>
+    <dgm:txLinClrLst/>
+    <dgm:txFillClrLst meth="repeat">
+      <a:schemeClr val="dk1"/>
+    </dgm:txFillClrLst>
+    <dgm:txEffectClrLst/>
+  </dgm:styleLbl>
+  <dgm:styleLbl name="fgAcc2">
+    <dgm:fillClrLst meth="repeat">
+      <a:schemeClr val="lt1">
+        <a:alpha val="90000"/>
+      </a:schemeClr>
+    </dgm:fillClrLst>
+    <dgm:linClrLst meth="repeat">
+      <a:schemeClr val="accent1"/>
+    </dgm:linClrLst>
+    <dgm:effectClrLst/>
+    <dgm:txLinClrLst/>
+    <dgm:txFillClrLst meth="repeat">
+      <a:schemeClr val="dk1"/>
+    </dgm:txFillClrLst>
+    <dgm:txEffectClrLst/>
+  </dgm:styleLbl>
+  <dgm:styleLbl name="fgAcc3">
+    <dgm:fillClrLst meth="repeat">
+      <a:schemeClr val="lt1">
+        <a:alpha val="90000"/>
+      </a:schemeClr>
+    </dgm:fillClrLst>
+    <dgm:linClrLst meth="repeat">
+      <a:schemeClr val="accent1"/>
+    </dgm:linClrLst>
+    <dgm:effectClrLst/>
+    <dgm:txLinClrLst/>
+    <dgm:txFillClrLst meth="repeat">
+      <a:schemeClr val="dk1"/>
+    </dgm:txFillClrLst>
+    <dgm:txEffectClrLst/>
+  </dgm:styleLbl>
+  <dgm:styleLbl name="fgAcc4">
+    <dgm:fillClrLst meth="repeat">
+      <a:schemeClr val="lt1">
+        <a:alpha val="90000"/>
+      </a:schemeClr>
+    </dgm:fillClrLst>
+    <dgm:linClrLst meth="repeat">
+      <a:schemeClr val="accent1"/>
+    </dgm:linClrLst>
+    <dgm:effectClrLst/>
+    <dgm:txLinClrLst/>
+    <dgm:txFillClrLst meth="repeat">
+      <a:schemeClr val="dk1"/>
+    </dgm:txFillClrLst>
+    <dgm:txEffectClrLst/>
+  </dgm:styleLbl>
+  <dgm:styleLbl name="bgShp">
+    <dgm:fillClrLst meth="repeat">
+      <a:schemeClr val="accent1">
+        <a:tint val="40000"/>
+      </a:schemeClr>
+    </dgm:fillClrLst>
+    <dgm:linClrLst meth="repeat">
+      <a:schemeClr val="accent1"/>
+    </dgm:linClrLst>
+    <dgm:effectClrLst/>
+    <dgm:txLinClrLst/>
+    <dgm:txFillClrLst meth="repeat">
+      <a:schemeClr val="dk1"/>
+    </dgm:txFillClrLst>
+    <dgm:txEffectClrLst/>
+  </dgm:styleLbl>
+  <dgm:styleLbl name="dkBgShp">
+    <dgm:fillClrLst meth="repeat">
+      <a:schemeClr val="accent1">
+        <a:shade val="80000"/>
+      </a:schemeClr>
+    </dgm:fillClrLst>
+    <dgm:linClrLst meth="repeat">
+      <a:schemeClr val="accent1"/>
+    </dgm:linClrLst>
+    <dgm:effectClrLst/>
+    <dgm:txLinClrLst/>
+    <dgm:txFillClrLst meth="repeat">
+      <a:schemeClr val="lt1"/>
+    </dgm:txFillClrLst>
+    <dgm:txEffectClrLst/>
+  </dgm:styleLbl>
+  <dgm:styleLbl name="trBgShp">
+    <dgm:fillClrLst meth="repeat">
+      <a:schemeClr val="accent1">
+        <a:tint val="50000"/>
+        <a:alpha val="40000"/>
+      </a:schemeClr>
+    </dgm:fillClrLst>
+    <dgm:linClrLst meth="repeat">
+      <a:schemeClr val="accent1"/>
+    </dgm:linClrLst>
+    <dgm:effectClrLst/>
+    <dgm:txLinClrLst/>
+    <dgm:txFillClrLst meth="repeat">
+      <a:schemeClr val="lt1"/>
+    </dgm:txFillClrLst>
+    <dgm:txEffectClrLst/>
+  </dgm:styleLbl>
+  <dgm:styleLbl name="fgShp">
+    <dgm:fillClrLst meth="repeat">
+      <a:schemeClr val="accent1">
+        <a:tint val="60000"/>
+      </a:schemeClr>
+    </dgm:fillClrLst>
+    <dgm:linClrLst meth="repeat">
+      <a:schemeClr val="lt1"/>
+    </dgm:linClrLst>
+    <dgm:effectClrLst/>
+    <dgm:txLinClrLst/>
+    <dgm:txFillClrLst meth="repeat">
+      <a:schemeClr val="dk1"/>
+    </dgm:txFillClrLst>
+    <dgm:txEffectClrLst/>
+  </dgm:styleLbl>
+  <dgm:styleLbl name="revTx">
+    <dgm:fillClrLst meth="repeat">
+      <a:schemeClr val="lt1">
+        <a:alpha val="0"/>
+      </a:schemeClr>
+    </dgm:fillClrLst>
+    <dgm:linClrLst meth="repeat">
+      <a:schemeClr val="dk1">
+        <a:alpha val="0"/>
+      </a:schemeClr>
+    </dgm:linClrLst>
+    <dgm:effectClrLst/>
+    <dgm:txLinClrLst/>
+    <dgm:txFillClrLst meth="repeat">
+      <a:schemeClr val="tx1"/>
+    </dgm:txFillClrLst>
+    <dgm:txEffectClrLst/>
+  </dgm:styleLbl>
+</dgm:colorsDef>
+</file>
+
+<file path=ppt/diagrams/data1.xml><?xml version="1.0" encoding="utf-8"?>
+<dgm:dataModel xmlns:dgm="http://schemas.openxmlformats.org/drawingml/2006/diagram" xmlns:a="http://schemas.openxmlformats.org/drawingml/2006/main">
+  <dgm:ptLst>
+    <dgm:pt modelId="{8A4D3A20-F65F-4192-9123-EAC5330E5D1D}" type="doc">
+      <dgm:prSet loTypeId="urn:microsoft.com/office/officeart/2005/8/layout/radial6" loCatId="cycle" qsTypeId="urn:microsoft.com/office/officeart/2005/8/quickstyle/simple1" qsCatId="simple" csTypeId="urn:microsoft.com/office/officeart/2005/8/colors/accent1_2" csCatId="accent1" phldr="1"/>
+      <dgm:spPr/>
+      <dgm:t>
+        <a:bodyPr/>
+        <a:lstStyle/>
+        <a:p>
+          <a:endParaRPr lang="en-US"/>
+        </a:p>
+      </dgm:t>
+    </dgm:pt>
+    <dgm:pt modelId="{3E21CBF3-ED67-4DE4-92E8-D28F4E02C66C}">
+      <dgm:prSet phldrT="[Text]"/>
+      <dgm:spPr/>
+      <dgm:t>
+        <a:bodyPr/>
+        <a:lstStyle/>
+        <a:p>
+          <a:r>
+            <a:rPr lang="en-US" dirty="0" smtClean="0"/>
+            <a:t>Software development model</a:t>
+          </a:r>
+          <a:endParaRPr lang="en-US" dirty="0"/>
+        </a:p>
+      </dgm:t>
+    </dgm:pt>
+    <dgm:pt modelId="{62D71432-5937-427D-9E65-CD7804702917}" type="parTrans" cxnId="{42468133-6626-413F-8036-DCB1ECD7F00D}">
+      <dgm:prSet/>
+      <dgm:spPr/>
+      <dgm:t>
+        <a:bodyPr/>
+        <a:lstStyle/>
+        <a:p>
+          <a:endParaRPr lang="en-US"/>
+        </a:p>
+      </dgm:t>
+    </dgm:pt>
+    <dgm:pt modelId="{56D95F66-2F36-41C3-A4C8-AAA41A7C5935}" type="sibTrans" cxnId="{42468133-6626-413F-8036-DCB1ECD7F00D}">
+      <dgm:prSet/>
+      <dgm:spPr/>
+      <dgm:t>
+        <a:bodyPr/>
+        <a:lstStyle/>
+        <a:p>
+          <a:endParaRPr lang="en-US"/>
+        </a:p>
+      </dgm:t>
+    </dgm:pt>
+    <dgm:pt modelId="{3A1CE0DB-424D-4E8C-9CC4-E9A7F0192187}">
+      <dgm:prSet phldrT="[Text]"/>
+      <dgm:spPr/>
+      <dgm:t>
+        <a:bodyPr/>
+        <a:lstStyle/>
+        <a:p>
+          <a:r>
+            <a:rPr lang="en-US" dirty="0" smtClean="0"/>
+            <a:t>Waterfall model</a:t>
+          </a:r>
+          <a:endParaRPr lang="en-US" dirty="0"/>
+        </a:p>
+      </dgm:t>
+    </dgm:pt>
+    <dgm:pt modelId="{584E096D-ECCA-45D3-8418-8AF5829CA25D}" type="parTrans" cxnId="{CB5E1146-E11D-4CD5-866D-1BEA23F58352}">
+      <dgm:prSet/>
+      <dgm:spPr/>
+      <dgm:t>
+        <a:bodyPr/>
+        <a:lstStyle/>
+        <a:p>
+          <a:endParaRPr lang="en-US"/>
+        </a:p>
+      </dgm:t>
+    </dgm:pt>
+    <dgm:pt modelId="{52532CF6-0526-4785-A2A6-1AD1072ADB9D}" type="sibTrans" cxnId="{CB5E1146-E11D-4CD5-866D-1BEA23F58352}">
+      <dgm:prSet/>
+      <dgm:spPr/>
+      <dgm:t>
+        <a:bodyPr/>
+        <a:lstStyle/>
+        <a:p>
+          <a:endParaRPr lang="en-US"/>
+        </a:p>
+      </dgm:t>
+    </dgm:pt>
+    <dgm:pt modelId="{446E3B0E-A84C-4C0D-90C5-2CDA8EE8A1E3}">
+      <dgm:prSet phldrT="[Text]"/>
+      <dgm:spPr/>
+      <dgm:t>
+        <a:bodyPr/>
+        <a:lstStyle/>
+        <a:p>
+          <a:r>
+            <a:rPr lang="en-US" dirty="0" smtClean="0"/>
+            <a:t>Iterative model</a:t>
+          </a:r>
+          <a:endParaRPr lang="en-US" dirty="0"/>
+        </a:p>
+      </dgm:t>
+    </dgm:pt>
+    <dgm:pt modelId="{86A5A7C0-6915-4FCE-82B7-85A9613781AF}" type="parTrans" cxnId="{F2CD6D79-35C3-46D2-8458-7C54E7AD556B}">
+      <dgm:prSet/>
+      <dgm:spPr/>
+      <dgm:t>
+        <a:bodyPr/>
+        <a:lstStyle/>
+        <a:p>
+          <a:endParaRPr lang="en-US"/>
+        </a:p>
+      </dgm:t>
+    </dgm:pt>
+    <dgm:pt modelId="{1E6BF274-94E7-49EA-823A-D7901911558F}" type="sibTrans" cxnId="{F2CD6D79-35C3-46D2-8458-7C54E7AD556B}">
+      <dgm:prSet/>
+      <dgm:spPr/>
+      <dgm:t>
+        <a:bodyPr/>
+        <a:lstStyle/>
+        <a:p>
+          <a:endParaRPr lang="en-US"/>
+        </a:p>
+      </dgm:t>
+    </dgm:pt>
+    <dgm:pt modelId="{BD0E6AD9-71FA-4C38-8A7F-3AE8864E181B}">
+      <dgm:prSet phldrT="[Text]"/>
+      <dgm:spPr/>
+      <dgm:t>
+        <a:bodyPr/>
+        <a:lstStyle/>
+        <a:p>
+          <a:r>
+            <a:rPr lang="en-US" dirty="0" smtClean="0"/>
+            <a:t>Agile </a:t>
+          </a:r>
+          <a:r>
+            <a:rPr lang="en-US" dirty="0" smtClean="0"/>
+            <a:t>model</a:t>
+          </a:r>
+          <a:endParaRPr lang="en-US" dirty="0"/>
+        </a:p>
+      </dgm:t>
+    </dgm:pt>
+    <dgm:pt modelId="{21A2A793-8C28-4FBF-B131-56655A905B20}" type="parTrans" cxnId="{553FE6F1-27F8-4BAB-A7E2-EC6F04AD7955}">
+      <dgm:prSet/>
+      <dgm:spPr/>
+      <dgm:t>
+        <a:bodyPr/>
+        <a:lstStyle/>
+        <a:p>
+          <a:endParaRPr lang="en-US"/>
+        </a:p>
+      </dgm:t>
+    </dgm:pt>
+    <dgm:pt modelId="{E4A3282E-BB57-4C66-ACAD-724F46D03C99}" type="sibTrans" cxnId="{553FE6F1-27F8-4BAB-A7E2-EC6F04AD7955}">
+      <dgm:prSet/>
+      <dgm:spPr/>
+      <dgm:t>
+        <a:bodyPr/>
+        <a:lstStyle/>
+        <a:p>
+          <a:endParaRPr lang="en-US"/>
+        </a:p>
+      </dgm:t>
+    </dgm:pt>
+    <dgm:pt modelId="{BF8C4942-3560-466A-B7F7-036045090DB4}">
+      <dgm:prSet phldrT="[Text]"/>
+      <dgm:spPr/>
+      <dgm:t>
+        <a:bodyPr/>
+        <a:lstStyle/>
+        <a:p>
+          <a:pPr algn="ctr"/>
+          <a:r>
+            <a:rPr lang="en-US" dirty="0" smtClean="0"/>
+            <a:t>RAD model</a:t>
+          </a:r>
+          <a:endParaRPr lang="en-US" dirty="0"/>
+        </a:p>
+      </dgm:t>
+    </dgm:pt>
+    <dgm:pt modelId="{1BB7DC7D-6905-49E9-9FD0-654AD573C40E}" type="parTrans" cxnId="{8FCE9B16-5AA7-4F09-B332-9E3766D358F6}">
+      <dgm:prSet/>
+      <dgm:spPr/>
+      <dgm:t>
+        <a:bodyPr/>
+        <a:lstStyle/>
+        <a:p>
+          <a:endParaRPr lang="en-US"/>
+        </a:p>
+      </dgm:t>
+    </dgm:pt>
+    <dgm:pt modelId="{2E8BD8F1-AC8D-430A-A16A-29538E9A8D89}" type="sibTrans" cxnId="{8FCE9B16-5AA7-4F09-B332-9E3766D358F6}">
+      <dgm:prSet/>
+      <dgm:spPr/>
+      <dgm:t>
+        <a:bodyPr/>
+        <a:lstStyle/>
+        <a:p>
+          <a:endParaRPr lang="en-US"/>
+        </a:p>
+      </dgm:t>
+    </dgm:pt>
+    <dgm:pt modelId="{EAA2BEE3-0DBD-465D-BB64-31830BFC8ABC}">
+      <dgm:prSet phldrT="[Text]"/>
+      <dgm:spPr/>
+      <dgm:t>
+        <a:bodyPr/>
+        <a:lstStyle/>
+        <a:p>
+          <a:pPr algn="ctr"/>
+          <a:r>
+            <a:rPr lang="en-US" dirty="0" smtClean="0"/>
+            <a:t>Incremental model</a:t>
+          </a:r>
+          <a:endParaRPr lang="en-US" dirty="0"/>
+        </a:p>
+      </dgm:t>
+    </dgm:pt>
+    <dgm:pt modelId="{4622D5E9-A79E-4AC5-AC80-5F230C759282}" type="parTrans" cxnId="{327FA47C-F072-4DC1-B582-E34C662F0AC8}">
+      <dgm:prSet/>
+      <dgm:spPr/>
+      <dgm:t>
+        <a:bodyPr/>
+        <a:lstStyle/>
+        <a:p>
+          <a:endParaRPr lang="en-US"/>
+        </a:p>
+      </dgm:t>
+    </dgm:pt>
+    <dgm:pt modelId="{C8CE8BA7-678D-4C94-8F91-3A77355BB83A}" type="sibTrans" cxnId="{327FA47C-F072-4DC1-B582-E34C662F0AC8}">
+      <dgm:prSet/>
+      <dgm:spPr/>
+      <dgm:t>
+        <a:bodyPr/>
+        <a:lstStyle/>
+        <a:p>
+          <a:endParaRPr lang="en-US"/>
+        </a:p>
+      </dgm:t>
+    </dgm:pt>
+    <dgm:pt modelId="{7C910102-AEE4-484B-ACEB-B163D80A8AC3}">
+      <dgm:prSet phldrT="[Text]"/>
+      <dgm:spPr/>
+      <dgm:t>
+        <a:bodyPr/>
+        <a:lstStyle/>
+        <a:p>
+          <a:pPr algn="ctr"/>
+          <a:r>
+            <a:rPr lang="en-US" dirty="0" smtClean="0"/>
+            <a:t>V model</a:t>
+          </a:r>
+          <a:endParaRPr lang="en-US" dirty="0"/>
+        </a:p>
+      </dgm:t>
+    </dgm:pt>
+    <dgm:pt modelId="{2C662DC6-0642-4B64-BA19-E82C9A57D4C8}" type="parTrans" cxnId="{93AA4161-2792-4A73-924C-3A9358908DED}">
+      <dgm:prSet/>
+      <dgm:spPr/>
+      <dgm:t>
+        <a:bodyPr/>
+        <a:lstStyle/>
+        <a:p>
+          <a:endParaRPr lang="en-US"/>
+        </a:p>
+      </dgm:t>
+    </dgm:pt>
+    <dgm:pt modelId="{821F0E55-CEF6-48A1-AC37-6D1FD50F8A7C}" type="sibTrans" cxnId="{93AA4161-2792-4A73-924C-3A9358908DED}">
+      <dgm:prSet/>
+      <dgm:spPr/>
+      <dgm:t>
+        <a:bodyPr/>
+        <a:lstStyle/>
+        <a:p>
+          <a:endParaRPr lang="en-US"/>
+        </a:p>
+      </dgm:t>
+    </dgm:pt>
+    <dgm:pt modelId="{801A760C-B3A6-4942-B41F-1B74F7CFB869}">
+      <dgm:prSet phldrT="[Text]"/>
+      <dgm:spPr/>
+      <dgm:t>
+        <a:bodyPr/>
+        <a:lstStyle/>
+        <a:p>
+          <a:pPr algn="ctr"/>
+          <a:r>
+            <a:rPr lang="en-US" dirty="0" smtClean="0"/>
+            <a:t>Spiral model</a:t>
+          </a:r>
+          <a:endParaRPr lang="en-US" dirty="0"/>
+        </a:p>
+      </dgm:t>
+    </dgm:pt>
+    <dgm:pt modelId="{FF8C1F41-9000-4666-8B3C-F006C6352F33}" type="parTrans" cxnId="{E5A2C89A-9107-4792-8CCC-4898D6EC5DBA}">
+      <dgm:prSet/>
+      <dgm:spPr/>
+      <dgm:t>
+        <a:bodyPr/>
+        <a:lstStyle/>
+        <a:p>
+          <a:endParaRPr lang="en-US"/>
+        </a:p>
+      </dgm:t>
+    </dgm:pt>
+    <dgm:pt modelId="{088CB9C7-E6AD-4656-9612-A21801614288}" type="sibTrans" cxnId="{E5A2C89A-9107-4792-8CCC-4898D6EC5DBA}">
+      <dgm:prSet/>
+      <dgm:spPr/>
+      <dgm:t>
+        <a:bodyPr/>
+        <a:lstStyle/>
+        <a:p>
+          <a:endParaRPr lang="en-US"/>
+        </a:p>
+      </dgm:t>
+    </dgm:pt>
+    <dgm:pt modelId="{AF29EEAD-64B5-4C37-8C6D-6E10B5F4AE2B}" type="pres">
+      <dgm:prSet presAssocID="{8A4D3A20-F65F-4192-9123-EAC5330E5D1D}" presName="Name0" presStyleCnt="0">
+        <dgm:presLayoutVars>
+          <dgm:chMax val="1"/>
+          <dgm:dir/>
+          <dgm:animLvl val="ctr"/>
+          <dgm:resizeHandles val="exact"/>
+        </dgm:presLayoutVars>
+      </dgm:prSet>
+      <dgm:spPr/>
+    </dgm:pt>
+    <dgm:pt modelId="{8046D806-D633-4925-88FF-13EA3736C642}" type="pres">
+      <dgm:prSet presAssocID="{3E21CBF3-ED67-4DE4-92E8-D28F4E02C66C}" presName="centerShape" presStyleLbl="node0" presStyleIdx="0" presStyleCnt="1"/>
+      <dgm:spPr/>
+      <dgm:t>
+        <a:bodyPr/>
+        <a:lstStyle/>
+        <a:p>
+          <a:endParaRPr lang="en-US"/>
+        </a:p>
+      </dgm:t>
+    </dgm:pt>
+    <dgm:pt modelId="{0B9D4084-EA21-4F7B-A20F-0E1723A71ADE}" type="pres">
+      <dgm:prSet presAssocID="{3A1CE0DB-424D-4E8C-9CC4-E9A7F0192187}" presName="node" presStyleLbl="node1" presStyleIdx="0" presStyleCnt="7">
+        <dgm:presLayoutVars>
+          <dgm:bulletEnabled val="1"/>
+        </dgm:presLayoutVars>
+      </dgm:prSet>
+      <dgm:spPr/>
+      <dgm:t>
+        <a:bodyPr/>
+        <a:lstStyle/>
+        <a:p>
+          <a:endParaRPr lang="en-US"/>
+        </a:p>
+      </dgm:t>
+    </dgm:pt>
+    <dgm:pt modelId="{C3F76657-0C10-4626-945F-7A6C8CB3D378}" type="pres">
+      <dgm:prSet presAssocID="{3A1CE0DB-424D-4E8C-9CC4-E9A7F0192187}" presName="dummy" presStyleCnt="0"/>
+      <dgm:spPr/>
+    </dgm:pt>
+    <dgm:pt modelId="{98C0CE5D-6568-4C58-8044-A6118E4DFAF6}" type="pres">
+      <dgm:prSet presAssocID="{52532CF6-0526-4785-A2A6-1AD1072ADB9D}" presName="sibTrans" presStyleLbl="sibTrans2D1" presStyleIdx="0" presStyleCnt="7"/>
+      <dgm:spPr/>
+    </dgm:pt>
+    <dgm:pt modelId="{024B37C8-2E78-4627-9714-90BFEACD2D8D}" type="pres">
+      <dgm:prSet presAssocID="{446E3B0E-A84C-4C0D-90C5-2CDA8EE8A1E3}" presName="node" presStyleLbl="node1" presStyleIdx="1" presStyleCnt="7">
+        <dgm:presLayoutVars>
+          <dgm:bulletEnabled val="1"/>
+        </dgm:presLayoutVars>
+      </dgm:prSet>
+      <dgm:spPr/>
+      <dgm:t>
+        <a:bodyPr/>
+        <a:lstStyle/>
+        <a:p>
+          <a:endParaRPr lang="en-US"/>
+        </a:p>
+      </dgm:t>
+    </dgm:pt>
+    <dgm:pt modelId="{1C97F2A5-5C24-4585-9A86-9D9C4FF71750}" type="pres">
+      <dgm:prSet presAssocID="{446E3B0E-A84C-4C0D-90C5-2CDA8EE8A1E3}" presName="dummy" presStyleCnt="0"/>
+      <dgm:spPr/>
+    </dgm:pt>
+    <dgm:pt modelId="{3403E89E-646F-4749-98B8-1636056908AA}" type="pres">
+      <dgm:prSet presAssocID="{1E6BF274-94E7-49EA-823A-D7901911558F}" presName="sibTrans" presStyleLbl="sibTrans2D1" presStyleIdx="1" presStyleCnt="7"/>
+      <dgm:spPr/>
+    </dgm:pt>
+    <dgm:pt modelId="{D02A1073-280A-4030-B61B-6AB009F7EB42}" type="pres">
+      <dgm:prSet presAssocID="{BD0E6AD9-71FA-4C38-8A7F-3AE8864E181B}" presName="node" presStyleLbl="node1" presStyleIdx="2" presStyleCnt="7">
+        <dgm:presLayoutVars>
+          <dgm:bulletEnabled val="1"/>
+        </dgm:presLayoutVars>
+      </dgm:prSet>
+      <dgm:spPr/>
+      <dgm:t>
+        <a:bodyPr/>
+        <a:lstStyle/>
+        <a:p>
+          <a:endParaRPr lang="en-US"/>
+        </a:p>
+      </dgm:t>
+    </dgm:pt>
+    <dgm:pt modelId="{F71AE671-5521-4538-904C-D35BB1613898}" type="pres">
+      <dgm:prSet presAssocID="{BD0E6AD9-71FA-4C38-8A7F-3AE8864E181B}" presName="dummy" presStyleCnt="0"/>
+      <dgm:spPr/>
+    </dgm:pt>
+    <dgm:pt modelId="{ADF11B85-49CD-4C45-834D-28EF8F01FAF4}" type="pres">
+      <dgm:prSet presAssocID="{E4A3282E-BB57-4C66-ACAD-724F46D03C99}" presName="sibTrans" presStyleLbl="sibTrans2D1" presStyleIdx="2" presStyleCnt="7"/>
+      <dgm:spPr/>
+    </dgm:pt>
+    <dgm:pt modelId="{B0856285-8B4C-4921-A3FF-D6436B7247C2}" type="pres">
+      <dgm:prSet presAssocID="{BF8C4942-3560-466A-B7F7-036045090DB4}" presName="node" presStyleLbl="node1" presStyleIdx="3" presStyleCnt="7">
+        <dgm:presLayoutVars>
+          <dgm:bulletEnabled val="1"/>
+        </dgm:presLayoutVars>
+      </dgm:prSet>
+      <dgm:spPr/>
+      <dgm:t>
+        <a:bodyPr/>
+        <a:lstStyle/>
+        <a:p>
+          <a:endParaRPr lang="en-US"/>
+        </a:p>
+      </dgm:t>
+    </dgm:pt>
+    <dgm:pt modelId="{DDABE81E-CC26-47A2-9338-31B34FE15AC9}" type="pres">
+      <dgm:prSet presAssocID="{BF8C4942-3560-466A-B7F7-036045090DB4}" presName="dummy" presStyleCnt="0"/>
+      <dgm:spPr/>
+    </dgm:pt>
+    <dgm:pt modelId="{D4C25836-BB1E-40C6-9055-79DFE51E84A4}" type="pres">
+      <dgm:prSet presAssocID="{2E8BD8F1-AC8D-430A-A16A-29538E9A8D89}" presName="sibTrans" presStyleLbl="sibTrans2D1" presStyleIdx="3" presStyleCnt="7"/>
+      <dgm:spPr/>
+    </dgm:pt>
+    <dgm:pt modelId="{120EC894-2FDD-4E69-8DA1-1E4987D6750C}" type="pres">
+      <dgm:prSet presAssocID="{EAA2BEE3-0DBD-465D-BB64-31830BFC8ABC}" presName="node" presStyleLbl="node1" presStyleIdx="4" presStyleCnt="7">
+        <dgm:presLayoutVars>
+          <dgm:bulletEnabled val="1"/>
+        </dgm:presLayoutVars>
+      </dgm:prSet>
+      <dgm:spPr/>
+    </dgm:pt>
+    <dgm:pt modelId="{66F65755-7427-4647-92AB-FF700CB7E917}" type="pres">
+      <dgm:prSet presAssocID="{EAA2BEE3-0DBD-465D-BB64-31830BFC8ABC}" presName="dummy" presStyleCnt="0"/>
+      <dgm:spPr/>
+    </dgm:pt>
+    <dgm:pt modelId="{62725212-3288-4862-A14D-4E6BB5BCB641}" type="pres">
+      <dgm:prSet presAssocID="{C8CE8BA7-678D-4C94-8F91-3A77355BB83A}" presName="sibTrans" presStyleLbl="sibTrans2D1" presStyleIdx="4" presStyleCnt="7"/>
+      <dgm:spPr/>
+    </dgm:pt>
+    <dgm:pt modelId="{5EBC7458-FEF4-4BAA-BB89-62B9D0604C8A}" type="pres">
+      <dgm:prSet presAssocID="{7C910102-AEE4-484B-ACEB-B163D80A8AC3}" presName="node" presStyleLbl="node1" presStyleIdx="5" presStyleCnt="7">
+        <dgm:presLayoutVars>
+          <dgm:bulletEnabled val="1"/>
+        </dgm:presLayoutVars>
+      </dgm:prSet>
+      <dgm:spPr/>
+    </dgm:pt>
+    <dgm:pt modelId="{785A8803-C189-4C0B-A46B-F84FE7925713}" type="pres">
+      <dgm:prSet presAssocID="{7C910102-AEE4-484B-ACEB-B163D80A8AC3}" presName="dummy" presStyleCnt="0"/>
+      <dgm:spPr/>
+    </dgm:pt>
+    <dgm:pt modelId="{43787B64-6ECE-4862-83FC-999710B65D94}" type="pres">
+      <dgm:prSet presAssocID="{821F0E55-CEF6-48A1-AC37-6D1FD50F8A7C}" presName="sibTrans" presStyleLbl="sibTrans2D1" presStyleIdx="5" presStyleCnt="7"/>
+      <dgm:spPr/>
+    </dgm:pt>
+    <dgm:pt modelId="{C0E538A1-8247-4D29-A464-326B7E9E49F2}" type="pres">
+      <dgm:prSet presAssocID="{801A760C-B3A6-4942-B41F-1B74F7CFB869}" presName="node" presStyleLbl="node1" presStyleIdx="6" presStyleCnt="7">
+        <dgm:presLayoutVars>
+          <dgm:bulletEnabled val="1"/>
+        </dgm:presLayoutVars>
+      </dgm:prSet>
+      <dgm:spPr/>
+      <dgm:t>
+        <a:bodyPr/>
+        <a:lstStyle/>
+        <a:p>
+          <a:endParaRPr lang="en-US"/>
+        </a:p>
+      </dgm:t>
+    </dgm:pt>
+    <dgm:pt modelId="{D04A1D7A-1F4E-4F24-8F55-DAB82E2F31D9}" type="pres">
+      <dgm:prSet presAssocID="{801A760C-B3A6-4942-B41F-1B74F7CFB869}" presName="dummy" presStyleCnt="0"/>
+      <dgm:spPr/>
+    </dgm:pt>
+    <dgm:pt modelId="{974D1544-313C-4B85-96E4-F98694E51952}" type="pres">
+      <dgm:prSet presAssocID="{088CB9C7-E6AD-4656-9612-A21801614288}" presName="sibTrans" presStyleLbl="sibTrans2D1" presStyleIdx="6" presStyleCnt="7"/>
+      <dgm:spPr/>
+    </dgm:pt>
+  </dgm:ptLst>
+  <dgm:cxnLst>
+    <dgm:cxn modelId="{CC218D1B-DE1E-4C94-83BC-7E2AA8A513E5}" type="presOf" srcId="{821F0E55-CEF6-48A1-AC37-6D1FD50F8A7C}" destId="{43787B64-6ECE-4862-83FC-999710B65D94}" srcOrd="0" destOrd="0" presId="urn:microsoft.com/office/officeart/2005/8/layout/radial6"/>
+    <dgm:cxn modelId="{81F40D88-E1FA-41F6-BC21-DA8471BBF5BC}" type="presOf" srcId="{3A1CE0DB-424D-4E8C-9CC4-E9A7F0192187}" destId="{0B9D4084-EA21-4F7B-A20F-0E1723A71ADE}" srcOrd="0" destOrd="0" presId="urn:microsoft.com/office/officeart/2005/8/layout/radial6"/>
+    <dgm:cxn modelId="{FB39E0B0-FD2B-47CC-8CE3-29C073135CA4}" type="presOf" srcId="{446E3B0E-A84C-4C0D-90C5-2CDA8EE8A1E3}" destId="{024B37C8-2E78-4627-9714-90BFEACD2D8D}" srcOrd="0" destOrd="0" presId="urn:microsoft.com/office/officeart/2005/8/layout/radial6"/>
+    <dgm:cxn modelId="{4F5D3727-F173-42E5-BE78-47119F4A09E9}" type="presOf" srcId="{E4A3282E-BB57-4C66-ACAD-724F46D03C99}" destId="{ADF11B85-49CD-4C45-834D-28EF8F01FAF4}" srcOrd="0" destOrd="0" presId="urn:microsoft.com/office/officeart/2005/8/layout/radial6"/>
+    <dgm:cxn modelId="{EFFA6EF2-B05B-4E0A-B221-5F635EFD3D52}" type="presOf" srcId="{088CB9C7-E6AD-4656-9612-A21801614288}" destId="{974D1544-313C-4B85-96E4-F98694E51952}" srcOrd="0" destOrd="0" presId="urn:microsoft.com/office/officeart/2005/8/layout/radial6"/>
+    <dgm:cxn modelId="{DAA053A5-BCE7-48B6-8287-21AE5DC5B4BA}" type="presOf" srcId="{7C910102-AEE4-484B-ACEB-B163D80A8AC3}" destId="{5EBC7458-FEF4-4BAA-BB89-62B9D0604C8A}" srcOrd="0" destOrd="0" presId="urn:microsoft.com/office/officeart/2005/8/layout/radial6"/>
+    <dgm:cxn modelId="{E9743714-F755-4952-B8AE-87189FB9134E}" type="presOf" srcId="{EAA2BEE3-0DBD-465D-BB64-31830BFC8ABC}" destId="{120EC894-2FDD-4E69-8DA1-1E4987D6750C}" srcOrd="0" destOrd="0" presId="urn:microsoft.com/office/officeart/2005/8/layout/radial6"/>
+    <dgm:cxn modelId="{4DD5694D-2AF2-4CFA-9337-E79D88305FFC}" type="presOf" srcId="{3E21CBF3-ED67-4DE4-92E8-D28F4E02C66C}" destId="{8046D806-D633-4925-88FF-13EA3736C642}" srcOrd="0" destOrd="0" presId="urn:microsoft.com/office/officeart/2005/8/layout/radial6"/>
+    <dgm:cxn modelId="{42468133-6626-413F-8036-DCB1ECD7F00D}" srcId="{8A4D3A20-F65F-4192-9123-EAC5330E5D1D}" destId="{3E21CBF3-ED67-4DE4-92E8-D28F4E02C66C}" srcOrd="0" destOrd="0" parTransId="{62D71432-5937-427D-9E65-CD7804702917}" sibTransId="{56D95F66-2F36-41C3-A4C8-AAA41A7C5935}"/>
+    <dgm:cxn modelId="{50BB35C0-5301-4620-96E0-8F8C590935C8}" type="presOf" srcId="{1E6BF274-94E7-49EA-823A-D7901911558F}" destId="{3403E89E-646F-4749-98B8-1636056908AA}" srcOrd="0" destOrd="0" presId="urn:microsoft.com/office/officeart/2005/8/layout/radial6"/>
+    <dgm:cxn modelId="{CE250DD7-ACD0-419C-BC0A-C35258FD7568}" type="presOf" srcId="{C8CE8BA7-678D-4C94-8F91-3A77355BB83A}" destId="{62725212-3288-4862-A14D-4E6BB5BCB641}" srcOrd="0" destOrd="0" presId="urn:microsoft.com/office/officeart/2005/8/layout/radial6"/>
+    <dgm:cxn modelId="{92566467-7247-47BB-92DD-F94AED937561}" type="presOf" srcId="{BF8C4942-3560-466A-B7F7-036045090DB4}" destId="{B0856285-8B4C-4921-A3FF-D6436B7247C2}" srcOrd="0" destOrd="0" presId="urn:microsoft.com/office/officeart/2005/8/layout/radial6"/>
+    <dgm:cxn modelId="{66EDC8FB-B067-479B-8726-281A44F690D2}" type="presOf" srcId="{52532CF6-0526-4785-A2A6-1AD1072ADB9D}" destId="{98C0CE5D-6568-4C58-8044-A6118E4DFAF6}" srcOrd="0" destOrd="0" presId="urn:microsoft.com/office/officeart/2005/8/layout/radial6"/>
+    <dgm:cxn modelId="{D76F3C5A-023F-4A45-ACBC-D57F39A6B014}" type="presOf" srcId="{2E8BD8F1-AC8D-430A-A16A-29538E9A8D89}" destId="{D4C25836-BB1E-40C6-9055-79DFE51E84A4}" srcOrd="0" destOrd="0" presId="urn:microsoft.com/office/officeart/2005/8/layout/radial6"/>
+    <dgm:cxn modelId="{93AA4161-2792-4A73-924C-3A9358908DED}" srcId="{3E21CBF3-ED67-4DE4-92E8-D28F4E02C66C}" destId="{7C910102-AEE4-484B-ACEB-B163D80A8AC3}" srcOrd="5" destOrd="0" parTransId="{2C662DC6-0642-4B64-BA19-E82C9A57D4C8}" sibTransId="{821F0E55-CEF6-48A1-AC37-6D1FD50F8A7C}"/>
+    <dgm:cxn modelId="{9567DEDF-D775-4550-8F1F-6817B3956601}" type="presOf" srcId="{8A4D3A20-F65F-4192-9123-EAC5330E5D1D}" destId="{AF29EEAD-64B5-4C37-8C6D-6E10B5F4AE2B}" srcOrd="0" destOrd="0" presId="urn:microsoft.com/office/officeart/2005/8/layout/radial6"/>
+    <dgm:cxn modelId="{FFE282E0-13BB-4F72-8399-760865E79B14}" type="presOf" srcId="{BD0E6AD9-71FA-4C38-8A7F-3AE8864E181B}" destId="{D02A1073-280A-4030-B61B-6AB009F7EB42}" srcOrd="0" destOrd="0" presId="urn:microsoft.com/office/officeart/2005/8/layout/radial6"/>
+    <dgm:cxn modelId="{E5A2C89A-9107-4792-8CCC-4898D6EC5DBA}" srcId="{3E21CBF3-ED67-4DE4-92E8-D28F4E02C66C}" destId="{801A760C-B3A6-4942-B41F-1B74F7CFB869}" srcOrd="6" destOrd="0" parTransId="{FF8C1F41-9000-4666-8B3C-F006C6352F33}" sibTransId="{088CB9C7-E6AD-4656-9612-A21801614288}"/>
+    <dgm:cxn modelId="{327FA47C-F072-4DC1-B582-E34C662F0AC8}" srcId="{3E21CBF3-ED67-4DE4-92E8-D28F4E02C66C}" destId="{EAA2BEE3-0DBD-465D-BB64-31830BFC8ABC}" srcOrd="4" destOrd="0" parTransId="{4622D5E9-A79E-4AC5-AC80-5F230C759282}" sibTransId="{C8CE8BA7-678D-4C94-8F91-3A77355BB83A}"/>
+    <dgm:cxn modelId="{F2CD6D79-35C3-46D2-8458-7C54E7AD556B}" srcId="{3E21CBF3-ED67-4DE4-92E8-D28F4E02C66C}" destId="{446E3B0E-A84C-4C0D-90C5-2CDA8EE8A1E3}" srcOrd="1" destOrd="0" parTransId="{86A5A7C0-6915-4FCE-82B7-85A9613781AF}" sibTransId="{1E6BF274-94E7-49EA-823A-D7901911558F}"/>
+    <dgm:cxn modelId="{CB5E1146-E11D-4CD5-866D-1BEA23F58352}" srcId="{3E21CBF3-ED67-4DE4-92E8-D28F4E02C66C}" destId="{3A1CE0DB-424D-4E8C-9CC4-E9A7F0192187}" srcOrd="0" destOrd="0" parTransId="{584E096D-ECCA-45D3-8418-8AF5829CA25D}" sibTransId="{52532CF6-0526-4785-A2A6-1AD1072ADB9D}"/>
+    <dgm:cxn modelId="{8FCE9B16-5AA7-4F09-B332-9E3766D358F6}" srcId="{3E21CBF3-ED67-4DE4-92E8-D28F4E02C66C}" destId="{BF8C4942-3560-466A-B7F7-036045090DB4}" srcOrd="3" destOrd="0" parTransId="{1BB7DC7D-6905-49E9-9FD0-654AD573C40E}" sibTransId="{2E8BD8F1-AC8D-430A-A16A-29538E9A8D89}"/>
+    <dgm:cxn modelId="{018C504D-7874-4067-8879-D7782E9BE75B}" type="presOf" srcId="{801A760C-B3A6-4942-B41F-1B74F7CFB869}" destId="{C0E538A1-8247-4D29-A464-326B7E9E49F2}" srcOrd="0" destOrd="0" presId="urn:microsoft.com/office/officeart/2005/8/layout/radial6"/>
+    <dgm:cxn modelId="{553FE6F1-27F8-4BAB-A7E2-EC6F04AD7955}" srcId="{3E21CBF3-ED67-4DE4-92E8-D28F4E02C66C}" destId="{BD0E6AD9-71FA-4C38-8A7F-3AE8864E181B}" srcOrd="2" destOrd="0" parTransId="{21A2A793-8C28-4FBF-B131-56655A905B20}" sibTransId="{E4A3282E-BB57-4C66-ACAD-724F46D03C99}"/>
+    <dgm:cxn modelId="{A04761CE-40E8-4443-8732-F45F58B56D78}" type="presParOf" srcId="{AF29EEAD-64B5-4C37-8C6D-6E10B5F4AE2B}" destId="{8046D806-D633-4925-88FF-13EA3736C642}" srcOrd="0" destOrd="0" presId="urn:microsoft.com/office/officeart/2005/8/layout/radial6"/>
+    <dgm:cxn modelId="{2BDE61AF-93C8-4714-955F-AC1CEEAD996A}" type="presParOf" srcId="{AF29EEAD-64B5-4C37-8C6D-6E10B5F4AE2B}" destId="{0B9D4084-EA21-4F7B-A20F-0E1723A71ADE}" srcOrd="1" destOrd="0" presId="urn:microsoft.com/office/officeart/2005/8/layout/radial6"/>
+    <dgm:cxn modelId="{D3FBE3C8-C3B7-4527-A151-529E9FDD7DB8}" type="presParOf" srcId="{AF29EEAD-64B5-4C37-8C6D-6E10B5F4AE2B}" destId="{C3F76657-0C10-4626-945F-7A6C8CB3D378}" srcOrd="2" destOrd="0" presId="urn:microsoft.com/office/officeart/2005/8/layout/radial6"/>
+    <dgm:cxn modelId="{18695BCA-EF97-47BC-90CA-6D31EAD3B109}" type="presParOf" srcId="{AF29EEAD-64B5-4C37-8C6D-6E10B5F4AE2B}" destId="{98C0CE5D-6568-4C58-8044-A6118E4DFAF6}" srcOrd="3" destOrd="0" presId="urn:microsoft.com/office/officeart/2005/8/layout/radial6"/>
+    <dgm:cxn modelId="{9A0DC6E3-96D5-41B5-A4C1-C1862AEB68C0}" type="presParOf" srcId="{AF29EEAD-64B5-4C37-8C6D-6E10B5F4AE2B}" destId="{024B37C8-2E78-4627-9714-90BFEACD2D8D}" srcOrd="4" destOrd="0" presId="urn:microsoft.com/office/officeart/2005/8/layout/radial6"/>
+    <dgm:cxn modelId="{9BA7FF4B-AE5A-46E6-9F88-5AC023522EFC}" type="presParOf" srcId="{AF29EEAD-64B5-4C37-8C6D-6E10B5F4AE2B}" destId="{1C97F2A5-5C24-4585-9A86-9D9C4FF71750}" srcOrd="5" destOrd="0" presId="urn:microsoft.com/office/officeart/2005/8/layout/radial6"/>
+    <dgm:cxn modelId="{EC02D684-EB06-4228-8C76-8B6CF01FD24B}" type="presParOf" srcId="{AF29EEAD-64B5-4C37-8C6D-6E10B5F4AE2B}" destId="{3403E89E-646F-4749-98B8-1636056908AA}" srcOrd="6" destOrd="0" presId="urn:microsoft.com/office/officeart/2005/8/layout/radial6"/>
+    <dgm:cxn modelId="{73223CEF-E95C-492D-9D3F-F72A41759F7E}" type="presParOf" srcId="{AF29EEAD-64B5-4C37-8C6D-6E10B5F4AE2B}" destId="{D02A1073-280A-4030-B61B-6AB009F7EB42}" srcOrd="7" destOrd="0" presId="urn:microsoft.com/office/officeart/2005/8/layout/radial6"/>
+    <dgm:cxn modelId="{71CF2860-43E2-4330-B0E4-D09931B393A4}" type="presParOf" srcId="{AF29EEAD-64B5-4C37-8C6D-6E10B5F4AE2B}" destId="{F71AE671-5521-4538-904C-D35BB1613898}" srcOrd="8" destOrd="0" presId="urn:microsoft.com/office/officeart/2005/8/layout/radial6"/>
+    <dgm:cxn modelId="{D29A35B0-8ADF-49ED-871D-B60F845316AE}" type="presParOf" srcId="{AF29EEAD-64B5-4C37-8C6D-6E10B5F4AE2B}" destId="{ADF11B85-49CD-4C45-834D-28EF8F01FAF4}" srcOrd="9" destOrd="0" presId="urn:microsoft.com/office/officeart/2005/8/layout/radial6"/>
+    <dgm:cxn modelId="{6CA34BC4-818D-4361-9C5D-D5AF6B056736}" type="presParOf" srcId="{AF29EEAD-64B5-4C37-8C6D-6E10B5F4AE2B}" destId="{B0856285-8B4C-4921-A3FF-D6436B7247C2}" srcOrd="10" destOrd="0" presId="urn:microsoft.com/office/officeart/2005/8/layout/radial6"/>
+    <dgm:cxn modelId="{AC8B3017-3CDA-4546-83BA-E319FA0AAE83}" type="presParOf" srcId="{AF29EEAD-64B5-4C37-8C6D-6E10B5F4AE2B}" destId="{DDABE81E-CC26-47A2-9338-31B34FE15AC9}" srcOrd="11" destOrd="0" presId="urn:microsoft.com/office/officeart/2005/8/layout/radial6"/>
+    <dgm:cxn modelId="{2D6F50A9-6A12-480E-8451-1864D0050715}" type="presParOf" srcId="{AF29EEAD-64B5-4C37-8C6D-6E10B5F4AE2B}" destId="{D4C25836-BB1E-40C6-9055-79DFE51E84A4}" srcOrd="12" destOrd="0" presId="urn:microsoft.com/office/officeart/2005/8/layout/radial6"/>
+    <dgm:cxn modelId="{E3648074-F09B-4FB0-9102-3E772C2778DD}" type="presParOf" srcId="{AF29EEAD-64B5-4C37-8C6D-6E10B5F4AE2B}" destId="{120EC894-2FDD-4E69-8DA1-1E4987D6750C}" srcOrd="13" destOrd="0" presId="urn:microsoft.com/office/officeart/2005/8/layout/radial6"/>
+    <dgm:cxn modelId="{219E75F9-07C6-4F34-9ECE-8150F05FFD9F}" type="presParOf" srcId="{AF29EEAD-64B5-4C37-8C6D-6E10B5F4AE2B}" destId="{66F65755-7427-4647-92AB-FF700CB7E917}" srcOrd="14" destOrd="0" presId="urn:microsoft.com/office/officeart/2005/8/layout/radial6"/>
+    <dgm:cxn modelId="{3F95E3AE-0038-4883-8768-4D153E60C8CE}" type="presParOf" srcId="{AF29EEAD-64B5-4C37-8C6D-6E10B5F4AE2B}" destId="{62725212-3288-4862-A14D-4E6BB5BCB641}" srcOrd="15" destOrd="0" presId="urn:microsoft.com/office/officeart/2005/8/layout/radial6"/>
+    <dgm:cxn modelId="{A63A05CC-42A9-4E85-83AC-D3152BB4B9DC}" type="presParOf" srcId="{AF29EEAD-64B5-4C37-8C6D-6E10B5F4AE2B}" destId="{5EBC7458-FEF4-4BAA-BB89-62B9D0604C8A}" srcOrd="16" destOrd="0" presId="urn:microsoft.com/office/officeart/2005/8/layout/radial6"/>
+    <dgm:cxn modelId="{BA69A497-2907-4358-8BB4-FCD39E12415F}" type="presParOf" srcId="{AF29EEAD-64B5-4C37-8C6D-6E10B5F4AE2B}" destId="{785A8803-C189-4C0B-A46B-F84FE7925713}" srcOrd="17" destOrd="0" presId="urn:microsoft.com/office/officeart/2005/8/layout/radial6"/>
+    <dgm:cxn modelId="{F9956F98-AA88-4CA8-9025-EF0344BA0718}" type="presParOf" srcId="{AF29EEAD-64B5-4C37-8C6D-6E10B5F4AE2B}" destId="{43787B64-6ECE-4862-83FC-999710B65D94}" srcOrd="18" destOrd="0" presId="urn:microsoft.com/office/officeart/2005/8/layout/radial6"/>
+    <dgm:cxn modelId="{10D8FFDA-A5E9-4B88-B5E3-F730BFA850C6}" type="presParOf" srcId="{AF29EEAD-64B5-4C37-8C6D-6E10B5F4AE2B}" destId="{C0E538A1-8247-4D29-A464-326B7E9E49F2}" srcOrd="19" destOrd="0" presId="urn:microsoft.com/office/officeart/2005/8/layout/radial6"/>
+    <dgm:cxn modelId="{2DD2A0F2-2CF9-4CAA-AC30-217A9C87F1DF}" type="presParOf" srcId="{AF29EEAD-64B5-4C37-8C6D-6E10B5F4AE2B}" destId="{D04A1D7A-1F4E-4F24-8F55-DAB82E2F31D9}" srcOrd="20" destOrd="0" presId="urn:microsoft.com/office/officeart/2005/8/layout/radial6"/>
+    <dgm:cxn modelId="{6F0E05C2-8273-4401-ABAF-A301392BE9F4}" type="presParOf" srcId="{AF29EEAD-64B5-4C37-8C6D-6E10B5F4AE2B}" destId="{974D1544-313C-4B85-96E4-F98694E51952}" srcOrd="21" destOrd="0" presId="urn:microsoft.com/office/officeart/2005/8/layout/radial6"/>
+  </dgm:cxnLst>
+  <dgm:bg/>
+  <dgm:whole/>
+  <dgm:extLst>
+    <a:ext uri="http://schemas.microsoft.com/office/drawing/2008/diagram">
+      <dsp:dataModelExt xmlns:dsp="http://schemas.microsoft.com/office/drawing/2008/diagram" relId="rId6" minVer="http://schemas.openxmlformats.org/drawingml/2006/diagram"/>
+    </a:ext>
+  </dgm:extLst>
+</dgm:dataModel>
+</file>
+
+<file path=ppt/diagrams/drawing1.xml><?xml version="1.0" encoding="utf-8"?>
+<dsp:drawing xmlns:dgm="http://schemas.openxmlformats.org/drawingml/2006/diagram" xmlns:dsp="http://schemas.microsoft.com/office/drawing/2008/diagram" xmlns:a="http://schemas.openxmlformats.org/drawingml/2006/main">
+  <dsp:spTree>
+    <dsp:nvGrpSpPr>
+      <dsp:cNvPr id="0" name=""/>
+      <dsp:cNvGrpSpPr/>
+    </dsp:nvGrpSpPr>
+    <dsp:grpSpPr/>
+    <dsp:sp modelId="{974D1544-313C-4B85-96E4-F98694E51952}">
+      <dsp:nvSpPr>
+        <dsp:cNvPr id="0" name=""/>
+        <dsp:cNvSpPr/>
+      </dsp:nvSpPr>
+      <dsp:spPr>
+        <a:xfrm>
+          <a:off x="1576052" y="508629"/>
+          <a:ext cx="4044300" cy="4044300"/>
+        </a:xfrm>
+        <a:prstGeom prst="blockArc">
+          <a:avLst>
+            <a:gd name="adj1" fmla="val 13114286"/>
+            <a:gd name="adj2" fmla="val 16200000"/>
+            <a:gd name="adj3" fmla="val 3897"/>
+          </a:avLst>
+        </a:prstGeom>
+        <a:solidFill>
+          <a:schemeClr val="accent1">
+            <a:tint val="60000"/>
+            <a:hueOff val="0"/>
+            <a:satOff val="0"/>
+            <a:lumOff val="0"/>
+            <a:alphaOff val="0"/>
+          </a:schemeClr>
+        </a:solidFill>
+        <a:ln>
+          <a:noFill/>
+        </a:ln>
+        <a:effectLst/>
+      </dsp:spPr>
+      <dsp:style>
+        <a:lnRef idx="0">
+          <a:scrgbClr r="0" g="0" b="0"/>
+        </a:lnRef>
+        <a:fillRef idx="1">
+          <a:scrgbClr r="0" g="0" b="0"/>
+        </a:fillRef>
+        <a:effectRef idx="0">
+          <a:scrgbClr r="0" g="0" b="0"/>
+        </a:effectRef>
+        <a:fontRef idx="minor">
+          <a:schemeClr val="lt1"/>
+        </a:fontRef>
+      </dsp:style>
+    </dsp:sp>
+    <dsp:sp modelId="{43787B64-6ECE-4862-83FC-999710B65D94}">
+      <dsp:nvSpPr>
+        <dsp:cNvPr id="0" name=""/>
+        <dsp:cNvSpPr/>
+      </dsp:nvSpPr>
+      <dsp:spPr>
+        <a:xfrm>
+          <a:off x="1576052" y="508629"/>
+          <a:ext cx="4044300" cy="4044300"/>
+        </a:xfrm>
+        <a:prstGeom prst="blockArc">
+          <a:avLst>
+            <a:gd name="adj1" fmla="val 10028571"/>
+            <a:gd name="adj2" fmla="val 13114286"/>
+            <a:gd name="adj3" fmla="val 3897"/>
+          </a:avLst>
+        </a:prstGeom>
+        <a:solidFill>
+          <a:schemeClr val="accent1">
+            <a:tint val="60000"/>
+            <a:hueOff val="0"/>
+            <a:satOff val="0"/>
+            <a:lumOff val="0"/>
+            <a:alphaOff val="0"/>
+          </a:schemeClr>
+        </a:solidFill>
+        <a:ln>
+          <a:noFill/>
+        </a:ln>
+        <a:effectLst/>
+      </dsp:spPr>
+      <dsp:style>
+        <a:lnRef idx="0">
+          <a:scrgbClr r="0" g="0" b="0"/>
+        </a:lnRef>
+        <a:fillRef idx="1">
+          <a:scrgbClr r="0" g="0" b="0"/>
+        </a:fillRef>
+        <a:effectRef idx="0">
+          <a:scrgbClr r="0" g="0" b="0"/>
+        </a:effectRef>
+        <a:fontRef idx="minor">
+          <a:schemeClr val="lt1"/>
+        </a:fontRef>
+      </dsp:style>
+    </dsp:sp>
+    <dsp:sp modelId="{62725212-3288-4862-A14D-4E6BB5BCB641}">
+      <dsp:nvSpPr>
+        <dsp:cNvPr id="0" name=""/>
+        <dsp:cNvSpPr/>
+      </dsp:nvSpPr>
+      <dsp:spPr>
+        <a:xfrm>
+          <a:off x="1576052" y="508629"/>
+          <a:ext cx="4044300" cy="4044300"/>
+        </a:xfrm>
+        <a:prstGeom prst="blockArc">
+          <a:avLst>
+            <a:gd name="adj1" fmla="val 6942857"/>
+            <a:gd name="adj2" fmla="val 10028571"/>
+            <a:gd name="adj3" fmla="val 3897"/>
+          </a:avLst>
+        </a:prstGeom>
+        <a:solidFill>
+          <a:schemeClr val="accent1">
+            <a:tint val="60000"/>
+            <a:hueOff val="0"/>
+            <a:satOff val="0"/>
+            <a:lumOff val="0"/>
+            <a:alphaOff val="0"/>
+          </a:schemeClr>
+        </a:solidFill>
+        <a:ln>
+          <a:noFill/>
+        </a:ln>
+        <a:effectLst/>
+      </dsp:spPr>
+      <dsp:style>
+        <a:lnRef idx="0">
+          <a:scrgbClr r="0" g="0" b="0"/>
+        </a:lnRef>
+        <a:fillRef idx="1">
+          <a:scrgbClr r="0" g="0" b="0"/>
+        </a:fillRef>
+        <a:effectRef idx="0">
+          <a:scrgbClr r="0" g="0" b="0"/>
+        </a:effectRef>
+        <a:fontRef idx="minor">
+          <a:schemeClr val="lt1"/>
+        </a:fontRef>
+      </dsp:style>
+    </dsp:sp>
+    <dsp:sp modelId="{D4C25836-BB1E-40C6-9055-79DFE51E84A4}">
+      <dsp:nvSpPr>
+        <dsp:cNvPr id="0" name=""/>
+        <dsp:cNvSpPr/>
+      </dsp:nvSpPr>
+      <dsp:spPr>
+        <a:xfrm>
+          <a:off x="1576052" y="508629"/>
+          <a:ext cx="4044300" cy="4044300"/>
+        </a:xfrm>
+        <a:prstGeom prst="blockArc">
+          <a:avLst>
+            <a:gd name="adj1" fmla="val 3857143"/>
+            <a:gd name="adj2" fmla="val 6942857"/>
+            <a:gd name="adj3" fmla="val 3897"/>
+          </a:avLst>
+        </a:prstGeom>
+        <a:solidFill>
+          <a:schemeClr val="accent1">
+            <a:tint val="60000"/>
+            <a:hueOff val="0"/>
+            <a:satOff val="0"/>
+            <a:lumOff val="0"/>
+            <a:alphaOff val="0"/>
+          </a:schemeClr>
+        </a:solidFill>
+        <a:ln>
+          <a:noFill/>
+        </a:ln>
+        <a:effectLst/>
+      </dsp:spPr>
+      <dsp:style>
+        <a:lnRef idx="0">
+          <a:scrgbClr r="0" g="0" b="0"/>
+        </a:lnRef>
+        <a:fillRef idx="1">
+          <a:scrgbClr r="0" g="0" b="0"/>
+        </a:fillRef>
+        <a:effectRef idx="0">
+          <a:scrgbClr r="0" g="0" b="0"/>
+        </a:effectRef>
+        <a:fontRef idx="minor">
+          <a:schemeClr val="lt1"/>
+        </a:fontRef>
+      </dsp:style>
+    </dsp:sp>
+    <dsp:sp modelId="{ADF11B85-49CD-4C45-834D-28EF8F01FAF4}">
+      <dsp:nvSpPr>
+        <dsp:cNvPr id="0" name=""/>
+        <dsp:cNvSpPr/>
+      </dsp:nvSpPr>
+      <dsp:spPr>
+        <a:xfrm>
+          <a:off x="1576052" y="508629"/>
+          <a:ext cx="4044300" cy="4044300"/>
+        </a:xfrm>
+        <a:prstGeom prst="blockArc">
+          <a:avLst>
+            <a:gd name="adj1" fmla="val 771429"/>
+            <a:gd name="adj2" fmla="val 3857143"/>
+            <a:gd name="adj3" fmla="val 3897"/>
+          </a:avLst>
+        </a:prstGeom>
+        <a:solidFill>
+          <a:schemeClr val="accent1">
+            <a:tint val="60000"/>
+            <a:hueOff val="0"/>
+            <a:satOff val="0"/>
+            <a:lumOff val="0"/>
+            <a:alphaOff val="0"/>
+          </a:schemeClr>
+        </a:solidFill>
+        <a:ln>
+          <a:noFill/>
+        </a:ln>
+        <a:effectLst/>
+      </dsp:spPr>
+      <dsp:style>
+        <a:lnRef idx="0">
+          <a:scrgbClr r="0" g="0" b="0"/>
+        </a:lnRef>
+        <a:fillRef idx="1">
+          <a:scrgbClr r="0" g="0" b="0"/>
+        </a:fillRef>
+        <a:effectRef idx="0">
+          <a:scrgbClr r="0" g="0" b="0"/>
+        </a:effectRef>
+        <a:fontRef idx="minor">
+          <a:schemeClr val="lt1"/>
+        </a:fontRef>
+      </dsp:style>
+    </dsp:sp>
+    <dsp:sp modelId="{3403E89E-646F-4749-98B8-1636056908AA}">
+      <dsp:nvSpPr>
+        <dsp:cNvPr id="0" name=""/>
+        <dsp:cNvSpPr/>
+      </dsp:nvSpPr>
+      <dsp:spPr>
+        <a:xfrm>
+          <a:off x="1576052" y="508629"/>
+          <a:ext cx="4044300" cy="4044300"/>
+        </a:xfrm>
+        <a:prstGeom prst="blockArc">
+          <a:avLst>
+            <a:gd name="adj1" fmla="val 19285714"/>
+            <a:gd name="adj2" fmla="val 771429"/>
+            <a:gd name="adj3" fmla="val 3897"/>
+          </a:avLst>
+        </a:prstGeom>
+        <a:solidFill>
+          <a:schemeClr val="accent1">
+            <a:tint val="60000"/>
+            <a:hueOff val="0"/>
+            <a:satOff val="0"/>
+            <a:lumOff val="0"/>
+            <a:alphaOff val="0"/>
+          </a:schemeClr>
+        </a:solidFill>
+        <a:ln>
+          <a:noFill/>
+        </a:ln>
+        <a:effectLst/>
+      </dsp:spPr>
+      <dsp:style>
+        <a:lnRef idx="0">
+          <a:scrgbClr r="0" g="0" b="0"/>
+        </a:lnRef>
+        <a:fillRef idx="1">
+          <a:scrgbClr r="0" g="0" b="0"/>
+        </a:fillRef>
+        <a:effectRef idx="0">
+          <a:scrgbClr r="0" g="0" b="0"/>
+        </a:effectRef>
+        <a:fontRef idx="minor">
+          <a:schemeClr val="lt1"/>
+        </a:fontRef>
+      </dsp:style>
+    </dsp:sp>
+    <dsp:sp modelId="{98C0CE5D-6568-4C58-8044-A6118E4DFAF6}">
+      <dsp:nvSpPr>
+        <dsp:cNvPr id="0" name=""/>
+        <dsp:cNvSpPr/>
+      </dsp:nvSpPr>
+      <dsp:spPr>
+        <a:xfrm>
+          <a:off x="1576052" y="508629"/>
+          <a:ext cx="4044300" cy="4044300"/>
+        </a:xfrm>
+        <a:prstGeom prst="blockArc">
+          <a:avLst>
+            <a:gd name="adj1" fmla="val 16200000"/>
+            <a:gd name="adj2" fmla="val 19285714"/>
+            <a:gd name="adj3" fmla="val 3897"/>
+          </a:avLst>
+        </a:prstGeom>
+        <a:solidFill>
+          <a:schemeClr val="accent1">
+            <a:tint val="60000"/>
+            <a:hueOff val="0"/>
+            <a:satOff val="0"/>
+            <a:lumOff val="0"/>
+            <a:alphaOff val="0"/>
+          </a:schemeClr>
+        </a:solidFill>
+        <a:ln>
+          <a:noFill/>
+        </a:ln>
+        <a:effectLst/>
+      </dsp:spPr>
+      <dsp:style>
+        <a:lnRef idx="0">
+          <a:scrgbClr r="0" g="0" b="0"/>
+        </a:lnRef>
+        <a:fillRef idx="1">
+          <a:scrgbClr r="0" g="0" b="0"/>
+        </a:fillRef>
+        <a:effectRef idx="0">
+          <a:scrgbClr r="0" g="0" b="0"/>
+        </a:effectRef>
+        <a:fontRef idx="minor">
+          <a:schemeClr val="lt1"/>
+        </a:fontRef>
+      </dsp:style>
+    </dsp:sp>
+    <dsp:sp modelId="{8046D806-D633-4925-88FF-13EA3736C642}">
+      <dsp:nvSpPr>
+        <dsp:cNvPr id="0" name=""/>
+        <dsp:cNvSpPr/>
+      </dsp:nvSpPr>
+      <dsp:spPr>
+        <a:xfrm>
+          <a:off x="2816366" y="1748944"/>
+          <a:ext cx="1563672" cy="1563672"/>
+        </a:xfrm>
+        <a:prstGeom prst="ellipse">
+          <a:avLst/>
+        </a:prstGeom>
+        <a:solidFill>
+          <a:schemeClr val="accent1">
+            <a:hueOff val="0"/>
+            <a:satOff val="0"/>
+            <a:lumOff val="0"/>
+            <a:alphaOff val="0"/>
+          </a:schemeClr>
+        </a:solidFill>
+        <a:ln w="12700" cap="flat" cmpd="sng" algn="ctr">
+          <a:solidFill>
+            <a:schemeClr val="lt1">
+              <a:hueOff val="0"/>
+              <a:satOff val="0"/>
+              <a:lumOff val="0"/>
+              <a:alphaOff val="0"/>
+            </a:schemeClr>
+          </a:solidFill>
+          <a:prstDash val="solid"/>
+          <a:miter lim="800000"/>
+        </a:ln>
+        <a:effectLst/>
+      </dsp:spPr>
+      <dsp:style>
+        <a:lnRef idx="2">
+          <a:scrgbClr r="0" g="0" b="0"/>
+        </a:lnRef>
+        <a:fillRef idx="1">
+          <a:scrgbClr r="0" g="0" b="0"/>
+        </a:fillRef>
+        <a:effectRef idx="0">
+          <a:scrgbClr r="0" g="0" b="0"/>
+        </a:effectRef>
+        <a:fontRef idx="minor">
+          <a:schemeClr val="lt1"/>
+        </a:fontRef>
+      </dsp:style>
+      <dsp:txBody>
+        <a:bodyPr spcFirstLastPara="0" vert="horz" wrap="square" lIns="15240" tIns="15240" rIns="15240" bIns="15240" numCol="1" spcCol="1270" anchor="ctr" anchorCtr="0">
+          <a:noAutofit/>
+        </a:bodyPr>
+        <a:lstStyle/>
+        <a:p>
+          <a:pPr lvl="0" algn="ctr" defTabSz="533400">
+            <a:lnSpc>
+              <a:spcPct val="90000"/>
+            </a:lnSpc>
+            <a:spcBef>
+              <a:spcPct val="0"/>
+            </a:spcBef>
+            <a:spcAft>
+              <a:spcPct val="35000"/>
+            </a:spcAft>
+          </a:pPr>
+          <a:r>
+            <a:rPr lang="en-US" sz="1200" kern="1200" dirty="0" smtClean="0"/>
+            <a:t>Software development model</a:t>
+          </a:r>
+          <a:endParaRPr lang="en-US" sz="1200" kern="1200" dirty="0"/>
+        </a:p>
+      </dsp:txBody>
+      <dsp:txXfrm>
+        <a:off x="3045360" y="1977938"/>
+        <a:ext cx="1105684" cy="1105684"/>
+      </dsp:txXfrm>
+    </dsp:sp>
+    <dsp:sp modelId="{0B9D4084-EA21-4F7B-A20F-0E1723A71ADE}">
+      <dsp:nvSpPr>
+        <dsp:cNvPr id="0" name=""/>
+        <dsp:cNvSpPr/>
+      </dsp:nvSpPr>
+      <dsp:spPr>
+        <a:xfrm>
+          <a:off x="3050917" y="749"/>
+          <a:ext cx="1094570" cy="1094570"/>
+        </a:xfrm>
+        <a:prstGeom prst="ellipse">
+          <a:avLst/>
+        </a:prstGeom>
+        <a:solidFill>
+          <a:schemeClr val="accent1">
+            <a:hueOff val="0"/>
+            <a:satOff val="0"/>
+            <a:lumOff val="0"/>
+            <a:alphaOff val="0"/>
+          </a:schemeClr>
+        </a:solidFill>
+        <a:ln w="12700" cap="flat" cmpd="sng" algn="ctr">
+          <a:solidFill>
+            <a:schemeClr val="lt1">
+              <a:hueOff val="0"/>
+              <a:satOff val="0"/>
+              <a:lumOff val="0"/>
+              <a:alphaOff val="0"/>
+            </a:schemeClr>
+          </a:solidFill>
+          <a:prstDash val="solid"/>
+          <a:miter lim="800000"/>
+        </a:ln>
+        <a:effectLst/>
+      </dsp:spPr>
+      <dsp:style>
+        <a:lnRef idx="2">
+          <a:scrgbClr r="0" g="0" b="0"/>
+        </a:lnRef>
+        <a:fillRef idx="1">
+          <a:scrgbClr r="0" g="0" b="0"/>
+        </a:fillRef>
+        <a:effectRef idx="0">
+          <a:scrgbClr r="0" g="0" b="0"/>
+        </a:effectRef>
+        <a:fontRef idx="minor">
+          <a:schemeClr val="lt1"/>
+        </a:fontRef>
+      </dsp:style>
+      <dsp:txBody>
+        <a:bodyPr spcFirstLastPara="0" vert="horz" wrap="square" lIns="12700" tIns="12700" rIns="12700" bIns="12700" numCol="1" spcCol="1270" anchor="ctr" anchorCtr="0">
+          <a:noAutofit/>
+        </a:bodyPr>
+        <a:lstStyle/>
+        <a:p>
+          <a:pPr lvl="0" algn="ctr" defTabSz="444500">
+            <a:lnSpc>
+              <a:spcPct val="90000"/>
+            </a:lnSpc>
+            <a:spcBef>
+              <a:spcPct val="0"/>
+            </a:spcBef>
+            <a:spcAft>
+              <a:spcPct val="35000"/>
+            </a:spcAft>
+          </a:pPr>
+          <a:r>
+            <a:rPr lang="en-US" sz="1000" kern="1200" dirty="0" smtClean="0"/>
+            <a:t>Waterfall model</a:t>
+          </a:r>
+          <a:endParaRPr lang="en-US" sz="1000" kern="1200" dirty="0"/>
+        </a:p>
+      </dsp:txBody>
+      <dsp:txXfrm>
+        <a:off x="3211213" y="161045"/>
+        <a:ext cx="773978" cy="773978"/>
+      </dsp:txXfrm>
+    </dsp:sp>
+    <dsp:sp modelId="{024B37C8-2E78-4627-9714-90BFEACD2D8D}">
+      <dsp:nvSpPr>
+        <dsp:cNvPr id="0" name=""/>
+        <dsp:cNvSpPr/>
+      </dsp:nvSpPr>
+      <dsp:spPr>
+        <a:xfrm>
+          <a:off x="4601090" y="747273"/>
+          <a:ext cx="1094570" cy="1094570"/>
+        </a:xfrm>
+        <a:prstGeom prst="ellipse">
+          <a:avLst/>
+        </a:prstGeom>
+        <a:solidFill>
+          <a:schemeClr val="accent1">
+            <a:hueOff val="0"/>
+            <a:satOff val="0"/>
+            <a:lumOff val="0"/>
+            <a:alphaOff val="0"/>
+          </a:schemeClr>
+        </a:solidFill>
+        <a:ln w="12700" cap="flat" cmpd="sng" algn="ctr">
+          <a:solidFill>
+            <a:schemeClr val="lt1">
+              <a:hueOff val="0"/>
+              <a:satOff val="0"/>
+              <a:lumOff val="0"/>
+              <a:alphaOff val="0"/>
+            </a:schemeClr>
+          </a:solidFill>
+          <a:prstDash val="solid"/>
+          <a:miter lim="800000"/>
+        </a:ln>
+        <a:effectLst/>
+      </dsp:spPr>
+      <dsp:style>
+        <a:lnRef idx="2">
+          <a:scrgbClr r="0" g="0" b="0"/>
+        </a:lnRef>
+        <a:fillRef idx="1">
+          <a:scrgbClr r="0" g="0" b="0"/>
+        </a:fillRef>
+        <a:effectRef idx="0">
+          <a:scrgbClr r="0" g="0" b="0"/>
+        </a:effectRef>
+        <a:fontRef idx="minor">
+          <a:schemeClr val="lt1"/>
+        </a:fontRef>
+      </dsp:style>
+      <dsp:txBody>
+        <a:bodyPr spcFirstLastPara="0" vert="horz" wrap="square" lIns="12700" tIns="12700" rIns="12700" bIns="12700" numCol="1" spcCol="1270" anchor="ctr" anchorCtr="0">
+          <a:noAutofit/>
+        </a:bodyPr>
+        <a:lstStyle/>
+        <a:p>
+          <a:pPr lvl="0" algn="ctr" defTabSz="444500">
+            <a:lnSpc>
+              <a:spcPct val="90000"/>
+            </a:lnSpc>
+            <a:spcBef>
+              <a:spcPct val="0"/>
+            </a:spcBef>
+            <a:spcAft>
+              <a:spcPct val="35000"/>
+            </a:spcAft>
+          </a:pPr>
+          <a:r>
+            <a:rPr lang="en-US" sz="1000" kern="1200" dirty="0" smtClean="0"/>
+            <a:t>Iterative model</a:t>
+          </a:r>
+          <a:endParaRPr lang="en-US" sz="1000" kern="1200" dirty="0"/>
+        </a:p>
+      </dsp:txBody>
+      <dsp:txXfrm>
+        <a:off x="4761386" y="907569"/>
+        <a:ext cx="773978" cy="773978"/>
+      </dsp:txXfrm>
+    </dsp:sp>
+    <dsp:sp modelId="{D02A1073-280A-4030-B61B-6AB009F7EB42}">
+      <dsp:nvSpPr>
+        <dsp:cNvPr id="0" name=""/>
+        <dsp:cNvSpPr/>
+      </dsp:nvSpPr>
+      <dsp:spPr>
+        <a:xfrm>
+          <a:off x="4983951" y="2424697"/>
+          <a:ext cx="1094570" cy="1094570"/>
+        </a:xfrm>
+        <a:prstGeom prst="ellipse">
+          <a:avLst/>
+        </a:prstGeom>
+        <a:solidFill>
+          <a:schemeClr val="accent1">
+            <a:hueOff val="0"/>
+            <a:satOff val="0"/>
+            <a:lumOff val="0"/>
+            <a:alphaOff val="0"/>
+          </a:schemeClr>
+        </a:solidFill>
+        <a:ln w="12700" cap="flat" cmpd="sng" algn="ctr">
+          <a:solidFill>
+            <a:schemeClr val="lt1">
+              <a:hueOff val="0"/>
+              <a:satOff val="0"/>
+              <a:lumOff val="0"/>
+              <a:alphaOff val="0"/>
+            </a:schemeClr>
+          </a:solidFill>
+          <a:prstDash val="solid"/>
+          <a:miter lim="800000"/>
+        </a:ln>
+        <a:effectLst/>
+      </dsp:spPr>
+      <dsp:style>
+        <a:lnRef idx="2">
+          <a:scrgbClr r="0" g="0" b="0"/>
+        </a:lnRef>
+        <a:fillRef idx="1">
+          <a:scrgbClr r="0" g="0" b="0"/>
+        </a:fillRef>
+        <a:effectRef idx="0">
+          <a:scrgbClr r="0" g="0" b="0"/>
+        </a:effectRef>
+        <a:fontRef idx="minor">
+          <a:schemeClr val="lt1"/>
+        </a:fontRef>
+      </dsp:style>
+      <dsp:txBody>
+        <a:bodyPr spcFirstLastPara="0" vert="horz" wrap="square" lIns="12700" tIns="12700" rIns="12700" bIns="12700" numCol="1" spcCol="1270" anchor="ctr" anchorCtr="0">
+          <a:noAutofit/>
+        </a:bodyPr>
+        <a:lstStyle/>
+        <a:p>
+          <a:pPr lvl="0" algn="ctr" defTabSz="444500">
+            <a:lnSpc>
+              <a:spcPct val="90000"/>
+            </a:lnSpc>
+            <a:spcBef>
+              <a:spcPct val="0"/>
+            </a:spcBef>
+            <a:spcAft>
+              <a:spcPct val="35000"/>
+            </a:spcAft>
+          </a:pPr>
+          <a:r>
+            <a:rPr lang="en-US" sz="1000" kern="1200" dirty="0" smtClean="0"/>
+            <a:t>Agile </a:t>
+          </a:r>
+          <a:r>
+            <a:rPr lang="en-US" sz="1000" kern="1200" dirty="0" smtClean="0"/>
+            <a:t>model</a:t>
+          </a:r>
+          <a:endParaRPr lang="en-US" sz="1000" kern="1200" dirty="0"/>
+        </a:p>
+      </dsp:txBody>
+      <dsp:txXfrm>
+        <a:off x="5144247" y="2584993"/>
+        <a:ext cx="773978" cy="773978"/>
+      </dsp:txXfrm>
+    </dsp:sp>
+    <dsp:sp modelId="{B0856285-8B4C-4921-A3FF-D6436B7247C2}">
+      <dsp:nvSpPr>
+        <dsp:cNvPr id="0" name=""/>
+        <dsp:cNvSpPr/>
+      </dsp:nvSpPr>
+      <dsp:spPr>
+        <a:xfrm>
+          <a:off x="3911198" y="3769887"/>
+          <a:ext cx="1094570" cy="1094570"/>
+        </a:xfrm>
+        <a:prstGeom prst="ellipse">
+          <a:avLst/>
+        </a:prstGeom>
+        <a:solidFill>
+          <a:schemeClr val="accent1">
+            <a:hueOff val="0"/>
+            <a:satOff val="0"/>
+            <a:lumOff val="0"/>
+            <a:alphaOff val="0"/>
+          </a:schemeClr>
+        </a:solidFill>
+        <a:ln w="12700" cap="flat" cmpd="sng" algn="ctr">
+          <a:solidFill>
+            <a:schemeClr val="lt1">
+              <a:hueOff val="0"/>
+              <a:satOff val="0"/>
+              <a:lumOff val="0"/>
+              <a:alphaOff val="0"/>
+            </a:schemeClr>
+          </a:solidFill>
+          <a:prstDash val="solid"/>
+          <a:miter lim="800000"/>
+        </a:ln>
+        <a:effectLst/>
+      </dsp:spPr>
+      <dsp:style>
+        <a:lnRef idx="2">
+          <a:scrgbClr r="0" g="0" b="0"/>
+        </a:lnRef>
+        <a:fillRef idx="1">
+          <a:scrgbClr r="0" g="0" b="0"/>
+        </a:fillRef>
+        <a:effectRef idx="0">
+          <a:scrgbClr r="0" g="0" b="0"/>
+        </a:effectRef>
+        <a:fontRef idx="minor">
+          <a:schemeClr val="lt1"/>
+        </a:fontRef>
+      </dsp:style>
+      <dsp:txBody>
+        <a:bodyPr spcFirstLastPara="0" vert="horz" wrap="square" lIns="12700" tIns="12700" rIns="12700" bIns="12700" numCol="1" spcCol="1270" anchor="ctr" anchorCtr="0">
+          <a:noAutofit/>
+        </a:bodyPr>
+        <a:lstStyle/>
+        <a:p>
+          <a:pPr lvl="0" algn="ctr" defTabSz="444500">
+            <a:lnSpc>
+              <a:spcPct val="90000"/>
+            </a:lnSpc>
+            <a:spcBef>
+              <a:spcPct val="0"/>
+            </a:spcBef>
+            <a:spcAft>
+              <a:spcPct val="35000"/>
+            </a:spcAft>
+          </a:pPr>
+          <a:r>
+            <a:rPr lang="en-US" sz="1000" kern="1200" dirty="0" smtClean="0"/>
+            <a:t>RAD model</a:t>
+          </a:r>
+          <a:endParaRPr lang="en-US" sz="1000" kern="1200" dirty="0"/>
+        </a:p>
+      </dsp:txBody>
+      <dsp:txXfrm>
+        <a:off x="4071494" y="3930183"/>
+        <a:ext cx="773978" cy="773978"/>
+      </dsp:txXfrm>
+    </dsp:sp>
+    <dsp:sp modelId="{120EC894-2FDD-4E69-8DA1-1E4987D6750C}">
+      <dsp:nvSpPr>
+        <dsp:cNvPr id="0" name=""/>
+        <dsp:cNvSpPr/>
+      </dsp:nvSpPr>
+      <dsp:spPr>
+        <a:xfrm>
+          <a:off x="2190636" y="3769887"/>
+          <a:ext cx="1094570" cy="1094570"/>
+        </a:xfrm>
+        <a:prstGeom prst="ellipse">
+          <a:avLst/>
+        </a:prstGeom>
+        <a:solidFill>
+          <a:schemeClr val="accent1">
+            <a:hueOff val="0"/>
+            <a:satOff val="0"/>
+            <a:lumOff val="0"/>
+            <a:alphaOff val="0"/>
+          </a:schemeClr>
+        </a:solidFill>
+        <a:ln w="12700" cap="flat" cmpd="sng" algn="ctr">
+          <a:solidFill>
+            <a:schemeClr val="lt1">
+              <a:hueOff val="0"/>
+              <a:satOff val="0"/>
+              <a:lumOff val="0"/>
+              <a:alphaOff val="0"/>
+            </a:schemeClr>
+          </a:solidFill>
+          <a:prstDash val="solid"/>
+          <a:miter lim="800000"/>
+        </a:ln>
+        <a:effectLst/>
+      </dsp:spPr>
+      <dsp:style>
+        <a:lnRef idx="2">
+          <a:scrgbClr r="0" g="0" b="0"/>
+        </a:lnRef>
+        <a:fillRef idx="1">
+          <a:scrgbClr r="0" g="0" b="0"/>
+        </a:fillRef>
+        <a:effectRef idx="0">
+          <a:scrgbClr r="0" g="0" b="0"/>
+        </a:effectRef>
+        <a:fontRef idx="minor">
+          <a:schemeClr val="lt1"/>
+        </a:fontRef>
+      </dsp:style>
+      <dsp:txBody>
+        <a:bodyPr spcFirstLastPara="0" vert="horz" wrap="square" lIns="12700" tIns="12700" rIns="12700" bIns="12700" numCol="1" spcCol="1270" anchor="ctr" anchorCtr="0">
+          <a:noAutofit/>
+        </a:bodyPr>
+        <a:lstStyle/>
+        <a:p>
+          <a:pPr lvl="0" algn="ctr" defTabSz="444500">
+            <a:lnSpc>
+              <a:spcPct val="90000"/>
+            </a:lnSpc>
+            <a:spcBef>
+              <a:spcPct val="0"/>
+            </a:spcBef>
+            <a:spcAft>
+              <a:spcPct val="35000"/>
+            </a:spcAft>
+          </a:pPr>
+          <a:r>
+            <a:rPr lang="en-US" sz="1000" kern="1200" dirty="0" smtClean="0"/>
+            <a:t>Incremental model</a:t>
+          </a:r>
+          <a:endParaRPr lang="en-US" sz="1000" kern="1200" dirty="0"/>
+        </a:p>
+      </dsp:txBody>
+      <dsp:txXfrm>
+        <a:off x="2350932" y="3930183"/>
+        <a:ext cx="773978" cy="773978"/>
+      </dsp:txXfrm>
+    </dsp:sp>
+    <dsp:sp modelId="{5EBC7458-FEF4-4BAA-BB89-62B9D0604C8A}">
+      <dsp:nvSpPr>
+        <dsp:cNvPr id="0" name=""/>
+        <dsp:cNvSpPr/>
+      </dsp:nvSpPr>
+      <dsp:spPr>
+        <a:xfrm>
+          <a:off x="1117883" y="2424697"/>
+          <a:ext cx="1094570" cy="1094570"/>
+        </a:xfrm>
+        <a:prstGeom prst="ellipse">
+          <a:avLst/>
+        </a:prstGeom>
+        <a:solidFill>
+          <a:schemeClr val="accent1">
+            <a:hueOff val="0"/>
+            <a:satOff val="0"/>
+            <a:lumOff val="0"/>
+            <a:alphaOff val="0"/>
+          </a:schemeClr>
+        </a:solidFill>
+        <a:ln w="12700" cap="flat" cmpd="sng" algn="ctr">
+          <a:solidFill>
+            <a:schemeClr val="lt1">
+              <a:hueOff val="0"/>
+              <a:satOff val="0"/>
+              <a:lumOff val="0"/>
+              <a:alphaOff val="0"/>
+            </a:schemeClr>
+          </a:solidFill>
+          <a:prstDash val="solid"/>
+          <a:miter lim="800000"/>
+        </a:ln>
+        <a:effectLst/>
+      </dsp:spPr>
+      <dsp:style>
+        <a:lnRef idx="2">
+          <a:scrgbClr r="0" g="0" b="0"/>
+        </a:lnRef>
+        <a:fillRef idx="1">
+          <a:scrgbClr r="0" g="0" b="0"/>
+        </a:fillRef>
+        <a:effectRef idx="0">
+          <a:scrgbClr r="0" g="0" b="0"/>
+        </a:effectRef>
+        <a:fontRef idx="minor">
+          <a:schemeClr val="lt1"/>
+        </a:fontRef>
+      </dsp:style>
+      <dsp:txBody>
+        <a:bodyPr spcFirstLastPara="0" vert="horz" wrap="square" lIns="12700" tIns="12700" rIns="12700" bIns="12700" numCol="1" spcCol="1270" anchor="ctr" anchorCtr="0">
+          <a:noAutofit/>
+        </a:bodyPr>
+        <a:lstStyle/>
+        <a:p>
+          <a:pPr lvl="0" algn="ctr" defTabSz="444500">
+            <a:lnSpc>
+              <a:spcPct val="90000"/>
+            </a:lnSpc>
+            <a:spcBef>
+              <a:spcPct val="0"/>
+            </a:spcBef>
+            <a:spcAft>
+              <a:spcPct val="35000"/>
+            </a:spcAft>
+          </a:pPr>
+          <a:r>
+            <a:rPr lang="en-US" sz="1000" kern="1200" dirty="0" smtClean="0"/>
+            <a:t>V model</a:t>
+          </a:r>
+          <a:endParaRPr lang="en-US" sz="1000" kern="1200" dirty="0"/>
+        </a:p>
+      </dsp:txBody>
+      <dsp:txXfrm>
+        <a:off x="1278179" y="2584993"/>
+        <a:ext cx="773978" cy="773978"/>
+      </dsp:txXfrm>
+    </dsp:sp>
+    <dsp:sp modelId="{C0E538A1-8247-4D29-A464-326B7E9E49F2}">
+      <dsp:nvSpPr>
+        <dsp:cNvPr id="0" name=""/>
+        <dsp:cNvSpPr/>
+      </dsp:nvSpPr>
+      <dsp:spPr>
+        <a:xfrm>
+          <a:off x="1500744" y="747273"/>
+          <a:ext cx="1094570" cy="1094570"/>
+        </a:xfrm>
+        <a:prstGeom prst="ellipse">
+          <a:avLst/>
+        </a:prstGeom>
+        <a:solidFill>
+          <a:schemeClr val="accent1">
+            <a:hueOff val="0"/>
+            <a:satOff val="0"/>
+            <a:lumOff val="0"/>
+            <a:alphaOff val="0"/>
+          </a:schemeClr>
+        </a:solidFill>
+        <a:ln w="12700" cap="flat" cmpd="sng" algn="ctr">
+          <a:solidFill>
+            <a:schemeClr val="lt1">
+              <a:hueOff val="0"/>
+              <a:satOff val="0"/>
+              <a:lumOff val="0"/>
+              <a:alphaOff val="0"/>
+            </a:schemeClr>
+          </a:solidFill>
+          <a:prstDash val="solid"/>
+          <a:miter lim="800000"/>
+        </a:ln>
+        <a:effectLst/>
+      </dsp:spPr>
+      <dsp:style>
+        <a:lnRef idx="2">
+          <a:scrgbClr r="0" g="0" b="0"/>
+        </a:lnRef>
+        <a:fillRef idx="1">
+          <a:scrgbClr r="0" g="0" b="0"/>
+        </a:fillRef>
+        <a:effectRef idx="0">
+          <a:scrgbClr r="0" g="0" b="0"/>
+        </a:effectRef>
+        <a:fontRef idx="minor">
+          <a:schemeClr val="lt1"/>
+        </a:fontRef>
+      </dsp:style>
+      <dsp:txBody>
+        <a:bodyPr spcFirstLastPara="0" vert="horz" wrap="square" lIns="12700" tIns="12700" rIns="12700" bIns="12700" numCol="1" spcCol="1270" anchor="ctr" anchorCtr="0">
+          <a:noAutofit/>
+        </a:bodyPr>
+        <a:lstStyle/>
+        <a:p>
+          <a:pPr lvl="0" algn="ctr" defTabSz="444500">
+            <a:lnSpc>
+              <a:spcPct val="90000"/>
+            </a:lnSpc>
+            <a:spcBef>
+              <a:spcPct val="0"/>
+            </a:spcBef>
+            <a:spcAft>
+              <a:spcPct val="35000"/>
+            </a:spcAft>
+          </a:pPr>
+          <a:r>
+            <a:rPr lang="en-US" sz="1000" kern="1200" dirty="0" smtClean="0"/>
+            <a:t>Spiral model</a:t>
+          </a:r>
+          <a:endParaRPr lang="en-US" sz="1000" kern="1200" dirty="0"/>
+        </a:p>
+      </dsp:txBody>
+      <dsp:txXfrm>
+        <a:off x="1661040" y="907569"/>
+        <a:ext cx="773978" cy="773978"/>
+      </dsp:txXfrm>
+    </dsp:sp>
+  </dsp:spTree>
+</dsp:drawing>
+</file>
+
+<file path=ppt/diagrams/layout1.xml><?xml version="1.0" encoding="utf-8"?>
+<dgm:layoutDef xmlns:dgm="http://schemas.openxmlformats.org/drawingml/2006/diagram" xmlns:a="http://schemas.openxmlformats.org/drawingml/2006/main" uniqueId="urn:microsoft.com/office/officeart/2005/8/layout/radial6">
+  <dgm:title val=""/>
+  <dgm:desc val=""/>
+  <dgm:catLst>
+    <dgm:cat type="cycle" pri="9000"/>
+    <dgm:cat type="relationship" pri="21000"/>
+  </dgm:catLst>
+  <dgm:sampData>
+    <dgm:dataModel>
+      <dgm:ptLst>
+        <dgm:pt modelId="0" type="doc"/>
+        <dgm:pt modelId="1">
+          <dgm:prSet phldr="1"/>
+        </dgm:pt>
+        <dgm:pt modelId="11">
+          <dgm:prSet phldr="1"/>
+        </dgm:pt>
+        <dgm:pt modelId="12">
+          <dgm:prSet phldr="1"/>
+        </dgm:pt>
+        <dgm:pt modelId="13">
+          <dgm:prSet phldr="1"/>
+        </dgm:pt>
+        <dgm:pt modelId="14">
+          <dgm:prSet phldr="1"/>
+        </dgm:pt>
+      </dgm:ptLst>
+      <dgm:cxnLst>
+        <dgm:cxn modelId="2" srcId="0" destId="1" srcOrd="0" destOrd="0"/>
+        <dgm:cxn modelId="3" srcId="1" destId="11" srcOrd="0" destOrd="0"/>
+        <dgm:cxn modelId="4" srcId="1" destId="12" srcOrd="1" destOrd="0"/>
+        <dgm:cxn modelId="5" srcId="1" destId="13" srcOrd="2" destOrd="0"/>
+        <dgm:cxn modelId="6" srcId="1" destId="14" srcOrd="3" destOrd="0"/>
+      </dgm:cxnLst>
+      <dgm:bg/>
+      <dgm:whole/>
+    </dgm:dataModel>
+  </dgm:sampData>
+  <dgm:styleData>
+    <dgm:dataModel>
+      <dgm:ptLst>
+        <dgm:pt modelId="0" type="doc"/>
+        <dgm:pt modelId="1"/>
+        <dgm:pt modelId="11"/>
+        <dgm:pt modelId="12"/>
+        <dgm:pt modelId="13"/>
+      </dgm:ptLst>
+      <dgm:cxnLst>
+        <dgm:cxn modelId="2" srcId="0" destId="1" srcOrd="0" destOrd="0"/>
+        <dgm:cxn modelId="15" srcId="1" destId="11" srcOrd="0" destOrd="0"/>
+        <dgm:cxn modelId="16" srcId="1" destId="12" srcOrd="1" destOrd="0"/>
+        <dgm:cxn modelId="17" srcId="1" destId="13" srcOrd="2" destOrd="0"/>
+      </dgm:cxnLst>
+      <dgm:bg/>
+      <dgm:whole/>
+    </dgm:dataModel>
+  </dgm:styleData>
+  <dgm:clrData>
+    <dgm:dataModel>
+      <dgm:ptLst>
+        <dgm:pt modelId="0" type="doc"/>
+        <dgm:pt modelId="1"/>
+        <dgm:pt modelId="11"/>
+        <dgm:pt modelId="12"/>
+        <dgm:pt modelId="13"/>
+        <dgm:pt modelId="14"/>
+        <dgm:pt modelId="15"/>
+        <dgm:pt modelId="16"/>
+      </dgm:ptLst>
+      <dgm:cxnLst>
+        <dgm:cxn modelId="2" srcId="0" destId="1" srcOrd="0" destOrd="0"/>
+        <dgm:cxn modelId="16" srcId="1" destId="11" srcOrd="0" destOrd="0"/>
+        <dgm:cxn modelId="17" srcId="1" destId="12" srcOrd="1" destOrd="0"/>
+        <dgm:cxn modelId="18" srcId="1" destId="13" srcOrd="2" destOrd="0"/>
+        <dgm:cxn modelId="19" srcId="1" destId="14" srcOrd="3" destOrd="0"/>
+        <dgm:cxn modelId="20" srcId="1" destId="15" srcOrd="4" destOrd="0"/>
+        <dgm:cxn modelId="21" srcId="1" destId="16" srcOrd="5" destOrd="0"/>
+      </dgm:cxnLst>
+      <dgm:bg/>
+      <dgm:whole/>
+    </dgm:dataModel>
+  </dgm:clrData>
+  <dgm:layoutNode name="Name0">
+    <dgm:varLst>
+      <dgm:chMax val="1"/>
+      <dgm:dir/>
+      <dgm:animLvl val="ctr"/>
+      <dgm:resizeHandles val="exact"/>
+    </dgm:varLst>
+    <dgm:choose name="Name1">
+      <dgm:if name="Name2" func="var" arg="dir" op="equ" val="norm">
+        <dgm:choose name="Name3">
+          <dgm:if name="Name4" axis="ch ch" ptType="node node" st="1 1" cnt="1 0" func="cnt" op="lte" val="1">
+            <dgm:alg type="cycle">
+              <dgm:param type="stAng" val="90"/>
+              <dgm:param type="spanAng" val="360"/>
+              <dgm:param type="ctrShpMap" val="fNode"/>
+            </dgm:alg>
+          </dgm:if>
+          <dgm:else name="Name5">
+            <dgm:alg type="cycle">
+              <dgm:param type="stAng" val="0"/>
+              <dgm:param type="spanAng" val="360"/>
+              <dgm:param type="ctrShpMap" val="fNode"/>
+            </dgm:alg>
+          </dgm:else>
+        </dgm:choose>
+      </dgm:if>
+      <dgm:else name="Name6">
+        <dgm:choose name="Name7">
+          <dgm:if name="Name8" axis="ch ch" ptType="node node" st="1 1" cnt="1 0" func="cnt" op="lte" val="1">
+            <dgm:alg type="cycle">
+              <dgm:param type="stAng" val="-90"/>
+              <dgm:param type="spanAng" val="360"/>
+              <dgm:param type="ctrShpMap" val="fNode"/>
+            </dgm:alg>
+          </dgm:if>
+          <dgm:else name="Name9">
+            <dgm:alg type="cycle">
+              <dgm:param type="stAng" val="0"/>
+              <dgm:param type="spanAng" val="-360"/>
+              <dgm:param type="ctrShpMap" val="fNode"/>
+            </dgm:alg>
+          </dgm:else>
+        </dgm:choose>
+      </dgm:else>
+    </dgm:choose>
+    <dgm:shape xmlns:r="http://schemas.openxmlformats.org/officeDocument/2006/relationships" r:blip="">
+      <dgm:adjLst/>
+    </dgm:shape>
+    <dgm:presOf/>
+    <dgm:choose name="Name10">
+      <dgm:if name="Name11" func="var" arg="dir" op="equ" val="norm">
+        <dgm:choose name="Name12">
+          <dgm:if name="Name13" axis="ch ch" ptType="node node" st="1 1" cnt="1 0" func="cnt" op="equ" val="1">
+            <dgm:constrLst>
+              <dgm:constr type="diam" val="170"/>
+              <dgm:constr type="w" for="ch" forName="centerShape" refType="w"/>
+              <dgm:constr type="w" for="ch" forName="oneComp" refType="w" refFor="ch" refForName="centerShape" op="equ" fact="0.7"/>
+              <dgm:constr type="sp" refType="w" refFor="ch" refForName="oneComp" fact="0.3"/>
+              <dgm:constr type="sibSp" refType="w" refFor="ch" refForName="oneComp" fact="0.3"/>
+              <dgm:constr type="primFontSz" for="ch" forName="centerShape" val="65"/>
+              <dgm:constr type="primFontSz" for="des" forName="oneNode" refType="primFontSz" refFor="ch" refForName="centerShape" fact="0.95"/>
+              <dgm:constr type="primFontSz" for="des" forName="oneNode" refType="primFontSz" refFor="ch" refForName="centerShape" op="lte" fact="0.95"/>
+              <dgm:constr type="diam" for="ch" forName="singleconn" refType="diam" op="equ" fact="-1"/>
+              <dgm:constr type="h" for="ch" forName="singleconn" refType="w" refFor="ch" refForName="oneComp" fact="0.24"/>
+              <dgm:constr type="w" for="ch" forName="dummya" refType="w" refFor="ch" refForName="oneComp" op="equ"/>
+              <dgm:constr type="w" for="ch" forName="dummyb" refType="w" refFor="ch" refForName="oneComp" op="equ"/>
+              <dgm:constr type="w" for="ch" forName="dummyc" refType="w" refFor="ch" refForName="oneComp" op="equ"/>
+            </dgm:constrLst>
+          </dgm:if>
+          <dgm:else name="Name14">
+            <dgm:constrLst>
+              <dgm:constr type="diam" val="170"/>
+              <dgm:constr type="w" for="ch" forName="centerShape" refType="w"/>
+              <dgm:constr type="w" for="ch" forName="node" refType="w" refFor="ch" refForName="centerShape" op="equ" fact="0.7"/>
+              <dgm:constr type="sp" refType="w" refFor="ch" refForName="node" fact="0.3"/>
+              <dgm:constr type="sibSp" refType="w" refFor="ch" refForName="node" fact="0.3"/>
+              <dgm:constr type="primFontSz" for="ch" forName="centerShape" val="65"/>
+              <dgm:constr type="primFontSz" for="des" forName="node" refType="primFontSz" refFor="ch" refForName="centerShape" fact="0.78"/>
+              <dgm:constr type="primFontSz" for="ch" forName="node" refType="primFontSz" refFor="ch" refForName="centerShape" op="lte" fact="0.95"/>
+              <dgm:constr type="diam" for="ch" forName="sibTrans" refType="diam" op="equ"/>
+              <dgm:constr type="h" for="ch" forName="sibTrans" refType="w" refFor="ch" refForName="node" fact="0.24"/>
+              <dgm:constr type="w" for="ch" forName="dummy" val="1"/>
+            </dgm:constrLst>
+          </dgm:else>
+        </dgm:choose>
+      </dgm:if>
+      <dgm:else name="Name15">
+        <dgm:choose name="Name16">
+          <dgm:if name="Name17" axis="ch ch" ptType="node node" st="1 1" cnt="1 0" func="cnt" op="equ" val="1">
+            <dgm:constrLst>
+              <dgm:constr type="diam" val="170"/>
+              <dgm:constr type="w" for="ch" forName="centerShape" refType="w"/>
+              <dgm:constr type="w" for="ch" forName="oneComp" refType="w" refFor="ch" refForName="centerShape" op="equ" fact="0.7"/>
+              <dgm:constr type="sp" refType="w" refFor="ch" refForName="oneComp" fact="0.3"/>
+              <dgm:constr type="sibSp" refType="w" refFor="ch" refForName="oneComp" fact="0.3"/>
+              <dgm:constr type="primFontSz" for="ch" forName="centerShape" val="65"/>
+              <dgm:constr type="primFontSz" for="des" forName="oneNode" refType="primFontSz" refFor="ch" refForName="centerShape" fact="0.95"/>
+              <dgm:constr type="primFontSz" for="ch" forName="oneNode" refType="primFontSz" refFor="ch" refForName="centerShape" op="lte" fact="0.95"/>
+              <dgm:constr type="diam" for="ch" forName="singleconn" refType="diam"/>
+              <dgm:constr type="h" for="ch" forName="singleconn" refType="w" refFor="ch" refForName="oneComp" fact="0.24"/>
+              <dgm:constr type="diam" for="ch" refType="diam" op="equ"/>
+              <dgm:constr type="w" for="ch" forName="dummya" refType="w" refFor="ch" refForName="oneComp" op="equ"/>
+              <dgm:constr type="w" for="ch" forName="dummyb" refType="w" refFor="ch" refForName="oneComp" op="equ"/>
+              <dgm:constr type="w" for="ch" forName="dummyc" refType="w" refFor="ch" refForName="oneComp" op="equ"/>
+            </dgm:constrLst>
+          </dgm:if>
+          <dgm:else name="Name18">
+            <dgm:constrLst>
+              <dgm:constr type="diam" val="170"/>
+              <dgm:constr type="w" for="ch" forName="centerShape" refType="w"/>
+              <dgm:constr type="w" for="ch" forName="node" refType="w" refFor="ch" refForName="centerShape" op="equ" fact="0.7"/>
+              <dgm:constr type="sp" refType="w" refFor="ch" refForName="node" fact="0.3"/>
+              <dgm:constr type="sibSp" refType="w" refFor="ch" refForName="node" fact="0.3"/>
+              <dgm:constr type="primFontSz" for="ch" forName="centerShape" val="65"/>
+              <dgm:constr type="primFontSz" for="des" forName="node" refType="primFontSz" refFor="ch" refForName="centerShape" fact="0.78"/>
+              <dgm:constr type="primFontSz" for="ch" forName="node" refType="primFontSz" refFor="ch" refForName="centerShape" op="lte" fact="0.95"/>
+              <dgm:constr type="diam" for="ch" ptType="sibTrans" refType="diam" fact="-1"/>
+              <dgm:constr type="h" for="ch" forName="sibTrans" refType="w" refFor="ch" refForName="node" fact="0.24"/>
+              <dgm:constr type="diam" for="ch" refType="diam" op="equ" fact="-1"/>
+              <dgm:constr type="w" for="ch" forName="dummy" val="1"/>
+            </dgm:constrLst>
+          </dgm:else>
+        </dgm:choose>
+      </dgm:else>
+    </dgm:choose>
+    <dgm:ruleLst>
+      <dgm:rule type="diam" val="INF" fact="NaN" max="NaN"/>
+    </dgm:ruleLst>
+    <dgm:forEach name="Name19" axis="ch" ptType="node" cnt="1">
+      <dgm:layoutNode name="centerShape" styleLbl="node0">
+        <dgm:alg type="tx"/>
+        <dgm:shape xmlns:r="http://schemas.openxmlformats.org/officeDocument/2006/relationships" type="ellipse" r:blip="">
+          <dgm:adjLst/>
+        </dgm:shape>
+        <dgm:presOf axis="self"/>
+        <dgm:constrLst>
+          <dgm:constr type="h" refType="w"/>
+          <dgm:constr type="tMarg" refType="primFontSz" fact="0.1"/>
+          <dgm:constr type="bMarg" refType="primFontSz" fact="0.1"/>
+          <dgm:constr type="lMarg" refType="primFontSz" fact="0.1"/>
+          <dgm:constr type="rMarg" refType="primFontSz" fact="0.1"/>
+        </dgm:constrLst>
+        <dgm:ruleLst>
+          <dgm:rule type="primFontSz" val="5" fact="NaN" max="NaN"/>
+        </dgm:ruleLst>
+      </dgm:layoutNode>
+      <dgm:forEach name="Name20" axis="ch">
+        <dgm:forEach name="Name21" axis="self" ptType="node">
+          <dgm:choose name="Name22">
+            <dgm:if name="Name23" axis="par ch" ptType="node node" func="cnt" op="gt" val="1">
+              <dgm:layoutNode name="node" styleLbl="node1">
+                <dgm:varLst>
+                  <dgm:bulletEnabled val="1"/>
+                </dgm:varLst>
+                <dgm:alg type="tx">
+                  <dgm:param type="txAnchorVertCh" val="mid"/>
+                </dgm:alg>
+                <dgm:shape xmlns:r="http://schemas.openxmlformats.org/officeDocument/2006/relationships" type="ellipse" r:blip="">
+                  <dgm:adjLst/>
+                </dgm:shape>
+                <dgm:presOf axis="desOrSelf" ptType="node"/>
+                <dgm:constrLst>
+                  <dgm:constr type="h" refType="w"/>
+                  <dgm:constr type="tMarg" refType="primFontSz" fact="0.1"/>
+                  <dgm:constr type="bMarg" refType="primFontSz" fact="0.1"/>
+                  <dgm:constr type="lMarg" refType="primFontSz" fact="0.1"/>
+                  <dgm:constr type="rMarg" refType="primFontSz" fact="0.1"/>
+                </dgm:constrLst>
+                <dgm:ruleLst>
+                  <dgm:rule type="primFontSz" val="5" fact="NaN" max="NaN"/>
+                </dgm:ruleLst>
+              </dgm:layoutNode>
+              <dgm:layoutNode name="dummy">
+                <dgm:alg type="sp"/>
+                <dgm:shape xmlns:r="http://schemas.openxmlformats.org/officeDocument/2006/relationships" r:blip="">
+                  <dgm:adjLst/>
+                </dgm:shape>
+                <dgm:presOf/>
+                <dgm:constrLst>
+                  <dgm:constr type="h" refType="w"/>
+                </dgm:constrLst>
+                <dgm:ruleLst/>
+              </dgm:layoutNode>
+              <dgm:forEach name="sibTransForEach" axis="followSib" ptType="sibTrans" hideLastTrans="0" cnt="1">
+                <dgm:layoutNode name="sibTrans" styleLbl="sibTrans2D1">
+                  <dgm:alg type="conn">
+                    <dgm:param type="connRout" val="curve"/>
+                    <dgm:param type="begPts" val="ctr"/>
+                    <dgm:param type="endPts" val="ctr"/>
+                    <dgm:param type="begSty" val="noArr"/>
+                    <dgm:param type="endSty" val="noArr"/>
+                    <dgm:param type="dstNode" val="node"/>
+                  </dgm:alg>
+                  <dgm:shape xmlns:r="http://schemas.openxmlformats.org/officeDocument/2006/relationships" type="conn" r:blip="" zOrderOff="-999">
+                    <dgm:adjLst/>
+                  </dgm:shape>
+                  <dgm:presOf axis="self"/>
+                  <dgm:constrLst>
+                    <dgm:constr type="begPad"/>
+                    <dgm:constr type="endPad"/>
+                  </dgm:constrLst>
+                  <dgm:ruleLst/>
+                </dgm:layoutNode>
+              </dgm:forEach>
+            </dgm:if>
+            <dgm:if name="Name24" axis="par ch" ptType="node node" func="cnt" op="equ" val="1">
+              <dgm:layoutNode name="oneComp">
+                <dgm:alg type="composite">
+                  <dgm:param type="ar" val="1"/>
+                </dgm:alg>
+                <dgm:shape xmlns:r="http://schemas.openxmlformats.org/officeDocument/2006/relationships" r:blip="">
+                  <dgm:adjLst/>
+                </dgm:shape>
+                <dgm:presOf/>
+                <dgm:constrLst>
+                  <dgm:constr type="h" refType="w"/>
+                  <dgm:constr type="l" for="ch" forName="dummyConnPt" refType="w" fact="0.5"/>
+                  <dgm:constr type="t" for="ch" forName="dummyConnPt" refType="w" fact="0.5"/>
+                  <dgm:constr type="l" for="ch" forName="oneNode"/>
+                  <dgm:constr type="t" for="ch" forName="oneNode"/>
+                  <dgm:constr type="h" for="ch" forName="oneNode" refType="h"/>
+                  <dgm:constr type="w" for="ch" forName="oneNode" refType="w"/>
+                </dgm:constrLst>
+                <dgm:ruleLst/>
+                <dgm:layoutNode name="dummyConnPt" styleLbl="node1">
+                  <dgm:alg type="sp"/>
+                  <dgm:shape xmlns:r="http://schemas.openxmlformats.org/officeDocument/2006/relationships" r:blip="">
+                    <dgm:adjLst/>
+                  </dgm:shape>
+                  <dgm:presOf/>
+                  <dgm:constrLst>
+                    <dgm:constr type="w" val="1"/>
+                    <dgm:constr type="h" val="1"/>
+                  </dgm:constrLst>
+                  <dgm:ruleLst/>
+                </dgm:layoutNode>
+                <dgm:layoutNode name="oneNode" styleLbl="node1">
+                  <dgm:varLst>
+                    <dgm:bulletEnabled val="1"/>
+                  </dgm:varLst>
+                  <dgm:alg type="tx">
+                    <dgm:param type="txAnchorVertCh" val="mid"/>
+                  </dgm:alg>
+                  <dgm:shape xmlns:r="http://schemas.openxmlformats.org/officeDocument/2006/relationships" type="ellipse" r:blip="">
+                    <dgm:adjLst/>
+                  </dgm:shape>
+                  <dgm:presOf axis="desOrSelf" ptType="node"/>
+                  <dgm:constrLst>
+                    <dgm:constr type="h" refType="w"/>
+                    <dgm:constr type="tMarg" refType="primFontSz" fact="0.1"/>
+                    <dgm:constr type="bMarg" refType="primFontSz" fact="0.1"/>
+                    <dgm:constr type="lMarg" refType="primFontSz" fact="0.1"/>
+                    <dgm:constr type="rMarg" refType="primFontSz" fact="0.1"/>
+                  </dgm:constrLst>
+                  <dgm:ruleLst>
+                    <dgm:rule type="primFontSz" val="5" fact="NaN" max="NaN"/>
+                  </dgm:ruleLst>
+                </dgm:layoutNode>
+              </dgm:layoutNode>
+              <dgm:layoutNode name="dummya">
+                <dgm:alg type="sp"/>
+                <dgm:shape xmlns:r="http://schemas.openxmlformats.org/officeDocument/2006/relationships" r:blip="">
+                  <dgm:adjLst/>
+                </dgm:shape>
+                <dgm:presOf/>
+                <dgm:constrLst>
+                  <dgm:constr type="h" refType="w"/>
+                </dgm:constrLst>
+                <dgm:ruleLst/>
+              </dgm:layoutNode>
+              <dgm:layoutNode name="dummyb">
+                <dgm:alg type="sp"/>
+                <dgm:shape xmlns:r="http://schemas.openxmlformats.org/officeDocument/2006/relationships" r:blip="">
+                  <dgm:adjLst/>
+                </dgm:shape>
+                <dgm:presOf/>
+                <dgm:constrLst>
+                  <dgm:constr type="h" refType="w"/>
+                </dgm:constrLst>
+                <dgm:ruleLst/>
+              </dgm:layoutNode>
+              <dgm:layoutNode name="dummyc">
+                <dgm:alg type="sp"/>
+                <dgm:shape xmlns:r="http://schemas.openxmlformats.org/officeDocument/2006/relationships" r:blip="">
+                  <dgm:adjLst/>
+                </dgm:shape>
+                <dgm:presOf/>
+                <dgm:constrLst>
+                  <dgm:constr type="h" refType="w"/>
+                </dgm:constrLst>
+                <dgm:ruleLst/>
+              </dgm:layoutNode>
+              <dgm:forEach name="sibTransForEach1" axis="followSib" ptType="sibTrans" hideLastTrans="0" cnt="1">
+                <dgm:layoutNode name="singleconn" styleLbl="sibTrans2D1">
+                  <dgm:alg type="conn">
+                    <dgm:param type="connRout" val="longCurve"/>
+                    <dgm:param type="begPts" val="bCtr"/>
+                    <dgm:param type="endPts" val="tCtr"/>
+                    <dgm:param type="begSty" val="noArr"/>
+                    <dgm:param type="endSty" val="noArr"/>
+                    <dgm:param type="srcNode" val="dummyConnPt"/>
+                    <dgm:param type="dstNode" val="dummyConnPt"/>
+                  </dgm:alg>
+                  <dgm:shape xmlns:r="http://schemas.openxmlformats.org/officeDocument/2006/relationships" type="conn" r:blip="" zOrderOff="-999">
+                    <dgm:adjLst/>
+                  </dgm:shape>
+                  <dgm:presOf axis="self"/>
+                  <dgm:constrLst>
+                    <dgm:constr type="begPad"/>
+                    <dgm:constr type="endPad"/>
+                  </dgm:constrLst>
+                  <dgm:ruleLst/>
+                </dgm:layoutNode>
+              </dgm:forEach>
+            </dgm:if>
+            <dgm:else name="Name25"/>
+          </dgm:choose>
+        </dgm:forEach>
+      </dgm:forEach>
+    </dgm:forEach>
+  </dgm:layoutNode>
+</dgm:layoutDef>
+</file>
+
+<file path=ppt/diagrams/quickStyle1.xml><?xml version="1.0" encoding="utf-8"?>
+<dgm:styleDef xmlns:dgm="http://schemas.openxmlformats.org/drawingml/2006/diagram" xmlns:a="http://schemas.openxmlformats.org/drawingml/2006/main" uniqueId="urn:microsoft.com/office/officeart/2005/8/quickstyle/simple1">
+  <dgm:title val=""/>
+  <dgm:desc val=""/>
+  <dgm:catLst>
+    <dgm:cat type="simple" pri="10100"/>
+  </dgm:catLst>
+  <dgm:scene3d>
+    <a:camera prst="orthographicFront"/>
+    <a:lightRig rig="threePt" dir="t"/>
+  </dgm:scene3d>
+  <dgm:styleLbl name="node0">
+    <dgm:scene3d>
+      <a:camera prst="orthographicFront"/>
+      <a:lightRig rig="threePt" dir="t"/>
+    </dgm:scene3d>
+    <dgm:sp3d/>
+    <dgm:txPr/>
+    <dgm:style>
+      <a:lnRef idx="2">
+        <a:scrgbClr r="0" g="0" b="0"/>
+      </a:lnRef>
+      <a:fillRef idx="1">
+        <a:scrgbClr r="0" g="0" b="0"/>
+      </a:fillRef>
+      <a:effectRef idx="0">
+        <a:scrgbClr r="0" g="0" b="0"/>
+      </a:effectRef>
+      <a:fontRef idx="minor">
+        <a:schemeClr val="lt1"/>
+      </a:fontRef>
+    </dgm:style>
+  </dgm:styleLbl>
+  <dgm:styleLbl name="lnNode1">
+    <dgm:scene3d>
+      <a:camera prst="orthographicFront"/>
+      <a:lightRig rig="threePt" dir="t"/>
+    </dgm:scene3d>
+    <dgm:sp3d/>
+    <dgm:txPr/>
+    <dgm:style>
+      <a:lnRef idx="2">
+        <a:scrgbClr r="0" g="0" b="0"/>
+      </a:lnRef>
+      <a:fillRef idx="1">
+        <a:scrgbClr r="0" g="0" b="0"/>
+      </a:fillRef>
+      <a:effectRef idx="0">
+        <a:scrgbClr r="0" g="0" b="0"/>
+      </a:effectRef>
+      <a:fontRef idx="minor">
+        <a:schemeClr val="lt1"/>
+      </a:fontRef>
+    </dgm:style>
+  </dgm:styleLbl>
+  <dgm:styleLbl name="vennNode1">
+    <dgm:scene3d>
+      <a:camera prst="orthographicFront"/>
+      <a:lightRig rig="threePt" dir="t"/>
+    </dgm:scene3d>
+    <dgm:sp3d/>
+    <dgm:txPr/>
+    <dgm:style>
+      <a:lnRef idx="2">
+        <a:scrgbClr r="0" g="0" b="0"/>
+      </a:lnRef>
+      <a:fillRef idx="1">
+        <a:scrgbClr r="0" g="0" b="0"/>
+      </a:fillRef>
+      <a:effectRef idx="0">
+        <a:scrgbClr r="0" g="0" b="0"/>
+      </a:effectRef>
+      <a:fontRef idx="minor">
+        <a:schemeClr val="tx1"/>
+      </a:fontRef>
+    </dgm:style>
+  </dgm:styleLbl>
+  <dgm:styleLbl name="alignNode1">
+    <dgm:scene3d>
+      <a:camera prst="orthographicFront"/>
+      <a:lightRig rig="threePt" dir="t"/>
+    </dgm:scene3d>
+    <dgm:sp3d/>
+    <dgm:txPr/>
+    <dgm:style>
+      <a:lnRef idx="2">
+        <a:scrgbClr r="0" g="0" b="0"/>
+      </a:lnRef>
+      <a:fillRef idx="1">
+        <a:scrgbClr r="0" g="0" b="0"/>
+      </a:fillRef>
+      <a:effectRef idx="0">
+        <a:scrgbClr r="0" g="0" b="0"/>
+      </a:effectRef>
+      <a:fontRef idx="minor">
+        <a:schemeClr val="lt1"/>
+      </a:fontRef>
+    </dgm:style>
+  </dgm:styleLbl>
+  <dgm:styleLbl name="node1">
+    <dgm:scene3d>
+      <a:camera prst="orthographicFront"/>
+      <a:lightRig rig="threePt" dir="t"/>
+    </dgm:scene3d>
+    <dgm:sp3d/>
+    <dgm:txPr/>
+    <dgm:style>
+      <a:lnRef idx="2">
+        <a:scrgbClr r="0" g="0" b="0"/>
+      </a:lnRef>
+      <a:fillRef idx="1">
+        <a:scrgbClr r="0" g="0" b="0"/>
+      </a:fillRef>
+      <a:effectRef idx="0">
+        <a:scrgbClr r="0" g="0" b="0"/>
+      </a:effectRef>
+      <a:fontRef idx="minor">
+        <a:schemeClr val="lt1"/>
+      </a:fontRef>
+    </dgm:style>
+  </dgm:styleLbl>
+  <dgm:styleLbl name="node2">
+    <dgm:scene3d>
+      <a:camera prst="orthographicFront"/>
+      <a:lightRig rig="threePt" dir="t"/>
+    </dgm:scene3d>
+    <dgm:sp3d/>
+    <dgm:txPr/>
+    <dgm:style>
+      <a:lnRef idx="2">
+        <a:scrgbClr r="0" g="0" b="0"/>
+      </a:lnRef>
+      <a:fillRef idx="1">
+        <a:scrgbClr r="0" g="0" b="0"/>
+      </a:fillRef>
+      <a:effectRef idx="0">
+        <a:scrgbClr r="0" g="0" b="0"/>
+      </a:effectRef>
+      <a:fontRef idx="minor">
+        <a:schemeClr val="lt1"/>
+      </a:fontRef>
+    </dgm:style>
+  </dgm:styleLbl>
+  <dgm:styleLbl name="node3">
+    <dgm:scene3d>
+      <a:camera prst="orthographicFront"/>
+      <a:lightRig rig="threePt" dir="t"/>
+    </dgm:scene3d>
+    <dgm:sp3d/>
+    <dgm:txPr/>
+    <dgm:style>
+      <a:lnRef idx="2">
+        <a:scrgbClr r="0" g="0" b="0"/>
+      </a:lnRef>
+      <a:fillRef idx="1">
+        <a:scrgbClr r="0" g="0" b="0"/>
+      </a:fillRef>
+      <a:effectRef idx="0">
+        <a:scrgbClr r="0" g="0" b="0"/>
+      </a:effectRef>
+      <a:fontRef idx="minor">
+        <a:schemeClr val="lt1"/>
+      </a:fontRef>
+    </dgm:style>
+  </dgm:styleLbl>
+  <dgm:styleLbl name="node4">
+    <dgm:scene3d>
+      <a:camera prst="orthographicFront"/>
+      <a:lightRig rig="threePt" dir="t"/>
+    </dgm:scene3d>
+    <dgm:sp3d/>
+    <dgm:txPr/>
+    <dgm:style>
+      <a:lnRef idx="2">
+        <a:scrgbClr r="0" g="0" b="0"/>
+      </a:lnRef>
+      <a:fillRef idx="1">
+        <a:scrgbClr r="0" g="0" b="0"/>
+      </a:fillRef>
+      <a:effectRef idx="0">
+        <a:scrgbClr r="0" g="0" b="0"/>
+      </a:effectRef>
+      <a:fontRef idx="minor">
+        <a:schemeClr val="lt1"/>
+      </a:fontRef>
+    </dgm:style>
+  </dgm:styleLbl>
+  <dgm:styleLbl name="fgImgPlace1">
+    <dgm:scene3d>
+      <a:camera prst="orthographicFront"/>
+      <a:lightRig rig="threePt" dir="t"/>
+    </dgm:scene3d>
+    <dgm:sp3d/>
+    <dgm:txPr/>
+    <dgm:style>
+      <a:lnRef idx="2">
+        <a:scrgbClr r="0" g="0" b="0"/>
+      </a:lnRef>
+      <a:fillRef idx="1">
+        <a:scrgbClr r="0" g="0" b="0"/>
+      </a:fillRef>
+      <a:effectRef idx="0">
+        <a:scrgbClr r="0" g="0" b="0"/>
+      </a:effectRef>
+      <a:fontRef idx="minor"/>
+    </dgm:style>
+  </dgm:styleLbl>
+  <dgm:styleLbl name="alignImgPlace1">
+    <dgm:scene3d>
+      <a:camera prst="orthographicFront"/>
+      <a:lightRig rig="threePt" dir="t"/>
+    </dgm:scene3d>
+    <dgm:sp3d/>
+    <dgm:txPr/>
+    <dgm:style>
+      <a:lnRef idx="2">
+        <a:scrgbClr r="0" g="0" b="0"/>
+      </a:lnRef>
+      <a:fillRef idx="1">
+        <a:scrgbClr r="0" g="0" b="0"/>
+      </a:fillRef>
+      <a:effectRef idx="0">
+        <a:scrgbClr r="0" g="0" b="0"/>
+      </a:effectRef>
+      <a:fontRef idx="minor"/>
+    </dgm:style>
+  </dgm:styleLbl>
+  <dgm:styleLbl name="bgImgPlace1">
+    <dgm:scene3d>
+      <a:camera prst="orthographicFront"/>
+      <a:lightRig rig="threePt" dir="t"/>
+    </dgm:scene3d>
+    <dgm:sp3d/>
+    <dgm:txPr/>
+    <dgm:style>
+      <a:lnRef idx="2">
+        <a:scrgbClr r="0" g="0" b="0"/>
+      </a:lnRef>
+      <a:fillRef idx="1">
+        <a:scrgbClr r="0" g="0" b="0"/>
+      </a:fillRef>
+      <a:effectRef idx="0">
+        <a:scrgbClr r="0" g="0" b="0"/>
+      </a:effectRef>
+      <a:fontRef idx="minor"/>
+    </dgm:style>
+  </dgm:styleLbl>
+  <dgm:styleLbl name="sibTrans2D1">
+    <dgm:scene3d>
+      <a:camera prst="orthographicFront"/>
+      <a:lightRig rig="threePt" dir="t"/>
+    </dgm:scene3d>
+    <dgm:sp3d/>
+    <dgm:txPr/>
+    <dgm:style>
+      <a:lnRef idx="0">
+        <a:scrgbClr r="0" g="0" b="0"/>
+      </a:lnRef>
+      <a:fillRef idx="1">
+        <a:scrgbClr r="0" g="0" b="0"/>
+      </a:fillRef>
+      <a:effectRef idx="0">
+        <a:scrgbClr r="0" g="0" b="0"/>
+      </a:effectRef>
+      <a:fontRef idx="minor">
+        <a:schemeClr val="lt1"/>
+      </a:fontRef>
+    </dgm:style>
+  </dgm:styleLbl>
+  <dgm:styleLbl name="fgSibTrans2D1">
+    <dgm:scene3d>
+      <a:camera prst="orthographicFront"/>
+      <a:lightRig rig="threePt" dir="t"/>
+    </dgm:scene3d>
+    <dgm:sp3d/>
+    <dgm:txPr/>
+    <dgm:style>
+      <a:lnRef idx="0">
+        <a:scrgbClr r="0" g="0" b="0"/>
+      </a:lnRef>
+      <a:fillRef idx="1">
+        <a:scrgbClr r="0" g="0" b="0"/>
+      </a:fillRef>
+      <a:effectRef idx="0">
+        <a:scrgbClr r="0" g="0" b="0"/>
+      </a:effectRef>
+      <a:fontRef idx="minor">
+        <a:schemeClr val="lt1"/>
+      </a:fontRef>
+    </dgm:style>
+  </dgm:styleLbl>
+  <dgm:styleLbl name="bgSibTrans2D1">
+    <dgm:scene3d>
+      <a:camera prst="orthographicFront"/>
+      <a:lightRig rig="threePt" dir="t"/>
+    </dgm:scene3d>
+    <dgm:sp3d/>
+    <dgm:txPr/>
+    <dgm:style>
+      <a:lnRef idx="0">
+        <a:scrgbClr r="0" g="0" b="0"/>
+      </a:lnRef>
+      <a:fillRef idx="1">
+        <a:scrgbClr r="0" g="0" b="0"/>
+      </a:fillRef>
+      <a:effectRef idx="0">
+        <a:scrgbClr r="0" g="0" b="0"/>
+      </a:effectRef>
+      <a:fontRef idx="minor">
+        <a:schemeClr val="lt1"/>
+      </a:fontRef>
+    </dgm:style>
+  </dgm:styleLbl>
+  <dgm:styleLbl name="sibTrans1D1">
+    <dgm:scene3d>
+      <a:camera prst="orthographicFront"/>
+      <a:lightRig rig="threePt" dir="t"/>
+    </dgm:scene3d>
+    <dgm:sp3d/>
+    <dgm:txPr/>
+    <dgm:style>
+      <a:lnRef idx="1">
+        <a:scrgbClr r="0" g="0" b="0"/>
+      </a:lnRef>
+      <a:fillRef idx="0">
+        <a:scrgbClr r="0" g="0" b="0"/>
+      </a:fillRef>
+      <a:effectRef idx="0">
+        <a:scrgbClr r="0" g="0" b="0"/>
+      </a:effectRef>
+      <a:fontRef idx="minor"/>
+    </dgm:style>
+  </dgm:styleLbl>
+  <dgm:styleLbl name="callout">
+    <dgm:scene3d>
+      <a:camera prst="orthographicFront"/>
+      <a:lightRig rig="threePt" dir="t"/>
+    </dgm:scene3d>
+    <dgm:sp3d/>
+    <dgm:txPr/>
+    <dgm:style>
+      <a:lnRef idx="2">
+        <a:scrgbClr r="0" g="0" b="0"/>
+      </a:lnRef>
+      <a:fillRef idx="1">
+        <a:scrgbClr r="0" g="0" b="0"/>
+      </a:fillRef>
+      <a:effectRef idx="0">
+        <a:scrgbClr r="0" g="0" b="0"/>
+      </a:effectRef>
+      <a:fontRef idx="minor"/>
+    </dgm:style>
+  </dgm:styleLbl>
+  <dgm:styleLbl name="asst0">
+    <dgm:scene3d>
+      <a:camera prst="orthographicFront"/>
+      <a:lightRig rig="threePt" dir="t"/>
+    </dgm:scene3d>
+    <dgm:sp3d/>
+    <dgm:txPr/>
+    <dgm:style>
+      <a:lnRef idx="2">
+        <a:scrgbClr r="0" g="0" b="0"/>
+      </a:lnRef>
+      <a:fillRef idx="1">
+        <a:scrgbClr r="0" g="0" b="0"/>
+      </a:fillRef>
+      <a:effectRef idx="0">
+        <a:scrgbClr r="0" g="0" b="0"/>
+      </a:effectRef>
+      <a:fontRef idx="minor">
+        <a:schemeClr val="lt1"/>
+      </a:fontRef>
+    </dgm:style>
+  </dgm:styleLbl>
+  <dgm:styleLbl name="asst1">
+    <dgm:scene3d>
+      <a:camera prst="orthographicFront"/>
+      <a:lightRig rig="threePt" dir="t"/>
+    </dgm:scene3d>
+    <dgm:sp3d/>
+    <dgm:txPr/>
+    <dgm:style>
+      <a:lnRef idx="2">
+        <a:scrgbClr r="0" g="0" b="0"/>
+      </a:lnRef>
+      <a:fillRef idx="1">
+        <a:scrgbClr r="0" g="0" b="0"/>
+      </a:fillRef>
+      <a:effectRef idx="0">
+        <a:scrgbClr r="0" g="0" b="0"/>
+      </a:effectRef>
+      <a:fontRef idx="minor">
+        <a:schemeClr val="lt1"/>
+      </a:fontRef>
+    </dgm:style>
+  </dgm:styleLbl>
+  <dgm:styleLbl name="asst2">
+    <dgm:scene3d>
+      <a:camera prst="orthographicFront"/>
+      <a:lightRig rig="threePt" dir="t"/>
+    </dgm:scene3d>
+    <dgm:sp3d/>
+    <dgm:txPr/>
+    <dgm:style>
+      <a:lnRef idx="2">
+        <a:scrgbClr r="0" g="0" b="0"/>
+      </a:lnRef>
+      <a:fillRef idx="1">
+        <a:scrgbClr r="0" g="0" b="0"/>
+      </a:fillRef>
+      <a:effectRef idx="0">
+        <a:scrgbClr r="0" g="0" b="0"/>
+      </a:effectRef>
+      <a:fontRef idx="minor">
+        <a:schemeClr val="lt1"/>
+      </a:fontRef>
+    </dgm:style>
+  </dgm:styleLbl>
+  <dgm:styleLbl name="asst3">
+    <dgm:scene3d>
+      <a:camera prst="orthographicFront"/>
+      <a:lightRig rig="threePt" dir="t"/>
+    </dgm:scene3d>
+    <dgm:sp3d/>
+    <dgm:txPr/>
+    <dgm:style>
+      <a:lnRef idx="2">
+        <a:scrgbClr r="0" g="0" b="0"/>
+      </a:lnRef>
+      <a:fillRef idx="1">
+        <a:scrgbClr r="0" g="0" b="0"/>
+      </a:fillRef>
+      <a:effectRef idx="0">
+        <a:scrgbClr r="0" g="0" b="0"/>
+      </a:effectRef>
+      <a:fontRef idx="minor">
+        <a:schemeClr val="lt1"/>
+      </a:fontRef>
+    </dgm:style>
+  </dgm:styleLbl>
+  <dgm:styleLbl name="asst4">
+    <dgm:scene3d>
+      <a:camera prst="orthographicFront"/>
+      <a:lightRig rig="threePt" dir="t"/>
+    </dgm:scene3d>
+    <dgm:sp3d/>
+    <dgm:txPr/>
+    <dgm:style>
+      <a:lnRef idx="2">
+        <a:scrgbClr r="0" g="0" b="0"/>
+      </a:lnRef>
+      <a:fillRef idx="1">
+        <a:scrgbClr r="0" g="0" b="0"/>
+      </a:fillRef>
+      <a:effectRef idx="0">
+        <a:scrgbClr r="0" g="0" b="0"/>
+      </a:effectRef>
+      <a:fontRef idx="minor">
+        <a:schemeClr val="lt1"/>
+      </a:fontRef>
+    </dgm:style>
+  </dgm:styleLbl>
+  <dgm:styleLbl name="parChTrans2D1">
+    <dgm:scene3d>
+      <a:camera prst="orthographicFront"/>
+      <a:lightRig rig="threePt" dir="t"/>
+    </dgm:scene3d>
+    <dgm:sp3d/>
+    <dgm:txPr/>
+    <dgm:style>
+      <a:lnRef idx="2">
+        <a:scrgbClr r="0" g="0" b="0"/>
+      </a:lnRef>
+      <a:fillRef idx="1">
+        <a:scrgbClr r="0" g="0" b="0"/>
+      </a:fillRef>
+      <a:effectRef idx="0">
+        <a:scrgbClr r="0" g="0" b="0"/>
+      </a:effectRef>
+      <a:fontRef idx="minor">
+        <a:schemeClr val="lt1"/>
+      </a:fontRef>
+    </dgm:style>
+  </dgm:styleLbl>
+  <dgm:styleLbl name="parChTrans2D2">
+    <dgm:scene3d>
+      <a:camera prst="orthographicFront"/>
+      <a:lightRig rig="threePt" dir="t"/>
+    </dgm:scene3d>
+    <dgm:sp3d/>
+    <dgm:txPr/>
+    <dgm:style>
+      <a:lnRef idx="2">
+        <a:scrgbClr r="0" g="0" b="0"/>
+      </a:lnRef>
+      <a:fillRef idx="1">
+        <a:scrgbClr r="0" g="0" b="0"/>
+      </a:fillRef>
+      <a:effectRef idx="0">
+        <a:scrgbClr r="0" g="0" b="0"/>
+      </a:effectRef>
+      <a:fontRef idx="minor">
+        <a:schemeClr val="lt1"/>
+      </a:fontRef>
+    </dgm:style>
+  </dgm:styleLbl>
+  <dgm:styleLbl name="parChTrans2D3">
+    <dgm:scene3d>
+      <a:camera prst="orthographicFront"/>
+      <a:lightRig rig="threePt" dir="t"/>
+    </dgm:scene3d>
+    <dgm:sp3d/>
+    <dgm:txPr/>
+    <dgm:style>
+      <a:lnRef idx="2">
+        <a:scrgbClr r="0" g="0" b="0"/>
+      </a:lnRef>
+      <a:fillRef idx="1">
+        <a:scrgbClr r="0" g="0" b="0"/>
+      </a:fillRef>
+      <a:effectRef idx="0">
+        <a:scrgbClr r="0" g="0" b="0"/>
+      </a:effectRef>
+      <a:fontRef idx="minor">
+        <a:schemeClr val="lt1"/>
+      </a:fontRef>
+    </dgm:style>
+  </dgm:styleLbl>
+  <dgm:styleLbl name="parChTrans2D4">
+    <dgm:scene3d>
+      <a:camera prst="orthographicFront"/>
+      <a:lightRig rig="threePt" dir="t"/>
+    </dgm:scene3d>
+    <dgm:sp3d/>
+    <dgm:txPr/>
+    <dgm:style>
+      <a:lnRef idx="2">
+        <a:scrgbClr r="0" g="0" b="0"/>
+      </a:lnRef>
+      <a:fillRef idx="1">
+        <a:scrgbClr r="0" g="0" b="0"/>
+      </a:fillRef>
+      <a:effectRef idx="0">
+        <a:scrgbClr r="0" g="0" b="0"/>
+      </a:effectRef>
+      <a:fontRef idx="minor">
+        <a:schemeClr val="lt1"/>
+      </a:fontRef>
+    </dgm:style>
+  </dgm:styleLbl>
+  <dgm:styleLbl name="parChTrans1D1">
+    <dgm:scene3d>
+      <a:camera prst="orthographicFront"/>
+      <a:lightRig rig="threePt" dir="t"/>
+    </dgm:scene3d>
+    <dgm:sp3d/>
+    <dgm:txPr/>
+    <dgm:style>
+      <a:lnRef idx="2">
+        <a:scrgbClr r="0" g="0" b="0"/>
+      </a:lnRef>
+      <a:fillRef idx="0">
+        <a:scrgbClr r="0" g="0" b="0"/>
+      </a:fillRef>
+      <a:effectRef idx="0">
+        <a:scrgbClr r="0" g="0" b="0"/>
+      </a:effectRef>
+      <a:fontRef idx="minor"/>
+    </dgm:style>
+  </dgm:styleLbl>
+  <dgm:styleLbl name="parChTrans1D2">
+    <dgm:scene3d>
+      <a:camera prst="orthographicFront"/>
+      <a:lightRig rig="threePt" dir="t"/>
+    </dgm:scene3d>
+    <dgm:sp3d/>
+    <dgm:txPr/>
+    <dgm:style>
+      <a:lnRef idx="2">
+        <a:scrgbClr r="0" g="0" b="0"/>
+      </a:lnRef>
+      <a:fillRef idx="0">
+        <a:scrgbClr r="0" g="0" b="0"/>
+      </a:fillRef>
+      <a:effectRef idx="0">
+        <a:scrgbClr r="0" g="0" b="0"/>
+      </a:effectRef>
+      <a:fontRef idx="minor"/>
+    </dgm:style>
+  </dgm:styleLbl>
+  <dgm:styleLbl name="parChTrans1D3">
+    <dgm:scene3d>
+      <a:camera prst="orthographicFront"/>
+      <a:lightRig rig="threePt" dir="t"/>
+    </dgm:scene3d>
+    <dgm:sp3d/>
+    <dgm:txPr/>
+    <dgm:style>
+      <a:lnRef idx="2">
+        <a:scrgbClr r="0" g="0" b="0"/>
+      </a:lnRef>
+      <a:fillRef idx="0">
+        <a:scrgbClr r="0" g="0" b="0"/>
+      </a:fillRef>
+      <a:effectRef idx="0">
+        <a:scrgbClr r="0" g="0" b="0"/>
+      </a:effectRef>
+      <a:fontRef idx="minor"/>
+    </dgm:style>
+  </dgm:styleLbl>
+  <dgm:styleLbl name="parChTrans1D4">
+    <dgm:scene3d>
+      <a:camera prst="orthographicFront"/>
+      <a:lightRig rig="threePt" dir="t"/>
+    </dgm:scene3d>
+    <dgm:sp3d/>
+    <dgm:txPr/>
+    <dgm:style>
+      <a:lnRef idx="2">
+        <a:scrgbClr r="0" g="0" b="0"/>
+      </a:lnRef>
+      <a:fillRef idx="0">
+        <a:scrgbClr r="0" g="0" b="0"/>
+      </a:fillRef>
+      <a:effectRef idx="0">
+        <a:scrgbClr r="0" g="0" b="0"/>
+      </a:effectRef>
+      <a:fontRef idx="minor"/>
+    </dgm:style>
+  </dgm:styleLbl>
+  <dgm:styleLbl name="fgAcc1">
+    <dgm:scene3d>
+      <a:camera prst="orthographicFront"/>
+      <a:lightRig rig="threePt" dir="t"/>
+    </dgm:scene3d>
+    <dgm:sp3d/>
+    <dgm:txPr/>
+    <dgm:style>
+      <a:lnRef idx="2">
+        <a:scrgbClr r="0" g="0" b="0"/>
+      </a:lnRef>
+      <a:fillRef idx="1">
+        <a:scrgbClr r="0" g="0" b="0"/>
+      </a:fillRef>
+      <a:effectRef idx="0">
+        <a:scrgbClr r="0" g="0" b="0"/>
+      </a:effectRef>
+      <a:fontRef idx="minor"/>
+    </dgm:style>
+  </dgm:styleLbl>
+  <dgm:styleLbl name="conFgAcc1">
+    <dgm:scene3d>
+      <a:camera prst="orthographicFront"/>
+      <a:lightRig rig="threePt" dir="t"/>
+    </dgm:scene3d>
+    <dgm:sp3d/>
+    <dgm:txPr/>
+    <dgm:style>
+      <a:lnRef idx="2">
+        <a:scrgbClr r="0" g="0" b="0"/>
+      </a:lnRef>
+      <a:fillRef idx="1">
+        <a:scrgbClr r="0" g="0" b="0"/>
+      </a:fillRef>
+      <a:effectRef idx="0">
+        <a:scrgbClr r="0" g="0" b="0"/>
+      </a:effectRef>
+      <a:fontRef idx="minor"/>
+    </dgm:style>
+  </dgm:styleLbl>
+  <dgm:styleLbl name="alignAcc1">
+    <dgm:scene3d>
+      <a:camera prst="orthographicFront"/>
+      <a:lightRig rig="threePt" dir="t"/>
+    </dgm:scene3d>
+    <dgm:sp3d/>
+    <dgm:txPr/>
+    <dgm:style>
+      <a:lnRef idx="2">
+        <a:scrgbClr r="0" g="0" b="0"/>
+      </a:lnRef>
+      <a:fillRef idx="1">
+        <a:scrgbClr r="0" g="0" b="0"/>
+      </a:fillRef>
+      <a:effectRef idx="0">
+        <a:scrgbClr r="0" g="0" b="0"/>
+      </a:effectRef>
+      <a:fontRef idx="minor"/>
+    </dgm:style>
+  </dgm:styleLbl>
+  <dgm:styleLbl name="trAlignAcc1">
+    <dgm:scene3d>
+      <a:camera prst="orthographicFront"/>
+      <a:lightRig rig="threePt" dir="t"/>
+    </dgm:scene3d>
+    <dgm:sp3d/>
+    <dgm:txPr/>
+    <dgm:style>
+      <a:lnRef idx="1">
+        <a:scrgbClr r="0" g="0" b="0"/>
+      </a:lnRef>
+      <a:fillRef idx="1">
+        <a:scrgbClr r="0" g="0" b="0"/>
+      </a:fillRef>
+      <a:effectRef idx="0">
+        <a:scrgbClr r="0" g="0" b="0"/>
+      </a:effectRef>
+      <a:fontRef idx="minor"/>
+    </dgm:style>
+  </dgm:styleLbl>
+  <dgm:styleLbl name="bgAcc1">
+    <dgm:scene3d>
+      <a:camera prst="orthographicFront"/>
+      <a:lightRig rig="threePt" dir="t"/>
+    </dgm:scene3d>
+    <dgm:sp3d/>
+    <dgm:txPr/>
+    <dgm:style>
+      <a:lnRef idx="2">
+        <a:scrgbClr r="0" g="0" b="0"/>
+      </a:lnRef>
+      <a:fillRef idx="1">
+        <a:scrgbClr r="0" g="0" b="0"/>
+      </a:fillRef>
+      <a:effectRef idx="0">
+        <a:scrgbClr r="0" g="0" b="0"/>
+      </a:effectRef>
+      <a:fontRef idx="minor"/>
+    </dgm:style>
+  </dgm:styleLbl>
+  <dgm:styleLbl name="solidFgAcc1">
+    <dgm:scene3d>
+      <a:camera prst="orthographicFront"/>
+      <a:lightRig rig="threePt" dir="t"/>
+    </dgm:scene3d>
+    <dgm:sp3d/>
+    <dgm:txPr/>
+    <dgm:style>
+      <a:lnRef idx="2">
+        <a:scrgbClr r="0" g="0" b="0"/>
+      </a:lnRef>
+      <a:fillRef idx="1">
+        <a:scrgbClr r="0" g="0" b="0"/>
+      </a:fillRef>
+      <a:effectRef idx="0">
+        <a:scrgbClr r="0" g="0" b="0"/>
+      </a:effectRef>
+      <a:fontRef idx="minor"/>
+    </dgm:style>
+  </dgm:styleLbl>
+  <dgm:styleLbl name="solidAlignAcc1">
+    <dgm:scene3d>
+      <a:camera prst="orthographicFront"/>
+      <a:lightRig rig="threePt" dir="t"/>
+    </dgm:scene3d>
+    <dgm:sp3d/>
+    <dgm:txPr/>
+    <dgm:style>
+      <a:lnRef idx="2">
+        <a:scrgbClr r="0" g="0" b="0"/>
+      </a:lnRef>
+      <a:fillRef idx="1">
+        <a:scrgbClr r="0" g="0" b="0"/>
+      </a:fillRef>
+      <a:effectRef idx="0">
+        <a:scrgbClr r="0" g="0" b="0"/>
+      </a:effectRef>
+      <a:fontRef idx="minor"/>
+    </dgm:style>
+  </dgm:styleLbl>
+  <dgm:styleLbl name="solidBgAcc1">
+    <dgm:scene3d>
+      <a:camera prst="orthographicFront"/>
+      <a:lightRig rig="threePt" dir="t"/>
+    </dgm:scene3d>
+    <dgm:sp3d/>
+    <dgm:txPr/>
+    <dgm:style>
+      <a:lnRef idx="2">
+        <a:scrgbClr r="0" g="0" b="0"/>
+      </a:lnRef>
+      <a:fillRef idx="1">
+        <a:scrgbClr r="0" g="0" b="0"/>
+      </a:fillRef>
+      <a:effectRef idx="0">
+        <a:scrgbClr r="0" g="0" b="0"/>
+      </a:effectRef>
+      <a:fontRef idx="minor"/>
+    </dgm:style>
+  </dgm:styleLbl>
+  <dgm:styleLbl name="fgAccFollowNode1">
+    <dgm:scene3d>
+      <a:camera prst="orthographicFront"/>
+      <a:lightRig rig="threePt" dir="t"/>
+    </dgm:scene3d>
+    <dgm:sp3d/>
+    <dgm:txPr/>
+    <dgm:style>
+      <a:lnRef idx="2">
+        <a:scrgbClr r="0" g="0" b="0"/>
+      </a:lnRef>
+      <a:fillRef idx="1">
+        <a:scrgbClr r="0" g="0" b="0"/>
+      </a:fillRef>
+      <a:effectRef idx="0">
+        <a:scrgbClr r="0" g="0" b="0"/>
+      </a:effectRef>
+      <a:fontRef idx="minor"/>
+    </dgm:style>
+  </dgm:styleLbl>
+  <dgm:styleLbl name="alignAccFollowNode1">
+    <dgm:scene3d>
+      <a:camera prst="orthographicFront"/>
+      <a:lightRig rig="threePt" dir="t"/>
+    </dgm:scene3d>
+    <dgm:sp3d/>
+    <dgm:txPr/>
+    <dgm:style>
+      <a:lnRef idx="2">
+        <a:scrgbClr r="0" g="0" b="0"/>
+      </a:lnRef>
+      <a:fillRef idx="1">
+        <a:scrgbClr r="0" g="0" b="0"/>
+      </a:fillRef>
+      <a:effectRef idx="0">
+        <a:scrgbClr r="0" g="0" b="0"/>
+      </a:effectRef>
+      <a:fontRef idx="minor"/>
+    </dgm:style>
+  </dgm:styleLbl>
+  <dgm:styleLbl name="bgAccFollowNode1">
+    <dgm:scene3d>
+      <a:camera prst="orthographicFront"/>
+      <a:lightRig rig="threePt" dir="t"/>
+    </dgm:scene3d>
+    <dgm:sp3d/>
+    <dgm:txPr/>
+    <dgm:style>
+      <a:lnRef idx="2">
+        <a:scrgbClr r="0" g="0" b="0"/>
+      </a:lnRef>
+      <a:fillRef idx="1">
+        <a:scrgbClr r="0" g="0" b="0"/>
+      </a:fillRef>
+      <a:effectRef idx="0">
+        <a:scrgbClr r="0" g="0" b="0"/>
+      </a:effectRef>
+      <a:fontRef idx="minor"/>
+    </dgm:style>
+  </dgm:styleLbl>
+  <dgm:styleLbl name="fgAcc0">
+    <dgm:scene3d>
+      <a:camera prst="orthographicFront"/>
+      <a:lightRig rig="threePt" dir="t"/>
+    </dgm:scene3d>
+    <dgm:sp3d/>
+    <dgm:txPr/>
+    <dgm:style>
+      <a:lnRef idx="2">
+        <a:scrgbClr r="0" g="0" b="0"/>
+      </a:lnRef>
+      <a:fillRef idx="1">
+        <a:scrgbClr r="0" g="0" b="0"/>
+      </a:fillRef>
+      <a:effectRef idx="0">
+        <a:scrgbClr r="0" g="0" b="0"/>
+      </a:effectRef>
+      <a:fontRef idx="minor"/>
+    </dgm:style>
+  </dgm:styleLbl>
+  <dgm:styleLbl name="fgAcc2">
+    <dgm:scene3d>
+      <a:camera prst="orthographicFront"/>
+      <a:lightRig rig="threePt" dir="t"/>
+    </dgm:scene3d>
+    <dgm:sp3d/>
+    <dgm:txPr/>
+    <dgm:style>
+      <a:lnRef idx="2">
+        <a:scrgbClr r="0" g="0" b="0"/>
+      </a:lnRef>
+      <a:fillRef idx="1">
+        <a:scrgbClr r="0" g="0" b="0"/>
+      </a:fillRef>
+      <a:effectRef idx="0">
+        <a:scrgbClr r="0" g="0" b="0"/>
+      </a:effectRef>
+      <a:fontRef idx="minor"/>
+    </dgm:style>
+  </dgm:styleLbl>
+  <dgm:styleLbl name="fgAcc3">
+    <dgm:scene3d>
+      <a:camera prst="orthographicFront"/>
+      <a:lightRig rig="threePt" dir="t"/>
+    </dgm:scene3d>
+    <dgm:sp3d/>
+    <dgm:txPr/>
+    <dgm:style>
+      <a:lnRef idx="2">
+        <a:scrgbClr r="0" g="0" b="0"/>
+      </a:lnRef>
+      <a:fillRef idx="1">
+        <a:scrgbClr r="0" g="0" b="0"/>
+      </a:fillRef>
+      <a:effectRef idx="0">
+        <a:scrgbClr r="0" g="0" b="0"/>
+      </a:effectRef>
+      <a:fontRef idx="minor"/>
+    </dgm:style>
+  </dgm:styleLbl>
+  <dgm:styleLbl name="fgAcc4">
+    <dgm:scene3d>
+      <a:camera prst="orthographicFront"/>
+      <a:lightRig rig="threePt" dir="t"/>
+    </dgm:scene3d>
+    <dgm:sp3d/>
+    <dgm:txPr/>
+    <dgm:style>
+      <a:lnRef idx="2">
+        <a:scrgbClr r="0" g="0" b="0"/>
+      </a:lnRef>
+      <a:fillRef idx="1">
+        <a:scrgbClr r="0" g="0" b="0"/>
+      </a:fillRef>
+      <a:effectRef idx="0">
+        <a:scrgbClr r="0" g="0" b="0"/>
+      </a:effectRef>
+      <a:fontRef idx="minor"/>
+    </dgm:style>
+  </dgm:styleLbl>
+  <dgm:styleLbl name="bgShp">
+    <dgm:scene3d>
+      <a:camera prst="orthographicFront"/>
+      <a:lightRig rig="threePt" dir="t"/>
+    </dgm:scene3d>
+    <dgm:sp3d/>
+    <dgm:txPr/>
+    <dgm:style>
+      <a:lnRef idx="0">
+        <a:scrgbClr r="0" g="0" b="0"/>
+      </a:lnRef>
+      <a:fillRef idx="1">
+        <a:scrgbClr r="0" g="0" b="0"/>
+      </a:fillRef>
+      <a:effectRef idx="0">
+        <a:scrgbClr r="0" g="0" b="0"/>
+      </a:effectRef>
+      <a:fontRef idx="minor"/>
+    </dgm:style>
+  </dgm:styleLbl>
+  <dgm:styleLbl name="dkBgShp">
+    <dgm:scene3d>
+      <a:camera prst="orthographicFront"/>
+      <a:lightRig rig="threePt" dir="t"/>
+    </dgm:scene3d>
+    <dgm:sp3d/>
+    <dgm:txPr/>
+    <dgm:style>
+      <a:lnRef idx="0">
+        <a:scrgbClr r="0" g="0" b="0"/>
+      </a:lnRef>
+      <a:fillRef idx="1">
+        <a:scrgbClr r="0" g="0" b="0"/>
+      </a:fillRef>
+      <a:effectRef idx="0">
+        <a:scrgbClr r="0" g="0" b="0"/>
+      </a:effectRef>
+      <a:fontRef idx="minor"/>
+    </dgm:style>
+  </dgm:styleLbl>
+  <dgm:styleLbl name="trBgShp">
+    <dgm:scene3d>
+      <a:camera prst="orthographicFront"/>
+      <a:lightRig rig="threePt" dir="t"/>
+    </dgm:scene3d>
+    <dgm:sp3d/>
+    <dgm:txPr/>
+    <dgm:style>
+      <a:lnRef idx="0">
+        <a:scrgbClr r="0" g="0" b="0"/>
+      </a:lnRef>
+      <a:fillRef idx="1">
+        <a:scrgbClr r="0" g="0" b="0"/>
+      </a:fillRef>
+      <a:effectRef idx="0">
+        <a:scrgbClr r="0" g="0" b="0"/>
+      </a:effectRef>
+      <a:fontRef idx="minor"/>
+    </dgm:style>
+  </dgm:styleLbl>
+  <dgm:styleLbl name="fgShp">
+    <dgm:scene3d>
+      <a:camera prst="orthographicFront"/>
+      <a:lightRig rig="threePt" dir="t"/>
+    </dgm:scene3d>
+    <dgm:sp3d/>
+    <dgm:txPr/>
+    <dgm:style>
+      <a:lnRef idx="2">
+        <a:scrgbClr r="0" g="0" b="0"/>
+      </a:lnRef>
+      <a:fillRef idx="1">
+        <a:scrgbClr r="0" g="0" b="0"/>
+      </a:fillRef>
+      <a:effectRef idx="0">
+        <a:scrgbClr r="0" g="0" b="0"/>
+      </a:effectRef>
+      <a:fontRef idx="minor"/>
+    </dgm:style>
+  </dgm:styleLbl>
+  <dgm:styleLbl name="revTx">
+    <dgm:scene3d>
+      <a:camera prst="orthographicFront"/>
+      <a:lightRig rig="threePt" dir="t"/>
+    </dgm:scene3d>
+    <dgm:sp3d/>
+    <dgm:txPr/>
+    <dgm:style>
+      <a:lnRef idx="0">
+        <a:scrgbClr r="0" g="0" b="0"/>
+      </a:lnRef>
+      <a:fillRef idx="0">
+        <a:scrgbClr r="0" g="0" b="0"/>
+      </a:fillRef>
+      <a:effectRef idx="0">
+        <a:scrgbClr r="0" g="0" b="0"/>
+      </a:effectRef>
+      <a:fontRef idx="minor"/>
+    </dgm:style>
+  </dgm:styleLbl>
+</dgm:styleDef>
 </file>
 
 <file path=ppt/notesMasters/notesMaster1.xml><?xml version="1.0" encoding="utf-8"?>
@@ -4528,6 +8226,1736 @@
       <p:bldP spid="3" grpId="0" build="p"/>
       <p:bldP spid="18" grpId="0"/>
     </p:bldLst>
+  </p:timing>
+</p:sld>
+</file>
+
+<file path=ppt/slides/slide4.xml><?xml version="1.0" encoding="utf-8"?>
+<p:sld xmlns:a="http://schemas.openxmlformats.org/drawingml/2006/main" xmlns:r="http://schemas.openxmlformats.org/officeDocument/2006/relationships" xmlns:p="http://schemas.openxmlformats.org/presentationml/2006/main">
+  <p:cSld>
+    <p:spTree>
+      <p:nvGrpSpPr>
+        <p:cNvPr id="1" name=""/>
+        <p:cNvGrpSpPr/>
+        <p:nvPr/>
+      </p:nvGrpSpPr>
+      <p:grpSpPr>
+        <a:xfrm>
+          <a:off x="0" y="0"/>
+          <a:ext cx="0" cy="0"/>
+          <a:chOff x="0" y="0"/>
+          <a:chExt cx="0" cy="0"/>
+        </a:xfrm>
+      </p:grpSpPr>
+      <p:sp>
+        <p:nvSpPr>
+          <p:cNvPr id="2" name="Title 1"/>
+          <p:cNvSpPr>
+            <a:spLocks noGrp="1"/>
+          </p:cNvSpPr>
+          <p:nvPr>
+            <p:ph type="title"/>
+          </p:nvPr>
+        </p:nvSpPr>
+        <p:spPr>
+          <a:xfrm>
+            <a:off x="717453" y="365125"/>
+            <a:ext cx="11240086" cy="1325563"/>
+          </a:xfrm>
+        </p:spPr>
+        <p:txBody>
+          <a:bodyPr/>
+          <a:lstStyle/>
+          <a:p>
+            <a:r>
+              <a:rPr lang="en-US" dirty="0" smtClean="0"/>
+              <a:t>Extreme Programming (XP) - </a:t>
+            </a:r>
+            <a:r>
+              <a:rPr lang="en-US" b="1" dirty="0" smtClean="0"/>
+              <a:t>Introduction</a:t>
+            </a:r>
+            <a:endParaRPr lang="en-US" b="1" dirty="0"/>
+          </a:p>
+        </p:txBody>
+      </p:sp>
+      <p:graphicFrame>
+        <p:nvGraphicFramePr>
+          <p:cNvPr id="10" name="Diagram 9"/>
+          <p:cNvGraphicFramePr/>
+          <p:nvPr>
+            <p:extLst>
+              <p:ext uri="{D42A27DB-BD31-4B8C-83A1-F6EECF244321}">
+                <p14:modId xmlns:p14="http://schemas.microsoft.com/office/powerpoint/2010/main" val="1217360484"/>
+              </p:ext>
+            </p:extLst>
+          </p:nvPr>
+        </p:nvGraphicFramePr>
+        <p:xfrm>
+          <a:off x="-232899" y="1577796"/>
+          <a:ext cx="7196406" cy="4865207"/>
+        </p:xfrm>
+        <a:graphic>
+          <a:graphicData uri="http://schemas.openxmlformats.org/drawingml/2006/diagram">
+            <dgm:relIds xmlns:dgm="http://schemas.openxmlformats.org/drawingml/2006/diagram" xmlns:r="http://schemas.openxmlformats.org/officeDocument/2006/relationships" r:dm="rId2" r:lo="rId3" r:qs="rId4" r:cs="rId5"/>
+          </a:graphicData>
+        </a:graphic>
+      </p:graphicFrame>
+      <p:sp>
+        <p:nvSpPr>
+          <p:cNvPr id="11" name="Down Arrow 10"/>
+          <p:cNvSpPr/>
+          <p:nvPr/>
+        </p:nvSpPr>
+        <p:spPr>
+          <a:xfrm rot="14400000">
+            <a:off x="6021257" y="3587655"/>
+            <a:ext cx="736625" cy="959929"/>
+          </a:xfrm>
+          <a:prstGeom prst="downArrow">
+            <a:avLst>
+              <a:gd name="adj1" fmla="val 50000"/>
+              <a:gd name="adj2" fmla="val 52584"/>
+            </a:avLst>
+          </a:prstGeom>
+        </p:spPr>
+        <p:style>
+          <a:lnRef idx="2">
+            <a:schemeClr val="accent1">
+              <a:shade val="50000"/>
+            </a:schemeClr>
+          </a:lnRef>
+          <a:fillRef idx="1">
+            <a:schemeClr val="accent1"/>
+          </a:fillRef>
+          <a:effectRef idx="0">
+            <a:schemeClr val="accent1"/>
+          </a:effectRef>
+          <a:fontRef idx="minor">
+            <a:schemeClr val="lt1"/>
+          </a:fontRef>
+        </p:style>
+        <p:txBody>
+          <a:bodyPr rtlCol="0" anchor="ctr"/>
+          <a:lstStyle/>
+          <a:p>
+            <a:pPr algn="ctr"/>
+            <a:endParaRPr lang="en-US"/>
+          </a:p>
+        </p:txBody>
+      </p:sp>
+      <p:grpSp>
+        <p:nvGrpSpPr>
+          <p:cNvPr id="13" name="Group 12"/>
+          <p:cNvGrpSpPr/>
+          <p:nvPr/>
+        </p:nvGrpSpPr>
+        <p:grpSpPr>
+          <a:xfrm>
+            <a:off x="6126625" y="1437119"/>
+            <a:ext cx="5397242" cy="3796063"/>
+            <a:chOff x="5704595" y="1437119"/>
+            <a:chExt cx="5397242" cy="3796063"/>
+          </a:xfrm>
+        </p:grpSpPr>
+        <p:sp>
+          <p:nvSpPr>
+            <p:cNvPr id="14" name="Freeform 13"/>
+            <p:cNvSpPr/>
+            <p:nvPr/>
+          </p:nvSpPr>
+          <p:spPr>
+            <a:xfrm>
+              <a:off x="6636159" y="2441557"/>
+              <a:ext cx="1806457" cy="1806546"/>
+            </a:xfrm>
+            <a:custGeom>
+              <a:avLst/>
+              <a:gdLst>
+                <a:gd name="connsiteX0" fmla="*/ 0 w 1806457"/>
+                <a:gd name="connsiteY0" fmla="*/ 903273 h 1806546"/>
+                <a:gd name="connsiteX1" fmla="*/ 903229 w 1806457"/>
+                <a:gd name="connsiteY1" fmla="*/ 0 h 1806546"/>
+                <a:gd name="connsiteX2" fmla="*/ 1806458 w 1806457"/>
+                <a:gd name="connsiteY2" fmla="*/ 903273 h 1806546"/>
+                <a:gd name="connsiteX3" fmla="*/ 903229 w 1806457"/>
+                <a:gd name="connsiteY3" fmla="*/ 1806546 h 1806546"/>
+                <a:gd name="connsiteX4" fmla="*/ 0 w 1806457"/>
+                <a:gd name="connsiteY4" fmla="*/ 903273 h 1806546"/>
+              </a:gdLst>
+              <a:ahLst/>
+              <a:cxnLst>
+                <a:cxn ang="0">
+                  <a:pos x="connsiteX0" y="connsiteY0"/>
+                </a:cxn>
+                <a:cxn ang="0">
+                  <a:pos x="connsiteX1" y="connsiteY1"/>
+                </a:cxn>
+                <a:cxn ang="0">
+                  <a:pos x="connsiteX2" y="connsiteY2"/>
+                </a:cxn>
+                <a:cxn ang="0">
+                  <a:pos x="connsiteX3" y="connsiteY3"/>
+                </a:cxn>
+                <a:cxn ang="0">
+                  <a:pos x="connsiteX4" y="connsiteY4"/>
+                </a:cxn>
+              </a:cxnLst>
+              <a:rect l="l" t="t" r="r" b="b"/>
+              <a:pathLst>
+                <a:path w="1806457" h="1806546">
+                  <a:moveTo>
+                    <a:pt x="0" y="903273"/>
+                  </a:moveTo>
+                  <a:cubicBezTo>
+                    <a:pt x="0" y="404409"/>
+                    <a:pt x="404389" y="0"/>
+                    <a:pt x="903229" y="0"/>
+                  </a:cubicBezTo>
+                  <a:cubicBezTo>
+                    <a:pt x="1402069" y="0"/>
+                    <a:pt x="1806458" y="404409"/>
+                    <a:pt x="1806458" y="903273"/>
+                  </a:cubicBezTo>
+                  <a:cubicBezTo>
+                    <a:pt x="1806458" y="1402137"/>
+                    <a:pt x="1402069" y="1806546"/>
+                    <a:pt x="903229" y="1806546"/>
+                  </a:cubicBezTo>
+                  <a:cubicBezTo>
+                    <a:pt x="404389" y="1806546"/>
+                    <a:pt x="0" y="1402137"/>
+                    <a:pt x="0" y="903273"/>
+                  </a:cubicBezTo>
+                  <a:close/>
+                </a:path>
+              </a:pathLst>
+            </a:custGeom>
+          </p:spPr>
+          <p:style>
+            <a:lnRef idx="2">
+              <a:schemeClr val="lt1">
+                <a:hueOff val="0"/>
+                <a:satOff val="0"/>
+                <a:lumOff val="0"/>
+                <a:alphaOff val="0"/>
+              </a:schemeClr>
+            </a:lnRef>
+            <a:fillRef idx="1">
+              <a:schemeClr val="accent1">
+                <a:hueOff val="0"/>
+                <a:satOff val="0"/>
+                <a:lumOff val="0"/>
+                <a:alphaOff val="0"/>
+              </a:schemeClr>
+            </a:fillRef>
+            <a:effectRef idx="0">
+              <a:schemeClr val="accent1">
+                <a:hueOff val="0"/>
+                <a:satOff val="0"/>
+                <a:lumOff val="0"/>
+                <a:alphaOff val="0"/>
+              </a:schemeClr>
+            </a:effectRef>
+            <a:fontRef idx="minor">
+              <a:schemeClr val="lt1"/>
+            </a:fontRef>
+          </p:style>
+          <p:txBody>
+            <a:bodyPr spcFirstLastPara="0" vert="horz" wrap="square" lIns="302650" tIns="302663" rIns="302650" bIns="302663" numCol="1" spcCol="1270" anchor="ctr" anchorCtr="0">
+              <a:noAutofit/>
+            </a:bodyPr>
+            <a:lstStyle/>
+            <a:p>
+              <a:pPr lvl="0" algn="ctr" defTabSz="1333500">
+                <a:lnSpc>
+                  <a:spcPct val="90000"/>
+                </a:lnSpc>
+                <a:spcBef>
+                  <a:spcPct val="0"/>
+                </a:spcBef>
+                <a:spcAft>
+                  <a:spcPct val="35000"/>
+                </a:spcAft>
+              </a:pPr>
+              <a:r>
+                <a:rPr lang="en-US" sz="3000" kern="1200" dirty="0" smtClean="0"/>
+                <a:t>Agile model</a:t>
+              </a:r>
+              <a:endParaRPr lang="en-US" sz="3000" kern="1200" dirty="0"/>
+            </a:p>
+          </p:txBody>
+        </p:sp>
+        <p:sp>
+          <p:nvSpPr>
+            <p:cNvPr id="15" name="Block Arc 14"/>
+            <p:cNvSpPr/>
+            <p:nvPr/>
+          </p:nvSpPr>
+          <p:spPr>
+            <a:xfrm>
+              <a:off x="5704595" y="1437119"/>
+              <a:ext cx="3641519" cy="3796063"/>
+            </a:xfrm>
+            <a:prstGeom prst="blockArc">
+              <a:avLst>
+                <a:gd name="adj1" fmla="val 17527788"/>
+                <a:gd name="adj2" fmla="val 4119114"/>
+                <a:gd name="adj3" fmla="val 5750"/>
+              </a:avLst>
+            </a:prstGeom>
+          </p:spPr>
+          <p:style>
+            <a:lnRef idx="2">
+              <a:schemeClr val="lt1">
+                <a:hueOff val="0"/>
+                <a:satOff val="0"/>
+                <a:lumOff val="0"/>
+                <a:alphaOff val="0"/>
+              </a:schemeClr>
+            </a:lnRef>
+            <a:fillRef idx="1">
+              <a:schemeClr val="accent1">
+                <a:hueOff val="0"/>
+                <a:satOff val="0"/>
+                <a:lumOff val="0"/>
+                <a:alphaOff val="0"/>
+              </a:schemeClr>
+            </a:fillRef>
+            <a:effectRef idx="0">
+              <a:schemeClr val="accent1">
+                <a:hueOff val="0"/>
+                <a:satOff val="0"/>
+                <a:lumOff val="0"/>
+                <a:alphaOff val="0"/>
+              </a:schemeClr>
+            </a:effectRef>
+            <a:fontRef idx="minor">
+              <a:schemeClr val="lt1"/>
+            </a:fontRef>
+          </p:style>
+        </p:sp>
+        <p:sp>
+          <p:nvSpPr>
+            <p:cNvPr id="16" name="Oval 15"/>
+            <p:cNvSpPr/>
+            <p:nvPr/>
+          </p:nvSpPr>
+          <p:spPr>
+            <a:xfrm>
+              <a:off x="8385945" y="1757127"/>
+              <a:ext cx="967725" cy="967996"/>
+            </a:xfrm>
+            <a:prstGeom prst="ellipse">
+              <a:avLst/>
+            </a:prstGeom>
+            <a:solidFill>
+              <a:schemeClr val="accent3">
+                <a:lumMod val="60000"/>
+                <a:lumOff val="40000"/>
+              </a:schemeClr>
+            </a:solidFill>
+          </p:spPr>
+          <p:style>
+            <a:lnRef idx="2">
+              <a:schemeClr val="lt1">
+                <a:hueOff val="0"/>
+                <a:satOff val="0"/>
+                <a:lumOff val="0"/>
+                <a:alphaOff val="0"/>
+              </a:schemeClr>
+            </a:lnRef>
+            <a:fillRef idx="1">
+              <a:schemeClr val="accent1">
+                <a:tint val="50000"/>
+                <a:hueOff val="0"/>
+                <a:satOff val="0"/>
+                <a:lumOff val="0"/>
+                <a:alphaOff val="0"/>
+              </a:schemeClr>
+            </a:fillRef>
+            <a:effectRef idx="0">
+              <a:schemeClr val="accent1">
+                <a:tint val="50000"/>
+                <a:hueOff val="0"/>
+                <a:satOff val="0"/>
+                <a:lumOff val="0"/>
+                <a:alphaOff val="0"/>
+              </a:schemeClr>
+            </a:effectRef>
+            <a:fontRef idx="minor">
+              <a:schemeClr val="lt1">
+                <a:hueOff val="0"/>
+                <a:satOff val="0"/>
+                <a:lumOff val="0"/>
+                <a:alphaOff val="0"/>
+              </a:schemeClr>
+            </a:fontRef>
+          </p:style>
+          <p:txBody>
+            <a:bodyPr anchor="ctr"/>
+            <a:lstStyle/>
+            <a:p>
+              <a:pPr algn="ctr"/>
+              <a:r>
+                <a:rPr lang="en-US" dirty="0" smtClean="0"/>
+                <a:t>XP</a:t>
+              </a:r>
+              <a:endParaRPr lang="en-US" dirty="0"/>
+            </a:p>
+          </p:txBody>
+        </p:sp>
+        <p:sp>
+          <p:nvSpPr>
+            <p:cNvPr id="17" name="Freeform 16"/>
+            <p:cNvSpPr/>
+            <p:nvPr/>
+          </p:nvSpPr>
+          <p:spPr>
+            <a:xfrm>
+              <a:off x="9427073" y="1772690"/>
+              <a:ext cx="1295338" cy="936868"/>
+            </a:xfrm>
+            <a:custGeom>
+              <a:avLst/>
+              <a:gdLst>
+                <a:gd name="connsiteX0" fmla="*/ 0 w 1295338"/>
+                <a:gd name="connsiteY0" fmla="*/ 0 h 936868"/>
+                <a:gd name="connsiteX1" fmla="*/ 1295338 w 1295338"/>
+                <a:gd name="connsiteY1" fmla="*/ 0 h 936868"/>
+                <a:gd name="connsiteX2" fmla="*/ 1295338 w 1295338"/>
+                <a:gd name="connsiteY2" fmla="*/ 936868 h 936868"/>
+                <a:gd name="connsiteX3" fmla="*/ 0 w 1295338"/>
+                <a:gd name="connsiteY3" fmla="*/ 936868 h 936868"/>
+                <a:gd name="connsiteX4" fmla="*/ 0 w 1295338"/>
+                <a:gd name="connsiteY4" fmla="*/ 0 h 936868"/>
+              </a:gdLst>
+              <a:ahLst/>
+              <a:cxnLst>
+                <a:cxn ang="0">
+                  <a:pos x="connsiteX0" y="connsiteY0"/>
+                </a:cxn>
+                <a:cxn ang="0">
+                  <a:pos x="connsiteX1" y="connsiteY1"/>
+                </a:cxn>
+                <a:cxn ang="0">
+                  <a:pos x="connsiteX2" y="connsiteY2"/>
+                </a:cxn>
+                <a:cxn ang="0">
+                  <a:pos x="connsiteX3" y="connsiteY3"/>
+                </a:cxn>
+                <a:cxn ang="0">
+                  <a:pos x="connsiteX4" y="connsiteY4"/>
+                </a:cxn>
+              </a:cxnLst>
+              <a:rect l="l" t="t" r="r" b="b"/>
+              <a:pathLst>
+                <a:path w="1295338" h="936868">
+                  <a:moveTo>
+                    <a:pt x="0" y="0"/>
+                  </a:moveTo>
+                  <a:lnTo>
+                    <a:pt x="1295338" y="0"/>
+                  </a:lnTo>
+                  <a:lnTo>
+                    <a:pt x="1295338" y="936868"/>
+                  </a:lnTo>
+                  <a:lnTo>
+                    <a:pt x="0" y="936868"/>
+                  </a:lnTo>
+                  <a:lnTo>
+                    <a:pt x="0" y="0"/>
+                  </a:lnTo>
+                  <a:close/>
+                </a:path>
+              </a:pathLst>
+            </a:custGeom>
+          </p:spPr>
+          <p:style>
+            <a:lnRef idx="0">
+              <a:schemeClr val="dk1">
+                <a:alpha val="0"/>
+                <a:hueOff val="0"/>
+                <a:satOff val="0"/>
+                <a:lumOff val="0"/>
+                <a:alphaOff val="0"/>
+              </a:schemeClr>
+            </a:lnRef>
+            <a:fillRef idx="0">
+              <a:schemeClr val="lt1">
+                <a:alpha val="0"/>
+                <a:hueOff val="0"/>
+                <a:satOff val="0"/>
+                <a:lumOff val="0"/>
+                <a:alphaOff val="0"/>
+              </a:schemeClr>
+            </a:fillRef>
+            <a:effectRef idx="0">
+              <a:schemeClr val="lt1">
+                <a:alpha val="0"/>
+                <a:hueOff val="0"/>
+                <a:satOff val="0"/>
+                <a:lumOff val="0"/>
+                <a:alphaOff val="0"/>
+              </a:schemeClr>
+            </a:effectRef>
+            <a:fontRef idx="minor">
+              <a:schemeClr val="tx1">
+                <a:hueOff val="0"/>
+                <a:satOff val="0"/>
+                <a:lumOff val="0"/>
+                <a:alphaOff val="0"/>
+              </a:schemeClr>
+            </a:fontRef>
+          </p:style>
+          <p:txBody>
+            <a:bodyPr spcFirstLastPara="0" vert="horz" wrap="square" lIns="17780" tIns="17780" rIns="17780" bIns="17780" numCol="1" spcCol="1270" anchor="ctr" anchorCtr="0">
+              <a:noAutofit/>
+            </a:bodyPr>
+            <a:lstStyle/>
+            <a:p>
+              <a:pPr lvl="0" algn="l" defTabSz="622300">
+                <a:lnSpc>
+                  <a:spcPct val="90000"/>
+                </a:lnSpc>
+                <a:spcBef>
+                  <a:spcPct val="0"/>
+                </a:spcBef>
+                <a:spcAft>
+                  <a:spcPct val="10000"/>
+                </a:spcAft>
+              </a:pPr>
+              <a:r>
+                <a:rPr lang="en-US" sz="1400" b="1" kern="1200" dirty="0" smtClean="0"/>
+                <a:t>Extreme Programming</a:t>
+              </a:r>
+              <a:endParaRPr lang="en-US" sz="1400" b="1" kern="1200" dirty="0"/>
+            </a:p>
+          </p:txBody>
+        </p:sp>
+        <p:sp>
+          <p:nvSpPr>
+            <p:cNvPr id="18" name="Oval 17"/>
+            <p:cNvSpPr/>
+            <p:nvPr/>
+          </p:nvSpPr>
+          <p:spPr>
+            <a:xfrm>
+              <a:off x="8759974" y="2858364"/>
+              <a:ext cx="967725" cy="967996"/>
+            </a:xfrm>
+            <a:prstGeom prst="ellipse">
+              <a:avLst/>
+            </a:prstGeom>
+            <a:solidFill>
+              <a:schemeClr val="accent3">
+                <a:lumMod val="60000"/>
+                <a:lumOff val="40000"/>
+              </a:schemeClr>
+            </a:solidFill>
+          </p:spPr>
+          <p:style>
+            <a:lnRef idx="2">
+              <a:schemeClr val="lt1">
+                <a:hueOff val="0"/>
+                <a:satOff val="0"/>
+                <a:lumOff val="0"/>
+                <a:alphaOff val="0"/>
+              </a:schemeClr>
+            </a:lnRef>
+            <a:fillRef idx="1">
+              <a:schemeClr val="accent1">
+                <a:tint val="50000"/>
+                <a:hueOff val="0"/>
+                <a:satOff val="0"/>
+                <a:lumOff val="0"/>
+                <a:alphaOff val="0"/>
+              </a:schemeClr>
+            </a:fillRef>
+            <a:effectRef idx="0">
+              <a:schemeClr val="accent1">
+                <a:tint val="50000"/>
+                <a:hueOff val="0"/>
+                <a:satOff val="0"/>
+                <a:lumOff val="0"/>
+                <a:alphaOff val="0"/>
+              </a:schemeClr>
+            </a:effectRef>
+            <a:fontRef idx="minor">
+              <a:schemeClr val="lt1">
+                <a:hueOff val="0"/>
+                <a:satOff val="0"/>
+                <a:lumOff val="0"/>
+                <a:alphaOff val="0"/>
+              </a:schemeClr>
+            </a:fontRef>
+          </p:style>
+          <p:txBody>
+            <a:bodyPr anchor="ctr"/>
+            <a:lstStyle/>
+            <a:p>
+              <a:pPr algn="ctr"/>
+              <a:r>
+                <a:rPr lang="en-US" dirty="0" smtClean="0"/>
+                <a:t>FDD</a:t>
+              </a:r>
+              <a:endParaRPr lang="en-US" dirty="0"/>
+            </a:p>
+          </p:txBody>
+        </p:sp>
+        <p:sp>
+          <p:nvSpPr>
+            <p:cNvPr id="19" name="Freeform 18"/>
+            <p:cNvSpPr/>
+            <p:nvPr/>
+          </p:nvSpPr>
+          <p:spPr>
+            <a:xfrm>
+              <a:off x="9806499" y="2872030"/>
+              <a:ext cx="1295338" cy="936868"/>
+            </a:xfrm>
+            <a:custGeom>
+              <a:avLst/>
+              <a:gdLst>
+                <a:gd name="connsiteX0" fmla="*/ 0 w 1295338"/>
+                <a:gd name="connsiteY0" fmla="*/ 0 h 936868"/>
+                <a:gd name="connsiteX1" fmla="*/ 1295338 w 1295338"/>
+                <a:gd name="connsiteY1" fmla="*/ 0 h 936868"/>
+                <a:gd name="connsiteX2" fmla="*/ 1295338 w 1295338"/>
+                <a:gd name="connsiteY2" fmla="*/ 936868 h 936868"/>
+                <a:gd name="connsiteX3" fmla="*/ 0 w 1295338"/>
+                <a:gd name="connsiteY3" fmla="*/ 936868 h 936868"/>
+                <a:gd name="connsiteX4" fmla="*/ 0 w 1295338"/>
+                <a:gd name="connsiteY4" fmla="*/ 0 h 936868"/>
+              </a:gdLst>
+              <a:ahLst/>
+              <a:cxnLst>
+                <a:cxn ang="0">
+                  <a:pos x="connsiteX0" y="connsiteY0"/>
+                </a:cxn>
+                <a:cxn ang="0">
+                  <a:pos x="connsiteX1" y="connsiteY1"/>
+                </a:cxn>
+                <a:cxn ang="0">
+                  <a:pos x="connsiteX2" y="connsiteY2"/>
+                </a:cxn>
+                <a:cxn ang="0">
+                  <a:pos x="connsiteX3" y="connsiteY3"/>
+                </a:cxn>
+                <a:cxn ang="0">
+                  <a:pos x="connsiteX4" y="connsiteY4"/>
+                </a:cxn>
+              </a:cxnLst>
+              <a:rect l="l" t="t" r="r" b="b"/>
+              <a:pathLst>
+                <a:path w="1295338" h="936868">
+                  <a:moveTo>
+                    <a:pt x="0" y="0"/>
+                  </a:moveTo>
+                  <a:lnTo>
+                    <a:pt x="1295338" y="0"/>
+                  </a:lnTo>
+                  <a:lnTo>
+                    <a:pt x="1295338" y="936868"/>
+                  </a:lnTo>
+                  <a:lnTo>
+                    <a:pt x="0" y="936868"/>
+                  </a:lnTo>
+                  <a:lnTo>
+                    <a:pt x="0" y="0"/>
+                  </a:lnTo>
+                  <a:close/>
+                </a:path>
+              </a:pathLst>
+            </a:custGeom>
+          </p:spPr>
+          <p:style>
+            <a:lnRef idx="0">
+              <a:schemeClr val="dk1">
+                <a:alpha val="0"/>
+                <a:hueOff val="0"/>
+                <a:satOff val="0"/>
+                <a:lumOff val="0"/>
+                <a:alphaOff val="0"/>
+              </a:schemeClr>
+            </a:lnRef>
+            <a:fillRef idx="0">
+              <a:schemeClr val="lt1">
+                <a:alpha val="0"/>
+                <a:hueOff val="0"/>
+                <a:satOff val="0"/>
+                <a:lumOff val="0"/>
+                <a:alphaOff val="0"/>
+              </a:schemeClr>
+            </a:fillRef>
+            <a:effectRef idx="0">
+              <a:schemeClr val="lt1">
+                <a:alpha val="0"/>
+                <a:hueOff val="0"/>
+                <a:satOff val="0"/>
+                <a:lumOff val="0"/>
+                <a:alphaOff val="0"/>
+              </a:schemeClr>
+            </a:effectRef>
+            <a:fontRef idx="minor">
+              <a:schemeClr val="tx1">
+                <a:hueOff val="0"/>
+                <a:satOff val="0"/>
+                <a:lumOff val="0"/>
+                <a:alphaOff val="0"/>
+              </a:schemeClr>
+            </a:fontRef>
+          </p:style>
+          <p:txBody>
+            <a:bodyPr spcFirstLastPara="0" vert="horz" wrap="square" lIns="17780" tIns="17780" rIns="17780" bIns="17780" numCol="1" spcCol="1270" anchor="ctr" anchorCtr="0">
+              <a:noAutofit/>
+            </a:bodyPr>
+            <a:lstStyle/>
+            <a:p>
+              <a:pPr lvl="0" algn="l" defTabSz="622300">
+                <a:lnSpc>
+                  <a:spcPct val="90000"/>
+                </a:lnSpc>
+                <a:spcBef>
+                  <a:spcPct val="0"/>
+                </a:spcBef>
+                <a:spcAft>
+                  <a:spcPct val="10000"/>
+                </a:spcAft>
+              </a:pPr>
+              <a:r>
+                <a:rPr lang="en-US" sz="1400" kern="1200" dirty="0" smtClean="0"/>
+                <a:t>Feature Driven Development</a:t>
+              </a:r>
+              <a:endParaRPr lang="en-US" sz="1400" kern="1200" dirty="0"/>
+            </a:p>
+          </p:txBody>
+        </p:sp>
+        <p:sp>
+          <p:nvSpPr>
+            <p:cNvPr id="20" name="Oval 19"/>
+            <p:cNvSpPr/>
+            <p:nvPr/>
+          </p:nvSpPr>
+          <p:spPr>
+            <a:xfrm>
+              <a:off x="8385945" y="3975166"/>
+              <a:ext cx="967725" cy="967996"/>
+            </a:xfrm>
+            <a:prstGeom prst="ellipse">
+              <a:avLst/>
+            </a:prstGeom>
+            <a:solidFill>
+              <a:schemeClr val="accent3">
+                <a:lumMod val="60000"/>
+                <a:lumOff val="40000"/>
+              </a:schemeClr>
+            </a:solidFill>
+          </p:spPr>
+          <p:style>
+            <a:lnRef idx="2">
+              <a:schemeClr val="lt1">
+                <a:hueOff val="0"/>
+                <a:satOff val="0"/>
+                <a:lumOff val="0"/>
+                <a:alphaOff val="0"/>
+              </a:schemeClr>
+            </a:lnRef>
+            <a:fillRef idx="1">
+              <a:schemeClr val="accent1">
+                <a:tint val="50000"/>
+                <a:hueOff val="0"/>
+                <a:satOff val="0"/>
+                <a:lumOff val="0"/>
+                <a:alphaOff val="0"/>
+              </a:schemeClr>
+            </a:fillRef>
+            <a:effectRef idx="0">
+              <a:schemeClr val="accent1">
+                <a:tint val="50000"/>
+                <a:hueOff val="0"/>
+                <a:satOff val="0"/>
+                <a:lumOff val="0"/>
+                <a:alphaOff val="0"/>
+              </a:schemeClr>
+            </a:effectRef>
+            <a:fontRef idx="minor">
+              <a:schemeClr val="lt1">
+                <a:hueOff val="0"/>
+                <a:satOff val="0"/>
+                <a:lumOff val="0"/>
+                <a:alphaOff val="0"/>
+              </a:schemeClr>
+            </a:fontRef>
+          </p:style>
+          <p:txBody>
+            <a:bodyPr anchor="ctr"/>
+            <a:lstStyle/>
+            <a:p>
+              <a:pPr algn="ctr"/>
+              <a:r>
+                <a:rPr lang="en-US" dirty="0" smtClean="0"/>
+                <a:t>ASD</a:t>
+              </a:r>
+              <a:endParaRPr lang="en-US" dirty="0"/>
+            </a:p>
+          </p:txBody>
+        </p:sp>
+        <p:sp>
+          <p:nvSpPr>
+            <p:cNvPr id="21" name="Freeform 20"/>
+            <p:cNvSpPr/>
+            <p:nvPr/>
+          </p:nvSpPr>
+          <p:spPr>
+            <a:xfrm>
+              <a:off x="9427073" y="3994906"/>
+              <a:ext cx="1295338" cy="936868"/>
+            </a:xfrm>
+            <a:custGeom>
+              <a:avLst/>
+              <a:gdLst>
+                <a:gd name="connsiteX0" fmla="*/ 0 w 1295338"/>
+                <a:gd name="connsiteY0" fmla="*/ 0 h 936868"/>
+                <a:gd name="connsiteX1" fmla="*/ 1295338 w 1295338"/>
+                <a:gd name="connsiteY1" fmla="*/ 0 h 936868"/>
+                <a:gd name="connsiteX2" fmla="*/ 1295338 w 1295338"/>
+                <a:gd name="connsiteY2" fmla="*/ 936868 h 936868"/>
+                <a:gd name="connsiteX3" fmla="*/ 0 w 1295338"/>
+                <a:gd name="connsiteY3" fmla="*/ 936868 h 936868"/>
+                <a:gd name="connsiteX4" fmla="*/ 0 w 1295338"/>
+                <a:gd name="connsiteY4" fmla="*/ 0 h 936868"/>
+              </a:gdLst>
+              <a:ahLst/>
+              <a:cxnLst>
+                <a:cxn ang="0">
+                  <a:pos x="connsiteX0" y="connsiteY0"/>
+                </a:cxn>
+                <a:cxn ang="0">
+                  <a:pos x="connsiteX1" y="connsiteY1"/>
+                </a:cxn>
+                <a:cxn ang="0">
+                  <a:pos x="connsiteX2" y="connsiteY2"/>
+                </a:cxn>
+                <a:cxn ang="0">
+                  <a:pos x="connsiteX3" y="connsiteY3"/>
+                </a:cxn>
+                <a:cxn ang="0">
+                  <a:pos x="connsiteX4" y="connsiteY4"/>
+                </a:cxn>
+              </a:cxnLst>
+              <a:rect l="l" t="t" r="r" b="b"/>
+              <a:pathLst>
+                <a:path w="1295338" h="936868">
+                  <a:moveTo>
+                    <a:pt x="0" y="0"/>
+                  </a:moveTo>
+                  <a:lnTo>
+                    <a:pt x="1295338" y="0"/>
+                  </a:lnTo>
+                  <a:lnTo>
+                    <a:pt x="1295338" y="936868"/>
+                  </a:lnTo>
+                  <a:lnTo>
+                    <a:pt x="0" y="936868"/>
+                  </a:lnTo>
+                  <a:lnTo>
+                    <a:pt x="0" y="0"/>
+                  </a:lnTo>
+                  <a:close/>
+                </a:path>
+              </a:pathLst>
+            </a:custGeom>
+          </p:spPr>
+          <p:style>
+            <a:lnRef idx="0">
+              <a:schemeClr val="dk1">
+                <a:alpha val="0"/>
+                <a:hueOff val="0"/>
+                <a:satOff val="0"/>
+                <a:lumOff val="0"/>
+                <a:alphaOff val="0"/>
+              </a:schemeClr>
+            </a:lnRef>
+            <a:fillRef idx="0">
+              <a:schemeClr val="lt1">
+                <a:alpha val="0"/>
+                <a:hueOff val="0"/>
+                <a:satOff val="0"/>
+                <a:lumOff val="0"/>
+                <a:alphaOff val="0"/>
+              </a:schemeClr>
+            </a:fillRef>
+            <a:effectRef idx="0">
+              <a:schemeClr val="lt1">
+                <a:alpha val="0"/>
+                <a:hueOff val="0"/>
+                <a:satOff val="0"/>
+                <a:lumOff val="0"/>
+                <a:alphaOff val="0"/>
+              </a:schemeClr>
+            </a:effectRef>
+            <a:fontRef idx="minor">
+              <a:schemeClr val="tx1">
+                <a:hueOff val="0"/>
+                <a:satOff val="0"/>
+                <a:lumOff val="0"/>
+                <a:alphaOff val="0"/>
+              </a:schemeClr>
+            </a:fontRef>
+          </p:style>
+          <p:txBody>
+            <a:bodyPr spcFirstLastPara="0" vert="horz" wrap="square" lIns="17780" tIns="17780" rIns="17780" bIns="17780" numCol="1" spcCol="1270" anchor="ctr" anchorCtr="0">
+              <a:noAutofit/>
+            </a:bodyPr>
+            <a:lstStyle/>
+            <a:p>
+              <a:pPr lvl="0" algn="l" defTabSz="622300">
+                <a:lnSpc>
+                  <a:spcPct val="90000"/>
+                </a:lnSpc>
+                <a:spcBef>
+                  <a:spcPct val="0"/>
+                </a:spcBef>
+                <a:spcAft>
+                  <a:spcPct val="10000"/>
+                </a:spcAft>
+              </a:pPr>
+              <a:r>
+                <a:rPr lang="en-US" sz="1400" kern="1200" dirty="0" smtClean="0"/>
+                <a:t>Adaptive Software Development</a:t>
+              </a:r>
+              <a:endParaRPr lang="en-US" sz="1400" kern="1200" dirty="0"/>
+            </a:p>
+          </p:txBody>
+        </p:sp>
+      </p:grpSp>
+    </p:spTree>
+    <p:extLst>
+      <p:ext uri="{BB962C8B-B14F-4D97-AF65-F5344CB8AC3E}">
+        <p14:creationId xmlns:p14="http://schemas.microsoft.com/office/powerpoint/2010/main" val="1000298683"/>
+      </p:ext>
+    </p:extLst>
+  </p:cSld>
+  <p:clrMapOvr>
+    <a:masterClrMapping/>
+  </p:clrMapOvr>
+  <p:timing>
+    <p:tnLst>
+      <p:par>
+        <p:cTn id="1" dur="indefinite" restart="never" nodeType="tmRoot">
+          <p:childTnLst>
+            <p:seq concurrent="1" nextAc="seek">
+              <p:cTn id="2" dur="indefinite" nodeType="mainSeq">
+                <p:childTnLst>
+                  <p:par>
+                    <p:cTn id="3" fill="hold">
+                      <p:stCondLst>
+                        <p:cond delay="indefinite"/>
+                      </p:stCondLst>
+                      <p:childTnLst>
+                        <p:par>
+                          <p:cTn id="4" fill="hold">
+                            <p:stCondLst>
+                              <p:cond delay="0"/>
+                            </p:stCondLst>
+                            <p:childTnLst>
+                              <p:par>
+                                <p:cTn id="5" presetID="1" presetClass="entr" presetSubtype="0" fill="hold" grpId="0" nodeType="clickEffect">
+                                  <p:stCondLst>
+                                    <p:cond delay="0"/>
+                                  </p:stCondLst>
+                                  <p:childTnLst>
+                                    <p:set>
+                                      <p:cBhvr>
+                                        <p:cTn id="6" dur="1" fill="hold">
+                                          <p:stCondLst>
+                                            <p:cond delay="0"/>
+                                          </p:stCondLst>
+                                        </p:cTn>
+                                        <p:tgtEl>
+                                          <p:spTgt spid="10">
+                                            <p:graphicEl>
+                                              <a:dgm id="{8046D806-D633-4925-88FF-13EA3736C642}"/>
+                                            </p:graphicEl>
+                                          </p:spTgt>
+                                        </p:tgtEl>
+                                        <p:attrNameLst>
+                                          <p:attrName>style.visibility</p:attrName>
+                                        </p:attrNameLst>
+                                      </p:cBhvr>
+                                      <p:to>
+                                        <p:strVal val="visible"/>
+                                      </p:to>
+                                    </p:set>
+                                  </p:childTnLst>
+                                </p:cTn>
+                              </p:par>
+                            </p:childTnLst>
+                          </p:cTn>
+                        </p:par>
+                      </p:childTnLst>
+                    </p:cTn>
+                  </p:par>
+                  <p:par>
+                    <p:cTn id="7" fill="hold">
+                      <p:stCondLst>
+                        <p:cond delay="indefinite"/>
+                      </p:stCondLst>
+                      <p:childTnLst>
+                        <p:par>
+                          <p:cTn id="8" fill="hold">
+                            <p:stCondLst>
+                              <p:cond delay="0"/>
+                            </p:stCondLst>
+                            <p:childTnLst>
+                              <p:par>
+                                <p:cTn id="9" presetID="1" presetClass="entr" presetSubtype="0" fill="hold" grpId="0" nodeType="clickEffect">
+                                  <p:stCondLst>
+                                    <p:cond delay="0"/>
+                                  </p:stCondLst>
+                                  <p:childTnLst>
+                                    <p:set>
+                                      <p:cBhvr>
+                                        <p:cTn id="10" dur="1" fill="hold">
+                                          <p:stCondLst>
+                                            <p:cond delay="0"/>
+                                          </p:stCondLst>
+                                        </p:cTn>
+                                        <p:tgtEl>
+                                          <p:spTgt spid="10">
+                                            <p:graphicEl>
+                                              <a:dgm id="{0B9D4084-EA21-4F7B-A20F-0E1723A71ADE}"/>
+                                            </p:graphicEl>
+                                          </p:spTgt>
+                                        </p:tgtEl>
+                                        <p:attrNameLst>
+                                          <p:attrName>style.visibility</p:attrName>
+                                        </p:attrNameLst>
+                                      </p:cBhvr>
+                                      <p:to>
+                                        <p:strVal val="visible"/>
+                                      </p:to>
+                                    </p:set>
+                                  </p:childTnLst>
+                                </p:cTn>
+                              </p:par>
+                            </p:childTnLst>
+                          </p:cTn>
+                        </p:par>
+                      </p:childTnLst>
+                    </p:cTn>
+                  </p:par>
+                  <p:par>
+                    <p:cTn id="11" fill="hold">
+                      <p:stCondLst>
+                        <p:cond delay="indefinite"/>
+                      </p:stCondLst>
+                      <p:childTnLst>
+                        <p:par>
+                          <p:cTn id="12" fill="hold">
+                            <p:stCondLst>
+                              <p:cond delay="0"/>
+                            </p:stCondLst>
+                            <p:childTnLst>
+                              <p:par>
+                                <p:cTn id="13" presetID="1" presetClass="entr" presetSubtype="0" fill="hold" grpId="0" nodeType="clickEffect">
+                                  <p:stCondLst>
+                                    <p:cond delay="0"/>
+                                  </p:stCondLst>
+                                  <p:childTnLst>
+                                    <p:set>
+                                      <p:cBhvr>
+                                        <p:cTn id="14" dur="1" fill="hold">
+                                          <p:stCondLst>
+                                            <p:cond delay="0"/>
+                                          </p:stCondLst>
+                                        </p:cTn>
+                                        <p:tgtEl>
+                                          <p:spTgt spid="10">
+                                            <p:graphicEl>
+                                              <a:dgm id="{98C0CE5D-6568-4C58-8044-A6118E4DFAF6}"/>
+                                            </p:graphicEl>
+                                          </p:spTgt>
+                                        </p:tgtEl>
+                                        <p:attrNameLst>
+                                          <p:attrName>style.visibility</p:attrName>
+                                        </p:attrNameLst>
+                                      </p:cBhvr>
+                                      <p:to>
+                                        <p:strVal val="visible"/>
+                                      </p:to>
+                                    </p:set>
+                                  </p:childTnLst>
+                                </p:cTn>
+                              </p:par>
+                              <p:par>
+                                <p:cTn id="15" presetID="1" presetClass="entr" presetSubtype="0" fill="hold" grpId="0" nodeType="withEffect">
+                                  <p:stCondLst>
+                                    <p:cond delay="0"/>
+                                  </p:stCondLst>
+                                  <p:childTnLst>
+                                    <p:set>
+                                      <p:cBhvr>
+                                        <p:cTn id="16" dur="1" fill="hold">
+                                          <p:stCondLst>
+                                            <p:cond delay="0"/>
+                                          </p:stCondLst>
+                                        </p:cTn>
+                                        <p:tgtEl>
+                                          <p:spTgt spid="10">
+                                            <p:graphicEl>
+                                              <a:dgm id="{024B37C8-2E78-4627-9714-90BFEACD2D8D}"/>
+                                            </p:graphicEl>
+                                          </p:spTgt>
+                                        </p:tgtEl>
+                                        <p:attrNameLst>
+                                          <p:attrName>style.visibility</p:attrName>
+                                        </p:attrNameLst>
+                                      </p:cBhvr>
+                                      <p:to>
+                                        <p:strVal val="visible"/>
+                                      </p:to>
+                                    </p:set>
+                                  </p:childTnLst>
+                                </p:cTn>
+                              </p:par>
+                            </p:childTnLst>
+                          </p:cTn>
+                        </p:par>
+                      </p:childTnLst>
+                    </p:cTn>
+                  </p:par>
+                  <p:par>
+                    <p:cTn id="17" fill="hold">
+                      <p:stCondLst>
+                        <p:cond delay="indefinite"/>
+                      </p:stCondLst>
+                      <p:childTnLst>
+                        <p:par>
+                          <p:cTn id="18" fill="hold">
+                            <p:stCondLst>
+                              <p:cond delay="0"/>
+                            </p:stCondLst>
+                            <p:childTnLst>
+                              <p:par>
+                                <p:cTn id="19" presetID="1" presetClass="entr" presetSubtype="0" fill="hold" grpId="0" nodeType="clickEffect">
+                                  <p:stCondLst>
+                                    <p:cond delay="0"/>
+                                  </p:stCondLst>
+                                  <p:childTnLst>
+                                    <p:set>
+                                      <p:cBhvr>
+                                        <p:cTn id="20" dur="1" fill="hold">
+                                          <p:stCondLst>
+                                            <p:cond delay="0"/>
+                                          </p:stCondLst>
+                                        </p:cTn>
+                                        <p:tgtEl>
+                                          <p:spTgt spid="10">
+                                            <p:graphicEl>
+                                              <a:dgm id="{3403E89E-646F-4749-98B8-1636056908AA}"/>
+                                            </p:graphicEl>
+                                          </p:spTgt>
+                                        </p:tgtEl>
+                                        <p:attrNameLst>
+                                          <p:attrName>style.visibility</p:attrName>
+                                        </p:attrNameLst>
+                                      </p:cBhvr>
+                                      <p:to>
+                                        <p:strVal val="visible"/>
+                                      </p:to>
+                                    </p:set>
+                                  </p:childTnLst>
+                                </p:cTn>
+                              </p:par>
+                              <p:par>
+                                <p:cTn id="21" presetID="1" presetClass="entr" presetSubtype="0" fill="hold" grpId="0" nodeType="withEffect">
+                                  <p:stCondLst>
+                                    <p:cond delay="0"/>
+                                  </p:stCondLst>
+                                  <p:childTnLst>
+                                    <p:set>
+                                      <p:cBhvr>
+                                        <p:cTn id="22" dur="1" fill="hold">
+                                          <p:stCondLst>
+                                            <p:cond delay="0"/>
+                                          </p:stCondLst>
+                                        </p:cTn>
+                                        <p:tgtEl>
+                                          <p:spTgt spid="10">
+                                            <p:graphicEl>
+                                              <a:dgm id="{D02A1073-280A-4030-B61B-6AB009F7EB42}"/>
+                                            </p:graphicEl>
+                                          </p:spTgt>
+                                        </p:tgtEl>
+                                        <p:attrNameLst>
+                                          <p:attrName>style.visibility</p:attrName>
+                                        </p:attrNameLst>
+                                      </p:cBhvr>
+                                      <p:to>
+                                        <p:strVal val="visible"/>
+                                      </p:to>
+                                    </p:set>
+                                  </p:childTnLst>
+                                </p:cTn>
+                              </p:par>
+                            </p:childTnLst>
+                          </p:cTn>
+                        </p:par>
+                      </p:childTnLst>
+                    </p:cTn>
+                  </p:par>
+                  <p:par>
+                    <p:cTn id="23" fill="hold">
+                      <p:stCondLst>
+                        <p:cond delay="indefinite"/>
+                      </p:stCondLst>
+                      <p:childTnLst>
+                        <p:par>
+                          <p:cTn id="24" fill="hold">
+                            <p:stCondLst>
+                              <p:cond delay="0"/>
+                            </p:stCondLst>
+                            <p:childTnLst>
+                              <p:par>
+                                <p:cTn id="25" presetID="1" presetClass="entr" presetSubtype="0" fill="hold" grpId="0" nodeType="clickEffect">
+                                  <p:stCondLst>
+                                    <p:cond delay="0"/>
+                                  </p:stCondLst>
+                                  <p:childTnLst>
+                                    <p:set>
+                                      <p:cBhvr>
+                                        <p:cTn id="26" dur="1" fill="hold">
+                                          <p:stCondLst>
+                                            <p:cond delay="0"/>
+                                          </p:stCondLst>
+                                        </p:cTn>
+                                        <p:tgtEl>
+                                          <p:spTgt spid="10">
+                                            <p:graphicEl>
+                                              <a:dgm id="{ADF11B85-49CD-4C45-834D-28EF8F01FAF4}"/>
+                                            </p:graphicEl>
+                                          </p:spTgt>
+                                        </p:tgtEl>
+                                        <p:attrNameLst>
+                                          <p:attrName>style.visibility</p:attrName>
+                                        </p:attrNameLst>
+                                      </p:cBhvr>
+                                      <p:to>
+                                        <p:strVal val="visible"/>
+                                      </p:to>
+                                    </p:set>
+                                  </p:childTnLst>
+                                </p:cTn>
+                              </p:par>
+                              <p:par>
+                                <p:cTn id="27" presetID="1" presetClass="entr" presetSubtype="0" fill="hold" grpId="0" nodeType="withEffect">
+                                  <p:stCondLst>
+                                    <p:cond delay="0"/>
+                                  </p:stCondLst>
+                                  <p:childTnLst>
+                                    <p:set>
+                                      <p:cBhvr>
+                                        <p:cTn id="28" dur="1" fill="hold">
+                                          <p:stCondLst>
+                                            <p:cond delay="0"/>
+                                          </p:stCondLst>
+                                        </p:cTn>
+                                        <p:tgtEl>
+                                          <p:spTgt spid="10">
+                                            <p:graphicEl>
+                                              <a:dgm id="{B0856285-8B4C-4921-A3FF-D6436B7247C2}"/>
+                                            </p:graphicEl>
+                                          </p:spTgt>
+                                        </p:tgtEl>
+                                        <p:attrNameLst>
+                                          <p:attrName>style.visibility</p:attrName>
+                                        </p:attrNameLst>
+                                      </p:cBhvr>
+                                      <p:to>
+                                        <p:strVal val="visible"/>
+                                      </p:to>
+                                    </p:set>
+                                  </p:childTnLst>
+                                </p:cTn>
+                              </p:par>
+                            </p:childTnLst>
+                          </p:cTn>
+                        </p:par>
+                      </p:childTnLst>
+                    </p:cTn>
+                  </p:par>
+                  <p:par>
+                    <p:cTn id="29" fill="hold">
+                      <p:stCondLst>
+                        <p:cond delay="indefinite"/>
+                      </p:stCondLst>
+                      <p:childTnLst>
+                        <p:par>
+                          <p:cTn id="30" fill="hold">
+                            <p:stCondLst>
+                              <p:cond delay="0"/>
+                            </p:stCondLst>
+                            <p:childTnLst>
+                              <p:par>
+                                <p:cTn id="31" presetID="1" presetClass="entr" presetSubtype="0" fill="hold" grpId="0" nodeType="clickEffect">
+                                  <p:stCondLst>
+                                    <p:cond delay="0"/>
+                                  </p:stCondLst>
+                                  <p:childTnLst>
+                                    <p:set>
+                                      <p:cBhvr>
+                                        <p:cTn id="32" dur="1" fill="hold">
+                                          <p:stCondLst>
+                                            <p:cond delay="0"/>
+                                          </p:stCondLst>
+                                        </p:cTn>
+                                        <p:tgtEl>
+                                          <p:spTgt spid="10">
+                                            <p:graphicEl>
+                                              <a:dgm id="{D4C25836-BB1E-40C6-9055-79DFE51E84A4}"/>
+                                            </p:graphicEl>
+                                          </p:spTgt>
+                                        </p:tgtEl>
+                                        <p:attrNameLst>
+                                          <p:attrName>style.visibility</p:attrName>
+                                        </p:attrNameLst>
+                                      </p:cBhvr>
+                                      <p:to>
+                                        <p:strVal val="visible"/>
+                                      </p:to>
+                                    </p:set>
+                                  </p:childTnLst>
+                                </p:cTn>
+                              </p:par>
+                              <p:par>
+                                <p:cTn id="33" presetID="1" presetClass="entr" presetSubtype="0" fill="hold" grpId="0" nodeType="withEffect">
+                                  <p:stCondLst>
+                                    <p:cond delay="0"/>
+                                  </p:stCondLst>
+                                  <p:childTnLst>
+                                    <p:set>
+                                      <p:cBhvr>
+                                        <p:cTn id="34" dur="1" fill="hold">
+                                          <p:stCondLst>
+                                            <p:cond delay="0"/>
+                                          </p:stCondLst>
+                                        </p:cTn>
+                                        <p:tgtEl>
+                                          <p:spTgt spid="10">
+                                            <p:graphicEl>
+                                              <a:dgm id="{120EC894-2FDD-4E69-8DA1-1E4987D6750C}"/>
+                                            </p:graphicEl>
+                                          </p:spTgt>
+                                        </p:tgtEl>
+                                        <p:attrNameLst>
+                                          <p:attrName>style.visibility</p:attrName>
+                                        </p:attrNameLst>
+                                      </p:cBhvr>
+                                      <p:to>
+                                        <p:strVal val="visible"/>
+                                      </p:to>
+                                    </p:set>
+                                  </p:childTnLst>
+                                </p:cTn>
+                              </p:par>
+                            </p:childTnLst>
+                          </p:cTn>
+                        </p:par>
+                      </p:childTnLst>
+                    </p:cTn>
+                  </p:par>
+                  <p:par>
+                    <p:cTn id="35" fill="hold">
+                      <p:stCondLst>
+                        <p:cond delay="indefinite"/>
+                      </p:stCondLst>
+                      <p:childTnLst>
+                        <p:par>
+                          <p:cTn id="36" fill="hold">
+                            <p:stCondLst>
+                              <p:cond delay="0"/>
+                            </p:stCondLst>
+                            <p:childTnLst>
+                              <p:par>
+                                <p:cTn id="37" presetID="1" presetClass="entr" presetSubtype="0" fill="hold" grpId="0" nodeType="clickEffect">
+                                  <p:stCondLst>
+                                    <p:cond delay="0"/>
+                                  </p:stCondLst>
+                                  <p:childTnLst>
+                                    <p:set>
+                                      <p:cBhvr>
+                                        <p:cTn id="38" dur="1" fill="hold">
+                                          <p:stCondLst>
+                                            <p:cond delay="0"/>
+                                          </p:stCondLst>
+                                        </p:cTn>
+                                        <p:tgtEl>
+                                          <p:spTgt spid="10">
+                                            <p:graphicEl>
+                                              <a:dgm id="{62725212-3288-4862-A14D-4E6BB5BCB641}"/>
+                                            </p:graphicEl>
+                                          </p:spTgt>
+                                        </p:tgtEl>
+                                        <p:attrNameLst>
+                                          <p:attrName>style.visibility</p:attrName>
+                                        </p:attrNameLst>
+                                      </p:cBhvr>
+                                      <p:to>
+                                        <p:strVal val="visible"/>
+                                      </p:to>
+                                    </p:set>
+                                  </p:childTnLst>
+                                </p:cTn>
+                              </p:par>
+                              <p:par>
+                                <p:cTn id="39" presetID="1" presetClass="entr" presetSubtype="0" fill="hold" grpId="0" nodeType="withEffect">
+                                  <p:stCondLst>
+                                    <p:cond delay="0"/>
+                                  </p:stCondLst>
+                                  <p:childTnLst>
+                                    <p:set>
+                                      <p:cBhvr>
+                                        <p:cTn id="40" dur="1" fill="hold">
+                                          <p:stCondLst>
+                                            <p:cond delay="0"/>
+                                          </p:stCondLst>
+                                        </p:cTn>
+                                        <p:tgtEl>
+                                          <p:spTgt spid="10">
+                                            <p:graphicEl>
+                                              <a:dgm id="{5EBC7458-FEF4-4BAA-BB89-62B9D0604C8A}"/>
+                                            </p:graphicEl>
+                                          </p:spTgt>
+                                        </p:tgtEl>
+                                        <p:attrNameLst>
+                                          <p:attrName>style.visibility</p:attrName>
+                                        </p:attrNameLst>
+                                      </p:cBhvr>
+                                      <p:to>
+                                        <p:strVal val="visible"/>
+                                      </p:to>
+                                    </p:set>
+                                  </p:childTnLst>
+                                </p:cTn>
+                              </p:par>
+                            </p:childTnLst>
+                          </p:cTn>
+                        </p:par>
+                      </p:childTnLst>
+                    </p:cTn>
+                  </p:par>
+                  <p:par>
+                    <p:cTn id="41" fill="hold">
+                      <p:stCondLst>
+                        <p:cond delay="indefinite"/>
+                      </p:stCondLst>
+                      <p:childTnLst>
+                        <p:par>
+                          <p:cTn id="42" fill="hold">
+                            <p:stCondLst>
+                              <p:cond delay="0"/>
+                            </p:stCondLst>
+                            <p:childTnLst>
+                              <p:par>
+                                <p:cTn id="43" presetID="1" presetClass="entr" presetSubtype="0" fill="hold" grpId="0" nodeType="clickEffect">
+                                  <p:stCondLst>
+                                    <p:cond delay="0"/>
+                                  </p:stCondLst>
+                                  <p:childTnLst>
+                                    <p:set>
+                                      <p:cBhvr>
+                                        <p:cTn id="44" dur="1" fill="hold">
+                                          <p:stCondLst>
+                                            <p:cond delay="0"/>
+                                          </p:stCondLst>
+                                        </p:cTn>
+                                        <p:tgtEl>
+                                          <p:spTgt spid="10">
+                                            <p:graphicEl>
+                                              <a:dgm id="{43787B64-6ECE-4862-83FC-999710B65D94}"/>
+                                            </p:graphicEl>
+                                          </p:spTgt>
+                                        </p:tgtEl>
+                                        <p:attrNameLst>
+                                          <p:attrName>style.visibility</p:attrName>
+                                        </p:attrNameLst>
+                                      </p:cBhvr>
+                                      <p:to>
+                                        <p:strVal val="visible"/>
+                                      </p:to>
+                                    </p:set>
+                                  </p:childTnLst>
+                                </p:cTn>
+                              </p:par>
+                              <p:par>
+                                <p:cTn id="45" presetID="1" presetClass="entr" presetSubtype="0" fill="hold" grpId="0" nodeType="withEffect">
+                                  <p:stCondLst>
+                                    <p:cond delay="0"/>
+                                  </p:stCondLst>
+                                  <p:childTnLst>
+                                    <p:set>
+                                      <p:cBhvr>
+                                        <p:cTn id="46" dur="1" fill="hold">
+                                          <p:stCondLst>
+                                            <p:cond delay="0"/>
+                                          </p:stCondLst>
+                                        </p:cTn>
+                                        <p:tgtEl>
+                                          <p:spTgt spid="10">
+                                            <p:graphicEl>
+                                              <a:dgm id="{C0E538A1-8247-4D29-A464-326B7E9E49F2}"/>
+                                            </p:graphicEl>
+                                          </p:spTgt>
+                                        </p:tgtEl>
+                                        <p:attrNameLst>
+                                          <p:attrName>style.visibility</p:attrName>
+                                        </p:attrNameLst>
+                                      </p:cBhvr>
+                                      <p:to>
+                                        <p:strVal val="visible"/>
+                                      </p:to>
+                                    </p:set>
+                                  </p:childTnLst>
+                                </p:cTn>
+                              </p:par>
+                              <p:par>
+                                <p:cTn id="47" presetID="1" presetClass="entr" presetSubtype="0" fill="hold" grpId="0" nodeType="withEffect">
+                                  <p:stCondLst>
+                                    <p:cond delay="0"/>
+                                  </p:stCondLst>
+                                  <p:childTnLst>
+                                    <p:set>
+                                      <p:cBhvr>
+                                        <p:cTn id="48" dur="1" fill="hold">
+                                          <p:stCondLst>
+                                            <p:cond delay="0"/>
+                                          </p:stCondLst>
+                                        </p:cTn>
+                                        <p:tgtEl>
+                                          <p:spTgt spid="10">
+                                            <p:graphicEl>
+                                              <a:dgm id="{974D1544-313C-4B85-96E4-F98694E51952}"/>
+                                            </p:graphicEl>
+                                          </p:spTgt>
+                                        </p:tgtEl>
+                                        <p:attrNameLst>
+                                          <p:attrName>style.visibility</p:attrName>
+                                        </p:attrNameLst>
+                                      </p:cBhvr>
+                                      <p:to>
+                                        <p:strVal val="visible"/>
+                                      </p:to>
+                                    </p:set>
+                                  </p:childTnLst>
+                                </p:cTn>
+                              </p:par>
+                            </p:childTnLst>
+                          </p:cTn>
+                        </p:par>
+                      </p:childTnLst>
+                    </p:cTn>
+                  </p:par>
+                  <p:par>
+                    <p:cTn id="49" fill="hold">
+                      <p:stCondLst>
+                        <p:cond delay="indefinite"/>
+                      </p:stCondLst>
+                      <p:childTnLst>
+                        <p:par>
+                          <p:cTn id="50" fill="hold">
+                            <p:stCondLst>
+                              <p:cond delay="0"/>
+                            </p:stCondLst>
+                            <p:childTnLst>
+                              <p:par>
+                                <p:cTn id="51" presetID="1" presetClass="entr" presetSubtype="0" fill="hold" grpId="0" nodeType="clickEffect">
+                                  <p:stCondLst>
+                                    <p:cond delay="0"/>
+                                  </p:stCondLst>
+                                  <p:childTnLst>
+                                    <p:set>
+                                      <p:cBhvr>
+                                        <p:cTn id="52" dur="1" fill="hold">
+                                          <p:stCondLst>
+                                            <p:cond delay="0"/>
+                                          </p:stCondLst>
+                                        </p:cTn>
+                                        <p:tgtEl>
+                                          <p:spTgt spid="11"/>
+                                        </p:tgtEl>
+                                        <p:attrNameLst>
+                                          <p:attrName>style.visibility</p:attrName>
+                                        </p:attrNameLst>
+                                      </p:cBhvr>
+                                      <p:to>
+                                        <p:strVal val="visible"/>
+                                      </p:to>
+                                    </p:set>
+                                  </p:childTnLst>
+                                </p:cTn>
+                              </p:par>
+                              <p:par>
+                                <p:cTn id="53" presetID="1" presetClass="entr" presetSubtype="0" fill="hold" nodeType="withEffect">
+                                  <p:stCondLst>
+                                    <p:cond delay="0"/>
+                                  </p:stCondLst>
+                                  <p:childTnLst>
+                                    <p:set>
+                                      <p:cBhvr>
+                                        <p:cTn id="54" dur="1" fill="hold">
+                                          <p:stCondLst>
+                                            <p:cond delay="0"/>
+                                          </p:stCondLst>
+                                        </p:cTn>
+                                        <p:tgtEl>
+                                          <p:spTgt spid="13"/>
+                                        </p:tgtEl>
+                                        <p:attrNameLst>
+                                          <p:attrName>style.visibility</p:attrName>
+                                        </p:attrNameLst>
+                                      </p:cBhvr>
+                                      <p:to>
+                                        <p:strVal val="visible"/>
+                                      </p:to>
+                                    </p:set>
+                                  </p:childTnLst>
+                                </p:cTn>
+                              </p:par>
+                            </p:childTnLst>
+                          </p:cTn>
+                        </p:par>
+                      </p:childTnLst>
+                    </p:cTn>
+                  </p:par>
+                </p:childTnLst>
+              </p:cTn>
+              <p:prevCondLst>
+                <p:cond evt="onPrev" delay="0">
+                  <p:tgtEl>
+                    <p:sldTgt/>
+                  </p:tgtEl>
+                </p:cond>
+              </p:prevCondLst>
+              <p:nextCondLst>
+                <p:cond evt="onNext" delay="0">
+                  <p:tgtEl>
+                    <p:sldTgt/>
+                  </p:tgtEl>
+                </p:cond>
+              </p:nextCondLst>
+            </p:seq>
+          </p:childTnLst>
+        </p:cTn>
+      </p:par>
+    </p:tnLst>
+    <p:bldLst>
+      <p:bldGraphic spid="10" grpId="0">
+        <p:bldSub>
+          <a:bldDgm bld="one"/>
+        </p:bldSub>
+      </p:bldGraphic>
+      <p:bldP spid="11" grpId="0" animBg="1"/>
+    </p:bldLst>
+  </p:timing>
+</p:sld>
+</file>
+
+<file path=ppt/slides/slide5.xml><?xml version="1.0" encoding="utf-8"?>
+<p:sld xmlns:a="http://schemas.openxmlformats.org/drawingml/2006/main" xmlns:r="http://schemas.openxmlformats.org/officeDocument/2006/relationships" xmlns:p="http://schemas.openxmlformats.org/presentationml/2006/main">
+  <p:cSld>
+    <p:spTree>
+      <p:nvGrpSpPr>
+        <p:cNvPr id="1" name=""/>
+        <p:cNvGrpSpPr/>
+        <p:nvPr/>
+      </p:nvGrpSpPr>
+      <p:grpSpPr>
+        <a:xfrm>
+          <a:off x="0" y="0"/>
+          <a:ext cx="0" cy="0"/>
+          <a:chOff x="0" y="0"/>
+          <a:chExt cx="0" cy="0"/>
+        </a:xfrm>
+      </p:grpSpPr>
+      <p:sp>
+        <p:nvSpPr>
+          <p:cNvPr id="2" name="Title 1"/>
+          <p:cNvSpPr>
+            <a:spLocks noGrp="1"/>
+          </p:cNvSpPr>
+          <p:nvPr>
+            <p:ph type="title"/>
+          </p:nvPr>
+        </p:nvSpPr>
+        <p:spPr>
+          <a:xfrm>
+            <a:off x="717453" y="365125"/>
+            <a:ext cx="11240086" cy="1325563"/>
+          </a:xfrm>
+        </p:spPr>
+        <p:txBody>
+          <a:bodyPr/>
+          <a:lstStyle/>
+          <a:p>
+            <a:r>
+              <a:rPr lang="en-US" dirty="0" smtClean="0"/>
+              <a:t>Extreme Programming (XP) - </a:t>
+            </a:r>
+            <a:r>
+              <a:rPr lang="en-US" b="1" dirty="0" smtClean="0"/>
+              <a:t>Introduction</a:t>
+            </a:r>
+            <a:endParaRPr lang="en-US" b="1" dirty="0"/>
+          </a:p>
+        </p:txBody>
+      </p:sp>
+      <p:sp>
+        <p:nvSpPr>
+          <p:cNvPr id="3" name="Rectangle 2"/>
+          <p:cNvSpPr/>
+          <p:nvPr/>
+        </p:nvSpPr>
+        <p:spPr>
+          <a:xfrm>
+            <a:off x="577755" y="1577285"/>
+            <a:ext cx="11379784" cy="369332"/>
+          </a:xfrm>
+          <a:prstGeom prst="rect">
+            <a:avLst/>
+          </a:prstGeom>
+        </p:spPr>
+        <p:txBody>
+          <a:bodyPr wrap="square">
+            <a:spAutoFit/>
+          </a:bodyPr>
+          <a:lstStyle/>
+          <a:p>
+            <a:pPr marL="285750" indent="-285750">
+              <a:buFont typeface="Arial" panose="020B0604020202020204" pitchFamily="34" charset="0"/>
+              <a:buChar char="•"/>
+            </a:pPr>
+            <a:endParaRPr lang="en-US" dirty="0"/>
+          </a:p>
+        </p:txBody>
+      </p:sp>
+    </p:spTree>
+    <p:extLst>
+      <p:ext uri="{BB962C8B-B14F-4D97-AF65-F5344CB8AC3E}">
+        <p14:creationId xmlns:p14="http://schemas.microsoft.com/office/powerpoint/2010/main" val="936062309"/>
+      </p:ext>
+    </p:extLst>
+  </p:cSld>
+  <p:clrMapOvr>
+    <a:masterClrMapping/>
+  </p:clrMapOvr>
+  <p:timing>
+    <p:tnLst>
+      <p:par>
+        <p:cTn id="1" dur="indefinite" restart="never" nodeType="tmRoot"/>
+      </p:par>
+    </p:tnLst>
   </p:timing>
 </p:sld>
 </file>

--- a/extreme_programming.pptx
+++ b/extreme_programming.pptx
@@ -5,7 +5,7 @@
     <p:sldMasterId id="2147483648" r:id="rId1"/>
   </p:sldMasterIdLst>
   <p:notesMasterIdLst>
-    <p:notesMasterId r:id="rId7"/>
+    <p:notesMasterId r:id="rId8"/>
   </p:notesMasterIdLst>
   <p:sldIdLst>
     <p:sldId id="256" r:id="rId2"/>
@@ -13,6 +13,7 @@
     <p:sldId id="258" r:id="rId4"/>
     <p:sldId id="259" r:id="rId5"/>
     <p:sldId id="260" r:id="rId6"/>
+    <p:sldId id="261" r:id="rId7"/>
   </p:sldIdLst>
   <p:sldSz cx="12192000" cy="6858000"/>
   <p:notesSz cx="6858000" cy="9144000"/>
@@ -888,10 +889,9 @@
         <a:lstStyle/>
         <a:p>
           <a:r>
-            <a:rPr lang="en-US" dirty="0" smtClean="0"/>
+            <a:rPr lang="en-US" dirty="0"/>
             <a:t>Software development model</a:t>
           </a:r>
-          <a:endParaRPr lang="en-US" dirty="0"/>
         </a:p>
       </dgm:t>
     </dgm:pt>
@@ -925,10 +925,9 @@
         <a:lstStyle/>
         <a:p>
           <a:r>
-            <a:rPr lang="en-US" dirty="0" smtClean="0"/>
+            <a:rPr lang="en-US" dirty="0"/>
             <a:t>Waterfall model</a:t>
           </a:r>
-          <a:endParaRPr lang="en-US" dirty="0"/>
         </a:p>
       </dgm:t>
     </dgm:pt>
@@ -962,10 +961,9 @@
         <a:lstStyle/>
         <a:p>
           <a:r>
-            <a:rPr lang="en-US" dirty="0" smtClean="0"/>
+            <a:rPr lang="en-US" dirty="0"/>
             <a:t>Iterative model</a:t>
           </a:r>
-          <a:endParaRPr lang="en-US" dirty="0"/>
         </a:p>
       </dgm:t>
     </dgm:pt>
@@ -999,14 +997,9 @@
         <a:lstStyle/>
         <a:p>
           <a:r>
-            <a:rPr lang="en-US" dirty="0" smtClean="0"/>
-            <a:t>Agile </a:t>
+            <a:rPr lang="en-US" dirty="0"/>
+            <a:t>Agile model</a:t>
           </a:r>
-          <a:r>
-            <a:rPr lang="en-US" dirty="0" smtClean="0"/>
-            <a:t>model</a:t>
-          </a:r>
-          <a:endParaRPr lang="en-US" dirty="0"/>
         </a:p>
       </dgm:t>
     </dgm:pt>
@@ -1041,10 +1034,9 @@
         <a:p>
           <a:pPr algn="ctr"/>
           <a:r>
-            <a:rPr lang="en-US" dirty="0" smtClean="0"/>
+            <a:rPr lang="en-US" dirty="0"/>
             <a:t>RAD model</a:t>
           </a:r>
-          <a:endParaRPr lang="en-US" dirty="0"/>
         </a:p>
       </dgm:t>
     </dgm:pt>
@@ -1079,10 +1071,9 @@
         <a:p>
           <a:pPr algn="ctr"/>
           <a:r>
-            <a:rPr lang="en-US" dirty="0" smtClean="0"/>
+            <a:rPr lang="en-US" dirty="0"/>
             <a:t>Incremental model</a:t>
           </a:r>
-          <a:endParaRPr lang="en-US" dirty="0"/>
         </a:p>
       </dgm:t>
     </dgm:pt>
@@ -1117,10 +1108,9 @@
         <a:p>
           <a:pPr algn="ctr"/>
           <a:r>
-            <a:rPr lang="en-US" dirty="0" smtClean="0"/>
+            <a:rPr lang="en-US" dirty="0"/>
             <a:t>V model</a:t>
           </a:r>
-          <a:endParaRPr lang="en-US" dirty="0"/>
         </a:p>
       </dgm:t>
     </dgm:pt>
@@ -1155,10 +1145,9 @@
         <a:p>
           <a:pPr algn="ctr"/>
           <a:r>
-            <a:rPr lang="en-US" dirty="0" smtClean="0"/>
+            <a:rPr lang="en-US" dirty="0"/>
             <a:t>Spiral model</a:t>
           </a:r>
-          <a:endParaRPr lang="en-US" dirty="0"/>
         </a:p>
       </dgm:t>
     </dgm:pt>
@@ -1198,13 +1187,6 @@
     <dgm:pt modelId="{8046D806-D633-4925-88FF-13EA3736C642}" type="pres">
       <dgm:prSet presAssocID="{3E21CBF3-ED67-4DE4-92E8-D28F4E02C66C}" presName="centerShape" presStyleLbl="node0" presStyleIdx="0" presStyleCnt="1"/>
       <dgm:spPr/>
-      <dgm:t>
-        <a:bodyPr/>
-        <a:lstStyle/>
-        <a:p>
-          <a:endParaRPr lang="en-US"/>
-        </a:p>
-      </dgm:t>
     </dgm:pt>
     <dgm:pt modelId="{0B9D4084-EA21-4F7B-A20F-0E1723A71ADE}" type="pres">
       <dgm:prSet presAssocID="{3A1CE0DB-424D-4E8C-9CC4-E9A7F0192187}" presName="node" presStyleLbl="node1" presStyleIdx="0" presStyleCnt="7">
@@ -1213,13 +1195,6 @@
         </dgm:presLayoutVars>
       </dgm:prSet>
       <dgm:spPr/>
-      <dgm:t>
-        <a:bodyPr/>
-        <a:lstStyle/>
-        <a:p>
-          <a:endParaRPr lang="en-US"/>
-        </a:p>
-      </dgm:t>
     </dgm:pt>
     <dgm:pt modelId="{C3F76657-0C10-4626-945F-7A6C8CB3D378}" type="pres">
       <dgm:prSet presAssocID="{3A1CE0DB-424D-4E8C-9CC4-E9A7F0192187}" presName="dummy" presStyleCnt="0"/>
@@ -1236,13 +1211,6 @@
         </dgm:presLayoutVars>
       </dgm:prSet>
       <dgm:spPr/>
-      <dgm:t>
-        <a:bodyPr/>
-        <a:lstStyle/>
-        <a:p>
-          <a:endParaRPr lang="en-US"/>
-        </a:p>
-      </dgm:t>
     </dgm:pt>
     <dgm:pt modelId="{1C97F2A5-5C24-4585-9A86-9D9C4FF71750}" type="pres">
       <dgm:prSet presAssocID="{446E3B0E-A84C-4C0D-90C5-2CDA8EE8A1E3}" presName="dummy" presStyleCnt="0"/>
@@ -1259,13 +1227,6 @@
         </dgm:presLayoutVars>
       </dgm:prSet>
       <dgm:spPr/>
-      <dgm:t>
-        <a:bodyPr/>
-        <a:lstStyle/>
-        <a:p>
-          <a:endParaRPr lang="en-US"/>
-        </a:p>
-      </dgm:t>
     </dgm:pt>
     <dgm:pt modelId="{F71AE671-5521-4538-904C-D35BB1613898}" type="pres">
       <dgm:prSet presAssocID="{BD0E6AD9-71FA-4C38-8A7F-3AE8864E181B}" presName="dummy" presStyleCnt="0"/>
@@ -1282,13 +1243,6 @@
         </dgm:presLayoutVars>
       </dgm:prSet>
       <dgm:spPr/>
-      <dgm:t>
-        <a:bodyPr/>
-        <a:lstStyle/>
-        <a:p>
-          <a:endParaRPr lang="en-US"/>
-        </a:p>
-      </dgm:t>
     </dgm:pt>
     <dgm:pt modelId="{DDABE81E-CC26-47A2-9338-31B34FE15AC9}" type="pres">
       <dgm:prSet presAssocID="{BF8C4942-3560-466A-B7F7-036045090DB4}" presName="dummy" presStyleCnt="0"/>
@@ -1337,13 +1291,6 @@
         </dgm:presLayoutVars>
       </dgm:prSet>
       <dgm:spPr/>
-      <dgm:t>
-        <a:bodyPr/>
-        <a:lstStyle/>
-        <a:p>
-          <a:endParaRPr lang="en-US"/>
-        </a:p>
-      </dgm:t>
     </dgm:pt>
     <dgm:pt modelId="{D04A1D7A-1F4E-4F24-8F55-DAB82E2F31D9}" type="pres">
       <dgm:prSet presAssocID="{801A760C-B3A6-4942-B41F-1B74F7CFB869}" presName="dummy" presStyleCnt="0"/>
@@ -1355,30 +1302,30 @@
     </dgm:pt>
   </dgm:ptLst>
   <dgm:cxnLst>
+    <dgm:cxn modelId="{E9743714-F755-4952-B8AE-87189FB9134E}" type="presOf" srcId="{EAA2BEE3-0DBD-465D-BB64-31830BFC8ABC}" destId="{120EC894-2FDD-4E69-8DA1-1E4987D6750C}" srcOrd="0" destOrd="0" presId="urn:microsoft.com/office/officeart/2005/8/layout/radial6"/>
+    <dgm:cxn modelId="{8FCE9B16-5AA7-4F09-B332-9E3766D358F6}" srcId="{3E21CBF3-ED67-4DE4-92E8-D28F4E02C66C}" destId="{BF8C4942-3560-466A-B7F7-036045090DB4}" srcOrd="3" destOrd="0" parTransId="{1BB7DC7D-6905-49E9-9FD0-654AD573C40E}" sibTransId="{2E8BD8F1-AC8D-430A-A16A-29538E9A8D89}"/>
     <dgm:cxn modelId="{CC218D1B-DE1E-4C94-83BC-7E2AA8A513E5}" type="presOf" srcId="{821F0E55-CEF6-48A1-AC37-6D1FD50F8A7C}" destId="{43787B64-6ECE-4862-83FC-999710B65D94}" srcOrd="0" destOrd="0" presId="urn:microsoft.com/office/officeart/2005/8/layout/radial6"/>
+    <dgm:cxn modelId="{4F5D3727-F173-42E5-BE78-47119F4A09E9}" type="presOf" srcId="{E4A3282E-BB57-4C66-ACAD-724F46D03C99}" destId="{ADF11B85-49CD-4C45-834D-28EF8F01FAF4}" srcOrd="0" destOrd="0" presId="urn:microsoft.com/office/officeart/2005/8/layout/radial6"/>
+    <dgm:cxn modelId="{42468133-6626-413F-8036-DCB1ECD7F00D}" srcId="{8A4D3A20-F65F-4192-9123-EAC5330E5D1D}" destId="{3E21CBF3-ED67-4DE4-92E8-D28F4E02C66C}" srcOrd="0" destOrd="0" parTransId="{62D71432-5937-427D-9E65-CD7804702917}" sibTransId="{56D95F66-2F36-41C3-A4C8-AAA41A7C5935}"/>
+    <dgm:cxn modelId="{93AA4161-2792-4A73-924C-3A9358908DED}" srcId="{3E21CBF3-ED67-4DE4-92E8-D28F4E02C66C}" destId="{7C910102-AEE4-484B-ACEB-B163D80A8AC3}" srcOrd="5" destOrd="0" parTransId="{2C662DC6-0642-4B64-BA19-E82C9A57D4C8}" sibTransId="{821F0E55-CEF6-48A1-AC37-6D1FD50F8A7C}"/>
+    <dgm:cxn modelId="{CB5E1146-E11D-4CD5-866D-1BEA23F58352}" srcId="{3E21CBF3-ED67-4DE4-92E8-D28F4E02C66C}" destId="{3A1CE0DB-424D-4E8C-9CC4-E9A7F0192187}" srcOrd="0" destOrd="0" parTransId="{584E096D-ECCA-45D3-8418-8AF5829CA25D}" sibTransId="{52532CF6-0526-4785-A2A6-1AD1072ADB9D}"/>
+    <dgm:cxn modelId="{92566467-7247-47BB-92DD-F94AED937561}" type="presOf" srcId="{BF8C4942-3560-466A-B7F7-036045090DB4}" destId="{B0856285-8B4C-4921-A3FF-D6436B7247C2}" srcOrd="0" destOrd="0" presId="urn:microsoft.com/office/officeart/2005/8/layout/radial6"/>
+    <dgm:cxn modelId="{4DD5694D-2AF2-4CFA-9337-E79D88305FFC}" type="presOf" srcId="{3E21CBF3-ED67-4DE4-92E8-D28F4E02C66C}" destId="{8046D806-D633-4925-88FF-13EA3736C642}" srcOrd="0" destOrd="0" presId="urn:microsoft.com/office/officeart/2005/8/layout/radial6"/>
+    <dgm:cxn modelId="{018C504D-7874-4067-8879-D7782E9BE75B}" type="presOf" srcId="{801A760C-B3A6-4942-B41F-1B74F7CFB869}" destId="{C0E538A1-8247-4D29-A464-326B7E9E49F2}" srcOrd="0" destOrd="0" presId="urn:microsoft.com/office/officeart/2005/8/layout/radial6"/>
+    <dgm:cxn modelId="{F2CD6D79-35C3-46D2-8458-7C54E7AD556B}" srcId="{3E21CBF3-ED67-4DE4-92E8-D28F4E02C66C}" destId="{446E3B0E-A84C-4C0D-90C5-2CDA8EE8A1E3}" srcOrd="1" destOrd="0" parTransId="{86A5A7C0-6915-4FCE-82B7-85A9613781AF}" sibTransId="{1E6BF274-94E7-49EA-823A-D7901911558F}"/>
+    <dgm:cxn modelId="{D76F3C5A-023F-4A45-ACBC-D57F39A6B014}" type="presOf" srcId="{2E8BD8F1-AC8D-430A-A16A-29538E9A8D89}" destId="{D4C25836-BB1E-40C6-9055-79DFE51E84A4}" srcOrd="0" destOrd="0" presId="urn:microsoft.com/office/officeart/2005/8/layout/radial6"/>
+    <dgm:cxn modelId="{327FA47C-F072-4DC1-B582-E34C662F0AC8}" srcId="{3E21CBF3-ED67-4DE4-92E8-D28F4E02C66C}" destId="{EAA2BEE3-0DBD-465D-BB64-31830BFC8ABC}" srcOrd="4" destOrd="0" parTransId="{4622D5E9-A79E-4AC5-AC80-5F230C759282}" sibTransId="{C8CE8BA7-678D-4C94-8F91-3A77355BB83A}"/>
     <dgm:cxn modelId="{81F40D88-E1FA-41F6-BC21-DA8471BBF5BC}" type="presOf" srcId="{3A1CE0DB-424D-4E8C-9CC4-E9A7F0192187}" destId="{0B9D4084-EA21-4F7B-A20F-0E1723A71ADE}" srcOrd="0" destOrd="0" presId="urn:microsoft.com/office/officeart/2005/8/layout/radial6"/>
+    <dgm:cxn modelId="{E5A2C89A-9107-4792-8CCC-4898D6EC5DBA}" srcId="{3E21CBF3-ED67-4DE4-92E8-D28F4E02C66C}" destId="{801A760C-B3A6-4942-B41F-1B74F7CFB869}" srcOrd="6" destOrd="0" parTransId="{FF8C1F41-9000-4666-8B3C-F006C6352F33}" sibTransId="{088CB9C7-E6AD-4656-9612-A21801614288}"/>
+    <dgm:cxn modelId="{DAA053A5-BCE7-48B6-8287-21AE5DC5B4BA}" type="presOf" srcId="{7C910102-AEE4-484B-ACEB-B163D80A8AC3}" destId="{5EBC7458-FEF4-4BAA-BB89-62B9D0604C8A}" srcOrd="0" destOrd="0" presId="urn:microsoft.com/office/officeart/2005/8/layout/radial6"/>
     <dgm:cxn modelId="{FB39E0B0-FD2B-47CC-8CE3-29C073135CA4}" type="presOf" srcId="{446E3B0E-A84C-4C0D-90C5-2CDA8EE8A1E3}" destId="{024B37C8-2E78-4627-9714-90BFEACD2D8D}" srcOrd="0" destOrd="0" presId="urn:microsoft.com/office/officeart/2005/8/layout/radial6"/>
-    <dgm:cxn modelId="{4F5D3727-F173-42E5-BE78-47119F4A09E9}" type="presOf" srcId="{E4A3282E-BB57-4C66-ACAD-724F46D03C99}" destId="{ADF11B85-49CD-4C45-834D-28EF8F01FAF4}" srcOrd="0" destOrd="0" presId="urn:microsoft.com/office/officeart/2005/8/layout/radial6"/>
-    <dgm:cxn modelId="{EFFA6EF2-B05B-4E0A-B221-5F635EFD3D52}" type="presOf" srcId="{088CB9C7-E6AD-4656-9612-A21801614288}" destId="{974D1544-313C-4B85-96E4-F98694E51952}" srcOrd="0" destOrd="0" presId="urn:microsoft.com/office/officeart/2005/8/layout/radial6"/>
-    <dgm:cxn modelId="{DAA053A5-BCE7-48B6-8287-21AE5DC5B4BA}" type="presOf" srcId="{7C910102-AEE4-484B-ACEB-B163D80A8AC3}" destId="{5EBC7458-FEF4-4BAA-BB89-62B9D0604C8A}" srcOrd="0" destOrd="0" presId="urn:microsoft.com/office/officeart/2005/8/layout/radial6"/>
-    <dgm:cxn modelId="{E9743714-F755-4952-B8AE-87189FB9134E}" type="presOf" srcId="{EAA2BEE3-0DBD-465D-BB64-31830BFC8ABC}" destId="{120EC894-2FDD-4E69-8DA1-1E4987D6750C}" srcOrd="0" destOrd="0" presId="urn:microsoft.com/office/officeart/2005/8/layout/radial6"/>
-    <dgm:cxn modelId="{4DD5694D-2AF2-4CFA-9337-E79D88305FFC}" type="presOf" srcId="{3E21CBF3-ED67-4DE4-92E8-D28F4E02C66C}" destId="{8046D806-D633-4925-88FF-13EA3736C642}" srcOrd="0" destOrd="0" presId="urn:microsoft.com/office/officeart/2005/8/layout/radial6"/>
-    <dgm:cxn modelId="{42468133-6626-413F-8036-DCB1ECD7F00D}" srcId="{8A4D3A20-F65F-4192-9123-EAC5330E5D1D}" destId="{3E21CBF3-ED67-4DE4-92E8-D28F4E02C66C}" srcOrd="0" destOrd="0" parTransId="{62D71432-5937-427D-9E65-CD7804702917}" sibTransId="{56D95F66-2F36-41C3-A4C8-AAA41A7C5935}"/>
     <dgm:cxn modelId="{50BB35C0-5301-4620-96E0-8F8C590935C8}" type="presOf" srcId="{1E6BF274-94E7-49EA-823A-D7901911558F}" destId="{3403E89E-646F-4749-98B8-1636056908AA}" srcOrd="0" destOrd="0" presId="urn:microsoft.com/office/officeart/2005/8/layout/radial6"/>
     <dgm:cxn modelId="{CE250DD7-ACD0-419C-BC0A-C35258FD7568}" type="presOf" srcId="{C8CE8BA7-678D-4C94-8F91-3A77355BB83A}" destId="{62725212-3288-4862-A14D-4E6BB5BCB641}" srcOrd="0" destOrd="0" presId="urn:microsoft.com/office/officeart/2005/8/layout/radial6"/>
-    <dgm:cxn modelId="{92566467-7247-47BB-92DD-F94AED937561}" type="presOf" srcId="{BF8C4942-3560-466A-B7F7-036045090DB4}" destId="{B0856285-8B4C-4921-A3FF-D6436B7247C2}" srcOrd="0" destOrd="0" presId="urn:microsoft.com/office/officeart/2005/8/layout/radial6"/>
-    <dgm:cxn modelId="{66EDC8FB-B067-479B-8726-281A44F690D2}" type="presOf" srcId="{52532CF6-0526-4785-A2A6-1AD1072ADB9D}" destId="{98C0CE5D-6568-4C58-8044-A6118E4DFAF6}" srcOrd="0" destOrd="0" presId="urn:microsoft.com/office/officeart/2005/8/layout/radial6"/>
-    <dgm:cxn modelId="{D76F3C5A-023F-4A45-ACBC-D57F39A6B014}" type="presOf" srcId="{2E8BD8F1-AC8D-430A-A16A-29538E9A8D89}" destId="{D4C25836-BB1E-40C6-9055-79DFE51E84A4}" srcOrd="0" destOrd="0" presId="urn:microsoft.com/office/officeart/2005/8/layout/radial6"/>
-    <dgm:cxn modelId="{93AA4161-2792-4A73-924C-3A9358908DED}" srcId="{3E21CBF3-ED67-4DE4-92E8-D28F4E02C66C}" destId="{7C910102-AEE4-484B-ACEB-B163D80A8AC3}" srcOrd="5" destOrd="0" parTransId="{2C662DC6-0642-4B64-BA19-E82C9A57D4C8}" sibTransId="{821F0E55-CEF6-48A1-AC37-6D1FD50F8A7C}"/>
     <dgm:cxn modelId="{9567DEDF-D775-4550-8F1F-6817B3956601}" type="presOf" srcId="{8A4D3A20-F65F-4192-9123-EAC5330E5D1D}" destId="{AF29EEAD-64B5-4C37-8C6D-6E10B5F4AE2B}" srcOrd="0" destOrd="0" presId="urn:microsoft.com/office/officeart/2005/8/layout/radial6"/>
     <dgm:cxn modelId="{FFE282E0-13BB-4F72-8399-760865E79B14}" type="presOf" srcId="{BD0E6AD9-71FA-4C38-8A7F-3AE8864E181B}" destId="{D02A1073-280A-4030-B61B-6AB009F7EB42}" srcOrd="0" destOrd="0" presId="urn:microsoft.com/office/officeart/2005/8/layout/radial6"/>
-    <dgm:cxn modelId="{E5A2C89A-9107-4792-8CCC-4898D6EC5DBA}" srcId="{3E21CBF3-ED67-4DE4-92E8-D28F4E02C66C}" destId="{801A760C-B3A6-4942-B41F-1B74F7CFB869}" srcOrd="6" destOrd="0" parTransId="{FF8C1F41-9000-4666-8B3C-F006C6352F33}" sibTransId="{088CB9C7-E6AD-4656-9612-A21801614288}"/>
-    <dgm:cxn modelId="{327FA47C-F072-4DC1-B582-E34C662F0AC8}" srcId="{3E21CBF3-ED67-4DE4-92E8-D28F4E02C66C}" destId="{EAA2BEE3-0DBD-465D-BB64-31830BFC8ABC}" srcOrd="4" destOrd="0" parTransId="{4622D5E9-A79E-4AC5-AC80-5F230C759282}" sibTransId="{C8CE8BA7-678D-4C94-8F91-3A77355BB83A}"/>
-    <dgm:cxn modelId="{F2CD6D79-35C3-46D2-8458-7C54E7AD556B}" srcId="{3E21CBF3-ED67-4DE4-92E8-D28F4E02C66C}" destId="{446E3B0E-A84C-4C0D-90C5-2CDA8EE8A1E3}" srcOrd="1" destOrd="0" parTransId="{86A5A7C0-6915-4FCE-82B7-85A9613781AF}" sibTransId="{1E6BF274-94E7-49EA-823A-D7901911558F}"/>
-    <dgm:cxn modelId="{CB5E1146-E11D-4CD5-866D-1BEA23F58352}" srcId="{3E21CBF3-ED67-4DE4-92E8-D28F4E02C66C}" destId="{3A1CE0DB-424D-4E8C-9CC4-E9A7F0192187}" srcOrd="0" destOrd="0" parTransId="{584E096D-ECCA-45D3-8418-8AF5829CA25D}" sibTransId="{52532CF6-0526-4785-A2A6-1AD1072ADB9D}"/>
-    <dgm:cxn modelId="{8FCE9B16-5AA7-4F09-B332-9E3766D358F6}" srcId="{3E21CBF3-ED67-4DE4-92E8-D28F4E02C66C}" destId="{BF8C4942-3560-466A-B7F7-036045090DB4}" srcOrd="3" destOrd="0" parTransId="{1BB7DC7D-6905-49E9-9FD0-654AD573C40E}" sibTransId="{2E8BD8F1-AC8D-430A-A16A-29538E9A8D89}"/>
-    <dgm:cxn modelId="{018C504D-7874-4067-8879-D7782E9BE75B}" type="presOf" srcId="{801A760C-B3A6-4942-B41F-1B74F7CFB869}" destId="{C0E538A1-8247-4D29-A464-326B7E9E49F2}" srcOrd="0" destOrd="0" presId="urn:microsoft.com/office/officeart/2005/8/layout/radial6"/>
     <dgm:cxn modelId="{553FE6F1-27F8-4BAB-A7E2-EC6F04AD7955}" srcId="{3E21CBF3-ED67-4DE4-92E8-D28F4E02C66C}" destId="{BD0E6AD9-71FA-4C38-8A7F-3AE8864E181B}" srcOrd="2" destOrd="0" parTransId="{21A2A793-8C28-4FBF-B131-56655A905B20}" sibTransId="{E4A3282E-BB57-4C66-ACAD-724F46D03C99}"/>
+    <dgm:cxn modelId="{EFFA6EF2-B05B-4E0A-B221-5F635EFD3D52}" type="presOf" srcId="{088CB9C7-E6AD-4656-9612-A21801614288}" destId="{974D1544-313C-4B85-96E4-F98694E51952}" srcOrd="0" destOrd="0" presId="urn:microsoft.com/office/officeart/2005/8/layout/radial6"/>
+    <dgm:cxn modelId="{66EDC8FB-B067-479B-8726-281A44F690D2}" type="presOf" srcId="{52532CF6-0526-4785-A2A6-1AD1072ADB9D}" destId="{98C0CE5D-6568-4C58-8044-A6118E4DFAF6}" srcOrd="0" destOrd="0" presId="urn:microsoft.com/office/officeart/2005/8/layout/radial6"/>
     <dgm:cxn modelId="{A04761CE-40E8-4443-8732-F45F58B56D78}" type="presParOf" srcId="{AF29EEAD-64B5-4C37-8C6D-6E10B5F4AE2B}" destId="{8046D806-D633-4925-88FF-13EA3736C642}" srcOrd="0" destOrd="0" presId="urn:microsoft.com/office/officeart/2005/8/layout/radial6"/>
     <dgm:cxn modelId="{2BDE61AF-93C8-4714-955F-AC1CEEAD996A}" type="presParOf" srcId="{AF29EEAD-64B5-4C37-8C6D-6E10B5F4AE2B}" destId="{0B9D4084-EA21-4F7B-A20F-0E1723A71ADE}" srcOrd="1" destOrd="0" presId="urn:microsoft.com/office/officeart/2005/8/layout/radial6"/>
     <dgm:cxn modelId="{D3FBE3C8-C3B7-4527-A151-529E9FDD7DB8}" type="presParOf" srcId="{AF29EEAD-64B5-4C37-8C6D-6E10B5F4AE2B}" destId="{C3F76657-0C10-4626-945F-7A6C8CB3D378}" srcOrd="2" destOrd="0" presId="urn:microsoft.com/office/officeart/2005/8/layout/radial6"/>
@@ -1797,7 +1744,7 @@
         </a:bodyPr>
         <a:lstStyle/>
         <a:p>
-          <a:pPr lvl="0" algn="ctr" defTabSz="533400">
+          <a:pPr marL="0" lvl="0" indent="0" algn="ctr" defTabSz="533400">
             <a:lnSpc>
               <a:spcPct val="90000"/>
             </a:lnSpc>
@@ -1807,12 +1754,12 @@
             <a:spcAft>
               <a:spcPct val="35000"/>
             </a:spcAft>
+            <a:buNone/>
           </a:pPr>
           <a:r>
-            <a:rPr lang="en-US" sz="1200" kern="1200" dirty="0" smtClean="0"/>
+            <a:rPr lang="en-US" sz="1200" kern="1200" dirty="0"/>
             <a:t>Software development model</a:t>
           </a:r>
-          <a:endParaRPr lang="en-US" sz="1200" kern="1200" dirty="0"/>
         </a:p>
       </dsp:txBody>
       <dsp:txXfrm>
@@ -1875,7 +1822,7 @@
         </a:bodyPr>
         <a:lstStyle/>
         <a:p>
-          <a:pPr lvl="0" algn="ctr" defTabSz="444500">
+          <a:pPr marL="0" lvl="0" indent="0" algn="ctr" defTabSz="444500">
             <a:lnSpc>
               <a:spcPct val="90000"/>
             </a:lnSpc>
@@ -1885,12 +1832,12 @@
             <a:spcAft>
               <a:spcPct val="35000"/>
             </a:spcAft>
+            <a:buNone/>
           </a:pPr>
           <a:r>
-            <a:rPr lang="en-US" sz="1000" kern="1200" dirty="0" smtClean="0"/>
+            <a:rPr lang="en-US" sz="1000" kern="1200" dirty="0"/>
             <a:t>Waterfall model</a:t>
           </a:r>
-          <a:endParaRPr lang="en-US" sz="1000" kern="1200" dirty="0"/>
         </a:p>
       </dsp:txBody>
       <dsp:txXfrm>
@@ -1953,7 +1900,7 @@
         </a:bodyPr>
         <a:lstStyle/>
         <a:p>
-          <a:pPr lvl="0" algn="ctr" defTabSz="444500">
+          <a:pPr marL="0" lvl="0" indent="0" algn="ctr" defTabSz="444500">
             <a:lnSpc>
               <a:spcPct val="90000"/>
             </a:lnSpc>
@@ -1963,12 +1910,12 @@
             <a:spcAft>
               <a:spcPct val="35000"/>
             </a:spcAft>
+            <a:buNone/>
           </a:pPr>
           <a:r>
-            <a:rPr lang="en-US" sz="1000" kern="1200" dirty="0" smtClean="0"/>
+            <a:rPr lang="en-US" sz="1000" kern="1200" dirty="0"/>
             <a:t>Iterative model</a:t>
           </a:r>
-          <a:endParaRPr lang="en-US" sz="1000" kern="1200" dirty="0"/>
         </a:p>
       </dsp:txBody>
       <dsp:txXfrm>
@@ -2031,7 +1978,7 @@
         </a:bodyPr>
         <a:lstStyle/>
         <a:p>
-          <a:pPr lvl="0" algn="ctr" defTabSz="444500">
+          <a:pPr marL="0" lvl="0" indent="0" algn="ctr" defTabSz="444500">
             <a:lnSpc>
               <a:spcPct val="90000"/>
             </a:lnSpc>
@@ -2041,16 +1988,12 @@
             <a:spcAft>
               <a:spcPct val="35000"/>
             </a:spcAft>
+            <a:buNone/>
           </a:pPr>
           <a:r>
-            <a:rPr lang="en-US" sz="1000" kern="1200" dirty="0" smtClean="0"/>
-            <a:t>Agile </a:t>
+            <a:rPr lang="en-US" sz="1000" kern="1200" dirty="0"/>
+            <a:t>Agile model</a:t>
           </a:r>
-          <a:r>
-            <a:rPr lang="en-US" sz="1000" kern="1200" dirty="0" smtClean="0"/>
-            <a:t>model</a:t>
-          </a:r>
-          <a:endParaRPr lang="en-US" sz="1000" kern="1200" dirty="0"/>
         </a:p>
       </dsp:txBody>
       <dsp:txXfrm>
@@ -2113,7 +2056,7 @@
         </a:bodyPr>
         <a:lstStyle/>
         <a:p>
-          <a:pPr lvl="0" algn="ctr" defTabSz="444500">
+          <a:pPr marL="0" lvl="0" indent="0" algn="ctr" defTabSz="444500">
             <a:lnSpc>
               <a:spcPct val="90000"/>
             </a:lnSpc>
@@ -2123,12 +2066,12 @@
             <a:spcAft>
               <a:spcPct val="35000"/>
             </a:spcAft>
+            <a:buNone/>
           </a:pPr>
           <a:r>
-            <a:rPr lang="en-US" sz="1000" kern="1200" dirty="0" smtClean="0"/>
+            <a:rPr lang="en-US" sz="1000" kern="1200" dirty="0"/>
             <a:t>RAD model</a:t>
           </a:r>
-          <a:endParaRPr lang="en-US" sz="1000" kern="1200" dirty="0"/>
         </a:p>
       </dsp:txBody>
       <dsp:txXfrm>
@@ -2191,7 +2134,7 @@
         </a:bodyPr>
         <a:lstStyle/>
         <a:p>
-          <a:pPr lvl="0" algn="ctr" defTabSz="444500">
+          <a:pPr marL="0" lvl="0" indent="0" algn="ctr" defTabSz="444500">
             <a:lnSpc>
               <a:spcPct val="90000"/>
             </a:lnSpc>
@@ -2201,12 +2144,12 @@
             <a:spcAft>
               <a:spcPct val="35000"/>
             </a:spcAft>
+            <a:buNone/>
           </a:pPr>
           <a:r>
-            <a:rPr lang="en-US" sz="1000" kern="1200" dirty="0" smtClean="0"/>
+            <a:rPr lang="en-US" sz="1000" kern="1200" dirty="0"/>
             <a:t>Incremental model</a:t>
           </a:r>
-          <a:endParaRPr lang="en-US" sz="1000" kern="1200" dirty="0"/>
         </a:p>
       </dsp:txBody>
       <dsp:txXfrm>
@@ -2269,7 +2212,7 @@
         </a:bodyPr>
         <a:lstStyle/>
         <a:p>
-          <a:pPr lvl="0" algn="ctr" defTabSz="444500">
+          <a:pPr marL="0" lvl="0" indent="0" algn="ctr" defTabSz="444500">
             <a:lnSpc>
               <a:spcPct val="90000"/>
             </a:lnSpc>
@@ -2279,12 +2222,12 @@
             <a:spcAft>
               <a:spcPct val="35000"/>
             </a:spcAft>
+            <a:buNone/>
           </a:pPr>
           <a:r>
-            <a:rPr lang="en-US" sz="1000" kern="1200" dirty="0" smtClean="0"/>
+            <a:rPr lang="en-US" sz="1000" kern="1200" dirty="0"/>
             <a:t>V model</a:t>
           </a:r>
-          <a:endParaRPr lang="en-US" sz="1000" kern="1200" dirty="0"/>
         </a:p>
       </dsp:txBody>
       <dsp:txXfrm>
@@ -2347,7 +2290,7 @@
         </a:bodyPr>
         <a:lstStyle/>
         <a:p>
-          <a:pPr lvl="0" algn="ctr" defTabSz="444500">
+          <a:pPr marL="0" lvl="0" indent="0" algn="ctr" defTabSz="444500">
             <a:lnSpc>
               <a:spcPct val="90000"/>
             </a:lnSpc>
@@ -2357,12 +2300,12 @@
             <a:spcAft>
               <a:spcPct val="35000"/>
             </a:spcAft>
+            <a:buNone/>
           </a:pPr>
           <a:r>
-            <a:rPr lang="en-US" sz="1000" kern="1200" dirty="0" smtClean="0"/>
+            <a:rPr lang="en-US" sz="1000" kern="1200" dirty="0"/>
             <a:t>Spiral model</a:t>
           </a:r>
-          <a:endParaRPr lang="en-US" sz="1000" kern="1200" dirty="0"/>
         </a:p>
       </dsp:txBody>
       <dsp:txXfrm>
@@ -3897,7 +3840,7 @@
           <a:p>
             <a:fld id="{70711676-1DE2-458B-90FC-D5D4D01EA265}" type="datetimeFigureOut">
               <a:rPr lang="en-US" smtClean="0"/>
-              <a:t>19|12|6</a:t>
+              <a:t>12/7/2019</a:t>
             </a:fld>
             <a:endParaRPr lang="en-US"/>
           </a:p>
@@ -3961,38 +3904,37 @@
           <a:p>
             <a:pPr lvl="0"/>
             <a:r>
-              <a:rPr lang="en-US" smtClean="0"/>
+              <a:rPr lang="en-US"/>
               <a:t>Click to edit Master text styles</a:t>
             </a:r>
           </a:p>
           <a:p>
             <a:pPr lvl="1"/>
             <a:r>
-              <a:rPr lang="en-US" smtClean="0"/>
+              <a:rPr lang="en-US"/>
               <a:t>Second level</a:t>
             </a:r>
           </a:p>
           <a:p>
             <a:pPr lvl="2"/>
             <a:r>
-              <a:rPr lang="en-US" smtClean="0"/>
+              <a:rPr lang="en-US"/>
               <a:t>Third level</a:t>
             </a:r>
           </a:p>
           <a:p>
             <a:pPr lvl="3"/>
             <a:r>
-              <a:rPr lang="en-US" smtClean="0"/>
+              <a:rPr lang="en-US"/>
               <a:t>Fourth level</a:t>
             </a:r>
           </a:p>
           <a:p>
             <a:pPr lvl="4"/>
             <a:r>
-              <a:rPr lang="en-US" smtClean="0"/>
+              <a:rPr lang="en-US"/>
               <a:t>Fifth level</a:t>
             </a:r>
-            <a:endParaRPr lang="en-US"/>
           </a:p>
         </p:txBody>
       </p:sp>
@@ -4210,10 +4152,9 @@
           <a:lstStyle/>
           <a:p>
             <a:r>
-              <a:rPr lang="en-US" dirty="0" smtClean="0"/>
+              <a:rPr lang="en-US" dirty="0"/>
               <a:t>START OF AASHISH! (RISE OF CONCEPT)</a:t>
             </a:r>
-            <a:endParaRPr lang="en-US" dirty="0"/>
           </a:p>
         </p:txBody>
       </p:sp>
@@ -4379,10 +4320,9 @@
           </a:lstStyle>
           <a:p>
             <a:r>
-              <a:rPr lang="en-US" smtClean="0"/>
+              <a:rPr lang="en-US"/>
               <a:t>Click to edit Master title style</a:t>
             </a:r>
-            <a:endParaRPr lang="en-US"/>
           </a:p>
         </p:txBody>
       </p:sp>
@@ -4444,10 +4384,9 @@
           </a:lstStyle>
           <a:p>
             <a:r>
-              <a:rPr lang="en-US" smtClean="0"/>
+              <a:rPr lang="en-US"/>
               <a:t>Click to edit Master subtitle style</a:t>
             </a:r>
-            <a:endParaRPr lang="en-US"/>
           </a:p>
         </p:txBody>
       </p:sp>
@@ -4468,7 +4407,7 @@
           <a:p>
             <a:fld id="{EF60C9F4-19BA-40F2-B011-90CF0A2B4916}" type="datetimeFigureOut">
               <a:rPr lang="en-US" smtClean="0"/>
-              <a:t>19|12|6</a:t>
+              <a:t>12/7/2019</a:t>
             </a:fld>
             <a:endParaRPr lang="en-US"/>
           </a:p>
@@ -4562,10 +4501,9 @@
           <a:lstStyle/>
           <a:p>
             <a:r>
-              <a:rPr lang="en-US" smtClean="0"/>
+              <a:rPr lang="en-US"/>
               <a:t>Click to edit Master title style</a:t>
             </a:r>
-            <a:endParaRPr lang="en-US"/>
           </a:p>
         </p:txBody>
       </p:sp>
@@ -4586,38 +4524,37 @@
           <a:p>
             <a:pPr lvl="0"/>
             <a:r>
-              <a:rPr lang="en-US" smtClean="0"/>
+              <a:rPr lang="en-US"/>
               <a:t>Click to edit Master text styles</a:t>
             </a:r>
           </a:p>
           <a:p>
             <a:pPr lvl="1"/>
             <a:r>
-              <a:rPr lang="en-US" smtClean="0"/>
+              <a:rPr lang="en-US"/>
               <a:t>Second level</a:t>
             </a:r>
           </a:p>
           <a:p>
             <a:pPr lvl="2"/>
             <a:r>
-              <a:rPr lang="en-US" smtClean="0"/>
+              <a:rPr lang="en-US"/>
               <a:t>Third level</a:t>
             </a:r>
           </a:p>
           <a:p>
             <a:pPr lvl="3"/>
             <a:r>
-              <a:rPr lang="en-US" smtClean="0"/>
+              <a:rPr lang="en-US"/>
               <a:t>Fourth level</a:t>
             </a:r>
           </a:p>
           <a:p>
             <a:pPr lvl="4"/>
             <a:r>
-              <a:rPr lang="en-US" smtClean="0"/>
+              <a:rPr lang="en-US"/>
               <a:t>Fifth level</a:t>
             </a:r>
-            <a:endParaRPr lang="en-US"/>
           </a:p>
         </p:txBody>
       </p:sp>
@@ -4638,7 +4575,7 @@
           <a:p>
             <a:fld id="{EF60C9F4-19BA-40F2-B011-90CF0A2B4916}" type="datetimeFigureOut">
               <a:rPr lang="en-US" smtClean="0"/>
-              <a:t>19|12|6</a:t>
+              <a:t>12/7/2019</a:t>
             </a:fld>
             <a:endParaRPr lang="en-US"/>
           </a:p>
@@ -4737,10 +4674,9 @@
           <a:lstStyle/>
           <a:p>
             <a:r>
-              <a:rPr lang="en-US" smtClean="0"/>
+              <a:rPr lang="en-US"/>
               <a:t>Click to edit Master title style</a:t>
             </a:r>
-            <a:endParaRPr lang="en-US"/>
           </a:p>
         </p:txBody>
       </p:sp>
@@ -4766,38 +4702,37 @@
           <a:p>
             <a:pPr lvl="0"/>
             <a:r>
-              <a:rPr lang="en-US" smtClean="0"/>
+              <a:rPr lang="en-US"/>
               <a:t>Click to edit Master text styles</a:t>
             </a:r>
           </a:p>
           <a:p>
             <a:pPr lvl="1"/>
             <a:r>
-              <a:rPr lang="en-US" smtClean="0"/>
+              <a:rPr lang="en-US"/>
               <a:t>Second level</a:t>
             </a:r>
           </a:p>
           <a:p>
             <a:pPr lvl="2"/>
             <a:r>
-              <a:rPr lang="en-US" smtClean="0"/>
+              <a:rPr lang="en-US"/>
               <a:t>Third level</a:t>
             </a:r>
           </a:p>
           <a:p>
             <a:pPr lvl="3"/>
             <a:r>
-              <a:rPr lang="en-US" smtClean="0"/>
+              <a:rPr lang="en-US"/>
               <a:t>Fourth level</a:t>
             </a:r>
           </a:p>
           <a:p>
             <a:pPr lvl="4"/>
             <a:r>
-              <a:rPr lang="en-US" smtClean="0"/>
+              <a:rPr lang="en-US"/>
               <a:t>Fifth level</a:t>
             </a:r>
-            <a:endParaRPr lang="en-US"/>
           </a:p>
         </p:txBody>
       </p:sp>
@@ -4818,7 +4753,7 @@
           <a:p>
             <a:fld id="{EF60C9F4-19BA-40F2-B011-90CF0A2B4916}" type="datetimeFigureOut">
               <a:rPr lang="en-US" smtClean="0"/>
-              <a:t>19|12|6</a:t>
+              <a:t>12/7/2019</a:t>
             </a:fld>
             <a:endParaRPr lang="en-US"/>
           </a:p>
@@ -4912,10 +4847,9 @@
           <a:lstStyle/>
           <a:p>
             <a:r>
-              <a:rPr lang="en-US" smtClean="0"/>
+              <a:rPr lang="en-US"/>
               <a:t>Click to edit Master title style</a:t>
             </a:r>
-            <a:endParaRPr lang="en-US"/>
           </a:p>
         </p:txBody>
       </p:sp>
@@ -4936,38 +4870,37 @@
           <a:p>
             <a:pPr lvl="0"/>
             <a:r>
-              <a:rPr lang="en-US" smtClean="0"/>
+              <a:rPr lang="en-US"/>
               <a:t>Click to edit Master text styles</a:t>
             </a:r>
           </a:p>
           <a:p>
             <a:pPr lvl="1"/>
             <a:r>
-              <a:rPr lang="en-US" smtClean="0"/>
+              <a:rPr lang="en-US"/>
               <a:t>Second level</a:t>
             </a:r>
           </a:p>
           <a:p>
             <a:pPr lvl="2"/>
             <a:r>
-              <a:rPr lang="en-US" smtClean="0"/>
+              <a:rPr lang="en-US"/>
               <a:t>Third level</a:t>
             </a:r>
           </a:p>
           <a:p>
             <a:pPr lvl="3"/>
             <a:r>
-              <a:rPr lang="en-US" smtClean="0"/>
+              <a:rPr lang="en-US"/>
               <a:t>Fourth level</a:t>
             </a:r>
           </a:p>
           <a:p>
             <a:pPr lvl="4"/>
             <a:r>
-              <a:rPr lang="en-US" smtClean="0"/>
+              <a:rPr lang="en-US"/>
               <a:t>Fifth level</a:t>
             </a:r>
-            <a:endParaRPr lang="en-US"/>
           </a:p>
         </p:txBody>
       </p:sp>
@@ -4988,7 +4921,7 @@
           <a:p>
             <a:fld id="{EF60C9F4-19BA-40F2-B011-90CF0A2B4916}" type="datetimeFigureOut">
               <a:rPr lang="en-US" smtClean="0"/>
-              <a:t>19|12|6</a:t>
+              <a:t>12/7/2019</a:t>
             </a:fld>
             <a:endParaRPr lang="en-US"/>
           </a:p>
@@ -5091,10 +5024,9 @@
           </a:lstStyle>
           <a:p>
             <a:r>
-              <a:rPr lang="en-US" smtClean="0"/>
+              <a:rPr lang="en-US"/>
               <a:t>Click to edit Master title style</a:t>
             </a:r>
-            <a:endParaRPr lang="en-US"/>
           </a:p>
         </p:txBody>
       </p:sp>
@@ -5211,7 +5143,7 @@
           <a:p>
             <a:pPr lvl="0"/>
             <a:r>
-              <a:rPr lang="en-US" smtClean="0"/>
+              <a:rPr lang="en-US"/>
               <a:t>Click to edit Master text styles</a:t>
             </a:r>
           </a:p>
@@ -5234,7 +5166,7 @@
           <a:p>
             <a:fld id="{EF60C9F4-19BA-40F2-B011-90CF0A2B4916}" type="datetimeFigureOut">
               <a:rPr lang="en-US" smtClean="0"/>
-              <a:t>19|12|6</a:t>
+              <a:t>12/7/2019</a:t>
             </a:fld>
             <a:endParaRPr lang="en-US"/>
           </a:p>
@@ -5328,10 +5260,9 @@
           <a:lstStyle/>
           <a:p>
             <a:r>
-              <a:rPr lang="en-US" smtClean="0"/>
+              <a:rPr lang="en-US"/>
               <a:t>Click to edit Master title style</a:t>
             </a:r>
-            <a:endParaRPr lang="en-US"/>
           </a:p>
         </p:txBody>
       </p:sp>
@@ -5357,38 +5288,37 @@
           <a:p>
             <a:pPr lvl="0"/>
             <a:r>
-              <a:rPr lang="en-US" smtClean="0"/>
+              <a:rPr lang="en-US"/>
               <a:t>Click to edit Master text styles</a:t>
             </a:r>
           </a:p>
           <a:p>
             <a:pPr lvl="1"/>
             <a:r>
-              <a:rPr lang="en-US" smtClean="0"/>
+              <a:rPr lang="en-US"/>
               <a:t>Second level</a:t>
             </a:r>
           </a:p>
           <a:p>
             <a:pPr lvl="2"/>
             <a:r>
-              <a:rPr lang="en-US" smtClean="0"/>
+              <a:rPr lang="en-US"/>
               <a:t>Third level</a:t>
             </a:r>
           </a:p>
           <a:p>
             <a:pPr lvl="3"/>
             <a:r>
-              <a:rPr lang="en-US" smtClean="0"/>
+              <a:rPr lang="en-US"/>
               <a:t>Fourth level</a:t>
             </a:r>
           </a:p>
           <a:p>
             <a:pPr lvl="4"/>
             <a:r>
-              <a:rPr lang="en-US" smtClean="0"/>
+              <a:rPr lang="en-US"/>
               <a:t>Fifth level</a:t>
             </a:r>
-            <a:endParaRPr lang="en-US"/>
           </a:p>
         </p:txBody>
       </p:sp>
@@ -5414,38 +5344,37 @@
           <a:p>
             <a:pPr lvl="0"/>
             <a:r>
-              <a:rPr lang="en-US" smtClean="0"/>
+              <a:rPr lang="en-US"/>
               <a:t>Click to edit Master text styles</a:t>
             </a:r>
           </a:p>
           <a:p>
             <a:pPr lvl="1"/>
             <a:r>
-              <a:rPr lang="en-US" smtClean="0"/>
+              <a:rPr lang="en-US"/>
               <a:t>Second level</a:t>
             </a:r>
           </a:p>
           <a:p>
             <a:pPr lvl="2"/>
             <a:r>
-              <a:rPr lang="en-US" smtClean="0"/>
+              <a:rPr lang="en-US"/>
               <a:t>Third level</a:t>
             </a:r>
           </a:p>
           <a:p>
             <a:pPr lvl="3"/>
             <a:r>
-              <a:rPr lang="en-US" smtClean="0"/>
+              <a:rPr lang="en-US"/>
               <a:t>Fourth level</a:t>
             </a:r>
           </a:p>
           <a:p>
             <a:pPr lvl="4"/>
             <a:r>
-              <a:rPr lang="en-US" smtClean="0"/>
+              <a:rPr lang="en-US"/>
               <a:t>Fifth level</a:t>
             </a:r>
-            <a:endParaRPr lang="en-US"/>
           </a:p>
         </p:txBody>
       </p:sp>
@@ -5466,7 +5395,7 @@
           <a:p>
             <a:fld id="{EF60C9F4-19BA-40F2-B011-90CF0A2B4916}" type="datetimeFigureOut">
               <a:rPr lang="en-US" smtClean="0"/>
-              <a:t>19|12|6</a:t>
+              <a:t>12/7/2019</a:t>
             </a:fld>
             <a:endParaRPr lang="en-US"/>
           </a:p>
@@ -5565,10 +5494,9 @@
           <a:lstStyle/>
           <a:p>
             <a:r>
-              <a:rPr lang="en-US" smtClean="0"/>
+              <a:rPr lang="en-US"/>
               <a:t>Click to edit Master title style</a:t>
             </a:r>
-            <a:endParaRPr lang="en-US"/>
           </a:p>
         </p:txBody>
       </p:sp>
@@ -5631,7 +5559,7 @@
           <a:p>
             <a:pPr lvl="0"/>
             <a:r>
-              <a:rPr lang="en-US" smtClean="0"/>
+              <a:rPr lang="en-US"/>
               <a:t>Click to edit Master text styles</a:t>
             </a:r>
           </a:p>
@@ -5659,38 +5587,37 @@
           <a:p>
             <a:pPr lvl="0"/>
             <a:r>
-              <a:rPr lang="en-US" smtClean="0"/>
+              <a:rPr lang="en-US"/>
               <a:t>Click to edit Master text styles</a:t>
             </a:r>
           </a:p>
           <a:p>
             <a:pPr lvl="1"/>
             <a:r>
-              <a:rPr lang="en-US" smtClean="0"/>
+              <a:rPr lang="en-US"/>
               <a:t>Second level</a:t>
             </a:r>
           </a:p>
           <a:p>
             <a:pPr lvl="2"/>
             <a:r>
-              <a:rPr lang="en-US" smtClean="0"/>
+              <a:rPr lang="en-US"/>
               <a:t>Third level</a:t>
             </a:r>
           </a:p>
           <a:p>
             <a:pPr lvl="3"/>
             <a:r>
-              <a:rPr lang="en-US" smtClean="0"/>
+              <a:rPr lang="en-US"/>
               <a:t>Fourth level</a:t>
             </a:r>
           </a:p>
           <a:p>
             <a:pPr lvl="4"/>
             <a:r>
-              <a:rPr lang="en-US" smtClean="0"/>
+              <a:rPr lang="en-US"/>
               <a:t>Fifth level</a:t>
             </a:r>
-            <a:endParaRPr lang="en-US"/>
           </a:p>
         </p:txBody>
       </p:sp>
@@ -5753,7 +5680,7 @@
           <a:p>
             <a:pPr lvl="0"/>
             <a:r>
-              <a:rPr lang="en-US" smtClean="0"/>
+              <a:rPr lang="en-US"/>
               <a:t>Click to edit Master text styles</a:t>
             </a:r>
           </a:p>
@@ -5781,38 +5708,37 @@
           <a:p>
             <a:pPr lvl="0"/>
             <a:r>
-              <a:rPr lang="en-US" smtClean="0"/>
+              <a:rPr lang="en-US"/>
               <a:t>Click to edit Master text styles</a:t>
             </a:r>
           </a:p>
           <a:p>
             <a:pPr lvl="1"/>
             <a:r>
-              <a:rPr lang="en-US" smtClean="0"/>
+              <a:rPr lang="en-US"/>
               <a:t>Second level</a:t>
             </a:r>
           </a:p>
           <a:p>
             <a:pPr lvl="2"/>
             <a:r>
-              <a:rPr lang="en-US" smtClean="0"/>
+              <a:rPr lang="en-US"/>
               <a:t>Third level</a:t>
             </a:r>
           </a:p>
           <a:p>
             <a:pPr lvl="3"/>
             <a:r>
-              <a:rPr lang="en-US" smtClean="0"/>
+              <a:rPr lang="en-US"/>
               <a:t>Fourth level</a:t>
             </a:r>
           </a:p>
           <a:p>
             <a:pPr lvl="4"/>
             <a:r>
-              <a:rPr lang="en-US" smtClean="0"/>
+              <a:rPr lang="en-US"/>
               <a:t>Fifth level</a:t>
             </a:r>
-            <a:endParaRPr lang="en-US"/>
           </a:p>
         </p:txBody>
       </p:sp>
@@ -5833,7 +5759,7 @@
           <a:p>
             <a:fld id="{EF60C9F4-19BA-40F2-B011-90CF0A2B4916}" type="datetimeFigureOut">
               <a:rPr lang="en-US" smtClean="0"/>
-              <a:t>19|12|6</a:t>
+              <a:t>12/7/2019</a:t>
             </a:fld>
             <a:endParaRPr lang="en-US"/>
           </a:p>
@@ -5927,10 +5853,9 @@
           <a:lstStyle/>
           <a:p>
             <a:r>
-              <a:rPr lang="en-US" smtClean="0"/>
+              <a:rPr lang="en-US"/>
               <a:t>Click to edit Master title style</a:t>
             </a:r>
-            <a:endParaRPr lang="en-US"/>
           </a:p>
         </p:txBody>
       </p:sp>
@@ -5951,7 +5876,7 @@
           <a:p>
             <a:fld id="{EF60C9F4-19BA-40F2-B011-90CF0A2B4916}" type="datetimeFigureOut">
               <a:rPr lang="en-US" smtClean="0"/>
-              <a:t>19|12|6</a:t>
+              <a:t>12/7/2019</a:t>
             </a:fld>
             <a:endParaRPr lang="en-US"/>
           </a:p>
@@ -6046,7 +5971,7 @@
           <a:p>
             <a:fld id="{EF60C9F4-19BA-40F2-B011-90CF0A2B4916}" type="datetimeFigureOut">
               <a:rPr lang="en-US" smtClean="0"/>
-              <a:t>19|12|6</a:t>
+              <a:t>12/7/2019</a:t>
             </a:fld>
             <a:endParaRPr lang="en-US"/>
           </a:p>
@@ -6149,10 +6074,9 @@
           </a:lstStyle>
           <a:p>
             <a:r>
-              <a:rPr lang="en-US" smtClean="0"/>
+              <a:rPr lang="en-US"/>
               <a:t>Click to edit Master title style</a:t>
             </a:r>
-            <a:endParaRPr lang="en-US"/>
           </a:p>
         </p:txBody>
       </p:sp>
@@ -6206,38 +6130,37 @@
           <a:p>
             <a:pPr lvl="0"/>
             <a:r>
-              <a:rPr lang="en-US" smtClean="0"/>
+              <a:rPr lang="en-US"/>
               <a:t>Click to edit Master text styles</a:t>
             </a:r>
           </a:p>
           <a:p>
             <a:pPr lvl="1"/>
             <a:r>
-              <a:rPr lang="en-US" smtClean="0"/>
+              <a:rPr lang="en-US"/>
               <a:t>Second level</a:t>
             </a:r>
           </a:p>
           <a:p>
             <a:pPr lvl="2"/>
             <a:r>
-              <a:rPr lang="en-US" smtClean="0"/>
+              <a:rPr lang="en-US"/>
               <a:t>Third level</a:t>
             </a:r>
           </a:p>
           <a:p>
             <a:pPr lvl="3"/>
             <a:r>
-              <a:rPr lang="en-US" smtClean="0"/>
+              <a:rPr lang="en-US"/>
               <a:t>Fourth level</a:t>
             </a:r>
           </a:p>
           <a:p>
             <a:pPr lvl="4"/>
             <a:r>
-              <a:rPr lang="en-US" smtClean="0"/>
+              <a:rPr lang="en-US"/>
               <a:t>Fifth level</a:t>
             </a:r>
-            <a:endParaRPr lang="en-US"/>
           </a:p>
         </p:txBody>
       </p:sp>
@@ -6300,7 +6223,7 @@
           <a:p>
             <a:pPr lvl="0"/>
             <a:r>
-              <a:rPr lang="en-US" smtClean="0"/>
+              <a:rPr lang="en-US"/>
               <a:t>Click to edit Master text styles</a:t>
             </a:r>
           </a:p>
@@ -6323,7 +6246,7 @@
           <a:p>
             <a:fld id="{EF60C9F4-19BA-40F2-B011-90CF0A2B4916}" type="datetimeFigureOut">
               <a:rPr lang="en-US" smtClean="0"/>
-              <a:t>19|12|6</a:t>
+              <a:t>12/7/2019</a:t>
             </a:fld>
             <a:endParaRPr lang="en-US"/>
           </a:p>
@@ -6426,10 +6349,9 @@
           </a:lstStyle>
           <a:p>
             <a:r>
-              <a:rPr lang="en-US" smtClean="0"/>
+              <a:rPr lang="en-US"/>
               <a:t>Click to edit Master title style</a:t>
             </a:r>
-            <a:endParaRPr lang="en-US"/>
           </a:p>
         </p:txBody>
       </p:sp>
@@ -6553,7 +6475,7 @@
           <a:p>
             <a:pPr lvl="0"/>
             <a:r>
-              <a:rPr lang="en-US" smtClean="0"/>
+              <a:rPr lang="en-US"/>
               <a:t>Click to edit Master text styles</a:t>
             </a:r>
           </a:p>
@@ -6576,7 +6498,7 @@
           <a:p>
             <a:fld id="{EF60C9F4-19BA-40F2-B011-90CF0A2B4916}" type="datetimeFigureOut">
               <a:rPr lang="en-US" smtClean="0"/>
-              <a:t>19|12|6</a:t>
+              <a:t>12/7/2019</a:t>
             </a:fld>
             <a:endParaRPr lang="en-US"/>
           </a:p>
@@ -6685,10 +6607,9 @@
           <a:lstStyle/>
           <a:p>
             <a:r>
-              <a:rPr lang="en-US" smtClean="0"/>
+              <a:rPr lang="en-US"/>
               <a:t>Click to edit Master title style</a:t>
             </a:r>
-            <a:endParaRPr lang="en-US"/>
           </a:p>
         </p:txBody>
       </p:sp>
@@ -6719,38 +6640,37 @@
           <a:p>
             <a:pPr lvl="0"/>
             <a:r>
-              <a:rPr lang="en-US" smtClean="0"/>
+              <a:rPr lang="en-US"/>
               <a:t>Click to edit Master text styles</a:t>
             </a:r>
           </a:p>
           <a:p>
             <a:pPr lvl="1"/>
             <a:r>
-              <a:rPr lang="en-US" smtClean="0"/>
+              <a:rPr lang="en-US"/>
               <a:t>Second level</a:t>
             </a:r>
           </a:p>
           <a:p>
             <a:pPr lvl="2"/>
             <a:r>
-              <a:rPr lang="en-US" smtClean="0"/>
+              <a:rPr lang="en-US"/>
               <a:t>Third level</a:t>
             </a:r>
           </a:p>
           <a:p>
             <a:pPr lvl="3"/>
             <a:r>
-              <a:rPr lang="en-US" smtClean="0"/>
+              <a:rPr lang="en-US"/>
               <a:t>Fourth level</a:t>
             </a:r>
           </a:p>
           <a:p>
             <a:pPr lvl="4"/>
             <a:r>
-              <a:rPr lang="en-US" smtClean="0"/>
+              <a:rPr lang="en-US"/>
               <a:t>Fifth level</a:t>
             </a:r>
-            <a:endParaRPr lang="en-US"/>
           </a:p>
         </p:txBody>
       </p:sp>
@@ -6789,7 +6709,7 @@
           <a:p>
             <a:fld id="{EF60C9F4-19BA-40F2-B011-90CF0A2B4916}" type="datetimeFigureOut">
               <a:rPr lang="en-US" smtClean="0"/>
-              <a:t>19|12|6</a:t>
+              <a:t>12/7/2019</a:t>
             </a:fld>
             <a:endParaRPr lang="en-US"/>
           </a:p>
@@ -7230,10 +7150,9 @@
           <a:lstStyle/>
           <a:p>
             <a:r>
-              <a:rPr lang="en-US" dirty="0" smtClean="0"/>
+              <a:rPr lang="en-US" dirty="0"/>
               <a:t>	Extreme Programming</a:t>
             </a:r>
-            <a:endParaRPr lang="en-US" dirty="0"/>
           </a:p>
         </p:txBody>
       </p:sp>
@@ -7263,7 +7182,7 @@
           <a:lstStyle/>
           <a:p>
             <a:r>
-              <a:rPr lang="en-US" dirty="0" smtClean="0">
+              <a:rPr lang="en-US" dirty="0">
                 <a:solidFill>
                   <a:schemeClr val="bg1"/>
                 </a:solidFill>
@@ -7277,7 +7196,7 @@
               <a:buChar char="-"/>
             </a:pPr>
             <a:r>
-              <a:rPr lang="en-US" dirty="0" smtClean="0">
+              <a:rPr lang="en-US" dirty="0">
                 <a:solidFill>
                   <a:schemeClr val="bg1"/>
                 </a:solidFill>
@@ -7291,7 +7210,7 @@
               <a:buChar char="-"/>
             </a:pPr>
             <a:r>
-              <a:rPr lang="en-US" dirty="0" err="1" smtClean="0">
+              <a:rPr lang="en-US" dirty="0" err="1">
                 <a:solidFill>
                   <a:schemeClr val="bg1"/>
                 </a:solidFill>
@@ -7299,7 +7218,7 @@
               <a:t>Asim</a:t>
             </a:r>
             <a:r>
-              <a:rPr lang="en-US" dirty="0" smtClean="0">
+              <a:rPr lang="en-US" dirty="0">
                 <a:solidFill>
                   <a:schemeClr val="bg1"/>
                 </a:solidFill>
@@ -7307,14 +7226,14 @@
               <a:t> </a:t>
             </a:r>
             <a:r>
-              <a:rPr lang="en-US" dirty="0" err="1" smtClean="0">
+              <a:rPr lang="en-US" dirty="0" err="1">
                 <a:solidFill>
                   <a:schemeClr val="bg1"/>
                 </a:solidFill>
               </a:rPr>
               <a:t>Aryal</a:t>
             </a:r>
-            <a:endParaRPr lang="en-US" dirty="0" smtClean="0">
+            <a:endParaRPr lang="en-US" dirty="0">
               <a:solidFill>
                 <a:schemeClr val="bg1"/>
               </a:solidFill>
@@ -7326,7 +7245,7 @@
               <a:buChar char="-"/>
             </a:pPr>
             <a:r>
-              <a:rPr lang="en-US" dirty="0" err="1" smtClean="0">
+              <a:rPr lang="en-US" dirty="0" err="1">
                 <a:solidFill>
                   <a:schemeClr val="bg1"/>
                 </a:solidFill>
@@ -7334,7 +7253,7 @@
               <a:t>Niroj</a:t>
             </a:r>
             <a:r>
-              <a:rPr lang="en-US" dirty="0" smtClean="0">
+              <a:rPr lang="en-US" dirty="0">
                 <a:solidFill>
                   <a:schemeClr val="bg1"/>
                 </a:solidFill>
@@ -7342,14 +7261,14 @@
               <a:t> </a:t>
             </a:r>
             <a:r>
-              <a:rPr lang="en-US" dirty="0" err="1" smtClean="0">
+              <a:rPr lang="en-US" dirty="0" err="1">
                 <a:solidFill>
                   <a:schemeClr val="bg1"/>
                 </a:solidFill>
               </a:rPr>
               <a:t>Bajracharya</a:t>
             </a:r>
-            <a:endParaRPr lang="en-US" dirty="0" smtClean="0">
+            <a:endParaRPr lang="en-US" dirty="0">
               <a:solidFill>
                 <a:schemeClr val="bg1"/>
               </a:solidFill>
@@ -7361,7 +7280,7 @@
               <a:buChar char="-"/>
             </a:pPr>
             <a:r>
-              <a:rPr lang="en-US" dirty="0" err="1" smtClean="0">
+              <a:rPr lang="en-US" dirty="0" err="1">
                 <a:solidFill>
                   <a:schemeClr val="bg1"/>
                 </a:solidFill>
@@ -7369,7 +7288,7 @@
               <a:t>Sudip</a:t>
             </a:r>
             <a:r>
-              <a:rPr lang="en-US" dirty="0" smtClean="0">
+              <a:rPr lang="en-US" dirty="0">
                 <a:solidFill>
                   <a:schemeClr val="bg1"/>
                 </a:solidFill>
@@ -7377,14 +7296,14 @@
               <a:t> </a:t>
             </a:r>
             <a:r>
-              <a:rPr lang="en-US" dirty="0" err="1" smtClean="0">
+              <a:rPr lang="en-US" dirty="0" err="1">
                 <a:solidFill>
                   <a:schemeClr val="bg1"/>
                 </a:solidFill>
               </a:rPr>
               <a:t>Gyawali</a:t>
             </a:r>
-            <a:endParaRPr lang="en-US" dirty="0" smtClean="0">
+            <a:endParaRPr lang="en-US" dirty="0">
               <a:solidFill>
                 <a:schemeClr val="bg1"/>
               </a:solidFill>
@@ -7409,13 +7328,6 @@
   <p:clrMapOvr>
     <a:masterClrMapping/>
   </p:clrMapOvr>
-  <p:timing>
-    <p:tnLst>
-      <p:par>
-        <p:cTn id="1" dur="indefinite" restart="never" nodeType="tmRoot"/>
-      </p:par>
-    </p:tnLst>
-  </p:timing>
 </p:sld>
 </file>
 
@@ -7452,10 +7364,9 @@
           <a:lstStyle/>
           <a:p>
             <a:r>
-              <a:rPr lang="en-US" dirty="0" smtClean="0"/>
+              <a:rPr lang="en-US" dirty="0"/>
               <a:t>Rise of Extreme Programming</a:t>
             </a:r>
-            <a:endParaRPr lang="en-US" dirty="0"/>
           </a:p>
         </p:txBody>
       </p:sp>
@@ -7480,10 +7391,9 @@
           <a:lstStyle/>
           <a:p>
             <a:r>
-              <a:rPr lang="en-US" dirty="0" smtClean="0"/>
+              <a:rPr lang="en-US" dirty="0"/>
               <a:t>In 1990s, Object Oriented Programming replaced procedural programming.</a:t>
             </a:r>
-            <a:endParaRPr lang="en-US" dirty="0"/>
           </a:p>
         </p:txBody>
       </p:sp>
@@ -7638,10 +7548,9 @@
           <a:lstStyle/>
           <a:p>
             <a:r>
-              <a:rPr lang="en-US" dirty="0" smtClean="0"/>
+              <a:rPr lang="en-US" dirty="0"/>
               <a:t>Rise of Extreme Programming</a:t>
             </a:r>
-            <a:endParaRPr lang="en-US" dirty="0"/>
           </a:p>
         </p:txBody>
       </p:sp>
@@ -7666,10 +7575,9 @@
           <a:lstStyle/>
           <a:p>
             <a:r>
-              <a:rPr lang="en-US" dirty="0" smtClean="0"/>
+              <a:rPr lang="en-US" dirty="0"/>
               <a:t>Internet changed the business requirement to rapidly changing.</a:t>
             </a:r>
-            <a:endParaRPr lang="en-US" dirty="0"/>
           </a:p>
         </p:txBody>
       </p:sp>
@@ -7724,10 +7632,9 @@
             <a:p>
               <a:pPr algn="ctr"/>
               <a:r>
-                <a:rPr lang="en-US" dirty="0" smtClean="0"/>
+                <a:rPr lang="en-US" dirty="0"/>
                 <a:t>Dot Com Bubble</a:t>
               </a:r>
-              <a:endParaRPr lang="en-US" dirty="0"/>
             </a:p>
           </p:txBody>
         </p:sp>
@@ -7787,7 +7694,7 @@
             <a:lstStyle/>
             <a:p>
               <a:r>
-                <a:rPr lang="en-US" sz="2800" dirty="0" smtClean="0"/>
+                <a:rPr lang="en-US" sz="2800" dirty="0"/>
                 <a:t>↑ Internet rose</a:t>
               </a:r>
               <a:endParaRPr lang="en-US" dirty="0"/>
@@ -7850,21 +7757,16 @@
             <a:lstStyle/>
             <a:p>
               <a:r>
-                <a:rPr lang="en-US" dirty="0" smtClean="0"/>
+                <a:rPr lang="en-US" dirty="0"/>
                 <a:t>Development</a:t>
               </a:r>
             </a:p>
             <a:p>
               <a:pPr algn="ctr"/>
               <a:r>
-                <a:rPr lang="en-US" dirty="0" smtClean="0"/>
-                <a:t>Time </a:t>
+                <a:rPr lang="en-US" dirty="0"/>
+                <a:t>Time ↓</a:t>
               </a:r>
-              <a:r>
-                <a:rPr lang="en-US" dirty="0"/>
-                <a:t>↓</a:t>
-              </a:r>
-              <a:endParaRPr lang="en-US" dirty="0"/>
             </a:p>
           </p:txBody>
         </p:sp>
@@ -7893,7 +7795,7 @@
           <a:p>
             <a:pPr algn="ctr"/>
             <a:r>
-              <a:rPr lang="en-US" sz="8000" b="1" cap="none" spc="0" dirty="0" smtClean="0">
+              <a:rPr lang="en-US" sz="8000" b="1" cap="none" spc="0" dirty="0">
                 <a:ln w="10160">
                   <a:solidFill>
                     <a:schemeClr val="accent5"/>
@@ -7913,24 +7815,6 @@
               </a:rPr>
               <a:t>KENT BECK</a:t>
             </a:r>
-            <a:endParaRPr lang="en-US" sz="8000" b="1" cap="none" spc="0" dirty="0">
-              <a:ln w="10160">
-                <a:solidFill>
-                  <a:schemeClr val="accent5"/>
-                </a:solidFill>
-                <a:prstDash val="solid"/>
-              </a:ln>
-              <a:solidFill>
-                <a:srgbClr val="FFFFFF"/>
-              </a:solidFill>
-              <a:effectLst>
-                <a:outerShdw blurRad="38100" dist="22860" dir="5400000" algn="tl" rotWithShape="0">
-                  <a:srgbClr val="000000">
-                    <a:alpha val="30000"/>
-                  </a:srgbClr>
-                </a:outerShdw>
-              </a:effectLst>
-            </a:endParaRPr>
           </a:p>
         </p:txBody>
       </p:sp>
@@ -8268,14 +8152,13 @@
           <a:lstStyle/>
           <a:p>
             <a:r>
-              <a:rPr lang="en-US" dirty="0" smtClean="0"/>
+              <a:rPr lang="en-US" dirty="0"/>
               <a:t>Extreme Programming (XP) - </a:t>
             </a:r>
             <a:r>
-              <a:rPr lang="en-US" b="1" dirty="0" smtClean="0"/>
+              <a:rPr lang="en-US" b="1" dirty="0"/>
               <a:t>Introduction</a:t>
             </a:r>
-            <a:endParaRPr lang="en-US" b="1" dirty="0"/>
           </a:p>
         </p:txBody>
       </p:sp>
@@ -8479,10 +8362,9 @@
                 </a:spcAft>
               </a:pPr>
               <a:r>
-                <a:rPr lang="en-US" sz="3000" kern="1200" dirty="0" smtClean="0"/>
+                <a:rPr lang="en-US" sz="3000" kern="1200" dirty="0"/>
                 <a:t>Agile model</a:t>
               </a:r>
-              <a:endParaRPr lang="en-US" sz="3000" kern="1200" dirty="0"/>
             </a:p>
           </p:txBody>
         </p:sp>
@@ -8598,10 +8480,9 @@
             <a:p>
               <a:pPr algn="ctr"/>
               <a:r>
-                <a:rPr lang="en-US" dirty="0" smtClean="0"/>
+                <a:rPr lang="en-US" dirty="0"/>
                 <a:t>XP</a:t>
               </a:r>
-              <a:endParaRPr lang="en-US" dirty="0"/>
             </a:p>
           </p:txBody>
         </p:sp>
@@ -8726,10 +8607,9 @@
                 </a:spcAft>
               </a:pPr>
               <a:r>
-                <a:rPr lang="en-US" sz="1400" b="1" kern="1200" dirty="0" smtClean="0"/>
+                <a:rPr lang="en-US" sz="1400" b="1" kern="1200" dirty="0"/>
                 <a:t>Extreme Programming</a:t>
               </a:r>
-              <a:endParaRPr lang="en-US" sz="1400" b="1" kern="1200" dirty="0"/>
             </a:p>
           </p:txBody>
         </p:sp>
@@ -8796,10 +8676,9 @@
             <a:p>
               <a:pPr algn="ctr"/>
               <a:r>
-                <a:rPr lang="en-US" dirty="0" smtClean="0"/>
+                <a:rPr lang="en-US" dirty="0"/>
                 <a:t>FDD</a:t>
               </a:r>
-              <a:endParaRPr lang="en-US" dirty="0"/>
             </a:p>
           </p:txBody>
         </p:sp>
@@ -8924,10 +8803,9 @@
                 </a:spcAft>
               </a:pPr>
               <a:r>
-                <a:rPr lang="en-US" sz="1400" kern="1200" dirty="0" smtClean="0"/>
+                <a:rPr lang="en-US" sz="1400" kern="1200" dirty="0"/>
                 <a:t>Feature Driven Development</a:t>
               </a:r>
-              <a:endParaRPr lang="en-US" sz="1400" kern="1200" dirty="0"/>
             </a:p>
           </p:txBody>
         </p:sp>
@@ -8994,10 +8872,9 @@
             <a:p>
               <a:pPr algn="ctr"/>
               <a:r>
-                <a:rPr lang="en-US" dirty="0" smtClean="0"/>
+                <a:rPr lang="en-US" dirty="0"/>
                 <a:t>ASD</a:t>
               </a:r>
-              <a:endParaRPr lang="en-US" dirty="0"/>
             </a:p>
           </p:txBody>
         </p:sp>
@@ -9122,10 +8999,9 @@
                 </a:spcAft>
               </a:pPr>
               <a:r>
-                <a:rPr lang="en-US" sz="1400" kern="1200" dirty="0" smtClean="0"/>
+                <a:rPr lang="en-US" sz="1400" kern="1200" dirty="0"/>
                 <a:t>Adaptive Software Development</a:t>
               </a:r>
-              <a:endParaRPr lang="en-US" sz="1400" kern="1200" dirty="0"/>
             </a:p>
           </p:txBody>
         </p:sp>
@@ -9900,14 +9776,13 @@
           <a:lstStyle/>
           <a:p>
             <a:r>
-              <a:rPr lang="en-US" dirty="0" smtClean="0"/>
+              <a:rPr lang="en-US" dirty="0"/>
               <a:t>Extreme Programming (XP) - </a:t>
             </a:r>
             <a:r>
-              <a:rPr lang="en-US" b="1" dirty="0" smtClean="0"/>
+              <a:rPr lang="en-US" b="1" dirty="0"/>
               <a:t>Introduction</a:t>
             </a:r>
-            <a:endParaRPr lang="en-US" b="1" dirty="0"/>
           </a:p>
         </p:txBody>
       </p:sp>
@@ -9918,9 +9793,9 @@
           <p:nvPr/>
         </p:nvSpPr>
         <p:spPr>
-          <a:xfrm>
-            <a:off x="577755" y="1577285"/>
-            <a:ext cx="11379784" cy="369332"/>
+          <a:xfrm rot="10800000" flipV="1">
+            <a:off x="1533004" y="3293655"/>
+            <a:ext cx="10764771" cy="521046"/>
           </a:xfrm>
           <a:prstGeom prst="rect">
             <a:avLst/>
@@ -9937,6 +9812,70 @@
               <a:buChar char="•"/>
             </a:pPr>
             <a:endParaRPr lang="en-US" dirty="0"/>
+          </a:p>
+        </p:txBody>
+      </p:sp>
+      <p:sp>
+        <p:nvSpPr>
+          <p:cNvPr id="5" name="TextBox 4">
+            <a:extLst>
+              <a:ext uri="{FF2B5EF4-FFF2-40B4-BE49-F238E27FC236}">
+                <a16:creationId xmlns:a16="http://schemas.microsoft.com/office/drawing/2014/main" id="{845BC587-C97E-5C40-ADA8-4F2558DF8CD7}"/>
+              </a:ext>
+            </a:extLst>
+          </p:cNvPr>
+          <p:cNvSpPr txBox="1"/>
+          <p:nvPr/>
+        </p:nvSpPr>
+        <p:spPr>
+          <a:xfrm>
+            <a:off x="352418" y="1541349"/>
+            <a:ext cx="12150988" cy="2677656"/>
+          </a:xfrm>
+          <a:prstGeom prst="rect">
+            <a:avLst/>
+          </a:prstGeom>
+          <a:noFill/>
+        </p:spPr>
+        <p:txBody>
+          <a:bodyPr wrap="square">
+            <a:spAutoFit/>
+          </a:bodyPr>
+          <a:lstStyle/>
+          <a:p>
+            <a:pPr marL="457200" indent="-457200">
+              <a:buFont typeface="Arial" panose="020B0604020202020204" pitchFamily="34" charset="0"/>
+              <a:buChar char="•"/>
+            </a:pPr>
+            <a:r>
+              <a:rPr lang="en-US" sz="2800"/>
+              <a:t>Extreme Programming can be defined as: software development model intended to improve software quality &amp; responsiveness to changing software requirements. </a:t>
+            </a:r>
+          </a:p>
+          <a:p>
+            <a:pPr marL="457200" indent="-457200">
+              <a:buFont typeface="Arial" panose="020B0604020202020204" pitchFamily="34" charset="0"/>
+              <a:buChar char="•"/>
+            </a:pPr>
+            <a:endParaRPr lang="en-US" sz="2800"/>
+          </a:p>
+          <a:p>
+            <a:pPr marL="457200" indent="-457200">
+              <a:buFont typeface="Arial" panose="020B0604020202020204" pitchFamily="34" charset="0"/>
+              <a:buChar char="•"/>
+            </a:pPr>
+            <a:r>
+              <a:rPr lang="en-US" sz="2800"/>
+              <a:t>In XP, there are </a:t>
+            </a:r>
+            <a:r>
+              <a:rPr lang="en-US" sz="2800" b="1"/>
+              <a:t>shorter software development cycles</a:t>
+            </a:r>
+            <a:r>
+              <a:rPr lang="en-US" sz="2800"/>
+              <a:t> where checkpoints can be incorporating new software requirements. </a:t>
+            </a:r>
           </a:p>
         </p:txBody>
       </p:sp>
@@ -9950,13 +9889,107 @@
   <p:clrMapOvr>
     <a:masterClrMapping/>
   </p:clrMapOvr>
-  <p:timing>
-    <p:tnLst>
-      <p:par>
-        <p:cTn id="1" dur="indefinite" restart="never" nodeType="tmRoot"/>
-      </p:par>
-    </p:tnLst>
-  </p:timing>
+</p:sld>
+</file>
+
+<file path=ppt/slides/slide6.xml><?xml version="1.0" encoding="utf-8"?>
+<p:sld xmlns:a="http://schemas.openxmlformats.org/drawingml/2006/main" xmlns:r="http://schemas.openxmlformats.org/officeDocument/2006/relationships" xmlns:p="http://schemas.openxmlformats.org/presentationml/2006/main">
+  <p:cSld>
+    <p:spTree>
+      <p:nvGrpSpPr>
+        <p:cNvPr id="1" name=""/>
+        <p:cNvGrpSpPr/>
+        <p:nvPr/>
+      </p:nvGrpSpPr>
+      <p:grpSpPr>
+        <a:xfrm>
+          <a:off x="0" y="0"/>
+          <a:ext cx="0" cy="0"/>
+          <a:chOff x="0" y="0"/>
+          <a:chExt cx="0" cy="0"/>
+        </a:xfrm>
+      </p:grpSpPr>
+      <p:sp>
+        <p:nvSpPr>
+          <p:cNvPr id="2" name="Title 1">
+            <a:extLst>
+              <a:ext uri="{FF2B5EF4-FFF2-40B4-BE49-F238E27FC236}">
+                <a16:creationId xmlns:a16="http://schemas.microsoft.com/office/drawing/2014/main" id="{C93B6084-F736-A941-B57C-DA4A0F990DB0}"/>
+              </a:ext>
+            </a:extLst>
+          </p:cNvPr>
+          <p:cNvSpPr>
+            <a:spLocks noGrp="1"/>
+          </p:cNvSpPr>
+          <p:nvPr>
+            <p:ph type="title"/>
+          </p:nvPr>
+        </p:nvSpPr>
+        <p:spPr>
+          <a:xfrm>
+            <a:off x="129752" y="365125"/>
+            <a:ext cx="11224048" cy="1460500"/>
+          </a:xfrm>
+        </p:spPr>
+        <p:txBody>
+          <a:bodyPr/>
+          <a:lstStyle/>
+          <a:p>
+            <a:r>
+              <a:rPr lang="en-US"/>
+              <a:t>Extreme Programming (XP) - </a:t>
+            </a:r>
+            <a:r>
+              <a:rPr lang="en-US" b="1"/>
+              <a:t>Diagram</a:t>
+            </a:r>
+            <a:endParaRPr lang="en-US"/>
+          </a:p>
+        </p:txBody>
+      </p:sp>
+      <p:sp>
+        <p:nvSpPr>
+          <p:cNvPr id="6" name="TextBox 5">
+            <a:extLst>
+              <a:ext uri="{FF2B5EF4-FFF2-40B4-BE49-F238E27FC236}">
+                <a16:creationId xmlns:a16="http://schemas.microsoft.com/office/drawing/2014/main" id="{4E292BAC-9FB4-7241-A8BB-F0A7AC4E93FD}"/>
+              </a:ext>
+            </a:extLst>
+          </p:cNvPr>
+          <p:cNvSpPr txBox="1"/>
+          <p:nvPr/>
+        </p:nvSpPr>
+        <p:spPr>
+          <a:xfrm>
+            <a:off x="5124980" y="2512241"/>
+            <a:ext cx="1828800" cy="1828800"/>
+          </a:xfrm>
+          <a:prstGeom prst="rect">
+            <a:avLst/>
+          </a:prstGeom>
+          <a:noFill/>
+        </p:spPr>
+        <p:txBody>
+          <a:bodyPr wrap="square" rtlCol="0">
+            <a:spAutoFit/>
+          </a:bodyPr>
+          <a:lstStyle/>
+          <a:p>
+            <a:pPr algn="l"/>
+            <a:endParaRPr lang="en-US"/>
+          </a:p>
+        </p:txBody>
+      </p:sp>
+    </p:spTree>
+    <p:extLst>
+      <p:ext uri="{BB962C8B-B14F-4D97-AF65-F5344CB8AC3E}">
+        <p14:creationId xmlns:p14="http://schemas.microsoft.com/office/powerpoint/2010/main" val="1286191198"/>
+      </p:ext>
+    </p:extLst>
+  </p:cSld>
+  <p:clrMapOvr>
+    <a:masterClrMapping/>
+  </p:clrMapOvr>
 </p:sld>
 </file>
 

--- a/extreme_programming.pptx
+++ b/extreme_programming.pptx
@@ -5,15 +5,18 @@
     <p:sldMasterId id="2147483648" r:id="rId1"/>
   </p:sldMasterIdLst>
   <p:notesMasterIdLst>
-    <p:notesMasterId r:id="rId8"/>
+    <p:notesMasterId r:id="rId11"/>
   </p:notesMasterIdLst>
   <p:sldIdLst>
     <p:sldId id="256" r:id="rId2"/>
     <p:sldId id="257" r:id="rId3"/>
     <p:sldId id="258" r:id="rId4"/>
-    <p:sldId id="259" r:id="rId5"/>
-    <p:sldId id="260" r:id="rId6"/>
-    <p:sldId id="261" r:id="rId7"/>
+    <p:sldId id="262" r:id="rId5"/>
+    <p:sldId id="259" r:id="rId6"/>
+    <p:sldId id="260" r:id="rId7"/>
+    <p:sldId id="261" r:id="rId8"/>
+    <p:sldId id="263" r:id="rId9"/>
+    <p:sldId id="264" r:id="rId10"/>
   </p:sldIdLst>
   <p:sldSz cx="12192000" cy="6858000"/>
   <p:notesSz cx="6858000" cy="9144000"/>
@@ -121,6 +124,753 @@
 </file>
 
 <file path=ppt/diagrams/colors1.xml><?xml version="1.0" encoding="utf-8"?>
+<dgm:colorsDef xmlns:dgm="http://schemas.openxmlformats.org/drawingml/2006/diagram" xmlns:a="http://schemas.openxmlformats.org/drawingml/2006/main" uniqueId="urn:microsoft.com/office/officeart/2005/8/colors/accent1_2">
+  <dgm:title val=""/>
+  <dgm:desc val=""/>
+  <dgm:catLst>
+    <dgm:cat type="accent1" pri="11200"/>
+  </dgm:catLst>
+  <dgm:styleLbl name="node0">
+    <dgm:fillClrLst meth="repeat">
+      <a:schemeClr val="accent1"/>
+    </dgm:fillClrLst>
+    <dgm:linClrLst meth="repeat">
+      <a:schemeClr val="lt1"/>
+    </dgm:linClrLst>
+    <dgm:effectClrLst/>
+    <dgm:txLinClrLst/>
+    <dgm:txFillClrLst/>
+    <dgm:txEffectClrLst/>
+  </dgm:styleLbl>
+  <dgm:styleLbl name="alignNode1">
+    <dgm:fillClrLst meth="repeat">
+      <a:schemeClr val="accent1"/>
+    </dgm:fillClrLst>
+    <dgm:linClrLst meth="repeat">
+      <a:schemeClr val="accent1"/>
+    </dgm:linClrLst>
+    <dgm:effectClrLst/>
+    <dgm:txLinClrLst/>
+    <dgm:txFillClrLst/>
+    <dgm:txEffectClrLst/>
+  </dgm:styleLbl>
+  <dgm:styleLbl name="node1">
+    <dgm:fillClrLst meth="repeat">
+      <a:schemeClr val="accent1"/>
+    </dgm:fillClrLst>
+    <dgm:linClrLst meth="repeat">
+      <a:schemeClr val="lt1"/>
+    </dgm:linClrLst>
+    <dgm:effectClrLst/>
+    <dgm:txLinClrLst/>
+    <dgm:txFillClrLst/>
+    <dgm:txEffectClrLst/>
+  </dgm:styleLbl>
+  <dgm:styleLbl name="lnNode1">
+    <dgm:fillClrLst meth="repeat">
+      <a:schemeClr val="accent1"/>
+    </dgm:fillClrLst>
+    <dgm:linClrLst meth="repeat">
+      <a:schemeClr val="lt1"/>
+    </dgm:linClrLst>
+    <dgm:effectClrLst/>
+    <dgm:txLinClrLst/>
+    <dgm:txFillClrLst/>
+    <dgm:txEffectClrLst/>
+  </dgm:styleLbl>
+  <dgm:styleLbl name="vennNode1">
+    <dgm:fillClrLst meth="repeat">
+      <a:schemeClr val="accent1">
+        <a:alpha val="50000"/>
+      </a:schemeClr>
+    </dgm:fillClrLst>
+    <dgm:linClrLst meth="repeat">
+      <a:schemeClr val="lt1"/>
+    </dgm:linClrLst>
+    <dgm:effectClrLst/>
+    <dgm:txLinClrLst/>
+    <dgm:txFillClrLst/>
+    <dgm:txEffectClrLst/>
+  </dgm:styleLbl>
+  <dgm:styleLbl name="node2">
+    <dgm:fillClrLst meth="repeat">
+      <a:schemeClr val="accent1"/>
+    </dgm:fillClrLst>
+    <dgm:linClrLst meth="repeat">
+      <a:schemeClr val="lt1"/>
+    </dgm:linClrLst>
+    <dgm:effectClrLst/>
+    <dgm:txLinClrLst/>
+    <dgm:txFillClrLst/>
+    <dgm:txEffectClrLst/>
+  </dgm:styleLbl>
+  <dgm:styleLbl name="node3">
+    <dgm:fillClrLst meth="repeat">
+      <a:schemeClr val="accent1"/>
+    </dgm:fillClrLst>
+    <dgm:linClrLst meth="repeat">
+      <a:schemeClr val="lt1"/>
+    </dgm:linClrLst>
+    <dgm:effectClrLst/>
+    <dgm:txLinClrLst/>
+    <dgm:txFillClrLst/>
+    <dgm:txEffectClrLst/>
+  </dgm:styleLbl>
+  <dgm:styleLbl name="node4">
+    <dgm:fillClrLst meth="repeat">
+      <a:schemeClr val="accent1"/>
+    </dgm:fillClrLst>
+    <dgm:linClrLst meth="repeat">
+      <a:schemeClr val="lt1"/>
+    </dgm:linClrLst>
+    <dgm:effectClrLst/>
+    <dgm:txLinClrLst/>
+    <dgm:txFillClrLst/>
+    <dgm:txEffectClrLst/>
+  </dgm:styleLbl>
+  <dgm:styleLbl name="fgImgPlace1">
+    <dgm:fillClrLst meth="repeat">
+      <a:schemeClr val="accent1">
+        <a:tint val="50000"/>
+      </a:schemeClr>
+    </dgm:fillClrLst>
+    <dgm:linClrLst meth="repeat">
+      <a:schemeClr val="lt1"/>
+    </dgm:linClrLst>
+    <dgm:effectClrLst/>
+    <dgm:txLinClrLst/>
+    <dgm:txFillClrLst meth="repeat">
+      <a:schemeClr val="lt1"/>
+    </dgm:txFillClrLst>
+    <dgm:txEffectClrLst/>
+  </dgm:styleLbl>
+  <dgm:styleLbl name="alignImgPlace1">
+    <dgm:fillClrLst meth="repeat">
+      <a:schemeClr val="accent1">
+        <a:tint val="50000"/>
+      </a:schemeClr>
+    </dgm:fillClrLst>
+    <dgm:linClrLst meth="repeat">
+      <a:schemeClr val="lt1"/>
+    </dgm:linClrLst>
+    <dgm:effectClrLst/>
+    <dgm:txLinClrLst/>
+    <dgm:txFillClrLst meth="repeat">
+      <a:schemeClr val="lt1"/>
+    </dgm:txFillClrLst>
+    <dgm:txEffectClrLst/>
+  </dgm:styleLbl>
+  <dgm:styleLbl name="bgImgPlace1">
+    <dgm:fillClrLst meth="repeat">
+      <a:schemeClr val="accent1">
+        <a:tint val="50000"/>
+      </a:schemeClr>
+    </dgm:fillClrLst>
+    <dgm:linClrLst meth="repeat">
+      <a:schemeClr val="lt1"/>
+    </dgm:linClrLst>
+    <dgm:effectClrLst/>
+    <dgm:txLinClrLst/>
+    <dgm:txFillClrLst meth="repeat">
+      <a:schemeClr val="lt1"/>
+    </dgm:txFillClrLst>
+    <dgm:txEffectClrLst/>
+  </dgm:styleLbl>
+  <dgm:styleLbl name="sibTrans2D1">
+    <dgm:fillClrLst meth="repeat">
+      <a:schemeClr val="accent1">
+        <a:tint val="60000"/>
+      </a:schemeClr>
+    </dgm:fillClrLst>
+    <dgm:linClrLst meth="repeat">
+      <a:schemeClr val="accent1">
+        <a:tint val="60000"/>
+      </a:schemeClr>
+    </dgm:linClrLst>
+    <dgm:effectClrLst/>
+    <dgm:txLinClrLst/>
+    <dgm:txFillClrLst/>
+    <dgm:txEffectClrLst/>
+  </dgm:styleLbl>
+  <dgm:styleLbl name="fgSibTrans2D1">
+    <dgm:fillClrLst meth="repeat">
+      <a:schemeClr val="accent1">
+        <a:tint val="60000"/>
+      </a:schemeClr>
+    </dgm:fillClrLst>
+    <dgm:linClrLst meth="repeat">
+      <a:schemeClr val="accent1">
+        <a:tint val="60000"/>
+      </a:schemeClr>
+    </dgm:linClrLst>
+    <dgm:effectClrLst/>
+    <dgm:txLinClrLst/>
+    <dgm:txFillClrLst/>
+    <dgm:txEffectClrLst/>
+  </dgm:styleLbl>
+  <dgm:styleLbl name="bgSibTrans2D1">
+    <dgm:fillClrLst meth="repeat">
+      <a:schemeClr val="accent1">
+        <a:tint val="60000"/>
+      </a:schemeClr>
+    </dgm:fillClrLst>
+    <dgm:linClrLst meth="repeat">
+      <a:schemeClr val="accent1">
+        <a:tint val="60000"/>
+      </a:schemeClr>
+    </dgm:linClrLst>
+    <dgm:effectClrLst/>
+    <dgm:txLinClrLst/>
+    <dgm:txFillClrLst/>
+    <dgm:txEffectClrLst/>
+  </dgm:styleLbl>
+  <dgm:styleLbl name="sibTrans1D1">
+    <dgm:fillClrLst meth="repeat">
+      <a:schemeClr val="accent1"/>
+    </dgm:fillClrLst>
+    <dgm:linClrLst meth="repeat">
+      <a:schemeClr val="accent1"/>
+    </dgm:linClrLst>
+    <dgm:effectClrLst/>
+    <dgm:txLinClrLst/>
+    <dgm:txFillClrLst meth="repeat">
+      <a:schemeClr val="tx1"/>
+    </dgm:txFillClrLst>
+    <dgm:txEffectClrLst/>
+  </dgm:styleLbl>
+  <dgm:styleLbl name="callout">
+    <dgm:fillClrLst meth="repeat">
+      <a:schemeClr val="accent1"/>
+    </dgm:fillClrLst>
+    <dgm:linClrLst meth="repeat">
+      <a:schemeClr val="accent1">
+        <a:tint val="50000"/>
+      </a:schemeClr>
+    </dgm:linClrLst>
+    <dgm:effectClrLst/>
+    <dgm:txLinClrLst/>
+    <dgm:txFillClrLst meth="repeat">
+      <a:schemeClr val="tx1"/>
+    </dgm:txFillClrLst>
+    <dgm:txEffectClrLst/>
+  </dgm:styleLbl>
+  <dgm:styleLbl name="asst0">
+    <dgm:fillClrLst meth="repeat">
+      <a:schemeClr val="accent1"/>
+    </dgm:fillClrLst>
+    <dgm:linClrLst meth="repeat">
+      <a:schemeClr val="lt1"/>
+    </dgm:linClrLst>
+    <dgm:effectClrLst/>
+    <dgm:txLinClrLst/>
+    <dgm:txFillClrLst/>
+    <dgm:txEffectClrLst/>
+  </dgm:styleLbl>
+  <dgm:styleLbl name="asst1">
+    <dgm:fillClrLst meth="repeat">
+      <a:schemeClr val="accent1"/>
+    </dgm:fillClrLst>
+    <dgm:linClrLst meth="repeat">
+      <a:schemeClr val="lt1"/>
+    </dgm:linClrLst>
+    <dgm:effectClrLst/>
+    <dgm:txLinClrLst/>
+    <dgm:txFillClrLst/>
+    <dgm:txEffectClrLst/>
+  </dgm:styleLbl>
+  <dgm:styleLbl name="asst2">
+    <dgm:fillClrLst meth="repeat">
+      <a:schemeClr val="accent1"/>
+    </dgm:fillClrLst>
+    <dgm:linClrLst meth="repeat">
+      <a:schemeClr val="lt1"/>
+    </dgm:linClrLst>
+    <dgm:effectClrLst/>
+    <dgm:txLinClrLst/>
+    <dgm:txFillClrLst/>
+    <dgm:txEffectClrLst/>
+  </dgm:styleLbl>
+  <dgm:styleLbl name="asst3">
+    <dgm:fillClrLst meth="repeat">
+      <a:schemeClr val="accent1"/>
+    </dgm:fillClrLst>
+    <dgm:linClrLst meth="repeat">
+      <a:schemeClr val="lt1"/>
+    </dgm:linClrLst>
+    <dgm:effectClrLst/>
+    <dgm:txLinClrLst/>
+    <dgm:txFillClrLst/>
+    <dgm:txEffectClrLst/>
+  </dgm:styleLbl>
+  <dgm:styleLbl name="asst4">
+    <dgm:fillClrLst meth="repeat">
+      <a:schemeClr val="accent1"/>
+    </dgm:fillClrLst>
+    <dgm:linClrLst meth="repeat">
+      <a:schemeClr val="lt1"/>
+    </dgm:linClrLst>
+    <dgm:effectClrLst/>
+    <dgm:txLinClrLst/>
+    <dgm:txFillClrLst/>
+    <dgm:txEffectClrLst/>
+  </dgm:styleLbl>
+  <dgm:styleLbl name="parChTrans2D1">
+    <dgm:fillClrLst meth="repeat">
+      <a:schemeClr val="accent1">
+        <a:tint val="60000"/>
+      </a:schemeClr>
+    </dgm:fillClrLst>
+    <dgm:linClrLst meth="repeat">
+      <a:schemeClr val="accent1">
+        <a:tint val="60000"/>
+      </a:schemeClr>
+    </dgm:linClrLst>
+    <dgm:effectClrLst/>
+    <dgm:txLinClrLst/>
+    <dgm:txFillClrLst meth="repeat">
+      <a:schemeClr val="lt1"/>
+    </dgm:txFillClrLst>
+    <dgm:txEffectClrLst/>
+  </dgm:styleLbl>
+  <dgm:styleLbl name="parChTrans2D2">
+    <dgm:fillClrLst meth="repeat">
+      <a:schemeClr val="accent1"/>
+    </dgm:fillClrLst>
+    <dgm:linClrLst meth="repeat">
+      <a:schemeClr val="accent1"/>
+    </dgm:linClrLst>
+    <dgm:effectClrLst/>
+    <dgm:txLinClrLst/>
+    <dgm:txFillClrLst meth="repeat">
+      <a:schemeClr val="lt1"/>
+    </dgm:txFillClrLst>
+    <dgm:txEffectClrLst/>
+  </dgm:styleLbl>
+  <dgm:styleLbl name="parChTrans2D3">
+    <dgm:fillClrLst meth="repeat">
+      <a:schemeClr val="accent1"/>
+    </dgm:fillClrLst>
+    <dgm:linClrLst meth="repeat">
+      <a:schemeClr val="accent1"/>
+    </dgm:linClrLst>
+    <dgm:effectClrLst/>
+    <dgm:txLinClrLst/>
+    <dgm:txFillClrLst meth="repeat">
+      <a:schemeClr val="lt1"/>
+    </dgm:txFillClrLst>
+    <dgm:txEffectClrLst/>
+  </dgm:styleLbl>
+  <dgm:styleLbl name="parChTrans2D4">
+    <dgm:fillClrLst meth="repeat">
+      <a:schemeClr val="accent1"/>
+    </dgm:fillClrLst>
+    <dgm:linClrLst meth="repeat">
+      <a:schemeClr val="accent1"/>
+    </dgm:linClrLst>
+    <dgm:effectClrLst/>
+    <dgm:txLinClrLst/>
+    <dgm:txFillClrLst meth="repeat">
+      <a:schemeClr val="lt1"/>
+    </dgm:txFillClrLst>
+    <dgm:txEffectClrLst/>
+  </dgm:styleLbl>
+  <dgm:styleLbl name="parChTrans1D1">
+    <dgm:fillClrLst meth="repeat">
+      <a:schemeClr val="accent1"/>
+    </dgm:fillClrLst>
+    <dgm:linClrLst meth="repeat">
+      <a:schemeClr val="accent1">
+        <a:shade val="60000"/>
+      </a:schemeClr>
+    </dgm:linClrLst>
+    <dgm:effectClrLst/>
+    <dgm:txLinClrLst/>
+    <dgm:txFillClrLst meth="repeat">
+      <a:schemeClr val="tx1"/>
+    </dgm:txFillClrLst>
+    <dgm:txEffectClrLst/>
+  </dgm:styleLbl>
+  <dgm:styleLbl name="parChTrans1D2">
+    <dgm:fillClrLst meth="repeat">
+      <a:schemeClr val="accent1"/>
+    </dgm:fillClrLst>
+    <dgm:linClrLst meth="repeat">
+      <a:schemeClr val="accent1">
+        <a:shade val="60000"/>
+      </a:schemeClr>
+    </dgm:linClrLst>
+    <dgm:effectClrLst/>
+    <dgm:txLinClrLst/>
+    <dgm:txFillClrLst meth="repeat">
+      <a:schemeClr val="tx1"/>
+    </dgm:txFillClrLst>
+    <dgm:txEffectClrLst/>
+  </dgm:styleLbl>
+  <dgm:styleLbl name="parChTrans1D3">
+    <dgm:fillClrLst meth="repeat">
+      <a:schemeClr val="accent1"/>
+    </dgm:fillClrLst>
+    <dgm:linClrLst meth="repeat">
+      <a:schemeClr val="accent1">
+        <a:shade val="80000"/>
+      </a:schemeClr>
+    </dgm:linClrLst>
+    <dgm:effectClrLst/>
+    <dgm:txLinClrLst/>
+    <dgm:txFillClrLst meth="repeat">
+      <a:schemeClr val="tx1"/>
+    </dgm:txFillClrLst>
+    <dgm:txEffectClrLst/>
+  </dgm:styleLbl>
+  <dgm:styleLbl name="parChTrans1D4">
+    <dgm:fillClrLst meth="repeat">
+      <a:schemeClr val="accent1"/>
+    </dgm:fillClrLst>
+    <dgm:linClrLst meth="repeat">
+      <a:schemeClr val="accent1">
+        <a:shade val="80000"/>
+      </a:schemeClr>
+    </dgm:linClrLst>
+    <dgm:effectClrLst/>
+    <dgm:txLinClrLst/>
+    <dgm:txFillClrLst meth="repeat">
+      <a:schemeClr val="tx1"/>
+    </dgm:txFillClrLst>
+    <dgm:txEffectClrLst/>
+  </dgm:styleLbl>
+  <dgm:styleLbl name="fgAcc1">
+    <dgm:fillClrLst meth="repeat">
+      <a:schemeClr val="lt1">
+        <a:alpha val="90000"/>
+      </a:schemeClr>
+    </dgm:fillClrLst>
+    <dgm:linClrLst meth="repeat">
+      <a:schemeClr val="accent1"/>
+    </dgm:linClrLst>
+    <dgm:effectClrLst/>
+    <dgm:txLinClrLst/>
+    <dgm:txFillClrLst meth="repeat">
+      <a:schemeClr val="dk1"/>
+    </dgm:txFillClrLst>
+    <dgm:txEffectClrLst/>
+  </dgm:styleLbl>
+  <dgm:styleLbl name="conFgAcc1">
+    <dgm:fillClrLst meth="repeat">
+      <a:schemeClr val="lt1">
+        <a:alpha val="90000"/>
+      </a:schemeClr>
+    </dgm:fillClrLst>
+    <dgm:linClrLst meth="repeat">
+      <a:schemeClr val="accent1"/>
+    </dgm:linClrLst>
+    <dgm:effectClrLst/>
+    <dgm:txLinClrLst/>
+    <dgm:txFillClrLst meth="repeat">
+      <a:schemeClr val="dk1"/>
+    </dgm:txFillClrLst>
+    <dgm:txEffectClrLst/>
+  </dgm:styleLbl>
+  <dgm:styleLbl name="alignAcc1">
+    <dgm:fillClrLst meth="repeat">
+      <a:schemeClr val="lt1">
+        <a:alpha val="90000"/>
+      </a:schemeClr>
+    </dgm:fillClrLst>
+    <dgm:linClrLst meth="repeat">
+      <a:schemeClr val="accent1"/>
+    </dgm:linClrLst>
+    <dgm:effectClrLst/>
+    <dgm:txLinClrLst/>
+    <dgm:txFillClrLst meth="repeat">
+      <a:schemeClr val="dk1"/>
+    </dgm:txFillClrLst>
+    <dgm:txEffectClrLst/>
+  </dgm:styleLbl>
+  <dgm:styleLbl name="trAlignAcc1">
+    <dgm:fillClrLst meth="repeat">
+      <a:schemeClr val="lt1">
+        <a:alpha val="40000"/>
+      </a:schemeClr>
+    </dgm:fillClrLst>
+    <dgm:linClrLst meth="repeat">
+      <a:schemeClr val="accent1"/>
+    </dgm:linClrLst>
+    <dgm:effectClrLst/>
+    <dgm:txLinClrLst/>
+    <dgm:txFillClrLst meth="repeat">
+      <a:schemeClr val="dk1"/>
+    </dgm:txFillClrLst>
+    <dgm:txEffectClrLst/>
+  </dgm:styleLbl>
+  <dgm:styleLbl name="bgAcc1">
+    <dgm:fillClrLst meth="repeat">
+      <a:schemeClr val="lt1">
+        <a:alpha val="90000"/>
+      </a:schemeClr>
+    </dgm:fillClrLst>
+    <dgm:linClrLst meth="repeat">
+      <a:schemeClr val="accent1"/>
+    </dgm:linClrLst>
+    <dgm:effectClrLst/>
+    <dgm:txLinClrLst/>
+    <dgm:txFillClrLst meth="repeat">
+      <a:schemeClr val="dk1"/>
+    </dgm:txFillClrLst>
+    <dgm:txEffectClrLst/>
+  </dgm:styleLbl>
+  <dgm:styleLbl name="solidFgAcc1">
+    <dgm:fillClrLst meth="repeat">
+      <a:schemeClr val="lt1"/>
+    </dgm:fillClrLst>
+    <dgm:linClrLst meth="repeat">
+      <a:schemeClr val="accent1"/>
+    </dgm:linClrLst>
+    <dgm:effectClrLst/>
+    <dgm:txLinClrLst/>
+    <dgm:txFillClrLst meth="repeat">
+      <a:schemeClr val="dk1"/>
+    </dgm:txFillClrLst>
+    <dgm:txEffectClrLst/>
+  </dgm:styleLbl>
+  <dgm:styleLbl name="solidAlignAcc1">
+    <dgm:fillClrLst meth="repeat">
+      <a:schemeClr val="lt1"/>
+    </dgm:fillClrLst>
+    <dgm:linClrLst meth="repeat">
+      <a:schemeClr val="accent1"/>
+    </dgm:linClrLst>
+    <dgm:effectClrLst/>
+    <dgm:txLinClrLst/>
+    <dgm:txFillClrLst meth="repeat">
+      <a:schemeClr val="dk1"/>
+    </dgm:txFillClrLst>
+    <dgm:txEffectClrLst/>
+  </dgm:styleLbl>
+  <dgm:styleLbl name="solidBgAcc1">
+    <dgm:fillClrLst meth="repeat">
+      <a:schemeClr val="lt1"/>
+    </dgm:fillClrLst>
+    <dgm:linClrLst meth="repeat">
+      <a:schemeClr val="accent1"/>
+    </dgm:linClrLst>
+    <dgm:effectClrLst/>
+    <dgm:txLinClrLst/>
+    <dgm:txFillClrLst meth="repeat">
+      <a:schemeClr val="dk1"/>
+    </dgm:txFillClrLst>
+    <dgm:txEffectClrLst/>
+  </dgm:styleLbl>
+  <dgm:styleLbl name="fgAccFollowNode1">
+    <dgm:fillClrLst meth="repeat">
+      <a:schemeClr val="accent1">
+        <a:alpha val="90000"/>
+        <a:tint val="40000"/>
+      </a:schemeClr>
+    </dgm:fillClrLst>
+    <dgm:linClrLst meth="repeat">
+      <a:schemeClr val="accent1">
+        <a:alpha val="90000"/>
+        <a:tint val="40000"/>
+      </a:schemeClr>
+    </dgm:linClrLst>
+    <dgm:effectClrLst/>
+    <dgm:txLinClrLst/>
+    <dgm:txFillClrLst meth="repeat">
+      <a:schemeClr val="dk1"/>
+    </dgm:txFillClrLst>
+    <dgm:txEffectClrLst/>
+  </dgm:styleLbl>
+  <dgm:styleLbl name="alignAccFollowNode1">
+    <dgm:fillClrLst meth="repeat">
+      <a:schemeClr val="accent1">
+        <a:alpha val="90000"/>
+        <a:tint val="40000"/>
+      </a:schemeClr>
+    </dgm:fillClrLst>
+    <dgm:linClrLst meth="repeat">
+      <a:schemeClr val="accent1">
+        <a:alpha val="90000"/>
+        <a:tint val="40000"/>
+      </a:schemeClr>
+    </dgm:linClrLst>
+    <dgm:effectClrLst/>
+    <dgm:txLinClrLst/>
+    <dgm:txFillClrLst meth="repeat">
+      <a:schemeClr val="dk1"/>
+    </dgm:txFillClrLst>
+    <dgm:txEffectClrLst/>
+  </dgm:styleLbl>
+  <dgm:styleLbl name="bgAccFollowNode1">
+    <dgm:fillClrLst meth="repeat">
+      <a:schemeClr val="accent1">
+        <a:alpha val="90000"/>
+        <a:tint val="40000"/>
+      </a:schemeClr>
+    </dgm:fillClrLst>
+    <dgm:linClrLst meth="repeat">
+      <a:schemeClr val="accent1">
+        <a:alpha val="90000"/>
+        <a:tint val="40000"/>
+      </a:schemeClr>
+    </dgm:linClrLst>
+    <dgm:effectClrLst/>
+    <dgm:txLinClrLst/>
+    <dgm:txFillClrLst meth="repeat">
+      <a:schemeClr val="dk1"/>
+    </dgm:txFillClrLst>
+    <dgm:txEffectClrLst/>
+  </dgm:styleLbl>
+  <dgm:styleLbl name="fgAcc0">
+    <dgm:fillClrLst meth="repeat">
+      <a:schemeClr val="lt1">
+        <a:alpha val="90000"/>
+      </a:schemeClr>
+    </dgm:fillClrLst>
+    <dgm:linClrLst meth="repeat">
+      <a:schemeClr val="accent1"/>
+    </dgm:linClrLst>
+    <dgm:effectClrLst/>
+    <dgm:txLinClrLst/>
+    <dgm:txFillClrLst meth="repeat">
+      <a:schemeClr val="dk1"/>
+    </dgm:txFillClrLst>
+    <dgm:txEffectClrLst/>
+  </dgm:styleLbl>
+  <dgm:styleLbl name="fgAcc2">
+    <dgm:fillClrLst meth="repeat">
+      <a:schemeClr val="lt1">
+        <a:alpha val="90000"/>
+      </a:schemeClr>
+    </dgm:fillClrLst>
+    <dgm:linClrLst meth="repeat">
+      <a:schemeClr val="accent1"/>
+    </dgm:linClrLst>
+    <dgm:effectClrLst/>
+    <dgm:txLinClrLst/>
+    <dgm:txFillClrLst meth="repeat">
+      <a:schemeClr val="dk1"/>
+    </dgm:txFillClrLst>
+    <dgm:txEffectClrLst/>
+  </dgm:styleLbl>
+  <dgm:styleLbl name="fgAcc3">
+    <dgm:fillClrLst meth="repeat">
+      <a:schemeClr val="lt1">
+        <a:alpha val="90000"/>
+      </a:schemeClr>
+    </dgm:fillClrLst>
+    <dgm:linClrLst meth="repeat">
+      <a:schemeClr val="accent1"/>
+    </dgm:linClrLst>
+    <dgm:effectClrLst/>
+    <dgm:txLinClrLst/>
+    <dgm:txFillClrLst meth="repeat">
+      <a:schemeClr val="dk1"/>
+    </dgm:txFillClrLst>
+    <dgm:txEffectClrLst/>
+  </dgm:styleLbl>
+  <dgm:styleLbl name="fgAcc4">
+    <dgm:fillClrLst meth="repeat">
+      <a:schemeClr val="lt1">
+        <a:alpha val="90000"/>
+      </a:schemeClr>
+    </dgm:fillClrLst>
+    <dgm:linClrLst meth="repeat">
+      <a:schemeClr val="accent1"/>
+    </dgm:linClrLst>
+    <dgm:effectClrLst/>
+    <dgm:txLinClrLst/>
+    <dgm:txFillClrLst meth="repeat">
+      <a:schemeClr val="dk1"/>
+    </dgm:txFillClrLst>
+    <dgm:txEffectClrLst/>
+  </dgm:styleLbl>
+  <dgm:styleLbl name="bgShp">
+    <dgm:fillClrLst meth="repeat">
+      <a:schemeClr val="accent1">
+        <a:tint val="40000"/>
+      </a:schemeClr>
+    </dgm:fillClrLst>
+    <dgm:linClrLst meth="repeat">
+      <a:schemeClr val="accent1"/>
+    </dgm:linClrLst>
+    <dgm:effectClrLst/>
+    <dgm:txLinClrLst/>
+    <dgm:txFillClrLst meth="repeat">
+      <a:schemeClr val="dk1"/>
+    </dgm:txFillClrLst>
+    <dgm:txEffectClrLst/>
+  </dgm:styleLbl>
+  <dgm:styleLbl name="dkBgShp">
+    <dgm:fillClrLst meth="repeat">
+      <a:schemeClr val="accent1">
+        <a:shade val="80000"/>
+      </a:schemeClr>
+    </dgm:fillClrLst>
+    <dgm:linClrLst meth="repeat">
+      <a:schemeClr val="accent1"/>
+    </dgm:linClrLst>
+    <dgm:effectClrLst/>
+    <dgm:txLinClrLst/>
+    <dgm:txFillClrLst meth="repeat">
+      <a:schemeClr val="lt1"/>
+    </dgm:txFillClrLst>
+    <dgm:txEffectClrLst/>
+  </dgm:styleLbl>
+  <dgm:styleLbl name="trBgShp">
+    <dgm:fillClrLst meth="repeat">
+      <a:schemeClr val="accent1">
+        <a:tint val="50000"/>
+        <a:alpha val="40000"/>
+      </a:schemeClr>
+    </dgm:fillClrLst>
+    <dgm:linClrLst meth="repeat">
+      <a:schemeClr val="accent1"/>
+    </dgm:linClrLst>
+    <dgm:effectClrLst/>
+    <dgm:txLinClrLst/>
+    <dgm:txFillClrLst meth="repeat">
+      <a:schemeClr val="lt1"/>
+    </dgm:txFillClrLst>
+    <dgm:txEffectClrLst/>
+  </dgm:styleLbl>
+  <dgm:styleLbl name="fgShp">
+    <dgm:fillClrLst meth="repeat">
+      <a:schemeClr val="accent1">
+        <a:tint val="60000"/>
+      </a:schemeClr>
+    </dgm:fillClrLst>
+    <dgm:linClrLst meth="repeat">
+      <a:schemeClr val="lt1"/>
+    </dgm:linClrLst>
+    <dgm:effectClrLst/>
+    <dgm:txLinClrLst/>
+    <dgm:txFillClrLst meth="repeat">
+      <a:schemeClr val="dk1"/>
+    </dgm:txFillClrLst>
+    <dgm:txEffectClrLst/>
+  </dgm:styleLbl>
+  <dgm:styleLbl name="revTx">
+    <dgm:fillClrLst meth="repeat">
+      <a:schemeClr val="lt1">
+        <a:alpha val="0"/>
+      </a:schemeClr>
+    </dgm:fillClrLst>
+    <dgm:linClrLst meth="repeat">
+      <a:schemeClr val="dk1">
+        <a:alpha val="0"/>
+      </a:schemeClr>
+    </dgm:linClrLst>
+    <dgm:effectClrLst/>
+    <dgm:txLinClrLst/>
+    <dgm:txFillClrLst meth="repeat">
+      <a:schemeClr val="tx1"/>
+    </dgm:txFillClrLst>
+    <dgm:txEffectClrLst/>
+  </dgm:styleLbl>
+</dgm:colorsDef>
+</file>
+
+<file path=ppt/diagrams/colors2.xml><?xml version="1.0" encoding="utf-8"?>
 <dgm:colorsDef xmlns:dgm="http://schemas.openxmlformats.org/drawingml/2006/diagram" xmlns:a="http://schemas.openxmlformats.org/drawingml/2006/main" uniqueId="urn:microsoft.com/office/officeart/2005/8/colors/accent1_2">
   <dgm:title val=""/>
   <dgm:desc val=""/>
@@ -1183,10 +1933,24 @@
         </dgm:presLayoutVars>
       </dgm:prSet>
       <dgm:spPr/>
+      <dgm:t>
+        <a:bodyPr/>
+        <a:lstStyle/>
+        <a:p>
+          <a:endParaRPr lang="en-US"/>
+        </a:p>
+      </dgm:t>
     </dgm:pt>
     <dgm:pt modelId="{8046D806-D633-4925-88FF-13EA3736C642}" type="pres">
       <dgm:prSet presAssocID="{3E21CBF3-ED67-4DE4-92E8-D28F4E02C66C}" presName="centerShape" presStyleLbl="node0" presStyleIdx="0" presStyleCnt="1"/>
       <dgm:spPr/>
+      <dgm:t>
+        <a:bodyPr/>
+        <a:lstStyle/>
+        <a:p>
+          <a:endParaRPr lang="en-US"/>
+        </a:p>
+      </dgm:t>
     </dgm:pt>
     <dgm:pt modelId="{0B9D4084-EA21-4F7B-A20F-0E1723A71ADE}" type="pres">
       <dgm:prSet presAssocID="{3A1CE0DB-424D-4E8C-9CC4-E9A7F0192187}" presName="node" presStyleLbl="node1" presStyleIdx="0" presStyleCnt="7">
@@ -1195,6 +1959,13 @@
         </dgm:presLayoutVars>
       </dgm:prSet>
       <dgm:spPr/>
+      <dgm:t>
+        <a:bodyPr/>
+        <a:lstStyle/>
+        <a:p>
+          <a:endParaRPr lang="en-US"/>
+        </a:p>
+      </dgm:t>
     </dgm:pt>
     <dgm:pt modelId="{C3F76657-0C10-4626-945F-7A6C8CB3D378}" type="pres">
       <dgm:prSet presAssocID="{3A1CE0DB-424D-4E8C-9CC4-E9A7F0192187}" presName="dummy" presStyleCnt="0"/>
@@ -1203,6 +1974,13 @@
     <dgm:pt modelId="{98C0CE5D-6568-4C58-8044-A6118E4DFAF6}" type="pres">
       <dgm:prSet presAssocID="{52532CF6-0526-4785-A2A6-1AD1072ADB9D}" presName="sibTrans" presStyleLbl="sibTrans2D1" presStyleIdx="0" presStyleCnt="7"/>
       <dgm:spPr/>
+      <dgm:t>
+        <a:bodyPr/>
+        <a:lstStyle/>
+        <a:p>
+          <a:endParaRPr lang="en-US"/>
+        </a:p>
+      </dgm:t>
     </dgm:pt>
     <dgm:pt modelId="{024B37C8-2E78-4627-9714-90BFEACD2D8D}" type="pres">
       <dgm:prSet presAssocID="{446E3B0E-A84C-4C0D-90C5-2CDA8EE8A1E3}" presName="node" presStyleLbl="node1" presStyleIdx="1" presStyleCnt="7">
@@ -1211,6 +1989,13 @@
         </dgm:presLayoutVars>
       </dgm:prSet>
       <dgm:spPr/>
+      <dgm:t>
+        <a:bodyPr/>
+        <a:lstStyle/>
+        <a:p>
+          <a:endParaRPr lang="en-US"/>
+        </a:p>
+      </dgm:t>
     </dgm:pt>
     <dgm:pt modelId="{1C97F2A5-5C24-4585-9A86-9D9C4FF71750}" type="pres">
       <dgm:prSet presAssocID="{446E3B0E-A84C-4C0D-90C5-2CDA8EE8A1E3}" presName="dummy" presStyleCnt="0"/>
@@ -1219,6 +2004,13 @@
     <dgm:pt modelId="{3403E89E-646F-4749-98B8-1636056908AA}" type="pres">
       <dgm:prSet presAssocID="{1E6BF274-94E7-49EA-823A-D7901911558F}" presName="sibTrans" presStyleLbl="sibTrans2D1" presStyleIdx="1" presStyleCnt="7"/>
       <dgm:spPr/>
+      <dgm:t>
+        <a:bodyPr/>
+        <a:lstStyle/>
+        <a:p>
+          <a:endParaRPr lang="en-US"/>
+        </a:p>
+      </dgm:t>
     </dgm:pt>
     <dgm:pt modelId="{D02A1073-280A-4030-B61B-6AB009F7EB42}" type="pres">
       <dgm:prSet presAssocID="{BD0E6AD9-71FA-4C38-8A7F-3AE8864E181B}" presName="node" presStyleLbl="node1" presStyleIdx="2" presStyleCnt="7">
@@ -1227,6 +2019,13 @@
         </dgm:presLayoutVars>
       </dgm:prSet>
       <dgm:spPr/>
+      <dgm:t>
+        <a:bodyPr/>
+        <a:lstStyle/>
+        <a:p>
+          <a:endParaRPr lang="en-US"/>
+        </a:p>
+      </dgm:t>
     </dgm:pt>
     <dgm:pt modelId="{F71AE671-5521-4538-904C-D35BB1613898}" type="pres">
       <dgm:prSet presAssocID="{BD0E6AD9-71FA-4C38-8A7F-3AE8864E181B}" presName="dummy" presStyleCnt="0"/>
@@ -1235,6 +2034,13 @@
     <dgm:pt modelId="{ADF11B85-49CD-4C45-834D-28EF8F01FAF4}" type="pres">
       <dgm:prSet presAssocID="{E4A3282E-BB57-4C66-ACAD-724F46D03C99}" presName="sibTrans" presStyleLbl="sibTrans2D1" presStyleIdx="2" presStyleCnt="7"/>
       <dgm:spPr/>
+      <dgm:t>
+        <a:bodyPr/>
+        <a:lstStyle/>
+        <a:p>
+          <a:endParaRPr lang="en-US"/>
+        </a:p>
+      </dgm:t>
     </dgm:pt>
     <dgm:pt modelId="{B0856285-8B4C-4921-A3FF-D6436B7247C2}" type="pres">
       <dgm:prSet presAssocID="{BF8C4942-3560-466A-B7F7-036045090DB4}" presName="node" presStyleLbl="node1" presStyleIdx="3" presStyleCnt="7">
@@ -1243,6 +2049,13 @@
         </dgm:presLayoutVars>
       </dgm:prSet>
       <dgm:spPr/>
+      <dgm:t>
+        <a:bodyPr/>
+        <a:lstStyle/>
+        <a:p>
+          <a:endParaRPr lang="en-US"/>
+        </a:p>
+      </dgm:t>
     </dgm:pt>
     <dgm:pt modelId="{DDABE81E-CC26-47A2-9338-31B34FE15AC9}" type="pres">
       <dgm:prSet presAssocID="{BF8C4942-3560-466A-B7F7-036045090DB4}" presName="dummy" presStyleCnt="0"/>
@@ -1251,6 +2064,13 @@
     <dgm:pt modelId="{D4C25836-BB1E-40C6-9055-79DFE51E84A4}" type="pres">
       <dgm:prSet presAssocID="{2E8BD8F1-AC8D-430A-A16A-29538E9A8D89}" presName="sibTrans" presStyleLbl="sibTrans2D1" presStyleIdx="3" presStyleCnt="7"/>
       <dgm:spPr/>
+      <dgm:t>
+        <a:bodyPr/>
+        <a:lstStyle/>
+        <a:p>
+          <a:endParaRPr lang="en-US"/>
+        </a:p>
+      </dgm:t>
     </dgm:pt>
     <dgm:pt modelId="{120EC894-2FDD-4E69-8DA1-1E4987D6750C}" type="pres">
       <dgm:prSet presAssocID="{EAA2BEE3-0DBD-465D-BB64-31830BFC8ABC}" presName="node" presStyleLbl="node1" presStyleIdx="4" presStyleCnt="7">
@@ -1259,6 +2079,13 @@
         </dgm:presLayoutVars>
       </dgm:prSet>
       <dgm:spPr/>
+      <dgm:t>
+        <a:bodyPr/>
+        <a:lstStyle/>
+        <a:p>
+          <a:endParaRPr lang="en-US"/>
+        </a:p>
+      </dgm:t>
     </dgm:pt>
     <dgm:pt modelId="{66F65755-7427-4647-92AB-FF700CB7E917}" type="pres">
       <dgm:prSet presAssocID="{EAA2BEE3-0DBD-465D-BB64-31830BFC8ABC}" presName="dummy" presStyleCnt="0"/>
@@ -1267,6 +2094,13 @@
     <dgm:pt modelId="{62725212-3288-4862-A14D-4E6BB5BCB641}" type="pres">
       <dgm:prSet presAssocID="{C8CE8BA7-678D-4C94-8F91-3A77355BB83A}" presName="sibTrans" presStyleLbl="sibTrans2D1" presStyleIdx="4" presStyleCnt="7"/>
       <dgm:spPr/>
+      <dgm:t>
+        <a:bodyPr/>
+        <a:lstStyle/>
+        <a:p>
+          <a:endParaRPr lang="en-US"/>
+        </a:p>
+      </dgm:t>
     </dgm:pt>
     <dgm:pt modelId="{5EBC7458-FEF4-4BAA-BB89-62B9D0604C8A}" type="pres">
       <dgm:prSet presAssocID="{7C910102-AEE4-484B-ACEB-B163D80A8AC3}" presName="node" presStyleLbl="node1" presStyleIdx="5" presStyleCnt="7">
@@ -1275,6 +2109,13 @@
         </dgm:presLayoutVars>
       </dgm:prSet>
       <dgm:spPr/>
+      <dgm:t>
+        <a:bodyPr/>
+        <a:lstStyle/>
+        <a:p>
+          <a:endParaRPr lang="en-US"/>
+        </a:p>
+      </dgm:t>
     </dgm:pt>
     <dgm:pt modelId="{785A8803-C189-4C0B-A46B-F84FE7925713}" type="pres">
       <dgm:prSet presAssocID="{7C910102-AEE4-484B-ACEB-B163D80A8AC3}" presName="dummy" presStyleCnt="0"/>
@@ -1283,6 +2124,13 @@
     <dgm:pt modelId="{43787B64-6ECE-4862-83FC-999710B65D94}" type="pres">
       <dgm:prSet presAssocID="{821F0E55-CEF6-48A1-AC37-6D1FD50F8A7C}" presName="sibTrans" presStyleLbl="sibTrans2D1" presStyleIdx="5" presStyleCnt="7"/>
       <dgm:spPr/>
+      <dgm:t>
+        <a:bodyPr/>
+        <a:lstStyle/>
+        <a:p>
+          <a:endParaRPr lang="en-US"/>
+        </a:p>
+      </dgm:t>
     </dgm:pt>
     <dgm:pt modelId="{C0E538A1-8247-4D29-A464-326B7E9E49F2}" type="pres">
       <dgm:prSet presAssocID="{801A760C-B3A6-4942-B41F-1B74F7CFB869}" presName="node" presStyleLbl="node1" presStyleIdx="6" presStyleCnt="7">
@@ -1291,6 +2139,13 @@
         </dgm:presLayoutVars>
       </dgm:prSet>
       <dgm:spPr/>
+      <dgm:t>
+        <a:bodyPr/>
+        <a:lstStyle/>
+        <a:p>
+          <a:endParaRPr lang="en-US"/>
+        </a:p>
+      </dgm:t>
     </dgm:pt>
     <dgm:pt modelId="{D04A1D7A-1F4E-4F24-8F55-DAB82E2F31D9}" type="pres">
       <dgm:prSet presAssocID="{801A760C-B3A6-4942-B41F-1B74F7CFB869}" presName="dummy" presStyleCnt="0"/>
@@ -1299,33 +2154,40 @@
     <dgm:pt modelId="{974D1544-313C-4B85-96E4-F98694E51952}" type="pres">
       <dgm:prSet presAssocID="{088CB9C7-E6AD-4656-9612-A21801614288}" presName="sibTrans" presStyleLbl="sibTrans2D1" presStyleIdx="6" presStyleCnt="7"/>
       <dgm:spPr/>
+      <dgm:t>
+        <a:bodyPr/>
+        <a:lstStyle/>
+        <a:p>
+          <a:endParaRPr lang="en-US"/>
+        </a:p>
+      </dgm:t>
     </dgm:pt>
   </dgm:ptLst>
   <dgm:cxnLst>
+    <dgm:cxn modelId="{CC218D1B-DE1E-4C94-83BC-7E2AA8A513E5}" type="presOf" srcId="{821F0E55-CEF6-48A1-AC37-6D1FD50F8A7C}" destId="{43787B64-6ECE-4862-83FC-999710B65D94}" srcOrd="0" destOrd="0" presId="urn:microsoft.com/office/officeart/2005/8/layout/radial6"/>
+    <dgm:cxn modelId="{81F40D88-E1FA-41F6-BC21-DA8471BBF5BC}" type="presOf" srcId="{3A1CE0DB-424D-4E8C-9CC4-E9A7F0192187}" destId="{0B9D4084-EA21-4F7B-A20F-0E1723A71ADE}" srcOrd="0" destOrd="0" presId="urn:microsoft.com/office/officeart/2005/8/layout/radial6"/>
+    <dgm:cxn modelId="{FB39E0B0-FD2B-47CC-8CE3-29C073135CA4}" type="presOf" srcId="{446E3B0E-A84C-4C0D-90C5-2CDA8EE8A1E3}" destId="{024B37C8-2E78-4627-9714-90BFEACD2D8D}" srcOrd="0" destOrd="0" presId="urn:microsoft.com/office/officeart/2005/8/layout/radial6"/>
+    <dgm:cxn modelId="{4F5D3727-F173-42E5-BE78-47119F4A09E9}" type="presOf" srcId="{E4A3282E-BB57-4C66-ACAD-724F46D03C99}" destId="{ADF11B85-49CD-4C45-834D-28EF8F01FAF4}" srcOrd="0" destOrd="0" presId="urn:microsoft.com/office/officeart/2005/8/layout/radial6"/>
+    <dgm:cxn modelId="{EFFA6EF2-B05B-4E0A-B221-5F635EFD3D52}" type="presOf" srcId="{088CB9C7-E6AD-4656-9612-A21801614288}" destId="{974D1544-313C-4B85-96E4-F98694E51952}" srcOrd="0" destOrd="0" presId="urn:microsoft.com/office/officeart/2005/8/layout/radial6"/>
+    <dgm:cxn modelId="{DAA053A5-BCE7-48B6-8287-21AE5DC5B4BA}" type="presOf" srcId="{7C910102-AEE4-484B-ACEB-B163D80A8AC3}" destId="{5EBC7458-FEF4-4BAA-BB89-62B9D0604C8A}" srcOrd="0" destOrd="0" presId="urn:microsoft.com/office/officeart/2005/8/layout/radial6"/>
     <dgm:cxn modelId="{E9743714-F755-4952-B8AE-87189FB9134E}" type="presOf" srcId="{EAA2BEE3-0DBD-465D-BB64-31830BFC8ABC}" destId="{120EC894-2FDD-4E69-8DA1-1E4987D6750C}" srcOrd="0" destOrd="0" presId="urn:microsoft.com/office/officeart/2005/8/layout/radial6"/>
-    <dgm:cxn modelId="{8FCE9B16-5AA7-4F09-B332-9E3766D358F6}" srcId="{3E21CBF3-ED67-4DE4-92E8-D28F4E02C66C}" destId="{BF8C4942-3560-466A-B7F7-036045090DB4}" srcOrd="3" destOrd="0" parTransId="{1BB7DC7D-6905-49E9-9FD0-654AD573C40E}" sibTransId="{2E8BD8F1-AC8D-430A-A16A-29538E9A8D89}"/>
-    <dgm:cxn modelId="{CC218D1B-DE1E-4C94-83BC-7E2AA8A513E5}" type="presOf" srcId="{821F0E55-CEF6-48A1-AC37-6D1FD50F8A7C}" destId="{43787B64-6ECE-4862-83FC-999710B65D94}" srcOrd="0" destOrd="0" presId="urn:microsoft.com/office/officeart/2005/8/layout/radial6"/>
-    <dgm:cxn modelId="{4F5D3727-F173-42E5-BE78-47119F4A09E9}" type="presOf" srcId="{E4A3282E-BB57-4C66-ACAD-724F46D03C99}" destId="{ADF11B85-49CD-4C45-834D-28EF8F01FAF4}" srcOrd="0" destOrd="0" presId="urn:microsoft.com/office/officeart/2005/8/layout/radial6"/>
+    <dgm:cxn modelId="{4DD5694D-2AF2-4CFA-9337-E79D88305FFC}" type="presOf" srcId="{3E21CBF3-ED67-4DE4-92E8-D28F4E02C66C}" destId="{8046D806-D633-4925-88FF-13EA3736C642}" srcOrd="0" destOrd="0" presId="urn:microsoft.com/office/officeart/2005/8/layout/radial6"/>
     <dgm:cxn modelId="{42468133-6626-413F-8036-DCB1ECD7F00D}" srcId="{8A4D3A20-F65F-4192-9123-EAC5330E5D1D}" destId="{3E21CBF3-ED67-4DE4-92E8-D28F4E02C66C}" srcOrd="0" destOrd="0" parTransId="{62D71432-5937-427D-9E65-CD7804702917}" sibTransId="{56D95F66-2F36-41C3-A4C8-AAA41A7C5935}"/>
-    <dgm:cxn modelId="{93AA4161-2792-4A73-924C-3A9358908DED}" srcId="{3E21CBF3-ED67-4DE4-92E8-D28F4E02C66C}" destId="{7C910102-AEE4-484B-ACEB-B163D80A8AC3}" srcOrd="5" destOrd="0" parTransId="{2C662DC6-0642-4B64-BA19-E82C9A57D4C8}" sibTransId="{821F0E55-CEF6-48A1-AC37-6D1FD50F8A7C}"/>
-    <dgm:cxn modelId="{CB5E1146-E11D-4CD5-866D-1BEA23F58352}" srcId="{3E21CBF3-ED67-4DE4-92E8-D28F4E02C66C}" destId="{3A1CE0DB-424D-4E8C-9CC4-E9A7F0192187}" srcOrd="0" destOrd="0" parTransId="{584E096D-ECCA-45D3-8418-8AF5829CA25D}" sibTransId="{52532CF6-0526-4785-A2A6-1AD1072ADB9D}"/>
-    <dgm:cxn modelId="{92566467-7247-47BB-92DD-F94AED937561}" type="presOf" srcId="{BF8C4942-3560-466A-B7F7-036045090DB4}" destId="{B0856285-8B4C-4921-A3FF-D6436B7247C2}" srcOrd="0" destOrd="0" presId="urn:microsoft.com/office/officeart/2005/8/layout/radial6"/>
-    <dgm:cxn modelId="{4DD5694D-2AF2-4CFA-9337-E79D88305FFC}" type="presOf" srcId="{3E21CBF3-ED67-4DE4-92E8-D28F4E02C66C}" destId="{8046D806-D633-4925-88FF-13EA3736C642}" srcOrd="0" destOrd="0" presId="urn:microsoft.com/office/officeart/2005/8/layout/radial6"/>
-    <dgm:cxn modelId="{018C504D-7874-4067-8879-D7782E9BE75B}" type="presOf" srcId="{801A760C-B3A6-4942-B41F-1B74F7CFB869}" destId="{C0E538A1-8247-4D29-A464-326B7E9E49F2}" srcOrd="0" destOrd="0" presId="urn:microsoft.com/office/officeart/2005/8/layout/radial6"/>
-    <dgm:cxn modelId="{F2CD6D79-35C3-46D2-8458-7C54E7AD556B}" srcId="{3E21CBF3-ED67-4DE4-92E8-D28F4E02C66C}" destId="{446E3B0E-A84C-4C0D-90C5-2CDA8EE8A1E3}" srcOrd="1" destOrd="0" parTransId="{86A5A7C0-6915-4FCE-82B7-85A9613781AF}" sibTransId="{1E6BF274-94E7-49EA-823A-D7901911558F}"/>
-    <dgm:cxn modelId="{D76F3C5A-023F-4A45-ACBC-D57F39A6B014}" type="presOf" srcId="{2E8BD8F1-AC8D-430A-A16A-29538E9A8D89}" destId="{D4C25836-BB1E-40C6-9055-79DFE51E84A4}" srcOrd="0" destOrd="0" presId="urn:microsoft.com/office/officeart/2005/8/layout/radial6"/>
-    <dgm:cxn modelId="{327FA47C-F072-4DC1-B582-E34C662F0AC8}" srcId="{3E21CBF3-ED67-4DE4-92E8-D28F4E02C66C}" destId="{EAA2BEE3-0DBD-465D-BB64-31830BFC8ABC}" srcOrd="4" destOrd="0" parTransId="{4622D5E9-A79E-4AC5-AC80-5F230C759282}" sibTransId="{C8CE8BA7-678D-4C94-8F91-3A77355BB83A}"/>
-    <dgm:cxn modelId="{81F40D88-E1FA-41F6-BC21-DA8471BBF5BC}" type="presOf" srcId="{3A1CE0DB-424D-4E8C-9CC4-E9A7F0192187}" destId="{0B9D4084-EA21-4F7B-A20F-0E1723A71ADE}" srcOrd="0" destOrd="0" presId="urn:microsoft.com/office/officeart/2005/8/layout/radial6"/>
-    <dgm:cxn modelId="{E5A2C89A-9107-4792-8CCC-4898D6EC5DBA}" srcId="{3E21CBF3-ED67-4DE4-92E8-D28F4E02C66C}" destId="{801A760C-B3A6-4942-B41F-1B74F7CFB869}" srcOrd="6" destOrd="0" parTransId="{FF8C1F41-9000-4666-8B3C-F006C6352F33}" sibTransId="{088CB9C7-E6AD-4656-9612-A21801614288}"/>
-    <dgm:cxn modelId="{DAA053A5-BCE7-48B6-8287-21AE5DC5B4BA}" type="presOf" srcId="{7C910102-AEE4-484B-ACEB-B163D80A8AC3}" destId="{5EBC7458-FEF4-4BAA-BB89-62B9D0604C8A}" srcOrd="0" destOrd="0" presId="urn:microsoft.com/office/officeart/2005/8/layout/radial6"/>
-    <dgm:cxn modelId="{FB39E0B0-FD2B-47CC-8CE3-29C073135CA4}" type="presOf" srcId="{446E3B0E-A84C-4C0D-90C5-2CDA8EE8A1E3}" destId="{024B37C8-2E78-4627-9714-90BFEACD2D8D}" srcOrd="0" destOrd="0" presId="urn:microsoft.com/office/officeart/2005/8/layout/radial6"/>
     <dgm:cxn modelId="{50BB35C0-5301-4620-96E0-8F8C590935C8}" type="presOf" srcId="{1E6BF274-94E7-49EA-823A-D7901911558F}" destId="{3403E89E-646F-4749-98B8-1636056908AA}" srcOrd="0" destOrd="0" presId="urn:microsoft.com/office/officeart/2005/8/layout/radial6"/>
     <dgm:cxn modelId="{CE250DD7-ACD0-419C-BC0A-C35258FD7568}" type="presOf" srcId="{C8CE8BA7-678D-4C94-8F91-3A77355BB83A}" destId="{62725212-3288-4862-A14D-4E6BB5BCB641}" srcOrd="0" destOrd="0" presId="urn:microsoft.com/office/officeart/2005/8/layout/radial6"/>
+    <dgm:cxn modelId="{92566467-7247-47BB-92DD-F94AED937561}" type="presOf" srcId="{BF8C4942-3560-466A-B7F7-036045090DB4}" destId="{B0856285-8B4C-4921-A3FF-D6436B7247C2}" srcOrd="0" destOrd="0" presId="urn:microsoft.com/office/officeart/2005/8/layout/radial6"/>
+    <dgm:cxn modelId="{66EDC8FB-B067-479B-8726-281A44F690D2}" type="presOf" srcId="{52532CF6-0526-4785-A2A6-1AD1072ADB9D}" destId="{98C0CE5D-6568-4C58-8044-A6118E4DFAF6}" srcOrd="0" destOrd="0" presId="urn:microsoft.com/office/officeart/2005/8/layout/radial6"/>
+    <dgm:cxn modelId="{D76F3C5A-023F-4A45-ACBC-D57F39A6B014}" type="presOf" srcId="{2E8BD8F1-AC8D-430A-A16A-29538E9A8D89}" destId="{D4C25836-BB1E-40C6-9055-79DFE51E84A4}" srcOrd="0" destOrd="0" presId="urn:microsoft.com/office/officeart/2005/8/layout/radial6"/>
+    <dgm:cxn modelId="{93AA4161-2792-4A73-924C-3A9358908DED}" srcId="{3E21CBF3-ED67-4DE4-92E8-D28F4E02C66C}" destId="{7C910102-AEE4-484B-ACEB-B163D80A8AC3}" srcOrd="5" destOrd="0" parTransId="{2C662DC6-0642-4B64-BA19-E82C9A57D4C8}" sibTransId="{821F0E55-CEF6-48A1-AC37-6D1FD50F8A7C}"/>
     <dgm:cxn modelId="{9567DEDF-D775-4550-8F1F-6817B3956601}" type="presOf" srcId="{8A4D3A20-F65F-4192-9123-EAC5330E5D1D}" destId="{AF29EEAD-64B5-4C37-8C6D-6E10B5F4AE2B}" srcOrd="0" destOrd="0" presId="urn:microsoft.com/office/officeart/2005/8/layout/radial6"/>
+    <dgm:cxn modelId="{E5A2C89A-9107-4792-8CCC-4898D6EC5DBA}" srcId="{3E21CBF3-ED67-4DE4-92E8-D28F4E02C66C}" destId="{801A760C-B3A6-4942-B41F-1B74F7CFB869}" srcOrd="6" destOrd="0" parTransId="{FF8C1F41-9000-4666-8B3C-F006C6352F33}" sibTransId="{088CB9C7-E6AD-4656-9612-A21801614288}"/>
     <dgm:cxn modelId="{FFE282E0-13BB-4F72-8399-760865E79B14}" type="presOf" srcId="{BD0E6AD9-71FA-4C38-8A7F-3AE8864E181B}" destId="{D02A1073-280A-4030-B61B-6AB009F7EB42}" srcOrd="0" destOrd="0" presId="urn:microsoft.com/office/officeart/2005/8/layout/radial6"/>
+    <dgm:cxn modelId="{327FA47C-F072-4DC1-B582-E34C662F0AC8}" srcId="{3E21CBF3-ED67-4DE4-92E8-D28F4E02C66C}" destId="{EAA2BEE3-0DBD-465D-BB64-31830BFC8ABC}" srcOrd="4" destOrd="0" parTransId="{4622D5E9-A79E-4AC5-AC80-5F230C759282}" sibTransId="{C8CE8BA7-678D-4C94-8F91-3A77355BB83A}"/>
+    <dgm:cxn modelId="{F2CD6D79-35C3-46D2-8458-7C54E7AD556B}" srcId="{3E21CBF3-ED67-4DE4-92E8-D28F4E02C66C}" destId="{446E3B0E-A84C-4C0D-90C5-2CDA8EE8A1E3}" srcOrd="1" destOrd="0" parTransId="{86A5A7C0-6915-4FCE-82B7-85A9613781AF}" sibTransId="{1E6BF274-94E7-49EA-823A-D7901911558F}"/>
+    <dgm:cxn modelId="{CB5E1146-E11D-4CD5-866D-1BEA23F58352}" srcId="{3E21CBF3-ED67-4DE4-92E8-D28F4E02C66C}" destId="{3A1CE0DB-424D-4E8C-9CC4-E9A7F0192187}" srcOrd="0" destOrd="0" parTransId="{584E096D-ECCA-45D3-8418-8AF5829CA25D}" sibTransId="{52532CF6-0526-4785-A2A6-1AD1072ADB9D}"/>
+    <dgm:cxn modelId="{8FCE9B16-5AA7-4F09-B332-9E3766D358F6}" srcId="{3E21CBF3-ED67-4DE4-92E8-D28F4E02C66C}" destId="{BF8C4942-3560-466A-B7F7-036045090DB4}" srcOrd="3" destOrd="0" parTransId="{1BB7DC7D-6905-49E9-9FD0-654AD573C40E}" sibTransId="{2E8BD8F1-AC8D-430A-A16A-29538E9A8D89}"/>
+    <dgm:cxn modelId="{018C504D-7874-4067-8879-D7782E9BE75B}" type="presOf" srcId="{801A760C-B3A6-4942-B41F-1B74F7CFB869}" destId="{C0E538A1-8247-4D29-A464-326B7E9E49F2}" srcOrd="0" destOrd="0" presId="urn:microsoft.com/office/officeart/2005/8/layout/radial6"/>
     <dgm:cxn modelId="{553FE6F1-27F8-4BAB-A7E2-EC6F04AD7955}" srcId="{3E21CBF3-ED67-4DE4-92E8-D28F4E02C66C}" destId="{BD0E6AD9-71FA-4C38-8A7F-3AE8864E181B}" srcOrd="2" destOrd="0" parTransId="{21A2A793-8C28-4FBF-B131-56655A905B20}" sibTransId="{E4A3282E-BB57-4C66-ACAD-724F46D03C99}"/>
-    <dgm:cxn modelId="{EFFA6EF2-B05B-4E0A-B221-5F635EFD3D52}" type="presOf" srcId="{088CB9C7-E6AD-4656-9612-A21801614288}" destId="{974D1544-313C-4B85-96E4-F98694E51952}" srcOrd="0" destOrd="0" presId="urn:microsoft.com/office/officeart/2005/8/layout/radial6"/>
-    <dgm:cxn modelId="{66EDC8FB-B067-479B-8726-281A44F690D2}" type="presOf" srcId="{52532CF6-0526-4785-A2A6-1AD1072ADB9D}" destId="{98C0CE5D-6568-4C58-8044-A6118E4DFAF6}" srcOrd="0" destOrd="0" presId="urn:microsoft.com/office/officeart/2005/8/layout/radial6"/>
     <dgm:cxn modelId="{A04761CE-40E8-4443-8732-F45F58B56D78}" type="presParOf" srcId="{AF29EEAD-64B5-4C37-8C6D-6E10B5F4AE2B}" destId="{8046D806-D633-4925-88FF-13EA3736C642}" srcOrd="0" destOrd="0" presId="urn:microsoft.com/office/officeart/2005/8/layout/radial6"/>
     <dgm:cxn modelId="{2BDE61AF-93C8-4714-955F-AC1CEEAD996A}" type="presParOf" srcId="{AF29EEAD-64B5-4C37-8C6D-6E10B5F4AE2B}" destId="{0B9D4084-EA21-4F7B-A20F-0E1723A71ADE}" srcOrd="1" destOrd="0" presId="urn:microsoft.com/office/officeart/2005/8/layout/radial6"/>
     <dgm:cxn modelId="{D3FBE3C8-C3B7-4527-A151-529E9FDD7DB8}" type="presParOf" srcId="{AF29EEAD-64B5-4C37-8C6D-6E10B5F4AE2B}" destId="{C3F76657-0C10-4626-945F-7A6C8CB3D378}" srcOrd="2" destOrd="0" presId="urn:microsoft.com/office/officeart/2005/8/layout/radial6"/>
@@ -1354,6 +2216,292 @@
   <dgm:extLst>
     <a:ext uri="http://schemas.microsoft.com/office/drawing/2008/diagram">
       <dsp:dataModelExt xmlns:dsp="http://schemas.microsoft.com/office/drawing/2008/diagram" relId="rId6" minVer="http://schemas.openxmlformats.org/drawingml/2006/diagram"/>
+    </a:ext>
+  </dgm:extLst>
+</dgm:dataModel>
+</file>
+
+<file path=ppt/diagrams/data2.xml><?xml version="1.0" encoding="utf-8"?>
+<dgm:dataModel xmlns:dgm="http://schemas.openxmlformats.org/drawingml/2006/diagram" xmlns:a="http://schemas.openxmlformats.org/drawingml/2006/main">
+  <dgm:ptLst>
+    <dgm:pt modelId="{1C97DF3B-C4C7-4E56-A077-0375F54B8596}" type="doc">
+      <dgm:prSet loTypeId="urn:microsoft.com/office/officeart/2009/layout/CircleArrowProcess" loCatId="cycle" qsTypeId="urn:microsoft.com/office/officeart/2005/8/quickstyle/simple1" qsCatId="simple" csTypeId="urn:microsoft.com/office/officeart/2005/8/colors/accent1_2" csCatId="accent1" phldr="1"/>
+      <dgm:spPr/>
+      <dgm:t>
+        <a:bodyPr/>
+        <a:lstStyle/>
+        <a:p>
+          <a:endParaRPr lang="en-US"/>
+        </a:p>
+      </dgm:t>
+    </dgm:pt>
+    <dgm:pt modelId="{63E7A2EA-8D8B-429C-A89A-63B141C812E0}">
+      <dgm:prSet phldrT="[Text]"/>
+      <dgm:spPr/>
+      <dgm:t>
+        <a:bodyPr/>
+        <a:lstStyle/>
+        <a:p>
+          <a:r>
+            <a:rPr lang="en-US" dirty="0" smtClean="0"/>
+            <a:t>Planning</a:t>
+          </a:r>
+          <a:endParaRPr lang="en-US" dirty="0"/>
+        </a:p>
+      </dgm:t>
+    </dgm:pt>
+    <dgm:pt modelId="{9611AE2C-AD9D-4E43-980F-3980C0592600}" type="parTrans" cxnId="{67BA436E-2BC9-4356-B3A7-90DECC45F6FF}">
+      <dgm:prSet/>
+      <dgm:spPr/>
+      <dgm:t>
+        <a:bodyPr/>
+        <a:lstStyle/>
+        <a:p>
+          <a:endParaRPr lang="en-US"/>
+        </a:p>
+      </dgm:t>
+    </dgm:pt>
+    <dgm:pt modelId="{2DA0FD22-22A5-4DB2-A7CE-511F2E68A384}" type="sibTrans" cxnId="{67BA436E-2BC9-4356-B3A7-90DECC45F6FF}">
+      <dgm:prSet/>
+      <dgm:spPr/>
+      <dgm:t>
+        <a:bodyPr/>
+        <a:lstStyle/>
+        <a:p>
+          <a:endParaRPr lang="en-US"/>
+        </a:p>
+      </dgm:t>
+    </dgm:pt>
+    <dgm:pt modelId="{E1E53C73-CD12-43D9-8D13-BFB606CD3812}">
+      <dgm:prSet phldrT="[Text]"/>
+      <dgm:spPr/>
+      <dgm:t>
+        <a:bodyPr/>
+        <a:lstStyle/>
+        <a:p>
+          <a:r>
+            <a:rPr lang="en-US" dirty="0" smtClean="0"/>
+            <a:t>Analysis</a:t>
+          </a:r>
+          <a:endParaRPr lang="en-US" dirty="0"/>
+        </a:p>
+      </dgm:t>
+    </dgm:pt>
+    <dgm:pt modelId="{66B89DCF-7A99-4E5E-8F2D-90B858504CB5}" type="parTrans" cxnId="{9F14DF10-EAA4-4266-A87E-34217EA6309E}">
+      <dgm:prSet/>
+      <dgm:spPr/>
+      <dgm:t>
+        <a:bodyPr/>
+        <a:lstStyle/>
+        <a:p>
+          <a:endParaRPr lang="en-US"/>
+        </a:p>
+      </dgm:t>
+    </dgm:pt>
+    <dgm:pt modelId="{E5627B72-8677-4082-840E-409C1E54A07E}" type="sibTrans" cxnId="{9F14DF10-EAA4-4266-A87E-34217EA6309E}">
+      <dgm:prSet/>
+      <dgm:spPr/>
+      <dgm:t>
+        <a:bodyPr/>
+        <a:lstStyle/>
+        <a:p>
+          <a:endParaRPr lang="en-US"/>
+        </a:p>
+      </dgm:t>
+    </dgm:pt>
+    <dgm:pt modelId="{ABB256E9-4D25-4C5E-A03F-3AE622D5BAF4}">
+      <dgm:prSet phldrT="[Text]"/>
+      <dgm:spPr/>
+      <dgm:t>
+        <a:bodyPr/>
+        <a:lstStyle/>
+        <a:p>
+          <a:r>
+            <a:rPr lang="en-US" dirty="0" smtClean="0"/>
+            <a:t>Design</a:t>
+          </a:r>
+          <a:endParaRPr lang="en-US" dirty="0"/>
+        </a:p>
+      </dgm:t>
+    </dgm:pt>
+    <dgm:pt modelId="{37F39A6E-457D-41F4-9A2A-7D210F6FD865}" type="parTrans" cxnId="{A06E99AB-5F07-437B-BF71-2E74E740A784}">
+      <dgm:prSet/>
+      <dgm:spPr/>
+      <dgm:t>
+        <a:bodyPr/>
+        <a:lstStyle/>
+        <a:p>
+          <a:endParaRPr lang="en-US"/>
+        </a:p>
+      </dgm:t>
+    </dgm:pt>
+    <dgm:pt modelId="{018F2759-71F3-419D-933D-A5E76ED122FC}" type="sibTrans" cxnId="{A06E99AB-5F07-437B-BF71-2E74E740A784}">
+      <dgm:prSet/>
+      <dgm:spPr/>
+      <dgm:t>
+        <a:bodyPr/>
+        <a:lstStyle/>
+        <a:p>
+          <a:endParaRPr lang="en-US"/>
+        </a:p>
+      </dgm:t>
+    </dgm:pt>
+    <dgm:pt modelId="{339D2472-28BD-48D8-B6DB-6AEAB47DED90}">
+      <dgm:prSet/>
+      <dgm:spPr/>
+      <dgm:t>
+        <a:bodyPr/>
+        <a:lstStyle/>
+        <a:p>
+          <a:r>
+            <a:rPr lang="en-US" dirty="0" smtClean="0"/>
+            <a:t>Implementation</a:t>
+          </a:r>
+          <a:endParaRPr lang="en-US" dirty="0"/>
+        </a:p>
+      </dgm:t>
+    </dgm:pt>
+    <dgm:pt modelId="{27BD4463-0162-4B9F-A2D3-AEF265577F97}" type="parTrans" cxnId="{B9997388-0932-4EFE-A1B7-658B3CCA5442}">
+      <dgm:prSet/>
+      <dgm:spPr/>
+      <dgm:t>
+        <a:bodyPr/>
+        <a:lstStyle/>
+        <a:p>
+          <a:endParaRPr lang="en-US"/>
+        </a:p>
+      </dgm:t>
+    </dgm:pt>
+    <dgm:pt modelId="{3967070B-D125-4D00-ADDA-8B02EB840877}" type="sibTrans" cxnId="{B9997388-0932-4EFE-A1B7-658B3CCA5442}">
+      <dgm:prSet/>
+      <dgm:spPr/>
+      <dgm:t>
+        <a:bodyPr/>
+        <a:lstStyle/>
+        <a:p>
+          <a:endParaRPr lang="en-US"/>
+        </a:p>
+      </dgm:t>
+    </dgm:pt>
+    <dgm:pt modelId="{5D72B1BA-B6D5-4017-A97B-3F57F708DB8B}" type="pres">
+      <dgm:prSet presAssocID="{1C97DF3B-C4C7-4E56-A077-0375F54B8596}" presName="Name0" presStyleCnt="0">
+        <dgm:presLayoutVars>
+          <dgm:chMax val="7"/>
+          <dgm:chPref val="7"/>
+          <dgm:dir/>
+          <dgm:animLvl val="lvl"/>
+        </dgm:presLayoutVars>
+      </dgm:prSet>
+      <dgm:spPr/>
+    </dgm:pt>
+    <dgm:pt modelId="{2D4AEB93-7F11-4ED2-8815-198AD5E564C3}" type="pres">
+      <dgm:prSet presAssocID="{63E7A2EA-8D8B-429C-A89A-63B141C812E0}" presName="Accent1" presStyleCnt="0"/>
+      <dgm:spPr/>
+    </dgm:pt>
+    <dgm:pt modelId="{E803077D-DF24-4E8A-A67D-8B0A3C3095E3}" type="pres">
+      <dgm:prSet presAssocID="{63E7A2EA-8D8B-429C-A89A-63B141C812E0}" presName="Accent" presStyleLbl="node1" presStyleIdx="0" presStyleCnt="4" custScaleX="82645" custScaleY="82645"/>
+      <dgm:spPr/>
+    </dgm:pt>
+    <dgm:pt modelId="{5D8640B1-FE58-4174-9B62-EC2A70768EF9}" type="pres">
+      <dgm:prSet presAssocID="{63E7A2EA-8D8B-429C-A89A-63B141C812E0}" presName="Parent1" presStyleLbl="revTx" presStyleIdx="0" presStyleCnt="4">
+        <dgm:presLayoutVars>
+          <dgm:chMax val="1"/>
+          <dgm:chPref val="1"/>
+          <dgm:bulletEnabled val="1"/>
+        </dgm:presLayoutVars>
+      </dgm:prSet>
+      <dgm:spPr/>
+      <dgm:t>
+        <a:bodyPr/>
+        <a:lstStyle/>
+        <a:p>
+          <a:endParaRPr lang="en-US"/>
+        </a:p>
+      </dgm:t>
+    </dgm:pt>
+    <dgm:pt modelId="{C40FB5D4-219E-4649-9B02-24B45D4E06CA}" type="pres">
+      <dgm:prSet presAssocID="{E1E53C73-CD12-43D9-8D13-BFB606CD3812}" presName="Accent2" presStyleCnt="0"/>
+      <dgm:spPr/>
+    </dgm:pt>
+    <dgm:pt modelId="{6B01D528-4FA2-4C64-B3B5-C70B7699133D}" type="pres">
+      <dgm:prSet presAssocID="{E1E53C73-CD12-43D9-8D13-BFB606CD3812}" presName="Accent" presStyleLbl="node1" presStyleIdx="1" presStyleCnt="4" custScaleX="75132" custScaleY="75132"/>
+      <dgm:spPr/>
+    </dgm:pt>
+    <dgm:pt modelId="{DE729958-D000-4185-9D74-F7811337D0A7}" type="pres">
+      <dgm:prSet presAssocID="{E1E53C73-CD12-43D9-8D13-BFB606CD3812}" presName="Parent2" presStyleLbl="revTx" presStyleIdx="1" presStyleCnt="4">
+        <dgm:presLayoutVars>
+          <dgm:chMax val="1"/>
+          <dgm:chPref val="1"/>
+          <dgm:bulletEnabled val="1"/>
+        </dgm:presLayoutVars>
+      </dgm:prSet>
+      <dgm:spPr/>
+    </dgm:pt>
+    <dgm:pt modelId="{1AE84A36-F644-4710-8B63-78556536C9B2}" type="pres">
+      <dgm:prSet presAssocID="{ABB256E9-4D25-4C5E-A03F-3AE622D5BAF4}" presName="Accent3" presStyleCnt="0"/>
+      <dgm:spPr/>
+    </dgm:pt>
+    <dgm:pt modelId="{8C4885DB-8DCA-4377-A131-5FC1C7F81BD4}" type="pres">
+      <dgm:prSet presAssocID="{ABB256E9-4D25-4C5E-A03F-3AE622D5BAF4}" presName="Accent" presStyleLbl="node1" presStyleIdx="2" presStyleCnt="4" custScaleX="75132" custScaleY="75132"/>
+      <dgm:spPr/>
+    </dgm:pt>
+    <dgm:pt modelId="{A80AA2DB-D230-4E72-ABB6-3E89B7A0E030}" type="pres">
+      <dgm:prSet presAssocID="{ABB256E9-4D25-4C5E-A03F-3AE622D5BAF4}" presName="Parent3" presStyleLbl="revTx" presStyleIdx="2" presStyleCnt="4">
+        <dgm:presLayoutVars>
+          <dgm:chMax val="1"/>
+          <dgm:chPref val="1"/>
+          <dgm:bulletEnabled val="1"/>
+        </dgm:presLayoutVars>
+      </dgm:prSet>
+      <dgm:spPr/>
+    </dgm:pt>
+    <dgm:pt modelId="{D68EACAF-C292-46A9-9ABC-11D300CABFE3}" type="pres">
+      <dgm:prSet presAssocID="{339D2472-28BD-48D8-B6DB-6AEAB47DED90}" presName="Accent4" presStyleCnt="0"/>
+      <dgm:spPr/>
+    </dgm:pt>
+    <dgm:pt modelId="{94F1B919-DAB2-4B55-B975-D8E102722502}" type="pres">
+      <dgm:prSet presAssocID="{339D2472-28BD-48D8-B6DB-6AEAB47DED90}" presName="Accent" presStyleLbl="node1" presStyleIdx="3" presStyleCnt="4" custScaleX="75132" custScaleY="75132"/>
+      <dgm:spPr/>
+    </dgm:pt>
+    <dgm:pt modelId="{FFD68375-FF29-453A-A877-4648AFA7512E}" type="pres">
+      <dgm:prSet presAssocID="{339D2472-28BD-48D8-B6DB-6AEAB47DED90}" presName="Parent4" presStyleLbl="revTx" presStyleIdx="3" presStyleCnt="4">
+        <dgm:presLayoutVars>
+          <dgm:chMax val="1"/>
+          <dgm:chPref val="1"/>
+          <dgm:bulletEnabled val="1"/>
+        </dgm:presLayoutVars>
+      </dgm:prSet>
+      <dgm:spPr/>
+    </dgm:pt>
+  </dgm:ptLst>
+  <dgm:cxnLst>
+    <dgm:cxn modelId="{C06D2E78-3DFF-4C24-B309-48272CF81576}" type="presOf" srcId="{ABB256E9-4D25-4C5E-A03F-3AE622D5BAF4}" destId="{A80AA2DB-D230-4E72-ABB6-3E89B7A0E030}" srcOrd="0" destOrd="0" presId="urn:microsoft.com/office/officeart/2009/layout/CircleArrowProcess"/>
+    <dgm:cxn modelId="{BAF05469-36CA-4A1D-9CF7-B68F96208689}" type="presOf" srcId="{1C97DF3B-C4C7-4E56-A077-0375F54B8596}" destId="{5D72B1BA-B6D5-4017-A97B-3F57F708DB8B}" srcOrd="0" destOrd="0" presId="urn:microsoft.com/office/officeart/2009/layout/CircleArrowProcess"/>
+    <dgm:cxn modelId="{9F14DF10-EAA4-4266-A87E-34217EA6309E}" srcId="{1C97DF3B-C4C7-4E56-A077-0375F54B8596}" destId="{E1E53C73-CD12-43D9-8D13-BFB606CD3812}" srcOrd="1" destOrd="0" parTransId="{66B89DCF-7A99-4E5E-8F2D-90B858504CB5}" sibTransId="{E5627B72-8677-4082-840E-409C1E54A07E}"/>
+    <dgm:cxn modelId="{A06E99AB-5F07-437B-BF71-2E74E740A784}" srcId="{1C97DF3B-C4C7-4E56-A077-0375F54B8596}" destId="{ABB256E9-4D25-4C5E-A03F-3AE622D5BAF4}" srcOrd="2" destOrd="0" parTransId="{37F39A6E-457D-41F4-9A2A-7D210F6FD865}" sibTransId="{018F2759-71F3-419D-933D-A5E76ED122FC}"/>
+    <dgm:cxn modelId="{8FD50FD0-5DDB-4864-9635-2AF36DAC952C}" type="presOf" srcId="{339D2472-28BD-48D8-B6DB-6AEAB47DED90}" destId="{FFD68375-FF29-453A-A877-4648AFA7512E}" srcOrd="0" destOrd="0" presId="urn:microsoft.com/office/officeart/2009/layout/CircleArrowProcess"/>
+    <dgm:cxn modelId="{67BA436E-2BC9-4356-B3A7-90DECC45F6FF}" srcId="{1C97DF3B-C4C7-4E56-A077-0375F54B8596}" destId="{63E7A2EA-8D8B-429C-A89A-63B141C812E0}" srcOrd="0" destOrd="0" parTransId="{9611AE2C-AD9D-4E43-980F-3980C0592600}" sibTransId="{2DA0FD22-22A5-4DB2-A7CE-511F2E68A384}"/>
+    <dgm:cxn modelId="{B9997388-0932-4EFE-A1B7-658B3CCA5442}" srcId="{1C97DF3B-C4C7-4E56-A077-0375F54B8596}" destId="{339D2472-28BD-48D8-B6DB-6AEAB47DED90}" srcOrd="3" destOrd="0" parTransId="{27BD4463-0162-4B9F-A2D3-AEF265577F97}" sibTransId="{3967070B-D125-4D00-ADDA-8B02EB840877}"/>
+    <dgm:cxn modelId="{ADC83116-ACFB-4E43-9C02-B0E63136AEEA}" type="presOf" srcId="{E1E53C73-CD12-43D9-8D13-BFB606CD3812}" destId="{DE729958-D000-4185-9D74-F7811337D0A7}" srcOrd="0" destOrd="0" presId="urn:microsoft.com/office/officeart/2009/layout/CircleArrowProcess"/>
+    <dgm:cxn modelId="{3112A7FF-0C3A-415E-822C-C73545026EB9}" type="presOf" srcId="{63E7A2EA-8D8B-429C-A89A-63B141C812E0}" destId="{5D8640B1-FE58-4174-9B62-EC2A70768EF9}" srcOrd="0" destOrd="0" presId="urn:microsoft.com/office/officeart/2009/layout/CircleArrowProcess"/>
+    <dgm:cxn modelId="{2094766E-FD17-4A27-B6DC-2A48109E476B}" type="presParOf" srcId="{5D72B1BA-B6D5-4017-A97B-3F57F708DB8B}" destId="{2D4AEB93-7F11-4ED2-8815-198AD5E564C3}" srcOrd="0" destOrd="0" presId="urn:microsoft.com/office/officeart/2009/layout/CircleArrowProcess"/>
+    <dgm:cxn modelId="{F227DAEF-44DE-4EA1-A49C-66796B824679}" type="presParOf" srcId="{2D4AEB93-7F11-4ED2-8815-198AD5E564C3}" destId="{E803077D-DF24-4E8A-A67D-8B0A3C3095E3}" srcOrd="0" destOrd="0" presId="urn:microsoft.com/office/officeart/2009/layout/CircleArrowProcess"/>
+    <dgm:cxn modelId="{31B3AAF6-E442-4C7E-B641-1F4E9D805719}" type="presParOf" srcId="{5D72B1BA-B6D5-4017-A97B-3F57F708DB8B}" destId="{5D8640B1-FE58-4174-9B62-EC2A70768EF9}" srcOrd="1" destOrd="0" presId="urn:microsoft.com/office/officeart/2009/layout/CircleArrowProcess"/>
+    <dgm:cxn modelId="{5AB549B7-7BB2-4D4C-B4EB-2613CE951B83}" type="presParOf" srcId="{5D72B1BA-B6D5-4017-A97B-3F57F708DB8B}" destId="{C40FB5D4-219E-4649-9B02-24B45D4E06CA}" srcOrd="2" destOrd="0" presId="urn:microsoft.com/office/officeart/2009/layout/CircleArrowProcess"/>
+    <dgm:cxn modelId="{49622331-3283-4127-A706-3F9899F986D9}" type="presParOf" srcId="{C40FB5D4-219E-4649-9B02-24B45D4E06CA}" destId="{6B01D528-4FA2-4C64-B3B5-C70B7699133D}" srcOrd="0" destOrd="0" presId="urn:microsoft.com/office/officeart/2009/layout/CircleArrowProcess"/>
+    <dgm:cxn modelId="{C41A1EEF-54B0-4108-A799-791DE6800C82}" type="presParOf" srcId="{5D72B1BA-B6D5-4017-A97B-3F57F708DB8B}" destId="{DE729958-D000-4185-9D74-F7811337D0A7}" srcOrd="3" destOrd="0" presId="urn:microsoft.com/office/officeart/2009/layout/CircleArrowProcess"/>
+    <dgm:cxn modelId="{AC5D5B36-70DB-4308-B0B0-33A8D74164CF}" type="presParOf" srcId="{5D72B1BA-B6D5-4017-A97B-3F57F708DB8B}" destId="{1AE84A36-F644-4710-8B63-78556536C9B2}" srcOrd="4" destOrd="0" presId="urn:microsoft.com/office/officeart/2009/layout/CircleArrowProcess"/>
+    <dgm:cxn modelId="{77BE15C5-7B29-4DA5-AFA4-6F757055D5BE}" type="presParOf" srcId="{1AE84A36-F644-4710-8B63-78556536C9B2}" destId="{8C4885DB-8DCA-4377-A131-5FC1C7F81BD4}" srcOrd="0" destOrd="0" presId="urn:microsoft.com/office/officeart/2009/layout/CircleArrowProcess"/>
+    <dgm:cxn modelId="{01D00B7B-4A1E-4DB9-AC84-ED63098693CE}" type="presParOf" srcId="{5D72B1BA-B6D5-4017-A97B-3F57F708DB8B}" destId="{A80AA2DB-D230-4E72-ABB6-3E89B7A0E030}" srcOrd="5" destOrd="0" presId="urn:microsoft.com/office/officeart/2009/layout/CircleArrowProcess"/>
+    <dgm:cxn modelId="{FDFDFA10-32C0-4902-94CC-939D052C0661}" type="presParOf" srcId="{5D72B1BA-B6D5-4017-A97B-3F57F708DB8B}" destId="{D68EACAF-C292-46A9-9ABC-11D300CABFE3}" srcOrd="6" destOrd="0" presId="urn:microsoft.com/office/officeart/2009/layout/CircleArrowProcess"/>
+    <dgm:cxn modelId="{55A2321F-8B1D-4CD5-9142-EEB9F8AE955F}" type="presParOf" srcId="{D68EACAF-C292-46A9-9ABC-11D300CABFE3}" destId="{94F1B919-DAB2-4B55-B975-D8E102722502}" srcOrd="0" destOrd="0" presId="urn:microsoft.com/office/officeart/2009/layout/CircleArrowProcess"/>
+    <dgm:cxn modelId="{18400E54-8205-4B44-B919-B0D9C74E72B4}" type="presParOf" srcId="{5D72B1BA-B6D5-4017-A97B-3F57F708DB8B}" destId="{FFD68375-FF29-453A-A877-4648AFA7512E}" srcOrd="7" destOrd="0" presId="urn:microsoft.com/office/officeart/2009/layout/CircleArrowProcess"/>
+  </dgm:cxnLst>
+  <dgm:bg/>
+  <dgm:whole/>
+  <dgm:extLst>
+    <a:ext uri="http://schemas.microsoft.com/office/drawing/2008/diagram">
+      <dsp:dataModelExt xmlns:dsp="http://schemas.microsoft.com/office/drawing/2008/diagram" relId="rId7" minVer="http://schemas.openxmlformats.org/drawingml/2006/diagram"/>
     </a:ext>
   </dgm:extLst>
 </dgm:dataModel>
@@ -1744,7 +2892,7 @@
         </a:bodyPr>
         <a:lstStyle/>
         <a:p>
-          <a:pPr marL="0" lvl="0" indent="0" algn="ctr" defTabSz="533400">
+          <a:pPr lvl="0" algn="ctr" defTabSz="533400">
             <a:lnSpc>
               <a:spcPct val="90000"/>
             </a:lnSpc>
@@ -1754,7 +2902,6 @@
             <a:spcAft>
               <a:spcPct val="35000"/>
             </a:spcAft>
-            <a:buNone/>
           </a:pPr>
           <a:r>
             <a:rPr lang="en-US" sz="1200" kern="1200" dirty="0"/>
@@ -1822,7 +2969,7 @@
         </a:bodyPr>
         <a:lstStyle/>
         <a:p>
-          <a:pPr marL="0" lvl="0" indent="0" algn="ctr" defTabSz="444500">
+          <a:pPr lvl="0" algn="ctr" defTabSz="444500">
             <a:lnSpc>
               <a:spcPct val="90000"/>
             </a:lnSpc>
@@ -1832,7 +2979,6 @@
             <a:spcAft>
               <a:spcPct val="35000"/>
             </a:spcAft>
-            <a:buNone/>
           </a:pPr>
           <a:r>
             <a:rPr lang="en-US" sz="1000" kern="1200" dirty="0"/>
@@ -1900,7 +3046,7 @@
         </a:bodyPr>
         <a:lstStyle/>
         <a:p>
-          <a:pPr marL="0" lvl="0" indent="0" algn="ctr" defTabSz="444500">
+          <a:pPr lvl="0" algn="ctr" defTabSz="444500">
             <a:lnSpc>
               <a:spcPct val="90000"/>
             </a:lnSpc>
@@ -1910,7 +3056,6 @@
             <a:spcAft>
               <a:spcPct val="35000"/>
             </a:spcAft>
-            <a:buNone/>
           </a:pPr>
           <a:r>
             <a:rPr lang="en-US" sz="1000" kern="1200" dirty="0"/>
@@ -1978,7 +3123,7 @@
         </a:bodyPr>
         <a:lstStyle/>
         <a:p>
-          <a:pPr marL="0" lvl="0" indent="0" algn="ctr" defTabSz="444500">
+          <a:pPr lvl="0" algn="ctr" defTabSz="444500">
             <a:lnSpc>
               <a:spcPct val="90000"/>
             </a:lnSpc>
@@ -1988,7 +3133,6 @@
             <a:spcAft>
               <a:spcPct val="35000"/>
             </a:spcAft>
-            <a:buNone/>
           </a:pPr>
           <a:r>
             <a:rPr lang="en-US" sz="1000" kern="1200" dirty="0"/>
@@ -2056,7 +3200,7 @@
         </a:bodyPr>
         <a:lstStyle/>
         <a:p>
-          <a:pPr marL="0" lvl="0" indent="0" algn="ctr" defTabSz="444500">
+          <a:pPr lvl="0" algn="ctr" defTabSz="444500">
             <a:lnSpc>
               <a:spcPct val="90000"/>
             </a:lnSpc>
@@ -2066,7 +3210,6 @@
             <a:spcAft>
               <a:spcPct val="35000"/>
             </a:spcAft>
-            <a:buNone/>
           </a:pPr>
           <a:r>
             <a:rPr lang="en-US" sz="1000" kern="1200" dirty="0"/>
@@ -2134,7 +3277,7 @@
         </a:bodyPr>
         <a:lstStyle/>
         <a:p>
-          <a:pPr marL="0" lvl="0" indent="0" algn="ctr" defTabSz="444500">
+          <a:pPr lvl="0" algn="ctr" defTabSz="444500">
             <a:lnSpc>
               <a:spcPct val="90000"/>
             </a:lnSpc>
@@ -2144,7 +3287,6 @@
             <a:spcAft>
               <a:spcPct val="35000"/>
             </a:spcAft>
-            <a:buNone/>
           </a:pPr>
           <a:r>
             <a:rPr lang="en-US" sz="1000" kern="1200" dirty="0"/>
@@ -2212,7 +3354,7 @@
         </a:bodyPr>
         <a:lstStyle/>
         <a:p>
-          <a:pPr marL="0" lvl="0" indent="0" algn="ctr" defTabSz="444500">
+          <a:pPr lvl="0" algn="ctr" defTabSz="444500">
             <a:lnSpc>
               <a:spcPct val="90000"/>
             </a:lnSpc>
@@ -2222,7 +3364,6 @@
             <a:spcAft>
               <a:spcPct val="35000"/>
             </a:spcAft>
-            <a:buNone/>
           </a:pPr>
           <a:r>
             <a:rPr lang="en-US" sz="1000" kern="1200" dirty="0"/>
@@ -2290,7 +3431,7 @@
         </a:bodyPr>
         <a:lstStyle/>
         <a:p>
-          <a:pPr marL="0" lvl="0" indent="0" algn="ctr" defTabSz="444500">
+          <a:pPr lvl="0" algn="ctr" defTabSz="444500">
             <a:lnSpc>
               <a:spcPct val="90000"/>
             </a:lnSpc>
@@ -2300,7 +3441,6 @@
             <a:spcAft>
               <a:spcPct val="35000"/>
             </a:spcAft>
-            <a:buNone/>
           </a:pPr>
           <a:r>
             <a:rPr lang="en-US" sz="1000" kern="1200" dirty="0"/>
@@ -2311,6 +3451,480 @@
       <dsp:txXfrm>
         <a:off x="1661040" y="907569"/>
         <a:ext cx="773978" cy="773978"/>
+      </dsp:txXfrm>
+    </dsp:sp>
+  </dsp:spTree>
+</dsp:drawing>
+</file>
+
+<file path=ppt/diagrams/drawing2.xml><?xml version="1.0" encoding="utf-8"?>
+<dsp:drawing xmlns:dgm="http://schemas.openxmlformats.org/drawingml/2006/diagram" xmlns:dsp="http://schemas.microsoft.com/office/drawing/2008/diagram" xmlns:a="http://schemas.openxmlformats.org/drawingml/2006/main">
+  <dsp:spTree>
+    <dsp:nvGrpSpPr>
+      <dsp:cNvPr id="0" name=""/>
+      <dsp:cNvGrpSpPr/>
+    </dsp:nvGrpSpPr>
+    <dsp:grpSpPr/>
+    <dsp:sp modelId="{E803077D-DF24-4E8A-A67D-8B0A3C3095E3}">
+      <dsp:nvSpPr>
+        <dsp:cNvPr id="0" name=""/>
+        <dsp:cNvSpPr/>
+      </dsp:nvSpPr>
+      <dsp:spPr>
+        <a:xfrm>
+          <a:off x="3518721" y="203934"/>
+          <a:ext cx="1740599" cy="1740776"/>
+        </a:xfrm>
+        <a:prstGeom prst="circularArrow">
+          <a:avLst>
+            <a:gd name="adj1" fmla="val 10980"/>
+            <a:gd name="adj2" fmla="val 1142322"/>
+            <a:gd name="adj3" fmla="val 4500000"/>
+            <a:gd name="adj4" fmla="val 10800000"/>
+            <a:gd name="adj5" fmla="val 12500"/>
+          </a:avLst>
+        </a:prstGeom>
+        <a:solidFill>
+          <a:schemeClr val="accent1">
+            <a:hueOff val="0"/>
+            <a:satOff val="0"/>
+            <a:lumOff val="0"/>
+            <a:alphaOff val="0"/>
+          </a:schemeClr>
+        </a:solidFill>
+        <a:ln w="12700" cap="flat" cmpd="sng" algn="ctr">
+          <a:solidFill>
+            <a:schemeClr val="lt1">
+              <a:hueOff val="0"/>
+              <a:satOff val="0"/>
+              <a:lumOff val="0"/>
+              <a:alphaOff val="0"/>
+            </a:schemeClr>
+          </a:solidFill>
+          <a:prstDash val="solid"/>
+          <a:miter lim="800000"/>
+        </a:ln>
+        <a:effectLst/>
+      </dsp:spPr>
+      <dsp:style>
+        <a:lnRef idx="2">
+          <a:scrgbClr r="0" g="0" b="0"/>
+        </a:lnRef>
+        <a:fillRef idx="1">
+          <a:scrgbClr r="0" g="0" b="0"/>
+        </a:fillRef>
+        <a:effectRef idx="0">
+          <a:scrgbClr r="0" g="0" b="0"/>
+        </a:effectRef>
+        <a:fontRef idx="minor">
+          <a:schemeClr val="lt1"/>
+        </a:fontRef>
+      </dsp:style>
+    </dsp:sp>
+    <dsp:sp modelId="{5D8640B1-FE58-4174-9B62-EC2A70768EF9}">
+      <dsp:nvSpPr>
+        <dsp:cNvPr id="0" name=""/>
+        <dsp:cNvSpPr/>
+      </dsp:nvSpPr>
+      <dsp:spPr>
+        <a:xfrm>
+          <a:off x="3800960" y="783591"/>
+          <a:ext cx="1175331" cy="587605"/>
+        </a:xfrm>
+        <a:prstGeom prst="rect">
+          <a:avLst/>
+        </a:prstGeom>
+        <a:noFill/>
+        <a:ln>
+          <a:noFill/>
+        </a:ln>
+        <a:effectLst/>
+      </dsp:spPr>
+      <dsp:style>
+        <a:lnRef idx="0">
+          <a:scrgbClr r="0" g="0" b="0"/>
+        </a:lnRef>
+        <a:fillRef idx="0">
+          <a:scrgbClr r="0" g="0" b="0"/>
+        </a:fillRef>
+        <a:effectRef idx="0">
+          <a:scrgbClr r="0" g="0" b="0"/>
+        </a:effectRef>
+        <a:fontRef idx="minor"/>
+      </dsp:style>
+      <dsp:txBody>
+        <a:bodyPr spcFirstLastPara="0" vert="horz" wrap="square" lIns="6985" tIns="6985" rIns="6985" bIns="6985" numCol="1" spcCol="1270" anchor="ctr" anchorCtr="0">
+          <a:noAutofit/>
+        </a:bodyPr>
+        <a:lstStyle/>
+        <a:p>
+          <a:pPr lvl="0" algn="ctr" defTabSz="488950">
+            <a:lnSpc>
+              <a:spcPct val="90000"/>
+            </a:lnSpc>
+            <a:spcBef>
+              <a:spcPct val="0"/>
+            </a:spcBef>
+            <a:spcAft>
+              <a:spcPct val="35000"/>
+            </a:spcAft>
+          </a:pPr>
+          <a:r>
+            <a:rPr lang="en-US" sz="1100" kern="1200" dirty="0" smtClean="0"/>
+            <a:t>Planning</a:t>
+          </a:r>
+          <a:endParaRPr lang="en-US" sz="1100" kern="1200" dirty="0"/>
+        </a:p>
+      </dsp:txBody>
+      <dsp:txXfrm>
+        <a:off x="3800960" y="783591"/>
+        <a:ext cx="1175331" cy="587605"/>
+      </dsp:txXfrm>
+    </dsp:sp>
+    <dsp:sp modelId="{6B01D528-4FA2-4C64-B3B5-C70B7699133D}">
+      <dsp:nvSpPr>
+        <dsp:cNvPr id="0" name=""/>
+        <dsp:cNvSpPr/>
+      </dsp:nvSpPr>
+      <dsp:spPr>
+        <a:xfrm>
+          <a:off x="3012740" y="1493458"/>
+          <a:ext cx="1582366" cy="1582527"/>
+        </a:xfrm>
+        <a:prstGeom prst="leftCircularArrow">
+          <a:avLst>
+            <a:gd name="adj1" fmla="val 10980"/>
+            <a:gd name="adj2" fmla="val 1142322"/>
+            <a:gd name="adj3" fmla="val 6300000"/>
+            <a:gd name="adj4" fmla="val 18900000"/>
+            <a:gd name="adj5" fmla="val 12500"/>
+          </a:avLst>
+        </a:prstGeom>
+        <a:solidFill>
+          <a:schemeClr val="accent1">
+            <a:hueOff val="0"/>
+            <a:satOff val="0"/>
+            <a:lumOff val="0"/>
+            <a:alphaOff val="0"/>
+          </a:schemeClr>
+        </a:solidFill>
+        <a:ln w="12700" cap="flat" cmpd="sng" algn="ctr">
+          <a:solidFill>
+            <a:schemeClr val="lt1">
+              <a:hueOff val="0"/>
+              <a:satOff val="0"/>
+              <a:lumOff val="0"/>
+              <a:alphaOff val="0"/>
+            </a:schemeClr>
+          </a:solidFill>
+          <a:prstDash val="solid"/>
+          <a:miter lim="800000"/>
+        </a:ln>
+        <a:effectLst/>
+      </dsp:spPr>
+      <dsp:style>
+        <a:lnRef idx="2">
+          <a:scrgbClr r="0" g="0" b="0"/>
+        </a:lnRef>
+        <a:fillRef idx="1">
+          <a:scrgbClr r="0" g="0" b="0"/>
+        </a:fillRef>
+        <a:effectRef idx="0">
+          <a:scrgbClr r="0" g="0" b="0"/>
+        </a:effectRef>
+        <a:fontRef idx="minor">
+          <a:schemeClr val="lt1"/>
+        </a:fontRef>
+      </dsp:style>
+    </dsp:sp>
+    <dsp:sp modelId="{DE729958-D000-4185-9D74-F7811337D0A7}">
+      <dsp:nvSpPr>
+        <dsp:cNvPr id="0" name=""/>
+        <dsp:cNvSpPr/>
+      </dsp:nvSpPr>
+      <dsp:spPr>
+        <a:xfrm>
+          <a:off x="3213492" y="1996225"/>
+          <a:ext cx="1175331" cy="587605"/>
+        </a:xfrm>
+        <a:prstGeom prst="rect">
+          <a:avLst/>
+        </a:prstGeom>
+        <a:noFill/>
+        <a:ln>
+          <a:noFill/>
+        </a:ln>
+        <a:effectLst/>
+      </dsp:spPr>
+      <dsp:style>
+        <a:lnRef idx="0">
+          <a:scrgbClr r="0" g="0" b="0"/>
+        </a:lnRef>
+        <a:fillRef idx="0">
+          <a:scrgbClr r="0" g="0" b="0"/>
+        </a:fillRef>
+        <a:effectRef idx="0">
+          <a:scrgbClr r="0" g="0" b="0"/>
+        </a:effectRef>
+        <a:fontRef idx="minor"/>
+      </dsp:style>
+      <dsp:txBody>
+        <a:bodyPr spcFirstLastPara="0" vert="horz" wrap="square" lIns="6985" tIns="6985" rIns="6985" bIns="6985" numCol="1" spcCol="1270" anchor="ctr" anchorCtr="0">
+          <a:noAutofit/>
+        </a:bodyPr>
+        <a:lstStyle/>
+        <a:p>
+          <a:pPr lvl="0" algn="ctr" defTabSz="488950">
+            <a:lnSpc>
+              <a:spcPct val="90000"/>
+            </a:lnSpc>
+            <a:spcBef>
+              <a:spcPct val="0"/>
+            </a:spcBef>
+            <a:spcAft>
+              <a:spcPct val="35000"/>
+            </a:spcAft>
+          </a:pPr>
+          <a:r>
+            <a:rPr lang="en-US" sz="1100" kern="1200" dirty="0" smtClean="0"/>
+            <a:t>Analysis</a:t>
+          </a:r>
+          <a:endParaRPr lang="en-US" sz="1100" kern="1200" dirty="0"/>
+        </a:p>
+      </dsp:txBody>
+      <dsp:txXfrm>
+        <a:off x="3213492" y="1996225"/>
+        <a:ext cx="1175331" cy="587605"/>
+      </dsp:txXfrm>
+    </dsp:sp>
+    <dsp:sp modelId="{8C4885DB-8DCA-4377-A131-5FC1C7F81BD4}">
+      <dsp:nvSpPr>
+        <dsp:cNvPr id="0" name=""/>
+        <dsp:cNvSpPr/>
+      </dsp:nvSpPr>
+      <dsp:spPr>
+        <a:xfrm>
+          <a:off x="3597838" y="2708326"/>
+          <a:ext cx="1582366" cy="1582527"/>
+        </a:xfrm>
+        <a:prstGeom prst="circularArrow">
+          <a:avLst>
+            <a:gd name="adj1" fmla="val 10980"/>
+            <a:gd name="adj2" fmla="val 1142322"/>
+            <a:gd name="adj3" fmla="val 4500000"/>
+            <a:gd name="adj4" fmla="val 13500000"/>
+            <a:gd name="adj5" fmla="val 12500"/>
+          </a:avLst>
+        </a:prstGeom>
+        <a:solidFill>
+          <a:schemeClr val="accent1">
+            <a:hueOff val="0"/>
+            <a:satOff val="0"/>
+            <a:lumOff val="0"/>
+            <a:alphaOff val="0"/>
+          </a:schemeClr>
+        </a:solidFill>
+        <a:ln w="12700" cap="flat" cmpd="sng" algn="ctr">
+          <a:solidFill>
+            <a:schemeClr val="lt1">
+              <a:hueOff val="0"/>
+              <a:satOff val="0"/>
+              <a:lumOff val="0"/>
+              <a:alphaOff val="0"/>
+            </a:schemeClr>
+          </a:solidFill>
+          <a:prstDash val="solid"/>
+          <a:miter lim="800000"/>
+        </a:ln>
+        <a:effectLst/>
+      </dsp:spPr>
+      <dsp:style>
+        <a:lnRef idx="2">
+          <a:scrgbClr r="0" g="0" b="0"/>
+        </a:lnRef>
+        <a:fillRef idx="1">
+          <a:scrgbClr r="0" g="0" b="0"/>
+        </a:fillRef>
+        <a:effectRef idx="0">
+          <a:scrgbClr r="0" g="0" b="0"/>
+        </a:effectRef>
+        <a:fontRef idx="minor">
+          <a:schemeClr val="lt1"/>
+        </a:fontRef>
+      </dsp:style>
+    </dsp:sp>
+    <dsp:sp modelId="{A80AA2DB-D230-4E72-ABB6-3E89B7A0E030}">
+      <dsp:nvSpPr>
+        <dsp:cNvPr id="0" name=""/>
+        <dsp:cNvSpPr/>
+      </dsp:nvSpPr>
+      <dsp:spPr>
+        <a:xfrm>
+          <a:off x="3800960" y="3208859"/>
+          <a:ext cx="1175331" cy="587605"/>
+        </a:xfrm>
+        <a:prstGeom prst="rect">
+          <a:avLst/>
+        </a:prstGeom>
+        <a:noFill/>
+        <a:ln>
+          <a:noFill/>
+        </a:ln>
+        <a:effectLst/>
+      </dsp:spPr>
+      <dsp:style>
+        <a:lnRef idx="0">
+          <a:scrgbClr r="0" g="0" b="0"/>
+        </a:lnRef>
+        <a:fillRef idx="0">
+          <a:scrgbClr r="0" g="0" b="0"/>
+        </a:fillRef>
+        <a:effectRef idx="0">
+          <a:scrgbClr r="0" g="0" b="0"/>
+        </a:effectRef>
+        <a:fontRef idx="minor"/>
+      </dsp:style>
+      <dsp:txBody>
+        <a:bodyPr spcFirstLastPara="0" vert="horz" wrap="square" lIns="6985" tIns="6985" rIns="6985" bIns="6985" numCol="1" spcCol="1270" anchor="ctr" anchorCtr="0">
+          <a:noAutofit/>
+        </a:bodyPr>
+        <a:lstStyle/>
+        <a:p>
+          <a:pPr lvl="0" algn="ctr" defTabSz="488950">
+            <a:lnSpc>
+              <a:spcPct val="90000"/>
+            </a:lnSpc>
+            <a:spcBef>
+              <a:spcPct val="0"/>
+            </a:spcBef>
+            <a:spcAft>
+              <a:spcPct val="35000"/>
+            </a:spcAft>
+          </a:pPr>
+          <a:r>
+            <a:rPr lang="en-US" sz="1100" kern="1200" dirty="0" smtClean="0"/>
+            <a:t>Design</a:t>
+          </a:r>
+          <a:endParaRPr lang="en-US" sz="1100" kern="1200" dirty="0"/>
+        </a:p>
+      </dsp:txBody>
+      <dsp:txXfrm>
+        <a:off x="3800960" y="3208859"/>
+        <a:ext cx="1175331" cy="587605"/>
+      </dsp:txXfrm>
+    </dsp:sp>
+    <dsp:sp modelId="{94F1B919-DAB2-4B55-B975-D8E102722502}">
+      <dsp:nvSpPr>
+        <dsp:cNvPr id="0" name=""/>
+        <dsp:cNvSpPr/>
+      </dsp:nvSpPr>
+      <dsp:spPr>
+        <a:xfrm>
+          <a:off x="3125975" y="4021556"/>
+          <a:ext cx="1359452" cy="1360109"/>
+        </a:xfrm>
+        <a:prstGeom prst="blockArc">
+          <a:avLst>
+            <a:gd name="adj1" fmla="val 0"/>
+            <a:gd name="adj2" fmla="val 18900000"/>
+            <a:gd name="adj3" fmla="val 12740"/>
+          </a:avLst>
+        </a:prstGeom>
+        <a:solidFill>
+          <a:schemeClr val="accent1">
+            <a:hueOff val="0"/>
+            <a:satOff val="0"/>
+            <a:lumOff val="0"/>
+            <a:alphaOff val="0"/>
+          </a:schemeClr>
+        </a:solidFill>
+        <a:ln w="12700" cap="flat" cmpd="sng" algn="ctr">
+          <a:solidFill>
+            <a:schemeClr val="lt1">
+              <a:hueOff val="0"/>
+              <a:satOff val="0"/>
+              <a:lumOff val="0"/>
+              <a:alphaOff val="0"/>
+            </a:schemeClr>
+          </a:solidFill>
+          <a:prstDash val="solid"/>
+          <a:miter lim="800000"/>
+        </a:ln>
+        <a:effectLst/>
+      </dsp:spPr>
+      <dsp:style>
+        <a:lnRef idx="2">
+          <a:scrgbClr r="0" g="0" b="0"/>
+        </a:lnRef>
+        <a:fillRef idx="1">
+          <a:scrgbClr r="0" g="0" b="0"/>
+        </a:fillRef>
+        <a:effectRef idx="0">
+          <a:scrgbClr r="0" g="0" b="0"/>
+        </a:effectRef>
+        <a:fontRef idx="minor">
+          <a:schemeClr val="lt1"/>
+        </a:fontRef>
+      </dsp:style>
+    </dsp:sp>
+    <dsp:sp modelId="{FFD68375-FF29-453A-A877-4648AFA7512E}">
+      <dsp:nvSpPr>
+        <dsp:cNvPr id="0" name=""/>
+        <dsp:cNvSpPr/>
+      </dsp:nvSpPr>
+      <dsp:spPr>
+        <a:xfrm>
+          <a:off x="3213492" y="4421493"/>
+          <a:ext cx="1175331" cy="587605"/>
+        </a:xfrm>
+        <a:prstGeom prst="rect">
+          <a:avLst/>
+        </a:prstGeom>
+        <a:noFill/>
+        <a:ln>
+          <a:noFill/>
+        </a:ln>
+        <a:effectLst/>
+      </dsp:spPr>
+      <dsp:style>
+        <a:lnRef idx="0">
+          <a:scrgbClr r="0" g="0" b="0"/>
+        </a:lnRef>
+        <a:fillRef idx="0">
+          <a:scrgbClr r="0" g="0" b="0"/>
+        </a:fillRef>
+        <a:effectRef idx="0">
+          <a:scrgbClr r="0" g="0" b="0"/>
+        </a:effectRef>
+        <a:fontRef idx="minor"/>
+      </dsp:style>
+      <dsp:txBody>
+        <a:bodyPr spcFirstLastPara="0" vert="horz" wrap="square" lIns="6985" tIns="6985" rIns="6985" bIns="6985" numCol="1" spcCol="1270" anchor="ctr" anchorCtr="0">
+          <a:noAutofit/>
+        </a:bodyPr>
+        <a:lstStyle/>
+        <a:p>
+          <a:pPr lvl="0" algn="ctr" defTabSz="488950">
+            <a:lnSpc>
+              <a:spcPct val="90000"/>
+            </a:lnSpc>
+            <a:spcBef>
+              <a:spcPct val="0"/>
+            </a:spcBef>
+            <a:spcAft>
+              <a:spcPct val="35000"/>
+            </a:spcAft>
+          </a:pPr>
+          <a:r>
+            <a:rPr lang="en-US" sz="1100" kern="1200" dirty="0" smtClean="0"/>
+            <a:t>Implementation</a:t>
+          </a:r>
+          <a:endParaRPr lang="en-US" sz="1100" kern="1200" dirty="0"/>
+        </a:p>
+      </dsp:txBody>
+      <dsp:txXfrm>
+        <a:off x="3213492" y="4421493"/>
+        <a:ext cx="1175331" cy="587605"/>
       </dsp:txXfrm>
     </dsp:sp>
   </dsp:spTree>
@@ -2724,7 +4338,3117 @@
 </dgm:layoutDef>
 </file>
 
+<file path=ppt/diagrams/layout2.xml><?xml version="1.0" encoding="utf-8"?>
+<dgm:layoutDef xmlns:dgm="http://schemas.openxmlformats.org/drawingml/2006/diagram" xmlns:a="http://schemas.openxmlformats.org/drawingml/2006/main" uniqueId="urn:microsoft.com/office/officeart/2009/layout/CircleArrowProcess">
+  <dgm:title val=""/>
+  <dgm:desc val=""/>
+  <dgm:catLst>
+    <dgm:cat type="process" pri="16500"/>
+    <dgm:cat type="cycle" pri="16000"/>
+  </dgm:catLst>
+  <dgm:sampData>
+    <dgm:dataModel>
+      <dgm:ptLst>
+        <dgm:pt modelId="0" type="doc"/>
+        <dgm:pt modelId="10">
+          <dgm:prSet phldr="1"/>
+        </dgm:pt>
+        <dgm:pt modelId="20">
+          <dgm:prSet phldr="1"/>
+        </dgm:pt>
+        <dgm:pt modelId="30">
+          <dgm:prSet phldr="1"/>
+        </dgm:pt>
+      </dgm:ptLst>
+      <dgm:cxnLst>
+        <dgm:cxn modelId="40" srcId="0" destId="10" srcOrd="0" destOrd="0"/>
+        <dgm:cxn modelId="50" srcId="0" destId="20" srcOrd="1" destOrd="0"/>
+        <dgm:cxn modelId="60" srcId="0" destId="30" srcOrd="2" destOrd="0"/>
+      </dgm:cxnLst>
+      <dgm:bg/>
+      <dgm:whole/>
+    </dgm:dataModel>
+  </dgm:sampData>
+  <dgm:styleData>
+    <dgm:dataModel>
+      <dgm:ptLst>
+        <dgm:pt modelId="0" type="doc"/>
+        <dgm:pt modelId="10">
+          <dgm:prSet phldr="1"/>
+        </dgm:pt>
+        <dgm:pt modelId="20">
+          <dgm:prSet phldr="1"/>
+        </dgm:pt>
+      </dgm:ptLst>
+      <dgm:cxnLst>
+        <dgm:cxn modelId="30" srcId="0" destId="10" srcOrd="0" destOrd="0"/>
+        <dgm:cxn modelId="40" srcId="0" destId="20" srcOrd="1" destOrd="0"/>
+      </dgm:cxnLst>
+      <dgm:bg/>
+      <dgm:whole/>
+    </dgm:dataModel>
+  </dgm:styleData>
+  <dgm:clrData>
+    <dgm:dataModel>
+      <dgm:ptLst>
+        <dgm:pt modelId="0" type="doc"/>
+        <dgm:pt modelId="10">
+          <dgm:prSet phldr="1"/>
+        </dgm:pt>
+        <dgm:pt modelId="20">
+          <dgm:prSet phldr="1"/>
+        </dgm:pt>
+        <dgm:pt modelId="30">
+          <dgm:prSet phldr="1"/>
+        </dgm:pt>
+        <dgm:pt modelId="40">
+          <dgm:prSet phldr="1"/>
+        </dgm:pt>
+      </dgm:ptLst>
+      <dgm:cxnLst>
+        <dgm:cxn modelId="50" srcId="0" destId="10" srcOrd="0" destOrd="0"/>
+        <dgm:cxn modelId="60" srcId="0" destId="20" srcOrd="1" destOrd="0"/>
+        <dgm:cxn modelId="70" srcId="0" destId="30" srcOrd="2" destOrd="0"/>
+        <dgm:cxn modelId="80" srcId="0" destId="40" srcOrd="3" destOrd="0"/>
+      </dgm:cxnLst>
+      <dgm:bg/>
+      <dgm:whole/>
+    </dgm:dataModel>
+  </dgm:clrData>
+  <dgm:layoutNode name="Name0">
+    <dgm:varLst>
+      <dgm:chMax val="7"/>
+      <dgm:chPref val="7"/>
+      <dgm:dir/>
+      <dgm:animLvl val="lvl"/>
+    </dgm:varLst>
+    <dgm:shape xmlns:r="http://schemas.openxmlformats.org/officeDocument/2006/relationships" r:blip="">
+      <dgm:adjLst/>
+    </dgm:shape>
+    <dgm:choose name="Name1">
+      <dgm:if name="Name2" func="var" arg="dir" op="equ" val="norm">
+        <dgm:choose name="Name3">
+          <dgm:if name="Name4" axis="ch" ptType="node" func="cnt" op="equ" val="1">
+            <dgm:alg type="composite">
+              <dgm:param type="ar" val="1.5999"/>
+            </dgm:alg>
+            <dgm:constrLst>
+              <dgm:constr type="primFontSz" for="des" forName="Child1" val="65"/>
+              <dgm:constr type="primFontSz" for="des" forName="Parent1" val="65"/>
+              <dgm:constr type="primFontSz" for="des" forName="Child1" refType="primFontSz" refFor="des" refForName="Parent1" op="lte"/>
+              <dgm:constr type="l" for="ch" forName="Child1" refType="w" fact="0.625"/>
+              <dgm:constr type="t" for="ch" forName="Child1" refType="h" fact="0.2981"/>
+              <dgm:constr type="w" for="ch" forName="Child1" refType="w" fact="0.375"/>
+              <dgm:constr type="h" for="ch" forName="Child1" refType="h" fact="0.4001"/>
+              <dgm:constr type="l" for="ch" forName="Accent1" refType="w" fact="0"/>
+              <dgm:constr type="t" for="ch" forName="Accent1" refType="h" fact="0"/>
+              <dgm:constr type="w" for="ch" forName="Accent1" refType="w" fact="0.6249"/>
+              <dgm:constr type="h" for="ch" forName="Accent1" refType="h"/>
+              <dgm:constr type="l" for="ch" forName="Parent1" refType="w" fact="0.138"/>
+              <dgm:constr type="t" for="ch" forName="Parent1" refType="h" fact="0.362"/>
+              <dgm:constr type="w" for="ch" forName="Parent1" refType="w" fact="0.3487"/>
+              <dgm:constr type="h" for="ch" forName="Parent1" refType="h" fact="0.2789"/>
+            </dgm:constrLst>
+          </dgm:if>
+          <dgm:if name="Name5" axis="ch" ptType="node" func="cnt" op="equ" val="2">
+            <dgm:alg type="composite">
+              <dgm:param type="ar" val="1.2026"/>
+            </dgm:alg>
+            <dgm:constrLst>
+              <dgm:constr type="primFontSz" for="des" forName="Child1" val="65"/>
+              <dgm:constr type="primFontSz" for="des" forName="Parent1" val="65"/>
+              <dgm:constr type="primFontSz" for="des" forName="Child1" refType="primFontSz" refFor="des" refForName="Parent1" op="lte"/>
+              <dgm:constr type="primFontSz" for="des" forName="Child2" refType="primFontSz" refFor="des" refForName="Parent1" op="lte"/>
+              <dgm:constr type="primFontSz" for="des" forName="Child1" refType="primFontSz" refFor="des" refForName="Parent2" op="lte"/>
+              <dgm:constr type="primFontSz" for="des" forName="Child2" refType="primFontSz" refFor="des" refForName="Parent2" op="lte"/>
+              <dgm:constr type="primFontSz" for="des" forName="Parent2" refType="primFontSz" refFor="des" refForName="Parent1" op="equ"/>
+              <dgm:constr type="primFontSz" for="des" forName="Child2" refType="primFontSz" refFor="des" refForName="Child1" op="equ"/>
+              <dgm:constr type="l" for="ch" forName="Accent1" refType="w" fact="0.1144"/>
+              <dgm:constr type="t" for="ch" forName="Accent1" refType="h" fact="0"/>
+              <dgm:constr type="w" for="ch" forName="Accent1" refType="w" fact="0.5542"/>
+              <dgm:constr type="h" for="ch" forName="Accent1" refType="h" fact="0.6665"/>
+              <dgm:constr type="l" for="ch" forName="Parent1" refType="w" fact="0.2368"/>
+              <dgm:constr type="t" for="ch" forName="Parent1" refType="h" fact="0.2413"/>
+              <dgm:constr type="w" for="ch" forName="Parent1" refType="w" fact="0.3092"/>
+              <dgm:constr type="h" for="ch" forName="Parent1" refType="h" fact="0.1859"/>
+              <dgm:constr type="l" for="ch" forName="Parent2" refType="w" fact="0.0822"/>
+              <dgm:constr type="t" for="ch" forName="Parent2" refType="h" fact="0.625"/>
+              <dgm:constr type="w" for="ch" forName="Parent2" refType="w" fact="0.3092"/>
+              <dgm:constr type="h" for="ch" forName="Parent2" refType="h" fact="0.1859"/>
+              <dgm:constr type="l" for="ch" forName="Child1" refType="w" fact="0.6678"/>
+              <dgm:constr type="t" for="ch" forName="Child1" refType="h" fact="0.1978"/>
+              <dgm:constr type="w" for="ch" forName="Child1" refType="w" fact="0.3322"/>
+              <dgm:constr type="h" for="ch" forName="Child1" refType="h" fact="0.265"/>
+              <dgm:constr type="l" for="ch" forName="Child2" refType="w" fact="0.5164"/>
+              <dgm:constr type="t" for="ch" forName="Child2" refType="h" fact="0.5855"/>
+              <dgm:constr type="w" for="ch" forName="Child2" refType="w" fact="0.3322"/>
+              <dgm:constr type="h" for="ch" forName="Child2" refType="h" fact="0.265"/>
+              <dgm:constr type="l" for="ch" forName="Accent2" refType="w" fact="0"/>
+              <dgm:constr type="t" for="ch" forName="Accent2" refType="h" fact="0.4272"/>
+              <dgm:constr type="w" for="ch" forName="Accent2" refType="w" fact="0.4761"/>
+              <dgm:constr type="h" for="ch" forName="Accent2" refType="h" fact="0.5728"/>
+            </dgm:constrLst>
+          </dgm:if>
+          <dgm:if name="Name6" axis="ch" ptType="node" func="cnt" op="equ" val="3">
+            <dgm:alg type="composite">
+              <dgm:param type="ar" val="0.9039"/>
+            </dgm:alg>
+            <dgm:shape xmlns:r="http://schemas.openxmlformats.org/officeDocument/2006/relationships" r:blip="">
+              <dgm:adjLst/>
+            </dgm:shape>
+            <dgm:constrLst>
+              <dgm:constr type="primFontSz" for="des" forName="Child1" val="65"/>
+              <dgm:constr type="primFontSz" for="des" forName="Parent1" val="65"/>
+              <dgm:constr type="primFontSz" for="des" forName="Child1" refType="primFontSz" refFor="des" refForName="Parent1" op="lte"/>
+              <dgm:constr type="primFontSz" for="des" forName="Child2" refType="primFontSz" refFor="des" refForName="Parent1" op="lte"/>
+              <dgm:constr type="primFontSz" for="des" forName="Child3" refType="primFontSz" refFor="des" refForName="Parent1" op="lte"/>
+              <dgm:constr type="primFontSz" for="des" forName="Child1" refType="primFontSz" refFor="des" refForName="Parent2" op="lte"/>
+              <dgm:constr type="primFontSz" for="des" forName="Child2" refType="primFontSz" refFor="des" refForName="Parent2" op="lte"/>
+              <dgm:constr type="primFontSz" for="des" forName="Child3" refType="primFontSz" refFor="des" refForName="Parent2" op="lte"/>
+              <dgm:constr type="primFontSz" for="des" forName="Child1" refType="primFontSz" refFor="des" refForName="Parent3" op="lte"/>
+              <dgm:constr type="primFontSz" for="des" forName="Child2" refType="primFontSz" refFor="des" refForName="Parent3" op="lte"/>
+              <dgm:constr type="primFontSz" for="des" forName="Child3" refType="primFontSz" refFor="des" refForName="Parent3" op="lte"/>
+              <dgm:constr type="primFontSz" for="des" forName="Parent2" refType="primFontSz" refFor="des" refForName="Parent1" op="equ"/>
+              <dgm:constr type="primFontSz" for="des" forName="Parent3" refType="primFontSz" refFor="des" refForName="Parent1" op="equ"/>
+              <dgm:constr type="primFontSz" for="des" forName="Child2" refType="primFontSz" refFor="des" refForName="Child1" op="equ"/>
+              <dgm:constr type="primFontSz" for="des" forName="Child3" refType="primFontSz" refFor="des" refForName="Child1" op="equ"/>
+              <dgm:constr type="l" for="ch" forName="Accent1" refType="w" fact="0.1479"/>
+              <dgm:constr type="t" for="ch" forName="Accent1" refType="h" fact="0"/>
+              <dgm:constr type="w" for="ch" forName="Accent1" refType="w" fact="0.5325"/>
+              <dgm:constr type="h" for="ch" forName="Accent1" refType="h" fact="0.4814"/>
+              <dgm:constr type="l" for="ch" forName="Accent2" refType="w" fact="0"/>
+              <dgm:constr type="t" for="ch" forName="Accent2" refType="h" fact="0.2766"/>
+              <dgm:constr type="w" for="ch" forName="Accent2" refType="w" fact="0.5325"/>
+              <dgm:constr type="h" for="ch" forName="Accent2" refType="h" fact="0.4814"/>
+              <dgm:constr type="l" for="ch" forName="Parent1" refType="w" fact="0.2656"/>
+              <dgm:constr type="t" for="ch" forName="Parent1" refType="h" fact="0.1738"/>
+              <dgm:constr type="w" for="ch" forName="Parent1" refType="w" fact="0.2959"/>
+              <dgm:constr type="h" for="ch" forName="Parent1" refType="h" fact="0.1337"/>
+              <dgm:constr type="l" for="ch" forName="Accent3" refType="w" fact="0.1858"/>
+              <dgm:constr type="t" for="ch" forName="Accent3" refType="h" fact="0.5863"/>
+              <dgm:constr type="w" for="ch" forName="Accent3" refType="w" fact="0.4575"/>
+              <dgm:constr type="h" for="ch" forName="Accent3" refType="h" fact="0.4137"/>
+              <dgm:constr type="l" for="ch" forName="Parent2" refType="w" fact="0.1183"/>
+              <dgm:constr type="t" for="ch" forName="Parent2" refType="h" fact="0.452"/>
+              <dgm:constr type="w" for="ch" forName="Parent2" refType="w" fact="0.2959"/>
+              <dgm:constr type="h" for="ch" forName="Parent2" refType="h" fact="0.1337"/>
+              <dgm:constr type="l" for="ch" forName="Parent3" refType="w" fact="0.2663"/>
+              <dgm:constr type="t" for="ch" forName="Parent3" refType="h" fact="0.7306"/>
+              <dgm:constr type="w" for="ch" forName="Parent3" refType="w" fact="0.2959"/>
+              <dgm:constr type="h" for="ch" forName="Parent3" refType="h" fact="0.1337"/>
+              <dgm:constr type="l" for="ch" forName="Child2" refType="w" fact="0.5325"/>
+              <dgm:constr type="t" for="ch" forName="Child2" refType="h" fact="0.4217"/>
+              <dgm:constr type="w" for="ch" forName="Child2" refType="w" fact="0.3195"/>
+              <dgm:constr type="h" for="ch" forName="Child2" refType="h" fact="0.1926"/>
+              <dgm:constr type="l" for="ch" forName="Child1" refType="w" fact="0.6805"/>
+              <dgm:constr type="t" for="ch" forName="Child1" refType="h" fact="0.1435"/>
+              <dgm:constr type="w" for="ch" forName="Child1" refType="w" fact="0.3195"/>
+              <dgm:constr type="h" for="ch" forName="Child1" refType="h" fact="0.1926"/>
+              <dgm:constr type="l" for="ch" forName="Child3" refType="w" fact="0.6805"/>
+              <dgm:constr type="t" for="ch" forName="Child3" refType="h" fact="0.6998"/>
+              <dgm:constr type="w" for="ch" forName="Child3" refType="w" fact="0.3195"/>
+              <dgm:constr type="h" for="ch" forName="Child3" refType="h" fact="0.1926"/>
+            </dgm:constrLst>
+          </dgm:if>
+          <dgm:if name="Name7" axis="ch" ptType="node" func="cnt" op="equ" val="4">
+            <dgm:alg type="composite">
+              <dgm:param type="ar" val="0.7073"/>
+            </dgm:alg>
+            <dgm:constrLst>
+              <dgm:constr type="primFontSz" for="des" forName="Child1" val="65"/>
+              <dgm:constr type="primFontSz" for="des" forName="Parent1" val="65"/>
+              <dgm:constr type="primFontSz" for="des" forName="Child1" refType="primFontSz" refFor="des" refForName="Parent1" op="lte"/>
+              <dgm:constr type="primFontSz" for="des" forName="Child2" refType="primFontSz" refFor="des" refForName="Parent1" op="lte"/>
+              <dgm:constr type="primFontSz" for="des" forName="Child3" refType="primFontSz" refFor="des" refForName="Parent1" op="lte"/>
+              <dgm:constr type="primFontSz" for="des" forName="Child4" refType="primFontSz" refFor="des" refForName="Parent1" op="lte"/>
+              <dgm:constr type="primFontSz" for="des" forName="Child1" refType="primFontSz" refFor="des" refForName="Parent2" op="lte"/>
+              <dgm:constr type="primFontSz" for="des" forName="Child2" refType="primFontSz" refFor="des" refForName="Parent2" op="lte"/>
+              <dgm:constr type="primFontSz" for="des" forName="Child3" refType="primFontSz" refFor="des" refForName="Parent2" op="lte"/>
+              <dgm:constr type="primFontSz" for="des" forName="Child4" refType="primFontSz" refFor="des" refForName="Parent2" op="lte"/>
+              <dgm:constr type="primFontSz" for="des" forName="Child1" refType="primFontSz" refFor="des" refForName="Parent3" op="lte"/>
+              <dgm:constr type="primFontSz" for="des" forName="Child2" refType="primFontSz" refFor="des" refForName="Parent3" op="lte"/>
+              <dgm:constr type="primFontSz" for="des" forName="Child3" refType="primFontSz" refFor="des" refForName="Parent3" op="lte"/>
+              <dgm:constr type="primFontSz" for="des" forName="Child4" refType="primFontSz" refFor="des" refForName="Parent3" op="lte"/>
+              <dgm:constr type="primFontSz" for="des" forName="Child1" refType="primFontSz" refFor="des" refForName="Parent4" op="lte"/>
+              <dgm:constr type="primFontSz" for="des" forName="Child2" refType="primFontSz" refFor="des" refForName="Parent4" op="lte"/>
+              <dgm:constr type="primFontSz" for="des" forName="Child3" refType="primFontSz" refFor="des" refForName="Parent4" op="lte"/>
+              <dgm:constr type="primFontSz" for="des" forName="Child4" refType="primFontSz" refFor="des" refForName="Parent4" op="lte"/>
+              <dgm:constr type="primFontSz" for="des" forName="Parent2" refType="primFontSz" refFor="des" refForName="Parent1" op="equ"/>
+              <dgm:constr type="primFontSz" for="des" forName="Parent3" refType="primFontSz" refFor="des" refForName="Parent1" op="equ"/>
+              <dgm:constr type="primFontSz" for="des" forName="Parent4" refType="primFontSz" refFor="des" refForName="Parent1" op="equ"/>
+              <dgm:constr type="primFontSz" for="des" forName="Child2" refType="primFontSz" refFor="des" refForName="Child1" op="equ"/>
+              <dgm:constr type="primFontSz" for="des" forName="Child3" refType="primFontSz" refFor="des" refForName="Child1" op="equ"/>
+              <dgm:constr type="primFontSz" for="des" forName="Child4" refType="primFontSz" refFor="des" refForName="Child1" op="equ"/>
+              <dgm:constr type="l" for="ch" forName="Accent1" refType="w" fact="0.1481"/>
+              <dgm:constr type="t" for="ch" forName="Accent1" refType="h" fact="0"/>
+              <dgm:constr type="w" for="ch" forName="Accent1" refType="w" fact="0.5331"/>
+              <dgm:constr type="h" for="ch" forName="Accent1" refType="h" fact="0.3771"/>
+              <dgm:constr type="l" for="ch" forName="Accent2" refType="w" fact="0"/>
+              <dgm:constr type="t" for="ch" forName="Accent2" refType="h" fact="0.2167"/>
+              <dgm:constr type="w" for="ch" forName="Accent2" refType="w" fact="0.5331"/>
+              <dgm:constr type="h" for="ch" forName="Accent2" refType="h" fact="0.3771"/>
+              <dgm:constr type="l" for="ch" forName="Accent3" refType="w" fact="0.1481"/>
+              <dgm:constr type="t" for="ch" forName="Accent3" refType="h" fact="0.4342"/>
+              <dgm:constr type="w" for="ch" forName="Accent3" refType="w" fact="0.5331"/>
+              <dgm:constr type="h" for="ch" forName="Accent3" refType="h" fact="0.3771"/>
+              <dgm:constr type="l" for="ch" forName="Parent1" refType="w" fact="0.2658"/>
+              <dgm:constr type="t" for="ch" forName="Parent1" refType="h" fact="0.1365"/>
+              <dgm:constr type="w" for="ch" forName="Parent1" refType="w" fact="0.2975"/>
+              <dgm:constr type="h" for="ch" forName="Parent1" refType="h" fact="0.1052"/>
+              <dgm:constr type="l" for="ch" forName="Parent2" refType="w" fact="0.1171"/>
+              <dgm:constr type="t" for="ch" forName="Parent2" refType="h" fact="0.3536"/>
+              <dgm:constr type="w" for="ch" forName="Parent2" refType="w" fact="0.2975"/>
+              <dgm:constr type="h" for="ch" forName="Parent2" refType="h" fact="0.1052"/>
+              <dgm:constr type="l" for="ch" forName="Parent3" refType="w" fact="0.2658"/>
+              <dgm:constr type="t" for="ch" forName="Parent3" refType="h" fact="0.5707"/>
+              <dgm:constr type="w" for="ch" forName="Parent3" refType="w" fact="0.2975"/>
+              <dgm:constr type="h" for="ch" forName="Parent3" refType="h" fact="0.1052"/>
+              <dgm:constr type="l" for="ch" forName="Parent4" refType="w" fact="0.1171"/>
+              <dgm:constr type="t" for="ch" forName="Parent4" refType="h" fact="0.7878"/>
+              <dgm:constr type="w" for="ch" forName="Parent4" refType="w" fact="0.2975"/>
+              <dgm:constr type="h" for="ch" forName="Parent4" refType="h" fact="0.1052"/>
+              <dgm:constr type="l" for="ch" forName="Child1" refType="w" fact="0.6804"/>
+              <dgm:constr type="t" for="ch" forName="Child1" refType="h" fact="0.1119"/>
+              <dgm:constr type="w" for="ch" forName="Child1" refType="w" fact="0.3196"/>
+              <dgm:constr type="h" for="ch" forName="Child1" refType="h" fact="0.15"/>
+              <dgm:constr type="l" for="ch" forName="Child2" refType="w" fact="0.5348"/>
+              <dgm:constr type="t" for="ch" forName="Child2" refType="h" fact="0.3312"/>
+              <dgm:constr type="w" for="ch" forName="Child2" refType="w" fact="0.3196"/>
+              <dgm:constr type="h" for="ch" forName="Child2" refType="h" fact="0.15"/>
+              <dgm:constr type="l" for="ch" forName="Child3" refType="w" fact="0.6804"/>
+              <dgm:constr type="t" for="ch" forName="Child3" refType="h" fact="0.5461"/>
+              <dgm:constr type="w" for="ch" forName="Child3" refType="w" fact="0.3196"/>
+              <dgm:constr type="h" for="ch" forName="Child3" refType="h" fact="0.15"/>
+              <dgm:constr type="l" for="ch" forName="Child4" refType="w" fact="0.5348"/>
+              <dgm:constr type="t" for="ch" forName="Child4" refType="h" fact="0.7632"/>
+              <dgm:constr type="w" for="ch" forName="Child4" refType="w" fact="0.3196"/>
+              <dgm:constr type="h" for="ch" forName="Child4" refType="h" fact="0.15"/>
+              <dgm:constr type="l" for="ch" forName="Accent4" refType="w" fact="0.038"/>
+              <dgm:constr type="t" for="ch" forName="Accent4" refType="h" fact="0.6759"/>
+              <dgm:constr type="w" for="ch" forName="Accent4" refType="w" fact="0.458"/>
+              <dgm:constr type="h" for="ch" forName="Accent4" refType="h" fact="0.3241"/>
+            </dgm:constrLst>
+          </dgm:if>
+          <dgm:if name="Name8" axis="ch" ptType="node" func="cnt" op="equ" val="5">
+            <dgm:alg type="composite">
+              <dgm:param type="ar" val="0.5811"/>
+            </dgm:alg>
+            <dgm:constrLst>
+              <dgm:constr type="primFontSz" for="des" forName="Child1" val="65"/>
+              <dgm:constr type="primFontSz" for="des" forName="Parent1" val="65"/>
+              <dgm:constr type="primFontSz" for="des" forName="Child1" refType="primFontSz" refFor="des" refForName="Parent1" op="lte"/>
+              <dgm:constr type="primFontSz" for="des" forName="Child2" refType="primFontSz" refFor="des" refForName="Parent1" op="lte"/>
+              <dgm:constr type="primFontSz" for="des" forName="Child3" refType="primFontSz" refFor="des" refForName="Parent1" op="lte"/>
+              <dgm:constr type="primFontSz" for="des" forName="Child4" refType="primFontSz" refFor="des" refForName="Parent1" op="lte"/>
+              <dgm:constr type="primFontSz" for="des" forName="Child5" refType="primFontSz" refFor="des" refForName="Parent1" op="lte"/>
+              <dgm:constr type="primFontSz" for="des" forName="Child1" refType="primFontSz" refFor="des" refForName="Parent2" op="lte"/>
+              <dgm:constr type="primFontSz" for="des" forName="Child2" refType="primFontSz" refFor="des" refForName="Parent2" op="lte"/>
+              <dgm:constr type="primFontSz" for="des" forName="Child3" refType="primFontSz" refFor="des" refForName="Parent2" op="lte"/>
+              <dgm:constr type="primFontSz" for="des" forName="Child4" refType="primFontSz" refFor="des" refForName="Parent2" op="lte"/>
+              <dgm:constr type="primFontSz" for="des" forName="Child5" refType="primFontSz" refFor="des" refForName="Parent2" op="lte"/>
+              <dgm:constr type="primFontSz" for="des" forName="Child1" refType="primFontSz" refFor="des" refForName="Parent3" op="lte"/>
+              <dgm:constr type="primFontSz" for="des" forName="Child2" refType="primFontSz" refFor="des" refForName="Parent3" op="lte"/>
+              <dgm:constr type="primFontSz" for="des" forName="Child3" refType="primFontSz" refFor="des" refForName="Parent3" op="lte"/>
+              <dgm:constr type="primFontSz" for="des" forName="Child4" refType="primFontSz" refFor="des" refForName="Parent3" op="lte"/>
+              <dgm:constr type="primFontSz" for="des" forName="Child5" refType="primFontSz" refFor="des" refForName="Parent3" op="lte"/>
+              <dgm:constr type="primFontSz" for="des" forName="Child1" refType="primFontSz" refFor="des" refForName="Parent4" op="lte"/>
+              <dgm:constr type="primFontSz" for="des" forName="Child2" refType="primFontSz" refFor="des" refForName="Parent4" op="lte"/>
+              <dgm:constr type="primFontSz" for="des" forName="Child3" refType="primFontSz" refFor="des" refForName="Parent4" op="lte"/>
+              <dgm:constr type="primFontSz" for="des" forName="Child4" refType="primFontSz" refFor="des" refForName="Parent4" op="lte"/>
+              <dgm:constr type="primFontSz" for="des" forName="Child5" refType="primFontSz" refFor="des" refForName="Parent4" op="lte"/>
+              <dgm:constr type="primFontSz" for="des" forName="Child1" refType="primFontSz" refFor="des" refForName="Parent5" op="lte"/>
+              <dgm:constr type="primFontSz" for="des" forName="Child2" refType="primFontSz" refFor="des" refForName="Parent5" op="lte"/>
+              <dgm:constr type="primFontSz" for="des" forName="Child3" refType="primFontSz" refFor="des" refForName="Parent5" op="lte"/>
+              <dgm:constr type="primFontSz" for="des" forName="Child4" refType="primFontSz" refFor="des" refForName="Parent5" op="lte"/>
+              <dgm:constr type="primFontSz" for="des" forName="Child5" refType="primFontSz" refFor="des" refForName="Parent5" op="lte"/>
+              <dgm:constr type="primFontSz" for="des" forName="Parent2" refType="primFontSz" refFor="des" refForName="Parent1" op="equ"/>
+              <dgm:constr type="primFontSz" for="des" forName="Parent3" refType="primFontSz" refFor="des" refForName="Parent1" op="equ"/>
+              <dgm:constr type="primFontSz" for="des" forName="Parent4" refType="primFontSz" refFor="des" refForName="Parent1" op="equ"/>
+              <dgm:constr type="primFontSz" for="des" forName="Parent5" refType="primFontSz" refFor="des" refForName="Parent1" op="equ"/>
+              <dgm:constr type="primFontSz" for="des" forName="Child2" refType="primFontSz" refFor="des" refForName="Child1" op="equ"/>
+              <dgm:constr type="primFontSz" for="des" forName="Child3" refType="primFontSz" refFor="des" refForName="Child1" op="equ"/>
+              <dgm:constr type="primFontSz" for="des" forName="Child4" refType="primFontSz" refFor="des" refForName="Child1" op="equ"/>
+              <dgm:constr type="primFontSz" for="des" forName="Child5" refType="primFontSz" refFor="des" refForName="Child1" op="equ"/>
+              <dgm:constr type="l" for="ch" forName="Accent1" refType="w" fact="0.1481"/>
+              <dgm:constr type="t" for="ch" forName="Accent1" refType="h" fact="0"/>
+              <dgm:constr type="w" for="ch" forName="Accent1" refType="w" fact="0.5331"/>
+              <dgm:constr type="h" for="ch" forName="Accent1" refType="h" fact="0.3098"/>
+              <dgm:constr type="l" for="ch" forName="Accent2" refType="w" fact="0"/>
+              <dgm:constr type="t" for="ch" forName="Accent2" refType="h" fact="0.178"/>
+              <dgm:constr type="w" for="ch" forName="Accent2" refType="w" fact="0.5331"/>
+              <dgm:constr type="h" for="ch" forName="Accent2" refType="h" fact="0.3098"/>
+              <dgm:constr type="l" for="ch" forName="Accent3" refType="w" fact="0.1481"/>
+              <dgm:constr type="t" for="ch" forName="Accent3" refType="h" fact="0.3568"/>
+              <dgm:constr type="w" for="ch" forName="Accent3" refType="w" fact="0.5331"/>
+              <dgm:constr type="h" for="ch" forName="Accent3" refType="h" fact="0.3098"/>
+              <dgm:constr type="l" for="ch" forName="Accent4" refType="w" fact="0"/>
+              <dgm:constr type="t" for="ch" forName="Accent4" refType="h" fact="0.5351"/>
+              <dgm:constr type="w" for="ch" forName="Accent4" refType="w" fact="0.5331"/>
+              <dgm:constr type="h" for="ch" forName="Accent4" refType="h" fact="0.3098"/>
+              <dgm:constr type="l" for="ch" forName="Accent5" refType="w" fact="0.186"/>
+              <dgm:constr type="t" for="ch" forName="Accent5" refType="h" fact="0.7337"/>
+              <dgm:constr type="w" for="ch" forName="Accent5" refType="w" fact="0.458"/>
+              <dgm:constr type="h" for="ch" forName="Accent5" refType="h" fact="0.2663"/>
+              <dgm:constr type="l" for="ch" forName="Parent1" refType="w" fact="0.2658"/>
+              <dgm:constr type="t" for="ch" forName="Parent1" refType="h" fact="0.1122"/>
+              <dgm:constr type="w" for="ch" forName="Parent1" refType="w" fact="0.2975"/>
+              <dgm:constr type="h" for="ch" forName="Parent1" refType="h" fact="0.0864"/>
+              <dgm:constr type="l" for="ch" forName="Parent2" refType="w" fact="0.1171"/>
+              <dgm:constr type="t" for="ch" forName="Parent2" refType="h" fact="0.2906"/>
+              <dgm:constr type="w" for="ch" forName="Parent2" refType="w" fact="0.2975"/>
+              <dgm:constr type="h" for="ch" forName="Parent2" refType="h" fact="0.0864"/>
+              <dgm:constr type="l" for="ch" forName="Parent3" refType="w" fact="0.2658"/>
+              <dgm:constr type="t" for="ch" forName="Parent3" refType="h" fact="0.4689"/>
+              <dgm:constr type="w" for="ch" forName="Parent3" refType="w" fact="0.2975"/>
+              <dgm:constr type="h" for="ch" forName="Parent3" refType="h" fact="0.0864"/>
+              <dgm:constr type="l" for="ch" forName="Parent4" refType="w" fact="0.1171"/>
+              <dgm:constr type="t" for="ch" forName="Parent4" refType="h" fact="0.6473"/>
+              <dgm:constr type="w" for="ch" forName="Parent4" refType="w" fact="0.2975"/>
+              <dgm:constr type="h" for="ch" forName="Parent4" refType="h" fact="0.0864"/>
+              <dgm:constr type="l" for="ch" forName="Parent5" refType="w" fact="0.2658"/>
+              <dgm:constr type="t" for="ch" forName="Parent5" refType="h" fact="0.8257"/>
+              <dgm:constr type="w" for="ch" forName="Parent5" refType="w" fact="0.2975"/>
+              <dgm:constr type="h" for="ch" forName="Parent5" refType="h" fact="0.0864"/>
+              <dgm:constr type="l" for="ch" forName="Child1" refType="w" fact="0.6804"/>
+              <dgm:constr type="t" for="ch" forName="Child1" refType="h" fact="0.0919"/>
+              <dgm:constr type="w" for="ch" forName="Child1" refType="w" fact="0.3196"/>
+              <dgm:constr type="h" for="ch" forName="Child1" refType="h" fact="0.1232"/>
+              <dgm:constr type="l" for="ch" forName="Child2" refType="w" fact="0.5348"/>
+              <dgm:constr type="t" for="ch" forName="Child2" refType="h" fact="0.2722"/>
+              <dgm:constr type="w" for="ch" forName="Child2" refType="w" fact="0.3196"/>
+              <dgm:constr type="h" for="ch" forName="Child2" refType="h" fact="0.1232"/>
+              <dgm:constr type="l" for="ch" forName="Child3" refType="w" fact="0.6804"/>
+              <dgm:constr type="t" for="ch" forName="Child3" refType="h" fact="0.4487"/>
+              <dgm:constr type="w" for="ch" forName="Child3" refType="w" fact="0.3196"/>
+              <dgm:constr type="h" for="ch" forName="Child3" refType="h" fact="0.1232"/>
+              <dgm:constr type="l" for="ch" forName="Child4" refType="w" fact="0.5348"/>
+              <dgm:constr type="t" for="ch" forName="Child4" refType="h" fact="0.6271"/>
+              <dgm:constr type="w" for="ch" forName="Child4" refType="w" fact="0.3196"/>
+              <dgm:constr type="h" for="ch" forName="Child4" refType="h" fact="0.1232"/>
+              <dgm:constr type="l" for="ch" forName="Child5" refType="w" fact="0.6804"/>
+              <dgm:constr type="t" for="ch" forName="Child5" refType="h" fact="0.8073"/>
+              <dgm:constr type="w" for="ch" forName="Child5" refType="w" fact="0.3196"/>
+              <dgm:constr type="h" for="ch" forName="Child5" refType="h" fact="0.1232"/>
+            </dgm:constrLst>
+          </dgm:if>
+          <dgm:if name="Name9" axis="ch" ptType="node" func="cnt" op="equ" val="6">
+            <dgm:alg type="composite">
+              <dgm:param type="ar" val="0.4931"/>
+            </dgm:alg>
+            <dgm:constrLst>
+              <dgm:constr type="primFontSz" for="des" forName="Child1" val="65"/>
+              <dgm:constr type="primFontSz" for="des" forName="Parent1" val="65"/>
+              <dgm:constr type="primFontSz" for="des" forName="Child1" refType="primFontSz" refFor="des" refForName="Parent1" op="lte"/>
+              <dgm:constr type="primFontSz" for="des" forName="Child2" refType="primFontSz" refFor="des" refForName="Parent1" op="lte"/>
+              <dgm:constr type="primFontSz" for="des" forName="Child3" refType="primFontSz" refFor="des" refForName="Parent1" op="lte"/>
+              <dgm:constr type="primFontSz" for="des" forName="Child4" refType="primFontSz" refFor="des" refForName="Parent1" op="lte"/>
+              <dgm:constr type="primFontSz" for="des" forName="Child5" refType="primFontSz" refFor="des" refForName="Parent1" op="lte"/>
+              <dgm:constr type="primFontSz" for="des" forName="Child6" refType="primFontSz" refFor="des" refForName="Parent1" op="lte"/>
+              <dgm:constr type="primFontSz" for="des" forName="Child1" refType="primFontSz" refFor="des" refForName="Parent2" op="lte"/>
+              <dgm:constr type="primFontSz" for="des" forName="Child2" refType="primFontSz" refFor="des" refForName="Parent2" op="lte"/>
+              <dgm:constr type="primFontSz" for="des" forName="Child3" refType="primFontSz" refFor="des" refForName="Parent2" op="lte"/>
+              <dgm:constr type="primFontSz" for="des" forName="Child4" refType="primFontSz" refFor="des" refForName="Parent2" op="lte"/>
+              <dgm:constr type="primFontSz" for="des" forName="Child5" refType="primFontSz" refFor="des" refForName="Parent2" op="lte"/>
+              <dgm:constr type="primFontSz" for="des" forName="Child6" refType="primFontSz" refFor="des" refForName="Parent2" op="lte"/>
+              <dgm:constr type="primFontSz" for="des" forName="Child1" refType="primFontSz" refFor="des" refForName="Parent3" op="lte"/>
+              <dgm:constr type="primFontSz" for="des" forName="Child2" refType="primFontSz" refFor="des" refForName="Parent3" op="lte"/>
+              <dgm:constr type="primFontSz" for="des" forName="Child3" refType="primFontSz" refFor="des" refForName="Parent3" op="lte"/>
+              <dgm:constr type="primFontSz" for="des" forName="Child4" refType="primFontSz" refFor="des" refForName="Parent3" op="lte"/>
+              <dgm:constr type="primFontSz" for="des" forName="Child5" refType="primFontSz" refFor="des" refForName="Parent3" op="lte"/>
+              <dgm:constr type="primFontSz" for="des" forName="Child6" refType="primFontSz" refFor="des" refForName="Parent3" op="lte"/>
+              <dgm:constr type="primFontSz" for="des" forName="Child1" refType="primFontSz" refFor="des" refForName="Parent4" op="lte"/>
+              <dgm:constr type="primFontSz" for="des" forName="Child2" refType="primFontSz" refFor="des" refForName="Parent4" op="lte"/>
+              <dgm:constr type="primFontSz" for="des" forName="Child3" refType="primFontSz" refFor="des" refForName="Parent4" op="lte"/>
+              <dgm:constr type="primFontSz" for="des" forName="Child4" refType="primFontSz" refFor="des" refForName="Parent4" op="lte"/>
+              <dgm:constr type="primFontSz" for="des" forName="Child5" refType="primFontSz" refFor="des" refForName="Parent4" op="lte"/>
+              <dgm:constr type="primFontSz" for="des" forName="Child6" refType="primFontSz" refFor="des" refForName="Parent4" op="lte"/>
+              <dgm:constr type="primFontSz" for="des" forName="Child1" refType="primFontSz" refFor="des" refForName="Parent5" op="lte"/>
+              <dgm:constr type="primFontSz" for="des" forName="Child2" refType="primFontSz" refFor="des" refForName="Parent5" op="lte"/>
+              <dgm:constr type="primFontSz" for="des" forName="Child3" refType="primFontSz" refFor="des" refForName="Parent5" op="lte"/>
+              <dgm:constr type="primFontSz" for="des" forName="Child4" refType="primFontSz" refFor="des" refForName="Parent5" op="lte"/>
+              <dgm:constr type="primFontSz" for="des" forName="Child5" refType="primFontSz" refFor="des" refForName="Parent5" op="lte"/>
+              <dgm:constr type="primFontSz" for="des" forName="Child6" refType="primFontSz" refFor="des" refForName="Parent5" op="lte"/>
+              <dgm:constr type="primFontSz" for="des" forName="Child1" refType="primFontSz" refFor="des" refForName="Parent6" op="lte"/>
+              <dgm:constr type="primFontSz" for="des" forName="Child2" refType="primFontSz" refFor="des" refForName="Parent6" op="lte"/>
+              <dgm:constr type="primFontSz" for="des" forName="Child3" refType="primFontSz" refFor="des" refForName="Parent6" op="lte"/>
+              <dgm:constr type="primFontSz" for="des" forName="Child4" refType="primFontSz" refFor="des" refForName="Parent6" op="lte"/>
+              <dgm:constr type="primFontSz" for="des" forName="Child5" refType="primFontSz" refFor="des" refForName="Parent6" op="lte"/>
+              <dgm:constr type="primFontSz" for="des" forName="Child6" refType="primFontSz" refFor="des" refForName="Parent6" op="lte"/>
+              <dgm:constr type="primFontSz" for="des" forName="Parent2" refType="primFontSz" refFor="des" refForName="Parent1" op="equ"/>
+              <dgm:constr type="primFontSz" for="des" forName="Parent3" refType="primFontSz" refFor="des" refForName="Parent1" op="equ"/>
+              <dgm:constr type="primFontSz" for="des" forName="Parent4" refType="primFontSz" refFor="des" refForName="Parent1" op="equ"/>
+              <dgm:constr type="primFontSz" for="des" forName="Parent5" refType="primFontSz" refFor="des" refForName="Parent1" op="equ"/>
+              <dgm:constr type="primFontSz" for="des" forName="Parent6" refType="primFontSz" refFor="des" refForName="Parent1" op="equ"/>
+              <dgm:constr type="primFontSz" for="des" forName="Child2" refType="primFontSz" refFor="des" refForName="Child1" op="equ"/>
+              <dgm:constr type="primFontSz" for="des" forName="Child3" refType="primFontSz" refFor="des" refForName="Child1" op="equ"/>
+              <dgm:constr type="primFontSz" for="des" forName="Child4" refType="primFontSz" refFor="des" refForName="Child1" op="equ"/>
+              <dgm:constr type="primFontSz" for="des" forName="Child5" refType="primFontSz" refFor="des" refForName="Child1" op="equ"/>
+              <dgm:constr type="primFontSz" for="des" forName="Child6" refType="primFontSz" refFor="des" refForName="Child1" op="equ"/>
+              <dgm:constr type="l" for="ch" forName="Accent1" refType="w" fact="0.1481"/>
+              <dgm:constr type="t" for="ch" forName="Accent1" refType="h" fact="0"/>
+              <dgm:constr type="w" for="ch" forName="Accent1" refType="w" fact="0.5331"/>
+              <dgm:constr type="h" for="ch" forName="Accent1" refType="h" fact="0.2629"/>
+              <dgm:constr type="l" for="ch" forName="Accent2" refType="w" fact="0"/>
+              <dgm:constr type="t" for="ch" forName="Accent2" refType="h" fact="0.1511"/>
+              <dgm:constr type="w" for="ch" forName="Accent2" refType="w" fact="0.5331"/>
+              <dgm:constr type="h" for="ch" forName="Accent2" refType="h" fact="0.2629"/>
+              <dgm:constr type="l" for="ch" forName="Accent3" refType="w" fact="0.1481"/>
+              <dgm:constr type="t" for="ch" forName="Accent3" refType="h" fact="0.3027"/>
+              <dgm:constr type="w" for="ch" forName="Accent3" refType="w" fact="0.5331"/>
+              <dgm:constr type="h" for="ch" forName="Accent3" refType="h" fact="0.2629"/>
+              <dgm:constr type="l" for="ch" forName="Accent4" refType="w" fact="0"/>
+              <dgm:constr type="t" for="ch" forName="Accent4" refType="h" fact="0.4541"/>
+              <dgm:constr type="w" for="ch" forName="Accent4" refType="w" fact="0.5331"/>
+              <dgm:constr type="h" for="ch" forName="Accent4" refType="h" fact="0.2629"/>
+              <dgm:constr type="l" for="ch" forName="Parent1" refType="w" fact="0.2658"/>
+              <dgm:constr type="t" for="ch" forName="Parent1" refType="h" fact="0.0952"/>
+              <dgm:constr type="w" for="ch" forName="Parent1" refType="w" fact="0.2975"/>
+              <dgm:constr type="h" for="ch" forName="Parent1" refType="h" fact="0.0733"/>
+              <dgm:constr type="l" for="ch" forName="Parent2" refType="w" fact="0.1171"/>
+              <dgm:constr type="t" for="ch" forName="Parent2" refType="h" fact="0.2466"/>
+              <dgm:constr type="w" for="ch" forName="Parent2" refType="w" fact="0.2975"/>
+              <dgm:constr type="h" for="ch" forName="Parent2" refType="h" fact="0.0733"/>
+              <dgm:constr type="l" for="ch" forName="Parent3" refType="w" fact="0.2658"/>
+              <dgm:constr type="t" for="ch" forName="Parent3" refType="h" fact="0.3979"/>
+              <dgm:constr type="w" for="ch" forName="Parent3" refType="w" fact="0.2975"/>
+              <dgm:constr type="h" for="ch" forName="Parent3" refType="h" fact="0.0733"/>
+              <dgm:constr type="l" for="ch" forName="Parent4" refType="w" fact="0.1171"/>
+              <dgm:constr type="t" for="ch" forName="Parent4" refType="h" fact="0.5493"/>
+              <dgm:constr type="w" for="ch" forName="Parent4" refType="w" fact="0.2975"/>
+              <dgm:constr type="h" for="ch" forName="Parent4" refType="h" fact="0.0733"/>
+              <dgm:constr type="l" for="ch" forName="Child1" refType="w" fact="0.6804"/>
+              <dgm:constr type="t" for="ch" forName="Child1" refType="h" fact="0.078"/>
+              <dgm:constr type="w" for="ch" forName="Child1" refType="w" fact="0.3196"/>
+              <dgm:constr type="h" for="ch" forName="Child1" refType="h" fact="0.1046"/>
+              <dgm:constr type="l" for="ch" forName="Child2" refType="w" fact="0.5348"/>
+              <dgm:constr type="t" for="ch" forName="Child2" refType="h" fact="0.231"/>
+              <dgm:constr type="w" for="ch" forName="Child2" refType="w" fact="0.3196"/>
+              <dgm:constr type="h" for="ch" forName="Child2" refType="h" fact="0.1046"/>
+              <dgm:constr type="l" for="ch" forName="Child3" refType="w" fact="0.6804"/>
+              <dgm:constr type="t" for="ch" forName="Child3" refType="h" fact="0.3808"/>
+              <dgm:constr type="w" for="ch" forName="Child3" refType="w" fact="0.3196"/>
+              <dgm:constr type="h" for="ch" forName="Child3" refType="h" fact="0.1046"/>
+              <dgm:constr type="l" for="ch" forName="Child4" refType="w" fact="0.5348"/>
+              <dgm:constr type="t" for="ch" forName="Child4" refType="h" fact="0.5322"/>
+              <dgm:constr type="w" for="ch" forName="Child4" refType="w" fact="0.3196"/>
+              <dgm:constr type="h" for="ch" forName="Child4" refType="h" fact="0.1046"/>
+              <dgm:constr type="l" for="ch" forName="Accent5" refType="w" fact="0.1481"/>
+              <dgm:constr type="t" for="ch" forName="Accent5" refType="h" fact="0.6053"/>
+              <dgm:constr type="w" for="ch" forName="Accent5" refType="w" fact="0.5331"/>
+              <dgm:constr type="h" for="ch" forName="Accent5" refType="h" fact="0.2629"/>
+              <dgm:constr type="l" for="ch" forName="Accent6" refType="w" fact="0.038"/>
+              <dgm:constr type="t" for="ch" forName="Accent6" refType="h" fact="0.774"/>
+              <dgm:constr type="w" for="ch" forName="Accent6" refType="w" fact="0.458"/>
+              <dgm:constr type="h" for="ch" forName="Accent6" refType="h" fact="0.226"/>
+              <dgm:constr type="l" for="ch" forName="Parent5" refType="w" fact="0.2658"/>
+              <dgm:constr type="t" for="ch" forName="Parent5" refType="h" fact="0.7005"/>
+              <dgm:constr type="w" for="ch" forName="Parent5" refType="w" fact="0.2975"/>
+              <dgm:constr type="h" for="ch" forName="Parent5" refType="h" fact="0.0733"/>
+              <dgm:constr type="l" for="ch" forName="Parent6" refType="w" fact="0.1171"/>
+              <dgm:constr type="t" for="ch" forName="Parent6" refType="h" fact="0.8519"/>
+              <dgm:constr type="w" for="ch" forName="Parent6" refType="w" fact="0.2975"/>
+              <dgm:constr type="h" for="ch" forName="Parent6" refType="h" fact="0.0733"/>
+              <dgm:constr type="l" for="ch" forName="Child5" refType="w" fact="0.6804"/>
+              <dgm:constr type="t" for="ch" forName="Child5" refType="h" fact="0.6833"/>
+              <dgm:constr type="w" for="ch" forName="Child5" refType="w" fact="0.3196"/>
+              <dgm:constr type="h" for="ch" forName="Child5" refType="h" fact="0.1046"/>
+              <dgm:constr type="l" for="ch" forName="Child6" refType="w" fact="0.5348"/>
+              <dgm:constr type="t" for="ch" forName="Child6" refType="h" fact="0.8347"/>
+              <dgm:constr type="w" for="ch" forName="Child6" refType="w" fact="0.3196"/>
+              <dgm:constr type="h" for="ch" forName="Child6" refType="h" fact="0.1046"/>
+            </dgm:constrLst>
+          </dgm:if>
+          <dgm:else name="Name10">
+            <dgm:alg type="composite">
+              <dgm:param type="ar" val="0.4284"/>
+            </dgm:alg>
+            <dgm:constrLst>
+              <dgm:constr type="primFontSz" for="des" forName="Child1" val="65"/>
+              <dgm:constr type="primFontSz" for="des" forName="Parent1" val="65"/>
+              <dgm:constr type="primFontSz" for="des" forName="Child1" refType="primFontSz" refFor="des" refForName="Parent1" op="lte"/>
+              <dgm:constr type="primFontSz" for="des" forName="Child2" refType="primFontSz" refFor="des" refForName="Parent1" op="lte"/>
+              <dgm:constr type="primFontSz" for="des" forName="Child3" refType="primFontSz" refFor="des" refForName="Parent1" op="lte"/>
+              <dgm:constr type="primFontSz" for="des" forName="Child4" refType="primFontSz" refFor="des" refForName="Parent1" op="lte"/>
+              <dgm:constr type="primFontSz" for="des" forName="Child5" refType="primFontSz" refFor="des" refForName="Parent1" op="lte"/>
+              <dgm:constr type="primFontSz" for="des" forName="Child6" refType="primFontSz" refFor="des" refForName="Parent1" op="lte"/>
+              <dgm:constr type="primFontSz" for="des" forName="Child7" refType="primFontSz" refFor="des" refForName="Parent1" op="lte"/>
+              <dgm:constr type="primFontSz" for="des" forName="Child1" refType="primFontSz" refFor="des" refForName="Parent2" op="lte"/>
+              <dgm:constr type="primFontSz" for="des" forName="Child2" refType="primFontSz" refFor="des" refForName="Parent2" op="lte"/>
+              <dgm:constr type="primFontSz" for="des" forName="Child3" refType="primFontSz" refFor="des" refForName="Parent2" op="lte"/>
+              <dgm:constr type="primFontSz" for="des" forName="Child4" refType="primFontSz" refFor="des" refForName="Parent2" op="lte"/>
+              <dgm:constr type="primFontSz" for="des" forName="Child5" refType="primFontSz" refFor="des" refForName="Parent2" op="lte"/>
+              <dgm:constr type="primFontSz" for="des" forName="Child6" refType="primFontSz" refFor="des" refForName="Parent2" op="lte"/>
+              <dgm:constr type="primFontSz" for="des" forName="Child7" refType="primFontSz" refFor="des" refForName="Parent2" op="lte"/>
+              <dgm:constr type="primFontSz" for="des" forName="Child1" refType="primFontSz" refFor="des" refForName="Parent3" op="lte"/>
+              <dgm:constr type="primFontSz" for="des" forName="Child2" refType="primFontSz" refFor="des" refForName="Parent3" op="lte"/>
+              <dgm:constr type="primFontSz" for="des" forName="Child3" refType="primFontSz" refFor="des" refForName="Parent3" op="lte"/>
+              <dgm:constr type="primFontSz" for="des" forName="Child4" refType="primFontSz" refFor="des" refForName="Parent3" op="lte"/>
+              <dgm:constr type="primFontSz" for="des" forName="Child5" refType="primFontSz" refFor="des" refForName="Parent3" op="lte"/>
+              <dgm:constr type="primFontSz" for="des" forName="Child6" refType="primFontSz" refFor="des" refForName="Parent3" op="lte"/>
+              <dgm:constr type="primFontSz" for="des" forName="Child7" refType="primFontSz" refFor="des" refForName="Parent3" op="lte"/>
+              <dgm:constr type="primFontSz" for="des" forName="Child1" refType="primFontSz" refFor="des" refForName="Parent4" op="lte"/>
+              <dgm:constr type="primFontSz" for="des" forName="Child2" refType="primFontSz" refFor="des" refForName="Parent4" op="lte"/>
+              <dgm:constr type="primFontSz" for="des" forName="Child3" refType="primFontSz" refFor="des" refForName="Parent4" op="lte"/>
+              <dgm:constr type="primFontSz" for="des" forName="Child4" refType="primFontSz" refFor="des" refForName="Parent4" op="lte"/>
+              <dgm:constr type="primFontSz" for="des" forName="Child5" refType="primFontSz" refFor="des" refForName="Parent4" op="lte"/>
+              <dgm:constr type="primFontSz" for="des" forName="Child6" refType="primFontSz" refFor="des" refForName="Parent4" op="lte"/>
+              <dgm:constr type="primFontSz" for="des" forName="Child7" refType="primFontSz" refFor="des" refForName="Parent4" op="lte"/>
+              <dgm:constr type="primFontSz" for="des" forName="Child1" refType="primFontSz" refFor="des" refForName="Parent5" op="lte"/>
+              <dgm:constr type="primFontSz" for="des" forName="Child2" refType="primFontSz" refFor="des" refForName="Parent5" op="lte"/>
+              <dgm:constr type="primFontSz" for="des" forName="Child3" refType="primFontSz" refFor="des" refForName="Parent5" op="lte"/>
+              <dgm:constr type="primFontSz" for="des" forName="Child4" refType="primFontSz" refFor="des" refForName="Parent5" op="lte"/>
+              <dgm:constr type="primFontSz" for="des" forName="Child5" refType="primFontSz" refFor="des" refForName="Parent5" op="lte"/>
+              <dgm:constr type="primFontSz" for="des" forName="Child6" refType="primFontSz" refFor="des" refForName="Parent5" op="lte"/>
+              <dgm:constr type="primFontSz" for="des" forName="Child7" refType="primFontSz" refFor="des" refForName="Parent5" op="lte"/>
+              <dgm:constr type="primFontSz" for="des" forName="Child1" refType="primFontSz" refFor="des" refForName="Parent6" op="lte"/>
+              <dgm:constr type="primFontSz" for="des" forName="Child2" refType="primFontSz" refFor="des" refForName="Parent6" op="lte"/>
+              <dgm:constr type="primFontSz" for="des" forName="Child3" refType="primFontSz" refFor="des" refForName="Parent6" op="lte"/>
+              <dgm:constr type="primFontSz" for="des" forName="Child4" refType="primFontSz" refFor="des" refForName="Parent6" op="lte"/>
+              <dgm:constr type="primFontSz" for="des" forName="Child5" refType="primFontSz" refFor="des" refForName="Parent6" op="lte"/>
+              <dgm:constr type="primFontSz" for="des" forName="Child6" refType="primFontSz" refFor="des" refForName="Parent6" op="lte"/>
+              <dgm:constr type="primFontSz" for="des" forName="Child7" refType="primFontSz" refFor="des" refForName="Parent6" op="lte"/>
+              <dgm:constr type="primFontSz" for="des" forName="Child1" refType="primFontSz" refFor="des" refForName="Parent7" op="lte"/>
+              <dgm:constr type="primFontSz" for="des" forName="Child2" refType="primFontSz" refFor="des" refForName="Parent7" op="lte"/>
+              <dgm:constr type="primFontSz" for="des" forName="Child3" refType="primFontSz" refFor="des" refForName="Parent7" op="lte"/>
+              <dgm:constr type="primFontSz" for="des" forName="Child4" refType="primFontSz" refFor="des" refForName="Parent7" op="lte"/>
+              <dgm:constr type="primFontSz" for="des" forName="Child5" refType="primFontSz" refFor="des" refForName="Parent7" op="lte"/>
+              <dgm:constr type="primFontSz" for="des" forName="Child6" refType="primFontSz" refFor="des" refForName="Parent7" op="lte"/>
+              <dgm:constr type="primFontSz" for="des" forName="Child7" refType="primFontSz" refFor="des" refForName="Parent7" op="lte"/>
+              <dgm:constr type="primFontSz" for="des" forName="Parent2" refType="primFontSz" refFor="des" refForName="Parent1" op="equ"/>
+              <dgm:constr type="primFontSz" for="des" forName="Parent3" refType="primFontSz" refFor="des" refForName="Parent1" op="equ"/>
+              <dgm:constr type="primFontSz" for="des" forName="Parent4" refType="primFontSz" refFor="des" refForName="Parent1" op="equ"/>
+              <dgm:constr type="primFontSz" for="des" forName="Parent5" refType="primFontSz" refFor="des" refForName="Parent1" op="equ"/>
+              <dgm:constr type="primFontSz" for="des" forName="Parent6" refType="primFontSz" refFor="des" refForName="Parent1" op="equ"/>
+              <dgm:constr type="primFontSz" for="des" forName="Parent7" refType="primFontSz" refFor="des" refForName="Parent1" op="equ"/>
+              <dgm:constr type="primFontSz" for="des" forName="Child2" refType="primFontSz" refFor="des" refForName="Child1" op="equ"/>
+              <dgm:constr type="primFontSz" for="des" forName="Child3" refType="primFontSz" refFor="des" refForName="Child1" op="equ"/>
+              <dgm:constr type="primFontSz" for="des" forName="Child4" refType="primFontSz" refFor="des" refForName="Child1" op="equ"/>
+              <dgm:constr type="primFontSz" for="des" forName="Child5" refType="primFontSz" refFor="des" refForName="Child1" op="equ"/>
+              <dgm:constr type="primFontSz" for="des" forName="Child6" refType="primFontSz" refFor="des" refForName="Child1" op="equ"/>
+              <dgm:constr type="primFontSz" for="des" forName="Child7" refType="primFontSz" refFor="des" refForName="Child1" op="equ"/>
+              <dgm:constr type="l" for="ch" forName="Accent1" refType="w" fact="0.1481"/>
+              <dgm:constr type="t" for="ch" forName="Accent1" refType="h" fact="0"/>
+              <dgm:constr type="w" for="ch" forName="Accent1" refType="w" fact="0.5331"/>
+              <dgm:constr type="h" for="ch" forName="Accent1" refType="h" fact="0.2284"/>
+              <dgm:constr type="l" for="ch" forName="Accent2" refType="w" fact="0"/>
+              <dgm:constr type="t" for="ch" forName="Accent2" refType="h" fact="0.1312"/>
+              <dgm:constr type="w" for="ch" forName="Accent2" refType="w" fact="0.5331"/>
+              <dgm:constr type="h" for="ch" forName="Accent2" refType="h" fact="0.2284"/>
+              <dgm:constr type="l" for="ch" forName="Accent3" refType="w" fact="0.1481"/>
+              <dgm:constr type="t" for="ch" forName="Accent3" refType="h" fact="0.263"/>
+              <dgm:constr type="w" for="ch" forName="Accent3" refType="w" fact="0.5331"/>
+              <dgm:constr type="h" for="ch" forName="Accent3" refType="h" fact="0.2284"/>
+              <dgm:constr type="l" for="ch" forName="Accent4" refType="w" fact="0"/>
+              <dgm:constr type="t" for="ch" forName="Accent4" refType="h" fact="0.3945"/>
+              <dgm:constr type="w" for="ch" forName="Accent4" refType="w" fact="0.5331"/>
+              <dgm:constr type="h" for="ch" forName="Accent4" refType="h" fact="0.2284"/>
+              <dgm:constr type="l" for="ch" forName="Parent1" refType="w" fact="0.2658"/>
+              <dgm:constr type="t" for="ch" forName="Parent1" refType="h" fact="0.0827"/>
+              <dgm:constr type="w" for="ch" forName="Parent1" refType="w" fact="0.2975"/>
+              <dgm:constr type="h" for="ch" forName="Parent1" refType="h" fact="0.0637"/>
+              <dgm:constr type="l" for="ch" forName="Parent2" refType="w" fact="0.1171"/>
+              <dgm:constr type="t" for="ch" forName="Parent2" refType="h" fact="0.2142"/>
+              <dgm:constr type="w" for="ch" forName="Parent2" refType="w" fact="0.2975"/>
+              <dgm:constr type="h" for="ch" forName="Parent2" refType="h" fact="0.0637"/>
+              <dgm:constr type="l" for="ch" forName="Parent3" refType="w" fact="0.2658"/>
+              <dgm:constr type="t" for="ch" forName="Parent3" refType="h" fact="0.3457"/>
+              <dgm:constr type="w" for="ch" forName="Parent3" refType="w" fact="0.2975"/>
+              <dgm:constr type="h" for="ch" forName="Parent3" refType="h" fact="0.0637"/>
+              <dgm:constr type="l" for="ch" forName="Parent4" refType="w" fact="0.1171"/>
+              <dgm:constr type="t" for="ch" forName="Parent4" refType="h" fact="0.4772"/>
+              <dgm:constr type="w" for="ch" forName="Parent4" refType="w" fact="0.2975"/>
+              <dgm:constr type="h" for="ch" forName="Parent4" refType="h" fact="0.0637"/>
+              <dgm:constr type="l" for="ch" forName="Child1" refType="w" fact="0.6804"/>
+              <dgm:constr type="t" for="ch" forName="Child1" refType="h" fact="0.0678"/>
+              <dgm:constr type="w" for="ch" forName="Child1" refType="w" fact="0.3196"/>
+              <dgm:constr type="h" for="ch" forName="Child1" refType="h" fact="0.0908"/>
+              <dgm:constr type="l" for="ch" forName="Child2" refType="w" fact="0.5348"/>
+              <dgm:constr type="t" for="ch" forName="Child2" refType="h" fact="0.2006"/>
+              <dgm:constr type="w" for="ch" forName="Child2" refType="w" fact="0.3196"/>
+              <dgm:constr type="h" for="ch" forName="Child2" refType="h" fact="0.0908"/>
+              <dgm:constr type="l" for="ch" forName="Child3" refType="w" fact="0.6804"/>
+              <dgm:constr type="t" for="ch" forName="Child3" refType="h" fact="0.3308"/>
+              <dgm:constr type="w" for="ch" forName="Child3" refType="w" fact="0.3196"/>
+              <dgm:constr type="h" for="ch" forName="Child3" refType="h" fact="0.0908"/>
+              <dgm:constr type="l" for="ch" forName="Child4" refType="w" fact="0.5348"/>
+              <dgm:constr type="t" for="ch" forName="Child4" refType="h" fact="0.4623"/>
+              <dgm:constr type="w" for="ch" forName="Child4" refType="w" fact="0.3196"/>
+              <dgm:constr type="h" for="ch" forName="Child4" refType="h" fact="0.0908"/>
+              <dgm:constr type="l" for="ch" forName="Accent5" refType="w" fact="0.1481"/>
+              <dgm:constr type="t" for="ch" forName="Accent5" refType="h" fact="0.5258"/>
+              <dgm:constr type="w" for="ch" forName="Accent5" refType="w" fact="0.5331"/>
+              <dgm:constr type="h" for="ch" forName="Accent5" refType="h" fact="0.2284"/>
+              <dgm:constr type="l" for="ch" forName="Accent6" refType="w" fact="0"/>
+              <dgm:constr type="t" for="ch" forName="Accent6" refType="h" fact="0.6573"/>
+              <dgm:constr type="w" for="ch" forName="Accent6" refType="w" fact="0.5331"/>
+              <dgm:constr type="h" for="ch" forName="Accent6" refType="h" fact="0.2284"/>
+              <dgm:constr type="l" for="ch" forName="Accent7" refType="w" fact="0.186"/>
+              <dgm:constr type="t" for="ch" forName="Accent7" refType="h" fact="0.8037"/>
+              <dgm:constr type="w" for="ch" forName="Accent7" refType="w" fact="0.458"/>
+              <dgm:constr type="h" for="ch" forName="Accent7" refType="h" fact="0.1963"/>
+              <dgm:constr type="l" for="ch" forName="Parent5" refType="w" fact="0.2658"/>
+              <dgm:constr type="t" for="ch" forName="Parent5" refType="h" fact="0.6085"/>
+              <dgm:constr type="w" for="ch" forName="Parent5" refType="w" fact="0.2975"/>
+              <dgm:constr type="h" for="ch" forName="Parent5" refType="h" fact="0.0637"/>
+              <dgm:constr type="l" for="ch" forName="Parent6" refType="w" fact="0.1171"/>
+              <dgm:constr type="t" for="ch" forName="Parent6" refType="h" fact="0.74"/>
+              <dgm:constr type="w" for="ch" forName="Parent6" refType="w" fact="0.2975"/>
+              <dgm:constr type="h" for="ch" forName="Parent6" refType="h" fact="0.0637"/>
+              <dgm:constr type="l" for="ch" forName="Parent7" refType="w" fact="0.2658"/>
+              <dgm:constr type="t" for="ch" forName="Parent7" refType="h" fact="0.8715"/>
+              <dgm:constr type="w" for="ch" forName="Parent7" refType="w" fact="0.2975"/>
+              <dgm:constr type="h" for="ch" forName="Parent7" refType="h" fact="0.0637"/>
+              <dgm:constr type="l" for="ch" forName="Child5" refType="w" fact="0.6804"/>
+              <dgm:constr type="t" for="ch" forName="Child5" refType="h" fact="0.5936"/>
+              <dgm:constr type="w" for="ch" forName="Child5" refType="w" fact="0.3196"/>
+              <dgm:constr type="h" for="ch" forName="Child5" refType="h" fact="0.0908"/>
+              <dgm:constr type="l" for="ch" forName="Child6" refType="w" fact="0.5348"/>
+              <dgm:constr type="t" for="ch" forName="Child6" refType="h" fact="0.7251"/>
+              <dgm:constr type="w" for="ch" forName="Child6" refType="w" fact="0.3196"/>
+              <dgm:constr type="h" for="ch" forName="Child6" refType="h" fact="0.0908"/>
+              <dgm:constr type="l" for="ch" forName="Child7" refType="w" fact="0.6804"/>
+              <dgm:constr type="t" for="ch" forName="Child7" refType="h" fact="0.8579"/>
+              <dgm:constr type="w" for="ch" forName="Child7" refType="w" fact="0.3196"/>
+              <dgm:constr type="h" for="ch" forName="Child7" refType="h" fact="0.0908"/>
+            </dgm:constrLst>
+          </dgm:else>
+        </dgm:choose>
+      </dgm:if>
+      <dgm:else name="Name11">
+        <dgm:choose name="Name12">
+          <dgm:if name="Name13" axis="ch" ptType="node" func="cnt" op="equ" val="1">
+            <dgm:alg type="composite">
+              <dgm:param type="ar" val="1.5999"/>
+            </dgm:alg>
+            <dgm:constrLst>
+              <dgm:constr type="primFontSz" for="des" forName="Child1" val="65"/>
+              <dgm:constr type="primFontSz" for="des" forName="Parent1" val="65"/>
+              <dgm:constr type="primFontSz" for="des" forName="Child1" refType="primFontSz" refFor="des" refForName="Parent1" op="lte"/>
+              <dgm:constr type="l" for="ch" forName="Child1" refType="w" fact="0.625"/>
+              <dgm:constr type="t" for="ch" forName="Child1" refType="h" fact="0.2981"/>
+              <dgm:constr type="w" for="ch" forName="Child1" refType="w" fact="0.375"/>
+              <dgm:constr type="h" for="ch" forName="Child1" refType="h" fact="0.4001"/>
+              <dgm:constr type="l" for="ch" forName="Accent1" refType="w" fact="0"/>
+              <dgm:constr type="t" for="ch" forName="Accent1" refType="h" fact="0"/>
+              <dgm:constr type="w" for="ch" forName="Accent1" refType="w" fact="0.6249"/>
+              <dgm:constr type="h" for="ch" forName="Accent1" refType="h"/>
+              <dgm:constr type="l" for="ch" forName="Parent1" refType="w" fact="0.138"/>
+              <dgm:constr type="t" for="ch" forName="Parent1" refType="h" fact="0.362"/>
+              <dgm:constr type="w" for="ch" forName="Parent1" refType="w" fact="0.3487"/>
+              <dgm:constr type="h" for="ch" forName="Parent1" refType="h" fact="0.2789"/>
+            </dgm:constrLst>
+          </dgm:if>
+          <dgm:if name="Name14" axis="ch" ptType="node" func="cnt" op="equ" val="2">
+            <dgm:alg type="composite">
+              <dgm:param type="ar" val="1.2026"/>
+            </dgm:alg>
+            <dgm:constrLst>
+              <dgm:constr type="primFontSz" for="des" forName="Child1" val="65"/>
+              <dgm:constr type="primFontSz" for="des" forName="Parent1" val="65"/>
+              <dgm:constr type="primFontSz" for="des" forName="Child1" refType="primFontSz" refFor="des" refForName="Parent1" op="lte"/>
+              <dgm:constr type="primFontSz" for="des" forName="Child2" refType="primFontSz" refFor="des" refForName="Parent1" op="lte"/>
+              <dgm:constr type="primFontSz" for="des" forName="Child1" refType="primFontSz" refFor="des" refForName="Parent2" op="lte"/>
+              <dgm:constr type="primFontSz" for="des" forName="Child2" refType="primFontSz" refFor="des" refForName="Parent2" op="lte"/>
+              <dgm:constr type="primFontSz" for="des" forName="Parent2" refType="primFontSz" refFor="des" refForName="Parent1" op="equ"/>
+              <dgm:constr type="primFontSz" for="des" forName="Child2" refType="primFontSz" refFor="des" refForName="Child1" op="equ"/>
+              <dgm:constr type="l" for="ch" forName="Accent1" refType="w" fact="-0.0407"/>
+              <dgm:constr type="t" for="ch" forName="Accent1" refType="h" fact="0"/>
+              <dgm:constr type="w" for="ch" forName="Accent1" refType="w" fact="0.5542"/>
+              <dgm:constr type="h" for="ch" forName="Accent1" refType="h" fact="0.6665"/>
+              <dgm:constr type="l" for="ch" forName="Accent2" refType="w" fact="0.1533"/>
+              <dgm:constr type="t" for="ch" forName="Accent2" refType="h" fact="0.4272"/>
+              <dgm:constr type="w" for="ch" forName="Accent2" refType="w" fact="0.4761"/>
+              <dgm:constr type="h" for="ch" forName="Accent2" refType="h" fact="0.5728"/>
+              <dgm:constr type="l" for="ch" forName="Parent1" refType="w" fact="0.0822"/>
+              <dgm:constr type="t" for="ch" forName="Parent1" refType="h" fact="0.2413"/>
+              <dgm:constr type="w" for="ch" forName="Parent1" refType="w" fact="0.3092"/>
+              <dgm:constr type="h" for="ch" forName="Parent1" refType="h" fact="0.1859"/>
+              <dgm:constr type="l" for="ch" forName="Parent2" refType="w" fact="0.2368"/>
+              <dgm:constr type="t" for="ch" forName="Parent2" refType="h" fact="0.625"/>
+              <dgm:constr type="w" for="ch" forName="Parent2" refType="w" fact="0.3092"/>
+              <dgm:constr type="h" for="ch" forName="Parent2" refType="h" fact="0.1859"/>
+              <dgm:constr type="l" for="ch" forName="Child1" refType="w" fact="0.5164"/>
+              <dgm:constr type="t" for="ch" forName="Child1" refType="h" fact="0.1978"/>
+              <dgm:constr type="w" for="ch" forName="Child1" refType="w" fact="0.3322"/>
+              <dgm:constr type="h" for="ch" forName="Child1" refType="h" fact="0.265"/>
+              <dgm:constr type="l" for="ch" forName="Child2" refType="w" fact="0.6678"/>
+              <dgm:constr type="t" for="ch" forName="Child2" refType="h" fact="0.5855"/>
+              <dgm:constr type="w" for="ch" forName="Child2" refType="w" fact="0.3322"/>
+              <dgm:constr type="h" for="ch" forName="Child2" refType="h" fact="0.265"/>
+            </dgm:constrLst>
+          </dgm:if>
+          <dgm:if name="Name15" axis="ch" ptType="node" func="cnt" op="equ" val="3">
+            <dgm:alg type="composite">
+              <dgm:param type="ar" val="0.9039"/>
+            </dgm:alg>
+            <dgm:shape xmlns:r="http://schemas.openxmlformats.org/officeDocument/2006/relationships" r:blip="">
+              <dgm:adjLst/>
+            </dgm:shape>
+            <dgm:constrLst>
+              <dgm:constr type="primFontSz" for="des" forName="Child1" val="65"/>
+              <dgm:constr type="primFontSz" for="des" forName="Parent1" val="65"/>
+              <dgm:constr type="primFontSz" for="des" forName="Child1" refType="primFontSz" refFor="des" refForName="Parent1" op="lte"/>
+              <dgm:constr type="primFontSz" for="des" forName="Child2" refType="primFontSz" refFor="des" refForName="Parent1" op="lte"/>
+              <dgm:constr type="primFontSz" for="des" forName="Child3" refType="primFontSz" refFor="des" refForName="Parent1" op="lte"/>
+              <dgm:constr type="primFontSz" for="des" forName="Child1" refType="primFontSz" refFor="des" refForName="Parent2" op="lte"/>
+              <dgm:constr type="primFontSz" for="des" forName="Child2" refType="primFontSz" refFor="des" refForName="Parent2" op="lte"/>
+              <dgm:constr type="primFontSz" for="des" forName="Child3" refType="primFontSz" refFor="des" refForName="Parent2" op="lte"/>
+              <dgm:constr type="primFontSz" for="des" forName="Child1" refType="primFontSz" refFor="des" refForName="Parent3" op="lte"/>
+              <dgm:constr type="primFontSz" for="des" forName="Child2" refType="primFontSz" refFor="des" refForName="Parent3" op="lte"/>
+              <dgm:constr type="primFontSz" for="des" forName="Child3" refType="primFontSz" refFor="des" refForName="Parent3" op="lte"/>
+              <dgm:constr type="primFontSz" for="des" forName="Parent2" refType="primFontSz" refFor="des" refForName="Parent1" op="equ"/>
+              <dgm:constr type="primFontSz" for="des" forName="Parent3" refType="primFontSz" refFor="des" refForName="Parent1" op="equ"/>
+              <dgm:constr type="primFontSz" for="des" forName="Child2" refType="primFontSz" refFor="des" refForName="Child1" op="equ"/>
+              <dgm:constr type="primFontSz" for="des" forName="Child3" refType="primFontSz" refFor="des" refForName="Child1" op="equ"/>
+              <dgm:constr type="l" for="ch" forName="Accent1" refType="w" fact="0"/>
+              <dgm:constr type="t" for="ch" forName="Accent1" refType="h" fact="0"/>
+              <dgm:constr type="w" for="ch" forName="Accent1" refType="w" fact="0.5325"/>
+              <dgm:constr type="h" for="ch" forName="Accent1" refType="h" fact="0.4814"/>
+              <dgm:constr type="l" for="ch" forName="Accent2" refType="w" fact="0.1479"/>
+              <dgm:constr type="t" for="ch" forName="Accent2" refType="h" fact="0.2766"/>
+              <dgm:constr type="w" for="ch" forName="Accent2" refType="w" fact="0.5325"/>
+              <dgm:constr type="h" for="ch" forName="Accent2" refType="h" fact="0.4814"/>
+              <dgm:constr type="l" for="ch" forName="Accent3" refType="w" fact="0.0378"/>
+              <dgm:constr type="t" for="ch" forName="Accent3" refType="h" fact="0.5863"/>
+              <dgm:constr type="w" for="ch" forName="Accent3" refType="w" fact="0.4575"/>
+              <dgm:constr type="h" for="ch" forName="Accent3" refType="h" fact="0.4137"/>
+              <dgm:constr type="l" for="ch" forName="Parent1" refType="w" fact="0.1183"/>
+              <dgm:constr type="t" for="ch" forName="Parent1" refType="h" fact="0.1738"/>
+              <dgm:constr type="w" for="ch" forName="Parent1" refType="w" fact="0.2959"/>
+              <dgm:constr type="h" for="ch" forName="Parent1" refType="h" fact="0.1337"/>
+              <dgm:constr type="l" for="ch" forName="Parent2" refType="w" fact="0.2656"/>
+              <dgm:constr type="t" for="ch" forName="Parent2" refType="h" fact="0.452"/>
+              <dgm:constr type="w" for="ch" forName="Parent2" refType="w" fact="0.2959"/>
+              <dgm:constr type="h" for="ch" forName="Parent2" refType="h" fact="0.1337"/>
+              <dgm:constr type="l" for="ch" forName="Parent3" refType="w" fact="0.1183"/>
+              <dgm:constr type="t" for="ch" forName="Parent3" refType="h" fact="0.7306"/>
+              <dgm:constr type="w" for="ch" forName="Parent3" refType="w" fact="0.2959"/>
+              <dgm:constr type="h" for="ch" forName="Parent3" refType="h" fact="0.1337"/>
+              <dgm:constr type="l" for="ch" forName="Child1" refType="w" fact="0.5325"/>
+              <dgm:constr type="t" for="ch" forName="Child1" refType="h" fact="0.1435"/>
+              <dgm:constr type="w" for="ch" forName="Child1" refType="w" fact="0.3195"/>
+              <dgm:constr type="h" for="ch" forName="Child1" refType="h" fact="0.1926"/>
+              <dgm:constr type="l" for="ch" forName="Child2" refType="w" fact="0.6805"/>
+              <dgm:constr type="t" for="ch" forName="Child2" refType="h" fact="0.4217"/>
+              <dgm:constr type="w" for="ch" forName="Child2" refType="w" fact="0.3195"/>
+              <dgm:constr type="h" for="ch" forName="Child2" refType="h" fact="0.1926"/>
+              <dgm:constr type="l" for="ch" forName="Child3" refType="w" fact="0.5325"/>
+              <dgm:constr type="t" for="ch" forName="Child3" refType="h" fact="0.6998"/>
+              <dgm:constr type="w" for="ch" forName="Child3" refType="w" fact="0.3195"/>
+              <dgm:constr type="h" for="ch" forName="Child3" refType="h" fact="0.1926"/>
+            </dgm:constrLst>
+          </dgm:if>
+          <dgm:if name="Name16" axis="ch" ptType="node" func="cnt" op="equ" val="4">
+            <dgm:alg type="composite">
+              <dgm:param type="ar" val="0.7073"/>
+            </dgm:alg>
+            <dgm:constrLst>
+              <dgm:constr type="primFontSz" for="des" forName="Child1" val="65"/>
+              <dgm:constr type="primFontSz" for="des" forName="Parent1" val="65"/>
+              <dgm:constr type="primFontSz" for="des" forName="Child1" refType="primFontSz" refFor="des" refForName="Parent1" op="lte"/>
+              <dgm:constr type="primFontSz" for="des" forName="Child2" refType="primFontSz" refFor="des" refForName="Parent1" op="lte"/>
+              <dgm:constr type="primFontSz" for="des" forName="Child3" refType="primFontSz" refFor="des" refForName="Parent1" op="lte"/>
+              <dgm:constr type="primFontSz" for="des" forName="Child4" refType="primFontSz" refFor="des" refForName="Parent1" op="lte"/>
+              <dgm:constr type="primFontSz" for="des" forName="Child1" refType="primFontSz" refFor="des" refForName="Parent2" op="lte"/>
+              <dgm:constr type="primFontSz" for="des" forName="Child2" refType="primFontSz" refFor="des" refForName="Parent2" op="lte"/>
+              <dgm:constr type="primFontSz" for="des" forName="Child3" refType="primFontSz" refFor="des" refForName="Parent2" op="lte"/>
+              <dgm:constr type="primFontSz" for="des" forName="Child4" refType="primFontSz" refFor="des" refForName="Parent2" op="lte"/>
+              <dgm:constr type="primFontSz" for="des" forName="Child1" refType="primFontSz" refFor="des" refForName="Parent3" op="lte"/>
+              <dgm:constr type="primFontSz" for="des" forName="Child2" refType="primFontSz" refFor="des" refForName="Parent3" op="lte"/>
+              <dgm:constr type="primFontSz" for="des" forName="Child3" refType="primFontSz" refFor="des" refForName="Parent3" op="lte"/>
+              <dgm:constr type="primFontSz" for="des" forName="Child4" refType="primFontSz" refFor="des" refForName="Parent3" op="lte"/>
+              <dgm:constr type="primFontSz" for="des" forName="Child1" refType="primFontSz" refFor="des" refForName="Parent4" op="lte"/>
+              <dgm:constr type="primFontSz" for="des" forName="Child2" refType="primFontSz" refFor="des" refForName="Parent4" op="lte"/>
+              <dgm:constr type="primFontSz" for="des" forName="Child3" refType="primFontSz" refFor="des" refForName="Parent4" op="lte"/>
+              <dgm:constr type="primFontSz" for="des" forName="Child4" refType="primFontSz" refFor="des" refForName="Parent4" op="lte"/>
+              <dgm:constr type="primFontSz" for="des" forName="Parent2" refType="primFontSz" refFor="des" refForName="Parent1" op="equ"/>
+              <dgm:constr type="primFontSz" for="des" forName="Parent3" refType="primFontSz" refFor="des" refForName="Parent1" op="equ"/>
+              <dgm:constr type="primFontSz" for="des" forName="Parent4" refType="primFontSz" refFor="des" refForName="Parent1" op="equ"/>
+              <dgm:constr type="primFontSz" for="des" forName="Child2" refType="primFontSz" refFor="des" refForName="Child1" op="equ"/>
+              <dgm:constr type="primFontSz" for="des" forName="Child3" refType="primFontSz" refFor="des" refForName="Child1" op="equ"/>
+              <dgm:constr type="primFontSz" for="des" forName="Child4" refType="primFontSz" refFor="des" refForName="Child1" op="equ"/>
+              <dgm:constr type="l" for="ch" forName="Accent1" refType="w" fact="0"/>
+              <dgm:constr type="t" for="ch" forName="Accent1" refType="h" fact="0"/>
+              <dgm:constr type="w" for="ch" forName="Accent1" refType="w" fact="0.5331"/>
+              <dgm:constr type="h" for="ch" forName="Accent1" refType="h" fact="0.3771"/>
+              <dgm:constr type="l" for="ch" forName="Accent2" refType="w" fact="0.1481"/>
+              <dgm:constr type="t" for="ch" forName="Accent2" refType="h" fact="0.2167"/>
+              <dgm:constr type="w" for="ch" forName="Accent2" refType="w" fact="0.5331"/>
+              <dgm:constr type="h" for="ch" forName="Accent2" refType="h" fact="0.3771"/>
+              <dgm:constr type="l" for="ch" forName="Accent3" refType="w" fact="0"/>
+              <dgm:constr type="t" for="ch" forName="Accent3" refType="h" fact="0.4342"/>
+              <dgm:constr type="w" for="ch" forName="Accent3" refType="w" fact="0.5331"/>
+              <dgm:constr type="h" for="ch" forName="Accent3" refType="h" fact="0.3771"/>
+              <dgm:constr type="l" for="ch" forName="Accent4" refType="w" fact="0.186"/>
+              <dgm:constr type="t" for="ch" forName="Accent4" refType="h" fact="0.6759"/>
+              <dgm:constr type="w" for="ch" forName="Accent4" refType="w" fact="0.458"/>
+              <dgm:constr type="h" for="ch" forName="Accent4" refType="h" fact="0.3241"/>
+              <dgm:constr type="l" for="ch" forName="Parent1" refType="w" fact="0.1171"/>
+              <dgm:constr type="t" for="ch" forName="Parent1" refType="h" fact="0.1365"/>
+              <dgm:constr type="w" for="ch" forName="Parent1" refType="w" fact="0.2975"/>
+              <dgm:constr type="h" for="ch" forName="Parent1" refType="h" fact="0.1052"/>
+              <dgm:constr type="l" for="ch" forName="Parent2" refType="w" fact="0.2658"/>
+              <dgm:constr type="t" for="ch" forName="Parent2" refType="h" fact="0.3536"/>
+              <dgm:constr type="w" for="ch" forName="Parent2" refType="w" fact="0.2975"/>
+              <dgm:constr type="h" for="ch" forName="Parent2" refType="h" fact="0.1052"/>
+              <dgm:constr type="l" for="ch" forName="Parent3" refType="w" fact="0.1171"/>
+              <dgm:constr type="t" for="ch" forName="Parent3" refType="h" fact="0.5707"/>
+              <dgm:constr type="w" for="ch" forName="Parent3" refType="w" fact="0.2975"/>
+              <dgm:constr type="h" for="ch" forName="Parent3" refType="h" fact="0.1052"/>
+              <dgm:constr type="l" for="ch" forName="Parent4" refType="w" fact="0.2658"/>
+              <dgm:constr type="t" for="ch" forName="Parent4" refType="h" fact="0.7878"/>
+              <dgm:constr type="w" for="ch" forName="Parent4" refType="w" fact="0.2975"/>
+              <dgm:constr type="h" for="ch" forName="Parent4" refType="h" fact="0.1052"/>
+              <dgm:constr type="l" for="ch" forName="Child1" refType="w" fact="0.5348"/>
+              <dgm:constr type="t" for="ch" forName="Child1" refType="h" fact="0.1119"/>
+              <dgm:constr type="w" for="ch" forName="Child1" refType="w" fact="0.3196"/>
+              <dgm:constr type="h" for="ch" forName="Child1" refType="h" fact="0.15"/>
+              <dgm:constr type="l" for="ch" forName="Child2" refType="w" fact="0.6804"/>
+              <dgm:constr type="t" for="ch" forName="Child2" refType="h" fact="0.3312"/>
+              <dgm:constr type="w" for="ch" forName="Child2" refType="w" fact="0.3196"/>
+              <dgm:constr type="h" for="ch" forName="Child2" refType="h" fact="0.15"/>
+              <dgm:constr type="l" for="ch" forName="Child3" refType="w" fact="0.5348"/>
+              <dgm:constr type="t" for="ch" forName="Child3" refType="h" fact="0.5461"/>
+              <dgm:constr type="w" for="ch" forName="Child3" refType="w" fact="0.3196"/>
+              <dgm:constr type="h" for="ch" forName="Child3" refType="h" fact="0.15"/>
+              <dgm:constr type="l" for="ch" forName="Child4" refType="w" fact="0.6804"/>
+              <dgm:constr type="t" for="ch" forName="Child4" refType="h" fact="0.7632"/>
+              <dgm:constr type="w" for="ch" forName="Child4" refType="w" fact="0.3196"/>
+              <dgm:constr type="h" for="ch" forName="Child4" refType="h" fact="0.15"/>
+            </dgm:constrLst>
+          </dgm:if>
+          <dgm:if name="Name17" axis="ch" ptType="node" func="cnt" op="equ" val="5">
+            <dgm:alg type="composite">
+              <dgm:param type="ar" val="0.5811"/>
+            </dgm:alg>
+            <dgm:constrLst>
+              <dgm:constr type="primFontSz" for="des" forName="Child1" val="65"/>
+              <dgm:constr type="primFontSz" for="des" forName="Parent1" val="65"/>
+              <dgm:constr type="primFontSz" for="des" forName="Child1" refType="primFontSz" refFor="des" refForName="Parent1" op="lte"/>
+              <dgm:constr type="primFontSz" for="des" forName="Child2" refType="primFontSz" refFor="des" refForName="Parent1" op="lte"/>
+              <dgm:constr type="primFontSz" for="des" forName="Child3" refType="primFontSz" refFor="des" refForName="Parent1" op="lte"/>
+              <dgm:constr type="primFontSz" for="des" forName="Child4" refType="primFontSz" refFor="des" refForName="Parent1" op="lte"/>
+              <dgm:constr type="primFontSz" for="des" forName="Child5" refType="primFontSz" refFor="des" refForName="Parent1" op="lte"/>
+              <dgm:constr type="primFontSz" for="des" forName="Child1" refType="primFontSz" refFor="des" refForName="Parent2" op="lte"/>
+              <dgm:constr type="primFontSz" for="des" forName="Child2" refType="primFontSz" refFor="des" refForName="Parent2" op="lte"/>
+              <dgm:constr type="primFontSz" for="des" forName="Child3" refType="primFontSz" refFor="des" refForName="Parent2" op="lte"/>
+              <dgm:constr type="primFontSz" for="des" forName="Child4" refType="primFontSz" refFor="des" refForName="Parent2" op="lte"/>
+              <dgm:constr type="primFontSz" for="des" forName="Child5" refType="primFontSz" refFor="des" refForName="Parent2" op="lte"/>
+              <dgm:constr type="primFontSz" for="des" forName="Child1" refType="primFontSz" refFor="des" refForName="Parent3" op="lte"/>
+              <dgm:constr type="primFontSz" for="des" forName="Child2" refType="primFontSz" refFor="des" refForName="Parent3" op="lte"/>
+              <dgm:constr type="primFontSz" for="des" forName="Child3" refType="primFontSz" refFor="des" refForName="Parent3" op="lte"/>
+              <dgm:constr type="primFontSz" for="des" forName="Child4" refType="primFontSz" refFor="des" refForName="Parent3" op="lte"/>
+              <dgm:constr type="primFontSz" for="des" forName="Child5" refType="primFontSz" refFor="des" refForName="Parent3" op="lte"/>
+              <dgm:constr type="primFontSz" for="des" forName="Child1" refType="primFontSz" refFor="des" refForName="Parent4" op="lte"/>
+              <dgm:constr type="primFontSz" for="des" forName="Child2" refType="primFontSz" refFor="des" refForName="Parent4" op="lte"/>
+              <dgm:constr type="primFontSz" for="des" forName="Child3" refType="primFontSz" refFor="des" refForName="Parent4" op="lte"/>
+              <dgm:constr type="primFontSz" for="des" forName="Child4" refType="primFontSz" refFor="des" refForName="Parent4" op="lte"/>
+              <dgm:constr type="primFontSz" for="des" forName="Child5" refType="primFontSz" refFor="des" refForName="Parent4" op="lte"/>
+              <dgm:constr type="primFontSz" for="des" forName="Child1" refType="primFontSz" refFor="des" refForName="Parent5" op="lte"/>
+              <dgm:constr type="primFontSz" for="des" forName="Child2" refType="primFontSz" refFor="des" refForName="Parent5" op="lte"/>
+              <dgm:constr type="primFontSz" for="des" forName="Child3" refType="primFontSz" refFor="des" refForName="Parent5" op="lte"/>
+              <dgm:constr type="primFontSz" for="des" forName="Child4" refType="primFontSz" refFor="des" refForName="Parent5" op="lte"/>
+              <dgm:constr type="primFontSz" for="des" forName="Child5" refType="primFontSz" refFor="des" refForName="Parent5" op="lte"/>
+              <dgm:constr type="primFontSz" for="des" forName="Parent2" refType="primFontSz" refFor="des" refForName="Parent1" op="equ"/>
+              <dgm:constr type="primFontSz" for="des" forName="Parent3" refType="primFontSz" refFor="des" refForName="Parent1" op="equ"/>
+              <dgm:constr type="primFontSz" for="des" forName="Parent4" refType="primFontSz" refFor="des" refForName="Parent1" op="equ"/>
+              <dgm:constr type="primFontSz" for="des" forName="Parent5" refType="primFontSz" refFor="des" refForName="Parent1" op="equ"/>
+              <dgm:constr type="primFontSz" for="des" forName="Child2" refType="primFontSz" refFor="des" refForName="Child1" op="equ"/>
+              <dgm:constr type="primFontSz" for="des" forName="Child3" refType="primFontSz" refFor="des" refForName="Child1" op="equ"/>
+              <dgm:constr type="primFontSz" for="des" forName="Child4" refType="primFontSz" refFor="des" refForName="Child1" op="equ"/>
+              <dgm:constr type="primFontSz" for="des" forName="Child5" refType="primFontSz" refFor="des" refForName="Child1" op="equ"/>
+              <dgm:constr type="l" for="ch" forName="Accent1" refType="w" fact="0"/>
+              <dgm:constr type="t" for="ch" forName="Accent1" refType="h" fact="0"/>
+              <dgm:constr type="w" for="ch" forName="Accent1" refType="w" fact="0.5331"/>
+              <dgm:constr type="h" for="ch" forName="Accent1" refType="h" fact="0.3098"/>
+              <dgm:constr type="l" for="ch" forName="Accent2" refType="w" fact="0.1481"/>
+              <dgm:constr type="t" for="ch" forName="Accent2" refType="h" fact="0.178"/>
+              <dgm:constr type="w" for="ch" forName="Accent2" refType="w" fact="0.5331"/>
+              <dgm:constr type="h" for="ch" forName="Accent2" refType="h" fact="0.3098"/>
+              <dgm:constr type="l" for="ch" forName="Accent3" refType="w" fact="0"/>
+              <dgm:constr type="t" for="ch" forName="Accent3" refType="h" fact="0.3568"/>
+              <dgm:constr type="w" for="ch" forName="Accent3" refType="w" fact="0.5331"/>
+              <dgm:constr type="h" for="ch" forName="Accent3" refType="h" fact="0.3098"/>
+              <dgm:constr type="l" for="ch" forName="Accent4" refType="w" fact="0.1481"/>
+              <dgm:constr type="t" for="ch" forName="Accent4" refType="h" fact="0.5351"/>
+              <dgm:constr type="w" for="ch" forName="Accent4" refType="w" fact="0.5331"/>
+              <dgm:constr type="h" for="ch" forName="Accent4" refType="h" fact="0.3098"/>
+              <dgm:constr type="l" for="ch" forName="Accent5" refType="w" fact="0.0378"/>
+              <dgm:constr type="t" for="ch" forName="Accent5" refType="h" fact="0.7337"/>
+              <dgm:constr type="w" for="ch" forName="Accent5" refType="w" fact="0.458"/>
+              <dgm:constr type="h" for="ch" forName="Accent5" refType="h" fact="0.2663"/>
+              <dgm:constr type="l" for="ch" forName="Parent1" refType="w" fact="0.1171"/>
+              <dgm:constr type="t" for="ch" forName="Parent1" refType="h" fact="0.1122"/>
+              <dgm:constr type="w" for="ch" forName="Parent1" refType="w" fact="0.2975"/>
+              <dgm:constr type="h" for="ch" forName="Parent1" refType="h" fact="0.0864"/>
+              <dgm:constr type="l" for="ch" forName="Parent2" refType="w" fact="0.2658"/>
+              <dgm:constr type="t" for="ch" forName="Parent2" refType="h" fact="0.2906"/>
+              <dgm:constr type="w" for="ch" forName="Parent2" refType="w" fact="0.2975"/>
+              <dgm:constr type="h" for="ch" forName="Parent2" refType="h" fact="0.0864"/>
+              <dgm:constr type="l" for="ch" forName="Parent3" refType="w" fact="0.1171"/>
+              <dgm:constr type="t" for="ch" forName="Parent3" refType="h" fact="0.4689"/>
+              <dgm:constr type="w" for="ch" forName="Parent3" refType="w" fact="0.2975"/>
+              <dgm:constr type="h" for="ch" forName="Parent3" refType="h" fact="0.0864"/>
+              <dgm:constr type="l" for="ch" forName="Parent4" refType="w" fact="0.2658"/>
+              <dgm:constr type="t" for="ch" forName="Parent4" refType="h" fact="0.6473"/>
+              <dgm:constr type="w" for="ch" forName="Parent4" refType="w" fact="0.2975"/>
+              <dgm:constr type="h" for="ch" forName="Parent4" refType="h" fact="0.0864"/>
+              <dgm:constr type="l" for="ch" forName="Parent5" refType="w" fact="0.1171"/>
+              <dgm:constr type="t" for="ch" forName="Parent5" refType="h" fact="0.8257"/>
+              <dgm:constr type="w" for="ch" forName="Parent5" refType="w" fact="0.2975"/>
+              <dgm:constr type="h" for="ch" forName="Parent5" refType="h" fact="0.0864"/>
+              <dgm:constr type="l" for="ch" forName="Child1" refType="w" fact="0.5348"/>
+              <dgm:constr type="t" for="ch" forName="Child1" refType="h" fact="0.0919"/>
+              <dgm:constr type="w" for="ch" forName="Child1" refType="w" fact="0.3196"/>
+              <dgm:constr type="h" for="ch" forName="Child1" refType="h" fact="0.1232"/>
+              <dgm:constr type="l" for="ch" forName="Child2" refType="w" fact="0.6804"/>
+              <dgm:constr type="t" for="ch" forName="Child2" refType="h" fact="0.2722"/>
+              <dgm:constr type="w" for="ch" forName="Child2" refType="w" fact="0.3196"/>
+              <dgm:constr type="h" for="ch" forName="Child2" refType="h" fact="0.1232"/>
+              <dgm:constr type="l" for="ch" forName="Child3" refType="w" fact="0.5348"/>
+              <dgm:constr type="t" for="ch" forName="Child3" refType="h" fact="0.4487"/>
+              <dgm:constr type="w" for="ch" forName="Child3" refType="w" fact="0.3196"/>
+              <dgm:constr type="h" for="ch" forName="Child3" refType="h" fact="0.1232"/>
+              <dgm:constr type="l" for="ch" forName="Child4" refType="w" fact="0.6804"/>
+              <dgm:constr type="t" for="ch" forName="Child4" refType="h" fact="0.6271"/>
+              <dgm:constr type="w" for="ch" forName="Child4" refType="w" fact="0.3196"/>
+              <dgm:constr type="h" for="ch" forName="Child4" refType="h" fact="0.1232"/>
+              <dgm:constr type="l" for="ch" forName="Child5" refType="w" fact="0.5348"/>
+              <dgm:constr type="t" for="ch" forName="Child5" refType="h" fact="0.8073"/>
+              <dgm:constr type="w" for="ch" forName="Child5" refType="w" fact="0.3196"/>
+              <dgm:constr type="h" for="ch" forName="Child5" refType="h" fact="0.1232"/>
+            </dgm:constrLst>
+          </dgm:if>
+          <dgm:if name="Name18" axis="ch" ptType="node" func="cnt" op="equ" val="6">
+            <dgm:alg type="composite">
+              <dgm:param type="ar" val="0.4931"/>
+            </dgm:alg>
+            <dgm:constrLst>
+              <dgm:constr type="primFontSz" for="des" forName="Child1" val="65"/>
+              <dgm:constr type="primFontSz" for="des" forName="Parent1" val="65"/>
+              <dgm:constr type="primFontSz" for="des" forName="Child1" refType="primFontSz" refFor="des" refForName="Parent1" op="lte"/>
+              <dgm:constr type="primFontSz" for="des" forName="Child2" refType="primFontSz" refFor="des" refForName="Parent1" op="lte"/>
+              <dgm:constr type="primFontSz" for="des" forName="Child3" refType="primFontSz" refFor="des" refForName="Parent1" op="lte"/>
+              <dgm:constr type="primFontSz" for="des" forName="Child4" refType="primFontSz" refFor="des" refForName="Parent1" op="lte"/>
+              <dgm:constr type="primFontSz" for="des" forName="Child5" refType="primFontSz" refFor="des" refForName="Parent1" op="lte"/>
+              <dgm:constr type="primFontSz" for="des" forName="Child6" refType="primFontSz" refFor="des" refForName="Parent1" op="lte"/>
+              <dgm:constr type="primFontSz" for="des" forName="Child1" refType="primFontSz" refFor="des" refForName="Parent2" op="lte"/>
+              <dgm:constr type="primFontSz" for="des" forName="Child2" refType="primFontSz" refFor="des" refForName="Parent2" op="lte"/>
+              <dgm:constr type="primFontSz" for="des" forName="Child3" refType="primFontSz" refFor="des" refForName="Parent2" op="lte"/>
+              <dgm:constr type="primFontSz" for="des" forName="Child4" refType="primFontSz" refFor="des" refForName="Parent2" op="lte"/>
+              <dgm:constr type="primFontSz" for="des" forName="Child5" refType="primFontSz" refFor="des" refForName="Parent2" op="lte"/>
+              <dgm:constr type="primFontSz" for="des" forName="Child6" refType="primFontSz" refFor="des" refForName="Parent2" op="lte"/>
+              <dgm:constr type="primFontSz" for="des" forName="Child1" refType="primFontSz" refFor="des" refForName="Parent3" op="lte"/>
+              <dgm:constr type="primFontSz" for="des" forName="Child2" refType="primFontSz" refFor="des" refForName="Parent3" op="lte"/>
+              <dgm:constr type="primFontSz" for="des" forName="Child3" refType="primFontSz" refFor="des" refForName="Parent3" op="lte"/>
+              <dgm:constr type="primFontSz" for="des" forName="Child4" refType="primFontSz" refFor="des" refForName="Parent3" op="lte"/>
+              <dgm:constr type="primFontSz" for="des" forName="Child5" refType="primFontSz" refFor="des" refForName="Parent3" op="lte"/>
+              <dgm:constr type="primFontSz" for="des" forName="Child6" refType="primFontSz" refFor="des" refForName="Parent3" op="lte"/>
+              <dgm:constr type="primFontSz" for="des" forName="Child1" refType="primFontSz" refFor="des" refForName="Parent4" op="lte"/>
+              <dgm:constr type="primFontSz" for="des" forName="Child2" refType="primFontSz" refFor="des" refForName="Parent4" op="lte"/>
+              <dgm:constr type="primFontSz" for="des" forName="Child3" refType="primFontSz" refFor="des" refForName="Parent4" op="lte"/>
+              <dgm:constr type="primFontSz" for="des" forName="Child4" refType="primFontSz" refFor="des" refForName="Parent4" op="lte"/>
+              <dgm:constr type="primFontSz" for="des" forName="Child5" refType="primFontSz" refFor="des" refForName="Parent4" op="lte"/>
+              <dgm:constr type="primFontSz" for="des" forName="Child6" refType="primFontSz" refFor="des" refForName="Parent4" op="lte"/>
+              <dgm:constr type="primFontSz" for="des" forName="Child1" refType="primFontSz" refFor="des" refForName="Parent5" op="lte"/>
+              <dgm:constr type="primFontSz" for="des" forName="Child2" refType="primFontSz" refFor="des" refForName="Parent5" op="lte"/>
+              <dgm:constr type="primFontSz" for="des" forName="Child3" refType="primFontSz" refFor="des" refForName="Parent5" op="lte"/>
+              <dgm:constr type="primFontSz" for="des" forName="Child4" refType="primFontSz" refFor="des" refForName="Parent5" op="lte"/>
+              <dgm:constr type="primFontSz" for="des" forName="Child5" refType="primFontSz" refFor="des" refForName="Parent5" op="lte"/>
+              <dgm:constr type="primFontSz" for="des" forName="Child6" refType="primFontSz" refFor="des" refForName="Parent5" op="lte"/>
+              <dgm:constr type="primFontSz" for="des" forName="Child1" refType="primFontSz" refFor="des" refForName="Parent6" op="lte"/>
+              <dgm:constr type="primFontSz" for="des" forName="Child2" refType="primFontSz" refFor="des" refForName="Parent6" op="lte"/>
+              <dgm:constr type="primFontSz" for="des" forName="Child3" refType="primFontSz" refFor="des" refForName="Parent6" op="lte"/>
+              <dgm:constr type="primFontSz" for="des" forName="Child4" refType="primFontSz" refFor="des" refForName="Parent6" op="lte"/>
+              <dgm:constr type="primFontSz" for="des" forName="Child5" refType="primFontSz" refFor="des" refForName="Parent6" op="lte"/>
+              <dgm:constr type="primFontSz" for="des" forName="Child6" refType="primFontSz" refFor="des" refForName="Parent6" op="lte"/>
+              <dgm:constr type="primFontSz" for="des" forName="Parent2" refType="primFontSz" refFor="des" refForName="Parent1" op="equ"/>
+              <dgm:constr type="primFontSz" for="des" forName="Parent3" refType="primFontSz" refFor="des" refForName="Parent1" op="equ"/>
+              <dgm:constr type="primFontSz" for="des" forName="Parent4" refType="primFontSz" refFor="des" refForName="Parent1" op="equ"/>
+              <dgm:constr type="primFontSz" for="des" forName="Parent5" refType="primFontSz" refFor="des" refForName="Parent1" op="equ"/>
+              <dgm:constr type="primFontSz" for="des" forName="Parent6" refType="primFontSz" refFor="des" refForName="Parent1" op="equ"/>
+              <dgm:constr type="primFontSz" for="des" forName="Child2" refType="primFontSz" refFor="des" refForName="Child1" op="equ"/>
+              <dgm:constr type="primFontSz" for="des" forName="Child3" refType="primFontSz" refFor="des" refForName="Child1" op="equ"/>
+              <dgm:constr type="primFontSz" for="des" forName="Child4" refType="primFontSz" refFor="des" refForName="Child1" op="equ"/>
+              <dgm:constr type="primFontSz" for="des" forName="Child5" refType="primFontSz" refFor="des" refForName="Child1" op="equ"/>
+              <dgm:constr type="primFontSz" for="des" forName="Child6" refType="primFontSz" refFor="des" refForName="Child1" op="equ"/>
+              <dgm:constr type="l" for="ch" forName="Accent1" refType="w" fact="0"/>
+              <dgm:constr type="t" for="ch" forName="Accent1" refType="h" fact="0"/>
+              <dgm:constr type="w" for="ch" forName="Accent1" refType="w" fact="0.5331"/>
+              <dgm:constr type="h" for="ch" forName="Accent1" refType="h" fact="0.2629"/>
+              <dgm:constr type="l" for="ch" forName="Accent2" refType="w" fact="0.1481"/>
+              <dgm:constr type="t" for="ch" forName="Accent2" refType="h" fact="0.1511"/>
+              <dgm:constr type="w" for="ch" forName="Accent2" refType="w" fact="0.5331"/>
+              <dgm:constr type="h" for="ch" forName="Accent2" refType="h" fact="0.2629"/>
+              <dgm:constr type="l" for="ch" forName="Accent3" refType="w" fact="0"/>
+              <dgm:constr type="t" for="ch" forName="Accent3" refType="h" fact="0.3027"/>
+              <dgm:constr type="w" for="ch" forName="Accent3" refType="w" fact="0.5331"/>
+              <dgm:constr type="h" for="ch" forName="Accent3" refType="h" fact="0.2629"/>
+              <dgm:constr type="l" for="ch" forName="Accent4" refType="w" fact="0.1481"/>
+              <dgm:constr type="t" for="ch" forName="Accent4" refType="h" fact="0.4541"/>
+              <dgm:constr type="w" for="ch" forName="Accent4" refType="w" fact="0.5331"/>
+              <dgm:constr type="h" for="ch" forName="Accent4" refType="h" fact="0.2629"/>
+              <dgm:constr type="l" for="ch" forName="Accent5" refType="w" fact="0"/>
+              <dgm:constr type="t" for="ch" forName="Accent5" refType="h" fact="0.6053"/>
+              <dgm:constr type="w" for="ch" forName="Accent5" refType="w" fact="0.5331"/>
+              <dgm:constr type="h" for="ch" forName="Accent5" refType="h" fact="0.2629"/>
+              <dgm:constr type="l" for="ch" forName="Accent6" refType="w" fact="0.186"/>
+              <dgm:constr type="t" for="ch" forName="Accent6" refType="h" fact="0.774"/>
+              <dgm:constr type="w" for="ch" forName="Accent6" refType="w" fact="0.458"/>
+              <dgm:constr type="h" for="ch" forName="Accent6" refType="h" fact="0.226"/>
+              <dgm:constr type="l" for="ch" forName="Parent1" refType="w" fact="0.1171"/>
+              <dgm:constr type="t" for="ch" forName="Parent1" refType="h" fact="0.0952"/>
+              <dgm:constr type="w" for="ch" forName="Parent1" refType="w" fact="0.2975"/>
+              <dgm:constr type="h" for="ch" forName="Parent1" refType="h" fact="0.0733"/>
+              <dgm:constr type="l" for="ch" forName="Parent2" refType="w" fact="0.2658"/>
+              <dgm:constr type="t" for="ch" forName="Parent2" refType="h" fact="0.2466"/>
+              <dgm:constr type="w" for="ch" forName="Parent2" refType="w" fact="0.2975"/>
+              <dgm:constr type="h" for="ch" forName="Parent2" refType="h" fact="0.0733"/>
+              <dgm:constr type="l" for="ch" forName="Parent3" refType="w" fact="0.1171"/>
+              <dgm:constr type="t" for="ch" forName="Parent3" refType="h" fact="0.3979"/>
+              <dgm:constr type="w" for="ch" forName="Parent3" refType="w" fact="0.2975"/>
+              <dgm:constr type="h" for="ch" forName="Parent3" refType="h" fact="0.0733"/>
+              <dgm:constr type="l" for="ch" forName="Parent4" refType="w" fact="0.2658"/>
+              <dgm:constr type="t" for="ch" forName="Parent4" refType="h" fact="0.5493"/>
+              <dgm:constr type="w" for="ch" forName="Parent4" refType="w" fact="0.2975"/>
+              <dgm:constr type="h" for="ch" forName="Parent4" refType="h" fact="0.0733"/>
+              <dgm:constr type="l" for="ch" forName="Parent5" refType="w" fact="0.1171"/>
+              <dgm:constr type="t" for="ch" forName="Parent5" refType="h" fact="0.7005"/>
+              <dgm:constr type="w" for="ch" forName="Parent5" refType="w" fact="0.2975"/>
+              <dgm:constr type="h" for="ch" forName="Parent5" refType="h" fact="0.0733"/>
+              <dgm:constr type="l" for="ch" forName="Parent6" refType="w" fact="0.2658"/>
+              <dgm:constr type="t" for="ch" forName="Parent6" refType="h" fact="0.8519"/>
+              <dgm:constr type="w" for="ch" forName="Parent6" refType="w" fact="0.2975"/>
+              <dgm:constr type="h" for="ch" forName="Parent6" refType="h" fact="0.0733"/>
+              <dgm:constr type="l" for="ch" forName="Child1" refType="w" fact="0.5348"/>
+              <dgm:constr type="t" for="ch" forName="Child1" refType="h" fact="0.078"/>
+              <dgm:constr type="w" for="ch" forName="Child1" refType="w" fact="0.3196"/>
+              <dgm:constr type="h" for="ch" forName="Child1" refType="h" fact="0.1046"/>
+              <dgm:constr type="l" for="ch" forName="Child2" refType="w" fact="0.6804"/>
+              <dgm:constr type="t" for="ch" forName="Child2" refType="h" fact="0.231"/>
+              <dgm:constr type="w" for="ch" forName="Child2" refType="w" fact="0.3196"/>
+              <dgm:constr type="h" for="ch" forName="Child2" refType="h" fact="0.1046"/>
+              <dgm:constr type="l" for="ch" forName="Child3" refType="w" fact="0.5348"/>
+              <dgm:constr type="t" for="ch" forName="Child3" refType="h" fact="0.3808"/>
+              <dgm:constr type="w" for="ch" forName="Child3" refType="w" fact="0.3196"/>
+              <dgm:constr type="h" for="ch" forName="Child3" refType="h" fact="0.1046"/>
+              <dgm:constr type="l" for="ch" forName="Child4" refType="w" fact="0.6804"/>
+              <dgm:constr type="t" for="ch" forName="Child4" refType="h" fact="0.5322"/>
+              <dgm:constr type="w" for="ch" forName="Child4" refType="w" fact="0.3196"/>
+              <dgm:constr type="h" for="ch" forName="Child4" refType="h" fact="0.1046"/>
+              <dgm:constr type="l" for="ch" forName="Child5" refType="w" fact="0.5348"/>
+              <dgm:constr type="t" for="ch" forName="Child5" refType="h" fact="0.6833"/>
+              <dgm:constr type="w" for="ch" forName="Child5" refType="w" fact="0.3196"/>
+              <dgm:constr type="h" for="ch" forName="Child5" refType="h" fact="0.1046"/>
+              <dgm:constr type="l" for="ch" forName="Child6" refType="w" fact="0.6804"/>
+              <dgm:constr type="t" for="ch" forName="Child6" refType="h" fact="0.8347"/>
+              <dgm:constr type="w" for="ch" forName="Child6" refType="w" fact="0.3196"/>
+              <dgm:constr type="h" for="ch" forName="Child6" refType="h" fact="0.1046"/>
+            </dgm:constrLst>
+          </dgm:if>
+          <dgm:else name="Name19">
+            <dgm:alg type="composite">
+              <dgm:param type="ar" val="0.4284"/>
+            </dgm:alg>
+            <dgm:constrLst>
+              <dgm:constr type="primFontSz" for="des" forName="Child1" val="65"/>
+              <dgm:constr type="primFontSz" for="des" forName="Parent1" val="65"/>
+              <dgm:constr type="primFontSz" for="des" forName="Child1" refType="primFontSz" refFor="des" refForName="Parent1" op="lte"/>
+              <dgm:constr type="primFontSz" for="des" forName="Child2" refType="primFontSz" refFor="des" refForName="Parent1" op="lte"/>
+              <dgm:constr type="primFontSz" for="des" forName="Child3" refType="primFontSz" refFor="des" refForName="Parent1" op="lte"/>
+              <dgm:constr type="primFontSz" for="des" forName="Child4" refType="primFontSz" refFor="des" refForName="Parent1" op="lte"/>
+              <dgm:constr type="primFontSz" for="des" forName="Child5" refType="primFontSz" refFor="des" refForName="Parent1" op="lte"/>
+              <dgm:constr type="primFontSz" for="des" forName="Child6" refType="primFontSz" refFor="des" refForName="Parent1" op="lte"/>
+              <dgm:constr type="primFontSz" for="des" forName="Child7" refType="primFontSz" refFor="des" refForName="Parent1" op="lte"/>
+              <dgm:constr type="primFontSz" for="des" forName="Child1" refType="primFontSz" refFor="des" refForName="Parent2" op="lte"/>
+              <dgm:constr type="primFontSz" for="des" forName="Child2" refType="primFontSz" refFor="des" refForName="Parent2" op="lte"/>
+              <dgm:constr type="primFontSz" for="des" forName="Child3" refType="primFontSz" refFor="des" refForName="Parent2" op="lte"/>
+              <dgm:constr type="primFontSz" for="des" forName="Child4" refType="primFontSz" refFor="des" refForName="Parent2" op="lte"/>
+              <dgm:constr type="primFontSz" for="des" forName="Child5" refType="primFontSz" refFor="des" refForName="Parent2" op="lte"/>
+              <dgm:constr type="primFontSz" for="des" forName="Child6" refType="primFontSz" refFor="des" refForName="Parent2" op="lte"/>
+              <dgm:constr type="primFontSz" for="des" forName="Child7" refType="primFontSz" refFor="des" refForName="Parent2" op="lte"/>
+              <dgm:constr type="primFontSz" for="des" forName="Child1" refType="primFontSz" refFor="des" refForName="Parent3" op="lte"/>
+              <dgm:constr type="primFontSz" for="des" forName="Child2" refType="primFontSz" refFor="des" refForName="Parent3" op="lte"/>
+              <dgm:constr type="primFontSz" for="des" forName="Child3" refType="primFontSz" refFor="des" refForName="Parent3" op="lte"/>
+              <dgm:constr type="primFontSz" for="des" forName="Child4" refType="primFontSz" refFor="des" refForName="Parent3" op="lte"/>
+              <dgm:constr type="primFontSz" for="des" forName="Child5" refType="primFontSz" refFor="des" refForName="Parent3" op="lte"/>
+              <dgm:constr type="primFontSz" for="des" forName="Child6" refType="primFontSz" refFor="des" refForName="Parent3" op="lte"/>
+              <dgm:constr type="primFontSz" for="des" forName="Child7" refType="primFontSz" refFor="des" refForName="Parent3" op="lte"/>
+              <dgm:constr type="primFontSz" for="des" forName="Child1" refType="primFontSz" refFor="des" refForName="Parent4" op="lte"/>
+              <dgm:constr type="primFontSz" for="des" forName="Child2" refType="primFontSz" refFor="des" refForName="Parent4" op="lte"/>
+              <dgm:constr type="primFontSz" for="des" forName="Child3" refType="primFontSz" refFor="des" refForName="Parent4" op="lte"/>
+              <dgm:constr type="primFontSz" for="des" forName="Child4" refType="primFontSz" refFor="des" refForName="Parent4" op="lte"/>
+              <dgm:constr type="primFontSz" for="des" forName="Child5" refType="primFontSz" refFor="des" refForName="Parent4" op="lte"/>
+              <dgm:constr type="primFontSz" for="des" forName="Child6" refType="primFontSz" refFor="des" refForName="Parent4" op="lte"/>
+              <dgm:constr type="primFontSz" for="des" forName="Child7" refType="primFontSz" refFor="des" refForName="Parent4" op="lte"/>
+              <dgm:constr type="primFontSz" for="des" forName="Child1" refType="primFontSz" refFor="des" refForName="Parent5" op="lte"/>
+              <dgm:constr type="primFontSz" for="des" forName="Child2" refType="primFontSz" refFor="des" refForName="Parent5" op="lte"/>
+              <dgm:constr type="primFontSz" for="des" forName="Child3" refType="primFontSz" refFor="des" refForName="Parent5" op="lte"/>
+              <dgm:constr type="primFontSz" for="des" forName="Child4" refType="primFontSz" refFor="des" refForName="Parent5" op="lte"/>
+              <dgm:constr type="primFontSz" for="des" forName="Child5" refType="primFontSz" refFor="des" refForName="Parent5" op="lte"/>
+              <dgm:constr type="primFontSz" for="des" forName="Child6" refType="primFontSz" refFor="des" refForName="Parent5" op="lte"/>
+              <dgm:constr type="primFontSz" for="des" forName="Child7" refType="primFontSz" refFor="des" refForName="Parent5" op="lte"/>
+              <dgm:constr type="primFontSz" for="des" forName="Child1" refType="primFontSz" refFor="des" refForName="Parent6" op="lte"/>
+              <dgm:constr type="primFontSz" for="des" forName="Child2" refType="primFontSz" refFor="des" refForName="Parent6" op="lte"/>
+              <dgm:constr type="primFontSz" for="des" forName="Child3" refType="primFontSz" refFor="des" refForName="Parent6" op="lte"/>
+              <dgm:constr type="primFontSz" for="des" forName="Child4" refType="primFontSz" refFor="des" refForName="Parent6" op="lte"/>
+              <dgm:constr type="primFontSz" for="des" forName="Child5" refType="primFontSz" refFor="des" refForName="Parent6" op="lte"/>
+              <dgm:constr type="primFontSz" for="des" forName="Child6" refType="primFontSz" refFor="des" refForName="Parent6" op="lte"/>
+              <dgm:constr type="primFontSz" for="des" forName="Child7" refType="primFontSz" refFor="des" refForName="Parent6" op="lte"/>
+              <dgm:constr type="primFontSz" for="des" forName="Child1" refType="primFontSz" refFor="des" refForName="Parent7" op="lte"/>
+              <dgm:constr type="primFontSz" for="des" forName="Child2" refType="primFontSz" refFor="des" refForName="Parent7" op="lte"/>
+              <dgm:constr type="primFontSz" for="des" forName="Child3" refType="primFontSz" refFor="des" refForName="Parent7" op="lte"/>
+              <dgm:constr type="primFontSz" for="des" forName="Child4" refType="primFontSz" refFor="des" refForName="Parent7" op="lte"/>
+              <dgm:constr type="primFontSz" for="des" forName="Child5" refType="primFontSz" refFor="des" refForName="Parent7" op="lte"/>
+              <dgm:constr type="primFontSz" for="des" forName="Child6" refType="primFontSz" refFor="des" refForName="Parent7" op="lte"/>
+              <dgm:constr type="primFontSz" for="des" forName="Child7" refType="primFontSz" refFor="des" refForName="Parent7" op="lte"/>
+              <dgm:constr type="primFontSz" for="des" forName="Parent2" refType="primFontSz" refFor="des" refForName="Parent1" op="equ"/>
+              <dgm:constr type="primFontSz" for="des" forName="Parent3" refType="primFontSz" refFor="des" refForName="Parent1" op="equ"/>
+              <dgm:constr type="primFontSz" for="des" forName="Parent4" refType="primFontSz" refFor="des" refForName="Parent1" op="equ"/>
+              <dgm:constr type="primFontSz" for="des" forName="Parent5" refType="primFontSz" refFor="des" refForName="Parent1" op="equ"/>
+              <dgm:constr type="primFontSz" for="des" forName="Parent6" refType="primFontSz" refFor="des" refForName="Parent1" op="equ"/>
+              <dgm:constr type="primFontSz" for="des" forName="Parent7" refType="primFontSz" refFor="des" refForName="Parent1" op="equ"/>
+              <dgm:constr type="primFontSz" for="des" forName="Child2" refType="primFontSz" refFor="des" refForName="Child1" op="equ"/>
+              <dgm:constr type="primFontSz" for="des" forName="Child3" refType="primFontSz" refFor="des" refForName="Child1" op="equ"/>
+              <dgm:constr type="primFontSz" for="des" forName="Child4" refType="primFontSz" refFor="des" refForName="Child1" op="equ"/>
+              <dgm:constr type="primFontSz" for="des" forName="Child5" refType="primFontSz" refFor="des" refForName="Child1" op="equ"/>
+              <dgm:constr type="primFontSz" for="des" forName="Child6" refType="primFontSz" refFor="des" refForName="Child1" op="equ"/>
+              <dgm:constr type="primFontSz" for="des" forName="Child7" refType="primFontSz" refFor="des" refForName="Child1" op="equ"/>
+              <dgm:constr type="l" for="ch" forName="Accent1" refType="w" fact="0"/>
+              <dgm:constr type="t" for="ch" forName="Accent1" refType="h" fact="0"/>
+              <dgm:constr type="w" for="ch" forName="Accent1" refType="w" fact="0.5331"/>
+              <dgm:constr type="h" for="ch" forName="Accent1" refType="h" fact="0.2284"/>
+              <dgm:constr type="l" for="ch" forName="Accent2" refType="w" fact="0.1481"/>
+              <dgm:constr type="t" for="ch" forName="Accent2" refType="h" fact="0.1312"/>
+              <dgm:constr type="w" for="ch" forName="Accent2" refType="w" fact="0.5331"/>
+              <dgm:constr type="h" for="ch" forName="Accent2" refType="h" fact="0.2284"/>
+              <dgm:constr type="l" for="ch" forName="Accent3" refType="w" fact="0"/>
+              <dgm:constr type="t" for="ch" forName="Accent3" refType="h" fact="0.263"/>
+              <dgm:constr type="w" for="ch" forName="Accent3" refType="w" fact="0.5331"/>
+              <dgm:constr type="h" for="ch" forName="Accent3" refType="h" fact="0.2284"/>
+              <dgm:constr type="l" for="ch" forName="Accent4" refType="w" fact="0.1481"/>
+              <dgm:constr type="t" for="ch" forName="Accent4" refType="h" fact="0.3945"/>
+              <dgm:constr type="w" for="ch" forName="Accent4" refType="w" fact="0.5331"/>
+              <dgm:constr type="h" for="ch" forName="Accent4" refType="h" fact="0.2284"/>
+              <dgm:constr type="l" for="ch" forName="Accent5" refType="w" fact="0"/>
+              <dgm:constr type="t" for="ch" forName="Accent5" refType="h" fact="0.5258"/>
+              <dgm:constr type="w" for="ch" forName="Accent5" refType="w" fact="0.5331"/>
+              <dgm:constr type="h" for="ch" forName="Accent5" refType="h" fact="0.2284"/>
+              <dgm:constr type="l" for="ch" forName="Accent6" refType="w" fact="0.1481"/>
+              <dgm:constr type="t" for="ch" forName="Accent6" refType="h" fact="0.6573"/>
+              <dgm:constr type="w" for="ch" forName="Accent6" refType="w" fact="0.5331"/>
+              <dgm:constr type="h" for="ch" forName="Accent6" refType="h" fact="0.2284"/>
+              <dgm:constr type="l" for="ch" forName="Accent7" refType="w" fact="0.0378"/>
+              <dgm:constr type="t" for="ch" forName="Accent7" refType="h" fact="0.8037"/>
+              <dgm:constr type="w" for="ch" forName="Accent7" refType="w" fact="0.458"/>
+              <dgm:constr type="h" for="ch" forName="Accent7" refType="h" fact="0.1963"/>
+              <dgm:constr type="l" for="ch" forName="Parent1" refType="w" fact="0.1171"/>
+              <dgm:constr type="t" for="ch" forName="Parent1" refType="h" fact="0.0827"/>
+              <dgm:constr type="w" for="ch" forName="Parent1" refType="w" fact="0.2975"/>
+              <dgm:constr type="h" for="ch" forName="Parent1" refType="h" fact="0.0637"/>
+              <dgm:constr type="l" for="ch" forName="Parent2" refType="w" fact="0.2658"/>
+              <dgm:constr type="t" for="ch" forName="Parent2" refType="h" fact="0.2142"/>
+              <dgm:constr type="w" for="ch" forName="Parent2" refType="w" fact="0.2975"/>
+              <dgm:constr type="h" for="ch" forName="Parent2" refType="h" fact="0.0637"/>
+              <dgm:constr type="l" for="ch" forName="Parent3" refType="w" fact="0.1171"/>
+              <dgm:constr type="t" for="ch" forName="Parent3" refType="h" fact="0.3457"/>
+              <dgm:constr type="w" for="ch" forName="Parent3" refType="w" fact="0.2975"/>
+              <dgm:constr type="h" for="ch" forName="Parent3" refType="h" fact="0.0637"/>
+              <dgm:constr type="l" for="ch" forName="Parent4" refType="w" fact="0.2658"/>
+              <dgm:constr type="t" for="ch" forName="Parent4" refType="h" fact="0.4772"/>
+              <dgm:constr type="w" for="ch" forName="Parent4" refType="w" fact="0.2975"/>
+              <dgm:constr type="h" for="ch" forName="Parent4" refType="h" fact="0.0637"/>
+              <dgm:constr type="l" for="ch" forName="Parent5" refType="w" fact="0.1171"/>
+              <dgm:constr type="t" for="ch" forName="Parent5" refType="h" fact="0.6085"/>
+              <dgm:constr type="w" for="ch" forName="Parent5" refType="w" fact="0.2975"/>
+              <dgm:constr type="h" for="ch" forName="Parent5" refType="h" fact="0.0637"/>
+              <dgm:constr type="l" for="ch" forName="Parent6" refType="w" fact="0.2658"/>
+              <dgm:constr type="t" for="ch" forName="Parent6" refType="h" fact="0.74"/>
+              <dgm:constr type="w" for="ch" forName="Parent6" refType="w" fact="0.2975"/>
+              <dgm:constr type="h" for="ch" forName="Parent6" refType="h" fact="0.0637"/>
+              <dgm:constr type="l" for="ch" forName="Parent7" refType="w" fact="0.1171"/>
+              <dgm:constr type="t" for="ch" forName="Parent7" refType="h" fact="0.8715"/>
+              <dgm:constr type="w" for="ch" forName="Parent7" refType="w" fact="0.2975"/>
+              <dgm:constr type="h" for="ch" forName="Parent7" refType="h" fact="0.0637"/>
+              <dgm:constr type="l" for="ch" forName="Child1" refType="w" fact="0.5348"/>
+              <dgm:constr type="t" for="ch" forName="Child1" refType="h" fact="0.0678"/>
+              <dgm:constr type="w" for="ch" forName="Child1" refType="w" fact="0.3196"/>
+              <dgm:constr type="h" for="ch" forName="Child1" refType="h" fact="0.0908"/>
+              <dgm:constr type="l" for="ch" forName="Child2" refType="w" fact="0.6804"/>
+              <dgm:constr type="t" for="ch" forName="Child2" refType="h" fact="0.2006"/>
+              <dgm:constr type="w" for="ch" forName="Child2" refType="w" fact="0.3196"/>
+              <dgm:constr type="h" for="ch" forName="Child2" refType="h" fact="0.0908"/>
+              <dgm:constr type="l" for="ch" forName="Child3" refType="w" fact="0.5348"/>
+              <dgm:constr type="t" for="ch" forName="Child3" refType="h" fact="0.3308"/>
+              <dgm:constr type="w" for="ch" forName="Child3" refType="w" fact="0.3196"/>
+              <dgm:constr type="h" for="ch" forName="Child3" refType="h" fact="0.0908"/>
+              <dgm:constr type="l" for="ch" forName="Child4" refType="w" fact="0.6804"/>
+              <dgm:constr type="t" for="ch" forName="Child4" refType="h" fact="0.4623"/>
+              <dgm:constr type="w" for="ch" forName="Child4" refType="w" fact="0.3196"/>
+              <dgm:constr type="h" for="ch" forName="Child4" refType="h" fact="0.0908"/>
+              <dgm:constr type="l" for="ch" forName="Child5" refType="w" fact="0.5348"/>
+              <dgm:constr type="t" for="ch" forName="Child5" refType="h" fact="0.5936"/>
+              <dgm:constr type="w" for="ch" forName="Child5" refType="w" fact="0.3196"/>
+              <dgm:constr type="h" for="ch" forName="Child5" refType="h" fact="0.0908"/>
+              <dgm:constr type="l" for="ch" forName="Child6" refType="w" fact="0.6804"/>
+              <dgm:constr type="t" for="ch" forName="Child6" refType="h" fact="0.7251"/>
+              <dgm:constr type="w" for="ch" forName="Child6" refType="w" fact="0.3196"/>
+              <dgm:constr type="h" for="ch" forName="Child6" refType="h" fact="0.0908"/>
+              <dgm:constr type="l" for="ch" forName="Child7" refType="w" fact="0.5348"/>
+              <dgm:constr type="t" for="ch" forName="Child7" refType="h" fact="0.8579"/>
+              <dgm:constr type="w" for="ch" forName="Child7" refType="w" fact="0.3196"/>
+              <dgm:constr type="h" for="ch" forName="Child7" refType="h" fact="0.0908"/>
+            </dgm:constrLst>
+          </dgm:else>
+        </dgm:choose>
+      </dgm:else>
+    </dgm:choose>
+    <dgm:forEach name="wrapper" axis="self" ptType="parTrans">
+      <dgm:forEach name="accentRepeat" axis="self">
+        <dgm:layoutNode name="Accent" styleLbl="node1">
+          <dgm:alg type="sp"/>
+          <dgm:choose name="Name20">
+            <dgm:if name="Name21" func="var" arg="dir" op="equ" val="norm">
+              <dgm:choose name="Name22">
+                <dgm:if name="Name23" axis="precedSib" ptType="node" func="cnt" op="equ" val="0">
+                  <dgm:choose name="Name24">
+                    <dgm:if name="Name25" axis="followSib" ptType="node" func="cnt" op="equ" val="0">
+                      <dgm:shape xmlns:r="http://schemas.openxmlformats.org/officeDocument/2006/relationships" type="circularArrow" r:blip="">
+                        <dgm:adjLst>
+                          <dgm:adj idx="1" val="0.1098"/>
+                          <dgm:adj idx="2" val="19.0387"/>
+                          <dgm:adj idx="3" val="150"/>
+                          <dgm:adj idx="4" val="180"/>
+                          <dgm:adj idx="5" val="0.125"/>
+                        </dgm:adjLst>
+                      </dgm:shape>
+                    </dgm:if>
+                    <dgm:else name="Name26">
+                      <dgm:shape xmlns:r="http://schemas.openxmlformats.org/officeDocument/2006/relationships" type="circularArrow" r:blip="">
+                        <dgm:adjLst>
+                          <dgm:adj idx="1" val="0.1098"/>
+                          <dgm:adj idx="2" val="19.0387"/>
+                          <dgm:adj idx="3" val="75"/>
+                          <dgm:adj idx="4" val="180"/>
+                          <dgm:adj idx="5" val="0.125"/>
+                        </dgm:adjLst>
+                      </dgm:shape>
+                    </dgm:else>
+                  </dgm:choose>
+                </dgm:if>
+                <dgm:else name="Name27">
+                  <dgm:choose name="Name28">
+                    <dgm:if name="Name29" axis="followSib" ptType="node" func="cnt" op="equ" val="0">
+                      <dgm:choose name="Name30">
+                        <dgm:if name="Name31" axis="precedSib" ptType="node" func="cnt" op="equ" val="1">
+                          <dgm:shape xmlns:r="http://schemas.openxmlformats.org/officeDocument/2006/relationships" type="blockArc" r:blip="">
+                            <dgm:adjLst>
+                              <dgm:adj idx="1" val="0"/>
+                              <dgm:adj idx="2" val="-45"/>
+                              <dgm:adj idx="3" val="0.1274"/>
+                            </dgm:adjLst>
+                          </dgm:shape>
+                        </dgm:if>
+                        <dgm:if name="Name32" axis="precedSib" ptType="node" func="cnt" op="equ" val="2">
+                          <dgm:shape xmlns:r="http://schemas.openxmlformats.org/officeDocument/2006/relationships" type="blockArc" r:blip="">
+                            <dgm:adjLst>
+                              <dgm:adj idx="1" val="-135"/>
+                              <dgm:adj idx="2" val="180"/>
+                              <dgm:adj idx="3" val="0.1274"/>
+                            </dgm:adjLst>
+                          </dgm:shape>
+                        </dgm:if>
+                        <dgm:if name="Name33" axis="precedSib" ptType="node" func="cnt" op="equ" val="3">
+                          <dgm:shape xmlns:r="http://schemas.openxmlformats.org/officeDocument/2006/relationships" type="blockArc" r:blip="">
+                            <dgm:adjLst>
+                              <dgm:adj idx="1" val="0"/>
+                              <dgm:adj idx="2" val="-45"/>
+                              <dgm:adj idx="3" val="0.1274"/>
+                            </dgm:adjLst>
+                          </dgm:shape>
+                        </dgm:if>
+                        <dgm:if name="Name34" axis="precedSib" ptType="node" func="cnt" op="equ" val="4">
+                          <dgm:shape xmlns:r="http://schemas.openxmlformats.org/officeDocument/2006/relationships" type="blockArc" r:blip="">
+                            <dgm:adjLst>
+                              <dgm:adj idx="1" val="-135"/>
+                              <dgm:adj idx="2" val="180"/>
+                              <dgm:adj idx="3" val="0.1274"/>
+                            </dgm:adjLst>
+                          </dgm:shape>
+                        </dgm:if>
+                        <dgm:if name="Name35" axis="precedSib" ptType="node" func="cnt" op="equ" val="5">
+                          <dgm:shape xmlns:r="http://schemas.openxmlformats.org/officeDocument/2006/relationships" type="blockArc" r:blip="">
+                            <dgm:adjLst>
+                              <dgm:adj idx="1" val="0"/>
+                              <dgm:adj idx="2" val="-45"/>
+                              <dgm:adj idx="3" val="0.1274"/>
+                            </dgm:adjLst>
+                          </dgm:shape>
+                        </dgm:if>
+                        <dgm:if name="Name36" axis="precedSib" ptType="node" func="cnt" op="equ" val="6">
+                          <dgm:shape xmlns:r="http://schemas.openxmlformats.org/officeDocument/2006/relationships" type="blockArc" r:blip="">
+                            <dgm:adjLst>
+                              <dgm:adj idx="1" val="-135"/>
+                              <dgm:adj idx="2" val="180"/>
+                              <dgm:adj idx="3" val="0.1274"/>
+                            </dgm:adjLst>
+                          </dgm:shape>
+                        </dgm:if>
+                        <dgm:else name="Name37"/>
+                      </dgm:choose>
+                    </dgm:if>
+                    <dgm:else name="Name38">
+                      <dgm:choose name="Name39">
+                        <dgm:if name="Name40" axis="precedSib" ptType="node" func="cnt" op="equ" val="0">
+                          <dgm:shape xmlns:r="http://schemas.openxmlformats.org/officeDocument/2006/relationships" type="blockArc" r:blip="">
+                            <dgm:adjLst>
+                              <dgm:adj idx="1" val="-133.1632"/>
+                              <dgm:adj idx="2" val="65"/>
+                              <dgm:adj idx="3" val="0.13"/>
+                            </dgm:adjLst>
+                          </dgm:shape>
+                        </dgm:if>
+                        <dgm:if name="Name41" axis="precedSib" ptType="node" func="cnt" op="equ" val="1">
+                          <dgm:shape xmlns:r="http://schemas.openxmlformats.org/officeDocument/2006/relationships" type="leftCircularArrow" r:blip="">
+                            <dgm:adjLst>
+                              <dgm:adj idx="1" val="0.1098"/>
+                              <dgm:adj idx="2" val="19.0387"/>
+                              <dgm:adj idx="3" val="105"/>
+                              <dgm:adj idx="4" val="-45"/>
+                              <dgm:adj idx="5" val="0.125"/>
+                            </dgm:adjLst>
+                          </dgm:shape>
+                        </dgm:if>
+                        <dgm:if name="Name42" axis="precedSib" ptType="node" func="cnt" op="equ" val="2">
+                          <dgm:shape xmlns:r="http://schemas.openxmlformats.org/officeDocument/2006/relationships" type="circularArrow" r:blip="">
+                            <dgm:adjLst>
+                              <dgm:adj idx="1" val="0.1098"/>
+                              <dgm:adj idx="2" val="19.0387"/>
+                              <dgm:adj idx="3" val="75"/>
+                              <dgm:adj idx="4" val="-135"/>
+                              <dgm:adj idx="5" val="0.125"/>
+                            </dgm:adjLst>
+                          </dgm:shape>
+                        </dgm:if>
+                        <dgm:if name="Name43" axis="precedSib" ptType="node" func="cnt" op="equ" val="3">
+                          <dgm:shape xmlns:r="http://schemas.openxmlformats.org/officeDocument/2006/relationships" type="leftCircularArrow" r:blip="">
+                            <dgm:adjLst>
+                              <dgm:adj idx="1" val="0.1098"/>
+                              <dgm:adj idx="2" val="19.0387"/>
+                              <dgm:adj idx="3" val="105"/>
+                              <dgm:adj idx="4" val="-45"/>
+                              <dgm:adj idx="5" val="0.125"/>
+                            </dgm:adjLst>
+                          </dgm:shape>
+                        </dgm:if>
+                        <dgm:if name="Name44" axis="precedSib" ptType="node" func="cnt" op="equ" val="4">
+                          <dgm:shape xmlns:r="http://schemas.openxmlformats.org/officeDocument/2006/relationships" type="circularArrow" r:blip="">
+                            <dgm:adjLst>
+                              <dgm:adj idx="1" val="0.1098"/>
+                              <dgm:adj idx="2" val="19.0387"/>
+                              <dgm:adj idx="3" val="75"/>
+                              <dgm:adj idx="4" val="-135"/>
+                              <dgm:adj idx="5" val="0.125"/>
+                            </dgm:adjLst>
+                          </dgm:shape>
+                        </dgm:if>
+                        <dgm:if name="Name45" axis="precedSib" ptType="node" func="cnt" op="equ" val="5">
+                          <dgm:shape xmlns:r="http://schemas.openxmlformats.org/officeDocument/2006/relationships" type="leftCircularArrow" r:blip="">
+                            <dgm:adjLst>
+                              <dgm:adj idx="1" val="0.1098"/>
+                              <dgm:adj idx="2" val="19.0387"/>
+                              <dgm:adj idx="3" val="105"/>
+                              <dgm:adj idx="4" val="-45"/>
+                              <dgm:adj idx="5" val="0.125"/>
+                            </dgm:adjLst>
+                          </dgm:shape>
+                        </dgm:if>
+                        <dgm:if name="Name46" axis="precedSib" ptType="node" func="cnt" op="equ" val="6">
+                          <dgm:shape xmlns:r="http://schemas.openxmlformats.org/officeDocument/2006/relationships" type="blockArc" r:blip="">
+                            <dgm:adjLst>
+                              <dgm:adj idx="1" val="-135"/>
+                              <dgm:adj idx="2" val="180"/>
+                              <dgm:adj idx="3" val="0.1274"/>
+                            </dgm:adjLst>
+                          </dgm:shape>
+                        </dgm:if>
+                        <dgm:else name="Name47"/>
+                      </dgm:choose>
+                    </dgm:else>
+                  </dgm:choose>
+                </dgm:else>
+              </dgm:choose>
+            </dgm:if>
+            <dgm:else name="Name48">
+              <dgm:choose name="Name49">
+                <dgm:if name="Name50" axis="precedSib" ptType="node" func="cnt" op="equ" val="0">
+                  <dgm:choose name="Name51">
+                    <dgm:if name="Name52" axis="followSib" ptType="node" func="cnt" op="equ" val="0">
+                      <dgm:shape xmlns:r="http://schemas.openxmlformats.org/officeDocument/2006/relationships" type="leftCircularArrow" r:blip="">
+                        <dgm:adjLst>
+                          <dgm:adj idx="1" val="0.1098"/>
+                          <dgm:adj idx="2" val="19.0387"/>
+                          <dgm:adj idx="3" val="30"/>
+                          <dgm:adj idx="4" val="0"/>
+                          <dgm:adj idx="5" val="0.125"/>
+                        </dgm:adjLst>
+                      </dgm:shape>
+                    </dgm:if>
+                    <dgm:else name="Name53">
+                      <dgm:shape xmlns:r="http://schemas.openxmlformats.org/officeDocument/2006/relationships" type="leftCircularArrow" r:blip="">
+                        <dgm:adjLst>
+                          <dgm:adj idx="1" val="0.1098"/>
+                          <dgm:adj idx="2" val="19.0387"/>
+                          <dgm:adj idx="3" val="105"/>
+                          <dgm:adj idx="4" val="0"/>
+                          <dgm:adj idx="5" val="0.125"/>
+                        </dgm:adjLst>
+                      </dgm:shape>
+                    </dgm:else>
+                  </dgm:choose>
+                </dgm:if>
+                <dgm:else name="Name54">
+                  <dgm:choose name="Name55">
+                    <dgm:if name="Name56" axis="followSib" ptType="node" func="cnt" op="equ" val="0">
+                      <dgm:choose name="Name57">
+                        <dgm:if name="Name58" axis="precedSib" ptType="node" func="cnt" op="equ" val="1">
+                          <dgm:shape xmlns:r="http://schemas.openxmlformats.org/officeDocument/2006/relationships" type="blockArc" r:blip="">
+                            <dgm:adjLst>
+                              <dgm:adj idx="1" val="-135"/>
+                              <dgm:adj idx="2" val="180"/>
+                              <dgm:adj idx="3" val="0.1274"/>
+                            </dgm:adjLst>
+                          </dgm:shape>
+                        </dgm:if>
+                        <dgm:if name="Name59" axis="precedSib" ptType="node" func="cnt" op="equ" val="2">
+                          <dgm:shape xmlns:r="http://schemas.openxmlformats.org/officeDocument/2006/relationships" type="blockArc" r:blip="">
+                            <dgm:adjLst>
+                              <dgm:adj idx="1" val="0"/>
+                              <dgm:adj idx="2" val="-45"/>
+                              <dgm:adj idx="3" val="0.1274"/>
+                            </dgm:adjLst>
+                          </dgm:shape>
+                        </dgm:if>
+                        <dgm:if name="Name60" axis="precedSib" ptType="node" func="cnt" op="equ" val="3">
+                          <dgm:shape xmlns:r="http://schemas.openxmlformats.org/officeDocument/2006/relationships" type="blockArc" r:blip="">
+                            <dgm:adjLst>
+                              <dgm:adj idx="1" val="-135"/>
+                              <dgm:adj idx="2" val="180"/>
+                              <dgm:adj idx="3" val="0.1274"/>
+                            </dgm:adjLst>
+                          </dgm:shape>
+                        </dgm:if>
+                        <dgm:if name="Name61" axis="precedSib" ptType="node" func="cnt" op="equ" val="4">
+                          <dgm:shape xmlns:r="http://schemas.openxmlformats.org/officeDocument/2006/relationships" type="blockArc" r:blip="">
+                            <dgm:adjLst>
+                              <dgm:adj idx="1" val="0"/>
+                              <dgm:adj idx="2" val="-45"/>
+                              <dgm:adj idx="3" val="0.1274"/>
+                            </dgm:adjLst>
+                          </dgm:shape>
+                        </dgm:if>
+                        <dgm:if name="Name62" axis="precedSib" ptType="node" func="cnt" op="equ" val="5">
+                          <dgm:shape xmlns:r="http://schemas.openxmlformats.org/officeDocument/2006/relationships" type="blockArc" r:blip="">
+                            <dgm:adjLst>
+                              <dgm:adj idx="1" val="-135"/>
+                              <dgm:adj idx="2" val="180"/>
+                              <dgm:adj idx="3" val="0.1274"/>
+                            </dgm:adjLst>
+                          </dgm:shape>
+                        </dgm:if>
+                        <dgm:if name="Name63" axis="precedSib" ptType="node" func="cnt" op="equ" val="6">
+                          <dgm:shape xmlns:r="http://schemas.openxmlformats.org/officeDocument/2006/relationships" type="blockArc" r:blip="">
+                            <dgm:adjLst>
+                              <dgm:adj idx="1" val="0"/>
+                              <dgm:adj idx="2" val="-45"/>
+                              <dgm:adj idx="3" val="0.1274"/>
+                            </dgm:adjLst>
+                          </dgm:shape>
+                        </dgm:if>
+                        <dgm:else name="Name64"/>
+                      </dgm:choose>
+                    </dgm:if>
+                    <dgm:else name="Name65">
+                      <dgm:choose name="Name66">
+                        <dgm:if name="Name67" axis="precedSib" ptType="node" func="cnt" op="equ" val="0">
+                          <dgm:shape xmlns:r="http://schemas.openxmlformats.org/officeDocument/2006/relationships" type="blockArc" r:blip="">
+                            <dgm:adjLst>
+                              <dgm:adj idx="1" val="-133.1632"/>
+                              <dgm:adj idx="2" val="65"/>
+                              <dgm:adj idx="3" val="0.13"/>
+                            </dgm:adjLst>
+                          </dgm:shape>
+                        </dgm:if>
+                        <dgm:if name="Name68" axis="precedSib" ptType="node" func="cnt" op="equ" val="1">
+                          <dgm:shape xmlns:r="http://schemas.openxmlformats.org/officeDocument/2006/relationships" type="circularArrow" r:blip="">
+                            <dgm:adjLst>
+                              <dgm:adj idx="1" val="0.1098"/>
+                              <dgm:adj idx="2" val="19.0387"/>
+                              <dgm:adj idx="3" val="75"/>
+                              <dgm:adj idx="4" val="-135"/>
+                              <dgm:adj idx="5" val="0.125"/>
+                            </dgm:adjLst>
+                          </dgm:shape>
+                        </dgm:if>
+                        <dgm:if name="Name69" axis="precedSib" ptType="node" func="cnt" op="equ" val="2">
+                          <dgm:shape xmlns:r="http://schemas.openxmlformats.org/officeDocument/2006/relationships" type="leftCircularArrow" r:blip="">
+                            <dgm:adjLst>
+                              <dgm:adj idx="1" val="0.1098"/>
+                              <dgm:adj idx="2" val="19.0387"/>
+                              <dgm:adj idx="3" val="105"/>
+                              <dgm:adj idx="4" val="-45"/>
+                              <dgm:adj idx="5" val="0.125"/>
+                            </dgm:adjLst>
+                          </dgm:shape>
+                        </dgm:if>
+                        <dgm:if name="Name70" axis="precedSib" ptType="node" func="cnt" op="equ" val="3">
+                          <dgm:shape xmlns:r="http://schemas.openxmlformats.org/officeDocument/2006/relationships" type="circularArrow" r:blip="">
+                            <dgm:adjLst>
+                              <dgm:adj idx="1" val="0.1098"/>
+                              <dgm:adj idx="2" val="19.0387"/>
+                              <dgm:adj idx="3" val="75"/>
+                              <dgm:adj idx="4" val="-135"/>
+                              <dgm:adj idx="5" val="0.125"/>
+                            </dgm:adjLst>
+                          </dgm:shape>
+                        </dgm:if>
+                        <dgm:if name="Name71" axis="precedSib" ptType="node" func="cnt" op="equ" val="4">
+                          <dgm:shape xmlns:r="http://schemas.openxmlformats.org/officeDocument/2006/relationships" type="leftCircularArrow" r:blip="">
+                            <dgm:adjLst>
+                              <dgm:adj idx="1" val="0.1098"/>
+                              <dgm:adj idx="2" val="19.0387"/>
+                              <dgm:adj idx="3" val="105"/>
+                              <dgm:adj idx="4" val="-45"/>
+                              <dgm:adj idx="5" val="0.125"/>
+                            </dgm:adjLst>
+                          </dgm:shape>
+                        </dgm:if>
+                        <dgm:if name="Name72" axis="precedSib" ptType="node" func="cnt" op="equ" val="5">
+                          <dgm:shape xmlns:r="http://schemas.openxmlformats.org/officeDocument/2006/relationships" type="circularArrow" r:blip="">
+                            <dgm:adjLst>
+                              <dgm:adj idx="1" val="0.1098"/>
+                              <dgm:adj idx="2" val="19.0387"/>
+                              <dgm:adj idx="3" val="75"/>
+                              <dgm:adj idx="4" val="-135"/>
+                              <dgm:adj idx="5" val="0.125"/>
+                            </dgm:adjLst>
+                          </dgm:shape>
+                        </dgm:if>
+                        <dgm:if name="Name73" axis="precedSib" ptType="node" func="cnt" op="equ" val="6">
+                          <dgm:shape xmlns:r="http://schemas.openxmlformats.org/officeDocument/2006/relationships" type="blockArc" r:blip="">
+                            <dgm:adjLst>
+                              <dgm:adj idx="1" val="0"/>
+                              <dgm:adj idx="2" val="-45"/>
+                              <dgm:adj idx="3" val="0.1274"/>
+                            </dgm:adjLst>
+                          </dgm:shape>
+                        </dgm:if>
+                        <dgm:else name="Name74"/>
+                      </dgm:choose>
+                    </dgm:else>
+                  </dgm:choose>
+                </dgm:else>
+              </dgm:choose>
+            </dgm:else>
+          </dgm:choose>
+          <dgm:presOf/>
+        </dgm:layoutNode>
+      </dgm:forEach>
+    </dgm:forEach>
+    <dgm:forEach name="Name75" axis="ch" ptType="node" cnt="1">
+      <dgm:layoutNode name="Accent1">
+        <dgm:alg type="sp"/>
+        <dgm:shape xmlns:r="http://schemas.openxmlformats.org/officeDocument/2006/relationships" r:blip="">
+          <dgm:adjLst/>
+        </dgm:shape>
+        <dgm:presOf/>
+        <dgm:constrLst/>
+        <dgm:forEach name="Name76" ref="accentRepeat"/>
+      </dgm:layoutNode>
+      <dgm:choose name="Name77">
+        <dgm:if name="Name78" axis="ch" ptType="node" func="cnt" op="gte" val="1">
+          <dgm:layoutNode name="Child1" styleLbl="revTx">
+            <dgm:varLst>
+              <dgm:chMax val="0"/>
+              <dgm:chPref val="0"/>
+              <dgm:bulletEnabled val="1"/>
+            </dgm:varLst>
+            <dgm:alg type="tx">
+              <dgm:param type="stBulletLvl" val="1"/>
+              <dgm:param type="parTxLTRAlign" val="l"/>
+              <dgm:param type="txAnchorVertCh" val="mid"/>
+            </dgm:alg>
+            <dgm:shape xmlns:r="http://schemas.openxmlformats.org/officeDocument/2006/relationships" type="rect" r:blip="">
+              <dgm:adjLst/>
+            </dgm:shape>
+            <dgm:presOf axis="des" ptType="node"/>
+            <dgm:constrLst>
+              <dgm:constr type="lMarg" refType="primFontSz" fact="0.05"/>
+              <dgm:constr type="rMarg" refType="primFontSz" fact="0.05"/>
+              <dgm:constr type="tMarg" refType="primFontSz" fact="0.05"/>
+              <dgm:constr type="bMarg" refType="primFontSz" fact="0.05"/>
+            </dgm:constrLst>
+            <dgm:ruleLst>
+              <dgm:rule type="primFontSz" val="5" fact="NaN" max="NaN"/>
+            </dgm:ruleLst>
+          </dgm:layoutNode>
+        </dgm:if>
+        <dgm:else name="Name79"/>
+      </dgm:choose>
+      <dgm:layoutNode name="Parent1" styleLbl="revTx">
+        <dgm:varLst>
+          <dgm:chMax val="1"/>
+          <dgm:chPref val="1"/>
+          <dgm:bulletEnabled val="1"/>
+        </dgm:varLst>
+        <dgm:alg type="tx">
+          <dgm:param type="shpTxLTRAlignCh" val="ctr"/>
+          <dgm:param type="txAnchorVertCh" val="mid"/>
+        </dgm:alg>
+        <dgm:shape xmlns:r="http://schemas.openxmlformats.org/officeDocument/2006/relationships" type="rect" r:blip="">
+          <dgm:adjLst/>
+        </dgm:shape>
+        <dgm:presOf axis="self" ptType="node"/>
+        <dgm:constrLst>
+          <dgm:constr type="lMarg" refType="primFontSz" fact="0.05"/>
+          <dgm:constr type="rMarg" refType="primFontSz" fact="0.05"/>
+          <dgm:constr type="tMarg" refType="primFontSz" fact="0.05"/>
+          <dgm:constr type="bMarg" refType="primFontSz" fact="0.05"/>
+        </dgm:constrLst>
+        <dgm:ruleLst>
+          <dgm:rule type="primFontSz" val="5" fact="NaN" max="NaN"/>
+        </dgm:ruleLst>
+      </dgm:layoutNode>
+    </dgm:forEach>
+    <dgm:forEach name="Name80" axis="ch" ptType="node" st="2" cnt="1">
+      <dgm:layoutNode name="Accent2">
+        <dgm:alg type="sp"/>
+        <dgm:shape xmlns:r="http://schemas.openxmlformats.org/officeDocument/2006/relationships" r:blip="">
+          <dgm:adjLst/>
+        </dgm:shape>
+        <dgm:presOf/>
+        <dgm:constrLst/>
+        <dgm:forEach name="Name81" ref="accentRepeat"/>
+      </dgm:layoutNode>
+      <dgm:choose name="Name82">
+        <dgm:if name="Name83" axis="ch" ptType="node" func="cnt" op="gte" val="1">
+          <dgm:layoutNode name="Child2" styleLbl="revTx">
+            <dgm:varLst>
+              <dgm:chMax val="0"/>
+              <dgm:chPref val="0"/>
+              <dgm:bulletEnabled val="1"/>
+            </dgm:varLst>
+            <dgm:alg type="tx">
+              <dgm:param type="stBulletLvl" val="1"/>
+              <dgm:param type="parTxLTRAlign" val="l"/>
+              <dgm:param type="txAnchorVertCh" val="mid"/>
+            </dgm:alg>
+            <dgm:shape xmlns:r="http://schemas.openxmlformats.org/officeDocument/2006/relationships" type="rect" r:blip="">
+              <dgm:adjLst/>
+            </dgm:shape>
+            <dgm:presOf axis="des" ptType="node"/>
+            <dgm:constrLst>
+              <dgm:constr type="lMarg" refType="primFontSz" fact="0.05"/>
+              <dgm:constr type="rMarg" refType="primFontSz" fact="0.05"/>
+              <dgm:constr type="tMarg" refType="primFontSz" fact="0.05"/>
+              <dgm:constr type="bMarg" refType="primFontSz" fact="0.05"/>
+            </dgm:constrLst>
+            <dgm:ruleLst>
+              <dgm:rule type="primFontSz" val="5" fact="NaN" max="NaN"/>
+            </dgm:ruleLst>
+          </dgm:layoutNode>
+        </dgm:if>
+        <dgm:else name="Name84"/>
+      </dgm:choose>
+      <dgm:layoutNode name="Parent2" styleLbl="revTx">
+        <dgm:varLst>
+          <dgm:chMax val="1"/>
+          <dgm:chPref val="1"/>
+          <dgm:bulletEnabled val="1"/>
+        </dgm:varLst>
+        <dgm:alg type="tx">
+          <dgm:param type="shpTxLTRAlignCh" val="ctr"/>
+          <dgm:param type="txAnchorVertCh" val="mid"/>
+        </dgm:alg>
+        <dgm:shape xmlns:r="http://schemas.openxmlformats.org/officeDocument/2006/relationships" type="rect" r:blip="">
+          <dgm:adjLst/>
+        </dgm:shape>
+        <dgm:presOf axis="self" ptType="node"/>
+        <dgm:constrLst>
+          <dgm:constr type="lMarg" refType="primFontSz" fact="0.05"/>
+          <dgm:constr type="rMarg" refType="primFontSz" fact="0.05"/>
+          <dgm:constr type="tMarg" refType="primFontSz" fact="0.05"/>
+          <dgm:constr type="bMarg" refType="primFontSz" fact="0.05"/>
+        </dgm:constrLst>
+        <dgm:ruleLst>
+          <dgm:rule type="primFontSz" val="5" fact="NaN" max="NaN"/>
+        </dgm:ruleLst>
+      </dgm:layoutNode>
+    </dgm:forEach>
+    <dgm:forEach name="Name85" axis="ch" ptType="node" st="3" cnt="1">
+      <dgm:layoutNode name="Accent3">
+        <dgm:alg type="sp"/>
+        <dgm:shape xmlns:r="http://schemas.openxmlformats.org/officeDocument/2006/relationships" r:blip="">
+          <dgm:adjLst/>
+        </dgm:shape>
+        <dgm:presOf/>
+        <dgm:constrLst/>
+        <dgm:forEach name="Name86" ref="accentRepeat"/>
+      </dgm:layoutNode>
+      <dgm:choose name="Name87">
+        <dgm:if name="Name88" axis="ch" ptType="node" func="cnt" op="gte" val="1">
+          <dgm:layoutNode name="Child3" styleLbl="revTx">
+            <dgm:varLst>
+              <dgm:chMax val="0"/>
+              <dgm:chPref val="0"/>
+              <dgm:bulletEnabled val="1"/>
+            </dgm:varLst>
+            <dgm:alg type="tx">
+              <dgm:param type="stBulletLvl" val="1"/>
+              <dgm:param type="parTxLTRAlign" val="l"/>
+              <dgm:param type="txAnchorVertCh" val="mid"/>
+            </dgm:alg>
+            <dgm:shape xmlns:r="http://schemas.openxmlformats.org/officeDocument/2006/relationships" type="rect" r:blip="">
+              <dgm:adjLst/>
+            </dgm:shape>
+            <dgm:presOf axis="des" ptType="node"/>
+            <dgm:constrLst>
+              <dgm:constr type="lMarg" refType="primFontSz" fact="0.05"/>
+              <dgm:constr type="rMarg" refType="primFontSz" fact="0.05"/>
+              <dgm:constr type="tMarg" refType="primFontSz" fact="0.05"/>
+              <dgm:constr type="bMarg" refType="primFontSz" fact="0.05"/>
+            </dgm:constrLst>
+            <dgm:ruleLst>
+              <dgm:rule type="primFontSz" val="5" fact="NaN" max="NaN"/>
+            </dgm:ruleLst>
+          </dgm:layoutNode>
+        </dgm:if>
+        <dgm:else name="Name89"/>
+      </dgm:choose>
+      <dgm:layoutNode name="Parent3" styleLbl="revTx">
+        <dgm:varLst>
+          <dgm:chMax val="1"/>
+          <dgm:chPref val="1"/>
+          <dgm:bulletEnabled val="1"/>
+        </dgm:varLst>
+        <dgm:alg type="tx">
+          <dgm:param type="shpTxLTRAlignCh" val="ctr"/>
+          <dgm:param type="txAnchorVertCh" val="mid"/>
+        </dgm:alg>
+        <dgm:shape xmlns:r="http://schemas.openxmlformats.org/officeDocument/2006/relationships" type="rect" r:blip="">
+          <dgm:adjLst/>
+        </dgm:shape>
+        <dgm:presOf axis="self" ptType="node"/>
+        <dgm:constrLst>
+          <dgm:constr type="lMarg" refType="primFontSz" fact="0.05"/>
+          <dgm:constr type="rMarg" refType="primFontSz" fact="0.05"/>
+          <dgm:constr type="tMarg" refType="primFontSz" fact="0.05"/>
+          <dgm:constr type="bMarg" refType="primFontSz" fact="0.05"/>
+        </dgm:constrLst>
+        <dgm:ruleLst>
+          <dgm:rule type="primFontSz" val="5" fact="NaN" max="NaN"/>
+        </dgm:ruleLst>
+      </dgm:layoutNode>
+    </dgm:forEach>
+    <dgm:forEach name="Name90" axis="ch" ptType="node" st="4" cnt="1">
+      <dgm:layoutNode name="Accent4">
+        <dgm:alg type="sp"/>
+        <dgm:shape xmlns:r="http://schemas.openxmlformats.org/officeDocument/2006/relationships" r:blip="">
+          <dgm:adjLst/>
+        </dgm:shape>
+        <dgm:presOf/>
+        <dgm:constrLst/>
+        <dgm:forEach name="Name91" ref="accentRepeat"/>
+      </dgm:layoutNode>
+      <dgm:choose name="Name92">
+        <dgm:if name="Name93" axis="ch" ptType="node" func="cnt" op="gte" val="1">
+          <dgm:layoutNode name="Child4" styleLbl="revTx">
+            <dgm:varLst>
+              <dgm:chMax val="0"/>
+              <dgm:chPref val="0"/>
+              <dgm:bulletEnabled val="1"/>
+            </dgm:varLst>
+            <dgm:alg type="tx">
+              <dgm:param type="stBulletLvl" val="1"/>
+              <dgm:param type="parTxLTRAlign" val="l"/>
+              <dgm:param type="txAnchorVertCh" val="mid"/>
+            </dgm:alg>
+            <dgm:shape xmlns:r="http://schemas.openxmlformats.org/officeDocument/2006/relationships" type="rect" r:blip="">
+              <dgm:adjLst/>
+            </dgm:shape>
+            <dgm:presOf axis="des" ptType="node"/>
+            <dgm:constrLst>
+              <dgm:constr type="lMarg" refType="primFontSz" fact="0.05"/>
+              <dgm:constr type="rMarg" refType="primFontSz" fact="0.05"/>
+              <dgm:constr type="tMarg" refType="primFontSz" fact="0.05"/>
+              <dgm:constr type="bMarg" refType="primFontSz" fact="0.05"/>
+            </dgm:constrLst>
+            <dgm:ruleLst>
+              <dgm:rule type="primFontSz" val="5" fact="NaN" max="NaN"/>
+            </dgm:ruleLst>
+          </dgm:layoutNode>
+        </dgm:if>
+        <dgm:else name="Name94"/>
+      </dgm:choose>
+      <dgm:layoutNode name="Parent4" styleLbl="revTx">
+        <dgm:varLst>
+          <dgm:chMax val="1"/>
+          <dgm:chPref val="1"/>
+          <dgm:bulletEnabled val="1"/>
+        </dgm:varLst>
+        <dgm:alg type="tx">
+          <dgm:param type="shpTxLTRAlignCh" val="ctr"/>
+          <dgm:param type="txAnchorVertCh" val="mid"/>
+        </dgm:alg>
+        <dgm:shape xmlns:r="http://schemas.openxmlformats.org/officeDocument/2006/relationships" type="rect" r:blip="">
+          <dgm:adjLst/>
+        </dgm:shape>
+        <dgm:presOf axis="self" ptType="node"/>
+        <dgm:constrLst>
+          <dgm:constr type="lMarg" refType="primFontSz" fact="0.05"/>
+          <dgm:constr type="rMarg" refType="primFontSz" fact="0.05"/>
+          <dgm:constr type="tMarg" refType="primFontSz" fact="0.05"/>
+          <dgm:constr type="bMarg" refType="primFontSz" fact="0.05"/>
+        </dgm:constrLst>
+        <dgm:ruleLst>
+          <dgm:rule type="primFontSz" val="5" fact="NaN" max="NaN"/>
+        </dgm:ruleLst>
+      </dgm:layoutNode>
+    </dgm:forEach>
+    <dgm:forEach name="Name95" axis="ch" ptType="node" st="5" cnt="1">
+      <dgm:layoutNode name="Accent5">
+        <dgm:alg type="sp"/>
+        <dgm:shape xmlns:r="http://schemas.openxmlformats.org/officeDocument/2006/relationships" r:blip="">
+          <dgm:adjLst/>
+        </dgm:shape>
+        <dgm:presOf/>
+        <dgm:constrLst/>
+        <dgm:forEach name="Name96" ref="accentRepeat"/>
+      </dgm:layoutNode>
+      <dgm:choose name="Name97">
+        <dgm:if name="Name98" axis="ch" ptType="node" func="cnt" op="gte" val="1">
+          <dgm:layoutNode name="Child5" styleLbl="revTx">
+            <dgm:varLst>
+              <dgm:chMax val="0"/>
+              <dgm:chPref val="0"/>
+              <dgm:bulletEnabled val="1"/>
+            </dgm:varLst>
+            <dgm:alg type="tx">
+              <dgm:param type="stBulletLvl" val="1"/>
+              <dgm:param type="parTxLTRAlign" val="l"/>
+              <dgm:param type="txAnchorVertCh" val="mid"/>
+            </dgm:alg>
+            <dgm:shape xmlns:r="http://schemas.openxmlformats.org/officeDocument/2006/relationships" type="rect" r:blip="">
+              <dgm:adjLst/>
+            </dgm:shape>
+            <dgm:presOf axis="des" ptType="node"/>
+            <dgm:constrLst>
+              <dgm:constr type="lMarg" refType="primFontSz" fact="0.05"/>
+              <dgm:constr type="rMarg" refType="primFontSz" fact="0.05"/>
+              <dgm:constr type="tMarg" refType="primFontSz" fact="0.05"/>
+              <dgm:constr type="bMarg" refType="primFontSz" fact="0.05"/>
+            </dgm:constrLst>
+            <dgm:ruleLst>
+              <dgm:rule type="primFontSz" val="5" fact="NaN" max="NaN"/>
+            </dgm:ruleLst>
+          </dgm:layoutNode>
+        </dgm:if>
+        <dgm:else name="Name99"/>
+      </dgm:choose>
+      <dgm:layoutNode name="Parent5" styleLbl="revTx">
+        <dgm:varLst>
+          <dgm:chMax val="1"/>
+          <dgm:chPref val="1"/>
+          <dgm:bulletEnabled val="1"/>
+        </dgm:varLst>
+        <dgm:alg type="tx">
+          <dgm:param type="shpTxLTRAlignCh" val="ctr"/>
+          <dgm:param type="txAnchorVertCh" val="mid"/>
+        </dgm:alg>
+        <dgm:shape xmlns:r="http://schemas.openxmlformats.org/officeDocument/2006/relationships" type="rect" r:blip="">
+          <dgm:adjLst/>
+        </dgm:shape>
+        <dgm:presOf axis="self" ptType="node"/>
+        <dgm:constrLst>
+          <dgm:constr type="lMarg" refType="primFontSz" fact="0.05"/>
+          <dgm:constr type="rMarg" refType="primFontSz" fact="0.05"/>
+          <dgm:constr type="tMarg" refType="primFontSz" fact="0.05"/>
+          <dgm:constr type="bMarg" refType="primFontSz" fact="0.05"/>
+        </dgm:constrLst>
+        <dgm:ruleLst>
+          <dgm:rule type="primFontSz" val="5" fact="NaN" max="NaN"/>
+        </dgm:ruleLst>
+      </dgm:layoutNode>
+    </dgm:forEach>
+    <dgm:forEach name="Name100" axis="ch" ptType="node" st="6" cnt="1">
+      <dgm:layoutNode name="Accent6">
+        <dgm:alg type="sp"/>
+        <dgm:shape xmlns:r="http://schemas.openxmlformats.org/officeDocument/2006/relationships" r:blip="">
+          <dgm:adjLst/>
+        </dgm:shape>
+        <dgm:presOf/>
+        <dgm:constrLst/>
+        <dgm:forEach name="Name101" ref="accentRepeat"/>
+      </dgm:layoutNode>
+      <dgm:choose name="Name102">
+        <dgm:if name="Name103" axis="ch" ptType="node" func="cnt" op="gte" val="1">
+          <dgm:layoutNode name="Child6" styleLbl="revTx">
+            <dgm:varLst>
+              <dgm:chMax val="0"/>
+              <dgm:chPref val="0"/>
+              <dgm:bulletEnabled val="1"/>
+            </dgm:varLst>
+            <dgm:alg type="tx">
+              <dgm:param type="stBulletLvl" val="1"/>
+              <dgm:param type="parTxLTRAlign" val="l"/>
+              <dgm:param type="txAnchorVertCh" val="mid"/>
+            </dgm:alg>
+            <dgm:shape xmlns:r="http://schemas.openxmlformats.org/officeDocument/2006/relationships" type="rect" r:blip="">
+              <dgm:adjLst/>
+            </dgm:shape>
+            <dgm:presOf axis="des" ptType="node"/>
+            <dgm:constrLst>
+              <dgm:constr type="lMarg" refType="primFontSz" fact="0.05"/>
+              <dgm:constr type="rMarg" refType="primFontSz" fact="0.05"/>
+              <dgm:constr type="tMarg" refType="primFontSz" fact="0.05"/>
+              <dgm:constr type="bMarg" refType="primFontSz" fact="0.05"/>
+            </dgm:constrLst>
+            <dgm:ruleLst>
+              <dgm:rule type="primFontSz" val="5" fact="NaN" max="NaN"/>
+            </dgm:ruleLst>
+          </dgm:layoutNode>
+        </dgm:if>
+        <dgm:else name="Name104"/>
+      </dgm:choose>
+      <dgm:layoutNode name="Parent6" styleLbl="revTx">
+        <dgm:varLst>
+          <dgm:chMax val="1"/>
+          <dgm:chPref val="1"/>
+          <dgm:bulletEnabled val="1"/>
+        </dgm:varLst>
+        <dgm:alg type="tx">
+          <dgm:param type="shpTxLTRAlignCh" val="ctr"/>
+          <dgm:param type="txAnchorVertCh" val="mid"/>
+        </dgm:alg>
+        <dgm:shape xmlns:r="http://schemas.openxmlformats.org/officeDocument/2006/relationships" type="rect" r:blip="">
+          <dgm:adjLst/>
+        </dgm:shape>
+        <dgm:presOf axis="self" ptType="node"/>
+        <dgm:constrLst>
+          <dgm:constr type="lMarg" refType="primFontSz" fact="0.05"/>
+          <dgm:constr type="rMarg" refType="primFontSz" fact="0.05"/>
+          <dgm:constr type="tMarg" refType="primFontSz" fact="0.05"/>
+          <dgm:constr type="bMarg" refType="primFontSz" fact="0.05"/>
+        </dgm:constrLst>
+        <dgm:ruleLst>
+          <dgm:rule type="primFontSz" val="5" fact="NaN" max="NaN"/>
+        </dgm:ruleLst>
+      </dgm:layoutNode>
+    </dgm:forEach>
+    <dgm:forEach name="Name105" axis="ch" ptType="node" st="7" cnt="1">
+      <dgm:layoutNode name="Accent7">
+        <dgm:alg type="sp"/>
+        <dgm:shape xmlns:r="http://schemas.openxmlformats.org/officeDocument/2006/relationships" r:blip="">
+          <dgm:adjLst/>
+        </dgm:shape>
+        <dgm:presOf/>
+        <dgm:constrLst/>
+        <dgm:forEach name="Name106" ref="accentRepeat"/>
+      </dgm:layoutNode>
+      <dgm:choose name="Name107">
+        <dgm:if name="Name108" axis="ch" ptType="node" func="cnt" op="gte" val="1">
+          <dgm:layoutNode name="Child7" styleLbl="revTx">
+            <dgm:varLst>
+              <dgm:chMax val="0"/>
+              <dgm:chPref val="0"/>
+              <dgm:bulletEnabled val="1"/>
+            </dgm:varLst>
+            <dgm:alg type="tx">
+              <dgm:param type="stBulletLvl" val="1"/>
+              <dgm:param type="parTxLTRAlign" val="l"/>
+              <dgm:param type="txAnchorVertCh" val="mid"/>
+            </dgm:alg>
+            <dgm:shape xmlns:r="http://schemas.openxmlformats.org/officeDocument/2006/relationships" type="rect" r:blip="">
+              <dgm:adjLst/>
+            </dgm:shape>
+            <dgm:presOf axis="des" ptType="node"/>
+            <dgm:constrLst>
+              <dgm:constr type="lMarg" refType="primFontSz" fact="0.05"/>
+              <dgm:constr type="rMarg" refType="primFontSz" fact="0.05"/>
+              <dgm:constr type="tMarg" refType="primFontSz" fact="0.05"/>
+              <dgm:constr type="bMarg" refType="primFontSz" fact="0.05"/>
+            </dgm:constrLst>
+            <dgm:ruleLst>
+              <dgm:rule type="primFontSz" val="5" fact="NaN" max="NaN"/>
+            </dgm:ruleLst>
+          </dgm:layoutNode>
+        </dgm:if>
+        <dgm:else name="Name109"/>
+      </dgm:choose>
+      <dgm:layoutNode name="Parent7" styleLbl="revTx">
+        <dgm:varLst>
+          <dgm:chMax val="1"/>
+          <dgm:chPref val="1"/>
+          <dgm:bulletEnabled val="1"/>
+        </dgm:varLst>
+        <dgm:alg type="tx">
+          <dgm:param type="shpTxLTRAlignCh" val="ctr"/>
+          <dgm:param type="txAnchorVertCh" val="mid"/>
+        </dgm:alg>
+        <dgm:shape xmlns:r="http://schemas.openxmlformats.org/officeDocument/2006/relationships" type="rect" r:blip="">
+          <dgm:adjLst/>
+        </dgm:shape>
+        <dgm:presOf axis="self" ptType="node"/>
+        <dgm:constrLst>
+          <dgm:constr type="lMarg" refType="primFontSz" fact="0.05"/>
+          <dgm:constr type="rMarg" refType="primFontSz" fact="0.05"/>
+          <dgm:constr type="tMarg" refType="primFontSz" fact="0.05"/>
+          <dgm:constr type="bMarg" refType="primFontSz" fact="0.05"/>
+        </dgm:constrLst>
+        <dgm:ruleLst>
+          <dgm:rule type="primFontSz" val="5" fact="NaN" max="NaN"/>
+        </dgm:ruleLst>
+      </dgm:layoutNode>
+    </dgm:forEach>
+  </dgm:layoutNode>
+</dgm:layoutDef>
+</file>
+
 <file path=ppt/diagrams/quickStyle1.xml><?xml version="1.0" encoding="utf-8"?>
+<dgm:styleDef xmlns:dgm="http://schemas.openxmlformats.org/drawingml/2006/diagram" xmlns:a="http://schemas.openxmlformats.org/drawingml/2006/main" uniqueId="urn:microsoft.com/office/officeart/2005/8/quickstyle/simple1">
+  <dgm:title val=""/>
+  <dgm:desc val=""/>
+  <dgm:catLst>
+    <dgm:cat type="simple" pri="10100"/>
+  </dgm:catLst>
+  <dgm:scene3d>
+    <a:camera prst="orthographicFront"/>
+    <a:lightRig rig="threePt" dir="t"/>
+  </dgm:scene3d>
+  <dgm:styleLbl name="node0">
+    <dgm:scene3d>
+      <a:camera prst="orthographicFront"/>
+      <a:lightRig rig="threePt" dir="t"/>
+    </dgm:scene3d>
+    <dgm:sp3d/>
+    <dgm:txPr/>
+    <dgm:style>
+      <a:lnRef idx="2">
+        <a:scrgbClr r="0" g="0" b="0"/>
+      </a:lnRef>
+      <a:fillRef idx="1">
+        <a:scrgbClr r="0" g="0" b="0"/>
+      </a:fillRef>
+      <a:effectRef idx="0">
+        <a:scrgbClr r="0" g="0" b="0"/>
+      </a:effectRef>
+      <a:fontRef idx="minor">
+        <a:schemeClr val="lt1"/>
+      </a:fontRef>
+    </dgm:style>
+  </dgm:styleLbl>
+  <dgm:styleLbl name="lnNode1">
+    <dgm:scene3d>
+      <a:camera prst="orthographicFront"/>
+      <a:lightRig rig="threePt" dir="t"/>
+    </dgm:scene3d>
+    <dgm:sp3d/>
+    <dgm:txPr/>
+    <dgm:style>
+      <a:lnRef idx="2">
+        <a:scrgbClr r="0" g="0" b="0"/>
+      </a:lnRef>
+      <a:fillRef idx="1">
+        <a:scrgbClr r="0" g="0" b="0"/>
+      </a:fillRef>
+      <a:effectRef idx="0">
+        <a:scrgbClr r="0" g="0" b="0"/>
+      </a:effectRef>
+      <a:fontRef idx="minor">
+        <a:schemeClr val="lt1"/>
+      </a:fontRef>
+    </dgm:style>
+  </dgm:styleLbl>
+  <dgm:styleLbl name="vennNode1">
+    <dgm:scene3d>
+      <a:camera prst="orthographicFront"/>
+      <a:lightRig rig="threePt" dir="t"/>
+    </dgm:scene3d>
+    <dgm:sp3d/>
+    <dgm:txPr/>
+    <dgm:style>
+      <a:lnRef idx="2">
+        <a:scrgbClr r="0" g="0" b="0"/>
+      </a:lnRef>
+      <a:fillRef idx="1">
+        <a:scrgbClr r="0" g="0" b="0"/>
+      </a:fillRef>
+      <a:effectRef idx="0">
+        <a:scrgbClr r="0" g="0" b="0"/>
+      </a:effectRef>
+      <a:fontRef idx="minor">
+        <a:schemeClr val="tx1"/>
+      </a:fontRef>
+    </dgm:style>
+  </dgm:styleLbl>
+  <dgm:styleLbl name="alignNode1">
+    <dgm:scene3d>
+      <a:camera prst="orthographicFront"/>
+      <a:lightRig rig="threePt" dir="t"/>
+    </dgm:scene3d>
+    <dgm:sp3d/>
+    <dgm:txPr/>
+    <dgm:style>
+      <a:lnRef idx="2">
+        <a:scrgbClr r="0" g="0" b="0"/>
+      </a:lnRef>
+      <a:fillRef idx="1">
+        <a:scrgbClr r="0" g="0" b="0"/>
+      </a:fillRef>
+      <a:effectRef idx="0">
+        <a:scrgbClr r="0" g="0" b="0"/>
+      </a:effectRef>
+      <a:fontRef idx="minor">
+        <a:schemeClr val="lt1"/>
+      </a:fontRef>
+    </dgm:style>
+  </dgm:styleLbl>
+  <dgm:styleLbl name="node1">
+    <dgm:scene3d>
+      <a:camera prst="orthographicFront"/>
+      <a:lightRig rig="threePt" dir="t"/>
+    </dgm:scene3d>
+    <dgm:sp3d/>
+    <dgm:txPr/>
+    <dgm:style>
+      <a:lnRef idx="2">
+        <a:scrgbClr r="0" g="0" b="0"/>
+      </a:lnRef>
+      <a:fillRef idx="1">
+        <a:scrgbClr r="0" g="0" b="0"/>
+      </a:fillRef>
+      <a:effectRef idx="0">
+        <a:scrgbClr r="0" g="0" b="0"/>
+      </a:effectRef>
+      <a:fontRef idx="minor">
+        <a:schemeClr val="lt1"/>
+      </a:fontRef>
+    </dgm:style>
+  </dgm:styleLbl>
+  <dgm:styleLbl name="node2">
+    <dgm:scene3d>
+      <a:camera prst="orthographicFront"/>
+      <a:lightRig rig="threePt" dir="t"/>
+    </dgm:scene3d>
+    <dgm:sp3d/>
+    <dgm:txPr/>
+    <dgm:style>
+      <a:lnRef idx="2">
+        <a:scrgbClr r="0" g="0" b="0"/>
+      </a:lnRef>
+      <a:fillRef idx="1">
+        <a:scrgbClr r="0" g="0" b="0"/>
+      </a:fillRef>
+      <a:effectRef idx="0">
+        <a:scrgbClr r="0" g="0" b="0"/>
+      </a:effectRef>
+      <a:fontRef idx="minor">
+        <a:schemeClr val="lt1"/>
+      </a:fontRef>
+    </dgm:style>
+  </dgm:styleLbl>
+  <dgm:styleLbl name="node3">
+    <dgm:scene3d>
+      <a:camera prst="orthographicFront"/>
+      <a:lightRig rig="threePt" dir="t"/>
+    </dgm:scene3d>
+    <dgm:sp3d/>
+    <dgm:txPr/>
+    <dgm:style>
+      <a:lnRef idx="2">
+        <a:scrgbClr r="0" g="0" b="0"/>
+      </a:lnRef>
+      <a:fillRef idx="1">
+        <a:scrgbClr r="0" g="0" b="0"/>
+      </a:fillRef>
+      <a:effectRef idx="0">
+        <a:scrgbClr r="0" g="0" b="0"/>
+      </a:effectRef>
+      <a:fontRef idx="minor">
+        <a:schemeClr val="lt1"/>
+      </a:fontRef>
+    </dgm:style>
+  </dgm:styleLbl>
+  <dgm:styleLbl name="node4">
+    <dgm:scene3d>
+      <a:camera prst="orthographicFront"/>
+      <a:lightRig rig="threePt" dir="t"/>
+    </dgm:scene3d>
+    <dgm:sp3d/>
+    <dgm:txPr/>
+    <dgm:style>
+      <a:lnRef idx="2">
+        <a:scrgbClr r="0" g="0" b="0"/>
+      </a:lnRef>
+      <a:fillRef idx="1">
+        <a:scrgbClr r="0" g="0" b="0"/>
+      </a:fillRef>
+      <a:effectRef idx="0">
+        <a:scrgbClr r="0" g="0" b="0"/>
+      </a:effectRef>
+      <a:fontRef idx="minor">
+        <a:schemeClr val="lt1"/>
+      </a:fontRef>
+    </dgm:style>
+  </dgm:styleLbl>
+  <dgm:styleLbl name="fgImgPlace1">
+    <dgm:scene3d>
+      <a:camera prst="orthographicFront"/>
+      <a:lightRig rig="threePt" dir="t"/>
+    </dgm:scene3d>
+    <dgm:sp3d/>
+    <dgm:txPr/>
+    <dgm:style>
+      <a:lnRef idx="2">
+        <a:scrgbClr r="0" g="0" b="0"/>
+      </a:lnRef>
+      <a:fillRef idx="1">
+        <a:scrgbClr r="0" g="0" b="0"/>
+      </a:fillRef>
+      <a:effectRef idx="0">
+        <a:scrgbClr r="0" g="0" b="0"/>
+      </a:effectRef>
+      <a:fontRef idx="minor"/>
+    </dgm:style>
+  </dgm:styleLbl>
+  <dgm:styleLbl name="alignImgPlace1">
+    <dgm:scene3d>
+      <a:camera prst="orthographicFront"/>
+      <a:lightRig rig="threePt" dir="t"/>
+    </dgm:scene3d>
+    <dgm:sp3d/>
+    <dgm:txPr/>
+    <dgm:style>
+      <a:lnRef idx="2">
+        <a:scrgbClr r="0" g="0" b="0"/>
+      </a:lnRef>
+      <a:fillRef idx="1">
+        <a:scrgbClr r="0" g="0" b="0"/>
+      </a:fillRef>
+      <a:effectRef idx="0">
+        <a:scrgbClr r="0" g="0" b="0"/>
+      </a:effectRef>
+      <a:fontRef idx="minor"/>
+    </dgm:style>
+  </dgm:styleLbl>
+  <dgm:styleLbl name="bgImgPlace1">
+    <dgm:scene3d>
+      <a:camera prst="orthographicFront"/>
+      <a:lightRig rig="threePt" dir="t"/>
+    </dgm:scene3d>
+    <dgm:sp3d/>
+    <dgm:txPr/>
+    <dgm:style>
+      <a:lnRef idx="2">
+        <a:scrgbClr r="0" g="0" b="0"/>
+      </a:lnRef>
+      <a:fillRef idx="1">
+        <a:scrgbClr r="0" g="0" b="0"/>
+      </a:fillRef>
+      <a:effectRef idx="0">
+        <a:scrgbClr r="0" g="0" b="0"/>
+      </a:effectRef>
+      <a:fontRef idx="minor"/>
+    </dgm:style>
+  </dgm:styleLbl>
+  <dgm:styleLbl name="sibTrans2D1">
+    <dgm:scene3d>
+      <a:camera prst="orthographicFront"/>
+      <a:lightRig rig="threePt" dir="t"/>
+    </dgm:scene3d>
+    <dgm:sp3d/>
+    <dgm:txPr/>
+    <dgm:style>
+      <a:lnRef idx="0">
+        <a:scrgbClr r="0" g="0" b="0"/>
+      </a:lnRef>
+      <a:fillRef idx="1">
+        <a:scrgbClr r="0" g="0" b="0"/>
+      </a:fillRef>
+      <a:effectRef idx="0">
+        <a:scrgbClr r="0" g="0" b="0"/>
+      </a:effectRef>
+      <a:fontRef idx="minor">
+        <a:schemeClr val="lt1"/>
+      </a:fontRef>
+    </dgm:style>
+  </dgm:styleLbl>
+  <dgm:styleLbl name="fgSibTrans2D1">
+    <dgm:scene3d>
+      <a:camera prst="orthographicFront"/>
+      <a:lightRig rig="threePt" dir="t"/>
+    </dgm:scene3d>
+    <dgm:sp3d/>
+    <dgm:txPr/>
+    <dgm:style>
+      <a:lnRef idx="0">
+        <a:scrgbClr r="0" g="0" b="0"/>
+      </a:lnRef>
+      <a:fillRef idx="1">
+        <a:scrgbClr r="0" g="0" b="0"/>
+      </a:fillRef>
+      <a:effectRef idx="0">
+        <a:scrgbClr r="0" g="0" b="0"/>
+      </a:effectRef>
+      <a:fontRef idx="minor">
+        <a:schemeClr val="lt1"/>
+      </a:fontRef>
+    </dgm:style>
+  </dgm:styleLbl>
+  <dgm:styleLbl name="bgSibTrans2D1">
+    <dgm:scene3d>
+      <a:camera prst="orthographicFront"/>
+      <a:lightRig rig="threePt" dir="t"/>
+    </dgm:scene3d>
+    <dgm:sp3d/>
+    <dgm:txPr/>
+    <dgm:style>
+      <a:lnRef idx="0">
+        <a:scrgbClr r="0" g="0" b="0"/>
+      </a:lnRef>
+      <a:fillRef idx="1">
+        <a:scrgbClr r="0" g="0" b="0"/>
+      </a:fillRef>
+      <a:effectRef idx="0">
+        <a:scrgbClr r="0" g="0" b="0"/>
+      </a:effectRef>
+      <a:fontRef idx="minor">
+        <a:schemeClr val="lt1"/>
+      </a:fontRef>
+    </dgm:style>
+  </dgm:styleLbl>
+  <dgm:styleLbl name="sibTrans1D1">
+    <dgm:scene3d>
+      <a:camera prst="orthographicFront"/>
+      <a:lightRig rig="threePt" dir="t"/>
+    </dgm:scene3d>
+    <dgm:sp3d/>
+    <dgm:txPr/>
+    <dgm:style>
+      <a:lnRef idx="1">
+        <a:scrgbClr r="0" g="0" b="0"/>
+      </a:lnRef>
+      <a:fillRef idx="0">
+        <a:scrgbClr r="0" g="0" b="0"/>
+      </a:fillRef>
+      <a:effectRef idx="0">
+        <a:scrgbClr r="0" g="0" b="0"/>
+      </a:effectRef>
+      <a:fontRef idx="minor"/>
+    </dgm:style>
+  </dgm:styleLbl>
+  <dgm:styleLbl name="callout">
+    <dgm:scene3d>
+      <a:camera prst="orthographicFront"/>
+      <a:lightRig rig="threePt" dir="t"/>
+    </dgm:scene3d>
+    <dgm:sp3d/>
+    <dgm:txPr/>
+    <dgm:style>
+      <a:lnRef idx="2">
+        <a:scrgbClr r="0" g="0" b="0"/>
+      </a:lnRef>
+      <a:fillRef idx="1">
+        <a:scrgbClr r="0" g="0" b="0"/>
+      </a:fillRef>
+      <a:effectRef idx="0">
+        <a:scrgbClr r="0" g="0" b="0"/>
+      </a:effectRef>
+      <a:fontRef idx="minor"/>
+    </dgm:style>
+  </dgm:styleLbl>
+  <dgm:styleLbl name="asst0">
+    <dgm:scene3d>
+      <a:camera prst="orthographicFront"/>
+      <a:lightRig rig="threePt" dir="t"/>
+    </dgm:scene3d>
+    <dgm:sp3d/>
+    <dgm:txPr/>
+    <dgm:style>
+      <a:lnRef idx="2">
+        <a:scrgbClr r="0" g="0" b="0"/>
+      </a:lnRef>
+      <a:fillRef idx="1">
+        <a:scrgbClr r="0" g="0" b="0"/>
+      </a:fillRef>
+      <a:effectRef idx="0">
+        <a:scrgbClr r="0" g="0" b="0"/>
+      </a:effectRef>
+      <a:fontRef idx="minor">
+        <a:schemeClr val="lt1"/>
+      </a:fontRef>
+    </dgm:style>
+  </dgm:styleLbl>
+  <dgm:styleLbl name="asst1">
+    <dgm:scene3d>
+      <a:camera prst="orthographicFront"/>
+      <a:lightRig rig="threePt" dir="t"/>
+    </dgm:scene3d>
+    <dgm:sp3d/>
+    <dgm:txPr/>
+    <dgm:style>
+      <a:lnRef idx="2">
+        <a:scrgbClr r="0" g="0" b="0"/>
+      </a:lnRef>
+      <a:fillRef idx="1">
+        <a:scrgbClr r="0" g="0" b="0"/>
+      </a:fillRef>
+      <a:effectRef idx="0">
+        <a:scrgbClr r="0" g="0" b="0"/>
+      </a:effectRef>
+      <a:fontRef idx="minor">
+        <a:schemeClr val="lt1"/>
+      </a:fontRef>
+    </dgm:style>
+  </dgm:styleLbl>
+  <dgm:styleLbl name="asst2">
+    <dgm:scene3d>
+      <a:camera prst="orthographicFront"/>
+      <a:lightRig rig="threePt" dir="t"/>
+    </dgm:scene3d>
+    <dgm:sp3d/>
+    <dgm:txPr/>
+    <dgm:style>
+      <a:lnRef idx="2">
+        <a:scrgbClr r="0" g="0" b="0"/>
+      </a:lnRef>
+      <a:fillRef idx="1">
+        <a:scrgbClr r="0" g="0" b="0"/>
+      </a:fillRef>
+      <a:effectRef idx="0">
+        <a:scrgbClr r="0" g="0" b="0"/>
+      </a:effectRef>
+      <a:fontRef idx="minor">
+        <a:schemeClr val="lt1"/>
+      </a:fontRef>
+    </dgm:style>
+  </dgm:styleLbl>
+  <dgm:styleLbl name="asst3">
+    <dgm:scene3d>
+      <a:camera prst="orthographicFront"/>
+      <a:lightRig rig="threePt" dir="t"/>
+    </dgm:scene3d>
+    <dgm:sp3d/>
+    <dgm:txPr/>
+    <dgm:style>
+      <a:lnRef idx="2">
+        <a:scrgbClr r="0" g="0" b="0"/>
+      </a:lnRef>
+      <a:fillRef idx="1">
+        <a:scrgbClr r="0" g="0" b="0"/>
+      </a:fillRef>
+      <a:effectRef idx="0">
+        <a:scrgbClr r="0" g="0" b="0"/>
+      </a:effectRef>
+      <a:fontRef idx="minor">
+        <a:schemeClr val="lt1"/>
+      </a:fontRef>
+    </dgm:style>
+  </dgm:styleLbl>
+  <dgm:styleLbl name="asst4">
+    <dgm:scene3d>
+      <a:camera prst="orthographicFront"/>
+      <a:lightRig rig="threePt" dir="t"/>
+    </dgm:scene3d>
+    <dgm:sp3d/>
+    <dgm:txPr/>
+    <dgm:style>
+      <a:lnRef idx="2">
+        <a:scrgbClr r="0" g="0" b="0"/>
+      </a:lnRef>
+      <a:fillRef idx="1">
+        <a:scrgbClr r="0" g="0" b="0"/>
+      </a:fillRef>
+      <a:effectRef idx="0">
+        <a:scrgbClr r="0" g="0" b="0"/>
+      </a:effectRef>
+      <a:fontRef idx="minor">
+        <a:schemeClr val="lt1"/>
+      </a:fontRef>
+    </dgm:style>
+  </dgm:styleLbl>
+  <dgm:styleLbl name="parChTrans2D1">
+    <dgm:scene3d>
+      <a:camera prst="orthographicFront"/>
+      <a:lightRig rig="threePt" dir="t"/>
+    </dgm:scene3d>
+    <dgm:sp3d/>
+    <dgm:txPr/>
+    <dgm:style>
+      <a:lnRef idx="2">
+        <a:scrgbClr r="0" g="0" b="0"/>
+      </a:lnRef>
+      <a:fillRef idx="1">
+        <a:scrgbClr r="0" g="0" b="0"/>
+      </a:fillRef>
+      <a:effectRef idx="0">
+        <a:scrgbClr r="0" g="0" b="0"/>
+      </a:effectRef>
+      <a:fontRef idx="minor">
+        <a:schemeClr val="lt1"/>
+      </a:fontRef>
+    </dgm:style>
+  </dgm:styleLbl>
+  <dgm:styleLbl name="parChTrans2D2">
+    <dgm:scene3d>
+      <a:camera prst="orthographicFront"/>
+      <a:lightRig rig="threePt" dir="t"/>
+    </dgm:scene3d>
+    <dgm:sp3d/>
+    <dgm:txPr/>
+    <dgm:style>
+      <a:lnRef idx="2">
+        <a:scrgbClr r="0" g="0" b="0"/>
+      </a:lnRef>
+      <a:fillRef idx="1">
+        <a:scrgbClr r="0" g="0" b="0"/>
+      </a:fillRef>
+      <a:effectRef idx="0">
+        <a:scrgbClr r="0" g="0" b="0"/>
+      </a:effectRef>
+      <a:fontRef idx="minor">
+        <a:schemeClr val="lt1"/>
+      </a:fontRef>
+    </dgm:style>
+  </dgm:styleLbl>
+  <dgm:styleLbl name="parChTrans2D3">
+    <dgm:scene3d>
+      <a:camera prst="orthographicFront"/>
+      <a:lightRig rig="threePt" dir="t"/>
+    </dgm:scene3d>
+    <dgm:sp3d/>
+    <dgm:txPr/>
+    <dgm:style>
+      <a:lnRef idx="2">
+        <a:scrgbClr r="0" g="0" b="0"/>
+      </a:lnRef>
+      <a:fillRef idx="1">
+        <a:scrgbClr r="0" g="0" b="0"/>
+      </a:fillRef>
+      <a:effectRef idx="0">
+        <a:scrgbClr r="0" g="0" b="0"/>
+      </a:effectRef>
+      <a:fontRef idx="minor">
+        <a:schemeClr val="lt1"/>
+      </a:fontRef>
+    </dgm:style>
+  </dgm:styleLbl>
+  <dgm:styleLbl name="parChTrans2D4">
+    <dgm:scene3d>
+      <a:camera prst="orthographicFront"/>
+      <a:lightRig rig="threePt" dir="t"/>
+    </dgm:scene3d>
+    <dgm:sp3d/>
+    <dgm:txPr/>
+    <dgm:style>
+      <a:lnRef idx="2">
+        <a:scrgbClr r="0" g="0" b="0"/>
+      </a:lnRef>
+      <a:fillRef idx="1">
+        <a:scrgbClr r="0" g="0" b="0"/>
+      </a:fillRef>
+      <a:effectRef idx="0">
+        <a:scrgbClr r="0" g="0" b="0"/>
+      </a:effectRef>
+      <a:fontRef idx="minor">
+        <a:schemeClr val="lt1"/>
+      </a:fontRef>
+    </dgm:style>
+  </dgm:styleLbl>
+  <dgm:styleLbl name="parChTrans1D1">
+    <dgm:scene3d>
+      <a:camera prst="orthographicFront"/>
+      <a:lightRig rig="threePt" dir="t"/>
+    </dgm:scene3d>
+    <dgm:sp3d/>
+    <dgm:txPr/>
+    <dgm:style>
+      <a:lnRef idx="2">
+        <a:scrgbClr r="0" g="0" b="0"/>
+      </a:lnRef>
+      <a:fillRef idx="0">
+        <a:scrgbClr r="0" g="0" b="0"/>
+      </a:fillRef>
+      <a:effectRef idx="0">
+        <a:scrgbClr r="0" g="0" b="0"/>
+      </a:effectRef>
+      <a:fontRef idx="minor"/>
+    </dgm:style>
+  </dgm:styleLbl>
+  <dgm:styleLbl name="parChTrans1D2">
+    <dgm:scene3d>
+      <a:camera prst="orthographicFront"/>
+      <a:lightRig rig="threePt" dir="t"/>
+    </dgm:scene3d>
+    <dgm:sp3d/>
+    <dgm:txPr/>
+    <dgm:style>
+      <a:lnRef idx="2">
+        <a:scrgbClr r="0" g="0" b="0"/>
+      </a:lnRef>
+      <a:fillRef idx="0">
+        <a:scrgbClr r="0" g="0" b="0"/>
+      </a:fillRef>
+      <a:effectRef idx="0">
+        <a:scrgbClr r="0" g="0" b="0"/>
+      </a:effectRef>
+      <a:fontRef idx="minor"/>
+    </dgm:style>
+  </dgm:styleLbl>
+  <dgm:styleLbl name="parChTrans1D3">
+    <dgm:scene3d>
+      <a:camera prst="orthographicFront"/>
+      <a:lightRig rig="threePt" dir="t"/>
+    </dgm:scene3d>
+    <dgm:sp3d/>
+    <dgm:txPr/>
+    <dgm:style>
+      <a:lnRef idx="2">
+        <a:scrgbClr r="0" g="0" b="0"/>
+      </a:lnRef>
+      <a:fillRef idx="0">
+        <a:scrgbClr r="0" g="0" b="0"/>
+      </a:fillRef>
+      <a:effectRef idx="0">
+        <a:scrgbClr r="0" g="0" b="0"/>
+      </a:effectRef>
+      <a:fontRef idx="minor"/>
+    </dgm:style>
+  </dgm:styleLbl>
+  <dgm:styleLbl name="parChTrans1D4">
+    <dgm:scene3d>
+      <a:camera prst="orthographicFront"/>
+      <a:lightRig rig="threePt" dir="t"/>
+    </dgm:scene3d>
+    <dgm:sp3d/>
+    <dgm:txPr/>
+    <dgm:style>
+      <a:lnRef idx="2">
+        <a:scrgbClr r="0" g="0" b="0"/>
+      </a:lnRef>
+      <a:fillRef idx="0">
+        <a:scrgbClr r="0" g="0" b="0"/>
+      </a:fillRef>
+      <a:effectRef idx="0">
+        <a:scrgbClr r="0" g="0" b="0"/>
+      </a:effectRef>
+      <a:fontRef idx="minor"/>
+    </dgm:style>
+  </dgm:styleLbl>
+  <dgm:styleLbl name="fgAcc1">
+    <dgm:scene3d>
+      <a:camera prst="orthographicFront"/>
+      <a:lightRig rig="threePt" dir="t"/>
+    </dgm:scene3d>
+    <dgm:sp3d/>
+    <dgm:txPr/>
+    <dgm:style>
+      <a:lnRef idx="2">
+        <a:scrgbClr r="0" g="0" b="0"/>
+      </a:lnRef>
+      <a:fillRef idx="1">
+        <a:scrgbClr r="0" g="0" b="0"/>
+      </a:fillRef>
+      <a:effectRef idx="0">
+        <a:scrgbClr r="0" g="0" b="0"/>
+      </a:effectRef>
+      <a:fontRef idx="minor"/>
+    </dgm:style>
+  </dgm:styleLbl>
+  <dgm:styleLbl name="conFgAcc1">
+    <dgm:scene3d>
+      <a:camera prst="orthographicFront"/>
+      <a:lightRig rig="threePt" dir="t"/>
+    </dgm:scene3d>
+    <dgm:sp3d/>
+    <dgm:txPr/>
+    <dgm:style>
+      <a:lnRef idx="2">
+        <a:scrgbClr r="0" g="0" b="0"/>
+      </a:lnRef>
+      <a:fillRef idx="1">
+        <a:scrgbClr r="0" g="0" b="0"/>
+      </a:fillRef>
+      <a:effectRef idx="0">
+        <a:scrgbClr r="0" g="0" b="0"/>
+      </a:effectRef>
+      <a:fontRef idx="minor"/>
+    </dgm:style>
+  </dgm:styleLbl>
+  <dgm:styleLbl name="alignAcc1">
+    <dgm:scene3d>
+      <a:camera prst="orthographicFront"/>
+      <a:lightRig rig="threePt" dir="t"/>
+    </dgm:scene3d>
+    <dgm:sp3d/>
+    <dgm:txPr/>
+    <dgm:style>
+      <a:lnRef idx="2">
+        <a:scrgbClr r="0" g="0" b="0"/>
+      </a:lnRef>
+      <a:fillRef idx="1">
+        <a:scrgbClr r="0" g="0" b="0"/>
+      </a:fillRef>
+      <a:effectRef idx="0">
+        <a:scrgbClr r="0" g="0" b="0"/>
+      </a:effectRef>
+      <a:fontRef idx="minor"/>
+    </dgm:style>
+  </dgm:styleLbl>
+  <dgm:styleLbl name="trAlignAcc1">
+    <dgm:scene3d>
+      <a:camera prst="orthographicFront"/>
+      <a:lightRig rig="threePt" dir="t"/>
+    </dgm:scene3d>
+    <dgm:sp3d/>
+    <dgm:txPr/>
+    <dgm:style>
+      <a:lnRef idx="1">
+        <a:scrgbClr r="0" g="0" b="0"/>
+      </a:lnRef>
+      <a:fillRef idx="1">
+        <a:scrgbClr r="0" g="0" b="0"/>
+      </a:fillRef>
+      <a:effectRef idx="0">
+        <a:scrgbClr r="0" g="0" b="0"/>
+      </a:effectRef>
+      <a:fontRef idx="minor"/>
+    </dgm:style>
+  </dgm:styleLbl>
+  <dgm:styleLbl name="bgAcc1">
+    <dgm:scene3d>
+      <a:camera prst="orthographicFront"/>
+      <a:lightRig rig="threePt" dir="t"/>
+    </dgm:scene3d>
+    <dgm:sp3d/>
+    <dgm:txPr/>
+    <dgm:style>
+      <a:lnRef idx="2">
+        <a:scrgbClr r="0" g="0" b="0"/>
+      </a:lnRef>
+      <a:fillRef idx="1">
+        <a:scrgbClr r="0" g="0" b="0"/>
+      </a:fillRef>
+      <a:effectRef idx="0">
+        <a:scrgbClr r="0" g="0" b="0"/>
+      </a:effectRef>
+      <a:fontRef idx="minor"/>
+    </dgm:style>
+  </dgm:styleLbl>
+  <dgm:styleLbl name="solidFgAcc1">
+    <dgm:scene3d>
+      <a:camera prst="orthographicFront"/>
+      <a:lightRig rig="threePt" dir="t"/>
+    </dgm:scene3d>
+    <dgm:sp3d/>
+    <dgm:txPr/>
+    <dgm:style>
+      <a:lnRef idx="2">
+        <a:scrgbClr r="0" g="0" b="0"/>
+      </a:lnRef>
+      <a:fillRef idx="1">
+        <a:scrgbClr r="0" g="0" b="0"/>
+      </a:fillRef>
+      <a:effectRef idx="0">
+        <a:scrgbClr r="0" g="0" b="0"/>
+      </a:effectRef>
+      <a:fontRef idx="minor"/>
+    </dgm:style>
+  </dgm:styleLbl>
+  <dgm:styleLbl name="solidAlignAcc1">
+    <dgm:scene3d>
+      <a:camera prst="orthographicFront"/>
+      <a:lightRig rig="threePt" dir="t"/>
+    </dgm:scene3d>
+    <dgm:sp3d/>
+    <dgm:txPr/>
+    <dgm:style>
+      <a:lnRef idx="2">
+        <a:scrgbClr r="0" g="0" b="0"/>
+      </a:lnRef>
+      <a:fillRef idx="1">
+        <a:scrgbClr r="0" g="0" b="0"/>
+      </a:fillRef>
+      <a:effectRef idx="0">
+        <a:scrgbClr r="0" g="0" b="0"/>
+      </a:effectRef>
+      <a:fontRef idx="minor"/>
+    </dgm:style>
+  </dgm:styleLbl>
+  <dgm:styleLbl name="solidBgAcc1">
+    <dgm:scene3d>
+      <a:camera prst="orthographicFront"/>
+      <a:lightRig rig="threePt" dir="t"/>
+    </dgm:scene3d>
+    <dgm:sp3d/>
+    <dgm:txPr/>
+    <dgm:style>
+      <a:lnRef idx="2">
+        <a:scrgbClr r="0" g="0" b="0"/>
+      </a:lnRef>
+      <a:fillRef idx="1">
+        <a:scrgbClr r="0" g="0" b="0"/>
+      </a:fillRef>
+      <a:effectRef idx="0">
+        <a:scrgbClr r="0" g="0" b="0"/>
+      </a:effectRef>
+      <a:fontRef idx="minor"/>
+    </dgm:style>
+  </dgm:styleLbl>
+  <dgm:styleLbl name="fgAccFollowNode1">
+    <dgm:scene3d>
+      <a:camera prst="orthographicFront"/>
+      <a:lightRig rig="threePt" dir="t"/>
+    </dgm:scene3d>
+    <dgm:sp3d/>
+    <dgm:txPr/>
+    <dgm:style>
+      <a:lnRef idx="2">
+        <a:scrgbClr r="0" g="0" b="0"/>
+      </a:lnRef>
+      <a:fillRef idx="1">
+        <a:scrgbClr r="0" g="0" b="0"/>
+      </a:fillRef>
+      <a:effectRef idx="0">
+        <a:scrgbClr r="0" g="0" b="0"/>
+      </a:effectRef>
+      <a:fontRef idx="minor"/>
+    </dgm:style>
+  </dgm:styleLbl>
+  <dgm:styleLbl name="alignAccFollowNode1">
+    <dgm:scene3d>
+      <a:camera prst="orthographicFront"/>
+      <a:lightRig rig="threePt" dir="t"/>
+    </dgm:scene3d>
+    <dgm:sp3d/>
+    <dgm:txPr/>
+    <dgm:style>
+      <a:lnRef idx="2">
+        <a:scrgbClr r="0" g="0" b="0"/>
+      </a:lnRef>
+      <a:fillRef idx="1">
+        <a:scrgbClr r="0" g="0" b="0"/>
+      </a:fillRef>
+      <a:effectRef idx="0">
+        <a:scrgbClr r="0" g="0" b="0"/>
+      </a:effectRef>
+      <a:fontRef idx="minor"/>
+    </dgm:style>
+  </dgm:styleLbl>
+  <dgm:styleLbl name="bgAccFollowNode1">
+    <dgm:scene3d>
+      <a:camera prst="orthographicFront"/>
+      <a:lightRig rig="threePt" dir="t"/>
+    </dgm:scene3d>
+    <dgm:sp3d/>
+    <dgm:txPr/>
+    <dgm:style>
+      <a:lnRef idx="2">
+        <a:scrgbClr r="0" g="0" b="0"/>
+      </a:lnRef>
+      <a:fillRef idx="1">
+        <a:scrgbClr r="0" g="0" b="0"/>
+      </a:fillRef>
+      <a:effectRef idx="0">
+        <a:scrgbClr r="0" g="0" b="0"/>
+      </a:effectRef>
+      <a:fontRef idx="minor"/>
+    </dgm:style>
+  </dgm:styleLbl>
+  <dgm:styleLbl name="fgAcc0">
+    <dgm:scene3d>
+      <a:camera prst="orthographicFront"/>
+      <a:lightRig rig="threePt" dir="t"/>
+    </dgm:scene3d>
+    <dgm:sp3d/>
+    <dgm:txPr/>
+    <dgm:style>
+      <a:lnRef idx="2">
+        <a:scrgbClr r="0" g="0" b="0"/>
+      </a:lnRef>
+      <a:fillRef idx="1">
+        <a:scrgbClr r="0" g="0" b="0"/>
+      </a:fillRef>
+      <a:effectRef idx="0">
+        <a:scrgbClr r="0" g="0" b="0"/>
+      </a:effectRef>
+      <a:fontRef idx="minor"/>
+    </dgm:style>
+  </dgm:styleLbl>
+  <dgm:styleLbl name="fgAcc2">
+    <dgm:scene3d>
+      <a:camera prst="orthographicFront"/>
+      <a:lightRig rig="threePt" dir="t"/>
+    </dgm:scene3d>
+    <dgm:sp3d/>
+    <dgm:txPr/>
+    <dgm:style>
+      <a:lnRef idx="2">
+        <a:scrgbClr r="0" g="0" b="0"/>
+      </a:lnRef>
+      <a:fillRef idx="1">
+        <a:scrgbClr r="0" g="0" b="0"/>
+      </a:fillRef>
+      <a:effectRef idx="0">
+        <a:scrgbClr r="0" g="0" b="0"/>
+      </a:effectRef>
+      <a:fontRef idx="minor"/>
+    </dgm:style>
+  </dgm:styleLbl>
+  <dgm:styleLbl name="fgAcc3">
+    <dgm:scene3d>
+      <a:camera prst="orthographicFront"/>
+      <a:lightRig rig="threePt" dir="t"/>
+    </dgm:scene3d>
+    <dgm:sp3d/>
+    <dgm:txPr/>
+    <dgm:style>
+      <a:lnRef idx="2">
+        <a:scrgbClr r="0" g="0" b="0"/>
+      </a:lnRef>
+      <a:fillRef idx="1">
+        <a:scrgbClr r="0" g="0" b="0"/>
+      </a:fillRef>
+      <a:effectRef idx="0">
+        <a:scrgbClr r="0" g="0" b="0"/>
+      </a:effectRef>
+      <a:fontRef idx="minor"/>
+    </dgm:style>
+  </dgm:styleLbl>
+  <dgm:styleLbl name="fgAcc4">
+    <dgm:scene3d>
+      <a:camera prst="orthographicFront"/>
+      <a:lightRig rig="threePt" dir="t"/>
+    </dgm:scene3d>
+    <dgm:sp3d/>
+    <dgm:txPr/>
+    <dgm:style>
+      <a:lnRef idx="2">
+        <a:scrgbClr r="0" g="0" b="0"/>
+      </a:lnRef>
+      <a:fillRef idx="1">
+        <a:scrgbClr r="0" g="0" b="0"/>
+      </a:fillRef>
+      <a:effectRef idx="0">
+        <a:scrgbClr r="0" g="0" b="0"/>
+      </a:effectRef>
+      <a:fontRef idx="minor"/>
+    </dgm:style>
+  </dgm:styleLbl>
+  <dgm:styleLbl name="bgShp">
+    <dgm:scene3d>
+      <a:camera prst="orthographicFront"/>
+      <a:lightRig rig="threePt" dir="t"/>
+    </dgm:scene3d>
+    <dgm:sp3d/>
+    <dgm:txPr/>
+    <dgm:style>
+      <a:lnRef idx="0">
+        <a:scrgbClr r="0" g="0" b="0"/>
+      </a:lnRef>
+      <a:fillRef idx="1">
+        <a:scrgbClr r="0" g="0" b="0"/>
+      </a:fillRef>
+      <a:effectRef idx="0">
+        <a:scrgbClr r="0" g="0" b="0"/>
+      </a:effectRef>
+      <a:fontRef idx="minor"/>
+    </dgm:style>
+  </dgm:styleLbl>
+  <dgm:styleLbl name="dkBgShp">
+    <dgm:scene3d>
+      <a:camera prst="orthographicFront"/>
+      <a:lightRig rig="threePt" dir="t"/>
+    </dgm:scene3d>
+    <dgm:sp3d/>
+    <dgm:txPr/>
+    <dgm:style>
+      <a:lnRef idx="0">
+        <a:scrgbClr r="0" g="0" b="0"/>
+      </a:lnRef>
+      <a:fillRef idx="1">
+        <a:scrgbClr r="0" g="0" b="0"/>
+      </a:fillRef>
+      <a:effectRef idx="0">
+        <a:scrgbClr r="0" g="0" b="0"/>
+      </a:effectRef>
+      <a:fontRef idx="minor"/>
+    </dgm:style>
+  </dgm:styleLbl>
+  <dgm:styleLbl name="trBgShp">
+    <dgm:scene3d>
+      <a:camera prst="orthographicFront"/>
+      <a:lightRig rig="threePt" dir="t"/>
+    </dgm:scene3d>
+    <dgm:sp3d/>
+    <dgm:txPr/>
+    <dgm:style>
+      <a:lnRef idx="0">
+        <a:scrgbClr r="0" g="0" b="0"/>
+      </a:lnRef>
+      <a:fillRef idx="1">
+        <a:scrgbClr r="0" g="0" b="0"/>
+      </a:fillRef>
+      <a:effectRef idx="0">
+        <a:scrgbClr r="0" g="0" b="0"/>
+      </a:effectRef>
+      <a:fontRef idx="minor"/>
+    </dgm:style>
+  </dgm:styleLbl>
+  <dgm:styleLbl name="fgShp">
+    <dgm:scene3d>
+      <a:camera prst="orthographicFront"/>
+      <a:lightRig rig="threePt" dir="t"/>
+    </dgm:scene3d>
+    <dgm:sp3d/>
+    <dgm:txPr/>
+    <dgm:style>
+      <a:lnRef idx="2">
+        <a:scrgbClr r="0" g="0" b="0"/>
+      </a:lnRef>
+      <a:fillRef idx="1">
+        <a:scrgbClr r="0" g="0" b="0"/>
+      </a:fillRef>
+      <a:effectRef idx="0">
+        <a:scrgbClr r="0" g="0" b="0"/>
+      </a:effectRef>
+      <a:fontRef idx="minor"/>
+    </dgm:style>
+  </dgm:styleLbl>
+  <dgm:styleLbl name="revTx">
+    <dgm:scene3d>
+      <a:camera prst="orthographicFront"/>
+      <a:lightRig rig="threePt" dir="t"/>
+    </dgm:scene3d>
+    <dgm:sp3d/>
+    <dgm:txPr/>
+    <dgm:style>
+      <a:lnRef idx="0">
+        <a:scrgbClr r="0" g="0" b="0"/>
+      </a:lnRef>
+      <a:fillRef idx="0">
+        <a:scrgbClr r="0" g="0" b="0"/>
+      </a:fillRef>
+      <a:effectRef idx="0">
+        <a:scrgbClr r="0" g="0" b="0"/>
+      </a:effectRef>
+      <a:fontRef idx="minor"/>
+    </dgm:style>
+  </dgm:styleLbl>
+</dgm:styleDef>
+</file>
+
+<file path=ppt/diagrams/quickStyle2.xml><?xml version="1.0" encoding="utf-8"?>
 <dgm:styleDef xmlns:dgm="http://schemas.openxmlformats.org/drawingml/2006/diagram" xmlns:a="http://schemas.openxmlformats.org/drawingml/2006/main" uniqueId="urn:microsoft.com/office/officeart/2005/8/quickstyle/simple1">
   <dgm:title val=""/>
   <dgm:desc val=""/>
@@ -3840,7 +8564,7 @@
           <a:p>
             <a:fld id="{70711676-1DE2-458B-90FC-D5D4D01EA265}" type="datetimeFigureOut">
               <a:rPr lang="en-US" smtClean="0"/>
-              <a:t>12/7/2019</a:t>
+              <a:t>19|12|7</a:t>
             </a:fld>
             <a:endParaRPr lang="en-US"/>
           </a:p>
@@ -4278,6 +9002,90 @@
 </p:notes>
 </file>
 
+<file path=ppt/notesSlides/notesSlide3.xml><?xml version="1.0" encoding="utf-8"?>
+<p:notes xmlns:a="http://schemas.openxmlformats.org/drawingml/2006/main" xmlns:r="http://schemas.openxmlformats.org/officeDocument/2006/relationships" xmlns:p="http://schemas.openxmlformats.org/presentationml/2006/main">
+  <p:cSld>
+    <p:spTree>
+      <p:nvGrpSpPr>
+        <p:cNvPr id="1" name=""/>
+        <p:cNvGrpSpPr/>
+        <p:nvPr/>
+      </p:nvGrpSpPr>
+      <p:grpSpPr>
+        <a:xfrm>
+          <a:off x="0" y="0"/>
+          <a:ext cx="0" cy="0"/>
+          <a:chOff x="0" y="0"/>
+          <a:chExt cx="0" cy="0"/>
+        </a:xfrm>
+      </p:grpSpPr>
+      <p:sp>
+        <p:nvSpPr>
+          <p:cNvPr id="2" name="Slide Image Placeholder 1"/>
+          <p:cNvSpPr>
+            <a:spLocks noGrp="1" noRot="1" noChangeAspect="1"/>
+          </p:cNvSpPr>
+          <p:nvPr>
+            <p:ph type="sldImg"/>
+          </p:nvPr>
+        </p:nvSpPr>
+        <p:spPr/>
+      </p:sp>
+      <p:sp>
+        <p:nvSpPr>
+          <p:cNvPr id="3" name="Notes Placeholder 2"/>
+          <p:cNvSpPr>
+            <a:spLocks noGrp="1"/>
+          </p:cNvSpPr>
+          <p:nvPr>
+            <p:ph type="body" idx="1"/>
+          </p:nvPr>
+        </p:nvSpPr>
+        <p:spPr/>
+        <p:txBody>
+          <a:bodyPr/>
+          <a:lstStyle/>
+          <a:p>
+            <a:endParaRPr lang="en-US"/>
+          </a:p>
+        </p:txBody>
+      </p:sp>
+      <p:sp>
+        <p:nvSpPr>
+          <p:cNvPr id="4" name="Slide Number Placeholder 3"/>
+          <p:cNvSpPr>
+            <a:spLocks noGrp="1"/>
+          </p:cNvSpPr>
+          <p:nvPr>
+            <p:ph type="sldNum" sz="quarter" idx="10"/>
+          </p:nvPr>
+        </p:nvSpPr>
+        <p:spPr/>
+        <p:txBody>
+          <a:bodyPr/>
+          <a:lstStyle/>
+          <a:p>
+            <a:fld id="{76E79186-0F7F-4415-A6CE-613EF7028156}" type="slidenum">
+              <a:rPr lang="en-US" smtClean="0"/>
+              <a:t>7</a:t>
+            </a:fld>
+            <a:endParaRPr lang="en-US"/>
+          </a:p>
+        </p:txBody>
+      </p:sp>
+    </p:spTree>
+    <p:extLst>
+      <p:ext uri="{BB962C8B-B14F-4D97-AF65-F5344CB8AC3E}">
+        <p14:creationId xmlns:p14="http://schemas.microsoft.com/office/powerpoint/2010/main" val="4287984603"/>
+      </p:ext>
+    </p:extLst>
+  </p:cSld>
+  <p:clrMapOvr>
+    <a:masterClrMapping/>
+  </p:clrMapOvr>
+</p:notes>
+</file>
+
 <file path=ppt/slideLayouts/slideLayout1.xml><?xml version="1.0" encoding="utf-8"?>
 <p:sldLayout xmlns:a="http://schemas.openxmlformats.org/drawingml/2006/main" xmlns:r="http://schemas.openxmlformats.org/officeDocument/2006/relationships" xmlns:p="http://schemas.openxmlformats.org/presentationml/2006/main" type="title" preserve="1">
   <p:cSld name="Title Slide">
@@ -4407,7 +9215,7 @@
           <a:p>
             <a:fld id="{EF60C9F4-19BA-40F2-B011-90CF0A2B4916}" type="datetimeFigureOut">
               <a:rPr lang="en-US" smtClean="0"/>
-              <a:t>12/7/2019</a:t>
+              <a:t>19|12|7</a:t>
             </a:fld>
             <a:endParaRPr lang="en-US"/>
           </a:p>
@@ -4575,7 +9383,7 @@
           <a:p>
             <a:fld id="{EF60C9F4-19BA-40F2-B011-90CF0A2B4916}" type="datetimeFigureOut">
               <a:rPr lang="en-US" smtClean="0"/>
-              <a:t>12/7/2019</a:t>
+              <a:t>19|12|7</a:t>
             </a:fld>
             <a:endParaRPr lang="en-US"/>
           </a:p>
@@ -4753,7 +9561,7 @@
           <a:p>
             <a:fld id="{EF60C9F4-19BA-40F2-B011-90CF0A2B4916}" type="datetimeFigureOut">
               <a:rPr lang="en-US" smtClean="0"/>
-              <a:t>12/7/2019</a:t>
+              <a:t>19|12|7</a:t>
             </a:fld>
             <a:endParaRPr lang="en-US"/>
           </a:p>
@@ -4921,7 +9729,7 @@
           <a:p>
             <a:fld id="{EF60C9F4-19BA-40F2-B011-90CF0A2B4916}" type="datetimeFigureOut">
               <a:rPr lang="en-US" smtClean="0"/>
-              <a:t>12/7/2019</a:t>
+              <a:t>19|12|7</a:t>
             </a:fld>
             <a:endParaRPr lang="en-US"/>
           </a:p>
@@ -5166,7 +9974,7 @@
           <a:p>
             <a:fld id="{EF60C9F4-19BA-40F2-B011-90CF0A2B4916}" type="datetimeFigureOut">
               <a:rPr lang="en-US" smtClean="0"/>
-              <a:t>12/7/2019</a:t>
+              <a:t>19|12|7</a:t>
             </a:fld>
             <a:endParaRPr lang="en-US"/>
           </a:p>
@@ -5395,7 +10203,7 @@
           <a:p>
             <a:fld id="{EF60C9F4-19BA-40F2-B011-90CF0A2B4916}" type="datetimeFigureOut">
               <a:rPr lang="en-US" smtClean="0"/>
-              <a:t>12/7/2019</a:t>
+              <a:t>19|12|7</a:t>
             </a:fld>
             <a:endParaRPr lang="en-US"/>
           </a:p>
@@ -5759,7 +10567,7 @@
           <a:p>
             <a:fld id="{EF60C9F4-19BA-40F2-B011-90CF0A2B4916}" type="datetimeFigureOut">
               <a:rPr lang="en-US" smtClean="0"/>
-              <a:t>12/7/2019</a:t>
+              <a:t>19|12|7</a:t>
             </a:fld>
             <a:endParaRPr lang="en-US"/>
           </a:p>
@@ -5876,7 +10684,7 @@
           <a:p>
             <a:fld id="{EF60C9F4-19BA-40F2-B011-90CF0A2B4916}" type="datetimeFigureOut">
               <a:rPr lang="en-US" smtClean="0"/>
-              <a:t>12/7/2019</a:t>
+              <a:t>19|12|7</a:t>
             </a:fld>
             <a:endParaRPr lang="en-US"/>
           </a:p>
@@ -5971,7 +10779,7 @@
           <a:p>
             <a:fld id="{EF60C9F4-19BA-40F2-B011-90CF0A2B4916}" type="datetimeFigureOut">
               <a:rPr lang="en-US" smtClean="0"/>
-              <a:t>12/7/2019</a:t>
+              <a:t>19|12|7</a:t>
             </a:fld>
             <a:endParaRPr lang="en-US"/>
           </a:p>
@@ -6246,7 +11054,7 @@
           <a:p>
             <a:fld id="{EF60C9F4-19BA-40F2-B011-90CF0A2B4916}" type="datetimeFigureOut">
               <a:rPr lang="en-US" smtClean="0"/>
-              <a:t>12/7/2019</a:t>
+              <a:t>19|12|7</a:t>
             </a:fld>
             <a:endParaRPr lang="en-US"/>
           </a:p>
@@ -6498,7 +11306,7 @@
           <a:p>
             <a:fld id="{EF60C9F4-19BA-40F2-B011-90CF0A2B4916}" type="datetimeFigureOut">
               <a:rPr lang="en-US" smtClean="0"/>
-              <a:t>12/7/2019</a:t>
+              <a:t>19|12|7</a:t>
             </a:fld>
             <a:endParaRPr lang="en-US"/>
           </a:p>
@@ -6709,7 +11517,7 @@
           <a:p>
             <a:fld id="{EF60C9F4-19BA-40F2-B011-90CF0A2B4916}" type="datetimeFigureOut">
               <a:rPr lang="en-US" smtClean="0"/>
-              <a:t>12/7/2019</a:t>
+              <a:t>19|12|7</a:t>
             </a:fld>
             <a:endParaRPr lang="en-US"/>
           </a:p>
@@ -7328,6 +12136,13 @@
   <p:clrMapOvr>
     <a:masterClrMapping/>
   </p:clrMapOvr>
+  <p:timing>
+    <p:tnLst>
+      <p:par>
+        <p:cTn id="1" dur="indefinite" restart="never" nodeType="tmRoot"/>
+      </p:par>
+    </p:tnLst>
+  </p:timing>
 </p:sld>
 </file>
 
@@ -8141,10 +12956,104 @@
             <p:ph type="title"/>
           </p:nvPr>
         </p:nvSpPr>
+        <p:spPr/>
+        <p:txBody>
+          <a:bodyPr/>
+          <a:lstStyle/>
+          <a:p>
+            <a:r>
+              <a:rPr lang="en-US" dirty="0" smtClean="0"/>
+              <a:t>Extreme Programming - </a:t>
+            </a:r>
+            <a:r>
+              <a:rPr lang="en-US" b="1" dirty="0" smtClean="0"/>
+              <a:t>Introduction</a:t>
+            </a:r>
+            <a:endParaRPr lang="en-US" dirty="0"/>
+          </a:p>
+        </p:txBody>
+      </p:sp>
+      <p:pic>
+        <p:nvPicPr>
+          <p:cNvPr id="6" name="Picture 5"/>
+          <p:cNvPicPr>
+            <a:picLocks noChangeAspect="1"/>
+          </p:cNvPicPr>
+          <p:nvPr/>
+        </p:nvPicPr>
+        <p:blipFill>
+          <a:blip r:embed="rId2">
+            <a:extLst>
+              <a:ext uri="{28A0092B-C50C-407E-A947-70E740481C1C}">
+                <a14:useLocalDpi xmlns:a14="http://schemas.microsoft.com/office/drawing/2010/main" val="0"/>
+              </a:ext>
+            </a:extLst>
+          </a:blip>
+          <a:stretch>
+            <a:fillRect/>
+          </a:stretch>
+        </p:blipFill>
         <p:spPr>
           <a:xfrm>
-            <a:off x="717453" y="365125"/>
-            <a:ext cx="11240086" cy="1325563"/>
+            <a:off x="2791671" y="2132177"/>
+            <a:ext cx="6608657" cy="2944790"/>
+          </a:xfrm>
+          <a:prstGeom prst="rect">
+            <a:avLst/>
+          </a:prstGeom>
+        </p:spPr>
+      </p:pic>
+    </p:spTree>
+    <p:extLst>
+      <p:ext uri="{BB962C8B-B14F-4D97-AF65-F5344CB8AC3E}">
+        <p14:creationId xmlns:p14="http://schemas.microsoft.com/office/powerpoint/2010/main" val="3622675438"/>
+      </p:ext>
+    </p:extLst>
+  </p:cSld>
+  <p:clrMapOvr>
+    <a:masterClrMapping/>
+  </p:clrMapOvr>
+  <p:timing>
+    <p:tnLst>
+      <p:par>
+        <p:cTn id="1" dur="indefinite" restart="never" nodeType="tmRoot"/>
+      </p:par>
+    </p:tnLst>
+  </p:timing>
+</p:sld>
+</file>
+
+<file path=ppt/slides/slide5.xml><?xml version="1.0" encoding="utf-8"?>
+<p:sld xmlns:a="http://schemas.openxmlformats.org/drawingml/2006/main" xmlns:r="http://schemas.openxmlformats.org/officeDocument/2006/relationships" xmlns:p="http://schemas.openxmlformats.org/presentationml/2006/main">
+  <p:cSld>
+    <p:spTree>
+      <p:nvGrpSpPr>
+        <p:cNvPr id="1" name=""/>
+        <p:cNvGrpSpPr/>
+        <p:nvPr/>
+      </p:nvGrpSpPr>
+      <p:grpSpPr>
+        <a:xfrm>
+          <a:off x="0" y="0"/>
+          <a:ext cx="0" cy="0"/>
+          <a:chOff x="0" y="0"/>
+          <a:chExt cx="0" cy="0"/>
+        </a:xfrm>
+      </p:grpSpPr>
+      <p:sp>
+        <p:nvSpPr>
+          <p:cNvPr id="2" name="Title 1"/>
+          <p:cNvSpPr>
+            <a:spLocks noGrp="1"/>
+          </p:cNvSpPr>
+          <p:nvPr>
+            <p:ph type="title"/>
+          </p:nvPr>
+        </p:nvSpPr>
+        <p:spPr>
+          <a:xfrm>
+            <a:off x="491319" y="365125"/>
+            <a:ext cx="11466220" cy="1325563"/>
           </a:xfrm>
         </p:spPr>
         <p:txBody>
@@ -8152,8 +13061,28 @@
           <a:lstStyle/>
           <a:p>
             <a:r>
+              <a:rPr lang="en-US" dirty="0" err="1" smtClean="0"/>
+              <a:t>e</a:t>
+            </a:r>
+            <a:r>
+              <a:rPr lang="en-US" b="1" dirty="0" err="1" smtClean="0"/>
+              <a:t>X</a:t>
+            </a:r>
+            <a:r>
+              <a:rPr lang="en-US" dirty="0" err="1" smtClean="0"/>
+              <a:t>treme</a:t>
+            </a:r>
+            <a:r>
+              <a:rPr lang="en-US" dirty="0" smtClean="0"/>
+              <a:t> </a:t>
+            </a:r>
+            <a:r>
+              <a:rPr lang="en-US" b="1" dirty="0"/>
+              <a:t>P</a:t>
+            </a:r>
+            <a:r>
               <a:rPr lang="en-US" dirty="0"/>
-              <a:t>Extreme Programming (XP) - </a:t>
+              <a:t>rogramming (XP) - </a:t>
             </a:r>
             <a:r>
               <a:rPr lang="en-US" b="1" dirty="0"/>
@@ -9738,7 +14667,7 @@
 </p:sld>
 </file>
 
-<file path=ppt/slides/slide5.xml><?xml version="1.0" encoding="utf-8"?>
+<file path=ppt/slides/slide6.xml><?xml version="1.0" encoding="utf-8"?>
 <p:sld xmlns:a="http://schemas.openxmlformats.org/drawingml/2006/main" xmlns:r="http://schemas.openxmlformats.org/officeDocument/2006/relationships" xmlns:p="http://schemas.openxmlformats.org/presentationml/2006/main">
   <p:cSld>
     <p:spTree>
@@ -9820,7 +14749,7 @@
           <p:cNvPr id="5" name="TextBox 4">
             <a:extLst>
               <a:ext uri="{FF2B5EF4-FFF2-40B4-BE49-F238E27FC236}">
-                <a16:creationId xmlns:a16="http://schemas.microsoft.com/office/drawing/2014/main" id="{845BC587-C97E-5C40-ADA8-4F2558DF8CD7}"/>
+                <a16:creationId xmlns:a16="http://schemas.microsoft.com/office/drawing/2014/main" xmlns="" id="{845BC587-C97E-5C40-ADA8-4F2558DF8CD7}"/>
               </a:ext>
             </a:extLst>
           </p:cNvPr>
@@ -9889,10 +14818,17 @@
   <p:clrMapOvr>
     <a:masterClrMapping/>
   </p:clrMapOvr>
+  <p:timing>
+    <p:tnLst>
+      <p:par>
+        <p:cTn id="1" dur="indefinite" restart="never" nodeType="tmRoot"/>
+      </p:par>
+    </p:tnLst>
+  </p:timing>
 </p:sld>
 </file>
 
-<file path=ppt/slides/slide6.xml><?xml version="1.0" encoding="utf-8"?>
+<file path=ppt/slides/slide7.xml><?xml version="1.0" encoding="utf-8"?>
 <p:sld xmlns:a="http://schemas.openxmlformats.org/drawingml/2006/main" xmlns:r="http://schemas.openxmlformats.org/officeDocument/2006/relationships" xmlns:p="http://schemas.openxmlformats.org/presentationml/2006/main">
   <p:cSld>
     <p:spTree>
@@ -9914,7 +14850,7 @@
           <p:cNvPr id="2" name="Title 1">
             <a:extLst>
               <a:ext uri="{FF2B5EF4-FFF2-40B4-BE49-F238E27FC236}">
-                <a16:creationId xmlns:a16="http://schemas.microsoft.com/office/drawing/2014/main" id="{C93B6084-F736-A941-B57C-DA4A0F990DB0}"/>
+                <a16:creationId xmlns:a16="http://schemas.microsoft.com/office/drawing/2014/main" xmlns="" id="{C93B6084-F736-A941-B57C-DA4A0F990DB0}"/>
               </a:ext>
             </a:extLst>
           </p:cNvPr>
@@ -9927,7 +14863,7 @@
         </p:nvSpPr>
         <p:spPr>
           <a:xfrm>
-            <a:off x="129752" y="365125"/>
+            <a:off x="143400" y="-235379"/>
             <a:ext cx="11224048" cy="1460500"/>
           </a:xfrm>
         </p:spPr>
@@ -9936,14 +14872,14 @@
           <a:lstStyle/>
           <a:p>
             <a:r>
-              <a:rPr lang="en-US"/>
+              <a:rPr lang="en-US" dirty="0"/>
               <a:t>Extreme Programming (XP) - </a:t>
             </a:r>
             <a:r>
-              <a:rPr lang="en-US" b="1"/>
+              <a:rPr lang="en-US" b="1" dirty="0"/>
               <a:t>Diagram</a:t>
             </a:r>
-            <a:endParaRPr lang="en-US"/>
+            <a:endParaRPr lang="en-US" dirty="0"/>
           </a:p>
         </p:txBody>
       </p:sp>
@@ -9952,7 +14888,7 @@
           <p:cNvPr id="6" name="TextBox 5">
             <a:extLst>
               <a:ext uri="{FF2B5EF4-FFF2-40B4-BE49-F238E27FC236}">
-                <a16:creationId xmlns:a16="http://schemas.microsoft.com/office/drawing/2014/main" id="{4E292BAC-9FB4-7241-A8BB-F0A7AC4E93FD}"/>
+                <a16:creationId xmlns:a16="http://schemas.microsoft.com/office/drawing/2014/main" xmlns="" id="{4E292BAC-9FB4-7241-A8BB-F0A7AC4E93FD}"/>
               </a:ext>
             </a:extLst>
           </p:cNvPr>
@@ -9980,6 +14916,350 @@
           </a:p>
         </p:txBody>
       </p:sp>
+      <p:graphicFrame>
+        <p:nvGraphicFramePr>
+          <p:cNvPr id="3" name="Diagram 2"/>
+          <p:cNvGraphicFramePr/>
+          <p:nvPr>
+            <p:extLst>
+              <p:ext uri="{D42A27DB-BD31-4B8C-83A1-F6EECF244321}">
+                <p14:modId xmlns:p14="http://schemas.microsoft.com/office/powerpoint/2010/main" val="1502815937"/>
+              </p:ext>
+            </p:extLst>
+          </p:nvPr>
+        </p:nvGraphicFramePr>
+        <p:xfrm>
+          <a:off x="487912" y="926092"/>
+          <a:ext cx="8272061" cy="5585600"/>
+        </p:xfrm>
+        <a:graphic>
+          <a:graphicData uri="http://schemas.openxmlformats.org/drawingml/2006/diagram">
+            <dgm:relIds xmlns:dgm="http://schemas.openxmlformats.org/drawingml/2006/diagram" xmlns:r="http://schemas.openxmlformats.org/officeDocument/2006/relationships" r:dm="rId3" r:lo="rId4" r:qs="rId5" r:cs="rId6"/>
+          </a:graphicData>
+        </a:graphic>
+      </p:graphicFrame>
+      <p:grpSp>
+        <p:nvGrpSpPr>
+          <p:cNvPr id="26" name="Group 25"/>
+          <p:cNvGrpSpPr/>
+          <p:nvPr/>
+        </p:nvGrpSpPr>
+        <p:grpSpPr>
+          <a:xfrm>
+            <a:off x="4475186" y="945091"/>
+            <a:ext cx="4193929" cy="5396436"/>
+            <a:chOff x="4529778" y="1081569"/>
+            <a:chExt cx="4193929" cy="5396436"/>
+          </a:xfrm>
+        </p:grpSpPr>
+        <p:grpSp>
+          <p:nvGrpSpPr>
+            <p:cNvPr id="24" name="Group 23"/>
+            <p:cNvGrpSpPr/>
+            <p:nvPr/>
+          </p:nvGrpSpPr>
+          <p:grpSpPr>
+            <a:xfrm>
+              <a:off x="4529778" y="1083213"/>
+              <a:ext cx="4193929" cy="5394792"/>
+              <a:chOff x="4543845" y="900333"/>
+              <a:chExt cx="4193929" cy="5394792"/>
+            </a:xfrm>
+          </p:grpSpPr>
+          <p:grpSp>
+            <p:nvGrpSpPr>
+              <p:cNvPr id="22" name="Group 21"/>
+              <p:cNvGrpSpPr/>
+              <p:nvPr/>
+            </p:nvGrpSpPr>
+            <p:grpSpPr>
+              <a:xfrm>
+                <a:off x="4543845" y="1225121"/>
+                <a:ext cx="4121853" cy="5039649"/>
+                <a:chOff x="5718754" y="1196116"/>
+                <a:chExt cx="4121853" cy="5039649"/>
+              </a:xfrm>
+            </p:grpSpPr>
+            <p:sp>
+              <p:nvSpPr>
+                <p:cNvPr id="15" name="Circular Arrow 14"/>
+                <p:cNvSpPr/>
+                <p:nvPr/>
+              </p:nvSpPr>
+              <p:spPr>
+                <a:xfrm rot="5100000" flipH="1">
+                  <a:off x="5503679" y="1949380"/>
+                  <a:ext cx="4501460" cy="4071309"/>
+                </a:xfrm>
+                <a:prstGeom prst="circularArrow">
+                  <a:avLst>
+                    <a:gd name="adj1" fmla="val 5755"/>
+                    <a:gd name="adj2" fmla="val 1142318"/>
+                    <a:gd name="adj3" fmla="val 20603927"/>
+                    <a:gd name="adj4" fmla="val 9894544"/>
+                    <a:gd name="adj5" fmla="val 8236"/>
+                  </a:avLst>
+                </a:prstGeom>
+              </p:spPr>
+              <p:style>
+                <a:lnRef idx="2">
+                  <a:schemeClr val="accent1">
+                    <a:shade val="50000"/>
+                  </a:schemeClr>
+                </a:lnRef>
+                <a:fillRef idx="1">
+                  <a:schemeClr val="accent1"/>
+                </a:fillRef>
+                <a:effectRef idx="0">
+                  <a:schemeClr val="accent1"/>
+                </a:effectRef>
+                <a:fontRef idx="minor">
+                  <a:schemeClr val="lt1"/>
+                </a:fontRef>
+              </p:style>
+              <p:txBody>
+                <a:bodyPr rtlCol="0" anchor="ctr"/>
+                <a:lstStyle/>
+                <a:p>
+                  <a:pPr algn="ctr"/>
+                  <a:endParaRPr lang="en-US">
+                    <a:solidFill>
+                      <a:schemeClr val="tx1"/>
+                    </a:solidFill>
+                  </a:endParaRPr>
+                </a:p>
+              </p:txBody>
+            </p:sp>
+            <p:sp>
+              <p:nvSpPr>
+                <p:cNvPr id="16" name="TextBox 15"/>
+                <p:cNvSpPr txBox="1"/>
+                <p:nvPr/>
+              </p:nvSpPr>
+              <p:spPr>
+                <a:xfrm>
+                  <a:off x="7754409" y="3661868"/>
+                  <a:ext cx="1463862" cy="646331"/>
+                </a:xfrm>
+                <a:prstGeom prst="rect">
+                  <a:avLst/>
+                </a:prstGeom>
+                <a:noFill/>
+              </p:spPr>
+              <p:txBody>
+                <a:bodyPr wrap="none" rtlCol="0">
+                  <a:spAutoFit/>
+                </a:bodyPr>
+                <a:lstStyle/>
+                <a:p>
+                  <a:r>
+                    <a:rPr lang="en-US" dirty="0" smtClean="0"/>
+                    <a:t>Repeating</a:t>
+                  </a:r>
+                </a:p>
+                <a:p>
+                  <a:pPr algn="ctr"/>
+                  <a:r>
+                    <a:rPr lang="en-US" dirty="0" smtClean="0"/>
+                    <a:t>Many times</a:t>
+                  </a:r>
+                  <a:endParaRPr lang="en-US" dirty="0"/>
+                </a:p>
+              </p:txBody>
+            </p:sp>
+            <p:cxnSp>
+              <p:nvCxnSpPr>
+                <p:cNvPr id="18" name="Straight Arrow Connector 17"/>
+                <p:cNvCxnSpPr/>
+                <p:nvPr/>
+              </p:nvCxnSpPr>
+              <p:spPr>
+                <a:xfrm flipH="1">
+                  <a:off x="7118253" y="1395286"/>
+                  <a:ext cx="998805" cy="340327"/>
+                </a:xfrm>
+                <a:prstGeom prst="straightConnector1">
+                  <a:avLst/>
+                </a:prstGeom>
+                <a:ln>
+                  <a:tailEnd type="triangle"/>
+                </a:ln>
+              </p:spPr>
+              <p:style>
+                <a:lnRef idx="1">
+                  <a:schemeClr val="accent1"/>
+                </a:lnRef>
+                <a:fillRef idx="0">
+                  <a:schemeClr val="accent1"/>
+                </a:fillRef>
+                <a:effectRef idx="0">
+                  <a:schemeClr val="accent1"/>
+                </a:effectRef>
+                <a:fontRef idx="minor">
+                  <a:schemeClr val="tx1"/>
+                </a:fontRef>
+              </p:style>
+            </p:cxnSp>
+            <p:sp>
+              <p:nvSpPr>
+                <p:cNvPr id="21" name="TextBox 20"/>
+                <p:cNvSpPr txBox="1"/>
+                <p:nvPr/>
+              </p:nvSpPr>
+              <p:spPr>
+                <a:xfrm>
+                  <a:off x="8117058" y="1196116"/>
+                  <a:ext cx="1723549" cy="369332"/>
+                </a:xfrm>
+                <a:prstGeom prst="rect">
+                  <a:avLst/>
+                </a:prstGeom>
+                <a:noFill/>
+              </p:spPr>
+              <p:txBody>
+                <a:bodyPr wrap="none" rtlCol="0">
+                  <a:spAutoFit/>
+                </a:bodyPr>
+                <a:lstStyle/>
+                <a:p>
+                  <a:r>
+                    <a:rPr lang="en-US" dirty="0" smtClean="0">
+                      <a:ln w="0"/>
+                      <a:effectLst>
+                        <a:outerShdw blurRad="38100" dist="19050" dir="2700000" algn="tl" rotWithShape="0">
+                          <a:schemeClr val="dk1">
+                            <a:alpha val="40000"/>
+                          </a:schemeClr>
+                        </a:outerShdw>
+                      </a:effectLst>
+                    </a:rPr>
+                    <a:t>New</a:t>
+                  </a:r>
+                  <a:r>
+                    <a:rPr lang="en-US" dirty="0" smtClean="0">
+                      <a:ln w="0"/>
+                      <a:solidFill>
+                        <a:schemeClr val="accent1"/>
+                      </a:solidFill>
+                      <a:effectLst>
+                        <a:outerShdw blurRad="38100" dist="25400" dir="5400000" algn="ctr" rotWithShape="0">
+                          <a:srgbClr val="6E747A">
+                            <a:alpha val="43000"/>
+                          </a:srgbClr>
+                        </a:outerShdw>
+                      </a:effectLst>
+                    </a:rPr>
+                    <a:t> </a:t>
+                  </a:r>
+                  <a:r>
+                    <a:rPr lang="en-US" dirty="0" smtClean="0">
+                      <a:ln w="0"/>
+                      <a:effectLst>
+                        <a:outerShdw blurRad="38100" dist="19050" dir="2700000" algn="tl" rotWithShape="0">
+                          <a:schemeClr val="dk1">
+                            <a:alpha val="40000"/>
+                          </a:schemeClr>
+                        </a:outerShdw>
+                      </a:effectLst>
+                    </a:rPr>
+                    <a:t>Change</a:t>
+                  </a:r>
+                  <a:endParaRPr lang="en-US" dirty="0">
+                    <a:ln w="0"/>
+                    <a:solidFill>
+                      <a:schemeClr val="accent1"/>
+                    </a:solidFill>
+                    <a:effectLst>
+                      <a:outerShdw blurRad="38100" dist="25400" dir="5400000" algn="ctr" rotWithShape="0">
+                        <a:srgbClr val="6E747A">
+                          <a:alpha val="43000"/>
+                        </a:srgbClr>
+                      </a:outerShdw>
+                    </a:effectLst>
+                  </a:endParaRPr>
+                </a:p>
+              </p:txBody>
+            </p:sp>
+          </p:grpSp>
+          <p:sp>
+            <p:nvSpPr>
+              <p:cNvPr id="23" name="Rectangle 22"/>
+              <p:cNvSpPr/>
+              <p:nvPr/>
+            </p:nvSpPr>
+            <p:spPr>
+              <a:xfrm>
+                <a:off x="5755424" y="900333"/>
+                <a:ext cx="2982350" cy="5394792"/>
+              </a:xfrm>
+              <a:prstGeom prst="rect">
+                <a:avLst/>
+              </a:prstGeom>
+              <a:noFill/>
+              <a:ln>
+                <a:solidFill>
+                  <a:schemeClr val="tx1"/>
+                </a:solidFill>
+                <a:prstDash val="dash"/>
+              </a:ln>
+            </p:spPr>
+            <p:style>
+              <a:lnRef idx="2">
+                <a:schemeClr val="accent1">
+                  <a:shade val="50000"/>
+                </a:schemeClr>
+              </a:lnRef>
+              <a:fillRef idx="1">
+                <a:schemeClr val="accent1"/>
+              </a:fillRef>
+              <a:effectRef idx="0">
+                <a:schemeClr val="accent1"/>
+              </a:effectRef>
+              <a:fontRef idx="minor">
+                <a:schemeClr val="lt1"/>
+              </a:fontRef>
+            </p:style>
+            <p:txBody>
+              <a:bodyPr rtlCol="0" anchor="ctr"/>
+              <a:lstStyle/>
+              <a:p>
+                <a:pPr algn="ctr"/>
+                <a:endParaRPr lang="en-US"/>
+              </a:p>
+            </p:txBody>
+          </p:sp>
+        </p:grpSp>
+        <p:sp>
+          <p:nvSpPr>
+            <p:cNvPr id="25" name="TextBox 24"/>
+            <p:cNvSpPr txBox="1"/>
+            <p:nvPr/>
+          </p:nvSpPr>
+          <p:spPr>
+            <a:xfrm>
+              <a:off x="7061562" y="1081569"/>
+              <a:ext cx="503664" cy="400110"/>
+            </a:xfrm>
+            <a:prstGeom prst="rect">
+              <a:avLst/>
+            </a:prstGeom>
+            <a:noFill/>
+          </p:spPr>
+          <p:txBody>
+            <a:bodyPr wrap="none" rtlCol="0">
+              <a:spAutoFit/>
+            </a:bodyPr>
+            <a:lstStyle/>
+            <a:p>
+              <a:r>
+                <a:rPr lang="en-US" sz="2000" b="1" dirty="0" smtClean="0"/>
+                <a:t>XP</a:t>
+              </a:r>
+              <a:endParaRPr lang="en-US" sz="2000" b="1" dirty="0"/>
+            </a:p>
+          </p:txBody>
+        </p:sp>
+      </p:grpSp>
     </p:spTree>
     <p:extLst>
       <p:ext uri="{BB962C8B-B14F-4D97-AF65-F5344CB8AC3E}">
@@ -9990,6 +15270,311 @@
   <p:clrMapOvr>
     <a:masterClrMapping/>
   </p:clrMapOvr>
+  <p:timing>
+    <p:tnLst>
+      <p:par>
+        <p:cTn id="1" dur="indefinite" restart="never" nodeType="tmRoot">
+          <p:childTnLst>
+            <p:seq concurrent="1" nextAc="seek">
+              <p:cTn id="2" dur="indefinite" nodeType="mainSeq">
+                <p:childTnLst>
+                  <p:par>
+                    <p:cTn id="3" fill="hold">
+                      <p:stCondLst>
+                        <p:cond delay="indefinite"/>
+                      </p:stCondLst>
+                      <p:childTnLst>
+                        <p:par>
+                          <p:cTn id="4" fill="hold">
+                            <p:stCondLst>
+                              <p:cond delay="0"/>
+                            </p:stCondLst>
+                            <p:childTnLst>
+                              <p:par>
+                                <p:cTn id="5" presetID="1" presetClass="entr" presetSubtype="0" fill="hold" nodeType="clickEffect">
+                                  <p:stCondLst>
+                                    <p:cond delay="0"/>
+                                  </p:stCondLst>
+                                  <p:childTnLst>
+                                    <p:set>
+                                      <p:cBhvr>
+                                        <p:cTn id="6" dur="1" fill="hold">
+                                          <p:stCondLst>
+                                            <p:cond delay="0"/>
+                                          </p:stCondLst>
+                                        </p:cTn>
+                                        <p:tgtEl>
+                                          <p:spTgt spid="26"/>
+                                        </p:tgtEl>
+                                        <p:attrNameLst>
+                                          <p:attrName>style.visibility</p:attrName>
+                                        </p:attrNameLst>
+                                      </p:cBhvr>
+                                      <p:to>
+                                        <p:strVal val="visible"/>
+                                      </p:to>
+                                    </p:set>
+                                  </p:childTnLst>
+                                </p:cTn>
+                              </p:par>
+                            </p:childTnLst>
+                          </p:cTn>
+                        </p:par>
+                      </p:childTnLst>
+                    </p:cTn>
+                  </p:par>
+                </p:childTnLst>
+              </p:cTn>
+              <p:prevCondLst>
+                <p:cond evt="onPrev" delay="0">
+                  <p:tgtEl>
+                    <p:sldTgt/>
+                  </p:tgtEl>
+                </p:cond>
+              </p:prevCondLst>
+              <p:nextCondLst>
+                <p:cond evt="onNext" delay="0">
+                  <p:tgtEl>
+                    <p:sldTgt/>
+                  </p:tgtEl>
+                </p:cond>
+              </p:nextCondLst>
+            </p:seq>
+          </p:childTnLst>
+        </p:cTn>
+      </p:par>
+    </p:tnLst>
+  </p:timing>
+</p:sld>
+</file>
+
+<file path=ppt/slides/slide8.xml><?xml version="1.0" encoding="utf-8"?>
+<p:sld xmlns:a="http://schemas.openxmlformats.org/drawingml/2006/main" xmlns:r="http://schemas.openxmlformats.org/officeDocument/2006/relationships" xmlns:p="http://schemas.openxmlformats.org/presentationml/2006/main">
+  <p:cSld>
+    <p:spTree>
+      <p:nvGrpSpPr>
+        <p:cNvPr id="1" name=""/>
+        <p:cNvGrpSpPr/>
+        <p:nvPr/>
+      </p:nvGrpSpPr>
+      <p:grpSpPr>
+        <a:xfrm>
+          <a:off x="0" y="0"/>
+          <a:ext cx="0" cy="0"/>
+          <a:chOff x="0" y="0"/>
+          <a:chExt cx="0" cy="0"/>
+        </a:xfrm>
+      </p:grpSpPr>
+      <p:sp>
+        <p:nvSpPr>
+          <p:cNvPr id="2" name="Title 1"/>
+          <p:cNvSpPr>
+            <a:spLocks noGrp="1"/>
+          </p:cNvSpPr>
+          <p:nvPr>
+            <p:ph type="title"/>
+          </p:nvPr>
+        </p:nvSpPr>
+        <p:spPr>
+          <a:xfrm>
+            <a:off x="210403" y="0"/>
+            <a:ext cx="10515600" cy="1325563"/>
+          </a:xfrm>
+        </p:spPr>
+        <p:txBody>
+          <a:bodyPr/>
+          <a:lstStyle/>
+          <a:p>
+            <a:r>
+              <a:rPr lang="en-US" dirty="0"/>
+              <a:t>Extreme Programming (XP) - </a:t>
+            </a:r>
+            <a:r>
+              <a:rPr lang="en-US" b="1" dirty="0"/>
+              <a:t>Diagram</a:t>
+            </a:r>
+            <a:endParaRPr lang="en-US" dirty="0"/>
+          </a:p>
+        </p:txBody>
+      </p:sp>
+      <p:pic>
+        <p:nvPicPr>
+          <p:cNvPr id="4" name="Picture 3"/>
+          <p:cNvPicPr>
+            <a:picLocks noChangeAspect="1"/>
+          </p:cNvPicPr>
+          <p:nvPr/>
+        </p:nvPicPr>
+        <p:blipFill>
+          <a:blip r:embed="rId2">
+            <a:extLst>
+              <a:ext uri="{28A0092B-C50C-407E-A947-70E740481C1C}">
+                <a14:useLocalDpi xmlns:a14="http://schemas.microsoft.com/office/drawing/2010/main" val="0"/>
+              </a:ext>
+            </a:extLst>
+          </a:blip>
+          <a:stretch>
+            <a:fillRect/>
+          </a:stretch>
+        </p:blipFill>
+        <p:spPr>
+          <a:xfrm>
+            <a:off x="210403" y="1325563"/>
+            <a:ext cx="11679535" cy="4884169"/>
+          </a:xfrm>
+          <a:prstGeom prst="rect">
+            <a:avLst/>
+          </a:prstGeom>
+        </p:spPr>
+      </p:pic>
+    </p:spTree>
+    <p:extLst>
+      <p:ext uri="{BB962C8B-B14F-4D97-AF65-F5344CB8AC3E}">
+        <p14:creationId xmlns:p14="http://schemas.microsoft.com/office/powerpoint/2010/main" val="2421292001"/>
+      </p:ext>
+    </p:extLst>
+  </p:cSld>
+  <p:clrMapOvr>
+    <a:masterClrMapping/>
+  </p:clrMapOvr>
+  <p:timing>
+    <p:tnLst>
+      <p:par>
+        <p:cTn id="1" dur="indefinite" restart="never" nodeType="tmRoot"/>
+      </p:par>
+    </p:tnLst>
+  </p:timing>
+</p:sld>
+</file>
+
+<file path=ppt/slides/slide9.xml><?xml version="1.0" encoding="utf-8"?>
+<p:sld xmlns:a="http://schemas.openxmlformats.org/drawingml/2006/main" xmlns:r="http://schemas.openxmlformats.org/officeDocument/2006/relationships" xmlns:p="http://schemas.openxmlformats.org/presentationml/2006/main">
+  <p:cSld>
+    <p:spTree>
+      <p:nvGrpSpPr>
+        <p:cNvPr id="1" name=""/>
+        <p:cNvGrpSpPr/>
+        <p:nvPr/>
+      </p:nvGrpSpPr>
+      <p:grpSpPr>
+        <a:xfrm>
+          <a:off x="0" y="0"/>
+          <a:ext cx="0" cy="0"/>
+          <a:chOff x="0" y="0"/>
+          <a:chExt cx="0" cy="0"/>
+        </a:xfrm>
+      </p:grpSpPr>
+      <p:sp>
+        <p:nvSpPr>
+          <p:cNvPr id="2" name="Title 1"/>
+          <p:cNvSpPr>
+            <a:spLocks noGrp="1"/>
+          </p:cNvSpPr>
+          <p:nvPr>
+            <p:ph type="title"/>
+          </p:nvPr>
+        </p:nvSpPr>
+        <p:spPr/>
+        <p:txBody>
+          <a:bodyPr>
+            <a:normAutofit/>
+          </a:bodyPr>
+          <a:lstStyle/>
+          <a:p>
+            <a:r>
+              <a:rPr lang="en-US" b="1" dirty="0" smtClean="0">
+                <a:ln w="13462">
+                  <a:solidFill>
+                    <a:schemeClr val="bg1"/>
+                  </a:solidFill>
+                  <a:prstDash val="solid"/>
+                </a:ln>
+                <a:solidFill>
+                  <a:schemeClr val="tx1">
+                    <a:lumMod val="85000"/>
+                    <a:lumOff val="15000"/>
+                  </a:schemeClr>
+                </a:solidFill>
+                <a:effectLst>
+                  <a:outerShdw dist="38100" dir="2700000" algn="bl" rotWithShape="0">
+                    <a:schemeClr val="accent5"/>
+                  </a:outerShdw>
+                </a:effectLst>
+              </a:rPr>
+              <a:t>Why </a:t>
+            </a:r>
+            <a:r>
+              <a:rPr lang="en-US" dirty="0" smtClean="0">
+                <a:ln w="13462">
+                  <a:solidFill>
+                    <a:schemeClr val="bg1"/>
+                  </a:solidFill>
+                  <a:prstDash val="solid"/>
+                </a:ln>
+                <a:solidFill>
+                  <a:schemeClr val="tx1">
+                    <a:lumMod val="85000"/>
+                    <a:lumOff val="15000"/>
+                  </a:schemeClr>
+                </a:solidFill>
+              </a:rPr>
+              <a:t>Name </a:t>
+            </a:r>
+            <a:r>
+              <a:rPr lang="en-US" dirty="0" smtClean="0"/>
+              <a:t>“Extreme Programming”?</a:t>
+            </a:r>
+            <a:endParaRPr lang="en-US" dirty="0"/>
+          </a:p>
+        </p:txBody>
+      </p:sp>
+      <p:pic>
+        <p:nvPicPr>
+          <p:cNvPr id="4" name="Picture 3"/>
+          <p:cNvPicPr>
+            <a:picLocks noChangeAspect="1"/>
+          </p:cNvPicPr>
+          <p:nvPr/>
+        </p:nvPicPr>
+        <p:blipFill>
+          <a:blip r:embed="rId2">
+            <a:extLst>
+              <a:ext uri="{28A0092B-C50C-407E-A947-70E740481C1C}">
+                <a14:useLocalDpi xmlns:a14="http://schemas.microsoft.com/office/drawing/2010/main" val="0"/>
+              </a:ext>
+            </a:extLst>
+          </a:blip>
+          <a:stretch>
+            <a:fillRect/>
+          </a:stretch>
+        </p:blipFill>
+        <p:spPr>
+          <a:xfrm>
+            <a:off x="2447214" y="1918008"/>
+            <a:ext cx="7297572" cy="3928526"/>
+          </a:xfrm>
+          <a:prstGeom prst="rect">
+            <a:avLst/>
+          </a:prstGeom>
+        </p:spPr>
+      </p:pic>
+    </p:spTree>
+    <p:extLst>
+      <p:ext uri="{BB962C8B-B14F-4D97-AF65-F5344CB8AC3E}">
+        <p14:creationId xmlns:p14="http://schemas.microsoft.com/office/powerpoint/2010/main" val="2760633230"/>
+      </p:ext>
+    </p:extLst>
+  </p:cSld>
+  <p:clrMapOvr>
+    <a:masterClrMapping/>
+  </p:clrMapOvr>
+  <p:timing>
+    <p:tnLst>
+      <p:par>
+        <p:cTn id="1" dur="indefinite" restart="never" nodeType="tmRoot"/>
+      </p:par>
+    </p:tnLst>
+  </p:timing>
 </p:sld>
 </file>
 

--- a/extreme_programming.pptx
+++ b/extreme_programming.pptx
@@ -9077,6 +9077,106 @@
     <p:extLst>
       <p:ext uri="{BB962C8B-B14F-4D97-AF65-F5344CB8AC3E}">
         <p14:creationId xmlns:p14="http://schemas.microsoft.com/office/powerpoint/2010/main" val="4287984603"/>
+      </p:ext>
+    </p:extLst>
+  </p:cSld>
+  <p:clrMapOvr>
+    <a:masterClrMapping/>
+  </p:clrMapOvr>
+</p:notes>
+</file>
+
+<file path=ppt/notesSlides/notesSlide4.xml><?xml version="1.0" encoding="utf-8"?>
+<p:notes xmlns:a="http://schemas.openxmlformats.org/drawingml/2006/main" xmlns:r="http://schemas.openxmlformats.org/officeDocument/2006/relationships" xmlns:p="http://schemas.openxmlformats.org/presentationml/2006/main">
+  <p:cSld>
+    <p:spTree>
+      <p:nvGrpSpPr>
+        <p:cNvPr id="1" name=""/>
+        <p:cNvGrpSpPr/>
+        <p:nvPr/>
+      </p:nvGrpSpPr>
+      <p:grpSpPr>
+        <a:xfrm>
+          <a:off x="0" y="0"/>
+          <a:ext cx="0" cy="0"/>
+          <a:chOff x="0" y="0"/>
+          <a:chExt cx="0" cy="0"/>
+        </a:xfrm>
+      </p:grpSpPr>
+      <p:sp>
+        <p:nvSpPr>
+          <p:cNvPr id="2" name="Slide Image Placeholder 1"/>
+          <p:cNvSpPr>
+            <a:spLocks noGrp="1" noRot="1" noChangeAspect="1"/>
+          </p:cNvSpPr>
+          <p:nvPr>
+            <p:ph type="sldImg"/>
+          </p:nvPr>
+        </p:nvSpPr>
+        <p:spPr/>
+      </p:sp>
+      <p:sp>
+        <p:nvSpPr>
+          <p:cNvPr id="3" name="Notes Placeholder 2"/>
+          <p:cNvSpPr>
+            <a:spLocks noGrp="1"/>
+          </p:cNvSpPr>
+          <p:nvPr>
+            <p:ph type="body" idx="1"/>
+          </p:nvPr>
+        </p:nvSpPr>
+        <p:spPr/>
+        <p:txBody>
+          <a:bodyPr/>
+          <a:lstStyle/>
+          <a:p>
+            <a:r>
+              <a:rPr lang="en-US" dirty="0" smtClean="0"/>
+              <a:t>END</a:t>
+            </a:r>
+            <a:r>
+              <a:rPr lang="en-US" baseline="0" dirty="0" smtClean="0"/>
+              <a:t> </a:t>
+            </a:r>
+            <a:r>
+              <a:rPr lang="en-US" dirty="0" smtClean="0"/>
+              <a:t>OF AASHISH! </a:t>
+            </a:r>
+            <a:r>
+              <a:rPr lang="en-US" smtClean="0"/>
+              <a:t>(Why XP?)</a:t>
+            </a:r>
+            <a:endParaRPr lang="en-US" dirty="0"/>
+          </a:p>
+        </p:txBody>
+      </p:sp>
+      <p:sp>
+        <p:nvSpPr>
+          <p:cNvPr id="4" name="Slide Number Placeholder 3"/>
+          <p:cNvSpPr>
+            <a:spLocks noGrp="1"/>
+          </p:cNvSpPr>
+          <p:nvPr>
+            <p:ph type="sldNum" sz="quarter" idx="10"/>
+          </p:nvPr>
+        </p:nvSpPr>
+        <p:spPr/>
+        <p:txBody>
+          <a:bodyPr/>
+          <a:lstStyle/>
+          <a:p>
+            <a:fld id="{76E79186-0F7F-4415-A6CE-613EF7028156}" type="slidenum">
+              <a:rPr lang="en-US" smtClean="0"/>
+              <a:t>9</a:t>
+            </a:fld>
+            <a:endParaRPr lang="en-US"/>
+          </a:p>
+        </p:txBody>
+      </p:sp>
+    </p:spTree>
+    <p:extLst>
+      <p:ext uri="{BB962C8B-B14F-4D97-AF65-F5344CB8AC3E}">
+        <p14:creationId xmlns:p14="http://schemas.microsoft.com/office/powerpoint/2010/main" val="311175336"/>
       </p:ext>
     </p:extLst>
   </p:cSld>
@@ -15537,7 +15637,7 @@
           <p:nvPr/>
         </p:nvPicPr>
         <p:blipFill>
-          <a:blip r:embed="rId2">
+          <a:blip r:embed="rId3">
             <a:extLst>
               <a:ext uri="{28A0092B-C50C-407E-A947-70E740481C1C}">
                 <a14:useLocalDpi xmlns:a14="http://schemas.microsoft.com/office/drawing/2010/main" val="0"/>

--- a/extreme_programming.pptx
+++ b/extreme_programming.pptx
@@ -5,7 +5,7 @@
     <p:sldMasterId id="2147483648" r:id="rId1"/>
   </p:sldMasterIdLst>
   <p:notesMasterIdLst>
-    <p:notesMasterId r:id="rId11"/>
+    <p:notesMasterId r:id="rId16"/>
   </p:notesMasterIdLst>
   <p:sldIdLst>
     <p:sldId id="256" r:id="rId2"/>
@@ -17,6 +17,11 @@
     <p:sldId id="261" r:id="rId8"/>
     <p:sldId id="263" r:id="rId9"/>
     <p:sldId id="264" r:id="rId10"/>
+    <p:sldId id="266" r:id="rId11"/>
+    <p:sldId id="267" r:id="rId12"/>
+    <p:sldId id="268" r:id="rId13"/>
+    <p:sldId id="269" r:id="rId14"/>
+    <p:sldId id="270" r:id="rId15"/>
   </p:sldIdLst>
   <p:sldSz cx="12192000" cy="6858000"/>
   <p:notesSz cx="6858000" cy="9144000"/>
@@ -2173,15 +2178,15 @@
     <dgm:cxn modelId="{E9743714-F755-4952-B8AE-87189FB9134E}" type="presOf" srcId="{EAA2BEE3-0DBD-465D-BB64-31830BFC8ABC}" destId="{120EC894-2FDD-4E69-8DA1-1E4987D6750C}" srcOrd="0" destOrd="0" presId="urn:microsoft.com/office/officeart/2005/8/layout/radial6"/>
     <dgm:cxn modelId="{4DD5694D-2AF2-4CFA-9337-E79D88305FFC}" type="presOf" srcId="{3E21CBF3-ED67-4DE4-92E8-D28F4E02C66C}" destId="{8046D806-D633-4925-88FF-13EA3736C642}" srcOrd="0" destOrd="0" presId="urn:microsoft.com/office/officeart/2005/8/layout/radial6"/>
     <dgm:cxn modelId="{42468133-6626-413F-8036-DCB1ECD7F00D}" srcId="{8A4D3A20-F65F-4192-9123-EAC5330E5D1D}" destId="{3E21CBF3-ED67-4DE4-92E8-D28F4E02C66C}" srcOrd="0" destOrd="0" parTransId="{62D71432-5937-427D-9E65-CD7804702917}" sibTransId="{56D95F66-2F36-41C3-A4C8-AAA41A7C5935}"/>
+    <dgm:cxn modelId="{CE250DD7-ACD0-419C-BC0A-C35258FD7568}" type="presOf" srcId="{C8CE8BA7-678D-4C94-8F91-3A77355BB83A}" destId="{62725212-3288-4862-A14D-4E6BB5BCB641}" srcOrd="0" destOrd="0" presId="urn:microsoft.com/office/officeart/2005/8/layout/radial6"/>
     <dgm:cxn modelId="{50BB35C0-5301-4620-96E0-8F8C590935C8}" type="presOf" srcId="{1E6BF274-94E7-49EA-823A-D7901911558F}" destId="{3403E89E-646F-4749-98B8-1636056908AA}" srcOrd="0" destOrd="0" presId="urn:microsoft.com/office/officeart/2005/8/layout/radial6"/>
-    <dgm:cxn modelId="{CE250DD7-ACD0-419C-BC0A-C35258FD7568}" type="presOf" srcId="{C8CE8BA7-678D-4C94-8F91-3A77355BB83A}" destId="{62725212-3288-4862-A14D-4E6BB5BCB641}" srcOrd="0" destOrd="0" presId="urn:microsoft.com/office/officeart/2005/8/layout/radial6"/>
     <dgm:cxn modelId="{92566467-7247-47BB-92DD-F94AED937561}" type="presOf" srcId="{BF8C4942-3560-466A-B7F7-036045090DB4}" destId="{B0856285-8B4C-4921-A3FF-D6436B7247C2}" srcOrd="0" destOrd="0" presId="urn:microsoft.com/office/officeart/2005/8/layout/radial6"/>
     <dgm:cxn modelId="{66EDC8FB-B067-479B-8726-281A44F690D2}" type="presOf" srcId="{52532CF6-0526-4785-A2A6-1AD1072ADB9D}" destId="{98C0CE5D-6568-4C58-8044-A6118E4DFAF6}" srcOrd="0" destOrd="0" presId="urn:microsoft.com/office/officeart/2005/8/layout/radial6"/>
     <dgm:cxn modelId="{D76F3C5A-023F-4A45-ACBC-D57F39A6B014}" type="presOf" srcId="{2E8BD8F1-AC8D-430A-A16A-29538E9A8D89}" destId="{D4C25836-BB1E-40C6-9055-79DFE51E84A4}" srcOrd="0" destOrd="0" presId="urn:microsoft.com/office/officeart/2005/8/layout/radial6"/>
     <dgm:cxn modelId="{93AA4161-2792-4A73-924C-3A9358908DED}" srcId="{3E21CBF3-ED67-4DE4-92E8-D28F4E02C66C}" destId="{7C910102-AEE4-484B-ACEB-B163D80A8AC3}" srcOrd="5" destOrd="0" parTransId="{2C662DC6-0642-4B64-BA19-E82C9A57D4C8}" sibTransId="{821F0E55-CEF6-48A1-AC37-6D1FD50F8A7C}"/>
     <dgm:cxn modelId="{9567DEDF-D775-4550-8F1F-6817B3956601}" type="presOf" srcId="{8A4D3A20-F65F-4192-9123-EAC5330E5D1D}" destId="{AF29EEAD-64B5-4C37-8C6D-6E10B5F4AE2B}" srcOrd="0" destOrd="0" presId="urn:microsoft.com/office/officeart/2005/8/layout/radial6"/>
+    <dgm:cxn modelId="{FFE282E0-13BB-4F72-8399-760865E79B14}" type="presOf" srcId="{BD0E6AD9-71FA-4C38-8A7F-3AE8864E181B}" destId="{D02A1073-280A-4030-B61B-6AB009F7EB42}" srcOrd="0" destOrd="0" presId="urn:microsoft.com/office/officeart/2005/8/layout/radial6"/>
     <dgm:cxn modelId="{E5A2C89A-9107-4792-8CCC-4898D6EC5DBA}" srcId="{3E21CBF3-ED67-4DE4-92E8-D28F4E02C66C}" destId="{801A760C-B3A6-4942-B41F-1B74F7CFB869}" srcOrd="6" destOrd="0" parTransId="{FF8C1F41-9000-4666-8B3C-F006C6352F33}" sibTransId="{088CB9C7-E6AD-4656-9612-A21801614288}"/>
-    <dgm:cxn modelId="{FFE282E0-13BB-4F72-8399-760865E79B14}" type="presOf" srcId="{BD0E6AD9-71FA-4C38-8A7F-3AE8864E181B}" destId="{D02A1073-280A-4030-B61B-6AB009F7EB42}" srcOrd="0" destOrd="0" presId="urn:microsoft.com/office/officeart/2005/8/layout/radial6"/>
     <dgm:cxn modelId="{327FA47C-F072-4DC1-B582-E34C662F0AC8}" srcId="{3E21CBF3-ED67-4DE4-92E8-D28F4E02C66C}" destId="{EAA2BEE3-0DBD-465D-BB64-31830BFC8ABC}" srcOrd="4" destOrd="0" parTransId="{4622D5E9-A79E-4AC5-AC80-5F230C759282}" sibTransId="{C8CE8BA7-678D-4C94-8F91-3A77355BB83A}"/>
     <dgm:cxn modelId="{F2CD6D79-35C3-46D2-8458-7C54E7AD556B}" srcId="{3E21CBF3-ED67-4DE4-92E8-D28F4E02C66C}" destId="{446E3B0E-A84C-4C0D-90C5-2CDA8EE8A1E3}" srcOrd="1" destOrd="0" parTransId="{86A5A7C0-6915-4FCE-82B7-85A9613781AF}" sibTransId="{1E6BF274-94E7-49EA-823A-D7901911558F}"/>
     <dgm:cxn modelId="{CB5E1146-E11D-4CD5-866D-1BEA23F58352}" srcId="{3E21CBF3-ED67-4DE4-92E8-D28F4E02C66C}" destId="{3A1CE0DB-424D-4E8C-9CC4-E9A7F0192187}" srcOrd="0" destOrd="0" parTransId="{584E096D-ECCA-45D3-8418-8AF5829CA25D}" sibTransId="{52532CF6-0526-4785-A2A6-1AD1072ADB9D}"/>
@@ -2393,6 +2398,13 @@
         </dgm:presLayoutVars>
       </dgm:prSet>
       <dgm:spPr/>
+      <dgm:t>
+        <a:bodyPr/>
+        <a:lstStyle/>
+        <a:p>
+          <a:endParaRPr lang="en-US"/>
+        </a:p>
+      </dgm:t>
     </dgm:pt>
     <dgm:pt modelId="{2D4AEB93-7F11-4ED2-8815-198AD5E564C3}" type="pres">
       <dgm:prSet presAssocID="{63E7A2EA-8D8B-429C-A89A-63B141C812E0}" presName="Accent1" presStyleCnt="0"/>
@@ -2436,6 +2448,13 @@
         </dgm:presLayoutVars>
       </dgm:prSet>
       <dgm:spPr/>
+      <dgm:t>
+        <a:bodyPr/>
+        <a:lstStyle/>
+        <a:p>
+          <a:endParaRPr lang="en-US"/>
+        </a:p>
+      </dgm:t>
     </dgm:pt>
     <dgm:pt modelId="{1AE84A36-F644-4710-8B63-78556536C9B2}" type="pres">
       <dgm:prSet presAssocID="{ABB256E9-4D25-4C5E-A03F-3AE622D5BAF4}" presName="Accent3" presStyleCnt="0"/>
@@ -2454,6 +2473,13 @@
         </dgm:presLayoutVars>
       </dgm:prSet>
       <dgm:spPr/>
+      <dgm:t>
+        <a:bodyPr/>
+        <a:lstStyle/>
+        <a:p>
+          <a:endParaRPr lang="en-US"/>
+        </a:p>
+      </dgm:t>
     </dgm:pt>
     <dgm:pt modelId="{D68EACAF-C292-46A9-9ABC-11D300CABFE3}" type="pres">
       <dgm:prSet presAssocID="{339D2472-28BD-48D8-B6DB-6AEAB47DED90}" presName="Accent4" presStyleCnt="0"/>
@@ -2472,6 +2498,13 @@
         </dgm:presLayoutVars>
       </dgm:prSet>
       <dgm:spPr/>
+      <dgm:t>
+        <a:bodyPr/>
+        <a:lstStyle/>
+        <a:p>
+          <a:endParaRPr lang="en-US"/>
+        </a:p>
+      </dgm:t>
     </dgm:pt>
   </dgm:ptLst>
   <dgm:cxnLst>
@@ -8564,7 +8597,7 @@
           <a:p>
             <a:fld id="{70711676-1DE2-458B-90FC-D5D4D01EA265}" type="datetimeFigureOut">
               <a:rPr lang="en-US" smtClean="0"/>
-              <a:t>19|12|7</a:t>
+              <a:t>12/7/2019</a:t>
             </a:fld>
             <a:endParaRPr lang="en-US"/>
           </a:p>
@@ -9315,7 +9348,7 @@
           <a:p>
             <a:fld id="{EF60C9F4-19BA-40F2-B011-90CF0A2B4916}" type="datetimeFigureOut">
               <a:rPr lang="en-US" smtClean="0"/>
-              <a:t>19|12|7</a:t>
+              <a:t>12/7/2019</a:t>
             </a:fld>
             <a:endParaRPr lang="en-US"/>
           </a:p>
@@ -9483,7 +9516,7 @@
           <a:p>
             <a:fld id="{EF60C9F4-19BA-40F2-B011-90CF0A2B4916}" type="datetimeFigureOut">
               <a:rPr lang="en-US" smtClean="0"/>
-              <a:t>19|12|7</a:t>
+              <a:t>12/7/2019</a:t>
             </a:fld>
             <a:endParaRPr lang="en-US"/>
           </a:p>
@@ -9661,7 +9694,7 @@
           <a:p>
             <a:fld id="{EF60C9F4-19BA-40F2-B011-90CF0A2B4916}" type="datetimeFigureOut">
               <a:rPr lang="en-US" smtClean="0"/>
-              <a:t>19|12|7</a:t>
+              <a:t>12/7/2019</a:t>
             </a:fld>
             <a:endParaRPr lang="en-US"/>
           </a:p>
@@ -9829,7 +9862,7 @@
           <a:p>
             <a:fld id="{EF60C9F4-19BA-40F2-B011-90CF0A2B4916}" type="datetimeFigureOut">
               <a:rPr lang="en-US" smtClean="0"/>
-              <a:t>19|12|7</a:t>
+              <a:t>12/7/2019</a:t>
             </a:fld>
             <a:endParaRPr lang="en-US"/>
           </a:p>
@@ -10074,7 +10107,7 @@
           <a:p>
             <a:fld id="{EF60C9F4-19BA-40F2-B011-90CF0A2B4916}" type="datetimeFigureOut">
               <a:rPr lang="en-US" smtClean="0"/>
-              <a:t>19|12|7</a:t>
+              <a:t>12/7/2019</a:t>
             </a:fld>
             <a:endParaRPr lang="en-US"/>
           </a:p>
@@ -10303,7 +10336,7 @@
           <a:p>
             <a:fld id="{EF60C9F4-19BA-40F2-B011-90CF0A2B4916}" type="datetimeFigureOut">
               <a:rPr lang="en-US" smtClean="0"/>
-              <a:t>19|12|7</a:t>
+              <a:t>12/7/2019</a:t>
             </a:fld>
             <a:endParaRPr lang="en-US"/>
           </a:p>
@@ -10667,7 +10700,7 @@
           <a:p>
             <a:fld id="{EF60C9F4-19BA-40F2-B011-90CF0A2B4916}" type="datetimeFigureOut">
               <a:rPr lang="en-US" smtClean="0"/>
-              <a:t>19|12|7</a:t>
+              <a:t>12/7/2019</a:t>
             </a:fld>
             <a:endParaRPr lang="en-US"/>
           </a:p>
@@ -10784,7 +10817,7 @@
           <a:p>
             <a:fld id="{EF60C9F4-19BA-40F2-B011-90CF0A2B4916}" type="datetimeFigureOut">
               <a:rPr lang="en-US" smtClean="0"/>
-              <a:t>19|12|7</a:t>
+              <a:t>12/7/2019</a:t>
             </a:fld>
             <a:endParaRPr lang="en-US"/>
           </a:p>
@@ -10879,7 +10912,7 @@
           <a:p>
             <a:fld id="{EF60C9F4-19BA-40F2-B011-90CF0A2B4916}" type="datetimeFigureOut">
               <a:rPr lang="en-US" smtClean="0"/>
-              <a:t>19|12|7</a:t>
+              <a:t>12/7/2019</a:t>
             </a:fld>
             <a:endParaRPr lang="en-US"/>
           </a:p>
@@ -11154,7 +11187,7 @@
           <a:p>
             <a:fld id="{EF60C9F4-19BA-40F2-B011-90CF0A2B4916}" type="datetimeFigureOut">
               <a:rPr lang="en-US" smtClean="0"/>
-              <a:t>19|12|7</a:t>
+              <a:t>12/7/2019</a:t>
             </a:fld>
             <a:endParaRPr lang="en-US"/>
           </a:p>
@@ -11406,7 +11439,7 @@
           <a:p>
             <a:fld id="{EF60C9F4-19BA-40F2-B011-90CF0A2B4916}" type="datetimeFigureOut">
               <a:rPr lang="en-US" smtClean="0"/>
-              <a:t>19|12|7</a:t>
+              <a:t>12/7/2019</a:t>
             </a:fld>
             <a:endParaRPr lang="en-US"/>
           </a:p>
@@ -11617,7 +11650,7 @@
           <a:p>
             <a:fld id="{EF60C9F4-19BA-40F2-B011-90CF0A2B4916}" type="datetimeFigureOut">
               <a:rPr lang="en-US" smtClean="0"/>
-              <a:t>19|12|7</a:t>
+              <a:t>12/7/2019</a:t>
             </a:fld>
             <a:endParaRPr lang="en-US"/>
           </a:p>
@@ -12242,6 +12275,1722 @@
         <p:cTn id="1" dur="indefinite" restart="never" nodeType="tmRoot"/>
       </p:par>
     </p:tnLst>
+  </p:timing>
+</p:sld>
+</file>
+
+<file path=ppt/slides/slide10.xml><?xml version="1.0" encoding="utf-8"?>
+<p:sld xmlns:a="http://schemas.openxmlformats.org/drawingml/2006/main" xmlns:r="http://schemas.openxmlformats.org/officeDocument/2006/relationships" xmlns:p="http://schemas.openxmlformats.org/presentationml/2006/main">
+  <p:cSld>
+    <p:spTree>
+      <p:nvGrpSpPr>
+        <p:cNvPr id="1" name=""/>
+        <p:cNvGrpSpPr/>
+        <p:nvPr/>
+      </p:nvGrpSpPr>
+      <p:grpSpPr>
+        <a:xfrm>
+          <a:off x="0" y="0"/>
+          <a:ext cx="0" cy="0"/>
+          <a:chOff x="0" y="0"/>
+          <a:chExt cx="0" cy="0"/>
+        </a:xfrm>
+      </p:grpSpPr>
+      <p:sp>
+        <p:nvSpPr>
+          <p:cNvPr id="2" name="Title 1"/>
+          <p:cNvSpPr>
+            <a:spLocks noGrp="1"/>
+          </p:cNvSpPr>
+          <p:nvPr>
+            <p:ph type="title"/>
+          </p:nvPr>
+        </p:nvSpPr>
+        <p:spPr/>
+        <p:txBody>
+          <a:bodyPr/>
+          <a:lstStyle/>
+          <a:p>
+            <a:r>
+              <a:rPr lang="en-US" b="1" dirty="0" smtClean="0"/>
+              <a:t>ELEMENTS OF XP</a:t>
+            </a:r>
+            <a:endParaRPr lang="en-US" b="1" dirty="0"/>
+          </a:p>
+        </p:txBody>
+      </p:sp>
+      <p:sp>
+        <p:nvSpPr>
+          <p:cNvPr id="3" name="Content Placeholder 2"/>
+          <p:cNvSpPr>
+            <a:spLocks noGrp="1"/>
+          </p:cNvSpPr>
+          <p:nvPr>
+            <p:ph idx="1"/>
+          </p:nvPr>
+        </p:nvSpPr>
+        <p:spPr/>
+        <p:txBody>
+          <a:bodyPr/>
+          <a:lstStyle/>
+          <a:p>
+            <a:r>
+              <a:rPr lang="en-US" dirty="0" smtClean="0"/>
+              <a:t>Pair programming</a:t>
+            </a:r>
+          </a:p>
+          <a:p>
+            <a:r>
+              <a:rPr lang="en-US" dirty="0" smtClean="0"/>
+              <a:t>Code review</a:t>
+            </a:r>
+          </a:p>
+          <a:p>
+            <a:r>
+              <a:rPr lang="en-US" dirty="0"/>
+              <a:t>T</a:t>
+            </a:r>
+            <a:r>
+              <a:rPr lang="en-US" dirty="0" smtClean="0"/>
+              <a:t>esting</a:t>
+            </a:r>
+          </a:p>
+          <a:p>
+            <a:r>
+              <a:rPr lang="en-US" dirty="0" smtClean="0"/>
+              <a:t>Small Releases</a:t>
+            </a:r>
+          </a:p>
+          <a:p>
+            <a:r>
+              <a:rPr lang="en-US" dirty="0" smtClean="0"/>
+              <a:t>Refactoring</a:t>
+            </a:r>
+          </a:p>
+          <a:p>
+            <a:r>
+              <a:rPr lang="en-US" dirty="0" smtClean="0"/>
+              <a:t>Metaphor </a:t>
+            </a:r>
+          </a:p>
+          <a:p>
+            <a:r>
+              <a:rPr lang="en-US" dirty="0" smtClean="0"/>
+              <a:t>Communication</a:t>
+            </a:r>
+          </a:p>
+          <a:p>
+            <a:r>
+              <a:rPr lang="en-US" dirty="0" smtClean="0"/>
+              <a:t>UI (modern)</a:t>
+            </a:r>
+          </a:p>
+        </p:txBody>
+      </p:sp>
+      <p:pic>
+        <p:nvPicPr>
+          <p:cNvPr id="5" name="Picture 4"/>
+          <p:cNvPicPr>
+            <a:picLocks noChangeAspect="1"/>
+          </p:cNvPicPr>
+          <p:nvPr/>
+        </p:nvPicPr>
+        <p:blipFill>
+          <a:blip r:embed="rId2">
+            <a:extLst>
+              <a:ext uri="{28A0092B-C50C-407E-A947-70E740481C1C}">
+                <a14:useLocalDpi xmlns:a14="http://schemas.microsoft.com/office/drawing/2010/main" val="0"/>
+              </a:ext>
+            </a:extLst>
+          </a:blip>
+          <a:stretch>
+            <a:fillRect/>
+          </a:stretch>
+        </p:blipFill>
+        <p:spPr>
+          <a:xfrm>
+            <a:off x="4409226" y="0"/>
+            <a:ext cx="7467877" cy="6858000"/>
+          </a:xfrm>
+          <a:prstGeom prst="rect">
+            <a:avLst/>
+          </a:prstGeom>
+        </p:spPr>
+      </p:pic>
+    </p:spTree>
+    <p:extLst>
+      <p:ext uri="{BB962C8B-B14F-4D97-AF65-F5344CB8AC3E}">
+        <p14:creationId xmlns:p14="http://schemas.microsoft.com/office/powerpoint/2010/main" val="732434527"/>
+      </p:ext>
+    </p:extLst>
+  </p:cSld>
+  <p:clrMapOvr>
+    <a:masterClrMapping/>
+  </p:clrMapOvr>
+  <p:timing>
+    <p:tnLst>
+      <p:par>
+        <p:cTn id="1" dur="indefinite" restart="never" nodeType="tmRoot">
+          <p:childTnLst>
+            <p:seq concurrent="1" nextAc="seek">
+              <p:cTn id="2" dur="indefinite" nodeType="mainSeq">
+                <p:childTnLst>
+                  <p:par>
+                    <p:cTn id="3" fill="hold">
+                      <p:stCondLst>
+                        <p:cond delay="indefinite"/>
+                      </p:stCondLst>
+                      <p:childTnLst>
+                        <p:par>
+                          <p:cTn id="4" fill="hold">
+                            <p:stCondLst>
+                              <p:cond delay="0"/>
+                            </p:stCondLst>
+                            <p:childTnLst>
+                              <p:par>
+                                <p:cTn id="5" presetID="1" presetClass="entr" presetSubtype="0" fill="hold" grpId="0" nodeType="clickEffect">
+                                  <p:stCondLst>
+                                    <p:cond delay="0"/>
+                                  </p:stCondLst>
+                                  <p:childTnLst>
+                                    <p:set>
+                                      <p:cBhvr>
+                                        <p:cTn id="6" dur="1" fill="hold">
+                                          <p:stCondLst>
+                                            <p:cond delay="0"/>
+                                          </p:stCondLst>
+                                        </p:cTn>
+                                        <p:tgtEl>
+                                          <p:spTgt spid="2"/>
+                                        </p:tgtEl>
+                                        <p:attrNameLst>
+                                          <p:attrName>style.visibility</p:attrName>
+                                        </p:attrNameLst>
+                                      </p:cBhvr>
+                                      <p:to>
+                                        <p:strVal val="visible"/>
+                                      </p:to>
+                                    </p:set>
+                                  </p:childTnLst>
+                                </p:cTn>
+                              </p:par>
+                            </p:childTnLst>
+                          </p:cTn>
+                        </p:par>
+                      </p:childTnLst>
+                    </p:cTn>
+                  </p:par>
+                  <p:par>
+                    <p:cTn id="7" fill="hold">
+                      <p:stCondLst>
+                        <p:cond delay="indefinite"/>
+                      </p:stCondLst>
+                      <p:childTnLst>
+                        <p:par>
+                          <p:cTn id="8" fill="hold">
+                            <p:stCondLst>
+                              <p:cond delay="0"/>
+                            </p:stCondLst>
+                            <p:childTnLst>
+                              <p:par>
+                                <p:cTn id="9" presetID="1" presetClass="entr" presetSubtype="0" fill="hold" nodeType="clickEffect">
+                                  <p:stCondLst>
+                                    <p:cond delay="0"/>
+                                  </p:stCondLst>
+                                  <p:childTnLst>
+                                    <p:set>
+                                      <p:cBhvr>
+                                        <p:cTn id="10" dur="1" fill="hold">
+                                          <p:stCondLst>
+                                            <p:cond delay="0"/>
+                                          </p:stCondLst>
+                                        </p:cTn>
+                                        <p:tgtEl>
+                                          <p:spTgt spid="3">
+                                            <p:txEl>
+                                              <p:pRg st="0" end="0"/>
+                                            </p:txEl>
+                                          </p:spTgt>
+                                        </p:tgtEl>
+                                        <p:attrNameLst>
+                                          <p:attrName>style.visibility</p:attrName>
+                                        </p:attrNameLst>
+                                      </p:cBhvr>
+                                      <p:to>
+                                        <p:strVal val="visible"/>
+                                      </p:to>
+                                    </p:set>
+                                  </p:childTnLst>
+                                </p:cTn>
+                              </p:par>
+                              <p:par>
+                                <p:cTn id="11" presetID="1" presetClass="entr" presetSubtype="0" fill="hold" nodeType="withEffect">
+                                  <p:stCondLst>
+                                    <p:cond delay="0"/>
+                                  </p:stCondLst>
+                                  <p:childTnLst>
+                                    <p:set>
+                                      <p:cBhvr>
+                                        <p:cTn id="12" dur="1" fill="hold">
+                                          <p:stCondLst>
+                                            <p:cond delay="0"/>
+                                          </p:stCondLst>
+                                        </p:cTn>
+                                        <p:tgtEl>
+                                          <p:spTgt spid="3">
+                                            <p:txEl>
+                                              <p:pRg st="1" end="1"/>
+                                            </p:txEl>
+                                          </p:spTgt>
+                                        </p:tgtEl>
+                                        <p:attrNameLst>
+                                          <p:attrName>style.visibility</p:attrName>
+                                        </p:attrNameLst>
+                                      </p:cBhvr>
+                                      <p:to>
+                                        <p:strVal val="visible"/>
+                                      </p:to>
+                                    </p:set>
+                                  </p:childTnLst>
+                                </p:cTn>
+                              </p:par>
+                              <p:par>
+                                <p:cTn id="13" presetID="1" presetClass="entr" presetSubtype="0" fill="hold" nodeType="withEffect">
+                                  <p:stCondLst>
+                                    <p:cond delay="0"/>
+                                  </p:stCondLst>
+                                  <p:childTnLst>
+                                    <p:set>
+                                      <p:cBhvr>
+                                        <p:cTn id="14" dur="1" fill="hold">
+                                          <p:stCondLst>
+                                            <p:cond delay="0"/>
+                                          </p:stCondLst>
+                                        </p:cTn>
+                                        <p:tgtEl>
+                                          <p:spTgt spid="3">
+                                            <p:txEl>
+                                              <p:pRg st="2" end="2"/>
+                                            </p:txEl>
+                                          </p:spTgt>
+                                        </p:tgtEl>
+                                        <p:attrNameLst>
+                                          <p:attrName>style.visibility</p:attrName>
+                                        </p:attrNameLst>
+                                      </p:cBhvr>
+                                      <p:to>
+                                        <p:strVal val="visible"/>
+                                      </p:to>
+                                    </p:set>
+                                  </p:childTnLst>
+                                </p:cTn>
+                              </p:par>
+                              <p:par>
+                                <p:cTn id="15" presetID="1" presetClass="entr" presetSubtype="0" fill="hold" nodeType="withEffect">
+                                  <p:stCondLst>
+                                    <p:cond delay="0"/>
+                                  </p:stCondLst>
+                                  <p:childTnLst>
+                                    <p:set>
+                                      <p:cBhvr>
+                                        <p:cTn id="16" dur="1" fill="hold">
+                                          <p:stCondLst>
+                                            <p:cond delay="0"/>
+                                          </p:stCondLst>
+                                        </p:cTn>
+                                        <p:tgtEl>
+                                          <p:spTgt spid="3">
+                                            <p:txEl>
+                                              <p:pRg st="3" end="3"/>
+                                            </p:txEl>
+                                          </p:spTgt>
+                                        </p:tgtEl>
+                                        <p:attrNameLst>
+                                          <p:attrName>style.visibility</p:attrName>
+                                        </p:attrNameLst>
+                                      </p:cBhvr>
+                                      <p:to>
+                                        <p:strVal val="visible"/>
+                                      </p:to>
+                                    </p:set>
+                                  </p:childTnLst>
+                                </p:cTn>
+                              </p:par>
+                              <p:par>
+                                <p:cTn id="17" presetID="1" presetClass="entr" presetSubtype="0" fill="hold" nodeType="withEffect">
+                                  <p:stCondLst>
+                                    <p:cond delay="0"/>
+                                  </p:stCondLst>
+                                  <p:childTnLst>
+                                    <p:set>
+                                      <p:cBhvr>
+                                        <p:cTn id="18" dur="1" fill="hold">
+                                          <p:stCondLst>
+                                            <p:cond delay="0"/>
+                                          </p:stCondLst>
+                                        </p:cTn>
+                                        <p:tgtEl>
+                                          <p:spTgt spid="3">
+                                            <p:txEl>
+                                              <p:pRg st="4" end="4"/>
+                                            </p:txEl>
+                                          </p:spTgt>
+                                        </p:tgtEl>
+                                        <p:attrNameLst>
+                                          <p:attrName>style.visibility</p:attrName>
+                                        </p:attrNameLst>
+                                      </p:cBhvr>
+                                      <p:to>
+                                        <p:strVal val="visible"/>
+                                      </p:to>
+                                    </p:set>
+                                  </p:childTnLst>
+                                </p:cTn>
+                              </p:par>
+                              <p:par>
+                                <p:cTn id="19" presetID="1" presetClass="entr" presetSubtype="0" fill="hold" nodeType="withEffect">
+                                  <p:stCondLst>
+                                    <p:cond delay="0"/>
+                                  </p:stCondLst>
+                                  <p:childTnLst>
+                                    <p:set>
+                                      <p:cBhvr>
+                                        <p:cTn id="20" dur="1" fill="hold">
+                                          <p:stCondLst>
+                                            <p:cond delay="0"/>
+                                          </p:stCondLst>
+                                        </p:cTn>
+                                        <p:tgtEl>
+                                          <p:spTgt spid="3">
+                                            <p:txEl>
+                                              <p:pRg st="5" end="5"/>
+                                            </p:txEl>
+                                          </p:spTgt>
+                                        </p:tgtEl>
+                                        <p:attrNameLst>
+                                          <p:attrName>style.visibility</p:attrName>
+                                        </p:attrNameLst>
+                                      </p:cBhvr>
+                                      <p:to>
+                                        <p:strVal val="visible"/>
+                                      </p:to>
+                                    </p:set>
+                                  </p:childTnLst>
+                                </p:cTn>
+                              </p:par>
+                              <p:par>
+                                <p:cTn id="21" presetID="1" presetClass="entr" presetSubtype="0" fill="hold" nodeType="withEffect">
+                                  <p:stCondLst>
+                                    <p:cond delay="0"/>
+                                  </p:stCondLst>
+                                  <p:childTnLst>
+                                    <p:set>
+                                      <p:cBhvr>
+                                        <p:cTn id="22" dur="1" fill="hold">
+                                          <p:stCondLst>
+                                            <p:cond delay="0"/>
+                                          </p:stCondLst>
+                                        </p:cTn>
+                                        <p:tgtEl>
+                                          <p:spTgt spid="3">
+                                            <p:txEl>
+                                              <p:pRg st="6" end="6"/>
+                                            </p:txEl>
+                                          </p:spTgt>
+                                        </p:tgtEl>
+                                        <p:attrNameLst>
+                                          <p:attrName>style.visibility</p:attrName>
+                                        </p:attrNameLst>
+                                      </p:cBhvr>
+                                      <p:to>
+                                        <p:strVal val="visible"/>
+                                      </p:to>
+                                    </p:set>
+                                  </p:childTnLst>
+                                </p:cTn>
+                              </p:par>
+                              <p:par>
+                                <p:cTn id="23" presetID="1" presetClass="entr" presetSubtype="0" fill="hold" nodeType="withEffect">
+                                  <p:stCondLst>
+                                    <p:cond delay="0"/>
+                                  </p:stCondLst>
+                                  <p:childTnLst>
+                                    <p:set>
+                                      <p:cBhvr>
+                                        <p:cTn id="24" dur="1" fill="hold">
+                                          <p:stCondLst>
+                                            <p:cond delay="0"/>
+                                          </p:stCondLst>
+                                        </p:cTn>
+                                        <p:tgtEl>
+                                          <p:spTgt spid="3">
+                                            <p:txEl>
+                                              <p:pRg st="7" end="7"/>
+                                            </p:txEl>
+                                          </p:spTgt>
+                                        </p:tgtEl>
+                                        <p:attrNameLst>
+                                          <p:attrName>style.visibility</p:attrName>
+                                        </p:attrNameLst>
+                                      </p:cBhvr>
+                                      <p:to>
+                                        <p:strVal val="visible"/>
+                                      </p:to>
+                                    </p:set>
+                                  </p:childTnLst>
+                                </p:cTn>
+                              </p:par>
+                            </p:childTnLst>
+                          </p:cTn>
+                        </p:par>
+                      </p:childTnLst>
+                    </p:cTn>
+                  </p:par>
+                </p:childTnLst>
+              </p:cTn>
+              <p:prevCondLst>
+                <p:cond evt="onPrev" delay="0">
+                  <p:tgtEl>
+                    <p:sldTgt/>
+                  </p:tgtEl>
+                </p:cond>
+              </p:prevCondLst>
+              <p:nextCondLst>
+                <p:cond evt="onNext" delay="0">
+                  <p:tgtEl>
+                    <p:sldTgt/>
+                  </p:tgtEl>
+                </p:cond>
+              </p:nextCondLst>
+            </p:seq>
+          </p:childTnLst>
+        </p:cTn>
+      </p:par>
+    </p:tnLst>
+    <p:bldLst>
+      <p:bldP spid="2" grpId="0"/>
+    </p:bldLst>
+  </p:timing>
+</p:sld>
+</file>
+
+<file path=ppt/slides/slide11.xml><?xml version="1.0" encoding="utf-8"?>
+<p:sld xmlns:a="http://schemas.openxmlformats.org/drawingml/2006/main" xmlns:r="http://schemas.openxmlformats.org/officeDocument/2006/relationships" xmlns:p="http://schemas.openxmlformats.org/presentationml/2006/main">
+  <p:cSld>
+    <p:spTree>
+      <p:nvGrpSpPr>
+        <p:cNvPr id="1" name=""/>
+        <p:cNvGrpSpPr/>
+        <p:nvPr/>
+      </p:nvGrpSpPr>
+      <p:grpSpPr>
+        <a:xfrm>
+          <a:off x="0" y="0"/>
+          <a:ext cx="0" cy="0"/>
+          <a:chOff x="0" y="0"/>
+          <a:chExt cx="0" cy="0"/>
+        </a:xfrm>
+      </p:grpSpPr>
+      <p:sp>
+        <p:nvSpPr>
+          <p:cNvPr id="2" name="Title 1"/>
+          <p:cNvSpPr>
+            <a:spLocks noGrp="1"/>
+          </p:cNvSpPr>
+          <p:nvPr>
+            <p:ph type="title"/>
+          </p:nvPr>
+        </p:nvSpPr>
+        <p:spPr/>
+        <p:txBody>
+          <a:bodyPr/>
+          <a:lstStyle/>
+          <a:p>
+            <a:r>
+              <a:rPr lang="en-US" b="1" dirty="0" smtClean="0"/>
+              <a:t>Pair programming</a:t>
+            </a:r>
+            <a:endParaRPr lang="en-US" b="1" dirty="0"/>
+          </a:p>
+        </p:txBody>
+      </p:sp>
+      <p:sp>
+        <p:nvSpPr>
+          <p:cNvPr id="3" name="Content Placeholder 2"/>
+          <p:cNvSpPr>
+            <a:spLocks noGrp="1"/>
+          </p:cNvSpPr>
+          <p:nvPr>
+            <p:ph idx="1"/>
+          </p:nvPr>
+        </p:nvSpPr>
+        <p:spPr>
+          <a:xfrm>
+            <a:off x="838200" y="1690689"/>
+            <a:ext cx="10515600" cy="4486274"/>
+          </a:xfrm>
+        </p:spPr>
+        <p:txBody>
+          <a:bodyPr/>
+          <a:lstStyle/>
+          <a:p>
+            <a:r>
+              <a:rPr lang="en-US" dirty="0"/>
+              <a:t>Two people working in the same computer.</a:t>
+            </a:r>
+          </a:p>
+          <a:p>
+            <a:r>
+              <a:rPr lang="en-US" dirty="0"/>
+              <a:t>Less time , less error (efficient)</a:t>
+            </a:r>
+          </a:p>
+          <a:p>
+            <a:r>
+              <a:rPr lang="en-US" dirty="0"/>
+              <a:t>Navigator directs overall </a:t>
+            </a:r>
+            <a:endParaRPr lang="en-US" dirty="0" smtClean="0"/>
+          </a:p>
+          <a:p>
+            <a:pPr marL="0" indent="0">
+              <a:buNone/>
+            </a:pPr>
+            <a:r>
+              <a:rPr lang="en-US" dirty="0" smtClean="0"/>
+              <a:t>     objective </a:t>
+            </a:r>
+            <a:r>
+              <a:rPr lang="en-US" dirty="0"/>
+              <a:t>of the program.</a:t>
+            </a:r>
+          </a:p>
+          <a:p>
+            <a:r>
+              <a:rPr lang="en-US" dirty="0"/>
+              <a:t>Knowledge is shared.</a:t>
+            </a:r>
+          </a:p>
+          <a:p>
+            <a:r>
+              <a:rPr lang="en-US" dirty="0"/>
+              <a:t>Expert and novice pairing.</a:t>
+            </a:r>
+          </a:p>
+          <a:p>
+            <a:endParaRPr lang="en-US" dirty="0" smtClean="0"/>
+          </a:p>
+        </p:txBody>
+      </p:sp>
+      <p:pic>
+        <p:nvPicPr>
+          <p:cNvPr id="4" name="Picture 3"/>
+          <p:cNvPicPr>
+            <a:picLocks noChangeAspect="1"/>
+          </p:cNvPicPr>
+          <p:nvPr/>
+        </p:nvPicPr>
+        <p:blipFill>
+          <a:blip r:embed="rId2" cstate="print">
+            <a:extLst>
+              <a:ext uri="{28A0092B-C50C-407E-A947-70E740481C1C}">
+                <a14:useLocalDpi xmlns:a14="http://schemas.microsoft.com/office/drawing/2010/main" val="0"/>
+              </a:ext>
+            </a:extLst>
+          </a:blip>
+          <a:stretch>
+            <a:fillRect/>
+          </a:stretch>
+        </p:blipFill>
+        <p:spPr>
+          <a:xfrm>
+            <a:off x="6331424" y="2324443"/>
+            <a:ext cx="5022376" cy="4094328"/>
+          </a:xfrm>
+          <a:prstGeom prst="rect">
+            <a:avLst/>
+          </a:prstGeom>
+        </p:spPr>
+      </p:pic>
+    </p:spTree>
+    <p:extLst>
+      <p:ext uri="{BB962C8B-B14F-4D97-AF65-F5344CB8AC3E}">
+        <p14:creationId xmlns:p14="http://schemas.microsoft.com/office/powerpoint/2010/main" val="2540507008"/>
+      </p:ext>
+    </p:extLst>
+  </p:cSld>
+  <p:clrMapOvr>
+    <a:masterClrMapping/>
+  </p:clrMapOvr>
+  <p:timing>
+    <p:tnLst>
+      <p:par>
+        <p:cTn id="1" dur="indefinite" restart="never" nodeType="tmRoot">
+          <p:childTnLst>
+            <p:seq concurrent="1" nextAc="seek">
+              <p:cTn id="2" dur="indefinite" nodeType="mainSeq">
+                <p:childTnLst>
+                  <p:par>
+                    <p:cTn id="3" fill="hold">
+                      <p:stCondLst>
+                        <p:cond delay="indefinite"/>
+                      </p:stCondLst>
+                      <p:childTnLst>
+                        <p:par>
+                          <p:cTn id="4" fill="hold">
+                            <p:stCondLst>
+                              <p:cond delay="0"/>
+                            </p:stCondLst>
+                            <p:childTnLst>
+                              <p:par>
+                                <p:cTn id="5" presetID="1" presetClass="entr" presetSubtype="0" fill="hold" grpId="0" nodeType="clickEffect">
+                                  <p:stCondLst>
+                                    <p:cond delay="0"/>
+                                  </p:stCondLst>
+                                  <p:childTnLst>
+                                    <p:set>
+                                      <p:cBhvr>
+                                        <p:cTn id="6" dur="1" fill="hold">
+                                          <p:stCondLst>
+                                            <p:cond delay="0"/>
+                                          </p:stCondLst>
+                                        </p:cTn>
+                                        <p:tgtEl>
+                                          <p:spTgt spid="2"/>
+                                        </p:tgtEl>
+                                        <p:attrNameLst>
+                                          <p:attrName>style.visibility</p:attrName>
+                                        </p:attrNameLst>
+                                      </p:cBhvr>
+                                      <p:to>
+                                        <p:strVal val="visible"/>
+                                      </p:to>
+                                    </p:set>
+                                  </p:childTnLst>
+                                </p:cTn>
+                              </p:par>
+                            </p:childTnLst>
+                          </p:cTn>
+                        </p:par>
+                      </p:childTnLst>
+                    </p:cTn>
+                  </p:par>
+                  <p:par>
+                    <p:cTn id="7" fill="hold">
+                      <p:stCondLst>
+                        <p:cond delay="indefinite"/>
+                      </p:stCondLst>
+                      <p:childTnLst>
+                        <p:par>
+                          <p:cTn id="8" fill="hold">
+                            <p:stCondLst>
+                              <p:cond delay="0"/>
+                            </p:stCondLst>
+                            <p:childTnLst>
+                              <p:par>
+                                <p:cTn id="9" presetID="1" presetClass="entr" presetSubtype="0" fill="hold" nodeType="clickEffect">
+                                  <p:stCondLst>
+                                    <p:cond delay="0"/>
+                                  </p:stCondLst>
+                                  <p:childTnLst>
+                                    <p:set>
+                                      <p:cBhvr>
+                                        <p:cTn id="10" dur="1" fill="hold">
+                                          <p:stCondLst>
+                                            <p:cond delay="0"/>
+                                          </p:stCondLst>
+                                        </p:cTn>
+                                        <p:tgtEl>
+                                          <p:spTgt spid="3">
+                                            <p:txEl>
+                                              <p:pRg st="0" end="0"/>
+                                            </p:txEl>
+                                          </p:spTgt>
+                                        </p:tgtEl>
+                                        <p:attrNameLst>
+                                          <p:attrName>style.visibility</p:attrName>
+                                        </p:attrNameLst>
+                                      </p:cBhvr>
+                                      <p:to>
+                                        <p:strVal val="visible"/>
+                                      </p:to>
+                                    </p:set>
+                                  </p:childTnLst>
+                                </p:cTn>
+                              </p:par>
+                              <p:par>
+                                <p:cTn id="11" presetID="1" presetClass="entr" presetSubtype="0" fill="hold" nodeType="withEffect">
+                                  <p:stCondLst>
+                                    <p:cond delay="0"/>
+                                  </p:stCondLst>
+                                  <p:childTnLst>
+                                    <p:set>
+                                      <p:cBhvr>
+                                        <p:cTn id="12" dur="1" fill="hold">
+                                          <p:stCondLst>
+                                            <p:cond delay="0"/>
+                                          </p:stCondLst>
+                                        </p:cTn>
+                                        <p:tgtEl>
+                                          <p:spTgt spid="3">
+                                            <p:txEl>
+                                              <p:pRg st="1" end="1"/>
+                                            </p:txEl>
+                                          </p:spTgt>
+                                        </p:tgtEl>
+                                        <p:attrNameLst>
+                                          <p:attrName>style.visibility</p:attrName>
+                                        </p:attrNameLst>
+                                      </p:cBhvr>
+                                      <p:to>
+                                        <p:strVal val="visible"/>
+                                      </p:to>
+                                    </p:set>
+                                  </p:childTnLst>
+                                </p:cTn>
+                              </p:par>
+                              <p:par>
+                                <p:cTn id="13" presetID="1" presetClass="entr" presetSubtype="0" fill="hold" nodeType="withEffect">
+                                  <p:stCondLst>
+                                    <p:cond delay="0"/>
+                                  </p:stCondLst>
+                                  <p:childTnLst>
+                                    <p:set>
+                                      <p:cBhvr>
+                                        <p:cTn id="14" dur="1" fill="hold">
+                                          <p:stCondLst>
+                                            <p:cond delay="0"/>
+                                          </p:stCondLst>
+                                        </p:cTn>
+                                        <p:tgtEl>
+                                          <p:spTgt spid="3">
+                                            <p:txEl>
+                                              <p:pRg st="2" end="2"/>
+                                            </p:txEl>
+                                          </p:spTgt>
+                                        </p:tgtEl>
+                                        <p:attrNameLst>
+                                          <p:attrName>style.visibility</p:attrName>
+                                        </p:attrNameLst>
+                                      </p:cBhvr>
+                                      <p:to>
+                                        <p:strVal val="visible"/>
+                                      </p:to>
+                                    </p:set>
+                                  </p:childTnLst>
+                                </p:cTn>
+                              </p:par>
+                              <p:par>
+                                <p:cTn id="15" presetID="1" presetClass="entr" presetSubtype="0" fill="hold" nodeType="withEffect">
+                                  <p:stCondLst>
+                                    <p:cond delay="0"/>
+                                  </p:stCondLst>
+                                  <p:childTnLst>
+                                    <p:set>
+                                      <p:cBhvr>
+                                        <p:cTn id="16" dur="1" fill="hold">
+                                          <p:stCondLst>
+                                            <p:cond delay="0"/>
+                                          </p:stCondLst>
+                                        </p:cTn>
+                                        <p:tgtEl>
+                                          <p:spTgt spid="3">
+                                            <p:txEl>
+                                              <p:pRg st="3" end="3"/>
+                                            </p:txEl>
+                                          </p:spTgt>
+                                        </p:tgtEl>
+                                        <p:attrNameLst>
+                                          <p:attrName>style.visibility</p:attrName>
+                                        </p:attrNameLst>
+                                      </p:cBhvr>
+                                      <p:to>
+                                        <p:strVal val="visible"/>
+                                      </p:to>
+                                    </p:set>
+                                  </p:childTnLst>
+                                </p:cTn>
+                              </p:par>
+                              <p:par>
+                                <p:cTn id="17" presetID="1" presetClass="entr" presetSubtype="0" fill="hold" nodeType="withEffect">
+                                  <p:stCondLst>
+                                    <p:cond delay="0"/>
+                                  </p:stCondLst>
+                                  <p:childTnLst>
+                                    <p:set>
+                                      <p:cBhvr>
+                                        <p:cTn id="18" dur="1" fill="hold">
+                                          <p:stCondLst>
+                                            <p:cond delay="0"/>
+                                          </p:stCondLst>
+                                        </p:cTn>
+                                        <p:tgtEl>
+                                          <p:spTgt spid="3">
+                                            <p:txEl>
+                                              <p:pRg st="4" end="4"/>
+                                            </p:txEl>
+                                          </p:spTgt>
+                                        </p:tgtEl>
+                                        <p:attrNameLst>
+                                          <p:attrName>style.visibility</p:attrName>
+                                        </p:attrNameLst>
+                                      </p:cBhvr>
+                                      <p:to>
+                                        <p:strVal val="visible"/>
+                                      </p:to>
+                                    </p:set>
+                                  </p:childTnLst>
+                                </p:cTn>
+                              </p:par>
+                              <p:par>
+                                <p:cTn id="19" presetID="1" presetClass="entr" presetSubtype="0" fill="hold" nodeType="withEffect">
+                                  <p:stCondLst>
+                                    <p:cond delay="0"/>
+                                  </p:stCondLst>
+                                  <p:childTnLst>
+                                    <p:set>
+                                      <p:cBhvr>
+                                        <p:cTn id="20" dur="1" fill="hold">
+                                          <p:stCondLst>
+                                            <p:cond delay="0"/>
+                                          </p:stCondLst>
+                                        </p:cTn>
+                                        <p:tgtEl>
+                                          <p:spTgt spid="3">
+                                            <p:txEl>
+                                              <p:pRg st="5" end="5"/>
+                                            </p:txEl>
+                                          </p:spTgt>
+                                        </p:tgtEl>
+                                        <p:attrNameLst>
+                                          <p:attrName>style.visibility</p:attrName>
+                                        </p:attrNameLst>
+                                      </p:cBhvr>
+                                      <p:to>
+                                        <p:strVal val="visible"/>
+                                      </p:to>
+                                    </p:set>
+                                  </p:childTnLst>
+                                </p:cTn>
+                              </p:par>
+                            </p:childTnLst>
+                          </p:cTn>
+                        </p:par>
+                      </p:childTnLst>
+                    </p:cTn>
+                  </p:par>
+                </p:childTnLst>
+              </p:cTn>
+              <p:prevCondLst>
+                <p:cond evt="onPrev" delay="0">
+                  <p:tgtEl>
+                    <p:sldTgt/>
+                  </p:tgtEl>
+                </p:cond>
+              </p:prevCondLst>
+              <p:nextCondLst>
+                <p:cond evt="onNext" delay="0">
+                  <p:tgtEl>
+                    <p:sldTgt/>
+                  </p:tgtEl>
+                </p:cond>
+              </p:nextCondLst>
+            </p:seq>
+          </p:childTnLst>
+        </p:cTn>
+      </p:par>
+    </p:tnLst>
+    <p:bldLst>
+      <p:bldP spid="2" grpId="0"/>
+    </p:bldLst>
+  </p:timing>
+</p:sld>
+</file>
+
+<file path=ppt/slides/slide12.xml><?xml version="1.0" encoding="utf-8"?>
+<p:sld xmlns:a="http://schemas.openxmlformats.org/drawingml/2006/main" xmlns:r="http://schemas.openxmlformats.org/officeDocument/2006/relationships" xmlns:p="http://schemas.openxmlformats.org/presentationml/2006/main">
+  <p:cSld>
+    <p:spTree>
+      <p:nvGrpSpPr>
+        <p:cNvPr id="1" name=""/>
+        <p:cNvGrpSpPr/>
+        <p:nvPr/>
+      </p:nvGrpSpPr>
+      <p:grpSpPr>
+        <a:xfrm>
+          <a:off x="0" y="0"/>
+          <a:ext cx="0" cy="0"/>
+          <a:chOff x="0" y="0"/>
+          <a:chExt cx="0" cy="0"/>
+        </a:xfrm>
+      </p:grpSpPr>
+      <p:sp>
+        <p:nvSpPr>
+          <p:cNvPr id="2" name="Title 1"/>
+          <p:cNvSpPr>
+            <a:spLocks noGrp="1"/>
+          </p:cNvSpPr>
+          <p:nvPr>
+            <p:ph type="title"/>
+          </p:nvPr>
+        </p:nvSpPr>
+        <p:spPr/>
+        <p:txBody>
+          <a:bodyPr/>
+          <a:lstStyle/>
+          <a:p>
+            <a:r>
+              <a:rPr lang="en-US" b="1" dirty="0" smtClean="0"/>
+              <a:t>Code Review</a:t>
+            </a:r>
+            <a:endParaRPr lang="en-US" b="1" dirty="0"/>
+          </a:p>
+        </p:txBody>
+      </p:sp>
+      <p:sp>
+        <p:nvSpPr>
+          <p:cNvPr id="3" name="Content Placeholder 2"/>
+          <p:cNvSpPr>
+            <a:spLocks noGrp="1"/>
+          </p:cNvSpPr>
+          <p:nvPr>
+            <p:ph idx="1"/>
+          </p:nvPr>
+        </p:nvSpPr>
+        <p:spPr/>
+        <p:txBody>
+          <a:bodyPr/>
+          <a:lstStyle/>
+          <a:p>
+            <a:r>
+              <a:rPr lang="en-US" dirty="0"/>
+              <a:t>T</a:t>
+            </a:r>
+            <a:r>
+              <a:rPr lang="en-US" dirty="0" smtClean="0"/>
+              <a:t>o improve the code or find error.</a:t>
+            </a:r>
+          </a:p>
+          <a:p>
+            <a:r>
+              <a:rPr lang="en-US" dirty="0" smtClean="0"/>
+              <a:t>Continuous process of improvement.</a:t>
+            </a:r>
+          </a:p>
+          <a:p>
+            <a:r>
+              <a:rPr lang="en-US" dirty="0" smtClean="0"/>
+              <a:t>Clean and Efficient code.</a:t>
+            </a:r>
+          </a:p>
+          <a:p>
+            <a:r>
+              <a:rPr lang="en-US" dirty="0" smtClean="0"/>
+              <a:t>Helps in quality control.</a:t>
+            </a:r>
+          </a:p>
+        </p:txBody>
+      </p:sp>
+      <p:pic>
+        <p:nvPicPr>
+          <p:cNvPr id="4" name="Picture 3"/>
+          <p:cNvPicPr>
+            <a:picLocks noChangeAspect="1"/>
+          </p:cNvPicPr>
+          <p:nvPr/>
+        </p:nvPicPr>
+        <p:blipFill>
+          <a:blip r:embed="rId2">
+            <a:extLst>
+              <a:ext uri="{28A0092B-C50C-407E-A947-70E740481C1C}">
+                <a14:useLocalDpi xmlns:a14="http://schemas.microsoft.com/office/drawing/2010/main" val="0"/>
+              </a:ext>
+            </a:extLst>
+          </a:blip>
+          <a:stretch>
+            <a:fillRect/>
+          </a:stretch>
+        </p:blipFill>
+        <p:spPr>
+          <a:xfrm>
+            <a:off x="6318914" y="3102959"/>
+            <a:ext cx="5377218" cy="3208941"/>
+          </a:xfrm>
+          <a:prstGeom prst="rect">
+            <a:avLst/>
+          </a:prstGeom>
+        </p:spPr>
+      </p:pic>
+    </p:spTree>
+    <p:extLst>
+      <p:ext uri="{BB962C8B-B14F-4D97-AF65-F5344CB8AC3E}">
+        <p14:creationId xmlns:p14="http://schemas.microsoft.com/office/powerpoint/2010/main" val="599409528"/>
+      </p:ext>
+    </p:extLst>
+  </p:cSld>
+  <p:clrMapOvr>
+    <a:masterClrMapping/>
+  </p:clrMapOvr>
+  <p:timing>
+    <p:tnLst>
+      <p:par>
+        <p:cTn id="1" dur="indefinite" restart="never" nodeType="tmRoot">
+          <p:childTnLst>
+            <p:seq concurrent="1" nextAc="seek">
+              <p:cTn id="2" dur="indefinite" nodeType="mainSeq">
+                <p:childTnLst>
+                  <p:par>
+                    <p:cTn id="3" fill="hold">
+                      <p:stCondLst>
+                        <p:cond delay="indefinite"/>
+                      </p:stCondLst>
+                      <p:childTnLst>
+                        <p:par>
+                          <p:cTn id="4" fill="hold">
+                            <p:stCondLst>
+                              <p:cond delay="0"/>
+                            </p:stCondLst>
+                            <p:childTnLst>
+                              <p:par>
+                                <p:cTn id="5" presetID="1" presetClass="entr" presetSubtype="0" fill="hold" grpId="0" nodeType="clickEffect">
+                                  <p:stCondLst>
+                                    <p:cond delay="0"/>
+                                  </p:stCondLst>
+                                  <p:childTnLst>
+                                    <p:set>
+                                      <p:cBhvr>
+                                        <p:cTn id="6" dur="1" fill="hold">
+                                          <p:stCondLst>
+                                            <p:cond delay="0"/>
+                                          </p:stCondLst>
+                                        </p:cTn>
+                                        <p:tgtEl>
+                                          <p:spTgt spid="2"/>
+                                        </p:tgtEl>
+                                        <p:attrNameLst>
+                                          <p:attrName>style.visibility</p:attrName>
+                                        </p:attrNameLst>
+                                      </p:cBhvr>
+                                      <p:to>
+                                        <p:strVal val="visible"/>
+                                      </p:to>
+                                    </p:set>
+                                  </p:childTnLst>
+                                </p:cTn>
+                              </p:par>
+                            </p:childTnLst>
+                          </p:cTn>
+                        </p:par>
+                      </p:childTnLst>
+                    </p:cTn>
+                  </p:par>
+                  <p:par>
+                    <p:cTn id="7" fill="hold">
+                      <p:stCondLst>
+                        <p:cond delay="indefinite"/>
+                      </p:stCondLst>
+                      <p:childTnLst>
+                        <p:par>
+                          <p:cTn id="8" fill="hold">
+                            <p:stCondLst>
+                              <p:cond delay="0"/>
+                            </p:stCondLst>
+                            <p:childTnLst>
+                              <p:par>
+                                <p:cTn id="9" presetID="1" presetClass="entr" presetSubtype="0" fill="hold" nodeType="clickEffect">
+                                  <p:stCondLst>
+                                    <p:cond delay="0"/>
+                                  </p:stCondLst>
+                                  <p:childTnLst>
+                                    <p:set>
+                                      <p:cBhvr>
+                                        <p:cTn id="10" dur="1" fill="hold">
+                                          <p:stCondLst>
+                                            <p:cond delay="0"/>
+                                          </p:stCondLst>
+                                        </p:cTn>
+                                        <p:tgtEl>
+                                          <p:spTgt spid="3">
+                                            <p:txEl>
+                                              <p:pRg st="0" end="0"/>
+                                            </p:txEl>
+                                          </p:spTgt>
+                                        </p:tgtEl>
+                                        <p:attrNameLst>
+                                          <p:attrName>style.visibility</p:attrName>
+                                        </p:attrNameLst>
+                                      </p:cBhvr>
+                                      <p:to>
+                                        <p:strVal val="visible"/>
+                                      </p:to>
+                                    </p:set>
+                                  </p:childTnLst>
+                                </p:cTn>
+                              </p:par>
+                              <p:par>
+                                <p:cTn id="11" presetID="1" presetClass="entr" presetSubtype="0" fill="hold" nodeType="withEffect">
+                                  <p:stCondLst>
+                                    <p:cond delay="0"/>
+                                  </p:stCondLst>
+                                  <p:childTnLst>
+                                    <p:set>
+                                      <p:cBhvr>
+                                        <p:cTn id="12" dur="1" fill="hold">
+                                          <p:stCondLst>
+                                            <p:cond delay="0"/>
+                                          </p:stCondLst>
+                                        </p:cTn>
+                                        <p:tgtEl>
+                                          <p:spTgt spid="3">
+                                            <p:txEl>
+                                              <p:pRg st="1" end="1"/>
+                                            </p:txEl>
+                                          </p:spTgt>
+                                        </p:tgtEl>
+                                        <p:attrNameLst>
+                                          <p:attrName>style.visibility</p:attrName>
+                                        </p:attrNameLst>
+                                      </p:cBhvr>
+                                      <p:to>
+                                        <p:strVal val="visible"/>
+                                      </p:to>
+                                    </p:set>
+                                  </p:childTnLst>
+                                </p:cTn>
+                              </p:par>
+                              <p:par>
+                                <p:cTn id="13" presetID="1" presetClass="entr" presetSubtype="0" fill="hold" nodeType="withEffect">
+                                  <p:stCondLst>
+                                    <p:cond delay="0"/>
+                                  </p:stCondLst>
+                                  <p:childTnLst>
+                                    <p:set>
+                                      <p:cBhvr>
+                                        <p:cTn id="14" dur="1" fill="hold">
+                                          <p:stCondLst>
+                                            <p:cond delay="0"/>
+                                          </p:stCondLst>
+                                        </p:cTn>
+                                        <p:tgtEl>
+                                          <p:spTgt spid="3">
+                                            <p:txEl>
+                                              <p:pRg st="2" end="2"/>
+                                            </p:txEl>
+                                          </p:spTgt>
+                                        </p:tgtEl>
+                                        <p:attrNameLst>
+                                          <p:attrName>style.visibility</p:attrName>
+                                        </p:attrNameLst>
+                                      </p:cBhvr>
+                                      <p:to>
+                                        <p:strVal val="visible"/>
+                                      </p:to>
+                                    </p:set>
+                                  </p:childTnLst>
+                                </p:cTn>
+                              </p:par>
+                              <p:par>
+                                <p:cTn id="15" presetID="1" presetClass="entr" presetSubtype="0" fill="hold" nodeType="withEffect">
+                                  <p:stCondLst>
+                                    <p:cond delay="0"/>
+                                  </p:stCondLst>
+                                  <p:childTnLst>
+                                    <p:set>
+                                      <p:cBhvr>
+                                        <p:cTn id="16" dur="1" fill="hold">
+                                          <p:stCondLst>
+                                            <p:cond delay="0"/>
+                                          </p:stCondLst>
+                                        </p:cTn>
+                                        <p:tgtEl>
+                                          <p:spTgt spid="3">
+                                            <p:txEl>
+                                              <p:pRg st="3" end="3"/>
+                                            </p:txEl>
+                                          </p:spTgt>
+                                        </p:tgtEl>
+                                        <p:attrNameLst>
+                                          <p:attrName>style.visibility</p:attrName>
+                                        </p:attrNameLst>
+                                      </p:cBhvr>
+                                      <p:to>
+                                        <p:strVal val="visible"/>
+                                      </p:to>
+                                    </p:set>
+                                  </p:childTnLst>
+                                </p:cTn>
+                              </p:par>
+                            </p:childTnLst>
+                          </p:cTn>
+                        </p:par>
+                      </p:childTnLst>
+                    </p:cTn>
+                  </p:par>
+                </p:childTnLst>
+              </p:cTn>
+              <p:prevCondLst>
+                <p:cond evt="onPrev" delay="0">
+                  <p:tgtEl>
+                    <p:sldTgt/>
+                  </p:tgtEl>
+                </p:cond>
+              </p:prevCondLst>
+              <p:nextCondLst>
+                <p:cond evt="onNext" delay="0">
+                  <p:tgtEl>
+                    <p:sldTgt/>
+                  </p:tgtEl>
+                </p:cond>
+              </p:nextCondLst>
+            </p:seq>
+          </p:childTnLst>
+        </p:cTn>
+      </p:par>
+    </p:tnLst>
+    <p:bldLst>
+      <p:bldP spid="2" grpId="0"/>
+    </p:bldLst>
+  </p:timing>
+</p:sld>
+</file>
+
+<file path=ppt/slides/slide13.xml><?xml version="1.0" encoding="utf-8"?>
+<p:sld xmlns:a="http://schemas.openxmlformats.org/drawingml/2006/main" xmlns:r="http://schemas.openxmlformats.org/officeDocument/2006/relationships" xmlns:p="http://schemas.openxmlformats.org/presentationml/2006/main">
+  <p:cSld>
+    <p:spTree>
+      <p:nvGrpSpPr>
+        <p:cNvPr id="1" name=""/>
+        <p:cNvGrpSpPr/>
+        <p:nvPr/>
+      </p:nvGrpSpPr>
+      <p:grpSpPr>
+        <a:xfrm>
+          <a:off x="0" y="0"/>
+          <a:ext cx="0" cy="0"/>
+          <a:chOff x="0" y="0"/>
+          <a:chExt cx="0" cy="0"/>
+        </a:xfrm>
+      </p:grpSpPr>
+      <p:sp>
+        <p:nvSpPr>
+          <p:cNvPr id="2" name="Title 1"/>
+          <p:cNvSpPr>
+            <a:spLocks noGrp="1"/>
+          </p:cNvSpPr>
+          <p:nvPr>
+            <p:ph type="title"/>
+          </p:nvPr>
+        </p:nvSpPr>
+        <p:spPr/>
+        <p:txBody>
+          <a:bodyPr/>
+          <a:lstStyle/>
+          <a:p>
+            <a:r>
+              <a:rPr lang="en-US" b="1" dirty="0" smtClean="0"/>
+              <a:t>VALUES</a:t>
+            </a:r>
+            <a:endParaRPr lang="en-US" b="1" dirty="0"/>
+          </a:p>
+        </p:txBody>
+      </p:sp>
+      <p:sp>
+        <p:nvSpPr>
+          <p:cNvPr id="3" name="Content Placeholder 2"/>
+          <p:cNvSpPr>
+            <a:spLocks noGrp="1"/>
+          </p:cNvSpPr>
+          <p:nvPr>
+            <p:ph idx="1"/>
+          </p:nvPr>
+        </p:nvSpPr>
+        <p:spPr/>
+        <p:txBody>
+          <a:bodyPr/>
+          <a:lstStyle/>
+          <a:p>
+            <a:r>
+              <a:rPr lang="en-US" dirty="0" smtClean="0"/>
+              <a:t>Communication</a:t>
+            </a:r>
+          </a:p>
+          <a:p>
+            <a:r>
+              <a:rPr lang="en-US" dirty="0" smtClean="0"/>
+              <a:t>Feedback</a:t>
+            </a:r>
+          </a:p>
+          <a:p>
+            <a:r>
+              <a:rPr lang="en-US" dirty="0" smtClean="0"/>
+              <a:t>Simplicity</a:t>
+            </a:r>
+          </a:p>
+          <a:p>
+            <a:r>
+              <a:rPr lang="en-US" dirty="0" smtClean="0"/>
+              <a:t>Courage </a:t>
+            </a:r>
+          </a:p>
+          <a:p>
+            <a:r>
+              <a:rPr lang="en-US" dirty="0" smtClean="0"/>
+              <a:t>Respect</a:t>
+            </a:r>
+          </a:p>
+          <a:p>
+            <a:endParaRPr lang="en-US" dirty="0" smtClean="0"/>
+          </a:p>
+        </p:txBody>
+      </p:sp>
+    </p:spTree>
+    <p:extLst>
+      <p:ext uri="{BB962C8B-B14F-4D97-AF65-F5344CB8AC3E}">
+        <p14:creationId xmlns:p14="http://schemas.microsoft.com/office/powerpoint/2010/main" val="711094947"/>
+      </p:ext>
+    </p:extLst>
+  </p:cSld>
+  <p:clrMapOvr>
+    <a:masterClrMapping/>
+  </p:clrMapOvr>
+</p:sld>
+</file>
+
+<file path=ppt/slides/slide14.xml><?xml version="1.0" encoding="utf-8"?>
+<p:sld xmlns:a="http://schemas.openxmlformats.org/drawingml/2006/main" xmlns:r="http://schemas.openxmlformats.org/officeDocument/2006/relationships" xmlns:p="http://schemas.openxmlformats.org/presentationml/2006/main">
+  <p:cSld>
+    <p:spTree>
+      <p:nvGrpSpPr>
+        <p:cNvPr id="1" name=""/>
+        <p:cNvGrpSpPr/>
+        <p:nvPr/>
+      </p:nvGrpSpPr>
+      <p:grpSpPr>
+        <a:xfrm>
+          <a:off x="0" y="0"/>
+          <a:ext cx="0" cy="0"/>
+          <a:chOff x="0" y="0"/>
+          <a:chExt cx="0" cy="0"/>
+        </a:xfrm>
+      </p:grpSpPr>
+      <p:sp>
+        <p:nvSpPr>
+          <p:cNvPr id="2" name="Title 1"/>
+          <p:cNvSpPr>
+            <a:spLocks noGrp="1"/>
+          </p:cNvSpPr>
+          <p:nvPr>
+            <p:ph type="title"/>
+          </p:nvPr>
+        </p:nvSpPr>
+        <p:spPr/>
+        <p:txBody>
+          <a:bodyPr/>
+          <a:lstStyle/>
+          <a:p>
+            <a:r>
+              <a:rPr lang="en-US" b="1" dirty="0" smtClean="0"/>
+              <a:t>Uses</a:t>
+            </a:r>
+            <a:r>
+              <a:rPr lang="en-US" dirty="0" smtClean="0"/>
+              <a:t> </a:t>
+            </a:r>
+            <a:endParaRPr lang="en-US" dirty="0"/>
+          </a:p>
+        </p:txBody>
+      </p:sp>
+      <p:sp>
+        <p:nvSpPr>
+          <p:cNvPr id="3" name="Content Placeholder 2"/>
+          <p:cNvSpPr>
+            <a:spLocks noGrp="1"/>
+          </p:cNvSpPr>
+          <p:nvPr>
+            <p:ph idx="1"/>
+          </p:nvPr>
+        </p:nvSpPr>
+        <p:spPr/>
+        <p:txBody>
+          <a:bodyPr/>
+          <a:lstStyle/>
+          <a:p>
+            <a:r>
+              <a:rPr lang="en-US" dirty="0"/>
+              <a:t>S</a:t>
+            </a:r>
+            <a:r>
+              <a:rPr lang="en-US" smtClean="0"/>
+              <a:t>ystem </a:t>
+            </a:r>
+            <a:r>
+              <a:rPr lang="en-US" dirty="0" smtClean="0"/>
+              <a:t>requiring constant system changes.</a:t>
+            </a:r>
+          </a:p>
+          <a:p>
+            <a:r>
+              <a:rPr lang="en-US" dirty="0" smtClean="0"/>
+              <a:t>No risk </a:t>
+            </a:r>
+            <a:r>
+              <a:rPr lang="en-US" dirty="0"/>
+              <a:t>of low acceptance of the final product</a:t>
+            </a:r>
+            <a:r>
+              <a:rPr lang="en-US" dirty="0" smtClean="0"/>
+              <a:t>.</a:t>
+            </a:r>
+          </a:p>
+          <a:p>
+            <a:r>
+              <a:rPr lang="en-US" dirty="0" smtClean="0"/>
+              <a:t>Projects in rush</a:t>
+            </a:r>
+          </a:p>
+          <a:p>
+            <a:r>
+              <a:rPr lang="en-US" dirty="0" smtClean="0"/>
+              <a:t>Risky projects</a:t>
+            </a:r>
+          </a:p>
+          <a:p>
+            <a:pPr marL="0" indent="0">
+              <a:buNone/>
+            </a:pPr>
+            <a:endParaRPr lang="en-US" dirty="0"/>
+          </a:p>
+        </p:txBody>
+      </p:sp>
+    </p:spTree>
+    <p:extLst>
+      <p:ext uri="{BB962C8B-B14F-4D97-AF65-F5344CB8AC3E}">
+        <p14:creationId xmlns:p14="http://schemas.microsoft.com/office/powerpoint/2010/main" val="3535064654"/>
+      </p:ext>
+    </p:extLst>
+  </p:cSld>
+  <p:clrMapOvr>
+    <a:masterClrMapping/>
+  </p:clrMapOvr>
+  <p:timing>
+    <p:tnLst>
+      <p:par>
+        <p:cTn id="1" dur="indefinite" restart="never" nodeType="tmRoot">
+          <p:childTnLst>
+            <p:seq concurrent="1" nextAc="seek">
+              <p:cTn id="2" dur="indefinite" nodeType="mainSeq">
+                <p:childTnLst>
+                  <p:par>
+                    <p:cTn id="3" fill="hold">
+                      <p:stCondLst>
+                        <p:cond delay="indefinite"/>
+                      </p:stCondLst>
+                      <p:childTnLst>
+                        <p:par>
+                          <p:cTn id="4" fill="hold">
+                            <p:stCondLst>
+                              <p:cond delay="0"/>
+                            </p:stCondLst>
+                            <p:childTnLst>
+                              <p:par>
+                                <p:cTn id="5" presetID="1" presetClass="entr" presetSubtype="0" fill="hold" grpId="0" nodeType="clickEffect">
+                                  <p:stCondLst>
+                                    <p:cond delay="0"/>
+                                  </p:stCondLst>
+                                  <p:childTnLst>
+                                    <p:set>
+                                      <p:cBhvr>
+                                        <p:cTn id="6" dur="1" fill="hold">
+                                          <p:stCondLst>
+                                            <p:cond delay="0"/>
+                                          </p:stCondLst>
+                                        </p:cTn>
+                                        <p:tgtEl>
+                                          <p:spTgt spid="2"/>
+                                        </p:tgtEl>
+                                        <p:attrNameLst>
+                                          <p:attrName>style.visibility</p:attrName>
+                                        </p:attrNameLst>
+                                      </p:cBhvr>
+                                      <p:to>
+                                        <p:strVal val="visible"/>
+                                      </p:to>
+                                    </p:set>
+                                  </p:childTnLst>
+                                </p:cTn>
+                              </p:par>
+                            </p:childTnLst>
+                          </p:cTn>
+                        </p:par>
+                      </p:childTnLst>
+                    </p:cTn>
+                  </p:par>
+                  <p:par>
+                    <p:cTn id="7" fill="hold">
+                      <p:stCondLst>
+                        <p:cond delay="indefinite"/>
+                      </p:stCondLst>
+                      <p:childTnLst>
+                        <p:par>
+                          <p:cTn id="8" fill="hold">
+                            <p:stCondLst>
+                              <p:cond delay="0"/>
+                            </p:stCondLst>
+                            <p:childTnLst>
+                              <p:par>
+                                <p:cTn id="9" presetID="1" presetClass="entr" presetSubtype="0" fill="hold" nodeType="clickEffect">
+                                  <p:stCondLst>
+                                    <p:cond delay="0"/>
+                                  </p:stCondLst>
+                                  <p:childTnLst>
+                                    <p:set>
+                                      <p:cBhvr>
+                                        <p:cTn id="10" dur="1" fill="hold">
+                                          <p:stCondLst>
+                                            <p:cond delay="0"/>
+                                          </p:stCondLst>
+                                        </p:cTn>
+                                        <p:tgtEl>
+                                          <p:spTgt spid="3">
+                                            <p:txEl>
+                                              <p:pRg st="0" end="0"/>
+                                            </p:txEl>
+                                          </p:spTgt>
+                                        </p:tgtEl>
+                                        <p:attrNameLst>
+                                          <p:attrName>style.visibility</p:attrName>
+                                        </p:attrNameLst>
+                                      </p:cBhvr>
+                                      <p:to>
+                                        <p:strVal val="visible"/>
+                                      </p:to>
+                                    </p:set>
+                                  </p:childTnLst>
+                                </p:cTn>
+                              </p:par>
+                              <p:par>
+                                <p:cTn id="11" presetID="1" presetClass="entr" presetSubtype="0" fill="hold" nodeType="withEffect">
+                                  <p:stCondLst>
+                                    <p:cond delay="0"/>
+                                  </p:stCondLst>
+                                  <p:childTnLst>
+                                    <p:set>
+                                      <p:cBhvr>
+                                        <p:cTn id="12" dur="1" fill="hold">
+                                          <p:stCondLst>
+                                            <p:cond delay="0"/>
+                                          </p:stCondLst>
+                                        </p:cTn>
+                                        <p:tgtEl>
+                                          <p:spTgt spid="3">
+                                            <p:txEl>
+                                              <p:pRg st="1" end="1"/>
+                                            </p:txEl>
+                                          </p:spTgt>
+                                        </p:tgtEl>
+                                        <p:attrNameLst>
+                                          <p:attrName>style.visibility</p:attrName>
+                                        </p:attrNameLst>
+                                      </p:cBhvr>
+                                      <p:to>
+                                        <p:strVal val="visible"/>
+                                      </p:to>
+                                    </p:set>
+                                  </p:childTnLst>
+                                </p:cTn>
+                              </p:par>
+                              <p:par>
+                                <p:cTn id="13" presetID="1" presetClass="entr" presetSubtype="0" fill="hold" nodeType="withEffect">
+                                  <p:stCondLst>
+                                    <p:cond delay="0"/>
+                                  </p:stCondLst>
+                                  <p:childTnLst>
+                                    <p:set>
+                                      <p:cBhvr>
+                                        <p:cTn id="14" dur="1" fill="hold">
+                                          <p:stCondLst>
+                                            <p:cond delay="0"/>
+                                          </p:stCondLst>
+                                        </p:cTn>
+                                        <p:tgtEl>
+                                          <p:spTgt spid="3">
+                                            <p:txEl>
+                                              <p:pRg st="2" end="2"/>
+                                            </p:txEl>
+                                          </p:spTgt>
+                                        </p:tgtEl>
+                                        <p:attrNameLst>
+                                          <p:attrName>style.visibility</p:attrName>
+                                        </p:attrNameLst>
+                                      </p:cBhvr>
+                                      <p:to>
+                                        <p:strVal val="visible"/>
+                                      </p:to>
+                                    </p:set>
+                                  </p:childTnLst>
+                                </p:cTn>
+                              </p:par>
+                              <p:par>
+                                <p:cTn id="15" presetID="1" presetClass="entr" presetSubtype="0" fill="hold" nodeType="withEffect">
+                                  <p:stCondLst>
+                                    <p:cond delay="0"/>
+                                  </p:stCondLst>
+                                  <p:childTnLst>
+                                    <p:set>
+                                      <p:cBhvr>
+                                        <p:cTn id="16" dur="1" fill="hold">
+                                          <p:stCondLst>
+                                            <p:cond delay="0"/>
+                                          </p:stCondLst>
+                                        </p:cTn>
+                                        <p:tgtEl>
+                                          <p:spTgt spid="3">
+                                            <p:txEl>
+                                              <p:pRg st="3" end="3"/>
+                                            </p:txEl>
+                                          </p:spTgt>
+                                        </p:tgtEl>
+                                        <p:attrNameLst>
+                                          <p:attrName>style.visibility</p:attrName>
+                                        </p:attrNameLst>
+                                      </p:cBhvr>
+                                      <p:to>
+                                        <p:strVal val="visible"/>
+                                      </p:to>
+                                    </p:set>
+                                  </p:childTnLst>
+                                </p:cTn>
+                              </p:par>
+                            </p:childTnLst>
+                          </p:cTn>
+                        </p:par>
+                      </p:childTnLst>
+                    </p:cTn>
+                  </p:par>
+                </p:childTnLst>
+              </p:cTn>
+              <p:prevCondLst>
+                <p:cond evt="onPrev" delay="0">
+                  <p:tgtEl>
+                    <p:sldTgt/>
+                  </p:tgtEl>
+                </p:cond>
+              </p:prevCondLst>
+              <p:nextCondLst>
+                <p:cond evt="onNext" delay="0">
+                  <p:tgtEl>
+                    <p:sldTgt/>
+                  </p:tgtEl>
+                </p:cond>
+              </p:nextCondLst>
+            </p:seq>
+          </p:childTnLst>
+        </p:cTn>
+      </p:par>
+    </p:tnLst>
+    <p:bldLst>
+      <p:bldP spid="2" grpId="0"/>
+    </p:bldLst>
   </p:timing>
 </p:sld>
 </file>
@@ -14849,7 +16598,7 @@
           <p:cNvPr id="5" name="TextBox 4">
             <a:extLst>
               <a:ext uri="{FF2B5EF4-FFF2-40B4-BE49-F238E27FC236}">
-                <a16:creationId xmlns:a16="http://schemas.microsoft.com/office/drawing/2014/main" xmlns="" id="{845BC587-C97E-5C40-ADA8-4F2558DF8CD7}"/>
+                <a16:creationId xmlns="" xmlns:a16="http://schemas.microsoft.com/office/drawing/2014/main" id="{845BC587-C97E-5C40-ADA8-4F2558DF8CD7}"/>
               </a:ext>
             </a:extLst>
           </p:cNvPr>
@@ -14950,7 +16699,7 @@
           <p:cNvPr id="2" name="Title 1">
             <a:extLst>
               <a:ext uri="{FF2B5EF4-FFF2-40B4-BE49-F238E27FC236}">
-                <a16:creationId xmlns:a16="http://schemas.microsoft.com/office/drawing/2014/main" xmlns="" id="{C93B6084-F736-A941-B57C-DA4A0F990DB0}"/>
+                <a16:creationId xmlns="" xmlns:a16="http://schemas.microsoft.com/office/drawing/2014/main" id="{C93B6084-F736-A941-B57C-DA4A0F990DB0}"/>
               </a:ext>
             </a:extLst>
           </p:cNvPr>
@@ -14988,7 +16737,7 @@
           <p:cNvPr id="6" name="TextBox 5">
             <a:extLst>
               <a:ext uri="{FF2B5EF4-FFF2-40B4-BE49-F238E27FC236}">
-                <a16:creationId xmlns:a16="http://schemas.microsoft.com/office/drawing/2014/main" xmlns="" id="{4E292BAC-9FB4-7241-A8BB-F0A7AC4E93FD}"/>
+                <a16:creationId xmlns="" xmlns:a16="http://schemas.microsoft.com/office/drawing/2014/main" id="{4E292BAC-9FB4-7241-A8BB-F0A7AC4E93FD}"/>
               </a:ext>
             </a:extLst>
           </p:cNvPr>

--- a/extreme_programming.pptx
+++ b/extreme_programming.pptx
@@ -5,7 +5,7 @@
     <p:sldMasterId id="2147483648" r:id="rId1"/>
   </p:sldMasterIdLst>
   <p:notesMasterIdLst>
-    <p:notesMasterId r:id="rId16"/>
+    <p:notesMasterId r:id="rId18"/>
   </p:notesMasterIdLst>
   <p:sldIdLst>
     <p:sldId id="256" r:id="rId2"/>
@@ -20,8 +20,10 @@
     <p:sldId id="266" r:id="rId11"/>
     <p:sldId id="267" r:id="rId12"/>
     <p:sldId id="268" r:id="rId13"/>
-    <p:sldId id="269" r:id="rId14"/>
-    <p:sldId id="270" r:id="rId15"/>
+    <p:sldId id="271" r:id="rId14"/>
+    <p:sldId id="272" r:id="rId15"/>
+    <p:sldId id="269" r:id="rId16"/>
+    <p:sldId id="270" r:id="rId17"/>
   </p:sldIdLst>
   <p:sldSz cx="12192000" cy="6858000"/>
   <p:notesSz cx="6858000" cy="9144000"/>
@@ -876,6 +878,1500 @@
 </file>
 
 <file path=ppt/diagrams/colors2.xml><?xml version="1.0" encoding="utf-8"?>
+<dgm:colorsDef xmlns:dgm="http://schemas.openxmlformats.org/drawingml/2006/diagram" xmlns:a="http://schemas.openxmlformats.org/drawingml/2006/main" uniqueId="urn:microsoft.com/office/officeart/2005/8/colors/accent1_2">
+  <dgm:title val=""/>
+  <dgm:desc val=""/>
+  <dgm:catLst>
+    <dgm:cat type="accent1" pri="11200"/>
+  </dgm:catLst>
+  <dgm:styleLbl name="node0">
+    <dgm:fillClrLst meth="repeat">
+      <a:schemeClr val="accent1"/>
+    </dgm:fillClrLst>
+    <dgm:linClrLst meth="repeat">
+      <a:schemeClr val="lt1"/>
+    </dgm:linClrLst>
+    <dgm:effectClrLst/>
+    <dgm:txLinClrLst/>
+    <dgm:txFillClrLst/>
+    <dgm:txEffectClrLst/>
+  </dgm:styleLbl>
+  <dgm:styleLbl name="alignNode1">
+    <dgm:fillClrLst meth="repeat">
+      <a:schemeClr val="accent1"/>
+    </dgm:fillClrLst>
+    <dgm:linClrLst meth="repeat">
+      <a:schemeClr val="accent1"/>
+    </dgm:linClrLst>
+    <dgm:effectClrLst/>
+    <dgm:txLinClrLst/>
+    <dgm:txFillClrLst/>
+    <dgm:txEffectClrLst/>
+  </dgm:styleLbl>
+  <dgm:styleLbl name="node1">
+    <dgm:fillClrLst meth="repeat">
+      <a:schemeClr val="accent1"/>
+    </dgm:fillClrLst>
+    <dgm:linClrLst meth="repeat">
+      <a:schemeClr val="lt1"/>
+    </dgm:linClrLst>
+    <dgm:effectClrLst/>
+    <dgm:txLinClrLst/>
+    <dgm:txFillClrLst/>
+    <dgm:txEffectClrLst/>
+  </dgm:styleLbl>
+  <dgm:styleLbl name="lnNode1">
+    <dgm:fillClrLst meth="repeat">
+      <a:schemeClr val="accent1"/>
+    </dgm:fillClrLst>
+    <dgm:linClrLst meth="repeat">
+      <a:schemeClr val="lt1"/>
+    </dgm:linClrLst>
+    <dgm:effectClrLst/>
+    <dgm:txLinClrLst/>
+    <dgm:txFillClrLst/>
+    <dgm:txEffectClrLst/>
+  </dgm:styleLbl>
+  <dgm:styleLbl name="vennNode1">
+    <dgm:fillClrLst meth="repeat">
+      <a:schemeClr val="accent1">
+        <a:alpha val="50000"/>
+      </a:schemeClr>
+    </dgm:fillClrLst>
+    <dgm:linClrLst meth="repeat">
+      <a:schemeClr val="lt1"/>
+    </dgm:linClrLst>
+    <dgm:effectClrLst/>
+    <dgm:txLinClrLst/>
+    <dgm:txFillClrLst/>
+    <dgm:txEffectClrLst/>
+  </dgm:styleLbl>
+  <dgm:styleLbl name="node2">
+    <dgm:fillClrLst meth="repeat">
+      <a:schemeClr val="accent1"/>
+    </dgm:fillClrLst>
+    <dgm:linClrLst meth="repeat">
+      <a:schemeClr val="lt1"/>
+    </dgm:linClrLst>
+    <dgm:effectClrLst/>
+    <dgm:txLinClrLst/>
+    <dgm:txFillClrLst/>
+    <dgm:txEffectClrLst/>
+  </dgm:styleLbl>
+  <dgm:styleLbl name="node3">
+    <dgm:fillClrLst meth="repeat">
+      <a:schemeClr val="accent1"/>
+    </dgm:fillClrLst>
+    <dgm:linClrLst meth="repeat">
+      <a:schemeClr val="lt1"/>
+    </dgm:linClrLst>
+    <dgm:effectClrLst/>
+    <dgm:txLinClrLst/>
+    <dgm:txFillClrLst/>
+    <dgm:txEffectClrLst/>
+  </dgm:styleLbl>
+  <dgm:styleLbl name="node4">
+    <dgm:fillClrLst meth="repeat">
+      <a:schemeClr val="accent1"/>
+    </dgm:fillClrLst>
+    <dgm:linClrLst meth="repeat">
+      <a:schemeClr val="lt1"/>
+    </dgm:linClrLst>
+    <dgm:effectClrLst/>
+    <dgm:txLinClrLst/>
+    <dgm:txFillClrLst/>
+    <dgm:txEffectClrLst/>
+  </dgm:styleLbl>
+  <dgm:styleLbl name="fgImgPlace1">
+    <dgm:fillClrLst meth="repeat">
+      <a:schemeClr val="accent1">
+        <a:tint val="50000"/>
+      </a:schemeClr>
+    </dgm:fillClrLst>
+    <dgm:linClrLst meth="repeat">
+      <a:schemeClr val="lt1"/>
+    </dgm:linClrLst>
+    <dgm:effectClrLst/>
+    <dgm:txLinClrLst/>
+    <dgm:txFillClrLst meth="repeat">
+      <a:schemeClr val="lt1"/>
+    </dgm:txFillClrLst>
+    <dgm:txEffectClrLst/>
+  </dgm:styleLbl>
+  <dgm:styleLbl name="alignImgPlace1">
+    <dgm:fillClrLst meth="repeat">
+      <a:schemeClr val="accent1">
+        <a:tint val="50000"/>
+      </a:schemeClr>
+    </dgm:fillClrLst>
+    <dgm:linClrLst meth="repeat">
+      <a:schemeClr val="lt1"/>
+    </dgm:linClrLst>
+    <dgm:effectClrLst/>
+    <dgm:txLinClrLst/>
+    <dgm:txFillClrLst meth="repeat">
+      <a:schemeClr val="lt1"/>
+    </dgm:txFillClrLst>
+    <dgm:txEffectClrLst/>
+  </dgm:styleLbl>
+  <dgm:styleLbl name="bgImgPlace1">
+    <dgm:fillClrLst meth="repeat">
+      <a:schemeClr val="accent1">
+        <a:tint val="50000"/>
+      </a:schemeClr>
+    </dgm:fillClrLst>
+    <dgm:linClrLst meth="repeat">
+      <a:schemeClr val="lt1"/>
+    </dgm:linClrLst>
+    <dgm:effectClrLst/>
+    <dgm:txLinClrLst/>
+    <dgm:txFillClrLst meth="repeat">
+      <a:schemeClr val="lt1"/>
+    </dgm:txFillClrLst>
+    <dgm:txEffectClrLst/>
+  </dgm:styleLbl>
+  <dgm:styleLbl name="sibTrans2D1">
+    <dgm:fillClrLst meth="repeat">
+      <a:schemeClr val="accent1">
+        <a:tint val="60000"/>
+      </a:schemeClr>
+    </dgm:fillClrLst>
+    <dgm:linClrLst meth="repeat">
+      <a:schemeClr val="accent1">
+        <a:tint val="60000"/>
+      </a:schemeClr>
+    </dgm:linClrLst>
+    <dgm:effectClrLst/>
+    <dgm:txLinClrLst/>
+    <dgm:txFillClrLst/>
+    <dgm:txEffectClrLst/>
+  </dgm:styleLbl>
+  <dgm:styleLbl name="fgSibTrans2D1">
+    <dgm:fillClrLst meth="repeat">
+      <a:schemeClr val="accent1">
+        <a:tint val="60000"/>
+      </a:schemeClr>
+    </dgm:fillClrLst>
+    <dgm:linClrLst meth="repeat">
+      <a:schemeClr val="accent1">
+        <a:tint val="60000"/>
+      </a:schemeClr>
+    </dgm:linClrLst>
+    <dgm:effectClrLst/>
+    <dgm:txLinClrLst/>
+    <dgm:txFillClrLst/>
+    <dgm:txEffectClrLst/>
+  </dgm:styleLbl>
+  <dgm:styleLbl name="bgSibTrans2D1">
+    <dgm:fillClrLst meth="repeat">
+      <a:schemeClr val="accent1">
+        <a:tint val="60000"/>
+      </a:schemeClr>
+    </dgm:fillClrLst>
+    <dgm:linClrLst meth="repeat">
+      <a:schemeClr val="accent1">
+        <a:tint val="60000"/>
+      </a:schemeClr>
+    </dgm:linClrLst>
+    <dgm:effectClrLst/>
+    <dgm:txLinClrLst/>
+    <dgm:txFillClrLst/>
+    <dgm:txEffectClrLst/>
+  </dgm:styleLbl>
+  <dgm:styleLbl name="sibTrans1D1">
+    <dgm:fillClrLst meth="repeat">
+      <a:schemeClr val="accent1"/>
+    </dgm:fillClrLst>
+    <dgm:linClrLst meth="repeat">
+      <a:schemeClr val="accent1"/>
+    </dgm:linClrLst>
+    <dgm:effectClrLst/>
+    <dgm:txLinClrLst/>
+    <dgm:txFillClrLst meth="repeat">
+      <a:schemeClr val="tx1"/>
+    </dgm:txFillClrLst>
+    <dgm:txEffectClrLst/>
+  </dgm:styleLbl>
+  <dgm:styleLbl name="callout">
+    <dgm:fillClrLst meth="repeat">
+      <a:schemeClr val="accent1"/>
+    </dgm:fillClrLst>
+    <dgm:linClrLst meth="repeat">
+      <a:schemeClr val="accent1">
+        <a:tint val="50000"/>
+      </a:schemeClr>
+    </dgm:linClrLst>
+    <dgm:effectClrLst/>
+    <dgm:txLinClrLst/>
+    <dgm:txFillClrLst meth="repeat">
+      <a:schemeClr val="tx1"/>
+    </dgm:txFillClrLst>
+    <dgm:txEffectClrLst/>
+  </dgm:styleLbl>
+  <dgm:styleLbl name="asst0">
+    <dgm:fillClrLst meth="repeat">
+      <a:schemeClr val="accent1"/>
+    </dgm:fillClrLst>
+    <dgm:linClrLst meth="repeat">
+      <a:schemeClr val="lt1"/>
+    </dgm:linClrLst>
+    <dgm:effectClrLst/>
+    <dgm:txLinClrLst/>
+    <dgm:txFillClrLst/>
+    <dgm:txEffectClrLst/>
+  </dgm:styleLbl>
+  <dgm:styleLbl name="asst1">
+    <dgm:fillClrLst meth="repeat">
+      <a:schemeClr val="accent1"/>
+    </dgm:fillClrLst>
+    <dgm:linClrLst meth="repeat">
+      <a:schemeClr val="lt1"/>
+    </dgm:linClrLst>
+    <dgm:effectClrLst/>
+    <dgm:txLinClrLst/>
+    <dgm:txFillClrLst/>
+    <dgm:txEffectClrLst/>
+  </dgm:styleLbl>
+  <dgm:styleLbl name="asst2">
+    <dgm:fillClrLst meth="repeat">
+      <a:schemeClr val="accent1"/>
+    </dgm:fillClrLst>
+    <dgm:linClrLst meth="repeat">
+      <a:schemeClr val="lt1"/>
+    </dgm:linClrLst>
+    <dgm:effectClrLst/>
+    <dgm:txLinClrLst/>
+    <dgm:txFillClrLst/>
+    <dgm:txEffectClrLst/>
+  </dgm:styleLbl>
+  <dgm:styleLbl name="asst3">
+    <dgm:fillClrLst meth="repeat">
+      <a:schemeClr val="accent1"/>
+    </dgm:fillClrLst>
+    <dgm:linClrLst meth="repeat">
+      <a:schemeClr val="lt1"/>
+    </dgm:linClrLst>
+    <dgm:effectClrLst/>
+    <dgm:txLinClrLst/>
+    <dgm:txFillClrLst/>
+    <dgm:txEffectClrLst/>
+  </dgm:styleLbl>
+  <dgm:styleLbl name="asst4">
+    <dgm:fillClrLst meth="repeat">
+      <a:schemeClr val="accent1"/>
+    </dgm:fillClrLst>
+    <dgm:linClrLst meth="repeat">
+      <a:schemeClr val="lt1"/>
+    </dgm:linClrLst>
+    <dgm:effectClrLst/>
+    <dgm:txLinClrLst/>
+    <dgm:txFillClrLst/>
+    <dgm:txEffectClrLst/>
+  </dgm:styleLbl>
+  <dgm:styleLbl name="parChTrans2D1">
+    <dgm:fillClrLst meth="repeat">
+      <a:schemeClr val="accent1">
+        <a:tint val="60000"/>
+      </a:schemeClr>
+    </dgm:fillClrLst>
+    <dgm:linClrLst meth="repeat">
+      <a:schemeClr val="accent1">
+        <a:tint val="60000"/>
+      </a:schemeClr>
+    </dgm:linClrLst>
+    <dgm:effectClrLst/>
+    <dgm:txLinClrLst/>
+    <dgm:txFillClrLst meth="repeat">
+      <a:schemeClr val="lt1"/>
+    </dgm:txFillClrLst>
+    <dgm:txEffectClrLst/>
+  </dgm:styleLbl>
+  <dgm:styleLbl name="parChTrans2D2">
+    <dgm:fillClrLst meth="repeat">
+      <a:schemeClr val="accent1"/>
+    </dgm:fillClrLst>
+    <dgm:linClrLst meth="repeat">
+      <a:schemeClr val="accent1"/>
+    </dgm:linClrLst>
+    <dgm:effectClrLst/>
+    <dgm:txLinClrLst/>
+    <dgm:txFillClrLst meth="repeat">
+      <a:schemeClr val="lt1"/>
+    </dgm:txFillClrLst>
+    <dgm:txEffectClrLst/>
+  </dgm:styleLbl>
+  <dgm:styleLbl name="parChTrans2D3">
+    <dgm:fillClrLst meth="repeat">
+      <a:schemeClr val="accent1"/>
+    </dgm:fillClrLst>
+    <dgm:linClrLst meth="repeat">
+      <a:schemeClr val="accent1"/>
+    </dgm:linClrLst>
+    <dgm:effectClrLst/>
+    <dgm:txLinClrLst/>
+    <dgm:txFillClrLst meth="repeat">
+      <a:schemeClr val="lt1"/>
+    </dgm:txFillClrLst>
+    <dgm:txEffectClrLst/>
+  </dgm:styleLbl>
+  <dgm:styleLbl name="parChTrans2D4">
+    <dgm:fillClrLst meth="repeat">
+      <a:schemeClr val="accent1"/>
+    </dgm:fillClrLst>
+    <dgm:linClrLst meth="repeat">
+      <a:schemeClr val="accent1"/>
+    </dgm:linClrLst>
+    <dgm:effectClrLst/>
+    <dgm:txLinClrLst/>
+    <dgm:txFillClrLst meth="repeat">
+      <a:schemeClr val="lt1"/>
+    </dgm:txFillClrLst>
+    <dgm:txEffectClrLst/>
+  </dgm:styleLbl>
+  <dgm:styleLbl name="parChTrans1D1">
+    <dgm:fillClrLst meth="repeat">
+      <a:schemeClr val="accent1"/>
+    </dgm:fillClrLst>
+    <dgm:linClrLst meth="repeat">
+      <a:schemeClr val="accent1">
+        <a:shade val="60000"/>
+      </a:schemeClr>
+    </dgm:linClrLst>
+    <dgm:effectClrLst/>
+    <dgm:txLinClrLst/>
+    <dgm:txFillClrLst meth="repeat">
+      <a:schemeClr val="tx1"/>
+    </dgm:txFillClrLst>
+    <dgm:txEffectClrLst/>
+  </dgm:styleLbl>
+  <dgm:styleLbl name="parChTrans1D2">
+    <dgm:fillClrLst meth="repeat">
+      <a:schemeClr val="accent1"/>
+    </dgm:fillClrLst>
+    <dgm:linClrLst meth="repeat">
+      <a:schemeClr val="accent1">
+        <a:shade val="60000"/>
+      </a:schemeClr>
+    </dgm:linClrLst>
+    <dgm:effectClrLst/>
+    <dgm:txLinClrLst/>
+    <dgm:txFillClrLst meth="repeat">
+      <a:schemeClr val="tx1"/>
+    </dgm:txFillClrLst>
+    <dgm:txEffectClrLst/>
+  </dgm:styleLbl>
+  <dgm:styleLbl name="parChTrans1D3">
+    <dgm:fillClrLst meth="repeat">
+      <a:schemeClr val="accent1"/>
+    </dgm:fillClrLst>
+    <dgm:linClrLst meth="repeat">
+      <a:schemeClr val="accent1">
+        <a:shade val="80000"/>
+      </a:schemeClr>
+    </dgm:linClrLst>
+    <dgm:effectClrLst/>
+    <dgm:txLinClrLst/>
+    <dgm:txFillClrLst meth="repeat">
+      <a:schemeClr val="tx1"/>
+    </dgm:txFillClrLst>
+    <dgm:txEffectClrLst/>
+  </dgm:styleLbl>
+  <dgm:styleLbl name="parChTrans1D4">
+    <dgm:fillClrLst meth="repeat">
+      <a:schemeClr val="accent1"/>
+    </dgm:fillClrLst>
+    <dgm:linClrLst meth="repeat">
+      <a:schemeClr val="accent1">
+        <a:shade val="80000"/>
+      </a:schemeClr>
+    </dgm:linClrLst>
+    <dgm:effectClrLst/>
+    <dgm:txLinClrLst/>
+    <dgm:txFillClrLst meth="repeat">
+      <a:schemeClr val="tx1"/>
+    </dgm:txFillClrLst>
+    <dgm:txEffectClrLst/>
+  </dgm:styleLbl>
+  <dgm:styleLbl name="fgAcc1">
+    <dgm:fillClrLst meth="repeat">
+      <a:schemeClr val="lt1">
+        <a:alpha val="90000"/>
+      </a:schemeClr>
+    </dgm:fillClrLst>
+    <dgm:linClrLst meth="repeat">
+      <a:schemeClr val="accent1"/>
+    </dgm:linClrLst>
+    <dgm:effectClrLst/>
+    <dgm:txLinClrLst/>
+    <dgm:txFillClrLst meth="repeat">
+      <a:schemeClr val="dk1"/>
+    </dgm:txFillClrLst>
+    <dgm:txEffectClrLst/>
+  </dgm:styleLbl>
+  <dgm:styleLbl name="conFgAcc1">
+    <dgm:fillClrLst meth="repeat">
+      <a:schemeClr val="lt1">
+        <a:alpha val="90000"/>
+      </a:schemeClr>
+    </dgm:fillClrLst>
+    <dgm:linClrLst meth="repeat">
+      <a:schemeClr val="accent1"/>
+    </dgm:linClrLst>
+    <dgm:effectClrLst/>
+    <dgm:txLinClrLst/>
+    <dgm:txFillClrLst meth="repeat">
+      <a:schemeClr val="dk1"/>
+    </dgm:txFillClrLst>
+    <dgm:txEffectClrLst/>
+  </dgm:styleLbl>
+  <dgm:styleLbl name="alignAcc1">
+    <dgm:fillClrLst meth="repeat">
+      <a:schemeClr val="lt1">
+        <a:alpha val="90000"/>
+      </a:schemeClr>
+    </dgm:fillClrLst>
+    <dgm:linClrLst meth="repeat">
+      <a:schemeClr val="accent1"/>
+    </dgm:linClrLst>
+    <dgm:effectClrLst/>
+    <dgm:txLinClrLst/>
+    <dgm:txFillClrLst meth="repeat">
+      <a:schemeClr val="dk1"/>
+    </dgm:txFillClrLst>
+    <dgm:txEffectClrLst/>
+  </dgm:styleLbl>
+  <dgm:styleLbl name="trAlignAcc1">
+    <dgm:fillClrLst meth="repeat">
+      <a:schemeClr val="lt1">
+        <a:alpha val="40000"/>
+      </a:schemeClr>
+    </dgm:fillClrLst>
+    <dgm:linClrLst meth="repeat">
+      <a:schemeClr val="accent1"/>
+    </dgm:linClrLst>
+    <dgm:effectClrLst/>
+    <dgm:txLinClrLst/>
+    <dgm:txFillClrLst meth="repeat">
+      <a:schemeClr val="dk1"/>
+    </dgm:txFillClrLst>
+    <dgm:txEffectClrLst/>
+  </dgm:styleLbl>
+  <dgm:styleLbl name="bgAcc1">
+    <dgm:fillClrLst meth="repeat">
+      <a:schemeClr val="lt1">
+        <a:alpha val="90000"/>
+      </a:schemeClr>
+    </dgm:fillClrLst>
+    <dgm:linClrLst meth="repeat">
+      <a:schemeClr val="accent1"/>
+    </dgm:linClrLst>
+    <dgm:effectClrLst/>
+    <dgm:txLinClrLst/>
+    <dgm:txFillClrLst meth="repeat">
+      <a:schemeClr val="dk1"/>
+    </dgm:txFillClrLst>
+    <dgm:txEffectClrLst/>
+  </dgm:styleLbl>
+  <dgm:styleLbl name="solidFgAcc1">
+    <dgm:fillClrLst meth="repeat">
+      <a:schemeClr val="lt1"/>
+    </dgm:fillClrLst>
+    <dgm:linClrLst meth="repeat">
+      <a:schemeClr val="accent1"/>
+    </dgm:linClrLst>
+    <dgm:effectClrLst/>
+    <dgm:txLinClrLst/>
+    <dgm:txFillClrLst meth="repeat">
+      <a:schemeClr val="dk1"/>
+    </dgm:txFillClrLst>
+    <dgm:txEffectClrLst/>
+  </dgm:styleLbl>
+  <dgm:styleLbl name="solidAlignAcc1">
+    <dgm:fillClrLst meth="repeat">
+      <a:schemeClr val="lt1"/>
+    </dgm:fillClrLst>
+    <dgm:linClrLst meth="repeat">
+      <a:schemeClr val="accent1"/>
+    </dgm:linClrLst>
+    <dgm:effectClrLst/>
+    <dgm:txLinClrLst/>
+    <dgm:txFillClrLst meth="repeat">
+      <a:schemeClr val="dk1"/>
+    </dgm:txFillClrLst>
+    <dgm:txEffectClrLst/>
+  </dgm:styleLbl>
+  <dgm:styleLbl name="solidBgAcc1">
+    <dgm:fillClrLst meth="repeat">
+      <a:schemeClr val="lt1"/>
+    </dgm:fillClrLst>
+    <dgm:linClrLst meth="repeat">
+      <a:schemeClr val="accent1"/>
+    </dgm:linClrLst>
+    <dgm:effectClrLst/>
+    <dgm:txLinClrLst/>
+    <dgm:txFillClrLst meth="repeat">
+      <a:schemeClr val="dk1"/>
+    </dgm:txFillClrLst>
+    <dgm:txEffectClrLst/>
+  </dgm:styleLbl>
+  <dgm:styleLbl name="fgAccFollowNode1">
+    <dgm:fillClrLst meth="repeat">
+      <a:schemeClr val="accent1">
+        <a:alpha val="90000"/>
+        <a:tint val="40000"/>
+      </a:schemeClr>
+    </dgm:fillClrLst>
+    <dgm:linClrLst meth="repeat">
+      <a:schemeClr val="accent1">
+        <a:alpha val="90000"/>
+        <a:tint val="40000"/>
+      </a:schemeClr>
+    </dgm:linClrLst>
+    <dgm:effectClrLst/>
+    <dgm:txLinClrLst/>
+    <dgm:txFillClrLst meth="repeat">
+      <a:schemeClr val="dk1"/>
+    </dgm:txFillClrLst>
+    <dgm:txEffectClrLst/>
+  </dgm:styleLbl>
+  <dgm:styleLbl name="alignAccFollowNode1">
+    <dgm:fillClrLst meth="repeat">
+      <a:schemeClr val="accent1">
+        <a:alpha val="90000"/>
+        <a:tint val="40000"/>
+      </a:schemeClr>
+    </dgm:fillClrLst>
+    <dgm:linClrLst meth="repeat">
+      <a:schemeClr val="accent1">
+        <a:alpha val="90000"/>
+        <a:tint val="40000"/>
+      </a:schemeClr>
+    </dgm:linClrLst>
+    <dgm:effectClrLst/>
+    <dgm:txLinClrLst/>
+    <dgm:txFillClrLst meth="repeat">
+      <a:schemeClr val="dk1"/>
+    </dgm:txFillClrLst>
+    <dgm:txEffectClrLst/>
+  </dgm:styleLbl>
+  <dgm:styleLbl name="bgAccFollowNode1">
+    <dgm:fillClrLst meth="repeat">
+      <a:schemeClr val="accent1">
+        <a:alpha val="90000"/>
+        <a:tint val="40000"/>
+      </a:schemeClr>
+    </dgm:fillClrLst>
+    <dgm:linClrLst meth="repeat">
+      <a:schemeClr val="accent1">
+        <a:alpha val="90000"/>
+        <a:tint val="40000"/>
+      </a:schemeClr>
+    </dgm:linClrLst>
+    <dgm:effectClrLst/>
+    <dgm:txLinClrLst/>
+    <dgm:txFillClrLst meth="repeat">
+      <a:schemeClr val="dk1"/>
+    </dgm:txFillClrLst>
+    <dgm:txEffectClrLst/>
+  </dgm:styleLbl>
+  <dgm:styleLbl name="fgAcc0">
+    <dgm:fillClrLst meth="repeat">
+      <a:schemeClr val="lt1">
+        <a:alpha val="90000"/>
+      </a:schemeClr>
+    </dgm:fillClrLst>
+    <dgm:linClrLst meth="repeat">
+      <a:schemeClr val="accent1"/>
+    </dgm:linClrLst>
+    <dgm:effectClrLst/>
+    <dgm:txLinClrLst/>
+    <dgm:txFillClrLst meth="repeat">
+      <a:schemeClr val="dk1"/>
+    </dgm:txFillClrLst>
+    <dgm:txEffectClrLst/>
+  </dgm:styleLbl>
+  <dgm:styleLbl name="fgAcc2">
+    <dgm:fillClrLst meth="repeat">
+      <a:schemeClr val="lt1">
+        <a:alpha val="90000"/>
+      </a:schemeClr>
+    </dgm:fillClrLst>
+    <dgm:linClrLst meth="repeat">
+      <a:schemeClr val="accent1"/>
+    </dgm:linClrLst>
+    <dgm:effectClrLst/>
+    <dgm:txLinClrLst/>
+    <dgm:txFillClrLst meth="repeat">
+      <a:schemeClr val="dk1"/>
+    </dgm:txFillClrLst>
+    <dgm:txEffectClrLst/>
+  </dgm:styleLbl>
+  <dgm:styleLbl name="fgAcc3">
+    <dgm:fillClrLst meth="repeat">
+      <a:schemeClr val="lt1">
+        <a:alpha val="90000"/>
+      </a:schemeClr>
+    </dgm:fillClrLst>
+    <dgm:linClrLst meth="repeat">
+      <a:schemeClr val="accent1"/>
+    </dgm:linClrLst>
+    <dgm:effectClrLst/>
+    <dgm:txLinClrLst/>
+    <dgm:txFillClrLst meth="repeat">
+      <a:schemeClr val="dk1"/>
+    </dgm:txFillClrLst>
+    <dgm:txEffectClrLst/>
+  </dgm:styleLbl>
+  <dgm:styleLbl name="fgAcc4">
+    <dgm:fillClrLst meth="repeat">
+      <a:schemeClr val="lt1">
+        <a:alpha val="90000"/>
+      </a:schemeClr>
+    </dgm:fillClrLst>
+    <dgm:linClrLst meth="repeat">
+      <a:schemeClr val="accent1"/>
+    </dgm:linClrLst>
+    <dgm:effectClrLst/>
+    <dgm:txLinClrLst/>
+    <dgm:txFillClrLst meth="repeat">
+      <a:schemeClr val="dk1"/>
+    </dgm:txFillClrLst>
+    <dgm:txEffectClrLst/>
+  </dgm:styleLbl>
+  <dgm:styleLbl name="bgShp">
+    <dgm:fillClrLst meth="repeat">
+      <a:schemeClr val="accent1">
+        <a:tint val="40000"/>
+      </a:schemeClr>
+    </dgm:fillClrLst>
+    <dgm:linClrLst meth="repeat">
+      <a:schemeClr val="accent1"/>
+    </dgm:linClrLst>
+    <dgm:effectClrLst/>
+    <dgm:txLinClrLst/>
+    <dgm:txFillClrLst meth="repeat">
+      <a:schemeClr val="dk1"/>
+    </dgm:txFillClrLst>
+    <dgm:txEffectClrLst/>
+  </dgm:styleLbl>
+  <dgm:styleLbl name="dkBgShp">
+    <dgm:fillClrLst meth="repeat">
+      <a:schemeClr val="accent1">
+        <a:shade val="80000"/>
+      </a:schemeClr>
+    </dgm:fillClrLst>
+    <dgm:linClrLst meth="repeat">
+      <a:schemeClr val="accent1"/>
+    </dgm:linClrLst>
+    <dgm:effectClrLst/>
+    <dgm:txLinClrLst/>
+    <dgm:txFillClrLst meth="repeat">
+      <a:schemeClr val="lt1"/>
+    </dgm:txFillClrLst>
+    <dgm:txEffectClrLst/>
+  </dgm:styleLbl>
+  <dgm:styleLbl name="trBgShp">
+    <dgm:fillClrLst meth="repeat">
+      <a:schemeClr val="accent1">
+        <a:tint val="50000"/>
+        <a:alpha val="40000"/>
+      </a:schemeClr>
+    </dgm:fillClrLst>
+    <dgm:linClrLst meth="repeat">
+      <a:schemeClr val="accent1"/>
+    </dgm:linClrLst>
+    <dgm:effectClrLst/>
+    <dgm:txLinClrLst/>
+    <dgm:txFillClrLst meth="repeat">
+      <a:schemeClr val="lt1"/>
+    </dgm:txFillClrLst>
+    <dgm:txEffectClrLst/>
+  </dgm:styleLbl>
+  <dgm:styleLbl name="fgShp">
+    <dgm:fillClrLst meth="repeat">
+      <a:schemeClr val="accent1">
+        <a:tint val="60000"/>
+      </a:schemeClr>
+    </dgm:fillClrLst>
+    <dgm:linClrLst meth="repeat">
+      <a:schemeClr val="lt1"/>
+    </dgm:linClrLst>
+    <dgm:effectClrLst/>
+    <dgm:txLinClrLst/>
+    <dgm:txFillClrLst meth="repeat">
+      <a:schemeClr val="dk1"/>
+    </dgm:txFillClrLst>
+    <dgm:txEffectClrLst/>
+  </dgm:styleLbl>
+  <dgm:styleLbl name="revTx">
+    <dgm:fillClrLst meth="repeat">
+      <a:schemeClr val="lt1">
+        <a:alpha val="0"/>
+      </a:schemeClr>
+    </dgm:fillClrLst>
+    <dgm:linClrLst meth="repeat">
+      <a:schemeClr val="dk1">
+        <a:alpha val="0"/>
+      </a:schemeClr>
+    </dgm:linClrLst>
+    <dgm:effectClrLst/>
+    <dgm:txLinClrLst/>
+    <dgm:txFillClrLst meth="repeat">
+      <a:schemeClr val="tx1"/>
+    </dgm:txFillClrLst>
+    <dgm:txEffectClrLst/>
+  </dgm:styleLbl>
+</dgm:colorsDef>
+</file>
+
+<file path=ppt/diagrams/colors3.xml><?xml version="1.0" encoding="utf-8"?>
+<dgm:colorsDef xmlns:dgm="http://schemas.openxmlformats.org/drawingml/2006/diagram" xmlns:a="http://schemas.openxmlformats.org/drawingml/2006/main" uniqueId="urn:microsoft.com/office/officeart/2005/8/colors/accent1_2">
+  <dgm:title val=""/>
+  <dgm:desc val=""/>
+  <dgm:catLst>
+    <dgm:cat type="accent1" pri="11200"/>
+  </dgm:catLst>
+  <dgm:styleLbl name="node0">
+    <dgm:fillClrLst meth="repeat">
+      <a:schemeClr val="accent1"/>
+    </dgm:fillClrLst>
+    <dgm:linClrLst meth="repeat">
+      <a:schemeClr val="lt1"/>
+    </dgm:linClrLst>
+    <dgm:effectClrLst/>
+    <dgm:txLinClrLst/>
+    <dgm:txFillClrLst/>
+    <dgm:txEffectClrLst/>
+  </dgm:styleLbl>
+  <dgm:styleLbl name="alignNode1">
+    <dgm:fillClrLst meth="repeat">
+      <a:schemeClr val="accent1"/>
+    </dgm:fillClrLst>
+    <dgm:linClrLst meth="repeat">
+      <a:schemeClr val="accent1"/>
+    </dgm:linClrLst>
+    <dgm:effectClrLst/>
+    <dgm:txLinClrLst/>
+    <dgm:txFillClrLst/>
+    <dgm:txEffectClrLst/>
+  </dgm:styleLbl>
+  <dgm:styleLbl name="node1">
+    <dgm:fillClrLst meth="repeat">
+      <a:schemeClr val="accent1"/>
+    </dgm:fillClrLst>
+    <dgm:linClrLst meth="repeat">
+      <a:schemeClr val="lt1"/>
+    </dgm:linClrLst>
+    <dgm:effectClrLst/>
+    <dgm:txLinClrLst/>
+    <dgm:txFillClrLst/>
+    <dgm:txEffectClrLst/>
+  </dgm:styleLbl>
+  <dgm:styleLbl name="lnNode1">
+    <dgm:fillClrLst meth="repeat">
+      <a:schemeClr val="accent1"/>
+    </dgm:fillClrLst>
+    <dgm:linClrLst meth="repeat">
+      <a:schemeClr val="lt1"/>
+    </dgm:linClrLst>
+    <dgm:effectClrLst/>
+    <dgm:txLinClrLst/>
+    <dgm:txFillClrLst/>
+    <dgm:txEffectClrLst/>
+  </dgm:styleLbl>
+  <dgm:styleLbl name="vennNode1">
+    <dgm:fillClrLst meth="repeat">
+      <a:schemeClr val="accent1">
+        <a:alpha val="50000"/>
+      </a:schemeClr>
+    </dgm:fillClrLst>
+    <dgm:linClrLst meth="repeat">
+      <a:schemeClr val="lt1"/>
+    </dgm:linClrLst>
+    <dgm:effectClrLst/>
+    <dgm:txLinClrLst/>
+    <dgm:txFillClrLst/>
+    <dgm:txEffectClrLst/>
+  </dgm:styleLbl>
+  <dgm:styleLbl name="node2">
+    <dgm:fillClrLst meth="repeat">
+      <a:schemeClr val="accent1"/>
+    </dgm:fillClrLst>
+    <dgm:linClrLst meth="repeat">
+      <a:schemeClr val="lt1"/>
+    </dgm:linClrLst>
+    <dgm:effectClrLst/>
+    <dgm:txLinClrLst/>
+    <dgm:txFillClrLst/>
+    <dgm:txEffectClrLst/>
+  </dgm:styleLbl>
+  <dgm:styleLbl name="node3">
+    <dgm:fillClrLst meth="repeat">
+      <a:schemeClr val="accent1"/>
+    </dgm:fillClrLst>
+    <dgm:linClrLst meth="repeat">
+      <a:schemeClr val="lt1"/>
+    </dgm:linClrLst>
+    <dgm:effectClrLst/>
+    <dgm:txLinClrLst/>
+    <dgm:txFillClrLst/>
+    <dgm:txEffectClrLst/>
+  </dgm:styleLbl>
+  <dgm:styleLbl name="node4">
+    <dgm:fillClrLst meth="repeat">
+      <a:schemeClr val="accent1"/>
+    </dgm:fillClrLst>
+    <dgm:linClrLst meth="repeat">
+      <a:schemeClr val="lt1"/>
+    </dgm:linClrLst>
+    <dgm:effectClrLst/>
+    <dgm:txLinClrLst/>
+    <dgm:txFillClrLst/>
+    <dgm:txEffectClrLst/>
+  </dgm:styleLbl>
+  <dgm:styleLbl name="fgImgPlace1">
+    <dgm:fillClrLst meth="repeat">
+      <a:schemeClr val="accent1">
+        <a:tint val="50000"/>
+      </a:schemeClr>
+    </dgm:fillClrLst>
+    <dgm:linClrLst meth="repeat">
+      <a:schemeClr val="lt1"/>
+    </dgm:linClrLst>
+    <dgm:effectClrLst/>
+    <dgm:txLinClrLst/>
+    <dgm:txFillClrLst meth="repeat">
+      <a:schemeClr val="lt1"/>
+    </dgm:txFillClrLst>
+    <dgm:txEffectClrLst/>
+  </dgm:styleLbl>
+  <dgm:styleLbl name="alignImgPlace1">
+    <dgm:fillClrLst meth="repeat">
+      <a:schemeClr val="accent1">
+        <a:tint val="50000"/>
+      </a:schemeClr>
+    </dgm:fillClrLst>
+    <dgm:linClrLst meth="repeat">
+      <a:schemeClr val="lt1"/>
+    </dgm:linClrLst>
+    <dgm:effectClrLst/>
+    <dgm:txLinClrLst/>
+    <dgm:txFillClrLst meth="repeat">
+      <a:schemeClr val="lt1"/>
+    </dgm:txFillClrLst>
+    <dgm:txEffectClrLst/>
+  </dgm:styleLbl>
+  <dgm:styleLbl name="bgImgPlace1">
+    <dgm:fillClrLst meth="repeat">
+      <a:schemeClr val="accent1">
+        <a:tint val="50000"/>
+      </a:schemeClr>
+    </dgm:fillClrLst>
+    <dgm:linClrLst meth="repeat">
+      <a:schemeClr val="lt1"/>
+    </dgm:linClrLst>
+    <dgm:effectClrLst/>
+    <dgm:txLinClrLst/>
+    <dgm:txFillClrLst meth="repeat">
+      <a:schemeClr val="lt1"/>
+    </dgm:txFillClrLst>
+    <dgm:txEffectClrLst/>
+  </dgm:styleLbl>
+  <dgm:styleLbl name="sibTrans2D1">
+    <dgm:fillClrLst meth="repeat">
+      <a:schemeClr val="accent1">
+        <a:tint val="60000"/>
+      </a:schemeClr>
+    </dgm:fillClrLst>
+    <dgm:linClrLst meth="repeat">
+      <a:schemeClr val="accent1">
+        <a:tint val="60000"/>
+      </a:schemeClr>
+    </dgm:linClrLst>
+    <dgm:effectClrLst/>
+    <dgm:txLinClrLst/>
+    <dgm:txFillClrLst/>
+    <dgm:txEffectClrLst/>
+  </dgm:styleLbl>
+  <dgm:styleLbl name="fgSibTrans2D1">
+    <dgm:fillClrLst meth="repeat">
+      <a:schemeClr val="accent1">
+        <a:tint val="60000"/>
+      </a:schemeClr>
+    </dgm:fillClrLst>
+    <dgm:linClrLst meth="repeat">
+      <a:schemeClr val="accent1">
+        <a:tint val="60000"/>
+      </a:schemeClr>
+    </dgm:linClrLst>
+    <dgm:effectClrLst/>
+    <dgm:txLinClrLst/>
+    <dgm:txFillClrLst/>
+    <dgm:txEffectClrLst/>
+  </dgm:styleLbl>
+  <dgm:styleLbl name="bgSibTrans2D1">
+    <dgm:fillClrLst meth="repeat">
+      <a:schemeClr val="accent1">
+        <a:tint val="60000"/>
+      </a:schemeClr>
+    </dgm:fillClrLst>
+    <dgm:linClrLst meth="repeat">
+      <a:schemeClr val="accent1">
+        <a:tint val="60000"/>
+      </a:schemeClr>
+    </dgm:linClrLst>
+    <dgm:effectClrLst/>
+    <dgm:txLinClrLst/>
+    <dgm:txFillClrLst/>
+    <dgm:txEffectClrLst/>
+  </dgm:styleLbl>
+  <dgm:styleLbl name="sibTrans1D1">
+    <dgm:fillClrLst meth="repeat">
+      <a:schemeClr val="accent1"/>
+    </dgm:fillClrLst>
+    <dgm:linClrLst meth="repeat">
+      <a:schemeClr val="accent1"/>
+    </dgm:linClrLst>
+    <dgm:effectClrLst/>
+    <dgm:txLinClrLst/>
+    <dgm:txFillClrLst meth="repeat">
+      <a:schemeClr val="tx1"/>
+    </dgm:txFillClrLst>
+    <dgm:txEffectClrLst/>
+  </dgm:styleLbl>
+  <dgm:styleLbl name="callout">
+    <dgm:fillClrLst meth="repeat">
+      <a:schemeClr val="accent1"/>
+    </dgm:fillClrLst>
+    <dgm:linClrLst meth="repeat">
+      <a:schemeClr val="accent1">
+        <a:tint val="50000"/>
+      </a:schemeClr>
+    </dgm:linClrLst>
+    <dgm:effectClrLst/>
+    <dgm:txLinClrLst/>
+    <dgm:txFillClrLst meth="repeat">
+      <a:schemeClr val="tx1"/>
+    </dgm:txFillClrLst>
+    <dgm:txEffectClrLst/>
+  </dgm:styleLbl>
+  <dgm:styleLbl name="asst0">
+    <dgm:fillClrLst meth="repeat">
+      <a:schemeClr val="accent1"/>
+    </dgm:fillClrLst>
+    <dgm:linClrLst meth="repeat">
+      <a:schemeClr val="lt1"/>
+    </dgm:linClrLst>
+    <dgm:effectClrLst/>
+    <dgm:txLinClrLst/>
+    <dgm:txFillClrLst/>
+    <dgm:txEffectClrLst/>
+  </dgm:styleLbl>
+  <dgm:styleLbl name="asst1">
+    <dgm:fillClrLst meth="repeat">
+      <a:schemeClr val="accent1"/>
+    </dgm:fillClrLst>
+    <dgm:linClrLst meth="repeat">
+      <a:schemeClr val="lt1"/>
+    </dgm:linClrLst>
+    <dgm:effectClrLst/>
+    <dgm:txLinClrLst/>
+    <dgm:txFillClrLst/>
+    <dgm:txEffectClrLst/>
+  </dgm:styleLbl>
+  <dgm:styleLbl name="asst2">
+    <dgm:fillClrLst meth="repeat">
+      <a:schemeClr val="accent1"/>
+    </dgm:fillClrLst>
+    <dgm:linClrLst meth="repeat">
+      <a:schemeClr val="lt1"/>
+    </dgm:linClrLst>
+    <dgm:effectClrLst/>
+    <dgm:txLinClrLst/>
+    <dgm:txFillClrLst/>
+    <dgm:txEffectClrLst/>
+  </dgm:styleLbl>
+  <dgm:styleLbl name="asst3">
+    <dgm:fillClrLst meth="repeat">
+      <a:schemeClr val="accent1"/>
+    </dgm:fillClrLst>
+    <dgm:linClrLst meth="repeat">
+      <a:schemeClr val="lt1"/>
+    </dgm:linClrLst>
+    <dgm:effectClrLst/>
+    <dgm:txLinClrLst/>
+    <dgm:txFillClrLst/>
+    <dgm:txEffectClrLst/>
+  </dgm:styleLbl>
+  <dgm:styleLbl name="asst4">
+    <dgm:fillClrLst meth="repeat">
+      <a:schemeClr val="accent1"/>
+    </dgm:fillClrLst>
+    <dgm:linClrLst meth="repeat">
+      <a:schemeClr val="lt1"/>
+    </dgm:linClrLst>
+    <dgm:effectClrLst/>
+    <dgm:txLinClrLst/>
+    <dgm:txFillClrLst/>
+    <dgm:txEffectClrLst/>
+  </dgm:styleLbl>
+  <dgm:styleLbl name="parChTrans2D1">
+    <dgm:fillClrLst meth="repeat">
+      <a:schemeClr val="accent1">
+        <a:tint val="60000"/>
+      </a:schemeClr>
+    </dgm:fillClrLst>
+    <dgm:linClrLst meth="repeat">
+      <a:schemeClr val="accent1">
+        <a:tint val="60000"/>
+      </a:schemeClr>
+    </dgm:linClrLst>
+    <dgm:effectClrLst/>
+    <dgm:txLinClrLst/>
+    <dgm:txFillClrLst meth="repeat">
+      <a:schemeClr val="lt1"/>
+    </dgm:txFillClrLst>
+    <dgm:txEffectClrLst/>
+  </dgm:styleLbl>
+  <dgm:styleLbl name="parChTrans2D2">
+    <dgm:fillClrLst meth="repeat">
+      <a:schemeClr val="accent1"/>
+    </dgm:fillClrLst>
+    <dgm:linClrLst meth="repeat">
+      <a:schemeClr val="accent1"/>
+    </dgm:linClrLst>
+    <dgm:effectClrLst/>
+    <dgm:txLinClrLst/>
+    <dgm:txFillClrLst meth="repeat">
+      <a:schemeClr val="lt1"/>
+    </dgm:txFillClrLst>
+    <dgm:txEffectClrLst/>
+  </dgm:styleLbl>
+  <dgm:styleLbl name="parChTrans2D3">
+    <dgm:fillClrLst meth="repeat">
+      <a:schemeClr val="accent1"/>
+    </dgm:fillClrLst>
+    <dgm:linClrLst meth="repeat">
+      <a:schemeClr val="accent1"/>
+    </dgm:linClrLst>
+    <dgm:effectClrLst/>
+    <dgm:txLinClrLst/>
+    <dgm:txFillClrLst meth="repeat">
+      <a:schemeClr val="lt1"/>
+    </dgm:txFillClrLst>
+    <dgm:txEffectClrLst/>
+  </dgm:styleLbl>
+  <dgm:styleLbl name="parChTrans2D4">
+    <dgm:fillClrLst meth="repeat">
+      <a:schemeClr val="accent1"/>
+    </dgm:fillClrLst>
+    <dgm:linClrLst meth="repeat">
+      <a:schemeClr val="accent1"/>
+    </dgm:linClrLst>
+    <dgm:effectClrLst/>
+    <dgm:txLinClrLst/>
+    <dgm:txFillClrLst meth="repeat">
+      <a:schemeClr val="lt1"/>
+    </dgm:txFillClrLst>
+    <dgm:txEffectClrLst/>
+  </dgm:styleLbl>
+  <dgm:styleLbl name="parChTrans1D1">
+    <dgm:fillClrLst meth="repeat">
+      <a:schemeClr val="accent1"/>
+    </dgm:fillClrLst>
+    <dgm:linClrLst meth="repeat">
+      <a:schemeClr val="accent1">
+        <a:shade val="60000"/>
+      </a:schemeClr>
+    </dgm:linClrLst>
+    <dgm:effectClrLst/>
+    <dgm:txLinClrLst/>
+    <dgm:txFillClrLst meth="repeat">
+      <a:schemeClr val="tx1"/>
+    </dgm:txFillClrLst>
+    <dgm:txEffectClrLst/>
+  </dgm:styleLbl>
+  <dgm:styleLbl name="parChTrans1D2">
+    <dgm:fillClrLst meth="repeat">
+      <a:schemeClr val="accent1"/>
+    </dgm:fillClrLst>
+    <dgm:linClrLst meth="repeat">
+      <a:schemeClr val="accent1">
+        <a:shade val="60000"/>
+      </a:schemeClr>
+    </dgm:linClrLst>
+    <dgm:effectClrLst/>
+    <dgm:txLinClrLst/>
+    <dgm:txFillClrLst meth="repeat">
+      <a:schemeClr val="tx1"/>
+    </dgm:txFillClrLst>
+    <dgm:txEffectClrLst/>
+  </dgm:styleLbl>
+  <dgm:styleLbl name="parChTrans1D3">
+    <dgm:fillClrLst meth="repeat">
+      <a:schemeClr val="accent1"/>
+    </dgm:fillClrLst>
+    <dgm:linClrLst meth="repeat">
+      <a:schemeClr val="accent1">
+        <a:shade val="80000"/>
+      </a:schemeClr>
+    </dgm:linClrLst>
+    <dgm:effectClrLst/>
+    <dgm:txLinClrLst/>
+    <dgm:txFillClrLst meth="repeat">
+      <a:schemeClr val="tx1"/>
+    </dgm:txFillClrLst>
+    <dgm:txEffectClrLst/>
+  </dgm:styleLbl>
+  <dgm:styleLbl name="parChTrans1D4">
+    <dgm:fillClrLst meth="repeat">
+      <a:schemeClr val="accent1"/>
+    </dgm:fillClrLst>
+    <dgm:linClrLst meth="repeat">
+      <a:schemeClr val="accent1">
+        <a:shade val="80000"/>
+      </a:schemeClr>
+    </dgm:linClrLst>
+    <dgm:effectClrLst/>
+    <dgm:txLinClrLst/>
+    <dgm:txFillClrLst meth="repeat">
+      <a:schemeClr val="tx1"/>
+    </dgm:txFillClrLst>
+    <dgm:txEffectClrLst/>
+  </dgm:styleLbl>
+  <dgm:styleLbl name="fgAcc1">
+    <dgm:fillClrLst meth="repeat">
+      <a:schemeClr val="lt1">
+        <a:alpha val="90000"/>
+      </a:schemeClr>
+    </dgm:fillClrLst>
+    <dgm:linClrLst meth="repeat">
+      <a:schemeClr val="accent1"/>
+    </dgm:linClrLst>
+    <dgm:effectClrLst/>
+    <dgm:txLinClrLst/>
+    <dgm:txFillClrLst meth="repeat">
+      <a:schemeClr val="dk1"/>
+    </dgm:txFillClrLst>
+    <dgm:txEffectClrLst/>
+  </dgm:styleLbl>
+  <dgm:styleLbl name="conFgAcc1">
+    <dgm:fillClrLst meth="repeat">
+      <a:schemeClr val="lt1">
+        <a:alpha val="90000"/>
+      </a:schemeClr>
+    </dgm:fillClrLst>
+    <dgm:linClrLst meth="repeat">
+      <a:schemeClr val="accent1"/>
+    </dgm:linClrLst>
+    <dgm:effectClrLst/>
+    <dgm:txLinClrLst/>
+    <dgm:txFillClrLst meth="repeat">
+      <a:schemeClr val="dk1"/>
+    </dgm:txFillClrLst>
+    <dgm:txEffectClrLst/>
+  </dgm:styleLbl>
+  <dgm:styleLbl name="alignAcc1">
+    <dgm:fillClrLst meth="repeat">
+      <a:schemeClr val="lt1">
+        <a:alpha val="90000"/>
+      </a:schemeClr>
+    </dgm:fillClrLst>
+    <dgm:linClrLst meth="repeat">
+      <a:schemeClr val="accent1"/>
+    </dgm:linClrLst>
+    <dgm:effectClrLst/>
+    <dgm:txLinClrLst/>
+    <dgm:txFillClrLst meth="repeat">
+      <a:schemeClr val="dk1"/>
+    </dgm:txFillClrLst>
+    <dgm:txEffectClrLst/>
+  </dgm:styleLbl>
+  <dgm:styleLbl name="trAlignAcc1">
+    <dgm:fillClrLst meth="repeat">
+      <a:schemeClr val="lt1">
+        <a:alpha val="40000"/>
+      </a:schemeClr>
+    </dgm:fillClrLst>
+    <dgm:linClrLst meth="repeat">
+      <a:schemeClr val="accent1"/>
+    </dgm:linClrLst>
+    <dgm:effectClrLst/>
+    <dgm:txLinClrLst/>
+    <dgm:txFillClrLst meth="repeat">
+      <a:schemeClr val="dk1"/>
+    </dgm:txFillClrLst>
+    <dgm:txEffectClrLst/>
+  </dgm:styleLbl>
+  <dgm:styleLbl name="bgAcc1">
+    <dgm:fillClrLst meth="repeat">
+      <a:schemeClr val="lt1">
+        <a:alpha val="90000"/>
+      </a:schemeClr>
+    </dgm:fillClrLst>
+    <dgm:linClrLst meth="repeat">
+      <a:schemeClr val="accent1"/>
+    </dgm:linClrLst>
+    <dgm:effectClrLst/>
+    <dgm:txLinClrLst/>
+    <dgm:txFillClrLst meth="repeat">
+      <a:schemeClr val="dk1"/>
+    </dgm:txFillClrLst>
+    <dgm:txEffectClrLst/>
+  </dgm:styleLbl>
+  <dgm:styleLbl name="solidFgAcc1">
+    <dgm:fillClrLst meth="repeat">
+      <a:schemeClr val="lt1"/>
+    </dgm:fillClrLst>
+    <dgm:linClrLst meth="repeat">
+      <a:schemeClr val="accent1"/>
+    </dgm:linClrLst>
+    <dgm:effectClrLst/>
+    <dgm:txLinClrLst/>
+    <dgm:txFillClrLst meth="repeat">
+      <a:schemeClr val="dk1"/>
+    </dgm:txFillClrLst>
+    <dgm:txEffectClrLst/>
+  </dgm:styleLbl>
+  <dgm:styleLbl name="solidAlignAcc1">
+    <dgm:fillClrLst meth="repeat">
+      <a:schemeClr val="lt1"/>
+    </dgm:fillClrLst>
+    <dgm:linClrLst meth="repeat">
+      <a:schemeClr val="accent1"/>
+    </dgm:linClrLst>
+    <dgm:effectClrLst/>
+    <dgm:txLinClrLst/>
+    <dgm:txFillClrLst meth="repeat">
+      <a:schemeClr val="dk1"/>
+    </dgm:txFillClrLst>
+    <dgm:txEffectClrLst/>
+  </dgm:styleLbl>
+  <dgm:styleLbl name="solidBgAcc1">
+    <dgm:fillClrLst meth="repeat">
+      <a:schemeClr val="lt1"/>
+    </dgm:fillClrLst>
+    <dgm:linClrLst meth="repeat">
+      <a:schemeClr val="accent1"/>
+    </dgm:linClrLst>
+    <dgm:effectClrLst/>
+    <dgm:txLinClrLst/>
+    <dgm:txFillClrLst meth="repeat">
+      <a:schemeClr val="dk1"/>
+    </dgm:txFillClrLst>
+    <dgm:txEffectClrLst/>
+  </dgm:styleLbl>
+  <dgm:styleLbl name="fgAccFollowNode1">
+    <dgm:fillClrLst meth="repeat">
+      <a:schemeClr val="accent1">
+        <a:alpha val="90000"/>
+        <a:tint val="40000"/>
+      </a:schemeClr>
+    </dgm:fillClrLst>
+    <dgm:linClrLst meth="repeat">
+      <a:schemeClr val="accent1">
+        <a:alpha val="90000"/>
+        <a:tint val="40000"/>
+      </a:schemeClr>
+    </dgm:linClrLst>
+    <dgm:effectClrLst/>
+    <dgm:txLinClrLst/>
+    <dgm:txFillClrLst meth="repeat">
+      <a:schemeClr val="dk1"/>
+    </dgm:txFillClrLst>
+    <dgm:txEffectClrLst/>
+  </dgm:styleLbl>
+  <dgm:styleLbl name="alignAccFollowNode1">
+    <dgm:fillClrLst meth="repeat">
+      <a:schemeClr val="accent1">
+        <a:alpha val="90000"/>
+        <a:tint val="40000"/>
+      </a:schemeClr>
+    </dgm:fillClrLst>
+    <dgm:linClrLst meth="repeat">
+      <a:schemeClr val="accent1">
+        <a:alpha val="90000"/>
+        <a:tint val="40000"/>
+      </a:schemeClr>
+    </dgm:linClrLst>
+    <dgm:effectClrLst/>
+    <dgm:txLinClrLst/>
+    <dgm:txFillClrLst meth="repeat">
+      <a:schemeClr val="dk1"/>
+    </dgm:txFillClrLst>
+    <dgm:txEffectClrLst/>
+  </dgm:styleLbl>
+  <dgm:styleLbl name="bgAccFollowNode1">
+    <dgm:fillClrLst meth="repeat">
+      <a:schemeClr val="accent1">
+        <a:alpha val="90000"/>
+        <a:tint val="40000"/>
+      </a:schemeClr>
+    </dgm:fillClrLst>
+    <dgm:linClrLst meth="repeat">
+      <a:schemeClr val="accent1">
+        <a:alpha val="90000"/>
+        <a:tint val="40000"/>
+      </a:schemeClr>
+    </dgm:linClrLst>
+    <dgm:effectClrLst/>
+    <dgm:txLinClrLst/>
+    <dgm:txFillClrLst meth="repeat">
+      <a:schemeClr val="dk1"/>
+    </dgm:txFillClrLst>
+    <dgm:txEffectClrLst/>
+  </dgm:styleLbl>
+  <dgm:styleLbl name="fgAcc0">
+    <dgm:fillClrLst meth="repeat">
+      <a:schemeClr val="lt1">
+        <a:alpha val="90000"/>
+      </a:schemeClr>
+    </dgm:fillClrLst>
+    <dgm:linClrLst meth="repeat">
+      <a:schemeClr val="accent1"/>
+    </dgm:linClrLst>
+    <dgm:effectClrLst/>
+    <dgm:txLinClrLst/>
+    <dgm:txFillClrLst meth="repeat">
+      <a:schemeClr val="dk1"/>
+    </dgm:txFillClrLst>
+    <dgm:txEffectClrLst/>
+  </dgm:styleLbl>
+  <dgm:styleLbl name="fgAcc2">
+    <dgm:fillClrLst meth="repeat">
+      <a:schemeClr val="lt1">
+        <a:alpha val="90000"/>
+      </a:schemeClr>
+    </dgm:fillClrLst>
+    <dgm:linClrLst meth="repeat">
+      <a:schemeClr val="accent1"/>
+    </dgm:linClrLst>
+    <dgm:effectClrLst/>
+    <dgm:txLinClrLst/>
+    <dgm:txFillClrLst meth="repeat">
+      <a:schemeClr val="dk1"/>
+    </dgm:txFillClrLst>
+    <dgm:txEffectClrLst/>
+  </dgm:styleLbl>
+  <dgm:styleLbl name="fgAcc3">
+    <dgm:fillClrLst meth="repeat">
+      <a:schemeClr val="lt1">
+        <a:alpha val="90000"/>
+      </a:schemeClr>
+    </dgm:fillClrLst>
+    <dgm:linClrLst meth="repeat">
+      <a:schemeClr val="accent1"/>
+    </dgm:linClrLst>
+    <dgm:effectClrLst/>
+    <dgm:txLinClrLst/>
+    <dgm:txFillClrLst meth="repeat">
+      <a:schemeClr val="dk1"/>
+    </dgm:txFillClrLst>
+    <dgm:txEffectClrLst/>
+  </dgm:styleLbl>
+  <dgm:styleLbl name="fgAcc4">
+    <dgm:fillClrLst meth="repeat">
+      <a:schemeClr val="lt1">
+        <a:alpha val="90000"/>
+      </a:schemeClr>
+    </dgm:fillClrLst>
+    <dgm:linClrLst meth="repeat">
+      <a:schemeClr val="accent1"/>
+    </dgm:linClrLst>
+    <dgm:effectClrLst/>
+    <dgm:txLinClrLst/>
+    <dgm:txFillClrLst meth="repeat">
+      <a:schemeClr val="dk1"/>
+    </dgm:txFillClrLst>
+    <dgm:txEffectClrLst/>
+  </dgm:styleLbl>
+  <dgm:styleLbl name="bgShp">
+    <dgm:fillClrLst meth="repeat">
+      <a:schemeClr val="accent1">
+        <a:tint val="40000"/>
+      </a:schemeClr>
+    </dgm:fillClrLst>
+    <dgm:linClrLst meth="repeat">
+      <a:schemeClr val="accent1"/>
+    </dgm:linClrLst>
+    <dgm:effectClrLst/>
+    <dgm:txLinClrLst/>
+    <dgm:txFillClrLst meth="repeat">
+      <a:schemeClr val="dk1"/>
+    </dgm:txFillClrLst>
+    <dgm:txEffectClrLst/>
+  </dgm:styleLbl>
+  <dgm:styleLbl name="dkBgShp">
+    <dgm:fillClrLst meth="repeat">
+      <a:schemeClr val="accent1">
+        <a:shade val="80000"/>
+      </a:schemeClr>
+    </dgm:fillClrLst>
+    <dgm:linClrLst meth="repeat">
+      <a:schemeClr val="accent1"/>
+    </dgm:linClrLst>
+    <dgm:effectClrLst/>
+    <dgm:txLinClrLst/>
+    <dgm:txFillClrLst meth="repeat">
+      <a:schemeClr val="lt1"/>
+    </dgm:txFillClrLst>
+    <dgm:txEffectClrLst/>
+  </dgm:styleLbl>
+  <dgm:styleLbl name="trBgShp">
+    <dgm:fillClrLst meth="repeat">
+      <a:schemeClr val="accent1">
+        <a:tint val="50000"/>
+        <a:alpha val="40000"/>
+      </a:schemeClr>
+    </dgm:fillClrLst>
+    <dgm:linClrLst meth="repeat">
+      <a:schemeClr val="accent1"/>
+    </dgm:linClrLst>
+    <dgm:effectClrLst/>
+    <dgm:txLinClrLst/>
+    <dgm:txFillClrLst meth="repeat">
+      <a:schemeClr val="lt1"/>
+    </dgm:txFillClrLst>
+    <dgm:txEffectClrLst/>
+  </dgm:styleLbl>
+  <dgm:styleLbl name="fgShp">
+    <dgm:fillClrLst meth="repeat">
+      <a:schemeClr val="accent1">
+        <a:tint val="60000"/>
+      </a:schemeClr>
+    </dgm:fillClrLst>
+    <dgm:linClrLst meth="repeat">
+      <a:schemeClr val="lt1"/>
+    </dgm:linClrLst>
+    <dgm:effectClrLst/>
+    <dgm:txLinClrLst/>
+    <dgm:txFillClrLst meth="repeat">
+      <a:schemeClr val="dk1"/>
+    </dgm:txFillClrLst>
+    <dgm:txEffectClrLst/>
+  </dgm:styleLbl>
+  <dgm:styleLbl name="revTx">
+    <dgm:fillClrLst meth="repeat">
+      <a:schemeClr val="lt1">
+        <a:alpha val="0"/>
+      </a:schemeClr>
+    </dgm:fillClrLst>
+    <dgm:linClrLst meth="repeat">
+      <a:schemeClr val="dk1">
+        <a:alpha val="0"/>
+      </a:schemeClr>
+    </dgm:linClrLst>
+    <dgm:effectClrLst/>
+    <dgm:txLinClrLst/>
+    <dgm:txFillClrLst meth="repeat">
+      <a:schemeClr val="tx1"/>
+    </dgm:txFillClrLst>
+    <dgm:txEffectClrLst/>
+  </dgm:styleLbl>
+</dgm:colorsDef>
+</file>
+
+<file path=ppt/diagrams/colors4.xml><?xml version="1.0" encoding="utf-8"?>
 <dgm:colorsDef xmlns:dgm="http://schemas.openxmlformats.org/drawingml/2006/diagram" xmlns:a="http://schemas.openxmlformats.org/drawingml/2006/main" uniqueId="urn:microsoft.com/office/officeart/2005/8/colors/accent1_2">
   <dgm:title val=""/>
   <dgm:desc val=""/>
@@ -2535,6 +4031,592 @@
   <dgm:extLst>
     <a:ext uri="http://schemas.microsoft.com/office/drawing/2008/diagram">
       <dsp:dataModelExt xmlns:dsp="http://schemas.microsoft.com/office/drawing/2008/diagram" relId="rId7" minVer="http://schemas.openxmlformats.org/drawingml/2006/diagram"/>
+    </a:ext>
+  </dgm:extLst>
+</dgm:dataModel>
+</file>
+
+<file path=ppt/diagrams/data3.xml><?xml version="1.0" encoding="utf-8"?>
+<dgm:dataModel xmlns:dgm="http://schemas.openxmlformats.org/drawingml/2006/diagram" xmlns:a="http://schemas.openxmlformats.org/drawingml/2006/main">
+  <dgm:ptLst>
+    <dgm:pt modelId="{EBA956B9-8AA8-4C09-A042-F12559543711}" type="doc">
+      <dgm:prSet loTypeId="urn:microsoft.com/office/officeart/2008/layout/AlternatingHexagons" loCatId="list" qsTypeId="urn:microsoft.com/office/officeart/2005/8/quickstyle/simple1" qsCatId="simple" csTypeId="urn:microsoft.com/office/officeart/2005/8/colors/accent1_2" csCatId="accent1" phldr="1"/>
+      <dgm:spPr/>
+      <dgm:t>
+        <a:bodyPr/>
+        <a:lstStyle/>
+        <a:p>
+          <a:endParaRPr lang="en-US"/>
+        </a:p>
+      </dgm:t>
+    </dgm:pt>
+    <dgm:pt modelId="{DFA9EDA4-D9DD-44C8-9AC2-E14B5628EAEA}">
+      <dgm:prSet phldrT="[Text]"/>
+      <dgm:spPr/>
+      <dgm:t>
+        <a:bodyPr/>
+        <a:lstStyle/>
+        <a:p>
+          <a:r>
+            <a:rPr lang="en-US" dirty="0" smtClean="0"/>
+            <a:t>code2</a:t>
+          </a:r>
+          <a:endParaRPr lang="en-US" dirty="0"/>
+        </a:p>
+      </dgm:t>
+    </dgm:pt>
+    <dgm:pt modelId="{B3AFC30B-A1AF-46BA-8ADF-5684A94E8972}" type="parTrans" cxnId="{EC83C866-A311-451C-8A65-4B7F158B5FCA}">
+      <dgm:prSet/>
+      <dgm:spPr/>
+      <dgm:t>
+        <a:bodyPr/>
+        <a:lstStyle/>
+        <a:p>
+          <a:endParaRPr lang="en-US"/>
+        </a:p>
+      </dgm:t>
+    </dgm:pt>
+    <dgm:pt modelId="{D4A37EBF-84D2-4B44-B1E8-85FE4AF363EE}" type="sibTrans" cxnId="{EC83C866-A311-451C-8A65-4B7F158B5FCA}">
+      <dgm:prSet/>
+      <dgm:spPr/>
+      <dgm:t>
+        <a:bodyPr/>
+        <a:lstStyle/>
+        <a:p>
+          <a:r>
+            <a:rPr lang="en-US" dirty="0" smtClean="0"/>
+            <a:t>code1</a:t>
+          </a:r>
+          <a:endParaRPr lang="en-US" dirty="0"/>
+        </a:p>
+      </dgm:t>
+    </dgm:pt>
+    <dgm:pt modelId="{7E05D667-AF25-40F8-A435-2D17D074E566}">
+      <dgm:prSet phldrT="[Text]"/>
+      <dgm:spPr/>
+      <dgm:t>
+        <a:bodyPr/>
+        <a:lstStyle/>
+        <a:p>
+          <a:r>
+            <a:rPr lang="en-US" dirty="0" smtClean="0"/>
+            <a:t>Code 3</a:t>
+          </a:r>
+          <a:endParaRPr lang="en-US" dirty="0"/>
+        </a:p>
+      </dgm:t>
+    </dgm:pt>
+    <dgm:pt modelId="{9F2CCD9B-12FD-4261-9934-5A17AD108225}" type="parTrans" cxnId="{005E5C72-7A8B-40E7-BA09-EE8BC763B96F}">
+      <dgm:prSet/>
+      <dgm:spPr/>
+      <dgm:t>
+        <a:bodyPr/>
+        <a:lstStyle/>
+        <a:p>
+          <a:endParaRPr lang="en-US"/>
+        </a:p>
+      </dgm:t>
+    </dgm:pt>
+    <dgm:pt modelId="{01AA8283-1DBB-4CDA-BBF9-95436A57932F}" type="sibTrans" cxnId="{005E5C72-7A8B-40E7-BA09-EE8BC763B96F}">
+      <dgm:prSet/>
+      <dgm:spPr/>
+      <dgm:t>
+        <a:bodyPr/>
+        <a:lstStyle/>
+        <a:p>
+          <a:r>
+            <a:rPr lang="en-US" dirty="0" smtClean="0"/>
+            <a:t>code4</a:t>
+          </a:r>
+          <a:endParaRPr lang="en-US" dirty="0"/>
+        </a:p>
+      </dgm:t>
+    </dgm:pt>
+    <dgm:pt modelId="{60B1FFD0-0763-4574-B410-A6988B4EED25}">
+      <dgm:prSet phldrT="[Text]"/>
+      <dgm:spPr/>
+      <dgm:t>
+        <a:bodyPr/>
+        <a:lstStyle/>
+        <a:p>
+          <a:endParaRPr lang="en-US" dirty="0"/>
+        </a:p>
+      </dgm:t>
+    </dgm:pt>
+    <dgm:pt modelId="{A56F651D-7693-492C-94CF-AFADC33A69BD}" type="parTrans" cxnId="{17BBF473-42B5-4AA2-8D07-4648901D94A6}">
+      <dgm:prSet/>
+      <dgm:spPr/>
+      <dgm:t>
+        <a:bodyPr/>
+        <a:lstStyle/>
+        <a:p>
+          <a:endParaRPr lang="en-US"/>
+        </a:p>
+      </dgm:t>
+    </dgm:pt>
+    <dgm:pt modelId="{2DF65D7E-8F3D-49A2-90AC-9307E9CA1482}" type="sibTrans" cxnId="{17BBF473-42B5-4AA2-8D07-4648901D94A6}">
+      <dgm:prSet/>
+      <dgm:spPr/>
+      <dgm:t>
+        <a:bodyPr/>
+        <a:lstStyle/>
+        <a:p>
+          <a:endParaRPr lang="en-US"/>
+        </a:p>
+      </dgm:t>
+    </dgm:pt>
+    <dgm:pt modelId="{C8819DA0-0A0D-4809-A697-8EE17C27F8FD}" type="pres">
+      <dgm:prSet presAssocID="{EBA956B9-8AA8-4C09-A042-F12559543711}" presName="Name0" presStyleCnt="0">
+        <dgm:presLayoutVars>
+          <dgm:chMax/>
+          <dgm:chPref/>
+          <dgm:dir/>
+          <dgm:animLvl val="lvl"/>
+        </dgm:presLayoutVars>
+      </dgm:prSet>
+      <dgm:spPr/>
+    </dgm:pt>
+    <dgm:pt modelId="{85E02B51-8424-4698-A1D8-7387BFC7AE79}" type="pres">
+      <dgm:prSet presAssocID="{DFA9EDA4-D9DD-44C8-9AC2-E14B5628EAEA}" presName="composite" presStyleCnt="0"/>
+      <dgm:spPr/>
+    </dgm:pt>
+    <dgm:pt modelId="{1CEF3C90-5AFE-47A2-913C-0D42C000C14C}" type="pres">
+      <dgm:prSet presAssocID="{DFA9EDA4-D9DD-44C8-9AC2-E14B5628EAEA}" presName="Parent1" presStyleLbl="node1" presStyleIdx="0" presStyleCnt="4" custLinFactX="-26573" custLinFactNeighborX="-100000" custLinFactNeighborY="-112">
+        <dgm:presLayoutVars>
+          <dgm:chMax val="1"/>
+          <dgm:chPref val="1"/>
+          <dgm:bulletEnabled val="1"/>
+        </dgm:presLayoutVars>
+      </dgm:prSet>
+      <dgm:spPr/>
+    </dgm:pt>
+    <dgm:pt modelId="{EF8FA3B5-F5CF-4A95-9D97-D77A25F8D216}" type="pres">
+      <dgm:prSet presAssocID="{DFA9EDA4-D9DD-44C8-9AC2-E14B5628EAEA}" presName="Childtext1" presStyleLbl="revTx" presStyleIdx="0" presStyleCnt="2">
+        <dgm:presLayoutVars>
+          <dgm:chMax val="0"/>
+          <dgm:chPref val="0"/>
+          <dgm:bulletEnabled val="1"/>
+        </dgm:presLayoutVars>
+      </dgm:prSet>
+      <dgm:spPr/>
+      <dgm:t>
+        <a:bodyPr/>
+        <a:lstStyle/>
+        <a:p>
+          <a:endParaRPr lang="en-US"/>
+        </a:p>
+      </dgm:t>
+    </dgm:pt>
+    <dgm:pt modelId="{298D7740-3D1F-4D3E-BEBA-3F4A4183C2F1}" type="pres">
+      <dgm:prSet presAssocID="{DFA9EDA4-D9DD-44C8-9AC2-E14B5628EAEA}" presName="BalanceSpacing" presStyleCnt="0"/>
+      <dgm:spPr/>
+    </dgm:pt>
+    <dgm:pt modelId="{A605766A-D973-401B-9488-D0E2540CCDEA}" type="pres">
+      <dgm:prSet presAssocID="{DFA9EDA4-D9DD-44C8-9AC2-E14B5628EAEA}" presName="BalanceSpacing1" presStyleCnt="0"/>
+      <dgm:spPr/>
+    </dgm:pt>
+    <dgm:pt modelId="{36CC621C-EEBA-4032-A1C4-95D93E13E7B4}" type="pres">
+      <dgm:prSet presAssocID="{D4A37EBF-84D2-4B44-B1E8-85FE4AF363EE}" presName="Accent1Text" presStyleLbl="node1" presStyleIdx="1" presStyleCnt="4" custLinFactX="-100000" custLinFactNeighborX="-157206" custLinFactNeighborY="-9732"/>
+      <dgm:spPr/>
+    </dgm:pt>
+    <dgm:pt modelId="{9C0F2BCD-F43D-4A3C-BA7A-519BADA96AD6}" type="pres">
+      <dgm:prSet presAssocID="{D4A37EBF-84D2-4B44-B1E8-85FE4AF363EE}" presName="spaceBetweenRectangles" presStyleCnt="0"/>
+      <dgm:spPr/>
+    </dgm:pt>
+    <dgm:pt modelId="{067A95DD-E9E6-4A81-934E-E32D66C89010}" type="pres">
+      <dgm:prSet presAssocID="{7E05D667-AF25-40F8-A435-2D17D074E566}" presName="composite" presStyleCnt="0"/>
+      <dgm:spPr/>
+    </dgm:pt>
+    <dgm:pt modelId="{BADB0BD2-CE74-4F03-B6B4-AEA52D935E43}" type="pres">
+      <dgm:prSet presAssocID="{7E05D667-AF25-40F8-A435-2D17D074E566}" presName="Parent1" presStyleLbl="node1" presStyleIdx="2" presStyleCnt="4" custLinFactX="61866" custLinFactNeighborX="100000" custLinFactNeighborY="-80841">
+        <dgm:presLayoutVars>
+          <dgm:chMax val="1"/>
+          <dgm:chPref val="1"/>
+          <dgm:bulletEnabled val="1"/>
+        </dgm:presLayoutVars>
+      </dgm:prSet>
+      <dgm:spPr/>
+      <dgm:t>
+        <a:bodyPr/>
+        <a:lstStyle/>
+        <a:p>
+          <a:endParaRPr lang="en-US"/>
+        </a:p>
+      </dgm:t>
+    </dgm:pt>
+    <dgm:pt modelId="{16B7D3A3-56DC-416A-9D44-98A1CDBB4E4D}" type="pres">
+      <dgm:prSet presAssocID="{7E05D667-AF25-40F8-A435-2D17D074E566}" presName="Childtext1" presStyleLbl="revTx" presStyleIdx="1" presStyleCnt="2">
+        <dgm:presLayoutVars>
+          <dgm:chMax val="0"/>
+          <dgm:chPref val="0"/>
+          <dgm:bulletEnabled val="1"/>
+        </dgm:presLayoutVars>
+      </dgm:prSet>
+      <dgm:spPr/>
+      <dgm:t>
+        <a:bodyPr/>
+        <a:lstStyle/>
+        <a:p>
+          <a:endParaRPr lang="en-US"/>
+        </a:p>
+      </dgm:t>
+    </dgm:pt>
+    <dgm:pt modelId="{D7867577-8C2C-4494-A717-E7742E7BF66A}" type="pres">
+      <dgm:prSet presAssocID="{7E05D667-AF25-40F8-A435-2D17D074E566}" presName="BalanceSpacing" presStyleCnt="0"/>
+      <dgm:spPr/>
+    </dgm:pt>
+    <dgm:pt modelId="{1C8EE4AF-587F-4D3D-B304-8F1C0A7C24BA}" type="pres">
+      <dgm:prSet presAssocID="{7E05D667-AF25-40F8-A435-2D17D074E566}" presName="BalanceSpacing1" presStyleCnt="0"/>
+      <dgm:spPr/>
+    </dgm:pt>
+    <dgm:pt modelId="{B54F54A5-26B8-4787-8570-EDBF36A08DD1}" type="pres">
+      <dgm:prSet presAssocID="{01AA8283-1DBB-4CDA-BBF9-95436A57932F}" presName="Accent1Text" presStyleLbl="node1" presStyleIdx="3" presStyleCnt="4" custLinFactX="100000" custLinFactNeighborX="174005" custLinFactNeighborY="-83072"/>
+      <dgm:spPr/>
+    </dgm:pt>
+  </dgm:ptLst>
+  <dgm:cxnLst>
+    <dgm:cxn modelId="{EA2FFEC8-B5B6-4BA8-B6E7-45DA64592B77}" type="presOf" srcId="{7E05D667-AF25-40F8-A435-2D17D074E566}" destId="{BADB0BD2-CE74-4F03-B6B4-AEA52D935E43}" srcOrd="0" destOrd="0" presId="urn:microsoft.com/office/officeart/2008/layout/AlternatingHexagons"/>
+    <dgm:cxn modelId="{005E5C72-7A8B-40E7-BA09-EE8BC763B96F}" srcId="{EBA956B9-8AA8-4C09-A042-F12559543711}" destId="{7E05D667-AF25-40F8-A435-2D17D074E566}" srcOrd="1" destOrd="0" parTransId="{9F2CCD9B-12FD-4261-9934-5A17AD108225}" sibTransId="{01AA8283-1DBB-4CDA-BBF9-95436A57932F}"/>
+    <dgm:cxn modelId="{14AC3F79-D1B7-4516-BEA8-0A3A609B5061}" type="presOf" srcId="{01AA8283-1DBB-4CDA-BBF9-95436A57932F}" destId="{B54F54A5-26B8-4787-8570-EDBF36A08DD1}" srcOrd="0" destOrd="0" presId="urn:microsoft.com/office/officeart/2008/layout/AlternatingHexagons"/>
+    <dgm:cxn modelId="{FEE453CF-602B-4506-AF2B-1F9A26DC9E7A}" type="presOf" srcId="{60B1FFD0-0763-4574-B410-A6988B4EED25}" destId="{16B7D3A3-56DC-416A-9D44-98A1CDBB4E4D}" srcOrd="0" destOrd="0" presId="urn:microsoft.com/office/officeart/2008/layout/AlternatingHexagons"/>
+    <dgm:cxn modelId="{C0531991-F539-49CE-BF6C-28777E8F317A}" type="presOf" srcId="{D4A37EBF-84D2-4B44-B1E8-85FE4AF363EE}" destId="{36CC621C-EEBA-4032-A1C4-95D93E13E7B4}" srcOrd="0" destOrd="0" presId="urn:microsoft.com/office/officeart/2008/layout/AlternatingHexagons"/>
+    <dgm:cxn modelId="{EC83C866-A311-451C-8A65-4B7F158B5FCA}" srcId="{EBA956B9-8AA8-4C09-A042-F12559543711}" destId="{DFA9EDA4-D9DD-44C8-9AC2-E14B5628EAEA}" srcOrd="0" destOrd="0" parTransId="{B3AFC30B-A1AF-46BA-8ADF-5684A94E8972}" sibTransId="{D4A37EBF-84D2-4B44-B1E8-85FE4AF363EE}"/>
+    <dgm:cxn modelId="{D1BD9F95-802C-435B-9699-55D247ABD7B2}" type="presOf" srcId="{EBA956B9-8AA8-4C09-A042-F12559543711}" destId="{C8819DA0-0A0D-4809-A697-8EE17C27F8FD}" srcOrd="0" destOrd="0" presId="urn:microsoft.com/office/officeart/2008/layout/AlternatingHexagons"/>
+    <dgm:cxn modelId="{A4283E76-7005-43EC-8D61-DB22CBAE86A3}" type="presOf" srcId="{DFA9EDA4-D9DD-44C8-9AC2-E14B5628EAEA}" destId="{1CEF3C90-5AFE-47A2-913C-0D42C000C14C}" srcOrd="0" destOrd="0" presId="urn:microsoft.com/office/officeart/2008/layout/AlternatingHexagons"/>
+    <dgm:cxn modelId="{17BBF473-42B5-4AA2-8D07-4648901D94A6}" srcId="{7E05D667-AF25-40F8-A435-2D17D074E566}" destId="{60B1FFD0-0763-4574-B410-A6988B4EED25}" srcOrd="0" destOrd="0" parTransId="{A56F651D-7693-492C-94CF-AFADC33A69BD}" sibTransId="{2DF65D7E-8F3D-49A2-90AC-9307E9CA1482}"/>
+    <dgm:cxn modelId="{35737700-124D-4D3D-9368-B0C796D753C3}" type="presParOf" srcId="{C8819DA0-0A0D-4809-A697-8EE17C27F8FD}" destId="{85E02B51-8424-4698-A1D8-7387BFC7AE79}" srcOrd="0" destOrd="0" presId="urn:microsoft.com/office/officeart/2008/layout/AlternatingHexagons"/>
+    <dgm:cxn modelId="{8F62244E-B7FC-43EE-8AF2-BFCFC859E9FB}" type="presParOf" srcId="{85E02B51-8424-4698-A1D8-7387BFC7AE79}" destId="{1CEF3C90-5AFE-47A2-913C-0D42C000C14C}" srcOrd="0" destOrd="0" presId="urn:microsoft.com/office/officeart/2008/layout/AlternatingHexagons"/>
+    <dgm:cxn modelId="{B90D5C15-C29C-494C-950E-089276DD0F6A}" type="presParOf" srcId="{85E02B51-8424-4698-A1D8-7387BFC7AE79}" destId="{EF8FA3B5-F5CF-4A95-9D97-D77A25F8D216}" srcOrd="1" destOrd="0" presId="urn:microsoft.com/office/officeart/2008/layout/AlternatingHexagons"/>
+    <dgm:cxn modelId="{E41DEB32-8B82-48CC-B57B-DCF0B7DC9B5F}" type="presParOf" srcId="{85E02B51-8424-4698-A1D8-7387BFC7AE79}" destId="{298D7740-3D1F-4D3E-BEBA-3F4A4183C2F1}" srcOrd="2" destOrd="0" presId="urn:microsoft.com/office/officeart/2008/layout/AlternatingHexagons"/>
+    <dgm:cxn modelId="{319B03FA-589A-4725-AFE9-AE27BDC10DA2}" type="presParOf" srcId="{85E02B51-8424-4698-A1D8-7387BFC7AE79}" destId="{A605766A-D973-401B-9488-D0E2540CCDEA}" srcOrd="3" destOrd="0" presId="urn:microsoft.com/office/officeart/2008/layout/AlternatingHexagons"/>
+    <dgm:cxn modelId="{DE302FAF-704A-4D1F-98E2-EF46E0C999D3}" type="presParOf" srcId="{85E02B51-8424-4698-A1D8-7387BFC7AE79}" destId="{36CC621C-EEBA-4032-A1C4-95D93E13E7B4}" srcOrd="4" destOrd="0" presId="urn:microsoft.com/office/officeart/2008/layout/AlternatingHexagons"/>
+    <dgm:cxn modelId="{BE19AE58-F307-47D0-B3BD-ADC10E7B4CBC}" type="presParOf" srcId="{C8819DA0-0A0D-4809-A697-8EE17C27F8FD}" destId="{9C0F2BCD-F43D-4A3C-BA7A-519BADA96AD6}" srcOrd="1" destOrd="0" presId="urn:microsoft.com/office/officeart/2008/layout/AlternatingHexagons"/>
+    <dgm:cxn modelId="{B0612B10-3942-412F-AA57-C069DFADC111}" type="presParOf" srcId="{C8819DA0-0A0D-4809-A697-8EE17C27F8FD}" destId="{067A95DD-E9E6-4A81-934E-E32D66C89010}" srcOrd="2" destOrd="0" presId="urn:microsoft.com/office/officeart/2008/layout/AlternatingHexagons"/>
+    <dgm:cxn modelId="{0F76F2E3-1C40-405A-BCAE-F0743B9BCDF7}" type="presParOf" srcId="{067A95DD-E9E6-4A81-934E-E32D66C89010}" destId="{BADB0BD2-CE74-4F03-B6B4-AEA52D935E43}" srcOrd="0" destOrd="0" presId="urn:microsoft.com/office/officeart/2008/layout/AlternatingHexagons"/>
+    <dgm:cxn modelId="{01DA61B6-1DEA-4E07-A172-0462098FB03E}" type="presParOf" srcId="{067A95DD-E9E6-4A81-934E-E32D66C89010}" destId="{16B7D3A3-56DC-416A-9D44-98A1CDBB4E4D}" srcOrd="1" destOrd="0" presId="urn:microsoft.com/office/officeart/2008/layout/AlternatingHexagons"/>
+    <dgm:cxn modelId="{9CC5B19D-C961-4B66-BA80-B384B16876B6}" type="presParOf" srcId="{067A95DD-E9E6-4A81-934E-E32D66C89010}" destId="{D7867577-8C2C-4494-A717-E7742E7BF66A}" srcOrd="2" destOrd="0" presId="urn:microsoft.com/office/officeart/2008/layout/AlternatingHexagons"/>
+    <dgm:cxn modelId="{C0A4097E-3708-4974-BEC6-A76E1CFD07ED}" type="presParOf" srcId="{067A95DD-E9E6-4A81-934E-E32D66C89010}" destId="{1C8EE4AF-587F-4D3D-B304-8F1C0A7C24BA}" srcOrd="3" destOrd="0" presId="urn:microsoft.com/office/officeart/2008/layout/AlternatingHexagons"/>
+    <dgm:cxn modelId="{EBEFC7B2-C6F2-459C-BB5C-08ACA67EF24D}" type="presParOf" srcId="{067A95DD-E9E6-4A81-934E-E32D66C89010}" destId="{B54F54A5-26B8-4787-8570-EDBF36A08DD1}" srcOrd="4" destOrd="0" presId="urn:microsoft.com/office/officeart/2008/layout/AlternatingHexagons"/>
+  </dgm:cxnLst>
+  <dgm:bg/>
+  <dgm:whole/>
+  <dgm:extLst>
+    <a:ext uri="http://schemas.microsoft.com/office/drawing/2008/diagram">
+      <dsp:dataModelExt xmlns:dsp="http://schemas.microsoft.com/office/drawing/2008/diagram" relId="rId6" minVer="http://schemas.openxmlformats.org/drawingml/2006/diagram"/>
+    </a:ext>
+  </dgm:extLst>
+</dgm:dataModel>
+</file>
+
+<file path=ppt/diagrams/data4.xml><?xml version="1.0" encoding="utf-8"?>
+<dgm:dataModel xmlns:dgm="http://schemas.openxmlformats.org/drawingml/2006/diagram" xmlns:a="http://schemas.openxmlformats.org/drawingml/2006/main">
+  <dgm:ptLst>
+    <dgm:pt modelId="{EBA956B9-8AA8-4C09-A042-F12559543711}" type="doc">
+      <dgm:prSet loTypeId="urn:microsoft.com/office/officeart/2008/layout/AlternatingHexagons" loCatId="list" qsTypeId="urn:microsoft.com/office/officeart/2005/8/quickstyle/simple1" qsCatId="simple" csTypeId="urn:microsoft.com/office/officeart/2005/8/colors/accent1_2" csCatId="accent1" phldr="1"/>
+      <dgm:spPr/>
+      <dgm:t>
+        <a:bodyPr/>
+        <a:lstStyle/>
+        <a:p>
+          <a:endParaRPr lang="en-US"/>
+        </a:p>
+      </dgm:t>
+    </dgm:pt>
+    <dgm:pt modelId="{DFA9EDA4-D9DD-44C8-9AC2-E14B5628EAEA}">
+      <dgm:prSet phldrT="[Text]"/>
+      <dgm:spPr/>
+      <dgm:t>
+        <a:bodyPr/>
+        <a:lstStyle/>
+        <a:p>
+          <a:endParaRPr lang="en-US" dirty="0" smtClean="0"/>
+        </a:p>
+        <a:p>
+          <a:r>
+            <a:rPr lang="en-US" dirty="0" smtClean="0"/>
+            <a:t>testedcode</a:t>
+          </a:r>
+          <a:r>
+            <a:rPr lang="en-US" dirty="0" smtClean="0"/>
+            <a:t>2</a:t>
+          </a:r>
+          <a:endParaRPr lang="en-US" dirty="0"/>
+        </a:p>
+      </dgm:t>
+    </dgm:pt>
+    <dgm:pt modelId="{B3AFC30B-A1AF-46BA-8ADF-5684A94E8972}" type="parTrans" cxnId="{EC83C866-A311-451C-8A65-4B7F158B5FCA}">
+      <dgm:prSet/>
+      <dgm:spPr/>
+      <dgm:t>
+        <a:bodyPr/>
+        <a:lstStyle/>
+        <a:p>
+          <a:endParaRPr lang="en-US"/>
+        </a:p>
+      </dgm:t>
+    </dgm:pt>
+    <dgm:pt modelId="{D4A37EBF-84D2-4B44-B1E8-85FE4AF363EE}" type="sibTrans" cxnId="{EC83C866-A311-451C-8A65-4B7F158B5FCA}">
+      <dgm:prSet/>
+      <dgm:spPr/>
+      <dgm:t>
+        <a:bodyPr/>
+        <a:lstStyle/>
+        <a:p>
+          <a:r>
+            <a:rPr lang="en-US" dirty="0" smtClean="0"/>
+            <a:t>testedcode1</a:t>
+          </a:r>
+          <a:endParaRPr lang="en-US" dirty="0"/>
+        </a:p>
+      </dgm:t>
+    </dgm:pt>
+    <dgm:pt modelId="{7E05D667-AF25-40F8-A435-2D17D074E566}">
+      <dgm:prSet phldrT="[Text]"/>
+      <dgm:spPr/>
+      <dgm:t>
+        <a:bodyPr/>
+        <a:lstStyle/>
+        <a:p>
+          <a:endParaRPr lang="en-US" dirty="0" smtClean="0"/>
+        </a:p>
+        <a:p>
+          <a:r>
+            <a:rPr lang="en-US" dirty="0" smtClean="0"/>
+            <a:t>testedcode</a:t>
+          </a:r>
+          <a:r>
+            <a:rPr lang="en-US" dirty="0" smtClean="0"/>
+            <a:t>3</a:t>
+          </a:r>
+          <a:endParaRPr lang="en-US" dirty="0"/>
+        </a:p>
+      </dgm:t>
+    </dgm:pt>
+    <dgm:pt modelId="{9F2CCD9B-12FD-4261-9934-5A17AD108225}" type="parTrans" cxnId="{005E5C72-7A8B-40E7-BA09-EE8BC763B96F}">
+      <dgm:prSet/>
+      <dgm:spPr/>
+      <dgm:t>
+        <a:bodyPr/>
+        <a:lstStyle/>
+        <a:p>
+          <a:endParaRPr lang="en-US"/>
+        </a:p>
+      </dgm:t>
+    </dgm:pt>
+    <dgm:pt modelId="{01AA8283-1DBB-4CDA-BBF9-95436A57932F}" type="sibTrans" cxnId="{005E5C72-7A8B-40E7-BA09-EE8BC763B96F}">
+      <dgm:prSet/>
+      <dgm:spPr/>
+      <dgm:t>
+        <a:bodyPr/>
+        <a:lstStyle/>
+        <a:p>
+          <a:endParaRPr lang="en-US" dirty="0" smtClean="0"/>
+        </a:p>
+        <a:p>
+          <a:r>
+            <a:rPr lang="en-US" dirty="0" smtClean="0"/>
+            <a:t>testedcode</a:t>
+          </a:r>
+          <a:r>
+            <a:rPr lang="en-US" dirty="0" smtClean="0"/>
+            <a:t>4</a:t>
+          </a:r>
+          <a:endParaRPr lang="en-US" dirty="0"/>
+        </a:p>
+      </dgm:t>
+    </dgm:pt>
+    <dgm:pt modelId="{60B1FFD0-0763-4574-B410-A6988B4EED25}">
+      <dgm:prSet phldrT="[Text]"/>
+      <dgm:spPr/>
+      <dgm:t>
+        <a:bodyPr/>
+        <a:lstStyle/>
+        <a:p>
+          <a:endParaRPr lang="en-US" dirty="0"/>
+        </a:p>
+      </dgm:t>
+    </dgm:pt>
+    <dgm:pt modelId="{A56F651D-7693-492C-94CF-AFADC33A69BD}" type="parTrans" cxnId="{17BBF473-42B5-4AA2-8D07-4648901D94A6}">
+      <dgm:prSet/>
+      <dgm:spPr/>
+      <dgm:t>
+        <a:bodyPr/>
+        <a:lstStyle/>
+        <a:p>
+          <a:endParaRPr lang="en-US"/>
+        </a:p>
+      </dgm:t>
+    </dgm:pt>
+    <dgm:pt modelId="{2DF65D7E-8F3D-49A2-90AC-9307E9CA1482}" type="sibTrans" cxnId="{17BBF473-42B5-4AA2-8D07-4648901D94A6}">
+      <dgm:prSet/>
+      <dgm:spPr/>
+      <dgm:t>
+        <a:bodyPr/>
+        <a:lstStyle/>
+        <a:p>
+          <a:endParaRPr lang="en-US"/>
+        </a:p>
+      </dgm:t>
+    </dgm:pt>
+    <dgm:pt modelId="{C8819DA0-0A0D-4809-A697-8EE17C27F8FD}" type="pres">
+      <dgm:prSet presAssocID="{EBA956B9-8AA8-4C09-A042-F12559543711}" presName="Name0" presStyleCnt="0">
+        <dgm:presLayoutVars>
+          <dgm:chMax/>
+          <dgm:chPref/>
+          <dgm:dir/>
+          <dgm:animLvl val="lvl"/>
+        </dgm:presLayoutVars>
+      </dgm:prSet>
+      <dgm:spPr/>
+    </dgm:pt>
+    <dgm:pt modelId="{85E02B51-8424-4698-A1D8-7387BFC7AE79}" type="pres">
+      <dgm:prSet presAssocID="{DFA9EDA4-D9DD-44C8-9AC2-E14B5628EAEA}" presName="composite" presStyleCnt="0"/>
+      <dgm:spPr/>
+    </dgm:pt>
+    <dgm:pt modelId="{1CEF3C90-5AFE-47A2-913C-0D42C000C14C}" type="pres">
+      <dgm:prSet presAssocID="{DFA9EDA4-D9DD-44C8-9AC2-E14B5628EAEA}" presName="Parent1" presStyleLbl="node1" presStyleIdx="0" presStyleCnt="4" custLinFactX="-26573" custLinFactNeighborX="-100000" custLinFactNeighborY="-112">
+        <dgm:presLayoutVars>
+          <dgm:chMax val="1"/>
+          <dgm:chPref val="1"/>
+          <dgm:bulletEnabled val="1"/>
+        </dgm:presLayoutVars>
+      </dgm:prSet>
+      <dgm:spPr/>
+      <dgm:t>
+        <a:bodyPr/>
+        <a:lstStyle/>
+        <a:p>
+          <a:endParaRPr lang="en-US"/>
+        </a:p>
+      </dgm:t>
+    </dgm:pt>
+    <dgm:pt modelId="{EF8FA3B5-F5CF-4A95-9D97-D77A25F8D216}" type="pres">
+      <dgm:prSet presAssocID="{DFA9EDA4-D9DD-44C8-9AC2-E14B5628EAEA}" presName="Childtext1" presStyleLbl="revTx" presStyleIdx="0" presStyleCnt="2">
+        <dgm:presLayoutVars>
+          <dgm:chMax val="0"/>
+          <dgm:chPref val="0"/>
+          <dgm:bulletEnabled val="1"/>
+        </dgm:presLayoutVars>
+      </dgm:prSet>
+      <dgm:spPr/>
+      <dgm:t>
+        <a:bodyPr/>
+        <a:lstStyle/>
+        <a:p>
+          <a:endParaRPr lang="en-US"/>
+        </a:p>
+      </dgm:t>
+    </dgm:pt>
+    <dgm:pt modelId="{298D7740-3D1F-4D3E-BEBA-3F4A4183C2F1}" type="pres">
+      <dgm:prSet presAssocID="{DFA9EDA4-D9DD-44C8-9AC2-E14B5628EAEA}" presName="BalanceSpacing" presStyleCnt="0"/>
+      <dgm:spPr/>
+    </dgm:pt>
+    <dgm:pt modelId="{A605766A-D973-401B-9488-D0E2540CCDEA}" type="pres">
+      <dgm:prSet presAssocID="{DFA9EDA4-D9DD-44C8-9AC2-E14B5628EAEA}" presName="BalanceSpacing1" presStyleCnt="0"/>
+      <dgm:spPr/>
+    </dgm:pt>
+    <dgm:pt modelId="{36CC621C-EEBA-4032-A1C4-95D93E13E7B4}" type="pres">
+      <dgm:prSet presAssocID="{D4A37EBF-84D2-4B44-B1E8-85FE4AF363EE}" presName="Accent1Text" presStyleLbl="node1" presStyleIdx="1" presStyleCnt="4" custLinFactX="-100000" custLinFactNeighborX="-157206" custLinFactNeighborY="-9732"/>
+      <dgm:spPr/>
+      <dgm:t>
+        <a:bodyPr/>
+        <a:lstStyle/>
+        <a:p>
+          <a:endParaRPr lang="en-US"/>
+        </a:p>
+      </dgm:t>
+    </dgm:pt>
+    <dgm:pt modelId="{9C0F2BCD-F43D-4A3C-BA7A-519BADA96AD6}" type="pres">
+      <dgm:prSet presAssocID="{D4A37EBF-84D2-4B44-B1E8-85FE4AF363EE}" presName="spaceBetweenRectangles" presStyleCnt="0"/>
+      <dgm:spPr/>
+    </dgm:pt>
+    <dgm:pt modelId="{067A95DD-E9E6-4A81-934E-E32D66C89010}" type="pres">
+      <dgm:prSet presAssocID="{7E05D667-AF25-40F8-A435-2D17D074E566}" presName="composite" presStyleCnt="0"/>
+      <dgm:spPr/>
+    </dgm:pt>
+    <dgm:pt modelId="{BADB0BD2-CE74-4F03-B6B4-AEA52D935E43}" type="pres">
+      <dgm:prSet presAssocID="{7E05D667-AF25-40F8-A435-2D17D074E566}" presName="Parent1" presStyleLbl="node1" presStyleIdx="2" presStyleCnt="4" custLinFactX="61866" custLinFactNeighborX="100000" custLinFactNeighborY="-80841">
+        <dgm:presLayoutVars>
+          <dgm:chMax val="1"/>
+          <dgm:chPref val="1"/>
+          <dgm:bulletEnabled val="1"/>
+        </dgm:presLayoutVars>
+      </dgm:prSet>
+      <dgm:spPr/>
+      <dgm:t>
+        <a:bodyPr/>
+        <a:lstStyle/>
+        <a:p>
+          <a:endParaRPr lang="en-US"/>
+        </a:p>
+      </dgm:t>
+    </dgm:pt>
+    <dgm:pt modelId="{16B7D3A3-56DC-416A-9D44-98A1CDBB4E4D}" type="pres">
+      <dgm:prSet presAssocID="{7E05D667-AF25-40F8-A435-2D17D074E566}" presName="Childtext1" presStyleLbl="revTx" presStyleIdx="1" presStyleCnt="2">
+        <dgm:presLayoutVars>
+          <dgm:chMax val="0"/>
+          <dgm:chPref val="0"/>
+          <dgm:bulletEnabled val="1"/>
+        </dgm:presLayoutVars>
+      </dgm:prSet>
+      <dgm:spPr/>
+      <dgm:t>
+        <a:bodyPr/>
+        <a:lstStyle/>
+        <a:p>
+          <a:endParaRPr lang="en-US"/>
+        </a:p>
+      </dgm:t>
+    </dgm:pt>
+    <dgm:pt modelId="{D7867577-8C2C-4494-A717-E7742E7BF66A}" type="pres">
+      <dgm:prSet presAssocID="{7E05D667-AF25-40F8-A435-2D17D074E566}" presName="BalanceSpacing" presStyleCnt="0"/>
+      <dgm:spPr/>
+    </dgm:pt>
+    <dgm:pt modelId="{1C8EE4AF-587F-4D3D-B304-8F1C0A7C24BA}" type="pres">
+      <dgm:prSet presAssocID="{7E05D667-AF25-40F8-A435-2D17D074E566}" presName="BalanceSpacing1" presStyleCnt="0"/>
+      <dgm:spPr/>
+    </dgm:pt>
+    <dgm:pt modelId="{B54F54A5-26B8-4787-8570-EDBF36A08DD1}" type="pres">
+      <dgm:prSet presAssocID="{01AA8283-1DBB-4CDA-BBF9-95436A57932F}" presName="Accent1Text" presStyleLbl="node1" presStyleIdx="3" presStyleCnt="4" custLinFactX="100000" custLinFactNeighborX="174005" custLinFactNeighborY="-83072"/>
+      <dgm:spPr/>
+      <dgm:t>
+        <a:bodyPr/>
+        <a:lstStyle/>
+        <a:p>
+          <a:endParaRPr lang="en-US"/>
+        </a:p>
+      </dgm:t>
+    </dgm:pt>
+  </dgm:ptLst>
+  <dgm:cxnLst>
+    <dgm:cxn modelId="{2F640A55-6B95-4E59-AA94-6925D2449440}" type="presOf" srcId="{7E05D667-AF25-40F8-A435-2D17D074E566}" destId="{BADB0BD2-CE74-4F03-B6B4-AEA52D935E43}" srcOrd="0" destOrd="0" presId="urn:microsoft.com/office/officeart/2008/layout/AlternatingHexagons"/>
+    <dgm:cxn modelId="{E55E13CF-5F32-4763-8F6A-E4FB61103760}" type="presOf" srcId="{DFA9EDA4-D9DD-44C8-9AC2-E14B5628EAEA}" destId="{1CEF3C90-5AFE-47A2-913C-0D42C000C14C}" srcOrd="0" destOrd="0" presId="urn:microsoft.com/office/officeart/2008/layout/AlternatingHexagons"/>
+    <dgm:cxn modelId="{005E5C72-7A8B-40E7-BA09-EE8BC763B96F}" srcId="{EBA956B9-8AA8-4C09-A042-F12559543711}" destId="{7E05D667-AF25-40F8-A435-2D17D074E566}" srcOrd="1" destOrd="0" parTransId="{9F2CCD9B-12FD-4261-9934-5A17AD108225}" sibTransId="{01AA8283-1DBB-4CDA-BBF9-95436A57932F}"/>
+    <dgm:cxn modelId="{E4BD89BC-21B8-4AFE-A82F-F9F01CBFE013}" type="presOf" srcId="{D4A37EBF-84D2-4B44-B1E8-85FE4AF363EE}" destId="{36CC621C-EEBA-4032-A1C4-95D93E13E7B4}" srcOrd="0" destOrd="0" presId="urn:microsoft.com/office/officeart/2008/layout/AlternatingHexagons"/>
+    <dgm:cxn modelId="{94316E0C-D369-40B0-8695-83FBB7861739}" type="presOf" srcId="{60B1FFD0-0763-4574-B410-A6988B4EED25}" destId="{16B7D3A3-56DC-416A-9D44-98A1CDBB4E4D}" srcOrd="0" destOrd="0" presId="urn:microsoft.com/office/officeart/2008/layout/AlternatingHexagons"/>
+    <dgm:cxn modelId="{EC83C866-A311-451C-8A65-4B7F158B5FCA}" srcId="{EBA956B9-8AA8-4C09-A042-F12559543711}" destId="{DFA9EDA4-D9DD-44C8-9AC2-E14B5628EAEA}" srcOrd="0" destOrd="0" parTransId="{B3AFC30B-A1AF-46BA-8ADF-5684A94E8972}" sibTransId="{D4A37EBF-84D2-4B44-B1E8-85FE4AF363EE}"/>
+    <dgm:cxn modelId="{D19C4556-628D-49AF-B3FA-2B4AF4A11DDA}" type="presOf" srcId="{EBA956B9-8AA8-4C09-A042-F12559543711}" destId="{C8819DA0-0A0D-4809-A697-8EE17C27F8FD}" srcOrd="0" destOrd="0" presId="urn:microsoft.com/office/officeart/2008/layout/AlternatingHexagons"/>
+    <dgm:cxn modelId="{17BBF473-42B5-4AA2-8D07-4648901D94A6}" srcId="{7E05D667-AF25-40F8-A435-2D17D074E566}" destId="{60B1FFD0-0763-4574-B410-A6988B4EED25}" srcOrd="0" destOrd="0" parTransId="{A56F651D-7693-492C-94CF-AFADC33A69BD}" sibTransId="{2DF65D7E-8F3D-49A2-90AC-9307E9CA1482}"/>
+    <dgm:cxn modelId="{A0BBDC87-8266-4E28-9786-8BE4D7AA3744}" type="presOf" srcId="{01AA8283-1DBB-4CDA-BBF9-95436A57932F}" destId="{B54F54A5-26B8-4787-8570-EDBF36A08DD1}" srcOrd="0" destOrd="0" presId="urn:microsoft.com/office/officeart/2008/layout/AlternatingHexagons"/>
+    <dgm:cxn modelId="{501DB2AA-3284-4AE2-9DFD-A486D4629156}" type="presParOf" srcId="{C8819DA0-0A0D-4809-A697-8EE17C27F8FD}" destId="{85E02B51-8424-4698-A1D8-7387BFC7AE79}" srcOrd="0" destOrd="0" presId="urn:microsoft.com/office/officeart/2008/layout/AlternatingHexagons"/>
+    <dgm:cxn modelId="{FEF286F8-BD9F-4B32-A63F-45CE00B3709A}" type="presParOf" srcId="{85E02B51-8424-4698-A1D8-7387BFC7AE79}" destId="{1CEF3C90-5AFE-47A2-913C-0D42C000C14C}" srcOrd="0" destOrd="0" presId="urn:microsoft.com/office/officeart/2008/layout/AlternatingHexagons"/>
+    <dgm:cxn modelId="{08A0F013-817E-44B1-8B4E-6BE74A8F1B3D}" type="presParOf" srcId="{85E02B51-8424-4698-A1D8-7387BFC7AE79}" destId="{EF8FA3B5-F5CF-4A95-9D97-D77A25F8D216}" srcOrd="1" destOrd="0" presId="urn:microsoft.com/office/officeart/2008/layout/AlternatingHexagons"/>
+    <dgm:cxn modelId="{5F3735DF-C471-4F01-A14E-999B2558650C}" type="presParOf" srcId="{85E02B51-8424-4698-A1D8-7387BFC7AE79}" destId="{298D7740-3D1F-4D3E-BEBA-3F4A4183C2F1}" srcOrd="2" destOrd="0" presId="urn:microsoft.com/office/officeart/2008/layout/AlternatingHexagons"/>
+    <dgm:cxn modelId="{102114BD-BA0D-40A7-8D85-B3751226F7DD}" type="presParOf" srcId="{85E02B51-8424-4698-A1D8-7387BFC7AE79}" destId="{A605766A-D973-401B-9488-D0E2540CCDEA}" srcOrd="3" destOrd="0" presId="urn:microsoft.com/office/officeart/2008/layout/AlternatingHexagons"/>
+    <dgm:cxn modelId="{5F42978F-695E-4614-A45A-CCD078B54218}" type="presParOf" srcId="{85E02B51-8424-4698-A1D8-7387BFC7AE79}" destId="{36CC621C-EEBA-4032-A1C4-95D93E13E7B4}" srcOrd="4" destOrd="0" presId="urn:microsoft.com/office/officeart/2008/layout/AlternatingHexagons"/>
+    <dgm:cxn modelId="{EEBB2BE4-CA43-423E-91FB-B3316A4E5108}" type="presParOf" srcId="{C8819DA0-0A0D-4809-A697-8EE17C27F8FD}" destId="{9C0F2BCD-F43D-4A3C-BA7A-519BADA96AD6}" srcOrd="1" destOrd="0" presId="urn:microsoft.com/office/officeart/2008/layout/AlternatingHexagons"/>
+    <dgm:cxn modelId="{CEEF0363-605B-4E5A-8D52-52ABE839A3E5}" type="presParOf" srcId="{C8819DA0-0A0D-4809-A697-8EE17C27F8FD}" destId="{067A95DD-E9E6-4A81-934E-E32D66C89010}" srcOrd="2" destOrd="0" presId="urn:microsoft.com/office/officeart/2008/layout/AlternatingHexagons"/>
+    <dgm:cxn modelId="{3AE99198-5BD5-4B5B-9214-A4EA11F1ACB1}" type="presParOf" srcId="{067A95DD-E9E6-4A81-934E-E32D66C89010}" destId="{BADB0BD2-CE74-4F03-B6B4-AEA52D935E43}" srcOrd="0" destOrd="0" presId="urn:microsoft.com/office/officeart/2008/layout/AlternatingHexagons"/>
+    <dgm:cxn modelId="{696CBDD1-3FA7-4BEA-B1A1-C2E245A47B9D}" type="presParOf" srcId="{067A95DD-E9E6-4A81-934E-E32D66C89010}" destId="{16B7D3A3-56DC-416A-9D44-98A1CDBB4E4D}" srcOrd="1" destOrd="0" presId="urn:microsoft.com/office/officeart/2008/layout/AlternatingHexagons"/>
+    <dgm:cxn modelId="{81BDADA1-F305-4AA9-8175-F21E26D434B4}" type="presParOf" srcId="{067A95DD-E9E6-4A81-934E-E32D66C89010}" destId="{D7867577-8C2C-4494-A717-E7742E7BF66A}" srcOrd="2" destOrd="0" presId="urn:microsoft.com/office/officeart/2008/layout/AlternatingHexagons"/>
+    <dgm:cxn modelId="{455B59CB-05FC-4E43-8C79-937A2A6F6DB2}" type="presParOf" srcId="{067A95DD-E9E6-4A81-934E-E32D66C89010}" destId="{1C8EE4AF-587F-4D3D-B304-8F1C0A7C24BA}" srcOrd="3" destOrd="0" presId="urn:microsoft.com/office/officeart/2008/layout/AlternatingHexagons"/>
+    <dgm:cxn modelId="{3308244D-242F-4818-8745-A168C12B012C}" type="presParOf" srcId="{067A95DD-E9E6-4A81-934E-E32D66C89010}" destId="{B54F54A5-26B8-4787-8570-EDBF36A08DD1}" srcOrd="4" destOrd="0" presId="urn:microsoft.com/office/officeart/2008/layout/AlternatingHexagons"/>
+  </dgm:cxnLst>
+  <dgm:bg/>
+  <dgm:whole/>
+  <dgm:extLst>
+    <a:ext uri="http://schemas.microsoft.com/office/drawing/2008/diagram">
+      <dsp:dataModelExt xmlns:dsp="http://schemas.microsoft.com/office/drawing/2008/diagram" relId="rId11" minVer="http://schemas.openxmlformats.org/drawingml/2006/diagram"/>
     </a:ext>
   </dgm:extLst>
 </dgm:dataModel>
@@ -3958,6 +6040,908 @@
       <dsp:txXfrm>
         <a:off x="3213492" y="4421493"/>
         <a:ext cx="1175331" cy="587605"/>
+      </dsp:txXfrm>
+    </dsp:sp>
+  </dsp:spTree>
+</dsp:drawing>
+</file>
+
+<file path=ppt/diagrams/drawing3.xml><?xml version="1.0" encoding="utf-8"?>
+<dsp:drawing xmlns:dgm="http://schemas.openxmlformats.org/drawingml/2006/diagram" xmlns:dsp="http://schemas.microsoft.com/office/drawing/2008/diagram" xmlns:a="http://schemas.openxmlformats.org/drawingml/2006/main">
+  <dsp:spTree>
+    <dsp:nvGrpSpPr>
+      <dsp:cNvPr id="0" name=""/>
+      <dsp:cNvGrpSpPr/>
+    </dsp:nvGrpSpPr>
+    <dsp:grpSpPr/>
+    <dsp:sp modelId="{1CEF3C90-5AFE-47A2-913C-0D42C000C14C}">
+      <dsp:nvSpPr>
+        <dsp:cNvPr id="0" name=""/>
+        <dsp:cNvSpPr/>
+      </dsp:nvSpPr>
+      <dsp:spPr>
+        <a:xfrm rot="5400000">
+          <a:off x="2575649" y="99463"/>
+          <a:ext cx="1530201" cy="1331275"/>
+        </a:xfrm>
+        <a:prstGeom prst="hexagon">
+          <a:avLst>
+            <a:gd name="adj" fmla="val 25000"/>
+            <a:gd name="vf" fmla="val 115470"/>
+          </a:avLst>
+        </a:prstGeom>
+        <a:solidFill>
+          <a:schemeClr val="accent1">
+            <a:hueOff val="0"/>
+            <a:satOff val="0"/>
+            <a:lumOff val="0"/>
+            <a:alphaOff val="0"/>
+          </a:schemeClr>
+        </a:solidFill>
+        <a:ln w="12700" cap="flat" cmpd="sng" algn="ctr">
+          <a:solidFill>
+            <a:schemeClr val="lt1">
+              <a:hueOff val="0"/>
+              <a:satOff val="0"/>
+              <a:lumOff val="0"/>
+              <a:alphaOff val="0"/>
+            </a:schemeClr>
+          </a:solidFill>
+          <a:prstDash val="solid"/>
+          <a:miter lim="800000"/>
+        </a:ln>
+        <a:effectLst/>
+      </dsp:spPr>
+      <dsp:style>
+        <a:lnRef idx="2">
+          <a:scrgbClr r="0" g="0" b="0"/>
+        </a:lnRef>
+        <a:fillRef idx="1">
+          <a:scrgbClr r="0" g="0" b="0"/>
+        </a:fillRef>
+        <a:effectRef idx="0">
+          <a:scrgbClr r="0" g="0" b="0"/>
+        </a:effectRef>
+        <a:fontRef idx="minor">
+          <a:schemeClr val="lt1"/>
+        </a:fontRef>
+      </dsp:style>
+      <dsp:txBody>
+        <a:bodyPr spcFirstLastPara="0" vert="horz" wrap="square" lIns="72390" tIns="72390" rIns="72390" bIns="72390" numCol="1" spcCol="1270" anchor="ctr" anchorCtr="0">
+          <a:noAutofit/>
+        </a:bodyPr>
+        <a:lstStyle/>
+        <a:p>
+          <a:pPr lvl="0" algn="ctr" defTabSz="844550">
+            <a:lnSpc>
+              <a:spcPct val="90000"/>
+            </a:lnSpc>
+            <a:spcBef>
+              <a:spcPct val="0"/>
+            </a:spcBef>
+            <a:spcAft>
+              <a:spcPct val="35000"/>
+            </a:spcAft>
+          </a:pPr>
+          <a:r>
+            <a:rPr lang="en-US" sz="1900" kern="1200" dirty="0" smtClean="0"/>
+            <a:t>code2</a:t>
+          </a:r>
+          <a:endParaRPr lang="en-US" sz="1900" kern="1200" dirty="0"/>
+        </a:p>
+      </dsp:txBody>
+      <dsp:txXfrm rot="-5400000">
+        <a:off x="2882569" y="238456"/>
+        <a:ext cx="916361" cy="1053289"/>
+      </dsp:txXfrm>
+    </dsp:sp>
+    <dsp:sp modelId="{EF8FA3B5-F5CF-4A95-9D97-D77A25F8D216}">
+      <dsp:nvSpPr>
+        <dsp:cNvPr id="0" name=""/>
+        <dsp:cNvSpPr/>
+      </dsp:nvSpPr>
+      <dsp:spPr>
+        <a:xfrm>
+          <a:off x="5731820" y="306177"/>
+          <a:ext cx="1707705" cy="918121"/>
+        </a:xfrm>
+        <a:prstGeom prst="rect">
+          <a:avLst/>
+        </a:prstGeom>
+        <a:noFill/>
+        <a:ln>
+          <a:noFill/>
+        </a:ln>
+        <a:effectLst/>
+      </dsp:spPr>
+      <dsp:style>
+        <a:lnRef idx="0">
+          <a:scrgbClr r="0" g="0" b="0"/>
+        </a:lnRef>
+        <a:fillRef idx="0">
+          <a:scrgbClr r="0" g="0" b="0"/>
+        </a:fillRef>
+        <a:effectRef idx="0">
+          <a:scrgbClr r="0" g="0" b="0"/>
+        </a:effectRef>
+        <a:fontRef idx="minor"/>
+      </dsp:style>
+    </dsp:sp>
+    <dsp:sp modelId="{36CC621C-EEBA-4032-A1C4-95D93E13E7B4}">
+      <dsp:nvSpPr>
+        <dsp:cNvPr id="0" name=""/>
+        <dsp:cNvSpPr/>
+      </dsp:nvSpPr>
+      <dsp:spPr>
+        <a:xfrm rot="5400000">
+          <a:off x="-99463" y="99463"/>
+          <a:ext cx="1530201" cy="1331275"/>
+        </a:xfrm>
+        <a:prstGeom prst="hexagon">
+          <a:avLst>
+            <a:gd name="adj" fmla="val 25000"/>
+            <a:gd name="vf" fmla="val 115470"/>
+          </a:avLst>
+        </a:prstGeom>
+        <a:solidFill>
+          <a:schemeClr val="accent1">
+            <a:hueOff val="0"/>
+            <a:satOff val="0"/>
+            <a:lumOff val="0"/>
+            <a:alphaOff val="0"/>
+          </a:schemeClr>
+        </a:solidFill>
+        <a:ln w="12700" cap="flat" cmpd="sng" algn="ctr">
+          <a:solidFill>
+            <a:schemeClr val="lt1">
+              <a:hueOff val="0"/>
+              <a:satOff val="0"/>
+              <a:lumOff val="0"/>
+              <a:alphaOff val="0"/>
+            </a:schemeClr>
+          </a:solidFill>
+          <a:prstDash val="solid"/>
+          <a:miter lim="800000"/>
+        </a:ln>
+        <a:effectLst/>
+      </dsp:spPr>
+      <dsp:style>
+        <a:lnRef idx="2">
+          <a:scrgbClr r="0" g="0" b="0"/>
+        </a:lnRef>
+        <a:fillRef idx="1">
+          <a:scrgbClr r="0" g="0" b="0"/>
+        </a:fillRef>
+        <a:effectRef idx="0">
+          <a:scrgbClr r="0" g="0" b="0"/>
+        </a:effectRef>
+        <a:fontRef idx="minor">
+          <a:schemeClr val="lt1"/>
+        </a:fontRef>
+      </dsp:style>
+      <dsp:txBody>
+        <a:bodyPr spcFirstLastPara="0" vert="horz" wrap="square" lIns="0" tIns="0" rIns="0" bIns="0" numCol="1" spcCol="1270" anchor="ctr" anchorCtr="0">
+          <a:noAutofit/>
+        </a:bodyPr>
+        <a:lstStyle/>
+        <a:p>
+          <a:pPr lvl="0" algn="ctr" defTabSz="977900">
+            <a:lnSpc>
+              <a:spcPct val="90000"/>
+            </a:lnSpc>
+            <a:spcBef>
+              <a:spcPct val="0"/>
+            </a:spcBef>
+            <a:spcAft>
+              <a:spcPct val="35000"/>
+            </a:spcAft>
+          </a:pPr>
+          <a:r>
+            <a:rPr lang="en-US" sz="2200" kern="1200" dirty="0" smtClean="0"/>
+            <a:t>code1</a:t>
+          </a:r>
+          <a:endParaRPr lang="en-US" sz="2200" kern="1200" dirty="0"/>
+        </a:p>
+      </dsp:txBody>
+      <dsp:txXfrm rot="-5400000">
+        <a:off x="207457" y="238456"/>
+        <a:ext cx="916361" cy="1053289"/>
+      </dsp:txXfrm>
+    </dsp:sp>
+    <dsp:sp modelId="{BADB0BD2-CE74-4F03-B6B4-AEA52D935E43}">
+      <dsp:nvSpPr>
+        <dsp:cNvPr id="0" name=""/>
+        <dsp:cNvSpPr/>
+      </dsp:nvSpPr>
+      <dsp:spPr>
+        <a:xfrm rot="5400000">
+          <a:off x="5693923" y="161405"/>
+          <a:ext cx="1530201" cy="1331275"/>
+        </a:xfrm>
+        <a:prstGeom prst="hexagon">
+          <a:avLst>
+            <a:gd name="adj" fmla="val 25000"/>
+            <a:gd name="vf" fmla="val 115470"/>
+          </a:avLst>
+        </a:prstGeom>
+        <a:solidFill>
+          <a:schemeClr val="accent1">
+            <a:hueOff val="0"/>
+            <a:satOff val="0"/>
+            <a:lumOff val="0"/>
+            <a:alphaOff val="0"/>
+          </a:schemeClr>
+        </a:solidFill>
+        <a:ln w="12700" cap="flat" cmpd="sng" algn="ctr">
+          <a:solidFill>
+            <a:schemeClr val="lt1">
+              <a:hueOff val="0"/>
+              <a:satOff val="0"/>
+              <a:lumOff val="0"/>
+              <a:alphaOff val="0"/>
+            </a:schemeClr>
+          </a:solidFill>
+          <a:prstDash val="solid"/>
+          <a:miter lim="800000"/>
+        </a:ln>
+        <a:effectLst/>
+      </dsp:spPr>
+      <dsp:style>
+        <a:lnRef idx="2">
+          <a:scrgbClr r="0" g="0" b="0"/>
+        </a:lnRef>
+        <a:fillRef idx="1">
+          <a:scrgbClr r="0" g="0" b="0"/>
+        </a:fillRef>
+        <a:effectRef idx="0">
+          <a:scrgbClr r="0" g="0" b="0"/>
+        </a:effectRef>
+        <a:fontRef idx="minor">
+          <a:schemeClr val="lt1"/>
+        </a:fontRef>
+      </dsp:style>
+      <dsp:txBody>
+        <a:bodyPr spcFirstLastPara="0" vert="horz" wrap="square" lIns="72390" tIns="72390" rIns="72390" bIns="72390" numCol="1" spcCol="1270" anchor="ctr" anchorCtr="0">
+          <a:noAutofit/>
+        </a:bodyPr>
+        <a:lstStyle/>
+        <a:p>
+          <a:pPr lvl="0" algn="ctr" defTabSz="844550">
+            <a:lnSpc>
+              <a:spcPct val="90000"/>
+            </a:lnSpc>
+            <a:spcBef>
+              <a:spcPct val="0"/>
+            </a:spcBef>
+            <a:spcAft>
+              <a:spcPct val="35000"/>
+            </a:spcAft>
+          </a:pPr>
+          <a:r>
+            <a:rPr lang="en-US" sz="1900" kern="1200" dirty="0" smtClean="0"/>
+            <a:t>Code 3</a:t>
+          </a:r>
+          <a:endParaRPr lang="en-US" sz="1900" kern="1200" dirty="0"/>
+        </a:p>
+      </dsp:txBody>
+      <dsp:txXfrm rot="-5400000">
+        <a:off x="6000843" y="300398"/>
+        <a:ext cx="916361" cy="1053289"/>
+      </dsp:txXfrm>
+    </dsp:sp>
+    <dsp:sp modelId="{16B7D3A3-56DC-416A-9D44-98A1CDBB4E4D}">
+      <dsp:nvSpPr>
+        <dsp:cNvPr id="0" name=""/>
+        <dsp:cNvSpPr/>
+      </dsp:nvSpPr>
+      <dsp:spPr>
+        <a:xfrm>
+          <a:off x="1930799" y="1605013"/>
+          <a:ext cx="1652617" cy="918121"/>
+        </a:xfrm>
+        <a:prstGeom prst="rect">
+          <a:avLst/>
+        </a:prstGeom>
+        <a:noFill/>
+        <a:ln>
+          <a:noFill/>
+        </a:ln>
+        <a:effectLst/>
+      </dsp:spPr>
+      <dsp:style>
+        <a:lnRef idx="0">
+          <a:scrgbClr r="0" g="0" b="0"/>
+        </a:lnRef>
+        <a:fillRef idx="0">
+          <a:scrgbClr r="0" g="0" b="0"/>
+        </a:fillRef>
+        <a:effectRef idx="0">
+          <a:scrgbClr r="0" g="0" b="0"/>
+        </a:effectRef>
+        <a:fontRef idx="minor"/>
+      </dsp:style>
+      <dsp:txBody>
+        <a:bodyPr spcFirstLastPara="0" vert="horz" wrap="square" lIns="72390" tIns="72390" rIns="72390" bIns="72390" numCol="1" spcCol="1270" anchor="ctr" anchorCtr="0">
+          <a:noAutofit/>
+        </a:bodyPr>
+        <a:lstStyle/>
+        <a:p>
+          <a:pPr lvl="0" algn="r" defTabSz="844550">
+            <a:lnSpc>
+              <a:spcPct val="90000"/>
+            </a:lnSpc>
+            <a:spcBef>
+              <a:spcPct val="0"/>
+            </a:spcBef>
+            <a:spcAft>
+              <a:spcPct val="35000"/>
+            </a:spcAft>
+          </a:pPr>
+          <a:endParaRPr lang="en-US" sz="1900" kern="1200" dirty="0"/>
+        </a:p>
+      </dsp:txBody>
+      <dsp:txXfrm>
+        <a:off x="1930799" y="1605013"/>
+        <a:ext cx="1652617" cy="918121"/>
+      </dsp:txXfrm>
+    </dsp:sp>
+    <dsp:sp modelId="{B54F54A5-26B8-4787-8570-EDBF36A08DD1}">
+      <dsp:nvSpPr>
+        <dsp:cNvPr id="0" name=""/>
+        <dsp:cNvSpPr/>
+      </dsp:nvSpPr>
+      <dsp:spPr>
+        <a:xfrm rot="5400000">
+          <a:off x="7939586" y="127266"/>
+          <a:ext cx="1530201" cy="1331275"/>
+        </a:xfrm>
+        <a:prstGeom prst="hexagon">
+          <a:avLst>
+            <a:gd name="adj" fmla="val 25000"/>
+            <a:gd name="vf" fmla="val 115470"/>
+          </a:avLst>
+        </a:prstGeom>
+        <a:solidFill>
+          <a:schemeClr val="accent1">
+            <a:hueOff val="0"/>
+            <a:satOff val="0"/>
+            <a:lumOff val="0"/>
+            <a:alphaOff val="0"/>
+          </a:schemeClr>
+        </a:solidFill>
+        <a:ln w="12700" cap="flat" cmpd="sng" algn="ctr">
+          <a:solidFill>
+            <a:schemeClr val="lt1">
+              <a:hueOff val="0"/>
+              <a:satOff val="0"/>
+              <a:lumOff val="0"/>
+              <a:alphaOff val="0"/>
+            </a:schemeClr>
+          </a:solidFill>
+          <a:prstDash val="solid"/>
+          <a:miter lim="800000"/>
+        </a:ln>
+        <a:effectLst/>
+      </dsp:spPr>
+      <dsp:style>
+        <a:lnRef idx="2">
+          <a:scrgbClr r="0" g="0" b="0"/>
+        </a:lnRef>
+        <a:fillRef idx="1">
+          <a:scrgbClr r="0" g="0" b="0"/>
+        </a:fillRef>
+        <a:effectRef idx="0">
+          <a:scrgbClr r="0" g="0" b="0"/>
+        </a:effectRef>
+        <a:fontRef idx="minor">
+          <a:schemeClr val="lt1"/>
+        </a:fontRef>
+      </dsp:style>
+      <dsp:txBody>
+        <a:bodyPr spcFirstLastPara="0" vert="horz" wrap="square" lIns="0" tIns="0" rIns="0" bIns="0" numCol="1" spcCol="1270" anchor="ctr" anchorCtr="0">
+          <a:noAutofit/>
+        </a:bodyPr>
+        <a:lstStyle/>
+        <a:p>
+          <a:pPr lvl="0" algn="ctr" defTabSz="977900">
+            <a:lnSpc>
+              <a:spcPct val="90000"/>
+            </a:lnSpc>
+            <a:spcBef>
+              <a:spcPct val="0"/>
+            </a:spcBef>
+            <a:spcAft>
+              <a:spcPct val="35000"/>
+            </a:spcAft>
+          </a:pPr>
+          <a:r>
+            <a:rPr lang="en-US" sz="2200" kern="1200" dirty="0" smtClean="0"/>
+            <a:t>code4</a:t>
+          </a:r>
+          <a:endParaRPr lang="en-US" sz="2200" kern="1200" dirty="0"/>
+        </a:p>
+      </dsp:txBody>
+      <dsp:txXfrm rot="-5400000">
+        <a:off x="8246506" y="266259"/>
+        <a:ext cx="916361" cy="1053289"/>
+      </dsp:txXfrm>
+    </dsp:sp>
+  </dsp:spTree>
+</dsp:drawing>
+</file>
+
+<file path=ppt/diagrams/drawing4.xml><?xml version="1.0" encoding="utf-8"?>
+<dsp:drawing xmlns:dgm="http://schemas.openxmlformats.org/drawingml/2006/diagram" xmlns:dsp="http://schemas.microsoft.com/office/drawing/2008/diagram" xmlns:a="http://schemas.openxmlformats.org/drawingml/2006/main">
+  <dsp:spTree>
+    <dsp:nvGrpSpPr>
+      <dsp:cNvPr id="0" name=""/>
+      <dsp:cNvGrpSpPr/>
+    </dsp:nvGrpSpPr>
+    <dsp:grpSpPr/>
+    <dsp:sp modelId="{1CEF3C90-5AFE-47A2-913C-0D42C000C14C}">
+      <dsp:nvSpPr>
+        <dsp:cNvPr id="0" name=""/>
+        <dsp:cNvSpPr/>
+      </dsp:nvSpPr>
+      <dsp:spPr>
+        <a:xfrm rot="5400000">
+          <a:off x="2575649" y="99463"/>
+          <a:ext cx="1530201" cy="1331275"/>
+        </a:xfrm>
+        <a:prstGeom prst="hexagon">
+          <a:avLst>
+            <a:gd name="adj" fmla="val 25000"/>
+            <a:gd name="vf" fmla="val 115470"/>
+          </a:avLst>
+        </a:prstGeom>
+        <a:solidFill>
+          <a:schemeClr val="accent1">
+            <a:hueOff val="0"/>
+            <a:satOff val="0"/>
+            <a:lumOff val="0"/>
+            <a:alphaOff val="0"/>
+          </a:schemeClr>
+        </a:solidFill>
+        <a:ln w="12700" cap="flat" cmpd="sng" algn="ctr">
+          <a:solidFill>
+            <a:schemeClr val="lt1">
+              <a:hueOff val="0"/>
+              <a:satOff val="0"/>
+              <a:lumOff val="0"/>
+              <a:alphaOff val="0"/>
+            </a:schemeClr>
+          </a:solidFill>
+          <a:prstDash val="solid"/>
+          <a:miter lim="800000"/>
+        </a:ln>
+        <a:effectLst/>
+      </dsp:spPr>
+      <dsp:style>
+        <a:lnRef idx="2">
+          <a:scrgbClr r="0" g="0" b="0"/>
+        </a:lnRef>
+        <a:fillRef idx="1">
+          <a:scrgbClr r="0" g="0" b="0"/>
+        </a:fillRef>
+        <a:effectRef idx="0">
+          <a:scrgbClr r="0" g="0" b="0"/>
+        </a:effectRef>
+        <a:fontRef idx="minor">
+          <a:schemeClr val="lt1"/>
+        </a:fontRef>
+      </dsp:style>
+      <dsp:txBody>
+        <a:bodyPr spcFirstLastPara="0" vert="horz" wrap="square" lIns="38100" tIns="38100" rIns="38100" bIns="38100" numCol="1" spcCol="1270" anchor="ctr" anchorCtr="0">
+          <a:noAutofit/>
+        </a:bodyPr>
+        <a:lstStyle/>
+        <a:p>
+          <a:pPr lvl="0" algn="ctr" defTabSz="444500">
+            <a:lnSpc>
+              <a:spcPct val="90000"/>
+            </a:lnSpc>
+            <a:spcBef>
+              <a:spcPct val="0"/>
+            </a:spcBef>
+            <a:spcAft>
+              <a:spcPct val="35000"/>
+            </a:spcAft>
+          </a:pPr>
+          <a:endParaRPr lang="en-US" sz="1000" kern="1200" dirty="0" smtClean="0"/>
+        </a:p>
+        <a:p>
+          <a:pPr lvl="0" algn="ctr" defTabSz="444500">
+            <a:lnSpc>
+              <a:spcPct val="90000"/>
+            </a:lnSpc>
+            <a:spcBef>
+              <a:spcPct val="0"/>
+            </a:spcBef>
+            <a:spcAft>
+              <a:spcPct val="35000"/>
+            </a:spcAft>
+          </a:pPr>
+          <a:r>
+            <a:rPr lang="en-US" sz="1000" kern="1200" dirty="0" smtClean="0"/>
+            <a:t>testedcode</a:t>
+          </a:r>
+          <a:r>
+            <a:rPr lang="en-US" sz="1000" kern="1200" dirty="0" smtClean="0"/>
+            <a:t>2</a:t>
+          </a:r>
+          <a:endParaRPr lang="en-US" sz="1000" kern="1200" dirty="0"/>
+        </a:p>
+      </dsp:txBody>
+      <dsp:txXfrm rot="-5400000">
+        <a:off x="2882569" y="238456"/>
+        <a:ext cx="916361" cy="1053289"/>
+      </dsp:txXfrm>
+    </dsp:sp>
+    <dsp:sp modelId="{EF8FA3B5-F5CF-4A95-9D97-D77A25F8D216}">
+      <dsp:nvSpPr>
+        <dsp:cNvPr id="0" name=""/>
+        <dsp:cNvSpPr/>
+      </dsp:nvSpPr>
+      <dsp:spPr>
+        <a:xfrm>
+          <a:off x="5731820" y="306177"/>
+          <a:ext cx="1707705" cy="918121"/>
+        </a:xfrm>
+        <a:prstGeom prst="rect">
+          <a:avLst/>
+        </a:prstGeom>
+        <a:noFill/>
+        <a:ln>
+          <a:noFill/>
+        </a:ln>
+        <a:effectLst/>
+      </dsp:spPr>
+      <dsp:style>
+        <a:lnRef idx="0">
+          <a:scrgbClr r="0" g="0" b="0"/>
+        </a:lnRef>
+        <a:fillRef idx="0">
+          <a:scrgbClr r="0" g="0" b="0"/>
+        </a:fillRef>
+        <a:effectRef idx="0">
+          <a:scrgbClr r="0" g="0" b="0"/>
+        </a:effectRef>
+        <a:fontRef idx="minor"/>
+      </dsp:style>
+    </dsp:sp>
+    <dsp:sp modelId="{36CC621C-EEBA-4032-A1C4-95D93E13E7B4}">
+      <dsp:nvSpPr>
+        <dsp:cNvPr id="0" name=""/>
+        <dsp:cNvSpPr/>
+      </dsp:nvSpPr>
+      <dsp:spPr>
+        <a:xfrm rot="5400000">
+          <a:off x="-99463" y="99463"/>
+          <a:ext cx="1530201" cy="1331275"/>
+        </a:xfrm>
+        <a:prstGeom prst="hexagon">
+          <a:avLst>
+            <a:gd name="adj" fmla="val 25000"/>
+            <a:gd name="vf" fmla="val 115470"/>
+          </a:avLst>
+        </a:prstGeom>
+        <a:solidFill>
+          <a:schemeClr val="accent1">
+            <a:hueOff val="0"/>
+            <a:satOff val="0"/>
+            <a:lumOff val="0"/>
+            <a:alphaOff val="0"/>
+          </a:schemeClr>
+        </a:solidFill>
+        <a:ln w="12700" cap="flat" cmpd="sng" algn="ctr">
+          <a:solidFill>
+            <a:schemeClr val="lt1">
+              <a:hueOff val="0"/>
+              <a:satOff val="0"/>
+              <a:lumOff val="0"/>
+              <a:alphaOff val="0"/>
+            </a:schemeClr>
+          </a:solidFill>
+          <a:prstDash val="solid"/>
+          <a:miter lim="800000"/>
+        </a:ln>
+        <a:effectLst/>
+      </dsp:spPr>
+      <dsp:style>
+        <a:lnRef idx="2">
+          <a:scrgbClr r="0" g="0" b="0"/>
+        </a:lnRef>
+        <a:fillRef idx="1">
+          <a:scrgbClr r="0" g="0" b="0"/>
+        </a:fillRef>
+        <a:effectRef idx="0">
+          <a:scrgbClr r="0" g="0" b="0"/>
+        </a:effectRef>
+        <a:fontRef idx="minor">
+          <a:schemeClr val="lt1"/>
+        </a:fontRef>
+      </dsp:style>
+      <dsp:txBody>
+        <a:bodyPr spcFirstLastPara="0" vert="horz" wrap="square" lIns="0" tIns="0" rIns="0" bIns="0" numCol="1" spcCol="1270" anchor="ctr" anchorCtr="0">
+          <a:noAutofit/>
+        </a:bodyPr>
+        <a:lstStyle/>
+        <a:p>
+          <a:pPr lvl="0" algn="ctr" defTabSz="488950">
+            <a:lnSpc>
+              <a:spcPct val="90000"/>
+            </a:lnSpc>
+            <a:spcBef>
+              <a:spcPct val="0"/>
+            </a:spcBef>
+            <a:spcAft>
+              <a:spcPct val="35000"/>
+            </a:spcAft>
+          </a:pPr>
+          <a:r>
+            <a:rPr lang="en-US" sz="1100" kern="1200" dirty="0" smtClean="0"/>
+            <a:t>testedcode1</a:t>
+          </a:r>
+          <a:endParaRPr lang="en-US" sz="1100" kern="1200" dirty="0"/>
+        </a:p>
+      </dsp:txBody>
+      <dsp:txXfrm rot="-5400000">
+        <a:off x="207457" y="238456"/>
+        <a:ext cx="916361" cy="1053289"/>
+      </dsp:txXfrm>
+    </dsp:sp>
+    <dsp:sp modelId="{BADB0BD2-CE74-4F03-B6B4-AEA52D935E43}">
+      <dsp:nvSpPr>
+        <dsp:cNvPr id="0" name=""/>
+        <dsp:cNvSpPr/>
+      </dsp:nvSpPr>
+      <dsp:spPr>
+        <a:xfrm rot="5400000">
+          <a:off x="5693923" y="161405"/>
+          <a:ext cx="1530201" cy="1331275"/>
+        </a:xfrm>
+        <a:prstGeom prst="hexagon">
+          <a:avLst>
+            <a:gd name="adj" fmla="val 25000"/>
+            <a:gd name="vf" fmla="val 115470"/>
+          </a:avLst>
+        </a:prstGeom>
+        <a:solidFill>
+          <a:schemeClr val="accent1">
+            <a:hueOff val="0"/>
+            <a:satOff val="0"/>
+            <a:lumOff val="0"/>
+            <a:alphaOff val="0"/>
+          </a:schemeClr>
+        </a:solidFill>
+        <a:ln w="12700" cap="flat" cmpd="sng" algn="ctr">
+          <a:solidFill>
+            <a:schemeClr val="lt1">
+              <a:hueOff val="0"/>
+              <a:satOff val="0"/>
+              <a:lumOff val="0"/>
+              <a:alphaOff val="0"/>
+            </a:schemeClr>
+          </a:solidFill>
+          <a:prstDash val="solid"/>
+          <a:miter lim="800000"/>
+        </a:ln>
+        <a:effectLst/>
+      </dsp:spPr>
+      <dsp:style>
+        <a:lnRef idx="2">
+          <a:scrgbClr r="0" g="0" b="0"/>
+        </a:lnRef>
+        <a:fillRef idx="1">
+          <a:scrgbClr r="0" g="0" b="0"/>
+        </a:fillRef>
+        <a:effectRef idx="0">
+          <a:scrgbClr r="0" g="0" b="0"/>
+        </a:effectRef>
+        <a:fontRef idx="minor">
+          <a:schemeClr val="lt1"/>
+        </a:fontRef>
+      </dsp:style>
+      <dsp:txBody>
+        <a:bodyPr spcFirstLastPara="0" vert="horz" wrap="square" lIns="38100" tIns="38100" rIns="38100" bIns="38100" numCol="1" spcCol="1270" anchor="ctr" anchorCtr="0">
+          <a:noAutofit/>
+        </a:bodyPr>
+        <a:lstStyle/>
+        <a:p>
+          <a:pPr lvl="0" algn="ctr" defTabSz="444500">
+            <a:lnSpc>
+              <a:spcPct val="90000"/>
+            </a:lnSpc>
+            <a:spcBef>
+              <a:spcPct val="0"/>
+            </a:spcBef>
+            <a:spcAft>
+              <a:spcPct val="35000"/>
+            </a:spcAft>
+          </a:pPr>
+          <a:endParaRPr lang="en-US" sz="1000" kern="1200" dirty="0" smtClean="0"/>
+        </a:p>
+        <a:p>
+          <a:pPr lvl="0" algn="ctr" defTabSz="444500">
+            <a:lnSpc>
+              <a:spcPct val="90000"/>
+            </a:lnSpc>
+            <a:spcBef>
+              <a:spcPct val="0"/>
+            </a:spcBef>
+            <a:spcAft>
+              <a:spcPct val="35000"/>
+            </a:spcAft>
+          </a:pPr>
+          <a:r>
+            <a:rPr lang="en-US" sz="1000" kern="1200" dirty="0" smtClean="0"/>
+            <a:t>testedcode</a:t>
+          </a:r>
+          <a:r>
+            <a:rPr lang="en-US" sz="1000" kern="1200" dirty="0" smtClean="0"/>
+            <a:t>3</a:t>
+          </a:r>
+          <a:endParaRPr lang="en-US" sz="1000" kern="1200" dirty="0"/>
+        </a:p>
+      </dsp:txBody>
+      <dsp:txXfrm rot="-5400000">
+        <a:off x="6000843" y="300398"/>
+        <a:ext cx="916361" cy="1053289"/>
+      </dsp:txXfrm>
+    </dsp:sp>
+    <dsp:sp modelId="{16B7D3A3-56DC-416A-9D44-98A1CDBB4E4D}">
+      <dsp:nvSpPr>
+        <dsp:cNvPr id="0" name=""/>
+        <dsp:cNvSpPr/>
+      </dsp:nvSpPr>
+      <dsp:spPr>
+        <a:xfrm>
+          <a:off x="1930799" y="1605013"/>
+          <a:ext cx="1652617" cy="918121"/>
+        </a:xfrm>
+        <a:prstGeom prst="rect">
+          <a:avLst/>
+        </a:prstGeom>
+        <a:noFill/>
+        <a:ln>
+          <a:noFill/>
+        </a:ln>
+        <a:effectLst/>
+      </dsp:spPr>
+      <dsp:style>
+        <a:lnRef idx="0">
+          <a:scrgbClr r="0" g="0" b="0"/>
+        </a:lnRef>
+        <a:fillRef idx="0">
+          <a:scrgbClr r="0" g="0" b="0"/>
+        </a:fillRef>
+        <a:effectRef idx="0">
+          <a:scrgbClr r="0" g="0" b="0"/>
+        </a:effectRef>
+        <a:fontRef idx="minor"/>
+      </dsp:style>
+      <dsp:txBody>
+        <a:bodyPr spcFirstLastPara="0" vert="horz" wrap="square" lIns="38100" tIns="38100" rIns="38100" bIns="38100" numCol="1" spcCol="1270" anchor="ctr" anchorCtr="0">
+          <a:noAutofit/>
+        </a:bodyPr>
+        <a:lstStyle/>
+        <a:p>
+          <a:pPr lvl="0" algn="r" defTabSz="444500">
+            <a:lnSpc>
+              <a:spcPct val="90000"/>
+            </a:lnSpc>
+            <a:spcBef>
+              <a:spcPct val="0"/>
+            </a:spcBef>
+            <a:spcAft>
+              <a:spcPct val="35000"/>
+            </a:spcAft>
+          </a:pPr>
+          <a:endParaRPr lang="en-US" sz="1000" kern="1200" dirty="0"/>
+        </a:p>
+      </dsp:txBody>
+      <dsp:txXfrm>
+        <a:off x="1930799" y="1605013"/>
+        <a:ext cx="1652617" cy="918121"/>
+      </dsp:txXfrm>
+    </dsp:sp>
+    <dsp:sp modelId="{B54F54A5-26B8-4787-8570-EDBF36A08DD1}">
+      <dsp:nvSpPr>
+        <dsp:cNvPr id="0" name=""/>
+        <dsp:cNvSpPr/>
+      </dsp:nvSpPr>
+      <dsp:spPr>
+        <a:xfrm rot="5400000">
+          <a:off x="7939586" y="127266"/>
+          <a:ext cx="1530201" cy="1331275"/>
+        </a:xfrm>
+        <a:prstGeom prst="hexagon">
+          <a:avLst>
+            <a:gd name="adj" fmla="val 25000"/>
+            <a:gd name="vf" fmla="val 115470"/>
+          </a:avLst>
+        </a:prstGeom>
+        <a:solidFill>
+          <a:schemeClr val="accent1">
+            <a:hueOff val="0"/>
+            <a:satOff val="0"/>
+            <a:lumOff val="0"/>
+            <a:alphaOff val="0"/>
+          </a:schemeClr>
+        </a:solidFill>
+        <a:ln w="12700" cap="flat" cmpd="sng" algn="ctr">
+          <a:solidFill>
+            <a:schemeClr val="lt1">
+              <a:hueOff val="0"/>
+              <a:satOff val="0"/>
+              <a:lumOff val="0"/>
+              <a:alphaOff val="0"/>
+            </a:schemeClr>
+          </a:solidFill>
+          <a:prstDash val="solid"/>
+          <a:miter lim="800000"/>
+        </a:ln>
+        <a:effectLst/>
+      </dsp:spPr>
+      <dsp:style>
+        <a:lnRef idx="2">
+          <a:scrgbClr r="0" g="0" b="0"/>
+        </a:lnRef>
+        <a:fillRef idx="1">
+          <a:scrgbClr r="0" g="0" b="0"/>
+        </a:fillRef>
+        <a:effectRef idx="0">
+          <a:scrgbClr r="0" g="0" b="0"/>
+        </a:effectRef>
+        <a:fontRef idx="minor">
+          <a:schemeClr val="lt1"/>
+        </a:fontRef>
+      </dsp:style>
+      <dsp:txBody>
+        <a:bodyPr spcFirstLastPara="0" vert="horz" wrap="square" lIns="0" tIns="0" rIns="0" bIns="0" numCol="1" spcCol="1270" anchor="ctr" anchorCtr="0">
+          <a:noAutofit/>
+        </a:bodyPr>
+        <a:lstStyle/>
+        <a:p>
+          <a:pPr lvl="0" algn="ctr" defTabSz="488950">
+            <a:lnSpc>
+              <a:spcPct val="90000"/>
+            </a:lnSpc>
+            <a:spcBef>
+              <a:spcPct val="0"/>
+            </a:spcBef>
+            <a:spcAft>
+              <a:spcPct val="35000"/>
+            </a:spcAft>
+          </a:pPr>
+          <a:endParaRPr lang="en-US" sz="1100" kern="1200" dirty="0" smtClean="0"/>
+        </a:p>
+        <a:p>
+          <a:pPr lvl="0" algn="ctr" defTabSz="488950">
+            <a:lnSpc>
+              <a:spcPct val="90000"/>
+            </a:lnSpc>
+            <a:spcBef>
+              <a:spcPct val="0"/>
+            </a:spcBef>
+            <a:spcAft>
+              <a:spcPct val="35000"/>
+            </a:spcAft>
+          </a:pPr>
+          <a:r>
+            <a:rPr lang="en-US" sz="1100" kern="1200" dirty="0" smtClean="0"/>
+            <a:t>testedcode</a:t>
+          </a:r>
+          <a:r>
+            <a:rPr lang="en-US" sz="1100" kern="1200" dirty="0" smtClean="0"/>
+            <a:t>4</a:t>
+          </a:r>
+          <a:endParaRPr lang="en-US" sz="1100" kern="1200" dirty="0"/>
+        </a:p>
+      </dsp:txBody>
+      <dsp:txXfrm rot="-5400000">
+        <a:off x="8246506" y="266259"/>
+        <a:ext cx="916361" cy="1053289"/>
       </dsp:txXfrm>
     </dsp:sp>
   </dsp:spTree>
@@ -6447,6 +9431,716 @@
 </dgm:layoutDef>
 </file>
 
+<file path=ppt/diagrams/layout3.xml><?xml version="1.0" encoding="utf-8"?>
+<dgm:layoutDef xmlns:dgm="http://schemas.openxmlformats.org/drawingml/2006/diagram" xmlns:a="http://schemas.openxmlformats.org/drawingml/2006/main" uniqueId="urn:microsoft.com/office/officeart/2008/layout/AlternatingHexagons">
+  <dgm:title val=""/>
+  <dgm:desc val=""/>
+  <dgm:catLst>
+    <dgm:cat type="list" pri="1500"/>
+  </dgm:catLst>
+  <dgm:sampData>
+    <dgm:dataModel>
+      <dgm:ptLst>
+        <dgm:pt modelId="0" type="doc"/>
+        <dgm:pt modelId="10">
+          <dgm:prSet phldr="1"/>
+        </dgm:pt>
+        <dgm:pt modelId="11">
+          <dgm:prSet phldr="1"/>
+        </dgm:pt>
+        <dgm:pt modelId="20">
+          <dgm:prSet phldr="1"/>
+        </dgm:pt>
+        <dgm:pt modelId="21">
+          <dgm:prSet phldr="1"/>
+        </dgm:pt>
+        <dgm:pt modelId="30">
+          <dgm:prSet phldr="1"/>
+        </dgm:pt>
+        <dgm:pt modelId="31">
+          <dgm:prSet phldr="1"/>
+        </dgm:pt>
+      </dgm:ptLst>
+      <dgm:cxnLst>
+        <dgm:cxn modelId="40" srcId="0" destId="10" srcOrd="0" destOrd="0"/>
+        <dgm:cxn modelId="12" srcId="10" destId="11" srcOrd="0" destOrd="0"/>
+        <dgm:cxn modelId="50" srcId="0" destId="20" srcOrd="1" destOrd="0"/>
+        <dgm:cxn modelId="22" srcId="20" destId="21" srcOrd="0" destOrd="0"/>
+        <dgm:cxn modelId="60" srcId="0" destId="30" srcOrd="1" destOrd="0"/>
+        <dgm:cxn modelId="32" srcId="30" destId="31" srcOrd="0" destOrd="0"/>
+      </dgm:cxnLst>
+      <dgm:bg/>
+      <dgm:whole/>
+    </dgm:dataModel>
+  </dgm:sampData>
+  <dgm:styleData>
+    <dgm:dataModel>
+      <dgm:ptLst>
+        <dgm:pt modelId="0" type="doc"/>
+        <dgm:pt modelId="10">
+          <dgm:prSet phldr="1"/>
+        </dgm:pt>
+        <dgm:pt modelId="20">
+          <dgm:prSet phldr="1"/>
+        </dgm:pt>
+      </dgm:ptLst>
+      <dgm:cxnLst>
+        <dgm:cxn modelId="60" srcId="0" destId="10" srcOrd="0" destOrd="0"/>
+        <dgm:cxn modelId="70" srcId="0" destId="20" srcOrd="1" destOrd="0"/>
+      </dgm:cxnLst>
+      <dgm:bg/>
+      <dgm:whole/>
+    </dgm:dataModel>
+  </dgm:styleData>
+  <dgm:clrData>
+    <dgm:dataModel>
+      <dgm:ptLst>
+        <dgm:pt modelId="0" type="doc"/>
+        <dgm:pt modelId="10">
+          <dgm:prSet phldr="1"/>
+        </dgm:pt>
+        <dgm:pt modelId="20">
+          <dgm:prSet phldr="1"/>
+        </dgm:pt>
+        <dgm:pt modelId="30">
+          <dgm:prSet phldr="1"/>
+        </dgm:pt>
+        <dgm:pt modelId="40">
+          <dgm:prSet phldr="1"/>
+        </dgm:pt>
+      </dgm:ptLst>
+      <dgm:cxnLst>
+        <dgm:cxn modelId="60" srcId="0" destId="10" srcOrd="0" destOrd="0"/>
+        <dgm:cxn modelId="70" srcId="0" destId="20" srcOrd="1" destOrd="0"/>
+        <dgm:cxn modelId="80" srcId="0" destId="30" srcOrd="2" destOrd="0"/>
+        <dgm:cxn modelId="90" srcId="0" destId="40" srcOrd="3" destOrd="0"/>
+      </dgm:cxnLst>
+      <dgm:bg/>
+      <dgm:whole/>
+    </dgm:dataModel>
+  </dgm:clrData>
+  <dgm:layoutNode name="Name0">
+    <dgm:varLst>
+      <dgm:chMax/>
+      <dgm:chPref/>
+      <dgm:dir/>
+      <dgm:animLvl val="lvl"/>
+    </dgm:varLst>
+    <dgm:alg type="lin">
+      <dgm:param type="linDir" val="fromT"/>
+    </dgm:alg>
+    <dgm:shape xmlns:r="http://schemas.openxmlformats.org/officeDocument/2006/relationships" r:blip="">
+      <dgm:adjLst/>
+    </dgm:shape>
+    <dgm:constrLst>
+      <dgm:constr type="primFontSz" for="des" forName="Parent1" val="65"/>
+      <dgm:constr type="primFontSz" for="des" forName="Childtext1" refType="primFontSz" refFor="des" refForName="Parent1" op="lte"/>
+      <dgm:constr type="w" for="ch" forName="composite" refType="w"/>
+      <dgm:constr type="h" for="ch" forName="composite" refType="h"/>
+      <dgm:constr type="h" for="ch" forName="spaceBetweenRectangles" refType="w" refFor="ch" refForName="composite" fact="-0.042"/>
+      <dgm:constr type="sp" refType="h" refFor="ch" refForName="composite" op="equ" fact="0.1"/>
+    </dgm:constrLst>
+    <dgm:forEach name="nodesForEach" axis="ch" ptType="node">
+      <dgm:layoutNode name="composite">
+        <dgm:alg type="composite">
+          <dgm:param type="ar" val="3.6"/>
+        </dgm:alg>
+        <dgm:shape xmlns:r="http://schemas.openxmlformats.org/officeDocument/2006/relationships" r:blip="">
+          <dgm:adjLst/>
+        </dgm:shape>
+        <dgm:choose name="Name1">
+          <dgm:if name="Name2" func="var" arg="dir" op="equ" val="norm">
+            <dgm:choose name="Name3">
+              <dgm:if name="Name4" axis="self" ptType="node" func="posOdd" op="equ" val="1">
+                <dgm:constrLst>
+                  <dgm:constr type="l" for="ch" forName="Accent1" refType="w" fact="0.18"/>
+                  <dgm:constr type="t" for="ch" forName="Accent1" refType="h" fact="0"/>
+                  <dgm:constr type="h" for="ch" forName="Accent1" refType="h"/>
+                  <dgm:constr type="w" for="ch" forName="Accent1" refType="h" fact="0.87"/>
+                  <dgm:constr type="l" for="ch" forName="Accent1Text" refType="w" fact="0.18"/>
+                  <dgm:constr type="t" for="ch" forName="Accent1Text" refType="h" fact="0"/>
+                  <dgm:constr type="h" for="ch" forName="Accent1Text" refType="h"/>
+                  <dgm:constr type="w" for="ch" forName="Accent1Text" refType="h" fact="0.87"/>
+                  <dgm:constr type="l" for="ch" forName="Parent1" refType="w" fact="0.441"/>
+                  <dgm:constr type="t" for="ch" forName="Parent1" refType="h" fact="0"/>
+                  <dgm:constr type="h" for="ch" forName="Parent1" refType="h"/>
+                  <dgm:constr type="w" for="ch" forName="Parent1" refType="h" fact="0.87"/>
+                  <dgm:constr type="l" for="ch" forName="Childtext1" refType="w" fact="0.69"/>
+                  <dgm:constr type="t" for="ch" forName="Childtext1" refType="h" fact="0.2"/>
+                  <dgm:constr type="w" for="ch" forName="Childtext1" refType="w" fact="0.31"/>
+                  <dgm:constr type="h" for="ch" forName="Childtext1" refType="h" fact="0.6"/>
+                  <dgm:constr type="l" for="ch" forName="BalanceSpacing" refType="w" fact="0"/>
+                  <dgm:constr type="t" for="ch" forName="BalanceSpacing" refType="h" fact="0"/>
+                  <dgm:constr type="w" for="ch" forName="BalanceSpacing" refType="w"/>
+                  <dgm:constr type="h" for="ch" forName="BalanceSpacing" refType="h" fact="0.1"/>
+                  <dgm:constr type="l" for="ch" forName="BalanceSpacing1" refType="w" fact="0.69"/>
+                  <dgm:constr type="t" for="ch" forName="BalanceSpacing1" refType="h" fact="0.2"/>
+                  <dgm:constr type="w" for="ch" forName="BalanceSpacing1" refType="w" fact="0.31"/>
+                  <dgm:constr type="h" for="ch" forName="BalanceSpacing1" refType="h" fact="0.6"/>
+                </dgm:constrLst>
+              </dgm:if>
+              <dgm:else name="Name5">
+                <dgm:constrLst>
+                  <dgm:constr type="l" for="ch" forName="Accent1" refType="w" fact="0.571"/>
+                  <dgm:constr type="t" for="ch" forName="Accent1" refType="h" fact="0"/>
+                  <dgm:constr type="h" for="ch" forName="Accent1" refType="h"/>
+                  <dgm:constr type="w" for="ch" forName="Accent1" refType="h" fact="0.87"/>
+                  <dgm:constr type="l" for="ch" forName="Accent1Text" refType="w" fact="0.571"/>
+                  <dgm:constr type="t" for="ch" forName="Accent1Text" refType="h" fact="0"/>
+                  <dgm:constr type="h" for="ch" forName="Accent1Text" refType="h"/>
+                  <dgm:constr type="w" for="ch" forName="Accent1Text" refType="h" fact="0.87"/>
+                  <dgm:constr type="l" for="ch" forName="Parent1" refType="w" fact="0.31"/>
+                  <dgm:constr type="t" for="ch" forName="Parent1" refType="h" fact="0"/>
+                  <dgm:constr type="h" for="ch" forName="Parent1" refType="h"/>
+                  <dgm:constr type="w" for="ch" forName="Parent1" refType="h" fact="0.87"/>
+                  <dgm:constr type="l" for="ch" forName="Childtext1" refType="w" fact="0"/>
+                  <dgm:constr type="t" for="ch" forName="Childtext1" refType="h" fact="0.2"/>
+                  <dgm:constr type="w" for="ch" forName="Childtext1" refType="w" fact="0.3"/>
+                  <dgm:constr type="h" for="ch" forName="Childtext1" refType="h" fact="0.6"/>
+                  <dgm:constr type="l" for="ch" forName="BalanceSpacing" refType="w" fact="0.82"/>
+                  <dgm:constr type="t" for="ch" forName="BalanceSpacing" refType="h" fact="0"/>
+                  <dgm:constr type="w" for="ch" forName="BalanceSpacing" refType="w" fact="0.18"/>
+                  <dgm:constr type="h" for="ch" forName="BalanceSpacing" refType="h"/>
+                  <dgm:constr type="l" for="ch" forName="BalanceSpacing1" refType="w" fact="0"/>
+                  <dgm:constr type="t" for="ch" forName="BalanceSpacing1" refType="h" fact="0.2"/>
+                  <dgm:constr type="w" for="ch" forName="BalanceSpacing1" refType="w" fact="0.3"/>
+                  <dgm:constr type="h" for="ch" forName="BalanceSpacing1" refType="h" fact="0.6"/>
+                </dgm:constrLst>
+              </dgm:else>
+            </dgm:choose>
+          </dgm:if>
+          <dgm:else name="Name6">
+            <dgm:choose name="Name7">
+              <dgm:if name="Name8" axis="self" ptType="node" func="posOdd" op="equ" val="1">
+                <dgm:constrLst>
+                  <dgm:constr type="l" for="ch" forName="Accent1" refType="w" fact="0.571"/>
+                  <dgm:constr type="t" for="ch" forName="Accent1" refType="h" fact="0"/>
+                  <dgm:constr type="h" for="ch" forName="Accent1" refType="h"/>
+                  <dgm:constr type="w" for="ch" forName="Accent1" refType="h" fact="0.87"/>
+                  <dgm:constr type="l" for="ch" forName="Accent1Text" refType="w" fact="0.571"/>
+                  <dgm:constr type="t" for="ch" forName="Accent1Text" refType="h" fact="0"/>
+                  <dgm:constr type="h" for="ch" forName="Accent1Text" refType="h"/>
+                  <dgm:constr type="w" for="ch" forName="Accent1Text" refType="h" fact="0.87"/>
+                  <dgm:constr type="l" for="ch" forName="Parent1" refType="w" fact="0.31"/>
+                  <dgm:constr type="t" for="ch" forName="Parent1" refType="h" fact="0"/>
+                  <dgm:constr type="h" for="ch" forName="Parent1" refType="h"/>
+                  <dgm:constr type="w" for="ch" forName="Parent1" refType="h" fact="0.87"/>
+                  <dgm:constr type="l" for="ch" forName="Childtext1" refType="w" fact="0"/>
+                  <dgm:constr type="t" for="ch" forName="Childtext1" refType="h" fact="0.2"/>
+                  <dgm:constr type="w" for="ch" forName="Childtext1" refType="w" fact="0.3"/>
+                  <dgm:constr type="h" for="ch" forName="Childtext1" refType="h" fact="0.6"/>
+                  <dgm:constr type="l" for="ch" forName="BalanceSpacing" refType="w" fact="0.82"/>
+                  <dgm:constr type="t" for="ch" forName="BalanceSpacing" refType="h" fact="0"/>
+                  <dgm:constr type="w" for="ch" forName="BalanceSpacing" refType="w" fact="0.18"/>
+                  <dgm:constr type="h" for="ch" forName="BalanceSpacing" refType="h"/>
+                </dgm:constrLst>
+              </dgm:if>
+              <dgm:else name="Name9">
+                <dgm:constrLst>
+                  <dgm:constr type="l" for="ch" forName="Accent1" refType="w" fact="0.18"/>
+                  <dgm:constr type="t" for="ch" forName="Accent1" refType="h" fact="0"/>
+                  <dgm:constr type="h" for="ch" forName="Accent1" refType="h"/>
+                  <dgm:constr type="w" for="ch" forName="Accent1" refType="h" fact="0.87"/>
+                  <dgm:constr type="l" for="ch" forName="Accent1Text" refType="w" fact="0.18"/>
+                  <dgm:constr type="t" for="ch" forName="Accent1Text" refType="h" fact="0"/>
+                  <dgm:constr type="h" for="ch" forName="Accent1Text" refType="h"/>
+                  <dgm:constr type="w" for="ch" forName="Accent1Text" refType="h" fact="0.87"/>
+                  <dgm:constr type="l" for="ch" forName="Parent1" refType="w" fact="0.441"/>
+                  <dgm:constr type="t" for="ch" forName="Parent1" refType="h" fact="0"/>
+                  <dgm:constr type="h" for="ch" forName="Parent1" refType="h"/>
+                  <dgm:constr type="w" for="ch" forName="Parent1" refType="h" fact="0.87"/>
+                  <dgm:constr type="l" for="ch" forName="Childtext1" refType="w" fact="0.69"/>
+                  <dgm:constr type="t" for="ch" forName="Childtext1" refType="h" fact="0.2"/>
+                  <dgm:constr type="w" for="ch" forName="Childtext1" refType="w" fact="0.31"/>
+                  <dgm:constr type="h" for="ch" forName="Childtext1" refType="h" fact="0.6"/>
+                  <dgm:constr type="l" for="ch" forName="BalanceSpacing" refType="w" fact="0"/>
+                  <dgm:constr type="t" for="ch" forName="BalanceSpacing" refType="h" fact="0"/>
+                  <dgm:constr type="w" for="ch" forName="BalanceSpacing" refType="w" fact="0.18"/>
+                  <dgm:constr type="h" for="ch" forName="BalanceSpacing" refType="h"/>
+                </dgm:constrLst>
+              </dgm:else>
+            </dgm:choose>
+          </dgm:else>
+        </dgm:choose>
+        <dgm:layoutNode name="Parent1" styleLbl="node1">
+          <dgm:varLst>
+            <dgm:chMax val="1"/>
+            <dgm:chPref val="1"/>
+            <dgm:bulletEnabled val="1"/>
+          </dgm:varLst>
+          <dgm:alg type="tx"/>
+          <dgm:shape xmlns:r="http://schemas.openxmlformats.org/officeDocument/2006/relationships" rot="90" type="hexagon" r:blip="">
+            <dgm:adjLst>
+              <dgm:adj idx="1" val="0.25"/>
+              <dgm:adj idx="2" val="1.1547"/>
+            </dgm:adjLst>
+          </dgm:shape>
+          <dgm:presOf axis="self" ptType="node"/>
+          <dgm:constrLst>
+            <dgm:constr type="lMarg" refType="primFontSz" fact="0.3"/>
+            <dgm:constr type="rMarg" refType="primFontSz" fact="0.3"/>
+            <dgm:constr type="tMarg" refType="primFontSz" fact="0.3"/>
+            <dgm:constr type="bMarg" refType="primFontSz" fact="0.3"/>
+          </dgm:constrLst>
+          <dgm:ruleLst>
+            <dgm:rule type="primFontSz" val="5" fact="NaN" max="NaN"/>
+          </dgm:ruleLst>
+        </dgm:layoutNode>
+        <dgm:layoutNode name="Childtext1" styleLbl="revTx">
+          <dgm:varLst>
+            <dgm:chMax val="0"/>
+            <dgm:chPref val="0"/>
+            <dgm:bulletEnabled val="1"/>
+          </dgm:varLst>
+          <dgm:choose name="Name10">
+            <dgm:if name="Name11" func="var" arg="dir" op="equ" val="norm">
+              <dgm:choose name="Name12">
+                <dgm:if name="Name13" axis="self" ptType="node" func="posOdd" op="equ" val="1">
+                  <dgm:alg type="tx">
+                    <dgm:param type="parTxLTRAlign" val="l"/>
+                  </dgm:alg>
+                </dgm:if>
+                <dgm:else name="Name14">
+                  <dgm:alg type="tx">
+                    <dgm:param type="parTxLTRAlign" val="r"/>
+                  </dgm:alg>
+                </dgm:else>
+              </dgm:choose>
+            </dgm:if>
+            <dgm:else name="Name15">
+              <dgm:choose name="Name16">
+                <dgm:if name="Name17" axis="self" ptType="node" func="posOdd" op="equ" val="1">
+                  <dgm:alg type="tx">
+                    <dgm:param type="parTxLTRAlign" val="r"/>
+                  </dgm:alg>
+                </dgm:if>
+                <dgm:else name="Name18">
+                  <dgm:alg type="tx">
+                    <dgm:param type="parTxLTRAlign" val="l"/>
+                  </dgm:alg>
+                </dgm:else>
+              </dgm:choose>
+            </dgm:else>
+          </dgm:choose>
+          <dgm:shape xmlns:r="http://schemas.openxmlformats.org/officeDocument/2006/relationships" type="rect" r:blip="">
+            <dgm:adjLst/>
+          </dgm:shape>
+          <dgm:presOf axis="des" ptType="node"/>
+          <dgm:constrLst>
+            <dgm:constr type="lMarg" refType="primFontSz" fact="0.3"/>
+            <dgm:constr type="rMarg" refType="primFontSz" fact="0.3"/>
+            <dgm:constr type="tMarg" refType="primFontSz" fact="0.3"/>
+            <dgm:constr type="bMarg" refType="primFontSz" fact="0.3"/>
+          </dgm:constrLst>
+          <dgm:ruleLst>
+            <dgm:rule type="primFontSz" val="5" fact="NaN" max="NaN"/>
+          </dgm:ruleLst>
+        </dgm:layoutNode>
+        <dgm:layoutNode name="BalanceSpacing">
+          <dgm:alg type="sp"/>
+          <dgm:shape xmlns:r="http://schemas.openxmlformats.org/officeDocument/2006/relationships" r:blip="">
+            <dgm:adjLst/>
+          </dgm:shape>
+        </dgm:layoutNode>
+        <dgm:layoutNode name="BalanceSpacing1">
+          <dgm:alg type="sp"/>
+          <dgm:shape xmlns:r="http://schemas.openxmlformats.org/officeDocument/2006/relationships" r:blip="">
+            <dgm:adjLst/>
+          </dgm:shape>
+        </dgm:layoutNode>
+        <dgm:forEach name="Name19" axis="followSib" ptType="sibTrans" hideLastTrans="0" cnt="1">
+          <dgm:layoutNode name="Accent1Text" styleLbl="node1">
+            <dgm:alg type="tx"/>
+            <dgm:shape xmlns:r="http://schemas.openxmlformats.org/officeDocument/2006/relationships" rot="90" type="hexagon" r:blip="">
+              <dgm:adjLst>
+                <dgm:adj idx="1" val="0.25"/>
+                <dgm:adj idx="2" val="1.1547"/>
+              </dgm:adjLst>
+            </dgm:shape>
+            <dgm:presOf axis="self" ptType="sibTrans"/>
+            <dgm:constrLst>
+              <dgm:constr type="lMarg"/>
+              <dgm:constr type="rMarg"/>
+              <dgm:constr type="tMarg"/>
+              <dgm:constr type="bMarg"/>
+            </dgm:constrLst>
+            <dgm:ruleLst>
+              <dgm:rule type="primFontSz" val="5" fact="NaN" max="NaN"/>
+            </dgm:ruleLst>
+          </dgm:layoutNode>
+        </dgm:forEach>
+      </dgm:layoutNode>
+      <dgm:forEach name="Name20" axis="followSib" ptType="sibTrans" cnt="1">
+        <dgm:layoutNode name="spaceBetweenRectangles">
+          <dgm:alg type="sp"/>
+          <dgm:shape xmlns:r="http://schemas.openxmlformats.org/officeDocument/2006/relationships" r:blip="">
+            <dgm:adjLst/>
+          </dgm:shape>
+          <dgm:presOf/>
+          <dgm:constrLst/>
+          <dgm:ruleLst/>
+        </dgm:layoutNode>
+      </dgm:forEach>
+    </dgm:forEach>
+  </dgm:layoutNode>
+</dgm:layoutDef>
+</file>
+
+<file path=ppt/diagrams/layout4.xml><?xml version="1.0" encoding="utf-8"?>
+<dgm:layoutDef xmlns:dgm="http://schemas.openxmlformats.org/drawingml/2006/diagram" xmlns:a="http://schemas.openxmlformats.org/drawingml/2006/main" uniqueId="urn:microsoft.com/office/officeart/2008/layout/AlternatingHexagons">
+  <dgm:title val=""/>
+  <dgm:desc val=""/>
+  <dgm:catLst>
+    <dgm:cat type="list" pri="1500"/>
+  </dgm:catLst>
+  <dgm:sampData>
+    <dgm:dataModel>
+      <dgm:ptLst>
+        <dgm:pt modelId="0" type="doc"/>
+        <dgm:pt modelId="10">
+          <dgm:prSet phldr="1"/>
+        </dgm:pt>
+        <dgm:pt modelId="11">
+          <dgm:prSet phldr="1"/>
+        </dgm:pt>
+        <dgm:pt modelId="20">
+          <dgm:prSet phldr="1"/>
+        </dgm:pt>
+        <dgm:pt modelId="21">
+          <dgm:prSet phldr="1"/>
+        </dgm:pt>
+        <dgm:pt modelId="30">
+          <dgm:prSet phldr="1"/>
+        </dgm:pt>
+        <dgm:pt modelId="31">
+          <dgm:prSet phldr="1"/>
+        </dgm:pt>
+      </dgm:ptLst>
+      <dgm:cxnLst>
+        <dgm:cxn modelId="40" srcId="0" destId="10" srcOrd="0" destOrd="0"/>
+        <dgm:cxn modelId="12" srcId="10" destId="11" srcOrd="0" destOrd="0"/>
+        <dgm:cxn modelId="50" srcId="0" destId="20" srcOrd="1" destOrd="0"/>
+        <dgm:cxn modelId="22" srcId="20" destId="21" srcOrd="0" destOrd="0"/>
+        <dgm:cxn modelId="60" srcId="0" destId="30" srcOrd="1" destOrd="0"/>
+        <dgm:cxn modelId="32" srcId="30" destId="31" srcOrd="0" destOrd="0"/>
+      </dgm:cxnLst>
+      <dgm:bg/>
+      <dgm:whole/>
+    </dgm:dataModel>
+  </dgm:sampData>
+  <dgm:styleData>
+    <dgm:dataModel>
+      <dgm:ptLst>
+        <dgm:pt modelId="0" type="doc"/>
+        <dgm:pt modelId="10">
+          <dgm:prSet phldr="1"/>
+        </dgm:pt>
+        <dgm:pt modelId="20">
+          <dgm:prSet phldr="1"/>
+        </dgm:pt>
+      </dgm:ptLst>
+      <dgm:cxnLst>
+        <dgm:cxn modelId="60" srcId="0" destId="10" srcOrd="0" destOrd="0"/>
+        <dgm:cxn modelId="70" srcId="0" destId="20" srcOrd="1" destOrd="0"/>
+      </dgm:cxnLst>
+      <dgm:bg/>
+      <dgm:whole/>
+    </dgm:dataModel>
+  </dgm:styleData>
+  <dgm:clrData>
+    <dgm:dataModel>
+      <dgm:ptLst>
+        <dgm:pt modelId="0" type="doc"/>
+        <dgm:pt modelId="10">
+          <dgm:prSet phldr="1"/>
+        </dgm:pt>
+        <dgm:pt modelId="20">
+          <dgm:prSet phldr="1"/>
+        </dgm:pt>
+        <dgm:pt modelId="30">
+          <dgm:prSet phldr="1"/>
+        </dgm:pt>
+        <dgm:pt modelId="40">
+          <dgm:prSet phldr="1"/>
+        </dgm:pt>
+      </dgm:ptLst>
+      <dgm:cxnLst>
+        <dgm:cxn modelId="60" srcId="0" destId="10" srcOrd="0" destOrd="0"/>
+        <dgm:cxn modelId="70" srcId="0" destId="20" srcOrd="1" destOrd="0"/>
+        <dgm:cxn modelId="80" srcId="0" destId="30" srcOrd="2" destOrd="0"/>
+        <dgm:cxn modelId="90" srcId="0" destId="40" srcOrd="3" destOrd="0"/>
+      </dgm:cxnLst>
+      <dgm:bg/>
+      <dgm:whole/>
+    </dgm:dataModel>
+  </dgm:clrData>
+  <dgm:layoutNode name="Name0">
+    <dgm:varLst>
+      <dgm:chMax/>
+      <dgm:chPref/>
+      <dgm:dir/>
+      <dgm:animLvl val="lvl"/>
+    </dgm:varLst>
+    <dgm:alg type="lin">
+      <dgm:param type="linDir" val="fromT"/>
+    </dgm:alg>
+    <dgm:shape xmlns:r="http://schemas.openxmlformats.org/officeDocument/2006/relationships" r:blip="">
+      <dgm:adjLst/>
+    </dgm:shape>
+    <dgm:constrLst>
+      <dgm:constr type="primFontSz" for="des" forName="Parent1" val="65"/>
+      <dgm:constr type="primFontSz" for="des" forName="Childtext1" refType="primFontSz" refFor="des" refForName="Parent1" op="lte"/>
+      <dgm:constr type="w" for="ch" forName="composite" refType="w"/>
+      <dgm:constr type="h" for="ch" forName="composite" refType="h"/>
+      <dgm:constr type="h" for="ch" forName="spaceBetweenRectangles" refType="w" refFor="ch" refForName="composite" fact="-0.042"/>
+      <dgm:constr type="sp" refType="h" refFor="ch" refForName="composite" op="equ" fact="0.1"/>
+    </dgm:constrLst>
+    <dgm:forEach name="nodesForEach" axis="ch" ptType="node">
+      <dgm:layoutNode name="composite">
+        <dgm:alg type="composite">
+          <dgm:param type="ar" val="3.6"/>
+        </dgm:alg>
+        <dgm:shape xmlns:r="http://schemas.openxmlformats.org/officeDocument/2006/relationships" r:blip="">
+          <dgm:adjLst/>
+        </dgm:shape>
+        <dgm:choose name="Name1">
+          <dgm:if name="Name2" func="var" arg="dir" op="equ" val="norm">
+            <dgm:choose name="Name3">
+              <dgm:if name="Name4" axis="self" ptType="node" func="posOdd" op="equ" val="1">
+                <dgm:constrLst>
+                  <dgm:constr type="l" for="ch" forName="Accent1" refType="w" fact="0.18"/>
+                  <dgm:constr type="t" for="ch" forName="Accent1" refType="h" fact="0"/>
+                  <dgm:constr type="h" for="ch" forName="Accent1" refType="h"/>
+                  <dgm:constr type="w" for="ch" forName="Accent1" refType="h" fact="0.87"/>
+                  <dgm:constr type="l" for="ch" forName="Accent1Text" refType="w" fact="0.18"/>
+                  <dgm:constr type="t" for="ch" forName="Accent1Text" refType="h" fact="0"/>
+                  <dgm:constr type="h" for="ch" forName="Accent1Text" refType="h"/>
+                  <dgm:constr type="w" for="ch" forName="Accent1Text" refType="h" fact="0.87"/>
+                  <dgm:constr type="l" for="ch" forName="Parent1" refType="w" fact="0.441"/>
+                  <dgm:constr type="t" for="ch" forName="Parent1" refType="h" fact="0"/>
+                  <dgm:constr type="h" for="ch" forName="Parent1" refType="h"/>
+                  <dgm:constr type="w" for="ch" forName="Parent1" refType="h" fact="0.87"/>
+                  <dgm:constr type="l" for="ch" forName="Childtext1" refType="w" fact="0.69"/>
+                  <dgm:constr type="t" for="ch" forName="Childtext1" refType="h" fact="0.2"/>
+                  <dgm:constr type="w" for="ch" forName="Childtext1" refType="w" fact="0.31"/>
+                  <dgm:constr type="h" for="ch" forName="Childtext1" refType="h" fact="0.6"/>
+                  <dgm:constr type="l" for="ch" forName="BalanceSpacing" refType="w" fact="0"/>
+                  <dgm:constr type="t" for="ch" forName="BalanceSpacing" refType="h" fact="0"/>
+                  <dgm:constr type="w" for="ch" forName="BalanceSpacing" refType="w"/>
+                  <dgm:constr type="h" for="ch" forName="BalanceSpacing" refType="h" fact="0.1"/>
+                  <dgm:constr type="l" for="ch" forName="BalanceSpacing1" refType="w" fact="0.69"/>
+                  <dgm:constr type="t" for="ch" forName="BalanceSpacing1" refType="h" fact="0.2"/>
+                  <dgm:constr type="w" for="ch" forName="BalanceSpacing1" refType="w" fact="0.31"/>
+                  <dgm:constr type="h" for="ch" forName="BalanceSpacing1" refType="h" fact="0.6"/>
+                </dgm:constrLst>
+              </dgm:if>
+              <dgm:else name="Name5">
+                <dgm:constrLst>
+                  <dgm:constr type="l" for="ch" forName="Accent1" refType="w" fact="0.571"/>
+                  <dgm:constr type="t" for="ch" forName="Accent1" refType="h" fact="0"/>
+                  <dgm:constr type="h" for="ch" forName="Accent1" refType="h"/>
+                  <dgm:constr type="w" for="ch" forName="Accent1" refType="h" fact="0.87"/>
+                  <dgm:constr type="l" for="ch" forName="Accent1Text" refType="w" fact="0.571"/>
+                  <dgm:constr type="t" for="ch" forName="Accent1Text" refType="h" fact="0"/>
+                  <dgm:constr type="h" for="ch" forName="Accent1Text" refType="h"/>
+                  <dgm:constr type="w" for="ch" forName="Accent1Text" refType="h" fact="0.87"/>
+                  <dgm:constr type="l" for="ch" forName="Parent1" refType="w" fact="0.31"/>
+                  <dgm:constr type="t" for="ch" forName="Parent1" refType="h" fact="0"/>
+                  <dgm:constr type="h" for="ch" forName="Parent1" refType="h"/>
+                  <dgm:constr type="w" for="ch" forName="Parent1" refType="h" fact="0.87"/>
+                  <dgm:constr type="l" for="ch" forName="Childtext1" refType="w" fact="0"/>
+                  <dgm:constr type="t" for="ch" forName="Childtext1" refType="h" fact="0.2"/>
+                  <dgm:constr type="w" for="ch" forName="Childtext1" refType="w" fact="0.3"/>
+                  <dgm:constr type="h" for="ch" forName="Childtext1" refType="h" fact="0.6"/>
+                  <dgm:constr type="l" for="ch" forName="BalanceSpacing" refType="w" fact="0.82"/>
+                  <dgm:constr type="t" for="ch" forName="BalanceSpacing" refType="h" fact="0"/>
+                  <dgm:constr type="w" for="ch" forName="BalanceSpacing" refType="w" fact="0.18"/>
+                  <dgm:constr type="h" for="ch" forName="BalanceSpacing" refType="h"/>
+                  <dgm:constr type="l" for="ch" forName="BalanceSpacing1" refType="w" fact="0"/>
+                  <dgm:constr type="t" for="ch" forName="BalanceSpacing1" refType="h" fact="0.2"/>
+                  <dgm:constr type="w" for="ch" forName="BalanceSpacing1" refType="w" fact="0.3"/>
+                  <dgm:constr type="h" for="ch" forName="BalanceSpacing1" refType="h" fact="0.6"/>
+                </dgm:constrLst>
+              </dgm:else>
+            </dgm:choose>
+          </dgm:if>
+          <dgm:else name="Name6">
+            <dgm:choose name="Name7">
+              <dgm:if name="Name8" axis="self" ptType="node" func="posOdd" op="equ" val="1">
+                <dgm:constrLst>
+                  <dgm:constr type="l" for="ch" forName="Accent1" refType="w" fact="0.571"/>
+                  <dgm:constr type="t" for="ch" forName="Accent1" refType="h" fact="0"/>
+                  <dgm:constr type="h" for="ch" forName="Accent1" refType="h"/>
+                  <dgm:constr type="w" for="ch" forName="Accent1" refType="h" fact="0.87"/>
+                  <dgm:constr type="l" for="ch" forName="Accent1Text" refType="w" fact="0.571"/>
+                  <dgm:constr type="t" for="ch" forName="Accent1Text" refType="h" fact="0"/>
+                  <dgm:constr type="h" for="ch" forName="Accent1Text" refType="h"/>
+                  <dgm:constr type="w" for="ch" forName="Accent1Text" refType="h" fact="0.87"/>
+                  <dgm:constr type="l" for="ch" forName="Parent1" refType="w" fact="0.31"/>
+                  <dgm:constr type="t" for="ch" forName="Parent1" refType="h" fact="0"/>
+                  <dgm:constr type="h" for="ch" forName="Parent1" refType="h"/>
+                  <dgm:constr type="w" for="ch" forName="Parent1" refType="h" fact="0.87"/>
+                  <dgm:constr type="l" for="ch" forName="Childtext1" refType="w" fact="0"/>
+                  <dgm:constr type="t" for="ch" forName="Childtext1" refType="h" fact="0.2"/>
+                  <dgm:constr type="w" for="ch" forName="Childtext1" refType="w" fact="0.3"/>
+                  <dgm:constr type="h" for="ch" forName="Childtext1" refType="h" fact="0.6"/>
+                  <dgm:constr type="l" for="ch" forName="BalanceSpacing" refType="w" fact="0.82"/>
+                  <dgm:constr type="t" for="ch" forName="BalanceSpacing" refType="h" fact="0"/>
+                  <dgm:constr type="w" for="ch" forName="BalanceSpacing" refType="w" fact="0.18"/>
+                  <dgm:constr type="h" for="ch" forName="BalanceSpacing" refType="h"/>
+                </dgm:constrLst>
+              </dgm:if>
+              <dgm:else name="Name9">
+                <dgm:constrLst>
+                  <dgm:constr type="l" for="ch" forName="Accent1" refType="w" fact="0.18"/>
+                  <dgm:constr type="t" for="ch" forName="Accent1" refType="h" fact="0"/>
+                  <dgm:constr type="h" for="ch" forName="Accent1" refType="h"/>
+                  <dgm:constr type="w" for="ch" forName="Accent1" refType="h" fact="0.87"/>
+                  <dgm:constr type="l" for="ch" forName="Accent1Text" refType="w" fact="0.18"/>
+                  <dgm:constr type="t" for="ch" forName="Accent1Text" refType="h" fact="0"/>
+                  <dgm:constr type="h" for="ch" forName="Accent1Text" refType="h"/>
+                  <dgm:constr type="w" for="ch" forName="Accent1Text" refType="h" fact="0.87"/>
+                  <dgm:constr type="l" for="ch" forName="Parent1" refType="w" fact="0.441"/>
+                  <dgm:constr type="t" for="ch" forName="Parent1" refType="h" fact="0"/>
+                  <dgm:constr type="h" for="ch" forName="Parent1" refType="h"/>
+                  <dgm:constr type="w" for="ch" forName="Parent1" refType="h" fact="0.87"/>
+                  <dgm:constr type="l" for="ch" forName="Childtext1" refType="w" fact="0.69"/>
+                  <dgm:constr type="t" for="ch" forName="Childtext1" refType="h" fact="0.2"/>
+                  <dgm:constr type="w" for="ch" forName="Childtext1" refType="w" fact="0.31"/>
+                  <dgm:constr type="h" for="ch" forName="Childtext1" refType="h" fact="0.6"/>
+                  <dgm:constr type="l" for="ch" forName="BalanceSpacing" refType="w" fact="0"/>
+                  <dgm:constr type="t" for="ch" forName="BalanceSpacing" refType="h" fact="0"/>
+                  <dgm:constr type="w" for="ch" forName="BalanceSpacing" refType="w" fact="0.18"/>
+                  <dgm:constr type="h" for="ch" forName="BalanceSpacing" refType="h"/>
+                </dgm:constrLst>
+              </dgm:else>
+            </dgm:choose>
+          </dgm:else>
+        </dgm:choose>
+        <dgm:layoutNode name="Parent1" styleLbl="node1">
+          <dgm:varLst>
+            <dgm:chMax val="1"/>
+            <dgm:chPref val="1"/>
+            <dgm:bulletEnabled val="1"/>
+          </dgm:varLst>
+          <dgm:alg type="tx"/>
+          <dgm:shape xmlns:r="http://schemas.openxmlformats.org/officeDocument/2006/relationships" rot="90" type="hexagon" r:blip="">
+            <dgm:adjLst>
+              <dgm:adj idx="1" val="0.25"/>
+              <dgm:adj idx="2" val="1.1547"/>
+            </dgm:adjLst>
+          </dgm:shape>
+          <dgm:presOf axis="self" ptType="node"/>
+          <dgm:constrLst>
+            <dgm:constr type="lMarg" refType="primFontSz" fact="0.3"/>
+            <dgm:constr type="rMarg" refType="primFontSz" fact="0.3"/>
+            <dgm:constr type="tMarg" refType="primFontSz" fact="0.3"/>
+            <dgm:constr type="bMarg" refType="primFontSz" fact="0.3"/>
+          </dgm:constrLst>
+          <dgm:ruleLst>
+            <dgm:rule type="primFontSz" val="5" fact="NaN" max="NaN"/>
+          </dgm:ruleLst>
+        </dgm:layoutNode>
+        <dgm:layoutNode name="Childtext1" styleLbl="revTx">
+          <dgm:varLst>
+            <dgm:chMax val="0"/>
+            <dgm:chPref val="0"/>
+            <dgm:bulletEnabled val="1"/>
+          </dgm:varLst>
+          <dgm:choose name="Name10">
+            <dgm:if name="Name11" func="var" arg="dir" op="equ" val="norm">
+              <dgm:choose name="Name12">
+                <dgm:if name="Name13" axis="self" ptType="node" func="posOdd" op="equ" val="1">
+                  <dgm:alg type="tx">
+                    <dgm:param type="parTxLTRAlign" val="l"/>
+                  </dgm:alg>
+                </dgm:if>
+                <dgm:else name="Name14">
+                  <dgm:alg type="tx">
+                    <dgm:param type="parTxLTRAlign" val="r"/>
+                  </dgm:alg>
+                </dgm:else>
+              </dgm:choose>
+            </dgm:if>
+            <dgm:else name="Name15">
+              <dgm:choose name="Name16">
+                <dgm:if name="Name17" axis="self" ptType="node" func="posOdd" op="equ" val="1">
+                  <dgm:alg type="tx">
+                    <dgm:param type="parTxLTRAlign" val="r"/>
+                  </dgm:alg>
+                </dgm:if>
+                <dgm:else name="Name18">
+                  <dgm:alg type="tx">
+                    <dgm:param type="parTxLTRAlign" val="l"/>
+                  </dgm:alg>
+                </dgm:else>
+              </dgm:choose>
+            </dgm:else>
+          </dgm:choose>
+          <dgm:shape xmlns:r="http://schemas.openxmlformats.org/officeDocument/2006/relationships" type="rect" r:blip="">
+            <dgm:adjLst/>
+          </dgm:shape>
+          <dgm:presOf axis="des" ptType="node"/>
+          <dgm:constrLst>
+            <dgm:constr type="lMarg" refType="primFontSz" fact="0.3"/>
+            <dgm:constr type="rMarg" refType="primFontSz" fact="0.3"/>
+            <dgm:constr type="tMarg" refType="primFontSz" fact="0.3"/>
+            <dgm:constr type="bMarg" refType="primFontSz" fact="0.3"/>
+          </dgm:constrLst>
+          <dgm:ruleLst>
+            <dgm:rule type="primFontSz" val="5" fact="NaN" max="NaN"/>
+          </dgm:ruleLst>
+        </dgm:layoutNode>
+        <dgm:layoutNode name="BalanceSpacing">
+          <dgm:alg type="sp"/>
+          <dgm:shape xmlns:r="http://schemas.openxmlformats.org/officeDocument/2006/relationships" r:blip="">
+            <dgm:adjLst/>
+          </dgm:shape>
+        </dgm:layoutNode>
+        <dgm:layoutNode name="BalanceSpacing1">
+          <dgm:alg type="sp"/>
+          <dgm:shape xmlns:r="http://schemas.openxmlformats.org/officeDocument/2006/relationships" r:blip="">
+            <dgm:adjLst/>
+          </dgm:shape>
+        </dgm:layoutNode>
+        <dgm:forEach name="Name19" axis="followSib" ptType="sibTrans" hideLastTrans="0" cnt="1">
+          <dgm:layoutNode name="Accent1Text" styleLbl="node1">
+            <dgm:alg type="tx"/>
+            <dgm:shape xmlns:r="http://schemas.openxmlformats.org/officeDocument/2006/relationships" rot="90" type="hexagon" r:blip="">
+              <dgm:adjLst>
+                <dgm:adj idx="1" val="0.25"/>
+                <dgm:adj idx="2" val="1.1547"/>
+              </dgm:adjLst>
+            </dgm:shape>
+            <dgm:presOf axis="self" ptType="sibTrans"/>
+            <dgm:constrLst>
+              <dgm:constr type="lMarg"/>
+              <dgm:constr type="rMarg"/>
+              <dgm:constr type="tMarg"/>
+              <dgm:constr type="bMarg"/>
+            </dgm:constrLst>
+            <dgm:ruleLst>
+              <dgm:rule type="primFontSz" val="5" fact="NaN" max="NaN"/>
+            </dgm:ruleLst>
+          </dgm:layoutNode>
+        </dgm:forEach>
+      </dgm:layoutNode>
+      <dgm:forEach name="Name20" axis="followSib" ptType="sibTrans" cnt="1">
+        <dgm:layoutNode name="spaceBetweenRectangles">
+          <dgm:alg type="sp"/>
+          <dgm:shape xmlns:r="http://schemas.openxmlformats.org/officeDocument/2006/relationships" r:blip="">
+            <dgm:adjLst/>
+          </dgm:shape>
+          <dgm:presOf/>
+          <dgm:constrLst/>
+          <dgm:ruleLst/>
+        </dgm:layoutNode>
+      </dgm:forEach>
+    </dgm:forEach>
+  </dgm:layoutNode>
+</dgm:layoutDef>
+</file>
+
 <file path=ppt/diagrams/quickStyle1.xml><?xml version="1.0" encoding="utf-8"?>
 <dgm:styleDef xmlns:dgm="http://schemas.openxmlformats.org/drawingml/2006/diagram" xmlns:a="http://schemas.openxmlformats.org/drawingml/2006/main" uniqueId="urn:microsoft.com/office/officeart/2005/8/quickstyle/simple1">
   <dgm:title val=""/>
@@ -7482,6 +11176,2074 @@
 </file>
 
 <file path=ppt/diagrams/quickStyle2.xml><?xml version="1.0" encoding="utf-8"?>
+<dgm:styleDef xmlns:dgm="http://schemas.openxmlformats.org/drawingml/2006/diagram" xmlns:a="http://schemas.openxmlformats.org/drawingml/2006/main" uniqueId="urn:microsoft.com/office/officeart/2005/8/quickstyle/simple1">
+  <dgm:title val=""/>
+  <dgm:desc val=""/>
+  <dgm:catLst>
+    <dgm:cat type="simple" pri="10100"/>
+  </dgm:catLst>
+  <dgm:scene3d>
+    <a:camera prst="orthographicFront"/>
+    <a:lightRig rig="threePt" dir="t"/>
+  </dgm:scene3d>
+  <dgm:styleLbl name="node0">
+    <dgm:scene3d>
+      <a:camera prst="orthographicFront"/>
+      <a:lightRig rig="threePt" dir="t"/>
+    </dgm:scene3d>
+    <dgm:sp3d/>
+    <dgm:txPr/>
+    <dgm:style>
+      <a:lnRef idx="2">
+        <a:scrgbClr r="0" g="0" b="0"/>
+      </a:lnRef>
+      <a:fillRef idx="1">
+        <a:scrgbClr r="0" g="0" b="0"/>
+      </a:fillRef>
+      <a:effectRef idx="0">
+        <a:scrgbClr r="0" g="0" b="0"/>
+      </a:effectRef>
+      <a:fontRef idx="minor">
+        <a:schemeClr val="lt1"/>
+      </a:fontRef>
+    </dgm:style>
+  </dgm:styleLbl>
+  <dgm:styleLbl name="lnNode1">
+    <dgm:scene3d>
+      <a:camera prst="orthographicFront"/>
+      <a:lightRig rig="threePt" dir="t"/>
+    </dgm:scene3d>
+    <dgm:sp3d/>
+    <dgm:txPr/>
+    <dgm:style>
+      <a:lnRef idx="2">
+        <a:scrgbClr r="0" g="0" b="0"/>
+      </a:lnRef>
+      <a:fillRef idx="1">
+        <a:scrgbClr r="0" g="0" b="0"/>
+      </a:fillRef>
+      <a:effectRef idx="0">
+        <a:scrgbClr r="0" g="0" b="0"/>
+      </a:effectRef>
+      <a:fontRef idx="minor">
+        <a:schemeClr val="lt1"/>
+      </a:fontRef>
+    </dgm:style>
+  </dgm:styleLbl>
+  <dgm:styleLbl name="vennNode1">
+    <dgm:scene3d>
+      <a:camera prst="orthographicFront"/>
+      <a:lightRig rig="threePt" dir="t"/>
+    </dgm:scene3d>
+    <dgm:sp3d/>
+    <dgm:txPr/>
+    <dgm:style>
+      <a:lnRef idx="2">
+        <a:scrgbClr r="0" g="0" b="0"/>
+      </a:lnRef>
+      <a:fillRef idx="1">
+        <a:scrgbClr r="0" g="0" b="0"/>
+      </a:fillRef>
+      <a:effectRef idx="0">
+        <a:scrgbClr r="0" g="0" b="0"/>
+      </a:effectRef>
+      <a:fontRef idx="minor">
+        <a:schemeClr val="tx1"/>
+      </a:fontRef>
+    </dgm:style>
+  </dgm:styleLbl>
+  <dgm:styleLbl name="alignNode1">
+    <dgm:scene3d>
+      <a:camera prst="orthographicFront"/>
+      <a:lightRig rig="threePt" dir="t"/>
+    </dgm:scene3d>
+    <dgm:sp3d/>
+    <dgm:txPr/>
+    <dgm:style>
+      <a:lnRef idx="2">
+        <a:scrgbClr r="0" g="0" b="0"/>
+      </a:lnRef>
+      <a:fillRef idx="1">
+        <a:scrgbClr r="0" g="0" b="0"/>
+      </a:fillRef>
+      <a:effectRef idx="0">
+        <a:scrgbClr r="0" g="0" b="0"/>
+      </a:effectRef>
+      <a:fontRef idx="minor">
+        <a:schemeClr val="lt1"/>
+      </a:fontRef>
+    </dgm:style>
+  </dgm:styleLbl>
+  <dgm:styleLbl name="node1">
+    <dgm:scene3d>
+      <a:camera prst="orthographicFront"/>
+      <a:lightRig rig="threePt" dir="t"/>
+    </dgm:scene3d>
+    <dgm:sp3d/>
+    <dgm:txPr/>
+    <dgm:style>
+      <a:lnRef idx="2">
+        <a:scrgbClr r="0" g="0" b="0"/>
+      </a:lnRef>
+      <a:fillRef idx="1">
+        <a:scrgbClr r="0" g="0" b="0"/>
+      </a:fillRef>
+      <a:effectRef idx="0">
+        <a:scrgbClr r="0" g="0" b="0"/>
+      </a:effectRef>
+      <a:fontRef idx="minor">
+        <a:schemeClr val="lt1"/>
+      </a:fontRef>
+    </dgm:style>
+  </dgm:styleLbl>
+  <dgm:styleLbl name="node2">
+    <dgm:scene3d>
+      <a:camera prst="orthographicFront"/>
+      <a:lightRig rig="threePt" dir="t"/>
+    </dgm:scene3d>
+    <dgm:sp3d/>
+    <dgm:txPr/>
+    <dgm:style>
+      <a:lnRef idx="2">
+        <a:scrgbClr r="0" g="0" b="0"/>
+      </a:lnRef>
+      <a:fillRef idx="1">
+        <a:scrgbClr r="0" g="0" b="0"/>
+      </a:fillRef>
+      <a:effectRef idx="0">
+        <a:scrgbClr r="0" g="0" b="0"/>
+      </a:effectRef>
+      <a:fontRef idx="minor">
+        <a:schemeClr val="lt1"/>
+      </a:fontRef>
+    </dgm:style>
+  </dgm:styleLbl>
+  <dgm:styleLbl name="node3">
+    <dgm:scene3d>
+      <a:camera prst="orthographicFront"/>
+      <a:lightRig rig="threePt" dir="t"/>
+    </dgm:scene3d>
+    <dgm:sp3d/>
+    <dgm:txPr/>
+    <dgm:style>
+      <a:lnRef idx="2">
+        <a:scrgbClr r="0" g="0" b="0"/>
+      </a:lnRef>
+      <a:fillRef idx="1">
+        <a:scrgbClr r="0" g="0" b="0"/>
+      </a:fillRef>
+      <a:effectRef idx="0">
+        <a:scrgbClr r="0" g="0" b="0"/>
+      </a:effectRef>
+      <a:fontRef idx="minor">
+        <a:schemeClr val="lt1"/>
+      </a:fontRef>
+    </dgm:style>
+  </dgm:styleLbl>
+  <dgm:styleLbl name="node4">
+    <dgm:scene3d>
+      <a:camera prst="orthographicFront"/>
+      <a:lightRig rig="threePt" dir="t"/>
+    </dgm:scene3d>
+    <dgm:sp3d/>
+    <dgm:txPr/>
+    <dgm:style>
+      <a:lnRef idx="2">
+        <a:scrgbClr r="0" g="0" b="0"/>
+      </a:lnRef>
+      <a:fillRef idx="1">
+        <a:scrgbClr r="0" g="0" b="0"/>
+      </a:fillRef>
+      <a:effectRef idx="0">
+        <a:scrgbClr r="0" g="0" b="0"/>
+      </a:effectRef>
+      <a:fontRef idx="minor">
+        <a:schemeClr val="lt1"/>
+      </a:fontRef>
+    </dgm:style>
+  </dgm:styleLbl>
+  <dgm:styleLbl name="fgImgPlace1">
+    <dgm:scene3d>
+      <a:camera prst="orthographicFront"/>
+      <a:lightRig rig="threePt" dir="t"/>
+    </dgm:scene3d>
+    <dgm:sp3d/>
+    <dgm:txPr/>
+    <dgm:style>
+      <a:lnRef idx="2">
+        <a:scrgbClr r="0" g="0" b="0"/>
+      </a:lnRef>
+      <a:fillRef idx="1">
+        <a:scrgbClr r="0" g="0" b="0"/>
+      </a:fillRef>
+      <a:effectRef idx="0">
+        <a:scrgbClr r="0" g="0" b="0"/>
+      </a:effectRef>
+      <a:fontRef idx="minor"/>
+    </dgm:style>
+  </dgm:styleLbl>
+  <dgm:styleLbl name="alignImgPlace1">
+    <dgm:scene3d>
+      <a:camera prst="orthographicFront"/>
+      <a:lightRig rig="threePt" dir="t"/>
+    </dgm:scene3d>
+    <dgm:sp3d/>
+    <dgm:txPr/>
+    <dgm:style>
+      <a:lnRef idx="2">
+        <a:scrgbClr r="0" g="0" b="0"/>
+      </a:lnRef>
+      <a:fillRef idx="1">
+        <a:scrgbClr r="0" g="0" b="0"/>
+      </a:fillRef>
+      <a:effectRef idx="0">
+        <a:scrgbClr r="0" g="0" b="0"/>
+      </a:effectRef>
+      <a:fontRef idx="minor"/>
+    </dgm:style>
+  </dgm:styleLbl>
+  <dgm:styleLbl name="bgImgPlace1">
+    <dgm:scene3d>
+      <a:camera prst="orthographicFront"/>
+      <a:lightRig rig="threePt" dir="t"/>
+    </dgm:scene3d>
+    <dgm:sp3d/>
+    <dgm:txPr/>
+    <dgm:style>
+      <a:lnRef idx="2">
+        <a:scrgbClr r="0" g="0" b="0"/>
+      </a:lnRef>
+      <a:fillRef idx="1">
+        <a:scrgbClr r="0" g="0" b="0"/>
+      </a:fillRef>
+      <a:effectRef idx="0">
+        <a:scrgbClr r="0" g="0" b="0"/>
+      </a:effectRef>
+      <a:fontRef idx="minor"/>
+    </dgm:style>
+  </dgm:styleLbl>
+  <dgm:styleLbl name="sibTrans2D1">
+    <dgm:scene3d>
+      <a:camera prst="orthographicFront"/>
+      <a:lightRig rig="threePt" dir="t"/>
+    </dgm:scene3d>
+    <dgm:sp3d/>
+    <dgm:txPr/>
+    <dgm:style>
+      <a:lnRef idx="0">
+        <a:scrgbClr r="0" g="0" b="0"/>
+      </a:lnRef>
+      <a:fillRef idx="1">
+        <a:scrgbClr r="0" g="0" b="0"/>
+      </a:fillRef>
+      <a:effectRef idx="0">
+        <a:scrgbClr r="0" g="0" b="0"/>
+      </a:effectRef>
+      <a:fontRef idx="minor">
+        <a:schemeClr val="lt1"/>
+      </a:fontRef>
+    </dgm:style>
+  </dgm:styleLbl>
+  <dgm:styleLbl name="fgSibTrans2D1">
+    <dgm:scene3d>
+      <a:camera prst="orthographicFront"/>
+      <a:lightRig rig="threePt" dir="t"/>
+    </dgm:scene3d>
+    <dgm:sp3d/>
+    <dgm:txPr/>
+    <dgm:style>
+      <a:lnRef idx="0">
+        <a:scrgbClr r="0" g="0" b="0"/>
+      </a:lnRef>
+      <a:fillRef idx="1">
+        <a:scrgbClr r="0" g="0" b="0"/>
+      </a:fillRef>
+      <a:effectRef idx="0">
+        <a:scrgbClr r="0" g="0" b="0"/>
+      </a:effectRef>
+      <a:fontRef idx="minor">
+        <a:schemeClr val="lt1"/>
+      </a:fontRef>
+    </dgm:style>
+  </dgm:styleLbl>
+  <dgm:styleLbl name="bgSibTrans2D1">
+    <dgm:scene3d>
+      <a:camera prst="orthographicFront"/>
+      <a:lightRig rig="threePt" dir="t"/>
+    </dgm:scene3d>
+    <dgm:sp3d/>
+    <dgm:txPr/>
+    <dgm:style>
+      <a:lnRef idx="0">
+        <a:scrgbClr r="0" g="0" b="0"/>
+      </a:lnRef>
+      <a:fillRef idx="1">
+        <a:scrgbClr r="0" g="0" b="0"/>
+      </a:fillRef>
+      <a:effectRef idx="0">
+        <a:scrgbClr r="0" g="0" b="0"/>
+      </a:effectRef>
+      <a:fontRef idx="minor">
+        <a:schemeClr val="lt1"/>
+      </a:fontRef>
+    </dgm:style>
+  </dgm:styleLbl>
+  <dgm:styleLbl name="sibTrans1D1">
+    <dgm:scene3d>
+      <a:camera prst="orthographicFront"/>
+      <a:lightRig rig="threePt" dir="t"/>
+    </dgm:scene3d>
+    <dgm:sp3d/>
+    <dgm:txPr/>
+    <dgm:style>
+      <a:lnRef idx="1">
+        <a:scrgbClr r="0" g="0" b="0"/>
+      </a:lnRef>
+      <a:fillRef idx="0">
+        <a:scrgbClr r="0" g="0" b="0"/>
+      </a:fillRef>
+      <a:effectRef idx="0">
+        <a:scrgbClr r="0" g="0" b="0"/>
+      </a:effectRef>
+      <a:fontRef idx="minor"/>
+    </dgm:style>
+  </dgm:styleLbl>
+  <dgm:styleLbl name="callout">
+    <dgm:scene3d>
+      <a:camera prst="orthographicFront"/>
+      <a:lightRig rig="threePt" dir="t"/>
+    </dgm:scene3d>
+    <dgm:sp3d/>
+    <dgm:txPr/>
+    <dgm:style>
+      <a:lnRef idx="2">
+        <a:scrgbClr r="0" g="0" b="0"/>
+      </a:lnRef>
+      <a:fillRef idx="1">
+        <a:scrgbClr r="0" g="0" b="0"/>
+      </a:fillRef>
+      <a:effectRef idx="0">
+        <a:scrgbClr r="0" g="0" b="0"/>
+      </a:effectRef>
+      <a:fontRef idx="minor"/>
+    </dgm:style>
+  </dgm:styleLbl>
+  <dgm:styleLbl name="asst0">
+    <dgm:scene3d>
+      <a:camera prst="orthographicFront"/>
+      <a:lightRig rig="threePt" dir="t"/>
+    </dgm:scene3d>
+    <dgm:sp3d/>
+    <dgm:txPr/>
+    <dgm:style>
+      <a:lnRef idx="2">
+        <a:scrgbClr r="0" g="0" b="0"/>
+      </a:lnRef>
+      <a:fillRef idx="1">
+        <a:scrgbClr r="0" g="0" b="0"/>
+      </a:fillRef>
+      <a:effectRef idx="0">
+        <a:scrgbClr r="0" g="0" b="0"/>
+      </a:effectRef>
+      <a:fontRef idx="minor">
+        <a:schemeClr val="lt1"/>
+      </a:fontRef>
+    </dgm:style>
+  </dgm:styleLbl>
+  <dgm:styleLbl name="asst1">
+    <dgm:scene3d>
+      <a:camera prst="orthographicFront"/>
+      <a:lightRig rig="threePt" dir="t"/>
+    </dgm:scene3d>
+    <dgm:sp3d/>
+    <dgm:txPr/>
+    <dgm:style>
+      <a:lnRef idx="2">
+        <a:scrgbClr r="0" g="0" b="0"/>
+      </a:lnRef>
+      <a:fillRef idx="1">
+        <a:scrgbClr r="0" g="0" b="0"/>
+      </a:fillRef>
+      <a:effectRef idx="0">
+        <a:scrgbClr r="0" g="0" b="0"/>
+      </a:effectRef>
+      <a:fontRef idx="minor">
+        <a:schemeClr val="lt1"/>
+      </a:fontRef>
+    </dgm:style>
+  </dgm:styleLbl>
+  <dgm:styleLbl name="asst2">
+    <dgm:scene3d>
+      <a:camera prst="orthographicFront"/>
+      <a:lightRig rig="threePt" dir="t"/>
+    </dgm:scene3d>
+    <dgm:sp3d/>
+    <dgm:txPr/>
+    <dgm:style>
+      <a:lnRef idx="2">
+        <a:scrgbClr r="0" g="0" b="0"/>
+      </a:lnRef>
+      <a:fillRef idx="1">
+        <a:scrgbClr r="0" g="0" b="0"/>
+      </a:fillRef>
+      <a:effectRef idx="0">
+        <a:scrgbClr r="0" g="0" b="0"/>
+      </a:effectRef>
+      <a:fontRef idx="minor">
+        <a:schemeClr val="lt1"/>
+      </a:fontRef>
+    </dgm:style>
+  </dgm:styleLbl>
+  <dgm:styleLbl name="asst3">
+    <dgm:scene3d>
+      <a:camera prst="orthographicFront"/>
+      <a:lightRig rig="threePt" dir="t"/>
+    </dgm:scene3d>
+    <dgm:sp3d/>
+    <dgm:txPr/>
+    <dgm:style>
+      <a:lnRef idx="2">
+        <a:scrgbClr r="0" g="0" b="0"/>
+      </a:lnRef>
+      <a:fillRef idx="1">
+        <a:scrgbClr r="0" g="0" b="0"/>
+      </a:fillRef>
+      <a:effectRef idx="0">
+        <a:scrgbClr r="0" g="0" b="0"/>
+      </a:effectRef>
+      <a:fontRef idx="minor">
+        <a:schemeClr val="lt1"/>
+      </a:fontRef>
+    </dgm:style>
+  </dgm:styleLbl>
+  <dgm:styleLbl name="asst4">
+    <dgm:scene3d>
+      <a:camera prst="orthographicFront"/>
+      <a:lightRig rig="threePt" dir="t"/>
+    </dgm:scene3d>
+    <dgm:sp3d/>
+    <dgm:txPr/>
+    <dgm:style>
+      <a:lnRef idx="2">
+        <a:scrgbClr r="0" g="0" b="0"/>
+      </a:lnRef>
+      <a:fillRef idx="1">
+        <a:scrgbClr r="0" g="0" b="0"/>
+      </a:fillRef>
+      <a:effectRef idx="0">
+        <a:scrgbClr r="0" g="0" b="0"/>
+      </a:effectRef>
+      <a:fontRef idx="minor">
+        <a:schemeClr val="lt1"/>
+      </a:fontRef>
+    </dgm:style>
+  </dgm:styleLbl>
+  <dgm:styleLbl name="parChTrans2D1">
+    <dgm:scene3d>
+      <a:camera prst="orthographicFront"/>
+      <a:lightRig rig="threePt" dir="t"/>
+    </dgm:scene3d>
+    <dgm:sp3d/>
+    <dgm:txPr/>
+    <dgm:style>
+      <a:lnRef idx="2">
+        <a:scrgbClr r="0" g="0" b="0"/>
+      </a:lnRef>
+      <a:fillRef idx="1">
+        <a:scrgbClr r="0" g="0" b="0"/>
+      </a:fillRef>
+      <a:effectRef idx="0">
+        <a:scrgbClr r="0" g="0" b="0"/>
+      </a:effectRef>
+      <a:fontRef idx="minor">
+        <a:schemeClr val="lt1"/>
+      </a:fontRef>
+    </dgm:style>
+  </dgm:styleLbl>
+  <dgm:styleLbl name="parChTrans2D2">
+    <dgm:scene3d>
+      <a:camera prst="orthographicFront"/>
+      <a:lightRig rig="threePt" dir="t"/>
+    </dgm:scene3d>
+    <dgm:sp3d/>
+    <dgm:txPr/>
+    <dgm:style>
+      <a:lnRef idx="2">
+        <a:scrgbClr r="0" g="0" b="0"/>
+      </a:lnRef>
+      <a:fillRef idx="1">
+        <a:scrgbClr r="0" g="0" b="0"/>
+      </a:fillRef>
+      <a:effectRef idx="0">
+        <a:scrgbClr r="0" g="0" b="0"/>
+      </a:effectRef>
+      <a:fontRef idx="minor">
+        <a:schemeClr val="lt1"/>
+      </a:fontRef>
+    </dgm:style>
+  </dgm:styleLbl>
+  <dgm:styleLbl name="parChTrans2D3">
+    <dgm:scene3d>
+      <a:camera prst="orthographicFront"/>
+      <a:lightRig rig="threePt" dir="t"/>
+    </dgm:scene3d>
+    <dgm:sp3d/>
+    <dgm:txPr/>
+    <dgm:style>
+      <a:lnRef idx="2">
+        <a:scrgbClr r="0" g="0" b="0"/>
+      </a:lnRef>
+      <a:fillRef idx="1">
+        <a:scrgbClr r="0" g="0" b="0"/>
+      </a:fillRef>
+      <a:effectRef idx="0">
+        <a:scrgbClr r="0" g="0" b="0"/>
+      </a:effectRef>
+      <a:fontRef idx="minor">
+        <a:schemeClr val="lt1"/>
+      </a:fontRef>
+    </dgm:style>
+  </dgm:styleLbl>
+  <dgm:styleLbl name="parChTrans2D4">
+    <dgm:scene3d>
+      <a:camera prst="orthographicFront"/>
+      <a:lightRig rig="threePt" dir="t"/>
+    </dgm:scene3d>
+    <dgm:sp3d/>
+    <dgm:txPr/>
+    <dgm:style>
+      <a:lnRef idx="2">
+        <a:scrgbClr r="0" g="0" b="0"/>
+      </a:lnRef>
+      <a:fillRef idx="1">
+        <a:scrgbClr r="0" g="0" b="0"/>
+      </a:fillRef>
+      <a:effectRef idx="0">
+        <a:scrgbClr r="0" g="0" b="0"/>
+      </a:effectRef>
+      <a:fontRef idx="minor">
+        <a:schemeClr val="lt1"/>
+      </a:fontRef>
+    </dgm:style>
+  </dgm:styleLbl>
+  <dgm:styleLbl name="parChTrans1D1">
+    <dgm:scene3d>
+      <a:camera prst="orthographicFront"/>
+      <a:lightRig rig="threePt" dir="t"/>
+    </dgm:scene3d>
+    <dgm:sp3d/>
+    <dgm:txPr/>
+    <dgm:style>
+      <a:lnRef idx="2">
+        <a:scrgbClr r="0" g="0" b="0"/>
+      </a:lnRef>
+      <a:fillRef idx="0">
+        <a:scrgbClr r="0" g="0" b="0"/>
+      </a:fillRef>
+      <a:effectRef idx="0">
+        <a:scrgbClr r="0" g="0" b="0"/>
+      </a:effectRef>
+      <a:fontRef idx="minor"/>
+    </dgm:style>
+  </dgm:styleLbl>
+  <dgm:styleLbl name="parChTrans1D2">
+    <dgm:scene3d>
+      <a:camera prst="orthographicFront"/>
+      <a:lightRig rig="threePt" dir="t"/>
+    </dgm:scene3d>
+    <dgm:sp3d/>
+    <dgm:txPr/>
+    <dgm:style>
+      <a:lnRef idx="2">
+        <a:scrgbClr r="0" g="0" b="0"/>
+      </a:lnRef>
+      <a:fillRef idx="0">
+        <a:scrgbClr r="0" g="0" b="0"/>
+      </a:fillRef>
+      <a:effectRef idx="0">
+        <a:scrgbClr r="0" g="0" b="0"/>
+      </a:effectRef>
+      <a:fontRef idx="minor"/>
+    </dgm:style>
+  </dgm:styleLbl>
+  <dgm:styleLbl name="parChTrans1D3">
+    <dgm:scene3d>
+      <a:camera prst="orthographicFront"/>
+      <a:lightRig rig="threePt" dir="t"/>
+    </dgm:scene3d>
+    <dgm:sp3d/>
+    <dgm:txPr/>
+    <dgm:style>
+      <a:lnRef idx="2">
+        <a:scrgbClr r="0" g="0" b="0"/>
+      </a:lnRef>
+      <a:fillRef idx="0">
+        <a:scrgbClr r="0" g="0" b="0"/>
+      </a:fillRef>
+      <a:effectRef idx="0">
+        <a:scrgbClr r="0" g="0" b="0"/>
+      </a:effectRef>
+      <a:fontRef idx="minor"/>
+    </dgm:style>
+  </dgm:styleLbl>
+  <dgm:styleLbl name="parChTrans1D4">
+    <dgm:scene3d>
+      <a:camera prst="orthographicFront"/>
+      <a:lightRig rig="threePt" dir="t"/>
+    </dgm:scene3d>
+    <dgm:sp3d/>
+    <dgm:txPr/>
+    <dgm:style>
+      <a:lnRef idx="2">
+        <a:scrgbClr r="0" g="0" b="0"/>
+      </a:lnRef>
+      <a:fillRef idx="0">
+        <a:scrgbClr r="0" g="0" b="0"/>
+      </a:fillRef>
+      <a:effectRef idx="0">
+        <a:scrgbClr r="0" g="0" b="0"/>
+      </a:effectRef>
+      <a:fontRef idx="minor"/>
+    </dgm:style>
+  </dgm:styleLbl>
+  <dgm:styleLbl name="fgAcc1">
+    <dgm:scene3d>
+      <a:camera prst="orthographicFront"/>
+      <a:lightRig rig="threePt" dir="t"/>
+    </dgm:scene3d>
+    <dgm:sp3d/>
+    <dgm:txPr/>
+    <dgm:style>
+      <a:lnRef idx="2">
+        <a:scrgbClr r="0" g="0" b="0"/>
+      </a:lnRef>
+      <a:fillRef idx="1">
+        <a:scrgbClr r="0" g="0" b="0"/>
+      </a:fillRef>
+      <a:effectRef idx="0">
+        <a:scrgbClr r="0" g="0" b="0"/>
+      </a:effectRef>
+      <a:fontRef idx="minor"/>
+    </dgm:style>
+  </dgm:styleLbl>
+  <dgm:styleLbl name="conFgAcc1">
+    <dgm:scene3d>
+      <a:camera prst="orthographicFront"/>
+      <a:lightRig rig="threePt" dir="t"/>
+    </dgm:scene3d>
+    <dgm:sp3d/>
+    <dgm:txPr/>
+    <dgm:style>
+      <a:lnRef idx="2">
+        <a:scrgbClr r="0" g="0" b="0"/>
+      </a:lnRef>
+      <a:fillRef idx="1">
+        <a:scrgbClr r="0" g="0" b="0"/>
+      </a:fillRef>
+      <a:effectRef idx="0">
+        <a:scrgbClr r="0" g="0" b="0"/>
+      </a:effectRef>
+      <a:fontRef idx="minor"/>
+    </dgm:style>
+  </dgm:styleLbl>
+  <dgm:styleLbl name="alignAcc1">
+    <dgm:scene3d>
+      <a:camera prst="orthographicFront"/>
+      <a:lightRig rig="threePt" dir="t"/>
+    </dgm:scene3d>
+    <dgm:sp3d/>
+    <dgm:txPr/>
+    <dgm:style>
+      <a:lnRef idx="2">
+        <a:scrgbClr r="0" g="0" b="0"/>
+      </a:lnRef>
+      <a:fillRef idx="1">
+        <a:scrgbClr r="0" g="0" b="0"/>
+      </a:fillRef>
+      <a:effectRef idx="0">
+        <a:scrgbClr r="0" g="0" b="0"/>
+      </a:effectRef>
+      <a:fontRef idx="minor"/>
+    </dgm:style>
+  </dgm:styleLbl>
+  <dgm:styleLbl name="trAlignAcc1">
+    <dgm:scene3d>
+      <a:camera prst="orthographicFront"/>
+      <a:lightRig rig="threePt" dir="t"/>
+    </dgm:scene3d>
+    <dgm:sp3d/>
+    <dgm:txPr/>
+    <dgm:style>
+      <a:lnRef idx="1">
+        <a:scrgbClr r="0" g="0" b="0"/>
+      </a:lnRef>
+      <a:fillRef idx="1">
+        <a:scrgbClr r="0" g="0" b="0"/>
+      </a:fillRef>
+      <a:effectRef idx="0">
+        <a:scrgbClr r="0" g="0" b="0"/>
+      </a:effectRef>
+      <a:fontRef idx="minor"/>
+    </dgm:style>
+  </dgm:styleLbl>
+  <dgm:styleLbl name="bgAcc1">
+    <dgm:scene3d>
+      <a:camera prst="orthographicFront"/>
+      <a:lightRig rig="threePt" dir="t"/>
+    </dgm:scene3d>
+    <dgm:sp3d/>
+    <dgm:txPr/>
+    <dgm:style>
+      <a:lnRef idx="2">
+        <a:scrgbClr r="0" g="0" b="0"/>
+      </a:lnRef>
+      <a:fillRef idx="1">
+        <a:scrgbClr r="0" g="0" b="0"/>
+      </a:fillRef>
+      <a:effectRef idx="0">
+        <a:scrgbClr r="0" g="0" b="0"/>
+      </a:effectRef>
+      <a:fontRef idx="minor"/>
+    </dgm:style>
+  </dgm:styleLbl>
+  <dgm:styleLbl name="solidFgAcc1">
+    <dgm:scene3d>
+      <a:camera prst="orthographicFront"/>
+      <a:lightRig rig="threePt" dir="t"/>
+    </dgm:scene3d>
+    <dgm:sp3d/>
+    <dgm:txPr/>
+    <dgm:style>
+      <a:lnRef idx="2">
+        <a:scrgbClr r="0" g="0" b="0"/>
+      </a:lnRef>
+      <a:fillRef idx="1">
+        <a:scrgbClr r="0" g="0" b="0"/>
+      </a:fillRef>
+      <a:effectRef idx="0">
+        <a:scrgbClr r="0" g="0" b="0"/>
+      </a:effectRef>
+      <a:fontRef idx="minor"/>
+    </dgm:style>
+  </dgm:styleLbl>
+  <dgm:styleLbl name="solidAlignAcc1">
+    <dgm:scene3d>
+      <a:camera prst="orthographicFront"/>
+      <a:lightRig rig="threePt" dir="t"/>
+    </dgm:scene3d>
+    <dgm:sp3d/>
+    <dgm:txPr/>
+    <dgm:style>
+      <a:lnRef idx="2">
+        <a:scrgbClr r="0" g="0" b="0"/>
+      </a:lnRef>
+      <a:fillRef idx="1">
+        <a:scrgbClr r="0" g="0" b="0"/>
+      </a:fillRef>
+      <a:effectRef idx="0">
+        <a:scrgbClr r="0" g="0" b="0"/>
+      </a:effectRef>
+      <a:fontRef idx="minor"/>
+    </dgm:style>
+  </dgm:styleLbl>
+  <dgm:styleLbl name="solidBgAcc1">
+    <dgm:scene3d>
+      <a:camera prst="orthographicFront"/>
+      <a:lightRig rig="threePt" dir="t"/>
+    </dgm:scene3d>
+    <dgm:sp3d/>
+    <dgm:txPr/>
+    <dgm:style>
+      <a:lnRef idx="2">
+        <a:scrgbClr r="0" g="0" b="0"/>
+      </a:lnRef>
+      <a:fillRef idx="1">
+        <a:scrgbClr r="0" g="0" b="0"/>
+      </a:fillRef>
+      <a:effectRef idx="0">
+        <a:scrgbClr r="0" g="0" b="0"/>
+      </a:effectRef>
+      <a:fontRef idx="minor"/>
+    </dgm:style>
+  </dgm:styleLbl>
+  <dgm:styleLbl name="fgAccFollowNode1">
+    <dgm:scene3d>
+      <a:camera prst="orthographicFront"/>
+      <a:lightRig rig="threePt" dir="t"/>
+    </dgm:scene3d>
+    <dgm:sp3d/>
+    <dgm:txPr/>
+    <dgm:style>
+      <a:lnRef idx="2">
+        <a:scrgbClr r="0" g="0" b="0"/>
+      </a:lnRef>
+      <a:fillRef idx="1">
+        <a:scrgbClr r="0" g="0" b="0"/>
+      </a:fillRef>
+      <a:effectRef idx="0">
+        <a:scrgbClr r="0" g="0" b="0"/>
+      </a:effectRef>
+      <a:fontRef idx="minor"/>
+    </dgm:style>
+  </dgm:styleLbl>
+  <dgm:styleLbl name="alignAccFollowNode1">
+    <dgm:scene3d>
+      <a:camera prst="orthographicFront"/>
+      <a:lightRig rig="threePt" dir="t"/>
+    </dgm:scene3d>
+    <dgm:sp3d/>
+    <dgm:txPr/>
+    <dgm:style>
+      <a:lnRef idx="2">
+        <a:scrgbClr r="0" g="0" b="0"/>
+      </a:lnRef>
+      <a:fillRef idx="1">
+        <a:scrgbClr r="0" g="0" b="0"/>
+      </a:fillRef>
+      <a:effectRef idx="0">
+        <a:scrgbClr r="0" g="0" b="0"/>
+      </a:effectRef>
+      <a:fontRef idx="minor"/>
+    </dgm:style>
+  </dgm:styleLbl>
+  <dgm:styleLbl name="bgAccFollowNode1">
+    <dgm:scene3d>
+      <a:camera prst="orthographicFront"/>
+      <a:lightRig rig="threePt" dir="t"/>
+    </dgm:scene3d>
+    <dgm:sp3d/>
+    <dgm:txPr/>
+    <dgm:style>
+      <a:lnRef idx="2">
+        <a:scrgbClr r="0" g="0" b="0"/>
+      </a:lnRef>
+      <a:fillRef idx="1">
+        <a:scrgbClr r="0" g="0" b="0"/>
+      </a:fillRef>
+      <a:effectRef idx="0">
+        <a:scrgbClr r="0" g="0" b="0"/>
+      </a:effectRef>
+      <a:fontRef idx="minor"/>
+    </dgm:style>
+  </dgm:styleLbl>
+  <dgm:styleLbl name="fgAcc0">
+    <dgm:scene3d>
+      <a:camera prst="orthographicFront"/>
+      <a:lightRig rig="threePt" dir="t"/>
+    </dgm:scene3d>
+    <dgm:sp3d/>
+    <dgm:txPr/>
+    <dgm:style>
+      <a:lnRef idx="2">
+        <a:scrgbClr r="0" g="0" b="0"/>
+      </a:lnRef>
+      <a:fillRef idx="1">
+        <a:scrgbClr r="0" g="0" b="0"/>
+      </a:fillRef>
+      <a:effectRef idx="0">
+        <a:scrgbClr r="0" g="0" b="0"/>
+      </a:effectRef>
+      <a:fontRef idx="minor"/>
+    </dgm:style>
+  </dgm:styleLbl>
+  <dgm:styleLbl name="fgAcc2">
+    <dgm:scene3d>
+      <a:camera prst="orthographicFront"/>
+      <a:lightRig rig="threePt" dir="t"/>
+    </dgm:scene3d>
+    <dgm:sp3d/>
+    <dgm:txPr/>
+    <dgm:style>
+      <a:lnRef idx="2">
+        <a:scrgbClr r="0" g="0" b="0"/>
+      </a:lnRef>
+      <a:fillRef idx="1">
+        <a:scrgbClr r="0" g="0" b="0"/>
+      </a:fillRef>
+      <a:effectRef idx="0">
+        <a:scrgbClr r="0" g="0" b="0"/>
+      </a:effectRef>
+      <a:fontRef idx="minor"/>
+    </dgm:style>
+  </dgm:styleLbl>
+  <dgm:styleLbl name="fgAcc3">
+    <dgm:scene3d>
+      <a:camera prst="orthographicFront"/>
+      <a:lightRig rig="threePt" dir="t"/>
+    </dgm:scene3d>
+    <dgm:sp3d/>
+    <dgm:txPr/>
+    <dgm:style>
+      <a:lnRef idx="2">
+        <a:scrgbClr r="0" g="0" b="0"/>
+      </a:lnRef>
+      <a:fillRef idx="1">
+        <a:scrgbClr r="0" g="0" b="0"/>
+      </a:fillRef>
+      <a:effectRef idx="0">
+        <a:scrgbClr r="0" g="0" b="0"/>
+      </a:effectRef>
+      <a:fontRef idx="minor"/>
+    </dgm:style>
+  </dgm:styleLbl>
+  <dgm:styleLbl name="fgAcc4">
+    <dgm:scene3d>
+      <a:camera prst="orthographicFront"/>
+      <a:lightRig rig="threePt" dir="t"/>
+    </dgm:scene3d>
+    <dgm:sp3d/>
+    <dgm:txPr/>
+    <dgm:style>
+      <a:lnRef idx="2">
+        <a:scrgbClr r="0" g="0" b="0"/>
+      </a:lnRef>
+      <a:fillRef idx="1">
+        <a:scrgbClr r="0" g="0" b="0"/>
+      </a:fillRef>
+      <a:effectRef idx="0">
+        <a:scrgbClr r="0" g="0" b="0"/>
+      </a:effectRef>
+      <a:fontRef idx="minor"/>
+    </dgm:style>
+  </dgm:styleLbl>
+  <dgm:styleLbl name="bgShp">
+    <dgm:scene3d>
+      <a:camera prst="orthographicFront"/>
+      <a:lightRig rig="threePt" dir="t"/>
+    </dgm:scene3d>
+    <dgm:sp3d/>
+    <dgm:txPr/>
+    <dgm:style>
+      <a:lnRef idx="0">
+        <a:scrgbClr r="0" g="0" b="0"/>
+      </a:lnRef>
+      <a:fillRef idx="1">
+        <a:scrgbClr r="0" g="0" b="0"/>
+      </a:fillRef>
+      <a:effectRef idx="0">
+        <a:scrgbClr r="0" g="0" b="0"/>
+      </a:effectRef>
+      <a:fontRef idx="minor"/>
+    </dgm:style>
+  </dgm:styleLbl>
+  <dgm:styleLbl name="dkBgShp">
+    <dgm:scene3d>
+      <a:camera prst="orthographicFront"/>
+      <a:lightRig rig="threePt" dir="t"/>
+    </dgm:scene3d>
+    <dgm:sp3d/>
+    <dgm:txPr/>
+    <dgm:style>
+      <a:lnRef idx="0">
+        <a:scrgbClr r="0" g="0" b="0"/>
+      </a:lnRef>
+      <a:fillRef idx="1">
+        <a:scrgbClr r="0" g="0" b="0"/>
+      </a:fillRef>
+      <a:effectRef idx="0">
+        <a:scrgbClr r="0" g="0" b="0"/>
+      </a:effectRef>
+      <a:fontRef idx="minor"/>
+    </dgm:style>
+  </dgm:styleLbl>
+  <dgm:styleLbl name="trBgShp">
+    <dgm:scene3d>
+      <a:camera prst="orthographicFront"/>
+      <a:lightRig rig="threePt" dir="t"/>
+    </dgm:scene3d>
+    <dgm:sp3d/>
+    <dgm:txPr/>
+    <dgm:style>
+      <a:lnRef idx="0">
+        <a:scrgbClr r="0" g="0" b="0"/>
+      </a:lnRef>
+      <a:fillRef idx="1">
+        <a:scrgbClr r="0" g="0" b="0"/>
+      </a:fillRef>
+      <a:effectRef idx="0">
+        <a:scrgbClr r="0" g="0" b="0"/>
+      </a:effectRef>
+      <a:fontRef idx="minor"/>
+    </dgm:style>
+  </dgm:styleLbl>
+  <dgm:styleLbl name="fgShp">
+    <dgm:scene3d>
+      <a:camera prst="orthographicFront"/>
+      <a:lightRig rig="threePt" dir="t"/>
+    </dgm:scene3d>
+    <dgm:sp3d/>
+    <dgm:txPr/>
+    <dgm:style>
+      <a:lnRef idx="2">
+        <a:scrgbClr r="0" g="0" b="0"/>
+      </a:lnRef>
+      <a:fillRef idx="1">
+        <a:scrgbClr r="0" g="0" b="0"/>
+      </a:fillRef>
+      <a:effectRef idx="0">
+        <a:scrgbClr r="0" g="0" b="0"/>
+      </a:effectRef>
+      <a:fontRef idx="minor"/>
+    </dgm:style>
+  </dgm:styleLbl>
+  <dgm:styleLbl name="revTx">
+    <dgm:scene3d>
+      <a:camera prst="orthographicFront"/>
+      <a:lightRig rig="threePt" dir="t"/>
+    </dgm:scene3d>
+    <dgm:sp3d/>
+    <dgm:txPr/>
+    <dgm:style>
+      <a:lnRef idx="0">
+        <a:scrgbClr r="0" g="0" b="0"/>
+      </a:lnRef>
+      <a:fillRef idx="0">
+        <a:scrgbClr r="0" g="0" b="0"/>
+      </a:fillRef>
+      <a:effectRef idx="0">
+        <a:scrgbClr r="0" g="0" b="0"/>
+      </a:effectRef>
+      <a:fontRef idx="minor"/>
+    </dgm:style>
+  </dgm:styleLbl>
+</dgm:styleDef>
+</file>
+
+<file path=ppt/diagrams/quickStyle3.xml><?xml version="1.0" encoding="utf-8"?>
+<dgm:styleDef xmlns:dgm="http://schemas.openxmlformats.org/drawingml/2006/diagram" xmlns:a="http://schemas.openxmlformats.org/drawingml/2006/main" uniqueId="urn:microsoft.com/office/officeart/2005/8/quickstyle/simple1">
+  <dgm:title val=""/>
+  <dgm:desc val=""/>
+  <dgm:catLst>
+    <dgm:cat type="simple" pri="10100"/>
+  </dgm:catLst>
+  <dgm:scene3d>
+    <a:camera prst="orthographicFront"/>
+    <a:lightRig rig="threePt" dir="t"/>
+  </dgm:scene3d>
+  <dgm:styleLbl name="node0">
+    <dgm:scene3d>
+      <a:camera prst="orthographicFront"/>
+      <a:lightRig rig="threePt" dir="t"/>
+    </dgm:scene3d>
+    <dgm:sp3d/>
+    <dgm:txPr/>
+    <dgm:style>
+      <a:lnRef idx="2">
+        <a:scrgbClr r="0" g="0" b="0"/>
+      </a:lnRef>
+      <a:fillRef idx="1">
+        <a:scrgbClr r="0" g="0" b="0"/>
+      </a:fillRef>
+      <a:effectRef idx="0">
+        <a:scrgbClr r="0" g="0" b="0"/>
+      </a:effectRef>
+      <a:fontRef idx="minor">
+        <a:schemeClr val="lt1"/>
+      </a:fontRef>
+    </dgm:style>
+  </dgm:styleLbl>
+  <dgm:styleLbl name="lnNode1">
+    <dgm:scene3d>
+      <a:camera prst="orthographicFront"/>
+      <a:lightRig rig="threePt" dir="t"/>
+    </dgm:scene3d>
+    <dgm:sp3d/>
+    <dgm:txPr/>
+    <dgm:style>
+      <a:lnRef idx="2">
+        <a:scrgbClr r="0" g="0" b="0"/>
+      </a:lnRef>
+      <a:fillRef idx="1">
+        <a:scrgbClr r="0" g="0" b="0"/>
+      </a:fillRef>
+      <a:effectRef idx="0">
+        <a:scrgbClr r="0" g="0" b="0"/>
+      </a:effectRef>
+      <a:fontRef idx="minor">
+        <a:schemeClr val="lt1"/>
+      </a:fontRef>
+    </dgm:style>
+  </dgm:styleLbl>
+  <dgm:styleLbl name="vennNode1">
+    <dgm:scene3d>
+      <a:camera prst="orthographicFront"/>
+      <a:lightRig rig="threePt" dir="t"/>
+    </dgm:scene3d>
+    <dgm:sp3d/>
+    <dgm:txPr/>
+    <dgm:style>
+      <a:lnRef idx="2">
+        <a:scrgbClr r="0" g="0" b="0"/>
+      </a:lnRef>
+      <a:fillRef idx="1">
+        <a:scrgbClr r="0" g="0" b="0"/>
+      </a:fillRef>
+      <a:effectRef idx="0">
+        <a:scrgbClr r="0" g="0" b="0"/>
+      </a:effectRef>
+      <a:fontRef idx="minor">
+        <a:schemeClr val="tx1"/>
+      </a:fontRef>
+    </dgm:style>
+  </dgm:styleLbl>
+  <dgm:styleLbl name="alignNode1">
+    <dgm:scene3d>
+      <a:camera prst="orthographicFront"/>
+      <a:lightRig rig="threePt" dir="t"/>
+    </dgm:scene3d>
+    <dgm:sp3d/>
+    <dgm:txPr/>
+    <dgm:style>
+      <a:lnRef idx="2">
+        <a:scrgbClr r="0" g="0" b="0"/>
+      </a:lnRef>
+      <a:fillRef idx="1">
+        <a:scrgbClr r="0" g="0" b="0"/>
+      </a:fillRef>
+      <a:effectRef idx="0">
+        <a:scrgbClr r="0" g="0" b="0"/>
+      </a:effectRef>
+      <a:fontRef idx="minor">
+        <a:schemeClr val="lt1"/>
+      </a:fontRef>
+    </dgm:style>
+  </dgm:styleLbl>
+  <dgm:styleLbl name="node1">
+    <dgm:scene3d>
+      <a:camera prst="orthographicFront"/>
+      <a:lightRig rig="threePt" dir="t"/>
+    </dgm:scene3d>
+    <dgm:sp3d/>
+    <dgm:txPr/>
+    <dgm:style>
+      <a:lnRef idx="2">
+        <a:scrgbClr r="0" g="0" b="0"/>
+      </a:lnRef>
+      <a:fillRef idx="1">
+        <a:scrgbClr r="0" g="0" b="0"/>
+      </a:fillRef>
+      <a:effectRef idx="0">
+        <a:scrgbClr r="0" g="0" b="0"/>
+      </a:effectRef>
+      <a:fontRef idx="minor">
+        <a:schemeClr val="lt1"/>
+      </a:fontRef>
+    </dgm:style>
+  </dgm:styleLbl>
+  <dgm:styleLbl name="node2">
+    <dgm:scene3d>
+      <a:camera prst="orthographicFront"/>
+      <a:lightRig rig="threePt" dir="t"/>
+    </dgm:scene3d>
+    <dgm:sp3d/>
+    <dgm:txPr/>
+    <dgm:style>
+      <a:lnRef idx="2">
+        <a:scrgbClr r="0" g="0" b="0"/>
+      </a:lnRef>
+      <a:fillRef idx="1">
+        <a:scrgbClr r="0" g="0" b="0"/>
+      </a:fillRef>
+      <a:effectRef idx="0">
+        <a:scrgbClr r="0" g="0" b="0"/>
+      </a:effectRef>
+      <a:fontRef idx="minor">
+        <a:schemeClr val="lt1"/>
+      </a:fontRef>
+    </dgm:style>
+  </dgm:styleLbl>
+  <dgm:styleLbl name="node3">
+    <dgm:scene3d>
+      <a:camera prst="orthographicFront"/>
+      <a:lightRig rig="threePt" dir="t"/>
+    </dgm:scene3d>
+    <dgm:sp3d/>
+    <dgm:txPr/>
+    <dgm:style>
+      <a:lnRef idx="2">
+        <a:scrgbClr r="0" g="0" b="0"/>
+      </a:lnRef>
+      <a:fillRef idx="1">
+        <a:scrgbClr r="0" g="0" b="0"/>
+      </a:fillRef>
+      <a:effectRef idx="0">
+        <a:scrgbClr r="0" g="0" b="0"/>
+      </a:effectRef>
+      <a:fontRef idx="minor">
+        <a:schemeClr val="lt1"/>
+      </a:fontRef>
+    </dgm:style>
+  </dgm:styleLbl>
+  <dgm:styleLbl name="node4">
+    <dgm:scene3d>
+      <a:camera prst="orthographicFront"/>
+      <a:lightRig rig="threePt" dir="t"/>
+    </dgm:scene3d>
+    <dgm:sp3d/>
+    <dgm:txPr/>
+    <dgm:style>
+      <a:lnRef idx="2">
+        <a:scrgbClr r="0" g="0" b="0"/>
+      </a:lnRef>
+      <a:fillRef idx="1">
+        <a:scrgbClr r="0" g="0" b="0"/>
+      </a:fillRef>
+      <a:effectRef idx="0">
+        <a:scrgbClr r="0" g="0" b="0"/>
+      </a:effectRef>
+      <a:fontRef idx="minor">
+        <a:schemeClr val="lt1"/>
+      </a:fontRef>
+    </dgm:style>
+  </dgm:styleLbl>
+  <dgm:styleLbl name="fgImgPlace1">
+    <dgm:scene3d>
+      <a:camera prst="orthographicFront"/>
+      <a:lightRig rig="threePt" dir="t"/>
+    </dgm:scene3d>
+    <dgm:sp3d/>
+    <dgm:txPr/>
+    <dgm:style>
+      <a:lnRef idx="2">
+        <a:scrgbClr r="0" g="0" b="0"/>
+      </a:lnRef>
+      <a:fillRef idx="1">
+        <a:scrgbClr r="0" g="0" b="0"/>
+      </a:fillRef>
+      <a:effectRef idx="0">
+        <a:scrgbClr r="0" g="0" b="0"/>
+      </a:effectRef>
+      <a:fontRef idx="minor"/>
+    </dgm:style>
+  </dgm:styleLbl>
+  <dgm:styleLbl name="alignImgPlace1">
+    <dgm:scene3d>
+      <a:camera prst="orthographicFront"/>
+      <a:lightRig rig="threePt" dir="t"/>
+    </dgm:scene3d>
+    <dgm:sp3d/>
+    <dgm:txPr/>
+    <dgm:style>
+      <a:lnRef idx="2">
+        <a:scrgbClr r="0" g="0" b="0"/>
+      </a:lnRef>
+      <a:fillRef idx="1">
+        <a:scrgbClr r="0" g="0" b="0"/>
+      </a:fillRef>
+      <a:effectRef idx="0">
+        <a:scrgbClr r="0" g="0" b="0"/>
+      </a:effectRef>
+      <a:fontRef idx="minor"/>
+    </dgm:style>
+  </dgm:styleLbl>
+  <dgm:styleLbl name="bgImgPlace1">
+    <dgm:scene3d>
+      <a:camera prst="orthographicFront"/>
+      <a:lightRig rig="threePt" dir="t"/>
+    </dgm:scene3d>
+    <dgm:sp3d/>
+    <dgm:txPr/>
+    <dgm:style>
+      <a:lnRef idx="2">
+        <a:scrgbClr r="0" g="0" b="0"/>
+      </a:lnRef>
+      <a:fillRef idx="1">
+        <a:scrgbClr r="0" g="0" b="0"/>
+      </a:fillRef>
+      <a:effectRef idx="0">
+        <a:scrgbClr r="0" g="0" b="0"/>
+      </a:effectRef>
+      <a:fontRef idx="minor"/>
+    </dgm:style>
+  </dgm:styleLbl>
+  <dgm:styleLbl name="sibTrans2D1">
+    <dgm:scene3d>
+      <a:camera prst="orthographicFront"/>
+      <a:lightRig rig="threePt" dir="t"/>
+    </dgm:scene3d>
+    <dgm:sp3d/>
+    <dgm:txPr/>
+    <dgm:style>
+      <a:lnRef idx="0">
+        <a:scrgbClr r="0" g="0" b="0"/>
+      </a:lnRef>
+      <a:fillRef idx="1">
+        <a:scrgbClr r="0" g="0" b="0"/>
+      </a:fillRef>
+      <a:effectRef idx="0">
+        <a:scrgbClr r="0" g="0" b="0"/>
+      </a:effectRef>
+      <a:fontRef idx="minor">
+        <a:schemeClr val="lt1"/>
+      </a:fontRef>
+    </dgm:style>
+  </dgm:styleLbl>
+  <dgm:styleLbl name="fgSibTrans2D1">
+    <dgm:scene3d>
+      <a:camera prst="orthographicFront"/>
+      <a:lightRig rig="threePt" dir="t"/>
+    </dgm:scene3d>
+    <dgm:sp3d/>
+    <dgm:txPr/>
+    <dgm:style>
+      <a:lnRef idx="0">
+        <a:scrgbClr r="0" g="0" b="0"/>
+      </a:lnRef>
+      <a:fillRef idx="1">
+        <a:scrgbClr r="0" g="0" b="0"/>
+      </a:fillRef>
+      <a:effectRef idx="0">
+        <a:scrgbClr r="0" g="0" b="0"/>
+      </a:effectRef>
+      <a:fontRef idx="minor">
+        <a:schemeClr val="lt1"/>
+      </a:fontRef>
+    </dgm:style>
+  </dgm:styleLbl>
+  <dgm:styleLbl name="bgSibTrans2D1">
+    <dgm:scene3d>
+      <a:camera prst="orthographicFront"/>
+      <a:lightRig rig="threePt" dir="t"/>
+    </dgm:scene3d>
+    <dgm:sp3d/>
+    <dgm:txPr/>
+    <dgm:style>
+      <a:lnRef idx="0">
+        <a:scrgbClr r="0" g="0" b="0"/>
+      </a:lnRef>
+      <a:fillRef idx="1">
+        <a:scrgbClr r="0" g="0" b="0"/>
+      </a:fillRef>
+      <a:effectRef idx="0">
+        <a:scrgbClr r="0" g="0" b="0"/>
+      </a:effectRef>
+      <a:fontRef idx="minor">
+        <a:schemeClr val="lt1"/>
+      </a:fontRef>
+    </dgm:style>
+  </dgm:styleLbl>
+  <dgm:styleLbl name="sibTrans1D1">
+    <dgm:scene3d>
+      <a:camera prst="orthographicFront"/>
+      <a:lightRig rig="threePt" dir="t"/>
+    </dgm:scene3d>
+    <dgm:sp3d/>
+    <dgm:txPr/>
+    <dgm:style>
+      <a:lnRef idx="1">
+        <a:scrgbClr r="0" g="0" b="0"/>
+      </a:lnRef>
+      <a:fillRef idx="0">
+        <a:scrgbClr r="0" g="0" b="0"/>
+      </a:fillRef>
+      <a:effectRef idx="0">
+        <a:scrgbClr r="0" g="0" b="0"/>
+      </a:effectRef>
+      <a:fontRef idx="minor"/>
+    </dgm:style>
+  </dgm:styleLbl>
+  <dgm:styleLbl name="callout">
+    <dgm:scene3d>
+      <a:camera prst="orthographicFront"/>
+      <a:lightRig rig="threePt" dir="t"/>
+    </dgm:scene3d>
+    <dgm:sp3d/>
+    <dgm:txPr/>
+    <dgm:style>
+      <a:lnRef idx="2">
+        <a:scrgbClr r="0" g="0" b="0"/>
+      </a:lnRef>
+      <a:fillRef idx="1">
+        <a:scrgbClr r="0" g="0" b="0"/>
+      </a:fillRef>
+      <a:effectRef idx="0">
+        <a:scrgbClr r="0" g="0" b="0"/>
+      </a:effectRef>
+      <a:fontRef idx="minor"/>
+    </dgm:style>
+  </dgm:styleLbl>
+  <dgm:styleLbl name="asst0">
+    <dgm:scene3d>
+      <a:camera prst="orthographicFront"/>
+      <a:lightRig rig="threePt" dir="t"/>
+    </dgm:scene3d>
+    <dgm:sp3d/>
+    <dgm:txPr/>
+    <dgm:style>
+      <a:lnRef idx="2">
+        <a:scrgbClr r="0" g="0" b="0"/>
+      </a:lnRef>
+      <a:fillRef idx="1">
+        <a:scrgbClr r="0" g="0" b="0"/>
+      </a:fillRef>
+      <a:effectRef idx="0">
+        <a:scrgbClr r="0" g="0" b="0"/>
+      </a:effectRef>
+      <a:fontRef idx="minor">
+        <a:schemeClr val="lt1"/>
+      </a:fontRef>
+    </dgm:style>
+  </dgm:styleLbl>
+  <dgm:styleLbl name="asst1">
+    <dgm:scene3d>
+      <a:camera prst="orthographicFront"/>
+      <a:lightRig rig="threePt" dir="t"/>
+    </dgm:scene3d>
+    <dgm:sp3d/>
+    <dgm:txPr/>
+    <dgm:style>
+      <a:lnRef idx="2">
+        <a:scrgbClr r="0" g="0" b="0"/>
+      </a:lnRef>
+      <a:fillRef idx="1">
+        <a:scrgbClr r="0" g="0" b="0"/>
+      </a:fillRef>
+      <a:effectRef idx="0">
+        <a:scrgbClr r="0" g="0" b="0"/>
+      </a:effectRef>
+      <a:fontRef idx="minor">
+        <a:schemeClr val="lt1"/>
+      </a:fontRef>
+    </dgm:style>
+  </dgm:styleLbl>
+  <dgm:styleLbl name="asst2">
+    <dgm:scene3d>
+      <a:camera prst="orthographicFront"/>
+      <a:lightRig rig="threePt" dir="t"/>
+    </dgm:scene3d>
+    <dgm:sp3d/>
+    <dgm:txPr/>
+    <dgm:style>
+      <a:lnRef idx="2">
+        <a:scrgbClr r="0" g="0" b="0"/>
+      </a:lnRef>
+      <a:fillRef idx="1">
+        <a:scrgbClr r="0" g="0" b="0"/>
+      </a:fillRef>
+      <a:effectRef idx="0">
+        <a:scrgbClr r="0" g="0" b="0"/>
+      </a:effectRef>
+      <a:fontRef idx="minor">
+        <a:schemeClr val="lt1"/>
+      </a:fontRef>
+    </dgm:style>
+  </dgm:styleLbl>
+  <dgm:styleLbl name="asst3">
+    <dgm:scene3d>
+      <a:camera prst="orthographicFront"/>
+      <a:lightRig rig="threePt" dir="t"/>
+    </dgm:scene3d>
+    <dgm:sp3d/>
+    <dgm:txPr/>
+    <dgm:style>
+      <a:lnRef idx="2">
+        <a:scrgbClr r="0" g="0" b="0"/>
+      </a:lnRef>
+      <a:fillRef idx="1">
+        <a:scrgbClr r="0" g="0" b="0"/>
+      </a:fillRef>
+      <a:effectRef idx="0">
+        <a:scrgbClr r="0" g="0" b="0"/>
+      </a:effectRef>
+      <a:fontRef idx="minor">
+        <a:schemeClr val="lt1"/>
+      </a:fontRef>
+    </dgm:style>
+  </dgm:styleLbl>
+  <dgm:styleLbl name="asst4">
+    <dgm:scene3d>
+      <a:camera prst="orthographicFront"/>
+      <a:lightRig rig="threePt" dir="t"/>
+    </dgm:scene3d>
+    <dgm:sp3d/>
+    <dgm:txPr/>
+    <dgm:style>
+      <a:lnRef idx="2">
+        <a:scrgbClr r="0" g="0" b="0"/>
+      </a:lnRef>
+      <a:fillRef idx="1">
+        <a:scrgbClr r="0" g="0" b="0"/>
+      </a:fillRef>
+      <a:effectRef idx="0">
+        <a:scrgbClr r="0" g="0" b="0"/>
+      </a:effectRef>
+      <a:fontRef idx="minor">
+        <a:schemeClr val="lt1"/>
+      </a:fontRef>
+    </dgm:style>
+  </dgm:styleLbl>
+  <dgm:styleLbl name="parChTrans2D1">
+    <dgm:scene3d>
+      <a:camera prst="orthographicFront"/>
+      <a:lightRig rig="threePt" dir="t"/>
+    </dgm:scene3d>
+    <dgm:sp3d/>
+    <dgm:txPr/>
+    <dgm:style>
+      <a:lnRef idx="2">
+        <a:scrgbClr r="0" g="0" b="0"/>
+      </a:lnRef>
+      <a:fillRef idx="1">
+        <a:scrgbClr r="0" g="0" b="0"/>
+      </a:fillRef>
+      <a:effectRef idx="0">
+        <a:scrgbClr r="0" g="0" b="0"/>
+      </a:effectRef>
+      <a:fontRef idx="minor">
+        <a:schemeClr val="lt1"/>
+      </a:fontRef>
+    </dgm:style>
+  </dgm:styleLbl>
+  <dgm:styleLbl name="parChTrans2D2">
+    <dgm:scene3d>
+      <a:camera prst="orthographicFront"/>
+      <a:lightRig rig="threePt" dir="t"/>
+    </dgm:scene3d>
+    <dgm:sp3d/>
+    <dgm:txPr/>
+    <dgm:style>
+      <a:lnRef idx="2">
+        <a:scrgbClr r="0" g="0" b="0"/>
+      </a:lnRef>
+      <a:fillRef idx="1">
+        <a:scrgbClr r="0" g="0" b="0"/>
+      </a:fillRef>
+      <a:effectRef idx="0">
+        <a:scrgbClr r="0" g="0" b="0"/>
+      </a:effectRef>
+      <a:fontRef idx="minor">
+        <a:schemeClr val="lt1"/>
+      </a:fontRef>
+    </dgm:style>
+  </dgm:styleLbl>
+  <dgm:styleLbl name="parChTrans2D3">
+    <dgm:scene3d>
+      <a:camera prst="orthographicFront"/>
+      <a:lightRig rig="threePt" dir="t"/>
+    </dgm:scene3d>
+    <dgm:sp3d/>
+    <dgm:txPr/>
+    <dgm:style>
+      <a:lnRef idx="2">
+        <a:scrgbClr r="0" g="0" b="0"/>
+      </a:lnRef>
+      <a:fillRef idx="1">
+        <a:scrgbClr r="0" g="0" b="0"/>
+      </a:fillRef>
+      <a:effectRef idx="0">
+        <a:scrgbClr r="0" g="0" b="0"/>
+      </a:effectRef>
+      <a:fontRef idx="minor">
+        <a:schemeClr val="lt1"/>
+      </a:fontRef>
+    </dgm:style>
+  </dgm:styleLbl>
+  <dgm:styleLbl name="parChTrans2D4">
+    <dgm:scene3d>
+      <a:camera prst="orthographicFront"/>
+      <a:lightRig rig="threePt" dir="t"/>
+    </dgm:scene3d>
+    <dgm:sp3d/>
+    <dgm:txPr/>
+    <dgm:style>
+      <a:lnRef idx="2">
+        <a:scrgbClr r="0" g="0" b="0"/>
+      </a:lnRef>
+      <a:fillRef idx="1">
+        <a:scrgbClr r="0" g="0" b="0"/>
+      </a:fillRef>
+      <a:effectRef idx="0">
+        <a:scrgbClr r="0" g="0" b="0"/>
+      </a:effectRef>
+      <a:fontRef idx="minor">
+        <a:schemeClr val="lt1"/>
+      </a:fontRef>
+    </dgm:style>
+  </dgm:styleLbl>
+  <dgm:styleLbl name="parChTrans1D1">
+    <dgm:scene3d>
+      <a:camera prst="orthographicFront"/>
+      <a:lightRig rig="threePt" dir="t"/>
+    </dgm:scene3d>
+    <dgm:sp3d/>
+    <dgm:txPr/>
+    <dgm:style>
+      <a:lnRef idx="2">
+        <a:scrgbClr r="0" g="0" b="0"/>
+      </a:lnRef>
+      <a:fillRef idx="0">
+        <a:scrgbClr r="0" g="0" b="0"/>
+      </a:fillRef>
+      <a:effectRef idx="0">
+        <a:scrgbClr r="0" g="0" b="0"/>
+      </a:effectRef>
+      <a:fontRef idx="minor"/>
+    </dgm:style>
+  </dgm:styleLbl>
+  <dgm:styleLbl name="parChTrans1D2">
+    <dgm:scene3d>
+      <a:camera prst="orthographicFront"/>
+      <a:lightRig rig="threePt" dir="t"/>
+    </dgm:scene3d>
+    <dgm:sp3d/>
+    <dgm:txPr/>
+    <dgm:style>
+      <a:lnRef idx="2">
+        <a:scrgbClr r="0" g="0" b="0"/>
+      </a:lnRef>
+      <a:fillRef idx="0">
+        <a:scrgbClr r="0" g="0" b="0"/>
+      </a:fillRef>
+      <a:effectRef idx="0">
+        <a:scrgbClr r="0" g="0" b="0"/>
+      </a:effectRef>
+      <a:fontRef idx="minor"/>
+    </dgm:style>
+  </dgm:styleLbl>
+  <dgm:styleLbl name="parChTrans1D3">
+    <dgm:scene3d>
+      <a:camera prst="orthographicFront"/>
+      <a:lightRig rig="threePt" dir="t"/>
+    </dgm:scene3d>
+    <dgm:sp3d/>
+    <dgm:txPr/>
+    <dgm:style>
+      <a:lnRef idx="2">
+        <a:scrgbClr r="0" g="0" b="0"/>
+      </a:lnRef>
+      <a:fillRef idx="0">
+        <a:scrgbClr r="0" g="0" b="0"/>
+      </a:fillRef>
+      <a:effectRef idx="0">
+        <a:scrgbClr r="0" g="0" b="0"/>
+      </a:effectRef>
+      <a:fontRef idx="minor"/>
+    </dgm:style>
+  </dgm:styleLbl>
+  <dgm:styleLbl name="parChTrans1D4">
+    <dgm:scene3d>
+      <a:camera prst="orthographicFront"/>
+      <a:lightRig rig="threePt" dir="t"/>
+    </dgm:scene3d>
+    <dgm:sp3d/>
+    <dgm:txPr/>
+    <dgm:style>
+      <a:lnRef idx="2">
+        <a:scrgbClr r="0" g="0" b="0"/>
+      </a:lnRef>
+      <a:fillRef idx="0">
+        <a:scrgbClr r="0" g="0" b="0"/>
+      </a:fillRef>
+      <a:effectRef idx="0">
+        <a:scrgbClr r="0" g="0" b="0"/>
+      </a:effectRef>
+      <a:fontRef idx="minor"/>
+    </dgm:style>
+  </dgm:styleLbl>
+  <dgm:styleLbl name="fgAcc1">
+    <dgm:scene3d>
+      <a:camera prst="orthographicFront"/>
+      <a:lightRig rig="threePt" dir="t"/>
+    </dgm:scene3d>
+    <dgm:sp3d/>
+    <dgm:txPr/>
+    <dgm:style>
+      <a:lnRef idx="2">
+        <a:scrgbClr r="0" g="0" b="0"/>
+      </a:lnRef>
+      <a:fillRef idx="1">
+        <a:scrgbClr r="0" g="0" b="0"/>
+      </a:fillRef>
+      <a:effectRef idx="0">
+        <a:scrgbClr r="0" g="0" b="0"/>
+      </a:effectRef>
+      <a:fontRef idx="minor"/>
+    </dgm:style>
+  </dgm:styleLbl>
+  <dgm:styleLbl name="conFgAcc1">
+    <dgm:scene3d>
+      <a:camera prst="orthographicFront"/>
+      <a:lightRig rig="threePt" dir="t"/>
+    </dgm:scene3d>
+    <dgm:sp3d/>
+    <dgm:txPr/>
+    <dgm:style>
+      <a:lnRef idx="2">
+        <a:scrgbClr r="0" g="0" b="0"/>
+      </a:lnRef>
+      <a:fillRef idx="1">
+        <a:scrgbClr r="0" g="0" b="0"/>
+      </a:fillRef>
+      <a:effectRef idx="0">
+        <a:scrgbClr r="0" g="0" b="0"/>
+      </a:effectRef>
+      <a:fontRef idx="minor"/>
+    </dgm:style>
+  </dgm:styleLbl>
+  <dgm:styleLbl name="alignAcc1">
+    <dgm:scene3d>
+      <a:camera prst="orthographicFront"/>
+      <a:lightRig rig="threePt" dir="t"/>
+    </dgm:scene3d>
+    <dgm:sp3d/>
+    <dgm:txPr/>
+    <dgm:style>
+      <a:lnRef idx="2">
+        <a:scrgbClr r="0" g="0" b="0"/>
+      </a:lnRef>
+      <a:fillRef idx="1">
+        <a:scrgbClr r="0" g="0" b="0"/>
+      </a:fillRef>
+      <a:effectRef idx="0">
+        <a:scrgbClr r="0" g="0" b="0"/>
+      </a:effectRef>
+      <a:fontRef idx="minor"/>
+    </dgm:style>
+  </dgm:styleLbl>
+  <dgm:styleLbl name="trAlignAcc1">
+    <dgm:scene3d>
+      <a:camera prst="orthographicFront"/>
+      <a:lightRig rig="threePt" dir="t"/>
+    </dgm:scene3d>
+    <dgm:sp3d/>
+    <dgm:txPr/>
+    <dgm:style>
+      <a:lnRef idx="1">
+        <a:scrgbClr r="0" g="0" b="0"/>
+      </a:lnRef>
+      <a:fillRef idx="1">
+        <a:scrgbClr r="0" g="0" b="0"/>
+      </a:fillRef>
+      <a:effectRef idx="0">
+        <a:scrgbClr r="0" g="0" b="0"/>
+      </a:effectRef>
+      <a:fontRef idx="minor"/>
+    </dgm:style>
+  </dgm:styleLbl>
+  <dgm:styleLbl name="bgAcc1">
+    <dgm:scene3d>
+      <a:camera prst="orthographicFront"/>
+      <a:lightRig rig="threePt" dir="t"/>
+    </dgm:scene3d>
+    <dgm:sp3d/>
+    <dgm:txPr/>
+    <dgm:style>
+      <a:lnRef idx="2">
+        <a:scrgbClr r="0" g="0" b="0"/>
+      </a:lnRef>
+      <a:fillRef idx="1">
+        <a:scrgbClr r="0" g="0" b="0"/>
+      </a:fillRef>
+      <a:effectRef idx="0">
+        <a:scrgbClr r="0" g="0" b="0"/>
+      </a:effectRef>
+      <a:fontRef idx="minor"/>
+    </dgm:style>
+  </dgm:styleLbl>
+  <dgm:styleLbl name="solidFgAcc1">
+    <dgm:scene3d>
+      <a:camera prst="orthographicFront"/>
+      <a:lightRig rig="threePt" dir="t"/>
+    </dgm:scene3d>
+    <dgm:sp3d/>
+    <dgm:txPr/>
+    <dgm:style>
+      <a:lnRef idx="2">
+        <a:scrgbClr r="0" g="0" b="0"/>
+      </a:lnRef>
+      <a:fillRef idx="1">
+        <a:scrgbClr r="0" g="0" b="0"/>
+      </a:fillRef>
+      <a:effectRef idx="0">
+        <a:scrgbClr r="0" g="0" b="0"/>
+      </a:effectRef>
+      <a:fontRef idx="minor"/>
+    </dgm:style>
+  </dgm:styleLbl>
+  <dgm:styleLbl name="solidAlignAcc1">
+    <dgm:scene3d>
+      <a:camera prst="orthographicFront"/>
+      <a:lightRig rig="threePt" dir="t"/>
+    </dgm:scene3d>
+    <dgm:sp3d/>
+    <dgm:txPr/>
+    <dgm:style>
+      <a:lnRef idx="2">
+        <a:scrgbClr r="0" g="0" b="0"/>
+      </a:lnRef>
+      <a:fillRef idx="1">
+        <a:scrgbClr r="0" g="0" b="0"/>
+      </a:fillRef>
+      <a:effectRef idx="0">
+        <a:scrgbClr r="0" g="0" b="0"/>
+      </a:effectRef>
+      <a:fontRef idx="minor"/>
+    </dgm:style>
+  </dgm:styleLbl>
+  <dgm:styleLbl name="solidBgAcc1">
+    <dgm:scene3d>
+      <a:camera prst="orthographicFront"/>
+      <a:lightRig rig="threePt" dir="t"/>
+    </dgm:scene3d>
+    <dgm:sp3d/>
+    <dgm:txPr/>
+    <dgm:style>
+      <a:lnRef idx="2">
+        <a:scrgbClr r="0" g="0" b="0"/>
+      </a:lnRef>
+      <a:fillRef idx="1">
+        <a:scrgbClr r="0" g="0" b="0"/>
+      </a:fillRef>
+      <a:effectRef idx="0">
+        <a:scrgbClr r="0" g="0" b="0"/>
+      </a:effectRef>
+      <a:fontRef idx="minor"/>
+    </dgm:style>
+  </dgm:styleLbl>
+  <dgm:styleLbl name="fgAccFollowNode1">
+    <dgm:scene3d>
+      <a:camera prst="orthographicFront"/>
+      <a:lightRig rig="threePt" dir="t"/>
+    </dgm:scene3d>
+    <dgm:sp3d/>
+    <dgm:txPr/>
+    <dgm:style>
+      <a:lnRef idx="2">
+        <a:scrgbClr r="0" g="0" b="0"/>
+      </a:lnRef>
+      <a:fillRef idx="1">
+        <a:scrgbClr r="0" g="0" b="0"/>
+      </a:fillRef>
+      <a:effectRef idx="0">
+        <a:scrgbClr r="0" g="0" b="0"/>
+      </a:effectRef>
+      <a:fontRef idx="minor"/>
+    </dgm:style>
+  </dgm:styleLbl>
+  <dgm:styleLbl name="alignAccFollowNode1">
+    <dgm:scene3d>
+      <a:camera prst="orthographicFront"/>
+      <a:lightRig rig="threePt" dir="t"/>
+    </dgm:scene3d>
+    <dgm:sp3d/>
+    <dgm:txPr/>
+    <dgm:style>
+      <a:lnRef idx="2">
+        <a:scrgbClr r="0" g="0" b="0"/>
+      </a:lnRef>
+      <a:fillRef idx="1">
+        <a:scrgbClr r="0" g="0" b="0"/>
+      </a:fillRef>
+      <a:effectRef idx="0">
+        <a:scrgbClr r="0" g="0" b="0"/>
+      </a:effectRef>
+      <a:fontRef idx="minor"/>
+    </dgm:style>
+  </dgm:styleLbl>
+  <dgm:styleLbl name="bgAccFollowNode1">
+    <dgm:scene3d>
+      <a:camera prst="orthographicFront"/>
+      <a:lightRig rig="threePt" dir="t"/>
+    </dgm:scene3d>
+    <dgm:sp3d/>
+    <dgm:txPr/>
+    <dgm:style>
+      <a:lnRef idx="2">
+        <a:scrgbClr r="0" g="0" b="0"/>
+      </a:lnRef>
+      <a:fillRef idx="1">
+        <a:scrgbClr r="0" g="0" b="0"/>
+      </a:fillRef>
+      <a:effectRef idx="0">
+        <a:scrgbClr r="0" g="0" b="0"/>
+      </a:effectRef>
+      <a:fontRef idx="minor"/>
+    </dgm:style>
+  </dgm:styleLbl>
+  <dgm:styleLbl name="fgAcc0">
+    <dgm:scene3d>
+      <a:camera prst="orthographicFront"/>
+      <a:lightRig rig="threePt" dir="t"/>
+    </dgm:scene3d>
+    <dgm:sp3d/>
+    <dgm:txPr/>
+    <dgm:style>
+      <a:lnRef idx="2">
+        <a:scrgbClr r="0" g="0" b="0"/>
+      </a:lnRef>
+      <a:fillRef idx="1">
+        <a:scrgbClr r="0" g="0" b="0"/>
+      </a:fillRef>
+      <a:effectRef idx="0">
+        <a:scrgbClr r="0" g="0" b="0"/>
+      </a:effectRef>
+      <a:fontRef idx="minor"/>
+    </dgm:style>
+  </dgm:styleLbl>
+  <dgm:styleLbl name="fgAcc2">
+    <dgm:scene3d>
+      <a:camera prst="orthographicFront"/>
+      <a:lightRig rig="threePt" dir="t"/>
+    </dgm:scene3d>
+    <dgm:sp3d/>
+    <dgm:txPr/>
+    <dgm:style>
+      <a:lnRef idx="2">
+        <a:scrgbClr r="0" g="0" b="0"/>
+      </a:lnRef>
+      <a:fillRef idx="1">
+        <a:scrgbClr r="0" g="0" b="0"/>
+      </a:fillRef>
+      <a:effectRef idx="0">
+        <a:scrgbClr r="0" g="0" b="0"/>
+      </a:effectRef>
+      <a:fontRef idx="minor"/>
+    </dgm:style>
+  </dgm:styleLbl>
+  <dgm:styleLbl name="fgAcc3">
+    <dgm:scene3d>
+      <a:camera prst="orthographicFront"/>
+      <a:lightRig rig="threePt" dir="t"/>
+    </dgm:scene3d>
+    <dgm:sp3d/>
+    <dgm:txPr/>
+    <dgm:style>
+      <a:lnRef idx="2">
+        <a:scrgbClr r="0" g="0" b="0"/>
+      </a:lnRef>
+      <a:fillRef idx="1">
+        <a:scrgbClr r="0" g="0" b="0"/>
+      </a:fillRef>
+      <a:effectRef idx="0">
+        <a:scrgbClr r="0" g="0" b="0"/>
+      </a:effectRef>
+      <a:fontRef idx="minor"/>
+    </dgm:style>
+  </dgm:styleLbl>
+  <dgm:styleLbl name="fgAcc4">
+    <dgm:scene3d>
+      <a:camera prst="orthographicFront"/>
+      <a:lightRig rig="threePt" dir="t"/>
+    </dgm:scene3d>
+    <dgm:sp3d/>
+    <dgm:txPr/>
+    <dgm:style>
+      <a:lnRef idx="2">
+        <a:scrgbClr r="0" g="0" b="0"/>
+      </a:lnRef>
+      <a:fillRef idx="1">
+        <a:scrgbClr r="0" g="0" b="0"/>
+      </a:fillRef>
+      <a:effectRef idx="0">
+        <a:scrgbClr r="0" g="0" b="0"/>
+      </a:effectRef>
+      <a:fontRef idx="minor"/>
+    </dgm:style>
+  </dgm:styleLbl>
+  <dgm:styleLbl name="bgShp">
+    <dgm:scene3d>
+      <a:camera prst="orthographicFront"/>
+      <a:lightRig rig="threePt" dir="t"/>
+    </dgm:scene3d>
+    <dgm:sp3d/>
+    <dgm:txPr/>
+    <dgm:style>
+      <a:lnRef idx="0">
+        <a:scrgbClr r="0" g="0" b="0"/>
+      </a:lnRef>
+      <a:fillRef idx="1">
+        <a:scrgbClr r="0" g="0" b="0"/>
+      </a:fillRef>
+      <a:effectRef idx="0">
+        <a:scrgbClr r="0" g="0" b="0"/>
+      </a:effectRef>
+      <a:fontRef idx="minor"/>
+    </dgm:style>
+  </dgm:styleLbl>
+  <dgm:styleLbl name="dkBgShp">
+    <dgm:scene3d>
+      <a:camera prst="orthographicFront"/>
+      <a:lightRig rig="threePt" dir="t"/>
+    </dgm:scene3d>
+    <dgm:sp3d/>
+    <dgm:txPr/>
+    <dgm:style>
+      <a:lnRef idx="0">
+        <a:scrgbClr r="0" g="0" b="0"/>
+      </a:lnRef>
+      <a:fillRef idx="1">
+        <a:scrgbClr r="0" g="0" b="0"/>
+      </a:fillRef>
+      <a:effectRef idx="0">
+        <a:scrgbClr r="0" g="0" b="0"/>
+      </a:effectRef>
+      <a:fontRef idx="minor"/>
+    </dgm:style>
+  </dgm:styleLbl>
+  <dgm:styleLbl name="trBgShp">
+    <dgm:scene3d>
+      <a:camera prst="orthographicFront"/>
+      <a:lightRig rig="threePt" dir="t"/>
+    </dgm:scene3d>
+    <dgm:sp3d/>
+    <dgm:txPr/>
+    <dgm:style>
+      <a:lnRef idx="0">
+        <a:scrgbClr r="0" g="0" b="0"/>
+      </a:lnRef>
+      <a:fillRef idx="1">
+        <a:scrgbClr r="0" g="0" b="0"/>
+      </a:fillRef>
+      <a:effectRef idx="0">
+        <a:scrgbClr r="0" g="0" b="0"/>
+      </a:effectRef>
+      <a:fontRef idx="minor"/>
+    </dgm:style>
+  </dgm:styleLbl>
+  <dgm:styleLbl name="fgShp">
+    <dgm:scene3d>
+      <a:camera prst="orthographicFront"/>
+      <a:lightRig rig="threePt" dir="t"/>
+    </dgm:scene3d>
+    <dgm:sp3d/>
+    <dgm:txPr/>
+    <dgm:style>
+      <a:lnRef idx="2">
+        <a:scrgbClr r="0" g="0" b="0"/>
+      </a:lnRef>
+      <a:fillRef idx="1">
+        <a:scrgbClr r="0" g="0" b="0"/>
+      </a:fillRef>
+      <a:effectRef idx="0">
+        <a:scrgbClr r="0" g="0" b="0"/>
+      </a:effectRef>
+      <a:fontRef idx="minor"/>
+    </dgm:style>
+  </dgm:styleLbl>
+  <dgm:styleLbl name="revTx">
+    <dgm:scene3d>
+      <a:camera prst="orthographicFront"/>
+      <a:lightRig rig="threePt" dir="t"/>
+    </dgm:scene3d>
+    <dgm:sp3d/>
+    <dgm:txPr/>
+    <dgm:style>
+      <a:lnRef idx="0">
+        <a:scrgbClr r="0" g="0" b="0"/>
+      </a:lnRef>
+      <a:fillRef idx="0">
+        <a:scrgbClr r="0" g="0" b="0"/>
+      </a:fillRef>
+      <a:effectRef idx="0">
+        <a:scrgbClr r="0" g="0" b="0"/>
+      </a:effectRef>
+      <a:fontRef idx="minor"/>
+    </dgm:style>
+  </dgm:styleLbl>
+</dgm:styleDef>
+</file>
+
+<file path=ppt/diagrams/quickStyle4.xml><?xml version="1.0" encoding="utf-8"?>
 <dgm:styleDef xmlns:dgm="http://schemas.openxmlformats.org/drawingml/2006/diagram" xmlns:a="http://schemas.openxmlformats.org/drawingml/2006/main" uniqueId="urn:microsoft.com/office/officeart/2005/8/quickstyle/simple1">
   <dgm:title val=""/>
   <dgm:desc val=""/>
@@ -8597,7 +14359,7 @@
           <a:p>
             <a:fld id="{70711676-1DE2-458B-90FC-D5D4D01EA265}" type="datetimeFigureOut">
               <a:rPr lang="en-US" smtClean="0"/>
-              <a:t>12/7/2019</a:t>
+              <a:t>12/8/2019</a:t>
             </a:fld>
             <a:endParaRPr lang="en-US"/>
           </a:p>
@@ -9219,6 +14981,90 @@
 </p:notes>
 </file>
 
+<file path=ppt/notesSlides/notesSlide5.xml><?xml version="1.0" encoding="utf-8"?>
+<p:notes xmlns:a="http://schemas.openxmlformats.org/drawingml/2006/main" xmlns:r="http://schemas.openxmlformats.org/officeDocument/2006/relationships" xmlns:p="http://schemas.openxmlformats.org/presentationml/2006/main">
+  <p:cSld>
+    <p:spTree>
+      <p:nvGrpSpPr>
+        <p:cNvPr id="1" name=""/>
+        <p:cNvGrpSpPr/>
+        <p:nvPr/>
+      </p:nvGrpSpPr>
+      <p:grpSpPr>
+        <a:xfrm>
+          <a:off x="0" y="0"/>
+          <a:ext cx="0" cy="0"/>
+          <a:chOff x="0" y="0"/>
+          <a:chExt cx="0" cy="0"/>
+        </a:xfrm>
+      </p:grpSpPr>
+      <p:sp>
+        <p:nvSpPr>
+          <p:cNvPr id="2" name="Slide Image Placeholder 1"/>
+          <p:cNvSpPr>
+            <a:spLocks noGrp="1" noRot="1" noChangeAspect="1"/>
+          </p:cNvSpPr>
+          <p:nvPr>
+            <p:ph type="sldImg"/>
+          </p:nvPr>
+        </p:nvSpPr>
+        <p:spPr/>
+      </p:sp>
+      <p:sp>
+        <p:nvSpPr>
+          <p:cNvPr id="3" name="Notes Placeholder 2"/>
+          <p:cNvSpPr>
+            <a:spLocks noGrp="1"/>
+          </p:cNvSpPr>
+          <p:nvPr>
+            <p:ph type="body" idx="1"/>
+          </p:nvPr>
+        </p:nvSpPr>
+        <p:spPr/>
+        <p:txBody>
+          <a:bodyPr/>
+          <a:lstStyle/>
+          <a:p>
+            <a:endParaRPr lang="en-US" dirty="0"/>
+          </a:p>
+        </p:txBody>
+      </p:sp>
+      <p:sp>
+        <p:nvSpPr>
+          <p:cNvPr id="4" name="Slide Number Placeholder 3"/>
+          <p:cNvSpPr>
+            <a:spLocks noGrp="1"/>
+          </p:cNvSpPr>
+          <p:nvPr>
+            <p:ph type="sldNum" sz="quarter" idx="10"/>
+          </p:nvPr>
+        </p:nvSpPr>
+        <p:spPr/>
+        <p:txBody>
+          <a:bodyPr/>
+          <a:lstStyle/>
+          <a:p>
+            <a:fld id="{76E79186-0F7F-4415-A6CE-613EF7028156}" type="slidenum">
+              <a:rPr lang="en-US" smtClean="0"/>
+              <a:t>10</a:t>
+            </a:fld>
+            <a:endParaRPr lang="en-US"/>
+          </a:p>
+        </p:txBody>
+      </p:sp>
+    </p:spTree>
+    <p:extLst>
+      <p:ext uri="{BB962C8B-B14F-4D97-AF65-F5344CB8AC3E}">
+        <p14:creationId xmlns:p14="http://schemas.microsoft.com/office/powerpoint/2010/main" val="359605841"/>
+      </p:ext>
+    </p:extLst>
+  </p:cSld>
+  <p:clrMapOvr>
+    <a:masterClrMapping/>
+  </p:clrMapOvr>
+</p:notes>
+</file>
+
 <file path=ppt/slideLayouts/slideLayout1.xml><?xml version="1.0" encoding="utf-8"?>
 <p:sldLayout xmlns:a="http://schemas.openxmlformats.org/drawingml/2006/main" xmlns:r="http://schemas.openxmlformats.org/officeDocument/2006/relationships" xmlns:p="http://schemas.openxmlformats.org/presentationml/2006/main" type="title" preserve="1">
   <p:cSld name="Title Slide">
@@ -9348,7 +15194,7 @@
           <a:p>
             <a:fld id="{EF60C9F4-19BA-40F2-B011-90CF0A2B4916}" type="datetimeFigureOut">
               <a:rPr lang="en-US" smtClean="0"/>
-              <a:t>12/7/2019</a:t>
+              <a:t>12/8/2019</a:t>
             </a:fld>
             <a:endParaRPr lang="en-US"/>
           </a:p>
@@ -9516,7 +15362,7 @@
           <a:p>
             <a:fld id="{EF60C9F4-19BA-40F2-B011-90CF0A2B4916}" type="datetimeFigureOut">
               <a:rPr lang="en-US" smtClean="0"/>
-              <a:t>12/7/2019</a:t>
+              <a:t>12/8/2019</a:t>
             </a:fld>
             <a:endParaRPr lang="en-US"/>
           </a:p>
@@ -9694,7 +15540,7 @@
           <a:p>
             <a:fld id="{EF60C9F4-19BA-40F2-B011-90CF0A2B4916}" type="datetimeFigureOut">
               <a:rPr lang="en-US" smtClean="0"/>
-              <a:t>12/7/2019</a:t>
+              <a:t>12/8/2019</a:t>
             </a:fld>
             <a:endParaRPr lang="en-US"/>
           </a:p>
@@ -9862,7 +15708,7 @@
           <a:p>
             <a:fld id="{EF60C9F4-19BA-40F2-B011-90CF0A2B4916}" type="datetimeFigureOut">
               <a:rPr lang="en-US" smtClean="0"/>
-              <a:t>12/7/2019</a:t>
+              <a:t>12/8/2019</a:t>
             </a:fld>
             <a:endParaRPr lang="en-US"/>
           </a:p>
@@ -10107,7 +15953,7 @@
           <a:p>
             <a:fld id="{EF60C9F4-19BA-40F2-B011-90CF0A2B4916}" type="datetimeFigureOut">
               <a:rPr lang="en-US" smtClean="0"/>
-              <a:t>12/7/2019</a:t>
+              <a:t>12/8/2019</a:t>
             </a:fld>
             <a:endParaRPr lang="en-US"/>
           </a:p>
@@ -10336,7 +16182,7 @@
           <a:p>
             <a:fld id="{EF60C9F4-19BA-40F2-B011-90CF0A2B4916}" type="datetimeFigureOut">
               <a:rPr lang="en-US" smtClean="0"/>
-              <a:t>12/7/2019</a:t>
+              <a:t>12/8/2019</a:t>
             </a:fld>
             <a:endParaRPr lang="en-US"/>
           </a:p>
@@ -10700,7 +16546,7 @@
           <a:p>
             <a:fld id="{EF60C9F4-19BA-40F2-B011-90CF0A2B4916}" type="datetimeFigureOut">
               <a:rPr lang="en-US" smtClean="0"/>
-              <a:t>12/7/2019</a:t>
+              <a:t>12/8/2019</a:t>
             </a:fld>
             <a:endParaRPr lang="en-US"/>
           </a:p>
@@ -10817,7 +16663,7 @@
           <a:p>
             <a:fld id="{EF60C9F4-19BA-40F2-B011-90CF0A2B4916}" type="datetimeFigureOut">
               <a:rPr lang="en-US" smtClean="0"/>
-              <a:t>12/7/2019</a:t>
+              <a:t>12/8/2019</a:t>
             </a:fld>
             <a:endParaRPr lang="en-US"/>
           </a:p>
@@ -10912,7 +16758,7 @@
           <a:p>
             <a:fld id="{EF60C9F4-19BA-40F2-B011-90CF0A2B4916}" type="datetimeFigureOut">
               <a:rPr lang="en-US" smtClean="0"/>
-              <a:t>12/7/2019</a:t>
+              <a:t>12/8/2019</a:t>
             </a:fld>
             <a:endParaRPr lang="en-US"/>
           </a:p>
@@ -11187,7 +17033,7 @@
           <a:p>
             <a:fld id="{EF60C9F4-19BA-40F2-B011-90CF0A2B4916}" type="datetimeFigureOut">
               <a:rPr lang="en-US" smtClean="0"/>
-              <a:t>12/7/2019</a:t>
+              <a:t>12/8/2019</a:t>
             </a:fld>
             <a:endParaRPr lang="en-US"/>
           </a:p>
@@ -11439,7 +17285,7 @@
           <a:p>
             <a:fld id="{EF60C9F4-19BA-40F2-B011-90CF0A2B4916}" type="datetimeFigureOut">
               <a:rPr lang="en-US" smtClean="0"/>
-              <a:t>12/7/2019</a:t>
+              <a:t>12/8/2019</a:t>
             </a:fld>
             <a:endParaRPr lang="en-US"/>
           </a:p>
@@ -11650,7 +17496,7 @@
           <a:p>
             <a:fld id="{EF60C9F4-19BA-40F2-B011-90CF0A2B4916}" type="datetimeFigureOut">
               <a:rPr lang="en-US" smtClean="0"/>
-              <a:t>12/7/2019</a:t>
+              <a:t>12/8/2019</a:t>
             </a:fld>
             <a:endParaRPr lang="en-US"/>
           </a:p>
@@ -12306,16 +18152,25 @@
             <p:ph type="title"/>
           </p:nvPr>
         </p:nvSpPr>
-        <p:spPr/>
+        <p:spPr>
+          <a:xfrm>
+            <a:off x="838200" y="365125"/>
+            <a:ext cx="4115937" cy="1325563"/>
+          </a:xfrm>
+        </p:spPr>
         <p:txBody>
           <a:bodyPr/>
           <a:lstStyle/>
           <a:p>
             <a:r>
-              <a:rPr lang="en-US" b="1" dirty="0" smtClean="0"/>
-              <a:t>ELEMENTS OF XP</a:t>
+              <a:rPr lang="en-US" dirty="0" smtClean="0"/>
+              <a:t>Features</a:t>
             </a:r>
-            <a:endParaRPr lang="en-US" b="1" dirty="0"/>
+            <a:r>
+              <a:rPr lang="en-US" dirty="0" smtClean="0"/>
+              <a:t> of XP</a:t>
+            </a:r>
+            <a:endParaRPr lang="en-US" dirty="0"/>
           </a:p>
         </p:txBody>
       </p:sp>
@@ -12329,7 +18184,12 @@
             <p:ph idx="1"/>
           </p:nvPr>
         </p:nvSpPr>
-        <p:spPr/>
+        <p:spPr>
+          <a:xfrm>
+            <a:off x="838200" y="1825625"/>
+            <a:ext cx="3856630" cy="4351338"/>
+          </a:xfrm>
+        </p:spPr>
         <p:txBody>
           <a:bodyPr/>
           <a:lstStyle/>
@@ -12358,8 +18218,9 @@
           <a:p>
             <a:r>
               <a:rPr lang="en-US" dirty="0" smtClean="0"/>
-              <a:t>Small Releases</a:t>
+              <a:t>Quick Releases</a:t>
             </a:r>
+            <a:endParaRPr lang="en-US" dirty="0" smtClean="0"/>
           </a:p>
           <a:p>
             <a:r>
@@ -12370,20 +18231,9 @@
           <a:p>
             <a:r>
               <a:rPr lang="en-US" dirty="0" smtClean="0"/>
-              <a:t>Metaphor </a:t>
+              <a:t>Metaphor</a:t>
             </a:r>
-          </a:p>
-          <a:p>
-            <a:r>
-              <a:rPr lang="en-US" dirty="0" smtClean="0"/>
-              <a:t>Communication</a:t>
-            </a:r>
-          </a:p>
-          <a:p>
-            <a:r>
-              <a:rPr lang="en-US" dirty="0" smtClean="0"/>
-              <a:t>UI (modern)</a:t>
-            </a:r>
+            <a:endParaRPr lang="en-US" dirty="0" smtClean="0"/>
           </a:p>
         </p:txBody>
       </p:sp>
@@ -12396,7 +18246,7 @@
           <p:nvPr/>
         </p:nvPicPr>
         <p:blipFill>
-          <a:blip r:embed="rId2">
+          <a:blip r:embed="rId3">
             <a:extLst>
               <a:ext uri="{28A0092B-C50C-407E-A947-70E740481C1C}">
                 <a14:useLocalDpi xmlns:a14="http://schemas.microsoft.com/office/drawing/2010/main" val="0"/>
@@ -12678,68 +18528,6 @@
                                   </p:childTnLst>
                                 </p:cTn>
                               </p:par>
-                              <p:par>
-                                <p:cTn id="21" presetID="1" presetClass="entr" presetSubtype="0" fill="hold" nodeType="withEffect">
-                                  <p:stCondLst>
-                                    <p:cond delay="0"/>
-                                  </p:stCondLst>
-                                  <p:childTnLst>
-                                    <p:set>
-                                      <p:cBhvr>
-                                        <p:cTn id="22" dur="1" fill="hold">
-                                          <p:stCondLst>
-                                            <p:cond delay="0"/>
-                                          </p:stCondLst>
-                                        </p:cTn>
-                                        <p:tgtEl>
-                                          <p:spTgt spid="3">
-                                            <p:txEl>
-                                              <p:pRg st="6" end="6"/>
-                                            </p:txEl>
-                                          </p:spTgt>
-                                        </p:tgtEl>
-                                        <p:attrNameLst>
-                                          <p:attrName>style.visibility</p:attrName>
-                                        </p:attrNameLst>
-                                      </p:cBhvr>
-                                      <p:to>
-                                        <p:strVal val="visible"/>
-                                      </p:to>
-                                    </p:set>
-                                  </p:childTnLst>
-                                </p:cTn>
-                              </p:par>
-                              <p:par>
-                                <p:cTn id="23" presetID="1" presetClass="entr" presetSubtype="0" fill="hold" nodeType="withEffect">
-                                  <p:stCondLst>
-                                    <p:cond delay="0"/>
-                                  </p:stCondLst>
-                                  <p:childTnLst>
-                                    <p:set>
-                                      <p:cBhvr>
-                                        <p:cTn id="24" dur="1" fill="hold">
-                                          <p:stCondLst>
-                                            <p:cond delay="0"/>
-                                          </p:stCondLst>
-                                        </p:cTn>
-                                        <p:tgtEl>
-                                          <p:spTgt spid="3">
-                                            <p:txEl>
-                                              <p:pRg st="7" end="7"/>
-                                            </p:txEl>
-                                          </p:spTgt>
-                                        </p:tgtEl>
-                                        <p:attrNameLst>
-                                          <p:attrName>style.visibility</p:attrName>
-                                        </p:attrNameLst>
-                                      </p:cBhvr>
-                                      <p:to>
-                                        <p:strVal val="visible"/>
-                                      </p:to>
-                                    </p:set>
-                                  </p:childTnLst>
-                                </p:cTn>
-                              </p:par>
                             </p:childTnLst>
                           </p:cTn>
                         </p:par>
@@ -12807,10 +18595,14 @@
           <a:lstStyle/>
           <a:p>
             <a:r>
-              <a:rPr lang="en-US" b="1" dirty="0" smtClean="0"/>
-              <a:t>Pair programming</a:t>
+              <a:rPr lang="en-US" dirty="0" smtClean="0"/>
+              <a:t>Pair </a:t>
             </a:r>
-            <a:endParaRPr lang="en-US" b="1" dirty="0"/>
+            <a:r>
+              <a:rPr lang="en-US" dirty="0" smtClean="0"/>
+              <a:t>Programming</a:t>
+            </a:r>
+            <a:endParaRPr lang="en-US" dirty="0"/>
           </a:p>
         </p:txBody>
       </p:sp>
@@ -13240,10 +19032,10 @@
           <a:lstStyle/>
           <a:p>
             <a:r>
-              <a:rPr lang="en-US" b="1" dirty="0" smtClean="0"/>
+              <a:rPr lang="en-US" dirty="0" smtClean="0"/>
               <a:t>Code Review</a:t>
             </a:r>
-            <a:endParaRPr lang="en-US" b="1" dirty="0"/>
+            <a:endParaRPr lang="en-US" dirty="0"/>
           </a:p>
         </p:txBody>
       </p:sp>
@@ -13581,16 +19373,812 @@
             <p:ph type="title"/>
           </p:nvPr>
         </p:nvSpPr>
+        <p:spPr>
+          <a:xfrm>
+            <a:off x="838200" y="378773"/>
+            <a:ext cx="2409967" cy="1325563"/>
+          </a:xfrm>
+        </p:spPr>
+        <p:txBody>
+          <a:bodyPr/>
+          <a:lstStyle/>
+          <a:p>
+            <a:r>
+              <a:rPr lang="en-US" dirty="0" smtClean="0"/>
+              <a:t>Testing</a:t>
+            </a:r>
+            <a:endParaRPr lang="en-US" dirty="0"/>
+          </a:p>
+        </p:txBody>
+      </p:sp>
+      <p:graphicFrame>
+        <p:nvGraphicFramePr>
+          <p:cNvPr id="4" name="Content Placeholder 3"/>
+          <p:cNvGraphicFramePr>
+            <a:graphicFrameLocks noGrp="1"/>
+          </p:cNvGraphicFramePr>
+          <p:nvPr>
+            <p:ph idx="1"/>
+            <p:extLst>
+              <p:ext uri="{D42A27DB-BD31-4B8C-83A1-F6EECF244321}">
+                <p14:modId xmlns:p14="http://schemas.microsoft.com/office/powerpoint/2010/main" val="1972700240"/>
+              </p:ext>
+            </p:extLst>
+          </p:nvPr>
+        </p:nvGraphicFramePr>
+        <p:xfrm>
+          <a:off x="964809" y="1573877"/>
+          <a:ext cx="9370325" cy="2829312"/>
+        </p:xfrm>
+        <a:graphic>
+          <a:graphicData uri="http://schemas.openxmlformats.org/drawingml/2006/diagram">
+            <dgm:relIds xmlns:dgm="http://schemas.openxmlformats.org/drawingml/2006/diagram" xmlns:r="http://schemas.openxmlformats.org/officeDocument/2006/relationships" r:dm="rId2" r:lo="rId3" r:qs="rId4" r:cs="rId5"/>
+          </a:graphicData>
+        </a:graphic>
+      </p:graphicFrame>
+      <p:graphicFrame>
+        <p:nvGraphicFramePr>
+          <p:cNvPr id="6" name="Content Placeholder 3"/>
+          <p:cNvGraphicFramePr>
+            <a:graphicFrameLocks/>
+          </p:cNvGraphicFramePr>
+          <p:nvPr>
+            <p:extLst>
+              <p:ext uri="{D42A27DB-BD31-4B8C-83A1-F6EECF244321}">
+                <p14:modId xmlns:p14="http://schemas.microsoft.com/office/powerpoint/2010/main" val="3746771003"/>
+              </p:ext>
+            </p:extLst>
+          </p:nvPr>
+        </p:nvGraphicFramePr>
+        <p:xfrm>
+          <a:off x="964808" y="3414400"/>
+          <a:ext cx="9370325" cy="2829312"/>
+        </p:xfrm>
+        <a:graphic>
+          <a:graphicData uri="http://schemas.openxmlformats.org/drawingml/2006/diagram">
+            <dgm:relIds xmlns:dgm="http://schemas.openxmlformats.org/drawingml/2006/diagram" xmlns:r="http://schemas.openxmlformats.org/officeDocument/2006/relationships" r:dm="rId7" r:lo="rId8" r:qs="rId9" r:cs="rId10"/>
+          </a:graphicData>
+        </a:graphic>
+      </p:graphicFrame>
+      <p:grpSp>
+        <p:nvGrpSpPr>
+          <p:cNvPr id="10" name="Group 9"/>
+          <p:cNvGrpSpPr/>
+          <p:nvPr/>
+        </p:nvGrpSpPr>
+        <p:grpSpPr>
+          <a:xfrm>
+            <a:off x="1631852" y="3062707"/>
+            <a:ext cx="1614269" cy="369332"/>
+            <a:chOff x="1631852" y="3062707"/>
+            <a:chExt cx="1614269" cy="369332"/>
+          </a:xfrm>
+        </p:grpSpPr>
+        <p:cxnSp>
+          <p:nvCxnSpPr>
+            <p:cNvPr id="8" name="Straight Arrow Connector 7"/>
+            <p:cNvCxnSpPr/>
+            <p:nvPr/>
+          </p:nvCxnSpPr>
+          <p:spPr>
+            <a:xfrm>
+              <a:off x="1631853" y="3062707"/>
+              <a:ext cx="0" cy="351693"/>
+            </a:xfrm>
+            <a:prstGeom prst="straightConnector1">
+              <a:avLst/>
+            </a:prstGeom>
+            <a:ln>
+              <a:tailEnd type="triangle"/>
+            </a:ln>
+          </p:spPr>
+          <p:style>
+            <a:lnRef idx="1">
+              <a:schemeClr val="accent1"/>
+            </a:lnRef>
+            <a:fillRef idx="0">
+              <a:schemeClr val="accent1"/>
+            </a:fillRef>
+            <a:effectRef idx="0">
+              <a:schemeClr val="accent1"/>
+            </a:effectRef>
+            <a:fontRef idx="minor">
+              <a:schemeClr val="tx1"/>
+            </a:fontRef>
+          </p:style>
+        </p:cxnSp>
+        <p:sp>
+          <p:nvSpPr>
+            <p:cNvPr id="9" name="TextBox 8"/>
+            <p:cNvSpPr txBox="1"/>
+            <p:nvPr/>
+          </p:nvSpPr>
+          <p:spPr>
+            <a:xfrm flipH="1">
+              <a:off x="1631852" y="3062707"/>
+              <a:ext cx="1614269" cy="369332"/>
+            </a:xfrm>
+            <a:prstGeom prst="rect">
+              <a:avLst/>
+            </a:prstGeom>
+            <a:noFill/>
+          </p:spPr>
+          <p:txBody>
+            <a:bodyPr wrap="square" rtlCol="0">
+              <a:spAutoFit/>
+            </a:bodyPr>
+            <a:lstStyle/>
+            <a:p>
+              <a:r>
+                <a:rPr lang="en-US" dirty="0" smtClean="0">
+                  <a:solidFill>
+                    <a:schemeClr val="accent1"/>
+                  </a:solidFill>
+                </a:rPr>
+                <a:t>Unit Testing</a:t>
+              </a:r>
+              <a:endParaRPr lang="en-US" dirty="0">
+                <a:solidFill>
+                  <a:schemeClr val="accent1"/>
+                </a:solidFill>
+              </a:endParaRPr>
+            </a:p>
+          </p:txBody>
+        </p:sp>
+      </p:grpSp>
+      <p:grpSp>
+        <p:nvGrpSpPr>
+          <p:cNvPr id="11" name="Group 10"/>
+          <p:cNvGrpSpPr/>
+          <p:nvPr/>
+        </p:nvGrpSpPr>
+        <p:grpSpPr>
+          <a:xfrm>
+            <a:off x="9676229" y="3130701"/>
+            <a:ext cx="1614269" cy="369332"/>
+            <a:chOff x="1631852" y="3062707"/>
+            <a:chExt cx="1614269" cy="369332"/>
+          </a:xfrm>
+        </p:grpSpPr>
+        <p:cxnSp>
+          <p:nvCxnSpPr>
+            <p:cNvPr id="12" name="Straight Arrow Connector 11"/>
+            <p:cNvCxnSpPr/>
+            <p:nvPr/>
+          </p:nvCxnSpPr>
+          <p:spPr>
+            <a:xfrm>
+              <a:off x="1631853" y="3062707"/>
+              <a:ext cx="0" cy="351693"/>
+            </a:xfrm>
+            <a:prstGeom prst="straightConnector1">
+              <a:avLst/>
+            </a:prstGeom>
+            <a:ln>
+              <a:tailEnd type="triangle"/>
+            </a:ln>
+          </p:spPr>
+          <p:style>
+            <a:lnRef idx="1">
+              <a:schemeClr val="accent1"/>
+            </a:lnRef>
+            <a:fillRef idx="0">
+              <a:schemeClr val="accent1"/>
+            </a:fillRef>
+            <a:effectRef idx="0">
+              <a:schemeClr val="accent1"/>
+            </a:effectRef>
+            <a:fontRef idx="minor">
+              <a:schemeClr val="tx1"/>
+            </a:fontRef>
+          </p:style>
+        </p:cxnSp>
+        <p:sp>
+          <p:nvSpPr>
+            <p:cNvPr id="13" name="TextBox 12"/>
+            <p:cNvSpPr txBox="1"/>
+            <p:nvPr/>
+          </p:nvSpPr>
+          <p:spPr>
+            <a:xfrm flipH="1">
+              <a:off x="1631852" y="3062707"/>
+              <a:ext cx="1614269" cy="369332"/>
+            </a:xfrm>
+            <a:prstGeom prst="rect">
+              <a:avLst/>
+            </a:prstGeom>
+            <a:noFill/>
+          </p:spPr>
+          <p:txBody>
+            <a:bodyPr wrap="square" rtlCol="0">
+              <a:spAutoFit/>
+            </a:bodyPr>
+            <a:lstStyle/>
+            <a:p>
+              <a:r>
+                <a:rPr lang="en-US" dirty="0" smtClean="0">
+                  <a:solidFill>
+                    <a:schemeClr val="accent1"/>
+                  </a:solidFill>
+                </a:rPr>
+                <a:t>Unit Testing</a:t>
+              </a:r>
+              <a:endParaRPr lang="en-US" dirty="0">
+                <a:solidFill>
+                  <a:schemeClr val="accent1"/>
+                </a:solidFill>
+              </a:endParaRPr>
+            </a:p>
+          </p:txBody>
+        </p:sp>
+      </p:grpSp>
+      <p:grpSp>
+        <p:nvGrpSpPr>
+          <p:cNvPr id="14" name="Group 13"/>
+          <p:cNvGrpSpPr/>
+          <p:nvPr/>
+        </p:nvGrpSpPr>
+        <p:grpSpPr>
+          <a:xfrm>
+            <a:off x="7406708" y="3144156"/>
+            <a:ext cx="1614269" cy="369332"/>
+            <a:chOff x="1631852" y="3062707"/>
+            <a:chExt cx="1614269" cy="369332"/>
+          </a:xfrm>
+        </p:grpSpPr>
+        <p:cxnSp>
+          <p:nvCxnSpPr>
+            <p:cNvPr id="15" name="Straight Arrow Connector 14"/>
+            <p:cNvCxnSpPr/>
+            <p:nvPr/>
+          </p:nvCxnSpPr>
+          <p:spPr>
+            <a:xfrm>
+              <a:off x="1631853" y="3062707"/>
+              <a:ext cx="0" cy="351693"/>
+            </a:xfrm>
+            <a:prstGeom prst="straightConnector1">
+              <a:avLst/>
+            </a:prstGeom>
+            <a:ln>
+              <a:tailEnd type="triangle"/>
+            </a:ln>
+          </p:spPr>
+          <p:style>
+            <a:lnRef idx="1">
+              <a:schemeClr val="accent1"/>
+            </a:lnRef>
+            <a:fillRef idx="0">
+              <a:schemeClr val="accent1"/>
+            </a:fillRef>
+            <a:effectRef idx="0">
+              <a:schemeClr val="accent1"/>
+            </a:effectRef>
+            <a:fontRef idx="minor">
+              <a:schemeClr val="tx1"/>
+            </a:fontRef>
+          </p:style>
+        </p:cxnSp>
+        <p:sp>
+          <p:nvSpPr>
+            <p:cNvPr id="16" name="TextBox 15"/>
+            <p:cNvSpPr txBox="1"/>
+            <p:nvPr/>
+          </p:nvSpPr>
+          <p:spPr>
+            <a:xfrm flipH="1">
+              <a:off x="1631852" y="3062707"/>
+              <a:ext cx="1614269" cy="369332"/>
+            </a:xfrm>
+            <a:prstGeom prst="rect">
+              <a:avLst/>
+            </a:prstGeom>
+            <a:noFill/>
+          </p:spPr>
+          <p:txBody>
+            <a:bodyPr wrap="square" rtlCol="0">
+              <a:spAutoFit/>
+            </a:bodyPr>
+            <a:lstStyle/>
+            <a:p>
+              <a:r>
+                <a:rPr lang="en-US" dirty="0" smtClean="0">
+                  <a:solidFill>
+                    <a:schemeClr val="accent1"/>
+                  </a:solidFill>
+                </a:rPr>
+                <a:t>Unit Testing</a:t>
+              </a:r>
+              <a:endParaRPr lang="en-US" dirty="0">
+                <a:solidFill>
+                  <a:schemeClr val="accent1"/>
+                </a:solidFill>
+              </a:endParaRPr>
+            </a:p>
+          </p:txBody>
+        </p:sp>
+      </p:grpSp>
+      <p:grpSp>
+        <p:nvGrpSpPr>
+          <p:cNvPr id="17" name="Group 16"/>
+          <p:cNvGrpSpPr/>
+          <p:nvPr/>
+        </p:nvGrpSpPr>
+        <p:grpSpPr>
+          <a:xfrm>
+            <a:off x="4293024" y="3124121"/>
+            <a:ext cx="1614269" cy="319721"/>
+            <a:chOff x="1631852" y="3062707"/>
+            <a:chExt cx="1614269" cy="351693"/>
+          </a:xfrm>
+        </p:grpSpPr>
+        <p:cxnSp>
+          <p:nvCxnSpPr>
+            <p:cNvPr id="18" name="Straight Arrow Connector 17"/>
+            <p:cNvCxnSpPr/>
+            <p:nvPr/>
+          </p:nvCxnSpPr>
+          <p:spPr>
+            <a:xfrm>
+              <a:off x="1631853" y="3062707"/>
+              <a:ext cx="0" cy="351693"/>
+            </a:xfrm>
+            <a:prstGeom prst="straightConnector1">
+              <a:avLst/>
+            </a:prstGeom>
+            <a:ln>
+              <a:tailEnd type="triangle"/>
+            </a:ln>
+          </p:spPr>
+          <p:style>
+            <a:lnRef idx="1">
+              <a:schemeClr val="accent1"/>
+            </a:lnRef>
+            <a:fillRef idx="0">
+              <a:schemeClr val="accent1"/>
+            </a:fillRef>
+            <a:effectRef idx="0">
+              <a:schemeClr val="accent1"/>
+            </a:effectRef>
+            <a:fontRef idx="minor">
+              <a:schemeClr val="tx1"/>
+            </a:fontRef>
+          </p:style>
+        </p:cxnSp>
+        <p:sp>
+          <p:nvSpPr>
+            <p:cNvPr id="19" name="TextBox 18"/>
+            <p:cNvSpPr txBox="1"/>
+            <p:nvPr/>
+          </p:nvSpPr>
+          <p:spPr>
+            <a:xfrm flipH="1">
+              <a:off x="1631852" y="3121244"/>
+              <a:ext cx="1614269" cy="252259"/>
+            </a:xfrm>
+            <a:prstGeom prst="rect">
+              <a:avLst/>
+            </a:prstGeom>
+            <a:noFill/>
+          </p:spPr>
+          <p:txBody>
+            <a:bodyPr wrap="square" rtlCol="0">
+              <a:spAutoFit/>
+            </a:bodyPr>
+            <a:lstStyle/>
+            <a:p>
+              <a:r>
+                <a:rPr lang="en-US" dirty="0" smtClean="0">
+                  <a:solidFill>
+                    <a:schemeClr val="accent1"/>
+                  </a:solidFill>
+                </a:rPr>
+                <a:t>Unit Testing</a:t>
+              </a:r>
+              <a:endParaRPr lang="en-US" dirty="0">
+                <a:solidFill>
+                  <a:schemeClr val="accent1"/>
+                </a:solidFill>
+              </a:endParaRPr>
+            </a:p>
+          </p:txBody>
+        </p:sp>
+      </p:grpSp>
+      <p:cxnSp>
+        <p:nvCxnSpPr>
+          <p:cNvPr id="26" name="Straight Connector 25"/>
+          <p:cNvCxnSpPr/>
+          <p:nvPr/>
+        </p:nvCxnSpPr>
+        <p:spPr>
+          <a:xfrm>
+            <a:off x="1610818" y="5354011"/>
+            <a:ext cx="8065411" cy="0"/>
+          </a:xfrm>
+          <a:prstGeom prst="line">
+            <a:avLst/>
+          </a:prstGeom>
+        </p:spPr>
+        <p:style>
+          <a:lnRef idx="1">
+            <a:schemeClr val="accent1"/>
+          </a:lnRef>
+          <a:fillRef idx="0">
+            <a:schemeClr val="accent1"/>
+          </a:fillRef>
+          <a:effectRef idx="0">
+            <a:schemeClr val="accent1"/>
+          </a:effectRef>
+          <a:fontRef idx="minor">
+            <a:schemeClr val="tx1"/>
+          </a:fontRef>
+        </p:style>
+      </p:cxnSp>
+      <p:cxnSp>
+        <p:nvCxnSpPr>
+          <p:cNvPr id="29" name="Straight Arrow Connector 28"/>
+          <p:cNvCxnSpPr/>
+          <p:nvPr/>
+        </p:nvCxnSpPr>
+        <p:spPr>
+          <a:xfrm>
+            <a:off x="1631852" y="4937760"/>
+            <a:ext cx="0" cy="407963"/>
+          </a:xfrm>
+          <a:prstGeom prst="straightConnector1">
+            <a:avLst/>
+          </a:prstGeom>
+          <a:ln>
+            <a:tailEnd type="triangle"/>
+          </a:ln>
+        </p:spPr>
+        <p:style>
+          <a:lnRef idx="1">
+            <a:schemeClr val="accent1"/>
+          </a:lnRef>
+          <a:fillRef idx="0">
+            <a:schemeClr val="accent1"/>
+          </a:fillRef>
+          <a:effectRef idx="0">
+            <a:schemeClr val="accent1"/>
+          </a:effectRef>
+          <a:fontRef idx="minor">
+            <a:schemeClr val="tx1"/>
+          </a:fontRef>
+        </p:style>
+      </p:cxnSp>
+      <p:cxnSp>
+        <p:nvCxnSpPr>
+          <p:cNvPr id="30" name="Straight Arrow Connector 29"/>
+          <p:cNvCxnSpPr/>
+          <p:nvPr/>
+        </p:nvCxnSpPr>
+        <p:spPr>
+          <a:xfrm>
+            <a:off x="4307091" y="4946048"/>
+            <a:ext cx="0" cy="407963"/>
+          </a:xfrm>
+          <a:prstGeom prst="straightConnector1">
+            <a:avLst/>
+          </a:prstGeom>
+          <a:ln>
+            <a:tailEnd type="triangle"/>
+          </a:ln>
+        </p:spPr>
+        <p:style>
+          <a:lnRef idx="1">
+            <a:schemeClr val="accent1"/>
+          </a:lnRef>
+          <a:fillRef idx="0">
+            <a:schemeClr val="accent1"/>
+          </a:fillRef>
+          <a:effectRef idx="0">
+            <a:schemeClr val="accent1"/>
+          </a:effectRef>
+          <a:fontRef idx="minor">
+            <a:schemeClr val="tx1"/>
+          </a:fontRef>
+        </p:style>
+      </p:cxnSp>
+      <p:cxnSp>
+        <p:nvCxnSpPr>
+          <p:cNvPr id="31" name="Straight Arrow Connector 30"/>
+          <p:cNvCxnSpPr/>
+          <p:nvPr/>
+        </p:nvCxnSpPr>
+        <p:spPr>
+          <a:xfrm>
+            <a:off x="7406708" y="4946048"/>
+            <a:ext cx="0" cy="407963"/>
+          </a:xfrm>
+          <a:prstGeom prst="straightConnector1">
+            <a:avLst/>
+          </a:prstGeom>
+          <a:ln>
+            <a:tailEnd type="triangle"/>
+          </a:ln>
+        </p:spPr>
+        <p:style>
+          <a:lnRef idx="1">
+            <a:schemeClr val="accent1"/>
+          </a:lnRef>
+          <a:fillRef idx="0">
+            <a:schemeClr val="accent1"/>
+          </a:fillRef>
+          <a:effectRef idx="0">
+            <a:schemeClr val="accent1"/>
+          </a:effectRef>
+          <a:fontRef idx="minor">
+            <a:schemeClr val="tx1"/>
+          </a:fontRef>
+        </p:style>
+      </p:cxnSp>
+      <p:cxnSp>
+        <p:nvCxnSpPr>
+          <p:cNvPr id="32" name="Straight Arrow Connector 31"/>
+          <p:cNvCxnSpPr/>
+          <p:nvPr/>
+        </p:nvCxnSpPr>
+        <p:spPr>
+          <a:xfrm>
+            <a:off x="9676229" y="4946048"/>
+            <a:ext cx="0" cy="407963"/>
+          </a:xfrm>
+          <a:prstGeom prst="straightConnector1">
+            <a:avLst/>
+          </a:prstGeom>
+          <a:ln>
+            <a:tailEnd type="triangle"/>
+          </a:ln>
+        </p:spPr>
+        <p:style>
+          <a:lnRef idx="1">
+            <a:schemeClr val="accent1"/>
+          </a:lnRef>
+          <a:fillRef idx="0">
+            <a:schemeClr val="accent1"/>
+          </a:fillRef>
+          <a:effectRef idx="0">
+            <a:schemeClr val="accent1"/>
+          </a:effectRef>
+          <a:fontRef idx="minor">
+            <a:schemeClr val="tx1"/>
+          </a:fontRef>
+        </p:style>
+      </p:cxnSp>
+      <p:sp>
+        <p:nvSpPr>
+          <p:cNvPr id="33" name="TextBox 32"/>
+          <p:cNvSpPr txBox="1"/>
+          <p:nvPr/>
+        </p:nvSpPr>
+        <p:spPr>
+          <a:xfrm flipH="1">
+            <a:off x="4533313" y="5010121"/>
+            <a:ext cx="2449017" cy="369332"/>
+          </a:xfrm>
+          <a:prstGeom prst="rect">
+            <a:avLst/>
+          </a:prstGeom>
+          <a:noFill/>
+        </p:spPr>
+        <p:txBody>
+          <a:bodyPr wrap="square" rtlCol="0">
+            <a:spAutoFit/>
+          </a:bodyPr>
+          <a:lstStyle/>
+          <a:p>
+            <a:r>
+              <a:rPr lang="en-US" dirty="0" smtClean="0">
+                <a:solidFill>
+                  <a:schemeClr val="accent1"/>
+                </a:solidFill>
+              </a:rPr>
+              <a:t>Acceptance Testing</a:t>
+            </a:r>
+            <a:endParaRPr lang="en-US" dirty="0">
+              <a:solidFill>
+                <a:schemeClr val="accent1"/>
+              </a:solidFill>
+            </a:endParaRPr>
+          </a:p>
+        </p:txBody>
+      </p:sp>
+      <p:cxnSp>
+        <p:nvCxnSpPr>
+          <p:cNvPr id="34" name="Straight Arrow Connector 33"/>
+          <p:cNvCxnSpPr/>
+          <p:nvPr/>
+        </p:nvCxnSpPr>
+        <p:spPr>
+          <a:xfrm>
+            <a:off x="6023349" y="5354011"/>
+            <a:ext cx="0" cy="407963"/>
+          </a:xfrm>
+          <a:prstGeom prst="straightConnector1">
+            <a:avLst/>
+          </a:prstGeom>
+          <a:ln>
+            <a:tailEnd type="triangle"/>
+          </a:ln>
+        </p:spPr>
+        <p:style>
+          <a:lnRef idx="1">
+            <a:schemeClr val="accent1"/>
+          </a:lnRef>
+          <a:fillRef idx="0">
+            <a:schemeClr val="accent1"/>
+          </a:fillRef>
+          <a:effectRef idx="0">
+            <a:schemeClr val="accent1"/>
+          </a:effectRef>
+          <a:fontRef idx="minor">
+            <a:schemeClr val="tx1"/>
+          </a:fontRef>
+        </p:style>
+      </p:cxnSp>
+      <p:sp>
+        <p:nvSpPr>
+          <p:cNvPr id="35" name="Rounded Rectangle 34"/>
+          <p:cNvSpPr/>
+          <p:nvPr/>
+        </p:nvSpPr>
+        <p:spPr>
+          <a:xfrm>
+            <a:off x="4718536" y="5761974"/>
+            <a:ext cx="2609625" cy="793571"/>
+          </a:xfrm>
+          <a:prstGeom prst="roundRect">
+            <a:avLst/>
+          </a:prstGeom>
+        </p:spPr>
+        <p:style>
+          <a:lnRef idx="2">
+            <a:schemeClr val="accent1">
+              <a:shade val="50000"/>
+            </a:schemeClr>
+          </a:lnRef>
+          <a:fillRef idx="1">
+            <a:schemeClr val="accent1"/>
+          </a:fillRef>
+          <a:effectRef idx="0">
+            <a:schemeClr val="accent1"/>
+          </a:effectRef>
+          <a:fontRef idx="minor">
+            <a:schemeClr val="lt1"/>
+          </a:fontRef>
+        </p:style>
+        <p:txBody>
+          <a:bodyPr rtlCol="0" anchor="ctr"/>
+          <a:lstStyle/>
+          <a:p>
+            <a:pPr algn="ctr"/>
+            <a:r>
+              <a:rPr lang="en-US" dirty="0" smtClean="0"/>
+              <a:t>Unified Code</a:t>
+            </a:r>
+            <a:endParaRPr lang="en-US" dirty="0"/>
+          </a:p>
+        </p:txBody>
+      </p:sp>
+    </p:spTree>
+    <p:extLst>
+      <p:ext uri="{BB962C8B-B14F-4D97-AF65-F5344CB8AC3E}">
+        <p14:creationId xmlns:p14="http://schemas.microsoft.com/office/powerpoint/2010/main" val="4184640274"/>
+      </p:ext>
+    </p:extLst>
+  </p:cSld>
+  <p:clrMapOvr>
+    <a:masterClrMapping/>
+  </p:clrMapOvr>
+</p:sld>
+</file>
+
+<file path=ppt/slides/slide14.xml><?xml version="1.0" encoding="utf-8"?>
+<p:sld xmlns:a="http://schemas.openxmlformats.org/drawingml/2006/main" xmlns:r="http://schemas.openxmlformats.org/officeDocument/2006/relationships" xmlns:p="http://schemas.openxmlformats.org/presentationml/2006/main">
+  <p:cSld>
+    <p:spTree>
+      <p:nvGrpSpPr>
+        <p:cNvPr id="1" name=""/>
+        <p:cNvGrpSpPr/>
+        <p:nvPr/>
+      </p:nvGrpSpPr>
+      <p:grpSpPr>
+        <a:xfrm>
+          <a:off x="0" y="0"/>
+          <a:ext cx="0" cy="0"/>
+          <a:chOff x="0" y="0"/>
+          <a:chExt cx="0" cy="0"/>
+        </a:xfrm>
+      </p:grpSpPr>
+      <p:sp>
+        <p:nvSpPr>
+          <p:cNvPr id="2" name="Title 1"/>
+          <p:cNvSpPr>
+            <a:spLocks noGrp="1"/>
+          </p:cNvSpPr>
+          <p:nvPr>
+            <p:ph type="title"/>
+          </p:nvPr>
+        </p:nvSpPr>
+        <p:spPr/>
+        <p:txBody>
+          <a:bodyPr/>
+          <a:lstStyle/>
+          <a:p>
+            <a:endParaRPr lang="en-US" dirty="0"/>
+          </a:p>
+        </p:txBody>
+      </p:sp>
+      <p:sp>
+        <p:nvSpPr>
+          <p:cNvPr id="3" name="Content Placeholder 2"/>
+          <p:cNvSpPr>
+            <a:spLocks noGrp="1"/>
+          </p:cNvSpPr>
+          <p:nvPr>
+            <p:ph idx="1"/>
+          </p:nvPr>
+        </p:nvSpPr>
+        <p:spPr/>
+        <p:txBody>
+          <a:bodyPr/>
+          <a:lstStyle/>
+          <a:p>
+            <a:endParaRPr lang="en-US"/>
+          </a:p>
+        </p:txBody>
+      </p:sp>
+    </p:spTree>
+    <p:extLst>
+      <p:ext uri="{BB962C8B-B14F-4D97-AF65-F5344CB8AC3E}">
+        <p14:creationId xmlns:p14="http://schemas.microsoft.com/office/powerpoint/2010/main" val="705585886"/>
+      </p:ext>
+    </p:extLst>
+  </p:cSld>
+  <p:clrMapOvr>
+    <a:masterClrMapping/>
+  </p:clrMapOvr>
+</p:sld>
+</file>
+
+<file path=ppt/slides/slide15.xml><?xml version="1.0" encoding="utf-8"?>
+<p:sld xmlns:a="http://schemas.openxmlformats.org/drawingml/2006/main" xmlns:r="http://schemas.openxmlformats.org/officeDocument/2006/relationships" xmlns:p="http://schemas.openxmlformats.org/presentationml/2006/main">
+  <p:cSld>
+    <p:spTree>
+      <p:nvGrpSpPr>
+        <p:cNvPr id="1" name=""/>
+        <p:cNvGrpSpPr/>
+        <p:nvPr/>
+      </p:nvGrpSpPr>
+      <p:grpSpPr>
+        <a:xfrm>
+          <a:off x="0" y="0"/>
+          <a:ext cx="0" cy="0"/>
+          <a:chOff x="0" y="0"/>
+          <a:chExt cx="0" cy="0"/>
+        </a:xfrm>
+      </p:grpSpPr>
+      <p:sp>
+        <p:nvSpPr>
+          <p:cNvPr id="2" name="Title 1"/>
+          <p:cNvSpPr>
+            <a:spLocks noGrp="1"/>
+          </p:cNvSpPr>
+          <p:nvPr>
+            <p:ph type="title"/>
+          </p:nvPr>
+        </p:nvSpPr>
         <p:spPr/>
         <p:txBody>
           <a:bodyPr/>
           <a:lstStyle/>
           <a:p>
             <a:r>
-              <a:rPr lang="en-US" b="1" dirty="0" smtClean="0"/>
-              <a:t>VALUES</a:t>
+              <a:rPr lang="en-US" dirty="0" smtClean="0"/>
+              <a:t>Values</a:t>
             </a:r>
-            <a:endParaRPr lang="en-US" b="1" dirty="0"/>
+            <a:endParaRPr lang="en-US" dirty="0"/>
           </a:p>
         </p:txBody>
       </p:sp>
@@ -13656,7 +20244,7 @@
 </p:sld>
 </file>
 
-<file path=ppt/slides/slide14.xml><?xml version="1.0" encoding="utf-8"?>
+<file path=ppt/slides/slide16.xml><?xml version="1.0" encoding="utf-8"?>
 <p:sld xmlns:a="http://schemas.openxmlformats.org/drawingml/2006/main" xmlns:r="http://schemas.openxmlformats.org/officeDocument/2006/relationships" xmlns:p="http://schemas.openxmlformats.org/presentationml/2006/main">
   <p:cSld>
     <p:spTree>
@@ -13689,12 +20277,8 @@
           <a:lstStyle/>
           <a:p>
             <a:r>
-              <a:rPr lang="en-US" b="1" dirty="0" smtClean="0"/>
-              <a:t>Uses</a:t>
-            </a:r>
-            <a:r>
               <a:rPr lang="en-US" dirty="0" smtClean="0"/>
-              <a:t> </a:t>
+              <a:t>Uses </a:t>
             </a:r>
             <a:endParaRPr lang="en-US" dirty="0"/>
           </a:p>
@@ -16598,7 +23182,7 @@
           <p:cNvPr id="5" name="TextBox 4">
             <a:extLst>
               <a:ext uri="{FF2B5EF4-FFF2-40B4-BE49-F238E27FC236}">
-                <a16:creationId xmlns="" xmlns:a16="http://schemas.microsoft.com/office/drawing/2014/main" id="{845BC587-C97E-5C40-ADA8-4F2558DF8CD7}"/>
+                <a16:creationId xmlns:a16="http://schemas.microsoft.com/office/drawing/2014/main" xmlns="" id="{845BC587-C97E-5C40-ADA8-4F2558DF8CD7}"/>
               </a:ext>
             </a:extLst>
           </p:cNvPr>
@@ -16699,7 +23283,7 @@
           <p:cNvPr id="2" name="Title 1">
             <a:extLst>
               <a:ext uri="{FF2B5EF4-FFF2-40B4-BE49-F238E27FC236}">
-                <a16:creationId xmlns="" xmlns:a16="http://schemas.microsoft.com/office/drawing/2014/main" id="{C93B6084-F736-A941-B57C-DA4A0F990DB0}"/>
+                <a16:creationId xmlns:a16="http://schemas.microsoft.com/office/drawing/2014/main" xmlns="" id="{C93B6084-F736-A941-B57C-DA4A0F990DB0}"/>
               </a:ext>
             </a:extLst>
           </p:cNvPr>
@@ -16737,7 +23321,7 @@
           <p:cNvPr id="6" name="TextBox 5">
             <a:extLst>
               <a:ext uri="{FF2B5EF4-FFF2-40B4-BE49-F238E27FC236}">
-                <a16:creationId xmlns="" xmlns:a16="http://schemas.microsoft.com/office/drawing/2014/main" id="{4E292BAC-9FB4-7241-A8BB-F0A7AC4E93FD}"/>
+                <a16:creationId xmlns:a16="http://schemas.microsoft.com/office/drawing/2014/main" xmlns="" id="{4E292BAC-9FB4-7241-A8BB-F0A7AC4E93FD}"/>
               </a:ext>
             </a:extLst>
           </p:cNvPr>

--- a/extreme_programming.pptx
+++ b/extreme_programming.pptx
@@ -126,6 +126,18 @@
     </p:ext>
   </p:extLst>
 </p:presentation>
+</file>
+
+<file path=ppt/commentAuthors.xml><?xml version="1.0" encoding="utf-8"?>
+<p:cmAuthorLst xmlns:a="http://schemas.openxmlformats.org/drawingml/2006/main" xmlns:r="http://schemas.openxmlformats.org/officeDocument/2006/relationships" xmlns:p="http://schemas.openxmlformats.org/presentationml/2006/main">
+  <p:cmAuthor id="1" name="Aashish Tamrakar" initials="AT" lastIdx="1" clrIdx="0">
+    <p:extLst>
+      <p:ext uri="{19B8F6BF-5375-455C-9EA6-DF929625EA0E}">
+        <p15:presenceInfo xmlns:p15="http://schemas.microsoft.com/office/powerpoint/2012/main" userId="182132251d6958d7" providerId="Windows Live"/>
+      </p:ext>
+    </p:extLst>
+  </p:cmAuthor>
+</p:cmAuthorLst>
 </file>
 
 <file path=ppt/diagrams/colors1.xml><?xml version="1.0" encoding="utf-8"?>
@@ -8597,7 +8609,7 @@
           <a:p>
             <a:fld id="{70711676-1DE2-458B-90FC-D5D4D01EA265}" type="datetimeFigureOut">
               <a:rPr lang="en-US" smtClean="0"/>
-              <a:t>12/7/2019</a:t>
+              <a:t>19|12|7</a:t>
             </a:fld>
             <a:endParaRPr lang="en-US"/>
           </a:p>
@@ -9219,6 +9231,90 @@
 </p:notes>
 </file>
 
+<file path=ppt/notesSlides/notesSlide5.xml><?xml version="1.0" encoding="utf-8"?>
+<p:notes xmlns:a="http://schemas.openxmlformats.org/drawingml/2006/main" xmlns:r="http://schemas.openxmlformats.org/officeDocument/2006/relationships" xmlns:p="http://schemas.openxmlformats.org/presentationml/2006/main">
+  <p:cSld>
+    <p:spTree>
+      <p:nvGrpSpPr>
+        <p:cNvPr id="1" name=""/>
+        <p:cNvGrpSpPr/>
+        <p:nvPr/>
+      </p:nvGrpSpPr>
+      <p:grpSpPr>
+        <a:xfrm>
+          <a:off x="0" y="0"/>
+          <a:ext cx="0" cy="0"/>
+          <a:chOff x="0" y="0"/>
+          <a:chExt cx="0" cy="0"/>
+        </a:xfrm>
+      </p:grpSpPr>
+      <p:sp>
+        <p:nvSpPr>
+          <p:cNvPr id="2" name="Slide Image Placeholder 1"/>
+          <p:cNvSpPr>
+            <a:spLocks noGrp="1" noRot="1" noChangeAspect="1"/>
+          </p:cNvSpPr>
+          <p:nvPr>
+            <p:ph type="sldImg"/>
+          </p:nvPr>
+        </p:nvSpPr>
+        <p:spPr/>
+      </p:sp>
+      <p:sp>
+        <p:nvSpPr>
+          <p:cNvPr id="3" name="Notes Placeholder 2"/>
+          <p:cNvSpPr>
+            <a:spLocks noGrp="1"/>
+          </p:cNvSpPr>
+          <p:nvPr>
+            <p:ph type="body" idx="1"/>
+          </p:nvPr>
+        </p:nvSpPr>
+        <p:spPr/>
+        <p:txBody>
+          <a:bodyPr/>
+          <a:lstStyle/>
+          <a:p>
+            <a:endParaRPr lang="en-US" dirty="0"/>
+          </a:p>
+        </p:txBody>
+      </p:sp>
+      <p:sp>
+        <p:nvSpPr>
+          <p:cNvPr id="4" name="Slide Number Placeholder 3"/>
+          <p:cNvSpPr>
+            <a:spLocks noGrp="1"/>
+          </p:cNvSpPr>
+          <p:nvPr>
+            <p:ph type="sldNum" sz="quarter" idx="10"/>
+          </p:nvPr>
+        </p:nvSpPr>
+        <p:spPr/>
+        <p:txBody>
+          <a:bodyPr/>
+          <a:lstStyle/>
+          <a:p>
+            <a:fld id="{76E79186-0F7F-4415-A6CE-613EF7028156}" type="slidenum">
+              <a:rPr lang="en-US" smtClean="0"/>
+              <a:t>10</a:t>
+            </a:fld>
+            <a:endParaRPr lang="en-US"/>
+          </a:p>
+        </p:txBody>
+      </p:sp>
+    </p:spTree>
+    <p:extLst>
+      <p:ext uri="{BB962C8B-B14F-4D97-AF65-F5344CB8AC3E}">
+        <p14:creationId xmlns:p14="http://schemas.microsoft.com/office/powerpoint/2010/main" val="1850703141"/>
+      </p:ext>
+    </p:extLst>
+  </p:cSld>
+  <p:clrMapOvr>
+    <a:masterClrMapping/>
+  </p:clrMapOvr>
+</p:notes>
+</file>
+
 <file path=ppt/slideLayouts/slideLayout1.xml><?xml version="1.0" encoding="utf-8"?>
 <p:sldLayout xmlns:a="http://schemas.openxmlformats.org/drawingml/2006/main" xmlns:r="http://schemas.openxmlformats.org/officeDocument/2006/relationships" xmlns:p="http://schemas.openxmlformats.org/presentationml/2006/main" type="title" preserve="1">
   <p:cSld name="Title Slide">
@@ -9346,9 +9442,9 @@
           <a:bodyPr/>
           <a:lstStyle/>
           <a:p>
-            <a:fld id="{EF60C9F4-19BA-40F2-B011-90CF0A2B4916}" type="datetimeFigureOut">
+            <a:fld id="{596C4382-410D-4962-B3DD-CC41AFC3DDAB}" type="datetime1">
               <a:rPr lang="en-US" smtClean="0"/>
-              <a:t>12/7/2019</a:t>
+              <a:t>19|12|7</a:t>
             </a:fld>
             <a:endParaRPr lang="en-US"/>
           </a:p>
@@ -9369,6 +9465,10 @@
           <a:bodyPr/>
           <a:lstStyle/>
           <a:p>
+            <a:r>
+              <a:rPr lang="en-US" smtClean="0"/>
+              <a:t>by aasn</a:t>
+            </a:r>
             <a:endParaRPr lang="en-US"/>
           </a:p>
         </p:txBody>
@@ -9514,9 +9614,9 @@
           <a:bodyPr/>
           <a:lstStyle/>
           <a:p>
-            <a:fld id="{EF60C9F4-19BA-40F2-B011-90CF0A2B4916}" type="datetimeFigureOut">
+            <a:fld id="{77A28D8F-7AC5-453F-80AC-A8271632DD7D}" type="datetime1">
               <a:rPr lang="en-US" smtClean="0"/>
-              <a:t>12/7/2019</a:t>
+              <a:t>19|12|7</a:t>
             </a:fld>
             <a:endParaRPr lang="en-US"/>
           </a:p>
@@ -9537,6 +9637,10 @@
           <a:bodyPr/>
           <a:lstStyle/>
           <a:p>
+            <a:r>
+              <a:rPr lang="en-US" smtClean="0"/>
+              <a:t>by aasn</a:t>
+            </a:r>
             <a:endParaRPr lang="en-US"/>
           </a:p>
         </p:txBody>
@@ -9692,9 +9796,9 @@
           <a:bodyPr/>
           <a:lstStyle/>
           <a:p>
-            <a:fld id="{EF60C9F4-19BA-40F2-B011-90CF0A2B4916}" type="datetimeFigureOut">
+            <a:fld id="{DBA0BD5D-C191-40AE-AC87-0C6075185F39}" type="datetime1">
               <a:rPr lang="en-US" smtClean="0"/>
-              <a:t>12/7/2019</a:t>
+              <a:t>19|12|7</a:t>
             </a:fld>
             <a:endParaRPr lang="en-US"/>
           </a:p>
@@ -9715,6 +9819,10 @@
           <a:bodyPr/>
           <a:lstStyle/>
           <a:p>
+            <a:r>
+              <a:rPr lang="en-US" smtClean="0"/>
+              <a:t>by aasn</a:t>
+            </a:r>
             <a:endParaRPr lang="en-US"/>
           </a:p>
         </p:txBody>
@@ -9860,9 +9968,9 @@
           <a:bodyPr/>
           <a:lstStyle/>
           <a:p>
-            <a:fld id="{EF60C9F4-19BA-40F2-B011-90CF0A2B4916}" type="datetimeFigureOut">
+            <a:fld id="{5690FA09-B1EE-4970-8E84-FBEBB6A158E0}" type="datetime1">
               <a:rPr lang="en-US" smtClean="0"/>
-              <a:t>12/7/2019</a:t>
+              <a:t>19|12|7</a:t>
             </a:fld>
             <a:endParaRPr lang="en-US"/>
           </a:p>
@@ -9883,6 +9991,10 @@
           <a:bodyPr/>
           <a:lstStyle/>
           <a:p>
+            <a:r>
+              <a:rPr lang="en-US" smtClean="0"/>
+              <a:t>by aasn</a:t>
+            </a:r>
             <a:endParaRPr lang="en-US"/>
           </a:p>
         </p:txBody>
@@ -10105,9 +10217,9 @@
           <a:bodyPr/>
           <a:lstStyle/>
           <a:p>
-            <a:fld id="{EF60C9F4-19BA-40F2-B011-90CF0A2B4916}" type="datetimeFigureOut">
+            <a:fld id="{C80507E4-5A22-4F16-91E8-D101D47D4BAC}" type="datetime1">
               <a:rPr lang="en-US" smtClean="0"/>
-              <a:t>12/7/2019</a:t>
+              <a:t>19|12|7</a:t>
             </a:fld>
             <a:endParaRPr lang="en-US"/>
           </a:p>
@@ -10128,6 +10240,10 @@
           <a:bodyPr/>
           <a:lstStyle/>
           <a:p>
+            <a:r>
+              <a:rPr lang="en-US" smtClean="0"/>
+              <a:t>by aasn</a:t>
+            </a:r>
             <a:endParaRPr lang="en-US"/>
           </a:p>
         </p:txBody>
@@ -10334,9 +10450,9 @@
           <a:bodyPr/>
           <a:lstStyle/>
           <a:p>
-            <a:fld id="{EF60C9F4-19BA-40F2-B011-90CF0A2B4916}" type="datetimeFigureOut">
+            <a:fld id="{2DF929AE-9012-495D-B31E-3E6C9CE94DA1}" type="datetime1">
               <a:rPr lang="en-US" smtClean="0"/>
-              <a:t>12/7/2019</a:t>
+              <a:t>19|12|7</a:t>
             </a:fld>
             <a:endParaRPr lang="en-US"/>
           </a:p>
@@ -10357,6 +10473,10 @@
           <a:bodyPr/>
           <a:lstStyle/>
           <a:p>
+            <a:r>
+              <a:rPr lang="en-US" smtClean="0"/>
+              <a:t>by aasn</a:t>
+            </a:r>
             <a:endParaRPr lang="en-US"/>
           </a:p>
         </p:txBody>
@@ -10698,9 +10818,9 @@
           <a:bodyPr/>
           <a:lstStyle/>
           <a:p>
-            <a:fld id="{EF60C9F4-19BA-40F2-B011-90CF0A2B4916}" type="datetimeFigureOut">
+            <a:fld id="{52AE71CC-B4BD-4194-AEEA-2C1C4983BA5A}" type="datetime1">
               <a:rPr lang="en-US" smtClean="0"/>
-              <a:t>12/7/2019</a:t>
+              <a:t>19|12|7</a:t>
             </a:fld>
             <a:endParaRPr lang="en-US"/>
           </a:p>
@@ -10721,6 +10841,10 @@
           <a:bodyPr/>
           <a:lstStyle/>
           <a:p>
+            <a:r>
+              <a:rPr lang="en-US" smtClean="0"/>
+              <a:t>by aasn</a:t>
+            </a:r>
             <a:endParaRPr lang="en-US"/>
           </a:p>
         </p:txBody>
@@ -10815,9 +10939,9 @@
           <a:bodyPr/>
           <a:lstStyle/>
           <a:p>
-            <a:fld id="{EF60C9F4-19BA-40F2-B011-90CF0A2B4916}" type="datetimeFigureOut">
+            <a:fld id="{952F24BF-2A06-4080-B3A4-F849A420A2DC}" type="datetime1">
               <a:rPr lang="en-US" smtClean="0"/>
-              <a:t>12/7/2019</a:t>
+              <a:t>19|12|7</a:t>
             </a:fld>
             <a:endParaRPr lang="en-US"/>
           </a:p>
@@ -10838,6 +10962,10 @@
           <a:bodyPr/>
           <a:lstStyle/>
           <a:p>
+            <a:r>
+              <a:rPr lang="en-US" smtClean="0"/>
+              <a:t>by aasn</a:t>
+            </a:r>
             <a:endParaRPr lang="en-US"/>
           </a:p>
         </p:txBody>
@@ -10910,9 +11038,9 @@
           <a:bodyPr/>
           <a:lstStyle/>
           <a:p>
-            <a:fld id="{EF60C9F4-19BA-40F2-B011-90CF0A2B4916}" type="datetimeFigureOut">
+            <a:fld id="{262B1A38-CA39-4F97-B11E-092ED0C04C2B}" type="datetime1">
               <a:rPr lang="en-US" smtClean="0"/>
-              <a:t>12/7/2019</a:t>
+              <a:t>19|12|7</a:t>
             </a:fld>
             <a:endParaRPr lang="en-US"/>
           </a:p>
@@ -10933,6 +11061,10 @@
           <a:bodyPr/>
           <a:lstStyle/>
           <a:p>
+            <a:r>
+              <a:rPr lang="en-US" smtClean="0"/>
+              <a:t>by aasn</a:t>
+            </a:r>
             <a:endParaRPr lang="en-US"/>
           </a:p>
         </p:txBody>
@@ -11185,9 +11317,9 @@
           <a:bodyPr/>
           <a:lstStyle/>
           <a:p>
-            <a:fld id="{EF60C9F4-19BA-40F2-B011-90CF0A2B4916}" type="datetimeFigureOut">
+            <a:fld id="{D44E2146-B509-464B-AA70-4B6B3341BB51}" type="datetime1">
               <a:rPr lang="en-US" smtClean="0"/>
-              <a:t>12/7/2019</a:t>
+              <a:t>19|12|7</a:t>
             </a:fld>
             <a:endParaRPr lang="en-US"/>
           </a:p>
@@ -11208,6 +11340,10 @@
           <a:bodyPr/>
           <a:lstStyle/>
           <a:p>
+            <a:r>
+              <a:rPr lang="en-US" smtClean="0"/>
+              <a:t>by aasn</a:t>
+            </a:r>
             <a:endParaRPr lang="en-US"/>
           </a:p>
         </p:txBody>
@@ -11437,9 +11573,9 @@
           <a:bodyPr/>
           <a:lstStyle/>
           <a:p>
-            <a:fld id="{EF60C9F4-19BA-40F2-B011-90CF0A2B4916}" type="datetimeFigureOut">
+            <a:fld id="{FAFF3733-0C2E-4414-8AD6-505FB8FD669E}" type="datetime1">
               <a:rPr lang="en-US" smtClean="0"/>
-              <a:t>12/7/2019</a:t>
+              <a:t>19|12|7</a:t>
             </a:fld>
             <a:endParaRPr lang="en-US"/>
           </a:p>
@@ -11460,6 +11596,10 @@
           <a:bodyPr/>
           <a:lstStyle/>
           <a:p>
+            <a:r>
+              <a:rPr lang="en-US" smtClean="0"/>
+              <a:t>by aasn</a:t>
+            </a:r>
             <a:endParaRPr lang="en-US"/>
           </a:p>
         </p:txBody>
@@ -11648,9 +11788,9 @@
             </a:lvl1pPr>
           </a:lstStyle>
           <a:p>
-            <a:fld id="{EF60C9F4-19BA-40F2-B011-90CF0A2B4916}" type="datetimeFigureOut">
+            <a:fld id="{0A2A6CDD-253D-4425-984B-DD996D237A04}" type="datetime1">
               <a:rPr lang="en-US" smtClean="0"/>
-              <a:t>12/7/2019</a:t>
+              <a:t>19|12|7</a:t>
             </a:fld>
             <a:endParaRPr lang="en-US"/>
           </a:p>
@@ -11689,6 +11829,10 @@
             </a:lvl1pPr>
           </a:lstStyle>
           <a:p>
+            <a:r>
+              <a:rPr lang="en-US" smtClean="0"/>
+              <a:t>by aasn</a:t>
+            </a:r>
             <a:endParaRPr lang="en-US"/>
           </a:p>
         </p:txBody>
@@ -11755,6 +11899,7 @@
     <p:sldLayoutId id="2147483658" r:id="rId10"/>
     <p:sldLayoutId id="2147483659" r:id="rId11"/>
   </p:sldLayoutIdLst>
+  <p:hf sldNum="0" hdr="0" dt="0"/>
   <p:txStyles>
     <p:titleStyle>
       <a:lvl1pPr algn="l" defTabSz="914400" rtl="0" eaLnBrk="1" latinLnBrk="0" hangingPunct="1">
@@ -12259,6 +12404,29 @@
           </a:p>
         </p:txBody>
       </p:sp>
+      <p:sp>
+        <p:nvSpPr>
+          <p:cNvPr id="4" name="Footer Placeholder 3"/>
+          <p:cNvSpPr>
+            <a:spLocks noGrp="1"/>
+          </p:cNvSpPr>
+          <p:nvPr>
+            <p:ph type="ftr" sz="quarter" idx="11"/>
+          </p:nvPr>
+        </p:nvSpPr>
+        <p:spPr/>
+        <p:txBody>
+          <a:bodyPr/>
+          <a:lstStyle/>
+          <a:p>
+            <a:r>
+              <a:rPr lang="en-US" smtClean="0"/>
+              <a:t>by aasn</a:t>
+            </a:r>
+            <a:endParaRPr lang="en-US"/>
+          </a:p>
+        </p:txBody>
+      </p:sp>
     </p:spTree>
     <p:extLst>
       <p:ext uri="{BB962C8B-B14F-4D97-AF65-F5344CB8AC3E}">
@@ -12396,7 +12564,7 @@
           <p:nvPr/>
         </p:nvPicPr>
         <p:blipFill>
-          <a:blip r:embed="rId2">
+          <a:blip r:embed="rId3">
             <a:extLst>
               <a:ext uri="{28A0092B-C50C-407E-A947-70E740481C1C}">
                 <a14:useLocalDpi xmlns:a14="http://schemas.microsoft.com/office/drawing/2010/main" val="0"/>
@@ -12417,6 +12585,55 @@
           </a:prstGeom>
         </p:spPr>
       </p:pic>
+      <p:sp>
+        <p:nvSpPr>
+          <p:cNvPr id="4" name="Footer Placeholder 3"/>
+          <p:cNvSpPr>
+            <a:spLocks noGrp="1"/>
+          </p:cNvSpPr>
+          <p:nvPr>
+            <p:ph type="ftr" sz="quarter" idx="11"/>
+          </p:nvPr>
+        </p:nvSpPr>
+        <p:spPr/>
+        <p:txBody>
+          <a:bodyPr/>
+          <a:lstStyle/>
+          <a:p>
+            <a:r>
+              <a:rPr lang="en-US" smtClean="0"/>
+              <a:t>by aasn</a:t>
+            </a:r>
+            <a:endParaRPr lang="en-US"/>
+          </a:p>
+        </p:txBody>
+      </p:sp>
+      <p:sp>
+        <p:nvSpPr>
+          <p:cNvPr id="24" name="TextBox 23"/>
+          <p:cNvSpPr txBox="1"/>
+          <p:nvPr/>
+        </p:nvSpPr>
+        <p:spPr>
+          <a:xfrm>
+            <a:off x="2743200" y="2224585"/>
+            <a:ext cx="184731" cy="369332"/>
+          </a:xfrm>
+          <a:prstGeom prst="rect">
+            <a:avLst/>
+          </a:prstGeom>
+          <a:noFill/>
+        </p:spPr>
+        <p:txBody>
+          <a:bodyPr wrap="none" rtlCol="0">
+            <a:spAutoFit/>
+          </a:bodyPr>
+          <a:lstStyle/>
+          <a:p>
+            <a:endParaRPr lang="en-US"/>
+          </a:p>
+        </p:txBody>
+      </p:sp>
     </p:spTree>
     <p:extLst>
       <p:ext uri="{BB962C8B-B14F-4D97-AF65-F5344CB8AC3E}">
@@ -12912,6 +13129,29 @@
           </a:prstGeom>
         </p:spPr>
       </p:pic>
+      <p:sp>
+        <p:nvSpPr>
+          <p:cNvPr id="5" name="Footer Placeholder 4"/>
+          <p:cNvSpPr>
+            <a:spLocks noGrp="1"/>
+          </p:cNvSpPr>
+          <p:nvPr>
+            <p:ph type="ftr" sz="quarter" idx="11"/>
+          </p:nvPr>
+        </p:nvSpPr>
+        <p:spPr/>
+        <p:txBody>
+          <a:bodyPr/>
+          <a:lstStyle/>
+          <a:p>
+            <a:r>
+              <a:rPr lang="en-US" smtClean="0"/>
+              <a:t>by aasn</a:t>
+            </a:r>
+            <a:endParaRPr lang="en-US"/>
+          </a:p>
+        </p:txBody>
+      </p:sp>
     </p:spTree>
     <p:extLst>
       <p:ext uri="{BB962C8B-B14F-4D97-AF65-F5344CB8AC3E}">
@@ -13321,6 +13561,29 @@
           </a:prstGeom>
         </p:spPr>
       </p:pic>
+      <p:sp>
+        <p:nvSpPr>
+          <p:cNvPr id="5" name="Footer Placeholder 4"/>
+          <p:cNvSpPr>
+            <a:spLocks noGrp="1"/>
+          </p:cNvSpPr>
+          <p:nvPr>
+            <p:ph type="ftr" sz="quarter" idx="11"/>
+          </p:nvPr>
+        </p:nvSpPr>
+        <p:spPr/>
+        <p:txBody>
+          <a:bodyPr/>
+          <a:lstStyle/>
+          <a:p>
+            <a:r>
+              <a:rPr lang="en-US" smtClean="0"/>
+              <a:t>by aasn</a:t>
+            </a:r>
+            <a:endParaRPr lang="en-US"/>
+          </a:p>
+        </p:txBody>
+      </p:sp>
     </p:spTree>
     <p:extLst>
       <p:ext uri="{BB962C8B-B14F-4D97-AF65-F5344CB8AC3E}">
@@ -13643,6 +13906,29 @@
           </a:p>
         </p:txBody>
       </p:sp>
+      <p:sp>
+        <p:nvSpPr>
+          <p:cNvPr id="4" name="Footer Placeholder 3"/>
+          <p:cNvSpPr>
+            <a:spLocks noGrp="1"/>
+          </p:cNvSpPr>
+          <p:nvPr>
+            <p:ph type="ftr" sz="quarter" idx="11"/>
+          </p:nvPr>
+        </p:nvSpPr>
+        <p:spPr/>
+        <p:txBody>
+          <a:bodyPr/>
+          <a:lstStyle/>
+          <a:p>
+            <a:r>
+              <a:rPr lang="en-US" smtClean="0"/>
+              <a:t>by aasn</a:t>
+            </a:r>
+            <a:endParaRPr lang="en-US"/>
+          </a:p>
+        </p:txBody>
+      </p:sp>
     </p:spTree>
     <p:extLst>
       <p:ext uri="{BB962C8B-B14F-4D97-AF65-F5344CB8AC3E}">
@@ -13653,6 +13939,13 @@
   <p:clrMapOvr>
     <a:masterClrMapping/>
   </p:clrMapOvr>
+  <p:timing>
+    <p:tnLst>
+      <p:par>
+        <p:cTn id="1" dur="indefinite" restart="never" nodeType="tmRoot"/>
+      </p:par>
+    </p:tnLst>
+  </p:timing>
 </p:sld>
 </file>
 
@@ -13759,6 +14052,29 @@
               <a:buNone/>
             </a:pPr>
             <a:endParaRPr lang="en-US" dirty="0"/>
+          </a:p>
+        </p:txBody>
+      </p:sp>
+      <p:sp>
+        <p:nvSpPr>
+          <p:cNvPr id="4" name="Footer Placeholder 3"/>
+          <p:cNvSpPr>
+            <a:spLocks noGrp="1"/>
+          </p:cNvSpPr>
+          <p:nvPr>
+            <p:ph type="ftr" sz="quarter" idx="11"/>
+          </p:nvPr>
+        </p:nvSpPr>
+        <p:spPr/>
+        <p:txBody>
+          <a:bodyPr/>
+          <a:lstStyle/>
+          <a:p>
+            <a:r>
+              <a:rPr lang="en-US" smtClean="0"/>
+              <a:t>by aasn</a:t>
+            </a:r>
+            <a:endParaRPr lang="en-US"/>
           </a:p>
         </p:txBody>
       </p:sp>
@@ -14091,6 +14407,29 @@
           </a:prstGeom>
         </p:spPr>
       </p:pic>
+      <p:sp>
+        <p:nvSpPr>
+          <p:cNvPr id="5" name="Footer Placeholder 4"/>
+          <p:cNvSpPr>
+            <a:spLocks noGrp="1"/>
+          </p:cNvSpPr>
+          <p:nvPr>
+            <p:ph type="ftr" sz="quarter" idx="11"/>
+          </p:nvPr>
+        </p:nvSpPr>
+        <p:spPr/>
+        <p:txBody>
+          <a:bodyPr/>
+          <a:lstStyle/>
+          <a:p>
+            <a:r>
+              <a:rPr lang="en-US" smtClean="0"/>
+              <a:t>by aasn</a:t>
+            </a:r>
+            <a:endParaRPr lang="en-US"/>
+          </a:p>
+        </p:txBody>
+      </p:sp>
     </p:spTree>
     <p:extLst>
       <p:ext uri="{BB962C8B-B14F-4D97-AF65-F5344CB8AC3E}">
@@ -14479,6 +14818,29 @@
               </a:rPr>
               <a:t>KENT BECK</a:t>
             </a:r>
+          </a:p>
+        </p:txBody>
+      </p:sp>
+      <p:sp>
+        <p:nvSpPr>
+          <p:cNvPr id="4" name="Footer Placeholder 3"/>
+          <p:cNvSpPr>
+            <a:spLocks noGrp="1"/>
+          </p:cNvSpPr>
+          <p:nvPr>
+            <p:ph type="ftr" sz="quarter" idx="11"/>
+          </p:nvPr>
+        </p:nvSpPr>
+        <p:spPr/>
+        <p:txBody>
+          <a:bodyPr/>
+          <a:lstStyle/>
+          <a:p>
+            <a:r>
+              <a:rPr lang="en-US" smtClean="0"/>
+              <a:t>by aasn</a:t>
+            </a:r>
+            <a:endParaRPr lang="en-US"/>
           </a:p>
         </p:txBody>
       </p:sp>
@@ -14852,6 +15214,29 @@
           </a:prstGeom>
         </p:spPr>
       </p:pic>
+      <p:sp>
+        <p:nvSpPr>
+          <p:cNvPr id="3" name="Footer Placeholder 2"/>
+          <p:cNvSpPr>
+            <a:spLocks noGrp="1"/>
+          </p:cNvSpPr>
+          <p:nvPr>
+            <p:ph type="ftr" sz="quarter" idx="11"/>
+          </p:nvPr>
+        </p:nvSpPr>
+        <p:spPr/>
+        <p:txBody>
+          <a:bodyPr/>
+          <a:lstStyle/>
+          <a:p>
+            <a:r>
+              <a:rPr lang="en-US" smtClean="0"/>
+              <a:t>by aasn</a:t>
+            </a:r>
+            <a:endParaRPr lang="en-US"/>
+          </a:p>
+        </p:txBody>
+      </p:sp>
     </p:spTree>
     <p:extLst>
       <p:ext uri="{BB962C8B-B14F-4D97-AF65-F5344CB8AC3E}">
@@ -15784,6 +16169,29 @@
           </p:txBody>
         </p:sp>
       </p:grpSp>
+      <p:sp>
+        <p:nvSpPr>
+          <p:cNvPr id="3" name="Footer Placeholder 2"/>
+          <p:cNvSpPr>
+            <a:spLocks noGrp="1"/>
+          </p:cNvSpPr>
+          <p:nvPr>
+            <p:ph type="ftr" sz="quarter" idx="11"/>
+          </p:nvPr>
+        </p:nvSpPr>
+        <p:spPr/>
+        <p:txBody>
+          <a:bodyPr/>
+          <a:lstStyle/>
+          <a:p>
+            <a:r>
+              <a:rPr lang="en-US" smtClean="0"/>
+              <a:t>by aasn</a:t>
+            </a:r>
+            <a:endParaRPr lang="en-US"/>
+          </a:p>
+        </p:txBody>
+      </p:sp>
     </p:spTree>
     <p:extLst>
       <p:ext uri="{BB962C8B-B14F-4D97-AF65-F5344CB8AC3E}">
@@ -16598,7 +17006,7 @@
           <p:cNvPr id="5" name="TextBox 4">
             <a:extLst>
               <a:ext uri="{FF2B5EF4-FFF2-40B4-BE49-F238E27FC236}">
-                <a16:creationId xmlns="" xmlns:a16="http://schemas.microsoft.com/office/drawing/2014/main" id="{845BC587-C97E-5C40-ADA8-4F2558DF8CD7}"/>
+                <a16:creationId xmlns:a16="http://schemas.microsoft.com/office/drawing/2014/main" xmlns="" id="{845BC587-C97E-5C40-ADA8-4F2558DF8CD7}"/>
               </a:ext>
             </a:extLst>
           </p:cNvPr>
@@ -16654,6 +17062,29 @@
               <a:rPr lang="en-US" sz="2800"/>
               <a:t> where checkpoints can be incorporating new software requirements. </a:t>
             </a:r>
+          </a:p>
+        </p:txBody>
+      </p:sp>
+      <p:sp>
+        <p:nvSpPr>
+          <p:cNvPr id="4" name="Footer Placeholder 3"/>
+          <p:cNvSpPr>
+            <a:spLocks noGrp="1"/>
+          </p:cNvSpPr>
+          <p:nvPr>
+            <p:ph type="ftr" sz="quarter" idx="11"/>
+          </p:nvPr>
+        </p:nvSpPr>
+        <p:spPr/>
+        <p:txBody>
+          <a:bodyPr/>
+          <a:lstStyle/>
+          <a:p>
+            <a:r>
+              <a:rPr lang="en-US" smtClean="0"/>
+              <a:t>by aasn</a:t>
+            </a:r>
+            <a:endParaRPr lang="en-US"/>
           </a:p>
         </p:txBody>
       </p:sp>
@@ -16699,7 +17130,7 @@
           <p:cNvPr id="2" name="Title 1">
             <a:extLst>
               <a:ext uri="{FF2B5EF4-FFF2-40B4-BE49-F238E27FC236}">
-                <a16:creationId xmlns="" xmlns:a16="http://schemas.microsoft.com/office/drawing/2014/main" id="{C93B6084-F736-A941-B57C-DA4A0F990DB0}"/>
+                <a16:creationId xmlns:a16="http://schemas.microsoft.com/office/drawing/2014/main" xmlns="" id="{C93B6084-F736-A941-B57C-DA4A0F990DB0}"/>
               </a:ext>
             </a:extLst>
           </p:cNvPr>
@@ -16737,7 +17168,7 @@
           <p:cNvPr id="6" name="TextBox 5">
             <a:extLst>
               <a:ext uri="{FF2B5EF4-FFF2-40B4-BE49-F238E27FC236}">
-                <a16:creationId xmlns="" xmlns:a16="http://schemas.microsoft.com/office/drawing/2014/main" id="{4E292BAC-9FB4-7241-A8BB-F0A7AC4E93FD}"/>
+                <a16:creationId xmlns:a16="http://schemas.microsoft.com/office/drawing/2014/main" xmlns="" id="{4E292BAC-9FB4-7241-A8BB-F0A7AC4E93FD}"/>
               </a:ext>
             </a:extLst>
           </p:cNvPr>
@@ -17109,6 +17540,29 @@
           </p:txBody>
         </p:sp>
       </p:grpSp>
+      <p:sp>
+        <p:nvSpPr>
+          <p:cNvPr id="4" name="Footer Placeholder 3"/>
+          <p:cNvSpPr>
+            <a:spLocks noGrp="1"/>
+          </p:cNvSpPr>
+          <p:nvPr>
+            <p:ph type="ftr" sz="quarter" idx="11"/>
+          </p:nvPr>
+        </p:nvSpPr>
+        <p:spPr/>
+        <p:txBody>
+          <a:bodyPr/>
+          <a:lstStyle/>
+          <a:p>
+            <a:r>
+              <a:rPr lang="en-US" smtClean="0"/>
+              <a:t>by aasn</a:t>
+            </a:r>
+            <a:endParaRPr lang="en-US"/>
+          </a:p>
+        </p:txBody>
+      </p:sp>
     </p:spTree>
     <p:extLst>
       <p:ext uri="{BB962C8B-B14F-4D97-AF65-F5344CB8AC3E}">
@@ -17276,6 +17730,29 @@
           </a:prstGeom>
         </p:spPr>
       </p:pic>
+      <p:sp>
+        <p:nvSpPr>
+          <p:cNvPr id="3" name="Footer Placeholder 2"/>
+          <p:cNvSpPr>
+            <a:spLocks noGrp="1"/>
+          </p:cNvSpPr>
+          <p:nvPr>
+            <p:ph type="ftr" sz="quarter" idx="11"/>
+          </p:nvPr>
+        </p:nvSpPr>
+        <p:spPr/>
+        <p:txBody>
+          <a:bodyPr/>
+          <a:lstStyle/>
+          <a:p>
+            <a:r>
+              <a:rPr lang="en-US" smtClean="0"/>
+              <a:t>by aasn</a:t>
+            </a:r>
+            <a:endParaRPr lang="en-US"/>
+          </a:p>
+        </p:txBody>
+      </p:sp>
     </p:spTree>
     <p:extLst>
       <p:ext uri="{BB962C8B-B14F-4D97-AF65-F5344CB8AC3E}">
@@ -17407,6 +17884,29 @@
           </a:prstGeom>
         </p:spPr>
       </p:pic>
+      <p:sp>
+        <p:nvSpPr>
+          <p:cNvPr id="3" name="Footer Placeholder 2"/>
+          <p:cNvSpPr>
+            <a:spLocks noGrp="1"/>
+          </p:cNvSpPr>
+          <p:nvPr>
+            <p:ph type="ftr" sz="quarter" idx="11"/>
+          </p:nvPr>
+        </p:nvSpPr>
+        <p:spPr/>
+        <p:txBody>
+          <a:bodyPr/>
+          <a:lstStyle/>
+          <a:p>
+            <a:r>
+              <a:rPr lang="en-US" smtClean="0"/>
+              <a:t>by aasn</a:t>
+            </a:r>
+            <a:endParaRPr lang="en-US"/>
+          </a:p>
+        </p:txBody>
+      </p:sp>
     </p:spTree>
     <p:extLst>
       <p:ext uri="{BB962C8B-B14F-4D97-AF65-F5344CB8AC3E}">

--- a/extreme_programming.pptx
+++ b/extreme_programming.pptx
@@ -5,7 +5,7 @@
     <p:sldMasterId id="2147483648" r:id="rId1"/>
   </p:sldMasterIdLst>
   <p:notesMasterIdLst>
-    <p:notesMasterId r:id="rId18"/>
+    <p:notesMasterId r:id="rId11"/>
   </p:notesMasterIdLst>
   <p:sldIdLst>
     <p:sldId id="256" r:id="rId2"/>
@@ -17,13 +17,6 @@
     <p:sldId id="261" r:id="rId8"/>
     <p:sldId id="263" r:id="rId9"/>
     <p:sldId id="264" r:id="rId10"/>
-    <p:sldId id="266" r:id="rId11"/>
-    <p:sldId id="267" r:id="rId12"/>
-    <p:sldId id="268" r:id="rId13"/>
-    <p:sldId id="271" r:id="rId14"/>
-    <p:sldId id="272" r:id="rId15"/>
-    <p:sldId id="269" r:id="rId16"/>
-    <p:sldId id="270" r:id="rId17"/>
   </p:sldIdLst>
   <p:sldSz cx="12192000" cy="6858000"/>
   <p:notesSz cx="6858000" cy="9144000"/>
@@ -878,1500 +871,6 @@
 </file>
 
 <file path=ppt/diagrams/colors2.xml><?xml version="1.0" encoding="utf-8"?>
-<dgm:colorsDef xmlns:dgm="http://schemas.openxmlformats.org/drawingml/2006/diagram" xmlns:a="http://schemas.openxmlformats.org/drawingml/2006/main" uniqueId="urn:microsoft.com/office/officeart/2005/8/colors/accent1_2">
-  <dgm:title val=""/>
-  <dgm:desc val=""/>
-  <dgm:catLst>
-    <dgm:cat type="accent1" pri="11200"/>
-  </dgm:catLst>
-  <dgm:styleLbl name="node0">
-    <dgm:fillClrLst meth="repeat">
-      <a:schemeClr val="accent1"/>
-    </dgm:fillClrLst>
-    <dgm:linClrLst meth="repeat">
-      <a:schemeClr val="lt1"/>
-    </dgm:linClrLst>
-    <dgm:effectClrLst/>
-    <dgm:txLinClrLst/>
-    <dgm:txFillClrLst/>
-    <dgm:txEffectClrLst/>
-  </dgm:styleLbl>
-  <dgm:styleLbl name="alignNode1">
-    <dgm:fillClrLst meth="repeat">
-      <a:schemeClr val="accent1"/>
-    </dgm:fillClrLst>
-    <dgm:linClrLst meth="repeat">
-      <a:schemeClr val="accent1"/>
-    </dgm:linClrLst>
-    <dgm:effectClrLst/>
-    <dgm:txLinClrLst/>
-    <dgm:txFillClrLst/>
-    <dgm:txEffectClrLst/>
-  </dgm:styleLbl>
-  <dgm:styleLbl name="node1">
-    <dgm:fillClrLst meth="repeat">
-      <a:schemeClr val="accent1"/>
-    </dgm:fillClrLst>
-    <dgm:linClrLst meth="repeat">
-      <a:schemeClr val="lt1"/>
-    </dgm:linClrLst>
-    <dgm:effectClrLst/>
-    <dgm:txLinClrLst/>
-    <dgm:txFillClrLst/>
-    <dgm:txEffectClrLst/>
-  </dgm:styleLbl>
-  <dgm:styleLbl name="lnNode1">
-    <dgm:fillClrLst meth="repeat">
-      <a:schemeClr val="accent1"/>
-    </dgm:fillClrLst>
-    <dgm:linClrLst meth="repeat">
-      <a:schemeClr val="lt1"/>
-    </dgm:linClrLst>
-    <dgm:effectClrLst/>
-    <dgm:txLinClrLst/>
-    <dgm:txFillClrLst/>
-    <dgm:txEffectClrLst/>
-  </dgm:styleLbl>
-  <dgm:styleLbl name="vennNode1">
-    <dgm:fillClrLst meth="repeat">
-      <a:schemeClr val="accent1">
-        <a:alpha val="50000"/>
-      </a:schemeClr>
-    </dgm:fillClrLst>
-    <dgm:linClrLst meth="repeat">
-      <a:schemeClr val="lt1"/>
-    </dgm:linClrLst>
-    <dgm:effectClrLst/>
-    <dgm:txLinClrLst/>
-    <dgm:txFillClrLst/>
-    <dgm:txEffectClrLst/>
-  </dgm:styleLbl>
-  <dgm:styleLbl name="node2">
-    <dgm:fillClrLst meth="repeat">
-      <a:schemeClr val="accent1"/>
-    </dgm:fillClrLst>
-    <dgm:linClrLst meth="repeat">
-      <a:schemeClr val="lt1"/>
-    </dgm:linClrLst>
-    <dgm:effectClrLst/>
-    <dgm:txLinClrLst/>
-    <dgm:txFillClrLst/>
-    <dgm:txEffectClrLst/>
-  </dgm:styleLbl>
-  <dgm:styleLbl name="node3">
-    <dgm:fillClrLst meth="repeat">
-      <a:schemeClr val="accent1"/>
-    </dgm:fillClrLst>
-    <dgm:linClrLst meth="repeat">
-      <a:schemeClr val="lt1"/>
-    </dgm:linClrLst>
-    <dgm:effectClrLst/>
-    <dgm:txLinClrLst/>
-    <dgm:txFillClrLst/>
-    <dgm:txEffectClrLst/>
-  </dgm:styleLbl>
-  <dgm:styleLbl name="node4">
-    <dgm:fillClrLst meth="repeat">
-      <a:schemeClr val="accent1"/>
-    </dgm:fillClrLst>
-    <dgm:linClrLst meth="repeat">
-      <a:schemeClr val="lt1"/>
-    </dgm:linClrLst>
-    <dgm:effectClrLst/>
-    <dgm:txLinClrLst/>
-    <dgm:txFillClrLst/>
-    <dgm:txEffectClrLst/>
-  </dgm:styleLbl>
-  <dgm:styleLbl name="fgImgPlace1">
-    <dgm:fillClrLst meth="repeat">
-      <a:schemeClr val="accent1">
-        <a:tint val="50000"/>
-      </a:schemeClr>
-    </dgm:fillClrLst>
-    <dgm:linClrLst meth="repeat">
-      <a:schemeClr val="lt1"/>
-    </dgm:linClrLst>
-    <dgm:effectClrLst/>
-    <dgm:txLinClrLst/>
-    <dgm:txFillClrLst meth="repeat">
-      <a:schemeClr val="lt1"/>
-    </dgm:txFillClrLst>
-    <dgm:txEffectClrLst/>
-  </dgm:styleLbl>
-  <dgm:styleLbl name="alignImgPlace1">
-    <dgm:fillClrLst meth="repeat">
-      <a:schemeClr val="accent1">
-        <a:tint val="50000"/>
-      </a:schemeClr>
-    </dgm:fillClrLst>
-    <dgm:linClrLst meth="repeat">
-      <a:schemeClr val="lt1"/>
-    </dgm:linClrLst>
-    <dgm:effectClrLst/>
-    <dgm:txLinClrLst/>
-    <dgm:txFillClrLst meth="repeat">
-      <a:schemeClr val="lt1"/>
-    </dgm:txFillClrLst>
-    <dgm:txEffectClrLst/>
-  </dgm:styleLbl>
-  <dgm:styleLbl name="bgImgPlace1">
-    <dgm:fillClrLst meth="repeat">
-      <a:schemeClr val="accent1">
-        <a:tint val="50000"/>
-      </a:schemeClr>
-    </dgm:fillClrLst>
-    <dgm:linClrLst meth="repeat">
-      <a:schemeClr val="lt1"/>
-    </dgm:linClrLst>
-    <dgm:effectClrLst/>
-    <dgm:txLinClrLst/>
-    <dgm:txFillClrLst meth="repeat">
-      <a:schemeClr val="lt1"/>
-    </dgm:txFillClrLst>
-    <dgm:txEffectClrLst/>
-  </dgm:styleLbl>
-  <dgm:styleLbl name="sibTrans2D1">
-    <dgm:fillClrLst meth="repeat">
-      <a:schemeClr val="accent1">
-        <a:tint val="60000"/>
-      </a:schemeClr>
-    </dgm:fillClrLst>
-    <dgm:linClrLst meth="repeat">
-      <a:schemeClr val="accent1">
-        <a:tint val="60000"/>
-      </a:schemeClr>
-    </dgm:linClrLst>
-    <dgm:effectClrLst/>
-    <dgm:txLinClrLst/>
-    <dgm:txFillClrLst/>
-    <dgm:txEffectClrLst/>
-  </dgm:styleLbl>
-  <dgm:styleLbl name="fgSibTrans2D1">
-    <dgm:fillClrLst meth="repeat">
-      <a:schemeClr val="accent1">
-        <a:tint val="60000"/>
-      </a:schemeClr>
-    </dgm:fillClrLst>
-    <dgm:linClrLst meth="repeat">
-      <a:schemeClr val="accent1">
-        <a:tint val="60000"/>
-      </a:schemeClr>
-    </dgm:linClrLst>
-    <dgm:effectClrLst/>
-    <dgm:txLinClrLst/>
-    <dgm:txFillClrLst/>
-    <dgm:txEffectClrLst/>
-  </dgm:styleLbl>
-  <dgm:styleLbl name="bgSibTrans2D1">
-    <dgm:fillClrLst meth="repeat">
-      <a:schemeClr val="accent1">
-        <a:tint val="60000"/>
-      </a:schemeClr>
-    </dgm:fillClrLst>
-    <dgm:linClrLst meth="repeat">
-      <a:schemeClr val="accent1">
-        <a:tint val="60000"/>
-      </a:schemeClr>
-    </dgm:linClrLst>
-    <dgm:effectClrLst/>
-    <dgm:txLinClrLst/>
-    <dgm:txFillClrLst/>
-    <dgm:txEffectClrLst/>
-  </dgm:styleLbl>
-  <dgm:styleLbl name="sibTrans1D1">
-    <dgm:fillClrLst meth="repeat">
-      <a:schemeClr val="accent1"/>
-    </dgm:fillClrLst>
-    <dgm:linClrLst meth="repeat">
-      <a:schemeClr val="accent1"/>
-    </dgm:linClrLst>
-    <dgm:effectClrLst/>
-    <dgm:txLinClrLst/>
-    <dgm:txFillClrLst meth="repeat">
-      <a:schemeClr val="tx1"/>
-    </dgm:txFillClrLst>
-    <dgm:txEffectClrLst/>
-  </dgm:styleLbl>
-  <dgm:styleLbl name="callout">
-    <dgm:fillClrLst meth="repeat">
-      <a:schemeClr val="accent1"/>
-    </dgm:fillClrLst>
-    <dgm:linClrLst meth="repeat">
-      <a:schemeClr val="accent1">
-        <a:tint val="50000"/>
-      </a:schemeClr>
-    </dgm:linClrLst>
-    <dgm:effectClrLst/>
-    <dgm:txLinClrLst/>
-    <dgm:txFillClrLst meth="repeat">
-      <a:schemeClr val="tx1"/>
-    </dgm:txFillClrLst>
-    <dgm:txEffectClrLst/>
-  </dgm:styleLbl>
-  <dgm:styleLbl name="asst0">
-    <dgm:fillClrLst meth="repeat">
-      <a:schemeClr val="accent1"/>
-    </dgm:fillClrLst>
-    <dgm:linClrLst meth="repeat">
-      <a:schemeClr val="lt1"/>
-    </dgm:linClrLst>
-    <dgm:effectClrLst/>
-    <dgm:txLinClrLst/>
-    <dgm:txFillClrLst/>
-    <dgm:txEffectClrLst/>
-  </dgm:styleLbl>
-  <dgm:styleLbl name="asst1">
-    <dgm:fillClrLst meth="repeat">
-      <a:schemeClr val="accent1"/>
-    </dgm:fillClrLst>
-    <dgm:linClrLst meth="repeat">
-      <a:schemeClr val="lt1"/>
-    </dgm:linClrLst>
-    <dgm:effectClrLst/>
-    <dgm:txLinClrLst/>
-    <dgm:txFillClrLst/>
-    <dgm:txEffectClrLst/>
-  </dgm:styleLbl>
-  <dgm:styleLbl name="asst2">
-    <dgm:fillClrLst meth="repeat">
-      <a:schemeClr val="accent1"/>
-    </dgm:fillClrLst>
-    <dgm:linClrLst meth="repeat">
-      <a:schemeClr val="lt1"/>
-    </dgm:linClrLst>
-    <dgm:effectClrLst/>
-    <dgm:txLinClrLst/>
-    <dgm:txFillClrLst/>
-    <dgm:txEffectClrLst/>
-  </dgm:styleLbl>
-  <dgm:styleLbl name="asst3">
-    <dgm:fillClrLst meth="repeat">
-      <a:schemeClr val="accent1"/>
-    </dgm:fillClrLst>
-    <dgm:linClrLst meth="repeat">
-      <a:schemeClr val="lt1"/>
-    </dgm:linClrLst>
-    <dgm:effectClrLst/>
-    <dgm:txLinClrLst/>
-    <dgm:txFillClrLst/>
-    <dgm:txEffectClrLst/>
-  </dgm:styleLbl>
-  <dgm:styleLbl name="asst4">
-    <dgm:fillClrLst meth="repeat">
-      <a:schemeClr val="accent1"/>
-    </dgm:fillClrLst>
-    <dgm:linClrLst meth="repeat">
-      <a:schemeClr val="lt1"/>
-    </dgm:linClrLst>
-    <dgm:effectClrLst/>
-    <dgm:txLinClrLst/>
-    <dgm:txFillClrLst/>
-    <dgm:txEffectClrLst/>
-  </dgm:styleLbl>
-  <dgm:styleLbl name="parChTrans2D1">
-    <dgm:fillClrLst meth="repeat">
-      <a:schemeClr val="accent1">
-        <a:tint val="60000"/>
-      </a:schemeClr>
-    </dgm:fillClrLst>
-    <dgm:linClrLst meth="repeat">
-      <a:schemeClr val="accent1">
-        <a:tint val="60000"/>
-      </a:schemeClr>
-    </dgm:linClrLst>
-    <dgm:effectClrLst/>
-    <dgm:txLinClrLst/>
-    <dgm:txFillClrLst meth="repeat">
-      <a:schemeClr val="lt1"/>
-    </dgm:txFillClrLst>
-    <dgm:txEffectClrLst/>
-  </dgm:styleLbl>
-  <dgm:styleLbl name="parChTrans2D2">
-    <dgm:fillClrLst meth="repeat">
-      <a:schemeClr val="accent1"/>
-    </dgm:fillClrLst>
-    <dgm:linClrLst meth="repeat">
-      <a:schemeClr val="accent1"/>
-    </dgm:linClrLst>
-    <dgm:effectClrLst/>
-    <dgm:txLinClrLst/>
-    <dgm:txFillClrLst meth="repeat">
-      <a:schemeClr val="lt1"/>
-    </dgm:txFillClrLst>
-    <dgm:txEffectClrLst/>
-  </dgm:styleLbl>
-  <dgm:styleLbl name="parChTrans2D3">
-    <dgm:fillClrLst meth="repeat">
-      <a:schemeClr val="accent1"/>
-    </dgm:fillClrLst>
-    <dgm:linClrLst meth="repeat">
-      <a:schemeClr val="accent1"/>
-    </dgm:linClrLst>
-    <dgm:effectClrLst/>
-    <dgm:txLinClrLst/>
-    <dgm:txFillClrLst meth="repeat">
-      <a:schemeClr val="lt1"/>
-    </dgm:txFillClrLst>
-    <dgm:txEffectClrLst/>
-  </dgm:styleLbl>
-  <dgm:styleLbl name="parChTrans2D4">
-    <dgm:fillClrLst meth="repeat">
-      <a:schemeClr val="accent1"/>
-    </dgm:fillClrLst>
-    <dgm:linClrLst meth="repeat">
-      <a:schemeClr val="accent1"/>
-    </dgm:linClrLst>
-    <dgm:effectClrLst/>
-    <dgm:txLinClrLst/>
-    <dgm:txFillClrLst meth="repeat">
-      <a:schemeClr val="lt1"/>
-    </dgm:txFillClrLst>
-    <dgm:txEffectClrLst/>
-  </dgm:styleLbl>
-  <dgm:styleLbl name="parChTrans1D1">
-    <dgm:fillClrLst meth="repeat">
-      <a:schemeClr val="accent1"/>
-    </dgm:fillClrLst>
-    <dgm:linClrLst meth="repeat">
-      <a:schemeClr val="accent1">
-        <a:shade val="60000"/>
-      </a:schemeClr>
-    </dgm:linClrLst>
-    <dgm:effectClrLst/>
-    <dgm:txLinClrLst/>
-    <dgm:txFillClrLst meth="repeat">
-      <a:schemeClr val="tx1"/>
-    </dgm:txFillClrLst>
-    <dgm:txEffectClrLst/>
-  </dgm:styleLbl>
-  <dgm:styleLbl name="parChTrans1D2">
-    <dgm:fillClrLst meth="repeat">
-      <a:schemeClr val="accent1"/>
-    </dgm:fillClrLst>
-    <dgm:linClrLst meth="repeat">
-      <a:schemeClr val="accent1">
-        <a:shade val="60000"/>
-      </a:schemeClr>
-    </dgm:linClrLst>
-    <dgm:effectClrLst/>
-    <dgm:txLinClrLst/>
-    <dgm:txFillClrLst meth="repeat">
-      <a:schemeClr val="tx1"/>
-    </dgm:txFillClrLst>
-    <dgm:txEffectClrLst/>
-  </dgm:styleLbl>
-  <dgm:styleLbl name="parChTrans1D3">
-    <dgm:fillClrLst meth="repeat">
-      <a:schemeClr val="accent1"/>
-    </dgm:fillClrLst>
-    <dgm:linClrLst meth="repeat">
-      <a:schemeClr val="accent1">
-        <a:shade val="80000"/>
-      </a:schemeClr>
-    </dgm:linClrLst>
-    <dgm:effectClrLst/>
-    <dgm:txLinClrLst/>
-    <dgm:txFillClrLst meth="repeat">
-      <a:schemeClr val="tx1"/>
-    </dgm:txFillClrLst>
-    <dgm:txEffectClrLst/>
-  </dgm:styleLbl>
-  <dgm:styleLbl name="parChTrans1D4">
-    <dgm:fillClrLst meth="repeat">
-      <a:schemeClr val="accent1"/>
-    </dgm:fillClrLst>
-    <dgm:linClrLst meth="repeat">
-      <a:schemeClr val="accent1">
-        <a:shade val="80000"/>
-      </a:schemeClr>
-    </dgm:linClrLst>
-    <dgm:effectClrLst/>
-    <dgm:txLinClrLst/>
-    <dgm:txFillClrLst meth="repeat">
-      <a:schemeClr val="tx1"/>
-    </dgm:txFillClrLst>
-    <dgm:txEffectClrLst/>
-  </dgm:styleLbl>
-  <dgm:styleLbl name="fgAcc1">
-    <dgm:fillClrLst meth="repeat">
-      <a:schemeClr val="lt1">
-        <a:alpha val="90000"/>
-      </a:schemeClr>
-    </dgm:fillClrLst>
-    <dgm:linClrLst meth="repeat">
-      <a:schemeClr val="accent1"/>
-    </dgm:linClrLst>
-    <dgm:effectClrLst/>
-    <dgm:txLinClrLst/>
-    <dgm:txFillClrLst meth="repeat">
-      <a:schemeClr val="dk1"/>
-    </dgm:txFillClrLst>
-    <dgm:txEffectClrLst/>
-  </dgm:styleLbl>
-  <dgm:styleLbl name="conFgAcc1">
-    <dgm:fillClrLst meth="repeat">
-      <a:schemeClr val="lt1">
-        <a:alpha val="90000"/>
-      </a:schemeClr>
-    </dgm:fillClrLst>
-    <dgm:linClrLst meth="repeat">
-      <a:schemeClr val="accent1"/>
-    </dgm:linClrLst>
-    <dgm:effectClrLst/>
-    <dgm:txLinClrLst/>
-    <dgm:txFillClrLst meth="repeat">
-      <a:schemeClr val="dk1"/>
-    </dgm:txFillClrLst>
-    <dgm:txEffectClrLst/>
-  </dgm:styleLbl>
-  <dgm:styleLbl name="alignAcc1">
-    <dgm:fillClrLst meth="repeat">
-      <a:schemeClr val="lt1">
-        <a:alpha val="90000"/>
-      </a:schemeClr>
-    </dgm:fillClrLst>
-    <dgm:linClrLst meth="repeat">
-      <a:schemeClr val="accent1"/>
-    </dgm:linClrLst>
-    <dgm:effectClrLst/>
-    <dgm:txLinClrLst/>
-    <dgm:txFillClrLst meth="repeat">
-      <a:schemeClr val="dk1"/>
-    </dgm:txFillClrLst>
-    <dgm:txEffectClrLst/>
-  </dgm:styleLbl>
-  <dgm:styleLbl name="trAlignAcc1">
-    <dgm:fillClrLst meth="repeat">
-      <a:schemeClr val="lt1">
-        <a:alpha val="40000"/>
-      </a:schemeClr>
-    </dgm:fillClrLst>
-    <dgm:linClrLst meth="repeat">
-      <a:schemeClr val="accent1"/>
-    </dgm:linClrLst>
-    <dgm:effectClrLst/>
-    <dgm:txLinClrLst/>
-    <dgm:txFillClrLst meth="repeat">
-      <a:schemeClr val="dk1"/>
-    </dgm:txFillClrLst>
-    <dgm:txEffectClrLst/>
-  </dgm:styleLbl>
-  <dgm:styleLbl name="bgAcc1">
-    <dgm:fillClrLst meth="repeat">
-      <a:schemeClr val="lt1">
-        <a:alpha val="90000"/>
-      </a:schemeClr>
-    </dgm:fillClrLst>
-    <dgm:linClrLst meth="repeat">
-      <a:schemeClr val="accent1"/>
-    </dgm:linClrLst>
-    <dgm:effectClrLst/>
-    <dgm:txLinClrLst/>
-    <dgm:txFillClrLst meth="repeat">
-      <a:schemeClr val="dk1"/>
-    </dgm:txFillClrLst>
-    <dgm:txEffectClrLst/>
-  </dgm:styleLbl>
-  <dgm:styleLbl name="solidFgAcc1">
-    <dgm:fillClrLst meth="repeat">
-      <a:schemeClr val="lt1"/>
-    </dgm:fillClrLst>
-    <dgm:linClrLst meth="repeat">
-      <a:schemeClr val="accent1"/>
-    </dgm:linClrLst>
-    <dgm:effectClrLst/>
-    <dgm:txLinClrLst/>
-    <dgm:txFillClrLst meth="repeat">
-      <a:schemeClr val="dk1"/>
-    </dgm:txFillClrLst>
-    <dgm:txEffectClrLst/>
-  </dgm:styleLbl>
-  <dgm:styleLbl name="solidAlignAcc1">
-    <dgm:fillClrLst meth="repeat">
-      <a:schemeClr val="lt1"/>
-    </dgm:fillClrLst>
-    <dgm:linClrLst meth="repeat">
-      <a:schemeClr val="accent1"/>
-    </dgm:linClrLst>
-    <dgm:effectClrLst/>
-    <dgm:txLinClrLst/>
-    <dgm:txFillClrLst meth="repeat">
-      <a:schemeClr val="dk1"/>
-    </dgm:txFillClrLst>
-    <dgm:txEffectClrLst/>
-  </dgm:styleLbl>
-  <dgm:styleLbl name="solidBgAcc1">
-    <dgm:fillClrLst meth="repeat">
-      <a:schemeClr val="lt1"/>
-    </dgm:fillClrLst>
-    <dgm:linClrLst meth="repeat">
-      <a:schemeClr val="accent1"/>
-    </dgm:linClrLst>
-    <dgm:effectClrLst/>
-    <dgm:txLinClrLst/>
-    <dgm:txFillClrLst meth="repeat">
-      <a:schemeClr val="dk1"/>
-    </dgm:txFillClrLst>
-    <dgm:txEffectClrLst/>
-  </dgm:styleLbl>
-  <dgm:styleLbl name="fgAccFollowNode1">
-    <dgm:fillClrLst meth="repeat">
-      <a:schemeClr val="accent1">
-        <a:alpha val="90000"/>
-        <a:tint val="40000"/>
-      </a:schemeClr>
-    </dgm:fillClrLst>
-    <dgm:linClrLst meth="repeat">
-      <a:schemeClr val="accent1">
-        <a:alpha val="90000"/>
-        <a:tint val="40000"/>
-      </a:schemeClr>
-    </dgm:linClrLst>
-    <dgm:effectClrLst/>
-    <dgm:txLinClrLst/>
-    <dgm:txFillClrLst meth="repeat">
-      <a:schemeClr val="dk1"/>
-    </dgm:txFillClrLst>
-    <dgm:txEffectClrLst/>
-  </dgm:styleLbl>
-  <dgm:styleLbl name="alignAccFollowNode1">
-    <dgm:fillClrLst meth="repeat">
-      <a:schemeClr val="accent1">
-        <a:alpha val="90000"/>
-        <a:tint val="40000"/>
-      </a:schemeClr>
-    </dgm:fillClrLst>
-    <dgm:linClrLst meth="repeat">
-      <a:schemeClr val="accent1">
-        <a:alpha val="90000"/>
-        <a:tint val="40000"/>
-      </a:schemeClr>
-    </dgm:linClrLst>
-    <dgm:effectClrLst/>
-    <dgm:txLinClrLst/>
-    <dgm:txFillClrLst meth="repeat">
-      <a:schemeClr val="dk1"/>
-    </dgm:txFillClrLst>
-    <dgm:txEffectClrLst/>
-  </dgm:styleLbl>
-  <dgm:styleLbl name="bgAccFollowNode1">
-    <dgm:fillClrLst meth="repeat">
-      <a:schemeClr val="accent1">
-        <a:alpha val="90000"/>
-        <a:tint val="40000"/>
-      </a:schemeClr>
-    </dgm:fillClrLst>
-    <dgm:linClrLst meth="repeat">
-      <a:schemeClr val="accent1">
-        <a:alpha val="90000"/>
-        <a:tint val="40000"/>
-      </a:schemeClr>
-    </dgm:linClrLst>
-    <dgm:effectClrLst/>
-    <dgm:txLinClrLst/>
-    <dgm:txFillClrLst meth="repeat">
-      <a:schemeClr val="dk1"/>
-    </dgm:txFillClrLst>
-    <dgm:txEffectClrLst/>
-  </dgm:styleLbl>
-  <dgm:styleLbl name="fgAcc0">
-    <dgm:fillClrLst meth="repeat">
-      <a:schemeClr val="lt1">
-        <a:alpha val="90000"/>
-      </a:schemeClr>
-    </dgm:fillClrLst>
-    <dgm:linClrLst meth="repeat">
-      <a:schemeClr val="accent1"/>
-    </dgm:linClrLst>
-    <dgm:effectClrLst/>
-    <dgm:txLinClrLst/>
-    <dgm:txFillClrLst meth="repeat">
-      <a:schemeClr val="dk1"/>
-    </dgm:txFillClrLst>
-    <dgm:txEffectClrLst/>
-  </dgm:styleLbl>
-  <dgm:styleLbl name="fgAcc2">
-    <dgm:fillClrLst meth="repeat">
-      <a:schemeClr val="lt1">
-        <a:alpha val="90000"/>
-      </a:schemeClr>
-    </dgm:fillClrLst>
-    <dgm:linClrLst meth="repeat">
-      <a:schemeClr val="accent1"/>
-    </dgm:linClrLst>
-    <dgm:effectClrLst/>
-    <dgm:txLinClrLst/>
-    <dgm:txFillClrLst meth="repeat">
-      <a:schemeClr val="dk1"/>
-    </dgm:txFillClrLst>
-    <dgm:txEffectClrLst/>
-  </dgm:styleLbl>
-  <dgm:styleLbl name="fgAcc3">
-    <dgm:fillClrLst meth="repeat">
-      <a:schemeClr val="lt1">
-        <a:alpha val="90000"/>
-      </a:schemeClr>
-    </dgm:fillClrLst>
-    <dgm:linClrLst meth="repeat">
-      <a:schemeClr val="accent1"/>
-    </dgm:linClrLst>
-    <dgm:effectClrLst/>
-    <dgm:txLinClrLst/>
-    <dgm:txFillClrLst meth="repeat">
-      <a:schemeClr val="dk1"/>
-    </dgm:txFillClrLst>
-    <dgm:txEffectClrLst/>
-  </dgm:styleLbl>
-  <dgm:styleLbl name="fgAcc4">
-    <dgm:fillClrLst meth="repeat">
-      <a:schemeClr val="lt1">
-        <a:alpha val="90000"/>
-      </a:schemeClr>
-    </dgm:fillClrLst>
-    <dgm:linClrLst meth="repeat">
-      <a:schemeClr val="accent1"/>
-    </dgm:linClrLst>
-    <dgm:effectClrLst/>
-    <dgm:txLinClrLst/>
-    <dgm:txFillClrLst meth="repeat">
-      <a:schemeClr val="dk1"/>
-    </dgm:txFillClrLst>
-    <dgm:txEffectClrLst/>
-  </dgm:styleLbl>
-  <dgm:styleLbl name="bgShp">
-    <dgm:fillClrLst meth="repeat">
-      <a:schemeClr val="accent1">
-        <a:tint val="40000"/>
-      </a:schemeClr>
-    </dgm:fillClrLst>
-    <dgm:linClrLst meth="repeat">
-      <a:schemeClr val="accent1"/>
-    </dgm:linClrLst>
-    <dgm:effectClrLst/>
-    <dgm:txLinClrLst/>
-    <dgm:txFillClrLst meth="repeat">
-      <a:schemeClr val="dk1"/>
-    </dgm:txFillClrLst>
-    <dgm:txEffectClrLst/>
-  </dgm:styleLbl>
-  <dgm:styleLbl name="dkBgShp">
-    <dgm:fillClrLst meth="repeat">
-      <a:schemeClr val="accent1">
-        <a:shade val="80000"/>
-      </a:schemeClr>
-    </dgm:fillClrLst>
-    <dgm:linClrLst meth="repeat">
-      <a:schemeClr val="accent1"/>
-    </dgm:linClrLst>
-    <dgm:effectClrLst/>
-    <dgm:txLinClrLst/>
-    <dgm:txFillClrLst meth="repeat">
-      <a:schemeClr val="lt1"/>
-    </dgm:txFillClrLst>
-    <dgm:txEffectClrLst/>
-  </dgm:styleLbl>
-  <dgm:styleLbl name="trBgShp">
-    <dgm:fillClrLst meth="repeat">
-      <a:schemeClr val="accent1">
-        <a:tint val="50000"/>
-        <a:alpha val="40000"/>
-      </a:schemeClr>
-    </dgm:fillClrLst>
-    <dgm:linClrLst meth="repeat">
-      <a:schemeClr val="accent1"/>
-    </dgm:linClrLst>
-    <dgm:effectClrLst/>
-    <dgm:txLinClrLst/>
-    <dgm:txFillClrLst meth="repeat">
-      <a:schemeClr val="lt1"/>
-    </dgm:txFillClrLst>
-    <dgm:txEffectClrLst/>
-  </dgm:styleLbl>
-  <dgm:styleLbl name="fgShp">
-    <dgm:fillClrLst meth="repeat">
-      <a:schemeClr val="accent1">
-        <a:tint val="60000"/>
-      </a:schemeClr>
-    </dgm:fillClrLst>
-    <dgm:linClrLst meth="repeat">
-      <a:schemeClr val="lt1"/>
-    </dgm:linClrLst>
-    <dgm:effectClrLst/>
-    <dgm:txLinClrLst/>
-    <dgm:txFillClrLst meth="repeat">
-      <a:schemeClr val="dk1"/>
-    </dgm:txFillClrLst>
-    <dgm:txEffectClrLst/>
-  </dgm:styleLbl>
-  <dgm:styleLbl name="revTx">
-    <dgm:fillClrLst meth="repeat">
-      <a:schemeClr val="lt1">
-        <a:alpha val="0"/>
-      </a:schemeClr>
-    </dgm:fillClrLst>
-    <dgm:linClrLst meth="repeat">
-      <a:schemeClr val="dk1">
-        <a:alpha val="0"/>
-      </a:schemeClr>
-    </dgm:linClrLst>
-    <dgm:effectClrLst/>
-    <dgm:txLinClrLst/>
-    <dgm:txFillClrLst meth="repeat">
-      <a:schemeClr val="tx1"/>
-    </dgm:txFillClrLst>
-    <dgm:txEffectClrLst/>
-  </dgm:styleLbl>
-</dgm:colorsDef>
-</file>
-
-<file path=ppt/diagrams/colors3.xml><?xml version="1.0" encoding="utf-8"?>
-<dgm:colorsDef xmlns:dgm="http://schemas.openxmlformats.org/drawingml/2006/diagram" xmlns:a="http://schemas.openxmlformats.org/drawingml/2006/main" uniqueId="urn:microsoft.com/office/officeart/2005/8/colors/accent1_2">
-  <dgm:title val=""/>
-  <dgm:desc val=""/>
-  <dgm:catLst>
-    <dgm:cat type="accent1" pri="11200"/>
-  </dgm:catLst>
-  <dgm:styleLbl name="node0">
-    <dgm:fillClrLst meth="repeat">
-      <a:schemeClr val="accent1"/>
-    </dgm:fillClrLst>
-    <dgm:linClrLst meth="repeat">
-      <a:schemeClr val="lt1"/>
-    </dgm:linClrLst>
-    <dgm:effectClrLst/>
-    <dgm:txLinClrLst/>
-    <dgm:txFillClrLst/>
-    <dgm:txEffectClrLst/>
-  </dgm:styleLbl>
-  <dgm:styleLbl name="alignNode1">
-    <dgm:fillClrLst meth="repeat">
-      <a:schemeClr val="accent1"/>
-    </dgm:fillClrLst>
-    <dgm:linClrLst meth="repeat">
-      <a:schemeClr val="accent1"/>
-    </dgm:linClrLst>
-    <dgm:effectClrLst/>
-    <dgm:txLinClrLst/>
-    <dgm:txFillClrLst/>
-    <dgm:txEffectClrLst/>
-  </dgm:styleLbl>
-  <dgm:styleLbl name="node1">
-    <dgm:fillClrLst meth="repeat">
-      <a:schemeClr val="accent1"/>
-    </dgm:fillClrLst>
-    <dgm:linClrLst meth="repeat">
-      <a:schemeClr val="lt1"/>
-    </dgm:linClrLst>
-    <dgm:effectClrLst/>
-    <dgm:txLinClrLst/>
-    <dgm:txFillClrLst/>
-    <dgm:txEffectClrLst/>
-  </dgm:styleLbl>
-  <dgm:styleLbl name="lnNode1">
-    <dgm:fillClrLst meth="repeat">
-      <a:schemeClr val="accent1"/>
-    </dgm:fillClrLst>
-    <dgm:linClrLst meth="repeat">
-      <a:schemeClr val="lt1"/>
-    </dgm:linClrLst>
-    <dgm:effectClrLst/>
-    <dgm:txLinClrLst/>
-    <dgm:txFillClrLst/>
-    <dgm:txEffectClrLst/>
-  </dgm:styleLbl>
-  <dgm:styleLbl name="vennNode1">
-    <dgm:fillClrLst meth="repeat">
-      <a:schemeClr val="accent1">
-        <a:alpha val="50000"/>
-      </a:schemeClr>
-    </dgm:fillClrLst>
-    <dgm:linClrLst meth="repeat">
-      <a:schemeClr val="lt1"/>
-    </dgm:linClrLst>
-    <dgm:effectClrLst/>
-    <dgm:txLinClrLst/>
-    <dgm:txFillClrLst/>
-    <dgm:txEffectClrLst/>
-  </dgm:styleLbl>
-  <dgm:styleLbl name="node2">
-    <dgm:fillClrLst meth="repeat">
-      <a:schemeClr val="accent1"/>
-    </dgm:fillClrLst>
-    <dgm:linClrLst meth="repeat">
-      <a:schemeClr val="lt1"/>
-    </dgm:linClrLst>
-    <dgm:effectClrLst/>
-    <dgm:txLinClrLst/>
-    <dgm:txFillClrLst/>
-    <dgm:txEffectClrLst/>
-  </dgm:styleLbl>
-  <dgm:styleLbl name="node3">
-    <dgm:fillClrLst meth="repeat">
-      <a:schemeClr val="accent1"/>
-    </dgm:fillClrLst>
-    <dgm:linClrLst meth="repeat">
-      <a:schemeClr val="lt1"/>
-    </dgm:linClrLst>
-    <dgm:effectClrLst/>
-    <dgm:txLinClrLst/>
-    <dgm:txFillClrLst/>
-    <dgm:txEffectClrLst/>
-  </dgm:styleLbl>
-  <dgm:styleLbl name="node4">
-    <dgm:fillClrLst meth="repeat">
-      <a:schemeClr val="accent1"/>
-    </dgm:fillClrLst>
-    <dgm:linClrLst meth="repeat">
-      <a:schemeClr val="lt1"/>
-    </dgm:linClrLst>
-    <dgm:effectClrLst/>
-    <dgm:txLinClrLst/>
-    <dgm:txFillClrLst/>
-    <dgm:txEffectClrLst/>
-  </dgm:styleLbl>
-  <dgm:styleLbl name="fgImgPlace1">
-    <dgm:fillClrLst meth="repeat">
-      <a:schemeClr val="accent1">
-        <a:tint val="50000"/>
-      </a:schemeClr>
-    </dgm:fillClrLst>
-    <dgm:linClrLst meth="repeat">
-      <a:schemeClr val="lt1"/>
-    </dgm:linClrLst>
-    <dgm:effectClrLst/>
-    <dgm:txLinClrLst/>
-    <dgm:txFillClrLst meth="repeat">
-      <a:schemeClr val="lt1"/>
-    </dgm:txFillClrLst>
-    <dgm:txEffectClrLst/>
-  </dgm:styleLbl>
-  <dgm:styleLbl name="alignImgPlace1">
-    <dgm:fillClrLst meth="repeat">
-      <a:schemeClr val="accent1">
-        <a:tint val="50000"/>
-      </a:schemeClr>
-    </dgm:fillClrLst>
-    <dgm:linClrLst meth="repeat">
-      <a:schemeClr val="lt1"/>
-    </dgm:linClrLst>
-    <dgm:effectClrLst/>
-    <dgm:txLinClrLst/>
-    <dgm:txFillClrLst meth="repeat">
-      <a:schemeClr val="lt1"/>
-    </dgm:txFillClrLst>
-    <dgm:txEffectClrLst/>
-  </dgm:styleLbl>
-  <dgm:styleLbl name="bgImgPlace1">
-    <dgm:fillClrLst meth="repeat">
-      <a:schemeClr val="accent1">
-        <a:tint val="50000"/>
-      </a:schemeClr>
-    </dgm:fillClrLst>
-    <dgm:linClrLst meth="repeat">
-      <a:schemeClr val="lt1"/>
-    </dgm:linClrLst>
-    <dgm:effectClrLst/>
-    <dgm:txLinClrLst/>
-    <dgm:txFillClrLst meth="repeat">
-      <a:schemeClr val="lt1"/>
-    </dgm:txFillClrLst>
-    <dgm:txEffectClrLst/>
-  </dgm:styleLbl>
-  <dgm:styleLbl name="sibTrans2D1">
-    <dgm:fillClrLst meth="repeat">
-      <a:schemeClr val="accent1">
-        <a:tint val="60000"/>
-      </a:schemeClr>
-    </dgm:fillClrLst>
-    <dgm:linClrLst meth="repeat">
-      <a:schemeClr val="accent1">
-        <a:tint val="60000"/>
-      </a:schemeClr>
-    </dgm:linClrLst>
-    <dgm:effectClrLst/>
-    <dgm:txLinClrLst/>
-    <dgm:txFillClrLst/>
-    <dgm:txEffectClrLst/>
-  </dgm:styleLbl>
-  <dgm:styleLbl name="fgSibTrans2D1">
-    <dgm:fillClrLst meth="repeat">
-      <a:schemeClr val="accent1">
-        <a:tint val="60000"/>
-      </a:schemeClr>
-    </dgm:fillClrLst>
-    <dgm:linClrLst meth="repeat">
-      <a:schemeClr val="accent1">
-        <a:tint val="60000"/>
-      </a:schemeClr>
-    </dgm:linClrLst>
-    <dgm:effectClrLst/>
-    <dgm:txLinClrLst/>
-    <dgm:txFillClrLst/>
-    <dgm:txEffectClrLst/>
-  </dgm:styleLbl>
-  <dgm:styleLbl name="bgSibTrans2D1">
-    <dgm:fillClrLst meth="repeat">
-      <a:schemeClr val="accent1">
-        <a:tint val="60000"/>
-      </a:schemeClr>
-    </dgm:fillClrLst>
-    <dgm:linClrLst meth="repeat">
-      <a:schemeClr val="accent1">
-        <a:tint val="60000"/>
-      </a:schemeClr>
-    </dgm:linClrLst>
-    <dgm:effectClrLst/>
-    <dgm:txLinClrLst/>
-    <dgm:txFillClrLst/>
-    <dgm:txEffectClrLst/>
-  </dgm:styleLbl>
-  <dgm:styleLbl name="sibTrans1D1">
-    <dgm:fillClrLst meth="repeat">
-      <a:schemeClr val="accent1"/>
-    </dgm:fillClrLst>
-    <dgm:linClrLst meth="repeat">
-      <a:schemeClr val="accent1"/>
-    </dgm:linClrLst>
-    <dgm:effectClrLst/>
-    <dgm:txLinClrLst/>
-    <dgm:txFillClrLst meth="repeat">
-      <a:schemeClr val="tx1"/>
-    </dgm:txFillClrLst>
-    <dgm:txEffectClrLst/>
-  </dgm:styleLbl>
-  <dgm:styleLbl name="callout">
-    <dgm:fillClrLst meth="repeat">
-      <a:schemeClr val="accent1"/>
-    </dgm:fillClrLst>
-    <dgm:linClrLst meth="repeat">
-      <a:schemeClr val="accent1">
-        <a:tint val="50000"/>
-      </a:schemeClr>
-    </dgm:linClrLst>
-    <dgm:effectClrLst/>
-    <dgm:txLinClrLst/>
-    <dgm:txFillClrLst meth="repeat">
-      <a:schemeClr val="tx1"/>
-    </dgm:txFillClrLst>
-    <dgm:txEffectClrLst/>
-  </dgm:styleLbl>
-  <dgm:styleLbl name="asst0">
-    <dgm:fillClrLst meth="repeat">
-      <a:schemeClr val="accent1"/>
-    </dgm:fillClrLst>
-    <dgm:linClrLst meth="repeat">
-      <a:schemeClr val="lt1"/>
-    </dgm:linClrLst>
-    <dgm:effectClrLst/>
-    <dgm:txLinClrLst/>
-    <dgm:txFillClrLst/>
-    <dgm:txEffectClrLst/>
-  </dgm:styleLbl>
-  <dgm:styleLbl name="asst1">
-    <dgm:fillClrLst meth="repeat">
-      <a:schemeClr val="accent1"/>
-    </dgm:fillClrLst>
-    <dgm:linClrLst meth="repeat">
-      <a:schemeClr val="lt1"/>
-    </dgm:linClrLst>
-    <dgm:effectClrLst/>
-    <dgm:txLinClrLst/>
-    <dgm:txFillClrLst/>
-    <dgm:txEffectClrLst/>
-  </dgm:styleLbl>
-  <dgm:styleLbl name="asst2">
-    <dgm:fillClrLst meth="repeat">
-      <a:schemeClr val="accent1"/>
-    </dgm:fillClrLst>
-    <dgm:linClrLst meth="repeat">
-      <a:schemeClr val="lt1"/>
-    </dgm:linClrLst>
-    <dgm:effectClrLst/>
-    <dgm:txLinClrLst/>
-    <dgm:txFillClrLst/>
-    <dgm:txEffectClrLst/>
-  </dgm:styleLbl>
-  <dgm:styleLbl name="asst3">
-    <dgm:fillClrLst meth="repeat">
-      <a:schemeClr val="accent1"/>
-    </dgm:fillClrLst>
-    <dgm:linClrLst meth="repeat">
-      <a:schemeClr val="lt1"/>
-    </dgm:linClrLst>
-    <dgm:effectClrLst/>
-    <dgm:txLinClrLst/>
-    <dgm:txFillClrLst/>
-    <dgm:txEffectClrLst/>
-  </dgm:styleLbl>
-  <dgm:styleLbl name="asst4">
-    <dgm:fillClrLst meth="repeat">
-      <a:schemeClr val="accent1"/>
-    </dgm:fillClrLst>
-    <dgm:linClrLst meth="repeat">
-      <a:schemeClr val="lt1"/>
-    </dgm:linClrLst>
-    <dgm:effectClrLst/>
-    <dgm:txLinClrLst/>
-    <dgm:txFillClrLst/>
-    <dgm:txEffectClrLst/>
-  </dgm:styleLbl>
-  <dgm:styleLbl name="parChTrans2D1">
-    <dgm:fillClrLst meth="repeat">
-      <a:schemeClr val="accent1">
-        <a:tint val="60000"/>
-      </a:schemeClr>
-    </dgm:fillClrLst>
-    <dgm:linClrLst meth="repeat">
-      <a:schemeClr val="accent1">
-        <a:tint val="60000"/>
-      </a:schemeClr>
-    </dgm:linClrLst>
-    <dgm:effectClrLst/>
-    <dgm:txLinClrLst/>
-    <dgm:txFillClrLst meth="repeat">
-      <a:schemeClr val="lt1"/>
-    </dgm:txFillClrLst>
-    <dgm:txEffectClrLst/>
-  </dgm:styleLbl>
-  <dgm:styleLbl name="parChTrans2D2">
-    <dgm:fillClrLst meth="repeat">
-      <a:schemeClr val="accent1"/>
-    </dgm:fillClrLst>
-    <dgm:linClrLst meth="repeat">
-      <a:schemeClr val="accent1"/>
-    </dgm:linClrLst>
-    <dgm:effectClrLst/>
-    <dgm:txLinClrLst/>
-    <dgm:txFillClrLst meth="repeat">
-      <a:schemeClr val="lt1"/>
-    </dgm:txFillClrLst>
-    <dgm:txEffectClrLst/>
-  </dgm:styleLbl>
-  <dgm:styleLbl name="parChTrans2D3">
-    <dgm:fillClrLst meth="repeat">
-      <a:schemeClr val="accent1"/>
-    </dgm:fillClrLst>
-    <dgm:linClrLst meth="repeat">
-      <a:schemeClr val="accent1"/>
-    </dgm:linClrLst>
-    <dgm:effectClrLst/>
-    <dgm:txLinClrLst/>
-    <dgm:txFillClrLst meth="repeat">
-      <a:schemeClr val="lt1"/>
-    </dgm:txFillClrLst>
-    <dgm:txEffectClrLst/>
-  </dgm:styleLbl>
-  <dgm:styleLbl name="parChTrans2D4">
-    <dgm:fillClrLst meth="repeat">
-      <a:schemeClr val="accent1"/>
-    </dgm:fillClrLst>
-    <dgm:linClrLst meth="repeat">
-      <a:schemeClr val="accent1"/>
-    </dgm:linClrLst>
-    <dgm:effectClrLst/>
-    <dgm:txLinClrLst/>
-    <dgm:txFillClrLst meth="repeat">
-      <a:schemeClr val="lt1"/>
-    </dgm:txFillClrLst>
-    <dgm:txEffectClrLst/>
-  </dgm:styleLbl>
-  <dgm:styleLbl name="parChTrans1D1">
-    <dgm:fillClrLst meth="repeat">
-      <a:schemeClr val="accent1"/>
-    </dgm:fillClrLst>
-    <dgm:linClrLst meth="repeat">
-      <a:schemeClr val="accent1">
-        <a:shade val="60000"/>
-      </a:schemeClr>
-    </dgm:linClrLst>
-    <dgm:effectClrLst/>
-    <dgm:txLinClrLst/>
-    <dgm:txFillClrLst meth="repeat">
-      <a:schemeClr val="tx1"/>
-    </dgm:txFillClrLst>
-    <dgm:txEffectClrLst/>
-  </dgm:styleLbl>
-  <dgm:styleLbl name="parChTrans1D2">
-    <dgm:fillClrLst meth="repeat">
-      <a:schemeClr val="accent1"/>
-    </dgm:fillClrLst>
-    <dgm:linClrLst meth="repeat">
-      <a:schemeClr val="accent1">
-        <a:shade val="60000"/>
-      </a:schemeClr>
-    </dgm:linClrLst>
-    <dgm:effectClrLst/>
-    <dgm:txLinClrLst/>
-    <dgm:txFillClrLst meth="repeat">
-      <a:schemeClr val="tx1"/>
-    </dgm:txFillClrLst>
-    <dgm:txEffectClrLst/>
-  </dgm:styleLbl>
-  <dgm:styleLbl name="parChTrans1D3">
-    <dgm:fillClrLst meth="repeat">
-      <a:schemeClr val="accent1"/>
-    </dgm:fillClrLst>
-    <dgm:linClrLst meth="repeat">
-      <a:schemeClr val="accent1">
-        <a:shade val="80000"/>
-      </a:schemeClr>
-    </dgm:linClrLst>
-    <dgm:effectClrLst/>
-    <dgm:txLinClrLst/>
-    <dgm:txFillClrLst meth="repeat">
-      <a:schemeClr val="tx1"/>
-    </dgm:txFillClrLst>
-    <dgm:txEffectClrLst/>
-  </dgm:styleLbl>
-  <dgm:styleLbl name="parChTrans1D4">
-    <dgm:fillClrLst meth="repeat">
-      <a:schemeClr val="accent1"/>
-    </dgm:fillClrLst>
-    <dgm:linClrLst meth="repeat">
-      <a:schemeClr val="accent1">
-        <a:shade val="80000"/>
-      </a:schemeClr>
-    </dgm:linClrLst>
-    <dgm:effectClrLst/>
-    <dgm:txLinClrLst/>
-    <dgm:txFillClrLst meth="repeat">
-      <a:schemeClr val="tx1"/>
-    </dgm:txFillClrLst>
-    <dgm:txEffectClrLst/>
-  </dgm:styleLbl>
-  <dgm:styleLbl name="fgAcc1">
-    <dgm:fillClrLst meth="repeat">
-      <a:schemeClr val="lt1">
-        <a:alpha val="90000"/>
-      </a:schemeClr>
-    </dgm:fillClrLst>
-    <dgm:linClrLst meth="repeat">
-      <a:schemeClr val="accent1"/>
-    </dgm:linClrLst>
-    <dgm:effectClrLst/>
-    <dgm:txLinClrLst/>
-    <dgm:txFillClrLst meth="repeat">
-      <a:schemeClr val="dk1"/>
-    </dgm:txFillClrLst>
-    <dgm:txEffectClrLst/>
-  </dgm:styleLbl>
-  <dgm:styleLbl name="conFgAcc1">
-    <dgm:fillClrLst meth="repeat">
-      <a:schemeClr val="lt1">
-        <a:alpha val="90000"/>
-      </a:schemeClr>
-    </dgm:fillClrLst>
-    <dgm:linClrLst meth="repeat">
-      <a:schemeClr val="accent1"/>
-    </dgm:linClrLst>
-    <dgm:effectClrLst/>
-    <dgm:txLinClrLst/>
-    <dgm:txFillClrLst meth="repeat">
-      <a:schemeClr val="dk1"/>
-    </dgm:txFillClrLst>
-    <dgm:txEffectClrLst/>
-  </dgm:styleLbl>
-  <dgm:styleLbl name="alignAcc1">
-    <dgm:fillClrLst meth="repeat">
-      <a:schemeClr val="lt1">
-        <a:alpha val="90000"/>
-      </a:schemeClr>
-    </dgm:fillClrLst>
-    <dgm:linClrLst meth="repeat">
-      <a:schemeClr val="accent1"/>
-    </dgm:linClrLst>
-    <dgm:effectClrLst/>
-    <dgm:txLinClrLst/>
-    <dgm:txFillClrLst meth="repeat">
-      <a:schemeClr val="dk1"/>
-    </dgm:txFillClrLst>
-    <dgm:txEffectClrLst/>
-  </dgm:styleLbl>
-  <dgm:styleLbl name="trAlignAcc1">
-    <dgm:fillClrLst meth="repeat">
-      <a:schemeClr val="lt1">
-        <a:alpha val="40000"/>
-      </a:schemeClr>
-    </dgm:fillClrLst>
-    <dgm:linClrLst meth="repeat">
-      <a:schemeClr val="accent1"/>
-    </dgm:linClrLst>
-    <dgm:effectClrLst/>
-    <dgm:txLinClrLst/>
-    <dgm:txFillClrLst meth="repeat">
-      <a:schemeClr val="dk1"/>
-    </dgm:txFillClrLst>
-    <dgm:txEffectClrLst/>
-  </dgm:styleLbl>
-  <dgm:styleLbl name="bgAcc1">
-    <dgm:fillClrLst meth="repeat">
-      <a:schemeClr val="lt1">
-        <a:alpha val="90000"/>
-      </a:schemeClr>
-    </dgm:fillClrLst>
-    <dgm:linClrLst meth="repeat">
-      <a:schemeClr val="accent1"/>
-    </dgm:linClrLst>
-    <dgm:effectClrLst/>
-    <dgm:txLinClrLst/>
-    <dgm:txFillClrLst meth="repeat">
-      <a:schemeClr val="dk1"/>
-    </dgm:txFillClrLst>
-    <dgm:txEffectClrLst/>
-  </dgm:styleLbl>
-  <dgm:styleLbl name="solidFgAcc1">
-    <dgm:fillClrLst meth="repeat">
-      <a:schemeClr val="lt1"/>
-    </dgm:fillClrLst>
-    <dgm:linClrLst meth="repeat">
-      <a:schemeClr val="accent1"/>
-    </dgm:linClrLst>
-    <dgm:effectClrLst/>
-    <dgm:txLinClrLst/>
-    <dgm:txFillClrLst meth="repeat">
-      <a:schemeClr val="dk1"/>
-    </dgm:txFillClrLst>
-    <dgm:txEffectClrLst/>
-  </dgm:styleLbl>
-  <dgm:styleLbl name="solidAlignAcc1">
-    <dgm:fillClrLst meth="repeat">
-      <a:schemeClr val="lt1"/>
-    </dgm:fillClrLst>
-    <dgm:linClrLst meth="repeat">
-      <a:schemeClr val="accent1"/>
-    </dgm:linClrLst>
-    <dgm:effectClrLst/>
-    <dgm:txLinClrLst/>
-    <dgm:txFillClrLst meth="repeat">
-      <a:schemeClr val="dk1"/>
-    </dgm:txFillClrLst>
-    <dgm:txEffectClrLst/>
-  </dgm:styleLbl>
-  <dgm:styleLbl name="solidBgAcc1">
-    <dgm:fillClrLst meth="repeat">
-      <a:schemeClr val="lt1"/>
-    </dgm:fillClrLst>
-    <dgm:linClrLst meth="repeat">
-      <a:schemeClr val="accent1"/>
-    </dgm:linClrLst>
-    <dgm:effectClrLst/>
-    <dgm:txLinClrLst/>
-    <dgm:txFillClrLst meth="repeat">
-      <a:schemeClr val="dk1"/>
-    </dgm:txFillClrLst>
-    <dgm:txEffectClrLst/>
-  </dgm:styleLbl>
-  <dgm:styleLbl name="fgAccFollowNode1">
-    <dgm:fillClrLst meth="repeat">
-      <a:schemeClr val="accent1">
-        <a:alpha val="90000"/>
-        <a:tint val="40000"/>
-      </a:schemeClr>
-    </dgm:fillClrLst>
-    <dgm:linClrLst meth="repeat">
-      <a:schemeClr val="accent1">
-        <a:alpha val="90000"/>
-        <a:tint val="40000"/>
-      </a:schemeClr>
-    </dgm:linClrLst>
-    <dgm:effectClrLst/>
-    <dgm:txLinClrLst/>
-    <dgm:txFillClrLst meth="repeat">
-      <a:schemeClr val="dk1"/>
-    </dgm:txFillClrLst>
-    <dgm:txEffectClrLst/>
-  </dgm:styleLbl>
-  <dgm:styleLbl name="alignAccFollowNode1">
-    <dgm:fillClrLst meth="repeat">
-      <a:schemeClr val="accent1">
-        <a:alpha val="90000"/>
-        <a:tint val="40000"/>
-      </a:schemeClr>
-    </dgm:fillClrLst>
-    <dgm:linClrLst meth="repeat">
-      <a:schemeClr val="accent1">
-        <a:alpha val="90000"/>
-        <a:tint val="40000"/>
-      </a:schemeClr>
-    </dgm:linClrLst>
-    <dgm:effectClrLst/>
-    <dgm:txLinClrLst/>
-    <dgm:txFillClrLst meth="repeat">
-      <a:schemeClr val="dk1"/>
-    </dgm:txFillClrLst>
-    <dgm:txEffectClrLst/>
-  </dgm:styleLbl>
-  <dgm:styleLbl name="bgAccFollowNode1">
-    <dgm:fillClrLst meth="repeat">
-      <a:schemeClr val="accent1">
-        <a:alpha val="90000"/>
-        <a:tint val="40000"/>
-      </a:schemeClr>
-    </dgm:fillClrLst>
-    <dgm:linClrLst meth="repeat">
-      <a:schemeClr val="accent1">
-        <a:alpha val="90000"/>
-        <a:tint val="40000"/>
-      </a:schemeClr>
-    </dgm:linClrLst>
-    <dgm:effectClrLst/>
-    <dgm:txLinClrLst/>
-    <dgm:txFillClrLst meth="repeat">
-      <a:schemeClr val="dk1"/>
-    </dgm:txFillClrLst>
-    <dgm:txEffectClrLst/>
-  </dgm:styleLbl>
-  <dgm:styleLbl name="fgAcc0">
-    <dgm:fillClrLst meth="repeat">
-      <a:schemeClr val="lt1">
-        <a:alpha val="90000"/>
-      </a:schemeClr>
-    </dgm:fillClrLst>
-    <dgm:linClrLst meth="repeat">
-      <a:schemeClr val="accent1"/>
-    </dgm:linClrLst>
-    <dgm:effectClrLst/>
-    <dgm:txLinClrLst/>
-    <dgm:txFillClrLst meth="repeat">
-      <a:schemeClr val="dk1"/>
-    </dgm:txFillClrLst>
-    <dgm:txEffectClrLst/>
-  </dgm:styleLbl>
-  <dgm:styleLbl name="fgAcc2">
-    <dgm:fillClrLst meth="repeat">
-      <a:schemeClr val="lt1">
-        <a:alpha val="90000"/>
-      </a:schemeClr>
-    </dgm:fillClrLst>
-    <dgm:linClrLst meth="repeat">
-      <a:schemeClr val="accent1"/>
-    </dgm:linClrLst>
-    <dgm:effectClrLst/>
-    <dgm:txLinClrLst/>
-    <dgm:txFillClrLst meth="repeat">
-      <a:schemeClr val="dk1"/>
-    </dgm:txFillClrLst>
-    <dgm:txEffectClrLst/>
-  </dgm:styleLbl>
-  <dgm:styleLbl name="fgAcc3">
-    <dgm:fillClrLst meth="repeat">
-      <a:schemeClr val="lt1">
-        <a:alpha val="90000"/>
-      </a:schemeClr>
-    </dgm:fillClrLst>
-    <dgm:linClrLst meth="repeat">
-      <a:schemeClr val="accent1"/>
-    </dgm:linClrLst>
-    <dgm:effectClrLst/>
-    <dgm:txLinClrLst/>
-    <dgm:txFillClrLst meth="repeat">
-      <a:schemeClr val="dk1"/>
-    </dgm:txFillClrLst>
-    <dgm:txEffectClrLst/>
-  </dgm:styleLbl>
-  <dgm:styleLbl name="fgAcc4">
-    <dgm:fillClrLst meth="repeat">
-      <a:schemeClr val="lt1">
-        <a:alpha val="90000"/>
-      </a:schemeClr>
-    </dgm:fillClrLst>
-    <dgm:linClrLst meth="repeat">
-      <a:schemeClr val="accent1"/>
-    </dgm:linClrLst>
-    <dgm:effectClrLst/>
-    <dgm:txLinClrLst/>
-    <dgm:txFillClrLst meth="repeat">
-      <a:schemeClr val="dk1"/>
-    </dgm:txFillClrLst>
-    <dgm:txEffectClrLst/>
-  </dgm:styleLbl>
-  <dgm:styleLbl name="bgShp">
-    <dgm:fillClrLst meth="repeat">
-      <a:schemeClr val="accent1">
-        <a:tint val="40000"/>
-      </a:schemeClr>
-    </dgm:fillClrLst>
-    <dgm:linClrLst meth="repeat">
-      <a:schemeClr val="accent1"/>
-    </dgm:linClrLst>
-    <dgm:effectClrLst/>
-    <dgm:txLinClrLst/>
-    <dgm:txFillClrLst meth="repeat">
-      <a:schemeClr val="dk1"/>
-    </dgm:txFillClrLst>
-    <dgm:txEffectClrLst/>
-  </dgm:styleLbl>
-  <dgm:styleLbl name="dkBgShp">
-    <dgm:fillClrLst meth="repeat">
-      <a:schemeClr val="accent1">
-        <a:shade val="80000"/>
-      </a:schemeClr>
-    </dgm:fillClrLst>
-    <dgm:linClrLst meth="repeat">
-      <a:schemeClr val="accent1"/>
-    </dgm:linClrLst>
-    <dgm:effectClrLst/>
-    <dgm:txLinClrLst/>
-    <dgm:txFillClrLst meth="repeat">
-      <a:schemeClr val="lt1"/>
-    </dgm:txFillClrLst>
-    <dgm:txEffectClrLst/>
-  </dgm:styleLbl>
-  <dgm:styleLbl name="trBgShp">
-    <dgm:fillClrLst meth="repeat">
-      <a:schemeClr val="accent1">
-        <a:tint val="50000"/>
-        <a:alpha val="40000"/>
-      </a:schemeClr>
-    </dgm:fillClrLst>
-    <dgm:linClrLst meth="repeat">
-      <a:schemeClr val="accent1"/>
-    </dgm:linClrLst>
-    <dgm:effectClrLst/>
-    <dgm:txLinClrLst/>
-    <dgm:txFillClrLst meth="repeat">
-      <a:schemeClr val="lt1"/>
-    </dgm:txFillClrLst>
-    <dgm:txEffectClrLst/>
-  </dgm:styleLbl>
-  <dgm:styleLbl name="fgShp">
-    <dgm:fillClrLst meth="repeat">
-      <a:schemeClr val="accent1">
-        <a:tint val="60000"/>
-      </a:schemeClr>
-    </dgm:fillClrLst>
-    <dgm:linClrLst meth="repeat">
-      <a:schemeClr val="lt1"/>
-    </dgm:linClrLst>
-    <dgm:effectClrLst/>
-    <dgm:txLinClrLst/>
-    <dgm:txFillClrLst meth="repeat">
-      <a:schemeClr val="dk1"/>
-    </dgm:txFillClrLst>
-    <dgm:txEffectClrLst/>
-  </dgm:styleLbl>
-  <dgm:styleLbl name="revTx">
-    <dgm:fillClrLst meth="repeat">
-      <a:schemeClr val="lt1">
-        <a:alpha val="0"/>
-      </a:schemeClr>
-    </dgm:fillClrLst>
-    <dgm:linClrLst meth="repeat">
-      <a:schemeClr val="dk1">
-        <a:alpha val="0"/>
-      </a:schemeClr>
-    </dgm:linClrLst>
-    <dgm:effectClrLst/>
-    <dgm:txLinClrLst/>
-    <dgm:txFillClrLst meth="repeat">
-      <a:schemeClr val="tx1"/>
-    </dgm:txFillClrLst>
-    <dgm:txEffectClrLst/>
-  </dgm:styleLbl>
-</dgm:colorsDef>
-</file>
-
-<file path=ppt/diagrams/colors4.xml><?xml version="1.0" encoding="utf-8"?>
 <dgm:colorsDef xmlns:dgm="http://schemas.openxmlformats.org/drawingml/2006/diagram" xmlns:a="http://schemas.openxmlformats.org/drawingml/2006/main" uniqueId="urn:microsoft.com/office/officeart/2005/8/colors/accent1_2">
   <dgm:title val=""/>
   <dgm:desc val=""/>
@@ -4036,592 +2535,6 @@
 </dgm:dataModel>
 </file>
 
-<file path=ppt/diagrams/data3.xml><?xml version="1.0" encoding="utf-8"?>
-<dgm:dataModel xmlns:dgm="http://schemas.openxmlformats.org/drawingml/2006/diagram" xmlns:a="http://schemas.openxmlformats.org/drawingml/2006/main">
-  <dgm:ptLst>
-    <dgm:pt modelId="{EBA956B9-8AA8-4C09-A042-F12559543711}" type="doc">
-      <dgm:prSet loTypeId="urn:microsoft.com/office/officeart/2008/layout/AlternatingHexagons" loCatId="list" qsTypeId="urn:microsoft.com/office/officeart/2005/8/quickstyle/simple1" qsCatId="simple" csTypeId="urn:microsoft.com/office/officeart/2005/8/colors/accent1_2" csCatId="accent1" phldr="1"/>
-      <dgm:spPr/>
-      <dgm:t>
-        <a:bodyPr/>
-        <a:lstStyle/>
-        <a:p>
-          <a:endParaRPr lang="en-US"/>
-        </a:p>
-      </dgm:t>
-    </dgm:pt>
-    <dgm:pt modelId="{DFA9EDA4-D9DD-44C8-9AC2-E14B5628EAEA}">
-      <dgm:prSet phldrT="[Text]"/>
-      <dgm:spPr/>
-      <dgm:t>
-        <a:bodyPr/>
-        <a:lstStyle/>
-        <a:p>
-          <a:r>
-            <a:rPr lang="en-US" dirty="0" smtClean="0"/>
-            <a:t>code2</a:t>
-          </a:r>
-          <a:endParaRPr lang="en-US" dirty="0"/>
-        </a:p>
-      </dgm:t>
-    </dgm:pt>
-    <dgm:pt modelId="{B3AFC30B-A1AF-46BA-8ADF-5684A94E8972}" type="parTrans" cxnId="{EC83C866-A311-451C-8A65-4B7F158B5FCA}">
-      <dgm:prSet/>
-      <dgm:spPr/>
-      <dgm:t>
-        <a:bodyPr/>
-        <a:lstStyle/>
-        <a:p>
-          <a:endParaRPr lang="en-US"/>
-        </a:p>
-      </dgm:t>
-    </dgm:pt>
-    <dgm:pt modelId="{D4A37EBF-84D2-4B44-B1E8-85FE4AF363EE}" type="sibTrans" cxnId="{EC83C866-A311-451C-8A65-4B7F158B5FCA}">
-      <dgm:prSet/>
-      <dgm:spPr/>
-      <dgm:t>
-        <a:bodyPr/>
-        <a:lstStyle/>
-        <a:p>
-          <a:r>
-            <a:rPr lang="en-US" dirty="0" smtClean="0"/>
-            <a:t>code1</a:t>
-          </a:r>
-          <a:endParaRPr lang="en-US" dirty="0"/>
-        </a:p>
-      </dgm:t>
-    </dgm:pt>
-    <dgm:pt modelId="{7E05D667-AF25-40F8-A435-2D17D074E566}">
-      <dgm:prSet phldrT="[Text]"/>
-      <dgm:spPr/>
-      <dgm:t>
-        <a:bodyPr/>
-        <a:lstStyle/>
-        <a:p>
-          <a:r>
-            <a:rPr lang="en-US" dirty="0" smtClean="0"/>
-            <a:t>Code 3</a:t>
-          </a:r>
-          <a:endParaRPr lang="en-US" dirty="0"/>
-        </a:p>
-      </dgm:t>
-    </dgm:pt>
-    <dgm:pt modelId="{9F2CCD9B-12FD-4261-9934-5A17AD108225}" type="parTrans" cxnId="{005E5C72-7A8B-40E7-BA09-EE8BC763B96F}">
-      <dgm:prSet/>
-      <dgm:spPr/>
-      <dgm:t>
-        <a:bodyPr/>
-        <a:lstStyle/>
-        <a:p>
-          <a:endParaRPr lang="en-US"/>
-        </a:p>
-      </dgm:t>
-    </dgm:pt>
-    <dgm:pt modelId="{01AA8283-1DBB-4CDA-BBF9-95436A57932F}" type="sibTrans" cxnId="{005E5C72-7A8B-40E7-BA09-EE8BC763B96F}">
-      <dgm:prSet/>
-      <dgm:spPr/>
-      <dgm:t>
-        <a:bodyPr/>
-        <a:lstStyle/>
-        <a:p>
-          <a:r>
-            <a:rPr lang="en-US" dirty="0" smtClean="0"/>
-            <a:t>code4</a:t>
-          </a:r>
-          <a:endParaRPr lang="en-US" dirty="0"/>
-        </a:p>
-      </dgm:t>
-    </dgm:pt>
-    <dgm:pt modelId="{60B1FFD0-0763-4574-B410-A6988B4EED25}">
-      <dgm:prSet phldrT="[Text]"/>
-      <dgm:spPr/>
-      <dgm:t>
-        <a:bodyPr/>
-        <a:lstStyle/>
-        <a:p>
-          <a:endParaRPr lang="en-US" dirty="0"/>
-        </a:p>
-      </dgm:t>
-    </dgm:pt>
-    <dgm:pt modelId="{A56F651D-7693-492C-94CF-AFADC33A69BD}" type="parTrans" cxnId="{17BBF473-42B5-4AA2-8D07-4648901D94A6}">
-      <dgm:prSet/>
-      <dgm:spPr/>
-      <dgm:t>
-        <a:bodyPr/>
-        <a:lstStyle/>
-        <a:p>
-          <a:endParaRPr lang="en-US"/>
-        </a:p>
-      </dgm:t>
-    </dgm:pt>
-    <dgm:pt modelId="{2DF65D7E-8F3D-49A2-90AC-9307E9CA1482}" type="sibTrans" cxnId="{17BBF473-42B5-4AA2-8D07-4648901D94A6}">
-      <dgm:prSet/>
-      <dgm:spPr/>
-      <dgm:t>
-        <a:bodyPr/>
-        <a:lstStyle/>
-        <a:p>
-          <a:endParaRPr lang="en-US"/>
-        </a:p>
-      </dgm:t>
-    </dgm:pt>
-    <dgm:pt modelId="{C8819DA0-0A0D-4809-A697-8EE17C27F8FD}" type="pres">
-      <dgm:prSet presAssocID="{EBA956B9-8AA8-4C09-A042-F12559543711}" presName="Name0" presStyleCnt="0">
-        <dgm:presLayoutVars>
-          <dgm:chMax/>
-          <dgm:chPref/>
-          <dgm:dir/>
-          <dgm:animLvl val="lvl"/>
-        </dgm:presLayoutVars>
-      </dgm:prSet>
-      <dgm:spPr/>
-    </dgm:pt>
-    <dgm:pt modelId="{85E02B51-8424-4698-A1D8-7387BFC7AE79}" type="pres">
-      <dgm:prSet presAssocID="{DFA9EDA4-D9DD-44C8-9AC2-E14B5628EAEA}" presName="composite" presStyleCnt="0"/>
-      <dgm:spPr/>
-    </dgm:pt>
-    <dgm:pt modelId="{1CEF3C90-5AFE-47A2-913C-0D42C000C14C}" type="pres">
-      <dgm:prSet presAssocID="{DFA9EDA4-D9DD-44C8-9AC2-E14B5628EAEA}" presName="Parent1" presStyleLbl="node1" presStyleIdx="0" presStyleCnt="4" custLinFactX="-26573" custLinFactNeighborX="-100000" custLinFactNeighborY="-112">
-        <dgm:presLayoutVars>
-          <dgm:chMax val="1"/>
-          <dgm:chPref val="1"/>
-          <dgm:bulletEnabled val="1"/>
-        </dgm:presLayoutVars>
-      </dgm:prSet>
-      <dgm:spPr/>
-    </dgm:pt>
-    <dgm:pt modelId="{EF8FA3B5-F5CF-4A95-9D97-D77A25F8D216}" type="pres">
-      <dgm:prSet presAssocID="{DFA9EDA4-D9DD-44C8-9AC2-E14B5628EAEA}" presName="Childtext1" presStyleLbl="revTx" presStyleIdx="0" presStyleCnt="2">
-        <dgm:presLayoutVars>
-          <dgm:chMax val="0"/>
-          <dgm:chPref val="0"/>
-          <dgm:bulletEnabled val="1"/>
-        </dgm:presLayoutVars>
-      </dgm:prSet>
-      <dgm:spPr/>
-      <dgm:t>
-        <a:bodyPr/>
-        <a:lstStyle/>
-        <a:p>
-          <a:endParaRPr lang="en-US"/>
-        </a:p>
-      </dgm:t>
-    </dgm:pt>
-    <dgm:pt modelId="{298D7740-3D1F-4D3E-BEBA-3F4A4183C2F1}" type="pres">
-      <dgm:prSet presAssocID="{DFA9EDA4-D9DD-44C8-9AC2-E14B5628EAEA}" presName="BalanceSpacing" presStyleCnt="0"/>
-      <dgm:spPr/>
-    </dgm:pt>
-    <dgm:pt modelId="{A605766A-D973-401B-9488-D0E2540CCDEA}" type="pres">
-      <dgm:prSet presAssocID="{DFA9EDA4-D9DD-44C8-9AC2-E14B5628EAEA}" presName="BalanceSpacing1" presStyleCnt="0"/>
-      <dgm:spPr/>
-    </dgm:pt>
-    <dgm:pt modelId="{36CC621C-EEBA-4032-A1C4-95D93E13E7B4}" type="pres">
-      <dgm:prSet presAssocID="{D4A37EBF-84D2-4B44-B1E8-85FE4AF363EE}" presName="Accent1Text" presStyleLbl="node1" presStyleIdx="1" presStyleCnt="4" custLinFactX="-100000" custLinFactNeighborX="-157206" custLinFactNeighborY="-9732"/>
-      <dgm:spPr/>
-    </dgm:pt>
-    <dgm:pt modelId="{9C0F2BCD-F43D-4A3C-BA7A-519BADA96AD6}" type="pres">
-      <dgm:prSet presAssocID="{D4A37EBF-84D2-4B44-B1E8-85FE4AF363EE}" presName="spaceBetweenRectangles" presStyleCnt="0"/>
-      <dgm:spPr/>
-    </dgm:pt>
-    <dgm:pt modelId="{067A95DD-E9E6-4A81-934E-E32D66C89010}" type="pres">
-      <dgm:prSet presAssocID="{7E05D667-AF25-40F8-A435-2D17D074E566}" presName="composite" presStyleCnt="0"/>
-      <dgm:spPr/>
-    </dgm:pt>
-    <dgm:pt modelId="{BADB0BD2-CE74-4F03-B6B4-AEA52D935E43}" type="pres">
-      <dgm:prSet presAssocID="{7E05D667-AF25-40F8-A435-2D17D074E566}" presName="Parent1" presStyleLbl="node1" presStyleIdx="2" presStyleCnt="4" custLinFactX="61866" custLinFactNeighborX="100000" custLinFactNeighborY="-80841">
-        <dgm:presLayoutVars>
-          <dgm:chMax val="1"/>
-          <dgm:chPref val="1"/>
-          <dgm:bulletEnabled val="1"/>
-        </dgm:presLayoutVars>
-      </dgm:prSet>
-      <dgm:spPr/>
-      <dgm:t>
-        <a:bodyPr/>
-        <a:lstStyle/>
-        <a:p>
-          <a:endParaRPr lang="en-US"/>
-        </a:p>
-      </dgm:t>
-    </dgm:pt>
-    <dgm:pt modelId="{16B7D3A3-56DC-416A-9D44-98A1CDBB4E4D}" type="pres">
-      <dgm:prSet presAssocID="{7E05D667-AF25-40F8-A435-2D17D074E566}" presName="Childtext1" presStyleLbl="revTx" presStyleIdx="1" presStyleCnt="2">
-        <dgm:presLayoutVars>
-          <dgm:chMax val="0"/>
-          <dgm:chPref val="0"/>
-          <dgm:bulletEnabled val="1"/>
-        </dgm:presLayoutVars>
-      </dgm:prSet>
-      <dgm:spPr/>
-      <dgm:t>
-        <a:bodyPr/>
-        <a:lstStyle/>
-        <a:p>
-          <a:endParaRPr lang="en-US"/>
-        </a:p>
-      </dgm:t>
-    </dgm:pt>
-    <dgm:pt modelId="{D7867577-8C2C-4494-A717-E7742E7BF66A}" type="pres">
-      <dgm:prSet presAssocID="{7E05D667-AF25-40F8-A435-2D17D074E566}" presName="BalanceSpacing" presStyleCnt="0"/>
-      <dgm:spPr/>
-    </dgm:pt>
-    <dgm:pt modelId="{1C8EE4AF-587F-4D3D-B304-8F1C0A7C24BA}" type="pres">
-      <dgm:prSet presAssocID="{7E05D667-AF25-40F8-A435-2D17D074E566}" presName="BalanceSpacing1" presStyleCnt="0"/>
-      <dgm:spPr/>
-    </dgm:pt>
-    <dgm:pt modelId="{B54F54A5-26B8-4787-8570-EDBF36A08DD1}" type="pres">
-      <dgm:prSet presAssocID="{01AA8283-1DBB-4CDA-BBF9-95436A57932F}" presName="Accent1Text" presStyleLbl="node1" presStyleIdx="3" presStyleCnt="4" custLinFactX="100000" custLinFactNeighborX="174005" custLinFactNeighborY="-83072"/>
-      <dgm:spPr/>
-    </dgm:pt>
-  </dgm:ptLst>
-  <dgm:cxnLst>
-    <dgm:cxn modelId="{EA2FFEC8-B5B6-4BA8-B6E7-45DA64592B77}" type="presOf" srcId="{7E05D667-AF25-40F8-A435-2D17D074E566}" destId="{BADB0BD2-CE74-4F03-B6B4-AEA52D935E43}" srcOrd="0" destOrd="0" presId="urn:microsoft.com/office/officeart/2008/layout/AlternatingHexagons"/>
-    <dgm:cxn modelId="{005E5C72-7A8B-40E7-BA09-EE8BC763B96F}" srcId="{EBA956B9-8AA8-4C09-A042-F12559543711}" destId="{7E05D667-AF25-40F8-A435-2D17D074E566}" srcOrd="1" destOrd="0" parTransId="{9F2CCD9B-12FD-4261-9934-5A17AD108225}" sibTransId="{01AA8283-1DBB-4CDA-BBF9-95436A57932F}"/>
-    <dgm:cxn modelId="{14AC3F79-D1B7-4516-BEA8-0A3A609B5061}" type="presOf" srcId="{01AA8283-1DBB-4CDA-BBF9-95436A57932F}" destId="{B54F54A5-26B8-4787-8570-EDBF36A08DD1}" srcOrd="0" destOrd="0" presId="urn:microsoft.com/office/officeart/2008/layout/AlternatingHexagons"/>
-    <dgm:cxn modelId="{FEE453CF-602B-4506-AF2B-1F9A26DC9E7A}" type="presOf" srcId="{60B1FFD0-0763-4574-B410-A6988B4EED25}" destId="{16B7D3A3-56DC-416A-9D44-98A1CDBB4E4D}" srcOrd="0" destOrd="0" presId="urn:microsoft.com/office/officeart/2008/layout/AlternatingHexagons"/>
-    <dgm:cxn modelId="{C0531991-F539-49CE-BF6C-28777E8F317A}" type="presOf" srcId="{D4A37EBF-84D2-4B44-B1E8-85FE4AF363EE}" destId="{36CC621C-EEBA-4032-A1C4-95D93E13E7B4}" srcOrd="0" destOrd="0" presId="urn:microsoft.com/office/officeart/2008/layout/AlternatingHexagons"/>
-    <dgm:cxn modelId="{EC83C866-A311-451C-8A65-4B7F158B5FCA}" srcId="{EBA956B9-8AA8-4C09-A042-F12559543711}" destId="{DFA9EDA4-D9DD-44C8-9AC2-E14B5628EAEA}" srcOrd="0" destOrd="0" parTransId="{B3AFC30B-A1AF-46BA-8ADF-5684A94E8972}" sibTransId="{D4A37EBF-84D2-4B44-B1E8-85FE4AF363EE}"/>
-    <dgm:cxn modelId="{D1BD9F95-802C-435B-9699-55D247ABD7B2}" type="presOf" srcId="{EBA956B9-8AA8-4C09-A042-F12559543711}" destId="{C8819DA0-0A0D-4809-A697-8EE17C27F8FD}" srcOrd="0" destOrd="0" presId="urn:microsoft.com/office/officeart/2008/layout/AlternatingHexagons"/>
-    <dgm:cxn modelId="{A4283E76-7005-43EC-8D61-DB22CBAE86A3}" type="presOf" srcId="{DFA9EDA4-D9DD-44C8-9AC2-E14B5628EAEA}" destId="{1CEF3C90-5AFE-47A2-913C-0D42C000C14C}" srcOrd="0" destOrd="0" presId="urn:microsoft.com/office/officeart/2008/layout/AlternatingHexagons"/>
-    <dgm:cxn modelId="{17BBF473-42B5-4AA2-8D07-4648901D94A6}" srcId="{7E05D667-AF25-40F8-A435-2D17D074E566}" destId="{60B1FFD0-0763-4574-B410-A6988B4EED25}" srcOrd="0" destOrd="0" parTransId="{A56F651D-7693-492C-94CF-AFADC33A69BD}" sibTransId="{2DF65D7E-8F3D-49A2-90AC-9307E9CA1482}"/>
-    <dgm:cxn modelId="{35737700-124D-4D3D-9368-B0C796D753C3}" type="presParOf" srcId="{C8819DA0-0A0D-4809-A697-8EE17C27F8FD}" destId="{85E02B51-8424-4698-A1D8-7387BFC7AE79}" srcOrd="0" destOrd="0" presId="urn:microsoft.com/office/officeart/2008/layout/AlternatingHexagons"/>
-    <dgm:cxn modelId="{8F62244E-B7FC-43EE-8AF2-BFCFC859E9FB}" type="presParOf" srcId="{85E02B51-8424-4698-A1D8-7387BFC7AE79}" destId="{1CEF3C90-5AFE-47A2-913C-0D42C000C14C}" srcOrd="0" destOrd="0" presId="urn:microsoft.com/office/officeart/2008/layout/AlternatingHexagons"/>
-    <dgm:cxn modelId="{B90D5C15-C29C-494C-950E-089276DD0F6A}" type="presParOf" srcId="{85E02B51-8424-4698-A1D8-7387BFC7AE79}" destId="{EF8FA3B5-F5CF-4A95-9D97-D77A25F8D216}" srcOrd="1" destOrd="0" presId="urn:microsoft.com/office/officeart/2008/layout/AlternatingHexagons"/>
-    <dgm:cxn modelId="{E41DEB32-8B82-48CC-B57B-DCF0B7DC9B5F}" type="presParOf" srcId="{85E02B51-8424-4698-A1D8-7387BFC7AE79}" destId="{298D7740-3D1F-4D3E-BEBA-3F4A4183C2F1}" srcOrd="2" destOrd="0" presId="urn:microsoft.com/office/officeart/2008/layout/AlternatingHexagons"/>
-    <dgm:cxn modelId="{319B03FA-589A-4725-AFE9-AE27BDC10DA2}" type="presParOf" srcId="{85E02B51-8424-4698-A1D8-7387BFC7AE79}" destId="{A605766A-D973-401B-9488-D0E2540CCDEA}" srcOrd="3" destOrd="0" presId="urn:microsoft.com/office/officeart/2008/layout/AlternatingHexagons"/>
-    <dgm:cxn modelId="{DE302FAF-704A-4D1F-98E2-EF46E0C999D3}" type="presParOf" srcId="{85E02B51-8424-4698-A1D8-7387BFC7AE79}" destId="{36CC621C-EEBA-4032-A1C4-95D93E13E7B4}" srcOrd="4" destOrd="0" presId="urn:microsoft.com/office/officeart/2008/layout/AlternatingHexagons"/>
-    <dgm:cxn modelId="{BE19AE58-F307-47D0-B3BD-ADC10E7B4CBC}" type="presParOf" srcId="{C8819DA0-0A0D-4809-A697-8EE17C27F8FD}" destId="{9C0F2BCD-F43D-4A3C-BA7A-519BADA96AD6}" srcOrd="1" destOrd="0" presId="urn:microsoft.com/office/officeart/2008/layout/AlternatingHexagons"/>
-    <dgm:cxn modelId="{B0612B10-3942-412F-AA57-C069DFADC111}" type="presParOf" srcId="{C8819DA0-0A0D-4809-A697-8EE17C27F8FD}" destId="{067A95DD-E9E6-4A81-934E-E32D66C89010}" srcOrd="2" destOrd="0" presId="urn:microsoft.com/office/officeart/2008/layout/AlternatingHexagons"/>
-    <dgm:cxn modelId="{0F76F2E3-1C40-405A-BCAE-F0743B9BCDF7}" type="presParOf" srcId="{067A95DD-E9E6-4A81-934E-E32D66C89010}" destId="{BADB0BD2-CE74-4F03-B6B4-AEA52D935E43}" srcOrd="0" destOrd="0" presId="urn:microsoft.com/office/officeart/2008/layout/AlternatingHexagons"/>
-    <dgm:cxn modelId="{01DA61B6-1DEA-4E07-A172-0462098FB03E}" type="presParOf" srcId="{067A95DD-E9E6-4A81-934E-E32D66C89010}" destId="{16B7D3A3-56DC-416A-9D44-98A1CDBB4E4D}" srcOrd="1" destOrd="0" presId="urn:microsoft.com/office/officeart/2008/layout/AlternatingHexagons"/>
-    <dgm:cxn modelId="{9CC5B19D-C961-4B66-BA80-B384B16876B6}" type="presParOf" srcId="{067A95DD-E9E6-4A81-934E-E32D66C89010}" destId="{D7867577-8C2C-4494-A717-E7742E7BF66A}" srcOrd="2" destOrd="0" presId="urn:microsoft.com/office/officeart/2008/layout/AlternatingHexagons"/>
-    <dgm:cxn modelId="{C0A4097E-3708-4974-BEC6-A76E1CFD07ED}" type="presParOf" srcId="{067A95DD-E9E6-4A81-934E-E32D66C89010}" destId="{1C8EE4AF-587F-4D3D-B304-8F1C0A7C24BA}" srcOrd="3" destOrd="0" presId="urn:microsoft.com/office/officeart/2008/layout/AlternatingHexagons"/>
-    <dgm:cxn modelId="{EBEFC7B2-C6F2-459C-BB5C-08ACA67EF24D}" type="presParOf" srcId="{067A95DD-E9E6-4A81-934E-E32D66C89010}" destId="{B54F54A5-26B8-4787-8570-EDBF36A08DD1}" srcOrd="4" destOrd="0" presId="urn:microsoft.com/office/officeart/2008/layout/AlternatingHexagons"/>
-  </dgm:cxnLst>
-  <dgm:bg/>
-  <dgm:whole/>
-  <dgm:extLst>
-    <a:ext uri="http://schemas.microsoft.com/office/drawing/2008/diagram">
-      <dsp:dataModelExt xmlns:dsp="http://schemas.microsoft.com/office/drawing/2008/diagram" relId="rId6" minVer="http://schemas.openxmlformats.org/drawingml/2006/diagram"/>
-    </a:ext>
-  </dgm:extLst>
-</dgm:dataModel>
-</file>
-
-<file path=ppt/diagrams/data4.xml><?xml version="1.0" encoding="utf-8"?>
-<dgm:dataModel xmlns:dgm="http://schemas.openxmlformats.org/drawingml/2006/diagram" xmlns:a="http://schemas.openxmlformats.org/drawingml/2006/main">
-  <dgm:ptLst>
-    <dgm:pt modelId="{EBA956B9-8AA8-4C09-A042-F12559543711}" type="doc">
-      <dgm:prSet loTypeId="urn:microsoft.com/office/officeart/2008/layout/AlternatingHexagons" loCatId="list" qsTypeId="urn:microsoft.com/office/officeart/2005/8/quickstyle/simple1" qsCatId="simple" csTypeId="urn:microsoft.com/office/officeart/2005/8/colors/accent1_2" csCatId="accent1" phldr="1"/>
-      <dgm:spPr/>
-      <dgm:t>
-        <a:bodyPr/>
-        <a:lstStyle/>
-        <a:p>
-          <a:endParaRPr lang="en-US"/>
-        </a:p>
-      </dgm:t>
-    </dgm:pt>
-    <dgm:pt modelId="{DFA9EDA4-D9DD-44C8-9AC2-E14B5628EAEA}">
-      <dgm:prSet phldrT="[Text]"/>
-      <dgm:spPr/>
-      <dgm:t>
-        <a:bodyPr/>
-        <a:lstStyle/>
-        <a:p>
-          <a:endParaRPr lang="en-US" dirty="0" smtClean="0"/>
-        </a:p>
-        <a:p>
-          <a:r>
-            <a:rPr lang="en-US" dirty="0" smtClean="0"/>
-            <a:t>testedcode</a:t>
-          </a:r>
-          <a:r>
-            <a:rPr lang="en-US" dirty="0" smtClean="0"/>
-            <a:t>2</a:t>
-          </a:r>
-          <a:endParaRPr lang="en-US" dirty="0"/>
-        </a:p>
-      </dgm:t>
-    </dgm:pt>
-    <dgm:pt modelId="{B3AFC30B-A1AF-46BA-8ADF-5684A94E8972}" type="parTrans" cxnId="{EC83C866-A311-451C-8A65-4B7F158B5FCA}">
-      <dgm:prSet/>
-      <dgm:spPr/>
-      <dgm:t>
-        <a:bodyPr/>
-        <a:lstStyle/>
-        <a:p>
-          <a:endParaRPr lang="en-US"/>
-        </a:p>
-      </dgm:t>
-    </dgm:pt>
-    <dgm:pt modelId="{D4A37EBF-84D2-4B44-B1E8-85FE4AF363EE}" type="sibTrans" cxnId="{EC83C866-A311-451C-8A65-4B7F158B5FCA}">
-      <dgm:prSet/>
-      <dgm:spPr/>
-      <dgm:t>
-        <a:bodyPr/>
-        <a:lstStyle/>
-        <a:p>
-          <a:r>
-            <a:rPr lang="en-US" dirty="0" smtClean="0"/>
-            <a:t>testedcode1</a:t>
-          </a:r>
-          <a:endParaRPr lang="en-US" dirty="0"/>
-        </a:p>
-      </dgm:t>
-    </dgm:pt>
-    <dgm:pt modelId="{7E05D667-AF25-40F8-A435-2D17D074E566}">
-      <dgm:prSet phldrT="[Text]"/>
-      <dgm:spPr/>
-      <dgm:t>
-        <a:bodyPr/>
-        <a:lstStyle/>
-        <a:p>
-          <a:endParaRPr lang="en-US" dirty="0" smtClean="0"/>
-        </a:p>
-        <a:p>
-          <a:r>
-            <a:rPr lang="en-US" dirty="0" smtClean="0"/>
-            <a:t>testedcode</a:t>
-          </a:r>
-          <a:r>
-            <a:rPr lang="en-US" dirty="0" smtClean="0"/>
-            <a:t>3</a:t>
-          </a:r>
-          <a:endParaRPr lang="en-US" dirty="0"/>
-        </a:p>
-      </dgm:t>
-    </dgm:pt>
-    <dgm:pt modelId="{9F2CCD9B-12FD-4261-9934-5A17AD108225}" type="parTrans" cxnId="{005E5C72-7A8B-40E7-BA09-EE8BC763B96F}">
-      <dgm:prSet/>
-      <dgm:spPr/>
-      <dgm:t>
-        <a:bodyPr/>
-        <a:lstStyle/>
-        <a:p>
-          <a:endParaRPr lang="en-US"/>
-        </a:p>
-      </dgm:t>
-    </dgm:pt>
-    <dgm:pt modelId="{01AA8283-1DBB-4CDA-BBF9-95436A57932F}" type="sibTrans" cxnId="{005E5C72-7A8B-40E7-BA09-EE8BC763B96F}">
-      <dgm:prSet/>
-      <dgm:spPr/>
-      <dgm:t>
-        <a:bodyPr/>
-        <a:lstStyle/>
-        <a:p>
-          <a:endParaRPr lang="en-US" dirty="0" smtClean="0"/>
-        </a:p>
-        <a:p>
-          <a:r>
-            <a:rPr lang="en-US" dirty="0" smtClean="0"/>
-            <a:t>testedcode</a:t>
-          </a:r>
-          <a:r>
-            <a:rPr lang="en-US" dirty="0" smtClean="0"/>
-            <a:t>4</a:t>
-          </a:r>
-          <a:endParaRPr lang="en-US" dirty="0"/>
-        </a:p>
-      </dgm:t>
-    </dgm:pt>
-    <dgm:pt modelId="{60B1FFD0-0763-4574-B410-A6988B4EED25}">
-      <dgm:prSet phldrT="[Text]"/>
-      <dgm:spPr/>
-      <dgm:t>
-        <a:bodyPr/>
-        <a:lstStyle/>
-        <a:p>
-          <a:endParaRPr lang="en-US" dirty="0"/>
-        </a:p>
-      </dgm:t>
-    </dgm:pt>
-    <dgm:pt modelId="{A56F651D-7693-492C-94CF-AFADC33A69BD}" type="parTrans" cxnId="{17BBF473-42B5-4AA2-8D07-4648901D94A6}">
-      <dgm:prSet/>
-      <dgm:spPr/>
-      <dgm:t>
-        <a:bodyPr/>
-        <a:lstStyle/>
-        <a:p>
-          <a:endParaRPr lang="en-US"/>
-        </a:p>
-      </dgm:t>
-    </dgm:pt>
-    <dgm:pt modelId="{2DF65D7E-8F3D-49A2-90AC-9307E9CA1482}" type="sibTrans" cxnId="{17BBF473-42B5-4AA2-8D07-4648901D94A6}">
-      <dgm:prSet/>
-      <dgm:spPr/>
-      <dgm:t>
-        <a:bodyPr/>
-        <a:lstStyle/>
-        <a:p>
-          <a:endParaRPr lang="en-US"/>
-        </a:p>
-      </dgm:t>
-    </dgm:pt>
-    <dgm:pt modelId="{C8819DA0-0A0D-4809-A697-8EE17C27F8FD}" type="pres">
-      <dgm:prSet presAssocID="{EBA956B9-8AA8-4C09-A042-F12559543711}" presName="Name0" presStyleCnt="0">
-        <dgm:presLayoutVars>
-          <dgm:chMax/>
-          <dgm:chPref/>
-          <dgm:dir/>
-          <dgm:animLvl val="lvl"/>
-        </dgm:presLayoutVars>
-      </dgm:prSet>
-      <dgm:spPr/>
-    </dgm:pt>
-    <dgm:pt modelId="{85E02B51-8424-4698-A1D8-7387BFC7AE79}" type="pres">
-      <dgm:prSet presAssocID="{DFA9EDA4-D9DD-44C8-9AC2-E14B5628EAEA}" presName="composite" presStyleCnt="0"/>
-      <dgm:spPr/>
-    </dgm:pt>
-    <dgm:pt modelId="{1CEF3C90-5AFE-47A2-913C-0D42C000C14C}" type="pres">
-      <dgm:prSet presAssocID="{DFA9EDA4-D9DD-44C8-9AC2-E14B5628EAEA}" presName="Parent1" presStyleLbl="node1" presStyleIdx="0" presStyleCnt="4" custLinFactX="-26573" custLinFactNeighborX="-100000" custLinFactNeighborY="-112">
-        <dgm:presLayoutVars>
-          <dgm:chMax val="1"/>
-          <dgm:chPref val="1"/>
-          <dgm:bulletEnabled val="1"/>
-        </dgm:presLayoutVars>
-      </dgm:prSet>
-      <dgm:spPr/>
-      <dgm:t>
-        <a:bodyPr/>
-        <a:lstStyle/>
-        <a:p>
-          <a:endParaRPr lang="en-US"/>
-        </a:p>
-      </dgm:t>
-    </dgm:pt>
-    <dgm:pt modelId="{EF8FA3B5-F5CF-4A95-9D97-D77A25F8D216}" type="pres">
-      <dgm:prSet presAssocID="{DFA9EDA4-D9DD-44C8-9AC2-E14B5628EAEA}" presName="Childtext1" presStyleLbl="revTx" presStyleIdx="0" presStyleCnt="2">
-        <dgm:presLayoutVars>
-          <dgm:chMax val="0"/>
-          <dgm:chPref val="0"/>
-          <dgm:bulletEnabled val="1"/>
-        </dgm:presLayoutVars>
-      </dgm:prSet>
-      <dgm:spPr/>
-      <dgm:t>
-        <a:bodyPr/>
-        <a:lstStyle/>
-        <a:p>
-          <a:endParaRPr lang="en-US"/>
-        </a:p>
-      </dgm:t>
-    </dgm:pt>
-    <dgm:pt modelId="{298D7740-3D1F-4D3E-BEBA-3F4A4183C2F1}" type="pres">
-      <dgm:prSet presAssocID="{DFA9EDA4-D9DD-44C8-9AC2-E14B5628EAEA}" presName="BalanceSpacing" presStyleCnt="0"/>
-      <dgm:spPr/>
-    </dgm:pt>
-    <dgm:pt modelId="{A605766A-D973-401B-9488-D0E2540CCDEA}" type="pres">
-      <dgm:prSet presAssocID="{DFA9EDA4-D9DD-44C8-9AC2-E14B5628EAEA}" presName="BalanceSpacing1" presStyleCnt="0"/>
-      <dgm:spPr/>
-    </dgm:pt>
-    <dgm:pt modelId="{36CC621C-EEBA-4032-A1C4-95D93E13E7B4}" type="pres">
-      <dgm:prSet presAssocID="{D4A37EBF-84D2-4B44-B1E8-85FE4AF363EE}" presName="Accent1Text" presStyleLbl="node1" presStyleIdx="1" presStyleCnt="4" custLinFactX="-100000" custLinFactNeighborX="-157206" custLinFactNeighborY="-9732"/>
-      <dgm:spPr/>
-      <dgm:t>
-        <a:bodyPr/>
-        <a:lstStyle/>
-        <a:p>
-          <a:endParaRPr lang="en-US"/>
-        </a:p>
-      </dgm:t>
-    </dgm:pt>
-    <dgm:pt modelId="{9C0F2BCD-F43D-4A3C-BA7A-519BADA96AD6}" type="pres">
-      <dgm:prSet presAssocID="{D4A37EBF-84D2-4B44-B1E8-85FE4AF363EE}" presName="spaceBetweenRectangles" presStyleCnt="0"/>
-      <dgm:spPr/>
-    </dgm:pt>
-    <dgm:pt modelId="{067A95DD-E9E6-4A81-934E-E32D66C89010}" type="pres">
-      <dgm:prSet presAssocID="{7E05D667-AF25-40F8-A435-2D17D074E566}" presName="composite" presStyleCnt="0"/>
-      <dgm:spPr/>
-    </dgm:pt>
-    <dgm:pt modelId="{BADB0BD2-CE74-4F03-B6B4-AEA52D935E43}" type="pres">
-      <dgm:prSet presAssocID="{7E05D667-AF25-40F8-A435-2D17D074E566}" presName="Parent1" presStyleLbl="node1" presStyleIdx="2" presStyleCnt="4" custLinFactX="61866" custLinFactNeighborX="100000" custLinFactNeighborY="-80841">
-        <dgm:presLayoutVars>
-          <dgm:chMax val="1"/>
-          <dgm:chPref val="1"/>
-          <dgm:bulletEnabled val="1"/>
-        </dgm:presLayoutVars>
-      </dgm:prSet>
-      <dgm:spPr/>
-      <dgm:t>
-        <a:bodyPr/>
-        <a:lstStyle/>
-        <a:p>
-          <a:endParaRPr lang="en-US"/>
-        </a:p>
-      </dgm:t>
-    </dgm:pt>
-    <dgm:pt modelId="{16B7D3A3-56DC-416A-9D44-98A1CDBB4E4D}" type="pres">
-      <dgm:prSet presAssocID="{7E05D667-AF25-40F8-A435-2D17D074E566}" presName="Childtext1" presStyleLbl="revTx" presStyleIdx="1" presStyleCnt="2">
-        <dgm:presLayoutVars>
-          <dgm:chMax val="0"/>
-          <dgm:chPref val="0"/>
-          <dgm:bulletEnabled val="1"/>
-        </dgm:presLayoutVars>
-      </dgm:prSet>
-      <dgm:spPr/>
-      <dgm:t>
-        <a:bodyPr/>
-        <a:lstStyle/>
-        <a:p>
-          <a:endParaRPr lang="en-US"/>
-        </a:p>
-      </dgm:t>
-    </dgm:pt>
-    <dgm:pt modelId="{D7867577-8C2C-4494-A717-E7742E7BF66A}" type="pres">
-      <dgm:prSet presAssocID="{7E05D667-AF25-40F8-A435-2D17D074E566}" presName="BalanceSpacing" presStyleCnt="0"/>
-      <dgm:spPr/>
-    </dgm:pt>
-    <dgm:pt modelId="{1C8EE4AF-587F-4D3D-B304-8F1C0A7C24BA}" type="pres">
-      <dgm:prSet presAssocID="{7E05D667-AF25-40F8-A435-2D17D074E566}" presName="BalanceSpacing1" presStyleCnt="0"/>
-      <dgm:spPr/>
-    </dgm:pt>
-    <dgm:pt modelId="{B54F54A5-26B8-4787-8570-EDBF36A08DD1}" type="pres">
-      <dgm:prSet presAssocID="{01AA8283-1DBB-4CDA-BBF9-95436A57932F}" presName="Accent1Text" presStyleLbl="node1" presStyleIdx="3" presStyleCnt="4" custLinFactX="100000" custLinFactNeighborX="174005" custLinFactNeighborY="-83072"/>
-      <dgm:spPr/>
-      <dgm:t>
-        <a:bodyPr/>
-        <a:lstStyle/>
-        <a:p>
-          <a:endParaRPr lang="en-US"/>
-        </a:p>
-      </dgm:t>
-    </dgm:pt>
-  </dgm:ptLst>
-  <dgm:cxnLst>
-    <dgm:cxn modelId="{2F640A55-6B95-4E59-AA94-6925D2449440}" type="presOf" srcId="{7E05D667-AF25-40F8-A435-2D17D074E566}" destId="{BADB0BD2-CE74-4F03-B6B4-AEA52D935E43}" srcOrd="0" destOrd="0" presId="urn:microsoft.com/office/officeart/2008/layout/AlternatingHexagons"/>
-    <dgm:cxn modelId="{E55E13CF-5F32-4763-8F6A-E4FB61103760}" type="presOf" srcId="{DFA9EDA4-D9DD-44C8-9AC2-E14B5628EAEA}" destId="{1CEF3C90-5AFE-47A2-913C-0D42C000C14C}" srcOrd="0" destOrd="0" presId="urn:microsoft.com/office/officeart/2008/layout/AlternatingHexagons"/>
-    <dgm:cxn modelId="{005E5C72-7A8B-40E7-BA09-EE8BC763B96F}" srcId="{EBA956B9-8AA8-4C09-A042-F12559543711}" destId="{7E05D667-AF25-40F8-A435-2D17D074E566}" srcOrd="1" destOrd="0" parTransId="{9F2CCD9B-12FD-4261-9934-5A17AD108225}" sibTransId="{01AA8283-1DBB-4CDA-BBF9-95436A57932F}"/>
-    <dgm:cxn modelId="{E4BD89BC-21B8-4AFE-A82F-F9F01CBFE013}" type="presOf" srcId="{D4A37EBF-84D2-4B44-B1E8-85FE4AF363EE}" destId="{36CC621C-EEBA-4032-A1C4-95D93E13E7B4}" srcOrd="0" destOrd="0" presId="urn:microsoft.com/office/officeart/2008/layout/AlternatingHexagons"/>
-    <dgm:cxn modelId="{94316E0C-D369-40B0-8695-83FBB7861739}" type="presOf" srcId="{60B1FFD0-0763-4574-B410-A6988B4EED25}" destId="{16B7D3A3-56DC-416A-9D44-98A1CDBB4E4D}" srcOrd="0" destOrd="0" presId="urn:microsoft.com/office/officeart/2008/layout/AlternatingHexagons"/>
-    <dgm:cxn modelId="{EC83C866-A311-451C-8A65-4B7F158B5FCA}" srcId="{EBA956B9-8AA8-4C09-A042-F12559543711}" destId="{DFA9EDA4-D9DD-44C8-9AC2-E14B5628EAEA}" srcOrd="0" destOrd="0" parTransId="{B3AFC30B-A1AF-46BA-8ADF-5684A94E8972}" sibTransId="{D4A37EBF-84D2-4B44-B1E8-85FE4AF363EE}"/>
-    <dgm:cxn modelId="{D19C4556-628D-49AF-B3FA-2B4AF4A11DDA}" type="presOf" srcId="{EBA956B9-8AA8-4C09-A042-F12559543711}" destId="{C8819DA0-0A0D-4809-A697-8EE17C27F8FD}" srcOrd="0" destOrd="0" presId="urn:microsoft.com/office/officeart/2008/layout/AlternatingHexagons"/>
-    <dgm:cxn modelId="{17BBF473-42B5-4AA2-8D07-4648901D94A6}" srcId="{7E05D667-AF25-40F8-A435-2D17D074E566}" destId="{60B1FFD0-0763-4574-B410-A6988B4EED25}" srcOrd="0" destOrd="0" parTransId="{A56F651D-7693-492C-94CF-AFADC33A69BD}" sibTransId="{2DF65D7E-8F3D-49A2-90AC-9307E9CA1482}"/>
-    <dgm:cxn modelId="{A0BBDC87-8266-4E28-9786-8BE4D7AA3744}" type="presOf" srcId="{01AA8283-1DBB-4CDA-BBF9-95436A57932F}" destId="{B54F54A5-26B8-4787-8570-EDBF36A08DD1}" srcOrd="0" destOrd="0" presId="urn:microsoft.com/office/officeart/2008/layout/AlternatingHexagons"/>
-    <dgm:cxn modelId="{501DB2AA-3284-4AE2-9DFD-A486D4629156}" type="presParOf" srcId="{C8819DA0-0A0D-4809-A697-8EE17C27F8FD}" destId="{85E02B51-8424-4698-A1D8-7387BFC7AE79}" srcOrd="0" destOrd="0" presId="urn:microsoft.com/office/officeart/2008/layout/AlternatingHexagons"/>
-    <dgm:cxn modelId="{FEF286F8-BD9F-4B32-A63F-45CE00B3709A}" type="presParOf" srcId="{85E02B51-8424-4698-A1D8-7387BFC7AE79}" destId="{1CEF3C90-5AFE-47A2-913C-0D42C000C14C}" srcOrd="0" destOrd="0" presId="urn:microsoft.com/office/officeart/2008/layout/AlternatingHexagons"/>
-    <dgm:cxn modelId="{08A0F013-817E-44B1-8B4E-6BE74A8F1B3D}" type="presParOf" srcId="{85E02B51-8424-4698-A1D8-7387BFC7AE79}" destId="{EF8FA3B5-F5CF-4A95-9D97-D77A25F8D216}" srcOrd="1" destOrd="0" presId="urn:microsoft.com/office/officeart/2008/layout/AlternatingHexagons"/>
-    <dgm:cxn modelId="{5F3735DF-C471-4F01-A14E-999B2558650C}" type="presParOf" srcId="{85E02B51-8424-4698-A1D8-7387BFC7AE79}" destId="{298D7740-3D1F-4D3E-BEBA-3F4A4183C2F1}" srcOrd="2" destOrd="0" presId="urn:microsoft.com/office/officeart/2008/layout/AlternatingHexagons"/>
-    <dgm:cxn modelId="{102114BD-BA0D-40A7-8D85-B3751226F7DD}" type="presParOf" srcId="{85E02B51-8424-4698-A1D8-7387BFC7AE79}" destId="{A605766A-D973-401B-9488-D0E2540CCDEA}" srcOrd="3" destOrd="0" presId="urn:microsoft.com/office/officeart/2008/layout/AlternatingHexagons"/>
-    <dgm:cxn modelId="{5F42978F-695E-4614-A45A-CCD078B54218}" type="presParOf" srcId="{85E02B51-8424-4698-A1D8-7387BFC7AE79}" destId="{36CC621C-EEBA-4032-A1C4-95D93E13E7B4}" srcOrd="4" destOrd="0" presId="urn:microsoft.com/office/officeart/2008/layout/AlternatingHexagons"/>
-    <dgm:cxn modelId="{EEBB2BE4-CA43-423E-91FB-B3316A4E5108}" type="presParOf" srcId="{C8819DA0-0A0D-4809-A697-8EE17C27F8FD}" destId="{9C0F2BCD-F43D-4A3C-BA7A-519BADA96AD6}" srcOrd="1" destOrd="0" presId="urn:microsoft.com/office/officeart/2008/layout/AlternatingHexagons"/>
-    <dgm:cxn modelId="{CEEF0363-605B-4E5A-8D52-52ABE839A3E5}" type="presParOf" srcId="{C8819DA0-0A0D-4809-A697-8EE17C27F8FD}" destId="{067A95DD-E9E6-4A81-934E-E32D66C89010}" srcOrd="2" destOrd="0" presId="urn:microsoft.com/office/officeart/2008/layout/AlternatingHexagons"/>
-    <dgm:cxn modelId="{3AE99198-5BD5-4B5B-9214-A4EA11F1ACB1}" type="presParOf" srcId="{067A95DD-E9E6-4A81-934E-E32D66C89010}" destId="{BADB0BD2-CE74-4F03-B6B4-AEA52D935E43}" srcOrd="0" destOrd="0" presId="urn:microsoft.com/office/officeart/2008/layout/AlternatingHexagons"/>
-    <dgm:cxn modelId="{696CBDD1-3FA7-4BEA-B1A1-C2E245A47B9D}" type="presParOf" srcId="{067A95DD-E9E6-4A81-934E-E32D66C89010}" destId="{16B7D3A3-56DC-416A-9D44-98A1CDBB4E4D}" srcOrd="1" destOrd="0" presId="urn:microsoft.com/office/officeart/2008/layout/AlternatingHexagons"/>
-    <dgm:cxn modelId="{81BDADA1-F305-4AA9-8175-F21E26D434B4}" type="presParOf" srcId="{067A95DD-E9E6-4A81-934E-E32D66C89010}" destId="{D7867577-8C2C-4494-A717-E7742E7BF66A}" srcOrd="2" destOrd="0" presId="urn:microsoft.com/office/officeart/2008/layout/AlternatingHexagons"/>
-    <dgm:cxn modelId="{455B59CB-05FC-4E43-8C79-937A2A6F6DB2}" type="presParOf" srcId="{067A95DD-E9E6-4A81-934E-E32D66C89010}" destId="{1C8EE4AF-587F-4D3D-B304-8F1C0A7C24BA}" srcOrd="3" destOrd="0" presId="urn:microsoft.com/office/officeart/2008/layout/AlternatingHexagons"/>
-    <dgm:cxn modelId="{3308244D-242F-4818-8745-A168C12B012C}" type="presParOf" srcId="{067A95DD-E9E6-4A81-934E-E32D66C89010}" destId="{B54F54A5-26B8-4787-8570-EDBF36A08DD1}" srcOrd="4" destOrd="0" presId="urn:microsoft.com/office/officeart/2008/layout/AlternatingHexagons"/>
-  </dgm:cxnLst>
-  <dgm:bg/>
-  <dgm:whole/>
-  <dgm:extLst>
-    <a:ext uri="http://schemas.microsoft.com/office/drawing/2008/diagram">
-      <dsp:dataModelExt xmlns:dsp="http://schemas.microsoft.com/office/drawing/2008/diagram" relId="rId11" minVer="http://schemas.openxmlformats.org/drawingml/2006/diagram"/>
-    </a:ext>
-  </dgm:extLst>
-</dgm:dataModel>
-</file>
-
 <file path=ppt/diagrams/drawing1.xml><?xml version="1.0" encoding="utf-8"?>
 <dsp:drawing xmlns:dgm="http://schemas.openxmlformats.org/drawingml/2006/diagram" xmlns:dsp="http://schemas.microsoft.com/office/drawing/2008/diagram" xmlns:a="http://schemas.openxmlformats.org/drawingml/2006/main">
   <dsp:spTree>
@@ -4630,944 +2543,6 @@
       <dsp:cNvGrpSpPr/>
     </dsp:nvGrpSpPr>
     <dsp:grpSpPr/>
-    <dsp:sp modelId="{974D1544-313C-4B85-96E4-F98694E51952}">
-      <dsp:nvSpPr>
-        <dsp:cNvPr id="0" name=""/>
-        <dsp:cNvSpPr/>
-      </dsp:nvSpPr>
-      <dsp:spPr>
-        <a:xfrm>
-          <a:off x="1576052" y="508629"/>
-          <a:ext cx="4044300" cy="4044300"/>
-        </a:xfrm>
-        <a:prstGeom prst="blockArc">
-          <a:avLst>
-            <a:gd name="adj1" fmla="val 13114286"/>
-            <a:gd name="adj2" fmla="val 16200000"/>
-            <a:gd name="adj3" fmla="val 3897"/>
-          </a:avLst>
-        </a:prstGeom>
-        <a:solidFill>
-          <a:schemeClr val="accent1">
-            <a:tint val="60000"/>
-            <a:hueOff val="0"/>
-            <a:satOff val="0"/>
-            <a:lumOff val="0"/>
-            <a:alphaOff val="0"/>
-          </a:schemeClr>
-        </a:solidFill>
-        <a:ln>
-          <a:noFill/>
-        </a:ln>
-        <a:effectLst/>
-      </dsp:spPr>
-      <dsp:style>
-        <a:lnRef idx="0">
-          <a:scrgbClr r="0" g="0" b="0"/>
-        </a:lnRef>
-        <a:fillRef idx="1">
-          <a:scrgbClr r="0" g="0" b="0"/>
-        </a:fillRef>
-        <a:effectRef idx="0">
-          <a:scrgbClr r="0" g="0" b="0"/>
-        </a:effectRef>
-        <a:fontRef idx="minor">
-          <a:schemeClr val="lt1"/>
-        </a:fontRef>
-      </dsp:style>
-    </dsp:sp>
-    <dsp:sp modelId="{43787B64-6ECE-4862-83FC-999710B65D94}">
-      <dsp:nvSpPr>
-        <dsp:cNvPr id="0" name=""/>
-        <dsp:cNvSpPr/>
-      </dsp:nvSpPr>
-      <dsp:spPr>
-        <a:xfrm>
-          <a:off x="1576052" y="508629"/>
-          <a:ext cx="4044300" cy="4044300"/>
-        </a:xfrm>
-        <a:prstGeom prst="blockArc">
-          <a:avLst>
-            <a:gd name="adj1" fmla="val 10028571"/>
-            <a:gd name="adj2" fmla="val 13114286"/>
-            <a:gd name="adj3" fmla="val 3897"/>
-          </a:avLst>
-        </a:prstGeom>
-        <a:solidFill>
-          <a:schemeClr val="accent1">
-            <a:tint val="60000"/>
-            <a:hueOff val="0"/>
-            <a:satOff val="0"/>
-            <a:lumOff val="0"/>
-            <a:alphaOff val="0"/>
-          </a:schemeClr>
-        </a:solidFill>
-        <a:ln>
-          <a:noFill/>
-        </a:ln>
-        <a:effectLst/>
-      </dsp:spPr>
-      <dsp:style>
-        <a:lnRef idx="0">
-          <a:scrgbClr r="0" g="0" b="0"/>
-        </a:lnRef>
-        <a:fillRef idx="1">
-          <a:scrgbClr r="0" g="0" b="0"/>
-        </a:fillRef>
-        <a:effectRef idx="0">
-          <a:scrgbClr r="0" g="0" b="0"/>
-        </a:effectRef>
-        <a:fontRef idx="minor">
-          <a:schemeClr val="lt1"/>
-        </a:fontRef>
-      </dsp:style>
-    </dsp:sp>
-    <dsp:sp modelId="{62725212-3288-4862-A14D-4E6BB5BCB641}">
-      <dsp:nvSpPr>
-        <dsp:cNvPr id="0" name=""/>
-        <dsp:cNvSpPr/>
-      </dsp:nvSpPr>
-      <dsp:spPr>
-        <a:xfrm>
-          <a:off x="1576052" y="508629"/>
-          <a:ext cx="4044300" cy="4044300"/>
-        </a:xfrm>
-        <a:prstGeom prst="blockArc">
-          <a:avLst>
-            <a:gd name="adj1" fmla="val 6942857"/>
-            <a:gd name="adj2" fmla="val 10028571"/>
-            <a:gd name="adj3" fmla="val 3897"/>
-          </a:avLst>
-        </a:prstGeom>
-        <a:solidFill>
-          <a:schemeClr val="accent1">
-            <a:tint val="60000"/>
-            <a:hueOff val="0"/>
-            <a:satOff val="0"/>
-            <a:lumOff val="0"/>
-            <a:alphaOff val="0"/>
-          </a:schemeClr>
-        </a:solidFill>
-        <a:ln>
-          <a:noFill/>
-        </a:ln>
-        <a:effectLst/>
-      </dsp:spPr>
-      <dsp:style>
-        <a:lnRef idx="0">
-          <a:scrgbClr r="0" g="0" b="0"/>
-        </a:lnRef>
-        <a:fillRef idx="1">
-          <a:scrgbClr r="0" g="0" b="0"/>
-        </a:fillRef>
-        <a:effectRef idx="0">
-          <a:scrgbClr r="0" g="0" b="0"/>
-        </a:effectRef>
-        <a:fontRef idx="minor">
-          <a:schemeClr val="lt1"/>
-        </a:fontRef>
-      </dsp:style>
-    </dsp:sp>
-    <dsp:sp modelId="{D4C25836-BB1E-40C6-9055-79DFE51E84A4}">
-      <dsp:nvSpPr>
-        <dsp:cNvPr id="0" name=""/>
-        <dsp:cNvSpPr/>
-      </dsp:nvSpPr>
-      <dsp:spPr>
-        <a:xfrm>
-          <a:off x="1576052" y="508629"/>
-          <a:ext cx="4044300" cy="4044300"/>
-        </a:xfrm>
-        <a:prstGeom prst="blockArc">
-          <a:avLst>
-            <a:gd name="adj1" fmla="val 3857143"/>
-            <a:gd name="adj2" fmla="val 6942857"/>
-            <a:gd name="adj3" fmla="val 3897"/>
-          </a:avLst>
-        </a:prstGeom>
-        <a:solidFill>
-          <a:schemeClr val="accent1">
-            <a:tint val="60000"/>
-            <a:hueOff val="0"/>
-            <a:satOff val="0"/>
-            <a:lumOff val="0"/>
-            <a:alphaOff val="0"/>
-          </a:schemeClr>
-        </a:solidFill>
-        <a:ln>
-          <a:noFill/>
-        </a:ln>
-        <a:effectLst/>
-      </dsp:spPr>
-      <dsp:style>
-        <a:lnRef idx="0">
-          <a:scrgbClr r="0" g="0" b="0"/>
-        </a:lnRef>
-        <a:fillRef idx="1">
-          <a:scrgbClr r="0" g="0" b="0"/>
-        </a:fillRef>
-        <a:effectRef idx="0">
-          <a:scrgbClr r="0" g="0" b="0"/>
-        </a:effectRef>
-        <a:fontRef idx="minor">
-          <a:schemeClr val="lt1"/>
-        </a:fontRef>
-      </dsp:style>
-    </dsp:sp>
-    <dsp:sp modelId="{ADF11B85-49CD-4C45-834D-28EF8F01FAF4}">
-      <dsp:nvSpPr>
-        <dsp:cNvPr id="0" name=""/>
-        <dsp:cNvSpPr/>
-      </dsp:nvSpPr>
-      <dsp:spPr>
-        <a:xfrm>
-          <a:off x="1576052" y="508629"/>
-          <a:ext cx="4044300" cy="4044300"/>
-        </a:xfrm>
-        <a:prstGeom prst="blockArc">
-          <a:avLst>
-            <a:gd name="adj1" fmla="val 771429"/>
-            <a:gd name="adj2" fmla="val 3857143"/>
-            <a:gd name="adj3" fmla="val 3897"/>
-          </a:avLst>
-        </a:prstGeom>
-        <a:solidFill>
-          <a:schemeClr val="accent1">
-            <a:tint val="60000"/>
-            <a:hueOff val="0"/>
-            <a:satOff val="0"/>
-            <a:lumOff val="0"/>
-            <a:alphaOff val="0"/>
-          </a:schemeClr>
-        </a:solidFill>
-        <a:ln>
-          <a:noFill/>
-        </a:ln>
-        <a:effectLst/>
-      </dsp:spPr>
-      <dsp:style>
-        <a:lnRef idx="0">
-          <a:scrgbClr r="0" g="0" b="0"/>
-        </a:lnRef>
-        <a:fillRef idx="1">
-          <a:scrgbClr r="0" g="0" b="0"/>
-        </a:fillRef>
-        <a:effectRef idx="0">
-          <a:scrgbClr r="0" g="0" b="0"/>
-        </a:effectRef>
-        <a:fontRef idx="minor">
-          <a:schemeClr val="lt1"/>
-        </a:fontRef>
-      </dsp:style>
-    </dsp:sp>
-    <dsp:sp modelId="{3403E89E-646F-4749-98B8-1636056908AA}">
-      <dsp:nvSpPr>
-        <dsp:cNvPr id="0" name=""/>
-        <dsp:cNvSpPr/>
-      </dsp:nvSpPr>
-      <dsp:spPr>
-        <a:xfrm>
-          <a:off x="1576052" y="508629"/>
-          <a:ext cx="4044300" cy="4044300"/>
-        </a:xfrm>
-        <a:prstGeom prst="blockArc">
-          <a:avLst>
-            <a:gd name="adj1" fmla="val 19285714"/>
-            <a:gd name="adj2" fmla="val 771429"/>
-            <a:gd name="adj3" fmla="val 3897"/>
-          </a:avLst>
-        </a:prstGeom>
-        <a:solidFill>
-          <a:schemeClr val="accent1">
-            <a:tint val="60000"/>
-            <a:hueOff val="0"/>
-            <a:satOff val="0"/>
-            <a:lumOff val="0"/>
-            <a:alphaOff val="0"/>
-          </a:schemeClr>
-        </a:solidFill>
-        <a:ln>
-          <a:noFill/>
-        </a:ln>
-        <a:effectLst/>
-      </dsp:spPr>
-      <dsp:style>
-        <a:lnRef idx="0">
-          <a:scrgbClr r="0" g="0" b="0"/>
-        </a:lnRef>
-        <a:fillRef idx="1">
-          <a:scrgbClr r="0" g="0" b="0"/>
-        </a:fillRef>
-        <a:effectRef idx="0">
-          <a:scrgbClr r="0" g="0" b="0"/>
-        </a:effectRef>
-        <a:fontRef idx="minor">
-          <a:schemeClr val="lt1"/>
-        </a:fontRef>
-      </dsp:style>
-    </dsp:sp>
-    <dsp:sp modelId="{98C0CE5D-6568-4C58-8044-A6118E4DFAF6}">
-      <dsp:nvSpPr>
-        <dsp:cNvPr id="0" name=""/>
-        <dsp:cNvSpPr/>
-      </dsp:nvSpPr>
-      <dsp:spPr>
-        <a:xfrm>
-          <a:off x="1576052" y="508629"/>
-          <a:ext cx="4044300" cy="4044300"/>
-        </a:xfrm>
-        <a:prstGeom prst="blockArc">
-          <a:avLst>
-            <a:gd name="adj1" fmla="val 16200000"/>
-            <a:gd name="adj2" fmla="val 19285714"/>
-            <a:gd name="adj3" fmla="val 3897"/>
-          </a:avLst>
-        </a:prstGeom>
-        <a:solidFill>
-          <a:schemeClr val="accent1">
-            <a:tint val="60000"/>
-            <a:hueOff val="0"/>
-            <a:satOff val="0"/>
-            <a:lumOff val="0"/>
-            <a:alphaOff val="0"/>
-          </a:schemeClr>
-        </a:solidFill>
-        <a:ln>
-          <a:noFill/>
-        </a:ln>
-        <a:effectLst/>
-      </dsp:spPr>
-      <dsp:style>
-        <a:lnRef idx="0">
-          <a:scrgbClr r="0" g="0" b="0"/>
-        </a:lnRef>
-        <a:fillRef idx="1">
-          <a:scrgbClr r="0" g="0" b="0"/>
-        </a:fillRef>
-        <a:effectRef idx="0">
-          <a:scrgbClr r="0" g="0" b="0"/>
-        </a:effectRef>
-        <a:fontRef idx="minor">
-          <a:schemeClr val="lt1"/>
-        </a:fontRef>
-      </dsp:style>
-    </dsp:sp>
-    <dsp:sp modelId="{8046D806-D633-4925-88FF-13EA3736C642}">
-      <dsp:nvSpPr>
-        <dsp:cNvPr id="0" name=""/>
-        <dsp:cNvSpPr/>
-      </dsp:nvSpPr>
-      <dsp:spPr>
-        <a:xfrm>
-          <a:off x="2816366" y="1748944"/>
-          <a:ext cx="1563672" cy="1563672"/>
-        </a:xfrm>
-        <a:prstGeom prst="ellipse">
-          <a:avLst/>
-        </a:prstGeom>
-        <a:solidFill>
-          <a:schemeClr val="accent1">
-            <a:hueOff val="0"/>
-            <a:satOff val="0"/>
-            <a:lumOff val="0"/>
-            <a:alphaOff val="0"/>
-          </a:schemeClr>
-        </a:solidFill>
-        <a:ln w="12700" cap="flat" cmpd="sng" algn="ctr">
-          <a:solidFill>
-            <a:schemeClr val="lt1">
-              <a:hueOff val="0"/>
-              <a:satOff val="0"/>
-              <a:lumOff val="0"/>
-              <a:alphaOff val="0"/>
-            </a:schemeClr>
-          </a:solidFill>
-          <a:prstDash val="solid"/>
-          <a:miter lim="800000"/>
-        </a:ln>
-        <a:effectLst/>
-      </dsp:spPr>
-      <dsp:style>
-        <a:lnRef idx="2">
-          <a:scrgbClr r="0" g="0" b="0"/>
-        </a:lnRef>
-        <a:fillRef idx="1">
-          <a:scrgbClr r="0" g="0" b="0"/>
-        </a:fillRef>
-        <a:effectRef idx="0">
-          <a:scrgbClr r="0" g="0" b="0"/>
-        </a:effectRef>
-        <a:fontRef idx="minor">
-          <a:schemeClr val="lt1"/>
-        </a:fontRef>
-      </dsp:style>
-      <dsp:txBody>
-        <a:bodyPr spcFirstLastPara="0" vert="horz" wrap="square" lIns="15240" tIns="15240" rIns="15240" bIns="15240" numCol="1" spcCol="1270" anchor="ctr" anchorCtr="0">
-          <a:noAutofit/>
-        </a:bodyPr>
-        <a:lstStyle/>
-        <a:p>
-          <a:pPr lvl="0" algn="ctr" defTabSz="533400">
-            <a:lnSpc>
-              <a:spcPct val="90000"/>
-            </a:lnSpc>
-            <a:spcBef>
-              <a:spcPct val="0"/>
-            </a:spcBef>
-            <a:spcAft>
-              <a:spcPct val="35000"/>
-            </a:spcAft>
-          </a:pPr>
-          <a:r>
-            <a:rPr lang="en-US" sz="1200" kern="1200" dirty="0"/>
-            <a:t>Software development model</a:t>
-          </a:r>
-        </a:p>
-      </dsp:txBody>
-      <dsp:txXfrm>
-        <a:off x="3045360" y="1977938"/>
-        <a:ext cx="1105684" cy="1105684"/>
-      </dsp:txXfrm>
-    </dsp:sp>
-    <dsp:sp modelId="{0B9D4084-EA21-4F7B-A20F-0E1723A71ADE}">
-      <dsp:nvSpPr>
-        <dsp:cNvPr id="0" name=""/>
-        <dsp:cNvSpPr/>
-      </dsp:nvSpPr>
-      <dsp:spPr>
-        <a:xfrm>
-          <a:off x="3050917" y="749"/>
-          <a:ext cx="1094570" cy="1094570"/>
-        </a:xfrm>
-        <a:prstGeom prst="ellipse">
-          <a:avLst/>
-        </a:prstGeom>
-        <a:solidFill>
-          <a:schemeClr val="accent1">
-            <a:hueOff val="0"/>
-            <a:satOff val="0"/>
-            <a:lumOff val="0"/>
-            <a:alphaOff val="0"/>
-          </a:schemeClr>
-        </a:solidFill>
-        <a:ln w="12700" cap="flat" cmpd="sng" algn="ctr">
-          <a:solidFill>
-            <a:schemeClr val="lt1">
-              <a:hueOff val="0"/>
-              <a:satOff val="0"/>
-              <a:lumOff val="0"/>
-              <a:alphaOff val="0"/>
-            </a:schemeClr>
-          </a:solidFill>
-          <a:prstDash val="solid"/>
-          <a:miter lim="800000"/>
-        </a:ln>
-        <a:effectLst/>
-      </dsp:spPr>
-      <dsp:style>
-        <a:lnRef idx="2">
-          <a:scrgbClr r="0" g="0" b="0"/>
-        </a:lnRef>
-        <a:fillRef idx="1">
-          <a:scrgbClr r="0" g="0" b="0"/>
-        </a:fillRef>
-        <a:effectRef idx="0">
-          <a:scrgbClr r="0" g="0" b="0"/>
-        </a:effectRef>
-        <a:fontRef idx="minor">
-          <a:schemeClr val="lt1"/>
-        </a:fontRef>
-      </dsp:style>
-      <dsp:txBody>
-        <a:bodyPr spcFirstLastPara="0" vert="horz" wrap="square" lIns="12700" tIns="12700" rIns="12700" bIns="12700" numCol="1" spcCol="1270" anchor="ctr" anchorCtr="0">
-          <a:noAutofit/>
-        </a:bodyPr>
-        <a:lstStyle/>
-        <a:p>
-          <a:pPr lvl="0" algn="ctr" defTabSz="444500">
-            <a:lnSpc>
-              <a:spcPct val="90000"/>
-            </a:lnSpc>
-            <a:spcBef>
-              <a:spcPct val="0"/>
-            </a:spcBef>
-            <a:spcAft>
-              <a:spcPct val="35000"/>
-            </a:spcAft>
-          </a:pPr>
-          <a:r>
-            <a:rPr lang="en-US" sz="1000" kern="1200" dirty="0"/>
-            <a:t>Waterfall model</a:t>
-          </a:r>
-        </a:p>
-      </dsp:txBody>
-      <dsp:txXfrm>
-        <a:off x="3211213" y="161045"/>
-        <a:ext cx="773978" cy="773978"/>
-      </dsp:txXfrm>
-    </dsp:sp>
-    <dsp:sp modelId="{024B37C8-2E78-4627-9714-90BFEACD2D8D}">
-      <dsp:nvSpPr>
-        <dsp:cNvPr id="0" name=""/>
-        <dsp:cNvSpPr/>
-      </dsp:nvSpPr>
-      <dsp:spPr>
-        <a:xfrm>
-          <a:off x="4601090" y="747273"/>
-          <a:ext cx="1094570" cy="1094570"/>
-        </a:xfrm>
-        <a:prstGeom prst="ellipse">
-          <a:avLst/>
-        </a:prstGeom>
-        <a:solidFill>
-          <a:schemeClr val="accent1">
-            <a:hueOff val="0"/>
-            <a:satOff val="0"/>
-            <a:lumOff val="0"/>
-            <a:alphaOff val="0"/>
-          </a:schemeClr>
-        </a:solidFill>
-        <a:ln w="12700" cap="flat" cmpd="sng" algn="ctr">
-          <a:solidFill>
-            <a:schemeClr val="lt1">
-              <a:hueOff val="0"/>
-              <a:satOff val="0"/>
-              <a:lumOff val="0"/>
-              <a:alphaOff val="0"/>
-            </a:schemeClr>
-          </a:solidFill>
-          <a:prstDash val="solid"/>
-          <a:miter lim="800000"/>
-        </a:ln>
-        <a:effectLst/>
-      </dsp:spPr>
-      <dsp:style>
-        <a:lnRef idx="2">
-          <a:scrgbClr r="0" g="0" b="0"/>
-        </a:lnRef>
-        <a:fillRef idx="1">
-          <a:scrgbClr r="0" g="0" b="0"/>
-        </a:fillRef>
-        <a:effectRef idx="0">
-          <a:scrgbClr r="0" g="0" b="0"/>
-        </a:effectRef>
-        <a:fontRef idx="minor">
-          <a:schemeClr val="lt1"/>
-        </a:fontRef>
-      </dsp:style>
-      <dsp:txBody>
-        <a:bodyPr spcFirstLastPara="0" vert="horz" wrap="square" lIns="12700" tIns="12700" rIns="12700" bIns="12700" numCol="1" spcCol="1270" anchor="ctr" anchorCtr="0">
-          <a:noAutofit/>
-        </a:bodyPr>
-        <a:lstStyle/>
-        <a:p>
-          <a:pPr lvl="0" algn="ctr" defTabSz="444500">
-            <a:lnSpc>
-              <a:spcPct val="90000"/>
-            </a:lnSpc>
-            <a:spcBef>
-              <a:spcPct val="0"/>
-            </a:spcBef>
-            <a:spcAft>
-              <a:spcPct val="35000"/>
-            </a:spcAft>
-          </a:pPr>
-          <a:r>
-            <a:rPr lang="en-US" sz="1000" kern="1200" dirty="0"/>
-            <a:t>Iterative model</a:t>
-          </a:r>
-        </a:p>
-      </dsp:txBody>
-      <dsp:txXfrm>
-        <a:off x="4761386" y="907569"/>
-        <a:ext cx="773978" cy="773978"/>
-      </dsp:txXfrm>
-    </dsp:sp>
-    <dsp:sp modelId="{D02A1073-280A-4030-B61B-6AB009F7EB42}">
-      <dsp:nvSpPr>
-        <dsp:cNvPr id="0" name=""/>
-        <dsp:cNvSpPr/>
-      </dsp:nvSpPr>
-      <dsp:spPr>
-        <a:xfrm>
-          <a:off x="4983951" y="2424697"/>
-          <a:ext cx="1094570" cy="1094570"/>
-        </a:xfrm>
-        <a:prstGeom prst="ellipse">
-          <a:avLst/>
-        </a:prstGeom>
-        <a:solidFill>
-          <a:schemeClr val="accent1">
-            <a:hueOff val="0"/>
-            <a:satOff val="0"/>
-            <a:lumOff val="0"/>
-            <a:alphaOff val="0"/>
-          </a:schemeClr>
-        </a:solidFill>
-        <a:ln w="12700" cap="flat" cmpd="sng" algn="ctr">
-          <a:solidFill>
-            <a:schemeClr val="lt1">
-              <a:hueOff val="0"/>
-              <a:satOff val="0"/>
-              <a:lumOff val="0"/>
-              <a:alphaOff val="0"/>
-            </a:schemeClr>
-          </a:solidFill>
-          <a:prstDash val="solid"/>
-          <a:miter lim="800000"/>
-        </a:ln>
-        <a:effectLst/>
-      </dsp:spPr>
-      <dsp:style>
-        <a:lnRef idx="2">
-          <a:scrgbClr r="0" g="0" b="0"/>
-        </a:lnRef>
-        <a:fillRef idx="1">
-          <a:scrgbClr r="0" g="0" b="0"/>
-        </a:fillRef>
-        <a:effectRef idx="0">
-          <a:scrgbClr r="0" g="0" b="0"/>
-        </a:effectRef>
-        <a:fontRef idx="minor">
-          <a:schemeClr val="lt1"/>
-        </a:fontRef>
-      </dsp:style>
-      <dsp:txBody>
-        <a:bodyPr spcFirstLastPara="0" vert="horz" wrap="square" lIns="12700" tIns="12700" rIns="12700" bIns="12700" numCol="1" spcCol="1270" anchor="ctr" anchorCtr="0">
-          <a:noAutofit/>
-        </a:bodyPr>
-        <a:lstStyle/>
-        <a:p>
-          <a:pPr lvl="0" algn="ctr" defTabSz="444500">
-            <a:lnSpc>
-              <a:spcPct val="90000"/>
-            </a:lnSpc>
-            <a:spcBef>
-              <a:spcPct val="0"/>
-            </a:spcBef>
-            <a:spcAft>
-              <a:spcPct val="35000"/>
-            </a:spcAft>
-          </a:pPr>
-          <a:r>
-            <a:rPr lang="en-US" sz="1000" kern="1200" dirty="0"/>
-            <a:t>Agile model</a:t>
-          </a:r>
-        </a:p>
-      </dsp:txBody>
-      <dsp:txXfrm>
-        <a:off x="5144247" y="2584993"/>
-        <a:ext cx="773978" cy="773978"/>
-      </dsp:txXfrm>
-    </dsp:sp>
-    <dsp:sp modelId="{B0856285-8B4C-4921-A3FF-D6436B7247C2}">
-      <dsp:nvSpPr>
-        <dsp:cNvPr id="0" name=""/>
-        <dsp:cNvSpPr/>
-      </dsp:nvSpPr>
-      <dsp:spPr>
-        <a:xfrm>
-          <a:off x="3911198" y="3769887"/>
-          <a:ext cx="1094570" cy="1094570"/>
-        </a:xfrm>
-        <a:prstGeom prst="ellipse">
-          <a:avLst/>
-        </a:prstGeom>
-        <a:solidFill>
-          <a:schemeClr val="accent1">
-            <a:hueOff val="0"/>
-            <a:satOff val="0"/>
-            <a:lumOff val="0"/>
-            <a:alphaOff val="0"/>
-          </a:schemeClr>
-        </a:solidFill>
-        <a:ln w="12700" cap="flat" cmpd="sng" algn="ctr">
-          <a:solidFill>
-            <a:schemeClr val="lt1">
-              <a:hueOff val="0"/>
-              <a:satOff val="0"/>
-              <a:lumOff val="0"/>
-              <a:alphaOff val="0"/>
-            </a:schemeClr>
-          </a:solidFill>
-          <a:prstDash val="solid"/>
-          <a:miter lim="800000"/>
-        </a:ln>
-        <a:effectLst/>
-      </dsp:spPr>
-      <dsp:style>
-        <a:lnRef idx="2">
-          <a:scrgbClr r="0" g="0" b="0"/>
-        </a:lnRef>
-        <a:fillRef idx="1">
-          <a:scrgbClr r="0" g="0" b="0"/>
-        </a:fillRef>
-        <a:effectRef idx="0">
-          <a:scrgbClr r="0" g="0" b="0"/>
-        </a:effectRef>
-        <a:fontRef idx="minor">
-          <a:schemeClr val="lt1"/>
-        </a:fontRef>
-      </dsp:style>
-      <dsp:txBody>
-        <a:bodyPr spcFirstLastPara="0" vert="horz" wrap="square" lIns="12700" tIns="12700" rIns="12700" bIns="12700" numCol="1" spcCol="1270" anchor="ctr" anchorCtr="0">
-          <a:noAutofit/>
-        </a:bodyPr>
-        <a:lstStyle/>
-        <a:p>
-          <a:pPr lvl="0" algn="ctr" defTabSz="444500">
-            <a:lnSpc>
-              <a:spcPct val="90000"/>
-            </a:lnSpc>
-            <a:spcBef>
-              <a:spcPct val="0"/>
-            </a:spcBef>
-            <a:spcAft>
-              <a:spcPct val="35000"/>
-            </a:spcAft>
-          </a:pPr>
-          <a:r>
-            <a:rPr lang="en-US" sz="1000" kern="1200" dirty="0"/>
-            <a:t>RAD model</a:t>
-          </a:r>
-        </a:p>
-      </dsp:txBody>
-      <dsp:txXfrm>
-        <a:off x="4071494" y="3930183"/>
-        <a:ext cx="773978" cy="773978"/>
-      </dsp:txXfrm>
-    </dsp:sp>
-    <dsp:sp modelId="{120EC894-2FDD-4E69-8DA1-1E4987D6750C}">
-      <dsp:nvSpPr>
-        <dsp:cNvPr id="0" name=""/>
-        <dsp:cNvSpPr/>
-      </dsp:nvSpPr>
-      <dsp:spPr>
-        <a:xfrm>
-          <a:off x="2190636" y="3769887"/>
-          <a:ext cx="1094570" cy="1094570"/>
-        </a:xfrm>
-        <a:prstGeom prst="ellipse">
-          <a:avLst/>
-        </a:prstGeom>
-        <a:solidFill>
-          <a:schemeClr val="accent1">
-            <a:hueOff val="0"/>
-            <a:satOff val="0"/>
-            <a:lumOff val="0"/>
-            <a:alphaOff val="0"/>
-          </a:schemeClr>
-        </a:solidFill>
-        <a:ln w="12700" cap="flat" cmpd="sng" algn="ctr">
-          <a:solidFill>
-            <a:schemeClr val="lt1">
-              <a:hueOff val="0"/>
-              <a:satOff val="0"/>
-              <a:lumOff val="0"/>
-              <a:alphaOff val="0"/>
-            </a:schemeClr>
-          </a:solidFill>
-          <a:prstDash val="solid"/>
-          <a:miter lim="800000"/>
-        </a:ln>
-        <a:effectLst/>
-      </dsp:spPr>
-      <dsp:style>
-        <a:lnRef idx="2">
-          <a:scrgbClr r="0" g="0" b="0"/>
-        </a:lnRef>
-        <a:fillRef idx="1">
-          <a:scrgbClr r="0" g="0" b="0"/>
-        </a:fillRef>
-        <a:effectRef idx="0">
-          <a:scrgbClr r="0" g="0" b="0"/>
-        </a:effectRef>
-        <a:fontRef idx="minor">
-          <a:schemeClr val="lt1"/>
-        </a:fontRef>
-      </dsp:style>
-      <dsp:txBody>
-        <a:bodyPr spcFirstLastPara="0" vert="horz" wrap="square" lIns="12700" tIns="12700" rIns="12700" bIns="12700" numCol="1" spcCol="1270" anchor="ctr" anchorCtr="0">
-          <a:noAutofit/>
-        </a:bodyPr>
-        <a:lstStyle/>
-        <a:p>
-          <a:pPr lvl="0" algn="ctr" defTabSz="444500">
-            <a:lnSpc>
-              <a:spcPct val="90000"/>
-            </a:lnSpc>
-            <a:spcBef>
-              <a:spcPct val="0"/>
-            </a:spcBef>
-            <a:spcAft>
-              <a:spcPct val="35000"/>
-            </a:spcAft>
-          </a:pPr>
-          <a:r>
-            <a:rPr lang="en-US" sz="1000" kern="1200" dirty="0"/>
-            <a:t>Incremental model</a:t>
-          </a:r>
-        </a:p>
-      </dsp:txBody>
-      <dsp:txXfrm>
-        <a:off x="2350932" y="3930183"/>
-        <a:ext cx="773978" cy="773978"/>
-      </dsp:txXfrm>
-    </dsp:sp>
-    <dsp:sp modelId="{5EBC7458-FEF4-4BAA-BB89-62B9D0604C8A}">
-      <dsp:nvSpPr>
-        <dsp:cNvPr id="0" name=""/>
-        <dsp:cNvSpPr/>
-      </dsp:nvSpPr>
-      <dsp:spPr>
-        <a:xfrm>
-          <a:off x="1117883" y="2424697"/>
-          <a:ext cx="1094570" cy="1094570"/>
-        </a:xfrm>
-        <a:prstGeom prst="ellipse">
-          <a:avLst/>
-        </a:prstGeom>
-        <a:solidFill>
-          <a:schemeClr val="accent1">
-            <a:hueOff val="0"/>
-            <a:satOff val="0"/>
-            <a:lumOff val="0"/>
-            <a:alphaOff val="0"/>
-          </a:schemeClr>
-        </a:solidFill>
-        <a:ln w="12700" cap="flat" cmpd="sng" algn="ctr">
-          <a:solidFill>
-            <a:schemeClr val="lt1">
-              <a:hueOff val="0"/>
-              <a:satOff val="0"/>
-              <a:lumOff val="0"/>
-              <a:alphaOff val="0"/>
-            </a:schemeClr>
-          </a:solidFill>
-          <a:prstDash val="solid"/>
-          <a:miter lim="800000"/>
-        </a:ln>
-        <a:effectLst/>
-      </dsp:spPr>
-      <dsp:style>
-        <a:lnRef idx="2">
-          <a:scrgbClr r="0" g="0" b="0"/>
-        </a:lnRef>
-        <a:fillRef idx="1">
-          <a:scrgbClr r="0" g="0" b="0"/>
-        </a:fillRef>
-        <a:effectRef idx="0">
-          <a:scrgbClr r="0" g="0" b="0"/>
-        </a:effectRef>
-        <a:fontRef idx="minor">
-          <a:schemeClr val="lt1"/>
-        </a:fontRef>
-      </dsp:style>
-      <dsp:txBody>
-        <a:bodyPr spcFirstLastPara="0" vert="horz" wrap="square" lIns="12700" tIns="12700" rIns="12700" bIns="12700" numCol="1" spcCol="1270" anchor="ctr" anchorCtr="0">
-          <a:noAutofit/>
-        </a:bodyPr>
-        <a:lstStyle/>
-        <a:p>
-          <a:pPr lvl="0" algn="ctr" defTabSz="444500">
-            <a:lnSpc>
-              <a:spcPct val="90000"/>
-            </a:lnSpc>
-            <a:spcBef>
-              <a:spcPct val="0"/>
-            </a:spcBef>
-            <a:spcAft>
-              <a:spcPct val="35000"/>
-            </a:spcAft>
-          </a:pPr>
-          <a:r>
-            <a:rPr lang="en-US" sz="1000" kern="1200" dirty="0"/>
-            <a:t>V model</a:t>
-          </a:r>
-        </a:p>
-      </dsp:txBody>
-      <dsp:txXfrm>
-        <a:off x="1278179" y="2584993"/>
-        <a:ext cx="773978" cy="773978"/>
-      </dsp:txXfrm>
-    </dsp:sp>
-    <dsp:sp modelId="{C0E538A1-8247-4D29-A464-326B7E9E49F2}">
-      <dsp:nvSpPr>
-        <dsp:cNvPr id="0" name=""/>
-        <dsp:cNvSpPr/>
-      </dsp:nvSpPr>
-      <dsp:spPr>
-        <a:xfrm>
-          <a:off x="1500744" y="747273"/>
-          <a:ext cx="1094570" cy="1094570"/>
-        </a:xfrm>
-        <a:prstGeom prst="ellipse">
-          <a:avLst/>
-        </a:prstGeom>
-        <a:solidFill>
-          <a:schemeClr val="accent1">
-            <a:hueOff val="0"/>
-            <a:satOff val="0"/>
-            <a:lumOff val="0"/>
-            <a:alphaOff val="0"/>
-          </a:schemeClr>
-        </a:solidFill>
-        <a:ln w="12700" cap="flat" cmpd="sng" algn="ctr">
-          <a:solidFill>
-            <a:schemeClr val="lt1">
-              <a:hueOff val="0"/>
-              <a:satOff val="0"/>
-              <a:lumOff val="0"/>
-              <a:alphaOff val="0"/>
-            </a:schemeClr>
-          </a:solidFill>
-          <a:prstDash val="solid"/>
-          <a:miter lim="800000"/>
-        </a:ln>
-        <a:effectLst/>
-      </dsp:spPr>
-      <dsp:style>
-        <a:lnRef idx="2">
-          <a:scrgbClr r="0" g="0" b="0"/>
-        </a:lnRef>
-        <a:fillRef idx="1">
-          <a:scrgbClr r="0" g="0" b="0"/>
-        </a:fillRef>
-        <a:effectRef idx="0">
-          <a:scrgbClr r="0" g="0" b="0"/>
-        </a:effectRef>
-        <a:fontRef idx="minor">
-          <a:schemeClr val="lt1"/>
-        </a:fontRef>
-      </dsp:style>
-      <dsp:txBody>
-        <a:bodyPr spcFirstLastPara="0" vert="horz" wrap="square" lIns="12700" tIns="12700" rIns="12700" bIns="12700" numCol="1" spcCol="1270" anchor="ctr" anchorCtr="0">
-          <a:noAutofit/>
-        </a:bodyPr>
-        <a:lstStyle/>
-        <a:p>
-          <a:pPr lvl="0" algn="ctr" defTabSz="444500">
-            <a:lnSpc>
-              <a:spcPct val="90000"/>
-            </a:lnSpc>
-            <a:spcBef>
-              <a:spcPct val="0"/>
-            </a:spcBef>
-            <a:spcAft>
-              <a:spcPct val="35000"/>
-            </a:spcAft>
-          </a:pPr>
-          <a:r>
-            <a:rPr lang="en-US" sz="1000" kern="1200" dirty="0"/>
-            <a:t>Spiral model</a:t>
-          </a:r>
-        </a:p>
-      </dsp:txBody>
-      <dsp:txXfrm>
-        <a:off x="1661040" y="907569"/>
-        <a:ext cx="773978" cy="773978"/>
-      </dsp:txXfrm>
-    </dsp:sp>
   </dsp:spTree>
 </dsp:drawing>
 </file>
@@ -5580,1370 +2555,6 @@
       <dsp:cNvGrpSpPr/>
     </dsp:nvGrpSpPr>
     <dsp:grpSpPr/>
-    <dsp:sp modelId="{E803077D-DF24-4E8A-A67D-8B0A3C3095E3}">
-      <dsp:nvSpPr>
-        <dsp:cNvPr id="0" name=""/>
-        <dsp:cNvSpPr/>
-      </dsp:nvSpPr>
-      <dsp:spPr>
-        <a:xfrm>
-          <a:off x="3518721" y="203934"/>
-          <a:ext cx="1740599" cy="1740776"/>
-        </a:xfrm>
-        <a:prstGeom prst="circularArrow">
-          <a:avLst>
-            <a:gd name="adj1" fmla="val 10980"/>
-            <a:gd name="adj2" fmla="val 1142322"/>
-            <a:gd name="adj3" fmla="val 4500000"/>
-            <a:gd name="adj4" fmla="val 10800000"/>
-            <a:gd name="adj5" fmla="val 12500"/>
-          </a:avLst>
-        </a:prstGeom>
-        <a:solidFill>
-          <a:schemeClr val="accent1">
-            <a:hueOff val="0"/>
-            <a:satOff val="0"/>
-            <a:lumOff val="0"/>
-            <a:alphaOff val="0"/>
-          </a:schemeClr>
-        </a:solidFill>
-        <a:ln w="12700" cap="flat" cmpd="sng" algn="ctr">
-          <a:solidFill>
-            <a:schemeClr val="lt1">
-              <a:hueOff val="0"/>
-              <a:satOff val="0"/>
-              <a:lumOff val="0"/>
-              <a:alphaOff val="0"/>
-            </a:schemeClr>
-          </a:solidFill>
-          <a:prstDash val="solid"/>
-          <a:miter lim="800000"/>
-        </a:ln>
-        <a:effectLst/>
-      </dsp:spPr>
-      <dsp:style>
-        <a:lnRef idx="2">
-          <a:scrgbClr r="0" g="0" b="0"/>
-        </a:lnRef>
-        <a:fillRef idx="1">
-          <a:scrgbClr r="0" g="0" b="0"/>
-        </a:fillRef>
-        <a:effectRef idx="0">
-          <a:scrgbClr r="0" g="0" b="0"/>
-        </a:effectRef>
-        <a:fontRef idx="minor">
-          <a:schemeClr val="lt1"/>
-        </a:fontRef>
-      </dsp:style>
-    </dsp:sp>
-    <dsp:sp modelId="{5D8640B1-FE58-4174-9B62-EC2A70768EF9}">
-      <dsp:nvSpPr>
-        <dsp:cNvPr id="0" name=""/>
-        <dsp:cNvSpPr/>
-      </dsp:nvSpPr>
-      <dsp:spPr>
-        <a:xfrm>
-          <a:off x="3800960" y="783591"/>
-          <a:ext cx="1175331" cy="587605"/>
-        </a:xfrm>
-        <a:prstGeom prst="rect">
-          <a:avLst/>
-        </a:prstGeom>
-        <a:noFill/>
-        <a:ln>
-          <a:noFill/>
-        </a:ln>
-        <a:effectLst/>
-      </dsp:spPr>
-      <dsp:style>
-        <a:lnRef idx="0">
-          <a:scrgbClr r="0" g="0" b="0"/>
-        </a:lnRef>
-        <a:fillRef idx="0">
-          <a:scrgbClr r="0" g="0" b="0"/>
-        </a:fillRef>
-        <a:effectRef idx="0">
-          <a:scrgbClr r="0" g="0" b="0"/>
-        </a:effectRef>
-        <a:fontRef idx="minor"/>
-      </dsp:style>
-      <dsp:txBody>
-        <a:bodyPr spcFirstLastPara="0" vert="horz" wrap="square" lIns="6985" tIns="6985" rIns="6985" bIns="6985" numCol="1" spcCol="1270" anchor="ctr" anchorCtr="0">
-          <a:noAutofit/>
-        </a:bodyPr>
-        <a:lstStyle/>
-        <a:p>
-          <a:pPr lvl="0" algn="ctr" defTabSz="488950">
-            <a:lnSpc>
-              <a:spcPct val="90000"/>
-            </a:lnSpc>
-            <a:spcBef>
-              <a:spcPct val="0"/>
-            </a:spcBef>
-            <a:spcAft>
-              <a:spcPct val="35000"/>
-            </a:spcAft>
-          </a:pPr>
-          <a:r>
-            <a:rPr lang="en-US" sz="1100" kern="1200" dirty="0" smtClean="0"/>
-            <a:t>Planning</a:t>
-          </a:r>
-          <a:endParaRPr lang="en-US" sz="1100" kern="1200" dirty="0"/>
-        </a:p>
-      </dsp:txBody>
-      <dsp:txXfrm>
-        <a:off x="3800960" y="783591"/>
-        <a:ext cx="1175331" cy="587605"/>
-      </dsp:txXfrm>
-    </dsp:sp>
-    <dsp:sp modelId="{6B01D528-4FA2-4C64-B3B5-C70B7699133D}">
-      <dsp:nvSpPr>
-        <dsp:cNvPr id="0" name=""/>
-        <dsp:cNvSpPr/>
-      </dsp:nvSpPr>
-      <dsp:spPr>
-        <a:xfrm>
-          <a:off x="3012740" y="1493458"/>
-          <a:ext cx="1582366" cy="1582527"/>
-        </a:xfrm>
-        <a:prstGeom prst="leftCircularArrow">
-          <a:avLst>
-            <a:gd name="adj1" fmla="val 10980"/>
-            <a:gd name="adj2" fmla="val 1142322"/>
-            <a:gd name="adj3" fmla="val 6300000"/>
-            <a:gd name="adj4" fmla="val 18900000"/>
-            <a:gd name="adj5" fmla="val 12500"/>
-          </a:avLst>
-        </a:prstGeom>
-        <a:solidFill>
-          <a:schemeClr val="accent1">
-            <a:hueOff val="0"/>
-            <a:satOff val="0"/>
-            <a:lumOff val="0"/>
-            <a:alphaOff val="0"/>
-          </a:schemeClr>
-        </a:solidFill>
-        <a:ln w="12700" cap="flat" cmpd="sng" algn="ctr">
-          <a:solidFill>
-            <a:schemeClr val="lt1">
-              <a:hueOff val="0"/>
-              <a:satOff val="0"/>
-              <a:lumOff val="0"/>
-              <a:alphaOff val="0"/>
-            </a:schemeClr>
-          </a:solidFill>
-          <a:prstDash val="solid"/>
-          <a:miter lim="800000"/>
-        </a:ln>
-        <a:effectLst/>
-      </dsp:spPr>
-      <dsp:style>
-        <a:lnRef idx="2">
-          <a:scrgbClr r="0" g="0" b="0"/>
-        </a:lnRef>
-        <a:fillRef idx="1">
-          <a:scrgbClr r="0" g="0" b="0"/>
-        </a:fillRef>
-        <a:effectRef idx="0">
-          <a:scrgbClr r="0" g="0" b="0"/>
-        </a:effectRef>
-        <a:fontRef idx="minor">
-          <a:schemeClr val="lt1"/>
-        </a:fontRef>
-      </dsp:style>
-    </dsp:sp>
-    <dsp:sp modelId="{DE729958-D000-4185-9D74-F7811337D0A7}">
-      <dsp:nvSpPr>
-        <dsp:cNvPr id="0" name=""/>
-        <dsp:cNvSpPr/>
-      </dsp:nvSpPr>
-      <dsp:spPr>
-        <a:xfrm>
-          <a:off x="3213492" y="1996225"/>
-          <a:ext cx="1175331" cy="587605"/>
-        </a:xfrm>
-        <a:prstGeom prst="rect">
-          <a:avLst/>
-        </a:prstGeom>
-        <a:noFill/>
-        <a:ln>
-          <a:noFill/>
-        </a:ln>
-        <a:effectLst/>
-      </dsp:spPr>
-      <dsp:style>
-        <a:lnRef idx="0">
-          <a:scrgbClr r="0" g="0" b="0"/>
-        </a:lnRef>
-        <a:fillRef idx="0">
-          <a:scrgbClr r="0" g="0" b="0"/>
-        </a:fillRef>
-        <a:effectRef idx="0">
-          <a:scrgbClr r="0" g="0" b="0"/>
-        </a:effectRef>
-        <a:fontRef idx="minor"/>
-      </dsp:style>
-      <dsp:txBody>
-        <a:bodyPr spcFirstLastPara="0" vert="horz" wrap="square" lIns="6985" tIns="6985" rIns="6985" bIns="6985" numCol="1" spcCol="1270" anchor="ctr" anchorCtr="0">
-          <a:noAutofit/>
-        </a:bodyPr>
-        <a:lstStyle/>
-        <a:p>
-          <a:pPr lvl="0" algn="ctr" defTabSz="488950">
-            <a:lnSpc>
-              <a:spcPct val="90000"/>
-            </a:lnSpc>
-            <a:spcBef>
-              <a:spcPct val="0"/>
-            </a:spcBef>
-            <a:spcAft>
-              <a:spcPct val="35000"/>
-            </a:spcAft>
-          </a:pPr>
-          <a:r>
-            <a:rPr lang="en-US" sz="1100" kern="1200" dirty="0" smtClean="0"/>
-            <a:t>Analysis</a:t>
-          </a:r>
-          <a:endParaRPr lang="en-US" sz="1100" kern="1200" dirty="0"/>
-        </a:p>
-      </dsp:txBody>
-      <dsp:txXfrm>
-        <a:off x="3213492" y="1996225"/>
-        <a:ext cx="1175331" cy="587605"/>
-      </dsp:txXfrm>
-    </dsp:sp>
-    <dsp:sp modelId="{8C4885DB-8DCA-4377-A131-5FC1C7F81BD4}">
-      <dsp:nvSpPr>
-        <dsp:cNvPr id="0" name=""/>
-        <dsp:cNvSpPr/>
-      </dsp:nvSpPr>
-      <dsp:spPr>
-        <a:xfrm>
-          <a:off x="3597838" y="2708326"/>
-          <a:ext cx="1582366" cy="1582527"/>
-        </a:xfrm>
-        <a:prstGeom prst="circularArrow">
-          <a:avLst>
-            <a:gd name="adj1" fmla="val 10980"/>
-            <a:gd name="adj2" fmla="val 1142322"/>
-            <a:gd name="adj3" fmla="val 4500000"/>
-            <a:gd name="adj4" fmla="val 13500000"/>
-            <a:gd name="adj5" fmla="val 12500"/>
-          </a:avLst>
-        </a:prstGeom>
-        <a:solidFill>
-          <a:schemeClr val="accent1">
-            <a:hueOff val="0"/>
-            <a:satOff val="0"/>
-            <a:lumOff val="0"/>
-            <a:alphaOff val="0"/>
-          </a:schemeClr>
-        </a:solidFill>
-        <a:ln w="12700" cap="flat" cmpd="sng" algn="ctr">
-          <a:solidFill>
-            <a:schemeClr val="lt1">
-              <a:hueOff val="0"/>
-              <a:satOff val="0"/>
-              <a:lumOff val="0"/>
-              <a:alphaOff val="0"/>
-            </a:schemeClr>
-          </a:solidFill>
-          <a:prstDash val="solid"/>
-          <a:miter lim="800000"/>
-        </a:ln>
-        <a:effectLst/>
-      </dsp:spPr>
-      <dsp:style>
-        <a:lnRef idx="2">
-          <a:scrgbClr r="0" g="0" b="0"/>
-        </a:lnRef>
-        <a:fillRef idx="1">
-          <a:scrgbClr r="0" g="0" b="0"/>
-        </a:fillRef>
-        <a:effectRef idx="0">
-          <a:scrgbClr r="0" g="0" b="0"/>
-        </a:effectRef>
-        <a:fontRef idx="minor">
-          <a:schemeClr val="lt1"/>
-        </a:fontRef>
-      </dsp:style>
-    </dsp:sp>
-    <dsp:sp modelId="{A80AA2DB-D230-4E72-ABB6-3E89B7A0E030}">
-      <dsp:nvSpPr>
-        <dsp:cNvPr id="0" name=""/>
-        <dsp:cNvSpPr/>
-      </dsp:nvSpPr>
-      <dsp:spPr>
-        <a:xfrm>
-          <a:off x="3800960" y="3208859"/>
-          <a:ext cx="1175331" cy="587605"/>
-        </a:xfrm>
-        <a:prstGeom prst="rect">
-          <a:avLst/>
-        </a:prstGeom>
-        <a:noFill/>
-        <a:ln>
-          <a:noFill/>
-        </a:ln>
-        <a:effectLst/>
-      </dsp:spPr>
-      <dsp:style>
-        <a:lnRef idx="0">
-          <a:scrgbClr r="0" g="0" b="0"/>
-        </a:lnRef>
-        <a:fillRef idx="0">
-          <a:scrgbClr r="0" g="0" b="0"/>
-        </a:fillRef>
-        <a:effectRef idx="0">
-          <a:scrgbClr r="0" g="0" b="0"/>
-        </a:effectRef>
-        <a:fontRef idx="minor"/>
-      </dsp:style>
-      <dsp:txBody>
-        <a:bodyPr spcFirstLastPara="0" vert="horz" wrap="square" lIns="6985" tIns="6985" rIns="6985" bIns="6985" numCol="1" spcCol="1270" anchor="ctr" anchorCtr="0">
-          <a:noAutofit/>
-        </a:bodyPr>
-        <a:lstStyle/>
-        <a:p>
-          <a:pPr lvl="0" algn="ctr" defTabSz="488950">
-            <a:lnSpc>
-              <a:spcPct val="90000"/>
-            </a:lnSpc>
-            <a:spcBef>
-              <a:spcPct val="0"/>
-            </a:spcBef>
-            <a:spcAft>
-              <a:spcPct val="35000"/>
-            </a:spcAft>
-          </a:pPr>
-          <a:r>
-            <a:rPr lang="en-US" sz="1100" kern="1200" dirty="0" smtClean="0"/>
-            <a:t>Design</a:t>
-          </a:r>
-          <a:endParaRPr lang="en-US" sz="1100" kern="1200" dirty="0"/>
-        </a:p>
-      </dsp:txBody>
-      <dsp:txXfrm>
-        <a:off x="3800960" y="3208859"/>
-        <a:ext cx="1175331" cy="587605"/>
-      </dsp:txXfrm>
-    </dsp:sp>
-    <dsp:sp modelId="{94F1B919-DAB2-4B55-B975-D8E102722502}">
-      <dsp:nvSpPr>
-        <dsp:cNvPr id="0" name=""/>
-        <dsp:cNvSpPr/>
-      </dsp:nvSpPr>
-      <dsp:spPr>
-        <a:xfrm>
-          <a:off x="3125975" y="4021556"/>
-          <a:ext cx="1359452" cy="1360109"/>
-        </a:xfrm>
-        <a:prstGeom prst="blockArc">
-          <a:avLst>
-            <a:gd name="adj1" fmla="val 0"/>
-            <a:gd name="adj2" fmla="val 18900000"/>
-            <a:gd name="adj3" fmla="val 12740"/>
-          </a:avLst>
-        </a:prstGeom>
-        <a:solidFill>
-          <a:schemeClr val="accent1">
-            <a:hueOff val="0"/>
-            <a:satOff val="0"/>
-            <a:lumOff val="0"/>
-            <a:alphaOff val="0"/>
-          </a:schemeClr>
-        </a:solidFill>
-        <a:ln w="12700" cap="flat" cmpd="sng" algn="ctr">
-          <a:solidFill>
-            <a:schemeClr val="lt1">
-              <a:hueOff val="0"/>
-              <a:satOff val="0"/>
-              <a:lumOff val="0"/>
-              <a:alphaOff val="0"/>
-            </a:schemeClr>
-          </a:solidFill>
-          <a:prstDash val="solid"/>
-          <a:miter lim="800000"/>
-        </a:ln>
-        <a:effectLst/>
-      </dsp:spPr>
-      <dsp:style>
-        <a:lnRef idx="2">
-          <a:scrgbClr r="0" g="0" b="0"/>
-        </a:lnRef>
-        <a:fillRef idx="1">
-          <a:scrgbClr r="0" g="0" b="0"/>
-        </a:fillRef>
-        <a:effectRef idx="0">
-          <a:scrgbClr r="0" g="0" b="0"/>
-        </a:effectRef>
-        <a:fontRef idx="minor">
-          <a:schemeClr val="lt1"/>
-        </a:fontRef>
-      </dsp:style>
-    </dsp:sp>
-    <dsp:sp modelId="{FFD68375-FF29-453A-A877-4648AFA7512E}">
-      <dsp:nvSpPr>
-        <dsp:cNvPr id="0" name=""/>
-        <dsp:cNvSpPr/>
-      </dsp:nvSpPr>
-      <dsp:spPr>
-        <a:xfrm>
-          <a:off x="3213492" y="4421493"/>
-          <a:ext cx="1175331" cy="587605"/>
-        </a:xfrm>
-        <a:prstGeom prst="rect">
-          <a:avLst/>
-        </a:prstGeom>
-        <a:noFill/>
-        <a:ln>
-          <a:noFill/>
-        </a:ln>
-        <a:effectLst/>
-      </dsp:spPr>
-      <dsp:style>
-        <a:lnRef idx="0">
-          <a:scrgbClr r="0" g="0" b="0"/>
-        </a:lnRef>
-        <a:fillRef idx="0">
-          <a:scrgbClr r="0" g="0" b="0"/>
-        </a:fillRef>
-        <a:effectRef idx="0">
-          <a:scrgbClr r="0" g="0" b="0"/>
-        </a:effectRef>
-        <a:fontRef idx="minor"/>
-      </dsp:style>
-      <dsp:txBody>
-        <a:bodyPr spcFirstLastPara="0" vert="horz" wrap="square" lIns="6985" tIns="6985" rIns="6985" bIns="6985" numCol="1" spcCol="1270" anchor="ctr" anchorCtr="0">
-          <a:noAutofit/>
-        </a:bodyPr>
-        <a:lstStyle/>
-        <a:p>
-          <a:pPr lvl="0" algn="ctr" defTabSz="488950">
-            <a:lnSpc>
-              <a:spcPct val="90000"/>
-            </a:lnSpc>
-            <a:spcBef>
-              <a:spcPct val="0"/>
-            </a:spcBef>
-            <a:spcAft>
-              <a:spcPct val="35000"/>
-            </a:spcAft>
-          </a:pPr>
-          <a:r>
-            <a:rPr lang="en-US" sz="1100" kern="1200" dirty="0" smtClean="0"/>
-            <a:t>Implementation</a:t>
-          </a:r>
-          <a:endParaRPr lang="en-US" sz="1100" kern="1200" dirty="0"/>
-        </a:p>
-      </dsp:txBody>
-      <dsp:txXfrm>
-        <a:off x="3213492" y="4421493"/>
-        <a:ext cx="1175331" cy="587605"/>
-      </dsp:txXfrm>
-    </dsp:sp>
-  </dsp:spTree>
-</dsp:drawing>
-</file>
-
-<file path=ppt/diagrams/drawing3.xml><?xml version="1.0" encoding="utf-8"?>
-<dsp:drawing xmlns:dgm="http://schemas.openxmlformats.org/drawingml/2006/diagram" xmlns:dsp="http://schemas.microsoft.com/office/drawing/2008/diagram" xmlns:a="http://schemas.openxmlformats.org/drawingml/2006/main">
-  <dsp:spTree>
-    <dsp:nvGrpSpPr>
-      <dsp:cNvPr id="0" name=""/>
-      <dsp:cNvGrpSpPr/>
-    </dsp:nvGrpSpPr>
-    <dsp:grpSpPr/>
-    <dsp:sp modelId="{1CEF3C90-5AFE-47A2-913C-0D42C000C14C}">
-      <dsp:nvSpPr>
-        <dsp:cNvPr id="0" name=""/>
-        <dsp:cNvSpPr/>
-      </dsp:nvSpPr>
-      <dsp:spPr>
-        <a:xfrm rot="5400000">
-          <a:off x="2575649" y="99463"/>
-          <a:ext cx="1530201" cy="1331275"/>
-        </a:xfrm>
-        <a:prstGeom prst="hexagon">
-          <a:avLst>
-            <a:gd name="adj" fmla="val 25000"/>
-            <a:gd name="vf" fmla="val 115470"/>
-          </a:avLst>
-        </a:prstGeom>
-        <a:solidFill>
-          <a:schemeClr val="accent1">
-            <a:hueOff val="0"/>
-            <a:satOff val="0"/>
-            <a:lumOff val="0"/>
-            <a:alphaOff val="0"/>
-          </a:schemeClr>
-        </a:solidFill>
-        <a:ln w="12700" cap="flat" cmpd="sng" algn="ctr">
-          <a:solidFill>
-            <a:schemeClr val="lt1">
-              <a:hueOff val="0"/>
-              <a:satOff val="0"/>
-              <a:lumOff val="0"/>
-              <a:alphaOff val="0"/>
-            </a:schemeClr>
-          </a:solidFill>
-          <a:prstDash val="solid"/>
-          <a:miter lim="800000"/>
-        </a:ln>
-        <a:effectLst/>
-      </dsp:spPr>
-      <dsp:style>
-        <a:lnRef idx="2">
-          <a:scrgbClr r="0" g="0" b="0"/>
-        </a:lnRef>
-        <a:fillRef idx="1">
-          <a:scrgbClr r="0" g="0" b="0"/>
-        </a:fillRef>
-        <a:effectRef idx="0">
-          <a:scrgbClr r="0" g="0" b="0"/>
-        </a:effectRef>
-        <a:fontRef idx="minor">
-          <a:schemeClr val="lt1"/>
-        </a:fontRef>
-      </dsp:style>
-      <dsp:txBody>
-        <a:bodyPr spcFirstLastPara="0" vert="horz" wrap="square" lIns="72390" tIns="72390" rIns="72390" bIns="72390" numCol="1" spcCol="1270" anchor="ctr" anchorCtr="0">
-          <a:noAutofit/>
-        </a:bodyPr>
-        <a:lstStyle/>
-        <a:p>
-          <a:pPr lvl="0" algn="ctr" defTabSz="844550">
-            <a:lnSpc>
-              <a:spcPct val="90000"/>
-            </a:lnSpc>
-            <a:spcBef>
-              <a:spcPct val="0"/>
-            </a:spcBef>
-            <a:spcAft>
-              <a:spcPct val="35000"/>
-            </a:spcAft>
-          </a:pPr>
-          <a:r>
-            <a:rPr lang="en-US" sz="1900" kern="1200" dirty="0" smtClean="0"/>
-            <a:t>code2</a:t>
-          </a:r>
-          <a:endParaRPr lang="en-US" sz="1900" kern="1200" dirty="0"/>
-        </a:p>
-      </dsp:txBody>
-      <dsp:txXfrm rot="-5400000">
-        <a:off x="2882569" y="238456"/>
-        <a:ext cx="916361" cy="1053289"/>
-      </dsp:txXfrm>
-    </dsp:sp>
-    <dsp:sp modelId="{EF8FA3B5-F5CF-4A95-9D97-D77A25F8D216}">
-      <dsp:nvSpPr>
-        <dsp:cNvPr id="0" name=""/>
-        <dsp:cNvSpPr/>
-      </dsp:nvSpPr>
-      <dsp:spPr>
-        <a:xfrm>
-          <a:off x="5731820" y="306177"/>
-          <a:ext cx="1707705" cy="918121"/>
-        </a:xfrm>
-        <a:prstGeom prst="rect">
-          <a:avLst/>
-        </a:prstGeom>
-        <a:noFill/>
-        <a:ln>
-          <a:noFill/>
-        </a:ln>
-        <a:effectLst/>
-      </dsp:spPr>
-      <dsp:style>
-        <a:lnRef idx="0">
-          <a:scrgbClr r="0" g="0" b="0"/>
-        </a:lnRef>
-        <a:fillRef idx="0">
-          <a:scrgbClr r="0" g="0" b="0"/>
-        </a:fillRef>
-        <a:effectRef idx="0">
-          <a:scrgbClr r="0" g="0" b="0"/>
-        </a:effectRef>
-        <a:fontRef idx="minor"/>
-      </dsp:style>
-    </dsp:sp>
-    <dsp:sp modelId="{36CC621C-EEBA-4032-A1C4-95D93E13E7B4}">
-      <dsp:nvSpPr>
-        <dsp:cNvPr id="0" name=""/>
-        <dsp:cNvSpPr/>
-      </dsp:nvSpPr>
-      <dsp:spPr>
-        <a:xfrm rot="5400000">
-          <a:off x="-99463" y="99463"/>
-          <a:ext cx="1530201" cy="1331275"/>
-        </a:xfrm>
-        <a:prstGeom prst="hexagon">
-          <a:avLst>
-            <a:gd name="adj" fmla="val 25000"/>
-            <a:gd name="vf" fmla="val 115470"/>
-          </a:avLst>
-        </a:prstGeom>
-        <a:solidFill>
-          <a:schemeClr val="accent1">
-            <a:hueOff val="0"/>
-            <a:satOff val="0"/>
-            <a:lumOff val="0"/>
-            <a:alphaOff val="0"/>
-          </a:schemeClr>
-        </a:solidFill>
-        <a:ln w="12700" cap="flat" cmpd="sng" algn="ctr">
-          <a:solidFill>
-            <a:schemeClr val="lt1">
-              <a:hueOff val="0"/>
-              <a:satOff val="0"/>
-              <a:lumOff val="0"/>
-              <a:alphaOff val="0"/>
-            </a:schemeClr>
-          </a:solidFill>
-          <a:prstDash val="solid"/>
-          <a:miter lim="800000"/>
-        </a:ln>
-        <a:effectLst/>
-      </dsp:spPr>
-      <dsp:style>
-        <a:lnRef idx="2">
-          <a:scrgbClr r="0" g="0" b="0"/>
-        </a:lnRef>
-        <a:fillRef idx="1">
-          <a:scrgbClr r="0" g="0" b="0"/>
-        </a:fillRef>
-        <a:effectRef idx="0">
-          <a:scrgbClr r="0" g="0" b="0"/>
-        </a:effectRef>
-        <a:fontRef idx="minor">
-          <a:schemeClr val="lt1"/>
-        </a:fontRef>
-      </dsp:style>
-      <dsp:txBody>
-        <a:bodyPr spcFirstLastPara="0" vert="horz" wrap="square" lIns="0" tIns="0" rIns="0" bIns="0" numCol="1" spcCol="1270" anchor="ctr" anchorCtr="0">
-          <a:noAutofit/>
-        </a:bodyPr>
-        <a:lstStyle/>
-        <a:p>
-          <a:pPr lvl="0" algn="ctr" defTabSz="977900">
-            <a:lnSpc>
-              <a:spcPct val="90000"/>
-            </a:lnSpc>
-            <a:spcBef>
-              <a:spcPct val="0"/>
-            </a:spcBef>
-            <a:spcAft>
-              <a:spcPct val="35000"/>
-            </a:spcAft>
-          </a:pPr>
-          <a:r>
-            <a:rPr lang="en-US" sz="2200" kern="1200" dirty="0" smtClean="0"/>
-            <a:t>code1</a:t>
-          </a:r>
-          <a:endParaRPr lang="en-US" sz="2200" kern="1200" dirty="0"/>
-        </a:p>
-      </dsp:txBody>
-      <dsp:txXfrm rot="-5400000">
-        <a:off x="207457" y="238456"/>
-        <a:ext cx="916361" cy="1053289"/>
-      </dsp:txXfrm>
-    </dsp:sp>
-    <dsp:sp modelId="{BADB0BD2-CE74-4F03-B6B4-AEA52D935E43}">
-      <dsp:nvSpPr>
-        <dsp:cNvPr id="0" name=""/>
-        <dsp:cNvSpPr/>
-      </dsp:nvSpPr>
-      <dsp:spPr>
-        <a:xfrm rot="5400000">
-          <a:off x="5693923" y="161405"/>
-          <a:ext cx="1530201" cy="1331275"/>
-        </a:xfrm>
-        <a:prstGeom prst="hexagon">
-          <a:avLst>
-            <a:gd name="adj" fmla="val 25000"/>
-            <a:gd name="vf" fmla="val 115470"/>
-          </a:avLst>
-        </a:prstGeom>
-        <a:solidFill>
-          <a:schemeClr val="accent1">
-            <a:hueOff val="0"/>
-            <a:satOff val="0"/>
-            <a:lumOff val="0"/>
-            <a:alphaOff val="0"/>
-          </a:schemeClr>
-        </a:solidFill>
-        <a:ln w="12700" cap="flat" cmpd="sng" algn="ctr">
-          <a:solidFill>
-            <a:schemeClr val="lt1">
-              <a:hueOff val="0"/>
-              <a:satOff val="0"/>
-              <a:lumOff val="0"/>
-              <a:alphaOff val="0"/>
-            </a:schemeClr>
-          </a:solidFill>
-          <a:prstDash val="solid"/>
-          <a:miter lim="800000"/>
-        </a:ln>
-        <a:effectLst/>
-      </dsp:spPr>
-      <dsp:style>
-        <a:lnRef idx="2">
-          <a:scrgbClr r="0" g="0" b="0"/>
-        </a:lnRef>
-        <a:fillRef idx="1">
-          <a:scrgbClr r="0" g="0" b="0"/>
-        </a:fillRef>
-        <a:effectRef idx="0">
-          <a:scrgbClr r="0" g="0" b="0"/>
-        </a:effectRef>
-        <a:fontRef idx="minor">
-          <a:schemeClr val="lt1"/>
-        </a:fontRef>
-      </dsp:style>
-      <dsp:txBody>
-        <a:bodyPr spcFirstLastPara="0" vert="horz" wrap="square" lIns="72390" tIns="72390" rIns="72390" bIns="72390" numCol="1" spcCol="1270" anchor="ctr" anchorCtr="0">
-          <a:noAutofit/>
-        </a:bodyPr>
-        <a:lstStyle/>
-        <a:p>
-          <a:pPr lvl="0" algn="ctr" defTabSz="844550">
-            <a:lnSpc>
-              <a:spcPct val="90000"/>
-            </a:lnSpc>
-            <a:spcBef>
-              <a:spcPct val="0"/>
-            </a:spcBef>
-            <a:spcAft>
-              <a:spcPct val="35000"/>
-            </a:spcAft>
-          </a:pPr>
-          <a:r>
-            <a:rPr lang="en-US" sz="1900" kern="1200" dirty="0" smtClean="0"/>
-            <a:t>Code 3</a:t>
-          </a:r>
-          <a:endParaRPr lang="en-US" sz="1900" kern="1200" dirty="0"/>
-        </a:p>
-      </dsp:txBody>
-      <dsp:txXfrm rot="-5400000">
-        <a:off x="6000843" y="300398"/>
-        <a:ext cx="916361" cy="1053289"/>
-      </dsp:txXfrm>
-    </dsp:sp>
-    <dsp:sp modelId="{16B7D3A3-56DC-416A-9D44-98A1CDBB4E4D}">
-      <dsp:nvSpPr>
-        <dsp:cNvPr id="0" name=""/>
-        <dsp:cNvSpPr/>
-      </dsp:nvSpPr>
-      <dsp:spPr>
-        <a:xfrm>
-          <a:off x="1930799" y="1605013"/>
-          <a:ext cx="1652617" cy="918121"/>
-        </a:xfrm>
-        <a:prstGeom prst="rect">
-          <a:avLst/>
-        </a:prstGeom>
-        <a:noFill/>
-        <a:ln>
-          <a:noFill/>
-        </a:ln>
-        <a:effectLst/>
-      </dsp:spPr>
-      <dsp:style>
-        <a:lnRef idx="0">
-          <a:scrgbClr r="0" g="0" b="0"/>
-        </a:lnRef>
-        <a:fillRef idx="0">
-          <a:scrgbClr r="0" g="0" b="0"/>
-        </a:fillRef>
-        <a:effectRef idx="0">
-          <a:scrgbClr r="0" g="0" b="0"/>
-        </a:effectRef>
-        <a:fontRef idx="minor"/>
-      </dsp:style>
-      <dsp:txBody>
-        <a:bodyPr spcFirstLastPara="0" vert="horz" wrap="square" lIns="72390" tIns="72390" rIns="72390" bIns="72390" numCol="1" spcCol="1270" anchor="ctr" anchorCtr="0">
-          <a:noAutofit/>
-        </a:bodyPr>
-        <a:lstStyle/>
-        <a:p>
-          <a:pPr lvl="0" algn="r" defTabSz="844550">
-            <a:lnSpc>
-              <a:spcPct val="90000"/>
-            </a:lnSpc>
-            <a:spcBef>
-              <a:spcPct val="0"/>
-            </a:spcBef>
-            <a:spcAft>
-              <a:spcPct val="35000"/>
-            </a:spcAft>
-          </a:pPr>
-          <a:endParaRPr lang="en-US" sz="1900" kern="1200" dirty="0"/>
-        </a:p>
-      </dsp:txBody>
-      <dsp:txXfrm>
-        <a:off x="1930799" y="1605013"/>
-        <a:ext cx="1652617" cy="918121"/>
-      </dsp:txXfrm>
-    </dsp:sp>
-    <dsp:sp modelId="{B54F54A5-26B8-4787-8570-EDBF36A08DD1}">
-      <dsp:nvSpPr>
-        <dsp:cNvPr id="0" name=""/>
-        <dsp:cNvSpPr/>
-      </dsp:nvSpPr>
-      <dsp:spPr>
-        <a:xfrm rot="5400000">
-          <a:off x="7939586" y="127266"/>
-          <a:ext cx="1530201" cy="1331275"/>
-        </a:xfrm>
-        <a:prstGeom prst="hexagon">
-          <a:avLst>
-            <a:gd name="adj" fmla="val 25000"/>
-            <a:gd name="vf" fmla="val 115470"/>
-          </a:avLst>
-        </a:prstGeom>
-        <a:solidFill>
-          <a:schemeClr val="accent1">
-            <a:hueOff val="0"/>
-            <a:satOff val="0"/>
-            <a:lumOff val="0"/>
-            <a:alphaOff val="0"/>
-          </a:schemeClr>
-        </a:solidFill>
-        <a:ln w="12700" cap="flat" cmpd="sng" algn="ctr">
-          <a:solidFill>
-            <a:schemeClr val="lt1">
-              <a:hueOff val="0"/>
-              <a:satOff val="0"/>
-              <a:lumOff val="0"/>
-              <a:alphaOff val="0"/>
-            </a:schemeClr>
-          </a:solidFill>
-          <a:prstDash val="solid"/>
-          <a:miter lim="800000"/>
-        </a:ln>
-        <a:effectLst/>
-      </dsp:spPr>
-      <dsp:style>
-        <a:lnRef idx="2">
-          <a:scrgbClr r="0" g="0" b="0"/>
-        </a:lnRef>
-        <a:fillRef idx="1">
-          <a:scrgbClr r="0" g="0" b="0"/>
-        </a:fillRef>
-        <a:effectRef idx="0">
-          <a:scrgbClr r="0" g="0" b="0"/>
-        </a:effectRef>
-        <a:fontRef idx="minor">
-          <a:schemeClr val="lt1"/>
-        </a:fontRef>
-      </dsp:style>
-      <dsp:txBody>
-        <a:bodyPr spcFirstLastPara="0" vert="horz" wrap="square" lIns="0" tIns="0" rIns="0" bIns="0" numCol="1" spcCol="1270" anchor="ctr" anchorCtr="0">
-          <a:noAutofit/>
-        </a:bodyPr>
-        <a:lstStyle/>
-        <a:p>
-          <a:pPr lvl="0" algn="ctr" defTabSz="977900">
-            <a:lnSpc>
-              <a:spcPct val="90000"/>
-            </a:lnSpc>
-            <a:spcBef>
-              <a:spcPct val="0"/>
-            </a:spcBef>
-            <a:spcAft>
-              <a:spcPct val="35000"/>
-            </a:spcAft>
-          </a:pPr>
-          <a:r>
-            <a:rPr lang="en-US" sz="2200" kern="1200" dirty="0" smtClean="0"/>
-            <a:t>code4</a:t>
-          </a:r>
-          <a:endParaRPr lang="en-US" sz="2200" kern="1200" dirty="0"/>
-        </a:p>
-      </dsp:txBody>
-      <dsp:txXfrm rot="-5400000">
-        <a:off x="8246506" y="266259"/>
-        <a:ext cx="916361" cy="1053289"/>
-      </dsp:txXfrm>
-    </dsp:sp>
-  </dsp:spTree>
-</dsp:drawing>
-</file>
-
-<file path=ppt/diagrams/drawing4.xml><?xml version="1.0" encoding="utf-8"?>
-<dsp:drawing xmlns:dgm="http://schemas.openxmlformats.org/drawingml/2006/diagram" xmlns:dsp="http://schemas.microsoft.com/office/drawing/2008/diagram" xmlns:a="http://schemas.openxmlformats.org/drawingml/2006/main">
-  <dsp:spTree>
-    <dsp:nvGrpSpPr>
-      <dsp:cNvPr id="0" name=""/>
-      <dsp:cNvGrpSpPr/>
-    </dsp:nvGrpSpPr>
-    <dsp:grpSpPr/>
-    <dsp:sp modelId="{1CEF3C90-5AFE-47A2-913C-0D42C000C14C}">
-      <dsp:nvSpPr>
-        <dsp:cNvPr id="0" name=""/>
-        <dsp:cNvSpPr/>
-      </dsp:nvSpPr>
-      <dsp:spPr>
-        <a:xfrm rot="5400000">
-          <a:off x="2575649" y="99463"/>
-          <a:ext cx="1530201" cy="1331275"/>
-        </a:xfrm>
-        <a:prstGeom prst="hexagon">
-          <a:avLst>
-            <a:gd name="adj" fmla="val 25000"/>
-            <a:gd name="vf" fmla="val 115470"/>
-          </a:avLst>
-        </a:prstGeom>
-        <a:solidFill>
-          <a:schemeClr val="accent1">
-            <a:hueOff val="0"/>
-            <a:satOff val="0"/>
-            <a:lumOff val="0"/>
-            <a:alphaOff val="0"/>
-          </a:schemeClr>
-        </a:solidFill>
-        <a:ln w="12700" cap="flat" cmpd="sng" algn="ctr">
-          <a:solidFill>
-            <a:schemeClr val="lt1">
-              <a:hueOff val="0"/>
-              <a:satOff val="0"/>
-              <a:lumOff val="0"/>
-              <a:alphaOff val="0"/>
-            </a:schemeClr>
-          </a:solidFill>
-          <a:prstDash val="solid"/>
-          <a:miter lim="800000"/>
-        </a:ln>
-        <a:effectLst/>
-      </dsp:spPr>
-      <dsp:style>
-        <a:lnRef idx="2">
-          <a:scrgbClr r="0" g="0" b="0"/>
-        </a:lnRef>
-        <a:fillRef idx="1">
-          <a:scrgbClr r="0" g="0" b="0"/>
-        </a:fillRef>
-        <a:effectRef idx="0">
-          <a:scrgbClr r="0" g="0" b="0"/>
-        </a:effectRef>
-        <a:fontRef idx="minor">
-          <a:schemeClr val="lt1"/>
-        </a:fontRef>
-      </dsp:style>
-      <dsp:txBody>
-        <a:bodyPr spcFirstLastPara="0" vert="horz" wrap="square" lIns="38100" tIns="38100" rIns="38100" bIns="38100" numCol="1" spcCol="1270" anchor="ctr" anchorCtr="0">
-          <a:noAutofit/>
-        </a:bodyPr>
-        <a:lstStyle/>
-        <a:p>
-          <a:pPr lvl="0" algn="ctr" defTabSz="444500">
-            <a:lnSpc>
-              <a:spcPct val="90000"/>
-            </a:lnSpc>
-            <a:spcBef>
-              <a:spcPct val="0"/>
-            </a:spcBef>
-            <a:spcAft>
-              <a:spcPct val="35000"/>
-            </a:spcAft>
-          </a:pPr>
-          <a:endParaRPr lang="en-US" sz="1000" kern="1200" dirty="0" smtClean="0"/>
-        </a:p>
-        <a:p>
-          <a:pPr lvl="0" algn="ctr" defTabSz="444500">
-            <a:lnSpc>
-              <a:spcPct val="90000"/>
-            </a:lnSpc>
-            <a:spcBef>
-              <a:spcPct val="0"/>
-            </a:spcBef>
-            <a:spcAft>
-              <a:spcPct val="35000"/>
-            </a:spcAft>
-          </a:pPr>
-          <a:r>
-            <a:rPr lang="en-US" sz="1000" kern="1200" dirty="0" smtClean="0"/>
-            <a:t>testedcode</a:t>
-          </a:r>
-          <a:r>
-            <a:rPr lang="en-US" sz="1000" kern="1200" dirty="0" smtClean="0"/>
-            <a:t>2</a:t>
-          </a:r>
-          <a:endParaRPr lang="en-US" sz="1000" kern="1200" dirty="0"/>
-        </a:p>
-      </dsp:txBody>
-      <dsp:txXfrm rot="-5400000">
-        <a:off x="2882569" y="238456"/>
-        <a:ext cx="916361" cy="1053289"/>
-      </dsp:txXfrm>
-    </dsp:sp>
-    <dsp:sp modelId="{EF8FA3B5-F5CF-4A95-9D97-D77A25F8D216}">
-      <dsp:nvSpPr>
-        <dsp:cNvPr id="0" name=""/>
-        <dsp:cNvSpPr/>
-      </dsp:nvSpPr>
-      <dsp:spPr>
-        <a:xfrm>
-          <a:off x="5731820" y="306177"/>
-          <a:ext cx="1707705" cy="918121"/>
-        </a:xfrm>
-        <a:prstGeom prst="rect">
-          <a:avLst/>
-        </a:prstGeom>
-        <a:noFill/>
-        <a:ln>
-          <a:noFill/>
-        </a:ln>
-        <a:effectLst/>
-      </dsp:spPr>
-      <dsp:style>
-        <a:lnRef idx="0">
-          <a:scrgbClr r="0" g="0" b="0"/>
-        </a:lnRef>
-        <a:fillRef idx="0">
-          <a:scrgbClr r="0" g="0" b="0"/>
-        </a:fillRef>
-        <a:effectRef idx="0">
-          <a:scrgbClr r="0" g="0" b="0"/>
-        </a:effectRef>
-        <a:fontRef idx="minor"/>
-      </dsp:style>
-    </dsp:sp>
-    <dsp:sp modelId="{36CC621C-EEBA-4032-A1C4-95D93E13E7B4}">
-      <dsp:nvSpPr>
-        <dsp:cNvPr id="0" name=""/>
-        <dsp:cNvSpPr/>
-      </dsp:nvSpPr>
-      <dsp:spPr>
-        <a:xfrm rot="5400000">
-          <a:off x="-99463" y="99463"/>
-          <a:ext cx="1530201" cy="1331275"/>
-        </a:xfrm>
-        <a:prstGeom prst="hexagon">
-          <a:avLst>
-            <a:gd name="adj" fmla="val 25000"/>
-            <a:gd name="vf" fmla="val 115470"/>
-          </a:avLst>
-        </a:prstGeom>
-        <a:solidFill>
-          <a:schemeClr val="accent1">
-            <a:hueOff val="0"/>
-            <a:satOff val="0"/>
-            <a:lumOff val="0"/>
-            <a:alphaOff val="0"/>
-          </a:schemeClr>
-        </a:solidFill>
-        <a:ln w="12700" cap="flat" cmpd="sng" algn="ctr">
-          <a:solidFill>
-            <a:schemeClr val="lt1">
-              <a:hueOff val="0"/>
-              <a:satOff val="0"/>
-              <a:lumOff val="0"/>
-              <a:alphaOff val="0"/>
-            </a:schemeClr>
-          </a:solidFill>
-          <a:prstDash val="solid"/>
-          <a:miter lim="800000"/>
-        </a:ln>
-        <a:effectLst/>
-      </dsp:spPr>
-      <dsp:style>
-        <a:lnRef idx="2">
-          <a:scrgbClr r="0" g="0" b="0"/>
-        </a:lnRef>
-        <a:fillRef idx="1">
-          <a:scrgbClr r="0" g="0" b="0"/>
-        </a:fillRef>
-        <a:effectRef idx="0">
-          <a:scrgbClr r="0" g="0" b="0"/>
-        </a:effectRef>
-        <a:fontRef idx="minor">
-          <a:schemeClr val="lt1"/>
-        </a:fontRef>
-      </dsp:style>
-      <dsp:txBody>
-        <a:bodyPr spcFirstLastPara="0" vert="horz" wrap="square" lIns="0" tIns="0" rIns="0" bIns="0" numCol="1" spcCol="1270" anchor="ctr" anchorCtr="0">
-          <a:noAutofit/>
-        </a:bodyPr>
-        <a:lstStyle/>
-        <a:p>
-          <a:pPr lvl="0" algn="ctr" defTabSz="488950">
-            <a:lnSpc>
-              <a:spcPct val="90000"/>
-            </a:lnSpc>
-            <a:spcBef>
-              <a:spcPct val="0"/>
-            </a:spcBef>
-            <a:spcAft>
-              <a:spcPct val="35000"/>
-            </a:spcAft>
-          </a:pPr>
-          <a:r>
-            <a:rPr lang="en-US" sz="1100" kern="1200" dirty="0" smtClean="0"/>
-            <a:t>testedcode1</a:t>
-          </a:r>
-          <a:endParaRPr lang="en-US" sz="1100" kern="1200" dirty="0"/>
-        </a:p>
-      </dsp:txBody>
-      <dsp:txXfrm rot="-5400000">
-        <a:off x="207457" y="238456"/>
-        <a:ext cx="916361" cy="1053289"/>
-      </dsp:txXfrm>
-    </dsp:sp>
-    <dsp:sp modelId="{BADB0BD2-CE74-4F03-B6B4-AEA52D935E43}">
-      <dsp:nvSpPr>
-        <dsp:cNvPr id="0" name=""/>
-        <dsp:cNvSpPr/>
-      </dsp:nvSpPr>
-      <dsp:spPr>
-        <a:xfrm rot="5400000">
-          <a:off x="5693923" y="161405"/>
-          <a:ext cx="1530201" cy="1331275"/>
-        </a:xfrm>
-        <a:prstGeom prst="hexagon">
-          <a:avLst>
-            <a:gd name="adj" fmla="val 25000"/>
-            <a:gd name="vf" fmla="val 115470"/>
-          </a:avLst>
-        </a:prstGeom>
-        <a:solidFill>
-          <a:schemeClr val="accent1">
-            <a:hueOff val="0"/>
-            <a:satOff val="0"/>
-            <a:lumOff val="0"/>
-            <a:alphaOff val="0"/>
-          </a:schemeClr>
-        </a:solidFill>
-        <a:ln w="12700" cap="flat" cmpd="sng" algn="ctr">
-          <a:solidFill>
-            <a:schemeClr val="lt1">
-              <a:hueOff val="0"/>
-              <a:satOff val="0"/>
-              <a:lumOff val="0"/>
-              <a:alphaOff val="0"/>
-            </a:schemeClr>
-          </a:solidFill>
-          <a:prstDash val="solid"/>
-          <a:miter lim="800000"/>
-        </a:ln>
-        <a:effectLst/>
-      </dsp:spPr>
-      <dsp:style>
-        <a:lnRef idx="2">
-          <a:scrgbClr r="0" g="0" b="0"/>
-        </a:lnRef>
-        <a:fillRef idx="1">
-          <a:scrgbClr r="0" g="0" b="0"/>
-        </a:fillRef>
-        <a:effectRef idx="0">
-          <a:scrgbClr r="0" g="0" b="0"/>
-        </a:effectRef>
-        <a:fontRef idx="minor">
-          <a:schemeClr val="lt1"/>
-        </a:fontRef>
-      </dsp:style>
-      <dsp:txBody>
-        <a:bodyPr spcFirstLastPara="0" vert="horz" wrap="square" lIns="38100" tIns="38100" rIns="38100" bIns="38100" numCol="1" spcCol="1270" anchor="ctr" anchorCtr="0">
-          <a:noAutofit/>
-        </a:bodyPr>
-        <a:lstStyle/>
-        <a:p>
-          <a:pPr lvl="0" algn="ctr" defTabSz="444500">
-            <a:lnSpc>
-              <a:spcPct val="90000"/>
-            </a:lnSpc>
-            <a:spcBef>
-              <a:spcPct val="0"/>
-            </a:spcBef>
-            <a:spcAft>
-              <a:spcPct val="35000"/>
-            </a:spcAft>
-          </a:pPr>
-          <a:endParaRPr lang="en-US" sz="1000" kern="1200" dirty="0" smtClean="0"/>
-        </a:p>
-        <a:p>
-          <a:pPr lvl="0" algn="ctr" defTabSz="444500">
-            <a:lnSpc>
-              <a:spcPct val="90000"/>
-            </a:lnSpc>
-            <a:spcBef>
-              <a:spcPct val="0"/>
-            </a:spcBef>
-            <a:spcAft>
-              <a:spcPct val="35000"/>
-            </a:spcAft>
-          </a:pPr>
-          <a:r>
-            <a:rPr lang="en-US" sz="1000" kern="1200" dirty="0" smtClean="0"/>
-            <a:t>testedcode</a:t>
-          </a:r>
-          <a:r>
-            <a:rPr lang="en-US" sz="1000" kern="1200" dirty="0" smtClean="0"/>
-            <a:t>3</a:t>
-          </a:r>
-          <a:endParaRPr lang="en-US" sz="1000" kern="1200" dirty="0"/>
-        </a:p>
-      </dsp:txBody>
-      <dsp:txXfrm rot="-5400000">
-        <a:off x="6000843" y="300398"/>
-        <a:ext cx="916361" cy="1053289"/>
-      </dsp:txXfrm>
-    </dsp:sp>
-    <dsp:sp modelId="{16B7D3A3-56DC-416A-9D44-98A1CDBB4E4D}">
-      <dsp:nvSpPr>
-        <dsp:cNvPr id="0" name=""/>
-        <dsp:cNvSpPr/>
-      </dsp:nvSpPr>
-      <dsp:spPr>
-        <a:xfrm>
-          <a:off x="1930799" y="1605013"/>
-          <a:ext cx="1652617" cy="918121"/>
-        </a:xfrm>
-        <a:prstGeom prst="rect">
-          <a:avLst/>
-        </a:prstGeom>
-        <a:noFill/>
-        <a:ln>
-          <a:noFill/>
-        </a:ln>
-        <a:effectLst/>
-      </dsp:spPr>
-      <dsp:style>
-        <a:lnRef idx="0">
-          <a:scrgbClr r="0" g="0" b="0"/>
-        </a:lnRef>
-        <a:fillRef idx="0">
-          <a:scrgbClr r="0" g="0" b="0"/>
-        </a:fillRef>
-        <a:effectRef idx="0">
-          <a:scrgbClr r="0" g="0" b="0"/>
-        </a:effectRef>
-        <a:fontRef idx="minor"/>
-      </dsp:style>
-      <dsp:txBody>
-        <a:bodyPr spcFirstLastPara="0" vert="horz" wrap="square" lIns="38100" tIns="38100" rIns="38100" bIns="38100" numCol="1" spcCol="1270" anchor="ctr" anchorCtr="0">
-          <a:noAutofit/>
-        </a:bodyPr>
-        <a:lstStyle/>
-        <a:p>
-          <a:pPr lvl="0" algn="r" defTabSz="444500">
-            <a:lnSpc>
-              <a:spcPct val="90000"/>
-            </a:lnSpc>
-            <a:spcBef>
-              <a:spcPct val="0"/>
-            </a:spcBef>
-            <a:spcAft>
-              <a:spcPct val="35000"/>
-            </a:spcAft>
-          </a:pPr>
-          <a:endParaRPr lang="en-US" sz="1000" kern="1200" dirty="0"/>
-        </a:p>
-      </dsp:txBody>
-      <dsp:txXfrm>
-        <a:off x="1930799" y="1605013"/>
-        <a:ext cx="1652617" cy="918121"/>
-      </dsp:txXfrm>
-    </dsp:sp>
-    <dsp:sp modelId="{B54F54A5-26B8-4787-8570-EDBF36A08DD1}">
-      <dsp:nvSpPr>
-        <dsp:cNvPr id="0" name=""/>
-        <dsp:cNvSpPr/>
-      </dsp:nvSpPr>
-      <dsp:spPr>
-        <a:xfrm rot="5400000">
-          <a:off x="7939586" y="127266"/>
-          <a:ext cx="1530201" cy="1331275"/>
-        </a:xfrm>
-        <a:prstGeom prst="hexagon">
-          <a:avLst>
-            <a:gd name="adj" fmla="val 25000"/>
-            <a:gd name="vf" fmla="val 115470"/>
-          </a:avLst>
-        </a:prstGeom>
-        <a:solidFill>
-          <a:schemeClr val="accent1">
-            <a:hueOff val="0"/>
-            <a:satOff val="0"/>
-            <a:lumOff val="0"/>
-            <a:alphaOff val="0"/>
-          </a:schemeClr>
-        </a:solidFill>
-        <a:ln w="12700" cap="flat" cmpd="sng" algn="ctr">
-          <a:solidFill>
-            <a:schemeClr val="lt1">
-              <a:hueOff val="0"/>
-              <a:satOff val="0"/>
-              <a:lumOff val="0"/>
-              <a:alphaOff val="0"/>
-            </a:schemeClr>
-          </a:solidFill>
-          <a:prstDash val="solid"/>
-          <a:miter lim="800000"/>
-        </a:ln>
-        <a:effectLst/>
-      </dsp:spPr>
-      <dsp:style>
-        <a:lnRef idx="2">
-          <a:scrgbClr r="0" g="0" b="0"/>
-        </a:lnRef>
-        <a:fillRef idx="1">
-          <a:scrgbClr r="0" g="0" b="0"/>
-        </a:fillRef>
-        <a:effectRef idx="0">
-          <a:scrgbClr r="0" g="0" b="0"/>
-        </a:effectRef>
-        <a:fontRef idx="minor">
-          <a:schemeClr val="lt1"/>
-        </a:fontRef>
-      </dsp:style>
-      <dsp:txBody>
-        <a:bodyPr spcFirstLastPara="0" vert="horz" wrap="square" lIns="0" tIns="0" rIns="0" bIns="0" numCol="1" spcCol="1270" anchor="ctr" anchorCtr="0">
-          <a:noAutofit/>
-        </a:bodyPr>
-        <a:lstStyle/>
-        <a:p>
-          <a:pPr lvl="0" algn="ctr" defTabSz="488950">
-            <a:lnSpc>
-              <a:spcPct val="90000"/>
-            </a:lnSpc>
-            <a:spcBef>
-              <a:spcPct val="0"/>
-            </a:spcBef>
-            <a:spcAft>
-              <a:spcPct val="35000"/>
-            </a:spcAft>
-          </a:pPr>
-          <a:endParaRPr lang="en-US" sz="1100" kern="1200" dirty="0" smtClean="0"/>
-        </a:p>
-        <a:p>
-          <a:pPr lvl="0" algn="ctr" defTabSz="488950">
-            <a:lnSpc>
-              <a:spcPct val="90000"/>
-            </a:lnSpc>
-            <a:spcBef>
-              <a:spcPct val="0"/>
-            </a:spcBef>
-            <a:spcAft>
-              <a:spcPct val="35000"/>
-            </a:spcAft>
-          </a:pPr>
-          <a:r>
-            <a:rPr lang="en-US" sz="1100" kern="1200" dirty="0" smtClean="0"/>
-            <a:t>testedcode</a:t>
-          </a:r>
-          <a:r>
-            <a:rPr lang="en-US" sz="1100" kern="1200" dirty="0" smtClean="0"/>
-            <a:t>4</a:t>
-          </a:r>
-          <a:endParaRPr lang="en-US" sz="1100" kern="1200" dirty="0"/>
-        </a:p>
-      </dsp:txBody>
-      <dsp:txXfrm rot="-5400000">
-        <a:off x="8246506" y="266259"/>
-        <a:ext cx="916361" cy="1053289"/>
-      </dsp:txXfrm>
-    </dsp:sp>
   </dsp:spTree>
 </dsp:drawing>
 </file>
@@ -9431,716 +5042,6 @@
 </dgm:layoutDef>
 </file>
 
-<file path=ppt/diagrams/layout3.xml><?xml version="1.0" encoding="utf-8"?>
-<dgm:layoutDef xmlns:dgm="http://schemas.openxmlformats.org/drawingml/2006/diagram" xmlns:a="http://schemas.openxmlformats.org/drawingml/2006/main" uniqueId="urn:microsoft.com/office/officeart/2008/layout/AlternatingHexagons">
-  <dgm:title val=""/>
-  <dgm:desc val=""/>
-  <dgm:catLst>
-    <dgm:cat type="list" pri="1500"/>
-  </dgm:catLst>
-  <dgm:sampData>
-    <dgm:dataModel>
-      <dgm:ptLst>
-        <dgm:pt modelId="0" type="doc"/>
-        <dgm:pt modelId="10">
-          <dgm:prSet phldr="1"/>
-        </dgm:pt>
-        <dgm:pt modelId="11">
-          <dgm:prSet phldr="1"/>
-        </dgm:pt>
-        <dgm:pt modelId="20">
-          <dgm:prSet phldr="1"/>
-        </dgm:pt>
-        <dgm:pt modelId="21">
-          <dgm:prSet phldr="1"/>
-        </dgm:pt>
-        <dgm:pt modelId="30">
-          <dgm:prSet phldr="1"/>
-        </dgm:pt>
-        <dgm:pt modelId="31">
-          <dgm:prSet phldr="1"/>
-        </dgm:pt>
-      </dgm:ptLst>
-      <dgm:cxnLst>
-        <dgm:cxn modelId="40" srcId="0" destId="10" srcOrd="0" destOrd="0"/>
-        <dgm:cxn modelId="12" srcId="10" destId="11" srcOrd="0" destOrd="0"/>
-        <dgm:cxn modelId="50" srcId="0" destId="20" srcOrd="1" destOrd="0"/>
-        <dgm:cxn modelId="22" srcId="20" destId="21" srcOrd="0" destOrd="0"/>
-        <dgm:cxn modelId="60" srcId="0" destId="30" srcOrd="1" destOrd="0"/>
-        <dgm:cxn modelId="32" srcId="30" destId="31" srcOrd="0" destOrd="0"/>
-      </dgm:cxnLst>
-      <dgm:bg/>
-      <dgm:whole/>
-    </dgm:dataModel>
-  </dgm:sampData>
-  <dgm:styleData>
-    <dgm:dataModel>
-      <dgm:ptLst>
-        <dgm:pt modelId="0" type="doc"/>
-        <dgm:pt modelId="10">
-          <dgm:prSet phldr="1"/>
-        </dgm:pt>
-        <dgm:pt modelId="20">
-          <dgm:prSet phldr="1"/>
-        </dgm:pt>
-      </dgm:ptLst>
-      <dgm:cxnLst>
-        <dgm:cxn modelId="60" srcId="0" destId="10" srcOrd="0" destOrd="0"/>
-        <dgm:cxn modelId="70" srcId="0" destId="20" srcOrd="1" destOrd="0"/>
-      </dgm:cxnLst>
-      <dgm:bg/>
-      <dgm:whole/>
-    </dgm:dataModel>
-  </dgm:styleData>
-  <dgm:clrData>
-    <dgm:dataModel>
-      <dgm:ptLst>
-        <dgm:pt modelId="0" type="doc"/>
-        <dgm:pt modelId="10">
-          <dgm:prSet phldr="1"/>
-        </dgm:pt>
-        <dgm:pt modelId="20">
-          <dgm:prSet phldr="1"/>
-        </dgm:pt>
-        <dgm:pt modelId="30">
-          <dgm:prSet phldr="1"/>
-        </dgm:pt>
-        <dgm:pt modelId="40">
-          <dgm:prSet phldr="1"/>
-        </dgm:pt>
-      </dgm:ptLst>
-      <dgm:cxnLst>
-        <dgm:cxn modelId="60" srcId="0" destId="10" srcOrd="0" destOrd="0"/>
-        <dgm:cxn modelId="70" srcId="0" destId="20" srcOrd="1" destOrd="0"/>
-        <dgm:cxn modelId="80" srcId="0" destId="30" srcOrd="2" destOrd="0"/>
-        <dgm:cxn modelId="90" srcId="0" destId="40" srcOrd="3" destOrd="0"/>
-      </dgm:cxnLst>
-      <dgm:bg/>
-      <dgm:whole/>
-    </dgm:dataModel>
-  </dgm:clrData>
-  <dgm:layoutNode name="Name0">
-    <dgm:varLst>
-      <dgm:chMax/>
-      <dgm:chPref/>
-      <dgm:dir/>
-      <dgm:animLvl val="lvl"/>
-    </dgm:varLst>
-    <dgm:alg type="lin">
-      <dgm:param type="linDir" val="fromT"/>
-    </dgm:alg>
-    <dgm:shape xmlns:r="http://schemas.openxmlformats.org/officeDocument/2006/relationships" r:blip="">
-      <dgm:adjLst/>
-    </dgm:shape>
-    <dgm:constrLst>
-      <dgm:constr type="primFontSz" for="des" forName="Parent1" val="65"/>
-      <dgm:constr type="primFontSz" for="des" forName="Childtext1" refType="primFontSz" refFor="des" refForName="Parent1" op="lte"/>
-      <dgm:constr type="w" for="ch" forName="composite" refType="w"/>
-      <dgm:constr type="h" for="ch" forName="composite" refType="h"/>
-      <dgm:constr type="h" for="ch" forName="spaceBetweenRectangles" refType="w" refFor="ch" refForName="composite" fact="-0.042"/>
-      <dgm:constr type="sp" refType="h" refFor="ch" refForName="composite" op="equ" fact="0.1"/>
-    </dgm:constrLst>
-    <dgm:forEach name="nodesForEach" axis="ch" ptType="node">
-      <dgm:layoutNode name="composite">
-        <dgm:alg type="composite">
-          <dgm:param type="ar" val="3.6"/>
-        </dgm:alg>
-        <dgm:shape xmlns:r="http://schemas.openxmlformats.org/officeDocument/2006/relationships" r:blip="">
-          <dgm:adjLst/>
-        </dgm:shape>
-        <dgm:choose name="Name1">
-          <dgm:if name="Name2" func="var" arg="dir" op="equ" val="norm">
-            <dgm:choose name="Name3">
-              <dgm:if name="Name4" axis="self" ptType="node" func="posOdd" op="equ" val="1">
-                <dgm:constrLst>
-                  <dgm:constr type="l" for="ch" forName="Accent1" refType="w" fact="0.18"/>
-                  <dgm:constr type="t" for="ch" forName="Accent1" refType="h" fact="0"/>
-                  <dgm:constr type="h" for="ch" forName="Accent1" refType="h"/>
-                  <dgm:constr type="w" for="ch" forName="Accent1" refType="h" fact="0.87"/>
-                  <dgm:constr type="l" for="ch" forName="Accent1Text" refType="w" fact="0.18"/>
-                  <dgm:constr type="t" for="ch" forName="Accent1Text" refType="h" fact="0"/>
-                  <dgm:constr type="h" for="ch" forName="Accent1Text" refType="h"/>
-                  <dgm:constr type="w" for="ch" forName="Accent1Text" refType="h" fact="0.87"/>
-                  <dgm:constr type="l" for="ch" forName="Parent1" refType="w" fact="0.441"/>
-                  <dgm:constr type="t" for="ch" forName="Parent1" refType="h" fact="0"/>
-                  <dgm:constr type="h" for="ch" forName="Parent1" refType="h"/>
-                  <dgm:constr type="w" for="ch" forName="Parent1" refType="h" fact="0.87"/>
-                  <dgm:constr type="l" for="ch" forName="Childtext1" refType="w" fact="0.69"/>
-                  <dgm:constr type="t" for="ch" forName="Childtext1" refType="h" fact="0.2"/>
-                  <dgm:constr type="w" for="ch" forName="Childtext1" refType="w" fact="0.31"/>
-                  <dgm:constr type="h" for="ch" forName="Childtext1" refType="h" fact="0.6"/>
-                  <dgm:constr type="l" for="ch" forName="BalanceSpacing" refType="w" fact="0"/>
-                  <dgm:constr type="t" for="ch" forName="BalanceSpacing" refType="h" fact="0"/>
-                  <dgm:constr type="w" for="ch" forName="BalanceSpacing" refType="w"/>
-                  <dgm:constr type="h" for="ch" forName="BalanceSpacing" refType="h" fact="0.1"/>
-                  <dgm:constr type="l" for="ch" forName="BalanceSpacing1" refType="w" fact="0.69"/>
-                  <dgm:constr type="t" for="ch" forName="BalanceSpacing1" refType="h" fact="0.2"/>
-                  <dgm:constr type="w" for="ch" forName="BalanceSpacing1" refType="w" fact="0.31"/>
-                  <dgm:constr type="h" for="ch" forName="BalanceSpacing1" refType="h" fact="0.6"/>
-                </dgm:constrLst>
-              </dgm:if>
-              <dgm:else name="Name5">
-                <dgm:constrLst>
-                  <dgm:constr type="l" for="ch" forName="Accent1" refType="w" fact="0.571"/>
-                  <dgm:constr type="t" for="ch" forName="Accent1" refType="h" fact="0"/>
-                  <dgm:constr type="h" for="ch" forName="Accent1" refType="h"/>
-                  <dgm:constr type="w" for="ch" forName="Accent1" refType="h" fact="0.87"/>
-                  <dgm:constr type="l" for="ch" forName="Accent1Text" refType="w" fact="0.571"/>
-                  <dgm:constr type="t" for="ch" forName="Accent1Text" refType="h" fact="0"/>
-                  <dgm:constr type="h" for="ch" forName="Accent1Text" refType="h"/>
-                  <dgm:constr type="w" for="ch" forName="Accent1Text" refType="h" fact="0.87"/>
-                  <dgm:constr type="l" for="ch" forName="Parent1" refType="w" fact="0.31"/>
-                  <dgm:constr type="t" for="ch" forName="Parent1" refType="h" fact="0"/>
-                  <dgm:constr type="h" for="ch" forName="Parent1" refType="h"/>
-                  <dgm:constr type="w" for="ch" forName="Parent1" refType="h" fact="0.87"/>
-                  <dgm:constr type="l" for="ch" forName="Childtext1" refType="w" fact="0"/>
-                  <dgm:constr type="t" for="ch" forName="Childtext1" refType="h" fact="0.2"/>
-                  <dgm:constr type="w" for="ch" forName="Childtext1" refType="w" fact="0.3"/>
-                  <dgm:constr type="h" for="ch" forName="Childtext1" refType="h" fact="0.6"/>
-                  <dgm:constr type="l" for="ch" forName="BalanceSpacing" refType="w" fact="0.82"/>
-                  <dgm:constr type="t" for="ch" forName="BalanceSpacing" refType="h" fact="0"/>
-                  <dgm:constr type="w" for="ch" forName="BalanceSpacing" refType="w" fact="0.18"/>
-                  <dgm:constr type="h" for="ch" forName="BalanceSpacing" refType="h"/>
-                  <dgm:constr type="l" for="ch" forName="BalanceSpacing1" refType="w" fact="0"/>
-                  <dgm:constr type="t" for="ch" forName="BalanceSpacing1" refType="h" fact="0.2"/>
-                  <dgm:constr type="w" for="ch" forName="BalanceSpacing1" refType="w" fact="0.3"/>
-                  <dgm:constr type="h" for="ch" forName="BalanceSpacing1" refType="h" fact="0.6"/>
-                </dgm:constrLst>
-              </dgm:else>
-            </dgm:choose>
-          </dgm:if>
-          <dgm:else name="Name6">
-            <dgm:choose name="Name7">
-              <dgm:if name="Name8" axis="self" ptType="node" func="posOdd" op="equ" val="1">
-                <dgm:constrLst>
-                  <dgm:constr type="l" for="ch" forName="Accent1" refType="w" fact="0.571"/>
-                  <dgm:constr type="t" for="ch" forName="Accent1" refType="h" fact="0"/>
-                  <dgm:constr type="h" for="ch" forName="Accent1" refType="h"/>
-                  <dgm:constr type="w" for="ch" forName="Accent1" refType="h" fact="0.87"/>
-                  <dgm:constr type="l" for="ch" forName="Accent1Text" refType="w" fact="0.571"/>
-                  <dgm:constr type="t" for="ch" forName="Accent1Text" refType="h" fact="0"/>
-                  <dgm:constr type="h" for="ch" forName="Accent1Text" refType="h"/>
-                  <dgm:constr type="w" for="ch" forName="Accent1Text" refType="h" fact="0.87"/>
-                  <dgm:constr type="l" for="ch" forName="Parent1" refType="w" fact="0.31"/>
-                  <dgm:constr type="t" for="ch" forName="Parent1" refType="h" fact="0"/>
-                  <dgm:constr type="h" for="ch" forName="Parent1" refType="h"/>
-                  <dgm:constr type="w" for="ch" forName="Parent1" refType="h" fact="0.87"/>
-                  <dgm:constr type="l" for="ch" forName="Childtext1" refType="w" fact="0"/>
-                  <dgm:constr type="t" for="ch" forName="Childtext1" refType="h" fact="0.2"/>
-                  <dgm:constr type="w" for="ch" forName="Childtext1" refType="w" fact="0.3"/>
-                  <dgm:constr type="h" for="ch" forName="Childtext1" refType="h" fact="0.6"/>
-                  <dgm:constr type="l" for="ch" forName="BalanceSpacing" refType="w" fact="0.82"/>
-                  <dgm:constr type="t" for="ch" forName="BalanceSpacing" refType="h" fact="0"/>
-                  <dgm:constr type="w" for="ch" forName="BalanceSpacing" refType="w" fact="0.18"/>
-                  <dgm:constr type="h" for="ch" forName="BalanceSpacing" refType="h"/>
-                </dgm:constrLst>
-              </dgm:if>
-              <dgm:else name="Name9">
-                <dgm:constrLst>
-                  <dgm:constr type="l" for="ch" forName="Accent1" refType="w" fact="0.18"/>
-                  <dgm:constr type="t" for="ch" forName="Accent1" refType="h" fact="0"/>
-                  <dgm:constr type="h" for="ch" forName="Accent1" refType="h"/>
-                  <dgm:constr type="w" for="ch" forName="Accent1" refType="h" fact="0.87"/>
-                  <dgm:constr type="l" for="ch" forName="Accent1Text" refType="w" fact="0.18"/>
-                  <dgm:constr type="t" for="ch" forName="Accent1Text" refType="h" fact="0"/>
-                  <dgm:constr type="h" for="ch" forName="Accent1Text" refType="h"/>
-                  <dgm:constr type="w" for="ch" forName="Accent1Text" refType="h" fact="0.87"/>
-                  <dgm:constr type="l" for="ch" forName="Parent1" refType="w" fact="0.441"/>
-                  <dgm:constr type="t" for="ch" forName="Parent1" refType="h" fact="0"/>
-                  <dgm:constr type="h" for="ch" forName="Parent1" refType="h"/>
-                  <dgm:constr type="w" for="ch" forName="Parent1" refType="h" fact="0.87"/>
-                  <dgm:constr type="l" for="ch" forName="Childtext1" refType="w" fact="0.69"/>
-                  <dgm:constr type="t" for="ch" forName="Childtext1" refType="h" fact="0.2"/>
-                  <dgm:constr type="w" for="ch" forName="Childtext1" refType="w" fact="0.31"/>
-                  <dgm:constr type="h" for="ch" forName="Childtext1" refType="h" fact="0.6"/>
-                  <dgm:constr type="l" for="ch" forName="BalanceSpacing" refType="w" fact="0"/>
-                  <dgm:constr type="t" for="ch" forName="BalanceSpacing" refType="h" fact="0"/>
-                  <dgm:constr type="w" for="ch" forName="BalanceSpacing" refType="w" fact="0.18"/>
-                  <dgm:constr type="h" for="ch" forName="BalanceSpacing" refType="h"/>
-                </dgm:constrLst>
-              </dgm:else>
-            </dgm:choose>
-          </dgm:else>
-        </dgm:choose>
-        <dgm:layoutNode name="Parent1" styleLbl="node1">
-          <dgm:varLst>
-            <dgm:chMax val="1"/>
-            <dgm:chPref val="1"/>
-            <dgm:bulletEnabled val="1"/>
-          </dgm:varLst>
-          <dgm:alg type="tx"/>
-          <dgm:shape xmlns:r="http://schemas.openxmlformats.org/officeDocument/2006/relationships" rot="90" type="hexagon" r:blip="">
-            <dgm:adjLst>
-              <dgm:adj idx="1" val="0.25"/>
-              <dgm:adj idx="2" val="1.1547"/>
-            </dgm:adjLst>
-          </dgm:shape>
-          <dgm:presOf axis="self" ptType="node"/>
-          <dgm:constrLst>
-            <dgm:constr type="lMarg" refType="primFontSz" fact="0.3"/>
-            <dgm:constr type="rMarg" refType="primFontSz" fact="0.3"/>
-            <dgm:constr type="tMarg" refType="primFontSz" fact="0.3"/>
-            <dgm:constr type="bMarg" refType="primFontSz" fact="0.3"/>
-          </dgm:constrLst>
-          <dgm:ruleLst>
-            <dgm:rule type="primFontSz" val="5" fact="NaN" max="NaN"/>
-          </dgm:ruleLst>
-        </dgm:layoutNode>
-        <dgm:layoutNode name="Childtext1" styleLbl="revTx">
-          <dgm:varLst>
-            <dgm:chMax val="0"/>
-            <dgm:chPref val="0"/>
-            <dgm:bulletEnabled val="1"/>
-          </dgm:varLst>
-          <dgm:choose name="Name10">
-            <dgm:if name="Name11" func="var" arg="dir" op="equ" val="norm">
-              <dgm:choose name="Name12">
-                <dgm:if name="Name13" axis="self" ptType="node" func="posOdd" op="equ" val="1">
-                  <dgm:alg type="tx">
-                    <dgm:param type="parTxLTRAlign" val="l"/>
-                  </dgm:alg>
-                </dgm:if>
-                <dgm:else name="Name14">
-                  <dgm:alg type="tx">
-                    <dgm:param type="parTxLTRAlign" val="r"/>
-                  </dgm:alg>
-                </dgm:else>
-              </dgm:choose>
-            </dgm:if>
-            <dgm:else name="Name15">
-              <dgm:choose name="Name16">
-                <dgm:if name="Name17" axis="self" ptType="node" func="posOdd" op="equ" val="1">
-                  <dgm:alg type="tx">
-                    <dgm:param type="parTxLTRAlign" val="r"/>
-                  </dgm:alg>
-                </dgm:if>
-                <dgm:else name="Name18">
-                  <dgm:alg type="tx">
-                    <dgm:param type="parTxLTRAlign" val="l"/>
-                  </dgm:alg>
-                </dgm:else>
-              </dgm:choose>
-            </dgm:else>
-          </dgm:choose>
-          <dgm:shape xmlns:r="http://schemas.openxmlformats.org/officeDocument/2006/relationships" type="rect" r:blip="">
-            <dgm:adjLst/>
-          </dgm:shape>
-          <dgm:presOf axis="des" ptType="node"/>
-          <dgm:constrLst>
-            <dgm:constr type="lMarg" refType="primFontSz" fact="0.3"/>
-            <dgm:constr type="rMarg" refType="primFontSz" fact="0.3"/>
-            <dgm:constr type="tMarg" refType="primFontSz" fact="0.3"/>
-            <dgm:constr type="bMarg" refType="primFontSz" fact="0.3"/>
-          </dgm:constrLst>
-          <dgm:ruleLst>
-            <dgm:rule type="primFontSz" val="5" fact="NaN" max="NaN"/>
-          </dgm:ruleLst>
-        </dgm:layoutNode>
-        <dgm:layoutNode name="BalanceSpacing">
-          <dgm:alg type="sp"/>
-          <dgm:shape xmlns:r="http://schemas.openxmlformats.org/officeDocument/2006/relationships" r:blip="">
-            <dgm:adjLst/>
-          </dgm:shape>
-        </dgm:layoutNode>
-        <dgm:layoutNode name="BalanceSpacing1">
-          <dgm:alg type="sp"/>
-          <dgm:shape xmlns:r="http://schemas.openxmlformats.org/officeDocument/2006/relationships" r:blip="">
-            <dgm:adjLst/>
-          </dgm:shape>
-        </dgm:layoutNode>
-        <dgm:forEach name="Name19" axis="followSib" ptType="sibTrans" hideLastTrans="0" cnt="1">
-          <dgm:layoutNode name="Accent1Text" styleLbl="node1">
-            <dgm:alg type="tx"/>
-            <dgm:shape xmlns:r="http://schemas.openxmlformats.org/officeDocument/2006/relationships" rot="90" type="hexagon" r:blip="">
-              <dgm:adjLst>
-                <dgm:adj idx="1" val="0.25"/>
-                <dgm:adj idx="2" val="1.1547"/>
-              </dgm:adjLst>
-            </dgm:shape>
-            <dgm:presOf axis="self" ptType="sibTrans"/>
-            <dgm:constrLst>
-              <dgm:constr type="lMarg"/>
-              <dgm:constr type="rMarg"/>
-              <dgm:constr type="tMarg"/>
-              <dgm:constr type="bMarg"/>
-            </dgm:constrLst>
-            <dgm:ruleLst>
-              <dgm:rule type="primFontSz" val="5" fact="NaN" max="NaN"/>
-            </dgm:ruleLst>
-          </dgm:layoutNode>
-        </dgm:forEach>
-      </dgm:layoutNode>
-      <dgm:forEach name="Name20" axis="followSib" ptType="sibTrans" cnt="1">
-        <dgm:layoutNode name="spaceBetweenRectangles">
-          <dgm:alg type="sp"/>
-          <dgm:shape xmlns:r="http://schemas.openxmlformats.org/officeDocument/2006/relationships" r:blip="">
-            <dgm:adjLst/>
-          </dgm:shape>
-          <dgm:presOf/>
-          <dgm:constrLst/>
-          <dgm:ruleLst/>
-        </dgm:layoutNode>
-      </dgm:forEach>
-    </dgm:forEach>
-  </dgm:layoutNode>
-</dgm:layoutDef>
-</file>
-
-<file path=ppt/diagrams/layout4.xml><?xml version="1.0" encoding="utf-8"?>
-<dgm:layoutDef xmlns:dgm="http://schemas.openxmlformats.org/drawingml/2006/diagram" xmlns:a="http://schemas.openxmlformats.org/drawingml/2006/main" uniqueId="urn:microsoft.com/office/officeart/2008/layout/AlternatingHexagons">
-  <dgm:title val=""/>
-  <dgm:desc val=""/>
-  <dgm:catLst>
-    <dgm:cat type="list" pri="1500"/>
-  </dgm:catLst>
-  <dgm:sampData>
-    <dgm:dataModel>
-      <dgm:ptLst>
-        <dgm:pt modelId="0" type="doc"/>
-        <dgm:pt modelId="10">
-          <dgm:prSet phldr="1"/>
-        </dgm:pt>
-        <dgm:pt modelId="11">
-          <dgm:prSet phldr="1"/>
-        </dgm:pt>
-        <dgm:pt modelId="20">
-          <dgm:prSet phldr="1"/>
-        </dgm:pt>
-        <dgm:pt modelId="21">
-          <dgm:prSet phldr="1"/>
-        </dgm:pt>
-        <dgm:pt modelId="30">
-          <dgm:prSet phldr="1"/>
-        </dgm:pt>
-        <dgm:pt modelId="31">
-          <dgm:prSet phldr="1"/>
-        </dgm:pt>
-      </dgm:ptLst>
-      <dgm:cxnLst>
-        <dgm:cxn modelId="40" srcId="0" destId="10" srcOrd="0" destOrd="0"/>
-        <dgm:cxn modelId="12" srcId="10" destId="11" srcOrd="0" destOrd="0"/>
-        <dgm:cxn modelId="50" srcId="0" destId="20" srcOrd="1" destOrd="0"/>
-        <dgm:cxn modelId="22" srcId="20" destId="21" srcOrd="0" destOrd="0"/>
-        <dgm:cxn modelId="60" srcId="0" destId="30" srcOrd="1" destOrd="0"/>
-        <dgm:cxn modelId="32" srcId="30" destId="31" srcOrd="0" destOrd="0"/>
-      </dgm:cxnLst>
-      <dgm:bg/>
-      <dgm:whole/>
-    </dgm:dataModel>
-  </dgm:sampData>
-  <dgm:styleData>
-    <dgm:dataModel>
-      <dgm:ptLst>
-        <dgm:pt modelId="0" type="doc"/>
-        <dgm:pt modelId="10">
-          <dgm:prSet phldr="1"/>
-        </dgm:pt>
-        <dgm:pt modelId="20">
-          <dgm:prSet phldr="1"/>
-        </dgm:pt>
-      </dgm:ptLst>
-      <dgm:cxnLst>
-        <dgm:cxn modelId="60" srcId="0" destId="10" srcOrd="0" destOrd="0"/>
-        <dgm:cxn modelId="70" srcId="0" destId="20" srcOrd="1" destOrd="0"/>
-      </dgm:cxnLst>
-      <dgm:bg/>
-      <dgm:whole/>
-    </dgm:dataModel>
-  </dgm:styleData>
-  <dgm:clrData>
-    <dgm:dataModel>
-      <dgm:ptLst>
-        <dgm:pt modelId="0" type="doc"/>
-        <dgm:pt modelId="10">
-          <dgm:prSet phldr="1"/>
-        </dgm:pt>
-        <dgm:pt modelId="20">
-          <dgm:prSet phldr="1"/>
-        </dgm:pt>
-        <dgm:pt modelId="30">
-          <dgm:prSet phldr="1"/>
-        </dgm:pt>
-        <dgm:pt modelId="40">
-          <dgm:prSet phldr="1"/>
-        </dgm:pt>
-      </dgm:ptLst>
-      <dgm:cxnLst>
-        <dgm:cxn modelId="60" srcId="0" destId="10" srcOrd="0" destOrd="0"/>
-        <dgm:cxn modelId="70" srcId="0" destId="20" srcOrd="1" destOrd="0"/>
-        <dgm:cxn modelId="80" srcId="0" destId="30" srcOrd="2" destOrd="0"/>
-        <dgm:cxn modelId="90" srcId="0" destId="40" srcOrd="3" destOrd="0"/>
-      </dgm:cxnLst>
-      <dgm:bg/>
-      <dgm:whole/>
-    </dgm:dataModel>
-  </dgm:clrData>
-  <dgm:layoutNode name="Name0">
-    <dgm:varLst>
-      <dgm:chMax/>
-      <dgm:chPref/>
-      <dgm:dir/>
-      <dgm:animLvl val="lvl"/>
-    </dgm:varLst>
-    <dgm:alg type="lin">
-      <dgm:param type="linDir" val="fromT"/>
-    </dgm:alg>
-    <dgm:shape xmlns:r="http://schemas.openxmlformats.org/officeDocument/2006/relationships" r:blip="">
-      <dgm:adjLst/>
-    </dgm:shape>
-    <dgm:constrLst>
-      <dgm:constr type="primFontSz" for="des" forName="Parent1" val="65"/>
-      <dgm:constr type="primFontSz" for="des" forName="Childtext1" refType="primFontSz" refFor="des" refForName="Parent1" op="lte"/>
-      <dgm:constr type="w" for="ch" forName="composite" refType="w"/>
-      <dgm:constr type="h" for="ch" forName="composite" refType="h"/>
-      <dgm:constr type="h" for="ch" forName="spaceBetweenRectangles" refType="w" refFor="ch" refForName="composite" fact="-0.042"/>
-      <dgm:constr type="sp" refType="h" refFor="ch" refForName="composite" op="equ" fact="0.1"/>
-    </dgm:constrLst>
-    <dgm:forEach name="nodesForEach" axis="ch" ptType="node">
-      <dgm:layoutNode name="composite">
-        <dgm:alg type="composite">
-          <dgm:param type="ar" val="3.6"/>
-        </dgm:alg>
-        <dgm:shape xmlns:r="http://schemas.openxmlformats.org/officeDocument/2006/relationships" r:blip="">
-          <dgm:adjLst/>
-        </dgm:shape>
-        <dgm:choose name="Name1">
-          <dgm:if name="Name2" func="var" arg="dir" op="equ" val="norm">
-            <dgm:choose name="Name3">
-              <dgm:if name="Name4" axis="self" ptType="node" func="posOdd" op="equ" val="1">
-                <dgm:constrLst>
-                  <dgm:constr type="l" for="ch" forName="Accent1" refType="w" fact="0.18"/>
-                  <dgm:constr type="t" for="ch" forName="Accent1" refType="h" fact="0"/>
-                  <dgm:constr type="h" for="ch" forName="Accent1" refType="h"/>
-                  <dgm:constr type="w" for="ch" forName="Accent1" refType="h" fact="0.87"/>
-                  <dgm:constr type="l" for="ch" forName="Accent1Text" refType="w" fact="0.18"/>
-                  <dgm:constr type="t" for="ch" forName="Accent1Text" refType="h" fact="0"/>
-                  <dgm:constr type="h" for="ch" forName="Accent1Text" refType="h"/>
-                  <dgm:constr type="w" for="ch" forName="Accent1Text" refType="h" fact="0.87"/>
-                  <dgm:constr type="l" for="ch" forName="Parent1" refType="w" fact="0.441"/>
-                  <dgm:constr type="t" for="ch" forName="Parent1" refType="h" fact="0"/>
-                  <dgm:constr type="h" for="ch" forName="Parent1" refType="h"/>
-                  <dgm:constr type="w" for="ch" forName="Parent1" refType="h" fact="0.87"/>
-                  <dgm:constr type="l" for="ch" forName="Childtext1" refType="w" fact="0.69"/>
-                  <dgm:constr type="t" for="ch" forName="Childtext1" refType="h" fact="0.2"/>
-                  <dgm:constr type="w" for="ch" forName="Childtext1" refType="w" fact="0.31"/>
-                  <dgm:constr type="h" for="ch" forName="Childtext1" refType="h" fact="0.6"/>
-                  <dgm:constr type="l" for="ch" forName="BalanceSpacing" refType="w" fact="0"/>
-                  <dgm:constr type="t" for="ch" forName="BalanceSpacing" refType="h" fact="0"/>
-                  <dgm:constr type="w" for="ch" forName="BalanceSpacing" refType="w"/>
-                  <dgm:constr type="h" for="ch" forName="BalanceSpacing" refType="h" fact="0.1"/>
-                  <dgm:constr type="l" for="ch" forName="BalanceSpacing1" refType="w" fact="0.69"/>
-                  <dgm:constr type="t" for="ch" forName="BalanceSpacing1" refType="h" fact="0.2"/>
-                  <dgm:constr type="w" for="ch" forName="BalanceSpacing1" refType="w" fact="0.31"/>
-                  <dgm:constr type="h" for="ch" forName="BalanceSpacing1" refType="h" fact="0.6"/>
-                </dgm:constrLst>
-              </dgm:if>
-              <dgm:else name="Name5">
-                <dgm:constrLst>
-                  <dgm:constr type="l" for="ch" forName="Accent1" refType="w" fact="0.571"/>
-                  <dgm:constr type="t" for="ch" forName="Accent1" refType="h" fact="0"/>
-                  <dgm:constr type="h" for="ch" forName="Accent1" refType="h"/>
-                  <dgm:constr type="w" for="ch" forName="Accent1" refType="h" fact="0.87"/>
-                  <dgm:constr type="l" for="ch" forName="Accent1Text" refType="w" fact="0.571"/>
-                  <dgm:constr type="t" for="ch" forName="Accent1Text" refType="h" fact="0"/>
-                  <dgm:constr type="h" for="ch" forName="Accent1Text" refType="h"/>
-                  <dgm:constr type="w" for="ch" forName="Accent1Text" refType="h" fact="0.87"/>
-                  <dgm:constr type="l" for="ch" forName="Parent1" refType="w" fact="0.31"/>
-                  <dgm:constr type="t" for="ch" forName="Parent1" refType="h" fact="0"/>
-                  <dgm:constr type="h" for="ch" forName="Parent1" refType="h"/>
-                  <dgm:constr type="w" for="ch" forName="Parent1" refType="h" fact="0.87"/>
-                  <dgm:constr type="l" for="ch" forName="Childtext1" refType="w" fact="0"/>
-                  <dgm:constr type="t" for="ch" forName="Childtext1" refType="h" fact="0.2"/>
-                  <dgm:constr type="w" for="ch" forName="Childtext1" refType="w" fact="0.3"/>
-                  <dgm:constr type="h" for="ch" forName="Childtext1" refType="h" fact="0.6"/>
-                  <dgm:constr type="l" for="ch" forName="BalanceSpacing" refType="w" fact="0.82"/>
-                  <dgm:constr type="t" for="ch" forName="BalanceSpacing" refType="h" fact="0"/>
-                  <dgm:constr type="w" for="ch" forName="BalanceSpacing" refType="w" fact="0.18"/>
-                  <dgm:constr type="h" for="ch" forName="BalanceSpacing" refType="h"/>
-                  <dgm:constr type="l" for="ch" forName="BalanceSpacing1" refType="w" fact="0"/>
-                  <dgm:constr type="t" for="ch" forName="BalanceSpacing1" refType="h" fact="0.2"/>
-                  <dgm:constr type="w" for="ch" forName="BalanceSpacing1" refType="w" fact="0.3"/>
-                  <dgm:constr type="h" for="ch" forName="BalanceSpacing1" refType="h" fact="0.6"/>
-                </dgm:constrLst>
-              </dgm:else>
-            </dgm:choose>
-          </dgm:if>
-          <dgm:else name="Name6">
-            <dgm:choose name="Name7">
-              <dgm:if name="Name8" axis="self" ptType="node" func="posOdd" op="equ" val="1">
-                <dgm:constrLst>
-                  <dgm:constr type="l" for="ch" forName="Accent1" refType="w" fact="0.571"/>
-                  <dgm:constr type="t" for="ch" forName="Accent1" refType="h" fact="0"/>
-                  <dgm:constr type="h" for="ch" forName="Accent1" refType="h"/>
-                  <dgm:constr type="w" for="ch" forName="Accent1" refType="h" fact="0.87"/>
-                  <dgm:constr type="l" for="ch" forName="Accent1Text" refType="w" fact="0.571"/>
-                  <dgm:constr type="t" for="ch" forName="Accent1Text" refType="h" fact="0"/>
-                  <dgm:constr type="h" for="ch" forName="Accent1Text" refType="h"/>
-                  <dgm:constr type="w" for="ch" forName="Accent1Text" refType="h" fact="0.87"/>
-                  <dgm:constr type="l" for="ch" forName="Parent1" refType="w" fact="0.31"/>
-                  <dgm:constr type="t" for="ch" forName="Parent1" refType="h" fact="0"/>
-                  <dgm:constr type="h" for="ch" forName="Parent1" refType="h"/>
-                  <dgm:constr type="w" for="ch" forName="Parent1" refType="h" fact="0.87"/>
-                  <dgm:constr type="l" for="ch" forName="Childtext1" refType="w" fact="0"/>
-                  <dgm:constr type="t" for="ch" forName="Childtext1" refType="h" fact="0.2"/>
-                  <dgm:constr type="w" for="ch" forName="Childtext1" refType="w" fact="0.3"/>
-                  <dgm:constr type="h" for="ch" forName="Childtext1" refType="h" fact="0.6"/>
-                  <dgm:constr type="l" for="ch" forName="BalanceSpacing" refType="w" fact="0.82"/>
-                  <dgm:constr type="t" for="ch" forName="BalanceSpacing" refType="h" fact="0"/>
-                  <dgm:constr type="w" for="ch" forName="BalanceSpacing" refType="w" fact="0.18"/>
-                  <dgm:constr type="h" for="ch" forName="BalanceSpacing" refType="h"/>
-                </dgm:constrLst>
-              </dgm:if>
-              <dgm:else name="Name9">
-                <dgm:constrLst>
-                  <dgm:constr type="l" for="ch" forName="Accent1" refType="w" fact="0.18"/>
-                  <dgm:constr type="t" for="ch" forName="Accent1" refType="h" fact="0"/>
-                  <dgm:constr type="h" for="ch" forName="Accent1" refType="h"/>
-                  <dgm:constr type="w" for="ch" forName="Accent1" refType="h" fact="0.87"/>
-                  <dgm:constr type="l" for="ch" forName="Accent1Text" refType="w" fact="0.18"/>
-                  <dgm:constr type="t" for="ch" forName="Accent1Text" refType="h" fact="0"/>
-                  <dgm:constr type="h" for="ch" forName="Accent1Text" refType="h"/>
-                  <dgm:constr type="w" for="ch" forName="Accent1Text" refType="h" fact="0.87"/>
-                  <dgm:constr type="l" for="ch" forName="Parent1" refType="w" fact="0.441"/>
-                  <dgm:constr type="t" for="ch" forName="Parent1" refType="h" fact="0"/>
-                  <dgm:constr type="h" for="ch" forName="Parent1" refType="h"/>
-                  <dgm:constr type="w" for="ch" forName="Parent1" refType="h" fact="0.87"/>
-                  <dgm:constr type="l" for="ch" forName="Childtext1" refType="w" fact="0.69"/>
-                  <dgm:constr type="t" for="ch" forName="Childtext1" refType="h" fact="0.2"/>
-                  <dgm:constr type="w" for="ch" forName="Childtext1" refType="w" fact="0.31"/>
-                  <dgm:constr type="h" for="ch" forName="Childtext1" refType="h" fact="0.6"/>
-                  <dgm:constr type="l" for="ch" forName="BalanceSpacing" refType="w" fact="0"/>
-                  <dgm:constr type="t" for="ch" forName="BalanceSpacing" refType="h" fact="0"/>
-                  <dgm:constr type="w" for="ch" forName="BalanceSpacing" refType="w" fact="0.18"/>
-                  <dgm:constr type="h" for="ch" forName="BalanceSpacing" refType="h"/>
-                </dgm:constrLst>
-              </dgm:else>
-            </dgm:choose>
-          </dgm:else>
-        </dgm:choose>
-        <dgm:layoutNode name="Parent1" styleLbl="node1">
-          <dgm:varLst>
-            <dgm:chMax val="1"/>
-            <dgm:chPref val="1"/>
-            <dgm:bulletEnabled val="1"/>
-          </dgm:varLst>
-          <dgm:alg type="tx"/>
-          <dgm:shape xmlns:r="http://schemas.openxmlformats.org/officeDocument/2006/relationships" rot="90" type="hexagon" r:blip="">
-            <dgm:adjLst>
-              <dgm:adj idx="1" val="0.25"/>
-              <dgm:adj idx="2" val="1.1547"/>
-            </dgm:adjLst>
-          </dgm:shape>
-          <dgm:presOf axis="self" ptType="node"/>
-          <dgm:constrLst>
-            <dgm:constr type="lMarg" refType="primFontSz" fact="0.3"/>
-            <dgm:constr type="rMarg" refType="primFontSz" fact="0.3"/>
-            <dgm:constr type="tMarg" refType="primFontSz" fact="0.3"/>
-            <dgm:constr type="bMarg" refType="primFontSz" fact="0.3"/>
-          </dgm:constrLst>
-          <dgm:ruleLst>
-            <dgm:rule type="primFontSz" val="5" fact="NaN" max="NaN"/>
-          </dgm:ruleLst>
-        </dgm:layoutNode>
-        <dgm:layoutNode name="Childtext1" styleLbl="revTx">
-          <dgm:varLst>
-            <dgm:chMax val="0"/>
-            <dgm:chPref val="0"/>
-            <dgm:bulletEnabled val="1"/>
-          </dgm:varLst>
-          <dgm:choose name="Name10">
-            <dgm:if name="Name11" func="var" arg="dir" op="equ" val="norm">
-              <dgm:choose name="Name12">
-                <dgm:if name="Name13" axis="self" ptType="node" func="posOdd" op="equ" val="1">
-                  <dgm:alg type="tx">
-                    <dgm:param type="parTxLTRAlign" val="l"/>
-                  </dgm:alg>
-                </dgm:if>
-                <dgm:else name="Name14">
-                  <dgm:alg type="tx">
-                    <dgm:param type="parTxLTRAlign" val="r"/>
-                  </dgm:alg>
-                </dgm:else>
-              </dgm:choose>
-            </dgm:if>
-            <dgm:else name="Name15">
-              <dgm:choose name="Name16">
-                <dgm:if name="Name17" axis="self" ptType="node" func="posOdd" op="equ" val="1">
-                  <dgm:alg type="tx">
-                    <dgm:param type="parTxLTRAlign" val="r"/>
-                  </dgm:alg>
-                </dgm:if>
-                <dgm:else name="Name18">
-                  <dgm:alg type="tx">
-                    <dgm:param type="parTxLTRAlign" val="l"/>
-                  </dgm:alg>
-                </dgm:else>
-              </dgm:choose>
-            </dgm:else>
-          </dgm:choose>
-          <dgm:shape xmlns:r="http://schemas.openxmlformats.org/officeDocument/2006/relationships" type="rect" r:blip="">
-            <dgm:adjLst/>
-          </dgm:shape>
-          <dgm:presOf axis="des" ptType="node"/>
-          <dgm:constrLst>
-            <dgm:constr type="lMarg" refType="primFontSz" fact="0.3"/>
-            <dgm:constr type="rMarg" refType="primFontSz" fact="0.3"/>
-            <dgm:constr type="tMarg" refType="primFontSz" fact="0.3"/>
-            <dgm:constr type="bMarg" refType="primFontSz" fact="0.3"/>
-          </dgm:constrLst>
-          <dgm:ruleLst>
-            <dgm:rule type="primFontSz" val="5" fact="NaN" max="NaN"/>
-          </dgm:ruleLst>
-        </dgm:layoutNode>
-        <dgm:layoutNode name="BalanceSpacing">
-          <dgm:alg type="sp"/>
-          <dgm:shape xmlns:r="http://schemas.openxmlformats.org/officeDocument/2006/relationships" r:blip="">
-            <dgm:adjLst/>
-          </dgm:shape>
-        </dgm:layoutNode>
-        <dgm:layoutNode name="BalanceSpacing1">
-          <dgm:alg type="sp"/>
-          <dgm:shape xmlns:r="http://schemas.openxmlformats.org/officeDocument/2006/relationships" r:blip="">
-            <dgm:adjLst/>
-          </dgm:shape>
-        </dgm:layoutNode>
-        <dgm:forEach name="Name19" axis="followSib" ptType="sibTrans" hideLastTrans="0" cnt="1">
-          <dgm:layoutNode name="Accent1Text" styleLbl="node1">
-            <dgm:alg type="tx"/>
-            <dgm:shape xmlns:r="http://schemas.openxmlformats.org/officeDocument/2006/relationships" rot="90" type="hexagon" r:blip="">
-              <dgm:adjLst>
-                <dgm:adj idx="1" val="0.25"/>
-                <dgm:adj idx="2" val="1.1547"/>
-              </dgm:adjLst>
-            </dgm:shape>
-            <dgm:presOf axis="self" ptType="sibTrans"/>
-            <dgm:constrLst>
-              <dgm:constr type="lMarg"/>
-              <dgm:constr type="rMarg"/>
-              <dgm:constr type="tMarg"/>
-              <dgm:constr type="bMarg"/>
-            </dgm:constrLst>
-            <dgm:ruleLst>
-              <dgm:rule type="primFontSz" val="5" fact="NaN" max="NaN"/>
-            </dgm:ruleLst>
-          </dgm:layoutNode>
-        </dgm:forEach>
-      </dgm:layoutNode>
-      <dgm:forEach name="Name20" axis="followSib" ptType="sibTrans" cnt="1">
-        <dgm:layoutNode name="spaceBetweenRectangles">
-          <dgm:alg type="sp"/>
-          <dgm:shape xmlns:r="http://schemas.openxmlformats.org/officeDocument/2006/relationships" r:blip="">
-            <dgm:adjLst/>
-          </dgm:shape>
-          <dgm:presOf/>
-          <dgm:constrLst/>
-          <dgm:ruleLst/>
-        </dgm:layoutNode>
-      </dgm:forEach>
-    </dgm:forEach>
-  </dgm:layoutNode>
-</dgm:layoutDef>
-</file>
-
 <file path=ppt/diagrams/quickStyle1.xml><?xml version="1.0" encoding="utf-8"?>
 <dgm:styleDef xmlns:dgm="http://schemas.openxmlformats.org/drawingml/2006/diagram" xmlns:a="http://schemas.openxmlformats.org/drawingml/2006/main" uniqueId="urn:microsoft.com/office/officeart/2005/8/quickstyle/simple1">
   <dgm:title val=""/>
@@ -11176,2074 +6077,6 @@
 </file>
 
 <file path=ppt/diagrams/quickStyle2.xml><?xml version="1.0" encoding="utf-8"?>
-<dgm:styleDef xmlns:dgm="http://schemas.openxmlformats.org/drawingml/2006/diagram" xmlns:a="http://schemas.openxmlformats.org/drawingml/2006/main" uniqueId="urn:microsoft.com/office/officeart/2005/8/quickstyle/simple1">
-  <dgm:title val=""/>
-  <dgm:desc val=""/>
-  <dgm:catLst>
-    <dgm:cat type="simple" pri="10100"/>
-  </dgm:catLst>
-  <dgm:scene3d>
-    <a:camera prst="orthographicFront"/>
-    <a:lightRig rig="threePt" dir="t"/>
-  </dgm:scene3d>
-  <dgm:styleLbl name="node0">
-    <dgm:scene3d>
-      <a:camera prst="orthographicFront"/>
-      <a:lightRig rig="threePt" dir="t"/>
-    </dgm:scene3d>
-    <dgm:sp3d/>
-    <dgm:txPr/>
-    <dgm:style>
-      <a:lnRef idx="2">
-        <a:scrgbClr r="0" g="0" b="0"/>
-      </a:lnRef>
-      <a:fillRef idx="1">
-        <a:scrgbClr r="0" g="0" b="0"/>
-      </a:fillRef>
-      <a:effectRef idx="0">
-        <a:scrgbClr r="0" g="0" b="0"/>
-      </a:effectRef>
-      <a:fontRef idx="minor">
-        <a:schemeClr val="lt1"/>
-      </a:fontRef>
-    </dgm:style>
-  </dgm:styleLbl>
-  <dgm:styleLbl name="lnNode1">
-    <dgm:scene3d>
-      <a:camera prst="orthographicFront"/>
-      <a:lightRig rig="threePt" dir="t"/>
-    </dgm:scene3d>
-    <dgm:sp3d/>
-    <dgm:txPr/>
-    <dgm:style>
-      <a:lnRef idx="2">
-        <a:scrgbClr r="0" g="0" b="0"/>
-      </a:lnRef>
-      <a:fillRef idx="1">
-        <a:scrgbClr r="0" g="0" b="0"/>
-      </a:fillRef>
-      <a:effectRef idx="0">
-        <a:scrgbClr r="0" g="0" b="0"/>
-      </a:effectRef>
-      <a:fontRef idx="minor">
-        <a:schemeClr val="lt1"/>
-      </a:fontRef>
-    </dgm:style>
-  </dgm:styleLbl>
-  <dgm:styleLbl name="vennNode1">
-    <dgm:scene3d>
-      <a:camera prst="orthographicFront"/>
-      <a:lightRig rig="threePt" dir="t"/>
-    </dgm:scene3d>
-    <dgm:sp3d/>
-    <dgm:txPr/>
-    <dgm:style>
-      <a:lnRef idx="2">
-        <a:scrgbClr r="0" g="0" b="0"/>
-      </a:lnRef>
-      <a:fillRef idx="1">
-        <a:scrgbClr r="0" g="0" b="0"/>
-      </a:fillRef>
-      <a:effectRef idx="0">
-        <a:scrgbClr r="0" g="0" b="0"/>
-      </a:effectRef>
-      <a:fontRef idx="minor">
-        <a:schemeClr val="tx1"/>
-      </a:fontRef>
-    </dgm:style>
-  </dgm:styleLbl>
-  <dgm:styleLbl name="alignNode1">
-    <dgm:scene3d>
-      <a:camera prst="orthographicFront"/>
-      <a:lightRig rig="threePt" dir="t"/>
-    </dgm:scene3d>
-    <dgm:sp3d/>
-    <dgm:txPr/>
-    <dgm:style>
-      <a:lnRef idx="2">
-        <a:scrgbClr r="0" g="0" b="0"/>
-      </a:lnRef>
-      <a:fillRef idx="1">
-        <a:scrgbClr r="0" g="0" b="0"/>
-      </a:fillRef>
-      <a:effectRef idx="0">
-        <a:scrgbClr r="0" g="0" b="0"/>
-      </a:effectRef>
-      <a:fontRef idx="minor">
-        <a:schemeClr val="lt1"/>
-      </a:fontRef>
-    </dgm:style>
-  </dgm:styleLbl>
-  <dgm:styleLbl name="node1">
-    <dgm:scene3d>
-      <a:camera prst="orthographicFront"/>
-      <a:lightRig rig="threePt" dir="t"/>
-    </dgm:scene3d>
-    <dgm:sp3d/>
-    <dgm:txPr/>
-    <dgm:style>
-      <a:lnRef idx="2">
-        <a:scrgbClr r="0" g="0" b="0"/>
-      </a:lnRef>
-      <a:fillRef idx="1">
-        <a:scrgbClr r="0" g="0" b="0"/>
-      </a:fillRef>
-      <a:effectRef idx="0">
-        <a:scrgbClr r="0" g="0" b="0"/>
-      </a:effectRef>
-      <a:fontRef idx="minor">
-        <a:schemeClr val="lt1"/>
-      </a:fontRef>
-    </dgm:style>
-  </dgm:styleLbl>
-  <dgm:styleLbl name="node2">
-    <dgm:scene3d>
-      <a:camera prst="orthographicFront"/>
-      <a:lightRig rig="threePt" dir="t"/>
-    </dgm:scene3d>
-    <dgm:sp3d/>
-    <dgm:txPr/>
-    <dgm:style>
-      <a:lnRef idx="2">
-        <a:scrgbClr r="0" g="0" b="0"/>
-      </a:lnRef>
-      <a:fillRef idx="1">
-        <a:scrgbClr r="0" g="0" b="0"/>
-      </a:fillRef>
-      <a:effectRef idx="0">
-        <a:scrgbClr r="0" g="0" b="0"/>
-      </a:effectRef>
-      <a:fontRef idx="minor">
-        <a:schemeClr val="lt1"/>
-      </a:fontRef>
-    </dgm:style>
-  </dgm:styleLbl>
-  <dgm:styleLbl name="node3">
-    <dgm:scene3d>
-      <a:camera prst="orthographicFront"/>
-      <a:lightRig rig="threePt" dir="t"/>
-    </dgm:scene3d>
-    <dgm:sp3d/>
-    <dgm:txPr/>
-    <dgm:style>
-      <a:lnRef idx="2">
-        <a:scrgbClr r="0" g="0" b="0"/>
-      </a:lnRef>
-      <a:fillRef idx="1">
-        <a:scrgbClr r="0" g="0" b="0"/>
-      </a:fillRef>
-      <a:effectRef idx="0">
-        <a:scrgbClr r="0" g="0" b="0"/>
-      </a:effectRef>
-      <a:fontRef idx="minor">
-        <a:schemeClr val="lt1"/>
-      </a:fontRef>
-    </dgm:style>
-  </dgm:styleLbl>
-  <dgm:styleLbl name="node4">
-    <dgm:scene3d>
-      <a:camera prst="orthographicFront"/>
-      <a:lightRig rig="threePt" dir="t"/>
-    </dgm:scene3d>
-    <dgm:sp3d/>
-    <dgm:txPr/>
-    <dgm:style>
-      <a:lnRef idx="2">
-        <a:scrgbClr r="0" g="0" b="0"/>
-      </a:lnRef>
-      <a:fillRef idx="1">
-        <a:scrgbClr r="0" g="0" b="0"/>
-      </a:fillRef>
-      <a:effectRef idx="0">
-        <a:scrgbClr r="0" g="0" b="0"/>
-      </a:effectRef>
-      <a:fontRef idx="minor">
-        <a:schemeClr val="lt1"/>
-      </a:fontRef>
-    </dgm:style>
-  </dgm:styleLbl>
-  <dgm:styleLbl name="fgImgPlace1">
-    <dgm:scene3d>
-      <a:camera prst="orthographicFront"/>
-      <a:lightRig rig="threePt" dir="t"/>
-    </dgm:scene3d>
-    <dgm:sp3d/>
-    <dgm:txPr/>
-    <dgm:style>
-      <a:lnRef idx="2">
-        <a:scrgbClr r="0" g="0" b="0"/>
-      </a:lnRef>
-      <a:fillRef idx="1">
-        <a:scrgbClr r="0" g="0" b="0"/>
-      </a:fillRef>
-      <a:effectRef idx="0">
-        <a:scrgbClr r="0" g="0" b="0"/>
-      </a:effectRef>
-      <a:fontRef idx="minor"/>
-    </dgm:style>
-  </dgm:styleLbl>
-  <dgm:styleLbl name="alignImgPlace1">
-    <dgm:scene3d>
-      <a:camera prst="orthographicFront"/>
-      <a:lightRig rig="threePt" dir="t"/>
-    </dgm:scene3d>
-    <dgm:sp3d/>
-    <dgm:txPr/>
-    <dgm:style>
-      <a:lnRef idx="2">
-        <a:scrgbClr r="0" g="0" b="0"/>
-      </a:lnRef>
-      <a:fillRef idx="1">
-        <a:scrgbClr r="0" g="0" b="0"/>
-      </a:fillRef>
-      <a:effectRef idx="0">
-        <a:scrgbClr r="0" g="0" b="0"/>
-      </a:effectRef>
-      <a:fontRef idx="minor"/>
-    </dgm:style>
-  </dgm:styleLbl>
-  <dgm:styleLbl name="bgImgPlace1">
-    <dgm:scene3d>
-      <a:camera prst="orthographicFront"/>
-      <a:lightRig rig="threePt" dir="t"/>
-    </dgm:scene3d>
-    <dgm:sp3d/>
-    <dgm:txPr/>
-    <dgm:style>
-      <a:lnRef idx="2">
-        <a:scrgbClr r="0" g="0" b="0"/>
-      </a:lnRef>
-      <a:fillRef idx="1">
-        <a:scrgbClr r="0" g="0" b="0"/>
-      </a:fillRef>
-      <a:effectRef idx="0">
-        <a:scrgbClr r="0" g="0" b="0"/>
-      </a:effectRef>
-      <a:fontRef idx="minor"/>
-    </dgm:style>
-  </dgm:styleLbl>
-  <dgm:styleLbl name="sibTrans2D1">
-    <dgm:scene3d>
-      <a:camera prst="orthographicFront"/>
-      <a:lightRig rig="threePt" dir="t"/>
-    </dgm:scene3d>
-    <dgm:sp3d/>
-    <dgm:txPr/>
-    <dgm:style>
-      <a:lnRef idx="0">
-        <a:scrgbClr r="0" g="0" b="0"/>
-      </a:lnRef>
-      <a:fillRef idx="1">
-        <a:scrgbClr r="0" g="0" b="0"/>
-      </a:fillRef>
-      <a:effectRef idx="0">
-        <a:scrgbClr r="0" g="0" b="0"/>
-      </a:effectRef>
-      <a:fontRef idx="minor">
-        <a:schemeClr val="lt1"/>
-      </a:fontRef>
-    </dgm:style>
-  </dgm:styleLbl>
-  <dgm:styleLbl name="fgSibTrans2D1">
-    <dgm:scene3d>
-      <a:camera prst="orthographicFront"/>
-      <a:lightRig rig="threePt" dir="t"/>
-    </dgm:scene3d>
-    <dgm:sp3d/>
-    <dgm:txPr/>
-    <dgm:style>
-      <a:lnRef idx="0">
-        <a:scrgbClr r="0" g="0" b="0"/>
-      </a:lnRef>
-      <a:fillRef idx="1">
-        <a:scrgbClr r="0" g="0" b="0"/>
-      </a:fillRef>
-      <a:effectRef idx="0">
-        <a:scrgbClr r="0" g="0" b="0"/>
-      </a:effectRef>
-      <a:fontRef idx="minor">
-        <a:schemeClr val="lt1"/>
-      </a:fontRef>
-    </dgm:style>
-  </dgm:styleLbl>
-  <dgm:styleLbl name="bgSibTrans2D1">
-    <dgm:scene3d>
-      <a:camera prst="orthographicFront"/>
-      <a:lightRig rig="threePt" dir="t"/>
-    </dgm:scene3d>
-    <dgm:sp3d/>
-    <dgm:txPr/>
-    <dgm:style>
-      <a:lnRef idx="0">
-        <a:scrgbClr r="0" g="0" b="0"/>
-      </a:lnRef>
-      <a:fillRef idx="1">
-        <a:scrgbClr r="0" g="0" b="0"/>
-      </a:fillRef>
-      <a:effectRef idx="0">
-        <a:scrgbClr r="0" g="0" b="0"/>
-      </a:effectRef>
-      <a:fontRef idx="minor">
-        <a:schemeClr val="lt1"/>
-      </a:fontRef>
-    </dgm:style>
-  </dgm:styleLbl>
-  <dgm:styleLbl name="sibTrans1D1">
-    <dgm:scene3d>
-      <a:camera prst="orthographicFront"/>
-      <a:lightRig rig="threePt" dir="t"/>
-    </dgm:scene3d>
-    <dgm:sp3d/>
-    <dgm:txPr/>
-    <dgm:style>
-      <a:lnRef idx="1">
-        <a:scrgbClr r="0" g="0" b="0"/>
-      </a:lnRef>
-      <a:fillRef idx="0">
-        <a:scrgbClr r="0" g="0" b="0"/>
-      </a:fillRef>
-      <a:effectRef idx="0">
-        <a:scrgbClr r="0" g="0" b="0"/>
-      </a:effectRef>
-      <a:fontRef idx="minor"/>
-    </dgm:style>
-  </dgm:styleLbl>
-  <dgm:styleLbl name="callout">
-    <dgm:scene3d>
-      <a:camera prst="orthographicFront"/>
-      <a:lightRig rig="threePt" dir="t"/>
-    </dgm:scene3d>
-    <dgm:sp3d/>
-    <dgm:txPr/>
-    <dgm:style>
-      <a:lnRef idx="2">
-        <a:scrgbClr r="0" g="0" b="0"/>
-      </a:lnRef>
-      <a:fillRef idx="1">
-        <a:scrgbClr r="0" g="0" b="0"/>
-      </a:fillRef>
-      <a:effectRef idx="0">
-        <a:scrgbClr r="0" g="0" b="0"/>
-      </a:effectRef>
-      <a:fontRef idx="minor"/>
-    </dgm:style>
-  </dgm:styleLbl>
-  <dgm:styleLbl name="asst0">
-    <dgm:scene3d>
-      <a:camera prst="orthographicFront"/>
-      <a:lightRig rig="threePt" dir="t"/>
-    </dgm:scene3d>
-    <dgm:sp3d/>
-    <dgm:txPr/>
-    <dgm:style>
-      <a:lnRef idx="2">
-        <a:scrgbClr r="0" g="0" b="0"/>
-      </a:lnRef>
-      <a:fillRef idx="1">
-        <a:scrgbClr r="0" g="0" b="0"/>
-      </a:fillRef>
-      <a:effectRef idx="0">
-        <a:scrgbClr r="0" g="0" b="0"/>
-      </a:effectRef>
-      <a:fontRef idx="minor">
-        <a:schemeClr val="lt1"/>
-      </a:fontRef>
-    </dgm:style>
-  </dgm:styleLbl>
-  <dgm:styleLbl name="asst1">
-    <dgm:scene3d>
-      <a:camera prst="orthographicFront"/>
-      <a:lightRig rig="threePt" dir="t"/>
-    </dgm:scene3d>
-    <dgm:sp3d/>
-    <dgm:txPr/>
-    <dgm:style>
-      <a:lnRef idx="2">
-        <a:scrgbClr r="0" g="0" b="0"/>
-      </a:lnRef>
-      <a:fillRef idx="1">
-        <a:scrgbClr r="0" g="0" b="0"/>
-      </a:fillRef>
-      <a:effectRef idx="0">
-        <a:scrgbClr r="0" g="0" b="0"/>
-      </a:effectRef>
-      <a:fontRef idx="minor">
-        <a:schemeClr val="lt1"/>
-      </a:fontRef>
-    </dgm:style>
-  </dgm:styleLbl>
-  <dgm:styleLbl name="asst2">
-    <dgm:scene3d>
-      <a:camera prst="orthographicFront"/>
-      <a:lightRig rig="threePt" dir="t"/>
-    </dgm:scene3d>
-    <dgm:sp3d/>
-    <dgm:txPr/>
-    <dgm:style>
-      <a:lnRef idx="2">
-        <a:scrgbClr r="0" g="0" b="0"/>
-      </a:lnRef>
-      <a:fillRef idx="1">
-        <a:scrgbClr r="0" g="0" b="0"/>
-      </a:fillRef>
-      <a:effectRef idx="0">
-        <a:scrgbClr r="0" g="0" b="0"/>
-      </a:effectRef>
-      <a:fontRef idx="minor">
-        <a:schemeClr val="lt1"/>
-      </a:fontRef>
-    </dgm:style>
-  </dgm:styleLbl>
-  <dgm:styleLbl name="asst3">
-    <dgm:scene3d>
-      <a:camera prst="orthographicFront"/>
-      <a:lightRig rig="threePt" dir="t"/>
-    </dgm:scene3d>
-    <dgm:sp3d/>
-    <dgm:txPr/>
-    <dgm:style>
-      <a:lnRef idx="2">
-        <a:scrgbClr r="0" g="0" b="0"/>
-      </a:lnRef>
-      <a:fillRef idx="1">
-        <a:scrgbClr r="0" g="0" b="0"/>
-      </a:fillRef>
-      <a:effectRef idx="0">
-        <a:scrgbClr r="0" g="0" b="0"/>
-      </a:effectRef>
-      <a:fontRef idx="minor">
-        <a:schemeClr val="lt1"/>
-      </a:fontRef>
-    </dgm:style>
-  </dgm:styleLbl>
-  <dgm:styleLbl name="asst4">
-    <dgm:scene3d>
-      <a:camera prst="orthographicFront"/>
-      <a:lightRig rig="threePt" dir="t"/>
-    </dgm:scene3d>
-    <dgm:sp3d/>
-    <dgm:txPr/>
-    <dgm:style>
-      <a:lnRef idx="2">
-        <a:scrgbClr r="0" g="0" b="0"/>
-      </a:lnRef>
-      <a:fillRef idx="1">
-        <a:scrgbClr r="0" g="0" b="0"/>
-      </a:fillRef>
-      <a:effectRef idx="0">
-        <a:scrgbClr r="0" g="0" b="0"/>
-      </a:effectRef>
-      <a:fontRef idx="minor">
-        <a:schemeClr val="lt1"/>
-      </a:fontRef>
-    </dgm:style>
-  </dgm:styleLbl>
-  <dgm:styleLbl name="parChTrans2D1">
-    <dgm:scene3d>
-      <a:camera prst="orthographicFront"/>
-      <a:lightRig rig="threePt" dir="t"/>
-    </dgm:scene3d>
-    <dgm:sp3d/>
-    <dgm:txPr/>
-    <dgm:style>
-      <a:lnRef idx="2">
-        <a:scrgbClr r="0" g="0" b="0"/>
-      </a:lnRef>
-      <a:fillRef idx="1">
-        <a:scrgbClr r="0" g="0" b="0"/>
-      </a:fillRef>
-      <a:effectRef idx="0">
-        <a:scrgbClr r="0" g="0" b="0"/>
-      </a:effectRef>
-      <a:fontRef idx="minor">
-        <a:schemeClr val="lt1"/>
-      </a:fontRef>
-    </dgm:style>
-  </dgm:styleLbl>
-  <dgm:styleLbl name="parChTrans2D2">
-    <dgm:scene3d>
-      <a:camera prst="orthographicFront"/>
-      <a:lightRig rig="threePt" dir="t"/>
-    </dgm:scene3d>
-    <dgm:sp3d/>
-    <dgm:txPr/>
-    <dgm:style>
-      <a:lnRef idx="2">
-        <a:scrgbClr r="0" g="0" b="0"/>
-      </a:lnRef>
-      <a:fillRef idx="1">
-        <a:scrgbClr r="0" g="0" b="0"/>
-      </a:fillRef>
-      <a:effectRef idx="0">
-        <a:scrgbClr r="0" g="0" b="0"/>
-      </a:effectRef>
-      <a:fontRef idx="minor">
-        <a:schemeClr val="lt1"/>
-      </a:fontRef>
-    </dgm:style>
-  </dgm:styleLbl>
-  <dgm:styleLbl name="parChTrans2D3">
-    <dgm:scene3d>
-      <a:camera prst="orthographicFront"/>
-      <a:lightRig rig="threePt" dir="t"/>
-    </dgm:scene3d>
-    <dgm:sp3d/>
-    <dgm:txPr/>
-    <dgm:style>
-      <a:lnRef idx="2">
-        <a:scrgbClr r="0" g="0" b="0"/>
-      </a:lnRef>
-      <a:fillRef idx="1">
-        <a:scrgbClr r="0" g="0" b="0"/>
-      </a:fillRef>
-      <a:effectRef idx="0">
-        <a:scrgbClr r="0" g="0" b="0"/>
-      </a:effectRef>
-      <a:fontRef idx="minor">
-        <a:schemeClr val="lt1"/>
-      </a:fontRef>
-    </dgm:style>
-  </dgm:styleLbl>
-  <dgm:styleLbl name="parChTrans2D4">
-    <dgm:scene3d>
-      <a:camera prst="orthographicFront"/>
-      <a:lightRig rig="threePt" dir="t"/>
-    </dgm:scene3d>
-    <dgm:sp3d/>
-    <dgm:txPr/>
-    <dgm:style>
-      <a:lnRef idx="2">
-        <a:scrgbClr r="0" g="0" b="0"/>
-      </a:lnRef>
-      <a:fillRef idx="1">
-        <a:scrgbClr r="0" g="0" b="0"/>
-      </a:fillRef>
-      <a:effectRef idx="0">
-        <a:scrgbClr r="0" g="0" b="0"/>
-      </a:effectRef>
-      <a:fontRef idx="minor">
-        <a:schemeClr val="lt1"/>
-      </a:fontRef>
-    </dgm:style>
-  </dgm:styleLbl>
-  <dgm:styleLbl name="parChTrans1D1">
-    <dgm:scene3d>
-      <a:camera prst="orthographicFront"/>
-      <a:lightRig rig="threePt" dir="t"/>
-    </dgm:scene3d>
-    <dgm:sp3d/>
-    <dgm:txPr/>
-    <dgm:style>
-      <a:lnRef idx="2">
-        <a:scrgbClr r="0" g="0" b="0"/>
-      </a:lnRef>
-      <a:fillRef idx="0">
-        <a:scrgbClr r="0" g="0" b="0"/>
-      </a:fillRef>
-      <a:effectRef idx="0">
-        <a:scrgbClr r="0" g="0" b="0"/>
-      </a:effectRef>
-      <a:fontRef idx="minor"/>
-    </dgm:style>
-  </dgm:styleLbl>
-  <dgm:styleLbl name="parChTrans1D2">
-    <dgm:scene3d>
-      <a:camera prst="orthographicFront"/>
-      <a:lightRig rig="threePt" dir="t"/>
-    </dgm:scene3d>
-    <dgm:sp3d/>
-    <dgm:txPr/>
-    <dgm:style>
-      <a:lnRef idx="2">
-        <a:scrgbClr r="0" g="0" b="0"/>
-      </a:lnRef>
-      <a:fillRef idx="0">
-        <a:scrgbClr r="0" g="0" b="0"/>
-      </a:fillRef>
-      <a:effectRef idx="0">
-        <a:scrgbClr r="0" g="0" b="0"/>
-      </a:effectRef>
-      <a:fontRef idx="minor"/>
-    </dgm:style>
-  </dgm:styleLbl>
-  <dgm:styleLbl name="parChTrans1D3">
-    <dgm:scene3d>
-      <a:camera prst="orthographicFront"/>
-      <a:lightRig rig="threePt" dir="t"/>
-    </dgm:scene3d>
-    <dgm:sp3d/>
-    <dgm:txPr/>
-    <dgm:style>
-      <a:lnRef idx="2">
-        <a:scrgbClr r="0" g="0" b="0"/>
-      </a:lnRef>
-      <a:fillRef idx="0">
-        <a:scrgbClr r="0" g="0" b="0"/>
-      </a:fillRef>
-      <a:effectRef idx="0">
-        <a:scrgbClr r="0" g="0" b="0"/>
-      </a:effectRef>
-      <a:fontRef idx="minor"/>
-    </dgm:style>
-  </dgm:styleLbl>
-  <dgm:styleLbl name="parChTrans1D4">
-    <dgm:scene3d>
-      <a:camera prst="orthographicFront"/>
-      <a:lightRig rig="threePt" dir="t"/>
-    </dgm:scene3d>
-    <dgm:sp3d/>
-    <dgm:txPr/>
-    <dgm:style>
-      <a:lnRef idx="2">
-        <a:scrgbClr r="0" g="0" b="0"/>
-      </a:lnRef>
-      <a:fillRef idx="0">
-        <a:scrgbClr r="0" g="0" b="0"/>
-      </a:fillRef>
-      <a:effectRef idx="0">
-        <a:scrgbClr r="0" g="0" b="0"/>
-      </a:effectRef>
-      <a:fontRef idx="minor"/>
-    </dgm:style>
-  </dgm:styleLbl>
-  <dgm:styleLbl name="fgAcc1">
-    <dgm:scene3d>
-      <a:camera prst="orthographicFront"/>
-      <a:lightRig rig="threePt" dir="t"/>
-    </dgm:scene3d>
-    <dgm:sp3d/>
-    <dgm:txPr/>
-    <dgm:style>
-      <a:lnRef idx="2">
-        <a:scrgbClr r="0" g="0" b="0"/>
-      </a:lnRef>
-      <a:fillRef idx="1">
-        <a:scrgbClr r="0" g="0" b="0"/>
-      </a:fillRef>
-      <a:effectRef idx="0">
-        <a:scrgbClr r="0" g="0" b="0"/>
-      </a:effectRef>
-      <a:fontRef idx="minor"/>
-    </dgm:style>
-  </dgm:styleLbl>
-  <dgm:styleLbl name="conFgAcc1">
-    <dgm:scene3d>
-      <a:camera prst="orthographicFront"/>
-      <a:lightRig rig="threePt" dir="t"/>
-    </dgm:scene3d>
-    <dgm:sp3d/>
-    <dgm:txPr/>
-    <dgm:style>
-      <a:lnRef idx="2">
-        <a:scrgbClr r="0" g="0" b="0"/>
-      </a:lnRef>
-      <a:fillRef idx="1">
-        <a:scrgbClr r="0" g="0" b="0"/>
-      </a:fillRef>
-      <a:effectRef idx="0">
-        <a:scrgbClr r="0" g="0" b="0"/>
-      </a:effectRef>
-      <a:fontRef idx="minor"/>
-    </dgm:style>
-  </dgm:styleLbl>
-  <dgm:styleLbl name="alignAcc1">
-    <dgm:scene3d>
-      <a:camera prst="orthographicFront"/>
-      <a:lightRig rig="threePt" dir="t"/>
-    </dgm:scene3d>
-    <dgm:sp3d/>
-    <dgm:txPr/>
-    <dgm:style>
-      <a:lnRef idx="2">
-        <a:scrgbClr r="0" g="0" b="0"/>
-      </a:lnRef>
-      <a:fillRef idx="1">
-        <a:scrgbClr r="0" g="0" b="0"/>
-      </a:fillRef>
-      <a:effectRef idx="0">
-        <a:scrgbClr r="0" g="0" b="0"/>
-      </a:effectRef>
-      <a:fontRef idx="minor"/>
-    </dgm:style>
-  </dgm:styleLbl>
-  <dgm:styleLbl name="trAlignAcc1">
-    <dgm:scene3d>
-      <a:camera prst="orthographicFront"/>
-      <a:lightRig rig="threePt" dir="t"/>
-    </dgm:scene3d>
-    <dgm:sp3d/>
-    <dgm:txPr/>
-    <dgm:style>
-      <a:lnRef idx="1">
-        <a:scrgbClr r="0" g="0" b="0"/>
-      </a:lnRef>
-      <a:fillRef idx="1">
-        <a:scrgbClr r="0" g="0" b="0"/>
-      </a:fillRef>
-      <a:effectRef idx="0">
-        <a:scrgbClr r="0" g="0" b="0"/>
-      </a:effectRef>
-      <a:fontRef idx="minor"/>
-    </dgm:style>
-  </dgm:styleLbl>
-  <dgm:styleLbl name="bgAcc1">
-    <dgm:scene3d>
-      <a:camera prst="orthographicFront"/>
-      <a:lightRig rig="threePt" dir="t"/>
-    </dgm:scene3d>
-    <dgm:sp3d/>
-    <dgm:txPr/>
-    <dgm:style>
-      <a:lnRef idx="2">
-        <a:scrgbClr r="0" g="0" b="0"/>
-      </a:lnRef>
-      <a:fillRef idx="1">
-        <a:scrgbClr r="0" g="0" b="0"/>
-      </a:fillRef>
-      <a:effectRef idx="0">
-        <a:scrgbClr r="0" g="0" b="0"/>
-      </a:effectRef>
-      <a:fontRef idx="minor"/>
-    </dgm:style>
-  </dgm:styleLbl>
-  <dgm:styleLbl name="solidFgAcc1">
-    <dgm:scene3d>
-      <a:camera prst="orthographicFront"/>
-      <a:lightRig rig="threePt" dir="t"/>
-    </dgm:scene3d>
-    <dgm:sp3d/>
-    <dgm:txPr/>
-    <dgm:style>
-      <a:lnRef idx="2">
-        <a:scrgbClr r="0" g="0" b="0"/>
-      </a:lnRef>
-      <a:fillRef idx="1">
-        <a:scrgbClr r="0" g="0" b="0"/>
-      </a:fillRef>
-      <a:effectRef idx="0">
-        <a:scrgbClr r="0" g="0" b="0"/>
-      </a:effectRef>
-      <a:fontRef idx="minor"/>
-    </dgm:style>
-  </dgm:styleLbl>
-  <dgm:styleLbl name="solidAlignAcc1">
-    <dgm:scene3d>
-      <a:camera prst="orthographicFront"/>
-      <a:lightRig rig="threePt" dir="t"/>
-    </dgm:scene3d>
-    <dgm:sp3d/>
-    <dgm:txPr/>
-    <dgm:style>
-      <a:lnRef idx="2">
-        <a:scrgbClr r="0" g="0" b="0"/>
-      </a:lnRef>
-      <a:fillRef idx="1">
-        <a:scrgbClr r="0" g="0" b="0"/>
-      </a:fillRef>
-      <a:effectRef idx="0">
-        <a:scrgbClr r="0" g="0" b="0"/>
-      </a:effectRef>
-      <a:fontRef idx="minor"/>
-    </dgm:style>
-  </dgm:styleLbl>
-  <dgm:styleLbl name="solidBgAcc1">
-    <dgm:scene3d>
-      <a:camera prst="orthographicFront"/>
-      <a:lightRig rig="threePt" dir="t"/>
-    </dgm:scene3d>
-    <dgm:sp3d/>
-    <dgm:txPr/>
-    <dgm:style>
-      <a:lnRef idx="2">
-        <a:scrgbClr r="0" g="0" b="0"/>
-      </a:lnRef>
-      <a:fillRef idx="1">
-        <a:scrgbClr r="0" g="0" b="0"/>
-      </a:fillRef>
-      <a:effectRef idx="0">
-        <a:scrgbClr r="0" g="0" b="0"/>
-      </a:effectRef>
-      <a:fontRef idx="minor"/>
-    </dgm:style>
-  </dgm:styleLbl>
-  <dgm:styleLbl name="fgAccFollowNode1">
-    <dgm:scene3d>
-      <a:camera prst="orthographicFront"/>
-      <a:lightRig rig="threePt" dir="t"/>
-    </dgm:scene3d>
-    <dgm:sp3d/>
-    <dgm:txPr/>
-    <dgm:style>
-      <a:lnRef idx="2">
-        <a:scrgbClr r="0" g="0" b="0"/>
-      </a:lnRef>
-      <a:fillRef idx="1">
-        <a:scrgbClr r="0" g="0" b="0"/>
-      </a:fillRef>
-      <a:effectRef idx="0">
-        <a:scrgbClr r="0" g="0" b="0"/>
-      </a:effectRef>
-      <a:fontRef idx="minor"/>
-    </dgm:style>
-  </dgm:styleLbl>
-  <dgm:styleLbl name="alignAccFollowNode1">
-    <dgm:scene3d>
-      <a:camera prst="orthographicFront"/>
-      <a:lightRig rig="threePt" dir="t"/>
-    </dgm:scene3d>
-    <dgm:sp3d/>
-    <dgm:txPr/>
-    <dgm:style>
-      <a:lnRef idx="2">
-        <a:scrgbClr r="0" g="0" b="0"/>
-      </a:lnRef>
-      <a:fillRef idx="1">
-        <a:scrgbClr r="0" g="0" b="0"/>
-      </a:fillRef>
-      <a:effectRef idx="0">
-        <a:scrgbClr r="0" g="0" b="0"/>
-      </a:effectRef>
-      <a:fontRef idx="minor"/>
-    </dgm:style>
-  </dgm:styleLbl>
-  <dgm:styleLbl name="bgAccFollowNode1">
-    <dgm:scene3d>
-      <a:camera prst="orthographicFront"/>
-      <a:lightRig rig="threePt" dir="t"/>
-    </dgm:scene3d>
-    <dgm:sp3d/>
-    <dgm:txPr/>
-    <dgm:style>
-      <a:lnRef idx="2">
-        <a:scrgbClr r="0" g="0" b="0"/>
-      </a:lnRef>
-      <a:fillRef idx="1">
-        <a:scrgbClr r="0" g="0" b="0"/>
-      </a:fillRef>
-      <a:effectRef idx="0">
-        <a:scrgbClr r="0" g="0" b="0"/>
-      </a:effectRef>
-      <a:fontRef idx="minor"/>
-    </dgm:style>
-  </dgm:styleLbl>
-  <dgm:styleLbl name="fgAcc0">
-    <dgm:scene3d>
-      <a:camera prst="orthographicFront"/>
-      <a:lightRig rig="threePt" dir="t"/>
-    </dgm:scene3d>
-    <dgm:sp3d/>
-    <dgm:txPr/>
-    <dgm:style>
-      <a:lnRef idx="2">
-        <a:scrgbClr r="0" g="0" b="0"/>
-      </a:lnRef>
-      <a:fillRef idx="1">
-        <a:scrgbClr r="0" g="0" b="0"/>
-      </a:fillRef>
-      <a:effectRef idx="0">
-        <a:scrgbClr r="0" g="0" b="0"/>
-      </a:effectRef>
-      <a:fontRef idx="minor"/>
-    </dgm:style>
-  </dgm:styleLbl>
-  <dgm:styleLbl name="fgAcc2">
-    <dgm:scene3d>
-      <a:camera prst="orthographicFront"/>
-      <a:lightRig rig="threePt" dir="t"/>
-    </dgm:scene3d>
-    <dgm:sp3d/>
-    <dgm:txPr/>
-    <dgm:style>
-      <a:lnRef idx="2">
-        <a:scrgbClr r="0" g="0" b="0"/>
-      </a:lnRef>
-      <a:fillRef idx="1">
-        <a:scrgbClr r="0" g="0" b="0"/>
-      </a:fillRef>
-      <a:effectRef idx="0">
-        <a:scrgbClr r="0" g="0" b="0"/>
-      </a:effectRef>
-      <a:fontRef idx="minor"/>
-    </dgm:style>
-  </dgm:styleLbl>
-  <dgm:styleLbl name="fgAcc3">
-    <dgm:scene3d>
-      <a:camera prst="orthographicFront"/>
-      <a:lightRig rig="threePt" dir="t"/>
-    </dgm:scene3d>
-    <dgm:sp3d/>
-    <dgm:txPr/>
-    <dgm:style>
-      <a:lnRef idx="2">
-        <a:scrgbClr r="0" g="0" b="0"/>
-      </a:lnRef>
-      <a:fillRef idx="1">
-        <a:scrgbClr r="0" g="0" b="0"/>
-      </a:fillRef>
-      <a:effectRef idx="0">
-        <a:scrgbClr r="0" g="0" b="0"/>
-      </a:effectRef>
-      <a:fontRef idx="minor"/>
-    </dgm:style>
-  </dgm:styleLbl>
-  <dgm:styleLbl name="fgAcc4">
-    <dgm:scene3d>
-      <a:camera prst="orthographicFront"/>
-      <a:lightRig rig="threePt" dir="t"/>
-    </dgm:scene3d>
-    <dgm:sp3d/>
-    <dgm:txPr/>
-    <dgm:style>
-      <a:lnRef idx="2">
-        <a:scrgbClr r="0" g="0" b="0"/>
-      </a:lnRef>
-      <a:fillRef idx="1">
-        <a:scrgbClr r="0" g="0" b="0"/>
-      </a:fillRef>
-      <a:effectRef idx="0">
-        <a:scrgbClr r="0" g="0" b="0"/>
-      </a:effectRef>
-      <a:fontRef idx="minor"/>
-    </dgm:style>
-  </dgm:styleLbl>
-  <dgm:styleLbl name="bgShp">
-    <dgm:scene3d>
-      <a:camera prst="orthographicFront"/>
-      <a:lightRig rig="threePt" dir="t"/>
-    </dgm:scene3d>
-    <dgm:sp3d/>
-    <dgm:txPr/>
-    <dgm:style>
-      <a:lnRef idx="0">
-        <a:scrgbClr r="0" g="0" b="0"/>
-      </a:lnRef>
-      <a:fillRef idx="1">
-        <a:scrgbClr r="0" g="0" b="0"/>
-      </a:fillRef>
-      <a:effectRef idx="0">
-        <a:scrgbClr r="0" g="0" b="0"/>
-      </a:effectRef>
-      <a:fontRef idx="minor"/>
-    </dgm:style>
-  </dgm:styleLbl>
-  <dgm:styleLbl name="dkBgShp">
-    <dgm:scene3d>
-      <a:camera prst="orthographicFront"/>
-      <a:lightRig rig="threePt" dir="t"/>
-    </dgm:scene3d>
-    <dgm:sp3d/>
-    <dgm:txPr/>
-    <dgm:style>
-      <a:lnRef idx="0">
-        <a:scrgbClr r="0" g="0" b="0"/>
-      </a:lnRef>
-      <a:fillRef idx="1">
-        <a:scrgbClr r="0" g="0" b="0"/>
-      </a:fillRef>
-      <a:effectRef idx="0">
-        <a:scrgbClr r="0" g="0" b="0"/>
-      </a:effectRef>
-      <a:fontRef idx="minor"/>
-    </dgm:style>
-  </dgm:styleLbl>
-  <dgm:styleLbl name="trBgShp">
-    <dgm:scene3d>
-      <a:camera prst="orthographicFront"/>
-      <a:lightRig rig="threePt" dir="t"/>
-    </dgm:scene3d>
-    <dgm:sp3d/>
-    <dgm:txPr/>
-    <dgm:style>
-      <a:lnRef idx="0">
-        <a:scrgbClr r="0" g="0" b="0"/>
-      </a:lnRef>
-      <a:fillRef idx="1">
-        <a:scrgbClr r="0" g="0" b="0"/>
-      </a:fillRef>
-      <a:effectRef idx="0">
-        <a:scrgbClr r="0" g="0" b="0"/>
-      </a:effectRef>
-      <a:fontRef idx="minor"/>
-    </dgm:style>
-  </dgm:styleLbl>
-  <dgm:styleLbl name="fgShp">
-    <dgm:scene3d>
-      <a:camera prst="orthographicFront"/>
-      <a:lightRig rig="threePt" dir="t"/>
-    </dgm:scene3d>
-    <dgm:sp3d/>
-    <dgm:txPr/>
-    <dgm:style>
-      <a:lnRef idx="2">
-        <a:scrgbClr r="0" g="0" b="0"/>
-      </a:lnRef>
-      <a:fillRef idx="1">
-        <a:scrgbClr r="0" g="0" b="0"/>
-      </a:fillRef>
-      <a:effectRef idx="0">
-        <a:scrgbClr r="0" g="0" b="0"/>
-      </a:effectRef>
-      <a:fontRef idx="minor"/>
-    </dgm:style>
-  </dgm:styleLbl>
-  <dgm:styleLbl name="revTx">
-    <dgm:scene3d>
-      <a:camera prst="orthographicFront"/>
-      <a:lightRig rig="threePt" dir="t"/>
-    </dgm:scene3d>
-    <dgm:sp3d/>
-    <dgm:txPr/>
-    <dgm:style>
-      <a:lnRef idx="0">
-        <a:scrgbClr r="0" g="0" b="0"/>
-      </a:lnRef>
-      <a:fillRef idx="0">
-        <a:scrgbClr r="0" g="0" b="0"/>
-      </a:fillRef>
-      <a:effectRef idx="0">
-        <a:scrgbClr r="0" g="0" b="0"/>
-      </a:effectRef>
-      <a:fontRef idx="minor"/>
-    </dgm:style>
-  </dgm:styleLbl>
-</dgm:styleDef>
-</file>
-
-<file path=ppt/diagrams/quickStyle3.xml><?xml version="1.0" encoding="utf-8"?>
-<dgm:styleDef xmlns:dgm="http://schemas.openxmlformats.org/drawingml/2006/diagram" xmlns:a="http://schemas.openxmlformats.org/drawingml/2006/main" uniqueId="urn:microsoft.com/office/officeart/2005/8/quickstyle/simple1">
-  <dgm:title val=""/>
-  <dgm:desc val=""/>
-  <dgm:catLst>
-    <dgm:cat type="simple" pri="10100"/>
-  </dgm:catLst>
-  <dgm:scene3d>
-    <a:camera prst="orthographicFront"/>
-    <a:lightRig rig="threePt" dir="t"/>
-  </dgm:scene3d>
-  <dgm:styleLbl name="node0">
-    <dgm:scene3d>
-      <a:camera prst="orthographicFront"/>
-      <a:lightRig rig="threePt" dir="t"/>
-    </dgm:scene3d>
-    <dgm:sp3d/>
-    <dgm:txPr/>
-    <dgm:style>
-      <a:lnRef idx="2">
-        <a:scrgbClr r="0" g="0" b="0"/>
-      </a:lnRef>
-      <a:fillRef idx="1">
-        <a:scrgbClr r="0" g="0" b="0"/>
-      </a:fillRef>
-      <a:effectRef idx="0">
-        <a:scrgbClr r="0" g="0" b="0"/>
-      </a:effectRef>
-      <a:fontRef idx="minor">
-        <a:schemeClr val="lt1"/>
-      </a:fontRef>
-    </dgm:style>
-  </dgm:styleLbl>
-  <dgm:styleLbl name="lnNode1">
-    <dgm:scene3d>
-      <a:camera prst="orthographicFront"/>
-      <a:lightRig rig="threePt" dir="t"/>
-    </dgm:scene3d>
-    <dgm:sp3d/>
-    <dgm:txPr/>
-    <dgm:style>
-      <a:lnRef idx="2">
-        <a:scrgbClr r="0" g="0" b="0"/>
-      </a:lnRef>
-      <a:fillRef idx="1">
-        <a:scrgbClr r="0" g="0" b="0"/>
-      </a:fillRef>
-      <a:effectRef idx="0">
-        <a:scrgbClr r="0" g="0" b="0"/>
-      </a:effectRef>
-      <a:fontRef idx="minor">
-        <a:schemeClr val="lt1"/>
-      </a:fontRef>
-    </dgm:style>
-  </dgm:styleLbl>
-  <dgm:styleLbl name="vennNode1">
-    <dgm:scene3d>
-      <a:camera prst="orthographicFront"/>
-      <a:lightRig rig="threePt" dir="t"/>
-    </dgm:scene3d>
-    <dgm:sp3d/>
-    <dgm:txPr/>
-    <dgm:style>
-      <a:lnRef idx="2">
-        <a:scrgbClr r="0" g="0" b="0"/>
-      </a:lnRef>
-      <a:fillRef idx="1">
-        <a:scrgbClr r="0" g="0" b="0"/>
-      </a:fillRef>
-      <a:effectRef idx="0">
-        <a:scrgbClr r="0" g="0" b="0"/>
-      </a:effectRef>
-      <a:fontRef idx="minor">
-        <a:schemeClr val="tx1"/>
-      </a:fontRef>
-    </dgm:style>
-  </dgm:styleLbl>
-  <dgm:styleLbl name="alignNode1">
-    <dgm:scene3d>
-      <a:camera prst="orthographicFront"/>
-      <a:lightRig rig="threePt" dir="t"/>
-    </dgm:scene3d>
-    <dgm:sp3d/>
-    <dgm:txPr/>
-    <dgm:style>
-      <a:lnRef idx="2">
-        <a:scrgbClr r="0" g="0" b="0"/>
-      </a:lnRef>
-      <a:fillRef idx="1">
-        <a:scrgbClr r="0" g="0" b="0"/>
-      </a:fillRef>
-      <a:effectRef idx="0">
-        <a:scrgbClr r="0" g="0" b="0"/>
-      </a:effectRef>
-      <a:fontRef idx="minor">
-        <a:schemeClr val="lt1"/>
-      </a:fontRef>
-    </dgm:style>
-  </dgm:styleLbl>
-  <dgm:styleLbl name="node1">
-    <dgm:scene3d>
-      <a:camera prst="orthographicFront"/>
-      <a:lightRig rig="threePt" dir="t"/>
-    </dgm:scene3d>
-    <dgm:sp3d/>
-    <dgm:txPr/>
-    <dgm:style>
-      <a:lnRef idx="2">
-        <a:scrgbClr r="0" g="0" b="0"/>
-      </a:lnRef>
-      <a:fillRef idx="1">
-        <a:scrgbClr r="0" g="0" b="0"/>
-      </a:fillRef>
-      <a:effectRef idx="0">
-        <a:scrgbClr r="0" g="0" b="0"/>
-      </a:effectRef>
-      <a:fontRef idx="minor">
-        <a:schemeClr val="lt1"/>
-      </a:fontRef>
-    </dgm:style>
-  </dgm:styleLbl>
-  <dgm:styleLbl name="node2">
-    <dgm:scene3d>
-      <a:camera prst="orthographicFront"/>
-      <a:lightRig rig="threePt" dir="t"/>
-    </dgm:scene3d>
-    <dgm:sp3d/>
-    <dgm:txPr/>
-    <dgm:style>
-      <a:lnRef idx="2">
-        <a:scrgbClr r="0" g="0" b="0"/>
-      </a:lnRef>
-      <a:fillRef idx="1">
-        <a:scrgbClr r="0" g="0" b="0"/>
-      </a:fillRef>
-      <a:effectRef idx="0">
-        <a:scrgbClr r="0" g="0" b="0"/>
-      </a:effectRef>
-      <a:fontRef idx="minor">
-        <a:schemeClr val="lt1"/>
-      </a:fontRef>
-    </dgm:style>
-  </dgm:styleLbl>
-  <dgm:styleLbl name="node3">
-    <dgm:scene3d>
-      <a:camera prst="orthographicFront"/>
-      <a:lightRig rig="threePt" dir="t"/>
-    </dgm:scene3d>
-    <dgm:sp3d/>
-    <dgm:txPr/>
-    <dgm:style>
-      <a:lnRef idx="2">
-        <a:scrgbClr r="0" g="0" b="0"/>
-      </a:lnRef>
-      <a:fillRef idx="1">
-        <a:scrgbClr r="0" g="0" b="0"/>
-      </a:fillRef>
-      <a:effectRef idx="0">
-        <a:scrgbClr r="0" g="0" b="0"/>
-      </a:effectRef>
-      <a:fontRef idx="minor">
-        <a:schemeClr val="lt1"/>
-      </a:fontRef>
-    </dgm:style>
-  </dgm:styleLbl>
-  <dgm:styleLbl name="node4">
-    <dgm:scene3d>
-      <a:camera prst="orthographicFront"/>
-      <a:lightRig rig="threePt" dir="t"/>
-    </dgm:scene3d>
-    <dgm:sp3d/>
-    <dgm:txPr/>
-    <dgm:style>
-      <a:lnRef idx="2">
-        <a:scrgbClr r="0" g="0" b="0"/>
-      </a:lnRef>
-      <a:fillRef idx="1">
-        <a:scrgbClr r="0" g="0" b="0"/>
-      </a:fillRef>
-      <a:effectRef idx="0">
-        <a:scrgbClr r="0" g="0" b="0"/>
-      </a:effectRef>
-      <a:fontRef idx="minor">
-        <a:schemeClr val="lt1"/>
-      </a:fontRef>
-    </dgm:style>
-  </dgm:styleLbl>
-  <dgm:styleLbl name="fgImgPlace1">
-    <dgm:scene3d>
-      <a:camera prst="orthographicFront"/>
-      <a:lightRig rig="threePt" dir="t"/>
-    </dgm:scene3d>
-    <dgm:sp3d/>
-    <dgm:txPr/>
-    <dgm:style>
-      <a:lnRef idx="2">
-        <a:scrgbClr r="0" g="0" b="0"/>
-      </a:lnRef>
-      <a:fillRef idx="1">
-        <a:scrgbClr r="0" g="0" b="0"/>
-      </a:fillRef>
-      <a:effectRef idx="0">
-        <a:scrgbClr r="0" g="0" b="0"/>
-      </a:effectRef>
-      <a:fontRef idx="minor"/>
-    </dgm:style>
-  </dgm:styleLbl>
-  <dgm:styleLbl name="alignImgPlace1">
-    <dgm:scene3d>
-      <a:camera prst="orthographicFront"/>
-      <a:lightRig rig="threePt" dir="t"/>
-    </dgm:scene3d>
-    <dgm:sp3d/>
-    <dgm:txPr/>
-    <dgm:style>
-      <a:lnRef idx="2">
-        <a:scrgbClr r="0" g="0" b="0"/>
-      </a:lnRef>
-      <a:fillRef idx="1">
-        <a:scrgbClr r="0" g="0" b="0"/>
-      </a:fillRef>
-      <a:effectRef idx="0">
-        <a:scrgbClr r="0" g="0" b="0"/>
-      </a:effectRef>
-      <a:fontRef idx="minor"/>
-    </dgm:style>
-  </dgm:styleLbl>
-  <dgm:styleLbl name="bgImgPlace1">
-    <dgm:scene3d>
-      <a:camera prst="orthographicFront"/>
-      <a:lightRig rig="threePt" dir="t"/>
-    </dgm:scene3d>
-    <dgm:sp3d/>
-    <dgm:txPr/>
-    <dgm:style>
-      <a:lnRef idx="2">
-        <a:scrgbClr r="0" g="0" b="0"/>
-      </a:lnRef>
-      <a:fillRef idx="1">
-        <a:scrgbClr r="0" g="0" b="0"/>
-      </a:fillRef>
-      <a:effectRef idx="0">
-        <a:scrgbClr r="0" g="0" b="0"/>
-      </a:effectRef>
-      <a:fontRef idx="minor"/>
-    </dgm:style>
-  </dgm:styleLbl>
-  <dgm:styleLbl name="sibTrans2D1">
-    <dgm:scene3d>
-      <a:camera prst="orthographicFront"/>
-      <a:lightRig rig="threePt" dir="t"/>
-    </dgm:scene3d>
-    <dgm:sp3d/>
-    <dgm:txPr/>
-    <dgm:style>
-      <a:lnRef idx="0">
-        <a:scrgbClr r="0" g="0" b="0"/>
-      </a:lnRef>
-      <a:fillRef idx="1">
-        <a:scrgbClr r="0" g="0" b="0"/>
-      </a:fillRef>
-      <a:effectRef idx="0">
-        <a:scrgbClr r="0" g="0" b="0"/>
-      </a:effectRef>
-      <a:fontRef idx="minor">
-        <a:schemeClr val="lt1"/>
-      </a:fontRef>
-    </dgm:style>
-  </dgm:styleLbl>
-  <dgm:styleLbl name="fgSibTrans2D1">
-    <dgm:scene3d>
-      <a:camera prst="orthographicFront"/>
-      <a:lightRig rig="threePt" dir="t"/>
-    </dgm:scene3d>
-    <dgm:sp3d/>
-    <dgm:txPr/>
-    <dgm:style>
-      <a:lnRef idx="0">
-        <a:scrgbClr r="0" g="0" b="0"/>
-      </a:lnRef>
-      <a:fillRef idx="1">
-        <a:scrgbClr r="0" g="0" b="0"/>
-      </a:fillRef>
-      <a:effectRef idx="0">
-        <a:scrgbClr r="0" g="0" b="0"/>
-      </a:effectRef>
-      <a:fontRef idx="minor">
-        <a:schemeClr val="lt1"/>
-      </a:fontRef>
-    </dgm:style>
-  </dgm:styleLbl>
-  <dgm:styleLbl name="bgSibTrans2D1">
-    <dgm:scene3d>
-      <a:camera prst="orthographicFront"/>
-      <a:lightRig rig="threePt" dir="t"/>
-    </dgm:scene3d>
-    <dgm:sp3d/>
-    <dgm:txPr/>
-    <dgm:style>
-      <a:lnRef idx="0">
-        <a:scrgbClr r="0" g="0" b="0"/>
-      </a:lnRef>
-      <a:fillRef idx="1">
-        <a:scrgbClr r="0" g="0" b="0"/>
-      </a:fillRef>
-      <a:effectRef idx="0">
-        <a:scrgbClr r="0" g="0" b="0"/>
-      </a:effectRef>
-      <a:fontRef idx="minor">
-        <a:schemeClr val="lt1"/>
-      </a:fontRef>
-    </dgm:style>
-  </dgm:styleLbl>
-  <dgm:styleLbl name="sibTrans1D1">
-    <dgm:scene3d>
-      <a:camera prst="orthographicFront"/>
-      <a:lightRig rig="threePt" dir="t"/>
-    </dgm:scene3d>
-    <dgm:sp3d/>
-    <dgm:txPr/>
-    <dgm:style>
-      <a:lnRef idx="1">
-        <a:scrgbClr r="0" g="0" b="0"/>
-      </a:lnRef>
-      <a:fillRef idx="0">
-        <a:scrgbClr r="0" g="0" b="0"/>
-      </a:fillRef>
-      <a:effectRef idx="0">
-        <a:scrgbClr r="0" g="0" b="0"/>
-      </a:effectRef>
-      <a:fontRef idx="minor"/>
-    </dgm:style>
-  </dgm:styleLbl>
-  <dgm:styleLbl name="callout">
-    <dgm:scene3d>
-      <a:camera prst="orthographicFront"/>
-      <a:lightRig rig="threePt" dir="t"/>
-    </dgm:scene3d>
-    <dgm:sp3d/>
-    <dgm:txPr/>
-    <dgm:style>
-      <a:lnRef idx="2">
-        <a:scrgbClr r="0" g="0" b="0"/>
-      </a:lnRef>
-      <a:fillRef idx="1">
-        <a:scrgbClr r="0" g="0" b="0"/>
-      </a:fillRef>
-      <a:effectRef idx="0">
-        <a:scrgbClr r="0" g="0" b="0"/>
-      </a:effectRef>
-      <a:fontRef idx="minor"/>
-    </dgm:style>
-  </dgm:styleLbl>
-  <dgm:styleLbl name="asst0">
-    <dgm:scene3d>
-      <a:camera prst="orthographicFront"/>
-      <a:lightRig rig="threePt" dir="t"/>
-    </dgm:scene3d>
-    <dgm:sp3d/>
-    <dgm:txPr/>
-    <dgm:style>
-      <a:lnRef idx="2">
-        <a:scrgbClr r="0" g="0" b="0"/>
-      </a:lnRef>
-      <a:fillRef idx="1">
-        <a:scrgbClr r="0" g="0" b="0"/>
-      </a:fillRef>
-      <a:effectRef idx="0">
-        <a:scrgbClr r="0" g="0" b="0"/>
-      </a:effectRef>
-      <a:fontRef idx="minor">
-        <a:schemeClr val="lt1"/>
-      </a:fontRef>
-    </dgm:style>
-  </dgm:styleLbl>
-  <dgm:styleLbl name="asst1">
-    <dgm:scene3d>
-      <a:camera prst="orthographicFront"/>
-      <a:lightRig rig="threePt" dir="t"/>
-    </dgm:scene3d>
-    <dgm:sp3d/>
-    <dgm:txPr/>
-    <dgm:style>
-      <a:lnRef idx="2">
-        <a:scrgbClr r="0" g="0" b="0"/>
-      </a:lnRef>
-      <a:fillRef idx="1">
-        <a:scrgbClr r="0" g="0" b="0"/>
-      </a:fillRef>
-      <a:effectRef idx="0">
-        <a:scrgbClr r="0" g="0" b="0"/>
-      </a:effectRef>
-      <a:fontRef idx="minor">
-        <a:schemeClr val="lt1"/>
-      </a:fontRef>
-    </dgm:style>
-  </dgm:styleLbl>
-  <dgm:styleLbl name="asst2">
-    <dgm:scene3d>
-      <a:camera prst="orthographicFront"/>
-      <a:lightRig rig="threePt" dir="t"/>
-    </dgm:scene3d>
-    <dgm:sp3d/>
-    <dgm:txPr/>
-    <dgm:style>
-      <a:lnRef idx="2">
-        <a:scrgbClr r="0" g="0" b="0"/>
-      </a:lnRef>
-      <a:fillRef idx="1">
-        <a:scrgbClr r="0" g="0" b="0"/>
-      </a:fillRef>
-      <a:effectRef idx="0">
-        <a:scrgbClr r="0" g="0" b="0"/>
-      </a:effectRef>
-      <a:fontRef idx="minor">
-        <a:schemeClr val="lt1"/>
-      </a:fontRef>
-    </dgm:style>
-  </dgm:styleLbl>
-  <dgm:styleLbl name="asst3">
-    <dgm:scene3d>
-      <a:camera prst="orthographicFront"/>
-      <a:lightRig rig="threePt" dir="t"/>
-    </dgm:scene3d>
-    <dgm:sp3d/>
-    <dgm:txPr/>
-    <dgm:style>
-      <a:lnRef idx="2">
-        <a:scrgbClr r="0" g="0" b="0"/>
-      </a:lnRef>
-      <a:fillRef idx="1">
-        <a:scrgbClr r="0" g="0" b="0"/>
-      </a:fillRef>
-      <a:effectRef idx="0">
-        <a:scrgbClr r="0" g="0" b="0"/>
-      </a:effectRef>
-      <a:fontRef idx="minor">
-        <a:schemeClr val="lt1"/>
-      </a:fontRef>
-    </dgm:style>
-  </dgm:styleLbl>
-  <dgm:styleLbl name="asst4">
-    <dgm:scene3d>
-      <a:camera prst="orthographicFront"/>
-      <a:lightRig rig="threePt" dir="t"/>
-    </dgm:scene3d>
-    <dgm:sp3d/>
-    <dgm:txPr/>
-    <dgm:style>
-      <a:lnRef idx="2">
-        <a:scrgbClr r="0" g="0" b="0"/>
-      </a:lnRef>
-      <a:fillRef idx="1">
-        <a:scrgbClr r="0" g="0" b="0"/>
-      </a:fillRef>
-      <a:effectRef idx="0">
-        <a:scrgbClr r="0" g="0" b="0"/>
-      </a:effectRef>
-      <a:fontRef idx="minor">
-        <a:schemeClr val="lt1"/>
-      </a:fontRef>
-    </dgm:style>
-  </dgm:styleLbl>
-  <dgm:styleLbl name="parChTrans2D1">
-    <dgm:scene3d>
-      <a:camera prst="orthographicFront"/>
-      <a:lightRig rig="threePt" dir="t"/>
-    </dgm:scene3d>
-    <dgm:sp3d/>
-    <dgm:txPr/>
-    <dgm:style>
-      <a:lnRef idx="2">
-        <a:scrgbClr r="0" g="0" b="0"/>
-      </a:lnRef>
-      <a:fillRef idx="1">
-        <a:scrgbClr r="0" g="0" b="0"/>
-      </a:fillRef>
-      <a:effectRef idx="0">
-        <a:scrgbClr r="0" g="0" b="0"/>
-      </a:effectRef>
-      <a:fontRef idx="minor">
-        <a:schemeClr val="lt1"/>
-      </a:fontRef>
-    </dgm:style>
-  </dgm:styleLbl>
-  <dgm:styleLbl name="parChTrans2D2">
-    <dgm:scene3d>
-      <a:camera prst="orthographicFront"/>
-      <a:lightRig rig="threePt" dir="t"/>
-    </dgm:scene3d>
-    <dgm:sp3d/>
-    <dgm:txPr/>
-    <dgm:style>
-      <a:lnRef idx="2">
-        <a:scrgbClr r="0" g="0" b="0"/>
-      </a:lnRef>
-      <a:fillRef idx="1">
-        <a:scrgbClr r="0" g="0" b="0"/>
-      </a:fillRef>
-      <a:effectRef idx="0">
-        <a:scrgbClr r="0" g="0" b="0"/>
-      </a:effectRef>
-      <a:fontRef idx="minor">
-        <a:schemeClr val="lt1"/>
-      </a:fontRef>
-    </dgm:style>
-  </dgm:styleLbl>
-  <dgm:styleLbl name="parChTrans2D3">
-    <dgm:scene3d>
-      <a:camera prst="orthographicFront"/>
-      <a:lightRig rig="threePt" dir="t"/>
-    </dgm:scene3d>
-    <dgm:sp3d/>
-    <dgm:txPr/>
-    <dgm:style>
-      <a:lnRef idx="2">
-        <a:scrgbClr r="0" g="0" b="0"/>
-      </a:lnRef>
-      <a:fillRef idx="1">
-        <a:scrgbClr r="0" g="0" b="0"/>
-      </a:fillRef>
-      <a:effectRef idx="0">
-        <a:scrgbClr r="0" g="0" b="0"/>
-      </a:effectRef>
-      <a:fontRef idx="minor">
-        <a:schemeClr val="lt1"/>
-      </a:fontRef>
-    </dgm:style>
-  </dgm:styleLbl>
-  <dgm:styleLbl name="parChTrans2D4">
-    <dgm:scene3d>
-      <a:camera prst="orthographicFront"/>
-      <a:lightRig rig="threePt" dir="t"/>
-    </dgm:scene3d>
-    <dgm:sp3d/>
-    <dgm:txPr/>
-    <dgm:style>
-      <a:lnRef idx="2">
-        <a:scrgbClr r="0" g="0" b="0"/>
-      </a:lnRef>
-      <a:fillRef idx="1">
-        <a:scrgbClr r="0" g="0" b="0"/>
-      </a:fillRef>
-      <a:effectRef idx="0">
-        <a:scrgbClr r="0" g="0" b="0"/>
-      </a:effectRef>
-      <a:fontRef idx="minor">
-        <a:schemeClr val="lt1"/>
-      </a:fontRef>
-    </dgm:style>
-  </dgm:styleLbl>
-  <dgm:styleLbl name="parChTrans1D1">
-    <dgm:scene3d>
-      <a:camera prst="orthographicFront"/>
-      <a:lightRig rig="threePt" dir="t"/>
-    </dgm:scene3d>
-    <dgm:sp3d/>
-    <dgm:txPr/>
-    <dgm:style>
-      <a:lnRef idx="2">
-        <a:scrgbClr r="0" g="0" b="0"/>
-      </a:lnRef>
-      <a:fillRef idx="0">
-        <a:scrgbClr r="0" g="0" b="0"/>
-      </a:fillRef>
-      <a:effectRef idx="0">
-        <a:scrgbClr r="0" g="0" b="0"/>
-      </a:effectRef>
-      <a:fontRef idx="minor"/>
-    </dgm:style>
-  </dgm:styleLbl>
-  <dgm:styleLbl name="parChTrans1D2">
-    <dgm:scene3d>
-      <a:camera prst="orthographicFront"/>
-      <a:lightRig rig="threePt" dir="t"/>
-    </dgm:scene3d>
-    <dgm:sp3d/>
-    <dgm:txPr/>
-    <dgm:style>
-      <a:lnRef idx="2">
-        <a:scrgbClr r="0" g="0" b="0"/>
-      </a:lnRef>
-      <a:fillRef idx="0">
-        <a:scrgbClr r="0" g="0" b="0"/>
-      </a:fillRef>
-      <a:effectRef idx="0">
-        <a:scrgbClr r="0" g="0" b="0"/>
-      </a:effectRef>
-      <a:fontRef idx="minor"/>
-    </dgm:style>
-  </dgm:styleLbl>
-  <dgm:styleLbl name="parChTrans1D3">
-    <dgm:scene3d>
-      <a:camera prst="orthographicFront"/>
-      <a:lightRig rig="threePt" dir="t"/>
-    </dgm:scene3d>
-    <dgm:sp3d/>
-    <dgm:txPr/>
-    <dgm:style>
-      <a:lnRef idx="2">
-        <a:scrgbClr r="0" g="0" b="0"/>
-      </a:lnRef>
-      <a:fillRef idx="0">
-        <a:scrgbClr r="0" g="0" b="0"/>
-      </a:fillRef>
-      <a:effectRef idx="0">
-        <a:scrgbClr r="0" g="0" b="0"/>
-      </a:effectRef>
-      <a:fontRef idx="minor"/>
-    </dgm:style>
-  </dgm:styleLbl>
-  <dgm:styleLbl name="parChTrans1D4">
-    <dgm:scene3d>
-      <a:camera prst="orthographicFront"/>
-      <a:lightRig rig="threePt" dir="t"/>
-    </dgm:scene3d>
-    <dgm:sp3d/>
-    <dgm:txPr/>
-    <dgm:style>
-      <a:lnRef idx="2">
-        <a:scrgbClr r="0" g="0" b="0"/>
-      </a:lnRef>
-      <a:fillRef idx="0">
-        <a:scrgbClr r="0" g="0" b="0"/>
-      </a:fillRef>
-      <a:effectRef idx="0">
-        <a:scrgbClr r="0" g="0" b="0"/>
-      </a:effectRef>
-      <a:fontRef idx="minor"/>
-    </dgm:style>
-  </dgm:styleLbl>
-  <dgm:styleLbl name="fgAcc1">
-    <dgm:scene3d>
-      <a:camera prst="orthographicFront"/>
-      <a:lightRig rig="threePt" dir="t"/>
-    </dgm:scene3d>
-    <dgm:sp3d/>
-    <dgm:txPr/>
-    <dgm:style>
-      <a:lnRef idx="2">
-        <a:scrgbClr r="0" g="0" b="0"/>
-      </a:lnRef>
-      <a:fillRef idx="1">
-        <a:scrgbClr r="0" g="0" b="0"/>
-      </a:fillRef>
-      <a:effectRef idx="0">
-        <a:scrgbClr r="0" g="0" b="0"/>
-      </a:effectRef>
-      <a:fontRef idx="minor"/>
-    </dgm:style>
-  </dgm:styleLbl>
-  <dgm:styleLbl name="conFgAcc1">
-    <dgm:scene3d>
-      <a:camera prst="orthographicFront"/>
-      <a:lightRig rig="threePt" dir="t"/>
-    </dgm:scene3d>
-    <dgm:sp3d/>
-    <dgm:txPr/>
-    <dgm:style>
-      <a:lnRef idx="2">
-        <a:scrgbClr r="0" g="0" b="0"/>
-      </a:lnRef>
-      <a:fillRef idx="1">
-        <a:scrgbClr r="0" g="0" b="0"/>
-      </a:fillRef>
-      <a:effectRef idx="0">
-        <a:scrgbClr r="0" g="0" b="0"/>
-      </a:effectRef>
-      <a:fontRef idx="minor"/>
-    </dgm:style>
-  </dgm:styleLbl>
-  <dgm:styleLbl name="alignAcc1">
-    <dgm:scene3d>
-      <a:camera prst="orthographicFront"/>
-      <a:lightRig rig="threePt" dir="t"/>
-    </dgm:scene3d>
-    <dgm:sp3d/>
-    <dgm:txPr/>
-    <dgm:style>
-      <a:lnRef idx="2">
-        <a:scrgbClr r="0" g="0" b="0"/>
-      </a:lnRef>
-      <a:fillRef idx="1">
-        <a:scrgbClr r="0" g="0" b="0"/>
-      </a:fillRef>
-      <a:effectRef idx="0">
-        <a:scrgbClr r="0" g="0" b="0"/>
-      </a:effectRef>
-      <a:fontRef idx="minor"/>
-    </dgm:style>
-  </dgm:styleLbl>
-  <dgm:styleLbl name="trAlignAcc1">
-    <dgm:scene3d>
-      <a:camera prst="orthographicFront"/>
-      <a:lightRig rig="threePt" dir="t"/>
-    </dgm:scene3d>
-    <dgm:sp3d/>
-    <dgm:txPr/>
-    <dgm:style>
-      <a:lnRef idx="1">
-        <a:scrgbClr r="0" g="0" b="0"/>
-      </a:lnRef>
-      <a:fillRef idx="1">
-        <a:scrgbClr r="0" g="0" b="0"/>
-      </a:fillRef>
-      <a:effectRef idx="0">
-        <a:scrgbClr r="0" g="0" b="0"/>
-      </a:effectRef>
-      <a:fontRef idx="minor"/>
-    </dgm:style>
-  </dgm:styleLbl>
-  <dgm:styleLbl name="bgAcc1">
-    <dgm:scene3d>
-      <a:camera prst="orthographicFront"/>
-      <a:lightRig rig="threePt" dir="t"/>
-    </dgm:scene3d>
-    <dgm:sp3d/>
-    <dgm:txPr/>
-    <dgm:style>
-      <a:lnRef idx="2">
-        <a:scrgbClr r="0" g="0" b="0"/>
-      </a:lnRef>
-      <a:fillRef idx="1">
-        <a:scrgbClr r="0" g="0" b="0"/>
-      </a:fillRef>
-      <a:effectRef idx="0">
-        <a:scrgbClr r="0" g="0" b="0"/>
-      </a:effectRef>
-      <a:fontRef idx="minor"/>
-    </dgm:style>
-  </dgm:styleLbl>
-  <dgm:styleLbl name="solidFgAcc1">
-    <dgm:scene3d>
-      <a:camera prst="orthographicFront"/>
-      <a:lightRig rig="threePt" dir="t"/>
-    </dgm:scene3d>
-    <dgm:sp3d/>
-    <dgm:txPr/>
-    <dgm:style>
-      <a:lnRef idx="2">
-        <a:scrgbClr r="0" g="0" b="0"/>
-      </a:lnRef>
-      <a:fillRef idx="1">
-        <a:scrgbClr r="0" g="0" b="0"/>
-      </a:fillRef>
-      <a:effectRef idx="0">
-        <a:scrgbClr r="0" g="0" b="0"/>
-      </a:effectRef>
-      <a:fontRef idx="minor"/>
-    </dgm:style>
-  </dgm:styleLbl>
-  <dgm:styleLbl name="solidAlignAcc1">
-    <dgm:scene3d>
-      <a:camera prst="orthographicFront"/>
-      <a:lightRig rig="threePt" dir="t"/>
-    </dgm:scene3d>
-    <dgm:sp3d/>
-    <dgm:txPr/>
-    <dgm:style>
-      <a:lnRef idx="2">
-        <a:scrgbClr r="0" g="0" b="0"/>
-      </a:lnRef>
-      <a:fillRef idx="1">
-        <a:scrgbClr r="0" g="0" b="0"/>
-      </a:fillRef>
-      <a:effectRef idx="0">
-        <a:scrgbClr r="0" g="0" b="0"/>
-      </a:effectRef>
-      <a:fontRef idx="minor"/>
-    </dgm:style>
-  </dgm:styleLbl>
-  <dgm:styleLbl name="solidBgAcc1">
-    <dgm:scene3d>
-      <a:camera prst="orthographicFront"/>
-      <a:lightRig rig="threePt" dir="t"/>
-    </dgm:scene3d>
-    <dgm:sp3d/>
-    <dgm:txPr/>
-    <dgm:style>
-      <a:lnRef idx="2">
-        <a:scrgbClr r="0" g="0" b="0"/>
-      </a:lnRef>
-      <a:fillRef idx="1">
-        <a:scrgbClr r="0" g="0" b="0"/>
-      </a:fillRef>
-      <a:effectRef idx="0">
-        <a:scrgbClr r="0" g="0" b="0"/>
-      </a:effectRef>
-      <a:fontRef idx="minor"/>
-    </dgm:style>
-  </dgm:styleLbl>
-  <dgm:styleLbl name="fgAccFollowNode1">
-    <dgm:scene3d>
-      <a:camera prst="orthographicFront"/>
-      <a:lightRig rig="threePt" dir="t"/>
-    </dgm:scene3d>
-    <dgm:sp3d/>
-    <dgm:txPr/>
-    <dgm:style>
-      <a:lnRef idx="2">
-        <a:scrgbClr r="0" g="0" b="0"/>
-      </a:lnRef>
-      <a:fillRef idx="1">
-        <a:scrgbClr r="0" g="0" b="0"/>
-      </a:fillRef>
-      <a:effectRef idx="0">
-        <a:scrgbClr r="0" g="0" b="0"/>
-      </a:effectRef>
-      <a:fontRef idx="minor"/>
-    </dgm:style>
-  </dgm:styleLbl>
-  <dgm:styleLbl name="alignAccFollowNode1">
-    <dgm:scene3d>
-      <a:camera prst="orthographicFront"/>
-      <a:lightRig rig="threePt" dir="t"/>
-    </dgm:scene3d>
-    <dgm:sp3d/>
-    <dgm:txPr/>
-    <dgm:style>
-      <a:lnRef idx="2">
-        <a:scrgbClr r="0" g="0" b="0"/>
-      </a:lnRef>
-      <a:fillRef idx="1">
-        <a:scrgbClr r="0" g="0" b="0"/>
-      </a:fillRef>
-      <a:effectRef idx="0">
-        <a:scrgbClr r="0" g="0" b="0"/>
-      </a:effectRef>
-      <a:fontRef idx="minor"/>
-    </dgm:style>
-  </dgm:styleLbl>
-  <dgm:styleLbl name="bgAccFollowNode1">
-    <dgm:scene3d>
-      <a:camera prst="orthographicFront"/>
-      <a:lightRig rig="threePt" dir="t"/>
-    </dgm:scene3d>
-    <dgm:sp3d/>
-    <dgm:txPr/>
-    <dgm:style>
-      <a:lnRef idx="2">
-        <a:scrgbClr r="0" g="0" b="0"/>
-      </a:lnRef>
-      <a:fillRef idx="1">
-        <a:scrgbClr r="0" g="0" b="0"/>
-      </a:fillRef>
-      <a:effectRef idx="0">
-        <a:scrgbClr r="0" g="0" b="0"/>
-      </a:effectRef>
-      <a:fontRef idx="minor"/>
-    </dgm:style>
-  </dgm:styleLbl>
-  <dgm:styleLbl name="fgAcc0">
-    <dgm:scene3d>
-      <a:camera prst="orthographicFront"/>
-      <a:lightRig rig="threePt" dir="t"/>
-    </dgm:scene3d>
-    <dgm:sp3d/>
-    <dgm:txPr/>
-    <dgm:style>
-      <a:lnRef idx="2">
-        <a:scrgbClr r="0" g="0" b="0"/>
-      </a:lnRef>
-      <a:fillRef idx="1">
-        <a:scrgbClr r="0" g="0" b="0"/>
-      </a:fillRef>
-      <a:effectRef idx="0">
-        <a:scrgbClr r="0" g="0" b="0"/>
-      </a:effectRef>
-      <a:fontRef idx="minor"/>
-    </dgm:style>
-  </dgm:styleLbl>
-  <dgm:styleLbl name="fgAcc2">
-    <dgm:scene3d>
-      <a:camera prst="orthographicFront"/>
-      <a:lightRig rig="threePt" dir="t"/>
-    </dgm:scene3d>
-    <dgm:sp3d/>
-    <dgm:txPr/>
-    <dgm:style>
-      <a:lnRef idx="2">
-        <a:scrgbClr r="0" g="0" b="0"/>
-      </a:lnRef>
-      <a:fillRef idx="1">
-        <a:scrgbClr r="0" g="0" b="0"/>
-      </a:fillRef>
-      <a:effectRef idx="0">
-        <a:scrgbClr r="0" g="0" b="0"/>
-      </a:effectRef>
-      <a:fontRef idx="minor"/>
-    </dgm:style>
-  </dgm:styleLbl>
-  <dgm:styleLbl name="fgAcc3">
-    <dgm:scene3d>
-      <a:camera prst="orthographicFront"/>
-      <a:lightRig rig="threePt" dir="t"/>
-    </dgm:scene3d>
-    <dgm:sp3d/>
-    <dgm:txPr/>
-    <dgm:style>
-      <a:lnRef idx="2">
-        <a:scrgbClr r="0" g="0" b="0"/>
-      </a:lnRef>
-      <a:fillRef idx="1">
-        <a:scrgbClr r="0" g="0" b="0"/>
-      </a:fillRef>
-      <a:effectRef idx="0">
-        <a:scrgbClr r="0" g="0" b="0"/>
-      </a:effectRef>
-      <a:fontRef idx="minor"/>
-    </dgm:style>
-  </dgm:styleLbl>
-  <dgm:styleLbl name="fgAcc4">
-    <dgm:scene3d>
-      <a:camera prst="orthographicFront"/>
-      <a:lightRig rig="threePt" dir="t"/>
-    </dgm:scene3d>
-    <dgm:sp3d/>
-    <dgm:txPr/>
-    <dgm:style>
-      <a:lnRef idx="2">
-        <a:scrgbClr r="0" g="0" b="0"/>
-      </a:lnRef>
-      <a:fillRef idx="1">
-        <a:scrgbClr r="0" g="0" b="0"/>
-      </a:fillRef>
-      <a:effectRef idx="0">
-        <a:scrgbClr r="0" g="0" b="0"/>
-      </a:effectRef>
-      <a:fontRef idx="minor"/>
-    </dgm:style>
-  </dgm:styleLbl>
-  <dgm:styleLbl name="bgShp">
-    <dgm:scene3d>
-      <a:camera prst="orthographicFront"/>
-      <a:lightRig rig="threePt" dir="t"/>
-    </dgm:scene3d>
-    <dgm:sp3d/>
-    <dgm:txPr/>
-    <dgm:style>
-      <a:lnRef idx="0">
-        <a:scrgbClr r="0" g="0" b="0"/>
-      </a:lnRef>
-      <a:fillRef idx="1">
-        <a:scrgbClr r="0" g="0" b="0"/>
-      </a:fillRef>
-      <a:effectRef idx="0">
-        <a:scrgbClr r="0" g="0" b="0"/>
-      </a:effectRef>
-      <a:fontRef idx="minor"/>
-    </dgm:style>
-  </dgm:styleLbl>
-  <dgm:styleLbl name="dkBgShp">
-    <dgm:scene3d>
-      <a:camera prst="orthographicFront"/>
-      <a:lightRig rig="threePt" dir="t"/>
-    </dgm:scene3d>
-    <dgm:sp3d/>
-    <dgm:txPr/>
-    <dgm:style>
-      <a:lnRef idx="0">
-        <a:scrgbClr r="0" g="0" b="0"/>
-      </a:lnRef>
-      <a:fillRef idx="1">
-        <a:scrgbClr r="0" g="0" b="0"/>
-      </a:fillRef>
-      <a:effectRef idx="0">
-        <a:scrgbClr r="0" g="0" b="0"/>
-      </a:effectRef>
-      <a:fontRef idx="minor"/>
-    </dgm:style>
-  </dgm:styleLbl>
-  <dgm:styleLbl name="trBgShp">
-    <dgm:scene3d>
-      <a:camera prst="orthographicFront"/>
-      <a:lightRig rig="threePt" dir="t"/>
-    </dgm:scene3d>
-    <dgm:sp3d/>
-    <dgm:txPr/>
-    <dgm:style>
-      <a:lnRef idx="0">
-        <a:scrgbClr r="0" g="0" b="0"/>
-      </a:lnRef>
-      <a:fillRef idx="1">
-        <a:scrgbClr r="0" g="0" b="0"/>
-      </a:fillRef>
-      <a:effectRef idx="0">
-        <a:scrgbClr r="0" g="0" b="0"/>
-      </a:effectRef>
-      <a:fontRef idx="minor"/>
-    </dgm:style>
-  </dgm:styleLbl>
-  <dgm:styleLbl name="fgShp">
-    <dgm:scene3d>
-      <a:camera prst="orthographicFront"/>
-      <a:lightRig rig="threePt" dir="t"/>
-    </dgm:scene3d>
-    <dgm:sp3d/>
-    <dgm:txPr/>
-    <dgm:style>
-      <a:lnRef idx="2">
-        <a:scrgbClr r="0" g="0" b="0"/>
-      </a:lnRef>
-      <a:fillRef idx="1">
-        <a:scrgbClr r="0" g="0" b="0"/>
-      </a:fillRef>
-      <a:effectRef idx="0">
-        <a:scrgbClr r="0" g="0" b="0"/>
-      </a:effectRef>
-      <a:fontRef idx="minor"/>
-    </dgm:style>
-  </dgm:styleLbl>
-  <dgm:styleLbl name="revTx">
-    <dgm:scene3d>
-      <a:camera prst="orthographicFront"/>
-      <a:lightRig rig="threePt" dir="t"/>
-    </dgm:scene3d>
-    <dgm:sp3d/>
-    <dgm:txPr/>
-    <dgm:style>
-      <a:lnRef idx="0">
-        <a:scrgbClr r="0" g="0" b="0"/>
-      </a:lnRef>
-      <a:fillRef idx="0">
-        <a:scrgbClr r="0" g="0" b="0"/>
-      </a:fillRef>
-      <a:effectRef idx="0">
-        <a:scrgbClr r="0" g="0" b="0"/>
-      </a:effectRef>
-      <a:fontRef idx="minor"/>
-    </dgm:style>
-  </dgm:styleLbl>
-</dgm:styleDef>
-</file>
-
-<file path=ppt/diagrams/quickStyle4.xml><?xml version="1.0" encoding="utf-8"?>
 <dgm:styleDef xmlns:dgm="http://schemas.openxmlformats.org/drawingml/2006/diagram" xmlns:a="http://schemas.openxmlformats.org/drawingml/2006/main" uniqueId="urn:microsoft.com/office/officeart/2005/8/quickstyle/simple1">
   <dgm:title val=""/>
   <dgm:desc val=""/>
@@ -14359,7 +7192,7 @@
           <a:p>
             <a:fld id="{70711676-1DE2-458B-90FC-D5D4D01EA265}" type="datetimeFigureOut">
               <a:rPr lang="en-US" smtClean="0"/>
-              <a:t>12/8/2019</a:t>
+              <a:t>19|12|8</a:t>
             </a:fld>
             <a:endParaRPr lang="en-US"/>
           </a:p>
@@ -14981,90 +7814,6 @@
 </p:notes>
 </file>
 
-<file path=ppt/notesSlides/notesSlide5.xml><?xml version="1.0" encoding="utf-8"?>
-<p:notes xmlns:a="http://schemas.openxmlformats.org/drawingml/2006/main" xmlns:r="http://schemas.openxmlformats.org/officeDocument/2006/relationships" xmlns:p="http://schemas.openxmlformats.org/presentationml/2006/main">
-  <p:cSld>
-    <p:spTree>
-      <p:nvGrpSpPr>
-        <p:cNvPr id="1" name=""/>
-        <p:cNvGrpSpPr/>
-        <p:nvPr/>
-      </p:nvGrpSpPr>
-      <p:grpSpPr>
-        <a:xfrm>
-          <a:off x="0" y="0"/>
-          <a:ext cx="0" cy="0"/>
-          <a:chOff x="0" y="0"/>
-          <a:chExt cx="0" cy="0"/>
-        </a:xfrm>
-      </p:grpSpPr>
-      <p:sp>
-        <p:nvSpPr>
-          <p:cNvPr id="2" name="Slide Image Placeholder 1"/>
-          <p:cNvSpPr>
-            <a:spLocks noGrp="1" noRot="1" noChangeAspect="1"/>
-          </p:cNvSpPr>
-          <p:nvPr>
-            <p:ph type="sldImg"/>
-          </p:nvPr>
-        </p:nvSpPr>
-        <p:spPr/>
-      </p:sp>
-      <p:sp>
-        <p:nvSpPr>
-          <p:cNvPr id="3" name="Notes Placeholder 2"/>
-          <p:cNvSpPr>
-            <a:spLocks noGrp="1"/>
-          </p:cNvSpPr>
-          <p:nvPr>
-            <p:ph type="body" idx="1"/>
-          </p:nvPr>
-        </p:nvSpPr>
-        <p:spPr/>
-        <p:txBody>
-          <a:bodyPr/>
-          <a:lstStyle/>
-          <a:p>
-            <a:endParaRPr lang="en-US" dirty="0"/>
-          </a:p>
-        </p:txBody>
-      </p:sp>
-      <p:sp>
-        <p:nvSpPr>
-          <p:cNvPr id="4" name="Slide Number Placeholder 3"/>
-          <p:cNvSpPr>
-            <a:spLocks noGrp="1"/>
-          </p:cNvSpPr>
-          <p:nvPr>
-            <p:ph type="sldNum" sz="quarter" idx="10"/>
-          </p:nvPr>
-        </p:nvSpPr>
-        <p:spPr/>
-        <p:txBody>
-          <a:bodyPr/>
-          <a:lstStyle/>
-          <a:p>
-            <a:fld id="{76E79186-0F7F-4415-A6CE-613EF7028156}" type="slidenum">
-              <a:rPr lang="en-US" smtClean="0"/>
-              <a:t>10</a:t>
-            </a:fld>
-            <a:endParaRPr lang="en-US"/>
-          </a:p>
-        </p:txBody>
-      </p:sp>
-    </p:spTree>
-    <p:extLst>
-      <p:ext uri="{BB962C8B-B14F-4D97-AF65-F5344CB8AC3E}">
-        <p14:creationId xmlns:p14="http://schemas.microsoft.com/office/powerpoint/2010/main" val="359605841"/>
-      </p:ext>
-    </p:extLst>
-  </p:cSld>
-  <p:clrMapOvr>
-    <a:masterClrMapping/>
-  </p:clrMapOvr>
-</p:notes>
-</file>
-
 <file path=ppt/slideLayouts/slideLayout1.xml><?xml version="1.0" encoding="utf-8"?>
 <p:sldLayout xmlns:a="http://schemas.openxmlformats.org/drawingml/2006/main" xmlns:r="http://schemas.openxmlformats.org/officeDocument/2006/relationships" xmlns:p="http://schemas.openxmlformats.org/presentationml/2006/main" type="title" preserve="1">
   <p:cSld name="Title Slide">
@@ -15194,7 +7943,7 @@
           <a:p>
             <a:fld id="{EF60C9F4-19BA-40F2-B011-90CF0A2B4916}" type="datetimeFigureOut">
               <a:rPr lang="en-US" smtClean="0"/>
-              <a:t>12/8/2019</a:t>
+              <a:t>19|12|8</a:t>
             </a:fld>
             <a:endParaRPr lang="en-US"/>
           </a:p>
@@ -15362,7 +8111,7 @@
           <a:p>
             <a:fld id="{EF60C9F4-19BA-40F2-B011-90CF0A2B4916}" type="datetimeFigureOut">
               <a:rPr lang="en-US" smtClean="0"/>
-              <a:t>12/8/2019</a:t>
+              <a:t>19|12|8</a:t>
             </a:fld>
             <a:endParaRPr lang="en-US"/>
           </a:p>
@@ -15540,7 +8289,7 @@
           <a:p>
             <a:fld id="{EF60C9F4-19BA-40F2-B011-90CF0A2B4916}" type="datetimeFigureOut">
               <a:rPr lang="en-US" smtClean="0"/>
-              <a:t>12/8/2019</a:t>
+              <a:t>19|12|8</a:t>
             </a:fld>
             <a:endParaRPr lang="en-US"/>
           </a:p>
@@ -15708,7 +8457,7 @@
           <a:p>
             <a:fld id="{EF60C9F4-19BA-40F2-B011-90CF0A2B4916}" type="datetimeFigureOut">
               <a:rPr lang="en-US" smtClean="0"/>
-              <a:t>12/8/2019</a:t>
+              <a:t>19|12|8</a:t>
             </a:fld>
             <a:endParaRPr lang="en-US"/>
           </a:p>
@@ -15953,7 +8702,7 @@
           <a:p>
             <a:fld id="{EF60C9F4-19BA-40F2-B011-90CF0A2B4916}" type="datetimeFigureOut">
               <a:rPr lang="en-US" smtClean="0"/>
-              <a:t>12/8/2019</a:t>
+              <a:t>19|12|8</a:t>
             </a:fld>
             <a:endParaRPr lang="en-US"/>
           </a:p>
@@ -16182,7 +8931,7 @@
           <a:p>
             <a:fld id="{EF60C9F4-19BA-40F2-B011-90CF0A2B4916}" type="datetimeFigureOut">
               <a:rPr lang="en-US" smtClean="0"/>
-              <a:t>12/8/2019</a:t>
+              <a:t>19|12|8</a:t>
             </a:fld>
             <a:endParaRPr lang="en-US"/>
           </a:p>
@@ -16546,7 +9295,7 @@
           <a:p>
             <a:fld id="{EF60C9F4-19BA-40F2-B011-90CF0A2B4916}" type="datetimeFigureOut">
               <a:rPr lang="en-US" smtClean="0"/>
-              <a:t>12/8/2019</a:t>
+              <a:t>19|12|8</a:t>
             </a:fld>
             <a:endParaRPr lang="en-US"/>
           </a:p>
@@ -16663,7 +9412,7 @@
           <a:p>
             <a:fld id="{EF60C9F4-19BA-40F2-B011-90CF0A2B4916}" type="datetimeFigureOut">
               <a:rPr lang="en-US" smtClean="0"/>
-              <a:t>12/8/2019</a:t>
+              <a:t>19|12|8</a:t>
             </a:fld>
             <a:endParaRPr lang="en-US"/>
           </a:p>
@@ -16758,7 +9507,7 @@
           <a:p>
             <a:fld id="{EF60C9F4-19BA-40F2-B011-90CF0A2B4916}" type="datetimeFigureOut">
               <a:rPr lang="en-US" smtClean="0"/>
-              <a:t>12/8/2019</a:t>
+              <a:t>19|12|8</a:t>
             </a:fld>
             <a:endParaRPr lang="en-US"/>
           </a:p>
@@ -17033,7 +9782,7 @@
           <a:p>
             <a:fld id="{EF60C9F4-19BA-40F2-B011-90CF0A2B4916}" type="datetimeFigureOut">
               <a:rPr lang="en-US" smtClean="0"/>
-              <a:t>12/8/2019</a:t>
+              <a:t>19|12|8</a:t>
             </a:fld>
             <a:endParaRPr lang="en-US"/>
           </a:p>
@@ -17285,7 +10034,7 @@
           <a:p>
             <a:fld id="{EF60C9F4-19BA-40F2-B011-90CF0A2B4916}" type="datetimeFigureOut">
               <a:rPr lang="en-US" smtClean="0"/>
-              <a:t>12/8/2019</a:t>
+              <a:t>19|12|8</a:t>
             </a:fld>
             <a:endParaRPr lang="en-US"/>
           </a:p>
@@ -17496,7 +10245,7 @@
           <a:p>
             <a:fld id="{EF60C9F4-19BA-40F2-B011-90CF0A2B4916}" type="datetimeFigureOut">
               <a:rPr lang="en-US" smtClean="0"/>
-              <a:t>12/8/2019</a:t>
+              <a:t>19|12|8</a:t>
             </a:fld>
             <a:endParaRPr lang="en-US"/>
           </a:p>
@@ -18121,2460 +10870,6 @@
         <p:cTn id="1" dur="indefinite" restart="never" nodeType="tmRoot"/>
       </p:par>
     </p:tnLst>
-  </p:timing>
-</p:sld>
-</file>
-
-<file path=ppt/slides/slide10.xml><?xml version="1.0" encoding="utf-8"?>
-<p:sld xmlns:a="http://schemas.openxmlformats.org/drawingml/2006/main" xmlns:r="http://schemas.openxmlformats.org/officeDocument/2006/relationships" xmlns:p="http://schemas.openxmlformats.org/presentationml/2006/main">
-  <p:cSld>
-    <p:spTree>
-      <p:nvGrpSpPr>
-        <p:cNvPr id="1" name=""/>
-        <p:cNvGrpSpPr/>
-        <p:nvPr/>
-      </p:nvGrpSpPr>
-      <p:grpSpPr>
-        <a:xfrm>
-          <a:off x="0" y="0"/>
-          <a:ext cx="0" cy="0"/>
-          <a:chOff x="0" y="0"/>
-          <a:chExt cx="0" cy="0"/>
-        </a:xfrm>
-      </p:grpSpPr>
-      <p:sp>
-        <p:nvSpPr>
-          <p:cNvPr id="2" name="Title 1"/>
-          <p:cNvSpPr>
-            <a:spLocks noGrp="1"/>
-          </p:cNvSpPr>
-          <p:nvPr>
-            <p:ph type="title"/>
-          </p:nvPr>
-        </p:nvSpPr>
-        <p:spPr>
-          <a:xfrm>
-            <a:off x="838200" y="365125"/>
-            <a:ext cx="4115937" cy="1325563"/>
-          </a:xfrm>
-        </p:spPr>
-        <p:txBody>
-          <a:bodyPr/>
-          <a:lstStyle/>
-          <a:p>
-            <a:r>
-              <a:rPr lang="en-US" dirty="0" smtClean="0"/>
-              <a:t>Features</a:t>
-            </a:r>
-            <a:r>
-              <a:rPr lang="en-US" dirty="0" smtClean="0"/>
-              <a:t> of XP</a:t>
-            </a:r>
-            <a:endParaRPr lang="en-US" dirty="0"/>
-          </a:p>
-        </p:txBody>
-      </p:sp>
-      <p:sp>
-        <p:nvSpPr>
-          <p:cNvPr id="3" name="Content Placeholder 2"/>
-          <p:cNvSpPr>
-            <a:spLocks noGrp="1"/>
-          </p:cNvSpPr>
-          <p:nvPr>
-            <p:ph idx="1"/>
-          </p:nvPr>
-        </p:nvSpPr>
-        <p:spPr>
-          <a:xfrm>
-            <a:off x="838200" y="1825625"/>
-            <a:ext cx="3856630" cy="4351338"/>
-          </a:xfrm>
-        </p:spPr>
-        <p:txBody>
-          <a:bodyPr/>
-          <a:lstStyle/>
-          <a:p>
-            <a:r>
-              <a:rPr lang="en-US" dirty="0" smtClean="0"/>
-              <a:t>Pair programming</a:t>
-            </a:r>
-          </a:p>
-          <a:p>
-            <a:r>
-              <a:rPr lang="en-US" dirty="0" smtClean="0"/>
-              <a:t>Code review</a:t>
-            </a:r>
-          </a:p>
-          <a:p>
-            <a:r>
-              <a:rPr lang="en-US" dirty="0"/>
-              <a:t>T</a:t>
-            </a:r>
-            <a:r>
-              <a:rPr lang="en-US" dirty="0" smtClean="0"/>
-              <a:t>esting</a:t>
-            </a:r>
-          </a:p>
-          <a:p>
-            <a:r>
-              <a:rPr lang="en-US" dirty="0" smtClean="0"/>
-              <a:t>Quick Releases</a:t>
-            </a:r>
-            <a:endParaRPr lang="en-US" dirty="0" smtClean="0"/>
-          </a:p>
-          <a:p>
-            <a:r>
-              <a:rPr lang="en-US" dirty="0" smtClean="0"/>
-              <a:t>Refactoring</a:t>
-            </a:r>
-          </a:p>
-          <a:p>
-            <a:r>
-              <a:rPr lang="en-US" dirty="0" smtClean="0"/>
-              <a:t>Metaphor</a:t>
-            </a:r>
-            <a:endParaRPr lang="en-US" dirty="0" smtClean="0"/>
-          </a:p>
-        </p:txBody>
-      </p:sp>
-      <p:pic>
-        <p:nvPicPr>
-          <p:cNvPr id="5" name="Picture 4"/>
-          <p:cNvPicPr>
-            <a:picLocks noChangeAspect="1"/>
-          </p:cNvPicPr>
-          <p:nvPr/>
-        </p:nvPicPr>
-        <p:blipFill>
-          <a:blip r:embed="rId3">
-            <a:extLst>
-              <a:ext uri="{28A0092B-C50C-407E-A947-70E740481C1C}">
-                <a14:useLocalDpi xmlns:a14="http://schemas.microsoft.com/office/drawing/2010/main" val="0"/>
-              </a:ext>
-            </a:extLst>
-          </a:blip>
-          <a:stretch>
-            <a:fillRect/>
-          </a:stretch>
-        </p:blipFill>
-        <p:spPr>
-          <a:xfrm>
-            <a:off x="4409226" y="0"/>
-            <a:ext cx="7467877" cy="6858000"/>
-          </a:xfrm>
-          <a:prstGeom prst="rect">
-            <a:avLst/>
-          </a:prstGeom>
-        </p:spPr>
-      </p:pic>
-    </p:spTree>
-    <p:extLst>
-      <p:ext uri="{BB962C8B-B14F-4D97-AF65-F5344CB8AC3E}">
-        <p14:creationId xmlns:p14="http://schemas.microsoft.com/office/powerpoint/2010/main" val="732434527"/>
-      </p:ext>
-    </p:extLst>
-  </p:cSld>
-  <p:clrMapOvr>
-    <a:masterClrMapping/>
-  </p:clrMapOvr>
-  <p:timing>
-    <p:tnLst>
-      <p:par>
-        <p:cTn id="1" dur="indefinite" restart="never" nodeType="tmRoot">
-          <p:childTnLst>
-            <p:seq concurrent="1" nextAc="seek">
-              <p:cTn id="2" dur="indefinite" nodeType="mainSeq">
-                <p:childTnLst>
-                  <p:par>
-                    <p:cTn id="3" fill="hold">
-                      <p:stCondLst>
-                        <p:cond delay="indefinite"/>
-                      </p:stCondLst>
-                      <p:childTnLst>
-                        <p:par>
-                          <p:cTn id="4" fill="hold">
-                            <p:stCondLst>
-                              <p:cond delay="0"/>
-                            </p:stCondLst>
-                            <p:childTnLst>
-                              <p:par>
-                                <p:cTn id="5" presetID="1" presetClass="entr" presetSubtype="0" fill="hold" grpId="0" nodeType="clickEffect">
-                                  <p:stCondLst>
-                                    <p:cond delay="0"/>
-                                  </p:stCondLst>
-                                  <p:childTnLst>
-                                    <p:set>
-                                      <p:cBhvr>
-                                        <p:cTn id="6" dur="1" fill="hold">
-                                          <p:stCondLst>
-                                            <p:cond delay="0"/>
-                                          </p:stCondLst>
-                                        </p:cTn>
-                                        <p:tgtEl>
-                                          <p:spTgt spid="2"/>
-                                        </p:tgtEl>
-                                        <p:attrNameLst>
-                                          <p:attrName>style.visibility</p:attrName>
-                                        </p:attrNameLst>
-                                      </p:cBhvr>
-                                      <p:to>
-                                        <p:strVal val="visible"/>
-                                      </p:to>
-                                    </p:set>
-                                  </p:childTnLst>
-                                </p:cTn>
-                              </p:par>
-                            </p:childTnLst>
-                          </p:cTn>
-                        </p:par>
-                      </p:childTnLst>
-                    </p:cTn>
-                  </p:par>
-                  <p:par>
-                    <p:cTn id="7" fill="hold">
-                      <p:stCondLst>
-                        <p:cond delay="indefinite"/>
-                      </p:stCondLst>
-                      <p:childTnLst>
-                        <p:par>
-                          <p:cTn id="8" fill="hold">
-                            <p:stCondLst>
-                              <p:cond delay="0"/>
-                            </p:stCondLst>
-                            <p:childTnLst>
-                              <p:par>
-                                <p:cTn id="9" presetID="1" presetClass="entr" presetSubtype="0" fill="hold" nodeType="clickEffect">
-                                  <p:stCondLst>
-                                    <p:cond delay="0"/>
-                                  </p:stCondLst>
-                                  <p:childTnLst>
-                                    <p:set>
-                                      <p:cBhvr>
-                                        <p:cTn id="10" dur="1" fill="hold">
-                                          <p:stCondLst>
-                                            <p:cond delay="0"/>
-                                          </p:stCondLst>
-                                        </p:cTn>
-                                        <p:tgtEl>
-                                          <p:spTgt spid="3">
-                                            <p:txEl>
-                                              <p:pRg st="0" end="0"/>
-                                            </p:txEl>
-                                          </p:spTgt>
-                                        </p:tgtEl>
-                                        <p:attrNameLst>
-                                          <p:attrName>style.visibility</p:attrName>
-                                        </p:attrNameLst>
-                                      </p:cBhvr>
-                                      <p:to>
-                                        <p:strVal val="visible"/>
-                                      </p:to>
-                                    </p:set>
-                                  </p:childTnLst>
-                                </p:cTn>
-                              </p:par>
-                              <p:par>
-                                <p:cTn id="11" presetID="1" presetClass="entr" presetSubtype="0" fill="hold" nodeType="withEffect">
-                                  <p:stCondLst>
-                                    <p:cond delay="0"/>
-                                  </p:stCondLst>
-                                  <p:childTnLst>
-                                    <p:set>
-                                      <p:cBhvr>
-                                        <p:cTn id="12" dur="1" fill="hold">
-                                          <p:stCondLst>
-                                            <p:cond delay="0"/>
-                                          </p:stCondLst>
-                                        </p:cTn>
-                                        <p:tgtEl>
-                                          <p:spTgt spid="3">
-                                            <p:txEl>
-                                              <p:pRg st="1" end="1"/>
-                                            </p:txEl>
-                                          </p:spTgt>
-                                        </p:tgtEl>
-                                        <p:attrNameLst>
-                                          <p:attrName>style.visibility</p:attrName>
-                                        </p:attrNameLst>
-                                      </p:cBhvr>
-                                      <p:to>
-                                        <p:strVal val="visible"/>
-                                      </p:to>
-                                    </p:set>
-                                  </p:childTnLst>
-                                </p:cTn>
-                              </p:par>
-                              <p:par>
-                                <p:cTn id="13" presetID="1" presetClass="entr" presetSubtype="0" fill="hold" nodeType="withEffect">
-                                  <p:stCondLst>
-                                    <p:cond delay="0"/>
-                                  </p:stCondLst>
-                                  <p:childTnLst>
-                                    <p:set>
-                                      <p:cBhvr>
-                                        <p:cTn id="14" dur="1" fill="hold">
-                                          <p:stCondLst>
-                                            <p:cond delay="0"/>
-                                          </p:stCondLst>
-                                        </p:cTn>
-                                        <p:tgtEl>
-                                          <p:spTgt spid="3">
-                                            <p:txEl>
-                                              <p:pRg st="2" end="2"/>
-                                            </p:txEl>
-                                          </p:spTgt>
-                                        </p:tgtEl>
-                                        <p:attrNameLst>
-                                          <p:attrName>style.visibility</p:attrName>
-                                        </p:attrNameLst>
-                                      </p:cBhvr>
-                                      <p:to>
-                                        <p:strVal val="visible"/>
-                                      </p:to>
-                                    </p:set>
-                                  </p:childTnLst>
-                                </p:cTn>
-                              </p:par>
-                              <p:par>
-                                <p:cTn id="15" presetID="1" presetClass="entr" presetSubtype="0" fill="hold" nodeType="withEffect">
-                                  <p:stCondLst>
-                                    <p:cond delay="0"/>
-                                  </p:stCondLst>
-                                  <p:childTnLst>
-                                    <p:set>
-                                      <p:cBhvr>
-                                        <p:cTn id="16" dur="1" fill="hold">
-                                          <p:stCondLst>
-                                            <p:cond delay="0"/>
-                                          </p:stCondLst>
-                                        </p:cTn>
-                                        <p:tgtEl>
-                                          <p:spTgt spid="3">
-                                            <p:txEl>
-                                              <p:pRg st="3" end="3"/>
-                                            </p:txEl>
-                                          </p:spTgt>
-                                        </p:tgtEl>
-                                        <p:attrNameLst>
-                                          <p:attrName>style.visibility</p:attrName>
-                                        </p:attrNameLst>
-                                      </p:cBhvr>
-                                      <p:to>
-                                        <p:strVal val="visible"/>
-                                      </p:to>
-                                    </p:set>
-                                  </p:childTnLst>
-                                </p:cTn>
-                              </p:par>
-                              <p:par>
-                                <p:cTn id="17" presetID="1" presetClass="entr" presetSubtype="0" fill="hold" nodeType="withEffect">
-                                  <p:stCondLst>
-                                    <p:cond delay="0"/>
-                                  </p:stCondLst>
-                                  <p:childTnLst>
-                                    <p:set>
-                                      <p:cBhvr>
-                                        <p:cTn id="18" dur="1" fill="hold">
-                                          <p:stCondLst>
-                                            <p:cond delay="0"/>
-                                          </p:stCondLst>
-                                        </p:cTn>
-                                        <p:tgtEl>
-                                          <p:spTgt spid="3">
-                                            <p:txEl>
-                                              <p:pRg st="4" end="4"/>
-                                            </p:txEl>
-                                          </p:spTgt>
-                                        </p:tgtEl>
-                                        <p:attrNameLst>
-                                          <p:attrName>style.visibility</p:attrName>
-                                        </p:attrNameLst>
-                                      </p:cBhvr>
-                                      <p:to>
-                                        <p:strVal val="visible"/>
-                                      </p:to>
-                                    </p:set>
-                                  </p:childTnLst>
-                                </p:cTn>
-                              </p:par>
-                              <p:par>
-                                <p:cTn id="19" presetID="1" presetClass="entr" presetSubtype="0" fill="hold" nodeType="withEffect">
-                                  <p:stCondLst>
-                                    <p:cond delay="0"/>
-                                  </p:stCondLst>
-                                  <p:childTnLst>
-                                    <p:set>
-                                      <p:cBhvr>
-                                        <p:cTn id="20" dur="1" fill="hold">
-                                          <p:stCondLst>
-                                            <p:cond delay="0"/>
-                                          </p:stCondLst>
-                                        </p:cTn>
-                                        <p:tgtEl>
-                                          <p:spTgt spid="3">
-                                            <p:txEl>
-                                              <p:pRg st="5" end="5"/>
-                                            </p:txEl>
-                                          </p:spTgt>
-                                        </p:tgtEl>
-                                        <p:attrNameLst>
-                                          <p:attrName>style.visibility</p:attrName>
-                                        </p:attrNameLst>
-                                      </p:cBhvr>
-                                      <p:to>
-                                        <p:strVal val="visible"/>
-                                      </p:to>
-                                    </p:set>
-                                  </p:childTnLst>
-                                </p:cTn>
-                              </p:par>
-                            </p:childTnLst>
-                          </p:cTn>
-                        </p:par>
-                      </p:childTnLst>
-                    </p:cTn>
-                  </p:par>
-                </p:childTnLst>
-              </p:cTn>
-              <p:prevCondLst>
-                <p:cond evt="onPrev" delay="0">
-                  <p:tgtEl>
-                    <p:sldTgt/>
-                  </p:tgtEl>
-                </p:cond>
-              </p:prevCondLst>
-              <p:nextCondLst>
-                <p:cond evt="onNext" delay="0">
-                  <p:tgtEl>
-                    <p:sldTgt/>
-                  </p:tgtEl>
-                </p:cond>
-              </p:nextCondLst>
-            </p:seq>
-          </p:childTnLst>
-        </p:cTn>
-      </p:par>
-    </p:tnLst>
-    <p:bldLst>
-      <p:bldP spid="2" grpId="0"/>
-    </p:bldLst>
-  </p:timing>
-</p:sld>
-</file>
-
-<file path=ppt/slides/slide11.xml><?xml version="1.0" encoding="utf-8"?>
-<p:sld xmlns:a="http://schemas.openxmlformats.org/drawingml/2006/main" xmlns:r="http://schemas.openxmlformats.org/officeDocument/2006/relationships" xmlns:p="http://schemas.openxmlformats.org/presentationml/2006/main">
-  <p:cSld>
-    <p:spTree>
-      <p:nvGrpSpPr>
-        <p:cNvPr id="1" name=""/>
-        <p:cNvGrpSpPr/>
-        <p:nvPr/>
-      </p:nvGrpSpPr>
-      <p:grpSpPr>
-        <a:xfrm>
-          <a:off x="0" y="0"/>
-          <a:ext cx="0" cy="0"/>
-          <a:chOff x="0" y="0"/>
-          <a:chExt cx="0" cy="0"/>
-        </a:xfrm>
-      </p:grpSpPr>
-      <p:sp>
-        <p:nvSpPr>
-          <p:cNvPr id="2" name="Title 1"/>
-          <p:cNvSpPr>
-            <a:spLocks noGrp="1"/>
-          </p:cNvSpPr>
-          <p:nvPr>
-            <p:ph type="title"/>
-          </p:nvPr>
-        </p:nvSpPr>
-        <p:spPr/>
-        <p:txBody>
-          <a:bodyPr/>
-          <a:lstStyle/>
-          <a:p>
-            <a:r>
-              <a:rPr lang="en-US" dirty="0" smtClean="0"/>
-              <a:t>Pair </a:t>
-            </a:r>
-            <a:r>
-              <a:rPr lang="en-US" dirty="0" smtClean="0"/>
-              <a:t>Programming</a:t>
-            </a:r>
-            <a:endParaRPr lang="en-US" dirty="0"/>
-          </a:p>
-        </p:txBody>
-      </p:sp>
-      <p:sp>
-        <p:nvSpPr>
-          <p:cNvPr id="3" name="Content Placeholder 2"/>
-          <p:cNvSpPr>
-            <a:spLocks noGrp="1"/>
-          </p:cNvSpPr>
-          <p:nvPr>
-            <p:ph idx="1"/>
-          </p:nvPr>
-        </p:nvSpPr>
-        <p:spPr>
-          <a:xfrm>
-            <a:off x="838200" y="1690689"/>
-            <a:ext cx="10515600" cy="4486274"/>
-          </a:xfrm>
-        </p:spPr>
-        <p:txBody>
-          <a:bodyPr/>
-          <a:lstStyle/>
-          <a:p>
-            <a:r>
-              <a:rPr lang="en-US" dirty="0"/>
-              <a:t>Two people working in the same computer.</a:t>
-            </a:r>
-          </a:p>
-          <a:p>
-            <a:r>
-              <a:rPr lang="en-US" dirty="0"/>
-              <a:t>Less time , less error (efficient)</a:t>
-            </a:r>
-          </a:p>
-          <a:p>
-            <a:r>
-              <a:rPr lang="en-US" dirty="0"/>
-              <a:t>Navigator directs overall </a:t>
-            </a:r>
-            <a:endParaRPr lang="en-US" dirty="0" smtClean="0"/>
-          </a:p>
-          <a:p>
-            <a:pPr marL="0" indent="0">
-              <a:buNone/>
-            </a:pPr>
-            <a:r>
-              <a:rPr lang="en-US" dirty="0" smtClean="0"/>
-              <a:t>     objective </a:t>
-            </a:r>
-            <a:r>
-              <a:rPr lang="en-US" dirty="0"/>
-              <a:t>of the program.</a:t>
-            </a:r>
-          </a:p>
-          <a:p>
-            <a:r>
-              <a:rPr lang="en-US" dirty="0"/>
-              <a:t>Knowledge is shared.</a:t>
-            </a:r>
-          </a:p>
-          <a:p>
-            <a:r>
-              <a:rPr lang="en-US" dirty="0"/>
-              <a:t>Expert and novice pairing.</a:t>
-            </a:r>
-          </a:p>
-          <a:p>
-            <a:endParaRPr lang="en-US" dirty="0" smtClean="0"/>
-          </a:p>
-        </p:txBody>
-      </p:sp>
-      <p:pic>
-        <p:nvPicPr>
-          <p:cNvPr id="4" name="Picture 3"/>
-          <p:cNvPicPr>
-            <a:picLocks noChangeAspect="1"/>
-          </p:cNvPicPr>
-          <p:nvPr/>
-        </p:nvPicPr>
-        <p:blipFill>
-          <a:blip r:embed="rId2" cstate="print">
-            <a:extLst>
-              <a:ext uri="{28A0092B-C50C-407E-A947-70E740481C1C}">
-                <a14:useLocalDpi xmlns:a14="http://schemas.microsoft.com/office/drawing/2010/main" val="0"/>
-              </a:ext>
-            </a:extLst>
-          </a:blip>
-          <a:stretch>
-            <a:fillRect/>
-          </a:stretch>
-        </p:blipFill>
-        <p:spPr>
-          <a:xfrm>
-            <a:off x="6331424" y="2324443"/>
-            <a:ext cx="5022376" cy="4094328"/>
-          </a:xfrm>
-          <a:prstGeom prst="rect">
-            <a:avLst/>
-          </a:prstGeom>
-        </p:spPr>
-      </p:pic>
-    </p:spTree>
-    <p:extLst>
-      <p:ext uri="{BB962C8B-B14F-4D97-AF65-F5344CB8AC3E}">
-        <p14:creationId xmlns:p14="http://schemas.microsoft.com/office/powerpoint/2010/main" val="2540507008"/>
-      </p:ext>
-    </p:extLst>
-  </p:cSld>
-  <p:clrMapOvr>
-    <a:masterClrMapping/>
-  </p:clrMapOvr>
-  <p:timing>
-    <p:tnLst>
-      <p:par>
-        <p:cTn id="1" dur="indefinite" restart="never" nodeType="tmRoot">
-          <p:childTnLst>
-            <p:seq concurrent="1" nextAc="seek">
-              <p:cTn id="2" dur="indefinite" nodeType="mainSeq">
-                <p:childTnLst>
-                  <p:par>
-                    <p:cTn id="3" fill="hold">
-                      <p:stCondLst>
-                        <p:cond delay="indefinite"/>
-                      </p:stCondLst>
-                      <p:childTnLst>
-                        <p:par>
-                          <p:cTn id="4" fill="hold">
-                            <p:stCondLst>
-                              <p:cond delay="0"/>
-                            </p:stCondLst>
-                            <p:childTnLst>
-                              <p:par>
-                                <p:cTn id="5" presetID="1" presetClass="entr" presetSubtype="0" fill="hold" grpId="0" nodeType="clickEffect">
-                                  <p:stCondLst>
-                                    <p:cond delay="0"/>
-                                  </p:stCondLst>
-                                  <p:childTnLst>
-                                    <p:set>
-                                      <p:cBhvr>
-                                        <p:cTn id="6" dur="1" fill="hold">
-                                          <p:stCondLst>
-                                            <p:cond delay="0"/>
-                                          </p:stCondLst>
-                                        </p:cTn>
-                                        <p:tgtEl>
-                                          <p:spTgt spid="2"/>
-                                        </p:tgtEl>
-                                        <p:attrNameLst>
-                                          <p:attrName>style.visibility</p:attrName>
-                                        </p:attrNameLst>
-                                      </p:cBhvr>
-                                      <p:to>
-                                        <p:strVal val="visible"/>
-                                      </p:to>
-                                    </p:set>
-                                  </p:childTnLst>
-                                </p:cTn>
-                              </p:par>
-                            </p:childTnLst>
-                          </p:cTn>
-                        </p:par>
-                      </p:childTnLst>
-                    </p:cTn>
-                  </p:par>
-                  <p:par>
-                    <p:cTn id="7" fill="hold">
-                      <p:stCondLst>
-                        <p:cond delay="indefinite"/>
-                      </p:stCondLst>
-                      <p:childTnLst>
-                        <p:par>
-                          <p:cTn id="8" fill="hold">
-                            <p:stCondLst>
-                              <p:cond delay="0"/>
-                            </p:stCondLst>
-                            <p:childTnLst>
-                              <p:par>
-                                <p:cTn id="9" presetID="1" presetClass="entr" presetSubtype="0" fill="hold" nodeType="clickEffect">
-                                  <p:stCondLst>
-                                    <p:cond delay="0"/>
-                                  </p:stCondLst>
-                                  <p:childTnLst>
-                                    <p:set>
-                                      <p:cBhvr>
-                                        <p:cTn id="10" dur="1" fill="hold">
-                                          <p:stCondLst>
-                                            <p:cond delay="0"/>
-                                          </p:stCondLst>
-                                        </p:cTn>
-                                        <p:tgtEl>
-                                          <p:spTgt spid="3">
-                                            <p:txEl>
-                                              <p:pRg st="0" end="0"/>
-                                            </p:txEl>
-                                          </p:spTgt>
-                                        </p:tgtEl>
-                                        <p:attrNameLst>
-                                          <p:attrName>style.visibility</p:attrName>
-                                        </p:attrNameLst>
-                                      </p:cBhvr>
-                                      <p:to>
-                                        <p:strVal val="visible"/>
-                                      </p:to>
-                                    </p:set>
-                                  </p:childTnLst>
-                                </p:cTn>
-                              </p:par>
-                              <p:par>
-                                <p:cTn id="11" presetID="1" presetClass="entr" presetSubtype="0" fill="hold" nodeType="withEffect">
-                                  <p:stCondLst>
-                                    <p:cond delay="0"/>
-                                  </p:stCondLst>
-                                  <p:childTnLst>
-                                    <p:set>
-                                      <p:cBhvr>
-                                        <p:cTn id="12" dur="1" fill="hold">
-                                          <p:stCondLst>
-                                            <p:cond delay="0"/>
-                                          </p:stCondLst>
-                                        </p:cTn>
-                                        <p:tgtEl>
-                                          <p:spTgt spid="3">
-                                            <p:txEl>
-                                              <p:pRg st="1" end="1"/>
-                                            </p:txEl>
-                                          </p:spTgt>
-                                        </p:tgtEl>
-                                        <p:attrNameLst>
-                                          <p:attrName>style.visibility</p:attrName>
-                                        </p:attrNameLst>
-                                      </p:cBhvr>
-                                      <p:to>
-                                        <p:strVal val="visible"/>
-                                      </p:to>
-                                    </p:set>
-                                  </p:childTnLst>
-                                </p:cTn>
-                              </p:par>
-                              <p:par>
-                                <p:cTn id="13" presetID="1" presetClass="entr" presetSubtype="0" fill="hold" nodeType="withEffect">
-                                  <p:stCondLst>
-                                    <p:cond delay="0"/>
-                                  </p:stCondLst>
-                                  <p:childTnLst>
-                                    <p:set>
-                                      <p:cBhvr>
-                                        <p:cTn id="14" dur="1" fill="hold">
-                                          <p:stCondLst>
-                                            <p:cond delay="0"/>
-                                          </p:stCondLst>
-                                        </p:cTn>
-                                        <p:tgtEl>
-                                          <p:spTgt spid="3">
-                                            <p:txEl>
-                                              <p:pRg st="2" end="2"/>
-                                            </p:txEl>
-                                          </p:spTgt>
-                                        </p:tgtEl>
-                                        <p:attrNameLst>
-                                          <p:attrName>style.visibility</p:attrName>
-                                        </p:attrNameLst>
-                                      </p:cBhvr>
-                                      <p:to>
-                                        <p:strVal val="visible"/>
-                                      </p:to>
-                                    </p:set>
-                                  </p:childTnLst>
-                                </p:cTn>
-                              </p:par>
-                              <p:par>
-                                <p:cTn id="15" presetID="1" presetClass="entr" presetSubtype="0" fill="hold" nodeType="withEffect">
-                                  <p:stCondLst>
-                                    <p:cond delay="0"/>
-                                  </p:stCondLst>
-                                  <p:childTnLst>
-                                    <p:set>
-                                      <p:cBhvr>
-                                        <p:cTn id="16" dur="1" fill="hold">
-                                          <p:stCondLst>
-                                            <p:cond delay="0"/>
-                                          </p:stCondLst>
-                                        </p:cTn>
-                                        <p:tgtEl>
-                                          <p:spTgt spid="3">
-                                            <p:txEl>
-                                              <p:pRg st="3" end="3"/>
-                                            </p:txEl>
-                                          </p:spTgt>
-                                        </p:tgtEl>
-                                        <p:attrNameLst>
-                                          <p:attrName>style.visibility</p:attrName>
-                                        </p:attrNameLst>
-                                      </p:cBhvr>
-                                      <p:to>
-                                        <p:strVal val="visible"/>
-                                      </p:to>
-                                    </p:set>
-                                  </p:childTnLst>
-                                </p:cTn>
-                              </p:par>
-                              <p:par>
-                                <p:cTn id="17" presetID="1" presetClass="entr" presetSubtype="0" fill="hold" nodeType="withEffect">
-                                  <p:stCondLst>
-                                    <p:cond delay="0"/>
-                                  </p:stCondLst>
-                                  <p:childTnLst>
-                                    <p:set>
-                                      <p:cBhvr>
-                                        <p:cTn id="18" dur="1" fill="hold">
-                                          <p:stCondLst>
-                                            <p:cond delay="0"/>
-                                          </p:stCondLst>
-                                        </p:cTn>
-                                        <p:tgtEl>
-                                          <p:spTgt spid="3">
-                                            <p:txEl>
-                                              <p:pRg st="4" end="4"/>
-                                            </p:txEl>
-                                          </p:spTgt>
-                                        </p:tgtEl>
-                                        <p:attrNameLst>
-                                          <p:attrName>style.visibility</p:attrName>
-                                        </p:attrNameLst>
-                                      </p:cBhvr>
-                                      <p:to>
-                                        <p:strVal val="visible"/>
-                                      </p:to>
-                                    </p:set>
-                                  </p:childTnLst>
-                                </p:cTn>
-                              </p:par>
-                              <p:par>
-                                <p:cTn id="19" presetID="1" presetClass="entr" presetSubtype="0" fill="hold" nodeType="withEffect">
-                                  <p:stCondLst>
-                                    <p:cond delay="0"/>
-                                  </p:stCondLst>
-                                  <p:childTnLst>
-                                    <p:set>
-                                      <p:cBhvr>
-                                        <p:cTn id="20" dur="1" fill="hold">
-                                          <p:stCondLst>
-                                            <p:cond delay="0"/>
-                                          </p:stCondLst>
-                                        </p:cTn>
-                                        <p:tgtEl>
-                                          <p:spTgt spid="3">
-                                            <p:txEl>
-                                              <p:pRg st="5" end="5"/>
-                                            </p:txEl>
-                                          </p:spTgt>
-                                        </p:tgtEl>
-                                        <p:attrNameLst>
-                                          <p:attrName>style.visibility</p:attrName>
-                                        </p:attrNameLst>
-                                      </p:cBhvr>
-                                      <p:to>
-                                        <p:strVal val="visible"/>
-                                      </p:to>
-                                    </p:set>
-                                  </p:childTnLst>
-                                </p:cTn>
-                              </p:par>
-                            </p:childTnLst>
-                          </p:cTn>
-                        </p:par>
-                      </p:childTnLst>
-                    </p:cTn>
-                  </p:par>
-                </p:childTnLst>
-              </p:cTn>
-              <p:prevCondLst>
-                <p:cond evt="onPrev" delay="0">
-                  <p:tgtEl>
-                    <p:sldTgt/>
-                  </p:tgtEl>
-                </p:cond>
-              </p:prevCondLst>
-              <p:nextCondLst>
-                <p:cond evt="onNext" delay="0">
-                  <p:tgtEl>
-                    <p:sldTgt/>
-                  </p:tgtEl>
-                </p:cond>
-              </p:nextCondLst>
-            </p:seq>
-          </p:childTnLst>
-        </p:cTn>
-      </p:par>
-    </p:tnLst>
-    <p:bldLst>
-      <p:bldP spid="2" grpId="0"/>
-    </p:bldLst>
-  </p:timing>
-</p:sld>
-</file>
-
-<file path=ppt/slides/slide12.xml><?xml version="1.0" encoding="utf-8"?>
-<p:sld xmlns:a="http://schemas.openxmlformats.org/drawingml/2006/main" xmlns:r="http://schemas.openxmlformats.org/officeDocument/2006/relationships" xmlns:p="http://schemas.openxmlformats.org/presentationml/2006/main">
-  <p:cSld>
-    <p:spTree>
-      <p:nvGrpSpPr>
-        <p:cNvPr id="1" name=""/>
-        <p:cNvGrpSpPr/>
-        <p:nvPr/>
-      </p:nvGrpSpPr>
-      <p:grpSpPr>
-        <a:xfrm>
-          <a:off x="0" y="0"/>
-          <a:ext cx="0" cy="0"/>
-          <a:chOff x="0" y="0"/>
-          <a:chExt cx="0" cy="0"/>
-        </a:xfrm>
-      </p:grpSpPr>
-      <p:sp>
-        <p:nvSpPr>
-          <p:cNvPr id="2" name="Title 1"/>
-          <p:cNvSpPr>
-            <a:spLocks noGrp="1"/>
-          </p:cNvSpPr>
-          <p:nvPr>
-            <p:ph type="title"/>
-          </p:nvPr>
-        </p:nvSpPr>
-        <p:spPr/>
-        <p:txBody>
-          <a:bodyPr/>
-          <a:lstStyle/>
-          <a:p>
-            <a:r>
-              <a:rPr lang="en-US" dirty="0" smtClean="0"/>
-              <a:t>Code Review</a:t>
-            </a:r>
-            <a:endParaRPr lang="en-US" dirty="0"/>
-          </a:p>
-        </p:txBody>
-      </p:sp>
-      <p:sp>
-        <p:nvSpPr>
-          <p:cNvPr id="3" name="Content Placeholder 2"/>
-          <p:cNvSpPr>
-            <a:spLocks noGrp="1"/>
-          </p:cNvSpPr>
-          <p:nvPr>
-            <p:ph idx="1"/>
-          </p:nvPr>
-        </p:nvSpPr>
-        <p:spPr/>
-        <p:txBody>
-          <a:bodyPr/>
-          <a:lstStyle/>
-          <a:p>
-            <a:r>
-              <a:rPr lang="en-US" dirty="0"/>
-              <a:t>T</a:t>
-            </a:r>
-            <a:r>
-              <a:rPr lang="en-US" dirty="0" smtClean="0"/>
-              <a:t>o improve the code or find error.</a:t>
-            </a:r>
-          </a:p>
-          <a:p>
-            <a:r>
-              <a:rPr lang="en-US" dirty="0" smtClean="0"/>
-              <a:t>Continuous process of improvement.</a:t>
-            </a:r>
-          </a:p>
-          <a:p>
-            <a:r>
-              <a:rPr lang="en-US" dirty="0" smtClean="0"/>
-              <a:t>Clean and Efficient code.</a:t>
-            </a:r>
-          </a:p>
-          <a:p>
-            <a:r>
-              <a:rPr lang="en-US" dirty="0" smtClean="0"/>
-              <a:t>Helps in quality control.</a:t>
-            </a:r>
-          </a:p>
-        </p:txBody>
-      </p:sp>
-      <p:pic>
-        <p:nvPicPr>
-          <p:cNvPr id="4" name="Picture 3"/>
-          <p:cNvPicPr>
-            <a:picLocks noChangeAspect="1"/>
-          </p:cNvPicPr>
-          <p:nvPr/>
-        </p:nvPicPr>
-        <p:blipFill>
-          <a:blip r:embed="rId2">
-            <a:extLst>
-              <a:ext uri="{28A0092B-C50C-407E-A947-70E740481C1C}">
-                <a14:useLocalDpi xmlns:a14="http://schemas.microsoft.com/office/drawing/2010/main" val="0"/>
-              </a:ext>
-            </a:extLst>
-          </a:blip>
-          <a:stretch>
-            <a:fillRect/>
-          </a:stretch>
-        </p:blipFill>
-        <p:spPr>
-          <a:xfrm>
-            <a:off x="6318914" y="3102959"/>
-            <a:ext cx="5377218" cy="3208941"/>
-          </a:xfrm>
-          <a:prstGeom prst="rect">
-            <a:avLst/>
-          </a:prstGeom>
-        </p:spPr>
-      </p:pic>
-    </p:spTree>
-    <p:extLst>
-      <p:ext uri="{BB962C8B-B14F-4D97-AF65-F5344CB8AC3E}">
-        <p14:creationId xmlns:p14="http://schemas.microsoft.com/office/powerpoint/2010/main" val="599409528"/>
-      </p:ext>
-    </p:extLst>
-  </p:cSld>
-  <p:clrMapOvr>
-    <a:masterClrMapping/>
-  </p:clrMapOvr>
-  <p:timing>
-    <p:tnLst>
-      <p:par>
-        <p:cTn id="1" dur="indefinite" restart="never" nodeType="tmRoot">
-          <p:childTnLst>
-            <p:seq concurrent="1" nextAc="seek">
-              <p:cTn id="2" dur="indefinite" nodeType="mainSeq">
-                <p:childTnLst>
-                  <p:par>
-                    <p:cTn id="3" fill="hold">
-                      <p:stCondLst>
-                        <p:cond delay="indefinite"/>
-                      </p:stCondLst>
-                      <p:childTnLst>
-                        <p:par>
-                          <p:cTn id="4" fill="hold">
-                            <p:stCondLst>
-                              <p:cond delay="0"/>
-                            </p:stCondLst>
-                            <p:childTnLst>
-                              <p:par>
-                                <p:cTn id="5" presetID="1" presetClass="entr" presetSubtype="0" fill="hold" grpId="0" nodeType="clickEffect">
-                                  <p:stCondLst>
-                                    <p:cond delay="0"/>
-                                  </p:stCondLst>
-                                  <p:childTnLst>
-                                    <p:set>
-                                      <p:cBhvr>
-                                        <p:cTn id="6" dur="1" fill="hold">
-                                          <p:stCondLst>
-                                            <p:cond delay="0"/>
-                                          </p:stCondLst>
-                                        </p:cTn>
-                                        <p:tgtEl>
-                                          <p:spTgt spid="2"/>
-                                        </p:tgtEl>
-                                        <p:attrNameLst>
-                                          <p:attrName>style.visibility</p:attrName>
-                                        </p:attrNameLst>
-                                      </p:cBhvr>
-                                      <p:to>
-                                        <p:strVal val="visible"/>
-                                      </p:to>
-                                    </p:set>
-                                  </p:childTnLst>
-                                </p:cTn>
-                              </p:par>
-                            </p:childTnLst>
-                          </p:cTn>
-                        </p:par>
-                      </p:childTnLst>
-                    </p:cTn>
-                  </p:par>
-                  <p:par>
-                    <p:cTn id="7" fill="hold">
-                      <p:stCondLst>
-                        <p:cond delay="indefinite"/>
-                      </p:stCondLst>
-                      <p:childTnLst>
-                        <p:par>
-                          <p:cTn id="8" fill="hold">
-                            <p:stCondLst>
-                              <p:cond delay="0"/>
-                            </p:stCondLst>
-                            <p:childTnLst>
-                              <p:par>
-                                <p:cTn id="9" presetID="1" presetClass="entr" presetSubtype="0" fill="hold" nodeType="clickEffect">
-                                  <p:stCondLst>
-                                    <p:cond delay="0"/>
-                                  </p:stCondLst>
-                                  <p:childTnLst>
-                                    <p:set>
-                                      <p:cBhvr>
-                                        <p:cTn id="10" dur="1" fill="hold">
-                                          <p:stCondLst>
-                                            <p:cond delay="0"/>
-                                          </p:stCondLst>
-                                        </p:cTn>
-                                        <p:tgtEl>
-                                          <p:spTgt spid="3">
-                                            <p:txEl>
-                                              <p:pRg st="0" end="0"/>
-                                            </p:txEl>
-                                          </p:spTgt>
-                                        </p:tgtEl>
-                                        <p:attrNameLst>
-                                          <p:attrName>style.visibility</p:attrName>
-                                        </p:attrNameLst>
-                                      </p:cBhvr>
-                                      <p:to>
-                                        <p:strVal val="visible"/>
-                                      </p:to>
-                                    </p:set>
-                                  </p:childTnLst>
-                                </p:cTn>
-                              </p:par>
-                              <p:par>
-                                <p:cTn id="11" presetID="1" presetClass="entr" presetSubtype="0" fill="hold" nodeType="withEffect">
-                                  <p:stCondLst>
-                                    <p:cond delay="0"/>
-                                  </p:stCondLst>
-                                  <p:childTnLst>
-                                    <p:set>
-                                      <p:cBhvr>
-                                        <p:cTn id="12" dur="1" fill="hold">
-                                          <p:stCondLst>
-                                            <p:cond delay="0"/>
-                                          </p:stCondLst>
-                                        </p:cTn>
-                                        <p:tgtEl>
-                                          <p:spTgt spid="3">
-                                            <p:txEl>
-                                              <p:pRg st="1" end="1"/>
-                                            </p:txEl>
-                                          </p:spTgt>
-                                        </p:tgtEl>
-                                        <p:attrNameLst>
-                                          <p:attrName>style.visibility</p:attrName>
-                                        </p:attrNameLst>
-                                      </p:cBhvr>
-                                      <p:to>
-                                        <p:strVal val="visible"/>
-                                      </p:to>
-                                    </p:set>
-                                  </p:childTnLst>
-                                </p:cTn>
-                              </p:par>
-                              <p:par>
-                                <p:cTn id="13" presetID="1" presetClass="entr" presetSubtype="0" fill="hold" nodeType="withEffect">
-                                  <p:stCondLst>
-                                    <p:cond delay="0"/>
-                                  </p:stCondLst>
-                                  <p:childTnLst>
-                                    <p:set>
-                                      <p:cBhvr>
-                                        <p:cTn id="14" dur="1" fill="hold">
-                                          <p:stCondLst>
-                                            <p:cond delay="0"/>
-                                          </p:stCondLst>
-                                        </p:cTn>
-                                        <p:tgtEl>
-                                          <p:spTgt spid="3">
-                                            <p:txEl>
-                                              <p:pRg st="2" end="2"/>
-                                            </p:txEl>
-                                          </p:spTgt>
-                                        </p:tgtEl>
-                                        <p:attrNameLst>
-                                          <p:attrName>style.visibility</p:attrName>
-                                        </p:attrNameLst>
-                                      </p:cBhvr>
-                                      <p:to>
-                                        <p:strVal val="visible"/>
-                                      </p:to>
-                                    </p:set>
-                                  </p:childTnLst>
-                                </p:cTn>
-                              </p:par>
-                              <p:par>
-                                <p:cTn id="15" presetID="1" presetClass="entr" presetSubtype="0" fill="hold" nodeType="withEffect">
-                                  <p:stCondLst>
-                                    <p:cond delay="0"/>
-                                  </p:stCondLst>
-                                  <p:childTnLst>
-                                    <p:set>
-                                      <p:cBhvr>
-                                        <p:cTn id="16" dur="1" fill="hold">
-                                          <p:stCondLst>
-                                            <p:cond delay="0"/>
-                                          </p:stCondLst>
-                                        </p:cTn>
-                                        <p:tgtEl>
-                                          <p:spTgt spid="3">
-                                            <p:txEl>
-                                              <p:pRg st="3" end="3"/>
-                                            </p:txEl>
-                                          </p:spTgt>
-                                        </p:tgtEl>
-                                        <p:attrNameLst>
-                                          <p:attrName>style.visibility</p:attrName>
-                                        </p:attrNameLst>
-                                      </p:cBhvr>
-                                      <p:to>
-                                        <p:strVal val="visible"/>
-                                      </p:to>
-                                    </p:set>
-                                  </p:childTnLst>
-                                </p:cTn>
-                              </p:par>
-                            </p:childTnLst>
-                          </p:cTn>
-                        </p:par>
-                      </p:childTnLst>
-                    </p:cTn>
-                  </p:par>
-                </p:childTnLst>
-              </p:cTn>
-              <p:prevCondLst>
-                <p:cond evt="onPrev" delay="0">
-                  <p:tgtEl>
-                    <p:sldTgt/>
-                  </p:tgtEl>
-                </p:cond>
-              </p:prevCondLst>
-              <p:nextCondLst>
-                <p:cond evt="onNext" delay="0">
-                  <p:tgtEl>
-                    <p:sldTgt/>
-                  </p:tgtEl>
-                </p:cond>
-              </p:nextCondLst>
-            </p:seq>
-          </p:childTnLst>
-        </p:cTn>
-      </p:par>
-    </p:tnLst>
-    <p:bldLst>
-      <p:bldP spid="2" grpId="0"/>
-    </p:bldLst>
-  </p:timing>
-</p:sld>
-</file>
-
-<file path=ppt/slides/slide13.xml><?xml version="1.0" encoding="utf-8"?>
-<p:sld xmlns:a="http://schemas.openxmlformats.org/drawingml/2006/main" xmlns:r="http://schemas.openxmlformats.org/officeDocument/2006/relationships" xmlns:p="http://schemas.openxmlformats.org/presentationml/2006/main">
-  <p:cSld>
-    <p:spTree>
-      <p:nvGrpSpPr>
-        <p:cNvPr id="1" name=""/>
-        <p:cNvGrpSpPr/>
-        <p:nvPr/>
-      </p:nvGrpSpPr>
-      <p:grpSpPr>
-        <a:xfrm>
-          <a:off x="0" y="0"/>
-          <a:ext cx="0" cy="0"/>
-          <a:chOff x="0" y="0"/>
-          <a:chExt cx="0" cy="0"/>
-        </a:xfrm>
-      </p:grpSpPr>
-      <p:sp>
-        <p:nvSpPr>
-          <p:cNvPr id="2" name="Title 1"/>
-          <p:cNvSpPr>
-            <a:spLocks noGrp="1"/>
-          </p:cNvSpPr>
-          <p:nvPr>
-            <p:ph type="title"/>
-          </p:nvPr>
-        </p:nvSpPr>
-        <p:spPr>
-          <a:xfrm>
-            <a:off x="838200" y="378773"/>
-            <a:ext cx="2409967" cy="1325563"/>
-          </a:xfrm>
-        </p:spPr>
-        <p:txBody>
-          <a:bodyPr/>
-          <a:lstStyle/>
-          <a:p>
-            <a:r>
-              <a:rPr lang="en-US" dirty="0" smtClean="0"/>
-              <a:t>Testing</a:t>
-            </a:r>
-            <a:endParaRPr lang="en-US" dirty="0"/>
-          </a:p>
-        </p:txBody>
-      </p:sp>
-      <p:graphicFrame>
-        <p:nvGraphicFramePr>
-          <p:cNvPr id="4" name="Content Placeholder 3"/>
-          <p:cNvGraphicFramePr>
-            <a:graphicFrameLocks noGrp="1"/>
-          </p:cNvGraphicFramePr>
-          <p:nvPr>
-            <p:ph idx="1"/>
-            <p:extLst>
-              <p:ext uri="{D42A27DB-BD31-4B8C-83A1-F6EECF244321}">
-                <p14:modId xmlns:p14="http://schemas.microsoft.com/office/powerpoint/2010/main" val="1972700240"/>
-              </p:ext>
-            </p:extLst>
-          </p:nvPr>
-        </p:nvGraphicFramePr>
-        <p:xfrm>
-          <a:off x="964809" y="1573877"/>
-          <a:ext cx="9370325" cy="2829312"/>
-        </p:xfrm>
-        <a:graphic>
-          <a:graphicData uri="http://schemas.openxmlformats.org/drawingml/2006/diagram">
-            <dgm:relIds xmlns:dgm="http://schemas.openxmlformats.org/drawingml/2006/diagram" xmlns:r="http://schemas.openxmlformats.org/officeDocument/2006/relationships" r:dm="rId2" r:lo="rId3" r:qs="rId4" r:cs="rId5"/>
-          </a:graphicData>
-        </a:graphic>
-      </p:graphicFrame>
-      <p:graphicFrame>
-        <p:nvGraphicFramePr>
-          <p:cNvPr id="6" name="Content Placeholder 3"/>
-          <p:cNvGraphicFramePr>
-            <a:graphicFrameLocks/>
-          </p:cNvGraphicFramePr>
-          <p:nvPr>
-            <p:extLst>
-              <p:ext uri="{D42A27DB-BD31-4B8C-83A1-F6EECF244321}">
-                <p14:modId xmlns:p14="http://schemas.microsoft.com/office/powerpoint/2010/main" val="3746771003"/>
-              </p:ext>
-            </p:extLst>
-          </p:nvPr>
-        </p:nvGraphicFramePr>
-        <p:xfrm>
-          <a:off x="964808" y="3414400"/>
-          <a:ext cx="9370325" cy="2829312"/>
-        </p:xfrm>
-        <a:graphic>
-          <a:graphicData uri="http://schemas.openxmlformats.org/drawingml/2006/diagram">
-            <dgm:relIds xmlns:dgm="http://schemas.openxmlformats.org/drawingml/2006/diagram" xmlns:r="http://schemas.openxmlformats.org/officeDocument/2006/relationships" r:dm="rId7" r:lo="rId8" r:qs="rId9" r:cs="rId10"/>
-          </a:graphicData>
-        </a:graphic>
-      </p:graphicFrame>
-      <p:grpSp>
-        <p:nvGrpSpPr>
-          <p:cNvPr id="10" name="Group 9"/>
-          <p:cNvGrpSpPr/>
-          <p:nvPr/>
-        </p:nvGrpSpPr>
-        <p:grpSpPr>
-          <a:xfrm>
-            <a:off x="1631852" y="3062707"/>
-            <a:ext cx="1614269" cy="369332"/>
-            <a:chOff x="1631852" y="3062707"/>
-            <a:chExt cx="1614269" cy="369332"/>
-          </a:xfrm>
-        </p:grpSpPr>
-        <p:cxnSp>
-          <p:nvCxnSpPr>
-            <p:cNvPr id="8" name="Straight Arrow Connector 7"/>
-            <p:cNvCxnSpPr/>
-            <p:nvPr/>
-          </p:nvCxnSpPr>
-          <p:spPr>
-            <a:xfrm>
-              <a:off x="1631853" y="3062707"/>
-              <a:ext cx="0" cy="351693"/>
-            </a:xfrm>
-            <a:prstGeom prst="straightConnector1">
-              <a:avLst/>
-            </a:prstGeom>
-            <a:ln>
-              <a:tailEnd type="triangle"/>
-            </a:ln>
-          </p:spPr>
-          <p:style>
-            <a:lnRef idx="1">
-              <a:schemeClr val="accent1"/>
-            </a:lnRef>
-            <a:fillRef idx="0">
-              <a:schemeClr val="accent1"/>
-            </a:fillRef>
-            <a:effectRef idx="0">
-              <a:schemeClr val="accent1"/>
-            </a:effectRef>
-            <a:fontRef idx="minor">
-              <a:schemeClr val="tx1"/>
-            </a:fontRef>
-          </p:style>
-        </p:cxnSp>
-        <p:sp>
-          <p:nvSpPr>
-            <p:cNvPr id="9" name="TextBox 8"/>
-            <p:cNvSpPr txBox="1"/>
-            <p:nvPr/>
-          </p:nvSpPr>
-          <p:spPr>
-            <a:xfrm flipH="1">
-              <a:off x="1631852" y="3062707"/>
-              <a:ext cx="1614269" cy="369332"/>
-            </a:xfrm>
-            <a:prstGeom prst="rect">
-              <a:avLst/>
-            </a:prstGeom>
-            <a:noFill/>
-          </p:spPr>
-          <p:txBody>
-            <a:bodyPr wrap="square" rtlCol="0">
-              <a:spAutoFit/>
-            </a:bodyPr>
-            <a:lstStyle/>
-            <a:p>
-              <a:r>
-                <a:rPr lang="en-US" dirty="0" smtClean="0">
-                  <a:solidFill>
-                    <a:schemeClr val="accent1"/>
-                  </a:solidFill>
-                </a:rPr>
-                <a:t>Unit Testing</a:t>
-              </a:r>
-              <a:endParaRPr lang="en-US" dirty="0">
-                <a:solidFill>
-                  <a:schemeClr val="accent1"/>
-                </a:solidFill>
-              </a:endParaRPr>
-            </a:p>
-          </p:txBody>
-        </p:sp>
-      </p:grpSp>
-      <p:grpSp>
-        <p:nvGrpSpPr>
-          <p:cNvPr id="11" name="Group 10"/>
-          <p:cNvGrpSpPr/>
-          <p:nvPr/>
-        </p:nvGrpSpPr>
-        <p:grpSpPr>
-          <a:xfrm>
-            <a:off x="9676229" y="3130701"/>
-            <a:ext cx="1614269" cy="369332"/>
-            <a:chOff x="1631852" y="3062707"/>
-            <a:chExt cx="1614269" cy="369332"/>
-          </a:xfrm>
-        </p:grpSpPr>
-        <p:cxnSp>
-          <p:nvCxnSpPr>
-            <p:cNvPr id="12" name="Straight Arrow Connector 11"/>
-            <p:cNvCxnSpPr/>
-            <p:nvPr/>
-          </p:nvCxnSpPr>
-          <p:spPr>
-            <a:xfrm>
-              <a:off x="1631853" y="3062707"/>
-              <a:ext cx="0" cy="351693"/>
-            </a:xfrm>
-            <a:prstGeom prst="straightConnector1">
-              <a:avLst/>
-            </a:prstGeom>
-            <a:ln>
-              <a:tailEnd type="triangle"/>
-            </a:ln>
-          </p:spPr>
-          <p:style>
-            <a:lnRef idx="1">
-              <a:schemeClr val="accent1"/>
-            </a:lnRef>
-            <a:fillRef idx="0">
-              <a:schemeClr val="accent1"/>
-            </a:fillRef>
-            <a:effectRef idx="0">
-              <a:schemeClr val="accent1"/>
-            </a:effectRef>
-            <a:fontRef idx="minor">
-              <a:schemeClr val="tx1"/>
-            </a:fontRef>
-          </p:style>
-        </p:cxnSp>
-        <p:sp>
-          <p:nvSpPr>
-            <p:cNvPr id="13" name="TextBox 12"/>
-            <p:cNvSpPr txBox="1"/>
-            <p:nvPr/>
-          </p:nvSpPr>
-          <p:spPr>
-            <a:xfrm flipH="1">
-              <a:off x="1631852" y="3062707"/>
-              <a:ext cx="1614269" cy="369332"/>
-            </a:xfrm>
-            <a:prstGeom prst="rect">
-              <a:avLst/>
-            </a:prstGeom>
-            <a:noFill/>
-          </p:spPr>
-          <p:txBody>
-            <a:bodyPr wrap="square" rtlCol="0">
-              <a:spAutoFit/>
-            </a:bodyPr>
-            <a:lstStyle/>
-            <a:p>
-              <a:r>
-                <a:rPr lang="en-US" dirty="0" smtClean="0">
-                  <a:solidFill>
-                    <a:schemeClr val="accent1"/>
-                  </a:solidFill>
-                </a:rPr>
-                <a:t>Unit Testing</a:t>
-              </a:r>
-              <a:endParaRPr lang="en-US" dirty="0">
-                <a:solidFill>
-                  <a:schemeClr val="accent1"/>
-                </a:solidFill>
-              </a:endParaRPr>
-            </a:p>
-          </p:txBody>
-        </p:sp>
-      </p:grpSp>
-      <p:grpSp>
-        <p:nvGrpSpPr>
-          <p:cNvPr id="14" name="Group 13"/>
-          <p:cNvGrpSpPr/>
-          <p:nvPr/>
-        </p:nvGrpSpPr>
-        <p:grpSpPr>
-          <a:xfrm>
-            <a:off x="7406708" y="3144156"/>
-            <a:ext cx="1614269" cy="369332"/>
-            <a:chOff x="1631852" y="3062707"/>
-            <a:chExt cx="1614269" cy="369332"/>
-          </a:xfrm>
-        </p:grpSpPr>
-        <p:cxnSp>
-          <p:nvCxnSpPr>
-            <p:cNvPr id="15" name="Straight Arrow Connector 14"/>
-            <p:cNvCxnSpPr/>
-            <p:nvPr/>
-          </p:nvCxnSpPr>
-          <p:spPr>
-            <a:xfrm>
-              <a:off x="1631853" y="3062707"/>
-              <a:ext cx="0" cy="351693"/>
-            </a:xfrm>
-            <a:prstGeom prst="straightConnector1">
-              <a:avLst/>
-            </a:prstGeom>
-            <a:ln>
-              <a:tailEnd type="triangle"/>
-            </a:ln>
-          </p:spPr>
-          <p:style>
-            <a:lnRef idx="1">
-              <a:schemeClr val="accent1"/>
-            </a:lnRef>
-            <a:fillRef idx="0">
-              <a:schemeClr val="accent1"/>
-            </a:fillRef>
-            <a:effectRef idx="0">
-              <a:schemeClr val="accent1"/>
-            </a:effectRef>
-            <a:fontRef idx="minor">
-              <a:schemeClr val="tx1"/>
-            </a:fontRef>
-          </p:style>
-        </p:cxnSp>
-        <p:sp>
-          <p:nvSpPr>
-            <p:cNvPr id="16" name="TextBox 15"/>
-            <p:cNvSpPr txBox="1"/>
-            <p:nvPr/>
-          </p:nvSpPr>
-          <p:spPr>
-            <a:xfrm flipH="1">
-              <a:off x="1631852" y="3062707"/>
-              <a:ext cx="1614269" cy="369332"/>
-            </a:xfrm>
-            <a:prstGeom prst="rect">
-              <a:avLst/>
-            </a:prstGeom>
-            <a:noFill/>
-          </p:spPr>
-          <p:txBody>
-            <a:bodyPr wrap="square" rtlCol="0">
-              <a:spAutoFit/>
-            </a:bodyPr>
-            <a:lstStyle/>
-            <a:p>
-              <a:r>
-                <a:rPr lang="en-US" dirty="0" smtClean="0">
-                  <a:solidFill>
-                    <a:schemeClr val="accent1"/>
-                  </a:solidFill>
-                </a:rPr>
-                <a:t>Unit Testing</a:t>
-              </a:r>
-              <a:endParaRPr lang="en-US" dirty="0">
-                <a:solidFill>
-                  <a:schemeClr val="accent1"/>
-                </a:solidFill>
-              </a:endParaRPr>
-            </a:p>
-          </p:txBody>
-        </p:sp>
-      </p:grpSp>
-      <p:grpSp>
-        <p:nvGrpSpPr>
-          <p:cNvPr id="17" name="Group 16"/>
-          <p:cNvGrpSpPr/>
-          <p:nvPr/>
-        </p:nvGrpSpPr>
-        <p:grpSpPr>
-          <a:xfrm>
-            <a:off x="4293024" y="3124121"/>
-            <a:ext cx="1614269" cy="319721"/>
-            <a:chOff x="1631852" y="3062707"/>
-            <a:chExt cx="1614269" cy="351693"/>
-          </a:xfrm>
-        </p:grpSpPr>
-        <p:cxnSp>
-          <p:nvCxnSpPr>
-            <p:cNvPr id="18" name="Straight Arrow Connector 17"/>
-            <p:cNvCxnSpPr/>
-            <p:nvPr/>
-          </p:nvCxnSpPr>
-          <p:spPr>
-            <a:xfrm>
-              <a:off x="1631853" y="3062707"/>
-              <a:ext cx="0" cy="351693"/>
-            </a:xfrm>
-            <a:prstGeom prst="straightConnector1">
-              <a:avLst/>
-            </a:prstGeom>
-            <a:ln>
-              <a:tailEnd type="triangle"/>
-            </a:ln>
-          </p:spPr>
-          <p:style>
-            <a:lnRef idx="1">
-              <a:schemeClr val="accent1"/>
-            </a:lnRef>
-            <a:fillRef idx="0">
-              <a:schemeClr val="accent1"/>
-            </a:fillRef>
-            <a:effectRef idx="0">
-              <a:schemeClr val="accent1"/>
-            </a:effectRef>
-            <a:fontRef idx="minor">
-              <a:schemeClr val="tx1"/>
-            </a:fontRef>
-          </p:style>
-        </p:cxnSp>
-        <p:sp>
-          <p:nvSpPr>
-            <p:cNvPr id="19" name="TextBox 18"/>
-            <p:cNvSpPr txBox="1"/>
-            <p:nvPr/>
-          </p:nvSpPr>
-          <p:spPr>
-            <a:xfrm flipH="1">
-              <a:off x="1631852" y="3121244"/>
-              <a:ext cx="1614269" cy="252259"/>
-            </a:xfrm>
-            <a:prstGeom prst="rect">
-              <a:avLst/>
-            </a:prstGeom>
-            <a:noFill/>
-          </p:spPr>
-          <p:txBody>
-            <a:bodyPr wrap="square" rtlCol="0">
-              <a:spAutoFit/>
-            </a:bodyPr>
-            <a:lstStyle/>
-            <a:p>
-              <a:r>
-                <a:rPr lang="en-US" dirty="0" smtClean="0">
-                  <a:solidFill>
-                    <a:schemeClr val="accent1"/>
-                  </a:solidFill>
-                </a:rPr>
-                <a:t>Unit Testing</a:t>
-              </a:r>
-              <a:endParaRPr lang="en-US" dirty="0">
-                <a:solidFill>
-                  <a:schemeClr val="accent1"/>
-                </a:solidFill>
-              </a:endParaRPr>
-            </a:p>
-          </p:txBody>
-        </p:sp>
-      </p:grpSp>
-      <p:cxnSp>
-        <p:nvCxnSpPr>
-          <p:cNvPr id="26" name="Straight Connector 25"/>
-          <p:cNvCxnSpPr/>
-          <p:nvPr/>
-        </p:nvCxnSpPr>
-        <p:spPr>
-          <a:xfrm>
-            <a:off x="1610818" y="5354011"/>
-            <a:ext cx="8065411" cy="0"/>
-          </a:xfrm>
-          <a:prstGeom prst="line">
-            <a:avLst/>
-          </a:prstGeom>
-        </p:spPr>
-        <p:style>
-          <a:lnRef idx="1">
-            <a:schemeClr val="accent1"/>
-          </a:lnRef>
-          <a:fillRef idx="0">
-            <a:schemeClr val="accent1"/>
-          </a:fillRef>
-          <a:effectRef idx="0">
-            <a:schemeClr val="accent1"/>
-          </a:effectRef>
-          <a:fontRef idx="minor">
-            <a:schemeClr val="tx1"/>
-          </a:fontRef>
-        </p:style>
-      </p:cxnSp>
-      <p:cxnSp>
-        <p:nvCxnSpPr>
-          <p:cNvPr id="29" name="Straight Arrow Connector 28"/>
-          <p:cNvCxnSpPr/>
-          <p:nvPr/>
-        </p:nvCxnSpPr>
-        <p:spPr>
-          <a:xfrm>
-            <a:off x="1631852" y="4937760"/>
-            <a:ext cx="0" cy="407963"/>
-          </a:xfrm>
-          <a:prstGeom prst="straightConnector1">
-            <a:avLst/>
-          </a:prstGeom>
-          <a:ln>
-            <a:tailEnd type="triangle"/>
-          </a:ln>
-        </p:spPr>
-        <p:style>
-          <a:lnRef idx="1">
-            <a:schemeClr val="accent1"/>
-          </a:lnRef>
-          <a:fillRef idx="0">
-            <a:schemeClr val="accent1"/>
-          </a:fillRef>
-          <a:effectRef idx="0">
-            <a:schemeClr val="accent1"/>
-          </a:effectRef>
-          <a:fontRef idx="minor">
-            <a:schemeClr val="tx1"/>
-          </a:fontRef>
-        </p:style>
-      </p:cxnSp>
-      <p:cxnSp>
-        <p:nvCxnSpPr>
-          <p:cNvPr id="30" name="Straight Arrow Connector 29"/>
-          <p:cNvCxnSpPr/>
-          <p:nvPr/>
-        </p:nvCxnSpPr>
-        <p:spPr>
-          <a:xfrm>
-            <a:off x="4307091" y="4946048"/>
-            <a:ext cx="0" cy="407963"/>
-          </a:xfrm>
-          <a:prstGeom prst="straightConnector1">
-            <a:avLst/>
-          </a:prstGeom>
-          <a:ln>
-            <a:tailEnd type="triangle"/>
-          </a:ln>
-        </p:spPr>
-        <p:style>
-          <a:lnRef idx="1">
-            <a:schemeClr val="accent1"/>
-          </a:lnRef>
-          <a:fillRef idx="0">
-            <a:schemeClr val="accent1"/>
-          </a:fillRef>
-          <a:effectRef idx="0">
-            <a:schemeClr val="accent1"/>
-          </a:effectRef>
-          <a:fontRef idx="minor">
-            <a:schemeClr val="tx1"/>
-          </a:fontRef>
-        </p:style>
-      </p:cxnSp>
-      <p:cxnSp>
-        <p:nvCxnSpPr>
-          <p:cNvPr id="31" name="Straight Arrow Connector 30"/>
-          <p:cNvCxnSpPr/>
-          <p:nvPr/>
-        </p:nvCxnSpPr>
-        <p:spPr>
-          <a:xfrm>
-            <a:off x="7406708" y="4946048"/>
-            <a:ext cx="0" cy="407963"/>
-          </a:xfrm>
-          <a:prstGeom prst="straightConnector1">
-            <a:avLst/>
-          </a:prstGeom>
-          <a:ln>
-            <a:tailEnd type="triangle"/>
-          </a:ln>
-        </p:spPr>
-        <p:style>
-          <a:lnRef idx="1">
-            <a:schemeClr val="accent1"/>
-          </a:lnRef>
-          <a:fillRef idx="0">
-            <a:schemeClr val="accent1"/>
-          </a:fillRef>
-          <a:effectRef idx="0">
-            <a:schemeClr val="accent1"/>
-          </a:effectRef>
-          <a:fontRef idx="minor">
-            <a:schemeClr val="tx1"/>
-          </a:fontRef>
-        </p:style>
-      </p:cxnSp>
-      <p:cxnSp>
-        <p:nvCxnSpPr>
-          <p:cNvPr id="32" name="Straight Arrow Connector 31"/>
-          <p:cNvCxnSpPr/>
-          <p:nvPr/>
-        </p:nvCxnSpPr>
-        <p:spPr>
-          <a:xfrm>
-            <a:off x="9676229" y="4946048"/>
-            <a:ext cx="0" cy="407963"/>
-          </a:xfrm>
-          <a:prstGeom prst="straightConnector1">
-            <a:avLst/>
-          </a:prstGeom>
-          <a:ln>
-            <a:tailEnd type="triangle"/>
-          </a:ln>
-        </p:spPr>
-        <p:style>
-          <a:lnRef idx="1">
-            <a:schemeClr val="accent1"/>
-          </a:lnRef>
-          <a:fillRef idx="0">
-            <a:schemeClr val="accent1"/>
-          </a:fillRef>
-          <a:effectRef idx="0">
-            <a:schemeClr val="accent1"/>
-          </a:effectRef>
-          <a:fontRef idx="minor">
-            <a:schemeClr val="tx1"/>
-          </a:fontRef>
-        </p:style>
-      </p:cxnSp>
-      <p:sp>
-        <p:nvSpPr>
-          <p:cNvPr id="33" name="TextBox 32"/>
-          <p:cNvSpPr txBox="1"/>
-          <p:nvPr/>
-        </p:nvSpPr>
-        <p:spPr>
-          <a:xfrm flipH="1">
-            <a:off x="4533313" y="5010121"/>
-            <a:ext cx="2449017" cy="369332"/>
-          </a:xfrm>
-          <a:prstGeom prst="rect">
-            <a:avLst/>
-          </a:prstGeom>
-          <a:noFill/>
-        </p:spPr>
-        <p:txBody>
-          <a:bodyPr wrap="square" rtlCol="0">
-            <a:spAutoFit/>
-          </a:bodyPr>
-          <a:lstStyle/>
-          <a:p>
-            <a:r>
-              <a:rPr lang="en-US" dirty="0" smtClean="0">
-                <a:solidFill>
-                  <a:schemeClr val="accent1"/>
-                </a:solidFill>
-              </a:rPr>
-              <a:t>Acceptance Testing</a:t>
-            </a:r>
-            <a:endParaRPr lang="en-US" dirty="0">
-              <a:solidFill>
-                <a:schemeClr val="accent1"/>
-              </a:solidFill>
-            </a:endParaRPr>
-          </a:p>
-        </p:txBody>
-      </p:sp>
-      <p:cxnSp>
-        <p:nvCxnSpPr>
-          <p:cNvPr id="34" name="Straight Arrow Connector 33"/>
-          <p:cNvCxnSpPr/>
-          <p:nvPr/>
-        </p:nvCxnSpPr>
-        <p:spPr>
-          <a:xfrm>
-            <a:off x="6023349" y="5354011"/>
-            <a:ext cx="0" cy="407963"/>
-          </a:xfrm>
-          <a:prstGeom prst="straightConnector1">
-            <a:avLst/>
-          </a:prstGeom>
-          <a:ln>
-            <a:tailEnd type="triangle"/>
-          </a:ln>
-        </p:spPr>
-        <p:style>
-          <a:lnRef idx="1">
-            <a:schemeClr val="accent1"/>
-          </a:lnRef>
-          <a:fillRef idx="0">
-            <a:schemeClr val="accent1"/>
-          </a:fillRef>
-          <a:effectRef idx="0">
-            <a:schemeClr val="accent1"/>
-          </a:effectRef>
-          <a:fontRef idx="minor">
-            <a:schemeClr val="tx1"/>
-          </a:fontRef>
-        </p:style>
-      </p:cxnSp>
-      <p:sp>
-        <p:nvSpPr>
-          <p:cNvPr id="35" name="Rounded Rectangle 34"/>
-          <p:cNvSpPr/>
-          <p:nvPr/>
-        </p:nvSpPr>
-        <p:spPr>
-          <a:xfrm>
-            <a:off x="4718536" y="5761974"/>
-            <a:ext cx="2609625" cy="793571"/>
-          </a:xfrm>
-          <a:prstGeom prst="roundRect">
-            <a:avLst/>
-          </a:prstGeom>
-        </p:spPr>
-        <p:style>
-          <a:lnRef idx="2">
-            <a:schemeClr val="accent1">
-              <a:shade val="50000"/>
-            </a:schemeClr>
-          </a:lnRef>
-          <a:fillRef idx="1">
-            <a:schemeClr val="accent1"/>
-          </a:fillRef>
-          <a:effectRef idx="0">
-            <a:schemeClr val="accent1"/>
-          </a:effectRef>
-          <a:fontRef idx="minor">
-            <a:schemeClr val="lt1"/>
-          </a:fontRef>
-        </p:style>
-        <p:txBody>
-          <a:bodyPr rtlCol="0" anchor="ctr"/>
-          <a:lstStyle/>
-          <a:p>
-            <a:pPr algn="ctr"/>
-            <a:r>
-              <a:rPr lang="en-US" dirty="0" smtClean="0"/>
-              <a:t>Unified Code</a:t>
-            </a:r>
-            <a:endParaRPr lang="en-US" dirty="0"/>
-          </a:p>
-        </p:txBody>
-      </p:sp>
-    </p:spTree>
-    <p:extLst>
-      <p:ext uri="{BB962C8B-B14F-4D97-AF65-F5344CB8AC3E}">
-        <p14:creationId xmlns:p14="http://schemas.microsoft.com/office/powerpoint/2010/main" val="4184640274"/>
-      </p:ext>
-    </p:extLst>
-  </p:cSld>
-  <p:clrMapOvr>
-    <a:masterClrMapping/>
-  </p:clrMapOvr>
-</p:sld>
-</file>
-
-<file path=ppt/slides/slide14.xml><?xml version="1.0" encoding="utf-8"?>
-<p:sld xmlns:a="http://schemas.openxmlformats.org/drawingml/2006/main" xmlns:r="http://schemas.openxmlformats.org/officeDocument/2006/relationships" xmlns:p="http://schemas.openxmlformats.org/presentationml/2006/main">
-  <p:cSld>
-    <p:spTree>
-      <p:nvGrpSpPr>
-        <p:cNvPr id="1" name=""/>
-        <p:cNvGrpSpPr/>
-        <p:nvPr/>
-      </p:nvGrpSpPr>
-      <p:grpSpPr>
-        <a:xfrm>
-          <a:off x="0" y="0"/>
-          <a:ext cx="0" cy="0"/>
-          <a:chOff x="0" y="0"/>
-          <a:chExt cx="0" cy="0"/>
-        </a:xfrm>
-      </p:grpSpPr>
-      <p:sp>
-        <p:nvSpPr>
-          <p:cNvPr id="2" name="Title 1"/>
-          <p:cNvSpPr>
-            <a:spLocks noGrp="1"/>
-          </p:cNvSpPr>
-          <p:nvPr>
-            <p:ph type="title"/>
-          </p:nvPr>
-        </p:nvSpPr>
-        <p:spPr/>
-        <p:txBody>
-          <a:bodyPr/>
-          <a:lstStyle/>
-          <a:p>
-            <a:endParaRPr lang="en-US" dirty="0"/>
-          </a:p>
-        </p:txBody>
-      </p:sp>
-      <p:sp>
-        <p:nvSpPr>
-          <p:cNvPr id="3" name="Content Placeholder 2"/>
-          <p:cNvSpPr>
-            <a:spLocks noGrp="1"/>
-          </p:cNvSpPr>
-          <p:nvPr>
-            <p:ph idx="1"/>
-          </p:nvPr>
-        </p:nvSpPr>
-        <p:spPr/>
-        <p:txBody>
-          <a:bodyPr/>
-          <a:lstStyle/>
-          <a:p>
-            <a:endParaRPr lang="en-US"/>
-          </a:p>
-        </p:txBody>
-      </p:sp>
-    </p:spTree>
-    <p:extLst>
-      <p:ext uri="{BB962C8B-B14F-4D97-AF65-F5344CB8AC3E}">
-        <p14:creationId xmlns:p14="http://schemas.microsoft.com/office/powerpoint/2010/main" val="705585886"/>
-      </p:ext>
-    </p:extLst>
-  </p:cSld>
-  <p:clrMapOvr>
-    <a:masterClrMapping/>
-  </p:clrMapOvr>
-</p:sld>
-</file>
-
-<file path=ppt/slides/slide15.xml><?xml version="1.0" encoding="utf-8"?>
-<p:sld xmlns:a="http://schemas.openxmlformats.org/drawingml/2006/main" xmlns:r="http://schemas.openxmlformats.org/officeDocument/2006/relationships" xmlns:p="http://schemas.openxmlformats.org/presentationml/2006/main">
-  <p:cSld>
-    <p:spTree>
-      <p:nvGrpSpPr>
-        <p:cNvPr id="1" name=""/>
-        <p:cNvGrpSpPr/>
-        <p:nvPr/>
-      </p:nvGrpSpPr>
-      <p:grpSpPr>
-        <a:xfrm>
-          <a:off x="0" y="0"/>
-          <a:ext cx="0" cy="0"/>
-          <a:chOff x="0" y="0"/>
-          <a:chExt cx="0" cy="0"/>
-        </a:xfrm>
-      </p:grpSpPr>
-      <p:sp>
-        <p:nvSpPr>
-          <p:cNvPr id="2" name="Title 1"/>
-          <p:cNvSpPr>
-            <a:spLocks noGrp="1"/>
-          </p:cNvSpPr>
-          <p:nvPr>
-            <p:ph type="title"/>
-          </p:nvPr>
-        </p:nvSpPr>
-        <p:spPr/>
-        <p:txBody>
-          <a:bodyPr/>
-          <a:lstStyle/>
-          <a:p>
-            <a:r>
-              <a:rPr lang="en-US" dirty="0" smtClean="0"/>
-              <a:t>Values</a:t>
-            </a:r>
-            <a:endParaRPr lang="en-US" dirty="0"/>
-          </a:p>
-        </p:txBody>
-      </p:sp>
-      <p:sp>
-        <p:nvSpPr>
-          <p:cNvPr id="3" name="Content Placeholder 2"/>
-          <p:cNvSpPr>
-            <a:spLocks noGrp="1"/>
-          </p:cNvSpPr>
-          <p:nvPr>
-            <p:ph idx="1"/>
-          </p:nvPr>
-        </p:nvSpPr>
-        <p:spPr/>
-        <p:txBody>
-          <a:bodyPr/>
-          <a:lstStyle/>
-          <a:p>
-            <a:r>
-              <a:rPr lang="en-US" dirty="0" smtClean="0"/>
-              <a:t>Communication</a:t>
-            </a:r>
-          </a:p>
-          <a:p>
-            <a:r>
-              <a:rPr lang="en-US" dirty="0" smtClean="0"/>
-              <a:t>Feedback</a:t>
-            </a:r>
-          </a:p>
-          <a:p>
-            <a:r>
-              <a:rPr lang="en-US" dirty="0" smtClean="0"/>
-              <a:t>Simplicity</a:t>
-            </a:r>
-          </a:p>
-          <a:p>
-            <a:r>
-              <a:rPr lang="en-US" dirty="0" smtClean="0"/>
-              <a:t>Courage </a:t>
-            </a:r>
-          </a:p>
-          <a:p>
-            <a:r>
-              <a:rPr lang="en-US" dirty="0" smtClean="0"/>
-              <a:t>Respect</a:t>
-            </a:r>
-          </a:p>
-          <a:p>
-            <a:endParaRPr lang="en-US" dirty="0" smtClean="0"/>
-          </a:p>
-        </p:txBody>
-      </p:sp>
-    </p:spTree>
-    <p:extLst>
-      <p:ext uri="{BB962C8B-B14F-4D97-AF65-F5344CB8AC3E}">
-        <p14:creationId xmlns:p14="http://schemas.microsoft.com/office/powerpoint/2010/main" val="711094947"/>
-      </p:ext>
-    </p:extLst>
-  </p:cSld>
-  <p:clrMapOvr>
-    <a:masterClrMapping/>
-  </p:clrMapOvr>
-</p:sld>
-</file>
-
-<file path=ppt/slides/slide16.xml><?xml version="1.0" encoding="utf-8"?>
-<p:sld xmlns:a="http://schemas.openxmlformats.org/drawingml/2006/main" xmlns:r="http://schemas.openxmlformats.org/officeDocument/2006/relationships" xmlns:p="http://schemas.openxmlformats.org/presentationml/2006/main">
-  <p:cSld>
-    <p:spTree>
-      <p:nvGrpSpPr>
-        <p:cNvPr id="1" name=""/>
-        <p:cNvGrpSpPr/>
-        <p:nvPr/>
-      </p:nvGrpSpPr>
-      <p:grpSpPr>
-        <a:xfrm>
-          <a:off x="0" y="0"/>
-          <a:ext cx="0" cy="0"/>
-          <a:chOff x="0" y="0"/>
-          <a:chExt cx="0" cy="0"/>
-        </a:xfrm>
-      </p:grpSpPr>
-      <p:sp>
-        <p:nvSpPr>
-          <p:cNvPr id="2" name="Title 1"/>
-          <p:cNvSpPr>
-            <a:spLocks noGrp="1"/>
-          </p:cNvSpPr>
-          <p:nvPr>
-            <p:ph type="title"/>
-          </p:nvPr>
-        </p:nvSpPr>
-        <p:spPr/>
-        <p:txBody>
-          <a:bodyPr/>
-          <a:lstStyle/>
-          <a:p>
-            <a:r>
-              <a:rPr lang="en-US" dirty="0" smtClean="0"/>
-              <a:t>Uses </a:t>
-            </a:r>
-            <a:endParaRPr lang="en-US" dirty="0"/>
-          </a:p>
-        </p:txBody>
-      </p:sp>
-      <p:sp>
-        <p:nvSpPr>
-          <p:cNvPr id="3" name="Content Placeholder 2"/>
-          <p:cNvSpPr>
-            <a:spLocks noGrp="1"/>
-          </p:cNvSpPr>
-          <p:nvPr>
-            <p:ph idx="1"/>
-          </p:nvPr>
-        </p:nvSpPr>
-        <p:spPr/>
-        <p:txBody>
-          <a:bodyPr/>
-          <a:lstStyle/>
-          <a:p>
-            <a:r>
-              <a:rPr lang="en-US" dirty="0"/>
-              <a:t>S</a:t>
-            </a:r>
-            <a:r>
-              <a:rPr lang="en-US" smtClean="0"/>
-              <a:t>ystem </a:t>
-            </a:r>
-            <a:r>
-              <a:rPr lang="en-US" dirty="0" smtClean="0"/>
-              <a:t>requiring constant system changes.</a:t>
-            </a:r>
-          </a:p>
-          <a:p>
-            <a:r>
-              <a:rPr lang="en-US" dirty="0" smtClean="0"/>
-              <a:t>No risk </a:t>
-            </a:r>
-            <a:r>
-              <a:rPr lang="en-US" dirty="0"/>
-              <a:t>of low acceptance of the final product</a:t>
-            </a:r>
-            <a:r>
-              <a:rPr lang="en-US" dirty="0" smtClean="0"/>
-              <a:t>.</a:t>
-            </a:r>
-          </a:p>
-          <a:p>
-            <a:r>
-              <a:rPr lang="en-US" dirty="0" smtClean="0"/>
-              <a:t>Projects in rush</a:t>
-            </a:r>
-          </a:p>
-          <a:p>
-            <a:r>
-              <a:rPr lang="en-US" dirty="0" smtClean="0"/>
-              <a:t>Risky projects</a:t>
-            </a:r>
-          </a:p>
-          <a:p>
-            <a:pPr marL="0" indent="0">
-              <a:buNone/>
-            </a:pPr>
-            <a:endParaRPr lang="en-US" dirty="0"/>
-          </a:p>
-        </p:txBody>
-      </p:sp>
-    </p:spTree>
-    <p:extLst>
-      <p:ext uri="{BB962C8B-B14F-4D97-AF65-F5344CB8AC3E}">
-        <p14:creationId xmlns:p14="http://schemas.microsoft.com/office/powerpoint/2010/main" val="3535064654"/>
-      </p:ext>
-    </p:extLst>
-  </p:cSld>
-  <p:clrMapOvr>
-    <a:masterClrMapping/>
-  </p:clrMapOvr>
-  <p:timing>
-    <p:tnLst>
-      <p:par>
-        <p:cTn id="1" dur="indefinite" restart="never" nodeType="tmRoot">
-          <p:childTnLst>
-            <p:seq concurrent="1" nextAc="seek">
-              <p:cTn id="2" dur="indefinite" nodeType="mainSeq">
-                <p:childTnLst>
-                  <p:par>
-                    <p:cTn id="3" fill="hold">
-                      <p:stCondLst>
-                        <p:cond delay="indefinite"/>
-                      </p:stCondLst>
-                      <p:childTnLst>
-                        <p:par>
-                          <p:cTn id="4" fill="hold">
-                            <p:stCondLst>
-                              <p:cond delay="0"/>
-                            </p:stCondLst>
-                            <p:childTnLst>
-                              <p:par>
-                                <p:cTn id="5" presetID="1" presetClass="entr" presetSubtype="0" fill="hold" grpId="0" nodeType="clickEffect">
-                                  <p:stCondLst>
-                                    <p:cond delay="0"/>
-                                  </p:stCondLst>
-                                  <p:childTnLst>
-                                    <p:set>
-                                      <p:cBhvr>
-                                        <p:cTn id="6" dur="1" fill="hold">
-                                          <p:stCondLst>
-                                            <p:cond delay="0"/>
-                                          </p:stCondLst>
-                                        </p:cTn>
-                                        <p:tgtEl>
-                                          <p:spTgt spid="2"/>
-                                        </p:tgtEl>
-                                        <p:attrNameLst>
-                                          <p:attrName>style.visibility</p:attrName>
-                                        </p:attrNameLst>
-                                      </p:cBhvr>
-                                      <p:to>
-                                        <p:strVal val="visible"/>
-                                      </p:to>
-                                    </p:set>
-                                  </p:childTnLst>
-                                </p:cTn>
-                              </p:par>
-                            </p:childTnLst>
-                          </p:cTn>
-                        </p:par>
-                      </p:childTnLst>
-                    </p:cTn>
-                  </p:par>
-                  <p:par>
-                    <p:cTn id="7" fill="hold">
-                      <p:stCondLst>
-                        <p:cond delay="indefinite"/>
-                      </p:stCondLst>
-                      <p:childTnLst>
-                        <p:par>
-                          <p:cTn id="8" fill="hold">
-                            <p:stCondLst>
-                              <p:cond delay="0"/>
-                            </p:stCondLst>
-                            <p:childTnLst>
-                              <p:par>
-                                <p:cTn id="9" presetID="1" presetClass="entr" presetSubtype="0" fill="hold" nodeType="clickEffect">
-                                  <p:stCondLst>
-                                    <p:cond delay="0"/>
-                                  </p:stCondLst>
-                                  <p:childTnLst>
-                                    <p:set>
-                                      <p:cBhvr>
-                                        <p:cTn id="10" dur="1" fill="hold">
-                                          <p:stCondLst>
-                                            <p:cond delay="0"/>
-                                          </p:stCondLst>
-                                        </p:cTn>
-                                        <p:tgtEl>
-                                          <p:spTgt spid="3">
-                                            <p:txEl>
-                                              <p:pRg st="0" end="0"/>
-                                            </p:txEl>
-                                          </p:spTgt>
-                                        </p:tgtEl>
-                                        <p:attrNameLst>
-                                          <p:attrName>style.visibility</p:attrName>
-                                        </p:attrNameLst>
-                                      </p:cBhvr>
-                                      <p:to>
-                                        <p:strVal val="visible"/>
-                                      </p:to>
-                                    </p:set>
-                                  </p:childTnLst>
-                                </p:cTn>
-                              </p:par>
-                              <p:par>
-                                <p:cTn id="11" presetID="1" presetClass="entr" presetSubtype="0" fill="hold" nodeType="withEffect">
-                                  <p:stCondLst>
-                                    <p:cond delay="0"/>
-                                  </p:stCondLst>
-                                  <p:childTnLst>
-                                    <p:set>
-                                      <p:cBhvr>
-                                        <p:cTn id="12" dur="1" fill="hold">
-                                          <p:stCondLst>
-                                            <p:cond delay="0"/>
-                                          </p:stCondLst>
-                                        </p:cTn>
-                                        <p:tgtEl>
-                                          <p:spTgt spid="3">
-                                            <p:txEl>
-                                              <p:pRg st="1" end="1"/>
-                                            </p:txEl>
-                                          </p:spTgt>
-                                        </p:tgtEl>
-                                        <p:attrNameLst>
-                                          <p:attrName>style.visibility</p:attrName>
-                                        </p:attrNameLst>
-                                      </p:cBhvr>
-                                      <p:to>
-                                        <p:strVal val="visible"/>
-                                      </p:to>
-                                    </p:set>
-                                  </p:childTnLst>
-                                </p:cTn>
-                              </p:par>
-                              <p:par>
-                                <p:cTn id="13" presetID="1" presetClass="entr" presetSubtype="0" fill="hold" nodeType="withEffect">
-                                  <p:stCondLst>
-                                    <p:cond delay="0"/>
-                                  </p:stCondLst>
-                                  <p:childTnLst>
-                                    <p:set>
-                                      <p:cBhvr>
-                                        <p:cTn id="14" dur="1" fill="hold">
-                                          <p:stCondLst>
-                                            <p:cond delay="0"/>
-                                          </p:stCondLst>
-                                        </p:cTn>
-                                        <p:tgtEl>
-                                          <p:spTgt spid="3">
-                                            <p:txEl>
-                                              <p:pRg st="2" end="2"/>
-                                            </p:txEl>
-                                          </p:spTgt>
-                                        </p:tgtEl>
-                                        <p:attrNameLst>
-                                          <p:attrName>style.visibility</p:attrName>
-                                        </p:attrNameLst>
-                                      </p:cBhvr>
-                                      <p:to>
-                                        <p:strVal val="visible"/>
-                                      </p:to>
-                                    </p:set>
-                                  </p:childTnLst>
-                                </p:cTn>
-                              </p:par>
-                              <p:par>
-                                <p:cTn id="15" presetID="1" presetClass="entr" presetSubtype="0" fill="hold" nodeType="withEffect">
-                                  <p:stCondLst>
-                                    <p:cond delay="0"/>
-                                  </p:stCondLst>
-                                  <p:childTnLst>
-                                    <p:set>
-                                      <p:cBhvr>
-                                        <p:cTn id="16" dur="1" fill="hold">
-                                          <p:stCondLst>
-                                            <p:cond delay="0"/>
-                                          </p:stCondLst>
-                                        </p:cTn>
-                                        <p:tgtEl>
-                                          <p:spTgt spid="3">
-                                            <p:txEl>
-                                              <p:pRg st="3" end="3"/>
-                                            </p:txEl>
-                                          </p:spTgt>
-                                        </p:tgtEl>
-                                        <p:attrNameLst>
-                                          <p:attrName>style.visibility</p:attrName>
-                                        </p:attrNameLst>
-                                      </p:cBhvr>
-                                      <p:to>
-                                        <p:strVal val="visible"/>
-                                      </p:to>
-                                    </p:set>
-                                  </p:childTnLst>
-                                </p:cTn>
-                              </p:par>
-                            </p:childTnLst>
-                          </p:cTn>
-                        </p:par>
-                      </p:childTnLst>
-                    </p:cTn>
-                  </p:par>
-                </p:childTnLst>
-              </p:cTn>
-              <p:prevCondLst>
-                <p:cond evt="onPrev" delay="0">
-                  <p:tgtEl>
-                    <p:sldTgt/>
-                  </p:tgtEl>
-                </p:cond>
-              </p:prevCondLst>
-              <p:nextCondLst>
-                <p:cond evt="onNext" delay="0">
-                  <p:tgtEl>
-                    <p:sldTgt/>
-                  </p:tgtEl>
-                </p:cond>
-              </p:nextCondLst>
-            </p:seq>
-          </p:childTnLst>
-        </p:cTn>
-      </p:par>
-    </p:tnLst>
-    <p:bldLst>
-      <p:bldP spid="2" grpId="0"/>
-    </p:bldLst>
   </p:timing>
 </p:sld>
 </file>
@@ -23182,7 +13477,7 @@
           <p:cNvPr id="5" name="TextBox 4">
             <a:extLst>
               <a:ext uri="{FF2B5EF4-FFF2-40B4-BE49-F238E27FC236}">
-                <a16:creationId xmlns:a16="http://schemas.microsoft.com/office/drawing/2014/main" xmlns="" id="{845BC587-C97E-5C40-ADA8-4F2558DF8CD7}"/>
+                <a16:creationId xmlns="" xmlns:a16="http://schemas.microsoft.com/office/drawing/2014/main" id="{845BC587-C97E-5C40-ADA8-4F2558DF8CD7}"/>
               </a:ext>
             </a:extLst>
           </p:cNvPr>
@@ -23283,7 +13578,7 @@
           <p:cNvPr id="2" name="Title 1">
             <a:extLst>
               <a:ext uri="{FF2B5EF4-FFF2-40B4-BE49-F238E27FC236}">
-                <a16:creationId xmlns:a16="http://schemas.microsoft.com/office/drawing/2014/main" xmlns="" id="{C93B6084-F736-A941-B57C-DA4A0F990DB0}"/>
+                <a16:creationId xmlns="" xmlns:a16="http://schemas.microsoft.com/office/drawing/2014/main" id="{C93B6084-F736-A941-B57C-DA4A0F990DB0}"/>
               </a:ext>
             </a:extLst>
           </p:cNvPr>
@@ -23321,7 +13616,7 @@
           <p:cNvPr id="6" name="TextBox 5">
             <a:extLst>
               <a:ext uri="{FF2B5EF4-FFF2-40B4-BE49-F238E27FC236}">
-                <a16:creationId xmlns:a16="http://schemas.microsoft.com/office/drawing/2014/main" xmlns="" id="{4E292BAC-9FB4-7241-A8BB-F0A7AC4E93FD}"/>
+                <a16:creationId xmlns="" xmlns:a16="http://schemas.microsoft.com/office/drawing/2014/main" id="{4E292BAC-9FB4-7241-A8BB-F0A7AC4E93FD}"/>
               </a:ext>
             </a:extLst>
           </p:cNvPr>

--- a/extreme_programming.pptx
+++ b/extreme_programming.pptx
@@ -124,753 +124,6 @@
 </file>
 
 <file path=ppt/diagrams/colors1.xml><?xml version="1.0" encoding="utf-8"?>
-<dgm:colorsDef xmlns:dgm="http://schemas.openxmlformats.org/drawingml/2006/diagram" xmlns:a="http://schemas.openxmlformats.org/drawingml/2006/main" uniqueId="urn:microsoft.com/office/officeart/2005/8/colors/accent1_2">
-  <dgm:title val=""/>
-  <dgm:desc val=""/>
-  <dgm:catLst>
-    <dgm:cat type="accent1" pri="11200"/>
-  </dgm:catLst>
-  <dgm:styleLbl name="node0">
-    <dgm:fillClrLst meth="repeat">
-      <a:schemeClr val="accent1"/>
-    </dgm:fillClrLst>
-    <dgm:linClrLst meth="repeat">
-      <a:schemeClr val="lt1"/>
-    </dgm:linClrLst>
-    <dgm:effectClrLst/>
-    <dgm:txLinClrLst/>
-    <dgm:txFillClrLst/>
-    <dgm:txEffectClrLst/>
-  </dgm:styleLbl>
-  <dgm:styleLbl name="alignNode1">
-    <dgm:fillClrLst meth="repeat">
-      <a:schemeClr val="accent1"/>
-    </dgm:fillClrLst>
-    <dgm:linClrLst meth="repeat">
-      <a:schemeClr val="accent1"/>
-    </dgm:linClrLst>
-    <dgm:effectClrLst/>
-    <dgm:txLinClrLst/>
-    <dgm:txFillClrLst/>
-    <dgm:txEffectClrLst/>
-  </dgm:styleLbl>
-  <dgm:styleLbl name="node1">
-    <dgm:fillClrLst meth="repeat">
-      <a:schemeClr val="accent1"/>
-    </dgm:fillClrLst>
-    <dgm:linClrLst meth="repeat">
-      <a:schemeClr val="lt1"/>
-    </dgm:linClrLst>
-    <dgm:effectClrLst/>
-    <dgm:txLinClrLst/>
-    <dgm:txFillClrLst/>
-    <dgm:txEffectClrLst/>
-  </dgm:styleLbl>
-  <dgm:styleLbl name="lnNode1">
-    <dgm:fillClrLst meth="repeat">
-      <a:schemeClr val="accent1"/>
-    </dgm:fillClrLst>
-    <dgm:linClrLst meth="repeat">
-      <a:schemeClr val="lt1"/>
-    </dgm:linClrLst>
-    <dgm:effectClrLst/>
-    <dgm:txLinClrLst/>
-    <dgm:txFillClrLst/>
-    <dgm:txEffectClrLst/>
-  </dgm:styleLbl>
-  <dgm:styleLbl name="vennNode1">
-    <dgm:fillClrLst meth="repeat">
-      <a:schemeClr val="accent1">
-        <a:alpha val="50000"/>
-      </a:schemeClr>
-    </dgm:fillClrLst>
-    <dgm:linClrLst meth="repeat">
-      <a:schemeClr val="lt1"/>
-    </dgm:linClrLst>
-    <dgm:effectClrLst/>
-    <dgm:txLinClrLst/>
-    <dgm:txFillClrLst/>
-    <dgm:txEffectClrLst/>
-  </dgm:styleLbl>
-  <dgm:styleLbl name="node2">
-    <dgm:fillClrLst meth="repeat">
-      <a:schemeClr val="accent1"/>
-    </dgm:fillClrLst>
-    <dgm:linClrLst meth="repeat">
-      <a:schemeClr val="lt1"/>
-    </dgm:linClrLst>
-    <dgm:effectClrLst/>
-    <dgm:txLinClrLst/>
-    <dgm:txFillClrLst/>
-    <dgm:txEffectClrLst/>
-  </dgm:styleLbl>
-  <dgm:styleLbl name="node3">
-    <dgm:fillClrLst meth="repeat">
-      <a:schemeClr val="accent1"/>
-    </dgm:fillClrLst>
-    <dgm:linClrLst meth="repeat">
-      <a:schemeClr val="lt1"/>
-    </dgm:linClrLst>
-    <dgm:effectClrLst/>
-    <dgm:txLinClrLst/>
-    <dgm:txFillClrLst/>
-    <dgm:txEffectClrLst/>
-  </dgm:styleLbl>
-  <dgm:styleLbl name="node4">
-    <dgm:fillClrLst meth="repeat">
-      <a:schemeClr val="accent1"/>
-    </dgm:fillClrLst>
-    <dgm:linClrLst meth="repeat">
-      <a:schemeClr val="lt1"/>
-    </dgm:linClrLst>
-    <dgm:effectClrLst/>
-    <dgm:txLinClrLst/>
-    <dgm:txFillClrLst/>
-    <dgm:txEffectClrLst/>
-  </dgm:styleLbl>
-  <dgm:styleLbl name="fgImgPlace1">
-    <dgm:fillClrLst meth="repeat">
-      <a:schemeClr val="accent1">
-        <a:tint val="50000"/>
-      </a:schemeClr>
-    </dgm:fillClrLst>
-    <dgm:linClrLst meth="repeat">
-      <a:schemeClr val="lt1"/>
-    </dgm:linClrLst>
-    <dgm:effectClrLst/>
-    <dgm:txLinClrLst/>
-    <dgm:txFillClrLst meth="repeat">
-      <a:schemeClr val="lt1"/>
-    </dgm:txFillClrLst>
-    <dgm:txEffectClrLst/>
-  </dgm:styleLbl>
-  <dgm:styleLbl name="alignImgPlace1">
-    <dgm:fillClrLst meth="repeat">
-      <a:schemeClr val="accent1">
-        <a:tint val="50000"/>
-      </a:schemeClr>
-    </dgm:fillClrLst>
-    <dgm:linClrLst meth="repeat">
-      <a:schemeClr val="lt1"/>
-    </dgm:linClrLst>
-    <dgm:effectClrLst/>
-    <dgm:txLinClrLst/>
-    <dgm:txFillClrLst meth="repeat">
-      <a:schemeClr val="lt1"/>
-    </dgm:txFillClrLst>
-    <dgm:txEffectClrLst/>
-  </dgm:styleLbl>
-  <dgm:styleLbl name="bgImgPlace1">
-    <dgm:fillClrLst meth="repeat">
-      <a:schemeClr val="accent1">
-        <a:tint val="50000"/>
-      </a:schemeClr>
-    </dgm:fillClrLst>
-    <dgm:linClrLst meth="repeat">
-      <a:schemeClr val="lt1"/>
-    </dgm:linClrLst>
-    <dgm:effectClrLst/>
-    <dgm:txLinClrLst/>
-    <dgm:txFillClrLst meth="repeat">
-      <a:schemeClr val="lt1"/>
-    </dgm:txFillClrLst>
-    <dgm:txEffectClrLst/>
-  </dgm:styleLbl>
-  <dgm:styleLbl name="sibTrans2D1">
-    <dgm:fillClrLst meth="repeat">
-      <a:schemeClr val="accent1">
-        <a:tint val="60000"/>
-      </a:schemeClr>
-    </dgm:fillClrLst>
-    <dgm:linClrLst meth="repeat">
-      <a:schemeClr val="accent1">
-        <a:tint val="60000"/>
-      </a:schemeClr>
-    </dgm:linClrLst>
-    <dgm:effectClrLst/>
-    <dgm:txLinClrLst/>
-    <dgm:txFillClrLst/>
-    <dgm:txEffectClrLst/>
-  </dgm:styleLbl>
-  <dgm:styleLbl name="fgSibTrans2D1">
-    <dgm:fillClrLst meth="repeat">
-      <a:schemeClr val="accent1">
-        <a:tint val="60000"/>
-      </a:schemeClr>
-    </dgm:fillClrLst>
-    <dgm:linClrLst meth="repeat">
-      <a:schemeClr val="accent1">
-        <a:tint val="60000"/>
-      </a:schemeClr>
-    </dgm:linClrLst>
-    <dgm:effectClrLst/>
-    <dgm:txLinClrLst/>
-    <dgm:txFillClrLst/>
-    <dgm:txEffectClrLst/>
-  </dgm:styleLbl>
-  <dgm:styleLbl name="bgSibTrans2D1">
-    <dgm:fillClrLst meth="repeat">
-      <a:schemeClr val="accent1">
-        <a:tint val="60000"/>
-      </a:schemeClr>
-    </dgm:fillClrLst>
-    <dgm:linClrLst meth="repeat">
-      <a:schemeClr val="accent1">
-        <a:tint val="60000"/>
-      </a:schemeClr>
-    </dgm:linClrLst>
-    <dgm:effectClrLst/>
-    <dgm:txLinClrLst/>
-    <dgm:txFillClrLst/>
-    <dgm:txEffectClrLst/>
-  </dgm:styleLbl>
-  <dgm:styleLbl name="sibTrans1D1">
-    <dgm:fillClrLst meth="repeat">
-      <a:schemeClr val="accent1"/>
-    </dgm:fillClrLst>
-    <dgm:linClrLst meth="repeat">
-      <a:schemeClr val="accent1"/>
-    </dgm:linClrLst>
-    <dgm:effectClrLst/>
-    <dgm:txLinClrLst/>
-    <dgm:txFillClrLst meth="repeat">
-      <a:schemeClr val="tx1"/>
-    </dgm:txFillClrLst>
-    <dgm:txEffectClrLst/>
-  </dgm:styleLbl>
-  <dgm:styleLbl name="callout">
-    <dgm:fillClrLst meth="repeat">
-      <a:schemeClr val="accent1"/>
-    </dgm:fillClrLst>
-    <dgm:linClrLst meth="repeat">
-      <a:schemeClr val="accent1">
-        <a:tint val="50000"/>
-      </a:schemeClr>
-    </dgm:linClrLst>
-    <dgm:effectClrLst/>
-    <dgm:txLinClrLst/>
-    <dgm:txFillClrLst meth="repeat">
-      <a:schemeClr val="tx1"/>
-    </dgm:txFillClrLst>
-    <dgm:txEffectClrLst/>
-  </dgm:styleLbl>
-  <dgm:styleLbl name="asst0">
-    <dgm:fillClrLst meth="repeat">
-      <a:schemeClr val="accent1"/>
-    </dgm:fillClrLst>
-    <dgm:linClrLst meth="repeat">
-      <a:schemeClr val="lt1"/>
-    </dgm:linClrLst>
-    <dgm:effectClrLst/>
-    <dgm:txLinClrLst/>
-    <dgm:txFillClrLst/>
-    <dgm:txEffectClrLst/>
-  </dgm:styleLbl>
-  <dgm:styleLbl name="asst1">
-    <dgm:fillClrLst meth="repeat">
-      <a:schemeClr val="accent1"/>
-    </dgm:fillClrLst>
-    <dgm:linClrLst meth="repeat">
-      <a:schemeClr val="lt1"/>
-    </dgm:linClrLst>
-    <dgm:effectClrLst/>
-    <dgm:txLinClrLst/>
-    <dgm:txFillClrLst/>
-    <dgm:txEffectClrLst/>
-  </dgm:styleLbl>
-  <dgm:styleLbl name="asst2">
-    <dgm:fillClrLst meth="repeat">
-      <a:schemeClr val="accent1"/>
-    </dgm:fillClrLst>
-    <dgm:linClrLst meth="repeat">
-      <a:schemeClr val="lt1"/>
-    </dgm:linClrLst>
-    <dgm:effectClrLst/>
-    <dgm:txLinClrLst/>
-    <dgm:txFillClrLst/>
-    <dgm:txEffectClrLst/>
-  </dgm:styleLbl>
-  <dgm:styleLbl name="asst3">
-    <dgm:fillClrLst meth="repeat">
-      <a:schemeClr val="accent1"/>
-    </dgm:fillClrLst>
-    <dgm:linClrLst meth="repeat">
-      <a:schemeClr val="lt1"/>
-    </dgm:linClrLst>
-    <dgm:effectClrLst/>
-    <dgm:txLinClrLst/>
-    <dgm:txFillClrLst/>
-    <dgm:txEffectClrLst/>
-  </dgm:styleLbl>
-  <dgm:styleLbl name="asst4">
-    <dgm:fillClrLst meth="repeat">
-      <a:schemeClr val="accent1"/>
-    </dgm:fillClrLst>
-    <dgm:linClrLst meth="repeat">
-      <a:schemeClr val="lt1"/>
-    </dgm:linClrLst>
-    <dgm:effectClrLst/>
-    <dgm:txLinClrLst/>
-    <dgm:txFillClrLst/>
-    <dgm:txEffectClrLst/>
-  </dgm:styleLbl>
-  <dgm:styleLbl name="parChTrans2D1">
-    <dgm:fillClrLst meth="repeat">
-      <a:schemeClr val="accent1">
-        <a:tint val="60000"/>
-      </a:schemeClr>
-    </dgm:fillClrLst>
-    <dgm:linClrLst meth="repeat">
-      <a:schemeClr val="accent1">
-        <a:tint val="60000"/>
-      </a:schemeClr>
-    </dgm:linClrLst>
-    <dgm:effectClrLst/>
-    <dgm:txLinClrLst/>
-    <dgm:txFillClrLst meth="repeat">
-      <a:schemeClr val="lt1"/>
-    </dgm:txFillClrLst>
-    <dgm:txEffectClrLst/>
-  </dgm:styleLbl>
-  <dgm:styleLbl name="parChTrans2D2">
-    <dgm:fillClrLst meth="repeat">
-      <a:schemeClr val="accent1"/>
-    </dgm:fillClrLst>
-    <dgm:linClrLst meth="repeat">
-      <a:schemeClr val="accent1"/>
-    </dgm:linClrLst>
-    <dgm:effectClrLst/>
-    <dgm:txLinClrLst/>
-    <dgm:txFillClrLst meth="repeat">
-      <a:schemeClr val="lt1"/>
-    </dgm:txFillClrLst>
-    <dgm:txEffectClrLst/>
-  </dgm:styleLbl>
-  <dgm:styleLbl name="parChTrans2D3">
-    <dgm:fillClrLst meth="repeat">
-      <a:schemeClr val="accent1"/>
-    </dgm:fillClrLst>
-    <dgm:linClrLst meth="repeat">
-      <a:schemeClr val="accent1"/>
-    </dgm:linClrLst>
-    <dgm:effectClrLst/>
-    <dgm:txLinClrLst/>
-    <dgm:txFillClrLst meth="repeat">
-      <a:schemeClr val="lt1"/>
-    </dgm:txFillClrLst>
-    <dgm:txEffectClrLst/>
-  </dgm:styleLbl>
-  <dgm:styleLbl name="parChTrans2D4">
-    <dgm:fillClrLst meth="repeat">
-      <a:schemeClr val="accent1"/>
-    </dgm:fillClrLst>
-    <dgm:linClrLst meth="repeat">
-      <a:schemeClr val="accent1"/>
-    </dgm:linClrLst>
-    <dgm:effectClrLst/>
-    <dgm:txLinClrLst/>
-    <dgm:txFillClrLst meth="repeat">
-      <a:schemeClr val="lt1"/>
-    </dgm:txFillClrLst>
-    <dgm:txEffectClrLst/>
-  </dgm:styleLbl>
-  <dgm:styleLbl name="parChTrans1D1">
-    <dgm:fillClrLst meth="repeat">
-      <a:schemeClr val="accent1"/>
-    </dgm:fillClrLst>
-    <dgm:linClrLst meth="repeat">
-      <a:schemeClr val="accent1">
-        <a:shade val="60000"/>
-      </a:schemeClr>
-    </dgm:linClrLst>
-    <dgm:effectClrLst/>
-    <dgm:txLinClrLst/>
-    <dgm:txFillClrLst meth="repeat">
-      <a:schemeClr val="tx1"/>
-    </dgm:txFillClrLst>
-    <dgm:txEffectClrLst/>
-  </dgm:styleLbl>
-  <dgm:styleLbl name="parChTrans1D2">
-    <dgm:fillClrLst meth="repeat">
-      <a:schemeClr val="accent1"/>
-    </dgm:fillClrLst>
-    <dgm:linClrLst meth="repeat">
-      <a:schemeClr val="accent1">
-        <a:shade val="60000"/>
-      </a:schemeClr>
-    </dgm:linClrLst>
-    <dgm:effectClrLst/>
-    <dgm:txLinClrLst/>
-    <dgm:txFillClrLst meth="repeat">
-      <a:schemeClr val="tx1"/>
-    </dgm:txFillClrLst>
-    <dgm:txEffectClrLst/>
-  </dgm:styleLbl>
-  <dgm:styleLbl name="parChTrans1D3">
-    <dgm:fillClrLst meth="repeat">
-      <a:schemeClr val="accent1"/>
-    </dgm:fillClrLst>
-    <dgm:linClrLst meth="repeat">
-      <a:schemeClr val="accent1">
-        <a:shade val="80000"/>
-      </a:schemeClr>
-    </dgm:linClrLst>
-    <dgm:effectClrLst/>
-    <dgm:txLinClrLst/>
-    <dgm:txFillClrLst meth="repeat">
-      <a:schemeClr val="tx1"/>
-    </dgm:txFillClrLst>
-    <dgm:txEffectClrLst/>
-  </dgm:styleLbl>
-  <dgm:styleLbl name="parChTrans1D4">
-    <dgm:fillClrLst meth="repeat">
-      <a:schemeClr val="accent1"/>
-    </dgm:fillClrLst>
-    <dgm:linClrLst meth="repeat">
-      <a:schemeClr val="accent1">
-        <a:shade val="80000"/>
-      </a:schemeClr>
-    </dgm:linClrLst>
-    <dgm:effectClrLst/>
-    <dgm:txLinClrLst/>
-    <dgm:txFillClrLst meth="repeat">
-      <a:schemeClr val="tx1"/>
-    </dgm:txFillClrLst>
-    <dgm:txEffectClrLst/>
-  </dgm:styleLbl>
-  <dgm:styleLbl name="fgAcc1">
-    <dgm:fillClrLst meth="repeat">
-      <a:schemeClr val="lt1">
-        <a:alpha val="90000"/>
-      </a:schemeClr>
-    </dgm:fillClrLst>
-    <dgm:linClrLst meth="repeat">
-      <a:schemeClr val="accent1"/>
-    </dgm:linClrLst>
-    <dgm:effectClrLst/>
-    <dgm:txLinClrLst/>
-    <dgm:txFillClrLst meth="repeat">
-      <a:schemeClr val="dk1"/>
-    </dgm:txFillClrLst>
-    <dgm:txEffectClrLst/>
-  </dgm:styleLbl>
-  <dgm:styleLbl name="conFgAcc1">
-    <dgm:fillClrLst meth="repeat">
-      <a:schemeClr val="lt1">
-        <a:alpha val="90000"/>
-      </a:schemeClr>
-    </dgm:fillClrLst>
-    <dgm:linClrLst meth="repeat">
-      <a:schemeClr val="accent1"/>
-    </dgm:linClrLst>
-    <dgm:effectClrLst/>
-    <dgm:txLinClrLst/>
-    <dgm:txFillClrLst meth="repeat">
-      <a:schemeClr val="dk1"/>
-    </dgm:txFillClrLst>
-    <dgm:txEffectClrLst/>
-  </dgm:styleLbl>
-  <dgm:styleLbl name="alignAcc1">
-    <dgm:fillClrLst meth="repeat">
-      <a:schemeClr val="lt1">
-        <a:alpha val="90000"/>
-      </a:schemeClr>
-    </dgm:fillClrLst>
-    <dgm:linClrLst meth="repeat">
-      <a:schemeClr val="accent1"/>
-    </dgm:linClrLst>
-    <dgm:effectClrLst/>
-    <dgm:txLinClrLst/>
-    <dgm:txFillClrLst meth="repeat">
-      <a:schemeClr val="dk1"/>
-    </dgm:txFillClrLst>
-    <dgm:txEffectClrLst/>
-  </dgm:styleLbl>
-  <dgm:styleLbl name="trAlignAcc1">
-    <dgm:fillClrLst meth="repeat">
-      <a:schemeClr val="lt1">
-        <a:alpha val="40000"/>
-      </a:schemeClr>
-    </dgm:fillClrLst>
-    <dgm:linClrLst meth="repeat">
-      <a:schemeClr val="accent1"/>
-    </dgm:linClrLst>
-    <dgm:effectClrLst/>
-    <dgm:txLinClrLst/>
-    <dgm:txFillClrLst meth="repeat">
-      <a:schemeClr val="dk1"/>
-    </dgm:txFillClrLst>
-    <dgm:txEffectClrLst/>
-  </dgm:styleLbl>
-  <dgm:styleLbl name="bgAcc1">
-    <dgm:fillClrLst meth="repeat">
-      <a:schemeClr val="lt1">
-        <a:alpha val="90000"/>
-      </a:schemeClr>
-    </dgm:fillClrLst>
-    <dgm:linClrLst meth="repeat">
-      <a:schemeClr val="accent1"/>
-    </dgm:linClrLst>
-    <dgm:effectClrLst/>
-    <dgm:txLinClrLst/>
-    <dgm:txFillClrLst meth="repeat">
-      <a:schemeClr val="dk1"/>
-    </dgm:txFillClrLst>
-    <dgm:txEffectClrLst/>
-  </dgm:styleLbl>
-  <dgm:styleLbl name="solidFgAcc1">
-    <dgm:fillClrLst meth="repeat">
-      <a:schemeClr val="lt1"/>
-    </dgm:fillClrLst>
-    <dgm:linClrLst meth="repeat">
-      <a:schemeClr val="accent1"/>
-    </dgm:linClrLst>
-    <dgm:effectClrLst/>
-    <dgm:txLinClrLst/>
-    <dgm:txFillClrLst meth="repeat">
-      <a:schemeClr val="dk1"/>
-    </dgm:txFillClrLst>
-    <dgm:txEffectClrLst/>
-  </dgm:styleLbl>
-  <dgm:styleLbl name="solidAlignAcc1">
-    <dgm:fillClrLst meth="repeat">
-      <a:schemeClr val="lt1"/>
-    </dgm:fillClrLst>
-    <dgm:linClrLst meth="repeat">
-      <a:schemeClr val="accent1"/>
-    </dgm:linClrLst>
-    <dgm:effectClrLst/>
-    <dgm:txLinClrLst/>
-    <dgm:txFillClrLst meth="repeat">
-      <a:schemeClr val="dk1"/>
-    </dgm:txFillClrLst>
-    <dgm:txEffectClrLst/>
-  </dgm:styleLbl>
-  <dgm:styleLbl name="solidBgAcc1">
-    <dgm:fillClrLst meth="repeat">
-      <a:schemeClr val="lt1"/>
-    </dgm:fillClrLst>
-    <dgm:linClrLst meth="repeat">
-      <a:schemeClr val="accent1"/>
-    </dgm:linClrLst>
-    <dgm:effectClrLst/>
-    <dgm:txLinClrLst/>
-    <dgm:txFillClrLst meth="repeat">
-      <a:schemeClr val="dk1"/>
-    </dgm:txFillClrLst>
-    <dgm:txEffectClrLst/>
-  </dgm:styleLbl>
-  <dgm:styleLbl name="fgAccFollowNode1">
-    <dgm:fillClrLst meth="repeat">
-      <a:schemeClr val="accent1">
-        <a:alpha val="90000"/>
-        <a:tint val="40000"/>
-      </a:schemeClr>
-    </dgm:fillClrLst>
-    <dgm:linClrLst meth="repeat">
-      <a:schemeClr val="accent1">
-        <a:alpha val="90000"/>
-        <a:tint val="40000"/>
-      </a:schemeClr>
-    </dgm:linClrLst>
-    <dgm:effectClrLst/>
-    <dgm:txLinClrLst/>
-    <dgm:txFillClrLst meth="repeat">
-      <a:schemeClr val="dk1"/>
-    </dgm:txFillClrLst>
-    <dgm:txEffectClrLst/>
-  </dgm:styleLbl>
-  <dgm:styleLbl name="alignAccFollowNode1">
-    <dgm:fillClrLst meth="repeat">
-      <a:schemeClr val="accent1">
-        <a:alpha val="90000"/>
-        <a:tint val="40000"/>
-      </a:schemeClr>
-    </dgm:fillClrLst>
-    <dgm:linClrLst meth="repeat">
-      <a:schemeClr val="accent1">
-        <a:alpha val="90000"/>
-        <a:tint val="40000"/>
-      </a:schemeClr>
-    </dgm:linClrLst>
-    <dgm:effectClrLst/>
-    <dgm:txLinClrLst/>
-    <dgm:txFillClrLst meth="repeat">
-      <a:schemeClr val="dk1"/>
-    </dgm:txFillClrLst>
-    <dgm:txEffectClrLst/>
-  </dgm:styleLbl>
-  <dgm:styleLbl name="bgAccFollowNode1">
-    <dgm:fillClrLst meth="repeat">
-      <a:schemeClr val="accent1">
-        <a:alpha val="90000"/>
-        <a:tint val="40000"/>
-      </a:schemeClr>
-    </dgm:fillClrLst>
-    <dgm:linClrLst meth="repeat">
-      <a:schemeClr val="accent1">
-        <a:alpha val="90000"/>
-        <a:tint val="40000"/>
-      </a:schemeClr>
-    </dgm:linClrLst>
-    <dgm:effectClrLst/>
-    <dgm:txLinClrLst/>
-    <dgm:txFillClrLst meth="repeat">
-      <a:schemeClr val="dk1"/>
-    </dgm:txFillClrLst>
-    <dgm:txEffectClrLst/>
-  </dgm:styleLbl>
-  <dgm:styleLbl name="fgAcc0">
-    <dgm:fillClrLst meth="repeat">
-      <a:schemeClr val="lt1">
-        <a:alpha val="90000"/>
-      </a:schemeClr>
-    </dgm:fillClrLst>
-    <dgm:linClrLst meth="repeat">
-      <a:schemeClr val="accent1"/>
-    </dgm:linClrLst>
-    <dgm:effectClrLst/>
-    <dgm:txLinClrLst/>
-    <dgm:txFillClrLst meth="repeat">
-      <a:schemeClr val="dk1"/>
-    </dgm:txFillClrLst>
-    <dgm:txEffectClrLst/>
-  </dgm:styleLbl>
-  <dgm:styleLbl name="fgAcc2">
-    <dgm:fillClrLst meth="repeat">
-      <a:schemeClr val="lt1">
-        <a:alpha val="90000"/>
-      </a:schemeClr>
-    </dgm:fillClrLst>
-    <dgm:linClrLst meth="repeat">
-      <a:schemeClr val="accent1"/>
-    </dgm:linClrLst>
-    <dgm:effectClrLst/>
-    <dgm:txLinClrLst/>
-    <dgm:txFillClrLst meth="repeat">
-      <a:schemeClr val="dk1"/>
-    </dgm:txFillClrLst>
-    <dgm:txEffectClrLst/>
-  </dgm:styleLbl>
-  <dgm:styleLbl name="fgAcc3">
-    <dgm:fillClrLst meth="repeat">
-      <a:schemeClr val="lt1">
-        <a:alpha val="90000"/>
-      </a:schemeClr>
-    </dgm:fillClrLst>
-    <dgm:linClrLst meth="repeat">
-      <a:schemeClr val="accent1"/>
-    </dgm:linClrLst>
-    <dgm:effectClrLst/>
-    <dgm:txLinClrLst/>
-    <dgm:txFillClrLst meth="repeat">
-      <a:schemeClr val="dk1"/>
-    </dgm:txFillClrLst>
-    <dgm:txEffectClrLst/>
-  </dgm:styleLbl>
-  <dgm:styleLbl name="fgAcc4">
-    <dgm:fillClrLst meth="repeat">
-      <a:schemeClr val="lt1">
-        <a:alpha val="90000"/>
-      </a:schemeClr>
-    </dgm:fillClrLst>
-    <dgm:linClrLst meth="repeat">
-      <a:schemeClr val="accent1"/>
-    </dgm:linClrLst>
-    <dgm:effectClrLst/>
-    <dgm:txLinClrLst/>
-    <dgm:txFillClrLst meth="repeat">
-      <a:schemeClr val="dk1"/>
-    </dgm:txFillClrLst>
-    <dgm:txEffectClrLst/>
-  </dgm:styleLbl>
-  <dgm:styleLbl name="bgShp">
-    <dgm:fillClrLst meth="repeat">
-      <a:schemeClr val="accent1">
-        <a:tint val="40000"/>
-      </a:schemeClr>
-    </dgm:fillClrLst>
-    <dgm:linClrLst meth="repeat">
-      <a:schemeClr val="accent1"/>
-    </dgm:linClrLst>
-    <dgm:effectClrLst/>
-    <dgm:txLinClrLst/>
-    <dgm:txFillClrLst meth="repeat">
-      <a:schemeClr val="dk1"/>
-    </dgm:txFillClrLst>
-    <dgm:txEffectClrLst/>
-  </dgm:styleLbl>
-  <dgm:styleLbl name="dkBgShp">
-    <dgm:fillClrLst meth="repeat">
-      <a:schemeClr val="accent1">
-        <a:shade val="80000"/>
-      </a:schemeClr>
-    </dgm:fillClrLst>
-    <dgm:linClrLst meth="repeat">
-      <a:schemeClr val="accent1"/>
-    </dgm:linClrLst>
-    <dgm:effectClrLst/>
-    <dgm:txLinClrLst/>
-    <dgm:txFillClrLst meth="repeat">
-      <a:schemeClr val="lt1"/>
-    </dgm:txFillClrLst>
-    <dgm:txEffectClrLst/>
-  </dgm:styleLbl>
-  <dgm:styleLbl name="trBgShp">
-    <dgm:fillClrLst meth="repeat">
-      <a:schemeClr val="accent1">
-        <a:tint val="50000"/>
-        <a:alpha val="40000"/>
-      </a:schemeClr>
-    </dgm:fillClrLst>
-    <dgm:linClrLst meth="repeat">
-      <a:schemeClr val="accent1"/>
-    </dgm:linClrLst>
-    <dgm:effectClrLst/>
-    <dgm:txLinClrLst/>
-    <dgm:txFillClrLst meth="repeat">
-      <a:schemeClr val="lt1"/>
-    </dgm:txFillClrLst>
-    <dgm:txEffectClrLst/>
-  </dgm:styleLbl>
-  <dgm:styleLbl name="fgShp">
-    <dgm:fillClrLst meth="repeat">
-      <a:schemeClr val="accent1">
-        <a:tint val="60000"/>
-      </a:schemeClr>
-    </dgm:fillClrLst>
-    <dgm:linClrLst meth="repeat">
-      <a:schemeClr val="lt1"/>
-    </dgm:linClrLst>
-    <dgm:effectClrLst/>
-    <dgm:txLinClrLst/>
-    <dgm:txFillClrLst meth="repeat">
-      <a:schemeClr val="dk1"/>
-    </dgm:txFillClrLst>
-    <dgm:txEffectClrLst/>
-  </dgm:styleLbl>
-  <dgm:styleLbl name="revTx">
-    <dgm:fillClrLst meth="repeat">
-      <a:schemeClr val="lt1">
-        <a:alpha val="0"/>
-      </a:schemeClr>
-    </dgm:fillClrLst>
-    <dgm:linClrLst meth="repeat">
-      <a:schemeClr val="dk1">
-        <a:alpha val="0"/>
-      </a:schemeClr>
-    </dgm:linClrLst>
-    <dgm:effectClrLst/>
-    <dgm:txLinClrLst/>
-    <dgm:txFillClrLst meth="repeat">
-      <a:schemeClr val="tx1"/>
-    </dgm:txFillClrLst>
-    <dgm:txEffectClrLst/>
-  </dgm:styleLbl>
-</dgm:colorsDef>
-</file>
-
-<file path=ppt/diagrams/colors2.xml><?xml version="1.0" encoding="utf-8"?>
 <dgm:colorsDef xmlns:dgm="http://schemas.openxmlformats.org/drawingml/2006/diagram" xmlns:a="http://schemas.openxmlformats.org/drawingml/2006/main" uniqueId="urn:microsoft.com/office/officeart/2005/8/colors/accent1_2">
   <dgm:title val=""/>
   <dgm:desc val=""/>
@@ -2221,320 +1474,6 @@
 </dgm:dataModel>
 </file>
 
-<file path=ppt/diagrams/data2.xml><?xml version="1.0" encoding="utf-8"?>
-<dgm:dataModel xmlns:dgm="http://schemas.openxmlformats.org/drawingml/2006/diagram" xmlns:a="http://schemas.openxmlformats.org/drawingml/2006/main">
-  <dgm:ptLst>
-    <dgm:pt modelId="{1C97DF3B-C4C7-4E56-A077-0375F54B8596}" type="doc">
-      <dgm:prSet loTypeId="urn:microsoft.com/office/officeart/2009/layout/CircleArrowProcess" loCatId="cycle" qsTypeId="urn:microsoft.com/office/officeart/2005/8/quickstyle/simple1" qsCatId="simple" csTypeId="urn:microsoft.com/office/officeart/2005/8/colors/accent1_2" csCatId="accent1" phldr="1"/>
-      <dgm:spPr/>
-      <dgm:t>
-        <a:bodyPr/>
-        <a:lstStyle/>
-        <a:p>
-          <a:endParaRPr lang="en-US"/>
-        </a:p>
-      </dgm:t>
-    </dgm:pt>
-    <dgm:pt modelId="{63E7A2EA-8D8B-429C-A89A-63B141C812E0}">
-      <dgm:prSet phldrT="[Text]"/>
-      <dgm:spPr/>
-      <dgm:t>
-        <a:bodyPr/>
-        <a:lstStyle/>
-        <a:p>
-          <a:r>
-            <a:rPr lang="en-US" dirty="0" smtClean="0"/>
-            <a:t>Planning</a:t>
-          </a:r>
-          <a:endParaRPr lang="en-US" dirty="0"/>
-        </a:p>
-      </dgm:t>
-    </dgm:pt>
-    <dgm:pt modelId="{9611AE2C-AD9D-4E43-980F-3980C0592600}" type="parTrans" cxnId="{67BA436E-2BC9-4356-B3A7-90DECC45F6FF}">
-      <dgm:prSet/>
-      <dgm:spPr/>
-      <dgm:t>
-        <a:bodyPr/>
-        <a:lstStyle/>
-        <a:p>
-          <a:endParaRPr lang="en-US"/>
-        </a:p>
-      </dgm:t>
-    </dgm:pt>
-    <dgm:pt modelId="{2DA0FD22-22A5-4DB2-A7CE-511F2E68A384}" type="sibTrans" cxnId="{67BA436E-2BC9-4356-B3A7-90DECC45F6FF}">
-      <dgm:prSet/>
-      <dgm:spPr/>
-      <dgm:t>
-        <a:bodyPr/>
-        <a:lstStyle/>
-        <a:p>
-          <a:endParaRPr lang="en-US"/>
-        </a:p>
-      </dgm:t>
-    </dgm:pt>
-    <dgm:pt modelId="{E1E53C73-CD12-43D9-8D13-BFB606CD3812}">
-      <dgm:prSet phldrT="[Text]"/>
-      <dgm:spPr/>
-      <dgm:t>
-        <a:bodyPr/>
-        <a:lstStyle/>
-        <a:p>
-          <a:r>
-            <a:rPr lang="en-US" dirty="0" smtClean="0"/>
-            <a:t>Analysis</a:t>
-          </a:r>
-          <a:endParaRPr lang="en-US" dirty="0"/>
-        </a:p>
-      </dgm:t>
-    </dgm:pt>
-    <dgm:pt modelId="{66B89DCF-7A99-4E5E-8F2D-90B858504CB5}" type="parTrans" cxnId="{9F14DF10-EAA4-4266-A87E-34217EA6309E}">
-      <dgm:prSet/>
-      <dgm:spPr/>
-      <dgm:t>
-        <a:bodyPr/>
-        <a:lstStyle/>
-        <a:p>
-          <a:endParaRPr lang="en-US"/>
-        </a:p>
-      </dgm:t>
-    </dgm:pt>
-    <dgm:pt modelId="{E5627B72-8677-4082-840E-409C1E54A07E}" type="sibTrans" cxnId="{9F14DF10-EAA4-4266-A87E-34217EA6309E}">
-      <dgm:prSet/>
-      <dgm:spPr/>
-      <dgm:t>
-        <a:bodyPr/>
-        <a:lstStyle/>
-        <a:p>
-          <a:endParaRPr lang="en-US"/>
-        </a:p>
-      </dgm:t>
-    </dgm:pt>
-    <dgm:pt modelId="{ABB256E9-4D25-4C5E-A03F-3AE622D5BAF4}">
-      <dgm:prSet phldrT="[Text]"/>
-      <dgm:spPr/>
-      <dgm:t>
-        <a:bodyPr/>
-        <a:lstStyle/>
-        <a:p>
-          <a:r>
-            <a:rPr lang="en-US" dirty="0" smtClean="0"/>
-            <a:t>Design</a:t>
-          </a:r>
-          <a:endParaRPr lang="en-US" dirty="0"/>
-        </a:p>
-      </dgm:t>
-    </dgm:pt>
-    <dgm:pt modelId="{37F39A6E-457D-41F4-9A2A-7D210F6FD865}" type="parTrans" cxnId="{A06E99AB-5F07-437B-BF71-2E74E740A784}">
-      <dgm:prSet/>
-      <dgm:spPr/>
-      <dgm:t>
-        <a:bodyPr/>
-        <a:lstStyle/>
-        <a:p>
-          <a:endParaRPr lang="en-US"/>
-        </a:p>
-      </dgm:t>
-    </dgm:pt>
-    <dgm:pt modelId="{018F2759-71F3-419D-933D-A5E76ED122FC}" type="sibTrans" cxnId="{A06E99AB-5F07-437B-BF71-2E74E740A784}">
-      <dgm:prSet/>
-      <dgm:spPr/>
-      <dgm:t>
-        <a:bodyPr/>
-        <a:lstStyle/>
-        <a:p>
-          <a:endParaRPr lang="en-US"/>
-        </a:p>
-      </dgm:t>
-    </dgm:pt>
-    <dgm:pt modelId="{339D2472-28BD-48D8-B6DB-6AEAB47DED90}">
-      <dgm:prSet/>
-      <dgm:spPr/>
-      <dgm:t>
-        <a:bodyPr/>
-        <a:lstStyle/>
-        <a:p>
-          <a:r>
-            <a:rPr lang="en-US" dirty="0" smtClean="0"/>
-            <a:t>Implementation</a:t>
-          </a:r>
-          <a:endParaRPr lang="en-US" dirty="0"/>
-        </a:p>
-      </dgm:t>
-    </dgm:pt>
-    <dgm:pt modelId="{27BD4463-0162-4B9F-A2D3-AEF265577F97}" type="parTrans" cxnId="{B9997388-0932-4EFE-A1B7-658B3CCA5442}">
-      <dgm:prSet/>
-      <dgm:spPr/>
-      <dgm:t>
-        <a:bodyPr/>
-        <a:lstStyle/>
-        <a:p>
-          <a:endParaRPr lang="en-US"/>
-        </a:p>
-      </dgm:t>
-    </dgm:pt>
-    <dgm:pt modelId="{3967070B-D125-4D00-ADDA-8B02EB840877}" type="sibTrans" cxnId="{B9997388-0932-4EFE-A1B7-658B3CCA5442}">
-      <dgm:prSet/>
-      <dgm:spPr/>
-      <dgm:t>
-        <a:bodyPr/>
-        <a:lstStyle/>
-        <a:p>
-          <a:endParaRPr lang="en-US"/>
-        </a:p>
-      </dgm:t>
-    </dgm:pt>
-    <dgm:pt modelId="{5D72B1BA-B6D5-4017-A97B-3F57F708DB8B}" type="pres">
-      <dgm:prSet presAssocID="{1C97DF3B-C4C7-4E56-A077-0375F54B8596}" presName="Name0" presStyleCnt="0">
-        <dgm:presLayoutVars>
-          <dgm:chMax val="7"/>
-          <dgm:chPref val="7"/>
-          <dgm:dir/>
-          <dgm:animLvl val="lvl"/>
-        </dgm:presLayoutVars>
-      </dgm:prSet>
-      <dgm:spPr/>
-      <dgm:t>
-        <a:bodyPr/>
-        <a:lstStyle/>
-        <a:p>
-          <a:endParaRPr lang="en-US"/>
-        </a:p>
-      </dgm:t>
-    </dgm:pt>
-    <dgm:pt modelId="{2D4AEB93-7F11-4ED2-8815-198AD5E564C3}" type="pres">
-      <dgm:prSet presAssocID="{63E7A2EA-8D8B-429C-A89A-63B141C812E0}" presName="Accent1" presStyleCnt="0"/>
-      <dgm:spPr/>
-    </dgm:pt>
-    <dgm:pt modelId="{E803077D-DF24-4E8A-A67D-8B0A3C3095E3}" type="pres">
-      <dgm:prSet presAssocID="{63E7A2EA-8D8B-429C-A89A-63B141C812E0}" presName="Accent" presStyleLbl="node1" presStyleIdx="0" presStyleCnt="4" custScaleX="82645" custScaleY="82645"/>
-      <dgm:spPr/>
-    </dgm:pt>
-    <dgm:pt modelId="{5D8640B1-FE58-4174-9B62-EC2A70768EF9}" type="pres">
-      <dgm:prSet presAssocID="{63E7A2EA-8D8B-429C-A89A-63B141C812E0}" presName="Parent1" presStyleLbl="revTx" presStyleIdx="0" presStyleCnt="4">
-        <dgm:presLayoutVars>
-          <dgm:chMax val="1"/>
-          <dgm:chPref val="1"/>
-          <dgm:bulletEnabled val="1"/>
-        </dgm:presLayoutVars>
-      </dgm:prSet>
-      <dgm:spPr/>
-      <dgm:t>
-        <a:bodyPr/>
-        <a:lstStyle/>
-        <a:p>
-          <a:endParaRPr lang="en-US"/>
-        </a:p>
-      </dgm:t>
-    </dgm:pt>
-    <dgm:pt modelId="{C40FB5D4-219E-4649-9B02-24B45D4E06CA}" type="pres">
-      <dgm:prSet presAssocID="{E1E53C73-CD12-43D9-8D13-BFB606CD3812}" presName="Accent2" presStyleCnt="0"/>
-      <dgm:spPr/>
-    </dgm:pt>
-    <dgm:pt modelId="{6B01D528-4FA2-4C64-B3B5-C70B7699133D}" type="pres">
-      <dgm:prSet presAssocID="{E1E53C73-CD12-43D9-8D13-BFB606CD3812}" presName="Accent" presStyleLbl="node1" presStyleIdx="1" presStyleCnt="4" custScaleX="75132" custScaleY="75132"/>
-      <dgm:spPr/>
-    </dgm:pt>
-    <dgm:pt modelId="{DE729958-D000-4185-9D74-F7811337D0A7}" type="pres">
-      <dgm:prSet presAssocID="{E1E53C73-CD12-43D9-8D13-BFB606CD3812}" presName="Parent2" presStyleLbl="revTx" presStyleIdx="1" presStyleCnt="4">
-        <dgm:presLayoutVars>
-          <dgm:chMax val="1"/>
-          <dgm:chPref val="1"/>
-          <dgm:bulletEnabled val="1"/>
-        </dgm:presLayoutVars>
-      </dgm:prSet>
-      <dgm:spPr/>
-      <dgm:t>
-        <a:bodyPr/>
-        <a:lstStyle/>
-        <a:p>
-          <a:endParaRPr lang="en-US"/>
-        </a:p>
-      </dgm:t>
-    </dgm:pt>
-    <dgm:pt modelId="{1AE84A36-F644-4710-8B63-78556536C9B2}" type="pres">
-      <dgm:prSet presAssocID="{ABB256E9-4D25-4C5E-A03F-3AE622D5BAF4}" presName="Accent3" presStyleCnt="0"/>
-      <dgm:spPr/>
-    </dgm:pt>
-    <dgm:pt modelId="{8C4885DB-8DCA-4377-A131-5FC1C7F81BD4}" type="pres">
-      <dgm:prSet presAssocID="{ABB256E9-4D25-4C5E-A03F-3AE622D5BAF4}" presName="Accent" presStyleLbl="node1" presStyleIdx="2" presStyleCnt="4" custScaleX="75132" custScaleY="75132"/>
-      <dgm:spPr/>
-    </dgm:pt>
-    <dgm:pt modelId="{A80AA2DB-D230-4E72-ABB6-3E89B7A0E030}" type="pres">
-      <dgm:prSet presAssocID="{ABB256E9-4D25-4C5E-A03F-3AE622D5BAF4}" presName="Parent3" presStyleLbl="revTx" presStyleIdx="2" presStyleCnt="4">
-        <dgm:presLayoutVars>
-          <dgm:chMax val="1"/>
-          <dgm:chPref val="1"/>
-          <dgm:bulletEnabled val="1"/>
-        </dgm:presLayoutVars>
-      </dgm:prSet>
-      <dgm:spPr/>
-      <dgm:t>
-        <a:bodyPr/>
-        <a:lstStyle/>
-        <a:p>
-          <a:endParaRPr lang="en-US"/>
-        </a:p>
-      </dgm:t>
-    </dgm:pt>
-    <dgm:pt modelId="{D68EACAF-C292-46A9-9ABC-11D300CABFE3}" type="pres">
-      <dgm:prSet presAssocID="{339D2472-28BD-48D8-B6DB-6AEAB47DED90}" presName="Accent4" presStyleCnt="0"/>
-      <dgm:spPr/>
-    </dgm:pt>
-    <dgm:pt modelId="{94F1B919-DAB2-4B55-B975-D8E102722502}" type="pres">
-      <dgm:prSet presAssocID="{339D2472-28BD-48D8-B6DB-6AEAB47DED90}" presName="Accent" presStyleLbl="node1" presStyleIdx="3" presStyleCnt="4" custScaleX="75132" custScaleY="75132"/>
-      <dgm:spPr/>
-    </dgm:pt>
-    <dgm:pt modelId="{FFD68375-FF29-453A-A877-4648AFA7512E}" type="pres">
-      <dgm:prSet presAssocID="{339D2472-28BD-48D8-B6DB-6AEAB47DED90}" presName="Parent4" presStyleLbl="revTx" presStyleIdx="3" presStyleCnt="4">
-        <dgm:presLayoutVars>
-          <dgm:chMax val="1"/>
-          <dgm:chPref val="1"/>
-          <dgm:bulletEnabled val="1"/>
-        </dgm:presLayoutVars>
-      </dgm:prSet>
-      <dgm:spPr/>
-      <dgm:t>
-        <a:bodyPr/>
-        <a:lstStyle/>
-        <a:p>
-          <a:endParaRPr lang="en-US"/>
-        </a:p>
-      </dgm:t>
-    </dgm:pt>
-  </dgm:ptLst>
-  <dgm:cxnLst>
-    <dgm:cxn modelId="{C06D2E78-3DFF-4C24-B309-48272CF81576}" type="presOf" srcId="{ABB256E9-4D25-4C5E-A03F-3AE622D5BAF4}" destId="{A80AA2DB-D230-4E72-ABB6-3E89B7A0E030}" srcOrd="0" destOrd="0" presId="urn:microsoft.com/office/officeart/2009/layout/CircleArrowProcess"/>
-    <dgm:cxn modelId="{BAF05469-36CA-4A1D-9CF7-B68F96208689}" type="presOf" srcId="{1C97DF3B-C4C7-4E56-A077-0375F54B8596}" destId="{5D72B1BA-B6D5-4017-A97B-3F57F708DB8B}" srcOrd="0" destOrd="0" presId="urn:microsoft.com/office/officeart/2009/layout/CircleArrowProcess"/>
-    <dgm:cxn modelId="{9F14DF10-EAA4-4266-A87E-34217EA6309E}" srcId="{1C97DF3B-C4C7-4E56-A077-0375F54B8596}" destId="{E1E53C73-CD12-43D9-8D13-BFB606CD3812}" srcOrd="1" destOrd="0" parTransId="{66B89DCF-7A99-4E5E-8F2D-90B858504CB5}" sibTransId="{E5627B72-8677-4082-840E-409C1E54A07E}"/>
-    <dgm:cxn modelId="{A06E99AB-5F07-437B-BF71-2E74E740A784}" srcId="{1C97DF3B-C4C7-4E56-A077-0375F54B8596}" destId="{ABB256E9-4D25-4C5E-A03F-3AE622D5BAF4}" srcOrd="2" destOrd="0" parTransId="{37F39A6E-457D-41F4-9A2A-7D210F6FD865}" sibTransId="{018F2759-71F3-419D-933D-A5E76ED122FC}"/>
-    <dgm:cxn modelId="{8FD50FD0-5DDB-4864-9635-2AF36DAC952C}" type="presOf" srcId="{339D2472-28BD-48D8-B6DB-6AEAB47DED90}" destId="{FFD68375-FF29-453A-A877-4648AFA7512E}" srcOrd="0" destOrd="0" presId="urn:microsoft.com/office/officeart/2009/layout/CircleArrowProcess"/>
-    <dgm:cxn modelId="{67BA436E-2BC9-4356-B3A7-90DECC45F6FF}" srcId="{1C97DF3B-C4C7-4E56-A077-0375F54B8596}" destId="{63E7A2EA-8D8B-429C-A89A-63B141C812E0}" srcOrd="0" destOrd="0" parTransId="{9611AE2C-AD9D-4E43-980F-3980C0592600}" sibTransId="{2DA0FD22-22A5-4DB2-A7CE-511F2E68A384}"/>
-    <dgm:cxn modelId="{B9997388-0932-4EFE-A1B7-658B3CCA5442}" srcId="{1C97DF3B-C4C7-4E56-A077-0375F54B8596}" destId="{339D2472-28BD-48D8-B6DB-6AEAB47DED90}" srcOrd="3" destOrd="0" parTransId="{27BD4463-0162-4B9F-A2D3-AEF265577F97}" sibTransId="{3967070B-D125-4D00-ADDA-8B02EB840877}"/>
-    <dgm:cxn modelId="{ADC83116-ACFB-4E43-9C02-B0E63136AEEA}" type="presOf" srcId="{E1E53C73-CD12-43D9-8D13-BFB606CD3812}" destId="{DE729958-D000-4185-9D74-F7811337D0A7}" srcOrd="0" destOrd="0" presId="urn:microsoft.com/office/officeart/2009/layout/CircleArrowProcess"/>
-    <dgm:cxn modelId="{3112A7FF-0C3A-415E-822C-C73545026EB9}" type="presOf" srcId="{63E7A2EA-8D8B-429C-A89A-63B141C812E0}" destId="{5D8640B1-FE58-4174-9B62-EC2A70768EF9}" srcOrd="0" destOrd="0" presId="urn:microsoft.com/office/officeart/2009/layout/CircleArrowProcess"/>
-    <dgm:cxn modelId="{2094766E-FD17-4A27-B6DC-2A48109E476B}" type="presParOf" srcId="{5D72B1BA-B6D5-4017-A97B-3F57F708DB8B}" destId="{2D4AEB93-7F11-4ED2-8815-198AD5E564C3}" srcOrd="0" destOrd="0" presId="urn:microsoft.com/office/officeart/2009/layout/CircleArrowProcess"/>
-    <dgm:cxn modelId="{F227DAEF-44DE-4EA1-A49C-66796B824679}" type="presParOf" srcId="{2D4AEB93-7F11-4ED2-8815-198AD5E564C3}" destId="{E803077D-DF24-4E8A-A67D-8B0A3C3095E3}" srcOrd="0" destOrd="0" presId="urn:microsoft.com/office/officeart/2009/layout/CircleArrowProcess"/>
-    <dgm:cxn modelId="{31B3AAF6-E442-4C7E-B641-1F4E9D805719}" type="presParOf" srcId="{5D72B1BA-B6D5-4017-A97B-3F57F708DB8B}" destId="{5D8640B1-FE58-4174-9B62-EC2A70768EF9}" srcOrd="1" destOrd="0" presId="urn:microsoft.com/office/officeart/2009/layout/CircleArrowProcess"/>
-    <dgm:cxn modelId="{5AB549B7-7BB2-4D4C-B4EB-2613CE951B83}" type="presParOf" srcId="{5D72B1BA-B6D5-4017-A97B-3F57F708DB8B}" destId="{C40FB5D4-219E-4649-9B02-24B45D4E06CA}" srcOrd="2" destOrd="0" presId="urn:microsoft.com/office/officeart/2009/layout/CircleArrowProcess"/>
-    <dgm:cxn modelId="{49622331-3283-4127-A706-3F9899F986D9}" type="presParOf" srcId="{C40FB5D4-219E-4649-9B02-24B45D4E06CA}" destId="{6B01D528-4FA2-4C64-B3B5-C70B7699133D}" srcOrd="0" destOrd="0" presId="urn:microsoft.com/office/officeart/2009/layout/CircleArrowProcess"/>
-    <dgm:cxn modelId="{C41A1EEF-54B0-4108-A799-791DE6800C82}" type="presParOf" srcId="{5D72B1BA-B6D5-4017-A97B-3F57F708DB8B}" destId="{DE729958-D000-4185-9D74-F7811337D0A7}" srcOrd="3" destOrd="0" presId="urn:microsoft.com/office/officeart/2009/layout/CircleArrowProcess"/>
-    <dgm:cxn modelId="{AC5D5B36-70DB-4308-B0B0-33A8D74164CF}" type="presParOf" srcId="{5D72B1BA-B6D5-4017-A97B-3F57F708DB8B}" destId="{1AE84A36-F644-4710-8B63-78556536C9B2}" srcOrd="4" destOrd="0" presId="urn:microsoft.com/office/officeart/2009/layout/CircleArrowProcess"/>
-    <dgm:cxn modelId="{77BE15C5-7B29-4DA5-AFA4-6F757055D5BE}" type="presParOf" srcId="{1AE84A36-F644-4710-8B63-78556536C9B2}" destId="{8C4885DB-8DCA-4377-A131-5FC1C7F81BD4}" srcOrd="0" destOrd="0" presId="urn:microsoft.com/office/officeart/2009/layout/CircleArrowProcess"/>
-    <dgm:cxn modelId="{01D00B7B-4A1E-4DB9-AC84-ED63098693CE}" type="presParOf" srcId="{5D72B1BA-B6D5-4017-A97B-3F57F708DB8B}" destId="{A80AA2DB-D230-4E72-ABB6-3E89B7A0E030}" srcOrd="5" destOrd="0" presId="urn:microsoft.com/office/officeart/2009/layout/CircleArrowProcess"/>
-    <dgm:cxn modelId="{FDFDFA10-32C0-4902-94CC-939D052C0661}" type="presParOf" srcId="{5D72B1BA-B6D5-4017-A97B-3F57F708DB8B}" destId="{D68EACAF-C292-46A9-9ABC-11D300CABFE3}" srcOrd="6" destOrd="0" presId="urn:microsoft.com/office/officeart/2009/layout/CircleArrowProcess"/>
-    <dgm:cxn modelId="{55A2321F-8B1D-4CD5-9142-EEB9F8AE955F}" type="presParOf" srcId="{D68EACAF-C292-46A9-9ABC-11D300CABFE3}" destId="{94F1B919-DAB2-4B55-B975-D8E102722502}" srcOrd="0" destOrd="0" presId="urn:microsoft.com/office/officeart/2009/layout/CircleArrowProcess"/>
-    <dgm:cxn modelId="{18400E54-8205-4B44-B919-B0D9C74E72B4}" type="presParOf" srcId="{5D72B1BA-B6D5-4017-A97B-3F57F708DB8B}" destId="{FFD68375-FF29-453A-A877-4648AFA7512E}" srcOrd="7" destOrd="0" presId="urn:microsoft.com/office/officeart/2009/layout/CircleArrowProcess"/>
-  </dgm:cxnLst>
-  <dgm:bg/>
-  <dgm:whole/>
-  <dgm:extLst>
-    <a:ext uri="http://schemas.microsoft.com/office/drawing/2008/diagram">
-      <dsp:dataModelExt xmlns:dsp="http://schemas.microsoft.com/office/drawing/2008/diagram" relId="rId7" minVer="http://schemas.openxmlformats.org/drawingml/2006/diagram"/>
-    </a:ext>
-  </dgm:extLst>
-</dgm:dataModel>
-</file>
-
 <file path=ppt/diagrams/drawing1.xml><?xml version="1.0" encoding="utf-8"?>
 <dsp:drawing xmlns:dgm="http://schemas.openxmlformats.org/drawingml/2006/diagram" xmlns:dsp="http://schemas.microsoft.com/office/drawing/2008/diagram" xmlns:a="http://schemas.openxmlformats.org/drawingml/2006/main">
   <dsp:spTree>
@@ -2543,18 +1482,944 @@
       <dsp:cNvGrpSpPr/>
     </dsp:nvGrpSpPr>
     <dsp:grpSpPr/>
-  </dsp:spTree>
-</dsp:drawing>
-</file>
-
-<file path=ppt/diagrams/drawing2.xml><?xml version="1.0" encoding="utf-8"?>
-<dsp:drawing xmlns:dgm="http://schemas.openxmlformats.org/drawingml/2006/diagram" xmlns:dsp="http://schemas.microsoft.com/office/drawing/2008/diagram" xmlns:a="http://schemas.openxmlformats.org/drawingml/2006/main">
-  <dsp:spTree>
-    <dsp:nvGrpSpPr>
-      <dsp:cNvPr id="0" name=""/>
-      <dsp:cNvGrpSpPr/>
-    </dsp:nvGrpSpPr>
-    <dsp:grpSpPr/>
+    <dsp:sp modelId="{974D1544-313C-4B85-96E4-F98694E51952}">
+      <dsp:nvSpPr>
+        <dsp:cNvPr id="0" name=""/>
+        <dsp:cNvSpPr/>
+      </dsp:nvSpPr>
+      <dsp:spPr>
+        <a:xfrm>
+          <a:off x="1576052" y="508629"/>
+          <a:ext cx="4044300" cy="4044300"/>
+        </a:xfrm>
+        <a:prstGeom prst="blockArc">
+          <a:avLst>
+            <a:gd name="adj1" fmla="val 13114286"/>
+            <a:gd name="adj2" fmla="val 16200000"/>
+            <a:gd name="adj3" fmla="val 3897"/>
+          </a:avLst>
+        </a:prstGeom>
+        <a:solidFill>
+          <a:schemeClr val="accent1">
+            <a:tint val="60000"/>
+            <a:hueOff val="0"/>
+            <a:satOff val="0"/>
+            <a:lumOff val="0"/>
+            <a:alphaOff val="0"/>
+          </a:schemeClr>
+        </a:solidFill>
+        <a:ln>
+          <a:noFill/>
+        </a:ln>
+        <a:effectLst/>
+      </dsp:spPr>
+      <dsp:style>
+        <a:lnRef idx="0">
+          <a:scrgbClr r="0" g="0" b="0"/>
+        </a:lnRef>
+        <a:fillRef idx="1">
+          <a:scrgbClr r="0" g="0" b="0"/>
+        </a:fillRef>
+        <a:effectRef idx="0">
+          <a:scrgbClr r="0" g="0" b="0"/>
+        </a:effectRef>
+        <a:fontRef idx="minor">
+          <a:schemeClr val="lt1"/>
+        </a:fontRef>
+      </dsp:style>
+    </dsp:sp>
+    <dsp:sp modelId="{43787B64-6ECE-4862-83FC-999710B65D94}">
+      <dsp:nvSpPr>
+        <dsp:cNvPr id="0" name=""/>
+        <dsp:cNvSpPr/>
+      </dsp:nvSpPr>
+      <dsp:spPr>
+        <a:xfrm>
+          <a:off x="1576052" y="508629"/>
+          <a:ext cx="4044300" cy="4044300"/>
+        </a:xfrm>
+        <a:prstGeom prst="blockArc">
+          <a:avLst>
+            <a:gd name="adj1" fmla="val 10028571"/>
+            <a:gd name="adj2" fmla="val 13114286"/>
+            <a:gd name="adj3" fmla="val 3897"/>
+          </a:avLst>
+        </a:prstGeom>
+        <a:solidFill>
+          <a:schemeClr val="accent1">
+            <a:tint val="60000"/>
+            <a:hueOff val="0"/>
+            <a:satOff val="0"/>
+            <a:lumOff val="0"/>
+            <a:alphaOff val="0"/>
+          </a:schemeClr>
+        </a:solidFill>
+        <a:ln>
+          <a:noFill/>
+        </a:ln>
+        <a:effectLst/>
+      </dsp:spPr>
+      <dsp:style>
+        <a:lnRef idx="0">
+          <a:scrgbClr r="0" g="0" b="0"/>
+        </a:lnRef>
+        <a:fillRef idx="1">
+          <a:scrgbClr r="0" g="0" b="0"/>
+        </a:fillRef>
+        <a:effectRef idx="0">
+          <a:scrgbClr r="0" g="0" b="0"/>
+        </a:effectRef>
+        <a:fontRef idx="minor">
+          <a:schemeClr val="lt1"/>
+        </a:fontRef>
+      </dsp:style>
+    </dsp:sp>
+    <dsp:sp modelId="{62725212-3288-4862-A14D-4E6BB5BCB641}">
+      <dsp:nvSpPr>
+        <dsp:cNvPr id="0" name=""/>
+        <dsp:cNvSpPr/>
+      </dsp:nvSpPr>
+      <dsp:spPr>
+        <a:xfrm>
+          <a:off x="1576052" y="508629"/>
+          <a:ext cx="4044300" cy="4044300"/>
+        </a:xfrm>
+        <a:prstGeom prst="blockArc">
+          <a:avLst>
+            <a:gd name="adj1" fmla="val 6942857"/>
+            <a:gd name="adj2" fmla="val 10028571"/>
+            <a:gd name="adj3" fmla="val 3897"/>
+          </a:avLst>
+        </a:prstGeom>
+        <a:solidFill>
+          <a:schemeClr val="accent1">
+            <a:tint val="60000"/>
+            <a:hueOff val="0"/>
+            <a:satOff val="0"/>
+            <a:lumOff val="0"/>
+            <a:alphaOff val="0"/>
+          </a:schemeClr>
+        </a:solidFill>
+        <a:ln>
+          <a:noFill/>
+        </a:ln>
+        <a:effectLst/>
+      </dsp:spPr>
+      <dsp:style>
+        <a:lnRef idx="0">
+          <a:scrgbClr r="0" g="0" b="0"/>
+        </a:lnRef>
+        <a:fillRef idx="1">
+          <a:scrgbClr r="0" g="0" b="0"/>
+        </a:fillRef>
+        <a:effectRef idx="0">
+          <a:scrgbClr r="0" g="0" b="0"/>
+        </a:effectRef>
+        <a:fontRef idx="minor">
+          <a:schemeClr val="lt1"/>
+        </a:fontRef>
+      </dsp:style>
+    </dsp:sp>
+    <dsp:sp modelId="{D4C25836-BB1E-40C6-9055-79DFE51E84A4}">
+      <dsp:nvSpPr>
+        <dsp:cNvPr id="0" name=""/>
+        <dsp:cNvSpPr/>
+      </dsp:nvSpPr>
+      <dsp:spPr>
+        <a:xfrm>
+          <a:off x="1576052" y="508629"/>
+          <a:ext cx="4044300" cy="4044300"/>
+        </a:xfrm>
+        <a:prstGeom prst="blockArc">
+          <a:avLst>
+            <a:gd name="adj1" fmla="val 3857143"/>
+            <a:gd name="adj2" fmla="val 6942857"/>
+            <a:gd name="adj3" fmla="val 3897"/>
+          </a:avLst>
+        </a:prstGeom>
+        <a:solidFill>
+          <a:schemeClr val="accent1">
+            <a:tint val="60000"/>
+            <a:hueOff val="0"/>
+            <a:satOff val="0"/>
+            <a:lumOff val="0"/>
+            <a:alphaOff val="0"/>
+          </a:schemeClr>
+        </a:solidFill>
+        <a:ln>
+          <a:noFill/>
+        </a:ln>
+        <a:effectLst/>
+      </dsp:spPr>
+      <dsp:style>
+        <a:lnRef idx="0">
+          <a:scrgbClr r="0" g="0" b="0"/>
+        </a:lnRef>
+        <a:fillRef idx="1">
+          <a:scrgbClr r="0" g="0" b="0"/>
+        </a:fillRef>
+        <a:effectRef idx="0">
+          <a:scrgbClr r="0" g="0" b="0"/>
+        </a:effectRef>
+        <a:fontRef idx="minor">
+          <a:schemeClr val="lt1"/>
+        </a:fontRef>
+      </dsp:style>
+    </dsp:sp>
+    <dsp:sp modelId="{ADF11B85-49CD-4C45-834D-28EF8F01FAF4}">
+      <dsp:nvSpPr>
+        <dsp:cNvPr id="0" name=""/>
+        <dsp:cNvSpPr/>
+      </dsp:nvSpPr>
+      <dsp:spPr>
+        <a:xfrm>
+          <a:off x="1576052" y="508629"/>
+          <a:ext cx="4044300" cy="4044300"/>
+        </a:xfrm>
+        <a:prstGeom prst="blockArc">
+          <a:avLst>
+            <a:gd name="adj1" fmla="val 771429"/>
+            <a:gd name="adj2" fmla="val 3857143"/>
+            <a:gd name="adj3" fmla="val 3897"/>
+          </a:avLst>
+        </a:prstGeom>
+        <a:solidFill>
+          <a:schemeClr val="accent1">
+            <a:tint val="60000"/>
+            <a:hueOff val="0"/>
+            <a:satOff val="0"/>
+            <a:lumOff val="0"/>
+            <a:alphaOff val="0"/>
+          </a:schemeClr>
+        </a:solidFill>
+        <a:ln>
+          <a:noFill/>
+        </a:ln>
+        <a:effectLst/>
+      </dsp:spPr>
+      <dsp:style>
+        <a:lnRef idx="0">
+          <a:scrgbClr r="0" g="0" b="0"/>
+        </a:lnRef>
+        <a:fillRef idx="1">
+          <a:scrgbClr r="0" g="0" b="0"/>
+        </a:fillRef>
+        <a:effectRef idx="0">
+          <a:scrgbClr r="0" g="0" b="0"/>
+        </a:effectRef>
+        <a:fontRef idx="minor">
+          <a:schemeClr val="lt1"/>
+        </a:fontRef>
+      </dsp:style>
+    </dsp:sp>
+    <dsp:sp modelId="{3403E89E-646F-4749-98B8-1636056908AA}">
+      <dsp:nvSpPr>
+        <dsp:cNvPr id="0" name=""/>
+        <dsp:cNvSpPr/>
+      </dsp:nvSpPr>
+      <dsp:spPr>
+        <a:xfrm>
+          <a:off x="1576052" y="508629"/>
+          <a:ext cx="4044300" cy="4044300"/>
+        </a:xfrm>
+        <a:prstGeom prst="blockArc">
+          <a:avLst>
+            <a:gd name="adj1" fmla="val 19285714"/>
+            <a:gd name="adj2" fmla="val 771429"/>
+            <a:gd name="adj3" fmla="val 3897"/>
+          </a:avLst>
+        </a:prstGeom>
+        <a:solidFill>
+          <a:schemeClr val="accent1">
+            <a:tint val="60000"/>
+            <a:hueOff val="0"/>
+            <a:satOff val="0"/>
+            <a:lumOff val="0"/>
+            <a:alphaOff val="0"/>
+          </a:schemeClr>
+        </a:solidFill>
+        <a:ln>
+          <a:noFill/>
+        </a:ln>
+        <a:effectLst/>
+      </dsp:spPr>
+      <dsp:style>
+        <a:lnRef idx="0">
+          <a:scrgbClr r="0" g="0" b="0"/>
+        </a:lnRef>
+        <a:fillRef idx="1">
+          <a:scrgbClr r="0" g="0" b="0"/>
+        </a:fillRef>
+        <a:effectRef idx="0">
+          <a:scrgbClr r="0" g="0" b="0"/>
+        </a:effectRef>
+        <a:fontRef idx="minor">
+          <a:schemeClr val="lt1"/>
+        </a:fontRef>
+      </dsp:style>
+    </dsp:sp>
+    <dsp:sp modelId="{98C0CE5D-6568-4C58-8044-A6118E4DFAF6}">
+      <dsp:nvSpPr>
+        <dsp:cNvPr id="0" name=""/>
+        <dsp:cNvSpPr/>
+      </dsp:nvSpPr>
+      <dsp:spPr>
+        <a:xfrm>
+          <a:off x="1576052" y="508629"/>
+          <a:ext cx="4044300" cy="4044300"/>
+        </a:xfrm>
+        <a:prstGeom prst="blockArc">
+          <a:avLst>
+            <a:gd name="adj1" fmla="val 16200000"/>
+            <a:gd name="adj2" fmla="val 19285714"/>
+            <a:gd name="adj3" fmla="val 3897"/>
+          </a:avLst>
+        </a:prstGeom>
+        <a:solidFill>
+          <a:schemeClr val="accent1">
+            <a:tint val="60000"/>
+            <a:hueOff val="0"/>
+            <a:satOff val="0"/>
+            <a:lumOff val="0"/>
+            <a:alphaOff val="0"/>
+          </a:schemeClr>
+        </a:solidFill>
+        <a:ln>
+          <a:noFill/>
+        </a:ln>
+        <a:effectLst/>
+      </dsp:spPr>
+      <dsp:style>
+        <a:lnRef idx="0">
+          <a:scrgbClr r="0" g="0" b="0"/>
+        </a:lnRef>
+        <a:fillRef idx="1">
+          <a:scrgbClr r="0" g="0" b="0"/>
+        </a:fillRef>
+        <a:effectRef idx="0">
+          <a:scrgbClr r="0" g="0" b="0"/>
+        </a:effectRef>
+        <a:fontRef idx="minor">
+          <a:schemeClr val="lt1"/>
+        </a:fontRef>
+      </dsp:style>
+    </dsp:sp>
+    <dsp:sp modelId="{8046D806-D633-4925-88FF-13EA3736C642}">
+      <dsp:nvSpPr>
+        <dsp:cNvPr id="0" name=""/>
+        <dsp:cNvSpPr/>
+      </dsp:nvSpPr>
+      <dsp:spPr>
+        <a:xfrm>
+          <a:off x="2816366" y="1748944"/>
+          <a:ext cx="1563672" cy="1563672"/>
+        </a:xfrm>
+        <a:prstGeom prst="ellipse">
+          <a:avLst/>
+        </a:prstGeom>
+        <a:solidFill>
+          <a:schemeClr val="accent1">
+            <a:hueOff val="0"/>
+            <a:satOff val="0"/>
+            <a:lumOff val="0"/>
+            <a:alphaOff val="0"/>
+          </a:schemeClr>
+        </a:solidFill>
+        <a:ln w="12700" cap="flat" cmpd="sng" algn="ctr">
+          <a:solidFill>
+            <a:schemeClr val="lt1">
+              <a:hueOff val="0"/>
+              <a:satOff val="0"/>
+              <a:lumOff val="0"/>
+              <a:alphaOff val="0"/>
+            </a:schemeClr>
+          </a:solidFill>
+          <a:prstDash val="solid"/>
+          <a:miter lim="800000"/>
+        </a:ln>
+        <a:effectLst/>
+      </dsp:spPr>
+      <dsp:style>
+        <a:lnRef idx="2">
+          <a:scrgbClr r="0" g="0" b="0"/>
+        </a:lnRef>
+        <a:fillRef idx="1">
+          <a:scrgbClr r="0" g="0" b="0"/>
+        </a:fillRef>
+        <a:effectRef idx="0">
+          <a:scrgbClr r="0" g="0" b="0"/>
+        </a:effectRef>
+        <a:fontRef idx="minor">
+          <a:schemeClr val="lt1"/>
+        </a:fontRef>
+      </dsp:style>
+      <dsp:txBody>
+        <a:bodyPr spcFirstLastPara="0" vert="horz" wrap="square" lIns="15240" tIns="15240" rIns="15240" bIns="15240" numCol="1" spcCol="1270" anchor="ctr" anchorCtr="0">
+          <a:noAutofit/>
+        </a:bodyPr>
+        <a:lstStyle/>
+        <a:p>
+          <a:pPr lvl="0" algn="ctr" defTabSz="533400">
+            <a:lnSpc>
+              <a:spcPct val="90000"/>
+            </a:lnSpc>
+            <a:spcBef>
+              <a:spcPct val="0"/>
+            </a:spcBef>
+            <a:spcAft>
+              <a:spcPct val="35000"/>
+            </a:spcAft>
+          </a:pPr>
+          <a:r>
+            <a:rPr lang="en-US" sz="1200" kern="1200" dirty="0"/>
+            <a:t>Software development model</a:t>
+          </a:r>
+        </a:p>
+      </dsp:txBody>
+      <dsp:txXfrm>
+        <a:off x="3045360" y="1977938"/>
+        <a:ext cx="1105684" cy="1105684"/>
+      </dsp:txXfrm>
+    </dsp:sp>
+    <dsp:sp modelId="{0B9D4084-EA21-4F7B-A20F-0E1723A71ADE}">
+      <dsp:nvSpPr>
+        <dsp:cNvPr id="0" name=""/>
+        <dsp:cNvSpPr/>
+      </dsp:nvSpPr>
+      <dsp:spPr>
+        <a:xfrm>
+          <a:off x="3050917" y="749"/>
+          <a:ext cx="1094570" cy="1094570"/>
+        </a:xfrm>
+        <a:prstGeom prst="ellipse">
+          <a:avLst/>
+        </a:prstGeom>
+        <a:solidFill>
+          <a:schemeClr val="accent1">
+            <a:hueOff val="0"/>
+            <a:satOff val="0"/>
+            <a:lumOff val="0"/>
+            <a:alphaOff val="0"/>
+          </a:schemeClr>
+        </a:solidFill>
+        <a:ln w="12700" cap="flat" cmpd="sng" algn="ctr">
+          <a:solidFill>
+            <a:schemeClr val="lt1">
+              <a:hueOff val="0"/>
+              <a:satOff val="0"/>
+              <a:lumOff val="0"/>
+              <a:alphaOff val="0"/>
+            </a:schemeClr>
+          </a:solidFill>
+          <a:prstDash val="solid"/>
+          <a:miter lim="800000"/>
+        </a:ln>
+        <a:effectLst/>
+      </dsp:spPr>
+      <dsp:style>
+        <a:lnRef idx="2">
+          <a:scrgbClr r="0" g="0" b="0"/>
+        </a:lnRef>
+        <a:fillRef idx="1">
+          <a:scrgbClr r="0" g="0" b="0"/>
+        </a:fillRef>
+        <a:effectRef idx="0">
+          <a:scrgbClr r="0" g="0" b="0"/>
+        </a:effectRef>
+        <a:fontRef idx="minor">
+          <a:schemeClr val="lt1"/>
+        </a:fontRef>
+      </dsp:style>
+      <dsp:txBody>
+        <a:bodyPr spcFirstLastPara="0" vert="horz" wrap="square" lIns="12700" tIns="12700" rIns="12700" bIns="12700" numCol="1" spcCol="1270" anchor="ctr" anchorCtr="0">
+          <a:noAutofit/>
+        </a:bodyPr>
+        <a:lstStyle/>
+        <a:p>
+          <a:pPr lvl="0" algn="ctr" defTabSz="444500">
+            <a:lnSpc>
+              <a:spcPct val="90000"/>
+            </a:lnSpc>
+            <a:spcBef>
+              <a:spcPct val="0"/>
+            </a:spcBef>
+            <a:spcAft>
+              <a:spcPct val="35000"/>
+            </a:spcAft>
+          </a:pPr>
+          <a:r>
+            <a:rPr lang="en-US" sz="1000" kern="1200" dirty="0"/>
+            <a:t>Waterfall model</a:t>
+          </a:r>
+        </a:p>
+      </dsp:txBody>
+      <dsp:txXfrm>
+        <a:off x="3211213" y="161045"/>
+        <a:ext cx="773978" cy="773978"/>
+      </dsp:txXfrm>
+    </dsp:sp>
+    <dsp:sp modelId="{024B37C8-2E78-4627-9714-90BFEACD2D8D}">
+      <dsp:nvSpPr>
+        <dsp:cNvPr id="0" name=""/>
+        <dsp:cNvSpPr/>
+      </dsp:nvSpPr>
+      <dsp:spPr>
+        <a:xfrm>
+          <a:off x="4601090" y="747273"/>
+          <a:ext cx="1094570" cy="1094570"/>
+        </a:xfrm>
+        <a:prstGeom prst="ellipse">
+          <a:avLst/>
+        </a:prstGeom>
+        <a:solidFill>
+          <a:schemeClr val="accent1">
+            <a:hueOff val="0"/>
+            <a:satOff val="0"/>
+            <a:lumOff val="0"/>
+            <a:alphaOff val="0"/>
+          </a:schemeClr>
+        </a:solidFill>
+        <a:ln w="12700" cap="flat" cmpd="sng" algn="ctr">
+          <a:solidFill>
+            <a:schemeClr val="lt1">
+              <a:hueOff val="0"/>
+              <a:satOff val="0"/>
+              <a:lumOff val="0"/>
+              <a:alphaOff val="0"/>
+            </a:schemeClr>
+          </a:solidFill>
+          <a:prstDash val="solid"/>
+          <a:miter lim="800000"/>
+        </a:ln>
+        <a:effectLst/>
+      </dsp:spPr>
+      <dsp:style>
+        <a:lnRef idx="2">
+          <a:scrgbClr r="0" g="0" b="0"/>
+        </a:lnRef>
+        <a:fillRef idx="1">
+          <a:scrgbClr r="0" g="0" b="0"/>
+        </a:fillRef>
+        <a:effectRef idx="0">
+          <a:scrgbClr r="0" g="0" b="0"/>
+        </a:effectRef>
+        <a:fontRef idx="minor">
+          <a:schemeClr val="lt1"/>
+        </a:fontRef>
+      </dsp:style>
+      <dsp:txBody>
+        <a:bodyPr spcFirstLastPara="0" vert="horz" wrap="square" lIns="12700" tIns="12700" rIns="12700" bIns="12700" numCol="1" spcCol="1270" anchor="ctr" anchorCtr="0">
+          <a:noAutofit/>
+        </a:bodyPr>
+        <a:lstStyle/>
+        <a:p>
+          <a:pPr lvl="0" algn="ctr" defTabSz="444500">
+            <a:lnSpc>
+              <a:spcPct val="90000"/>
+            </a:lnSpc>
+            <a:spcBef>
+              <a:spcPct val="0"/>
+            </a:spcBef>
+            <a:spcAft>
+              <a:spcPct val="35000"/>
+            </a:spcAft>
+          </a:pPr>
+          <a:r>
+            <a:rPr lang="en-US" sz="1000" kern="1200" dirty="0"/>
+            <a:t>Iterative model</a:t>
+          </a:r>
+        </a:p>
+      </dsp:txBody>
+      <dsp:txXfrm>
+        <a:off x="4761386" y="907569"/>
+        <a:ext cx="773978" cy="773978"/>
+      </dsp:txXfrm>
+    </dsp:sp>
+    <dsp:sp modelId="{D02A1073-280A-4030-B61B-6AB009F7EB42}">
+      <dsp:nvSpPr>
+        <dsp:cNvPr id="0" name=""/>
+        <dsp:cNvSpPr/>
+      </dsp:nvSpPr>
+      <dsp:spPr>
+        <a:xfrm>
+          <a:off x="4983951" y="2424697"/>
+          <a:ext cx="1094570" cy="1094570"/>
+        </a:xfrm>
+        <a:prstGeom prst="ellipse">
+          <a:avLst/>
+        </a:prstGeom>
+        <a:solidFill>
+          <a:schemeClr val="accent1">
+            <a:hueOff val="0"/>
+            <a:satOff val="0"/>
+            <a:lumOff val="0"/>
+            <a:alphaOff val="0"/>
+          </a:schemeClr>
+        </a:solidFill>
+        <a:ln w="12700" cap="flat" cmpd="sng" algn="ctr">
+          <a:solidFill>
+            <a:schemeClr val="lt1">
+              <a:hueOff val="0"/>
+              <a:satOff val="0"/>
+              <a:lumOff val="0"/>
+              <a:alphaOff val="0"/>
+            </a:schemeClr>
+          </a:solidFill>
+          <a:prstDash val="solid"/>
+          <a:miter lim="800000"/>
+        </a:ln>
+        <a:effectLst/>
+      </dsp:spPr>
+      <dsp:style>
+        <a:lnRef idx="2">
+          <a:scrgbClr r="0" g="0" b="0"/>
+        </a:lnRef>
+        <a:fillRef idx="1">
+          <a:scrgbClr r="0" g="0" b="0"/>
+        </a:fillRef>
+        <a:effectRef idx="0">
+          <a:scrgbClr r="0" g="0" b="0"/>
+        </a:effectRef>
+        <a:fontRef idx="minor">
+          <a:schemeClr val="lt1"/>
+        </a:fontRef>
+      </dsp:style>
+      <dsp:txBody>
+        <a:bodyPr spcFirstLastPara="0" vert="horz" wrap="square" lIns="12700" tIns="12700" rIns="12700" bIns="12700" numCol="1" spcCol="1270" anchor="ctr" anchorCtr="0">
+          <a:noAutofit/>
+        </a:bodyPr>
+        <a:lstStyle/>
+        <a:p>
+          <a:pPr lvl="0" algn="ctr" defTabSz="444500">
+            <a:lnSpc>
+              <a:spcPct val="90000"/>
+            </a:lnSpc>
+            <a:spcBef>
+              <a:spcPct val="0"/>
+            </a:spcBef>
+            <a:spcAft>
+              <a:spcPct val="35000"/>
+            </a:spcAft>
+          </a:pPr>
+          <a:r>
+            <a:rPr lang="en-US" sz="1000" kern="1200" dirty="0"/>
+            <a:t>Agile model</a:t>
+          </a:r>
+        </a:p>
+      </dsp:txBody>
+      <dsp:txXfrm>
+        <a:off x="5144247" y="2584993"/>
+        <a:ext cx="773978" cy="773978"/>
+      </dsp:txXfrm>
+    </dsp:sp>
+    <dsp:sp modelId="{B0856285-8B4C-4921-A3FF-D6436B7247C2}">
+      <dsp:nvSpPr>
+        <dsp:cNvPr id="0" name=""/>
+        <dsp:cNvSpPr/>
+      </dsp:nvSpPr>
+      <dsp:spPr>
+        <a:xfrm>
+          <a:off x="3911198" y="3769887"/>
+          <a:ext cx="1094570" cy="1094570"/>
+        </a:xfrm>
+        <a:prstGeom prst="ellipse">
+          <a:avLst/>
+        </a:prstGeom>
+        <a:solidFill>
+          <a:schemeClr val="accent1">
+            <a:hueOff val="0"/>
+            <a:satOff val="0"/>
+            <a:lumOff val="0"/>
+            <a:alphaOff val="0"/>
+          </a:schemeClr>
+        </a:solidFill>
+        <a:ln w="12700" cap="flat" cmpd="sng" algn="ctr">
+          <a:solidFill>
+            <a:schemeClr val="lt1">
+              <a:hueOff val="0"/>
+              <a:satOff val="0"/>
+              <a:lumOff val="0"/>
+              <a:alphaOff val="0"/>
+            </a:schemeClr>
+          </a:solidFill>
+          <a:prstDash val="solid"/>
+          <a:miter lim="800000"/>
+        </a:ln>
+        <a:effectLst/>
+      </dsp:spPr>
+      <dsp:style>
+        <a:lnRef idx="2">
+          <a:scrgbClr r="0" g="0" b="0"/>
+        </a:lnRef>
+        <a:fillRef idx="1">
+          <a:scrgbClr r="0" g="0" b="0"/>
+        </a:fillRef>
+        <a:effectRef idx="0">
+          <a:scrgbClr r="0" g="0" b="0"/>
+        </a:effectRef>
+        <a:fontRef idx="minor">
+          <a:schemeClr val="lt1"/>
+        </a:fontRef>
+      </dsp:style>
+      <dsp:txBody>
+        <a:bodyPr spcFirstLastPara="0" vert="horz" wrap="square" lIns="12700" tIns="12700" rIns="12700" bIns="12700" numCol="1" spcCol="1270" anchor="ctr" anchorCtr="0">
+          <a:noAutofit/>
+        </a:bodyPr>
+        <a:lstStyle/>
+        <a:p>
+          <a:pPr lvl="0" algn="ctr" defTabSz="444500">
+            <a:lnSpc>
+              <a:spcPct val="90000"/>
+            </a:lnSpc>
+            <a:spcBef>
+              <a:spcPct val="0"/>
+            </a:spcBef>
+            <a:spcAft>
+              <a:spcPct val="35000"/>
+            </a:spcAft>
+          </a:pPr>
+          <a:r>
+            <a:rPr lang="en-US" sz="1000" kern="1200" dirty="0"/>
+            <a:t>RAD model</a:t>
+          </a:r>
+        </a:p>
+      </dsp:txBody>
+      <dsp:txXfrm>
+        <a:off x="4071494" y="3930183"/>
+        <a:ext cx="773978" cy="773978"/>
+      </dsp:txXfrm>
+    </dsp:sp>
+    <dsp:sp modelId="{120EC894-2FDD-4E69-8DA1-1E4987D6750C}">
+      <dsp:nvSpPr>
+        <dsp:cNvPr id="0" name=""/>
+        <dsp:cNvSpPr/>
+      </dsp:nvSpPr>
+      <dsp:spPr>
+        <a:xfrm>
+          <a:off x="2190636" y="3769887"/>
+          <a:ext cx="1094570" cy="1094570"/>
+        </a:xfrm>
+        <a:prstGeom prst="ellipse">
+          <a:avLst/>
+        </a:prstGeom>
+        <a:solidFill>
+          <a:schemeClr val="accent1">
+            <a:hueOff val="0"/>
+            <a:satOff val="0"/>
+            <a:lumOff val="0"/>
+            <a:alphaOff val="0"/>
+          </a:schemeClr>
+        </a:solidFill>
+        <a:ln w="12700" cap="flat" cmpd="sng" algn="ctr">
+          <a:solidFill>
+            <a:schemeClr val="lt1">
+              <a:hueOff val="0"/>
+              <a:satOff val="0"/>
+              <a:lumOff val="0"/>
+              <a:alphaOff val="0"/>
+            </a:schemeClr>
+          </a:solidFill>
+          <a:prstDash val="solid"/>
+          <a:miter lim="800000"/>
+        </a:ln>
+        <a:effectLst/>
+      </dsp:spPr>
+      <dsp:style>
+        <a:lnRef idx="2">
+          <a:scrgbClr r="0" g="0" b="0"/>
+        </a:lnRef>
+        <a:fillRef idx="1">
+          <a:scrgbClr r="0" g="0" b="0"/>
+        </a:fillRef>
+        <a:effectRef idx="0">
+          <a:scrgbClr r="0" g="0" b="0"/>
+        </a:effectRef>
+        <a:fontRef idx="minor">
+          <a:schemeClr val="lt1"/>
+        </a:fontRef>
+      </dsp:style>
+      <dsp:txBody>
+        <a:bodyPr spcFirstLastPara="0" vert="horz" wrap="square" lIns="12700" tIns="12700" rIns="12700" bIns="12700" numCol="1" spcCol="1270" anchor="ctr" anchorCtr="0">
+          <a:noAutofit/>
+        </a:bodyPr>
+        <a:lstStyle/>
+        <a:p>
+          <a:pPr lvl="0" algn="ctr" defTabSz="444500">
+            <a:lnSpc>
+              <a:spcPct val="90000"/>
+            </a:lnSpc>
+            <a:spcBef>
+              <a:spcPct val="0"/>
+            </a:spcBef>
+            <a:spcAft>
+              <a:spcPct val="35000"/>
+            </a:spcAft>
+          </a:pPr>
+          <a:r>
+            <a:rPr lang="en-US" sz="1000" kern="1200" dirty="0"/>
+            <a:t>Incremental model</a:t>
+          </a:r>
+        </a:p>
+      </dsp:txBody>
+      <dsp:txXfrm>
+        <a:off x="2350932" y="3930183"/>
+        <a:ext cx="773978" cy="773978"/>
+      </dsp:txXfrm>
+    </dsp:sp>
+    <dsp:sp modelId="{5EBC7458-FEF4-4BAA-BB89-62B9D0604C8A}">
+      <dsp:nvSpPr>
+        <dsp:cNvPr id="0" name=""/>
+        <dsp:cNvSpPr/>
+      </dsp:nvSpPr>
+      <dsp:spPr>
+        <a:xfrm>
+          <a:off x="1117883" y="2424697"/>
+          <a:ext cx="1094570" cy="1094570"/>
+        </a:xfrm>
+        <a:prstGeom prst="ellipse">
+          <a:avLst/>
+        </a:prstGeom>
+        <a:solidFill>
+          <a:schemeClr val="accent1">
+            <a:hueOff val="0"/>
+            <a:satOff val="0"/>
+            <a:lumOff val="0"/>
+            <a:alphaOff val="0"/>
+          </a:schemeClr>
+        </a:solidFill>
+        <a:ln w="12700" cap="flat" cmpd="sng" algn="ctr">
+          <a:solidFill>
+            <a:schemeClr val="lt1">
+              <a:hueOff val="0"/>
+              <a:satOff val="0"/>
+              <a:lumOff val="0"/>
+              <a:alphaOff val="0"/>
+            </a:schemeClr>
+          </a:solidFill>
+          <a:prstDash val="solid"/>
+          <a:miter lim="800000"/>
+        </a:ln>
+        <a:effectLst/>
+      </dsp:spPr>
+      <dsp:style>
+        <a:lnRef idx="2">
+          <a:scrgbClr r="0" g="0" b="0"/>
+        </a:lnRef>
+        <a:fillRef idx="1">
+          <a:scrgbClr r="0" g="0" b="0"/>
+        </a:fillRef>
+        <a:effectRef idx="0">
+          <a:scrgbClr r="0" g="0" b="0"/>
+        </a:effectRef>
+        <a:fontRef idx="minor">
+          <a:schemeClr val="lt1"/>
+        </a:fontRef>
+      </dsp:style>
+      <dsp:txBody>
+        <a:bodyPr spcFirstLastPara="0" vert="horz" wrap="square" lIns="12700" tIns="12700" rIns="12700" bIns="12700" numCol="1" spcCol="1270" anchor="ctr" anchorCtr="0">
+          <a:noAutofit/>
+        </a:bodyPr>
+        <a:lstStyle/>
+        <a:p>
+          <a:pPr lvl="0" algn="ctr" defTabSz="444500">
+            <a:lnSpc>
+              <a:spcPct val="90000"/>
+            </a:lnSpc>
+            <a:spcBef>
+              <a:spcPct val="0"/>
+            </a:spcBef>
+            <a:spcAft>
+              <a:spcPct val="35000"/>
+            </a:spcAft>
+          </a:pPr>
+          <a:r>
+            <a:rPr lang="en-US" sz="1000" kern="1200" dirty="0"/>
+            <a:t>V model</a:t>
+          </a:r>
+        </a:p>
+      </dsp:txBody>
+      <dsp:txXfrm>
+        <a:off x="1278179" y="2584993"/>
+        <a:ext cx="773978" cy="773978"/>
+      </dsp:txXfrm>
+    </dsp:sp>
+    <dsp:sp modelId="{C0E538A1-8247-4D29-A464-326B7E9E49F2}">
+      <dsp:nvSpPr>
+        <dsp:cNvPr id="0" name=""/>
+        <dsp:cNvSpPr/>
+      </dsp:nvSpPr>
+      <dsp:spPr>
+        <a:xfrm>
+          <a:off x="1500744" y="747273"/>
+          <a:ext cx="1094570" cy="1094570"/>
+        </a:xfrm>
+        <a:prstGeom prst="ellipse">
+          <a:avLst/>
+        </a:prstGeom>
+        <a:solidFill>
+          <a:schemeClr val="accent1">
+            <a:hueOff val="0"/>
+            <a:satOff val="0"/>
+            <a:lumOff val="0"/>
+            <a:alphaOff val="0"/>
+          </a:schemeClr>
+        </a:solidFill>
+        <a:ln w="12700" cap="flat" cmpd="sng" algn="ctr">
+          <a:solidFill>
+            <a:schemeClr val="lt1">
+              <a:hueOff val="0"/>
+              <a:satOff val="0"/>
+              <a:lumOff val="0"/>
+              <a:alphaOff val="0"/>
+            </a:schemeClr>
+          </a:solidFill>
+          <a:prstDash val="solid"/>
+          <a:miter lim="800000"/>
+        </a:ln>
+        <a:effectLst/>
+      </dsp:spPr>
+      <dsp:style>
+        <a:lnRef idx="2">
+          <a:scrgbClr r="0" g="0" b="0"/>
+        </a:lnRef>
+        <a:fillRef idx="1">
+          <a:scrgbClr r="0" g="0" b="0"/>
+        </a:fillRef>
+        <a:effectRef idx="0">
+          <a:scrgbClr r="0" g="0" b="0"/>
+        </a:effectRef>
+        <a:fontRef idx="minor">
+          <a:schemeClr val="lt1"/>
+        </a:fontRef>
+      </dsp:style>
+      <dsp:txBody>
+        <a:bodyPr spcFirstLastPara="0" vert="horz" wrap="square" lIns="12700" tIns="12700" rIns="12700" bIns="12700" numCol="1" spcCol="1270" anchor="ctr" anchorCtr="0">
+          <a:noAutofit/>
+        </a:bodyPr>
+        <a:lstStyle/>
+        <a:p>
+          <a:pPr lvl="0" algn="ctr" defTabSz="444500">
+            <a:lnSpc>
+              <a:spcPct val="90000"/>
+            </a:lnSpc>
+            <a:spcBef>
+              <a:spcPct val="0"/>
+            </a:spcBef>
+            <a:spcAft>
+              <a:spcPct val="35000"/>
+            </a:spcAft>
+          </a:pPr>
+          <a:r>
+            <a:rPr lang="en-US" sz="1000" kern="1200" dirty="0"/>
+            <a:t>Spiral model</a:t>
+          </a:r>
+        </a:p>
+      </dsp:txBody>
+      <dsp:txXfrm>
+        <a:off x="1661040" y="907569"/>
+        <a:ext cx="773978" cy="773978"/>
+      </dsp:txXfrm>
+    </dsp:sp>
   </dsp:spTree>
 </dsp:drawing>
 </file>
@@ -2966,3117 +2831,7 @@
 </dgm:layoutDef>
 </file>
 
-<file path=ppt/diagrams/layout2.xml><?xml version="1.0" encoding="utf-8"?>
-<dgm:layoutDef xmlns:dgm="http://schemas.openxmlformats.org/drawingml/2006/diagram" xmlns:a="http://schemas.openxmlformats.org/drawingml/2006/main" uniqueId="urn:microsoft.com/office/officeart/2009/layout/CircleArrowProcess">
-  <dgm:title val=""/>
-  <dgm:desc val=""/>
-  <dgm:catLst>
-    <dgm:cat type="process" pri="16500"/>
-    <dgm:cat type="cycle" pri="16000"/>
-  </dgm:catLst>
-  <dgm:sampData>
-    <dgm:dataModel>
-      <dgm:ptLst>
-        <dgm:pt modelId="0" type="doc"/>
-        <dgm:pt modelId="10">
-          <dgm:prSet phldr="1"/>
-        </dgm:pt>
-        <dgm:pt modelId="20">
-          <dgm:prSet phldr="1"/>
-        </dgm:pt>
-        <dgm:pt modelId="30">
-          <dgm:prSet phldr="1"/>
-        </dgm:pt>
-      </dgm:ptLst>
-      <dgm:cxnLst>
-        <dgm:cxn modelId="40" srcId="0" destId="10" srcOrd="0" destOrd="0"/>
-        <dgm:cxn modelId="50" srcId="0" destId="20" srcOrd="1" destOrd="0"/>
-        <dgm:cxn modelId="60" srcId="0" destId="30" srcOrd="2" destOrd="0"/>
-      </dgm:cxnLst>
-      <dgm:bg/>
-      <dgm:whole/>
-    </dgm:dataModel>
-  </dgm:sampData>
-  <dgm:styleData>
-    <dgm:dataModel>
-      <dgm:ptLst>
-        <dgm:pt modelId="0" type="doc"/>
-        <dgm:pt modelId="10">
-          <dgm:prSet phldr="1"/>
-        </dgm:pt>
-        <dgm:pt modelId="20">
-          <dgm:prSet phldr="1"/>
-        </dgm:pt>
-      </dgm:ptLst>
-      <dgm:cxnLst>
-        <dgm:cxn modelId="30" srcId="0" destId="10" srcOrd="0" destOrd="0"/>
-        <dgm:cxn modelId="40" srcId="0" destId="20" srcOrd="1" destOrd="0"/>
-      </dgm:cxnLst>
-      <dgm:bg/>
-      <dgm:whole/>
-    </dgm:dataModel>
-  </dgm:styleData>
-  <dgm:clrData>
-    <dgm:dataModel>
-      <dgm:ptLst>
-        <dgm:pt modelId="0" type="doc"/>
-        <dgm:pt modelId="10">
-          <dgm:prSet phldr="1"/>
-        </dgm:pt>
-        <dgm:pt modelId="20">
-          <dgm:prSet phldr="1"/>
-        </dgm:pt>
-        <dgm:pt modelId="30">
-          <dgm:prSet phldr="1"/>
-        </dgm:pt>
-        <dgm:pt modelId="40">
-          <dgm:prSet phldr="1"/>
-        </dgm:pt>
-      </dgm:ptLst>
-      <dgm:cxnLst>
-        <dgm:cxn modelId="50" srcId="0" destId="10" srcOrd="0" destOrd="0"/>
-        <dgm:cxn modelId="60" srcId="0" destId="20" srcOrd="1" destOrd="0"/>
-        <dgm:cxn modelId="70" srcId="0" destId="30" srcOrd="2" destOrd="0"/>
-        <dgm:cxn modelId="80" srcId="0" destId="40" srcOrd="3" destOrd="0"/>
-      </dgm:cxnLst>
-      <dgm:bg/>
-      <dgm:whole/>
-    </dgm:dataModel>
-  </dgm:clrData>
-  <dgm:layoutNode name="Name0">
-    <dgm:varLst>
-      <dgm:chMax val="7"/>
-      <dgm:chPref val="7"/>
-      <dgm:dir/>
-      <dgm:animLvl val="lvl"/>
-    </dgm:varLst>
-    <dgm:shape xmlns:r="http://schemas.openxmlformats.org/officeDocument/2006/relationships" r:blip="">
-      <dgm:adjLst/>
-    </dgm:shape>
-    <dgm:choose name="Name1">
-      <dgm:if name="Name2" func="var" arg="dir" op="equ" val="norm">
-        <dgm:choose name="Name3">
-          <dgm:if name="Name4" axis="ch" ptType="node" func="cnt" op="equ" val="1">
-            <dgm:alg type="composite">
-              <dgm:param type="ar" val="1.5999"/>
-            </dgm:alg>
-            <dgm:constrLst>
-              <dgm:constr type="primFontSz" for="des" forName="Child1" val="65"/>
-              <dgm:constr type="primFontSz" for="des" forName="Parent1" val="65"/>
-              <dgm:constr type="primFontSz" for="des" forName="Child1" refType="primFontSz" refFor="des" refForName="Parent1" op="lte"/>
-              <dgm:constr type="l" for="ch" forName="Child1" refType="w" fact="0.625"/>
-              <dgm:constr type="t" for="ch" forName="Child1" refType="h" fact="0.2981"/>
-              <dgm:constr type="w" for="ch" forName="Child1" refType="w" fact="0.375"/>
-              <dgm:constr type="h" for="ch" forName="Child1" refType="h" fact="0.4001"/>
-              <dgm:constr type="l" for="ch" forName="Accent1" refType="w" fact="0"/>
-              <dgm:constr type="t" for="ch" forName="Accent1" refType="h" fact="0"/>
-              <dgm:constr type="w" for="ch" forName="Accent1" refType="w" fact="0.6249"/>
-              <dgm:constr type="h" for="ch" forName="Accent1" refType="h"/>
-              <dgm:constr type="l" for="ch" forName="Parent1" refType="w" fact="0.138"/>
-              <dgm:constr type="t" for="ch" forName="Parent1" refType="h" fact="0.362"/>
-              <dgm:constr type="w" for="ch" forName="Parent1" refType="w" fact="0.3487"/>
-              <dgm:constr type="h" for="ch" forName="Parent1" refType="h" fact="0.2789"/>
-            </dgm:constrLst>
-          </dgm:if>
-          <dgm:if name="Name5" axis="ch" ptType="node" func="cnt" op="equ" val="2">
-            <dgm:alg type="composite">
-              <dgm:param type="ar" val="1.2026"/>
-            </dgm:alg>
-            <dgm:constrLst>
-              <dgm:constr type="primFontSz" for="des" forName="Child1" val="65"/>
-              <dgm:constr type="primFontSz" for="des" forName="Parent1" val="65"/>
-              <dgm:constr type="primFontSz" for="des" forName="Child1" refType="primFontSz" refFor="des" refForName="Parent1" op="lte"/>
-              <dgm:constr type="primFontSz" for="des" forName="Child2" refType="primFontSz" refFor="des" refForName="Parent1" op="lte"/>
-              <dgm:constr type="primFontSz" for="des" forName="Child1" refType="primFontSz" refFor="des" refForName="Parent2" op="lte"/>
-              <dgm:constr type="primFontSz" for="des" forName="Child2" refType="primFontSz" refFor="des" refForName="Parent2" op="lte"/>
-              <dgm:constr type="primFontSz" for="des" forName="Parent2" refType="primFontSz" refFor="des" refForName="Parent1" op="equ"/>
-              <dgm:constr type="primFontSz" for="des" forName="Child2" refType="primFontSz" refFor="des" refForName="Child1" op="equ"/>
-              <dgm:constr type="l" for="ch" forName="Accent1" refType="w" fact="0.1144"/>
-              <dgm:constr type="t" for="ch" forName="Accent1" refType="h" fact="0"/>
-              <dgm:constr type="w" for="ch" forName="Accent1" refType="w" fact="0.5542"/>
-              <dgm:constr type="h" for="ch" forName="Accent1" refType="h" fact="0.6665"/>
-              <dgm:constr type="l" for="ch" forName="Parent1" refType="w" fact="0.2368"/>
-              <dgm:constr type="t" for="ch" forName="Parent1" refType="h" fact="0.2413"/>
-              <dgm:constr type="w" for="ch" forName="Parent1" refType="w" fact="0.3092"/>
-              <dgm:constr type="h" for="ch" forName="Parent1" refType="h" fact="0.1859"/>
-              <dgm:constr type="l" for="ch" forName="Parent2" refType="w" fact="0.0822"/>
-              <dgm:constr type="t" for="ch" forName="Parent2" refType="h" fact="0.625"/>
-              <dgm:constr type="w" for="ch" forName="Parent2" refType="w" fact="0.3092"/>
-              <dgm:constr type="h" for="ch" forName="Parent2" refType="h" fact="0.1859"/>
-              <dgm:constr type="l" for="ch" forName="Child1" refType="w" fact="0.6678"/>
-              <dgm:constr type="t" for="ch" forName="Child1" refType="h" fact="0.1978"/>
-              <dgm:constr type="w" for="ch" forName="Child1" refType="w" fact="0.3322"/>
-              <dgm:constr type="h" for="ch" forName="Child1" refType="h" fact="0.265"/>
-              <dgm:constr type="l" for="ch" forName="Child2" refType="w" fact="0.5164"/>
-              <dgm:constr type="t" for="ch" forName="Child2" refType="h" fact="0.5855"/>
-              <dgm:constr type="w" for="ch" forName="Child2" refType="w" fact="0.3322"/>
-              <dgm:constr type="h" for="ch" forName="Child2" refType="h" fact="0.265"/>
-              <dgm:constr type="l" for="ch" forName="Accent2" refType="w" fact="0"/>
-              <dgm:constr type="t" for="ch" forName="Accent2" refType="h" fact="0.4272"/>
-              <dgm:constr type="w" for="ch" forName="Accent2" refType="w" fact="0.4761"/>
-              <dgm:constr type="h" for="ch" forName="Accent2" refType="h" fact="0.5728"/>
-            </dgm:constrLst>
-          </dgm:if>
-          <dgm:if name="Name6" axis="ch" ptType="node" func="cnt" op="equ" val="3">
-            <dgm:alg type="composite">
-              <dgm:param type="ar" val="0.9039"/>
-            </dgm:alg>
-            <dgm:shape xmlns:r="http://schemas.openxmlformats.org/officeDocument/2006/relationships" r:blip="">
-              <dgm:adjLst/>
-            </dgm:shape>
-            <dgm:constrLst>
-              <dgm:constr type="primFontSz" for="des" forName="Child1" val="65"/>
-              <dgm:constr type="primFontSz" for="des" forName="Parent1" val="65"/>
-              <dgm:constr type="primFontSz" for="des" forName="Child1" refType="primFontSz" refFor="des" refForName="Parent1" op="lte"/>
-              <dgm:constr type="primFontSz" for="des" forName="Child2" refType="primFontSz" refFor="des" refForName="Parent1" op="lte"/>
-              <dgm:constr type="primFontSz" for="des" forName="Child3" refType="primFontSz" refFor="des" refForName="Parent1" op="lte"/>
-              <dgm:constr type="primFontSz" for="des" forName="Child1" refType="primFontSz" refFor="des" refForName="Parent2" op="lte"/>
-              <dgm:constr type="primFontSz" for="des" forName="Child2" refType="primFontSz" refFor="des" refForName="Parent2" op="lte"/>
-              <dgm:constr type="primFontSz" for="des" forName="Child3" refType="primFontSz" refFor="des" refForName="Parent2" op="lte"/>
-              <dgm:constr type="primFontSz" for="des" forName="Child1" refType="primFontSz" refFor="des" refForName="Parent3" op="lte"/>
-              <dgm:constr type="primFontSz" for="des" forName="Child2" refType="primFontSz" refFor="des" refForName="Parent3" op="lte"/>
-              <dgm:constr type="primFontSz" for="des" forName="Child3" refType="primFontSz" refFor="des" refForName="Parent3" op="lte"/>
-              <dgm:constr type="primFontSz" for="des" forName="Parent2" refType="primFontSz" refFor="des" refForName="Parent1" op="equ"/>
-              <dgm:constr type="primFontSz" for="des" forName="Parent3" refType="primFontSz" refFor="des" refForName="Parent1" op="equ"/>
-              <dgm:constr type="primFontSz" for="des" forName="Child2" refType="primFontSz" refFor="des" refForName="Child1" op="equ"/>
-              <dgm:constr type="primFontSz" for="des" forName="Child3" refType="primFontSz" refFor="des" refForName="Child1" op="equ"/>
-              <dgm:constr type="l" for="ch" forName="Accent1" refType="w" fact="0.1479"/>
-              <dgm:constr type="t" for="ch" forName="Accent1" refType="h" fact="0"/>
-              <dgm:constr type="w" for="ch" forName="Accent1" refType="w" fact="0.5325"/>
-              <dgm:constr type="h" for="ch" forName="Accent1" refType="h" fact="0.4814"/>
-              <dgm:constr type="l" for="ch" forName="Accent2" refType="w" fact="0"/>
-              <dgm:constr type="t" for="ch" forName="Accent2" refType="h" fact="0.2766"/>
-              <dgm:constr type="w" for="ch" forName="Accent2" refType="w" fact="0.5325"/>
-              <dgm:constr type="h" for="ch" forName="Accent2" refType="h" fact="0.4814"/>
-              <dgm:constr type="l" for="ch" forName="Parent1" refType="w" fact="0.2656"/>
-              <dgm:constr type="t" for="ch" forName="Parent1" refType="h" fact="0.1738"/>
-              <dgm:constr type="w" for="ch" forName="Parent1" refType="w" fact="0.2959"/>
-              <dgm:constr type="h" for="ch" forName="Parent1" refType="h" fact="0.1337"/>
-              <dgm:constr type="l" for="ch" forName="Accent3" refType="w" fact="0.1858"/>
-              <dgm:constr type="t" for="ch" forName="Accent3" refType="h" fact="0.5863"/>
-              <dgm:constr type="w" for="ch" forName="Accent3" refType="w" fact="0.4575"/>
-              <dgm:constr type="h" for="ch" forName="Accent3" refType="h" fact="0.4137"/>
-              <dgm:constr type="l" for="ch" forName="Parent2" refType="w" fact="0.1183"/>
-              <dgm:constr type="t" for="ch" forName="Parent2" refType="h" fact="0.452"/>
-              <dgm:constr type="w" for="ch" forName="Parent2" refType="w" fact="0.2959"/>
-              <dgm:constr type="h" for="ch" forName="Parent2" refType="h" fact="0.1337"/>
-              <dgm:constr type="l" for="ch" forName="Parent3" refType="w" fact="0.2663"/>
-              <dgm:constr type="t" for="ch" forName="Parent3" refType="h" fact="0.7306"/>
-              <dgm:constr type="w" for="ch" forName="Parent3" refType="w" fact="0.2959"/>
-              <dgm:constr type="h" for="ch" forName="Parent3" refType="h" fact="0.1337"/>
-              <dgm:constr type="l" for="ch" forName="Child2" refType="w" fact="0.5325"/>
-              <dgm:constr type="t" for="ch" forName="Child2" refType="h" fact="0.4217"/>
-              <dgm:constr type="w" for="ch" forName="Child2" refType="w" fact="0.3195"/>
-              <dgm:constr type="h" for="ch" forName="Child2" refType="h" fact="0.1926"/>
-              <dgm:constr type="l" for="ch" forName="Child1" refType="w" fact="0.6805"/>
-              <dgm:constr type="t" for="ch" forName="Child1" refType="h" fact="0.1435"/>
-              <dgm:constr type="w" for="ch" forName="Child1" refType="w" fact="0.3195"/>
-              <dgm:constr type="h" for="ch" forName="Child1" refType="h" fact="0.1926"/>
-              <dgm:constr type="l" for="ch" forName="Child3" refType="w" fact="0.6805"/>
-              <dgm:constr type="t" for="ch" forName="Child3" refType="h" fact="0.6998"/>
-              <dgm:constr type="w" for="ch" forName="Child3" refType="w" fact="0.3195"/>
-              <dgm:constr type="h" for="ch" forName="Child3" refType="h" fact="0.1926"/>
-            </dgm:constrLst>
-          </dgm:if>
-          <dgm:if name="Name7" axis="ch" ptType="node" func="cnt" op="equ" val="4">
-            <dgm:alg type="composite">
-              <dgm:param type="ar" val="0.7073"/>
-            </dgm:alg>
-            <dgm:constrLst>
-              <dgm:constr type="primFontSz" for="des" forName="Child1" val="65"/>
-              <dgm:constr type="primFontSz" for="des" forName="Parent1" val="65"/>
-              <dgm:constr type="primFontSz" for="des" forName="Child1" refType="primFontSz" refFor="des" refForName="Parent1" op="lte"/>
-              <dgm:constr type="primFontSz" for="des" forName="Child2" refType="primFontSz" refFor="des" refForName="Parent1" op="lte"/>
-              <dgm:constr type="primFontSz" for="des" forName="Child3" refType="primFontSz" refFor="des" refForName="Parent1" op="lte"/>
-              <dgm:constr type="primFontSz" for="des" forName="Child4" refType="primFontSz" refFor="des" refForName="Parent1" op="lte"/>
-              <dgm:constr type="primFontSz" for="des" forName="Child1" refType="primFontSz" refFor="des" refForName="Parent2" op="lte"/>
-              <dgm:constr type="primFontSz" for="des" forName="Child2" refType="primFontSz" refFor="des" refForName="Parent2" op="lte"/>
-              <dgm:constr type="primFontSz" for="des" forName="Child3" refType="primFontSz" refFor="des" refForName="Parent2" op="lte"/>
-              <dgm:constr type="primFontSz" for="des" forName="Child4" refType="primFontSz" refFor="des" refForName="Parent2" op="lte"/>
-              <dgm:constr type="primFontSz" for="des" forName="Child1" refType="primFontSz" refFor="des" refForName="Parent3" op="lte"/>
-              <dgm:constr type="primFontSz" for="des" forName="Child2" refType="primFontSz" refFor="des" refForName="Parent3" op="lte"/>
-              <dgm:constr type="primFontSz" for="des" forName="Child3" refType="primFontSz" refFor="des" refForName="Parent3" op="lte"/>
-              <dgm:constr type="primFontSz" for="des" forName="Child4" refType="primFontSz" refFor="des" refForName="Parent3" op="lte"/>
-              <dgm:constr type="primFontSz" for="des" forName="Child1" refType="primFontSz" refFor="des" refForName="Parent4" op="lte"/>
-              <dgm:constr type="primFontSz" for="des" forName="Child2" refType="primFontSz" refFor="des" refForName="Parent4" op="lte"/>
-              <dgm:constr type="primFontSz" for="des" forName="Child3" refType="primFontSz" refFor="des" refForName="Parent4" op="lte"/>
-              <dgm:constr type="primFontSz" for="des" forName="Child4" refType="primFontSz" refFor="des" refForName="Parent4" op="lte"/>
-              <dgm:constr type="primFontSz" for="des" forName="Parent2" refType="primFontSz" refFor="des" refForName="Parent1" op="equ"/>
-              <dgm:constr type="primFontSz" for="des" forName="Parent3" refType="primFontSz" refFor="des" refForName="Parent1" op="equ"/>
-              <dgm:constr type="primFontSz" for="des" forName="Parent4" refType="primFontSz" refFor="des" refForName="Parent1" op="equ"/>
-              <dgm:constr type="primFontSz" for="des" forName="Child2" refType="primFontSz" refFor="des" refForName="Child1" op="equ"/>
-              <dgm:constr type="primFontSz" for="des" forName="Child3" refType="primFontSz" refFor="des" refForName="Child1" op="equ"/>
-              <dgm:constr type="primFontSz" for="des" forName="Child4" refType="primFontSz" refFor="des" refForName="Child1" op="equ"/>
-              <dgm:constr type="l" for="ch" forName="Accent1" refType="w" fact="0.1481"/>
-              <dgm:constr type="t" for="ch" forName="Accent1" refType="h" fact="0"/>
-              <dgm:constr type="w" for="ch" forName="Accent1" refType="w" fact="0.5331"/>
-              <dgm:constr type="h" for="ch" forName="Accent1" refType="h" fact="0.3771"/>
-              <dgm:constr type="l" for="ch" forName="Accent2" refType="w" fact="0"/>
-              <dgm:constr type="t" for="ch" forName="Accent2" refType="h" fact="0.2167"/>
-              <dgm:constr type="w" for="ch" forName="Accent2" refType="w" fact="0.5331"/>
-              <dgm:constr type="h" for="ch" forName="Accent2" refType="h" fact="0.3771"/>
-              <dgm:constr type="l" for="ch" forName="Accent3" refType="w" fact="0.1481"/>
-              <dgm:constr type="t" for="ch" forName="Accent3" refType="h" fact="0.4342"/>
-              <dgm:constr type="w" for="ch" forName="Accent3" refType="w" fact="0.5331"/>
-              <dgm:constr type="h" for="ch" forName="Accent3" refType="h" fact="0.3771"/>
-              <dgm:constr type="l" for="ch" forName="Parent1" refType="w" fact="0.2658"/>
-              <dgm:constr type="t" for="ch" forName="Parent1" refType="h" fact="0.1365"/>
-              <dgm:constr type="w" for="ch" forName="Parent1" refType="w" fact="0.2975"/>
-              <dgm:constr type="h" for="ch" forName="Parent1" refType="h" fact="0.1052"/>
-              <dgm:constr type="l" for="ch" forName="Parent2" refType="w" fact="0.1171"/>
-              <dgm:constr type="t" for="ch" forName="Parent2" refType="h" fact="0.3536"/>
-              <dgm:constr type="w" for="ch" forName="Parent2" refType="w" fact="0.2975"/>
-              <dgm:constr type="h" for="ch" forName="Parent2" refType="h" fact="0.1052"/>
-              <dgm:constr type="l" for="ch" forName="Parent3" refType="w" fact="0.2658"/>
-              <dgm:constr type="t" for="ch" forName="Parent3" refType="h" fact="0.5707"/>
-              <dgm:constr type="w" for="ch" forName="Parent3" refType="w" fact="0.2975"/>
-              <dgm:constr type="h" for="ch" forName="Parent3" refType="h" fact="0.1052"/>
-              <dgm:constr type="l" for="ch" forName="Parent4" refType="w" fact="0.1171"/>
-              <dgm:constr type="t" for="ch" forName="Parent4" refType="h" fact="0.7878"/>
-              <dgm:constr type="w" for="ch" forName="Parent4" refType="w" fact="0.2975"/>
-              <dgm:constr type="h" for="ch" forName="Parent4" refType="h" fact="0.1052"/>
-              <dgm:constr type="l" for="ch" forName="Child1" refType="w" fact="0.6804"/>
-              <dgm:constr type="t" for="ch" forName="Child1" refType="h" fact="0.1119"/>
-              <dgm:constr type="w" for="ch" forName="Child1" refType="w" fact="0.3196"/>
-              <dgm:constr type="h" for="ch" forName="Child1" refType="h" fact="0.15"/>
-              <dgm:constr type="l" for="ch" forName="Child2" refType="w" fact="0.5348"/>
-              <dgm:constr type="t" for="ch" forName="Child2" refType="h" fact="0.3312"/>
-              <dgm:constr type="w" for="ch" forName="Child2" refType="w" fact="0.3196"/>
-              <dgm:constr type="h" for="ch" forName="Child2" refType="h" fact="0.15"/>
-              <dgm:constr type="l" for="ch" forName="Child3" refType="w" fact="0.6804"/>
-              <dgm:constr type="t" for="ch" forName="Child3" refType="h" fact="0.5461"/>
-              <dgm:constr type="w" for="ch" forName="Child3" refType="w" fact="0.3196"/>
-              <dgm:constr type="h" for="ch" forName="Child3" refType="h" fact="0.15"/>
-              <dgm:constr type="l" for="ch" forName="Child4" refType="w" fact="0.5348"/>
-              <dgm:constr type="t" for="ch" forName="Child4" refType="h" fact="0.7632"/>
-              <dgm:constr type="w" for="ch" forName="Child4" refType="w" fact="0.3196"/>
-              <dgm:constr type="h" for="ch" forName="Child4" refType="h" fact="0.15"/>
-              <dgm:constr type="l" for="ch" forName="Accent4" refType="w" fact="0.038"/>
-              <dgm:constr type="t" for="ch" forName="Accent4" refType="h" fact="0.6759"/>
-              <dgm:constr type="w" for="ch" forName="Accent4" refType="w" fact="0.458"/>
-              <dgm:constr type="h" for="ch" forName="Accent4" refType="h" fact="0.3241"/>
-            </dgm:constrLst>
-          </dgm:if>
-          <dgm:if name="Name8" axis="ch" ptType="node" func="cnt" op="equ" val="5">
-            <dgm:alg type="composite">
-              <dgm:param type="ar" val="0.5811"/>
-            </dgm:alg>
-            <dgm:constrLst>
-              <dgm:constr type="primFontSz" for="des" forName="Child1" val="65"/>
-              <dgm:constr type="primFontSz" for="des" forName="Parent1" val="65"/>
-              <dgm:constr type="primFontSz" for="des" forName="Child1" refType="primFontSz" refFor="des" refForName="Parent1" op="lte"/>
-              <dgm:constr type="primFontSz" for="des" forName="Child2" refType="primFontSz" refFor="des" refForName="Parent1" op="lte"/>
-              <dgm:constr type="primFontSz" for="des" forName="Child3" refType="primFontSz" refFor="des" refForName="Parent1" op="lte"/>
-              <dgm:constr type="primFontSz" for="des" forName="Child4" refType="primFontSz" refFor="des" refForName="Parent1" op="lte"/>
-              <dgm:constr type="primFontSz" for="des" forName="Child5" refType="primFontSz" refFor="des" refForName="Parent1" op="lte"/>
-              <dgm:constr type="primFontSz" for="des" forName="Child1" refType="primFontSz" refFor="des" refForName="Parent2" op="lte"/>
-              <dgm:constr type="primFontSz" for="des" forName="Child2" refType="primFontSz" refFor="des" refForName="Parent2" op="lte"/>
-              <dgm:constr type="primFontSz" for="des" forName="Child3" refType="primFontSz" refFor="des" refForName="Parent2" op="lte"/>
-              <dgm:constr type="primFontSz" for="des" forName="Child4" refType="primFontSz" refFor="des" refForName="Parent2" op="lte"/>
-              <dgm:constr type="primFontSz" for="des" forName="Child5" refType="primFontSz" refFor="des" refForName="Parent2" op="lte"/>
-              <dgm:constr type="primFontSz" for="des" forName="Child1" refType="primFontSz" refFor="des" refForName="Parent3" op="lte"/>
-              <dgm:constr type="primFontSz" for="des" forName="Child2" refType="primFontSz" refFor="des" refForName="Parent3" op="lte"/>
-              <dgm:constr type="primFontSz" for="des" forName="Child3" refType="primFontSz" refFor="des" refForName="Parent3" op="lte"/>
-              <dgm:constr type="primFontSz" for="des" forName="Child4" refType="primFontSz" refFor="des" refForName="Parent3" op="lte"/>
-              <dgm:constr type="primFontSz" for="des" forName="Child5" refType="primFontSz" refFor="des" refForName="Parent3" op="lte"/>
-              <dgm:constr type="primFontSz" for="des" forName="Child1" refType="primFontSz" refFor="des" refForName="Parent4" op="lte"/>
-              <dgm:constr type="primFontSz" for="des" forName="Child2" refType="primFontSz" refFor="des" refForName="Parent4" op="lte"/>
-              <dgm:constr type="primFontSz" for="des" forName="Child3" refType="primFontSz" refFor="des" refForName="Parent4" op="lte"/>
-              <dgm:constr type="primFontSz" for="des" forName="Child4" refType="primFontSz" refFor="des" refForName="Parent4" op="lte"/>
-              <dgm:constr type="primFontSz" for="des" forName="Child5" refType="primFontSz" refFor="des" refForName="Parent4" op="lte"/>
-              <dgm:constr type="primFontSz" for="des" forName="Child1" refType="primFontSz" refFor="des" refForName="Parent5" op="lte"/>
-              <dgm:constr type="primFontSz" for="des" forName="Child2" refType="primFontSz" refFor="des" refForName="Parent5" op="lte"/>
-              <dgm:constr type="primFontSz" for="des" forName="Child3" refType="primFontSz" refFor="des" refForName="Parent5" op="lte"/>
-              <dgm:constr type="primFontSz" for="des" forName="Child4" refType="primFontSz" refFor="des" refForName="Parent5" op="lte"/>
-              <dgm:constr type="primFontSz" for="des" forName="Child5" refType="primFontSz" refFor="des" refForName="Parent5" op="lte"/>
-              <dgm:constr type="primFontSz" for="des" forName="Parent2" refType="primFontSz" refFor="des" refForName="Parent1" op="equ"/>
-              <dgm:constr type="primFontSz" for="des" forName="Parent3" refType="primFontSz" refFor="des" refForName="Parent1" op="equ"/>
-              <dgm:constr type="primFontSz" for="des" forName="Parent4" refType="primFontSz" refFor="des" refForName="Parent1" op="equ"/>
-              <dgm:constr type="primFontSz" for="des" forName="Parent5" refType="primFontSz" refFor="des" refForName="Parent1" op="equ"/>
-              <dgm:constr type="primFontSz" for="des" forName="Child2" refType="primFontSz" refFor="des" refForName="Child1" op="equ"/>
-              <dgm:constr type="primFontSz" for="des" forName="Child3" refType="primFontSz" refFor="des" refForName="Child1" op="equ"/>
-              <dgm:constr type="primFontSz" for="des" forName="Child4" refType="primFontSz" refFor="des" refForName="Child1" op="equ"/>
-              <dgm:constr type="primFontSz" for="des" forName="Child5" refType="primFontSz" refFor="des" refForName="Child1" op="equ"/>
-              <dgm:constr type="l" for="ch" forName="Accent1" refType="w" fact="0.1481"/>
-              <dgm:constr type="t" for="ch" forName="Accent1" refType="h" fact="0"/>
-              <dgm:constr type="w" for="ch" forName="Accent1" refType="w" fact="0.5331"/>
-              <dgm:constr type="h" for="ch" forName="Accent1" refType="h" fact="0.3098"/>
-              <dgm:constr type="l" for="ch" forName="Accent2" refType="w" fact="0"/>
-              <dgm:constr type="t" for="ch" forName="Accent2" refType="h" fact="0.178"/>
-              <dgm:constr type="w" for="ch" forName="Accent2" refType="w" fact="0.5331"/>
-              <dgm:constr type="h" for="ch" forName="Accent2" refType="h" fact="0.3098"/>
-              <dgm:constr type="l" for="ch" forName="Accent3" refType="w" fact="0.1481"/>
-              <dgm:constr type="t" for="ch" forName="Accent3" refType="h" fact="0.3568"/>
-              <dgm:constr type="w" for="ch" forName="Accent3" refType="w" fact="0.5331"/>
-              <dgm:constr type="h" for="ch" forName="Accent3" refType="h" fact="0.3098"/>
-              <dgm:constr type="l" for="ch" forName="Accent4" refType="w" fact="0"/>
-              <dgm:constr type="t" for="ch" forName="Accent4" refType="h" fact="0.5351"/>
-              <dgm:constr type="w" for="ch" forName="Accent4" refType="w" fact="0.5331"/>
-              <dgm:constr type="h" for="ch" forName="Accent4" refType="h" fact="0.3098"/>
-              <dgm:constr type="l" for="ch" forName="Accent5" refType="w" fact="0.186"/>
-              <dgm:constr type="t" for="ch" forName="Accent5" refType="h" fact="0.7337"/>
-              <dgm:constr type="w" for="ch" forName="Accent5" refType="w" fact="0.458"/>
-              <dgm:constr type="h" for="ch" forName="Accent5" refType="h" fact="0.2663"/>
-              <dgm:constr type="l" for="ch" forName="Parent1" refType="w" fact="0.2658"/>
-              <dgm:constr type="t" for="ch" forName="Parent1" refType="h" fact="0.1122"/>
-              <dgm:constr type="w" for="ch" forName="Parent1" refType="w" fact="0.2975"/>
-              <dgm:constr type="h" for="ch" forName="Parent1" refType="h" fact="0.0864"/>
-              <dgm:constr type="l" for="ch" forName="Parent2" refType="w" fact="0.1171"/>
-              <dgm:constr type="t" for="ch" forName="Parent2" refType="h" fact="0.2906"/>
-              <dgm:constr type="w" for="ch" forName="Parent2" refType="w" fact="0.2975"/>
-              <dgm:constr type="h" for="ch" forName="Parent2" refType="h" fact="0.0864"/>
-              <dgm:constr type="l" for="ch" forName="Parent3" refType="w" fact="0.2658"/>
-              <dgm:constr type="t" for="ch" forName="Parent3" refType="h" fact="0.4689"/>
-              <dgm:constr type="w" for="ch" forName="Parent3" refType="w" fact="0.2975"/>
-              <dgm:constr type="h" for="ch" forName="Parent3" refType="h" fact="0.0864"/>
-              <dgm:constr type="l" for="ch" forName="Parent4" refType="w" fact="0.1171"/>
-              <dgm:constr type="t" for="ch" forName="Parent4" refType="h" fact="0.6473"/>
-              <dgm:constr type="w" for="ch" forName="Parent4" refType="w" fact="0.2975"/>
-              <dgm:constr type="h" for="ch" forName="Parent4" refType="h" fact="0.0864"/>
-              <dgm:constr type="l" for="ch" forName="Parent5" refType="w" fact="0.2658"/>
-              <dgm:constr type="t" for="ch" forName="Parent5" refType="h" fact="0.8257"/>
-              <dgm:constr type="w" for="ch" forName="Parent5" refType="w" fact="0.2975"/>
-              <dgm:constr type="h" for="ch" forName="Parent5" refType="h" fact="0.0864"/>
-              <dgm:constr type="l" for="ch" forName="Child1" refType="w" fact="0.6804"/>
-              <dgm:constr type="t" for="ch" forName="Child1" refType="h" fact="0.0919"/>
-              <dgm:constr type="w" for="ch" forName="Child1" refType="w" fact="0.3196"/>
-              <dgm:constr type="h" for="ch" forName="Child1" refType="h" fact="0.1232"/>
-              <dgm:constr type="l" for="ch" forName="Child2" refType="w" fact="0.5348"/>
-              <dgm:constr type="t" for="ch" forName="Child2" refType="h" fact="0.2722"/>
-              <dgm:constr type="w" for="ch" forName="Child2" refType="w" fact="0.3196"/>
-              <dgm:constr type="h" for="ch" forName="Child2" refType="h" fact="0.1232"/>
-              <dgm:constr type="l" for="ch" forName="Child3" refType="w" fact="0.6804"/>
-              <dgm:constr type="t" for="ch" forName="Child3" refType="h" fact="0.4487"/>
-              <dgm:constr type="w" for="ch" forName="Child3" refType="w" fact="0.3196"/>
-              <dgm:constr type="h" for="ch" forName="Child3" refType="h" fact="0.1232"/>
-              <dgm:constr type="l" for="ch" forName="Child4" refType="w" fact="0.5348"/>
-              <dgm:constr type="t" for="ch" forName="Child4" refType="h" fact="0.6271"/>
-              <dgm:constr type="w" for="ch" forName="Child4" refType="w" fact="0.3196"/>
-              <dgm:constr type="h" for="ch" forName="Child4" refType="h" fact="0.1232"/>
-              <dgm:constr type="l" for="ch" forName="Child5" refType="w" fact="0.6804"/>
-              <dgm:constr type="t" for="ch" forName="Child5" refType="h" fact="0.8073"/>
-              <dgm:constr type="w" for="ch" forName="Child5" refType="w" fact="0.3196"/>
-              <dgm:constr type="h" for="ch" forName="Child5" refType="h" fact="0.1232"/>
-            </dgm:constrLst>
-          </dgm:if>
-          <dgm:if name="Name9" axis="ch" ptType="node" func="cnt" op="equ" val="6">
-            <dgm:alg type="composite">
-              <dgm:param type="ar" val="0.4931"/>
-            </dgm:alg>
-            <dgm:constrLst>
-              <dgm:constr type="primFontSz" for="des" forName="Child1" val="65"/>
-              <dgm:constr type="primFontSz" for="des" forName="Parent1" val="65"/>
-              <dgm:constr type="primFontSz" for="des" forName="Child1" refType="primFontSz" refFor="des" refForName="Parent1" op="lte"/>
-              <dgm:constr type="primFontSz" for="des" forName="Child2" refType="primFontSz" refFor="des" refForName="Parent1" op="lte"/>
-              <dgm:constr type="primFontSz" for="des" forName="Child3" refType="primFontSz" refFor="des" refForName="Parent1" op="lte"/>
-              <dgm:constr type="primFontSz" for="des" forName="Child4" refType="primFontSz" refFor="des" refForName="Parent1" op="lte"/>
-              <dgm:constr type="primFontSz" for="des" forName="Child5" refType="primFontSz" refFor="des" refForName="Parent1" op="lte"/>
-              <dgm:constr type="primFontSz" for="des" forName="Child6" refType="primFontSz" refFor="des" refForName="Parent1" op="lte"/>
-              <dgm:constr type="primFontSz" for="des" forName="Child1" refType="primFontSz" refFor="des" refForName="Parent2" op="lte"/>
-              <dgm:constr type="primFontSz" for="des" forName="Child2" refType="primFontSz" refFor="des" refForName="Parent2" op="lte"/>
-              <dgm:constr type="primFontSz" for="des" forName="Child3" refType="primFontSz" refFor="des" refForName="Parent2" op="lte"/>
-              <dgm:constr type="primFontSz" for="des" forName="Child4" refType="primFontSz" refFor="des" refForName="Parent2" op="lte"/>
-              <dgm:constr type="primFontSz" for="des" forName="Child5" refType="primFontSz" refFor="des" refForName="Parent2" op="lte"/>
-              <dgm:constr type="primFontSz" for="des" forName="Child6" refType="primFontSz" refFor="des" refForName="Parent2" op="lte"/>
-              <dgm:constr type="primFontSz" for="des" forName="Child1" refType="primFontSz" refFor="des" refForName="Parent3" op="lte"/>
-              <dgm:constr type="primFontSz" for="des" forName="Child2" refType="primFontSz" refFor="des" refForName="Parent3" op="lte"/>
-              <dgm:constr type="primFontSz" for="des" forName="Child3" refType="primFontSz" refFor="des" refForName="Parent3" op="lte"/>
-              <dgm:constr type="primFontSz" for="des" forName="Child4" refType="primFontSz" refFor="des" refForName="Parent3" op="lte"/>
-              <dgm:constr type="primFontSz" for="des" forName="Child5" refType="primFontSz" refFor="des" refForName="Parent3" op="lte"/>
-              <dgm:constr type="primFontSz" for="des" forName="Child6" refType="primFontSz" refFor="des" refForName="Parent3" op="lte"/>
-              <dgm:constr type="primFontSz" for="des" forName="Child1" refType="primFontSz" refFor="des" refForName="Parent4" op="lte"/>
-              <dgm:constr type="primFontSz" for="des" forName="Child2" refType="primFontSz" refFor="des" refForName="Parent4" op="lte"/>
-              <dgm:constr type="primFontSz" for="des" forName="Child3" refType="primFontSz" refFor="des" refForName="Parent4" op="lte"/>
-              <dgm:constr type="primFontSz" for="des" forName="Child4" refType="primFontSz" refFor="des" refForName="Parent4" op="lte"/>
-              <dgm:constr type="primFontSz" for="des" forName="Child5" refType="primFontSz" refFor="des" refForName="Parent4" op="lte"/>
-              <dgm:constr type="primFontSz" for="des" forName="Child6" refType="primFontSz" refFor="des" refForName="Parent4" op="lte"/>
-              <dgm:constr type="primFontSz" for="des" forName="Child1" refType="primFontSz" refFor="des" refForName="Parent5" op="lte"/>
-              <dgm:constr type="primFontSz" for="des" forName="Child2" refType="primFontSz" refFor="des" refForName="Parent5" op="lte"/>
-              <dgm:constr type="primFontSz" for="des" forName="Child3" refType="primFontSz" refFor="des" refForName="Parent5" op="lte"/>
-              <dgm:constr type="primFontSz" for="des" forName="Child4" refType="primFontSz" refFor="des" refForName="Parent5" op="lte"/>
-              <dgm:constr type="primFontSz" for="des" forName="Child5" refType="primFontSz" refFor="des" refForName="Parent5" op="lte"/>
-              <dgm:constr type="primFontSz" for="des" forName="Child6" refType="primFontSz" refFor="des" refForName="Parent5" op="lte"/>
-              <dgm:constr type="primFontSz" for="des" forName="Child1" refType="primFontSz" refFor="des" refForName="Parent6" op="lte"/>
-              <dgm:constr type="primFontSz" for="des" forName="Child2" refType="primFontSz" refFor="des" refForName="Parent6" op="lte"/>
-              <dgm:constr type="primFontSz" for="des" forName="Child3" refType="primFontSz" refFor="des" refForName="Parent6" op="lte"/>
-              <dgm:constr type="primFontSz" for="des" forName="Child4" refType="primFontSz" refFor="des" refForName="Parent6" op="lte"/>
-              <dgm:constr type="primFontSz" for="des" forName="Child5" refType="primFontSz" refFor="des" refForName="Parent6" op="lte"/>
-              <dgm:constr type="primFontSz" for="des" forName="Child6" refType="primFontSz" refFor="des" refForName="Parent6" op="lte"/>
-              <dgm:constr type="primFontSz" for="des" forName="Parent2" refType="primFontSz" refFor="des" refForName="Parent1" op="equ"/>
-              <dgm:constr type="primFontSz" for="des" forName="Parent3" refType="primFontSz" refFor="des" refForName="Parent1" op="equ"/>
-              <dgm:constr type="primFontSz" for="des" forName="Parent4" refType="primFontSz" refFor="des" refForName="Parent1" op="equ"/>
-              <dgm:constr type="primFontSz" for="des" forName="Parent5" refType="primFontSz" refFor="des" refForName="Parent1" op="equ"/>
-              <dgm:constr type="primFontSz" for="des" forName="Parent6" refType="primFontSz" refFor="des" refForName="Parent1" op="equ"/>
-              <dgm:constr type="primFontSz" for="des" forName="Child2" refType="primFontSz" refFor="des" refForName="Child1" op="equ"/>
-              <dgm:constr type="primFontSz" for="des" forName="Child3" refType="primFontSz" refFor="des" refForName="Child1" op="equ"/>
-              <dgm:constr type="primFontSz" for="des" forName="Child4" refType="primFontSz" refFor="des" refForName="Child1" op="equ"/>
-              <dgm:constr type="primFontSz" for="des" forName="Child5" refType="primFontSz" refFor="des" refForName="Child1" op="equ"/>
-              <dgm:constr type="primFontSz" for="des" forName="Child6" refType="primFontSz" refFor="des" refForName="Child1" op="equ"/>
-              <dgm:constr type="l" for="ch" forName="Accent1" refType="w" fact="0.1481"/>
-              <dgm:constr type="t" for="ch" forName="Accent1" refType="h" fact="0"/>
-              <dgm:constr type="w" for="ch" forName="Accent1" refType="w" fact="0.5331"/>
-              <dgm:constr type="h" for="ch" forName="Accent1" refType="h" fact="0.2629"/>
-              <dgm:constr type="l" for="ch" forName="Accent2" refType="w" fact="0"/>
-              <dgm:constr type="t" for="ch" forName="Accent2" refType="h" fact="0.1511"/>
-              <dgm:constr type="w" for="ch" forName="Accent2" refType="w" fact="0.5331"/>
-              <dgm:constr type="h" for="ch" forName="Accent2" refType="h" fact="0.2629"/>
-              <dgm:constr type="l" for="ch" forName="Accent3" refType="w" fact="0.1481"/>
-              <dgm:constr type="t" for="ch" forName="Accent3" refType="h" fact="0.3027"/>
-              <dgm:constr type="w" for="ch" forName="Accent3" refType="w" fact="0.5331"/>
-              <dgm:constr type="h" for="ch" forName="Accent3" refType="h" fact="0.2629"/>
-              <dgm:constr type="l" for="ch" forName="Accent4" refType="w" fact="0"/>
-              <dgm:constr type="t" for="ch" forName="Accent4" refType="h" fact="0.4541"/>
-              <dgm:constr type="w" for="ch" forName="Accent4" refType="w" fact="0.5331"/>
-              <dgm:constr type="h" for="ch" forName="Accent4" refType="h" fact="0.2629"/>
-              <dgm:constr type="l" for="ch" forName="Parent1" refType="w" fact="0.2658"/>
-              <dgm:constr type="t" for="ch" forName="Parent1" refType="h" fact="0.0952"/>
-              <dgm:constr type="w" for="ch" forName="Parent1" refType="w" fact="0.2975"/>
-              <dgm:constr type="h" for="ch" forName="Parent1" refType="h" fact="0.0733"/>
-              <dgm:constr type="l" for="ch" forName="Parent2" refType="w" fact="0.1171"/>
-              <dgm:constr type="t" for="ch" forName="Parent2" refType="h" fact="0.2466"/>
-              <dgm:constr type="w" for="ch" forName="Parent2" refType="w" fact="0.2975"/>
-              <dgm:constr type="h" for="ch" forName="Parent2" refType="h" fact="0.0733"/>
-              <dgm:constr type="l" for="ch" forName="Parent3" refType="w" fact="0.2658"/>
-              <dgm:constr type="t" for="ch" forName="Parent3" refType="h" fact="0.3979"/>
-              <dgm:constr type="w" for="ch" forName="Parent3" refType="w" fact="0.2975"/>
-              <dgm:constr type="h" for="ch" forName="Parent3" refType="h" fact="0.0733"/>
-              <dgm:constr type="l" for="ch" forName="Parent4" refType="w" fact="0.1171"/>
-              <dgm:constr type="t" for="ch" forName="Parent4" refType="h" fact="0.5493"/>
-              <dgm:constr type="w" for="ch" forName="Parent4" refType="w" fact="0.2975"/>
-              <dgm:constr type="h" for="ch" forName="Parent4" refType="h" fact="0.0733"/>
-              <dgm:constr type="l" for="ch" forName="Child1" refType="w" fact="0.6804"/>
-              <dgm:constr type="t" for="ch" forName="Child1" refType="h" fact="0.078"/>
-              <dgm:constr type="w" for="ch" forName="Child1" refType="w" fact="0.3196"/>
-              <dgm:constr type="h" for="ch" forName="Child1" refType="h" fact="0.1046"/>
-              <dgm:constr type="l" for="ch" forName="Child2" refType="w" fact="0.5348"/>
-              <dgm:constr type="t" for="ch" forName="Child2" refType="h" fact="0.231"/>
-              <dgm:constr type="w" for="ch" forName="Child2" refType="w" fact="0.3196"/>
-              <dgm:constr type="h" for="ch" forName="Child2" refType="h" fact="0.1046"/>
-              <dgm:constr type="l" for="ch" forName="Child3" refType="w" fact="0.6804"/>
-              <dgm:constr type="t" for="ch" forName="Child3" refType="h" fact="0.3808"/>
-              <dgm:constr type="w" for="ch" forName="Child3" refType="w" fact="0.3196"/>
-              <dgm:constr type="h" for="ch" forName="Child3" refType="h" fact="0.1046"/>
-              <dgm:constr type="l" for="ch" forName="Child4" refType="w" fact="0.5348"/>
-              <dgm:constr type="t" for="ch" forName="Child4" refType="h" fact="0.5322"/>
-              <dgm:constr type="w" for="ch" forName="Child4" refType="w" fact="0.3196"/>
-              <dgm:constr type="h" for="ch" forName="Child4" refType="h" fact="0.1046"/>
-              <dgm:constr type="l" for="ch" forName="Accent5" refType="w" fact="0.1481"/>
-              <dgm:constr type="t" for="ch" forName="Accent5" refType="h" fact="0.6053"/>
-              <dgm:constr type="w" for="ch" forName="Accent5" refType="w" fact="0.5331"/>
-              <dgm:constr type="h" for="ch" forName="Accent5" refType="h" fact="0.2629"/>
-              <dgm:constr type="l" for="ch" forName="Accent6" refType="w" fact="0.038"/>
-              <dgm:constr type="t" for="ch" forName="Accent6" refType="h" fact="0.774"/>
-              <dgm:constr type="w" for="ch" forName="Accent6" refType="w" fact="0.458"/>
-              <dgm:constr type="h" for="ch" forName="Accent6" refType="h" fact="0.226"/>
-              <dgm:constr type="l" for="ch" forName="Parent5" refType="w" fact="0.2658"/>
-              <dgm:constr type="t" for="ch" forName="Parent5" refType="h" fact="0.7005"/>
-              <dgm:constr type="w" for="ch" forName="Parent5" refType="w" fact="0.2975"/>
-              <dgm:constr type="h" for="ch" forName="Parent5" refType="h" fact="0.0733"/>
-              <dgm:constr type="l" for="ch" forName="Parent6" refType="w" fact="0.1171"/>
-              <dgm:constr type="t" for="ch" forName="Parent6" refType="h" fact="0.8519"/>
-              <dgm:constr type="w" for="ch" forName="Parent6" refType="w" fact="0.2975"/>
-              <dgm:constr type="h" for="ch" forName="Parent6" refType="h" fact="0.0733"/>
-              <dgm:constr type="l" for="ch" forName="Child5" refType="w" fact="0.6804"/>
-              <dgm:constr type="t" for="ch" forName="Child5" refType="h" fact="0.6833"/>
-              <dgm:constr type="w" for="ch" forName="Child5" refType="w" fact="0.3196"/>
-              <dgm:constr type="h" for="ch" forName="Child5" refType="h" fact="0.1046"/>
-              <dgm:constr type="l" for="ch" forName="Child6" refType="w" fact="0.5348"/>
-              <dgm:constr type="t" for="ch" forName="Child6" refType="h" fact="0.8347"/>
-              <dgm:constr type="w" for="ch" forName="Child6" refType="w" fact="0.3196"/>
-              <dgm:constr type="h" for="ch" forName="Child6" refType="h" fact="0.1046"/>
-            </dgm:constrLst>
-          </dgm:if>
-          <dgm:else name="Name10">
-            <dgm:alg type="composite">
-              <dgm:param type="ar" val="0.4284"/>
-            </dgm:alg>
-            <dgm:constrLst>
-              <dgm:constr type="primFontSz" for="des" forName="Child1" val="65"/>
-              <dgm:constr type="primFontSz" for="des" forName="Parent1" val="65"/>
-              <dgm:constr type="primFontSz" for="des" forName="Child1" refType="primFontSz" refFor="des" refForName="Parent1" op="lte"/>
-              <dgm:constr type="primFontSz" for="des" forName="Child2" refType="primFontSz" refFor="des" refForName="Parent1" op="lte"/>
-              <dgm:constr type="primFontSz" for="des" forName="Child3" refType="primFontSz" refFor="des" refForName="Parent1" op="lte"/>
-              <dgm:constr type="primFontSz" for="des" forName="Child4" refType="primFontSz" refFor="des" refForName="Parent1" op="lte"/>
-              <dgm:constr type="primFontSz" for="des" forName="Child5" refType="primFontSz" refFor="des" refForName="Parent1" op="lte"/>
-              <dgm:constr type="primFontSz" for="des" forName="Child6" refType="primFontSz" refFor="des" refForName="Parent1" op="lte"/>
-              <dgm:constr type="primFontSz" for="des" forName="Child7" refType="primFontSz" refFor="des" refForName="Parent1" op="lte"/>
-              <dgm:constr type="primFontSz" for="des" forName="Child1" refType="primFontSz" refFor="des" refForName="Parent2" op="lte"/>
-              <dgm:constr type="primFontSz" for="des" forName="Child2" refType="primFontSz" refFor="des" refForName="Parent2" op="lte"/>
-              <dgm:constr type="primFontSz" for="des" forName="Child3" refType="primFontSz" refFor="des" refForName="Parent2" op="lte"/>
-              <dgm:constr type="primFontSz" for="des" forName="Child4" refType="primFontSz" refFor="des" refForName="Parent2" op="lte"/>
-              <dgm:constr type="primFontSz" for="des" forName="Child5" refType="primFontSz" refFor="des" refForName="Parent2" op="lte"/>
-              <dgm:constr type="primFontSz" for="des" forName="Child6" refType="primFontSz" refFor="des" refForName="Parent2" op="lte"/>
-              <dgm:constr type="primFontSz" for="des" forName="Child7" refType="primFontSz" refFor="des" refForName="Parent2" op="lte"/>
-              <dgm:constr type="primFontSz" for="des" forName="Child1" refType="primFontSz" refFor="des" refForName="Parent3" op="lte"/>
-              <dgm:constr type="primFontSz" for="des" forName="Child2" refType="primFontSz" refFor="des" refForName="Parent3" op="lte"/>
-              <dgm:constr type="primFontSz" for="des" forName="Child3" refType="primFontSz" refFor="des" refForName="Parent3" op="lte"/>
-              <dgm:constr type="primFontSz" for="des" forName="Child4" refType="primFontSz" refFor="des" refForName="Parent3" op="lte"/>
-              <dgm:constr type="primFontSz" for="des" forName="Child5" refType="primFontSz" refFor="des" refForName="Parent3" op="lte"/>
-              <dgm:constr type="primFontSz" for="des" forName="Child6" refType="primFontSz" refFor="des" refForName="Parent3" op="lte"/>
-              <dgm:constr type="primFontSz" for="des" forName="Child7" refType="primFontSz" refFor="des" refForName="Parent3" op="lte"/>
-              <dgm:constr type="primFontSz" for="des" forName="Child1" refType="primFontSz" refFor="des" refForName="Parent4" op="lte"/>
-              <dgm:constr type="primFontSz" for="des" forName="Child2" refType="primFontSz" refFor="des" refForName="Parent4" op="lte"/>
-              <dgm:constr type="primFontSz" for="des" forName="Child3" refType="primFontSz" refFor="des" refForName="Parent4" op="lte"/>
-              <dgm:constr type="primFontSz" for="des" forName="Child4" refType="primFontSz" refFor="des" refForName="Parent4" op="lte"/>
-              <dgm:constr type="primFontSz" for="des" forName="Child5" refType="primFontSz" refFor="des" refForName="Parent4" op="lte"/>
-              <dgm:constr type="primFontSz" for="des" forName="Child6" refType="primFontSz" refFor="des" refForName="Parent4" op="lte"/>
-              <dgm:constr type="primFontSz" for="des" forName="Child7" refType="primFontSz" refFor="des" refForName="Parent4" op="lte"/>
-              <dgm:constr type="primFontSz" for="des" forName="Child1" refType="primFontSz" refFor="des" refForName="Parent5" op="lte"/>
-              <dgm:constr type="primFontSz" for="des" forName="Child2" refType="primFontSz" refFor="des" refForName="Parent5" op="lte"/>
-              <dgm:constr type="primFontSz" for="des" forName="Child3" refType="primFontSz" refFor="des" refForName="Parent5" op="lte"/>
-              <dgm:constr type="primFontSz" for="des" forName="Child4" refType="primFontSz" refFor="des" refForName="Parent5" op="lte"/>
-              <dgm:constr type="primFontSz" for="des" forName="Child5" refType="primFontSz" refFor="des" refForName="Parent5" op="lte"/>
-              <dgm:constr type="primFontSz" for="des" forName="Child6" refType="primFontSz" refFor="des" refForName="Parent5" op="lte"/>
-              <dgm:constr type="primFontSz" for="des" forName="Child7" refType="primFontSz" refFor="des" refForName="Parent5" op="lte"/>
-              <dgm:constr type="primFontSz" for="des" forName="Child1" refType="primFontSz" refFor="des" refForName="Parent6" op="lte"/>
-              <dgm:constr type="primFontSz" for="des" forName="Child2" refType="primFontSz" refFor="des" refForName="Parent6" op="lte"/>
-              <dgm:constr type="primFontSz" for="des" forName="Child3" refType="primFontSz" refFor="des" refForName="Parent6" op="lte"/>
-              <dgm:constr type="primFontSz" for="des" forName="Child4" refType="primFontSz" refFor="des" refForName="Parent6" op="lte"/>
-              <dgm:constr type="primFontSz" for="des" forName="Child5" refType="primFontSz" refFor="des" refForName="Parent6" op="lte"/>
-              <dgm:constr type="primFontSz" for="des" forName="Child6" refType="primFontSz" refFor="des" refForName="Parent6" op="lte"/>
-              <dgm:constr type="primFontSz" for="des" forName="Child7" refType="primFontSz" refFor="des" refForName="Parent6" op="lte"/>
-              <dgm:constr type="primFontSz" for="des" forName="Child1" refType="primFontSz" refFor="des" refForName="Parent7" op="lte"/>
-              <dgm:constr type="primFontSz" for="des" forName="Child2" refType="primFontSz" refFor="des" refForName="Parent7" op="lte"/>
-              <dgm:constr type="primFontSz" for="des" forName="Child3" refType="primFontSz" refFor="des" refForName="Parent7" op="lte"/>
-              <dgm:constr type="primFontSz" for="des" forName="Child4" refType="primFontSz" refFor="des" refForName="Parent7" op="lte"/>
-              <dgm:constr type="primFontSz" for="des" forName="Child5" refType="primFontSz" refFor="des" refForName="Parent7" op="lte"/>
-              <dgm:constr type="primFontSz" for="des" forName="Child6" refType="primFontSz" refFor="des" refForName="Parent7" op="lte"/>
-              <dgm:constr type="primFontSz" for="des" forName="Child7" refType="primFontSz" refFor="des" refForName="Parent7" op="lte"/>
-              <dgm:constr type="primFontSz" for="des" forName="Parent2" refType="primFontSz" refFor="des" refForName="Parent1" op="equ"/>
-              <dgm:constr type="primFontSz" for="des" forName="Parent3" refType="primFontSz" refFor="des" refForName="Parent1" op="equ"/>
-              <dgm:constr type="primFontSz" for="des" forName="Parent4" refType="primFontSz" refFor="des" refForName="Parent1" op="equ"/>
-              <dgm:constr type="primFontSz" for="des" forName="Parent5" refType="primFontSz" refFor="des" refForName="Parent1" op="equ"/>
-              <dgm:constr type="primFontSz" for="des" forName="Parent6" refType="primFontSz" refFor="des" refForName="Parent1" op="equ"/>
-              <dgm:constr type="primFontSz" for="des" forName="Parent7" refType="primFontSz" refFor="des" refForName="Parent1" op="equ"/>
-              <dgm:constr type="primFontSz" for="des" forName="Child2" refType="primFontSz" refFor="des" refForName="Child1" op="equ"/>
-              <dgm:constr type="primFontSz" for="des" forName="Child3" refType="primFontSz" refFor="des" refForName="Child1" op="equ"/>
-              <dgm:constr type="primFontSz" for="des" forName="Child4" refType="primFontSz" refFor="des" refForName="Child1" op="equ"/>
-              <dgm:constr type="primFontSz" for="des" forName="Child5" refType="primFontSz" refFor="des" refForName="Child1" op="equ"/>
-              <dgm:constr type="primFontSz" for="des" forName="Child6" refType="primFontSz" refFor="des" refForName="Child1" op="equ"/>
-              <dgm:constr type="primFontSz" for="des" forName="Child7" refType="primFontSz" refFor="des" refForName="Child1" op="equ"/>
-              <dgm:constr type="l" for="ch" forName="Accent1" refType="w" fact="0.1481"/>
-              <dgm:constr type="t" for="ch" forName="Accent1" refType="h" fact="0"/>
-              <dgm:constr type="w" for="ch" forName="Accent1" refType="w" fact="0.5331"/>
-              <dgm:constr type="h" for="ch" forName="Accent1" refType="h" fact="0.2284"/>
-              <dgm:constr type="l" for="ch" forName="Accent2" refType="w" fact="0"/>
-              <dgm:constr type="t" for="ch" forName="Accent2" refType="h" fact="0.1312"/>
-              <dgm:constr type="w" for="ch" forName="Accent2" refType="w" fact="0.5331"/>
-              <dgm:constr type="h" for="ch" forName="Accent2" refType="h" fact="0.2284"/>
-              <dgm:constr type="l" for="ch" forName="Accent3" refType="w" fact="0.1481"/>
-              <dgm:constr type="t" for="ch" forName="Accent3" refType="h" fact="0.263"/>
-              <dgm:constr type="w" for="ch" forName="Accent3" refType="w" fact="0.5331"/>
-              <dgm:constr type="h" for="ch" forName="Accent3" refType="h" fact="0.2284"/>
-              <dgm:constr type="l" for="ch" forName="Accent4" refType="w" fact="0"/>
-              <dgm:constr type="t" for="ch" forName="Accent4" refType="h" fact="0.3945"/>
-              <dgm:constr type="w" for="ch" forName="Accent4" refType="w" fact="0.5331"/>
-              <dgm:constr type="h" for="ch" forName="Accent4" refType="h" fact="0.2284"/>
-              <dgm:constr type="l" for="ch" forName="Parent1" refType="w" fact="0.2658"/>
-              <dgm:constr type="t" for="ch" forName="Parent1" refType="h" fact="0.0827"/>
-              <dgm:constr type="w" for="ch" forName="Parent1" refType="w" fact="0.2975"/>
-              <dgm:constr type="h" for="ch" forName="Parent1" refType="h" fact="0.0637"/>
-              <dgm:constr type="l" for="ch" forName="Parent2" refType="w" fact="0.1171"/>
-              <dgm:constr type="t" for="ch" forName="Parent2" refType="h" fact="0.2142"/>
-              <dgm:constr type="w" for="ch" forName="Parent2" refType="w" fact="0.2975"/>
-              <dgm:constr type="h" for="ch" forName="Parent2" refType="h" fact="0.0637"/>
-              <dgm:constr type="l" for="ch" forName="Parent3" refType="w" fact="0.2658"/>
-              <dgm:constr type="t" for="ch" forName="Parent3" refType="h" fact="0.3457"/>
-              <dgm:constr type="w" for="ch" forName="Parent3" refType="w" fact="0.2975"/>
-              <dgm:constr type="h" for="ch" forName="Parent3" refType="h" fact="0.0637"/>
-              <dgm:constr type="l" for="ch" forName="Parent4" refType="w" fact="0.1171"/>
-              <dgm:constr type="t" for="ch" forName="Parent4" refType="h" fact="0.4772"/>
-              <dgm:constr type="w" for="ch" forName="Parent4" refType="w" fact="0.2975"/>
-              <dgm:constr type="h" for="ch" forName="Parent4" refType="h" fact="0.0637"/>
-              <dgm:constr type="l" for="ch" forName="Child1" refType="w" fact="0.6804"/>
-              <dgm:constr type="t" for="ch" forName="Child1" refType="h" fact="0.0678"/>
-              <dgm:constr type="w" for="ch" forName="Child1" refType="w" fact="0.3196"/>
-              <dgm:constr type="h" for="ch" forName="Child1" refType="h" fact="0.0908"/>
-              <dgm:constr type="l" for="ch" forName="Child2" refType="w" fact="0.5348"/>
-              <dgm:constr type="t" for="ch" forName="Child2" refType="h" fact="0.2006"/>
-              <dgm:constr type="w" for="ch" forName="Child2" refType="w" fact="0.3196"/>
-              <dgm:constr type="h" for="ch" forName="Child2" refType="h" fact="0.0908"/>
-              <dgm:constr type="l" for="ch" forName="Child3" refType="w" fact="0.6804"/>
-              <dgm:constr type="t" for="ch" forName="Child3" refType="h" fact="0.3308"/>
-              <dgm:constr type="w" for="ch" forName="Child3" refType="w" fact="0.3196"/>
-              <dgm:constr type="h" for="ch" forName="Child3" refType="h" fact="0.0908"/>
-              <dgm:constr type="l" for="ch" forName="Child4" refType="w" fact="0.5348"/>
-              <dgm:constr type="t" for="ch" forName="Child4" refType="h" fact="0.4623"/>
-              <dgm:constr type="w" for="ch" forName="Child4" refType="w" fact="0.3196"/>
-              <dgm:constr type="h" for="ch" forName="Child4" refType="h" fact="0.0908"/>
-              <dgm:constr type="l" for="ch" forName="Accent5" refType="w" fact="0.1481"/>
-              <dgm:constr type="t" for="ch" forName="Accent5" refType="h" fact="0.5258"/>
-              <dgm:constr type="w" for="ch" forName="Accent5" refType="w" fact="0.5331"/>
-              <dgm:constr type="h" for="ch" forName="Accent5" refType="h" fact="0.2284"/>
-              <dgm:constr type="l" for="ch" forName="Accent6" refType="w" fact="0"/>
-              <dgm:constr type="t" for="ch" forName="Accent6" refType="h" fact="0.6573"/>
-              <dgm:constr type="w" for="ch" forName="Accent6" refType="w" fact="0.5331"/>
-              <dgm:constr type="h" for="ch" forName="Accent6" refType="h" fact="0.2284"/>
-              <dgm:constr type="l" for="ch" forName="Accent7" refType="w" fact="0.186"/>
-              <dgm:constr type="t" for="ch" forName="Accent7" refType="h" fact="0.8037"/>
-              <dgm:constr type="w" for="ch" forName="Accent7" refType="w" fact="0.458"/>
-              <dgm:constr type="h" for="ch" forName="Accent7" refType="h" fact="0.1963"/>
-              <dgm:constr type="l" for="ch" forName="Parent5" refType="w" fact="0.2658"/>
-              <dgm:constr type="t" for="ch" forName="Parent5" refType="h" fact="0.6085"/>
-              <dgm:constr type="w" for="ch" forName="Parent5" refType="w" fact="0.2975"/>
-              <dgm:constr type="h" for="ch" forName="Parent5" refType="h" fact="0.0637"/>
-              <dgm:constr type="l" for="ch" forName="Parent6" refType="w" fact="0.1171"/>
-              <dgm:constr type="t" for="ch" forName="Parent6" refType="h" fact="0.74"/>
-              <dgm:constr type="w" for="ch" forName="Parent6" refType="w" fact="0.2975"/>
-              <dgm:constr type="h" for="ch" forName="Parent6" refType="h" fact="0.0637"/>
-              <dgm:constr type="l" for="ch" forName="Parent7" refType="w" fact="0.2658"/>
-              <dgm:constr type="t" for="ch" forName="Parent7" refType="h" fact="0.8715"/>
-              <dgm:constr type="w" for="ch" forName="Parent7" refType="w" fact="0.2975"/>
-              <dgm:constr type="h" for="ch" forName="Parent7" refType="h" fact="0.0637"/>
-              <dgm:constr type="l" for="ch" forName="Child5" refType="w" fact="0.6804"/>
-              <dgm:constr type="t" for="ch" forName="Child5" refType="h" fact="0.5936"/>
-              <dgm:constr type="w" for="ch" forName="Child5" refType="w" fact="0.3196"/>
-              <dgm:constr type="h" for="ch" forName="Child5" refType="h" fact="0.0908"/>
-              <dgm:constr type="l" for="ch" forName="Child6" refType="w" fact="0.5348"/>
-              <dgm:constr type="t" for="ch" forName="Child6" refType="h" fact="0.7251"/>
-              <dgm:constr type="w" for="ch" forName="Child6" refType="w" fact="0.3196"/>
-              <dgm:constr type="h" for="ch" forName="Child6" refType="h" fact="0.0908"/>
-              <dgm:constr type="l" for="ch" forName="Child7" refType="w" fact="0.6804"/>
-              <dgm:constr type="t" for="ch" forName="Child7" refType="h" fact="0.8579"/>
-              <dgm:constr type="w" for="ch" forName="Child7" refType="w" fact="0.3196"/>
-              <dgm:constr type="h" for="ch" forName="Child7" refType="h" fact="0.0908"/>
-            </dgm:constrLst>
-          </dgm:else>
-        </dgm:choose>
-      </dgm:if>
-      <dgm:else name="Name11">
-        <dgm:choose name="Name12">
-          <dgm:if name="Name13" axis="ch" ptType="node" func="cnt" op="equ" val="1">
-            <dgm:alg type="composite">
-              <dgm:param type="ar" val="1.5999"/>
-            </dgm:alg>
-            <dgm:constrLst>
-              <dgm:constr type="primFontSz" for="des" forName="Child1" val="65"/>
-              <dgm:constr type="primFontSz" for="des" forName="Parent1" val="65"/>
-              <dgm:constr type="primFontSz" for="des" forName="Child1" refType="primFontSz" refFor="des" refForName="Parent1" op="lte"/>
-              <dgm:constr type="l" for="ch" forName="Child1" refType="w" fact="0.625"/>
-              <dgm:constr type="t" for="ch" forName="Child1" refType="h" fact="0.2981"/>
-              <dgm:constr type="w" for="ch" forName="Child1" refType="w" fact="0.375"/>
-              <dgm:constr type="h" for="ch" forName="Child1" refType="h" fact="0.4001"/>
-              <dgm:constr type="l" for="ch" forName="Accent1" refType="w" fact="0"/>
-              <dgm:constr type="t" for="ch" forName="Accent1" refType="h" fact="0"/>
-              <dgm:constr type="w" for="ch" forName="Accent1" refType="w" fact="0.6249"/>
-              <dgm:constr type="h" for="ch" forName="Accent1" refType="h"/>
-              <dgm:constr type="l" for="ch" forName="Parent1" refType="w" fact="0.138"/>
-              <dgm:constr type="t" for="ch" forName="Parent1" refType="h" fact="0.362"/>
-              <dgm:constr type="w" for="ch" forName="Parent1" refType="w" fact="0.3487"/>
-              <dgm:constr type="h" for="ch" forName="Parent1" refType="h" fact="0.2789"/>
-            </dgm:constrLst>
-          </dgm:if>
-          <dgm:if name="Name14" axis="ch" ptType="node" func="cnt" op="equ" val="2">
-            <dgm:alg type="composite">
-              <dgm:param type="ar" val="1.2026"/>
-            </dgm:alg>
-            <dgm:constrLst>
-              <dgm:constr type="primFontSz" for="des" forName="Child1" val="65"/>
-              <dgm:constr type="primFontSz" for="des" forName="Parent1" val="65"/>
-              <dgm:constr type="primFontSz" for="des" forName="Child1" refType="primFontSz" refFor="des" refForName="Parent1" op="lte"/>
-              <dgm:constr type="primFontSz" for="des" forName="Child2" refType="primFontSz" refFor="des" refForName="Parent1" op="lte"/>
-              <dgm:constr type="primFontSz" for="des" forName="Child1" refType="primFontSz" refFor="des" refForName="Parent2" op="lte"/>
-              <dgm:constr type="primFontSz" for="des" forName="Child2" refType="primFontSz" refFor="des" refForName="Parent2" op="lte"/>
-              <dgm:constr type="primFontSz" for="des" forName="Parent2" refType="primFontSz" refFor="des" refForName="Parent1" op="equ"/>
-              <dgm:constr type="primFontSz" for="des" forName="Child2" refType="primFontSz" refFor="des" refForName="Child1" op="equ"/>
-              <dgm:constr type="l" for="ch" forName="Accent1" refType="w" fact="-0.0407"/>
-              <dgm:constr type="t" for="ch" forName="Accent1" refType="h" fact="0"/>
-              <dgm:constr type="w" for="ch" forName="Accent1" refType="w" fact="0.5542"/>
-              <dgm:constr type="h" for="ch" forName="Accent1" refType="h" fact="0.6665"/>
-              <dgm:constr type="l" for="ch" forName="Accent2" refType="w" fact="0.1533"/>
-              <dgm:constr type="t" for="ch" forName="Accent2" refType="h" fact="0.4272"/>
-              <dgm:constr type="w" for="ch" forName="Accent2" refType="w" fact="0.4761"/>
-              <dgm:constr type="h" for="ch" forName="Accent2" refType="h" fact="0.5728"/>
-              <dgm:constr type="l" for="ch" forName="Parent1" refType="w" fact="0.0822"/>
-              <dgm:constr type="t" for="ch" forName="Parent1" refType="h" fact="0.2413"/>
-              <dgm:constr type="w" for="ch" forName="Parent1" refType="w" fact="0.3092"/>
-              <dgm:constr type="h" for="ch" forName="Parent1" refType="h" fact="0.1859"/>
-              <dgm:constr type="l" for="ch" forName="Parent2" refType="w" fact="0.2368"/>
-              <dgm:constr type="t" for="ch" forName="Parent2" refType="h" fact="0.625"/>
-              <dgm:constr type="w" for="ch" forName="Parent2" refType="w" fact="0.3092"/>
-              <dgm:constr type="h" for="ch" forName="Parent2" refType="h" fact="0.1859"/>
-              <dgm:constr type="l" for="ch" forName="Child1" refType="w" fact="0.5164"/>
-              <dgm:constr type="t" for="ch" forName="Child1" refType="h" fact="0.1978"/>
-              <dgm:constr type="w" for="ch" forName="Child1" refType="w" fact="0.3322"/>
-              <dgm:constr type="h" for="ch" forName="Child1" refType="h" fact="0.265"/>
-              <dgm:constr type="l" for="ch" forName="Child2" refType="w" fact="0.6678"/>
-              <dgm:constr type="t" for="ch" forName="Child2" refType="h" fact="0.5855"/>
-              <dgm:constr type="w" for="ch" forName="Child2" refType="w" fact="0.3322"/>
-              <dgm:constr type="h" for="ch" forName="Child2" refType="h" fact="0.265"/>
-            </dgm:constrLst>
-          </dgm:if>
-          <dgm:if name="Name15" axis="ch" ptType="node" func="cnt" op="equ" val="3">
-            <dgm:alg type="composite">
-              <dgm:param type="ar" val="0.9039"/>
-            </dgm:alg>
-            <dgm:shape xmlns:r="http://schemas.openxmlformats.org/officeDocument/2006/relationships" r:blip="">
-              <dgm:adjLst/>
-            </dgm:shape>
-            <dgm:constrLst>
-              <dgm:constr type="primFontSz" for="des" forName="Child1" val="65"/>
-              <dgm:constr type="primFontSz" for="des" forName="Parent1" val="65"/>
-              <dgm:constr type="primFontSz" for="des" forName="Child1" refType="primFontSz" refFor="des" refForName="Parent1" op="lte"/>
-              <dgm:constr type="primFontSz" for="des" forName="Child2" refType="primFontSz" refFor="des" refForName="Parent1" op="lte"/>
-              <dgm:constr type="primFontSz" for="des" forName="Child3" refType="primFontSz" refFor="des" refForName="Parent1" op="lte"/>
-              <dgm:constr type="primFontSz" for="des" forName="Child1" refType="primFontSz" refFor="des" refForName="Parent2" op="lte"/>
-              <dgm:constr type="primFontSz" for="des" forName="Child2" refType="primFontSz" refFor="des" refForName="Parent2" op="lte"/>
-              <dgm:constr type="primFontSz" for="des" forName="Child3" refType="primFontSz" refFor="des" refForName="Parent2" op="lte"/>
-              <dgm:constr type="primFontSz" for="des" forName="Child1" refType="primFontSz" refFor="des" refForName="Parent3" op="lte"/>
-              <dgm:constr type="primFontSz" for="des" forName="Child2" refType="primFontSz" refFor="des" refForName="Parent3" op="lte"/>
-              <dgm:constr type="primFontSz" for="des" forName="Child3" refType="primFontSz" refFor="des" refForName="Parent3" op="lte"/>
-              <dgm:constr type="primFontSz" for="des" forName="Parent2" refType="primFontSz" refFor="des" refForName="Parent1" op="equ"/>
-              <dgm:constr type="primFontSz" for="des" forName="Parent3" refType="primFontSz" refFor="des" refForName="Parent1" op="equ"/>
-              <dgm:constr type="primFontSz" for="des" forName="Child2" refType="primFontSz" refFor="des" refForName="Child1" op="equ"/>
-              <dgm:constr type="primFontSz" for="des" forName="Child3" refType="primFontSz" refFor="des" refForName="Child1" op="equ"/>
-              <dgm:constr type="l" for="ch" forName="Accent1" refType="w" fact="0"/>
-              <dgm:constr type="t" for="ch" forName="Accent1" refType="h" fact="0"/>
-              <dgm:constr type="w" for="ch" forName="Accent1" refType="w" fact="0.5325"/>
-              <dgm:constr type="h" for="ch" forName="Accent1" refType="h" fact="0.4814"/>
-              <dgm:constr type="l" for="ch" forName="Accent2" refType="w" fact="0.1479"/>
-              <dgm:constr type="t" for="ch" forName="Accent2" refType="h" fact="0.2766"/>
-              <dgm:constr type="w" for="ch" forName="Accent2" refType="w" fact="0.5325"/>
-              <dgm:constr type="h" for="ch" forName="Accent2" refType="h" fact="0.4814"/>
-              <dgm:constr type="l" for="ch" forName="Accent3" refType="w" fact="0.0378"/>
-              <dgm:constr type="t" for="ch" forName="Accent3" refType="h" fact="0.5863"/>
-              <dgm:constr type="w" for="ch" forName="Accent3" refType="w" fact="0.4575"/>
-              <dgm:constr type="h" for="ch" forName="Accent3" refType="h" fact="0.4137"/>
-              <dgm:constr type="l" for="ch" forName="Parent1" refType="w" fact="0.1183"/>
-              <dgm:constr type="t" for="ch" forName="Parent1" refType="h" fact="0.1738"/>
-              <dgm:constr type="w" for="ch" forName="Parent1" refType="w" fact="0.2959"/>
-              <dgm:constr type="h" for="ch" forName="Parent1" refType="h" fact="0.1337"/>
-              <dgm:constr type="l" for="ch" forName="Parent2" refType="w" fact="0.2656"/>
-              <dgm:constr type="t" for="ch" forName="Parent2" refType="h" fact="0.452"/>
-              <dgm:constr type="w" for="ch" forName="Parent2" refType="w" fact="0.2959"/>
-              <dgm:constr type="h" for="ch" forName="Parent2" refType="h" fact="0.1337"/>
-              <dgm:constr type="l" for="ch" forName="Parent3" refType="w" fact="0.1183"/>
-              <dgm:constr type="t" for="ch" forName="Parent3" refType="h" fact="0.7306"/>
-              <dgm:constr type="w" for="ch" forName="Parent3" refType="w" fact="0.2959"/>
-              <dgm:constr type="h" for="ch" forName="Parent3" refType="h" fact="0.1337"/>
-              <dgm:constr type="l" for="ch" forName="Child1" refType="w" fact="0.5325"/>
-              <dgm:constr type="t" for="ch" forName="Child1" refType="h" fact="0.1435"/>
-              <dgm:constr type="w" for="ch" forName="Child1" refType="w" fact="0.3195"/>
-              <dgm:constr type="h" for="ch" forName="Child1" refType="h" fact="0.1926"/>
-              <dgm:constr type="l" for="ch" forName="Child2" refType="w" fact="0.6805"/>
-              <dgm:constr type="t" for="ch" forName="Child2" refType="h" fact="0.4217"/>
-              <dgm:constr type="w" for="ch" forName="Child2" refType="w" fact="0.3195"/>
-              <dgm:constr type="h" for="ch" forName="Child2" refType="h" fact="0.1926"/>
-              <dgm:constr type="l" for="ch" forName="Child3" refType="w" fact="0.5325"/>
-              <dgm:constr type="t" for="ch" forName="Child3" refType="h" fact="0.6998"/>
-              <dgm:constr type="w" for="ch" forName="Child3" refType="w" fact="0.3195"/>
-              <dgm:constr type="h" for="ch" forName="Child3" refType="h" fact="0.1926"/>
-            </dgm:constrLst>
-          </dgm:if>
-          <dgm:if name="Name16" axis="ch" ptType="node" func="cnt" op="equ" val="4">
-            <dgm:alg type="composite">
-              <dgm:param type="ar" val="0.7073"/>
-            </dgm:alg>
-            <dgm:constrLst>
-              <dgm:constr type="primFontSz" for="des" forName="Child1" val="65"/>
-              <dgm:constr type="primFontSz" for="des" forName="Parent1" val="65"/>
-              <dgm:constr type="primFontSz" for="des" forName="Child1" refType="primFontSz" refFor="des" refForName="Parent1" op="lte"/>
-              <dgm:constr type="primFontSz" for="des" forName="Child2" refType="primFontSz" refFor="des" refForName="Parent1" op="lte"/>
-              <dgm:constr type="primFontSz" for="des" forName="Child3" refType="primFontSz" refFor="des" refForName="Parent1" op="lte"/>
-              <dgm:constr type="primFontSz" for="des" forName="Child4" refType="primFontSz" refFor="des" refForName="Parent1" op="lte"/>
-              <dgm:constr type="primFontSz" for="des" forName="Child1" refType="primFontSz" refFor="des" refForName="Parent2" op="lte"/>
-              <dgm:constr type="primFontSz" for="des" forName="Child2" refType="primFontSz" refFor="des" refForName="Parent2" op="lte"/>
-              <dgm:constr type="primFontSz" for="des" forName="Child3" refType="primFontSz" refFor="des" refForName="Parent2" op="lte"/>
-              <dgm:constr type="primFontSz" for="des" forName="Child4" refType="primFontSz" refFor="des" refForName="Parent2" op="lte"/>
-              <dgm:constr type="primFontSz" for="des" forName="Child1" refType="primFontSz" refFor="des" refForName="Parent3" op="lte"/>
-              <dgm:constr type="primFontSz" for="des" forName="Child2" refType="primFontSz" refFor="des" refForName="Parent3" op="lte"/>
-              <dgm:constr type="primFontSz" for="des" forName="Child3" refType="primFontSz" refFor="des" refForName="Parent3" op="lte"/>
-              <dgm:constr type="primFontSz" for="des" forName="Child4" refType="primFontSz" refFor="des" refForName="Parent3" op="lte"/>
-              <dgm:constr type="primFontSz" for="des" forName="Child1" refType="primFontSz" refFor="des" refForName="Parent4" op="lte"/>
-              <dgm:constr type="primFontSz" for="des" forName="Child2" refType="primFontSz" refFor="des" refForName="Parent4" op="lte"/>
-              <dgm:constr type="primFontSz" for="des" forName="Child3" refType="primFontSz" refFor="des" refForName="Parent4" op="lte"/>
-              <dgm:constr type="primFontSz" for="des" forName="Child4" refType="primFontSz" refFor="des" refForName="Parent4" op="lte"/>
-              <dgm:constr type="primFontSz" for="des" forName="Parent2" refType="primFontSz" refFor="des" refForName="Parent1" op="equ"/>
-              <dgm:constr type="primFontSz" for="des" forName="Parent3" refType="primFontSz" refFor="des" refForName="Parent1" op="equ"/>
-              <dgm:constr type="primFontSz" for="des" forName="Parent4" refType="primFontSz" refFor="des" refForName="Parent1" op="equ"/>
-              <dgm:constr type="primFontSz" for="des" forName="Child2" refType="primFontSz" refFor="des" refForName="Child1" op="equ"/>
-              <dgm:constr type="primFontSz" for="des" forName="Child3" refType="primFontSz" refFor="des" refForName="Child1" op="equ"/>
-              <dgm:constr type="primFontSz" for="des" forName="Child4" refType="primFontSz" refFor="des" refForName="Child1" op="equ"/>
-              <dgm:constr type="l" for="ch" forName="Accent1" refType="w" fact="0"/>
-              <dgm:constr type="t" for="ch" forName="Accent1" refType="h" fact="0"/>
-              <dgm:constr type="w" for="ch" forName="Accent1" refType="w" fact="0.5331"/>
-              <dgm:constr type="h" for="ch" forName="Accent1" refType="h" fact="0.3771"/>
-              <dgm:constr type="l" for="ch" forName="Accent2" refType="w" fact="0.1481"/>
-              <dgm:constr type="t" for="ch" forName="Accent2" refType="h" fact="0.2167"/>
-              <dgm:constr type="w" for="ch" forName="Accent2" refType="w" fact="0.5331"/>
-              <dgm:constr type="h" for="ch" forName="Accent2" refType="h" fact="0.3771"/>
-              <dgm:constr type="l" for="ch" forName="Accent3" refType="w" fact="0"/>
-              <dgm:constr type="t" for="ch" forName="Accent3" refType="h" fact="0.4342"/>
-              <dgm:constr type="w" for="ch" forName="Accent3" refType="w" fact="0.5331"/>
-              <dgm:constr type="h" for="ch" forName="Accent3" refType="h" fact="0.3771"/>
-              <dgm:constr type="l" for="ch" forName="Accent4" refType="w" fact="0.186"/>
-              <dgm:constr type="t" for="ch" forName="Accent4" refType="h" fact="0.6759"/>
-              <dgm:constr type="w" for="ch" forName="Accent4" refType="w" fact="0.458"/>
-              <dgm:constr type="h" for="ch" forName="Accent4" refType="h" fact="0.3241"/>
-              <dgm:constr type="l" for="ch" forName="Parent1" refType="w" fact="0.1171"/>
-              <dgm:constr type="t" for="ch" forName="Parent1" refType="h" fact="0.1365"/>
-              <dgm:constr type="w" for="ch" forName="Parent1" refType="w" fact="0.2975"/>
-              <dgm:constr type="h" for="ch" forName="Parent1" refType="h" fact="0.1052"/>
-              <dgm:constr type="l" for="ch" forName="Parent2" refType="w" fact="0.2658"/>
-              <dgm:constr type="t" for="ch" forName="Parent2" refType="h" fact="0.3536"/>
-              <dgm:constr type="w" for="ch" forName="Parent2" refType="w" fact="0.2975"/>
-              <dgm:constr type="h" for="ch" forName="Parent2" refType="h" fact="0.1052"/>
-              <dgm:constr type="l" for="ch" forName="Parent3" refType="w" fact="0.1171"/>
-              <dgm:constr type="t" for="ch" forName="Parent3" refType="h" fact="0.5707"/>
-              <dgm:constr type="w" for="ch" forName="Parent3" refType="w" fact="0.2975"/>
-              <dgm:constr type="h" for="ch" forName="Parent3" refType="h" fact="0.1052"/>
-              <dgm:constr type="l" for="ch" forName="Parent4" refType="w" fact="0.2658"/>
-              <dgm:constr type="t" for="ch" forName="Parent4" refType="h" fact="0.7878"/>
-              <dgm:constr type="w" for="ch" forName="Parent4" refType="w" fact="0.2975"/>
-              <dgm:constr type="h" for="ch" forName="Parent4" refType="h" fact="0.1052"/>
-              <dgm:constr type="l" for="ch" forName="Child1" refType="w" fact="0.5348"/>
-              <dgm:constr type="t" for="ch" forName="Child1" refType="h" fact="0.1119"/>
-              <dgm:constr type="w" for="ch" forName="Child1" refType="w" fact="0.3196"/>
-              <dgm:constr type="h" for="ch" forName="Child1" refType="h" fact="0.15"/>
-              <dgm:constr type="l" for="ch" forName="Child2" refType="w" fact="0.6804"/>
-              <dgm:constr type="t" for="ch" forName="Child2" refType="h" fact="0.3312"/>
-              <dgm:constr type="w" for="ch" forName="Child2" refType="w" fact="0.3196"/>
-              <dgm:constr type="h" for="ch" forName="Child2" refType="h" fact="0.15"/>
-              <dgm:constr type="l" for="ch" forName="Child3" refType="w" fact="0.5348"/>
-              <dgm:constr type="t" for="ch" forName="Child3" refType="h" fact="0.5461"/>
-              <dgm:constr type="w" for="ch" forName="Child3" refType="w" fact="0.3196"/>
-              <dgm:constr type="h" for="ch" forName="Child3" refType="h" fact="0.15"/>
-              <dgm:constr type="l" for="ch" forName="Child4" refType="w" fact="0.6804"/>
-              <dgm:constr type="t" for="ch" forName="Child4" refType="h" fact="0.7632"/>
-              <dgm:constr type="w" for="ch" forName="Child4" refType="w" fact="0.3196"/>
-              <dgm:constr type="h" for="ch" forName="Child4" refType="h" fact="0.15"/>
-            </dgm:constrLst>
-          </dgm:if>
-          <dgm:if name="Name17" axis="ch" ptType="node" func="cnt" op="equ" val="5">
-            <dgm:alg type="composite">
-              <dgm:param type="ar" val="0.5811"/>
-            </dgm:alg>
-            <dgm:constrLst>
-              <dgm:constr type="primFontSz" for="des" forName="Child1" val="65"/>
-              <dgm:constr type="primFontSz" for="des" forName="Parent1" val="65"/>
-              <dgm:constr type="primFontSz" for="des" forName="Child1" refType="primFontSz" refFor="des" refForName="Parent1" op="lte"/>
-              <dgm:constr type="primFontSz" for="des" forName="Child2" refType="primFontSz" refFor="des" refForName="Parent1" op="lte"/>
-              <dgm:constr type="primFontSz" for="des" forName="Child3" refType="primFontSz" refFor="des" refForName="Parent1" op="lte"/>
-              <dgm:constr type="primFontSz" for="des" forName="Child4" refType="primFontSz" refFor="des" refForName="Parent1" op="lte"/>
-              <dgm:constr type="primFontSz" for="des" forName="Child5" refType="primFontSz" refFor="des" refForName="Parent1" op="lte"/>
-              <dgm:constr type="primFontSz" for="des" forName="Child1" refType="primFontSz" refFor="des" refForName="Parent2" op="lte"/>
-              <dgm:constr type="primFontSz" for="des" forName="Child2" refType="primFontSz" refFor="des" refForName="Parent2" op="lte"/>
-              <dgm:constr type="primFontSz" for="des" forName="Child3" refType="primFontSz" refFor="des" refForName="Parent2" op="lte"/>
-              <dgm:constr type="primFontSz" for="des" forName="Child4" refType="primFontSz" refFor="des" refForName="Parent2" op="lte"/>
-              <dgm:constr type="primFontSz" for="des" forName="Child5" refType="primFontSz" refFor="des" refForName="Parent2" op="lte"/>
-              <dgm:constr type="primFontSz" for="des" forName="Child1" refType="primFontSz" refFor="des" refForName="Parent3" op="lte"/>
-              <dgm:constr type="primFontSz" for="des" forName="Child2" refType="primFontSz" refFor="des" refForName="Parent3" op="lte"/>
-              <dgm:constr type="primFontSz" for="des" forName="Child3" refType="primFontSz" refFor="des" refForName="Parent3" op="lte"/>
-              <dgm:constr type="primFontSz" for="des" forName="Child4" refType="primFontSz" refFor="des" refForName="Parent3" op="lte"/>
-              <dgm:constr type="primFontSz" for="des" forName="Child5" refType="primFontSz" refFor="des" refForName="Parent3" op="lte"/>
-              <dgm:constr type="primFontSz" for="des" forName="Child1" refType="primFontSz" refFor="des" refForName="Parent4" op="lte"/>
-              <dgm:constr type="primFontSz" for="des" forName="Child2" refType="primFontSz" refFor="des" refForName="Parent4" op="lte"/>
-              <dgm:constr type="primFontSz" for="des" forName="Child3" refType="primFontSz" refFor="des" refForName="Parent4" op="lte"/>
-              <dgm:constr type="primFontSz" for="des" forName="Child4" refType="primFontSz" refFor="des" refForName="Parent4" op="lte"/>
-              <dgm:constr type="primFontSz" for="des" forName="Child5" refType="primFontSz" refFor="des" refForName="Parent4" op="lte"/>
-              <dgm:constr type="primFontSz" for="des" forName="Child1" refType="primFontSz" refFor="des" refForName="Parent5" op="lte"/>
-              <dgm:constr type="primFontSz" for="des" forName="Child2" refType="primFontSz" refFor="des" refForName="Parent5" op="lte"/>
-              <dgm:constr type="primFontSz" for="des" forName="Child3" refType="primFontSz" refFor="des" refForName="Parent5" op="lte"/>
-              <dgm:constr type="primFontSz" for="des" forName="Child4" refType="primFontSz" refFor="des" refForName="Parent5" op="lte"/>
-              <dgm:constr type="primFontSz" for="des" forName="Child5" refType="primFontSz" refFor="des" refForName="Parent5" op="lte"/>
-              <dgm:constr type="primFontSz" for="des" forName="Parent2" refType="primFontSz" refFor="des" refForName="Parent1" op="equ"/>
-              <dgm:constr type="primFontSz" for="des" forName="Parent3" refType="primFontSz" refFor="des" refForName="Parent1" op="equ"/>
-              <dgm:constr type="primFontSz" for="des" forName="Parent4" refType="primFontSz" refFor="des" refForName="Parent1" op="equ"/>
-              <dgm:constr type="primFontSz" for="des" forName="Parent5" refType="primFontSz" refFor="des" refForName="Parent1" op="equ"/>
-              <dgm:constr type="primFontSz" for="des" forName="Child2" refType="primFontSz" refFor="des" refForName="Child1" op="equ"/>
-              <dgm:constr type="primFontSz" for="des" forName="Child3" refType="primFontSz" refFor="des" refForName="Child1" op="equ"/>
-              <dgm:constr type="primFontSz" for="des" forName="Child4" refType="primFontSz" refFor="des" refForName="Child1" op="equ"/>
-              <dgm:constr type="primFontSz" for="des" forName="Child5" refType="primFontSz" refFor="des" refForName="Child1" op="equ"/>
-              <dgm:constr type="l" for="ch" forName="Accent1" refType="w" fact="0"/>
-              <dgm:constr type="t" for="ch" forName="Accent1" refType="h" fact="0"/>
-              <dgm:constr type="w" for="ch" forName="Accent1" refType="w" fact="0.5331"/>
-              <dgm:constr type="h" for="ch" forName="Accent1" refType="h" fact="0.3098"/>
-              <dgm:constr type="l" for="ch" forName="Accent2" refType="w" fact="0.1481"/>
-              <dgm:constr type="t" for="ch" forName="Accent2" refType="h" fact="0.178"/>
-              <dgm:constr type="w" for="ch" forName="Accent2" refType="w" fact="0.5331"/>
-              <dgm:constr type="h" for="ch" forName="Accent2" refType="h" fact="0.3098"/>
-              <dgm:constr type="l" for="ch" forName="Accent3" refType="w" fact="0"/>
-              <dgm:constr type="t" for="ch" forName="Accent3" refType="h" fact="0.3568"/>
-              <dgm:constr type="w" for="ch" forName="Accent3" refType="w" fact="0.5331"/>
-              <dgm:constr type="h" for="ch" forName="Accent3" refType="h" fact="0.3098"/>
-              <dgm:constr type="l" for="ch" forName="Accent4" refType="w" fact="0.1481"/>
-              <dgm:constr type="t" for="ch" forName="Accent4" refType="h" fact="0.5351"/>
-              <dgm:constr type="w" for="ch" forName="Accent4" refType="w" fact="0.5331"/>
-              <dgm:constr type="h" for="ch" forName="Accent4" refType="h" fact="0.3098"/>
-              <dgm:constr type="l" for="ch" forName="Accent5" refType="w" fact="0.0378"/>
-              <dgm:constr type="t" for="ch" forName="Accent5" refType="h" fact="0.7337"/>
-              <dgm:constr type="w" for="ch" forName="Accent5" refType="w" fact="0.458"/>
-              <dgm:constr type="h" for="ch" forName="Accent5" refType="h" fact="0.2663"/>
-              <dgm:constr type="l" for="ch" forName="Parent1" refType="w" fact="0.1171"/>
-              <dgm:constr type="t" for="ch" forName="Parent1" refType="h" fact="0.1122"/>
-              <dgm:constr type="w" for="ch" forName="Parent1" refType="w" fact="0.2975"/>
-              <dgm:constr type="h" for="ch" forName="Parent1" refType="h" fact="0.0864"/>
-              <dgm:constr type="l" for="ch" forName="Parent2" refType="w" fact="0.2658"/>
-              <dgm:constr type="t" for="ch" forName="Parent2" refType="h" fact="0.2906"/>
-              <dgm:constr type="w" for="ch" forName="Parent2" refType="w" fact="0.2975"/>
-              <dgm:constr type="h" for="ch" forName="Parent2" refType="h" fact="0.0864"/>
-              <dgm:constr type="l" for="ch" forName="Parent3" refType="w" fact="0.1171"/>
-              <dgm:constr type="t" for="ch" forName="Parent3" refType="h" fact="0.4689"/>
-              <dgm:constr type="w" for="ch" forName="Parent3" refType="w" fact="0.2975"/>
-              <dgm:constr type="h" for="ch" forName="Parent3" refType="h" fact="0.0864"/>
-              <dgm:constr type="l" for="ch" forName="Parent4" refType="w" fact="0.2658"/>
-              <dgm:constr type="t" for="ch" forName="Parent4" refType="h" fact="0.6473"/>
-              <dgm:constr type="w" for="ch" forName="Parent4" refType="w" fact="0.2975"/>
-              <dgm:constr type="h" for="ch" forName="Parent4" refType="h" fact="0.0864"/>
-              <dgm:constr type="l" for="ch" forName="Parent5" refType="w" fact="0.1171"/>
-              <dgm:constr type="t" for="ch" forName="Parent5" refType="h" fact="0.8257"/>
-              <dgm:constr type="w" for="ch" forName="Parent5" refType="w" fact="0.2975"/>
-              <dgm:constr type="h" for="ch" forName="Parent5" refType="h" fact="0.0864"/>
-              <dgm:constr type="l" for="ch" forName="Child1" refType="w" fact="0.5348"/>
-              <dgm:constr type="t" for="ch" forName="Child1" refType="h" fact="0.0919"/>
-              <dgm:constr type="w" for="ch" forName="Child1" refType="w" fact="0.3196"/>
-              <dgm:constr type="h" for="ch" forName="Child1" refType="h" fact="0.1232"/>
-              <dgm:constr type="l" for="ch" forName="Child2" refType="w" fact="0.6804"/>
-              <dgm:constr type="t" for="ch" forName="Child2" refType="h" fact="0.2722"/>
-              <dgm:constr type="w" for="ch" forName="Child2" refType="w" fact="0.3196"/>
-              <dgm:constr type="h" for="ch" forName="Child2" refType="h" fact="0.1232"/>
-              <dgm:constr type="l" for="ch" forName="Child3" refType="w" fact="0.5348"/>
-              <dgm:constr type="t" for="ch" forName="Child3" refType="h" fact="0.4487"/>
-              <dgm:constr type="w" for="ch" forName="Child3" refType="w" fact="0.3196"/>
-              <dgm:constr type="h" for="ch" forName="Child3" refType="h" fact="0.1232"/>
-              <dgm:constr type="l" for="ch" forName="Child4" refType="w" fact="0.6804"/>
-              <dgm:constr type="t" for="ch" forName="Child4" refType="h" fact="0.6271"/>
-              <dgm:constr type="w" for="ch" forName="Child4" refType="w" fact="0.3196"/>
-              <dgm:constr type="h" for="ch" forName="Child4" refType="h" fact="0.1232"/>
-              <dgm:constr type="l" for="ch" forName="Child5" refType="w" fact="0.5348"/>
-              <dgm:constr type="t" for="ch" forName="Child5" refType="h" fact="0.8073"/>
-              <dgm:constr type="w" for="ch" forName="Child5" refType="w" fact="0.3196"/>
-              <dgm:constr type="h" for="ch" forName="Child5" refType="h" fact="0.1232"/>
-            </dgm:constrLst>
-          </dgm:if>
-          <dgm:if name="Name18" axis="ch" ptType="node" func="cnt" op="equ" val="6">
-            <dgm:alg type="composite">
-              <dgm:param type="ar" val="0.4931"/>
-            </dgm:alg>
-            <dgm:constrLst>
-              <dgm:constr type="primFontSz" for="des" forName="Child1" val="65"/>
-              <dgm:constr type="primFontSz" for="des" forName="Parent1" val="65"/>
-              <dgm:constr type="primFontSz" for="des" forName="Child1" refType="primFontSz" refFor="des" refForName="Parent1" op="lte"/>
-              <dgm:constr type="primFontSz" for="des" forName="Child2" refType="primFontSz" refFor="des" refForName="Parent1" op="lte"/>
-              <dgm:constr type="primFontSz" for="des" forName="Child3" refType="primFontSz" refFor="des" refForName="Parent1" op="lte"/>
-              <dgm:constr type="primFontSz" for="des" forName="Child4" refType="primFontSz" refFor="des" refForName="Parent1" op="lte"/>
-              <dgm:constr type="primFontSz" for="des" forName="Child5" refType="primFontSz" refFor="des" refForName="Parent1" op="lte"/>
-              <dgm:constr type="primFontSz" for="des" forName="Child6" refType="primFontSz" refFor="des" refForName="Parent1" op="lte"/>
-              <dgm:constr type="primFontSz" for="des" forName="Child1" refType="primFontSz" refFor="des" refForName="Parent2" op="lte"/>
-              <dgm:constr type="primFontSz" for="des" forName="Child2" refType="primFontSz" refFor="des" refForName="Parent2" op="lte"/>
-              <dgm:constr type="primFontSz" for="des" forName="Child3" refType="primFontSz" refFor="des" refForName="Parent2" op="lte"/>
-              <dgm:constr type="primFontSz" for="des" forName="Child4" refType="primFontSz" refFor="des" refForName="Parent2" op="lte"/>
-              <dgm:constr type="primFontSz" for="des" forName="Child5" refType="primFontSz" refFor="des" refForName="Parent2" op="lte"/>
-              <dgm:constr type="primFontSz" for="des" forName="Child6" refType="primFontSz" refFor="des" refForName="Parent2" op="lte"/>
-              <dgm:constr type="primFontSz" for="des" forName="Child1" refType="primFontSz" refFor="des" refForName="Parent3" op="lte"/>
-              <dgm:constr type="primFontSz" for="des" forName="Child2" refType="primFontSz" refFor="des" refForName="Parent3" op="lte"/>
-              <dgm:constr type="primFontSz" for="des" forName="Child3" refType="primFontSz" refFor="des" refForName="Parent3" op="lte"/>
-              <dgm:constr type="primFontSz" for="des" forName="Child4" refType="primFontSz" refFor="des" refForName="Parent3" op="lte"/>
-              <dgm:constr type="primFontSz" for="des" forName="Child5" refType="primFontSz" refFor="des" refForName="Parent3" op="lte"/>
-              <dgm:constr type="primFontSz" for="des" forName="Child6" refType="primFontSz" refFor="des" refForName="Parent3" op="lte"/>
-              <dgm:constr type="primFontSz" for="des" forName="Child1" refType="primFontSz" refFor="des" refForName="Parent4" op="lte"/>
-              <dgm:constr type="primFontSz" for="des" forName="Child2" refType="primFontSz" refFor="des" refForName="Parent4" op="lte"/>
-              <dgm:constr type="primFontSz" for="des" forName="Child3" refType="primFontSz" refFor="des" refForName="Parent4" op="lte"/>
-              <dgm:constr type="primFontSz" for="des" forName="Child4" refType="primFontSz" refFor="des" refForName="Parent4" op="lte"/>
-              <dgm:constr type="primFontSz" for="des" forName="Child5" refType="primFontSz" refFor="des" refForName="Parent4" op="lte"/>
-              <dgm:constr type="primFontSz" for="des" forName="Child6" refType="primFontSz" refFor="des" refForName="Parent4" op="lte"/>
-              <dgm:constr type="primFontSz" for="des" forName="Child1" refType="primFontSz" refFor="des" refForName="Parent5" op="lte"/>
-              <dgm:constr type="primFontSz" for="des" forName="Child2" refType="primFontSz" refFor="des" refForName="Parent5" op="lte"/>
-              <dgm:constr type="primFontSz" for="des" forName="Child3" refType="primFontSz" refFor="des" refForName="Parent5" op="lte"/>
-              <dgm:constr type="primFontSz" for="des" forName="Child4" refType="primFontSz" refFor="des" refForName="Parent5" op="lte"/>
-              <dgm:constr type="primFontSz" for="des" forName="Child5" refType="primFontSz" refFor="des" refForName="Parent5" op="lte"/>
-              <dgm:constr type="primFontSz" for="des" forName="Child6" refType="primFontSz" refFor="des" refForName="Parent5" op="lte"/>
-              <dgm:constr type="primFontSz" for="des" forName="Child1" refType="primFontSz" refFor="des" refForName="Parent6" op="lte"/>
-              <dgm:constr type="primFontSz" for="des" forName="Child2" refType="primFontSz" refFor="des" refForName="Parent6" op="lte"/>
-              <dgm:constr type="primFontSz" for="des" forName="Child3" refType="primFontSz" refFor="des" refForName="Parent6" op="lte"/>
-              <dgm:constr type="primFontSz" for="des" forName="Child4" refType="primFontSz" refFor="des" refForName="Parent6" op="lte"/>
-              <dgm:constr type="primFontSz" for="des" forName="Child5" refType="primFontSz" refFor="des" refForName="Parent6" op="lte"/>
-              <dgm:constr type="primFontSz" for="des" forName="Child6" refType="primFontSz" refFor="des" refForName="Parent6" op="lte"/>
-              <dgm:constr type="primFontSz" for="des" forName="Parent2" refType="primFontSz" refFor="des" refForName="Parent1" op="equ"/>
-              <dgm:constr type="primFontSz" for="des" forName="Parent3" refType="primFontSz" refFor="des" refForName="Parent1" op="equ"/>
-              <dgm:constr type="primFontSz" for="des" forName="Parent4" refType="primFontSz" refFor="des" refForName="Parent1" op="equ"/>
-              <dgm:constr type="primFontSz" for="des" forName="Parent5" refType="primFontSz" refFor="des" refForName="Parent1" op="equ"/>
-              <dgm:constr type="primFontSz" for="des" forName="Parent6" refType="primFontSz" refFor="des" refForName="Parent1" op="equ"/>
-              <dgm:constr type="primFontSz" for="des" forName="Child2" refType="primFontSz" refFor="des" refForName="Child1" op="equ"/>
-              <dgm:constr type="primFontSz" for="des" forName="Child3" refType="primFontSz" refFor="des" refForName="Child1" op="equ"/>
-              <dgm:constr type="primFontSz" for="des" forName="Child4" refType="primFontSz" refFor="des" refForName="Child1" op="equ"/>
-              <dgm:constr type="primFontSz" for="des" forName="Child5" refType="primFontSz" refFor="des" refForName="Child1" op="equ"/>
-              <dgm:constr type="primFontSz" for="des" forName="Child6" refType="primFontSz" refFor="des" refForName="Child1" op="equ"/>
-              <dgm:constr type="l" for="ch" forName="Accent1" refType="w" fact="0"/>
-              <dgm:constr type="t" for="ch" forName="Accent1" refType="h" fact="0"/>
-              <dgm:constr type="w" for="ch" forName="Accent1" refType="w" fact="0.5331"/>
-              <dgm:constr type="h" for="ch" forName="Accent1" refType="h" fact="0.2629"/>
-              <dgm:constr type="l" for="ch" forName="Accent2" refType="w" fact="0.1481"/>
-              <dgm:constr type="t" for="ch" forName="Accent2" refType="h" fact="0.1511"/>
-              <dgm:constr type="w" for="ch" forName="Accent2" refType="w" fact="0.5331"/>
-              <dgm:constr type="h" for="ch" forName="Accent2" refType="h" fact="0.2629"/>
-              <dgm:constr type="l" for="ch" forName="Accent3" refType="w" fact="0"/>
-              <dgm:constr type="t" for="ch" forName="Accent3" refType="h" fact="0.3027"/>
-              <dgm:constr type="w" for="ch" forName="Accent3" refType="w" fact="0.5331"/>
-              <dgm:constr type="h" for="ch" forName="Accent3" refType="h" fact="0.2629"/>
-              <dgm:constr type="l" for="ch" forName="Accent4" refType="w" fact="0.1481"/>
-              <dgm:constr type="t" for="ch" forName="Accent4" refType="h" fact="0.4541"/>
-              <dgm:constr type="w" for="ch" forName="Accent4" refType="w" fact="0.5331"/>
-              <dgm:constr type="h" for="ch" forName="Accent4" refType="h" fact="0.2629"/>
-              <dgm:constr type="l" for="ch" forName="Accent5" refType="w" fact="0"/>
-              <dgm:constr type="t" for="ch" forName="Accent5" refType="h" fact="0.6053"/>
-              <dgm:constr type="w" for="ch" forName="Accent5" refType="w" fact="0.5331"/>
-              <dgm:constr type="h" for="ch" forName="Accent5" refType="h" fact="0.2629"/>
-              <dgm:constr type="l" for="ch" forName="Accent6" refType="w" fact="0.186"/>
-              <dgm:constr type="t" for="ch" forName="Accent6" refType="h" fact="0.774"/>
-              <dgm:constr type="w" for="ch" forName="Accent6" refType="w" fact="0.458"/>
-              <dgm:constr type="h" for="ch" forName="Accent6" refType="h" fact="0.226"/>
-              <dgm:constr type="l" for="ch" forName="Parent1" refType="w" fact="0.1171"/>
-              <dgm:constr type="t" for="ch" forName="Parent1" refType="h" fact="0.0952"/>
-              <dgm:constr type="w" for="ch" forName="Parent1" refType="w" fact="0.2975"/>
-              <dgm:constr type="h" for="ch" forName="Parent1" refType="h" fact="0.0733"/>
-              <dgm:constr type="l" for="ch" forName="Parent2" refType="w" fact="0.2658"/>
-              <dgm:constr type="t" for="ch" forName="Parent2" refType="h" fact="0.2466"/>
-              <dgm:constr type="w" for="ch" forName="Parent2" refType="w" fact="0.2975"/>
-              <dgm:constr type="h" for="ch" forName="Parent2" refType="h" fact="0.0733"/>
-              <dgm:constr type="l" for="ch" forName="Parent3" refType="w" fact="0.1171"/>
-              <dgm:constr type="t" for="ch" forName="Parent3" refType="h" fact="0.3979"/>
-              <dgm:constr type="w" for="ch" forName="Parent3" refType="w" fact="0.2975"/>
-              <dgm:constr type="h" for="ch" forName="Parent3" refType="h" fact="0.0733"/>
-              <dgm:constr type="l" for="ch" forName="Parent4" refType="w" fact="0.2658"/>
-              <dgm:constr type="t" for="ch" forName="Parent4" refType="h" fact="0.5493"/>
-              <dgm:constr type="w" for="ch" forName="Parent4" refType="w" fact="0.2975"/>
-              <dgm:constr type="h" for="ch" forName="Parent4" refType="h" fact="0.0733"/>
-              <dgm:constr type="l" for="ch" forName="Parent5" refType="w" fact="0.1171"/>
-              <dgm:constr type="t" for="ch" forName="Parent5" refType="h" fact="0.7005"/>
-              <dgm:constr type="w" for="ch" forName="Parent5" refType="w" fact="0.2975"/>
-              <dgm:constr type="h" for="ch" forName="Parent5" refType="h" fact="0.0733"/>
-              <dgm:constr type="l" for="ch" forName="Parent6" refType="w" fact="0.2658"/>
-              <dgm:constr type="t" for="ch" forName="Parent6" refType="h" fact="0.8519"/>
-              <dgm:constr type="w" for="ch" forName="Parent6" refType="w" fact="0.2975"/>
-              <dgm:constr type="h" for="ch" forName="Parent6" refType="h" fact="0.0733"/>
-              <dgm:constr type="l" for="ch" forName="Child1" refType="w" fact="0.5348"/>
-              <dgm:constr type="t" for="ch" forName="Child1" refType="h" fact="0.078"/>
-              <dgm:constr type="w" for="ch" forName="Child1" refType="w" fact="0.3196"/>
-              <dgm:constr type="h" for="ch" forName="Child1" refType="h" fact="0.1046"/>
-              <dgm:constr type="l" for="ch" forName="Child2" refType="w" fact="0.6804"/>
-              <dgm:constr type="t" for="ch" forName="Child2" refType="h" fact="0.231"/>
-              <dgm:constr type="w" for="ch" forName="Child2" refType="w" fact="0.3196"/>
-              <dgm:constr type="h" for="ch" forName="Child2" refType="h" fact="0.1046"/>
-              <dgm:constr type="l" for="ch" forName="Child3" refType="w" fact="0.5348"/>
-              <dgm:constr type="t" for="ch" forName="Child3" refType="h" fact="0.3808"/>
-              <dgm:constr type="w" for="ch" forName="Child3" refType="w" fact="0.3196"/>
-              <dgm:constr type="h" for="ch" forName="Child3" refType="h" fact="0.1046"/>
-              <dgm:constr type="l" for="ch" forName="Child4" refType="w" fact="0.6804"/>
-              <dgm:constr type="t" for="ch" forName="Child4" refType="h" fact="0.5322"/>
-              <dgm:constr type="w" for="ch" forName="Child4" refType="w" fact="0.3196"/>
-              <dgm:constr type="h" for="ch" forName="Child4" refType="h" fact="0.1046"/>
-              <dgm:constr type="l" for="ch" forName="Child5" refType="w" fact="0.5348"/>
-              <dgm:constr type="t" for="ch" forName="Child5" refType="h" fact="0.6833"/>
-              <dgm:constr type="w" for="ch" forName="Child5" refType="w" fact="0.3196"/>
-              <dgm:constr type="h" for="ch" forName="Child5" refType="h" fact="0.1046"/>
-              <dgm:constr type="l" for="ch" forName="Child6" refType="w" fact="0.6804"/>
-              <dgm:constr type="t" for="ch" forName="Child6" refType="h" fact="0.8347"/>
-              <dgm:constr type="w" for="ch" forName="Child6" refType="w" fact="0.3196"/>
-              <dgm:constr type="h" for="ch" forName="Child6" refType="h" fact="0.1046"/>
-            </dgm:constrLst>
-          </dgm:if>
-          <dgm:else name="Name19">
-            <dgm:alg type="composite">
-              <dgm:param type="ar" val="0.4284"/>
-            </dgm:alg>
-            <dgm:constrLst>
-              <dgm:constr type="primFontSz" for="des" forName="Child1" val="65"/>
-              <dgm:constr type="primFontSz" for="des" forName="Parent1" val="65"/>
-              <dgm:constr type="primFontSz" for="des" forName="Child1" refType="primFontSz" refFor="des" refForName="Parent1" op="lte"/>
-              <dgm:constr type="primFontSz" for="des" forName="Child2" refType="primFontSz" refFor="des" refForName="Parent1" op="lte"/>
-              <dgm:constr type="primFontSz" for="des" forName="Child3" refType="primFontSz" refFor="des" refForName="Parent1" op="lte"/>
-              <dgm:constr type="primFontSz" for="des" forName="Child4" refType="primFontSz" refFor="des" refForName="Parent1" op="lte"/>
-              <dgm:constr type="primFontSz" for="des" forName="Child5" refType="primFontSz" refFor="des" refForName="Parent1" op="lte"/>
-              <dgm:constr type="primFontSz" for="des" forName="Child6" refType="primFontSz" refFor="des" refForName="Parent1" op="lte"/>
-              <dgm:constr type="primFontSz" for="des" forName="Child7" refType="primFontSz" refFor="des" refForName="Parent1" op="lte"/>
-              <dgm:constr type="primFontSz" for="des" forName="Child1" refType="primFontSz" refFor="des" refForName="Parent2" op="lte"/>
-              <dgm:constr type="primFontSz" for="des" forName="Child2" refType="primFontSz" refFor="des" refForName="Parent2" op="lte"/>
-              <dgm:constr type="primFontSz" for="des" forName="Child3" refType="primFontSz" refFor="des" refForName="Parent2" op="lte"/>
-              <dgm:constr type="primFontSz" for="des" forName="Child4" refType="primFontSz" refFor="des" refForName="Parent2" op="lte"/>
-              <dgm:constr type="primFontSz" for="des" forName="Child5" refType="primFontSz" refFor="des" refForName="Parent2" op="lte"/>
-              <dgm:constr type="primFontSz" for="des" forName="Child6" refType="primFontSz" refFor="des" refForName="Parent2" op="lte"/>
-              <dgm:constr type="primFontSz" for="des" forName="Child7" refType="primFontSz" refFor="des" refForName="Parent2" op="lte"/>
-              <dgm:constr type="primFontSz" for="des" forName="Child1" refType="primFontSz" refFor="des" refForName="Parent3" op="lte"/>
-              <dgm:constr type="primFontSz" for="des" forName="Child2" refType="primFontSz" refFor="des" refForName="Parent3" op="lte"/>
-              <dgm:constr type="primFontSz" for="des" forName="Child3" refType="primFontSz" refFor="des" refForName="Parent3" op="lte"/>
-              <dgm:constr type="primFontSz" for="des" forName="Child4" refType="primFontSz" refFor="des" refForName="Parent3" op="lte"/>
-              <dgm:constr type="primFontSz" for="des" forName="Child5" refType="primFontSz" refFor="des" refForName="Parent3" op="lte"/>
-              <dgm:constr type="primFontSz" for="des" forName="Child6" refType="primFontSz" refFor="des" refForName="Parent3" op="lte"/>
-              <dgm:constr type="primFontSz" for="des" forName="Child7" refType="primFontSz" refFor="des" refForName="Parent3" op="lte"/>
-              <dgm:constr type="primFontSz" for="des" forName="Child1" refType="primFontSz" refFor="des" refForName="Parent4" op="lte"/>
-              <dgm:constr type="primFontSz" for="des" forName="Child2" refType="primFontSz" refFor="des" refForName="Parent4" op="lte"/>
-              <dgm:constr type="primFontSz" for="des" forName="Child3" refType="primFontSz" refFor="des" refForName="Parent4" op="lte"/>
-              <dgm:constr type="primFontSz" for="des" forName="Child4" refType="primFontSz" refFor="des" refForName="Parent4" op="lte"/>
-              <dgm:constr type="primFontSz" for="des" forName="Child5" refType="primFontSz" refFor="des" refForName="Parent4" op="lte"/>
-              <dgm:constr type="primFontSz" for="des" forName="Child6" refType="primFontSz" refFor="des" refForName="Parent4" op="lte"/>
-              <dgm:constr type="primFontSz" for="des" forName="Child7" refType="primFontSz" refFor="des" refForName="Parent4" op="lte"/>
-              <dgm:constr type="primFontSz" for="des" forName="Child1" refType="primFontSz" refFor="des" refForName="Parent5" op="lte"/>
-              <dgm:constr type="primFontSz" for="des" forName="Child2" refType="primFontSz" refFor="des" refForName="Parent5" op="lte"/>
-              <dgm:constr type="primFontSz" for="des" forName="Child3" refType="primFontSz" refFor="des" refForName="Parent5" op="lte"/>
-              <dgm:constr type="primFontSz" for="des" forName="Child4" refType="primFontSz" refFor="des" refForName="Parent5" op="lte"/>
-              <dgm:constr type="primFontSz" for="des" forName="Child5" refType="primFontSz" refFor="des" refForName="Parent5" op="lte"/>
-              <dgm:constr type="primFontSz" for="des" forName="Child6" refType="primFontSz" refFor="des" refForName="Parent5" op="lte"/>
-              <dgm:constr type="primFontSz" for="des" forName="Child7" refType="primFontSz" refFor="des" refForName="Parent5" op="lte"/>
-              <dgm:constr type="primFontSz" for="des" forName="Child1" refType="primFontSz" refFor="des" refForName="Parent6" op="lte"/>
-              <dgm:constr type="primFontSz" for="des" forName="Child2" refType="primFontSz" refFor="des" refForName="Parent6" op="lte"/>
-              <dgm:constr type="primFontSz" for="des" forName="Child3" refType="primFontSz" refFor="des" refForName="Parent6" op="lte"/>
-              <dgm:constr type="primFontSz" for="des" forName="Child4" refType="primFontSz" refFor="des" refForName="Parent6" op="lte"/>
-              <dgm:constr type="primFontSz" for="des" forName="Child5" refType="primFontSz" refFor="des" refForName="Parent6" op="lte"/>
-              <dgm:constr type="primFontSz" for="des" forName="Child6" refType="primFontSz" refFor="des" refForName="Parent6" op="lte"/>
-              <dgm:constr type="primFontSz" for="des" forName="Child7" refType="primFontSz" refFor="des" refForName="Parent6" op="lte"/>
-              <dgm:constr type="primFontSz" for="des" forName="Child1" refType="primFontSz" refFor="des" refForName="Parent7" op="lte"/>
-              <dgm:constr type="primFontSz" for="des" forName="Child2" refType="primFontSz" refFor="des" refForName="Parent7" op="lte"/>
-              <dgm:constr type="primFontSz" for="des" forName="Child3" refType="primFontSz" refFor="des" refForName="Parent7" op="lte"/>
-              <dgm:constr type="primFontSz" for="des" forName="Child4" refType="primFontSz" refFor="des" refForName="Parent7" op="lte"/>
-              <dgm:constr type="primFontSz" for="des" forName="Child5" refType="primFontSz" refFor="des" refForName="Parent7" op="lte"/>
-              <dgm:constr type="primFontSz" for="des" forName="Child6" refType="primFontSz" refFor="des" refForName="Parent7" op="lte"/>
-              <dgm:constr type="primFontSz" for="des" forName="Child7" refType="primFontSz" refFor="des" refForName="Parent7" op="lte"/>
-              <dgm:constr type="primFontSz" for="des" forName="Parent2" refType="primFontSz" refFor="des" refForName="Parent1" op="equ"/>
-              <dgm:constr type="primFontSz" for="des" forName="Parent3" refType="primFontSz" refFor="des" refForName="Parent1" op="equ"/>
-              <dgm:constr type="primFontSz" for="des" forName="Parent4" refType="primFontSz" refFor="des" refForName="Parent1" op="equ"/>
-              <dgm:constr type="primFontSz" for="des" forName="Parent5" refType="primFontSz" refFor="des" refForName="Parent1" op="equ"/>
-              <dgm:constr type="primFontSz" for="des" forName="Parent6" refType="primFontSz" refFor="des" refForName="Parent1" op="equ"/>
-              <dgm:constr type="primFontSz" for="des" forName="Parent7" refType="primFontSz" refFor="des" refForName="Parent1" op="equ"/>
-              <dgm:constr type="primFontSz" for="des" forName="Child2" refType="primFontSz" refFor="des" refForName="Child1" op="equ"/>
-              <dgm:constr type="primFontSz" for="des" forName="Child3" refType="primFontSz" refFor="des" refForName="Child1" op="equ"/>
-              <dgm:constr type="primFontSz" for="des" forName="Child4" refType="primFontSz" refFor="des" refForName="Child1" op="equ"/>
-              <dgm:constr type="primFontSz" for="des" forName="Child5" refType="primFontSz" refFor="des" refForName="Child1" op="equ"/>
-              <dgm:constr type="primFontSz" for="des" forName="Child6" refType="primFontSz" refFor="des" refForName="Child1" op="equ"/>
-              <dgm:constr type="primFontSz" for="des" forName="Child7" refType="primFontSz" refFor="des" refForName="Child1" op="equ"/>
-              <dgm:constr type="l" for="ch" forName="Accent1" refType="w" fact="0"/>
-              <dgm:constr type="t" for="ch" forName="Accent1" refType="h" fact="0"/>
-              <dgm:constr type="w" for="ch" forName="Accent1" refType="w" fact="0.5331"/>
-              <dgm:constr type="h" for="ch" forName="Accent1" refType="h" fact="0.2284"/>
-              <dgm:constr type="l" for="ch" forName="Accent2" refType="w" fact="0.1481"/>
-              <dgm:constr type="t" for="ch" forName="Accent2" refType="h" fact="0.1312"/>
-              <dgm:constr type="w" for="ch" forName="Accent2" refType="w" fact="0.5331"/>
-              <dgm:constr type="h" for="ch" forName="Accent2" refType="h" fact="0.2284"/>
-              <dgm:constr type="l" for="ch" forName="Accent3" refType="w" fact="0"/>
-              <dgm:constr type="t" for="ch" forName="Accent3" refType="h" fact="0.263"/>
-              <dgm:constr type="w" for="ch" forName="Accent3" refType="w" fact="0.5331"/>
-              <dgm:constr type="h" for="ch" forName="Accent3" refType="h" fact="0.2284"/>
-              <dgm:constr type="l" for="ch" forName="Accent4" refType="w" fact="0.1481"/>
-              <dgm:constr type="t" for="ch" forName="Accent4" refType="h" fact="0.3945"/>
-              <dgm:constr type="w" for="ch" forName="Accent4" refType="w" fact="0.5331"/>
-              <dgm:constr type="h" for="ch" forName="Accent4" refType="h" fact="0.2284"/>
-              <dgm:constr type="l" for="ch" forName="Accent5" refType="w" fact="0"/>
-              <dgm:constr type="t" for="ch" forName="Accent5" refType="h" fact="0.5258"/>
-              <dgm:constr type="w" for="ch" forName="Accent5" refType="w" fact="0.5331"/>
-              <dgm:constr type="h" for="ch" forName="Accent5" refType="h" fact="0.2284"/>
-              <dgm:constr type="l" for="ch" forName="Accent6" refType="w" fact="0.1481"/>
-              <dgm:constr type="t" for="ch" forName="Accent6" refType="h" fact="0.6573"/>
-              <dgm:constr type="w" for="ch" forName="Accent6" refType="w" fact="0.5331"/>
-              <dgm:constr type="h" for="ch" forName="Accent6" refType="h" fact="0.2284"/>
-              <dgm:constr type="l" for="ch" forName="Accent7" refType="w" fact="0.0378"/>
-              <dgm:constr type="t" for="ch" forName="Accent7" refType="h" fact="0.8037"/>
-              <dgm:constr type="w" for="ch" forName="Accent7" refType="w" fact="0.458"/>
-              <dgm:constr type="h" for="ch" forName="Accent7" refType="h" fact="0.1963"/>
-              <dgm:constr type="l" for="ch" forName="Parent1" refType="w" fact="0.1171"/>
-              <dgm:constr type="t" for="ch" forName="Parent1" refType="h" fact="0.0827"/>
-              <dgm:constr type="w" for="ch" forName="Parent1" refType="w" fact="0.2975"/>
-              <dgm:constr type="h" for="ch" forName="Parent1" refType="h" fact="0.0637"/>
-              <dgm:constr type="l" for="ch" forName="Parent2" refType="w" fact="0.2658"/>
-              <dgm:constr type="t" for="ch" forName="Parent2" refType="h" fact="0.2142"/>
-              <dgm:constr type="w" for="ch" forName="Parent2" refType="w" fact="0.2975"/>
-              <dgm:constr type="h" for="ch" forName="Parent2" refType="h" fact="0.0637"/>
-              <dgm:constr type="l" for="ch" forName="Parent3" refType="w" fact="0.1171"/>
-              <dgm:constr type="t" for="ch" forName="Parent3" refType="h" fact="0.3457"/>
-              <dgm:constr type="w" for="ch" forName="Parent3" refType="w" fact="0.2975"/>
-              <dgm:constr type="h" for="ch" forName="Parent3" refType="h" fact="0.0637"/>
-              <dgm:constr type="l" for="ch" forName="Parent4" refType="w" fact="0.2658"/>
-              <dgm:constr type="t" for="ch" forName="Parent4" refType="h" fact="0.4772"/>
-              <dgm:constr type="w" for="ch" forName="Parent4" refType="w" fact="0.2975"/>
-              <dgm:constr type="h" for="ch" forName="Parent4" refType="h" fact="0.0637"/>
-              <dgm:constr type="l" for="ch" forName="Parent5" refType="w" fact="0.1171"/>
-              <dgm:constr type="t" for="ch" forName="Parent5" refType="h" fact="0.6085"/>
-              <dgm:constr type="w" for="ch" forName="Parent5" refType="w" fact="0.2975"/>
-              <dgm:constr type="h" for="ch" forName="Parent5" refType="h" fact="0.0637"/>
-              <dgm:constr type="l" for="ch" forName="Parent6" refType="w" fact="0.2658"/>
-              <dgm:constr type="t" for="ch" forName="Parent6" refType="h" fact="0.74"/>
-              <dgm:constr type="w" for="ch" forName="Parent6" refType="w" fact="0.2975"/>
-              <dgm:constr type="h" for="ch" forName="Parent6" refType="h" fact="0.0637"/>
-              <dgm:constr type="l" for="ch" forName="Parent7" refType="w" fact="0.1171"/>
-              <dgm:constr type="t" for="ch" forName="Parent7" refType="h" fact="0.8715"/>
-              <dgm:constr type="w" for="ch" forName="Parent7" refType="w" fact="0.2975"/>
-              <dgm:constr type="h" for="ch" forName="Parent7" refType="h" fact="0.0637"/>
-              <dgm:constr type="l" for="ch" forName="Child1" refType="w" fact="0.5348"/>
-              <dgm:constr type="t" for="ch" forName="Child1" refType="h" fact="0.0678"/>
-              <dgm:constr type="w" for="ch" forName="Child1" refType="w" fact="0.3196"/>
-              <dgm:constr type="h" for="ch" forName="Child1" refType="h" fact="0.0908"/>
-              <dgm:constr type="l" for="ch" forName="Child2" refType="w" fact="0.6804"/>
-              <dgm:constr type="t" for="ch" forName="Child2" refType="h" fact="0.2006"/>
-              <dgm:constr type="w" for="ch" forName="Child2" refType="w" fact="0.3196"/>
-              <dgm:constr type="h" for="ch" forName="Child2" refType="h" fact="0.0908"/>
-              <dgm:constr type="l" for="ch" forName="Child3" refType="w" fact="0.5348"/>
-              <dgm:constr type="t" for="ch" forName="Child3" refType="h" fact="0.3308"/>
-              <dgm:constr type="w" for="ch" forName="Child3" refType="w" fact="0.3196"/>
-              <dgm:constr type="h" for="ch" forName="Child3" refType="h" fact="0.0908"/>
-              <dgm:constr type="l" for="ch" forName="Child4" refType="w" fact="0.6804"/>
-              <dgm:constr type="t" for="ch" forName="Child4" refType="h" fact="0.4623"/>
-              <dgm:constr type="w" for="ch" forName="Child4" refType="w" fact="0.3196"/>
-              <dgm:constr type="h" for="ch" forName="Child4" refType="h" fact="0.0908"/>
-              <dgm:constr type="l" for="ch" forName="Child5" refType="w" fact="0.5348"/>
-              <dgm:constr type="t" for="ch" forName="Child5" refType="h" fact="0.5936"/>
-              <dgm:constr type="w" for="ch" forName="Child5" refType="w" fact="0.3196"/>
-              <dgm:constr type="h" for="ch" forName="Child5" refType="h" fact="0.0908"/>
-              <dgm:constr type="l" for="ch" forName="Child6" refType="w" fact="0.6804"/>
-              <dgm:constr type="t" for="ch" forName="Child6" refType="h" fact="0.7251"/>
-              <dgm:constr type="w" for="ch" forName="Child6" refType="w" fact="0.3196"/>
-              <dgm:constr type="h" for="ch" forName="Child6" refType="h" fact="0.0908"/>
-              <dgm:constr type="l" for="ch" forName="Child7" refType="w" fact="0.5348"/>
-              <dgm:constr type="t" for="ch" forName="Child7" refType="h" fact="0.8579"/>
-              <dgm:constr type="w" for="ch" forName="Child7" refType="w" fact="0.3196"/>
-              <dgm:constr type="h" for="ch" forName="Child7" refType="h" fact="0.0908"/>
-            </dgm:constrLst>
-          </dgm:else>
-        </dgm:choose>
-      </dgm:else>
-    </dgm:choose>
-    <dgm:forEach name="wrapper" axis="self" ptType="parTrans">
-      <dgm:forEach name="accentRepeat" axis="self">
-        <dgm:layoutNode name="Accent" styleLbl="node1">
-          <dgm:alg type="sp"/>
-          <dgm:choose name="Name20">
-            <dgm:if name="Name21" func="var" arg="dir" op="equ" val="norm">
-              <dgm:choose name="Name22">
-                <dgm:if name="Name23" axis="precedSib" ptType="node" func="cnt" op="equ" val="0">
-                  <dgm:choose name="Name24">
-                    <dgm:if name="Name25" axis="followSib" ptType="node" func="cnt" op="equ" val="0">
-                      <dgm:shape xmlns:r="http://schemas.openxmlformats.org/officeDocument/2006/relationships" type="circularArrow" r:blip="">
-                        <dgm:adjLst>
-                          <dgm:adj idx="1" val="0.1098"/>
-                          <dgm:adj idx="2" val="19.0387"/>
-                          <dgm:adj idx="3" val="150"/>
-                          <dgm:adj idx="4" val="180"/>
-                          <dgm:adj idx="5" val="0.125"/>
-                        </dgm:adjLst>
-                      </dgm:shape>
-                    </dgm:if>
-                    <dgm:else name="Name26">
-                      <dgm:shape xmlns:r="http://schemas.openxmlformats.org/officeDocument/2006/relationships" type="circularArrow" r:blip="">
-                        <dgm:adjLst>
-                          <dgm:adj idx="1" val="0.1098"/>
-                          <dgm:adj idx="2" val="19.0387"/>
-                          <dgm:adj idx="3" val="75"/>
-                          <dgm:adj idx="4" val="180"/>
-                          <dgm:adj idx="5" val="0.125"/>
-                        </dgm:adjLst>
-                      </dgm:shape>
-                    </dgm:else>
-                  </dgm:choose>
-                </dgm:if>
-                <dgm:else name="Name27">
-                  <dgm:choose name="Name28">
-                    <dgm:if name="Name29" axis="followSib" ptType="node" func="cnt" op="equ" val="0">
-                      <dgm:choose name="Name30">
-                        <dgm:if name="Name31" axis="precedSib" ptType="node" func="cnt" op="equ" val="1">
-                          <dgm:shape xmlns:r="http://schemas.openxmlformats.org/officeDocument/2006/relationships" type="blockArc" r:blip="">
-                            <dgm:adjLst>
-                              <dgm:adj idx="1" val="0"/>
-                              <dgm:adj idx="2" val="-45"/>
-                              <dgm:adj idx="3" val="0.1274"/>
-                            </dgm:adjLst>
-                          </dgm:shape>
-                        </dgm:if>
-                        <dgm:if name="Name32" axis="precedSib" ptType="node" func="cnt" op="equ" val="2">
-                          <dgm:shape xmlns:r="http://schemas.openxmlformats.org/officeDocument/2006/relationships" type="blockArc" r:blip="">
-                            <dgm:adjLst>
-                              <dgm:adj idx="1" val="-135"/>
-                              <dgm:adj idx="2" val="180"/>
-                              <dgm:adj idx="3" val="0.1274"/>
-                            </dgm:adjLst>
-                          </dgm:shape>
-                        </dgm:if>
-                        <dgm:if name="Name33" axis="precedSib" ptType="node" func="cnt" op="equ" val="3">
-                          <dgm:shape xmlns:r="http://schemas.openxmlformats.org/officeDocument/2006/relationships" type="blockArc" r:blip="">
-                            <dgm:adjLst>
-                              <dgm:adj idx="1" val="0"/>
-                              <dgm:adj idx="2" val="-45"/>
-                              <dgm:adj idx="3" val="0.1274"/>
-                            </dgm:adjLst>
-                          </dgm:shape>
-                        </dgm:if>
-                        <dgm:if name="Name34" axis="precedSib" ptType="node" func="cnt" op="equ" val="4">
-                          <dgm:shape xmlns:r="http://schemas.openxmlformats.org/officeDocument/2006/relationships" type="blockArc" r:blip="">
-                            <dgm:adjLst>
-                              <dgm:adj idx="1" val="-135"/>
-                              <dgm:adj idx="2" val="180"/>
-                              <dgm:adj idx="3" val="0.1274"/>
-                            </dgm:adjLst>
-                          </dgm:shape>
-                        </dgm:if>
-                        <dgm:if name="Name35" axis="precedSib" ptType="node" func="cnt" op="equ" val="5">
-                          <dgm:shape xmlns:r="http://schemas.openxmlformats.org/officeDocument/2006/relationships" type="blockArc" r:blip="">
-                            <dgm:adjLst>
-                              <dgm:adj idx="1" val="0"/>
-                              <dgm:adj idx="2" val="-45"/>
-                              <dgm:adj idx="3" val="0.1274"/>
-                            </dgm:adjLst>
-                          </dgm:shape>
-                        </dgm:if>
-                        <dgm:if name="Name36" axis="precedSib" ptType="node" func="cnt" op="equ" val="6">
-                          <dgm:shape xmlns:r="http://schemas.openxmlformats.org/officeDocument/2006/relationships" type="blockArc" r:blip="">
-                            <dgm:adjLst>
-                              <dgm:adj idx="1" val="-135"/>
-                              <dgm:adj idx="2" val="180"/>
-                              <dgm:adj idx="3" val="0.1274"/>
-                            </dgm:adjLst>
-                          </dgm:shape>
-                        </dgm:if>
-                        <dgm:else name="Name37"/>
-                      </dgm:choose>
-                    </dgm:if>
-                    <dgm:else name="Name38">
-                      <dgm:choose name="Name39">
-                        <dgm:if name="Name40" axis="precedSib" ptType="node" func="cnt" op="equ" val="0">
-                          <dgm:shape xmlns:r="http://schemas.openxmlformats.org/officeDocument/2006/relationships" type="blockArc" r:blip="">
-                            <dgm:adjLst>
-                              <dgm:adj idx="1" val="-133.1632"/>
-                              <dgm:adj idx="2" val="65"/>
-                              <dgm:adj idx="3" val="0.13"/>
-                            </dgm:adjLst>
-                          </dgm:shape>
-                        </dgm:if>
-                        <dgm:if name="Name41" axis="precedSib" ptType="node" func="cnt" op="equ" val="1">
-                          <dgm:shape xmlns:r="http://schemas.openxmlformats.org/officeDocument/2006/relationships" type="leftCircularArrow" r:blip="">
-                            <dgm:adjLst>
-                              <dgm:adj idx="1" val="0.1098"/>
-                              <dgm:adj idx="2" val="19.0387"/>
-                              <dgm:adj idx="3" val="105"/>
-                              <dgm:adj idx="4" val="-45"/>
-                              <dgm:adj idx="5" val="0.125"/>
-                            </dgm:adjLst>
-                          </dgm:shape>
-                        </dgm:if>
-                        <dgm:if name="Name42" axis="precedSib" ptType="node" func="cnt" op="equ" val="2">
-                          <dgm:shape xmlns:r="http://schemas.openxmlformats.org/officeDocument/2006/relationships" type="circularArrow" r:blip="">
-                            <dgm:adjLst>
-                              <dgm:adj idx="1" val="0.1098"/>
-                              <dgm:adj idx="2" val="19.0387"/>
-                              <dgm:adj idx="3" val="75"/>
-                              <dgm:adj idx="4" val="-135"/>
-                              <dgm:adj idx="5" val="0.125"/>
-                            </dgm:adjLst>
-                          </dgm:shape>
-                        </dgm:if>
-                        <dgm:if name="Name43" axis="precedSib" ptType="node" func="cnt" op="equ" val="3">
-                          <dgm:shape xmlns:r="http://schemas.openxmlformats.org/officeDocument/2006/relationships" type="leftCircularArrow" r:blip="">
-                            <dgm:adjLst>
-                              <dgm:adj idx="1" val="0.1098"/>
-                              <dgm:adj idx="2" val="19.0387"/>
-                              <dgm:adj idx="3" val="105"/>
-                              <dgm:adj idx="4" val="-45"/>
-                              <dgm:adj idx="5" val="0.125"/>
-                            </dgm:adjLst>
-                          </dgm:shape>
-                        </dgm:if>
-                        <dgm:if name="Name44" axis="precedSib" ptType="node" func="cnt" op="equ" val="4">
-                          <dgm:shape xmlns:r="http://schemas.openxmlformats.org/officeDocument/2006/relationships" type="circularArrow" r:blip="">
-                            <dgm:adjLst>
-                              <dgm:adj idx="1" val="0.1098"/>
-                              <dgm:adj idx="2" val="19.0387"/>
-                              <dgm:adj idx="3" val="75"/>
-                              <dgm:adj idx="4" val="-135"/>
-                              <dgm:adj idx="5" val="0.125"/>
-                            </dgm:adjLst>
-                          </dgm:shape>
-                        </dgm:if>
-                        <dgm:if name="Name45" axis="precedSib" ptType="node" func="cnt" op="equ" val="5">
-                          <dgm:shape xmlns:r="http://schemas.openxmlformats.org/officeDocument/2006/relationships" type="leftCircularArrow" r:blip="">
-                            <dgm:adjLst>
-                              <dgm:adj idx="1" val="0.1098"/>
-                              <dgm:adj idx="2" val="19.0387"/>
-                              <dgm:adj idx="3" val="105"/>
-                              <dgm:adj idx="4" val="-45"/>
-                              <dgm:adj idx="5" val="0.125"/>
-                            </dgm:adjLst>
-                          </dgm:shape>
-                        </dgm:if>
-                        <dgm:if name="Name46" axis="precedSib" ptType="node" func="cnt" op="equ" val="6">
-                          <dgm:shape xmlns:r="http://schemas.openxmlformats.org/officeDocument/2006/relationships" type="blockArc" r:blip="">
-                            <dgm:adjLst>
-                              <dgm:adj idx="1" val="-135"/>
-                              <dgm:adj idx="2" val="180"/>
-                              <dgm:adj idx="3" val="0.1274"/>
-                            </dgm:adjLst>
-                          </dgm:shape>
-                        </dgm:if>
-                        <dgm:else name="Name47"/>
-                      </dgm:choose>
-                    </dgm:else>
-                  </dgm:choose>
-                </dgm:else>
-              </dgm:choose>
-            </dgm:if>
-            <dgm:else name="Name48">
-              <dgm:choose name="Name49">
-                <dgm:if name="Name50" axis="precedSib" ptType="node" func="cnt" op="equ" val="0">
-                  <dgm:choose name="Name51">
-                    <dgm:if name="Name52" axis="followSib" ptType="node" func="cnt" op="equ" val="0">
-                      <dgm:shape xmlns:r="http://schemas.openxmlformats.org/officeDocument/2006/relationships" type="leftCircularArrow" r:blip="">
-                        <dgm:adjLst>
-                          <dgm:adj idx="1" val="0.1098"/>
-                          <dgm:adj idx="2" val="19.0387"/>
-                          <dgm:adj idx="3" val="30"/>
-                          <dgm:adj idx="4" val="0"/>
-                          <dgm:adj idx="5" val="0.125"/>
-                        </dgm:adjLst>
-                      </dgm:shape>
-                    </dgm:if>
-                    <dgm:else name="Name53">
-                      <dgm:shape xmlns:r="http://schemas.openxmlformats.org/officeDocument/2006/relationships" type="leftCircularArrow" r:blip="">
-                        <dgm:adjLst>
-                          <dgm:adj idx="1" val="0.1098"/>
-                          <dgm:adj idx="2" val="19.0387"/>
-                          <dgm:adj idx="3" val="105"/>
-                          <dgm:adj idx="4" val="0"/>
-                          <dgm:adj idx="5" val="0.125"/>
-                        </dgm:adjLst>
-                      </dgm:shape>
-                    </dgm:else>
-                  </dgm:choose>
-                </dgm:if>
-                <dgm:else name="Name54">
-                  <dgm:choose name="Name55">
-                    <dgm:if name="Name56" axis="followSib" ptType="node" func="cnt" op="equ" val="0">
-                      <dgm:choose name="Name57">
-                        <dgm:if name="Name58" axis="precedSib" ptType="node" func="cnt" op="equ" val="1">
-                          <dgm:shape xmlns:r="http://schemas.openxmlformats.org/officeDocument/2006/relationships" type="blockArc" r:blip="">
-                            <dgm:adjLst>
-                              <dgm:adj idx="1" val="-135"/>
-                              <dgm:adj idx="2" val="180"/>
-                              <dgm:adj idx="3" val="0.1274"/>
-                            </dgm:adjLst>
-                          </dgm:shape>
-                        </dgm:if>
-                        <dgm:if name="Name59" axis="precedSib" ptType="node" func="cnt" op="equ" val="2">
-                          <dgm:shape xmlns:r="http://schemas.openxmlformats.org/officeDocument/2006/relationships" type="blockArc" r:blip="">
-                            <dgm:adjLst>
-                              <dgm:adj idx="1" val="0"/>
-                              <dgm:adj idx="2" val="-45"/>
-                              <dgm:adj idx="3" val="0.1274"/>
-                            </dgm:adjLst>
-                          </dgm:shape>
-                        </dgm:if>
-                        <dgm:if name="Name60" axis="precedSib" ptType="node" func="cnt" op="equ" val="3">
-                          <dgm:shape xmlns:r="http://schemas.openxmlformats.org/officeDocument/2006/relationships" type="blockArc" r:blip="">
-                            <dgm:adjLst>
-                              <dgm:adj idx="1" val="-135"/>
-                              <dgm:adj idx="2" val="180"/>
-                              <dgm:adj idx="3" val="0.1274"/>
-                            </dgm:adjLst>
-                          </dgm:shape>
-                        </dgm:if>
-                        <dgm:if name="Name61" axis="precedSib" ptType="node" func="cnt" op="equ" val="4">
-                          <dgm:shape xmlns:r="http://schemas.openxmlformats.org/officeDocument/2006/relationships" type="blockArc" r:blip="">
-                            <dgm:adjLst>
-                              <dgm:adj idx="1" val="0"/>
-                              <dgm:adj idx="2" val="-45"/>
-                              <dgm:adj idx="3" val="0.1274"/>
-                            </dgm:adjLst>
-                          </dgm:shape>
-                        </dgm:if>
-                        <dgm:if name="Name62" axis="precedSib" ptType="node" func="cnt" op="equ" val="5">
-                          <dgm:shape xmlns:r="http://schemas.openxmlformats.org/officeDocument/2006/relationships" type="blockArc" r:blip="">
-                            <dgm:adjLst>
-                              <dgm:adj idx="1" val="-135"/>
-                              <dgm:adj idx="2" val="180"/>
-                              <dgm:adj idx="3" val="0.1274"/>
-                            </dgm:adjLst>
-                          </dgm:shape>
-                        </dgm:if>
-                        <dgm:if name="Name63" axis="precedSib" ptType="node" func="cnt" op="equ" val="6">
-                          <dgm:shape xmlns:r="http://schemas.openxmlformats.org/officeDocument/2006/relationships" type="blockArc" r:blip="">
-                            <dgm:adjLst>
-                              <dgm:adj idx="1" val="0"/>
-                              <dgm:adj idx="2" val="-45"/>
-                              <dgm:adj idx="3" val="0.1274"/>
-                            </dgm:adjLst>
-                          </dgm:shape>
-                        </dgm:if>
-                        <dgm:else name="Name64"/>
-                      </dgm:choose>
-                    </dgm:if>
-                    <dgm:else name="Name65">
-                      <dgm:choose name="Name66">
-                        <dgm:if name="Name67" axis="precedSib" ptType="node" func="cnt" op="equ" val="0">
-                          <dgm:shape xmlns:r="http://schemas.openxmlformats.org/officeDocument/2006/relationships" type="blockArc" r:blip="">
-                            <dgm:adjLst>
-                              <dgm:adj idx="1" val="-133.1632"/>
-                              <dgm:adj idx="2" val="65"/>
-                              <dgm:adj idx="3" val="0.13"/>
-                            </dgm:adjLst>
-                          </dgm:shape>
-                        </dgm:if>
-                        <dgm:if name="Name68" axis="precedSib" ptType="node" func="cnt" op="equ" val="1">
-                          <dgm:shape xmlns:r="http://schemas.openxmlformats.org/officeDocument/2006/relationships" type="circularArrow" r:blip="">
-                            <dgm:adjLst>
-                              <dgm:adj idx="1" val="0.1098"/>
-                              <dgm:adj idx="2" val="19.0387"/>
-                              <dgm:adj idx="3" val="75"/>
-                              <dgm:adj idx="4" val="-135"/>
-                              <dgm:adj idx="5" val="0.125"/>
-                            </dgm:adjLst>
-                          </dgm:shape>
-                        </dgm:if>
-                        <dgm:if name="Name69" axis="precedSib" ptType="node" func="cnt" op="equ" val="2">
-                          <dgm:shape xmlns:r="http://schemas.openxmlformats.org/officeDocument/2006/relationships" type="leftCircularArrow" r:blip="">
-                            <dgm:adjLst>
-                              <dgm:adj idx="1" val="0.1098"/>
-                              <dgm:adj idx="2" val="19.0387"/>
-                              <dgm:adj idx="3" val="105"/>
-                              <dgm:adj idx="4" val="-45"/>
-                              <dgm:adj idx="5" val="0.125"/>
-                            </dgm:adjLst>
-                          </dgm:shape>
-                        </dgm:if>
-                        <dgm:if name="Name70" axis="precedSib" ptType="node" func="cnt" op="equ" val="3">
-                          <dgm:shape xmlns:r="http://schemas.openxmlformats.org/officeDocument/2006/relationships" type="circularArrow" r:blip="">
-                            <dgm:adjLst>
-                              <dgm:adj idx="1" val="0.1098"/>
-                              <dgm:adj idx="2" val="19.0387"/>
-                              <dgm:adj idx="3" val="75"/>
-                              <dgm:adj idx="4" val="-135"/>
-                              <dgm:adj idx="5" val="0.125"/>
-                            </dgm:adjLst>
-                          </dgm:shape>
-                        </dgm:if>
-                        <dgm:if name="Name71" axis="precedSib" ptType="node" func="cnt" op="equ" val="4">
-                          <dgm:shape xmlns:r="http://schemas.openxmlformats.org/officeDocument/2006/relationships" type="leftCircularArrow" r:blip="">
-                            <dgm:adjLst>
-                              <dgm:adj idx="1" val="0.1098"/>
-                              <dgm:adj idx="2" val="19.0387"/>
-                              <dgm:adj idx="3" val="105"/>
-                              <dgm:adj idx="4" val="-45"/>
-                              <dgm:adj idx="5" val="0.125"/>
-                            </dgm:adjLst>
-                          </dgm:shape>
-                        </dgm:if>
-                        <dgm:if name="Name72" axis="precedSib" ptType="node" func="cnt" op="equ" val="5">
-                          <dgm:shape xmlns:r="http://schemas.openxmlformats.org/officeDocument/2006/relationships" type="circularArrow" r:blip="">
-                            <dgm:adjLst>
-                              <dgm:adj idx="1" val="0.1098"/>
-                              <dgm:adj idx="2" val="19.0387"/>
-                              <dgm:adj idx="3" val="75"/>
-                              <dgm:adj idx="4" val="-135"/>
-                              <dgm:adj idx="5" val="0.125"/>
-                            </dgm:adjLst>
-                          </dgm:shape>
-                        </dgm:if>
-                        <dgm:if name="Name73" axis="precedSib" ptType="node" func="cnt" op="equ" val="6">
-                          <dgm:shape xmlns:r="http://schemas.openxmlformats.org/officeDocument/2006/relationships" type="blockArc" r:blip="">
-                            <dgm:adjLst>
-                              <dgm:adj idx="1" val="0"/>
-                              <dgm:adj idx="2" val="-45"/>
-                              <dgm:adj idx="3" val="0.1274"/>
-                            </dgm:adjLst>
-                          </dgm:shape>
-                        </dgm:if>
-                        <dgm:else name="Name74"/>
-                      </dgm:choose>
-                    </dgm:else>
-                  </dgm:choose>
-                </dgm:else>
-              </dgm:choose>
-            </dgm:else>
-          </dgm:choose>
-          <dgm:presOf/>
-        </dgm:layoutNode>
-      </dgm:forEach>
-    </dgm:forEach>
-    <dgm:forEach name="Name75" axis="ch" ptType="node" cnt="1">
-      <dgm:layoutNode name="Accent1">
-        <dgm:alg type="sp"/>
-        <dgm:shape xmlns:r="http://schemas.openxmlformats.org/officeDocument/2006/relationships" r:blip="">
-          <dgm:adjLst/>
-        </dgm:shape>
-        <dgm:presOf/>
-        <dgm:constrLst/>
-        <dgm:forEach name="Name76" ref="accentRepeat"/>
-      </dgm:layoutNode>
-      <dgm:choose name="Name77">
-        <dgm:if name="Name78" axis="ch" ptType="node" func="cnt" op="gte" val="1">
-          <dgm:layoutNode name="Child1" styleLbl="revTx">
-            <dgm:varLst>
-              <dgm:chMax val="0"/>
-              <dgm:chPref val="0"/>
-              <dgm:bulletEnabled val="1"/>
-            </dgm:varLst>
-            <dgm:alg type="tx">
-              <dgm:param type="stBulletLvl" val="1"/>
-              <dgm:param type="parTxLTRAlign" val="l"/>
-              <dgm:param type="txAnchorVertCh" val="mid"/>
-            </dgm:alg>
-            <dgm:shape xmlns:r="http://schemas.openxmlformats.org/officeDocument/2006/relationships" type="rect" r:blip="">
-              <dgm:adjLst/>
-            </dgm:shape>
-            <dgm:presOf axis="des" ptType="node"/>
-            <dgm:constrLst>
-              <dgm:constr type="lMarg" refType="primFontSz" fact="0.05"/>
-              <dgm:constr type="rMarg" refType="primFontSz" fact="0.05"/>
-              <dgm:constr type="tMarg" refType="primFontSz" fact="0.05"/>
-              <dgm:constr type="bMarg" refType="primFontSz" fact="0.05"/>
-            </dgm:constrLst>
-            <dgm:ruleLst>
-              <dgm:rule type="primFontSz" val="5" fact="NaN" max="NaN"/>
-            </dgm:ruleLst>
-          </dgm:layoutNode>
-        </dgm:if>
-        <dgm:else name="Name79"/>
-      </dgm:choose>
-      <dgm:layoutNode name="Parent1" styleLbl="revTx">
-        <dgm:varLst>
-          <dgm:chMax val="1"/>
-          <dgm:chPref val="1"/>
-          <dgm:bulletEnabled val="1"/>
-        </dgm:varLst>
-        <dgm:alg type="tx">
-          <dgm:param type="shpTxLTRAlignCh" val="ctr"/>
-          <dgm:param type="txAnchorVertCh" val="mid"/>
-        </dgm:alg>
-        <dgm:shape xmlns:r="http://schemas.openxmlformats.org/officeDocument/2006/relationships" type="rect" r:blip="">
-          <dgm:adjLst/>
-        </dgm:shape>
-        <dgm:presOf axis="self" ptType="node"/>
-        <dgm:constrLst>
-          <dgm:constr type="lMarg" refType="primFontSz" fact="0.05"/>
-          <dgm:constr type="rMarg" refType="primFontSz" fact="0.05"/>
-          <dgm:constr type="tMarg" refType="primFontSz" fact="0.05"/>
-          <dgm:constr type="bMarg" refType="primFontSz" fact="0.05"/>
-        </dgm:constrLst>
-        <dgm:ruleLst>
-          <dgm:rule type="primFontSz" val="5" fact="NaN" max="NaN"/>
-        </dgm:ruleLst>
-      </dgm:layoutNode>
-    </dgm:forEach>
-    <dgm:forEach name="Name80" axis="ch" ptType="node" st="2" cnt="1">
-      <dgm:layoutNode name="Accent2">
-        <dgm:alg type="sp"/>
-        <dgm:shape xmlns:r="http://schemas.openxmlformats.org/officeDocument/2006/relationships" r:blip="">
-          <dgm:adjLst/>
-        </dgm:shape>
-        <dgm:presOf/>
-        <dgm:constrLst/>
-        <dgm:forEach name="Name81" ref="accentRepeat"/>
-      </dgm:layoutNode>
-      <dgm:choose name="Name82">
-        <dgm:if name="Name83" axis="ch" ptType="node" func="cnt" op="gte" val="1">
-          <dgm:layoutNode name="Child2" styleLbl="revTx">
-            <dgm:varLst>
-              <dgm:chMax val="0"/>
-              <dgm:chPref val="0"/>
-              <dgm:bulletEnabled val="1"/>
-            </dgm:varLst>
-            <dgm:alg type="tx">
-              <dgm:param type="stBulletLvl" val="1"/>
-              <dgm:param type="parTxLTRAlign" val="l"/>
-              <dgm:param type="txAnchorVertCh" val="mid"/>
-            </dgm:alg>
-            <dgm:shape xmlns:r="http://schemas.openxmlformats.org/officeDocument/2006/relationships" type="rect" r:blip="">
-              <dgm:adjLst/>
-            </dgm:shape>
-            <dgm:presOf axis="des" ptType="node"/>
-            <dgm:constrLst>
-              <dgm:constr type="lMarg" refType="primFontSz" fact="0.05"/>
-              <dgm:constr type="rMarg" refType="primFontSz" fact="0.05"/>
-              <dgm:constr type="tMarg" refType="primFontSz" fact="0.05"/>
-              <dgm:constr type="bMarg" refType="primFontSz" fact="0.05"/>
-            </dgm:constrLst>
-            <dgm:ruleLst>
-              <dgm:rule type="primFontSz" val="5" fact="NaN" max="NaN"/>
-            </dgm:ruleLst>
-          </dgm:layoutNode>
-        </dgm:if>
-        <dgm:else name="Name84"/>
-      </dgm:choose>
-      <dgm:layoutNode name="Parent2" styleLbl="revTx">
-        <dgm:varLst>
-          <dgm:chMax val="1"/>
-          <dgm:chPref val="1"/>
-          <dgm:bulletEnabled val="1"/>
-        </dgm:varLst>
-        <dgm:alg type="tx">
-          <dgm:param type="shpTxLTRAlignCh" val="ctr"/>
-          <dgm:param type="txAnchorVertCh" val="mid"/>
-        </dgm:alg>
-        <dgm:shape xmlns:r="http://schemas.openxmlformats.org/officeDocument/2006/relationships" type="rect" r:blip="">
-          <dgm:adjLst/>
-        </dgm:shape>
-        <dgm:presOf axis="self" ptType="node"/>
-        <dgm:constrLst>
-          <dgm:constr type="lMarg" refType="primFontSz" fact="0.05"/>
-          <dgm:constr type="rMarg" refType="primFontSz" fact="0.05"/>
-          <dgm:constr type="tMarg" refType="primFontSz" fact="0.05"/>
-          <dgm:constr type="bMarg" refType="primFontSz" fact="0.05"/>
-        </dgm:constrLst>
-        <dgm:ruleLst>
-          <dgm:rule type="primFontSz" val="5" fact="NaN" max="NaN"/>
-        </dgm:ruleLst>
-      </dgm:layoutNode>
-    </dgm:forEach>
-    <dgm:forEach name="Name85" axis="ch" ptType="node" st="3" cnt="1">
-      <dgm:layoutNode name="Accent3">
-        <dgm:alg type="sp"/>
-        <dgm:shape xmlns:r="http://schemas.openxmlformats.org/officeDocument/2006/relationships" r:blip="">
-          <dgm:adjLst/>
-        </dgm:shape>
-        <dgm:presOf/>
-        <dgm:constrLst/>
-        <dgm:forEach name="Name86" ref="accentRepeat"/>
-      </dgm:layoutNode>
-      <dgm:choose name="Name87">
-        <dgm:if name="Name88" axis="ch" ptType="node" func="cnt" op="gte" val="1">
-          <dgm:layoutNode name="Child3" styleLbl="revTx">
-            <dgm:varLst>
-              <dgm:chMax val="0"/>
-              <dgm:chPref val="0"/>
-              <dgm:bulletEnabled val="1"/>
-            </dgm:varLst>
-            <dgm:alg type="tx">
-              <dgm:param type="stBulletLvl" val="1"/>
-              <dgm:param type="parTxLTRAlign" val="l"/>
-              <dgm:param type="txAnchorVertCh" val="mid"/>
-            </dgm:alg>
-            <dgm:shape xmlns:r="http://schemas.openxmlformats.org/officeDocument/2006/relationships" type="rect" r:blip="">
-              <dgm:adjLst/>
-            </dgm:shape>
-            <dgm:presOf axis="des" ptType="node"/>
-            <dgm:constrLst>
-              <dgm:constr type="lMarg" refType="primFontSz" fact="0.05"/>
-              <dgm:constr type="rMarg" refType="primFontSz" fact="0.05"/>
-              <dgm:constr type="tMarg" refType="primFontSz" fact="0.05"/>
-              <dgm:constr type="bMarg" refType="primFontSz" fact="0.05"/>
-            </dgm:constrLst>
-            <dgm:ruleLst>
-              <dgm:rule type="primFontSz" val="5" fact="NaN" max="NaN"/>
-            </dgm:ruleLst>
-          </dgm:layoutNode>
-        </dgm:if>
-        <dgm:else name="Name89"/>
-      </dgm:choose>
-      <dgm:layoutNode name="Parent3" styleLbl="revTx">
-        <dgm:varLst>
-          <dgm:chMax val="1"/>
-          <dgm:chPref val="1"/>
-          <dgm:bulletEnabled val="1"/>
-        </dgm:varLst>
-        <dgm:alg type="tx">
-          <dgm:param type="shpTxLTRAlignCh" val="ctr"/>
-          <dgm:param type="txAnchorVertCh" val="mid"/>
-        </dgm:alg>
-        <dgm:shape xmlns:r="http://schemas.openxmlformats.org/officeDocument/2006/relationships" type="rect" r:blip="">
-          <dgm:adjLst/>
-        </dgm:shape>
-        <dgm:presOf axis="self" ptType="node"/>
-        <dgm:constrLst>
-          <dgm:constr type="lMarg" refType="primFontSz" fact="0.05"/>
-          <dgm:constr type="rMarg" refType="primFontSz" fact="0.05"/>
-          <dgm:constr type="tMarg" refType="primFontSz" fact="0.05"/>
-          <dgm:constr type="bMarg" refType="primFontSz" fact="0.05"/>
-        </dgm:constrLst>
-        <dgm:ruleLst>
-          <dgm:rule type="primFontSz" val="5" fact="NaN" max="NaN"/>
-        </dgm:ruleLst>
-      </dgm:layoutNode>
-    </dgm:forEach>
-    <dgm:forEach name="Name90" axis="ch" ptType="node" st="4" cnt="1">
-      <dgm:layoutNode name="Accent4">
-        <dgm:alg type="sp"/>
-        <dgm:shape xmlns:r="http://schemas.openxmlformats.org/officeDocument/2006/relationships" r:blip="">
-          <dgm:adjLst/>
-        </dgm:shape>
-        <dgm:presOf/>
-        <dgm:constrLst/>
-        <dgm:forEach name="Name91" ref="accentRepeat"/>
-      </dgm:layoutNode>
-      <dgm:choose name="Name92">
-        <dgm:if name="Name93" axis="ch" ptType="node" func="cnt" op="gte" val="1">
-          <dgm:layoutNode name="Child4" styleLbl="revTx">
-            <dgm:varLst>
-              <dgm:chMax val="0"/>
-              <dgm:chPref val="0"/>
-              <dgm:bulletEnabled val="1"/>
-            </dgm:varLst>
-            <dgm:alg type="tx">
-              <dgm:param type="stBulletLvl" val="1"/>
-              <dgm:param type="parTxLTRAlign" val="l"/>
-              <dgm:param type="txAnchorVertCh" val="mid"/>
-            </dgm:alg>
-            <dgm:shape xmlns:r="http://schemas.openxmlformats.org/officeDocument/2006/relationships" type="rect" r:blip="">
-              <dgm:adjLst/>
-            </dgm:shape>
-            <dgm:presOf axis="des" ptType="node"/>
-            <dgm:constrLst>
-              <dgm:constr type="lMarg" refType="primFontSz" fact="0.05"/>
-              <dgm:constr type="rMarg" refType="primFontSz" fact="0.05"/>
-              <dgm:constr type="tMarg" refType="primFontSz" fact="0.05"/>
-              <dgm:constr type="bMarg" refType="primFontSz" fact="0.05"/>
-            </dgm:constrLst>
-            <dgm:ruleLst>
-              <dgm:rule type="primFontSz" val="5" fact="NaN" max="NaN"/>
-            </dgm:ruleLst>
-          </dgm:layoutNode>
-        </dgm:if>
-        <dgm:else name="Name94"/>
-      </dgm:choose>
-      <dgm:layoutNode name="Parent4" styleLbl="revTx">
-        <dgm:varLst>
-          <dgm:chMax val="1"/>
-          <dgm:chPref val="1"/>
-          <dgm:bulletEnabled val="1"/>
-        </dgm:varLst>
-        <dgm:alg type="tx">
-          <dgm:param type="shpTxLTRAlignCh" val="ctr"/>
-          <dgm:param type="txAnchorVertCh" val="mid"/>
-        </dgm:alg>
-        <dgm:shape xmlns:r="http://schemas.openxmlformats.org/officeDocument/2006/relationships" type="rect" r:blip="">
-          <dgm:adjLst/>
-        </dgm:shape>
-        <dgm:presOf axis="self" ptType="node"/>
-        <dgm:constrLst>
-          <dgm:constr type="lMarg" refType="primFontSz" fact="0.05"/>
-          <dgm:constr type="rMarg" refType="primFontSz" fact="0.05"/>
-          <dgm:constr type="tMarg" refType="primFontSz" fact="0.05"/>
-          <dgm:constr type="bMarg" refType="primFontSz" fact="0.05"/>
-        </dgm:constrLst>
-        <dgm:ruleLst>
-          <dgm:rule type="primFontSz" val="5" fact="NaN" max="NaN"/>
-        </dgm:ruleLst>
-      </dgm:layoutNode>
-    </dgm:forEach>
-    <dgm:forEach name="Name95" axis="ch" ptType="node" st="5" cnt="1">
-      <dgm:layoutNode name="Accent5">
-        <dgm:alg type="sp"/>
-        <dgm:shape xmlns:r="http://schemas.openxmlformats.org/officeDocument/2006/relationships" r:blip="">
-          <dgm:adjLst/>
-        </dgm:shape>
-        <dgm:presOf/>
-        <dgm:constrLst/>
-        <dgm:forEach name="Name96" ref="accentRepeat"/>
-      </dgm:layoutNode>
-      <dgm:choose name="Name97">
-        <dgm:if name="Name98" axis="ch" ptType="node" func="cnt" op="gte" val="1">
-          <dgm:layoutNode name="Child5" styleLbl="revTx">
-            <dgm:varLst>
-              <dgm:chMax val="0"/>
-              <dgm:chPref val="0"/>
-              <dgm:bulletEnabled val="1"/>
-            </dgm:varLst>
-            <dgm:alg type="tx">
-              <dgm:param type="stBulletLvl" val="1"/>
-              <dgm:param type="parTxLTRAlign" val="l"/>
-              <dgm:param type="txAnchorVertCh" val="mid"/>
-            </dgm:alg>
-            <dgm:shape xmlns:r="http://schemas.openxmlformats.org/officeDocument/2006/relationships" type="rect" r:blip="">
-              <dgm:adjLst/>
-            </dgm:shape>
-            <dgm:presOf axis="des" ptType="node"/>
-            <dgm:constrLst>
-              <dgm:constr type="lMarg" refType="primFontSz" fact="0.05"/>
-              <dgm:constr type="rMarg" refType="primFontSz" fact="0.05"/>
-              <dgm:constr type="tMarg" refType="primFontSz" fact="0.05"/>
-              <dgm:constr type="bMarg" refType="primFontSz" fact="0.05"/>
-            </dgm:constrLst>
-            <dgm:ruleLst>
-              <dgm:rule type="primFontSz" val="5" fact="NaN" max="NaN"/>
-            </dgm:ruleLst>
-          </dgm:layoutNode>
-        </dgm:if>
-        <dgm:else name="Name99"/>
-      </dgm:choose>
-      <dgm:layoutNode name="Parent5" styleLbl="revTx">
-        <dgm:varLst>
-          <dgm:chMax val="1"/>
-          <dgm:chPref val="1"/>
-          <dgm:bulletEnabled val="1"/>
-        </dgm:varLst>
-        <dgm:alg type="tx">
-          <dgm:param type="shpTxLTRAlignCh" val="ctr"/>
-          <dgm:param type="txAnchorVertCh" val="mid"/>
-        </dgm:alg>
-        <dgm:shape xmlns:r="http://schemas.openxmlformats.org/officeDocument/2006/relationships" type="rect" r:blip="">
-          <dgm:adjLst/>
-        </dgm:shape>
-        <dgm:presOf axis="self" ptType="node"/>
-        <dgm:constrLst>
-          <dgm:constr type="lMarg" refType="primFontSz" fact="0.05"/>
-          <dgm:constr type="rMarg" refType="primFontSz" fact="0.05"/>
-          <dgm:constr type="tMarg" refType="primFontSz" fact="0.05"/>
-          <dgm:constr type="bMarg" refType="primFontSz" fact="0.05"/>
-        </dgm:constrLst>
-        <dgm:ruleLst>
-          <dgm:rule type="primFontSz" val="5" fact="NaN" max="NaN"/>
-        </dgm:ruleLst>
-      </dgm:layoutNode>
-    </dgm:forEach>
-    <dgm:forEach name="Name100" axis="ch" ptType="node" st="6" cnt="1">
-      <dgm:layoutNode name="Accent6">
-        <dgm:alg type="sp"/>
-        <dgm:shape xmlns:r="http://schemas.openxmlformats.org/officeDocument/2006/relationships" r:blip="">
-          <dgm:adjLst/>
-        </dgm:shape>
-        <dgm:presOf/>
-        <dgm:constrLst/>
-        <dgm:forEach name="Name101" ref="accentRepeat"/>
-      </dgm:layoutNode>
-      <dgm:choose name="Name102">
-        <dgm:if name="Name103" axis="ch" ptType="node" func="cnt" op="gte" val="1">
-          <dgm:layoutNode name="Child6" styleLbl="revTx">
-            <dgm:varLst>
-              <dgm:chMax val="0"/>
-              <dgm:chPref val="0"/>
-              <dgm:bulletEnabled val="1"/>
-            </dgm:varLst>
-            <dgm:alg type="tx">
-              <dgm:param type="stBulletLvl" val="1"/>
-              <dgm:param type="parTxLTRAlign" val="l"/>
-              <dgm:param type="txAnchorVertCh" val="mid"/>
-            </dgm:alg>
-            <dgm:shape xmlns:r="http://schemas.openxmlformats.org/officeDocument/2006/relationships" type="rect" r:blip="">
-              <dgm:adjLst/>
-            </dgm:shape>
-            <dgm:presOf axis="des" ptType="node"/>
-            <dgm:constrLst>
-              <dgm:constr type="lMarg" refType="primFontSz" fact="0.05"/>
-              <dgm:constr type="rMarg" refType="primFontSz" fact="0.05"/>
-              <dgm:constr type="tMarg" refType="primFontSz" fact="0.05"/>
-              <dgm:constr type="bMarg" refType="primFontSz" fact="0.05"/>
-            </dgm:constrLst>
-            <dgm:ruleLst>
-              <dgm:rule type="primFontSz" val="5" fact="NaN" max="NaN"/>
-            </dgm:ruleLst>
-          </dgm:layoutNode>
-        </dgm:if>
-        <dgm:else name="Name104"/>
-      </dgm:choose>
-      <dgm:layoutNode name="Parent6" styleLbl="revTx">
-        <dgm:varLst>
-          <dgm:chMax val="1"/>
-          <dgm:chPref val="1"/>
-          <dgm:bulletEnabled val="1"/>
-        </dgm:varLst>
-        <dgm:alg type="tx">
-          <dgm:param type="shpTxLTRAlignCh" val="ctr"/>
-          <dgm:param type="txAnchorVertCh" val="mid"/>
-        </dgm:alg>
-        <dgm:shape xmlns:r="http://schemas.openxmlformats.org/officeDocument/2006/relationships" type="rect" r:blip="">
-          <dgm:adjLst/>
-        </dgm:shape>
-        <dgm:presOf axis="self" ptType="node"/>
-        <dgm:constrLst>
-          <dgm:constr type="lMarg" refType="primFontSz" fact="0.05"/>
-          <dgm:constr type="rMarg" refType="primFontSz" fact="0.05"/>
-          <dgm:constr type="tMarg" refType="primFontSz" fact="0.05"/>
-          <dgm:constr type="bMarg" refType="primFontSz" fact="0.05"/>
-        </dgm:constrLst>
-        <dgm:ruleLst>
-          <dgm:rule type="primFontSz" val="5" fact="NaN" max="NaN"/>
-        </dgm:ruleLst>
-      </dgm:layoutNode>
-    </dgm:forEach>
-    <dgm:forEach name="Name105" axis="ch" ptType="node" st="7" cnt="1">
-      <dgm:layoutNode name="Accent7">
-        <dgm:alg type="sp"/>
-        <dgm:shape xmlns:r="http://schemas.openxmlformats.org/officeDocument/2006/relationships" r:blip="">
-          <dgm:adjLst/>
-        </dgm:shape>
-        <dgm:presOf/>
-        <dgm:constrLst/>
-        <dgm:forEach name="Name106" ref="accentRepeat"/>
-      </dgm:layoutNode>
-      <dgm:choose name="Name107">
-        <dgm:if name="Name108" axis="ch" ptType="node" func="cnt" op="gte" val="1">
-          <dgm:layoutNode name="Child7" styleLbl="revTx">
-            <dgm:varLst>
-              <dgm:chMax val="0"/>
-              <dgm:chPref val="0"/>
-              <dgm:bulletEnabled val="1"/>
-            </dgm:varLst>
-            <dgm:alg type="tx">
-              <dgm:param type="stBulletLvl" val="1"/>
-              <dgm:param type="parTxLTRAlign" val="l"/>
-              <dgm:param type="txAnchorVertCh" val="mid"/>
-            </dgm:alg>
-            <dgm:shape xmlns:r="http://schemas.openxmlformats.org/officeDocument/2006/relationships" type="rect" r:blip="">
-              <dgm:adjLst/>
-            </dgm:shape>
-            <dgm:presOf axis="des" ptType="node"/>
-            <dgm:constrLst>
-              <dgm:constr type="lMarg" refType="primFontSz" fact="0.05"/>
-              <dgm:constr type="rMarg" refType="primFontSz" fact="0.05"/>
-              <dgm:constr type="tMarg" refType="primFontSz" fact="0.05"/>
-              <dgm:constr type="bMarg" refType="primFontSz" fact="0.05"/>
-            </dgm:constrLst>
-            <dgm:ruleLst>
-              <dgm:rule type="primFontSz" val="5" fact="NaN" max="NaN"/>
-            </dgm:ruleLst>
-          </dgm:layoutNode>
-        </dgm:if>
-        <dgm:else name="Name109"/>
-      </dgm:choose>
-      <dgm:layoutNode name="Parent7" styleLbl="revTx">
-        <dgm:varLst>
-          <dgm:chMax val="1"/>
-          <dgm:chPref val="1"/>
-          <dgm:bulletEnabled val="1"/>
-        </dgm:varLst>
-        <dgm:alg type="tx">
-          <dgm:param type="shpTxLTRAlignCh" val="ctr"/>
-          <dgm:param type="txAnchorVertCh" val="mid"/>
-        </dgm:alg>
-        <dgm:shape xmlns:r="http://schemas.openxmlformats.org/officeDocument/2006/relationships" type="rect" r:blip="">
-          <dgm:adjLst/>
-        </dgm:shape>
-        <dgm:presOf axis="self" ptType="node"/>
-        <dgm:constrLst>
-          <dgm:constr type="lMarg" refType="primFontSz" fact="0.05"/>
-          <dgm:constr type="rMarg" refType="primFontSz" fact="0.05"/>
-          <dgm:constr type="tMarg" refType="primFontSz" fact="0.05"/>
-          <dgm:constr type="bMarg" refType="primFontSz" fact="0.05"/>
-        </dgm:constrLst>
-        <dgm:ruleLst>
-          <dgm:rule type="primFontSz" val="5" fact="NaN" max="NaN"/>
-        </dgm:ruleLst>
-      </dgm:layoutNode>
-    </dgm:forEach>
-  </dgm:layoutNode>
-</dgm:layoutDef>
-</file>
-
 <file path=ppt/diagrams/quickStyle1.xml><?xml version="1.0" encoding="utf-8"?>
-<dgm:styleDef xmlns:dgm="http://schemas.openxmlformats.org/drawingml/2006/diagram" xmlns:a="http://schemas.openxmlformats.org/drawingml/2006/main" uniqueId="urn:microsoft.com/office/officeart/2005/8/quickstyle/simple1">
-  <dgm:title val=""/>
-  <dgm:desc val=""/>
-  <dgm:catLst>
-    <dgm:cat type="simple" pri="10100"/>
-  </dgm:catLst>
-  <dgm:scene3d>
-    <a:camera prst="orthographicFront"/>
-    <a:lightRig rig="threePt" dir="t"/>
-  </dgm:scene3d>
-  <dgm:styleLbl name="node0">
-    <dgm:scene3d>
-      <a:camera prst="orthographicFront"/>
-      <a:lightRig rig="threePt" dir="t"/>
-    </dgm:scene3d>
-    <dgm:sp3d/>
-    <dgm:txPr/>
-    <dgm:style>
-      <a:lnRef idx="2">
-        <a:scrgbClr r="0" g="0" b="0"/>
-      </a:lnRef>
-      <a:fillRef idx="1">
-        <a:scrgbClr r="0" g="0" b="0"/>
-      </a:fillRef>
-      <a:effectRef idx="0">
-        <a:scrgbClr r="0" g="0" b="0"/>
-      </a:effectRef>
-      <a:fontRef idx="minor">
-        <a:schemeClr val="lt1"/>
-      </a:fontRef>
-    </dgm:style>
-  </dgm:styleLbl>
-  <dgm:styleLbl name="lnNode1">
-    <dgm:scene3d>
-      <a:camera prst="orthographicFront"/>
-      <a:lightRig rig="threePt" dir="t"/>
-    </dgm:scene3d>
-    <dgm:sp3d/>
-    <dgm:txPr/>
-    <dgm:style>
-      <a:lnRef idx="2">
-        <a:scrgbClr r="0" g="0" b="0"/>
-      </a:lnRef>
-      <a:fillRef idx="1">
-        <a:scrgbClr r="0" g="0" b="0"/>
-      </a:fillRef>
-      <a:effectRef idx="0">
-        <a:scrgbClr r="0" g="0" b="0"/>
-      </a:effectRef>
-      <a:fontRef idx="minor">
-        <a:schemeClr val="lt1"/>
-      </a:fontRef>
-    </dgm:style>
-  </dgm:styleLbl>
-  <dgm:styleLbl name="vennNode1">
-    <dgm:scene3d>
-      <a:camera prst="orthographicFront"/>
-      <a:lightRig rig="threePt" dir="t"/>
-    </dgm:scene3d>
-    <dgm:sp3d/>
-    <dgm:txPr/>
-    <dgm:style>
-      <a:lnRef idx="2">
-        <a:scrgbClr r="0" g="0" b="0"/>
-      </a:lnRef>
-      <a:fillRef idx="1">
-        <a:scrgbClr r="0" g="0" b="0"/>
-      </a:fillRef>
-      <a:effectRef idx="0">
-        <a:scrgbClr r="0" g="0" b="0"/>
-      </a:effectRef>
-      <a:fontRef idx="minor">
-        <a:schemeClr val="tx1"/>
-      </a:fontRef>
-    </dgm:style>
-  </dgm:styleLbl>
-  <dgm:styleLbl name="alignNode1">
-    <dgm:scene3d>
-      <a:camera prst="orthographicFront"/>
-      <a:lightRig rig="threePt" dir="t"/>
-    </dgm:scene3d>
-    <dgm:sp3d/>
-    <dgm:txPr/>
-    <dgm:style>
-      <a:lnRef idx="2">
-        <a:scrgbClr r="0" g="0" b="0"/>
-      </a:lnRef>
-      <a:fillRef idx="1">
-        <a:scrgbClr r="0" g="0" b="0"/>
-      </a:fillRef>
-      <a:effectRef idx="0">
-        <a:scrgbClr r="0" g="0" b="0"/>
-      </a:effectRef>
-      <a:fontRef idx="minor">
-        <a:schemeClr val="lt1"/>
-      </a:fontRef>
-    </dgm:style>
-  </dgm:styleLbl>
-  <dgm:styleLbl name="node1">
-    <dgm:scene3d>
-      <a:camera prst="orthographicFront"/>
-      <a:lightRig rig="threePt" dir="t"/>
-    </dgm:scene3d>
-    <dgm:sp3d/>
-    <dgm:txPr/>
-    <dgm:style>
-      <a:lnRef idx="2">
-        <a:scrgbClr r="0" g="0" b="0"/>
-      </a:lnRef>
-      <a:fillRef idx="1">
-        <a:scrgbClr r="0" g="0" b="0"/>
-      </a:fillRef>
-      <a:effectRef idx="0">
-        <a:scrgbClr r="0" g="0" b="0"/>
-      </a:effectRef>
-      <a:fontRef idx="minor">
-        <a:schemeClr val="lt1"/>
-      </a:fontRef>
-    </dgm:style>
-  </dgm:styleLbl>
-  <dgm:styleLbl name="node2">
-    <dgm:scene3d>
-      <a:camera prst="orthographicFront"/>
-      <a:lightRig rig="threePt" dir="t"/>
-    </dgm:scene3d>
-    <dgm:sp3d/>
-    <dgm:txPr/>
-    <dgm:style>
-      <a:lnRef idx="2">
-        <a:scrgbClr r="0" g="0" b="0"/>
-      </a:lnRef>
-      <a:fillRef idx="1">
-        <a:scrgbClr r="0" g="0" b="0"/>
-      </a:fillRef>
-      <a:effectRef idx="0">
-        <a:scrgbClr r="0" g="0" b="0"/>
-      </a:effectRef>
-      <a:fontRef idx="minor">
-        <a:schemeClr val="lt1"/>
-      </a:fontRef>
-    </dgm:style>
-  </dgm:styleLbl>
-  <dgm:styleLbl name="node3">
-    <dgm:scene3d>
-      <a:camera prst="orthographicFront"/>
-      <a:lightRig rig="threePt" dir="t"/>
-    </dgm:scene3d>
-    <dgm:sp3d/>
-    <dgm:txPr/>
-    <dgm:style>
-      <a:lnRef idx="2">
-        <a:scrgbClr r="0" g="0" b="0"/>
-      </a:lnRef>
-      <a:fillRef idx="1">
-        <a:scrgbClr r="0" g="0" b="0"/>
-      </a:fillRef>
-      <a:effectRef idx="0">
-        <a:scrgbClr r="0" g="0" b="0"/>
-      </a:effectRef>
-      <a:fontRef idx="minor">
-        <a:schemeClr val="lt1"/>
-      </a:fontRef>
-    </dgm:style>
-  </dgm:styleLbl>
-  <dgm:styleLbl name="node4">
-    <dgm:scene3d>
-      <a:camera prst="orthographicFront"/>
-      <a:lightRig rig="threePt" dir="t"/>
-    </dgm:scene3d>
-    <dgm:sp3d/>
-    <dgm:txPr/>
-    <dgm:style>
-      <a:lnRef idx="2">
-        <a:scrgbClr r="0" g="0" b="0"/>
-      </a:lnRef>
-      <a:fillRef idx="1">
-        <a:scrgbClr r="0" g="0" b="0"/>
-      </a:fillRef>
-      <a:effectRef idx="0">
-        <a:scrgbClr r="0" g="0" b="0"/>
-      </a:effectRef>
-      <a:fontRef idx="minor">
-        <a:schemeClr val="lt1"/>
-      </a:fontRef>
-    </dgm:style>
-  </dgm:styleLbl>
-  <dgm:styleLbl name="fgImgPlace1">
-    <dgm:scene3d>
-      <a:camera prst="orthographicFront"/>
-      <a:lightRig rig="threePt" dir="t"/>
-    </dgm:scene3d>
-    <dgm:sp3d/>
-    <dgm:txPr/>
-    <dgm:style>
-      <a:lnRef idx="2">
-        <a:scrgbClr r="0" g="0" b="0"/>
-      </a:lnRef>
-      <a:fillRef idx="1">
-        <a:scrgbClr r="0" g="0" b="0"/>
-      </a:fillRef>
-      <a:effectRef idx="0">
-        <a:scrgbClr r="0" g="0" b="0"/>
-      </a:effectRef>
-      <a:fontRef idx="minor"/>
-    </dgm:style>
-  </dgm:styleLbl>
-  <dgm:styleLbl name="alignImgPlace1">
-    <dgm:scene3d>
-      <a:camera prst="orthographicFront"/>
-      <a:lightRig rig="threePt" dir="t"/>
-    </dgm:scene3d>
-    <dgm:sp3d/>
-    <dgm:txPr/>
-    <dgm:style>
-      <a:lnRef idx="2">
-        <a:scrgbClr r="0" g="0" b="0"/>
-      </a:lnRef>
-      <a:fillRef idx="1">
-        <a:scrgbClr r="0" g="0" b="0"/>
-      </a:fillRef>
-      <a:effectRef idx="0">
-        <a:scrgbClr r="0" g="0" b="0"/>
-      </a:effectRef>
-      <a:fontRef idx="minor"/>
-    </dgm:style>
-  </dgm:styleLbl>
-  <dgm:styleLbl name="bgImgPlace1">
-    <dgm:scene3d>
-      <a:camera prst="orthographicFront"/>
-      <a:lightRig rig="threePt" dir="t"/>
-    </dgm:scene3d>
-    <dgm:sp3d/>
-    <dgm:txPr/>
-    <dgm:style>
-      <a:lnRef idx="2">
-        <a:scrgbClr r="0" g="0" b="0"/>
-      </a:lnRef>
-      <a:fillRef idx="1">
-        <a:scrgbClr r="0" g="0" b="0"/>
-      </a:fillRef>
-      <a:effectRef idx="0">
-        <a:scrgbClr r="0" g="0" b="0"/>
-      </a:effectRef>
-      <a:fontRef idx="minor"/>
-    </dgm:style>
-  </dgm:styleLbl>
-  <dgm:styleLbl name="sibTrans2D1">
-    <dgm:scene3d>
-      <a:camera prst="orthographicFront"/>
-      <a:lightRig rig="threePt" dir="t"/>
-    </dgm:scene3d>
-    <dgm:sp3d/>
-    <dgm:txPr/>
-    <dgm:style>
-      <a:lnRef idx="0">
-        <a:scrgbClr r="0" g="0" b="0"/>
-      </a:lnRef>
-      <a:fillRef idx="1">
-        <a:scrgbClr r="0" g="0" b="0"/>
-      </a:fillRef>
-      <a:effectRef idx="0">
-        <a:scrgbClr r="0" g="0" b="0"/>
-      </a:effectRef>
-      <a:fontRef idx="minor">
-        <a:schemeClr val="lt1"/>
-      </a:fontRef>
-    </dgm:style>
-  </dgm:styleLbl>
-  <dgm:styleLbl name="fgSibTrans2D1">
-    <dgm:scene3d>
-      <a:camera prst="orthographicFront"/>
-      <a:lightRig rig="threePt" dir="t"/>
-    </dgm:scene3d>
-    <dgm:sp3d/>
-    <dgm:txPr/>
-    <dgm:style>
-      <a:lnRef idx="0">
-        <a:scrgbClr r="0" g="0" b="0"/>
-      </a:lnRef>
-      <a:fillRef idx="1">
-        <a:scrgbClr r="0" g="0" b="0"/>
-      </a:fillRef>
-      <a:effectRef idx="0">
-        <a:scrgbClr r="0" g="0" b="0"/>
-      </a:effectRef>
-      <a:fontRef idx="minor">
-        <a:schemeClr val="lt1"/>
-      </a:fontRef>
-    </dgm:style>
-  </dgm:styleLbl>
-  <dgm:styleLbl name="bgSibTrans2D1">
-    <dgm:scene3d>
-      <a:camera prst="orthographicFront"/>
-      <a:lightRig rig="threePt" dir="t"/>
-    </dgm:scene3d>
-    <dgm:sp3d/>
-    <dgm:txPr/>
-    <dgm:style>
-      <a:lnRef idx="0">
-        <a:scrgbClr r="0" g="0" b="0"/>
-      </a:lnRef>
-      <a:fillRef idx="1">
-        <a:scrgbClr r="0" g="0" b="0"/>
-      </a:fillRef>
-      <a:effectRef idx="0">
-        <a:scrgbClr r="0" g="0" b="0"/>
-      </a:effectRef>
-      <a:fontRef idx="minor">
-        <a:schemeClr val="lt1"/>
-      </a:fontRef>
-    </dgm:style>
-  </dgm:styleLbl>
-  <dgm:styleLbl name="sibTrans1D1">
-    <dgm:scene3d>
-      <a:camera prst="orthographicFront"/>
-      <a:lightRig rig="threePt" dir="t"/>
-    </dgm:scene3d>
-    <dgm:sp3d/>
-    <dgm:txPr/>
-    <dgm:style>
-      <a:lnRef idx="1">
-        <a:scrgbClr r="0" g="0" b="0"/>
-      </a:lnRef>
-      <a:fillRef idx="0">
-        <a:scrgbClr r="0" g="0" b="0"/>
-      </a:fillRef>
-      <a:effectRef idx="0">
-        <a:scrgbClr r="0" g="0" b="0"/>
-      </a:effectRef>
-      <a:fontRef idx="minor"/>
-    </dgm:style>
-  </dgm:styleLbl>
-  <dgm:styleLbl name="callout">
-    <dgm:scene3d>
-      <a:camera prst="orthographicFront"/>
-      <a:lightRig rig="threePt" dir="t"/>
-    </dgm:scene3d>
-    <dgm:sp3d/>
-    <dgm:txPr/>
-    <dgm:style>
-      <a:lnRef idx="2">
-        <a:scrgbClr r="0" g="0" b="0"/>
-      </a:lnRef>
-      <a:fillRef idx="1">
-        <a:scrgbClr r="0" g="0" b="0"/>
-      </a:fillRef>
-      <a:effectRef idx="0">
-        <a:scrgbClr r="0" g="0" b="0"/>
-      </a:effectRef>
-      <a:fontRef idx="minor"/>
-    </dgm:style>
-  </dgm:styleLbl>
-  <dgm:styleLbl name="asst0">
-    <dgm:scene3d>
-      <a:camera prst="orthographicFront"/>
-      <a:lightRig rig="threePt" dir="t"/>
-    </dgm:scene3d>
-    <dgm:sp3d/>
-    <dgm:txPr/>
-    <dgm:style>
-      <a:lnRef idx="2">
-        <a:scrgbClr r="0" g="0" b="0"/>
-      </a:lnRef>
-      <a:fillRef idx="1">
-        <a:scrgbClr r="0" g="0" b="0"/>
-      </a:fillRef>
-      <a:effectRef idx="0">
-        <a:scrgbClr r="0" g="0" b="0"/>
-      </a:effectRef>
-      <a:fontRef idx="minor">
-        <a:schemeClr val="lt1"/>
-      </a:fontRef>
-    </dgm:style>
-  </dgm:styleLbl>
-  <dgm:styleLbl name="asst1">
-    <dgm:scene3d>
-      <a:camera prst="orthographicFront"/>
-      <a:lightRig rig="threePt" dir="t"/>
-    </dgm:scene3d>
-    <dgm:sp3d/>
-    <dgm:txPr/>
-    <dgm:style>
-      <a:lnRef idx="2">
-        <a:scrgbClr r="0" g="0" b="0"/>
-      </a:lnRef>
-      <a:fillRef idx="1">
-        <a:scrgbClr r="0" g="0" b="0"/>
-      </a:fillRef>
-      <a:effectRef idx="0">
-        <a:scrgbClr r="0" g="0" b="0"/>
-      </a:effectRef>
-      <a:fontRef idx="minor">
-        <a:schemeClr val="lt1"/>
-      </a:fontRef>
-    </dgm:style>
-  </dgm:styleLbl>
-  <dgm:styleLbl name="asst2">
-    <dgm:scene3d>
-      <a:camera prst="orthographicFront"/>
-      <a:lightRig rig="threePt" dir="t"/>
-    </dgm:scene3d>
-    <dgm:sp3d/>
-    <dgm:txPr/>
-    <dgm:style>
-      <a:lnRef idx="2">
-        <a:scrgbClr r="0" g="0" b="0"/>
-      </a:lnRef>
-      <a:fillRef idx="1">
-        <a:scrgbClr r="0" g="0" b="0"/>
-      </a:fillRef>
-      <a:effectRef idx="0">
-        <a:scrgbClr r="0" g="0" b="0"/>
-      </a:effectRef>
-      <a:fontRef idx="minor">
-        <a:schemeClr val="lt1"/>
-      </a:fontRef>
-    </dgm:style>
-  </dgm:styleLbl>
-  <dgm:styleLbl name="asst3">
-    <dgm:scene3d>
-      <a:camera prst="orthographicFront"/>
-      <a:lightRig rig="threePt" dir="t"/>
-    </dgm:scene3d>
-    <dgm:sp3d/>
-    <dgm:txPr/>
-    <dgm:style>
-      <a:lnRef idx="2">
-        <a:scrgbClr r="0" g="0" b="0"/>
-      </a:lnRef>
-      <a:fillRef idx="1">
-        <a:scrgbClr r="0" g="0" b="0"/>
-      </a:fillRef>
-      <a:effectRef idx="0">
-        <a:scrgbClr r="0" g="0" b="0"/>
-      </a:effectRef>
-      <a:fontRef idx="minor">
-        <a:schemeClr val="lt1"/>
-      </a:fontRef>
-    </dgm:style>
-  </dgm:styleLbl>
-  <dgm:styleLbl name="asst4">
-    <dgm:scene3d>
-      <a:camera prst="orthographicFront"/>
-      <a:lightRig rig="threePt" dir="t"/>
-    </dgm:scene3d>
-    <dgm:sp3d/>
-    <dgm:txPr/>
-    <dgm:style>
-      <a:lnRef idx="2">
-        <a:scrgbClr r="0" g="0" b="0"/>
-      </a:lnRef>
-      <a:fillRef idx="1">
-        <a:scrgbClr r="0" g="0" b="0"/>
-      </a:fillRef>
-      <a:effectRef idx="0">
-        <a:scrgbClr r="0" g="0" b="0"/>
-      </a:effectRef>
-      <a:fontRef idx="minor">
-        <a:schemeClr val="lt1"/>
-      </a:fontRef>
-    </dgm:style>
-  </dgm:styleLbl>
-  <dgm:styleLbl name="parChTrans2D1">
-    <dgm:scene3d>
-      <a:camera prst="orthographicFront"/>
-      <a:lightRig rig="threePt" dir="t"/>
-    </dgm:scene3d>
-    <dgm:sp3d/>
-    <dgm:txPr/>
-    <dgm:style>
-      <a:lnRef idx="2">
-        <a:scrgbClr r="0" g="0" b="0"/>
-      </a:lnRef>
-      <a:fillRef idx="1">
-        <a:scrgbClr r="0" g="0" b="0"/>
-      </a:fillRef>
-      <a:effectRef idx="0">
-        <a:scrgbClr r="0" g="0" b="0"/>
-      </a:effectRef>
-      <a:fontRef idx="minor">
-        <a:schemeClr val="lt1"/>
-      </a:fontRef>
-    </dgm:style>
-  </dgm:styleLbl>
-  <dgm:styleLbl name="parChTrans2D2">
-    <dgm:scene3d>
-      <a:camera prst="orthographicFront"/>
-      <a:lightRig rig="threePt" dir="t"/>
-    </dgm:scene3d>
-    <dgm:sp3d/>
-    <dgm:txPr/>
-    <dgm:style>
-      <a:lnRef idx="2">
-        <a:scrgbClr r="0" g="0" b="0"/>
-      </a:lnRef>
-      <a:fillRef idx="1">
-        <a:scrgbClr r="0" g="0" b="0"/>
-      </a:fillRef>
-      <a:effectRef idx="0">
-        <a:scrgbClr r="0" g="0" b="0"/>
-      </a:effectRef>
-      <a:fontRef idx="minor">
-        <a:schemeClr val="lt1"/>
-      </a:fontRef>
-    </dgm:style>
-  </dgm:styleLbl>
-  <dgm:styleLbl name="parChTrans2D3">
-    <dgm:scene3d>
-      <a:camera prst="orthographicFront"/>
-      <a:lightRig rig="threePt" dir="t"/>
-    </dgm:scene3d>
-    <dgm:sp3d/>
-    <dgm:txPr/>
-    <dgm:style>
-      <a:lnRef idx="2">
-        <a:scrgbClr r="0" g="0" b="0"/>
-      </a:lnRef>
-      <a:fillRef idx="1">
-        <a:scrgbClr r="0" g="0" b="0"/>
-      </a:fillRef>
-      <a:effectRef idx="0">
-        <a:scrgbClr r="0" g="0" b="0"/>
-      </a:effectRef>
-      <a:fontRef idx="minor">
-        <a:schemeClr val="lt1"/>
-      </a:fontRef>
-    </dgm:style>
-  </dgm:styleLbl>
-  <dgm:styleLbl name="parChTrans2D4">
-    <dgm:scene3d>
-      <a:camera prst="orthographicFront"/>
-      <a:lightRig rig="threePt" dir="t"/>
-    </dgm:scene3d>
-    <dgm:sp3d/>
-    <dgm:txPr/>
-    <dgm:style>
-      <a:lnRef idx="2">
-        <a:scrgbClr r="0" g="0" b="0"/>
-      </a:lnRef>
-      <a:fillRef idx="1">
-        <a:scrgbClr r="0" g="0" b="0"/>
-      </a:fillRef>
-      <a:effectRef idx="0">
-        <a:scrgbClr r="0" g="0" b="0"/>
-      </a:effectRef>
-      <a:fontRef idx="minor">
-        <a:schemeClr val="lt1"/>
-      </a:fontRef>
-    </dgm:style>
-  </dgm:styleLbl>
-  <dgm:styleLbl name="parChTrans1D1">
-    <dgm:scene3d>
-      <a:camera prst="orthographicFront"/>
-      <a:lightRig rig="threePt" dir="t"/>
-    </dgm:scene3d>
-    <dgm:sp3d/>
-    <dgm:txPr/>
-    <dgm:style>
-      <a:lnRef idx="2">
-        <a:scrgbClr r="0" g="0" b="0"/>
-      </a:lnRef>
-      <a:fillRef idx="0">
-        <a:scrgbClr r="0" g="0" b="0"/>
-      </a:fillRef>
-      <a:effectRef idx="0">
-        <a:scrgbClr r="0" g="0" b="0"/>
-      </a:effectRef>
-      <a:fontRef idx="minor"/>
-    </dgm:style>
-  </dgm:styleLbl>
-  <dgm:styleLbl name="parChTrans1D2">
-    <dgm:scene3d>
-      <a:camera prst="orthographicFront"/>
-      <a:lightRig rig="threePt" dir="t"/>
-    </dgm:scene3d>
-    <dgm:sp3d/>
-    <dgm:txPr/>
-    <dgm:style>
-      <a:lnRef idx="2">
-        <a:scrgbClr r="0" g="0" b="0"/>
-      </a:lnRef>
-      <a:fillRef idx="0">
-        <a:scrgbClr r="0" g="0" b="0"/>
-      </a:fillRef>
-      <a:effectRef idx="0">
-        <a:scrgbClr r="0" g="0" b="0"/>
-      </a:effectRef>
-      <a:fontRef idx="minor"/>
-    </dgm:style>
-  </dgm:styleLbl>
-  <dgm:styleLbl name="parChTrans1D3">
-    <dgm:scene3d>
-      <a:camera prst="orthographicFront"/>
-      <a:lightRig rig="threePt" dir="t"/>
-    </dgm:scene3d>
-    <dgm:sp3d/>
-    <dgm:txPr/>
-    <dgm:style>
-      <a:lnRef idx="2">
-        <a:scrgbClr r="0" g="0" b="0"/>
-      </a:lnRef>
-      <a:fillRef idx="0">
-        <a:scrgbClr r="0" g="0" b="0"/>
-      </a:fillRef>
-      <a:effectRef idx="0">
-        <a:scrgbClr r="0" g="0" b="0"/>
-      </a:effectRef>
-      <a:fontRef idx="minor"/>
-    </dgm:style>
-  </dgm:styleLbl>
-  <dgm:styleLbl name="parChTrans1D4">
-    <dgm:scene3d>
-      <a:camera prst="orthographicFront"/>
-      <a:lightRig rig="threePt" dir="t"/>
-    </dgm:scene3d>
-    <dgm:sp3d/>
-    <dgm:txPr/>
-    <dgm:style>
-      <a:lnRef idx="2">
-        <a:scrgbClr r="0" g="0" b="0"/>
-      </a:lnRef>
-      <a:fillRef idx="0">
-        <a:scrgbClr r="0" g="0" b="0"/>
-      </a:fillRef>
-      <a:effectRef idx="0">
-        <a:scrgbClr r="0" g="0" b="0"/>
-      </a:effectRef>
-      <a:fontRef idx="minor"/>
-    </dgm:style>
-  </dgm:styleLbl>
-  <dgm:styleLbl name="fgAcc1">
-    <dgm:scene3d>
-      <a:camera prst="orthographicFront"/>
-      <a:lightRig rig="threePt" dir="t"/>
-    </dgm:scene3d>
-    <dgm:sp3d/>
-    <dgm:txPr/>
-    <dgm:style>
-      <a:lnRef idx="2">
-        <a:scrgbClr r="0" g="0" b="0"/>
-      </a:lnRef>
-      <a:fillRef idx="1">
-        <a:scrgbClr r="0" g="0" b="0"/>
-      </a:fillRef>
-      <a:effectRef idx="0">
-        <a:scrgbClr r="0" g="0" b="0"/>
-      </a:effectRef>
-      <a:fontRef idx="minor"/>
-    </dgm:style>
-  </dgm:styleLbl>
-  <dgm:styleLbl name="conFgAcc1">
-    <dgm:scene3d>
-      <a:camera prst="orthographicFront"/>
-      <a:lightRig rig="threePt" dir="t"/>
-    </dgm:scene3d>
-    <dgm:sp3d/>
-    <dgm:txPr/>
-    <dgm:style>
-      <a:lnRef idx="2">
-        <a:scrgbClr r="0" g="0" b="0"/>
-      </a:lnRef>
-      <a:fillRef idx="1">
-        <a:scrgbClr r="0" g="0" b="0"/>
-      </a:fillRef>
-      <a:effectRef idx="0">
-        <a:scrgbClr r="0" g="0" b="0"/>
-      </a:effectRef>
-      <a:fontRef idx="minor"/>
-    </dgm:style>
-  </dgm:styleLbl>
-  <dgm:styleLbl name="alignAcc1">
-    <dgm:scene3d>
-      <a:camera prst="orthographicFront"/>
-      <a:lightRig rig="threePt" dir="t"/>
-    </dgm:scene3d>
-    <dgm:sp3d/>
-    <dgm:txPr/>
-    <dgm:style>
-      <a:lnRef idx="2">
-        <a:scrgbClr r="0" g="0" b="0"/>
-      </a:lnRef>
-      <a:fillRef idx="1">
-        <a:scrgbClr r="0" g="0" b="0"/>
-      </a:fillRef>
-      <a:effectRef idx="0">
-        <a:scrgbClr r="0" g="0" b="0"/>
-      </a:effectRef>
-      <a:fontRef idx="minor"/>
-    </dgm:style>
-  </dgm:styleLbl>
-  <dgm:styleLbl name="trAlignAcc1">
-    <dgm:scene3d>
-      <a:camera prst="orthographicFront"/>
-      <a:lightRig rig="threePt" dir="t"/>
-    </dgm:scene3d>
-    <dgm:sp3d/>
-    <dgm:txPr/>
-    <dgm:style>
-      <a:lnRef idx="1">
-        <a:scrgbClr r="0" g="0" b="0"/>
-      </a:lnRef>
-      <a:fillRef idx="1">
-        <a:scrgbClr r="0" g="0" b="0"/>
-      </a:fillRef>
-      <a:effectRef idx="0">
-        <a:scrgbClr r="0" g="0" b="0"/>
-      </a:effectRef>
-      <a:fontRef idx="minor"/>
-    </dgm:style>
-  </dgm:styleLbl>
-  <dgm:styleLbl name="bgAcc1">
-    <dgm:scene3d>
-      <a:camera prst="orthographicFront"/>
-      <a:lightRig rig="threePt" dir="t"/>
-    </dgm:scene3d>
-    <dgm:sp3d/>
-    <dgm:txPr/>
-    <dgm:style>
-      <a:lnRef idx="2">
-        <a:scrgbClr r="0" g="0" b="0"/>
-      </a:lnRef>
-      <a:fillRef idx="1">
-        <a:scrgbClr r="0" g="0" b="0"/>
-      </a:fillRef>
-      <a:effectRef idx="0">
-        <a:scrgbClr r="0" g="0" b="0"/>
-      </a:effectRef>
-      <a:fontRef idx="minor"/>
-    </dgm:style>
-  </dgm:styleLbl>
-  <dgm:styleLbl name="solidFgAcc1">
-    <dgm:scene3d>
-      <a:camera prst="orthographicFront"/>
-      <a:lightRig rig="threePt" dir="t"/>
-    </dgm:scene3d>
-    <dgm:sp3d/>
-    <dgm:txPr/>
-    <dgm:style>
-      <a:lnRef idx="2">
-        <a:scrgbClr r="0" g="0" b="0"/>
-      </a:lnRef>
-      <a:fillRef idx="1">
-        <a:scrgbClr r="0" g="0" b="0"/>
-      </a:fillRef>
-      <a:effectRef idx="0">
-        <a:scrgbClr r="0" g="0" b="0"/>
-      </a:effectRef>
-      <a:fontRef idx="minor"/>
-    </dgm:style>
-  </dgm:styleLbl>
-  <dgm:styleLbl name="solidAlignAcc1">
-    <dgm:scene3d>
-      <a:camera prst="orthographicFront"/>
-      <a:lightRig rig="threePt" dir="t"/>
-    </dgm:scene3d>
-    <dgm:sp3d/>
-    <dgm:txPr/>
-    <dgm:style>
-      <a:lnRef idx="2">
-        <a:scrgbClr r="0" g="0" b="0"/>
-      </a:lnRef>
-      <a:fillRef idx="1">
-        <a:scrgbClr r="0" g="0" b="0"/>
-      </a:fillRef>
-      <a:effectRef idx="0">
-        <a:scrgbClr r="0" g="0" b="0"/>
-      </a:effectRef>
-      <a:fontRef idx="minor"/>
-    </dgm:style>
-  </dgm:styleLbl>
-  <dgm:styleLbl name="solidBgAcc1">
-    <dgm:scene3d>
-      <a:camera prst="orthographicFront"/>
-      <a:lightRig rig="threePt" dir="t"/>
-    </dgm:scene3d>
-    <dgm:sp3d/>
-    <dgm:txPr/>
-    <dgm:style>
-      <a:lnRef idx="2">
-        <a:scrgbClr r="0" g="0" b="0"/>
-      </a:lnRef>
-      <a:fillRef idx="1">
-        <a:scrgbClr r="0" g="0" b="0"/>
-      </a:fillRef>
-      <a:effectRef idx="0">
-        <a:scrgbClr r="0" g="0" b="0"/>
-      </a:effectRef>
-      <a:fontRef idx="minor"/>
-    </dgm:style>
-  </dgm:styleLbl>
-  <dgm:styleLbl name="fgAccFollowNode1">
-    <dgm:scene3d>
-      <a:camera prst="orthographicFront"/>
-      <a:lightRig rig="threePt" dir="t"/>
-    </dgm:scene3d>
-    <dgm:sp3d/>
-    <dgm:txPr/>
-    <dgm:style>
-      <a:lnRef idx="2">
-        <a:scrgbClr r="0" g="0" b="0"/>
-      </a:lnRef>
-      <a:fillRef idx="1">
-        <a:scrgbClr r="0" g="0" b="0"/>
-      </a:fillRef>
-      <a:effectRef idx="0">
-        <a:scrgbClr r="0" g="0" b="0"/>
-      </a:effectRef>
-      <a:fontRef idx="minor"/>
-    </dgm:style>
-  </dgm:styleLbl>
-  <dgm:styleLbl name="alignAccFollowNode1">
-    <dgm:scene3d>
-      <a:camera prst="orthographicFront"/>
-      <a:lightRig rig="threePt" dir="t"/>
-    </dgm:scene3d>
-    <dgm:sp3d/>
-    <dgm:txPr/>
-    <dgm:style>
-      <a:lnRef idx="2">
-        <a:scrgbClr r="0" g="0" b="0"/>
-      </a:lnRef>
-      <a:fillRef idx="1">
-        <a:scrgbClr r="0" g="0" b="0"/>
-      </a:fillRef>
-      <a:effectRef idx="0">
-        <a:scrgbClr r="0" g="0" b="0"/>
-      </a:effectRef>
-      <a:fontRef idx="minor"/>
-    </dgm:style>
-  </dgm:styleLbl>
-  <dgm:styleLbl name="bgAccFollowNode1">
-    <dgm:scene3d>
-      <a:camera prst="orthographicFront"/>
-      <a:lightRig rig="threePt" dir="t"/>
-    </dgm:scene3d>
-    <dgm:sp3d/>
-    <dgm:txPr/>
-    <dgm:style>
-      <a:lnRef idx="2">
-        <a:scrgbClr r="0" g="0" b="0"/>
-      </a:lnRef>
-      <a:fillRef idx="1">
-        <a:scrgbClr r="0" g="0" b="0"/>
-      </a:fillRef>
-      <a:effectRef idx="0">
-        <a:scrgbClr r="0" g="0" b="0"/>
-      </a:effectRef>
-      <a:fontRef idx="minor"/>
-    </dgm:style>
-  </dgm:styleLbl>
-  <dgm:styleLbl name="fgAcc0">
-    <dgm:scene3d>
-      <a:camera prst="orthographicFront"/>
-      <a:lightRig rig="threePt" dir="t"/>
-    </dgm:scene3d>
-    <dgm:sp3d/>
-    <dgm:txPr/>
-    <dgm:style>
-      <a:lnRef idx="2">
-        <a:scrgbClr r="0" g="0" b="0"/>
-      </a:lnRef>
-      <a:fillRef idx="1">
-        <a:scrgbClr r="0" g="0" b="0"/>
-      </a:fillRef>
-      <a:effectRef idx="0">
-        <a:scrgbClr r="0" g="0" b="0"/>
-      </a:effectRef>
-      <a:fontRef idx="minor"/>
-    </dgm:style>
-  </dgm:styleLbl>
-  <dgm:styleLbl name="fgAcc2">
-    <dgm:scene3d>
-      <a:camera prst="orthographicFront"/>
-      <a:lightRig rig="threePt" dir="t"/>
-    </dgm:scene3d>
-    <dgm:sp3d/>
-    <dgm:txPr/>
-    <dgm:style>
-      <a:lnRef idx="2">
-        <a:scrgbClr r="0" g="0" b="0"/>
-      </a:lnRef>
-      <a:fillRef idx="1">
-        <a:scrgbClr r="0" g="0" b="0"/>
-      </a:fillRef>
-      <a:effectRef idx="0">
-        <a:scrgbClr r="0" g="0" b="0"/>
-      </a:effectRef>
-      <a:fontRef idx="minor"/>
-    </dgm:style>
-  </dgm:styleLbl>
-  <dgm:styleLbl name="fgAcc3">
-    <dgm:scene3d>
-      <a:camera prst="orthographicFront"/>
-      <a:lightRig rig="threePt" dir="t"/>
-    </dgm:scene3d>
-    <dgm:sp3d/>
-    <dgm:txPr/>
-    <dgm:style>
-      <a:lnRef idx="2">
-        <a:scrgbClr r="0" g="0" b="0"/>
-      </a:lnRef>
-      <a:fillRef idx="1">
-        <a:scrgbClr r="0" g="0" b="0"/>
-      </a:fillRef>
-      <a:effectRef idx="0">
-        <a:scrgbClr r="0" g="0" b="0"/>
-      </a:effectRef>
-      <a:fontRef idx="minor"/>
-    </dgm:style>
-  </dgm:styleLbl>
-  <dgm:styleLbl name="fgAcc4">
-    <dgm:scene3d>
-      <a:camera prst="orthographicFront"/>
-      <a:lightRig rig="threePt" dir="t"/>
-    </dgm:scene3d>
-    <dgm:sp3d/>
-    <dgm:txPr/>
-    <dgm:style>
-      <a:lnRef idx="2">
-        <a:scrgbClr r="0" g="0" b="0"/>
-      </a:lnRef>
-      <a:fillRef idx="1">
-        <a:scrgbClr r="0" g="0" b="0"/>
-      </a:fillRef>
-      <a:effectRef idx="0">
-        <a:scrgbClr r="0" g="0" b="0"/>
-      </a:effectRef>
-      <a:fontRef idx="minor"/>
-    </dgm:style>
-  </dgm:styleLbl>
-  <dgm:styleLbl name="bgShp">
-    <dgm:scene3d>
-      <a:camera prst="orthographicFront"/>
-      <a:lightRig rig="threePt" dir="t"/>
-    </dgm:scene3d>
-    <dgm:sp3d/>
-    <dgm:txPr/>
-    <dgm:style>
-      <a:lnRef idx="0">
-        <a:scrgbClr r="0" g="0" b="0"/>
-      </a:lnRef>
-      <a:fillRef idx="1">
-        <a:scrgbClr r="0" g="0" b="0"/>
-      </a:fillRef>
-      <a:effectRef idx="0">
-        <a:scrgbClr r="0" g="0" b="0"/>
-      </a:effectRef>
-      <a:fontRef idx="minor"/>
-    </dgm:style>
-  </dgm:styleLbl>
-  <dgm:styleLbl name="dkBgShp">
-    <dgm:scene3d>
-      <a:camera prst="orthographicFront"/>
-      <a:lightRig rig="threePt" dir="t"/>
-    </dgm:scene3d>
-    <dgm:sp3d/>
-    <dgm:txPr/>
-    <dgm:style>
-      <a:lnRef idx="0">
-        <a:scrgbClr r="0" g="0" b="0"/>
-      </a:lnRef>
-      <a:fillRef idx="1">
-        <a:scrgbClr r="0" g="0" b="0"/>
-      </a:fillRef>
-      <a:effectRef idx="0">
-        <a:scrgbClr r="0" g="0" b="0"/>
-      </a:effectRef>
-      <a:fontRef idx="minor"/>
-    </dgm:style>
-  </dgm:styleLbl>
-  <dgm:styleLbl name="trBgShp">
-    <dgm:scene3d>
-      <a:camera prst="orthographicFront"/>
-      <a:lightRig rig="threePt" dir="t"/>
-    </dgm:scene3d>
-    <dgm:sp3d/>
-    <dgm:txPr/>
-    <dgm:style>
-      <a:lnRef idx="0">
-        <a:scrgbClr r="0" g="0" b="0"/>
-      </a:lnRef>
-      <a:fillRef idx="1">
-        <a:scrgbClr r="0" g="0" b="0"/>
-      </a:fillRef>
-      <a:effectRef idx="0">
-        <a:scrgbClr r="0" g="0" b="0"/>
-      </a:effectRef>
-      <a:fontRef idx="minor"/>
-    </dgm:style>
-  </dgm:styleLbl>
-  <dgm:styleLbl name="fgShp">
-    <dgm:scene3d>
-      <a:camera prst="orthographicFront"/>
-      <a:lightRig rig="threePt" dir="t"/>
-    </dgm:scene3d>
-    <dgm:sp3d/>
-    <dgm:txPr/>
-    <dgm:style>
-      <a:lnRef idx="2">
-        <a:scrgbClr r="0" g="0" b="0"/>
-      </a:lnRef>
-      <a:fillRef idx="1">
-        <a:scrgbClr r="0" g="0" b="0"/>
-      </a:fillRef>
-      <a:effectRef idx="0">
-        <a:scrgbClr r="0" g="0" b="0"/>
-      </a:effectRef>
-      <a:fontRef idx="minor"/>
-    </dgm:style>
-  </dgm:styleLbl>
-  <dgm:styleLbl name="revTx">
-    <dgm:scene3d>
-      <a:camera prst="orthographicFront"/>
-      <a:lightRig rig="threePt" dir="t"/>
-    </dgm:scene3d>
-    <dgm:sp3d/>
-    <dgm:txPr/>
-    <dgm:style>
-      <a:lnRef idx="0">
-        <a:scrgbClr r="0" g="0" b="0"/>
-      </a:lnRef>
-      <a:fillRef idx="0">
-        <a:scrgbClr r="0" g="0" b="0"/>
-      </a:fillRef>
-      <a:effectRef idx="0">
-        <a:scrgbClr r="0" g="0" b="0"/>
-      </a:effectRef>
-      <a:fontRef idx="minor"/>
-    </dgm:style>
-  </dgm:styleLbl>
-</dgm:styleDef>
-</file>
-
-<file path=ppt/diagrams/quickStyle2.xml><?xml version="1.0" encoding="utf-8"?>
 <dgm:styleDef xmlns:dgm="http://schemas.openxmlformats.org/drawingml/2006/diagram" xmlns:a="http://schemas.openxmlformats.org/drawingml/2006/main" uniqueId="urn:microsoft.com/office/officeart/2005/8/quickstyle/simple1">
   <dgm:title val=""/>
   <dgm:desc val=""/>
@@ -13477,7 +10232,7 @@
           <p:cNvPr id="5" name="TextBox 4">
             <a:extLst>
               <a:ext uri="{FF2B5EF4-FFF2-40B4-BE49-F238E27FC236}">
-                <a16:creationId xmlns="" xmlns:a16="http://schemas.microsoft.com/office/drawing/2014/main" id="{845BC587-C97E-5C40-ADA8-4F2558DF8CD7}"/>
+                <a16:creationId xmlns:a16="http://schemas.microsoft.com/office/drawing/2014/main" xmlns="" id="{845BC587-C97E-5C40-ADA8-4F2558DF8CD7}"/>
               </a:ext>
             </a:extLst>
           </p:cNvPr>
@@ -13578,7 +10333,7 @@
           <p:cNvPr id="2" name="Title 1">
             <a:extLst>
               <a:ext uri="{FF2B5EF4-FFF2-40B4-BE49-F238E27FC236}">
-                <a16:creationId xmlns="" xmlns:a16="http://schemas.microsoft.com/office/drawing/2014/main" id="{C93B6084-F736-A941-B57C-DA4A0F990DB0}"/>
+                <a16:creationId xmlns:a16="http://schemas.microsoft.com/office/drawing/2014/main" xmlns="" id="{C93B6084-F736-A941-B57C-DA4A0F990DB0}"/>
               </a:ext>
             </a:extLst>
           </p:cNvPr>
@@ -13616,7 +10371,7 @@
           <p:cNvPr id="6" name="TextBox 5">
             <a:extLst>
               <a:ext uri="{FF2B5EF4-FFF2-40B4-BE49-F238E27FC236}">
-                <a16:creationId xmlns="" xmlns:a16="http://schemas.microsoft.com/office/drawing/2014/main" id="{4E292BAC-9FB4-7241-A8BB-F0A7AC4E93FD}"/>
+                <a16:creationId xmlns:a16="http://schemas.microsoft.com/office/drawing/2014/main" xmlns="" id="{4E292BAC-9FB4-7241-A8BB-F0A7AC4E93FD}"/>
               </a:ext>
             </a:extLst>
           </p:cNvPr>
@@ -13644,350 +10399,41 @@
           </a:p>
         </p:txBody>
       </p:sp>
-      <p:graphicFrame>
-        <p:nvGraphicFramePr>
-          <p:cNvPr id="3" name="Diagram 2"/>
-          <p:cNvGraphicFramePr/>
+      <p:pic>
+        <p:nvPicPr>
+          <p:cNvPr id="17" name="Content Placeholder 7">
+            <a:extLst>
+              <a:ext uri="{FF2B5EF4-FFF2-40B4-BE49-F238E27FC236}">
+                <a16:creationId xmlns="" xmlns:a16="http://schemas.microsoft.com/office/drawing/2014/main" id="{0A58F57A-67FF-4788-93F3-B1BC75A93263}"/>
+              </a:ext>
+            </a:extLst>
+          </p:cNvPr>
+          <p:cNvPicPr>
+            <a:picLocks noGrp="1" noChangeAspect="1"/>
+          </p:cNvPicPr>
           <p:nvPr>
-            <p:extLst>
-              <p:ext uri="{D42A27DB-BD31-4B8C-83A1-F6EECF244321}">
-                <p14:modId xmlns:p14="http://schemas.microsoft.com/office/powerpoint/2010/main" val="1502815937"/>
-              </p:ext>
-            </p:extLst>
+            <p:ph idx="1"/>
           </p:nvPr>
-        </p:nvGraphicFramePr>
-        <p:xfrm>
-          <a:off x="487912" y="926092"/>
-          <a:ext cx="8272061" cy="5585600"/>
-        </p:xfrm>
-        <a:graphic>
-          <a:graphicData uri="http://schemas.openxmlformats.org/drawingml/2006/diagram">
-            <dgm:relIds xmlns:dgm="http://schemas.openxmlformats.org/drawingml/2006/diagram" xmlns:r="http://schemas.openxmlformats.org/officeDocument/2006/relationships" r:dm="rId3" r:lo="rId4" r:qs="rId5" r:cs="rId6"/>
-          </a:graphicData>
-        </a:graphic>
-      </p:graphicFrame>
-      <p:grpSp>
-        <p:nvGrpSpPr>
-          <p:cNvPr id="26" name="Group 25"/>
-          <p:cNvGrpSpPr/>
-          <p:nvPr/>
-        </p:nvGrpSpPr>
-        <p:grpSpPr>
+        </p:nvPicPr>
+        <p:blipFill>
+          <a:blip r:embed="rId3">
+            <a:extLst>
+              <a:ext uri="{28A0092B-C50C-407E-A947-70E740481C1C}">
+                <a14:useLocalDpi xmlns:a14="http://schemas.microsoft.com/office/drawing/2010/main" val="0"/>
+              </a:ext>
+            </a:extLst>
+          </a:blip>
+          <a:stretch>
+            <a:fillRect/>
+          </a:stretch>
+        </p:blipFill>
+        <p:spPr>
           <a:xfrm>
-            <a:off x="4475186" y="945091"/>
-            <a:ext cx="4193929" cy="5396436"/>
-            <a:chOff x="4529778" y="1081569"/>
-            <a:chExt cx="4193929" cy="5396436"/>
+            <a:off x="1402383" y="1225121"/>
+            <a:ext cx="9273994" cy="5216622"/>
           </a:xfrm>
-        </p:grpSpPr>
-        <p:grpSp>
-          <p:nvGrpSpPr>
-            <p:cNvPr id="24" name="Group 23"/>
-            <p:cNvGrpSpPr/>
-            <p:nvPr/>
-          </p:nvGrpSpPr>
-          <p:grpSpPr>
-            <a:xfrm>
-              <a:off x="4529778" y="1083213"/>
-              <a:ext cx="4193929" cy="5394792"/>
-              <a:chOff x="4543845" y="900333"/>
-              <a:chExt cx="4193929" cy="5394792"/>
-            </a:xfrm>
-          </p:grpSpPr>
-          <p:grpSp>
-            <p:nvGrpSpPr>
-              <p:cNvPr id="22" name="Group 21"/>
-              <p:cNvGrpSpPr/>
-              <p:nvPr/>
-            </p:nvGrpSpPr>
-            <p:grpSpPr>
-              <a:xfrm>
-                <a:off x="4543845" y="1225121"/>
-                <a:ext cx="4121853" cy="5039649"/>
-                <a:chOff x="5718754" y="1196116"/>
-                <a:chExt cx="4121853" cy="5039649"/>
-              </a:xfrm>
-            </p:grpSpPr>
-            <p:sp>
-              <p:nvSpPr>
-                <p:cNvPr id="15" name="Circular Arrow 14"/>
-                <p:cNvSpPr/>
-                <p:nvPr/>
-              </p:nvSpPr>
-              <p:spPr>
-                <a:xfrm rot="5100000" flipH="1">
-                  <a:off x="5503679" y="1949380"/>
-                  <a:ext cx="4501460" cy="4071309"/>
-                </a:xfrm>
-                <a:prstGeom prst="circularArrow">
-                  <a:avLst>
-                    <a:gd name="adj1" fmla="val 5755"/>
-                    <a:gd name="adj2" fmla="val 1142318"/>
-                    <a:gd name="adj3" fmla="val 20603927"/>
-                    <a:gd name="adj4" fmla="val 9894544"/>
-                    <a:gd name="adj5" fmla="val 8236"/>
-                  </a:avLst>
-                </a:prstGeom>
-              </p:spPr>
-              <p:style>
-                <a:lnRef idx="2">
-                  <a:schemeClr val="accent1">
-                    <a:shade val="50000"/>
-                  </a:schemeClr>
-                </a:lnRef>
-                <a:fillRef idx="1">
-                  <a:schemeClr val="accent1"/>
-                </a:fillRef>
-                <a:effectRef idx="0">
-                  <a:schemeClr val="accent1"/>
-                </a:effectRef>
-                <a:fontRef idx="minor">
-                  <a:schemeClr val="lt1"/>
-                </a:fontRef>
-              </p:style>
-              <p:txBody>
-                <a:bodyPr rtlCol="0" anchor="ctr"/>
-                <a:lstStyle/>
-                <a:p>
-                  <a:pPr algn="ctr"/>
-                  <a:endParaRPr lang="en-US">
-                    <a:solidFill>
-                      <a:schemeClr val="tx1"/>
-                    </a:solidFill>
-                  </a:endParaRPr>
-                </a:p>
-              </p:txBody>
-            </p:sp>
-            <p:sp>
-              <p:nvSpPr>
-                <p:cNvPr id="16" name="TextBox 15"/>
-                <p:cNvSpPr txBox="1"/>
-                <p:nvPr/>
-              </p:nvSpPr>
-              <p:spPr>
-                <a:xfrm>
-                  <a:off x="7754409" y="3661868"/>
-                  <a:ext cx="1463862" cy="646331"/>
-                </a:xfrm>
-                <a:prstGeom prst="rect">
-                  <a:avLst/>
-                </a:prstGeom>
-                <a:noFill/>
-              </p:spPr>
-              <p:txBody>
-                <a:bodyPr wrap="none" rtlCol="0">
-                  <a:spAutoFit/>
-                </a:bodyPr>
-                <a:lstStyle/>
-                <a:p>
-                  <a:r>
-                    <a:rPr lang="en-US" dirty="0" smtClean="0"/>
-                    <a:t>Repeating</a:t>
-                  </a:r>
-                </a:p>
-                <a:p>
-                  <a:pPr algn="ctr"/>
-                  <a:r>
-                    <a:rPr lang="en-US" dirty="0" smtClean="0"/>
-                    <a:t>Many times</a:t>
-                  </a:r>
-                  <a:endParaRPr lang="en-US" dirty="0"/>
-                </a:p>
-              </p:txBody>
-            </p:sp>
-            <p:cxnSp>
-              <p:nvCxnSpPr>
-                <p:cNvPr id="18" name="Straight Arrow Connector 17"/>
-                <p:cNvCxnSpPr/>
-                <p:nvPr/>
-              </p:nvCxnSpPr>
-              <p:spPr>
-                <a:xfrm flipH="1">
-                  <a:off x="7118253" y="1395286"/>
-                  <a:ext cx="998805" cy="340327"/>
-                </a:xfrm>
-                <a:prstGeom prst="straightConnector1">
-                  <a:avLst/>
-                </a:prstGeom>
-                <a:ln>
-                  <a:tailEnd type="triangle"/>
-                </a:ln>
-              </p:spPr>
-              <p:style>
-                <a:lnRef idx="1">
-                  <a:schemeClr val="accent1"/>
-                </a:lnRef>
-                <a:fillRef idx="0">
-                  <a:schemeClr val="accent1"/>
-                </a:fillRef>
-                <a:effectRef idx="0">
-                  <a:schemeClr val="accent1"/>
-                </a:effectRef>
-                <a:fontRef idx="minor">
-                  <a:schemeClr val="tx1"/>
-                </a:fontRef>
-              </p:style>
-            </p:cxnSp>
-            <p:sp>
-              <p:nvSpPr>
-                <p:cNvPr id="21" name="TextBox 20"/>
-                <p:cNvSpPr txBox="1"/>
-                <p:nvPr/>
-              </p:nvSpPr>
-              <p:spPr>
-                <a:xfrm>
-                  <a:off x="8117058" y="1196116"/>
-                  <a:ext cx="1723549" cy="369332"/>
-                </a:xfrm>
-                <a:prstGeom prst="rect">
-                  <a:avLst/>
-                </a:prstGeom>
-                <a:noFill/>
-              </p:spPr>
-              <p:txBody>
-                <a:bodyPr wrap="none" rtlCol="0">
-                  <a:spAutoFit/>
-                </a:bodyPr>
-                <a:lstStyle/>
-                <a:p>
-                  <a:r>
-                    <a:rPr lang="en-US" dirty="0" smtClean="0">
-                      <a:ln w="0"/>
-                      <a:effectLst>
-                        <a:outerShdw blurRad="38100" dist="19050" dir="2700000" algn="tl" rotWithShape="0">
-                          <a:schemeClr val="dk1">
-                            <a:alpha val="40000"/>
-                          </a:schemeClr>
-                        </a:outerShdw>
-                      </a:effectLst>
-                    </a:rPr>
-                    <a:t>New</a:t>
-                  </a:r>
-                  <a:r>
-                    <a:rPr lang="en-US" dirty="0" smtClean="0">
-                      <a:ln w="0"/>
-                      <a:solidFill>
-                        <a:schemeClr val="accent1"/>
-                      </a:solidFill>
-                      <a:effectLst>
-                        <a:outerShdw blurRad="38100" dist="25400" dir="5400000" algn="ctr" rotWithShape="0">
-                          <a:srgbClr val="6E747A">
-                            <a:alpha val="43000"/>
-                          </a:srgbClr>
-                        </a:outerShdw>
-                      </a:effectLst>
-                    </a:rPr>
-                    <a:t> </a:t>
-                  </a:r>
-                  <a:r>
-                    <a:rPr lang="en-US" dirty="0" smtClean="0">
-                      <a:ln w="0"/>
-                      <a:effectLst>
-                        <a:outerShdw blurRad="38100" dist="19050" dir="2700000" algn="tl" rotWithShape="0">
-                          <a:schemeClr val="dk1">
-                            <a:alpha val="40000"/>
-                          </a:schemeClr>
-                        </a:outerShdw>
-                      </a:effectLst>
-                    </a:rPr>
-                    <a:t>Change</a:t>
-                  </a:r>
-                  <a:endParaRPr lang="en-US" dirty="0">
-                    <a:ln w="0"/>
-                    <a:solidFill>
-                      <a:schemeClr val="accent1"/>
-                    </a:solidFill>
-                    <a:effectLst>
-                      <a:outerShdw blurRad="38100" dist="25400" dir="5400000" algn="ctr" rotWithShape="0">
-                        <a:srgbClr val="6E747A">
-                          <a:alpha val="43000"/>
-                        </a:srgbClr>
-                      </a:outerShdw>
-                    </a:effectLst>
-                  </a:endParaRPr>
-                </a:p>
-              </p:txBody>
-            </p:sp>
-          </p:grpSp>
-          <p:sp>
-            <p:nvSpPr>
-              <p:cNvPr id="23" name="Rectangle 22"/>
-              <p:cNvSpPr/>
-              <p:nvPr/>
-            </p:nvSpPr>
-            <p:spPr>
-              <a:xfrm>
-                <a:off x="5755424" y="900333"/>
-                <a:ext cx="2982350" cy="5394792"/>
-              </a:xfrm>
-              <a:prstGeom prst="rect">
-                <a:avLst/>
-              </a:prstGeom>
-              <a:noFill/>
-              <a:ln>
-                <a:solidFill>
-                  <a:schemeClr val="tx1"/>
-                </a:solidFill>
-                <a:prstDash val="dash"/>
-              </a:ln>
-            </p:spPr>
-            <p:style>
-              <a:lnRef idx="2">
-                <a:schemeClr val="accent1">
-                  <a:shade val="50000"/>
-                </a:schemeClr>
-              </a:lnRef>
-              <a:fillRef idx="1">
-                <a:schemeClr val="accent1"/>
-              </a:fillRef>
-              <a:effectRef idx="0">
-                <a:schemeClr val="accent1"/>
-              </a:effectRef>
-              <a:fontRef idx="minor">
-                <a:schemeClr val="lt1"/>
-              </a:fontRef>
-            </p:style>
-            <p:txBody>
-              <a:bodyPr rtlCol="0" anchor="ctr"/>
-              <a:lstStyle/>
-              <a:p>
-                <a:pPr algn="ctr"/>
-                <a:endParaRPr lang="en-US"/>
-              </a:p>
-            </p:txBody>
-          </p:sp>
-        </p:grpSp>
-        <p:sp>
-          <p:nvSpPr>
-            <p:cNvPr id="25" name="TextBox 24"/>
-            <p:cNvSpPr txBox="1"/>
-            <p:nvPr/>
-          </p:nvSpPr>
-          <p:spPr>
-            <a:xfrm>
-              <a:off x="7061562" y="1081569"/>
-              <a:ext cx="503664" cy="400110"/>
-            </a:xfrm>
-            <a:prstGeom prst="rect">
-              <a:avLst/>
-            </a:prstGeom>
-            <a:noFill/>
-          </p:spPr>
-          <p:txBody>
-            <a:bodyPr wrap="none" rtlCol="0">
-              <a:spAutoFit/>
-            </a:bodyPr>
-            <a:lstStyle/>
-            <a:p>
-              <a:r>
-                <a:rPr lang="en-US" sz="2000" b="1" dirty="0" smtClean="0"/>
-                <a:t>XP</a:t>
-              </a:r>
-              <a:endParaRPr lang="en-US" sz="2000" b="1" dirty="0"/>
-            </a:p>
-          </p:txBody>
-        </p:sp>
-      </p:grpSp>
+        </p:spPr>
+      </p:pic>
     </p:spTree>
     <p:extLst>
       <p:ext uri="{BB962C8B-B14F-4D97-AF65-F5344CB8AC3E}">
@@ -14001,75 +10447,7 @@
   <p:timing>
     <p:tnLst>
       <p:par>
-        <p:cTn id="1" dur="indefinite" restart="never" nodeType="tmRoot">
-          <p:childTnLst>
-            <p:seq concurrent="1" nextAc="seek">
-              <p:cTn id="2" dur="indefinite" nodeType="mainSeq">
-                <p:childTnLst>
-                  <p:par>
-                    <p:cTn id="3" fill="hold">
-                      <p:stCondLst>
-                        <p:cond delay="indefinite"/>
-                      </p:stCondLst>
-                      <p:childTnLst>
-                        <p:par>
-                          <p:cTn id="4" fill="hold">
-                            <p:stCondLst>
-                              <p:cond delay="0"/>
-                            </p:stCondLst>
-                            <p:childTnLst>
-                              <p:par>
-                                <p:cTn id="5" presetID="1" presetClass="entr" presetSubtype="0" fill="hold" nodeType="clickEffect">
-                                  <p:stCondLst>
-                                    <p:cond delay="0"/>
-                                  </p:stCondLst>
-                                  <p:childTnLst>
-                                    <p:set>
-                                      <p:cBhvr>
-                                        <p:cTn id="6" dur="1" fill="hold">
-                                          <p:stCondLst>
-                                            <p:cond delay="0"/>
-                                          </p:stCondLst>
-                                        </p:cTn>
-                                        <p:tgtEl>
-                                          <p:spTgt spid="26"/>
-                                        </p:tgtEl>
-                                        <p:attrNameLst>
-                                          <p:attrName>style.visibility</p:attrName>
-                                        </p:attrNameLst>
-                                      </p:cBhvr>
-                                      <p:to>
-                                        <p:strVal val="visible"/>
-                                      </p:to>
-                                    </p:set>
-                                  </p:childTnLst>
-                                </p:cTn>
-                              </p:par>
-                            </p:childTnLst>
-                          </p:cTn>
-                        </p:par>
-                      </p:childTnLst>
-                    </p:cTn>
-                  </p:par>
-                </p:childTnLst>
-              </p:cTn>
-              <p:prevCondLst>
-                <p:cond evt="onPrev" delay="0">
-                  <p:tgtEl>
-                    <p:sldTgt/>
-                  </p:tgtEl>
-                </p:cond>
-              </p:prevCondLst>
-              <p:nextCondLst>
-                <p:cond evt="onNext" delay="0">
-                  <p:tgtEl>
-                    <p:sldTgt/>
-                  </p:tgtEl>
-                </p:cond>
-              </p:nextCondLst>
-            </p:seq>
-          </p:childTnLst>
-        </p:cTn>
+        <p:cTn id="1" dur="indefinite" restart="never" nodeType="tmRoot"/>
       </p:par>
     </p:tnLst>
   </p:timing>

--- a/extreme_programming.pptx
+++ b/extreme_programming.pptx
@@ -5,7 +5,7 @@
     <p:sldMasterId id="2147483648" r:id="rId1"/>
   </p:sldMasterIdLst>
   <p:notesMasterIdLst>
-    <p:notesMasterId r:id="rId11"/>
+    <p:notesMasterId r:id="rId13"/>
   </p:notesMasterIdLst>
   <p:sldIdLst>
     <p:sldId id="256" r:id="rId2"/>
@@ -15,8 +15,10 @@
     <p:sldId id="259" r:id="rId6"/>
     <p:sldId id="260" r:id="rId7"/>
     <p:sldId id="261" r:id="rId8"/>
-    <p:sldId id="263" r:id="rId9"/>
-    <p:sldId id="264" r:id="rId10"/>
+    <p:sldId id="265" r:id="rId9"/>
+    <p:sldId id="266" r:id="rId10"/>
+    <p:sldId id="263" r:id="rId11"/>
+    <p:sldId id="264" r:id="rId12"/>
   </p:sldIdLst>
   <p:sldSz cx="12192000" cy="6858000"/>
   <p:notesSz cx="6858000" cy="9144000"/>
@@ -124,6 +126,753 @@
 </file>
 
 <file path=ppt/diagrams/colors1.xml><?xml version="1.0" encoding="utf-8"?>
+<dgm:colorsDef xmlns:dgm="http://schemas.openxmlformats.org/drawingml/2006/diagram" xmlns:a="http://schemas.openxmlformats.org/drawingml/2006/main" uniqueId="urn:microsoft.com/office/officeart/2005/8/colors/accent1_2">
+  <dgm:title val=""/>
+  <dgm:desc val=""/>
+  <dgm:catLst>
+    <dgm:cat type="accent1" pri="11200"/>
+  </dgm:catLst>
+  <dgm:styleLbl name="node0">
+    <dgm:fillClrLst meth="repeat">
+      <a:schemeClr val="accent1"/>
+    </dgm:fillClrLst>
+    <dgm:linClrLst meth="repeat">
+      <a:schemeClr val="lt1"/>
+    </dgm:linClrLst>
+    <dgm:effectClrLst/>
+    <dgm:txLinClrLst/>
+    <dgm:txFillClrLst/>
+    <dgm:txEffectClrLst/>
+  </dgm:styleLbl>
+  <dgm:styleLbl name="alignNode1">
+    <dgm:fillClrLst meth="repeat">
+      <a:schemeClr val="accent1"/>
+    </dgm:fillClrLst>
+    <dgm:linClrLst meth="repeat">
+      <a:schemeClr val="accent1"/>
+    </dgm:linClrLst>
+    <dgm:effectClrLst/>
+    <dgm:txLinClrLst/>
+    <dgm:txFillClrLst/>
+    <dgm:txEffectClrLst/>
+  </dgm:styleLbl>
+  <dgm:styleLbl name="node1">
+    <dgm:fillClrLst meth="repeat">
+      <a:schemeClr val="accent1"/>
+    </dgm:fillClrLst>
+    <dgm:linClrLst meth="repeat">
+      <a:schemeClr val="lt1"/>
+    </dgm:linClrLst>
+    <dgm:effectClrLst/>
+    <dgm:txLinClrLst/>
+    <dgm:txFillClrLst/>
+    <dgm:txEffectClrLst/>
+  </dgm:styleLbl>
+  <dgm:styleLbl name="lnNode1">
+    <dgm:fillClrLst meth="repeat">
+      <a:schemeClr val="accent1"/>
+    </dgm:fillClrLst>
+    <dgm:linClrLst meth="repeat">
+      <a:schemeClr val="lt1"/>
+    </dgm:linClrLst>
+    <dgm:effectClrLst/>
+    <dgm:txLinClrLst/>
+    <dgm:txFillClrLst/>
+    <dgm:txEffectClrLst/>
+  </dgm:styleLbl>
+  <dgm:styleLbl name="vennNode1">
+    <dgm:fillClrLst meth="repeat">
+      <a:schemeClr val="accent1">
+        <a:alpha val="50000"/>
+      </a:schemeClr>
+    </dgm:fillClrLst>
+    <dgm:linClrLst meth="repeat">
+      <a:schemeClr val="lt1"/>
+    </dgm:linClrLst>
+    <dgm:effectClrLst/>
+    <dgm:txLinClrLst/>
+    <dgm:txFillClrLst/>
+    <dgm:txEffectClrLst/>
+  </dgm:styleLbl>
+  <dgm:styleLbl name="node2">
+    <dgm:fillClrLst meth="repeat">
+      <a:schemeClr val="accent1"/>
+    </dgm:fillClrLst>
+    <dgm:linClrLst meth="repeat">
+      <a:schemeClr val="lt1"/>
+    </dgm:linClrLst>
+    <dgm:effectClrLst/>
+    <dgm:txLinClrLst/>
+    <dgm:txFillClrLst/>
+    <dgm:txEffectClrLst/>
+  </dgm:styleLbl>
+  <dgm:styleLbl name="node3">
+    <dgm:fillClrLst meth="repeat">
+      <a:schemeClr val="accent1"/>
+    </dgm:fillClrLst>
+    <dgm:linClrLst meth="repeat">
+      <a:schemeClr val="lt1"/>
+    </dgm:linClrLst>
+    <dgm:effectClrLst/>
+    <dgm:txLinClrLst/>
+    <dgm:txFillClrLst/>
+    <dgm:txEffectClrLst/>
+  </dgm:styleLbl>
+  <dgm:styleLbl name="node4">
+    <dgm:fillClrLst meth="repeat">
+      <a:schemeClr val="accent1"/>
+    </dgm:fillClrLst>
+    <dgm:linClrLst meth="repeat">
+      <a:schemeClr val="lt1"/>
+    </dgm:linClrLst>
+    <dgm:effectClrLst/>
+    <dgm:txLinClrLst/>
+    <dgm:txFillClrLst/>
+    <dgm:txEffectClrLst/>
+  </dgm:styleLbl>
+  <dgm:styleLbl name="fgImgPlace1">
+    <dgm:fillClrLst meth="repeat">
+      <a:schemeClr val="accent1">
+        <a:tint val="50000"/>
+      </a:schemeClr>
+    </dgm:fillClrLst>
+    <dgm:linClrLst meth="repeat">
+      <a:schemeClr val="lt1"/>
+    </dgm:linClrLst>
+    <dgm:effectClrLst/>
+    <dgm:txLinClrLst/>
+    <dgm:txFillClrLst meth="repeat">
+      <a:schemeClr val="lt1"/>
+    </dgm:txFillClrLst>
+    <dgm:txEffectClrLst/>
+  </dgm:styleLbl>
+  <dgm:styleLbl name="alignImgPlace1">
+    <dgm:fillClrLst meth="repeat">
+      <a:schemeClr val="accent1">
+        <a:tint val="50000"/>
+      </a:schemeClr>
+    </dgm:fillClrLst>
+    <dgm:linClrLst meth="repeat">
+      <a:schemeClr val="lt1"/>
+    </dgm:linClrLst>
+    <dgm:effectClrLst/>
+    <dgm:txLinClrLst/>
+    <dgm:txFillClrLst meth="repeat">
+      <a:schemeClr val="lt1"/>
+    </dgm:txFillClrLst>
+    <dgm:txEffectClrLst/>
+  </dgm:styleLbl>
+  <dgm:styleLbl name="bgImgPlace1">
+    <dgm:fillClrLst meth="repeat">
+      <a:schemeClr val="accent1">
+        <a:tint val="50000"/>
+      </a:schemeClr>
+    </dgm:fillClrLst>
+    <dgm:linClrLst meth="repeat">
+      <a:schemeClr val="lt1"/>
+    </dgm:linClrLst>
+    <dgm:effectClrLst/>
+    <dgm:txLinClrLst/>
+    <dgm:txFillClrLst meth="repeat">
+      <a:schemeClr val="lt1"/>
+    </dgm:txFillClrLst>
+    <dgm:txEffectClrLst/>
+  </dgm:styleLbl>
+  <dgm:styleLbl name="sibTrans2D1">
+    <dgm:fillClrLst meth="repeat">
+      <a:schemeClr val="accent1">
+        <a:tint val="60000"/>
+      </a:schemeClr>
+    </dgm:fillClrLst>
+    <dgm:linClrLst meth="repeat">
+      <a:schemeClr val="accent1">
+        <a:tint val="60000"/>
+      </a:schemeClr>
+    </dgm:linClrLst>
+    <dgm:effectClrLst/>
+    <dgm:txLinClrLst/>
+    <dgm:txFillClrLst/>
+    <dgm:txEffectClrLst/>
+  </dgm:styleLbl>
+  <dgm:styleLbl name="fgSibTrans2D1">
+    <dgm:fillClrLst meth="repeat">
+      <a:schemeClr val="accent1">
+        <a:tint val="60000"/>
+      </a:schemeClr>
+    </dgm:fillClrLst>
+    <dgm:linClrLst meth="repeat">
+      <a:schemeClr val="accent1">
+        <a:tint val="60000"/>
+      </a:schemeClr>
+    </dgm:linClrLst>
+    <dgm:effectClrLst/>
+    <dgm:txLinClrLst/>
+    <dgm:txFillClrLst/>
+    <dgm:txEffectClrLst/>
+  </dgm:styleLbl>
+  <dgm:styleLbl name="bgSibTrans2D1">
+    <dgm:fillClrLst meth="repeat">
+      <a:schemeClr val="accent1">
+        <a:tint val="60000"/>
+      </a:schemeClr>
+    </dgm:fillClrLst>
+    <dgm:linClrLst meth="repeat">
+      <a:schemeClr val="accent1">
+        <a:tint val="60000"/>
+      </a:schemeClr>
+    </dgm:linClrLst>
+    <dgm:effectClrLst/>
+    <dgm:txLinClrLst/>
+    <dgm:txFillClrLst/>
+    <dgm:txEffectClrLst/>
+  </dgm:styleLbl>
+  <dgm:styleLbl name="sibTrans1D1">
+    <dgm:fillClrLst meth="repeat">
+      <a:schemeClr val="accent1"/>
+    </dgm:fillClrLst>
+    <dgm:linClrLst meth="repeat">
+      <a:schemeClr val="accent1"/>
+    </dgm:linClrLst>
+    <dgm:effectClrLst/>
+    <dgm:txLinClrLst/>
+    <dgm:txFillClrLst meth="repeat">
+      <a:schemeClr val="tx1"/>
+    </dgm:txFillClrLst>
+    <dgm:txEffectClrLst/>
+  </dgm:styleLbl>
+  <dgm:styleLbl name="callout">
+    <dgm:fillClrLst meth="repeat">
+      <a:schemeClr val="accent1"/>
+    </dgm:fillClrLst>
+    <dgm:linClrLst meth="repeat">
+      <a:schemeClr val="accent1">
+        <a:tint val="50000"/>
+      </a:schemeClr>
+    </dgm:linClrLst>
+    <dgm:effectClrLst/>
+    <dgm:txLinClrLst/>
+    <dgm:txFillClrLst meth="repeat">
+      <a:schemeClr val="tx1"/>
+    </dgm:txFillClrLst>
+    <dgm:txEffectClrLst/>
+  </dgm:styleLbl>
+  <dgm:styleLbl name="asst0">
+    <dgm:fillClrLst meth="repeat">
+      <a:schemeClr val="accent1"/>
+    </dgm:fillClrLst>
+    <dgm:linClrLst meth="repeat">
+      <a:schemeClr val="lt1"/>
+    </dgm:linClrLst>
+    <dgm:effectClrLst/>
+    <dgm:txLinClrLst/>
+    <dgm:txFillClrLst/>
+    <dgm:txEffectClrLst/>
+  </dgm:styleLbl>
+  <dgm:styleLbl name="asst1">
+    <dgm:fillClrLst meth="repeat">
+      <a:schemeClr val="accent1"/>
+    </dgm:fillClrLst>
+    <dgm:linClrLst meth="repeat">
+      <a:schemeClr val="lt1"/>
+    </dgm:linClrLst>
+    <dgm:effectClrLst/>
+    <dgm:txLinClrLst/>
+    <dgm:txFillClrLst/>
+    <dgm:txEffectClrLst/>
+  </dgm:styleLbl>
+  <dgm:styleLbl name="asst2">
+    <dgm:fillClrLst meth="repeat">
+      <a:schemeClr val="accent1"/>
+    </dgm:fillClrLst>
+    <dgm:linClrLst meth="repeat">
+      <a:schemeClr val="lt1"/>
+    </dgm:linClrLst>
+    <dgm:effectClrLst/>
+    <dgm:txLinClrLst/>
+    <dgm:txFillClrLst/>
+    <dgm:txEffectClrLst/>
+  </dgm:styleLbl>
+  <dgm:styleLbl name="asst3">
+    <dgm:fillClrLst meth="repeat">
+      <a:schemeClr val="accent1"/>
+    </dgm:fillClrLst>
+    <dgm:linClrLst meth="repeat">
+      <a:schemeClr val="lt1"/>
+    </dgm:linClrLst>
+    <dgm:effectClrLst/>
+    <dgm:txLinClrLst/>
+    <dgm:txFillClrLst/>
+    <dgm:txEffectClrLst/>
+  </dgm:styleLbl>
+  <dgm:styleLbl name="asst4">
+    <dgm:fillClrLst meth="repeat">
+      <a:schemeClr val="accent1"/>
+    </dgm:fillClrLst>
+    <dgm:linClrLst meth="repeat">
+      <a:schemeClr val="lt1"/>
+    </dgm:linClrLst>
+    <dgm:effectClrLst/>
+    <dgm:txLinClrLst/>
+    <dgm:txFillClrLst/>
+    <dgm:txEffectClrLst/>
+  </dgm:styleLbl>
+  <dgm:styleLbl name="parChTrans2D1">
+    <dgm:fillClrLst meth="repeat">
+      <a:schemeClr val="accent1">
+        <a:tint val="60000"/>
+      </a:schemeClr>
+    </dgm:fillClrLst>
+    <dgm:linClrLst meth="repeat">
+      <a:schemeClr val="accent1">
+        <a:tint val="60000"/>
+      </a:schemeClr>
+    </dgm:linClrLst>
+    <dgm:effectClrLst/>
+    <dgm:txLinClrLst/>
+    <dgm:txFillClrLst meth="repeat">
+      <a:schemeClr val="lt1"/>
+    </dgm:txFillClrLst>
+    <dgm:txEffectClrLst/>
+  </dgm:styleLbl>
+  <dgm:styleLbl name="parChTrans2D2">
+    <dgm:fillClrLst meth="repeat">
+      <a:schemeClr val="accent1"/>
+    </dgm:fillClrLst>
+    <dgm:linClrLst meth="repeat">
+      <a:schemeClr val="accent1"/>
+    </dgm:linClrLst>
+    <dgm:effectClrLst/>
+    <dgm:txLinClrLst/>
+    <dgm:txFillClrLst meth="repeat">
+      <a:schemeClr val="lt1"/>
+    </dgm:txFillClrLst>
+    <dgm:txEffectClrLst/>
+  </dgm:styleLbl>
+  <dgm:styleLbl name="parChTrans2D3">
+    <dgm:fillClrLst meth="repeat">
+      <a:schemeClr val="accent1"/>
+    </dgm:fillClrLst>
+    <dgm:linClrLst meth="repeat">
+      <a:schemeClr val="accent1"/>
+    </dgm:linClrLst>
+    <dgm:effectClrLst/>
+    <dgm:txLinClrLst/>
+    <dgm:txFillClrLst meth="repeat">
+      <a:schemeClr val="lt1"/>
+    </dgm:txFillClrLst>
+    <dgm:txEffectClrLst/>
+  </dgm:styleLbl>
+  <dgm:styleLbl name="parChTrans2D4">
+    <dgm:fillClrLst meth="repeat">
+      <a:schemeClr val="accent1"/>
+    </dgm:fillClrLst>
+    <dgm:linClrLst meth="repeat">
+      <a:schemeClr val="accent1"/>
+    </dgm:linClrLst>
+    <dgm:effectClrLst/>
+    <dgm:txLinClrLst/>
+    <dgm:txFillClrLst meth="repeat">
+      <a:schemeClr val="lt1"/>
+    </dgm:txFillClrLst>
+    <dgm:txEffectClrLst/>
+  </dgm:styleLbl>
+  <dgm:styleLbl name="parChTrans1D1">
+    <dgm:fillClrLst meth="repeat">
+      <a:schemeClr val="accent1"/>
+    </dgm:fillClrLst>
+    <dgm:linClrLst meth="repeat">
+      <a:schemeClr val="accent1">
+        <a:shade val="60000"/>
+      </a:schemeClr>
+    </dgm:linClrLst>
+    <dgm:effectClrLst/>
+    <dgm:txLinClrLst/>
+    <dgm:txFillClrLst meth="repeat">
+      <a:schemeClr val="tx1"/>
+    </dgm:txFillClrLst>
+    <dgm:txEffectClrLst/>
+  </dgm:styleLbl>
+  <dgm:styleLbl name="parChTrans1D2">
+    <dgm:fillClrLst meth="repeat">
+      <a:schemeClr val="accent1"/>
+    </dgm:fillClrLst>
+    <dgm:linClrLst meth="repeat">
+      <a:schemeClr val="accent1">
+        <a:shade val="60000"/>
+      </a:schemeClr>
+    </dgm:linClrLst>
+    <dgm:effectClrLst/>
+    <dgm:txLinClrLst/>
+    <dgm:txFillClrLst meth="repeat">
+      <a:schemeClr val="tx1"/>
+    </dgm:txFillClrLst>
+    <dgm:txEffectClrLst/>
+  </dgm:styleLbl>
+  <dgm:styleLbl name="parChTrans1D3">
+    <dgm:fillClrLst meth="repeat">
+      <a:schemeClr val="accent1"/>
+    </dgm:fillClrLst>
+    <dgm:linClrLst meth="repeat">
+      <a:schemeClr val="accent1">
+        <a:shade val="80000"/>
+      </a:schemeClr>
+    </dgm:linClrLst>
+    <dgm:effectClrLst/>
+    <dgm:txLinClrLst/>
+    <dgm:txFillClrLst meth="repeat">
+      <a:schemeClr val="tx1"/>
+    </dgm:txFillClrLst>
+    <dgm:txEffectClrLst/>
+  </dgm:styleLbl>
+  <dgm:styleLbl name="parChTrans1D4">
+    <dgm:fillClrLst meth="repeat">
+      <a:schemeClr val="accent1"/>
+    </dgm:fillClrLst>
+    <dgm:linClrLst meth="repeat">
+      <a:schemeClr val="accent1">
+        <a:shade val="80000"/>
+      </a:schemeClr>
+    </dgm:linClrLst>
+    <dgm:effectClrLst/>
+    <dgm:txLinClrLst/>
+    <dgm:txFillClrLst meth="repeat">
+      <a:schemeClr val="tx1"/>
+    </dgm:txFillClrLst>
+    <dgm:txEffectClrLst/>
+  </dgm:styleLbl>
+  <dgm:styleLbl name="fgAcc1">
+    <dgm:fillClrLst meth="repeat">
+      <a:schemeClr val="lt1">
+        <a:alpha val="90000"/>
+      </a:schemeClr>
+    </dgm:fillClrLst>
+    <dgm:linClrLst meth="repeat">
+      <a:schemeClr val="accent1"/>
+    </dgm:linClrLst>
+    <dgm:effectClrLst/>
+    <dgm:txLinClrLst/>
+    <dgm:txFillClrLst meth="repeat">
+      <a:schemeClr val="dk1"/>
+    </dgm:txFillClrLst>
+    <dgm:txEffectClrLst/>
+  </dgm:styleLbl>
+  <dgm:styleLbl name="conFgAcc1">
+    <dgm:fillClrLst meth="repeat">
+      <a:schemeClr val="lt1">
+        <a:alpha val="90000"/>
+      </a:schemeClr>
+    </dgm:fillClrLst>
+    <dgm:linClrLst meth="repeat">
+      <a:schemeClr val="accent1"/>
+    </dgm:linClrLst>
+    <dgm:effectClrLst/>
+    <dgm:txLinClrLst/>
+    <dgm:txFillClrLst meth="repeat">
+      <a:schemeClr val="dk1"/>
+    </dgm:txFillClrLst>
+    <dgm:txEffectClrLst/>
+  </dgm:styleLbl>
+  <dgm:styleLbl name="alignAcc1">
+    <dgm:fillClrLst meth="repeat">
+      <a:schemeClr val="lt1">
+        <a:alpha val="90000"/>
+      </a:schemeClr>
+    </dgm:fillClrLst>
+    <dgm:linClrLst meth="repeat">
+      <a:schemeClr val="accent1"/>
+    </dgm:linClrLst>
+    <dgm:effectClrLst/>
+    <dgm:txLinClrLst/>
+    <dgm:txFillClrLst meth="repeat">
+      <a:schemeClr val="dk1"/>
+    </dgm:txFillClrLst>
+    <dgm:txEffectClrLst/>
+  </dgm:styleLbl>
+  <dgm:styleLbl name="trAlignAcc1">
+    <dgm:fillClrLst meth="repeat">
+      <a:schemeClr val="lt1">
+        <a:alpha val="40000"/>
+      </a:schemeClr>
+    </dgm:fillClrLst>
+    <dgm:linClrLst meth="repeat">
+      <a:schemeClr val="accent1"/>
+    </dgm:linClrLst>
+    <dgm:effectClrLst/>
+    <dgm:txLinClrLst/>
+    <dgm:txFillClrLst meth="repeat">
+      <a:schemeClr val="dk1"/>
+    </dgm:txFillClrLst>
+    <dgm:txEffectClrLst/>
+  </dgm:styleLbl>
+  <dgm:styleLbl name="bgAcc1">
+    <dgm:fillClrLst meth="repeat">
+      <a:schemeClr val="lt1">
+        <a:alpha val="90000"/>
+      </a:schemeClr>
+    </dgm:fillClrLst>
+    <dgm:linClrLst meth="repeat">
+      <a:schemeClr val="accent1"/>
+    </dgm:linClrLst>
+    <dgm:effectClrLst/>
+    <dgm:txLinClrLst/>
+    <dgm:txFillClrLst meth="repeat">
+      <a:schemeClr val="dk1"/>
+    </dgm:txFillClrLst>
+    <dgm:txEffectClrLst/>
+  </dgm:styleLbl>
+  <dgm:styleLbl name="solidFgAcc1">
+    <dgm:fillClrLst meth="repeat">
+      <a:schemeClr val="lt1"/>
+    </dgm:fillClrLst>
+    <dgm:linClrLst meth="repeat">
+      <a:schemeClr val="accent1"/>
+    </dgm:linClrLst>
+    <dgm:effectClrLst/>
+    <dgm:txLinClrLst/>
+    <dgm:txFillClrLst meth="repeat">
+      <a:schemeClr val="dk1"/>
+    </dgm:txFillClrLst>
+    <dgm:txEffectClrLst/>
+  </dgm:styleLbl>
+  <dgm:styleLbl name="solidAlignAcc1">
+    <dgm:fillClrLst meth="repeat">
+      <a:schemeClr val="lt1"/>
+    </dgm:fillClrLst>
+    <dgm:linClrLst meth="repeat">
+      <a:schemeClr val="accent1"/>
+    </dgm:linClrLst>
+    <dgm:effectClrLst/>
+    <dgm:txLinClrLst/>
+    <dgm:txFillClrLst meth="repeat">
+      <a:schemeClr val="dk1"/>
+    </dgm:txFillClrLst>
+    <dgm:txEffectClrLst/>
+  </dgm:styleLbl>
+  <dgm:styleLbl name="solidBgAcc1">
+    <dgm:fillClrLst meth="repeat">
+      <a:schemeClr val="lt1"/>
+    </dgm:fillClrLst>
+    <dgm:linClrLst meth="repeat">
+      <a:schemeClr val="accent1"/>
+    </dgm:linClrLst>
+    <dgm:effectClrLst/>
+    <dgm:txLinClrLst/>
+    <dgm:txFillClrLst meth="repeat">
+      <a:schemeClr val="dk1"/>
+    </dgm:txFillClrLst>
+    <dgm:txEffectClrLst/>
+  </dgm:styleLbl>
+  <dgm:styleLbl name="fgAccFollowNode1">
+    <dgm:fillClrLst meth="repeat">
+      <a:schemeClr val="accent1">
+        <a:alpha val="90000"/>
+        <a:tint val="40000"/>
+      </a:schemeClr>
+    </dgm:fillClrLst>
+    <dgm:linClrLst meth="repeat">
+      <a:schemeClr val="accent1">
+        <a:alpha val="90000"/>
+        <a:tint val="40000"/>
+      </a:schemeClr>
+    </dgm:linClrLst>
+    <dgm:effectClrLst/>
+    <dgm:txLinClrLst/>
+    <dgm:txFillClrLst meth="repeat">
+      <a:schemeClr val="dk1"/>
+    </dgm:txFillClrLst>
+    <dgm:txEffectClrLst/>
+  </dgm:styleLbl>
+  <dgm:styleLbl name="alignAccFollowNode1">
+    <dgm:fillClrLst meth="repeat">
+      <a:schemeClr val="accent1">
+        <a:alpha val="90000"/>
+        <a:tint val="40000"/>
+      </a:schemeClr>
+    </dgm:fillClrLst>
+    <dgm:linClrLst meth="repeat">
+      <a:schemeClr val="accent1">
+        <a:alpha val="90000"/>
+        <a:tint val="40000"/>
+      </a:schemeClr>
+    </dgm:linClrLst>
+    <dgm:effectClrLst/>
+    <dgm:txLinClrLst/>
+    <dgm:txFillClrLst meth="repeat">
+      <a:schemeClr val="dk1"/>
+    </dgm:txFillClrLst>
+    <dgm:txEffectClrLst/>
+  </dgm:styleLbl>
+  <dgm:styleLbl name="bgAccFollowNode1">
+    <dgm:fillClrLst meth="repeat">
+      <a:schemeClr val="accent1">
+        <a:alpha val="90000"/>
+        <a:tint val="40000"/>
+      </a:schemeClr>
+    </dgm:fillClrLst>
+    <dgm:linClrLst meth="repeat">
+      <a:schemeClr val="accent1">
+        <a:alpha val="90000"/>
+        <a:tint val="40000"/>
+      </a:schemeClr>
+    </dgm:linClrLst>
+    <dgm:effectClrLst/>
+    <dgm:txLinClrLst/>
+    <dgm:txFillClrLst meth="repeat">
+      <a:schemeClr val="dk1"/>
+    </dgm:txFillClrLst>
+    <dgm:txEffectClrLst/>
+  </dgm:styleLbl>
+  <dgm:styleLbl name="fgAcc0">
+    <dgm:fillClrLst meth="repeat">
+      <a:schemeClr val="lt1">
+        <a:alpha val="90000"/>
+      </a:schemeClr>
+    </dgm:fillClrLst>
+    <dgm:linClrLst meth="repeat">
+      <a:schemeClr val="accent1"/>
+    </dgm:linClrLst>
+    <dgm:effectClrLst/>
+    <dgm:txLinClrLst/>
+    <dgm:txFillClrLst meth="repeat">
+      <a:schemeClr val="dk1"/>
+    </dgm:txFillClrLst>
+    <dgm:txEffectClrLst/>
+  </dgm:styleLbl>
+  <dgm:styleLbl name="fgAcc2">
+    <dgm:fillClrLst meth="repeat">
+      <a:schemeClr val="lt1">
+        <a:alpha val="90000"/>
+      </a:schemeClr>
+    </dgm:fillClrLst>
+    <dgm:linClrLst meth="repeat">
+      <a:schemeClr val="accent1"/>
+    </dgm:linClrLst>
+    <dgm:effectClrLst/>
+    <dgm:txLinClrLst/>
+    <dgm:txFillClrLst meth="repeat">
+      <a:schemeClr val="dk1"/>
+    </dgm:txFillClrLst>
+    <dgm:txEffectClrLst/>
+  </dgm:styleLbl>
+  <dgm:styleLbl name="fgAcc3">
+    <dgm:fillClrLst meth="repeat">
+      <a:schemeClr val="lt1">
+        <a:alpha val="90000"/>
+      </a:schemeClr>
+    </dgm:fillClrLst>
+    <dgm:linClrLst meth="repeat">
+      <a:schemeClr val="accent1"/>
+    </dgm:linClrLst>
+    <dgm:effectClrLst/>
+    <dgm:txLinClrLst/>
+    <dgm:txFillClrLst meth="repeat">
+      <a:schemeClr val="dk1"/>
+    </dgm:txFillClrLst>
+    <dgm:txEffectClrLst/>
+  </dgm:styleLbl>
+  <dgm:styleLbl name="fgAcc4">
+    <dgm:fillClrLst meth="repeat">
+      <a:schemeClr val="lt1">
+        <a:alpha val="90000"/>
+      </a:schemeClr>
+    </dgm:fillClrLst>
+    <dgm:linClrLst meth="repeat">
+      <a:schemeClr val="accent1"/>
+    </dgm:linClrLst>
+    <dgm:effectClrLst/>
+    <dgm:txLinClrLst/>
+    <dgm:txFillClrLst meth="repeat">
+      <a:schemeClr val="dk1"/>
+    </dgm:txFillClrLst>
+    <dgm:txEffectClrLst/>
+  </dgm:styleLbl>
+  <dgm:styleLbl name="bgShp">
+    <dgm:fillClrLst meth="repeat">
+      <a:schemeClr val="accent1">
+        <a:tint val="40000"/>
+      </a:schemeClr>
+    </dgm:fillClrLst>
+    <dgm:linClrLst meth="repeat">
+      <a:schemeClr val="accent1"/>
+    </dgm:linClrLst>
+    <dgm:effectClrLst/>
+    <dgm:txLinClrLst/>
+    <dgm:txFillClrLst meth="repeat">
+      <a:schemeClr val="dk1"/>
+    </dgm:txFillClrLst>
+    <dgm:txEffectClrLst/>
+  </dgm:styleLbl>
+  <dgm:styleLbl name="dkBgShp">
+    <dgm:fillClrLst meth="repeat">
+      <a:schemeClr val="accent1">
+        <a:shade val="80000"/>
+      </a:schemeClr>
+    </dgm:fillClrLst>
+    <dgm:linClrLst meth="repeat">
+      <a:schemeClr val="accent1"/>
+    </dgm:linClrLst>
+    <dgm:effectClrLst/>
+    <dgm:txLinClrLst/>
+    <dgm:txFillClrLst meth="repeat">
+      <a:schemeClr val="lt1"/>
+    </dgm:txFillClrLst>
+    <dgm:txEffectClrLst/>
+  </dgm:styleLbl>
+  <dgm:styleLbl name="trBgShp">
+    <dgm:fillClrLst meth="repeat">
+      <a:schemeClr val="accent1">
+        <a:tint val="50000"/>
+        <a:alpha val="40000"/>
+      </a:schemeClr>
+    </dgm:fillClrLst>
+    <dgm:linClrLst meth="repeat">
+      <a:schemeClr val="accent1"/>
+    </dgm:linClrLst>
+    <dgm:effectClrLst/>
+    <dgm:txLinClrLst/>
+    <dgm:txFillClrLst meth="repeat">
+      <a:schemeClr val="lt1"/>
+    </dgm:txFillClrLst>
+    <dgm:txEffectClrLst/>
+  </dgm:styleLbl>
+  <dgm:styleLbl name="fgShp">
+    <dgm:fillClrLst meth="repeat">
+      <a:schemeClr val="accent1">
+        <a:tint val="60000"/>
+      </a:schemeClr>
+    </dgm:fillClrLst>
+    <dgm:linClrLst meth="repeat">
+      <a:schemeClr val="lt1"/>
+    </dgm:linClrLst>
+    <dgm:effectClrLst/>
+    <dgm:txLinClrLst/>
+    <dgm:txFillClrLst meth="repeat">
+      <a:schemeClr val="dk1"/>
+    </dgm:txFillClrLst>
+    <dgm:txEffectClrLst/>
+  </dgm:styleLbl>
+  <dgm:styleLbl name="revTx">
+    <dgm:fillClrLst meth="repeat">
+      <a:schemeClr val="lt1">
+        <a:alpha val="0"/>
+      </a:schemeClr>
+    </dgm:fillClrLst>
+    <dgm:linClrLst meth="repeat">
+      <a:schemeClr val="dk1">
+        <a:alpha val="0"/>
+      </a:schemeClr>
+    </dgm:linClrLst>
+    <dgm:effectClrLst/>
+    <dgm:txLinClrLst/>
+    <dgm:txFillClrLst meth="repeat">
+      <a:schemeClr val="tx1"/>
+    </dgm:txFillClrLst>
+    <dgm:txEffectClrLst/>
+  </dgm:styleLbl>
+</dgm:colorsDef>
+</file>
+
+<file path=ppt/diagrams/colors2.xml><?xml version="1.0" encoding="utf-8"?>
 <dgm:colorsDef xmlns:dgm="http://schemas.openxmlformats.org/drawingml/2006/diagram" xmlns:a="http://schemas.openxmlformats.org/drawingml/2006/main" uniqueId="urn:microsoft.com/office/officeart/2005/8/colors/accent1_2">
   <dgm:title val=""/>
   <dgm:desc val=""/>
@@ -1474,6 +2223,471 @@
 </dgm:dataModel>
 </file>
 
+<file path=ppt/diagrams/data2.xml><?xml version="1.0" encoding="utf-8"?>
+<dgm:dataModel xmlns:dgm="http://schemas.openxmlformats.org/drawingml/2006/diagram" xmlns:a="http://schemas.openxmlformats.org/drawingml/2006/main">
+  <dgm:ptLst>
+    <dgm:pt modelId="{663C412A-1D07-4E9D-B4C8-9B612BF914F0}" type="doc">
+      <dgm:prSet loTypeId="urn:microsoft.com/office/officeart/2009/3/layout/CircleRelationship" loCatId="relationship" qsTypeId="urn:microsoft.com/office/officeart/2005/8/quickstyle/3d9" qsCatId="3D" csTypeId="urn:microsoft.com/office/officeart/2005/8/colors/accent1_2" csCatId="accent1" phldr="1"/>
+      <dgm:spPr/>
+      <dgm:t>
+        <a:bodyPr/>
+        <a:lstStyle/>
+        <a:p>
+          <a:endParaRPr lang="en-US"/>
+        </a:p>
+      </dgm:t>
+    </dgm:pt>
+    <dgm:pt modelId="{9E9850A8-081F-41AC-84A7-81EC49F98062}">
+      <dgm:prSet phldrT="[Text]" phldr="1"/>
+      <dgm:spPr>
+        <a:blipFill rotWithShape="0">
+          <a:blip xmlns:r="http://schemas.openxmlformats.org/officeDocument/2006/relationships" r:embed="rId1"/>
+          <a:stretch>
+            <a:fillRect/>
+          </a:stretch>
+        </a:blipFill>
+      </dgm:spPr>
+      <dgm:t>
+        <a:bodyPr/>
+        <a:lstStyle/>
+        <a:p>
+          <a:endParaRPr lang="en-US" dirty="0">
+            <a:noFill/>
+          </a:endParaRPr>
+        </a:p>
+      </dgm:t>
+    </dgm:pt>
+    <dgm:pt modelId="{C5B4F76D-E635-41B2-9434-8FCAE05A8802}" type="parTrans" cxnId="{53BE02E1-1626-4FFB-9A24-EAFC89139B99}">
+      <dgm:prSet/>
+      <dgm:spPr/>
+      <dgm:t>
+        <a:bodyPr/>
+        <a:lstStyle/>
+        <a:p>
+          <a:endParaRPr lang="en-US"/>
+        </a:p>
+      </dgm:t>
+    </dgm:pt>
+    <dgm:pt modelId="{2E2D8130-79F3-489F-B8C9-2380913179B1}" type="sibTrans" cxnId="{53BE02E1-1626-4FFB-9A24-EAFC89139B99}">
+      <dgm:prSet/>
+      <dgm:spPr/>
+      <dgm:t>
+        <a:bodyPr/>
+        <a:lstStyle/>
+        <a:p>
+          <a:endParaRPr lang="en-US"/>
+        </a:p>
+      </dgm:t>
+    </dgm:pt>
+    <dgm:pt modelId="{B7AD6FA1-A26D-4A5C-8C90-6B87FF6B8437}">
+      <dgm:prSet phldrT="[Text]"/>
+      <dgm:spPr/>
+      <dgm:t>
+        <a:bodyPr/>
+        <a:lstStyle/>
+        <a:p>
+          <a:r>
+            <a:rPr lang="en-US" dirty="0" smtClean="0"/>
+            <a:t>Managing</a:t>
+          </a:r>
+          <a:endParaRPr lang="en-US" dirty="0"/>
+        </a:p>
+      </dgm:t>
+    </dgm:pt>
+    <dgm:pt modelId="{B97D1661-7F45-48CF-B6C9-357710AE2E6C}" type="parTrans" cxnId="{42701371-F19E-49D2-9387-0F918555D7FF}">
+      <dgm:prSet/>
+      <dgm:spPr/>
+      <dgm:t>
+        <a:bodyPr/>
+        <a:lstStyle/>
+        <a:p>
+          <a:endParaRPr lang="en-US"/>
+        </a:p>
+      </dgm:t>
+    </dgm:pt>
+    <dgm:pt modelId="{8CAFB07C-7769-4358-95DD-A2F1E578F61B}" type="sibTrans" cxnId="{42701371-F19E-49D2-9387-0F918555D7FF}">
+      <dgm:prSet/>
+      <dgm:spPr/>
+      <dgm:t>
+        <a:bodyPr/>
+        <a:lstStyle/>
+        <a:p>
+          <a:endParaRPr lang="en-US"/>
+        </a:p>
+      </dgm:t>
+    </dgm:pt>
+    <dgm:pt modelId="{42643A63-8AD7-4427-A529-BFB81CF332DD}">
+      <dgm:prSet phldrT="[Text]"/>
+      <dgm:spPr/>
+      <dgm:t>
+        <a:bodyPr/>
+        <a:lstStyle/>
+        <a:p>
+          <a:r>
+            <a:rPr lang="en-US" dirty="0" smtClean="0"/>
+            <a:t>Planning</a:t>
+          </a:r>
+          <a:endParaRPr lang="en-US" dirty="0"/>
+        </a:p>
+      </dgm:t>
+    </dgm:pt>
+    <dgm:pt modelId="{2973455C-CCC2-4AE0-A540-307D1A8C5B0C}" type="parTrans" cxnId="{6CBD5A01-01A6-470D-B7BC-D5EF66A2C4D3}">
+      <dgm:prSet/>
+      <dgm:spPr/>
+      <dgm:t>
+        <a:bodyPr/>
+        <a:lstStyle/>
+        <a:p>
+          <a:endParaRPr lang="en-US"/>
+        </a:p>
+      </dgm:t>
+    </dgm:pt>
+    <dgm:pt modelId="{BB66922F-93D4-40EE-A69B-7D4198FF13F0}" type="sibTrans" cxnId="{6CBD5A01-01A6-470D-B7BC-D5EF66A2C4D3}">
+      <dgm:prSet/>
+      <dgm:spPr/>
+      <dgm:t>
+        <a:bodyPr/>
+        <a:lstStyle/>
+        <a:p>
+          <a:endParaRPr lang="en-US"/>
+        </a:p>
+      </dgm:t>
+    </dgm:pt>
+    <dgm:pt modelId="{D1F2CE4B-FC08-4F2A-84DA-1B5A7FE753A2}">
+      <dgm:prSet phldrT="[Text]"/>
+      <dgm:spPr/>
+      <dgm:t>
+        <a:bodyPr/>
+        <a:lstStyle/>
+        <a:p>
+          <a:r>
+            <a:rPr lang="en-US" dirty="0" smtClean="0"/>
+            <a:t>Designing</a:t>
+          </a:r>
+          <a:endParaRPr lang="en-US" dirty="0"/>
+        </a:p>
+      </dgm:t>
+    </dgm:pt>
+    <dgm:pt modelId="{A27B5CC1-817C-41CB-BE1C-B1708D4086BB}" type="parTrans" cxnId="{C91518A0-89BB-4315-8100-959D0B005D66}">
+      <dgm:prSet/>
+      <dgm:spPr/>
+      <dgm:t>
+        <a:bodyPr/>
+        <a:lstStyle/>
+        <a:p>
+          <a:endParaRPr lang="en-US"/>
+        </a:p>
+      </dgm:t>
+    </dgm:pt>
+    <dgm:pt modelId="{6A079385-A873-421C-8A10-BFBAAB41EE81}" type="sibTrans" cxnId="{C91518A0-89BB-4315-8100-959D0B005D66}">
+      <dgm:prSet/>
+      <dgm:spPr/>
+      <dgm:t>
+        <a:bodyPr/>
+        <a:lstStyle/>
+        <a:p>
+          <a:endParaRPr lang="en-US"/>
+        </a:p>
+      </dgm:t>
+    </dgm:pt>
+    <dgm:pt modelId="{0C150617-2E78-4857-9446-496534D991B6}">
+      <dgm:prSet phldrT="[Text]"/>
+      <dgm:spPr/>
+      <dgm:t>
+        <a:bodyPr/>
+        <a:lstStyle/>
+        <a:p>
+          <a:r>
+            <a:rPr lang="en-US" dirty="0" smtClean="0"/>
+            <a:t>Coding</a:t>
+          </a:r>
+          <a:endParaRPr lang="en-US" dirty="0"/>
+        </a:p>
+      </dgm:t>
+    </dgm:pt>
+    <dgm:pt modelId="{741732C6-654D-4FD8-B95E-4D4FDF9E17CB}" type="parTrans" cxnId="{9183C238-1405-4004-BB1C-0D13A89CB237}">
+      <dgm:prSet/>
+      <dgm:spPr/>
+      <dgm:t>
+        <a:bodyPr/>
+        <a:lstStyle/>
+        <a:p>
+          <a:endParaRPr lang="en-US"/>
+        </a:p>
+      </dgm:t>
+    </dgm:pt>
+    <dgm:pt modelId="{6BE8FACE-E52F-4D3E-BB66-4A019C981C5D}" type="sibTrans" cxnId="{9183C238-1405-4004-BB1C-0D13A89CB237}">
+      <dgm:prSet/>
+      <dgm:spPr/>
+      <dgm:t>
+        <a:bodyPr/>
+        <a:lstStyle/>
+        <a:p>
+          <a:endParaRPr lang="en-US"/>
+        </a:p>
+      </dgm:t>
+    </dgm:pt>
+    <dgm:pt modelId="{77E3B7FC-C567-4AD1-9617-9E1C29A575B3}">
+      <dgm:prSet phldrT="[Text]"/>
+      <dgm:spPr/>
+      <dgm:t>
+        <a:bodyPr/>
+        <a:lstStyle/>
+        <a:p>
+          <a:r>
+            <a:rPr lang="en-US" dirty="0" smtClean="0"/>
+            <a:t>Testing</a:t>
+          </a:r>
+          <a:endParaRPr lang="en-US" dirty="0"/>
+        </a:p>
+      </dgm:t>
+    </dgm:pt>
+    <dgm:pt modelId="{F3DD8EAE-E236-4277-AB8B-A8A929955423}" type="parTrans" cxnId="{43053759-172B-4342-B1A2-4D89C4200CB5}">
+      <dgm:prSet/>
+      <dgm:spPr/>
+      <dgm:t>
+        <a:bodyPr/>
+        <a:lstStyle/>
+        <a:p>
+          <a:endParaRPr lang="en-US"/>
+        </a:p>
+      </dgm:t>
+    </dgm:pt>
+    <dgm:pt modelId="{86AE56C2-0EC5-4E70-91D1-AEF29DA8FEE7}" type="sibTrans" cxnId="{43053759-172B-4342-B1A2-4D89C4200CB5}">
+      <dgm:prSet/>
+      <dgm:spPr/>
+      <dgm:t>
+        <a:bodyPr/>
+        <a:lstStyle/>
+        <a:p>
+          <a:endParaRPr lang="en-US"/>
+        </a:p>
+      </dgm:t>
+    </dgm:pt>
+    <dgm:pt modelId="{67FD89F9-3578-4A5B-96AF-1313E75DF1DC}" type="pres">
+      <dgm:prSet presAssocID="{663C412A-1D07-4E9D-B4C8-9B612BF914F0}" presName="Name0" presStyleCnt="0">
+        <dgm:presLayoutVars>
+          <dgm:chMax val="1"/>
+          <dgm:chPref val="1"/>
+        </dgm:presLayoutVars>
+      </dgm:prSet>
+      <dgm:spPr/>
+    </dgm:pt>
+    <dgm:pt modelId="{84913147-EB6F-40D0-B1DB-2D1AF1860883}" type="pres">
+      <dgm:prSet presAssocID="{9E9850A8-081F-41AC-84A7-81EC49F98062}" presName="Parent" presStyleLbl="node0" presStyleIdx="0" presStyleCnt="1" custLinFactNeighborX="10697" custLinFactNeighborY="7182">
+        <dgm:presLayoutVars>
+          <dgm:chMax val="5"/>
+          <dgm:chPref val="5"/>
+        </dgm:presLayoutVars>
+      </dgm:prSet>
+      <dgm:spPr/>
+    </dgm:pt>
+    <dgm:pt modelId="{F6543234-C2E1-41C7-99F9-88BE8FB26255}" type="pres">
+      <dgm:prSet presAssocID="{9E9850A8-081F-41AC-84A7-81EC49F98062}" presName="Accent2" presStyleLbl="node1" presStyleIdx="0" presStyleCnt="19"/>
+      <dgm:spPr/>
+    </dgm:pt>
+    <dgm:pt modelId="{54B9E3E7-62E8-4E95-9D88-B6D6B31CF872}" type="pres">
+      <dgm:prSet presAssocID="{9E9850A8-081F-41AC-84A7-81EC49F98062}" presName="Accent3" presStyleLbl="node1" presStyleIdx="1" presStyleCnt="19"/>
+      <dgm:spPr/>
+    </dgm:pt>
+    <dgm:pt modelId="{22A9C01E-DA1F-435F-9AE7-2B36A328953F}" type="pres">
+      <dgm:prSet presAssocID="{9E9850A8-081F-41AC-84A7-81EC49F98062}" presName="Accent4" presStyleLbl="node1" presStyleIdx="2" presStyleCnt="19"/>
+      <dgm:spPr/>
+    </dgm:pt>
+    <dgm:pt modelId="{F04CE2F7-E782-467B-BD1B-C9E2C4AD8657}" type="pres">
+      <dgm:prSet presAssocID="{9E9850A8-081F-41AC-84A7-81EC49F98062}" presName="Accent5" presStyleLbl="node1" presStyleIdx="3" presStyleCnt="19"/>
+      <dgm:spPr/>
+    </dgm:pt>
+    <dgm:pt modelId="{D3781533-8C58-4993-AB85-680F99F8AA7B}" type="pres">
+      <dgm:prSet presAssocID="{9E9850A8-081F-41AC-84A7-81EC49F98062}" presName="Accent6" presStyleLbl="node1" presStyleIdx="4" presStyleCnt="19"/>
+      <dgm:spPr/>
+    </dgm:pt>
+    <dgm:pt modelId="{4EEE17E7-4F7D-46C0-AB51-D1C262BFA0CC}" type="pres">
+      <dgm:prSet presAssocID="{B7AD6FA1-A26D-4A5C-8C90-6B87FF6B8437}" presName="Child1" presStyleLbl="node1" presStyleIdx="5" presStyleCnt="19">
+        <dgm:presLayoutVars>
+          <dgm:chMax val="0"/>
+          <dgm:chPref val="0"/>
+        </dgm:presLayoutVars>
+      </dgm:prSet>
+      <dgm:spPr/>
+    </dgm:pt>
+    <dgm:pt modelId="{790E05EA-0457-4ADB-B652-A3A39C5E935D}" type="pres">
+      <dgm:prSet presAssocID="{B7AD6FA1-A26D-4A5C-8C90-6B87FF6B8437}" presName="Accent7" presStyleCnt="0"/>
+      <dgm:spPr/>
+    </dgm:pt>
+    <dgm:pt modelId="{494C122B-8060-4A5F-9075-C06B1634C0CA}" type="pres">
+      <dgm:prSet presAssocID="{B7AD6FA1-A26D-4A5C-8C90-6B87FF6B8437}" presName="AccentHold1" presStyleLbl="node1" presStyleIdx="6" presStyleCnt="19"/>
+      <dgm:spPr/>
+    </dgm:pt>
+    <dgm:pt modelId="{0E8E29F1-EA9F-48E1-BCDE-8CA5B364A138}" type="pres">
+      <dgm:prSet presAssocID="{B7AD6FA1-A26D-4A5C-8C90-6B87FF6B8437}" presName="Accent8" presStyleCnt="0"/>
+      <dgm:spPr/>
+    </dgm:pt>
+    <dgm:pt modelId="{F90BB88D-E4E4-4358-B5C6-0F1225CA0D6C}" type="pres">
+      <dgm:prSet presAssocID="{B7AD6FA1-A26D-4A5C-8C90-6B87FF6B8437}" presName="AccentHold2" presStyleLbl="node1" presStyleIdx="7" presStyleCnt="19"/>
+      <dgm:spPr/>
+    </dgm:pt>
+    <dgm:pt modelId="{9DDCF7E0-0477-4981-963D-85C26B99D351}" type="pres">
+      <dgm:prSet presAssocID="{42643A63-8AD7-4427-A529-BFB81CF332DD}" presName="Child2" presStyleLbl="node1" presStyleIdx="8" presStyleCnt="19">
+        <dgm:presLayoutVars>
+          <dgm:chMax val="0"/>
+          <dgm:chPref val="0"/>
+        </dgm:presLayoutVars>
+      </dgm:prSet>
+      <dgm:spPr/>
+    </dgm:pt>
+    <dgm:pt modelId="{7C726D60-FF5C-4FD5-AC99-A49E72E055D3}" type="pres">
+      <dgm:prSet presAssocID="{42643A63-8AD7-4427-A529-BFB81CF332DD}" presName="Accent9" presStyleCnt="0"/>
+      <dgm:spPr/>
+    </dgm:pt>
+    <dgm:pt modelId="{D6C2749F-6792-4DAD-A672-3B7455296993}" type="pres">
+      <dgm:prSet presAssocID="{42643A63-8AD7-4427-A529-BFB81CF332DD}" presName="AccentHold1" presStyleLbl="node1" presStyleIdx="9" presStyleCnt="19"/>
+      <dgm:spPr/>
+    </dgm:pt>
+    <dgm:pt modelId="{8F262423-D7F7-410B-A2E4-6B42212D49EE}" type="pres">
+      <dgm:prSet presAssocID="{42643A63-8AD7-4427-A529-BFB81CF332DD}" presName="Accent10" presStyleCnt="0"/>
+      <dgm:spPr/>
+    </dgm:pt>
+    <dgm:pt modelId="{A493B264-2616-4250-BDAE-FDC637AA62CC}" type="pres">
+      <dgm:prSet presAssocID="{42643A63-8AD7-4427-A529-BFB81CF332DD}" presName="AccentHold2" presStyleLbl="node1" presStyleIdx="10" presStyleCnt="19"/>
+      <dgm:spPr/>
+    </dgm:pt>
+    <dgm:pt modelId="{3422F496-359A-4D77-8E51-7D5E48C93CAA}" type="pres">
+      <dgm:prSet presAssocID="{42643A63-8AD7-4427-A529-BFB81CF332DD}" presName="Accent11" presStyleCnt="0"/>
+      <dgm:spPr/>
+    </dgm:pt>
+    <dgm:pt modelId="{143CB81A-3C42-4189-9391-2194FEFA17DE}" type="pres">
+      <dgm:prSet presAssocID="{42643A63-8AD7-4427-A529-BFB81CF332DD}" presName="AccentHold3" presStyleLbl="node1" presStyleIdx="11" presStyleCnt="19"/>
+      <dgm:spPr/>
+    </dgm:pt>
+    <dgm:pt modelId="{27E9DA70-D16D-492E-B9B5-ABD736C02ACD}" type="pres">
+      <dgm:prSet presAssocID="{D1F2CE4B-FC08-4F2A-84DA-1B5A7FE753A2}" presName="Child3" presStyleLbl="node1" presStyleIdx="12" presStyleCnt="19">
+        <dgm:presLayoutVars>
+          <dgm:chMax val="0"/>
+          <dgm:chPref val="0"/>
+        </dgm:presLayoutVars>
+      </dgm:prSet>
+      <dgm:spPr/>
+    </dgm:pt>
+    <dgm:pt modelId="{C18848F4-B2D0-4AB6-8C08-E968BF6D04A6}" type="pres">
+      <dgm:prSet presAssocID="{D1F2CE4B-FC08-4F2A-84DA-1B5A7FE753A2}" presName="Accent12" presStyleCnt="0"/>
+      <dgm:spPr/>
+    </dgm:pt>
+    <dgm:pt modelId="{419C8089-16E7-447A-A062-1C8C068ABF29}" type="pres">
+      <dgm:prSet presAssocID="{D1F2CE4B-FC08-4F2A-84DA-1B5A7FE753A2}" presName="AccentHold1" presStyleLbl="node1" presStyleIdx="13" presStyleCnt="19"/>
+      <dgm:spPr/>
+    </dgm:pt>
+    <dgm:pt modelId="{778130D6-ECB9-457F-BC2B-3C700476458C}" type="pres">
+      <dgm:prSet presAssocID="{0C150617-2E78-4857-9446-496534D991B6}" presName="Child4" presStyleLbl="node1" presStyleIdx="14" presStyleCnt="19">
+        <dgm:presLayoutVars>
+          <dgm:chMax val="0"/>
+          <dgm:chPref val="0"/>
+        </dgm:presLayoutVars>
+      </dgm:prSet>
+      <dgm:spPr/>
+      <dgm:t>
+        <a:bodyPr/>
+        <a:lstStyle/>
+        <a:p>
+          <a:endParaRPr lang="en-US"/>
+        </a:p>
+      </dgm:t>
+    </dgm:pt>
+    <dgm:pt modelId="{560BA9D9-8F96-4804-BEFA-AD86FF42E8A5}" type="pres">
+      <dgm:prSet presAssocID="{0C150617-2E78-4857-9446-496534D991B6}" presName="Accent13" presStyleCnt="0"/>
+      <dgm:spPr/>
+    </dgm:pt>
+    <dgm:pt modelId="{71811584-9045-40EE-B96E-7F2B447470EB}" type="pres">
+      <dgm:prSet presAssocID="{0C150617-2E78-4857-9446-496534D991B6}" presName="AccentHold1" presStyleLbl="node1" presStyleIdx="15" presStyleCnt="19"/>
+      <dgm:spPr/>
+    </dgm:pt>
+    <dgm:pt modelId="{47EA6318-668B-4B48-B04D-CEA34F423F2C}" type="pres">
+      <dgm:prSet presAssocID="{77E3B7FC-C567-4AD1-9617-9E1C29A575B3}" presName="Child5" presStyleLbl="node1" presStyleIdx="16" presStyleCnt="19">
+        <dgm:presLayoutVars>
+          <dgm:chMax val="0"/>
+          <dgm:chPref val="0"/>
+        </dgm:presLayoutVars>
+      </dgm:prSet>
+      <dgm:spPr/>
+      <dgm:t>
+        <a:bodyPr/>
+        <a:lstStyle/>
+        <a:p>
+          <a:endParaRPr lang="en-US"/>
+        </a:p>
+      </dgm:t>
+    </dgm:pt>
+    <dgm:pt modelId="{CAAE4780-C141-4D60-8F76-30C3D7447EF2}" type="pres">
+      <dgm:prSet presAssocID="{77E3B7FC-C567-4AD1-9617-9E1C29A575B3}" presName="Accent15" presStyleCnt="0"/>
+      <dgm:spPr/>
+    </dgm:pt>
+    <dgm:pt modelId="{EB927026-FE37-40DE-A03F-854E9D441154}" type="pres">
+      <dgm:prSet presAssocID="{77E3B7FC-C567-4AD1-9617-9E1C29A575B3}" presName="AccentHold2" presStyleLbl="node1" presStyleIdx="17" presStyleCnt="19"/>
+      <dgm:spPr/>
+    </dgm:pt>
+    <dgm:pt modelId="{0244E62F-4220-456A-847E-47CA8F1C3D03}" type="pres">
+      <dgm:prSet presAssocID="{77E3B7FC-C567-4AD1-9617-9E1C29A575B3}" presName="Accent16" presStyleCnt="0"/>
+      <dgm:spPr/>
+    </dgm:pt>
+    <dgm:pt modelId="{5FDA9C77-B4A2-402C-84C2-23D0F01C8914}" type="pres">
+      <dgm:prSet presAssocID="{77E3B7FC-C567-4AD1-9617-9E1C29A575B3}" presName="AccentHold3" presStyleLbl="node1" presStyleIdx="18" presStyleCnt="19"/>
+      <dgm:spPr/>
+    </dgm:pt>
+  </dgm:ptLst>
+  <dgm:cxnLst>
+    <dgm:cxn modelId="{C91518A0-89BB-4315-8100-959D0B005D66}" srcId="{9E9850A8-081F-41AC-84A7-81EC49F98062}" destId="{D1F2CE4B-FC08-4F2A-84DA-1B5A7FE753A2}" srcOrd="2" destOrd="0" parTransId="{A27B5CC1-817C-41CB-BE1C-B1708D4086BB}" sibTransId="{6A079385-A873-421C-8A10-BFBAAB41EE81}"/>
+    <dgm:cxn modelId="{A14F8F94-48CF-40BB-A9C5-A1223CC46D1B}" type="presOf" srcId="{77E3B7FC-C567-4AD1-9617-9E1C29A575B3}" destId="{47EA6318-668B-4B48-B04D-CEA34F423F2C}" srcOrd="0" destOrd="0" presId="urn:microsoft.com/office/officeart/2009/3/layout/CircleRelationship"/>
+    <dgm:cxn modelId="{64DA900C-3F11-4A2A-904D-F47D5F055D9C}" type="presOf" srcId="{D1F2CE4B-FC08-4F2A-84DA-1B5A7FE753A2}" destId="{27E9DA70-D16D-492E-B9B5-ABD736C02ACD}" srcOrd="0" destOrd="0" presId="urn:microsoft.com/office/officeart/2009/3/layout/CircleRelationship"/>
+    <dgm:cxn modelId="{6CBD5A01-01A6-470D-B7BC-D5EF66A2C4D3}" srcId="{9E9850A8-081F-41AC-84A7-81EC49F98062}" destId="{42643A63-8AD7-4427-A529-BFB81CF332DD}" srcOrd="1" destOrd="0" parTransId="{2973455C-CCC2-4AE0-A540-307D1A8C5B0C}" sibTransId="{BB66922F-93D4-40EE-A69B-7D4198FF13F0}"/>
+    <dgm:cxn modelId="{53BE02E1-1626-4FFB-9A24-EAFC89139B99}" srcId="{663C412A-1D07-4E9D-B4C8-9B612BF914F0}" destId="{9E9850A8-081F-41AC-84A7-81EC49F98062}" srcOrd="0" destOrd="0" parTransId="{C5B4F76D-E635-41B2-9434-8FCAE05A8802}" sibTransId="{2E2D8130-79F3-489F-B8C9-2380913179B1}"/>
+    <dgm:cxn modelId="{9183C238-1405-4004-BB1C-0D13A89CB237}" srcId="{9E9850A8-081F-41AC-84A7-81EC49F98062}" destId="{0C150617-2E78-4857-9446-496534D991B6}" srcOrd="3" destOrd="0" parTransId="{741732C6-654D-4FD8-B95E-4D4FDF9E17CB}" sibTransId="{6BE8FACE-E52F-4D3E-BB66-4A019C981C5D}"/>
+    <dgm:cxn modelId="{43053759-172B-4342-B1A2-4D89C4200CB5}" srcId="{9E9850A8-081F-41AC-84A7-81EC49F98062}" destId="{77E3B7FC-C567-4AD1-9617-9E1C29A575B3}" srcOrd="4" destOrd="0" parTransId="{F3DD8EAE-E236-4277-AB8B-A8A929955423}" sibTransId="{86AE56C2-0EC5-4E70-91D1-AEF29DA8FEE7}"/>
+    <dgm:cxn modelId="{98C9DF97-C549-4D2D-996A-D680703F3022}" type="presOf" srcId="{B7AD6FA1-A26D-4A5C-8C90-6B87FF6B8437}" destId="{4EEE17E7-4F7D-46C0-AB51-D1C262BFA0CC}" srcOrd="0" destOrd="0" presId="urn:microsoft.com/office/officeart/2009/3/layout/CircleRelationship"/>
+    <dgm:cxn modelId="{C70D0547-1D82-4CE6-8AA7-27EE31257B38}" type="presOf" srcId="{9E9850A8-081F-41AC-84A7-81EC49F98062}" destId="{84913147-EB6F-40D0-B1DB-2D1AF1860883}" srcOrd="0" destOrd="0" presId="urn:microsoft.com/office/officeart/2009/3/layout/CircleRelationship"/>
+    <dgm:cxn modelId="{EAFCD4A0-31C0-4149-9613-F28D884B6561}" type="presOf" srcId="{663C412A-1D07-4E9D-B4C8-9B612BF914F0}" destId="{67FD89F9-3578-4A5B-96AF-1313E75DF1DC}" srcOrd="0" destOrd="0" presId="urn:microsoft.com/office/officeart/2009/3/layout/CircleRelationship"/>
+    <dgm:cxn modelId="{42701371-F19E-49D2-9387-0F918555D7FF}" srcId="{9E9850A8-081F-41AC-84A7-81EC49F98062}" destId="{B7AD6FA1-A26D-4A5C-8C90-6B87FF6B8437}" srcOrd="0" destOrd="0" parTransId="{B97D1661-7F45-48CF-B6C9-357710AE2E6C}" sibTransId="{8CAFB07C-7769-4358-95DD-A2F1E578F61B}"/>
+    <dgm:cxn modelId="{DBA9F289-3E49-49E2-9886-418EC59C608F}" type="presOf" srcId="{42643A63-8AD7-4427-A529-BFB81CF332DD}" destId="{9DDCF7E0-0477-4981-963D-85C26B99D351}" srcOrd="0" destOrd="0" presId="urn:microsoft.com/office/officeart/2009/3/layout/CircleRelationship"/>
+    <dgm:cxn modelId="{832C125A-135B-44BD-9882-D2ACABA9171A}" type="presOf" srcId="{0C150617-2E78-4857-9446-496534D991B6}" destId="{778130D6-ECB9-457F-BC2B-3C700476458C}" srcOrd="0" destOrd="0" presId="urn:microsoft.com/office/officeart/2009/3/layout/CircleRelationship"/>
+    <dgm:cxn modelId="{E5F84640-3ABC-486F-8C44-8F5BB0463526}" type="presParOf" srcId="{67FD89F9-3578-4A5B-96AF-1313E75DF1DC}" destId="{84913147-EB6F-40D0-B1DB-2D1AF1860883}" srcOrd="0" destOrd="0" presId="urn:microsoft.com/office/officeart/2009/3/layout/CircleRelationship"/>
+    <dgm:cxn modelId="{B073E5E3-2254-4C64-A7FD-1D79FFB96C07}" type="presParOf" srcId="{67FD89F9-3578-4A5B-96AF-1313E75DF1DC}" destId="{F6543234-C2E1-41C7-99F9-88BE8FB26255}" srcOrd="1" destOrd="0" presId="urn:microsoft.com/office/officeart/2009/3/layout/CircleRelationship"/>
+    <dgm:cxn modelId="{E0B02B59-BDD7-4C63-AE06-EB7CD4A45336}" type="presParOf" srcId="{67FD89F9-3578-4A5B-96AF-1313E75DF1DC}" destId="{54B9E3E7-62E8-4E95-9D88-B6D6B31CF872}" srcOrd="2" destOrd="0" presId="urn:microsoft.com/office/officeart/2009/3/layout/CircleRelationship"/>
+    <dgm:cxn modelId="{7ADCF999-97CE-4042-B06C-5B76A22862A2}" type="presParOf" srcId="{67FD89F9-3578-4A5B-96AF-1313E75DF1DC}" destId="{22A9C01E-DA1F-435F-9AE7-2B36A328953F}" srcOrd="3" destOrd="0" presId="urn:microsoft.com/office/officeart/2009/3/layout/CircleRelationship"/>
+    <dgm:cxn modelId="{71C0947E-009D-46CC-B94C-A03DF636514F}" type="presParOf" srcId="{67FD89F9-3578-4A5B-96AF-1313E75DF1DC}" destId="{F04CE2F7-E782-467B-BD1B-C9E2C4AD8657}" srcOrd="4" destOrd="0" presId="urn:microsoft.com/office/officeart/2009/3/layout/CircleRelationship"/>
+    <dgm:cxn modelId="{0F037A22-CF85-4F06-B07A-F64659FB6748}" type="presParOf" srcId="{67FD89F9-3578-4A5B-96AF-1313E75DF1DC}" destId="{D3781533-8C58-4993-AB85-680F99F8AA7B}" srcOrd="5" destOrd="0" presId="urn:microsoft.com/office/officeart/2009/3/layout/CircleRelationship"/>
+    <dgm:cxn modelId="{0C7AD14E-5F5D-40E3-B254-C6F2410581C7}" type="presParOf" srcId="{67FD89F9-3578-4A5B-96AF-1313E75DF1DC}" destId="{4EEE17E7-4F7D-46C0-AB51-D1C262BFA0CC}" srcOrd="6" destOrd="0" presId="urn:microsoft.com/office/officeart/2009/3/layout/CircleRelationship"/>
+    <dgm:cxn modelId="{8736676A-1C75-437E-8F52-BB1003D517AF}" type="presParOf" srcId="{67FD89F9-3578-4A5B-96AF-1313E75DF1DC}" destId="{790E05EA-0457-4ADB-B652-A3A39C5E935D}" srcOrd="7" destOrd="0" presId="urn:microsoft.com/office/officeart/2009/3/layout/CircleRelationship"/>
+    <dgm:cxn modelId="{C8475D6A-1395-4B3A-9875-912FDAD4A918}" type="presParOf" srcId="{790E05EA-0457-4ADB-B652-A3A39C5E935D}" destId="{494C122B-8060-4A5F-9075-C06B1634C0CA}" srcOrd="0" destOrd="0" presId="urn:microsoft.com/office/officeart/2009/3/layout/CircleRelationship"/>
+    <dgm:cxn modelId="{C7326037-381C-4EF3-AF8F-D013EE5BB746}" type="presParOf" srcId="{67FD89F9-3578-4A5B-96AF-1313E75DF1DC}" destId="{0E8E29F1-EA9F-48E1-BCDE-8CA5B364A138}" srcOrd="8" destOrd="0" presId="urn:microsoft.com/office/officeart/2009/3/layout/CircleRelationship"/>
+    <dgm:cxn modelId="{66AD9DEA-8E0B-44AE-ADD7-3F7E49ECD588}" type="presParOf" srcId="{0E8E29F1-EA9F-48E1-BCDE-8CA5B364A138}" destId="{F90BB88D-E4E4-4358-B5C6-0F1225CA0D6C}" srcOrd="0" destOrd="0" presId="urn:microsoft.com/office/officeart/2009/3/layout/CircleRelationship"/>
+    <dgm:cxn modelId="{75F2676A-6B6C-4209-A3CB-CB195E23D64A}" type="presParOf" srcId="{67FD89F9-3578-4A5B-96AF-1313E75DF1DC}" destId="{9DDCF7E0-0477-4981-963D-85C26B99D351}" srcOrd="9" destOrd="0" presId="urn:microsoft.com/office/officeart/2009/3/layout/CircleRelationship"/>
+    <dgm:cxn modelId="{723385C8-5510-4176-9C3C-6A4DBBF6BB34}" type="presParOf" srcId="{67FD89F9-3578-4A5B-96AF-1313E75DF1DC}" destId="{7C726D60-FF5C-4FD5-AC99-A49E72E055D3}" srcOrd="10" destOrd="0" presId="urn:microsoft.com/office/officeart/2009/3/layout/CircleRelationship"/>
+    <dgm:cxn modelId="{2556F79A-60A2-4159-964D-EA71DB5AB1C0}" type="presParOf" srcId="{7C726D60-FF5C-4FD5-AC99-A49E72E055D3}" destId="{D6C2749F-6792-4DAD-A672-3B7455296993}" srcOrd="0" destOrd="0" presId="urn:microsoft.com/office/officeart/2009/3/layout/CircleRelationship"/>
+    <dgm:cxn modelId="{1EB2060A-767B-47A2-A8A0-39690CD2DE41}" type="presParOf" srcId="{67FD89F9-3578-4A5B-96AF-1313E75DF1DC}" destId="{8F262423-D7F7-410B-A2E4-6B42212D49EE}" srcOrd="11" destOrd="0" presId="urn:microsoft.com/office/officeart/2009/3/layout/CircleRelationship"/>
+    <dgm:cxn modelId="{3E69AD0F-8032-46D8-8C2E-6235BAF59D6F}" type="presParOf" srcId="{8F262423-D7F7-410B-A2E4-6B42212D49EE}" destId="{A493B264-2616-4250-BDAE-FDC637AA62CC}" srcOrd="0" destOrd="0" presId="urn:microsoft.com/office/officeart/2009/3/layout/CircleRelationship"/>
+    <dgm:cxn modelId="{11CEAD17-B078-4000-9210-59482CD5C5B2}" type="presParOf" srcId="{67FD89F9-3578-4A5B-96AF-1313E75DF1DC}" destId="{3422F496-359A-4D77-8E51-7D5E48C93CAA}" srcOrd="12" destOrd="0" presId="urn:microsoft.com/office/officeart/2009/3/layout/CircleRelationship"/>
+    <dgm:cxn modelId="{0FB09D16-E4DA-4F58-B5D1-C3C3DE0F39D1}" type="presParOf" srcId="{3422F496-359A-4D77-8E51-7D5E48C93CAA}" destId="{143CB81A-3C42-4189-9391-2194FEFA17DE}" srcOrd="0" destOrd="0" presId="urn:microsoft.com/office/officeart/2009/3/layout/CircleRelationship"/>
+    <dgm:cxn modelId="{FFB2DCBB-C052-4D21-9543-36D59E41302E}" type="presParOf" srcId="{67FD89F9-3578-4A5B-96AF-1313E75DF1DC}" destId="{27E9DA70-D16D-492E-B9B5-ABD736C02ACD}" srcOrd="13" destOrd="0" presId="urn:microsoft.com/office/officeart/2009/3/layout/CircleRelationship"/>
+    <dgm:cxn modelId="{DC8FCEA5-C404-4FE7-82F5-20DB41047816}" type="presParOf" srcId="{67FD89F9-3578-4A5B-96AF-1313E75DF1DC}" destId="{C18848F4-B2D0-4AB6-8C08-E968BF6D04A6}" srcOrd="14" destOrd="0" presId="urn:microsoft.com/office/officeart/2009/3/layout/CircleRelationship"/>
+    <dgm:cxn modelId="{28152422-36C3-418C-BDEE-31F1123D6216}" type="presParOf" srcId="{C18848F4-B2D0-4AB6-8C08-E968BF6D04A6}" destId="{419C8089-16E7-447A-A062-1C8C068ABF29}" srcOrd="0" destOrd="0" presId="urn:microsoft.com/office/officeart/2009/3/layout/CircleRelationship"/>
+    <dgm:cxn modelId="{6573D7A4-AD3B-42EE-9DE3-4AE64F8F4F33}" type="presParOf" srcId="{67FD89F9-3578-4A5B-96AF-1313E75DF1DC}" destId="{778130D6-ECB9-457F-BC2B-3C700476458C}" srcOrd="15" destOrd="0" presId="urn:microsoft.com/office/officeart/2009/3/layout/CircleRelationship"/>
+    <dgm:cxn modelId="{AC7BA7CF-86FA-4783-B7F8-5417D4790433}" type="presParOf" srcId="{67FD89F9-3578-4A5B-96AF-1313E75DF1DC}" destId="{560BA9D9-8F96-4804-BEFA-AD86FF42E8A5}" srcOrd="16" destOrd="0" presId="urn:microsoft.com/office/officeart/2009/3/layout/CircleRelationship"/>
+    <dgm:cxn modelId="{2D2083BF-EDCA-4311-AF6C-306D8AB171DB}" type="presParOf" srcId="{560BA9D9-8F96-4804-BEFA-AD86FF42E8A5}" destId="{71811584-9045-40EE-B96E-7F2B447470EB}" srcOrd="0" destOrd="0" presId="urn:microsoft.com/office/officeart/2009/3/layout/CircleRelationship"/>
+    <dgm:cxn modelId="{0F226047-1359-4A68-BAE7-02026DAEE11C}" type="presParOf" srcId="{67FD89F9-3578-4A5B-96AF-1313E75DF1DC}" destId="{47EA6318-668B-4B48-B04D-CEA34F423F2C}" srcOrd="17" destOrd="0" presId="urn:microsoft.com/office/officeart/2009/3/layout/CircleRelationship"/>
+    <dgm:cxn modelId="{EFB21801-092F-47AC-8E96-40B99C6CE077}" type="presParOf" srcId="{67FD89F9-3578-4A5B-96AF-1313E75DF1DC}" destId="{CAAE4780-C141-4D60-8F76-30C3D7447EF2}" srcOrd="18" destOrd="0" presId="urn:microsoft.com/office/officeart/2009/3/layout/CircleRelationship"/>
+    <dgm:cxn modelId="{7575952F-E4CF-4168-A454-802395AA1997}" type="presParOf" srcId="{CAAE4780-C141-4D60-8F76-30C3D7447EF2}" destId="{EB927026-FE37-40DE-A03F-854E9D441154}" srcOrd="0" destOrd="0" presId="urn:microsoft.com/office/officeart/2009/3/layout/CircleRelationship"/>
+    <dgm:cxn modelId="{9DD24896-1E3F-4E56-89F9-4F0D8393963E}" type="presParOf" srcId="{67FD89F9-3578-4A5B-96AF-1313E75DF1DC}" destId="{0244E62F-4220-456A-847E-47CA8F1C3D03}" srcOrd="19" destOrd="0" presId="urn:microsoft.com/office/officeart/2009/3/layout/CircleRelationship"/>
+    <dgm:cxn modelId="{E8DE43CC-F63F-4E1F-9999-67E647515E5B}" type="presParOf" srcId="{0244E62F-4220-456A-847E-47CA8F1C3D03}" destId="{5FDA9C77-B4A2-402C-84C2-23D0F01C8914}" srcOrd="0" destOrd="0" presId="urn:microsoft.com/office/officeart/2009/3/layout/CircleRelationship"/>
+  </dgm:cxnLst>
+  <dgm:bg/>
+  <dgm:whole/>
+  <dgm:extLst>
+    <a:ext uri="http://schemas.microsoft.com/office/drawing/2008/diagram">
+      <dsp:dataModelExt xmlns:dsp="http://schemas.microsoft.com/office/drawing/2008/diagram" relId="rId6" minVer="http://schemas.openxmlformats.org/drawingml/2006/diagram"/>
+    </a:ext>
+  </dgm:extLst>
+</dgm:dataModel>
+</file>
+
 <file path=ppt/diagrams/drawing1.xml><?xml version="1.0" encoding="utf-8"?>
 <dsp:drawing xmlns:dgm="http://schemas.openxmlformats.org/drawingml/2006/diagram" xmlns:dsp="http://schemas.microsoft.com/office/drawing/2008/diagram" xmlns:a="http://schemas.openxmlformats.org/drawingml/2006/main">
   <dsp:spTree>
@@ -1482,36 +2696,44 @@
       <dsp:cNvGrpSpPr/>
     </dsp:nvGrpSpPr>
     <dsp:grpSpPr/>
-    <dsp:sp modelId="{974D1544-313C-4B85-96E4-F98694E51952}">
+  </dsp:spTree>
+</dsp:drawing>
+</file>
+
+<file path=ppt/diagrams/drawing2.xml><?xml version="1.0" encoding="utf-8"?>
+<dsp:drawing xmlns:dgm="http://schemas.openxmlformats.org/drawingml/2006/diagram" xmlns:dsp="http://schemas.microsoft.com/office/drawing/2008/diagram" xmlns:a="http://schemas.openxmlformats.org/drawingml/2006/main">
+  <dsp:spTree>
+    <dsp:nvGrpSpPr>
+      <dsp:cNvPr id="0" name=""/>
+      <dsp:cNvGrpSpPr/>
+    </dsp:nvGrpSpPr>
+    <dsp:grpSpPr/>
+    <dsp:sp modelId="{84913147-EB6F-40D0-B1DB-2D1AF1860883}">
       <dsp:nvSpPr>
         <dsp:cNvPr id="0" name=""/>
         <dsp:cNvSpPr/>
       </dsp:nvSpPr>
       <dsp:spPr>
         <a:xfrm>
-          <a:off x="1576052" y="508629"/>
-          <a:ext cx="4044300" cy="4044300"/>
+          <a:off x="3569723" y="1533609"/>
+          <a:ext cx="3716309" cy="3716948"/>
         </a:xfrm>
-        <a:prstGeom prst="blockArc">
-          <a:avLst>
-            <a:gd name="adj1" fmla="val 13114286"/>
-            <a:gd name="adj2" fmla="val 16200000"/>
-            <a:gd name="adj3" fmla="val 3897"/>
-          </a:avLst>
+        <a:prstGeom prst="ellipse">
+          <a:avLst/>
         </a:prstGeom>
-        <a:solidFill>
-          <a:schemeClr val="accent1">
-            <a:tint val="60000"/>
-            <a:hueOff val="0"/>
-            <a:satOff val="0"/>
-            <a:lumOff val="0"/>
-            <a:alphaOff val="0"/>
-          </a:schemeClr>
-        </a:solidFill>
+        <a:blipFill rotWithShape="0">
+          <a:blip xmlns:r="http://schemas.openxmlformats.org/officeDocument/2006/relationships" r:embed="rId1"/>
+          <a:stretch>
+            <a:fillRect/>
+          </a:stretch>
+        </a:blipFill>
         <a:ln>
           <a:noFill/>
         </a:ln>
         <a:effectLst/>
+        <a:sp3d extrusionH="152250" prstMaterial="matte">
+          <a:bevelT w="165100" prst="coolSlant"/>
+        </a:sp3d>
       </dsp:spPr>
       <dsp:style>
         <a:lnRef idx="0">
@@ -1520,299 +2742,50 @@
         <a:fillRef idx="1">
           <a:scrgbClr r="0" g="0" b="0"/>
         </a:fillRef>
-        <a:effectRef idx="0">
+        <a:effectRef idx="2">
           <a:scrgbClr r="0" g="0" b="0"/>
         </a:effectRef>
         <a:fontRef idx="minor">
           <a:schemeClr val="lt1"/>
         </a:fontRef>
       </dsp:style>
+      <dsp:txBody>
+        <a:bodyPr spcFirstLastPara="0" vert="horz" wrap="square" lIns="53340" tIns="53340" rIns="53340" bIns="53340" numCol="1" spcCol="1270" anchor="ctr" anchorCtr="0">
+          <a:noAutofit/>
+          <a:sp3d extrusionH="28000" prstMaterial="matte"/>
+        </a:bodyPr>
+        <a:lstStyle/>
+        <a:p>
+          <a:pPr lvl="0" algn="ctr" defTabSz="622300">
+            <a:lnSpc>
+              <a:spcPct val="90000"/>
+            </a:lnSpc>
+            <a:spcBef>
+              <a:spcPct val="0"/>
+            </a:spcBef>
+            <a:spcAft>
+              <a:spcPct val="35000"/>
+            </a:spcAft>
+          </a:pPr>
+          <a:endParaRPr lang="en-US" sz="1400" kern="1200" dirty="0">
+            <a:noFill/>
+          </a:endParaRPr>
+        </a:p>
+      </dsp:txBody>
+      <dsp:txXfrm>
+        <a:off x="4113964" y="2077943"/>
+        <a:ext cx="2627827" cy="2628280"/>
+      </dsp:txXfrm>
     </dsp:sp>
-    <dsp:sp modelId="{43787B64-6ECE-4862-83FC-999710B65D94}">
+    <dsp:sp modelId="{F6543234-C2E1-41C7-99F9-88BE8FB26255}">
       <dsp:nvSpPr>
         <dsp:cNvPr id="0" name=""/>
         <dsp:cNvSpPr/>
       </dsp:nvSpPr>
       <dsp:spPr>
         <a:xfrm>
-          <a:off x="1576052" y="508629"/>
-          <a:ext cx="4044300" cy="4044300"/>
-        </a:xfrm>
-        <a:prstGeom prst="blockArc">
-          <a:avLst>
-            <a:gd name="adj1" fmla="val 10028571"/>
-            <a:gd name="adj2" fmla="val 13114286"/>
-            <a:gd name="adj3" fmla="val 3897"/>
-          </a:avLst>
-        </a:prstGeom>
-        <a:solidFill>
-          <a:schemeClr val="accent1">
-            <a:tint val="60000"/>
-            <a:hueOff val="0"/>
-            <a:satOff val="0"/>
-            <a:lumOff val="0"/>
-            <a:alphaOff val="0"/>
-          </a:schemeClr>
-        </a:solidFill>
-        <a:ln>
-          <a:noFill/>
-        </a:ln>
-        <a:effectLst/>
-      </dsp:spPr>
-      <dsp:style>
-        <a:lnRef idx="0">
-          <a:scrgbClr r="0" g="0" b="0"/>
-        </a:lnRef>
-        <a:fillRef idx="1">
-          <a:scrgbClr r="0" g="0" b="0"/>
-        </a:fillRef>
-        <a:effectRef idx="0">
-          <a:scrgbClr r="0" g="0" b="0"/>
-        </a:effectRef>
-        <a:fontRef idx="minor">
-          <a:schemeClr val="lt1"/>
-        </a:fontRef>
-      </dsp:style>
-    </dsp:sp>
-    <dsp:sp modelId="{62725212-3288-4862-A14D-4E6BB5BCB641}">
-      <dsp:nvSpPr>
-        <dsp:cNvPr id="0" name=""/>
-        <dsp:cNvSpPr/>
-      </dsp:nvSpPr>
-      <dsp:spPr>
-        <a:xfrm>
-          <a:off x="1576052" y="508629"/>
-          <a:ext cx="4044300" cy="4044300"/>
-        </a:xfrm>
-        <a:prstGeom prst="blockArc">
-          <a:avLst>
-            <a:gd name="adj1" fmla="val 6942857"/>
-            <a:gd name="adj2" fmla="val 10028571"/>
-            <a:gd name="adj3" fmla="val 3897"/>
-          </a:avLst>
-        </a:prstGeom>
-        <a:solidFill>
-          <a:schemeClr val="accent1">
-            <a:tint val="60000"/>
-            <a:hueOff val="0"/>
-            <a:satOff val="0"/>
-            <a:lumOff val="0"/>
-            <a:alphaOff val="0"/>
-          </a:schemeClr>
-        </a:solidFill>
-        <a:ln>
-          <a:noFill/>
-        </a:ln>
-        <a:effectLst/>
-      </dsp:spPr>
-      <dsp:style>
-        <a:lnRef idx="0">
-          <a:scrgbClr r="0" g="0" b="0"/>
-        </a:lnRef>
-        <a:fillRef idx="1">
-          <a:scrgbClr r="0" g="0" b="0"/>
-        </a:fillRef>
-        <a:effectRef idx="0">
-          <a:scrgbClr r="0" g="0" b="0"/>
-        </a:effectRef>
-        <a:fontRef idx="minor">
-          <a:schemeClr val="lt1"/>
-        </a:fontRef>
-      </dsp:style>
-    </dsp:sp>
-    <dsp:sp modelId="{D4C25836-BB1E-40C6-9055-79DFE51E84A4}">
-      <dsp:nvSpPr>
-        <dsp:cNvPr id="0" name=""/>
-        <dsp:cNvSpPr/>
-      </dsp:nvSpPr>
-      <dsp:spPr>
-        <a:xfrm>
-          <a:off x="1576052" y="508629"/>
-          <a:ext cx="4044300" cy="4044300"/>
-        </a:xfrm>
-        <a:prstGeom prst="blockArc">
-          <a:avLst>
-            <a:gd name="adj1" fmla="val 3857143"/>
-            <a:gd name="adj2" fmla="val 6942857"/>
-            <a:gd name="adj3" fmla="val 3897"/>
-          </a:avLst>
-        </a:prstGeom>
-        <a:solidFill>
-          <a:schemeClr val="accent1">
-            <a:tint val="60000"/>
-            <a:hueOff val="0"/>
-            <a:satOff val="0"/>
-            <a:lumOff val="0"/>
-            <a:alphaOff val="0"/>
-          </a:schemeClr>
-        </a:solidFill>
-        <a:ln>
-          <a:noFill/>
-        </a:ln>
-        <a:effectLst/>
-      </dsp:spPr>
-      <dsp:style>
-        <a:lnRef idx="0">
-          <a:scrgbClr r="0" g="0" b="0"/>
-        </a:lnRef>
-        <a:fillRef idx="1">
-          <a:scrgbClr r="0" g="0" b="0"/>
-        </a:fillRef>
-        <a:effectRef idx="0">
-          <a:scrgbClr r="0" g="0" b="0"/>
-        </a:effectRef>
-        <a:fontRef idx="minor">
-          <a:schemeClr val="lt1"/>
-        </a:fontRef>
-      </dsp:style>
-    </dsp:sp>
-    <dsp:sp modelId="{ADF11B85-49CD-4C45-834D-28EF8F01FAF4}">
-      <dsp:nvSpPr>
-        <dsp:cNvPr id="0" name=""/>
-        <dsp:cNvSpPr/>
-      </dsp:nvSpPr>
-      <dsp:spPr>
-        <a:xfrm>
-          <a:off x="1576052" y="508629"/>
-          <a:ext cx="4044300" cy="4044300"/>
-        </a:xfrm>
-        <a:prstGeom prst="blockArc">
-          <a:avLst>
-            <a:gd name="adj1" fmla="val 771429"/>
-            <a:gd name="adj2" fmla="val 3857143"/>
-            <a:gd name="adj3" fmla="val 3897"/>
-          </a:avLst>
-        </a:prstGeom>
-        <a:solidFill>
-          <a:schemeClr val="accent1">
-            <a:tint val="60000"/>
-            <a:hueOff val="0"/>
-            <a:satOff val="0"/>
-            <a:lumOff val="0"/>
-            <a:alphaOff val="0"/>
-          </a:schemeClr>
-        </a:solidFill>
-        <a:ln>
-          <a:noFill/>
-        </a:ln>
-        <a:effectLst/>
-      </dsp:spPr>
-      <dsp:style>
-        <a:lnRef idx="0">
-          <a:scrgbClr r="0" g="0" b="0"/>
-        </a:lnRef>
-        <a:fillRef idx="1">
-          <a:scrgbClr r="0" g="0" b="0"/>
-        </a:fillRef>
-        <a:effectRef idx="0">
-          <a:scrgbClr r="0" g="0" b="0"/>
-        </a:effectRef>
-        <a:fontRef idx="minor">
-          <a:schemeClr val="lt1"/>
-        </a:fontRef>
-      </dsp:style>
-    </dsp:sp>
-    <dsp:sp modelId="{3403E89E-646F-4749-98B8-1636056908AA}">
-      <dsp:nvSpPr>
-        <dsp:cNvPr id="0" name=""/>
-        <dsp:cNvSpPr/>
-      </dsp:nvSpPr>
-      <dsp:spPr>
-        <a:xfrm>
-          <a:off x="1576052" y="508629"/>
-          <a:ext cx="4044300" cy="4044300"/>
-        </a:xfrm>
-        <a:prstGeom prst="blockArc">
-          <a:avLst>
-            <a:gd name="adj1" fmla="val 19285714"/>
-            <a:gd name="adj2" fmla="val 771429"/>
-            <a:gd name="adj3" fmla="val 3897"/>
-          </a:avLst>
-        </a:prstGeom>
-        <a:solidFill>
-          <a:schemeClr val="accent1">
-            <a:tint val="60000"/>
-            <a:hueOff val="0"/>
-            <a:satOff val="0"/>
-            <a:lumOff val="0"/>
-            <a:alphaOff val="0"/>
-          </a:schemeClr>
-        </a:solidFill>
-        <a:ln>
-          <a:noFill/>
-        </a:ln>
-        <a:effectLst/>
-      </dsp:spPr>
-      <dsp:style>
-        <a:lnRef idx="0">
-          <a:scrgbClr r="0" g="0" b="0"/>
-        </a:lnRef>
-        <a:fillRef idx="1">
-          <a:scrgbClr r="0" g="0" b="0"/>
-        </a:fillRef>
-        <a:effectRef idx="0">
-          <a:scrgbClr r="0" g="0" b="0"/>
-        </a:effectRef>
-        <a:fontRef idx="minor">
-          <a:schemeClr val="lt1"/>
-        </a:fontRef>
-      </dsp:style>
-    </dsp:sp>
-    <dsp:sp modelId="{98C0CE5D-6568-4C58-8044-A6118E4DFAF6}">
-      <dsp:nvSpPr>
-        <dsp:cNvPr id="0" name=""/>
-        <dsp:cNvSpPr/>
-      </dsp:nvSpPr>
-      <dsp:spPr>
-        <a:xfrm>
-          <a:off x="1576052" y="508629"/>
-          <a:ext cx="4044300" cy="4044300"/>
-        </a:xfrm>
-        <a:prstGeom prst="blockArc">
-          <a:avLst>
-            <a:gd name="adj1" fmla="val 16200000"/>
-            <a:gd name="adj2" fmla="val 19285714"/>
-            <a:gd name="adj3" fmla="val 3897"/>
-          </a:avLst>
-        </a:prstGeom>
-        <a:solidFill>
-          <a:schemeClr val="accent1">
-            <a:tint val="60000"/>
-            <a:hueOff val="0"/>
-            <a:satOff val="0"/>
-            <a:lumOff val="0"/>
-            <a:alphaOff val="0"/>
-          </a:schemeClr>
-        </a:solidFill>
-        <a:ln>
-          <a:noFill/>
-        </a:ln>
-        <a:effectLst/>
-      </dsp:spPr>
-      <dsp:style>
-        <a:lnRef idx="0">
-          <a:scrgbClr r="0" g="0" b="0"/>
-        </a:lnRef>
-        <a:fillRef idx="1">
-          <a:scrgbClr r="0" g="0" b="0"/>
-        </a:fillRef>
-        <a:effectRef idx="0">
-          <a:scrgbClr r="0" g="0" b="0"/>
-        </a:effectRef>
-        <a:fontRef idx="minor">
-          <a:schemeClr val="lt1"/>
-        </a:fontRef>
-      </dsp:style>
-    </dsp:sp>
-    <dsp:sp modelId="{8046D806-D633-4925-88FF-13EA3736C642}">
-      <dsp:nvSpPr>
-        <dsp:cNvPr id="0" name=""/>
-        <dsp:cNvSpPr/>
-      </dsp:nvSpPr>
-      <dsp:spPr>
-        <a:xfrm>
-          <a:off x="2816366" y="1748944"/>
-          <a:ext cx="1563672" cy="1563672"/>
+          <a:off x="4314907" y="4707293"/>
+          <a:ext cx="299591" cy="299561"/>
         </a:xfrm>
         <a:prstGeom prst="ellipse">
           <a:avLst/>
@@ -1825,71 +2798,38 @@
             <a:alphaOff val="0"/>
           </a:schemeClr>
         </a:solidFill>
-        <a:ln w="12700" cap="flat" cmpd="sng" algn="ctr">
-          <a:solidFill>
-            <a:schemeClr val="lt1">
-              <a:hueOff val="0"/>
-              <a:satOff val="0"/>
-              <a:lumOff val="0"/>
-              <a:alphaOff val="0"/>
-            </a:schemeClr>
-          </a:solidFill>
-          <a:prstDash val="solid"/>
-          <a:miter lim="800000"/>
+        <a:ln>
+          <a:noFill/>
         </a:ln>
         <a:effectLst/>
+        <a:sp3d extrusionH="152250" prstMaterial="matte">
+          <a:bevelT w="165100" prst="coolSlant"/>
+        </a:sp3d>
       </dsp:spPr>
       <dsp:style>
-        <a:lnRef idx="2">
+        <a:lnRef idx="0">
           <a:scrgbClr r="0" g="0" b="0"/>
         </a:lnRef>
         <a:fillRef idx="1">
           <a:scrgbClr r="0" g="0" b="0"/>
         </a:fillRef>
-        <a:effectRef idx="0">
+        <a:effectRef idx="2">
           <a:scrgbClr r="0" g="0" b="0"/>
         </a:effectRef>
         <a:fontRef idx="minor">
           <a:schemeClr val="lt1"/>
         </a:fontRef>
       </dsp:style>
-      <dsp:txBody>
-        <a:bodyPr spcFirstLastPara="0" vert="horz" wrap="square" lIns="15240" tIns="15240" rIns="15240" bIns="15240" numCol="1" spcCol="1270" anchor="ctr" anchorCtr="0">
-          <a:noAutofit/>
-        </a:bodyPr>
-        <a:lstStyle/>
-        <a:p>
-          <a:pPr lvl="0" algn="ctr" defTabSz="533400">
-            <a:lnSpc>
-              <a:spcPct val="90000"/>
-            </a:lnSpc>
-            <a:spcBef>
-              <a:spcPct val="0"/>
-            </a:spcBef>
-            <a:spcAft>
-              <a:spcPct val="35000"/>
-            </a:spcAft>
-          </a:pPr>
-          <a:r>
-            <a:rPr lang="en-US" sz="1200" kern="1200" dirty="0"/>
-            <a:t>Software development model</a:t>
-          </a:r>
-        </a:p>
-      </dsp:txBody>
-      <dsp:txXfrm>
-        <a:off x="3045360" y="1977938"/>
-        <a:ext cx="1105684" cy="1105684"/>
-      </dsp:txXfrm>
     </dsp:sp>
-    <dsp:sp modelId="{0B9D4084-EA21-4F7B-A20F-0E1723A71ADE}">
+    <dsp:sp modelId="{54B9E3E7-62E8-4E95-9D88-B6D6B31CF872}">
       <dsp:nvSpPr>
         <dsp:cNvPr id="0" name=""/>
         <dsp:cNvSpPr/>
       </dsp:nvSpPr>
       <dsp:spPr>
         <a:xfrm>
-          <a:off x="3050917" y="749"/>
-          <a:ext cx="1094570" cy="1094570"/>
+          <a:off x="7127867" y="2775091"/>
+          <a:ext cx="299591" cy="299561"/>
         </a:xfrm>
         <a:prstGeom prst="ellipse">
           <a:avLst/>
@@ -1902,71 +2842,38 @@
             <a:alphaOff val="0"/>
           </a:schemeClr>
         </a:solidFill>
-        <a:ln w="12700" cap="flat" cmpd="sng" algn="ctr">
-          <a:solidFill>
-            <a:schemeClr val="lt1">
-              <a:hueOff val="0"/>
-              <a:satOff val="0"/>
-              <a:lumOff val="0"/>
-              <a:alphaOff val="0"/>
-            </a:schemeClr>
-          </a:solidFill>
-          <a:prstDash val="solid"/>
-          <a:miter lim="800000"/>
+        <a:ln>
+          <a:noFill/>
         </a:ln>
         <a:effectLst/>
+        <a:sp3d extrusionH="152250" prstMaterial="matte">
+          <a:bevelT w="165100" prst="coolSlant"/>
+        </a:sp3d>
       </dsp:spPr>
       <dsp:style>
-        <a:lnRef idx="2">
+        <a:lnRef idx="0">
           <a:scrgbClr r="0" g="0" b="0"/>
         </a:lnRef>
         <a:fillRef idx="1">
           <a:scrgbClr r="0" g="0" b="0"/>
         </a:fillRef>
-        <a:effectRef idx="0">
+        <a:effectRef idx="2">
           <a:scrgbClr r="0" g="0" b="0"/>
         </a:effectRef>
         <a:fontRef idx="minor">
           <a:schemeClr val="lt1"/>
         </a:fontRef>
       </dsp:style>
-      <dsp:txBody>
-        <a:bodyPr spcFirstLastPara="0" vert="horz" wrap="square" lIns="12700" tIns="12700" rIns="12700" bIns="12700" numCol="1" spcCol="1270" anchor="ctr" anchorCtr="0">
-          <a:noAutofit/>
-        </a:bodyPr>
-        <a:lstStyle/>
-        <a:p>
-          <a:pPr lvl="0" algn="ctr" defTabSz="444500">
-            <a:lnSpc>
-              <a:spcPct val="90000"/>
-            </a:lnSpc>
-            <a:spcBef>
-              <a:spcPct val="0"/>
-            </a:spcBef>
-            <a:spcAft>
-              <a:spcPct val="35000"/>
-            </a:spcAft>
-          </a:pPr>
-          <a:r>
-            <a:rPr lang="en-US" sz="1000" kern="1200" dirty="0"/>
-            <a:t>Waterfall model</a:t>
-          </a:r>
-        </a:p>
-      </dsp:txBody>
-      <dsp:txXfrm>
-        <a:off x="3211213" y="161045"/>
-        <a:ext cx="773978" cy="773978"/>
-      </dsp:txXfrm>
     </dsp:sp>
-    <dsp:sp modelId="{024B37C8-2E78-4627-9714-90BFEACD2D8D}">
+    <dsp:sp modelId="{22A9C01E-DA1F-435F-9AE7-2B36A328953F}">
       <dsp:nvSpPr>
         <dsp:cNvPr id="0" name=""/>
         <dsp:cNvSpPr/>
       </dsp:nvSpPr>
       <dsp:spPr>
         <a:xfrm>
-          <a:off x="4601090" y="747273"/>
-          <a:ext cx="1094570" cy="1094570"/>
+          <a:off x="5696231" y="5026117"/>
+          <a:ext cx="413177" cy="413806"/>
         </a:xfrm>
         <a:prstGeom prst="ellipse">
           <a:avLst/>
@@ -1979,71 +2886,38 @@
             <a:alphaOff val="0"/>
           </a:schemeClr>
         </a:solidFill>
-        <a:ln w="12700" cap="flat" cmpd="sng" algn="ctr">
-          <a:solidFill>
-            <a:schemeClr val="lt1">
-              <a:hueOff val="0"/>
-              <a:satOff val="0"/>
-              <a:lumOff val="0"/>
-              <a:alphaOff val="0"/>
-            </a:schemeClr>
-          </a:solidFill>
-          <a:prstDash val="solid"/>
-          <a:miter lim="800000"/>
+        <a:ln>
+          <a:noFill/>
         </a:ln>
         <a:effectLst/>
+        <a:sp3d extrusionH="152250" prstMaterial="matte">
+          <a:bevelT w="165100" prst="coolSlant"/>
+        </a:sp3d>
       </dsp:spPr>
       <dsp:style>
-        <a:lnRef idx="2">
+        <a:lnRef idx="0">
           <a:scrgbClr r="0" g="0" b="0"/>
         </a:lnRef>
         <a:fillRef idx="1">
           <a:scrgbClr r="0" g="0" b="0"/>
         </a:fillRef>
-        <a:effectRef idx="0">
+        <a:effectRef idx="2">
           <a:scrgbClr r="0" g="0" b="0"/>
         </a:effectRef>
         <a:fontRef idx="minor">
           <a:schemeClr val="lt1"/>
         </a:fontRef>
       </dsp:style>
-      <dsp:txBody>
-        <a:bodyPr spcFirstLastPara="0" vert="horz" wrap="square" lIns="12700" tIns="12700" rIns="12700" bIns="12700" numCol="1" spcCol="1270" anchor="ctr" anchorCtr="0">
-          <a:noAutofit/>
-        </a:bodyPr>
-        <a:lstStyle/>
-        <a:p>
-          <a:pPr lvl="0" algn="ctr" defTabSz="444500">
-            <a:lnSpc>
-              <a:spcPct val="90000"/>
-            </a:lnSpc>
-            <a:spcBef>
-              <a:spcPct val="0"/>
-            </a:spcBef>
-            <a:spcAft>
-              <a:spcPct val="35000"/>
-            </a:spcAft>
-          </a:pPr>
-          <a:r>
-            <a:rPr lang="en-US" sz="1000" kern="1200" dirty="0"/>
-            <a:t>Iterative model</a:t>
-          </a:r>
-        </a:p>
-      </dsp:txBody>
-      <dsp:txXfrm>
-        <a:off x="4761386" y="907569"/>
-        <a:ext cx="773978" cy="773978"/>
-      </dsp:txXfrm>
     </dsp:sp>
-    <dsp:sp modelId="{D02A1073-280A-4030-B61B-6AB009F7EB42}">
+    <dsp:sp modelId="{F04CE2F7-E782-467B-BD1B-C9E2C4AD8657}">
       <dsp:nvSpPr>
         <dsp:cNvPr id="0" name=""/>
         <dsp:cNvSpPr/>
       </dsp:nvSpPr>
       <dsp:spPr>
         <a:xfrm>
-          <a:off x="4983951" y="2424697"/>
-          <a:ext cx="1094570" cy="1094570"/>
+          <a:off x="4398762" y="1684450"/>
+          <a:ext cx="299591" cy="299561"/>
         </a:xfrm>
         <a:prstGeom prst="ellipse">
           <a:avLst/>
@@ -2056,71 +2930,38 @@
             <a:alphaOff val="0"/>
           </a:schemeClr>
         </a:solidFill>
-        <a:ln w="12700" cap="flat" cmpd="sng" algn="ctr">
-          <a:solidFill>
-            <a:schemeClr val="lt1">
-              <a:hueOff val="0"/>
-              <a:satOff val="0"/>
-              <a:lumOff val="0"/>
-              <a:alphaOff val="0"/>
-            </a:schemeClr>
-          </a:solidFill>
-          <a:prstDash val="solid"/>
-          <a:miter lim="800000"/>
+        <a:ln>
+          <a:noFill/>
         </a:ln>
         <a:effectLst/>
+        <a:sp3d extrusionH="152250" prstMaterial="matte">
+          <a:bevelT w="165100" prst="coolSlant"/>
+        </a:sp3d>
       </dsp:spPr>
       <dsp:style>
-        <a:lnRef idx="2">
+        <a:lnRef idx="0">
           <a:scrgbClr r="0" g="0" b="0"/>
         </a:lnRef>
         <a:fillRef idx="1">
           <a:scrgbClr r="0" g="0" b="0"/>
         </a:fillRef>
-        <a:effectRef idx="0">
+        <a:effectRef idx="2">
           <a:scrgbClr r="0" g="0" b="0"/>
         </a:effectRef>
         <a:fontRef idx="minor">
           <a:schemeClr val="lt1"/>
         </a:fontRef>
       </dsp:style>
-      <dsp:txBody>
-        <a:bodyPr spcFirstLastPara="0" vert="horz" wrap="square" lIns="12700" tIns="12700" rIns="12700" bIns="12700" numCol="1" spcCol="1270" anchor="ctr" anchorCtr="0">
-          <a:noAutofit/>
-        </a:bodyPr>
-        <a:lstStyle/>
-        <a:p>
-          <a:pPr lvl="0" algn="ctr" defTabSz="444500">
-            <a:lnSpc>
-              <a:spcPct val="90000"/>
-            </a:lnSpc>
-            <a:spcBef>
-              <a:spcPct val="0"/>
-            </a:spcBef>
-            <a:spcAft>
-              <a:spcPct val="35000"/>
-            </a:spcAft>
-          </a:pPr>
-          <a:r>
-            <a:rPr lang="en-US" sz="1000" kern="1200" dirty="0"/>
-            <a:t>Agile model</a:t>
-          </a:r>
-        </a:p>
-      </dsp:txBody>
-      <dsp:txXfrm>
-        <a:off x="5144247" y="2584993"/>
-        <a:ext cx="773978" cy="773978"/>
-      </dsp:txXfrm>
     </dsp:sp>
-    <dsp:sp modelId="{B0856285-8B4C-4921-A3FF-D6436B7247C2}">
+    <dsp:sp modelId="{D3781533-8C58-4993-AB85-680F99F8AA7B}">
       <dsp:nvSpPr>
         <dsp:cNvPr id="0" name=""/>
         <dsp:cNvSpPr/>
       </dsp:nvSpPr>
       <dsp:spPr>
         <a:xfrm>
-          <a:off x="3911198" y="3769887"/>
-          <a:ext cx="1094570" cy="1094570"/>
+          <a:off x="3455773" y="3398789"/>
+          <a:ext cx="299591" cy="299561"/>
         </a:xfrm>
         <a:prstGeom prst="ellipse">
           <a:avLst/>
@@ -2133,71 +2974,38 @@
             <a:alphaOff val="0"/>
           </a:schemeClr>
         </a:solidFill>
-        <a:ln w="12700" cap="flat" cmpd="sng" algn="ctr">
-          <a:solidFill>
-            <a:schemeClr val="lt1">
-              <a:hueOff val="0"/>
-              <a:satOff val="0"/>
-              <a:lumOff val="0"/>
-              <a:alphaOff val="0"/>
-            </a:schemeClr>
-          </a:solidFill>
-          <a:prstDash val="solid"/>
-          <a:miter lim="800000"/>
+        <a:ln>
+          <a:noFill/>
         </a:ln>
         <a:effectLst/>
+        <a:sp3d extrusionH="152250" prstMaterial="matte">
+          <a:bevelT w="165100" prst="coolSlant"/>
+        </a:sp3d>
       </dsp:spPr>
       <dsp:style>
-        <a:lnRef idx="2">
+        <a:lnRef idx="0">
           <a:scrgbClr r="0" g="0" b="0"/>
         </a:lnRef>
         <a:fillRef idx="1">
           <a:scrgbClr r="0" g="0" b="0"/>
         </a:fillRef>
-        <a:effectRef idx="0">
+        <a:effectRef idx="2">
           <a:scrgbClr r="0" g="0" b="0"/>
         </a:effectRef>
         <a:fontRef idx="minor">
           <a:schemeClr val="lt1"/>
         </a:fontRef>
       </dsp:style>
-      <dsp:txBody>
-        <a:bodyPr spcFirstLastPara="0" vert="horz" wrap="square" lIns="12700" tIns="12700" rIns="12700" bIns="12700" numCol="1" spcCol="1270" anchor="ctr" anchorCtr="0">
-          <a:noAutofit/>
-        </a:bodyPr>
-        <a:lstStyle/>
-        <a:p>
-          <a:pPr lvl="0" algn="ctr" defTabSz="444500">
-            <a:lnSpc>
-              <a:spcPct val="90000"/>
-            </a:lnSpc>
-            <a:spcBef>
-              <a:spcPct val="0"/>
-            </a:spcBef>
-            <a:spcAft>
-              <a:spcPct val="35000"/>
-            </a:spcAft>
-          </a:pPr>
-          <a:r>
-            <a:rPr lang="en-US" sz="1000" kern="1200" dirty="0"/>
-            <a:t>RAD model</a:t>
-          </a:r>
-        </a:p>
-      </dsp:txBody>
-      <dsp:txXfrm>
-        <a:off x="4071494" y="3930183"/>
-        <a:ext cx="773978" cy="773978"/>
-      </dsp:txXfrm>
     </dsp:sp>
-    <dsp:sp modelId="{120EC894-2FDD-4E69-8DA1-1E4987D6750C}">
+    <dsp:sp modelId="{4EEE17E7-4F7D-46C0-AB51-D1C262BFA0CC}">
       <dsp:nvSpPr>
         <dsp:cNvPr id="0" name=""/>
         <dsp:cNvSpPr/>
       </dsp:nvSpPr>
       <dsp:spPr>
         <a:xfrm>
-          <a:off x="2190636" y="3769887"/>
-          <a:ext cx="1094570" cy="1094570"/>
+          <a:off x="2010414" y="1937516"/>
+          <a:ext cx="1510918" cy="1511089"/>
         </a:xfrm>
         <a:prstGeom prst="ellipse">
           <a:avLst/>
@@ -2210,28 +3018,22 @@
             <a:alphaOff val="0"/>
           </a:schemeClr>
         </a:solidFill>
-        <a:ln w="12700" cap="flat" cmpd="sng" algn="ctr">
-          <a:solidFill>
-            <a:schemeClr val="lt1">
-              <a:hueOff val="0"/>
-              <a:satOff val="0"/>
-              <a:lumOff val="0"/>
-              <a:alphaOff val="0"/>
-            </a:schemeClr>
-          </a:solidFill>
-          <a:prstDash val="solid"/>
-          <a:miter lim="800000"/>
+        <a:ln>
+          <a:noFill/>
         </a:ln>
         <a:effectLst/>
+        <a:sp3d extrusionH="152250" prstMaterial="matte">
+          <a:bevelT w="165100" prst="coolSlant"/>
+        </a:sp3d>
       </dsp:spPr>
       <dsp:style>
-        <a:lnRef idx="2">
+        <a:lnRef idx="0">
           <a:scrgbClr r="0" g="0" b="0"/>
         </a:lnRef>
         <a:fillRef idx="1">
           <a:scrgbClr r="0" g="0" b="0"/>
         </a:fillRef>
-        <a:effectRef idx="0">
+        <a:effectRef idx="2">
           <a:scrgbClr r="0" g="0" b="0"/>
         </a:effectRef>
         <a:fontRef idx="minor">
@@ -2239,12 +3041,13 @@
         </a:fontRef>
       </dsp:style>
       <dsp:txBody>
-        <a:bodyPr spcFirstLastPara="0" vert="horz" wrap="square" lIns="12700" tIns="12700" rIns="12700" bIns="12700" numCol="1" spcCol="1270" anchor="ctr" anchorCtr="0">
+        <a:bodyPr spcFirstLastPara="0" vert="horz" wrap="square" lIns="53340" tIns="53340" rIns="53340" bIns="53340" numCol="1" spcCol="1270" anchor="ctr" anchorCtr="0">
           <a:noAutofit/>
+          <a:sp3d extrusionH="28000" prstMaterial="matte"/>
         </a:bodyPr>
         <a:lstStyle/>
         <a:p>
-          <a:pPr lvl="0" algn="ctr" defTabSz="444500">
+          <a:pPr lvl="0" algn="ctr" defTabSz="622300">
             <a:lnSpc>
               <a:spcPct val="90000"/>
             </a:lnSpc>
@@ -2256,25 +3059,26 @@
             </a:spcAft>
           </a:pPr>
           <a:r>
-            <a:rPr lang="en-US" sz="1000" kern="1200" dirty="0"/>
-            <a:t>Incremental model</a:t>
+            <a:rPr lang="en-US" sz="1400" kern="1200" dirty="0" smtClean="0"/>
+            <a:t>Managing</a:t>
           </a:r>
+          <a:endParaRPr lang="en-US" sz="1400" kern="1200" dirty="0"/>
         </a:p>
       </dsp:txBody>
       <dsp:txXfrm>
-        <a:off x="2350932" y="3930183"/>
-        <a:ext cx="773978" cy="773978"/>
+        <a:off x="2231683" y="2158810"/>
+        <a:ext cx="1068380" cy="1068501"/>
       </dsp:txXfrm>
     </dsp:sp>
-    <dsp:sp modelId="{5EBC7458-FEF4-4BAA-BB89-62B9D0604C8A}">
+    <dsp:sp modelId="{494C122B-8060-4A5F-9075-C06B1634C0CA}">
       <dsp:nvSpPr>
         <dsp:cNvPr id="0" name=""/>
         <dsp:cNvSpPr/>
       </dsp:nvSpPr>
       <dsp:spPr>
         <a:xfrm>
-          <a:off x="1117883" y="2424697"/>
-          <a:ext cx="1094570" cy="1094570"/>
+          <a:off x="4875212" y="1697734"/>
+          <a:ext cx="413177" cy="413806"/>
         </a:xfrm>
         <a:prstGeom prst="ellipse">
           <a:avLst/>
@@ -2287,71 +3091,38 @@
             <a:alphaOff val="0"/>
           </a:schemeClr>
         </a:solidFill>
-        <a:ln w="12700" cap="flat" cmpd="sng" algn="ctr">
-          <a:solidFill>
-            <a:schemeClr val="lt1">
-              <a:hueOff val="0"/>
-              <a:satOff val="0"/>
-              <a:lumOff val="0"/>
-              <a:alphaOff val="0"/>
-            </a:schemeClr>
-          </a:solidFill>
-          <a:prstDash val="solid"/>
-          <a:miter lim="800000"/>
+        <a:ln>
+          <a:noFill/>
         </a:ln>
         <a:effectLst/>
+        <a:sp3d extrusionH="152250" prstMaterial="matte">
+          <a:bevelT w="165100" prst="coolSlant"/>
+        </a:sp3d>
       </dsp:spPr>
       <dsp:style>
-        <a:lnRef idx="2">
+        <a:lnRef idx="0">
           <a:scrgbClr r="0" g="0" b="0"/>
         </a:lnRef>
         <a:fillRef idx="1">
           <a:scrgbClr r="0" g="0" b="0"/>
         </a:fillRef>
-        <a:effectRef idx="0">
+        <a:effectRef idx="2">
           <a:scrgbClr r="0" g="0" b="0"/>
         </a:effectRef>
         <a:fontRef idx="minor">
           <a:schemeClr val="lt1"/>
         </a:fontRef>
       </dsp:style>
-      <dsp:txBody>
-        <a:bodyPr spcFirstLastPara="0" vert="horz" wrap="square" lIns="12700" tIns="12700" rIns="12700" bIns="12700" numCol="1" spcCol="1270" anchor="ctr" anchorCtr="0">
-          <a:noAutofit/>
-        </a:bodyPr>
-        <a:lstStyle/>
-        <a:p>
-          <a:pPr lvl="0" algn="ctr" defTabSz="444500">
-            <a:lnSpc>
-              <a:spcPct val="90000"/>
-            </a:lnSpc>
-            <a:spcBef>
-              <a:spcPct val="0"/>
-            </a:spcBef>
-            <a:spcAft>
-              <a:spcPct val="35000"/>
-            </a:spcAft>
-          </a:pPr>
-          <a:r>
-            <a:rPr lang="en-US" sz="1000" kern="1200" dirty="0"/>
-            <a:t>V model</a:t>
-          </a:r>
-        </a:p>
-      </dsp:txBody>
-      <dsp:txXfrm>
-        <a:off x="1278179" y="2584993"/>
-        <a:ext cx="773978" cy="773978"/>
-      </dsp:txXfrm>
     </dsp:sp>
-    <dsp:sp modelId="{C0E538A1-8247-4D29-A464-326B7E9E49F2}">
+    <dsp:sp modelId="{F90BB88D-E4E4-4358-B5C6-0F1225CA0D6C}">
       <dsp:nvSpPr>
         <dsp:cNvPr id="0" name=""/>
         <dsp:cNvSpPr/>
       </dsp:nvSpPr>
       <dsp:spPr>
         <a:xfrm>
-          <a:off x="1500744" y="747273"/>
-          <a:ext cx="1094570" cy="1094570"/>
+          <a:off x="2152968" y="3890973"/>
+          <a:ext cx="747073" cy="747242"/>
         </a:xfrm>
         <a:prstGeom prst="ellipse">
           <a:avLst/>
@@ -2364,28 +3135,66 @@
             <a:alphaOff val="0"/>
           </a:schemeClr>
         </a:solidFill>
-        <a:ln w="12700" cap="flat" cmpd="sng" algn="ctr">
-          <a:solidFill>
-            <a:schemeClr val="lt1">
-              <a:hueOff val="0"/>
-              <a:satOff val="0"/>
-              <a:lumOff val="0"/>
-              <a:alphaOff val="0"/>
-            </a:schemeClr>
-          </a:solidFill>
-          <a:prstDash val="solid"/>
-          <a:miter lim="800000"/>
+        <a:ln>
+          <a:noFill/>
         </a:ln>
         <a:effectLst/>
+        <a:sp3d extrusionH="152250" prstMaterial="matte">
+          <a:bevelT w="165100" prst="coolSlant"/>
+        </a:sp3d>
       </dsp:spPr>
       <dsp:style>
-        <a:lnRef idx="2">
+        <a:lnRef idx="0">
           <a:scrgbClr r="0" g="0" b="0"/>
         </a:lnRef>
         <a:fillRef idx="1">
           <a:scrgbClr r="0" g="0" b="0"/>
         </a:fillRef>
-        <a:effectRef idx="0">
+        <a:effectRef idx="2">
+          <a:scrgbClr r="0" g="0" b="0"/>
+        </a:effectRef>
+        <a:fontRef idx="minor">
+          <a:schemeClr val="lt1"/>
+        </a:fontRef>
+      </dsp:style>
+    </dsp:sp>
+    <dsp:sp modelId="{9DDCF7E0-0477-4981-963D-85C26B99D351}">
+      <dsp:nvSpPr>
+        <dsp:cNvPr id="0" name=""/>
+        <dsp:cNvSpPr/>
+      </dsp:nvSpPr>
+      <dsp:spPr>
+        <a:xfrm>
+          <a:off x="7270421" y="1226805"/>
+          <a:ext cx="1510918" cy="1511089"/>
+        </a:xfrm>
+        <a:prstGeom prst="ellipse">
+          <a:avLst/>
+        </a:prstGeom>
+        <a:solidFill>
+          <a:schemeClr val="accent1">
+            <a:hueOff val="0"/>
+            <a:satOff val="0"/>
+            <a:lumOff val="0"/>
+            <a:alphaOff val="0"/>
+          </a:schemeClr>
+        </a:solidFill>
+        <a:ln>
+          <a:noFill/>
+        </a:ln>
+        <a:effectLst/>
+        <a:sp3d extrusionH="152250" prstMaterial="matte">
+          <a:bevelT w="165100" prst="coolSlant"/>
+        </a:sp3d>
+      </dsp:spPr>
+      <dsp:style>
+        <a:lnRef idx="0">
+          <a:scrgbClr r="0" g="0" b="0"/>
+        </a:lnRef>
+        <a:fillRef idx="1">
+          <a:scrgbClr r="0" g="0" b="0"/>
+        </a:fillRef>
+        <a:effectRef idx="2">
           <a:scrgbClr r="0" g="0" b="0"/>
         </a:effectRef>
         <a:fontRef idx="minor">
@@ -2393,12 +3202,13 @@
         </a:fontRef>
       </dsp:style>
       <dsp:txBody>
-        <a:bodyPr spcFirstLastPara="0" vert="horz" wrap="square" lIns="12700" tIns="12700" rIns="12700" bIns="12700" numCol="1" spcCol="1270" anchor="ctr" anchorCtr="0">
+        <a:bodyPr spcFirstLastPara="0" vert="horz" wrap="square" lIns="53340" tIns="53340" rIns="53340" bIns="53340" numCol="1" spcCol="1270" anchor="ctr" anchorCtr="0">
           <a:noAutofit/>
+          <a:sp3d extrusionH="28000" prstMaterial="matte"/>
         </a:bodyPr>
         <a:lstStyle/>
         <a:p>
-          <a:pPr lvl="0" algn="ctr" defTabSz="444500">
+          <a:pPr lvl="0" algn="ctr" defTabSz="622300">
             <a:lnSpc>
               <a:spcPct val="90000"/>
             </a:lnSpc>
@@ -2410,15 +3220,543 @@
             </a:spcAft>
           </a:pPr>
           <a:r>
-            <a:rPr lang="en-US" sz="1000" kern="1200" dirty="0"/>
-            <a:t>Spiral model</a:t>
+            <a:rPr lang="en-US" sz="1400" kern="1200" dirty="0" smtClean="0"/>
+            <a:t>Planning</a:t>
           </a:r>
+          <a:endParaRPr lang="en-US" sz="1400" kern="1200" dirty="0"/>
         </a:p>
       </dsp:txBody>
       <dsp:txXfrm>
-        <a:off x="1661040" y="907569"/>
-        <a:ext cx="773978" cy="773978"/>
+        <a:off x="7491690" y="1448099"/>
+        <a:ext cx="1068380" cy="1068501"/>
       </dsp:txXfrm>
+    </dsp:sp>
+    <dsp:sp modelId="{D6C2749F-6792-4DAD-A672-3B7455296993}">
+      <dsp:nvSpPr>
+        <dsp:cNvPr id="0" name=""/>
+        <dsp:cNvSpPr/>
+      </dsp:nvSpPr>
+      <dsp:spPr>
+        <a:xfrm>
+          <a:off x="6595768" y="2269623"/>
+          <a:ext cx="413177" cy="413806"/>
+        </a:xfrm>
+        <a:prstGeom prst="ellipse">
+          <a:avLst/>
+        </a:prstGeom>
+        <a:solidFill>
+          <a:schemeClr val="accent1">
+            <a:hueOff val="0"/>
+            <a:satOff val="0"/>
+            <a:lumOff val="0"/>
+            <a:alphaOff val="0"/>
+          </a:schemeClr>
+        </a:solidFill>
+        <a:ln>
+          <a:noFill/>
+        </a:ln>
+        <a:effectLst/>
+        <a:sp3d extrusionH="152250" prstMaterial="matte">
+          <a:bevelT w="165100" prst="coolSlant"/>
+        </a:sp3d>
+      </dsp:spPr>
+      <dsp:style>
+        <a:lnRef idx="0">
+          <a:scrgbClr r="0" g="0" b="0"/>
+        </a:lnRef>
+        <a:fillRef idx="1">
+          <a:scrgbClr r="0" g="0" b="0"/>
+        </a:fillRef>
+        <a:effectRef idx="2">
+          <a:scrgbClr r="0" g="0" b="0"/>
+        </a:effectRef>
+        <a:fontRef idx="minor">
+          <a:schemeClr val="lt1"/>
+        </a:fontRef>
+      </dsp:style>
+    </dsp:sp>
+    <dsp:sp modelId="{A493B264-2616-4250-BDAE-FDC637AA62CC}">
+      <dsp:nvSpPr>
+        <dsp:cNvPr id="0" name=""/>
+        <dsp:cNvSpPr/>
+      </dsp:nvSpPr>
+      <dsp:spPr>
+        <a:xfrm>
+          <a:off x="1868623" y="4780357"/>
+          <a:ext cx="299591" cy="299561"/>
+        </a:xfrm>
+        <a:prstGeom prst="ellipse">
+          <a:avLst/>
+        </a:prstGeom>
+        <a:solidFill>
+          <a:schemeClr val="accent1">
+            <a:hueOff val="0"/>
+            <a:satOff val="0"/>
+            <a:lumOff val="0"/>
+            <a:alphaOff val="0"/>
+          </a:schemeClr>
+        </a:solidFill>
+        <a:ln>
+          <a:noFill/>
+        </a:ln>
+        <a:effectLst/>
+        <a:sp3d extrusionH="152250" prstMaterial="matte">
+          <a:bevelT w="165100" prst="coolSlant"/>
+        </a:sp3d>
+      </dsp:spPr>
+      <dsp:style>
+        <a:lnRef idx="0">
+          <a:scrgbClr r="0" g="0" b="0"/>
+        </a:lnRef>
+        <a:fillRef idx="1">
+          <a:scrgbClr r="0" g="0" b="0"/>
+        </a:fillRef>
+        <a:effectRef idx="2">
+          <a:scrgbClr r="0" g="0" b="0"/>
+        </a:effectRef>
+        <a:fontRef idx="minor">
+          <a:schemeClr val="lt1"/>
+        </a:fontRef>
+      </dsp:style>
+    </dsp:sp>
+    <dsp:sp modelId="{143CB81A-3C42-4189-9391-2194FEFA17DE}">
+      <dsp:nvSpPr>
+        <dsp:cNvPr id="0" name=""/>
+        <dsp:cNvSpPr/>
+      </dsp:nvSpPr>
+      <dsp:spPr>
+        <a:xfrm>
+          <a:off x="4853867" y="4353931"/>
+          <a:ext cx="299591" cy="299561"/>
+        </a:xfrm>
+        <a:prstGeom prst="ellipse">
+          <a:avLst/>
+        </a:prstGeom>
+        <a:solidFill>
+          <a:schemeClr val="accent1">
+            <a:hueOff val="0"/>
+            <a:satOff val="0"/>
+            <a:lumOff val="0"/>
+            <a:alphaOff val="0"/>
+          </a:schemeClr>
+        </a:solidFill>
+        <a:ln>
+          <a:noFill/>
+        </a:ln>
+        <a:effectLst/>
+        <a:sp3d extrusionH="152250" prstMaterial="matte">
+          <a:bevelT w="165100" prst="coolSlant"/>
+        </a:sp3d>
+      </dsp:spPr>
+      <dsp:style>
+        <a:lnRef idx="0">
+          <a:scrgbClr r="0" g="0" b="0"/>
+        </a:lnRef>
+        <a:fillRef idx="1">
+          <a:scrgbClr r="0" g="0" b="0"/>
+        </a:fillRef>
+        <a:effectRef idx="2">
+          <a:scrgbClr r="0" g="0" b="0"/>
+        </a:effectRef>
+        <a:fontRef idx="minor">
+          <a:schemeClr val="lt1"/>
+        </a:fontRef>
+      </dsp:style>
+    </dsp:sp>
+    <dsp:sp modelId="{27E9DA70-D16D-492E-B9B5-ABD736C02ACD}">
+      <dsp:nvSpPr>
+        <dsp:cNvPr id="0" name=""/>
+        <dsp:cNvSpPr/>
+      </dsp:nvSpPr>
+      <dsp:spPr>
+        <a:xfrm>
+          <a:off x="7980903" y="3837836"/>
+          <a:ext cx="1510918" cy="1511089"/>
+        </a:xfrm>
+        <a:prstGeom prst="ellipse">
+          <a:avLst/>
+        </a:prstGeom>
+        <a:solidFill>
+          <a:schemeClr val="accent1">
+            <a:hueOff val="0"/>
+            <a:satOff val="0"/>
+            <a:lumOff val="0"/>
+            <a:alphaOff val="0"/>
+          </a:schemeClr>
+        </a:solidFill>
+        <a:ln>
+          <a:noFill/>
+        </a:ln>
+        <a:effectLst/>
+        <a:sp3d extrusionH="152250" prstMaterial="matte">
+          <a:bevelT w="165100" prst="coolSlant"/>
+        </a:sp3d>
+      </dsp:spPr>
+      <dsp:style>
+        <a:lnRef idx="0">
+          <a:scrgbClr r="0" g="0" b="0"/>
+        </a:lnRef>
+        <a:fillRef idx="1">
+          <a:scrgbClr r="0" g="0" b="0"/>
+        </a:fillRef>
+        <a:effectRef idx="2">
+          <a:scrgbClr r="0" g="0" b="0"/>
+        </a:effectRef>
+        <a:fontRef idx="minor">
+          <a:schemeClr val="lt1"/>
+        </a:fontRef>
+      </dsp:style>
+      <dsp:txBody>
+        <a:bodyPr spcFirstLastPara="0" vert="horz" wrap="square" lIns="53340" tIns="53340" rIns="53340" bIns="53340" numCol="1" spcCol="1270" anchor="ctr" anchorCtr="0">
+          <a:noAutofit/>
+          <a:sp3d extrusionH="28000" prstMaterial="matte"/>
+        </a:bodyPr>
+        <a:lstStyle/>
+        <a:p>
+          <a:pPr lvl="0" algn="ctr" defTabSz="622300">
+            <a:lnSpc>
+              <a:spcPct val="90000"/>
+            </a:lnSpc>
+            <a:spcBef>
+              <a:spcPct val="0"/>
+            </a:spcBef>
+            <a:spcAft>
+              <a:spcPct val="35000"/>
+            </a:spcAft>
+          </a:pPr>
+          <a:r>
+            <a:rPr lang="en-US" sz="1400" kern="1200" dirty="0" smtClean="0"/>
+            <a:t>Designing</a:t>
+          </a:r>
+          <a:endParaRPr lang="en-US" sz="1400" kern="1200" dirty="0"/>
+        </a:p>
+      </dsp:txBody>
+      <dsp:txXfrm>
+        <a:off x="8202172" y="4059130"/>
+        <a:ext cx="1068380" cy="1068501"/>
+      </dsp:txXfrm>
+    </dsp:sp>
+    <dsp:sp modelId="{419C8089-16E7-447A-A062-1C8C068ABF29}">
+      <dsp:nvSpPr>
+        <dsp:cNvPr id="0" name=""/>
+        <dsp:cNvSpPr/>
+      </dsp:nvSpPr>
+      <dsp:spPr>
+        <a:xfrm>
+          <a:off x="7554767" y="3785362"/>
+          <a:ext cx="299591" cy="299561"/>
+        </a:xfrm>
+        <a:prstGeom prst="ellipse">
+          <a:avLst/>
+        </a:prstGeom>
+        <a:solidFill>
+          <a:schemeClr val="accent1">
+            <a:hueOff val="0"/>
+            <a:satOff val="0"/>
+            <a:lumOff val="0"/>
+            <a:alphaOff val="0"/>
+          </a:schemeClr>
+        </a:solidFill>
+        <a:ln>
+          <a:noFill/>
+        </a:ln>
+        <a:effectLst/>
+        <a:sp3d extrusionH="152250" prstMaterial="matte">
+          <a:bevelT w="165100" prst="coolSlant"/>
+        </a:sp3d>
+      </dsp:spPr>
+      <dsp:style>
+        <a:lnRef idx="0">
+          <a:scrgbClr r="0" g="0" b="0"/>
+        </a:lnRef>
+        <a:fillRef idx="1">
+          <a:scrgbClr r="0" g="0" b="0"/>
+        </a:fillRef>
+        <a:effectRef idx="2">
+          <a:scrgbClr r="0" g="0" b="0"/>
+        </a:effectRef>
+        <a:fontRef idx="minor">
+          <a:schemeClr val="lt1"/>
+        </a:fontRef>
+      </dsp:style>
+    </dsp:sp>
+    <dsp:sp modelId="{778130D6-ECB9-457F-BC2B-3C700476458C}">
+      <dsp:nvSpPr>
+        <dsp:cNvPr id="0" name=""/>
+        <dsp:cNvSpPr/>
+      </dsp:nvSpPr>
+      <dsp:spPr>
+        <a:xfrm>
+          <a:off x="3644066" y="5131063"/>
+          <a:ext cx="1510918" cy="1511089"/>
+        </a:xfrm>
+        <a:prstGeom prst="ellipse">
+          <a:avLst/>
+        </a:prstGeom>
+        <a:solidFill>
+          <a:schemeClr val="accent1">
+            <a:hueOff val="0"/>
+            <a:satOff val="0"/>
+            <a:lumOff val="0"/>
+            <a:alphaOff val="0"/>
+          </a:schemeClr>
+        </a:solidFill>
+        <a:ln>
+          <a:noFill/>
+        </a:ln>
+        <a:effectLst/>
+        <a:sp3d extrusionH="152250" prstMaterial="matte">
+          <a:bevelT w="165100" prst="coolSlant"/>
+        </a:sp3d>
+      </dsp:spPr>
+      <dsp:style>
+        <a:lnRef idx="0">
+          <a:scrgbClr r="0" g="0" b="0"/>
+        </a:lnRef>
+        <a:fillRef idx="1">
+          <a:scrgbClr r="0" g="0" b="0"/>
+        </a:fillRef>
+        <a:effectRef idx="2">
+          <a:scrgbClr r="0" g="0" b="0"/>
+        </a:effectRef>
+        <a:fontRef idx="minor">
+          <a:schemeClr val="lt1"/>
+        </a:fontRef>
+      </dsp:style>
+      <dsp:txBody>
+        <a:bodyPr spcFirstLastPara="0" vert="horz" wrap="square" lIns="53340" tIns="53340" rIns="53340" bIns="53340" numCol="1" spcCol="1270" anchor="ctr" anchorCtr="0">
+          <a:noAutofit/>
+          <a:sp3d extrusionH="28000" prstMaterial="matte"/>
+        </a:bodyPr>
+        <a:lstStyle/>
+        <a:p>
+          <a:pPr lvl="0" algn="ctr" defTabSz="622300">
+            <a:lnSpc>
+              <a:spcPct val="90000"/>
+            </a:lnSpc>
+            <a:spcBef>
+              <a:spcPct val="0"/>
+            </a:spcBef>
+            <a:spcAft>
+              <a:spcPct val="35000"/>
+            </a:spcAft>
+          </a:pPr>
+          <a:r>
+            <a:rPr lang="en-US" sz="1400" kern="1200" dirty="0" smtClean="0"/>
+            <a:t>Coding</a:t>
+          </a:r>
+          <a:endParaRPr lang="en-US" sz="1400" kern="1200" dirty="0"/>
+        </a:p>
+      </dsp:txBody>
+      <dsp:txXfrm>
+        <a:off x="3865335" y="5352357"/>
+        <a:ext cx="1068380" cy="1068501"/>
+      </dsp:txXfrm>
+    </dsp:sp>
+    <dsp:sp modelId="{71811584-9045-40EE-B96E-7F2B447470EB}">
+      <dsp:nvSpPr>
+        <dsp:cNvPr id="0" name=""/>
+        <dsp:cNvSpPr/>
+      </dsp:nvSpPr>
+      <dsp:spPr>
+        <a:xfrm>
+          <a:off x="4993372" y="5079918"/>
+          <a:ext cx="299591" cy="299561"/>
+        </a:xfrm>
+        <a:prstGeom prst="ellipse">
+          <a:avLst/>
+        </a:prstGeom>
+        <a:solidFill>
+          <a:schemeClr val="accent1">
+            <a:hueOff val="0"/>
+            <a:satOff val="0"/>
+            <a:lumOff val="0"/>
+            <a:alphaOff val="0"/>
+          </a:schemeClr>
+        </a:solidFill>
+        <a:ln>
+          <a:noFill/>
+        </a:ln>
+        <a:effectLst/>
+        <a:sp3d extrusionH="152250" prstMaterial="matte">
+          <a:bevelT w="165100" prst="coolSlant"/>
+        </a:sp3d>
+      </dsp:spPr>
+      <dsp:style>
+        <a:lnRef idx="0">
+          <a:scrgbClr r="0" g="0" b="0"/>
+        </a:lnRef>
+        <a:fillRef idx="1">
+          <a:scrgbClr r="0" g="0" b="0"/>
+        </a:fillRef>
+        <a:effectRef idx="2">
+          <a:scrgbClr r="0" g="0" b="0"/>
+        </a:effectRef>
+        <a:fontRef idx="minor">
+          <a:schemeClr val="lt1"/>
+        </a:fontRef>
+      </dsp:style>
+    </dsp:sp>
+    <dsp:sp modelId="{47EA6318-668B-4B48-B04D-CEA34F423F2C}">
+      <dsp:nvSpPr>
+        <dsp:cNvPr id="0" name=""/>
+        <dsp:cNvSpPr/>
+      </dsp:nvSpPr>
+      <dsp:spPr>
+        <a:xfrm>
+          <a:off x="5084850" y="0"/>
+          <a:ext cx="1510918" cy="1511089"/>
+        </a:xfrm>
+        <a:prstGeom prst="ellipse">
+          <a:avLst/>
+        </a:prstGeom>
+        <a:solidFill>
+          <a:schemeClr val="accent1">
+            <a:hueOff val="0"/>
+            <a:satOff val="0"/>
+            <a:lumOff val="0"/>
+            <a:alphaOff val="0"/>
+          </a:schemeClr>
+        </a:solidFill>
+        <a:ln>
+          <a:noFill/>
+        </a:ln>
+        <a:effectLst/>
+        <a:sp3d extrusionH="152250" prstMaterial="matte">
+          <a:bevelT w="165100" prst="coolSlant"/>
+        </a:sp3d>
+      </dsp:spPr>
+      <dsp:style>
+        <a:lnRef idx="0">
+          <a:scrgbClr r="0" g="0" b="0"/>
+        </a:lnRef>
+        <a:fillRef idx="1">
+          <a:scrgbClr r="0" g="0" b="0"/>
+        </a:fillRef>
+        <a:effectRef idx="2">
+          <a:scrgbClr r="0" g="0" b="0"/>
+        </a:effectRef>
+        <a:fontRef idx="minor">
+          <a:schemeClr val="lt1"/>
+        </a:fontRef>
+      </dsp:style>
+      <dsp:txBody>
+        <a:bodyPr spcFirstLastPara="0" vert="horz" wrap="square" lIns="53340" tIns="53340" rIns="53340" bIns="53340" numCol="1" spcCol="1270" anchor="ctr" anchorCtr="0">
+          <a:noAutofit/>
+          <a:sp3d extrusionH="28000" prstMaterial="matte"/>
+        </a:bodyPr>
+        <a:lstStyle/>
+        <a:p>
+          <a:pPr lvl="0" algn="ctr" defTabSz="622300">
+            <a:lnSpc>
+              <a:spcPct val="90000"/>
+            </a:lnSpc>
+            <a:spcBef>
+              <a:spcPct val="0"/>
+            </a:spcBef>
+            <a:spcAft>
+              <a:spcPct val="35000"/>
+            </a:spcAft>
+          </a:pPr>
+          <a:r>
+            <a:rPr lang="en-US" sz="1400" kern="1200" dirty="0" smtClean="0"/>
+            <a:t>Testing</a:t>
+          </a:r>
+          <a:endParaRPr lang="en-US" sz="1400" kern="1200" dirty="0"/>
+        </a:p>
+      </dsp:txBody>
+      <dsp:txXfrm>
+        <a:off x="5306119" y="221294"/>
+        <a:ext cx="1068380" cy="1068501"/>
+      </dsp:txXfrm>
+    </dsp:sp>
+    <dsp:sp modelId="{EB927026-FE37-40DE-A03F-854E9D441154}">
+      <dsp:nvSpPr>
+        <dsp:cNvPr id="0" name=""/>
+        <dsp:cNvSpPr/>
+      </dsp:nvSpPr>
+      <dsp:spPr>
+        <a:xfrm>
+          <a:off x="3221740" y="1637954"/>
+          <a:ext cx="299591" cy="299561"/>
+        </a:xfrm>
+        <a:prstGeom prst="ellipse">
+          <a:avLst/>
+        </a:prstGeom>
+        <a:solidFill>
+          <a:schemeClr val="accent1">
+            <a:hueOff val="0"/>
+            <a:satOff val="0"/>
+            <a:lumOff val="0"/>
+            <a:alphaOff val="0"/>
+          </a:schemeClr>
+        </a:solidFill>
+        <a:ln>
+          <a:noFill/>
+        </a:ln>
+        <a:effectLst/>
+        <a:sp3d extrusionH="152250" prstMaterial="matte">
+          <a:bevelT w="165100" prst="coolSlant"/>
+        </a:sp3d>
+      </dsp:spPr>
+      <dsp:style>
+        <a:lnRef idx="0">
+          <a:scrgbClr r="0" g="0" b="0"/>
+        </a:lnRef>
+        <a:fillRef idx="1">
+          <a:scrgbClr r="0" g="0" b="0"/>
+        </a:fillRef>
+        <a:effectRef idx="2">
+          <a:scrgbClr r="0" g="0" b="0"/>
+        </a:effectRef>
+        <a:fontRef idx="minor">
+          <a:schemeClr val="lt1"/>
+        </a:fontRef>
+      </dsp:style>
+    </dsp:sp>
+    <dsp:sp modelId="{5FDA9C77-B4A2-402C-84C2-23D0F01C8914}">
+      <dsp:nvSpPr>
+        <dsp:cNvPr id="0" name=""/>
+        <dsp:cNvSpPr/>
+      </dsp:nvSpPr>
+      <dsp:spPr>
+        <a:xfrm>
+          <a:off x="6710116" y="371960"/>
+          <a:ext cx="299591" cy="299561"/>
+        </a:xfrm>
+        <a:prstGeom prst="ellipse">
+          <a:avLst/>
+        </a:prstGeom>
+        <a:solidFill>
+          <a:schemeClr val="accent1">
+            <a:hueOff val="0"/>
+            <a:satOff val="0"/>
+            <a:lumOff val="0"/>
+            <a:alphaOff val="0"/>
+          </a:schemeClr>
+        </a:solidFill>
+        <a:ln>
+          <a:noFill/>
+        </a:ln>
+        <a:effectLst/>
+        <a:sp3d extrusionH="152250" prstMaterial="matte">
+          <a:bevelT w="165100" prst="coolSlant"/>
+        </a:sp3d>
+      </dsp:spPr>
+      <dsp:style>
+        <a:lnRef idx="0">
+          <a:scrgbClr r="0" g="0" b="0"/>
+        </a:lnRef>
+        <a:fillRef idx="1">
+          <a:scrgbClr r="0" g="0" b="0"/>
+        </a:fillRef>
+        <a:effectRef idx="2">
+          <a:scrgbClr r="0" g="0" b="0"/>
+        </a:effectRef>
+        <a:fontRef idx="minor">
+          <a:schemeClr val="lt1"/>
+        </a:fontRef>
+      </dsp:style>
     </dsp:sp>
   </dsp:spTree>
 </dsp:drawing>
@@ -2831,6 +4169,798 @@
 </dgm:layoutDef>
 </file>
 
+<file path=ppt/diagrams/layout2.xml><?xml version="1.0" encoding="utf-8"?>
+<dgm:layoutDef xmlns:dgm="http://schemas.openxmlformats.org/drawingml/2006/diagram" xmlns:a="http://schemas.openxmlformats.org/drawingml/2006/main" uniqueId="urn:microsoft.com/office/officeart/2009/3/layout/CircleRelationship">
+  <dgm:title val=""/>
+  <dgm:desc val=""/>
+  <dgm:catLst>
+    <dgm:cat type="relationship" pri="1500"/>
+  </dgm:catLst>
+  <dgm:sampData>
+    <dgm:dataModel>
+      <dgm:ptLst>
+        <dgm:pt modelId="0" type="doc"/>
+        <dgm:pt modelId="10">
+          <dgm:prSet phldr="1"/>
+        </dgm:pt>
+        <dgm:pt modelId="11">
+          <dgm:prSet phldr="1"/>
+        </dgm:pt>
+        <dgm:pt modelId="12">
+          <dgm:prSet phldr="1"/>
+        </dgm:pt>
+      </dgm:ptLst>
+      <dgm:cxnLst>
+        <dgm:cxn modelId="20" srcId="0" destId="10" srcOrd="0" destOrd="0"/>
+        <dgm:cxn modelId="21" srcId="10" destId="11" srcOrd="0" destOrd="0"/>
+        <dgm:cxn modelId="22" srcId="10" destId="12" srcOrd="0" destOrd="0"/>
+      </dgm:cxnLst>
+      <dgm:bg/>
+      <dgm:whole/>
+    </dgm:dataModel>
+  </dgm:sampData>
+  <dgm:styleData>
+    <dgm:dataModel>
+      <dgm:ptLst>
+        <dgm:pt modelId="0" type="doc"/>
+        <dgm:pt modelId="10">
+          <dgm:prSet phldr="1"/>
+        </dgm:pt>
+        <dgm:pt modelId="11">
+          <dgm:prSet phldr="1"/>
+        </dgm:pt>
+        <dgm:pt modelId="12">
+          <dgm:prSet phldr="1"/>
+        </dgm:pt>
+      </dgm:ptLst>
+      <dgm:cxnLst>
+        <dgm:cxn modelId="20" srcId="0" destId="10" srcOrd="0" destOrd="0"/>
+        <dgm:cxn modelId="21" srcId="10" destId="11" srcOrd="0" destOrd="0"/>
+        <dgm:cxn modelId="22" srcId="10" destId="12" srcOrd="0" destOrd="0"/>
+      </dgm:cxnLst>
+      <dgm:bg/>
+      <dgm:whole/>
+    </dgm:dataModel>
+  </dgm:styleData>
+  <dgm:clrData>
+    <dgm:dataModel>
+      <dgm:ptLst>
+        <dgm:pt modelId="0" type="doc"/>
+        <dgm:pt modelId="10">
+          <dgm:prSet phldr="1"/>
+        </dgm:pt>
+        <dgm:pt modelId="11">
+          <dgm:prSet phldr="1"/>
+        </dgm:pt>
+        <dgm:pt modelId="12">
+          <dgm:prSet phldr="1"/>
+        </dgm:pt>
+      </dgm:ptLst>
+      <dgm:cxnLst>
+        <dgm:cxn modelId="20" srcId="0" destId="10" srcOrd="0" destOrd="0"/>
+        <dgm:cxn modelId="21" srcId="10" destId="11" srcOrd="0" destOrd="0"/>
+        <dgm:cxn modelId="22" srcId="10" destId="12" srcOrd="0" destOrd="0"/>
+      </dgm:cxnLst>
+      <dgm:bg/>
+      <dgm:whole/>
+    </dgm:dataModel>
+  </dgm:clrData>
+  <dgm:layoutNode name="Name0">
+    <dgm:varLst>
+      <dgm:chMax val="1"/>
+      <dgm:chPref val="1"/>
+    </dgm:varLst>
+    <dgm:shape xmlns:r="http://schemas.openxmlformats.org/officeDocument/2006/relationships" r:blip="">
+      <dgm:adjLst/>
+    </dgm:shape>
+    <dgm:choose name="Name1">
+      <dgm:if name="Name2" axis="ch ch" ptType="node node" func="cnt" op="equ" val="0">
+        <dgm:alg type="composite">
+          <dgm:param type="ar" val="0.98"/>
+        </dgm:alg>
+        <dgm:constrLst>
+          <dgm:constr type="primFontSz" for="des" ptType="node" op="equ" val="65"/>
+          <dgm:constr type="l" for="ch" forName="Parent" refType="w" fact="0"/>
+          <dgm:constr type="t" for="ch" forName="Parent" refType="h" fact="0.039"/>
+          <dgm:constr type="w" for="ch" forName="Parent" refType="w" fact="0.8734"/>
+          <dgm:constr type="h" for="ch" forName="Parent" refType="h" fact="0.856"/>
+          <dgm:constr type="l" for="ch" forName="Accent1" refType="w" fact="0.4984"/>
+          <dgm:constr type="t" for="ch" forName="Accent1" refType="h" fact="0"/>
+          <dgm:constr type="w" for="ch" forName="Accent1" refType="w" fact="0.0972"/>
+          <dgm:constr type="h" for="ch" forName="Accent1" refType="h" fact="0.0952"/>
+          <dgm:constr type="l" for="ch" forName="Accent2" refType="w" fact="0.2684"/>
+          <dgm:constr type="t" for="ch" forName="Accent2" refType="h" fact="0.8314"/>
+          <dgm:constr type="w" for="ch" forName="Accent2" refType="w" fact="0.0704"/>
+          <dgm:constr type="h" for="ch" forName="Accent2" refType="h" fact="0.069"/>
+          <dgm:constr type="l" for="ch" forName="Accent3" refType="w" fact="0.9296"/>
+          <dgm:constr type="t" for="ch" forName="Accent3" refType="h" fact="0.3864"/>
+          <dgm:constr type="w" for="ch" forName="Accent3" refType="w" fact="0.0704"/>
+          <dgm:constr type="h" for="ch" forName="Accent3" refType="h" fact="0.069"/>
+          <dgm:constr type="l" for="ch" forName="Accent4" refType="w" fact="0.5931"/>
+          <dgm:constr type="t" for="ch" forName="Accent4" refType="h" fact="0.9048"/>
+          <dgm:constr type="w" for="ch" forName="Accent4" refType="w" fact="0.0972"/>
+          <dgm:constr type="h" for="ch" forName="Accent4" refType="h" fact="0.0952"/>
+          <dgm:constr type="l" for="ch" forName="Accent5" refType="w" fact="0.2883"/>
+          <dgm:constr type="t" for="ch" forName="Accent5" refType="h" fact="0.1353"/>
+          <dgm:constr type="w" for="ch" forName="Accent5" refType="w" fact="0.0704"/>
+          <dgm:constr type="h" for="ch" forName="Accent5" refType="h" fact="0.069"/>
+          <dgm:constr type="l" for="ch" forName="Accent6" refType="w" fact="0.0666"/>
+          <dgm:constr type="t" for="ch" forName="Accent6" refType="h" fact="0.53"/>
+          <dgm:constr type="w" for="ch" forName="Accent6" refType="w" fact="0.0704"/>
+          <dgm:constr type="h" for="ch" forName="Accent6" refType="h" fact="0.069"/>
+        </dgm:constrLst>
+      </dgm:if>
+      <dgm:if name="Name3" axis="ch ch" ptType="node node" func="cnt" op="equ" val="1">
+        <dgm:alg type="composite">
+          <dgm:param type="ar" val="1.2476"/>
+        </dgm:alg>
+        <dgm:constrLst>
+          <dgm:constr type="primFontSz" for="des" ptType="node" op="equ" val="65"/>
+          <dgm:constr type="l" for="ch" forName="Parent" refType="w" fact="0.2145"/>
+          <dgm:constr type="t" for="ch" forName="Parent" refType="h" fact="0.039"/>
+          <dgm:constr type="w" for="ch" forName="Parent" refType="w" fact="0.6861"/>
+          <dgm:constr type="h" for="ch" forName="Parent" refType="h" fact="0.856"/>
+          <dgm:constr type="l" for="ch" forName="Accent8" refType="w" fact="0.0262"/>
+          <dgm:constr type="t" for="ch" forName="Accent8" refType="h" fact="0.6434"/>
+          <dgm:constr type="w" for="ch" forName="Accent8" refType="w" fact="0.138"/>
+          <dgm:constr type="h" for="ch" forName="Accent8" refType="h" fact="0.1721"/>
+          <dgm:constr type="l" for="ch" forName="Accent1" refType="w" fact="0.6059"/>
+          <dgm:constr type="t" for="ch" forName="Accent1" refType="h" fact="0"/>
+          <dgm:constr type="w" for="ch" forName="Accent1" refType="w" fact="0.0763"/>
+          <dgm:constr type="h" for="ch" forName="Accent1" refType="h" fact="0.0952"/>
+          <dgm:constr type="l" for="ch" forName="Accent2" refType="w" fact="0.4253"/>
+          <dgm:constr type="t" for="ch" forName="Accent2" refType="h" fact="0.8314"/>
+          <dgm:constr type="w" for="ch" forName="Accent2" refType="w" fact="0.0553"/>
+          <dgm:constr type="h" for="ch" forName="Accent2" refType="h" fact="0.069"/>
+          <dgm:constr type="l" for="ch" forName="Accent3" refType="w" fact="0.9447"/>
+          <dgm:constr type="t" for="ch" forName="Accent3" refType="h" fact="0.3864"/>
+          <dgm:constr type="w" for="ch" forName="Accent3" refType="w" fact="0.0553"/>
+          <dgm:constr type="h" for="ch" forName="Accent3" refType="h" fact="0.069"/>
+          <dgm:constr type="l" for="ch" forName="Child1" refType="w" fact="0"/>
+          <dgm:constr type="t" for="ch" forName="Child1" refType="h" fact="0.1935"/>
+          <dgm:constr type="w" for="ch" forName="Child1" refType="w" fact="0.2789"/>
+          <dgm:constr type="h" for="ch" forName="Child1" refType="h" fact="0.3479"/>
+          <dgm:constr type="l" for="ch" forName="Accent4" refType="w" fact="0.6803"/>
+          <dgm:constr type="t" for="ch" forName="Accent4" refType="h" fact="0.9048"/>
+          <dgm:constr type="w" for="ch" forName="Accent4" refType="w" fact="0.0763"/>
+          <dgm:constr type="h" for="ch" forName="Accent4" refType="h" fact="0.0952"/>
+          <dgm:constr type="l" for="ch" forName="Accent7" refType="w" fact="0.5287"/>
+          <dgm:constr type="t" for="ch" forName="Accent7" refType="h" fact="0.1383"/>
+          <dgm:constr type="w" for="ch" forName="Accent7" refType="w" fact="0.0763"/>
+          <dgm:constr type="h" for="ch" forName="Accent7" refType="h" fact="0.0952"/>
+          <dgm:constr type="l" for="ch" forName="Accent5" refType="w" fact="0.4409"/>
+          <dgm:constr type="t" for="ch" forName="Accent5" refType="h" fact="0.1353"/>
+          <dgm:constr type="w" for="ch" forName="Accent5" refType="w" fact="0.0553"/>
+          <dgm:constr type="h" for="ch" forName="Accent5" refType="h" fact="0.069"/>
+          <dgm:constr type="l" for="ch" forName="Accent6" refType="w" fact="0.2668"/>
+          <dgm:constr type="t" for="ch" forName="Accent6" refType="h" fact="0.53"/>
+          <dgm:constr type="w" for="ch" forName="Accent6" refType="w" fact="0.0553"/>
+          <dgm:constr type="h" for="ch" forName="Accent6" refType="h" fact="0.069"/>
+        </dgm:constrLst>
+      </dgm:if>
+      <dgm:if name="Name4" axis="ch ch" ptType="node node" func="cnt" op="equ" val="2">
+        <dgm:alg type="composite">
+          <dgm:param type="ar" val="1.592"/>
+        </dgm:alg>
+        <dgm:constrLst>
+          <dgm:constr type="primFontSz" for="des" ptType="node" op="equ" val="65"/>
+          <dgm:constr type="l" for="ch" forName="Parent" refType="w" fact="0.1886"/>
+          <dgm:constr type="t" for="ch" forName="Parent" refType="h" fact="0.039"/>
+          <dgm:constr type="w" for="ch" forName="Parent" refType="w" fact="0.5377"/>
+          <dgm:constr type="h" for="ch" forName="Parent" refType="h" fact="0.856"/>
+          <dgm:constr type="l" for="ch" forName="Accent8" refType="w" fact="0.0411"/>
+          <dgm:constr type="t" for="ch" forName="Accent8" refType="h" fact="0.6434"/>
+          <dgm:constr type="w" for="ch" forName="Accent8" refType="w" fact="0.1081"/>
+          <dgm:constr type="h" for="ch" forName="Accent8" refType="h" fact="0.1721"/>
+          <dgm:constr type="l" for="ch" forName="Accent1" refType="w" fact="0.4954"/>
+          <dgm:constr type="t" for="ch" forName="Accent1" refType="h" fact="0"/>
+          <dgm:constr type="w" for="ch" forName="Accent1" refType="w" fact="0.0598"/>
+          <dgm:constr type="h" for="ch" forName="Accent1" refType="h" fact="0.0952"/>
+          <dgm:constr type="l" for="ch" forName="Accent2" refType="w" fact="0.3538"/>
+          <dgm:constr type="t" for="ch" forName="Accent2" refType="h" fact="0.8314"/>
+          <dgm:constr type="w" for="ch" forName="Accent2" refType="w" fact="0.0433"/>
+          <dgm:constr type="h" for="ch" forName="Accent2" refType="h" fact="0.069"/>
+          <dgm:constr type="l" for="ch" forName="Accent3" refType="w" fact="0.7609"/>
+          <dgm:constr type="t" for="ch" forName="Accent3" refType="h" fact="0.3864"/>
+          <dgm:constr type="w" for="ch" forName="Accent3" refType="w" fact="0.0433"/>
+          <dgm:constr type="h" for="ch" forName="Accent3" refType="h" fact="0.069"/>
+          <dgm:constr type="l" for="ch" forName="Accent9" refType="w" fact="0.6839"/>
+          <dgm:constr type="t" for="ch" forName="Accent9" refType="h" fact="0.27"/>
+          <dgm:constr type="w" for="ch" forName="Accent9" refType="w" fact="0.0598"/>
+          <dgm:constr type="h" for="ch" forName="Accent9" refType="h" fact="0.0952"/>
+          <dgm:constr type="l" for="ch" forName="Child1" refType="w" fact="0.0206"/>
+          <dgm:constr type="t" for="ch" forName="Child1" refType="h" fact="0.1935"/>
+          <dgm:constr type="w" for="ch" forName="Child1" refType="w" fact="0.2186"/>
+          <dgm:constr type="h" for="ch" forName="Child1" refType="h" fact="0.3479"/>
+          <dgm:constr type="l" for="ch" forName="Child2" refType="w" fact="0.7814"/>
+          <dgm:constr type="t" for="ch" forName="Child2" refType="h" fact="0.0298"/>
+          <dgm:constr type="w" for="ch" forName="Child2" refType="w" fact="0.2186"/>
+          <dgm:constr type="h" for="ch" forName="Child2" refType="h" fact="0.3479"/>
+          <dgm:constr type="l" for="ch" forName="Accent10" refType="w" fact="0"/>
+          <dgm:constr type="t" for="ch" forName="Accent10" refType="h" fact="0.8482"/>
+          <dgm:constr type="w" for="ch" forName="Accent10" refType="w" fact="0.0433"/>
+          <dgm:constr type="h" for="ch" forName="Accent10" refType="h" fact="0.069"/>
+          <dgm:constr type="l" for="ch" forName="Accent11" refType="w" fact="0.4318"/>
+          <dgm:constr type="t" for="ch" forName="Accent11" refType="h" fact="0.75"/>
+          <dgm:constr type="w" for="ch" forName="Accent11" refType="w" fact="0.0433"/>
+          <dgm:constr type="h" for="ch" forName="Accent11" refType="h" fact="0.069"/>
+          <dgm:constr type="l" for="ch" forName="Accent7" refType="w" fact="0.4349"/>
+          <dgm:constr type="t" for="ch" forName="Accent7" refType="h" fact="0.1383"/>
+          <dgm:constr type="w" for="ch" forName="Accent7" refType="w" fact="0.0598"/>
+          <dgm:constr type="h" for="ch" forName="Accent7" refType="h" fact="0.0952"/>
+          <dgm:constr type="l" for="ch" forName="Accent5" refType="w" fact="0.3661"/>
+          <dgm:constr type="t" for="ch" forName="Accent5" refType="h" fact="0.1353"/>
+          <dgm:constr type="w" for="ch" forName="Accent5" refType="w" fact="0.0433"/>
+          <dgm:constr type="h" for="ch" forName="Accent5" refType="h" fact="0.069"/>
+          <dgm:constr type="l" for="ch" forName="Accent6" refType="w" fact="0.2296"/>
+          <dgm:constr type="t" for="ch" forName="Accent6" refType="h" fact="0.53"/>
+          <dgm:constr type="w" for="ch" forName="Accent6" refType="w" fact="0.0433"/>
+          <dgm:constr type="h" for="ch" forName="Accent6" refType="h" fact="0.069"/>
+          <dgm:constr type="l" for="ch" forName="Accent4" refType="w" fact="0.5537"/>
+          <dgm:constr type="t" for="ch" forName="Accent4" refType="h" fact="0.9048"/>
+          <dgm:constr type="w" for="ch" forName="Accent4" refType="w" fact="0.0598"/>
+          <dgm:constr type="h" for="ch" forName="Accent4" refType="h" fact="0.0952"/>
+        </dgm:constrLst>
+      </dgm:if>
+      <dgm:if name="Name5" axis="ch ch" ptType="node node" func="cnt" op="equ" val="3">
+        <dgm:alg type="composite">
+          <dgm:param type="ar" val="1.7557"/>
+        </dgm:alg>
+        <dgm:constrLst>
+          <dgm:constr type="primFontSz" for="des" ptType="node" op="equ" val="65"/>
+          <dgm:constr type="l" for="ch" forName="Parent" refType="w" fact="0.171"/>
+          <dgm:constr type="t" for="ch" forName="Parent" refType="h" fact="0.039"/>
+          <dgm:constr type="w" for="ch" forName="Parent" refType="w" fact="0.4875"/>
+          <dgm:constr type="h" for="ch" forName="Parent" refType="h" fact="0.856"/>
+          <dgm:constr type="l" for="ch" forName="Accent8" refType="w" fact="0.0373"/>
+          <dgm:constr type="t" for="ch" forName="Accent8" refType="h" fact="0.6434"/>
+          <dgm:constr type="w" for="ch" forName="Accent8" refType="w" fact="0.098"/>
+          <dgm:constr type="h" for="ch" forName="Accent8" refType="h" fact="0.1721"/>
+          <dgm:constr type="l" for="ch" forName="Accent1" refType="w" fact="0.4492"/>
+          <dgm:constr type="t" for="ch" forName="Accent1" refType="h" fact="0"/>
+          <dgm:constr type="w" for="ch" forName="Accent1" refType="w" fact="0.0542"/>
+          <dgm:constr type="h" for="ch" forName="Accent1" refType="h" fact="0.0952"/>
+          <dgm:constr type="l" for="ch" forName="Accent2" refType="w" fact="0.3209"/>
+          <dgm:constr type="t" for="ch" forName="Accent2" refType="h" fact="0.8314"/>
+          <dgm:constr type="w" for="ch" forName="Accent2" refType="w" fact="0.0393"/>
+          <dgm:constr type="h" for="ch" forName="Accent2" refType="h" fact="0.069"/>
+          <dgm:constr type="l" for="ch" forName="Accent3" refType="w" fact="0.6899"/>
+          <dgm:constr type="t" for="ch" forName="Accent3" refType="h" fact="0.3864"/>
+          <dgm:constr type="w" for="ch" forName="Accent3" refType="w" fact="0.0393"/>
+          <dgm:constr type="h" for="ch" forName="Accent3" refType="h" fact="0.069"/>
+          <dgm:constr type="l" for="ch" forName="Accent9" refType="w" fact="0.6201"/>
+          <dgm:constr type="t" for="ch" forName="Accent9" refType="h" fact="0.27"/>
+          <dgm:constr type="w" for="ch" forName="Accent9" refType="w" fact="0.0542"/>
+          <dgm:constr type="h" for="ch" forName="Accent9" refType="h" fact="0.0952"/>
+          <dgm:constr type="l" for="ch" forName="Child1" refType="w" fact="0.0186"/>
+          <dgm:constr type="t" for="ch" forName="Child1" refType="h" fact="0.1935"/>
+          <dgm:constr type="w" for="ch" forName="Child1" refType="w" fact="0.1982"/>
+          <dgm:constr type="h" for="ch" forName="Child1" refType="h" fact="0.3479"/>
+          <dgm:constr type="l" for="ch" forName="Child2" refType="w" fact="0.7086"/>
+          <dgm:constr type="t" for="ch" forName="Child2" refType="h" fact="0.0298"/>
+          <dgm:constr type="w" for="ch" forName="Child2" refType="w" fact="0.1982"/>
+          <dgm:constr type="h" for="ch" forName="Child2" refType="h" fact="0.3479"/>
+          <dgm:constr type="l" for="ch" forName="Child3" refType="w" fact="0.8018"/>
+          <dgm:constr type="t" for="ch" forName="Child3" refType="h" fact="0.6312"/>
+          <dgm:constr type="w" for="ch" forName="Child3" refType="w" fact="0.1982"/>
+          <dgm:constr type="h" for="ch" forName="Child3" refType="h" fact="0.3479"/>
+          <dgm:constr type="l" for="ch" forName="Accent12" refType="w" fact="0.7459"/>
+          <dgm:constr type="t" for="ch" forName="Accent12" refType="h" fact="0.619"/>
+          <dgm:constr type="w" for="ch" forName="Accent12" refType="w" fact="0.0393"/>
+          <dgm:constr type="h" for="ch" forName="Accent12" refType="h" fact="0.069"/>
+          <dgm:constr type="l" for="ch" forName="Accent4" refType="w" fact="0.5021"/>
+          <dgm:constr type="t" for="ch" forName="Accent4" refType="h" fact="0.9048"/>
+          <dgm:constr type="w" for="ch" forName="Accent4" refType="w" fact="0.0542"/>
+          <dgm:constr type="h" for="ch" forName="Accent4" refType="h" fact="0.0952"/>
+          <dgm:constr type="l" for="ch" forName="Accent10" refType="w" fact="0"/>
+          <dgm:constr type="t" for="ch" forName="Accent10" refType="h" fact="0.8482"/>
+          <dgm:constr type="w" for="ch" forName="Accent10" refType="w" fact="0.0393"/>
+          <dgm:constr type="h" for="ch" forName="Accent10" refType="h" fact="0.069"/>
+          <dgm:constr type="l" for="ch" forName="Accent11" refType="w" fact="0.3916"/>
+          <dgm:constr type="t" for="ch" forName="Accent11" refType="h" fact="0.75"/>
+          <dgm:constr type="w" for="ch" forName="Accent11" refType="w" fact="0.0393"/>
+          <dgm:constr type="h" for="ch" forName="Accent11" refType="h" fact="0.069"/>
+          <dgm:constr type="l" for="ch" forName="Accent7" refType="w" fact="0.3944"/>
+          <dgm:constr type="t" for="ch" forName="Accent7" refType="h" fact="0.1383"/>
+          <dgm:constr type="w" for="ch" forName="Accent7" refType="w" fact="0.0542"/>
+          <dgm:constr type="h" for="ch" forName="Accent7" refType="h" fact="0.0952"/>
+          <dgm:constr type="l" for="ch" forName="Accent5" refType="w" fact="0.3319"/>
+          <dgm:constr type="t" for="ch" forName="Accent5" refType="h" fact="0.1353"/>
+          <dgm:constr type="w" for="ch" forName="Accent5" refType="w" fact="0.0393"/>
+          <dgm:constr type="h" for="ch" forName="Accent5" refType="h" fact="0.069"/>
+          <dgm:constr type="l" for="ch" forName="Accent6" refType="w" fact="0.2082"/>
+          <dgm:constr type="t" for="ch" forName="Accent6" refType="h" fact="0.53"/>
+          <dgm:constr type="w" for="ch" forName="Accent6" refType="w" fact="0.0393"/>
+          <dgm:constr type="h" for="ch" forName="Accent6" refType="h" fact="0.069"/>
+        </dgm:constrLst>
+      </dgm:if>
+      <dgm:if name="Name6" axis="ch ch" ptType="node node" func="cnt" op="equ" val="4">
+        <dgm:alg type="composite">
+          <dgm:param type="ar" val="1.3749"/>
+        </dgm:alg>
+        <dgm:constrLst>
+          <dgm:constr type="primFontSz" for="des" ptType="node" op="equ" val="65"/>
+          <dgm:constr type="l" for="ch" forName="Parent" refType="w" fact="0.171"/>
+          <dgm:constr type="t" for="ch" forName="Parent" refType="h" fact="0.0306"/>
+          <dgm:constr type="w" for="ch" forName="Parent" refType="w" fact="0.4875"/>
+          <dgm:constr type="h" for="ch" forName="Parent" refType="h" fact="0.6703"/>
+          <dgm:constr type="l" for="ch" forName="Accent8" refType="w" fact="0.0373"/>
+          <dgm:constr type="t" for="ch" forName="Accent8" refType="h" fact="0.5038"/>
+          <dgm:constr type="w" for="ch" forName="Accent8" refType="w" fact="0.098"/>
+          <dgm:constr type="h" for="ch" forName="Accent8" refType="h" fact="0.1348"/>
+          <dgm:constr type="l" for="ch" forName="Accent1" refType="w" fact="0.4492"/>
+          <dgm:constr type="t" for="ch" forName="Accent1" refType="h" fact="0"/>
+          <dgm:constr type="w" for="ch" forName="Accent1" refType="w" fact="0.0542"/>
+          <dgm:constr type="h" for="ch" forName="Accent1" refType="h" fact="0.0746"/>
+          <dgm:constr type="l" for="ch" forName="Accent2" refType="w" fact="0.3209"/>
+          <dgm:constr type="t" for="ch" forName="Accent2" refType="h" fact="0.6511"/>
+          <dgm:constr type="w" for="ch" forName="Accent2" refType="w" fact="0.0393"/>
+          <dgm:constr type="h" for="ch" forName="Accent2" refType="h" fact="0.054"/>
+          <dgm:constr type="l" for="ch" forName="Accent3" refType="w" fact="0.6899"/>
+          <dgm:constr type="t" for="ch" forName="Accent3" refType="h" fact="0.3026"/>
+          <dgm:constr type="w" for="ch" forName="Accent3" refType="w" fact="0.0393"/>
+          <dgm:constr type="h" for="ch" forName="Accent3" refType="h" fact="0.054"/>
+          <dgm:constr type="l" for="ch" forName="Accent9" refType="w" fact="0.6201"/>
+          <dgm:constr type="t" for="ch" forName="Accent9" refType="h" fact="0.2115"/>
+          <dgm:constr type="w" for="ch" forName="Accent9" refType="w" fact="0.0542"/>
+          <dgm:constr type="h" for="ch" forName="Accent9" refType="h" fact="0.0746"/>
+          <dgm:constr type="l" for="ch" forName="Child1" refType="w" fact="0.0186"/>
+          <dgm:constr type="t" for="ch" forName="Child1" refType="h" fact="0.1515"/>
+          <dgm:constr type="w" for="ch" forName="Child1" refType="w" fact="0.1982"/>
+          <dgm:constr type="h" for="ch" forName="Child1" refType="h" fact="0.2725"/>
+          <dgm:constr type="l" for="ch" forName="Child2" refType="w" fact="0.7086"/>
+          <dgm:constr type="t" for="ch" forName="Child2" refType="h" fact="0.0233"/>
+          <dgm:constr type="w" for="ch" forName="Child2" refType="w" fact="0.1982"/>
+          <dgm:constr type="h" for="ch" forName="Child2" refType="h" fact="0.2725"/>
+          <dgm:constr type="l" for="ch" forName="Child3" refType="w" fact="0.8018"/>
+          <dgm:constr type="t" for="ch" forName="Child3" refType="h" fact="0.4943"/>
+          <dgm:constr type="w" for="ch" forName="Child3" refType="w" fact="0.1982"/>
+          <dgm:constr type="h" for="ch" forName="Child3" refType="h" fact="0.2725"/>
+          <dgm:constr type="l" for="ch" forName="Accent12" refType="w" fact="0.7459"/>
+          <dgm:constr type="t" for="ch" forName="Accent12" refType="h" fact="0.4848"/>
+          <dgm:constr type="w" for="ch" forName="Accent12" refType="w" fact="0.0393"/>
+          <dgm:constr type="h" for="ch" forName="Accent12" refType="h" fact="0.054"/>
+          <dgm:constr type="l" for="ch" forName="Accent4" refType="w" fact="0.5021"/>
+          <dgm:constr type="t" for="ch" forName="Accent4" refType="h" fact="0.7085"/>
+          <dgm:constr type="w" for="ch" forName="Accent4" refType="w" fact="0.0542"/>
+          <dgm:constr type="h" for="ch" forName="Accent4" refType="h" fact="0.0746"/>
+          <dgm:constr type="l" for="ch" forName="Accent10" refType="w" fact="0"/>
+          <dgm:constr type="t" for="ch" forName="Accent10" refType="h" fact="0.6642"/>
+          <dgm:constr type="w" for="ch" forName="Accent10" refType="w" fact="0.0393"/>
+          <dgm:constr type="h" for="ch" forName="Accent10" refType="h" fact="0.054"/>
+          <dgm:constr type="l" for="ch" forName="Accent11" refType="w" fact="0.3916"/>
+          <dgm:constr type="t" for="ch" forName="Accent11" refType="h" fact="0.5873"/>
+          <dgm:constr type="w" for="ch" forName="Accent11" refType="w" fact="0.0393"/>
+          <dgm:constr type="h" for="ch" forName="Accent11" refType="h" fact="0.054"/>
+          <dgm:constr type="l" for="ch" forName="Accent7" refType="w" fact="0.3944"/>
+          <dgm:constr type="t" for="ch" forName="Accent7" refType="h" fact="0.1083"/>
+          <dgm:constr type="w" for="ch" forName="Accent7" refType="w" fact="0.0542"/>
+          <dgm:constr type="h" for="ch" forName="Accent7" refType="h" fact="0.0746"/>
+          <dgm:constr type="l" for="ch" forName="Accent5" refType="w" fact="0.3319"/>
+          <dgm:constr type="t" for="ch" forName="Accent5" refType="h" fact="0.1059"/>
+          <dgm:constr type="w" for="ch" forName="Accent5" refType="w" fact="0.0393"/>
+          <dgm:constr type="h" for="ch" forName="Accent5" refType="h" fact="0.054"/>
+          <dgm:constr type="l" for="ch" forName="Accent6" refType="w" fact="0.2082"/>
+          <dgm:constr type="t" for="ch" forName="Accent6" refType="h" fact="0.4151"/>
+          <dgm:constr type="w" for="ch" forName="Accent6" refType="w" fact="0.0393"/>
+          <dgm:constr type="h" for="ch" forName="Accent6" refType="h" fact="0.054"/>
+          <dgm:constr type="l" for="ch" forName="Child4" refType="w" fact="0.2329"/>
+          <dgm:constr type="t" for="ch" forName="Child4" refType="h" fact="0.7275"/>
+          <dgm:constr type="w" for="ch" forName="Child4" refType="w" fact="0.1982"/>
+          <dgm:constr type="h" for="ch" forName="Child4" refType="h" fact="0.2725"/>
+          <dgm:constr type="l" for="ch" forName="Accent13" refType="w" fact="0.4099"/>
+          <dgm:constr type="t" for="ch" forName="Accent13" refType="h" fact="0.7183"/>
+          <dgm:constr type="w" for="ch" forName="Accent13" refType="w" fact="0.0393"/>
+          <dgm:constr type="h" for="ch" forName="Accent13" refType="h" fact="0.054"/>
+        </dgm:constrLst>
+      </dgm:if>
+      <dgm:else name="Name7">
+        <dgm:alg type="composite">
+          <dgm:param type="ar" val="1.1477"/>
+        </dgm:alg>
+        <dgm:constrLst>
+          <dgm:constr type="primFontSz" for="des" ptType="node" op="equ" val="65"/>
+          <dgm:constr type="l" for="ch" forName="Parent" refType="w" fact="0.171"/>
+          <dgm:constr type="t" for="ch" forName="Parent" refType="h" fact="0.1907"/>
+          <dgm:constr type="w" for="ch" forName="Parent" refType="w" fact="0.4875"/>
+          <dgm:constr type="h" for="ch" forName="Parent" refType="h" fact="0.5596"/>
+          <dgm:constr type="l" for="ch" forName="Accent8" refType="w" fact="0.0373"/>
+          <dgm:constr type="t" for="ch" forName="Accent8" refType="h" fact="0.5858"/>
+          <dgm:constr type="w" for="ch" forName="Accent8" refType="w" fact="0.098"/>
+          <dgm:constr type="h" for="ch" forName="Accent8" refType="h" fact="0.1125"/>
+          <dgm:constr type="l" for="ch" forName="Accent1" refType="w" fact="0.4492"/>
+          <dgm:constr type="t" for="ch" forName="Accent1" refType="h" fact="0.1652"/>
+          <dgm:constr type="w" for="ch" forName="Accent1" refType="w" fact="0.0542"/>
+          <dgm:constr type="h" for="ch" forName="Accent1" refType="h" fact="0.0623"/>
+          <dgm:constr type="l" for="ch" forName="Accent2" refType="w" fact="0.3209"/>
+          <dgm:constr type="t" for="ch" forName="Accent2" refType="h" fact="0.7087"/>
+          <dgm:constr type="w" for="ch" forName="Accent2" refType="w" fact="0.0393"/>
+          <dgm:constr type="h" for="ch" forName="Accent2" refType="h" fact="0.0451"/>
+          <dgm:constr type="l" for="ch" forName="Accent3" refType="w" fact="0.6899"/>
+          <dgm:constr type="t" for="ch" forName="Accent3" refType="h" fact="0.4178"/>
+          <dgm:constr type="w" for="ch" forName="Accent3" refType="w" fact="0.0393"/>
+          <dgm:constr type="h" for="ch" forName="Accent3" refType="h" fact="0.0451"/>
+          <dgm:constr type="l" for="ch" forName="Accent9" refType="w" fact="0.6201"/>
+          <dgm:constr type="t" for="ch" forName="Accent9" refType="h" fact="0.3417"/>
+          <dgm:constr type="w" for="ch" forName="Accent9" refType="w" fact="0.0542"/>
+          <dgm:constr type="h" for="ch" forName="Accent9" refType="h" fact="0.0623"/>
+          <dgm:constr type="l" for="ch" forName="Child1" refType="w" fact="0.0186"/>
+          <dgm:constr type="t" for="ch" forName="Child1" refType="h" fact="0.2917"/>
+          <dgm:constr type="w" for="ch" forName="Child1" refType="w" fact="0.1982"/>
+          <dgm:constr type="h" for="ch" forName="Child1" refType="h" fact="0.2275"/>
+          <dgm:constr type="l" for="ch" forName="Child2" refType="w" fact="0.7086"/>
+          <dgm:constr type="t" for="ch" forName="Child2" refType="h" fact="0.1847"/>
+          <dgm:constr type="w" for="ch" forName="Child2" refType="w" fact="0.1982"/>
+          <dgm:constr type="h" for="ch" forName="Child2" refType="h" fact="0.2275"/>
+          <dgm:constr type="l" for="ch" forName="Child3" refType="w" fact="0.8018"/>
+          <dgm:constr type="t" for="ch" forName="Child3" refType="h" fact="0.5778"/>
+          <dgm:constr type="w" for="ch" forName="Child3" refType="w" fact="0.1982"/>
+          <dgm:constr type="h" for="ch" forName="Child3" refType="h" fact="0.2275"/>
+          <dgm:constr type="l" for="ch" forName="Accent12" refType="w" fact="0.7459"/>
+          <dgm:constr type="t" for="ch" forName="Accent12" refType="h" fact="0.5699"/>
+          <dgm:constr type="w" for="ch" forName="Accent12" refType="w" fact="0.0393"/>
+          <dgm:constr type="h" for="ch" forName="Accent12" refType="h" fact="0.0451"/>
+          <dgm:constr type="l" for="ch" forName="Accent4" refType="w" fact="0.5021"/>
+          <dgm:constr type="t" for="ch" forName="Accent4" refType="h" fact="0.7567"/>
+          <dgm:constr type="w" for="ch" forName="Accent4" refType="w" fact="0.0542"/>
+          <dgm:constr type="h" for="ch" forName="Accent4" refType="h" fact="0.0623"/>
+          <dgm:constr type="l" for="ch" forName="Accent10" refType="w" fact="0"/>
+          <dgm:constr type="t" for="ch" forName="Accent10" refType="h" fact="0.7197"/>
+          <dgm:constr type="w" for="ch" forName="Accent10" refType="w" fact="0.0393"/>
+          <dgm:constr type="h" for="ch" forName="Accent10" refType="h" fact="0.0451"/>
+          <dgm:constr type="l" for="ch" forName="Accent11" refType="w" fact="0.3916"/>
+          <dgm:constr type="t" for="ch" forName="Accent11" refType="h" fact="0.6555"/>
+          <dgm:constr type="w" for="ch" forName="Accent11" refType="w" fact="0.0393"/>
+          <dgm:constr type="h" for="ch" forName="Accent11" refType="h" fact="0.0451"/>
+          <dgm:constr type="l" for="ch" forName="Accent7" refType="w" fact="0.3944"/>
+          <dgm:constr type="t" for="ch" forName="Accent7" refType="h" fact="0.2556"/>
+          <dgm:constr type="w" for="ch" forName="Accent7" refType="w" fact="0.0542"/>
+          <dgm:constr type="h" for="ch" forName="Accent7" refType="h" fact="0.0623"/>
+          <dgm:constr type="l" for="ch" forName="Accent5" refType="w" fact="0.3319"/>
+          <dgm:constr type="t" for="ch" forName="Accent5" refType="h" fact="0.2536"/>
+          <dgm:constr type="w" for="ch" forName="Accent5" refType="w" fact="0.0393"/>
+          <dgm:constr type="h" for="ch" forName="Accent5" refType="h" fact="0.0451"/>
+          <dgm:constr type="l" for="ch" forName="Accent6" refType="w" fact="0.2082"/>
+          <dgm:constr type="t" for="ch" forName="Accent6" refType="h" fact="0.5117"/>
+          <dgm:constr type="w" for="ch" forName="Accent6" refType="w" fact="0.0393"/>
+          <dgm:constr type="h" for="ch" forName="Accent6" refType="h" fact="0.0451"/>
+          <dgm:constr type="l" for="ch" forName="Child5" refType="w" fact="0.4219"/>
+          <dgm:constr type="t" for="ch" forName="Child5" refType="h" fact="0"/>
+          <dgm:constr type="w" for="ch" forName="Child5" refType="w" fact="0.1982"/>
+          <dgm:constr type="h" for="ch" forName="Child5" refType="h" fact="0.2275"/>
+          <dgm:constr type="l" for="ch" forName="Child4" refType="w" fact="0.2329"/>
+          <dgm:constr type="t" for="ch" forName="Child4" refType="h" fact="0.7725"/>
+          <dgm:constr type="w" for="ch" forName="Child4" refType="w" fact="0.1982"/>
+          <dgm:constr type="h" for="ch" forName="Child4" refType="h" fact="0.2275"/>
+          <dgm:constr type="l" for="ch" forName="Accent15" refType="w" fact="0.1775"/>
+          <dgm:constr type="t" for="ch" forName="Accent15" refType="h" fact="0.2466"/>
+          <dgm:constr type="w" for="ch" forName="Accent15" refType="w" fact="0.0393"/>
+          <dgm:constr type="h" for="ch" forName="Accent15" refType="h" fact="0.0451"/>
+          <dgm:constr type="l" for="ch" forName="Accent16" refType="w" fact="0.6351"/>
+          <dgm:constr type="t" for="ch" forName="Accent16" refType="h" fact="0.056"/>
+          <dgm:constr type="w" for="ch" forName="Accent16" refType="w" fact="0.0393"/>
+          <dgm:constr type="h" for="ch" forName="Accent16" refType="h" fact="0.0451"/>
+          <dgm:constr type="l" for="ch" forName="Accent13" refType="w" fact="0.4099"/>
+          <dgm:constr type="t" for="ch" forName="Accent13" refType="h" fact="0.7648"/>
+          <dgm:constr type="w" for="ch" forName="Accent13" refType="w" fact="0.0393"/>
+          <dgm:constr type="h" for="ch" forName="Accent13" refType="h" fact="0.0451"/>
+        </dgm:constrLst>
+      </dgm:else>
+    </dgm:choose>
+    <dgm:forEach name="wrapper" axis="self" ptType="parTrans">
+      <dgm:forEach name="accentRepeat1" axis="self">
+        <dgm:layoutNode name="AccentHold1" styleLbl="node1">
+          <dgm:alg type="sp"/>
+          <dgm:shape xmlns:r="http://schemas.openxmlformats.org/officeDocument/2006/relationships" type="ellipse" r:blip="">
+            <dgm:adjLst/>
+          </dgm:shape>
+          <dgm:presOf/>
+        </dgm:layoutNode>
+      </dgm:forEach>
+      <dgm:forEach name="accentRepeat2" axis="self">
+        <dgm:layoutNode name="AccentHold2" styleLbl="node1">
+          <dgm:alg type="sp"/>
+          <dgm:shape xmlns:r="http://schemas.openxmlformats.org/officeDocument/2006/relationships" type="ellipse" r:blip="">
+            <dgm:adjLst/>
+          </dgm:shape>
+          <dgm:presOf/>
+        </dgm:layoutNode>
+      </dgm:forEach>
+      <dgm:forEach name="accentRepeat3" axis="self">
+        <dgm:layoutNode name="AccentHold3" styleLbl="node1">
+          <dgm:alg type="sp"/>
+          <dgm:shape xmlns:r="http://schemas.openxmlformats.org/officeDocument/2006/relationships" type="ellipse" r:blip="">
+            <dgm:adjLst/>
+          </dgm:shape>
+          <dgm:presOf/>
+        </dgm:layoutNode>
+      </dgm:forEach>
+    </dgm:forEach>
+    <dgm:forEach name="Name8" axis="ch" ptType="node" cnt="1">
+      <dgm:layoutNode name="Parent" styleLbl="node0">
+        <dgm:varLst>
+          <dgm:chMax val="5"/>
+          <dgm:chPref val="5"/>
+        </dgm:varLst>
+        <dgm:alg type="tx"/>
+        <dgm:shape xmlns:r="http://schemas.openxmlformats.org/officeDocument/2006/relationships" type="ellipse" r:blip="">
+          <dgm:adjLst/>
+        </dgm:shape>
+        <dgm:presOf axis="self" ptType="node"/>
+        <dgm:constrLst>
+          <dgm:constr type="lMarg" refType="primFontSz" fact="0.3"/>
+          <dgm:constr type="rMarg" refType="primFontSz" fact="0.3"/>
+          <dgm:constr type="tMarg" refType="primFontSz" fact="0.3"/>
+          <dgm:constr type="bMarg" refType="primFontSz" fact="0.3"/>
+        </dgm:constrLst>
+        <dgm:ruleLst>
+          <dgm:rule type="primFontSz" val="5" fact="NaN" max="NaN"/>
+        </dgm:ruleLst>
+      </dgm:layoutNode>
+      <dgm:choose name="Name9">
+        <dgm:if name="Name10" axis="ch" ptType="node" func="cnt" op="lte" val="4">
+          <dgm:layoutNode name="Accent1" styleLbl="node1">
+            <dgm:alg type="sp"/>
+            <dgm:shape xmlns:r="http://schemas.openxmlformats.org/officeDocument/2006/relationships" type="ellipse" r:blip="">
+              <dgm:adjLst/>
+            </dgm:shape>
+            <dgm:presOf/>
+            <dgm:constrLst/>
+          </dgm:layoutNode>
+        </dgm:if>
+        <dgm:else name="Name11"/>
+      </dgm:choose>
+      <dgm:layoutNode name="Accent2" styleLbl="node1">
+        <dgm:alg type="sp"/>
+        <dgm:shape xmlns:r="http://schemas.openxmlformats.org/officeDocument/2006/relationships" type="ellipse" r:blip="">
+          <dgm:adjLst/>
+        </dgm:shape>
+        <dgm:presOf/>
+        <dgm:constrLst/>
+      </dgm:layoutNode>
+      <dgm:layoutNode name="Accent3" styleLbl="node1">
+        <dgm:alg type="sp"/>
+        <dgm:shape xmlns:r="http://schemas.openxmlformats.org/officeDocument/2006/relationships" type="ellipse" r:blip="">
+          <dgm:adjLst/>
+        </dgm:shape>
+        <dgm:presOf/>
+        <dgm:constrLst/>
+      </dgm:layoutNode>
+      <dgm:layoutNode name="Accent4" styleLbl="node1">
+        <dgm:alg type="sp"/>
+        <dgm:shape xmlns:r="http://schemas.openxmlformats.org/officeDocument/2006/relationships" type="ellipse" r:blip="">
+          <dgm:adjLst/>
+        </dgm:shape>
+        <dgm:presOf/>
+        <dgm:constrLst/>
+      </dgm:layoutNode>
+      <dgm:layoutNode name="Accent5" styleLbl="node1">
+        <dgm:alg type="sp"/>
+        <dgm:shape xmlns:r="http://schemas.openxmlformats.org/officeDocument/2006/relationships" type="ellipse" r:blip="">
+          <dgm:adjLst/>
+        </dgm:shape>
+        <dgm:presOf/>
+        <dgm:constrLst/>
+      </dgm:layoutNode>
+      <dgm:layoutNode name="Accent6" styleLbl="node1">
+        <dgm:alg type="sp"/>
+        <dgm:shape xmlns:r="http://schemas.openxmlformats.org/officeDocument/2006/relationships" type="ellipse" r:blip="">
+          <dgm:adjLst/>
+        </dgm:shape>
+        <dgm:presOf/>
+        <dgm:constrLst/>
+      </dgm:layoutNode>
+    </dgm:forEach>
+    <dgm:forEach name="Name12" axis="ch ch" ptType="node node" st="1 1" cnt="1 1">
+      <dgm:layoutNode name="Child1" styleLbl="node1">
+        <dgm:varLst>
+          <dgm:chMax val="0"/>
+          <dgm:chPref val="0"/>
+        </dgm:varLst>
+        <dgm:alg type="tx">
+          <dgm:param type="shpTxLTRAlignCh" val="ctr"/>
+          <dgm:param type="txAnchorVertCh" val="mid"/>
+        </dgm:alg>
+        <dgm:shape xmlns:r="http://schemas.openxmlformats.org/officeDocument/2006/relationships" type="ellipse" r:blip="">
+          <dgm:adjLst/>
+        </dgm:shape>
+        <dgm:presOf axis="self" ptType="node"/>
+        <dgm:constrLst>
+          <dgm:constr type="lMarg" refType="primFontSz" fact="0.3"/>
+          <dgm:constr type="rMarg" refType="primFontSz" fact="0.3"/>
+          <dgm:constr type="tMarg" refType="primFontSz" fact="0.3"/>
+          <dgm:constr type="bMarg" refType="primFontSz" fact="0.3"/>
+        </dgm:constrLst>
+        <dgm:ruleLst>
+          <dgm:rule type="primFontSz" val="5" fact="NaN" max="NaN"/>
+        </dgm:ruleLst>
+      </dgm:layoutNode>
+      <dgm:layoutNode name="Accent7">
+        <dgm:alg type="sp"/>
+        <dgm:shape xmlns:r="http://schemas.openxmlformats.org/officeDocument/2006/relationships" r:blip="">
+          <dgm:adjLst/>
+        </dgm:shape>
+        <dgm:presOf/>
+        <dgm:constrLst/>
+        <dgm:forEach name="Name13" ref="accentRepeat1"/>
+      </dgm:layoutNode>
+      <dgm:layoutNode name="Accent8">
+        <dgm:alg type="sp"/>
+        <dgm:shape xmlns:r="http://schemas.openxmlformats.org/officeDocument/2006/relationships" r:blip="">
+          <dgm:adjLst/>
+        </dgm:shape>
+        <dgm:presOf/>
+        <dgm:constrLst/>
+        <dgm:forEach name="Name14" ref="accentRepeat2"/>
+      </dgm:layoutNode>
+    </dgm:forEach>
+    <dgm:forEach name="Name15" axis="ch ch" ptType="node node" st="1 2" cnt="1 1">
+      <dgm:layoutNode name="Child2" styleLbl="node1">
+        <dgm:varLst>
+          <dgm:chMax val="0"/>
+          <dgm:chPref val="0"/>
+        </dgm:varLst>
+        <dgm:alg type="tx">
+          <dgm:param type="shpTxLTRAlignCh" val="ctr"/>
+          <dgm:param type="txAnchorVertCh" val="mid"/>
+        </dgm:alg>
+        <dgm:shape xmlns:r="http://schemas.openxmlformats.org/officeDocument/2006/relationships" type="ellipse" r:blip="">
+          <dgm:adjLst/>
+        </dgm:shape>
+        <dgm:presOf axis="self" ptType="node"/>
+        <dgm:constrLst>
+          <dgm:constr type="lMarg" refType="primFontSz" fact="0.3"/>
+          <dgm:constr type="rMarg" refType="primFontSz" fact="0.3"/>
+          <dgm:constr type="tMarg" refType="primFontSz" fact="0.3"/>
+          <dgm:constr type="bMarg" refType="primFontSz" fact="0.3"/>
+        </dgm:constrLst>
+        <dgm:ruleLst>
+          <dgm:rule type="primFontSz" val="5" fact="NaN" max="NaN"/>
+        </dgm:ruleLst>
+      </dgm:layoutNode>
+      <dgm:layoutNode name="Accent9">
+        <dgm:alg type="sp"/>
+        <dgm:shape xmlns:r="http://schemas.openxmlformats.org/officeDocument/2006/relationships" r:blip="">
+          <dgm:adjLst/>
+        </dgm:shape>
+        <dgm:presOf/>
+        <dgm:constrLst/>
+        <dgm:forEach name="Name16" ref="accentRepeat1"/>
+      </dgm:layoutNode>
+      <dgm:layoutNode name="Accent10">
+        <dgm:alg type="sp"/>
+        <dgm:shape xmlns:r="http://schemas.openxmlformats.org/officeDocument/2006/relationships" r:blip="">
+          <dgm:adjLst/>
+        </dgm:shape>
+        <dgm:presOf/>
+        <dgm:constrLst/>
+        <dgm:forEach name="Name17" ref="accentRepeat2"/>
+      </dgm:layoutNode>
+      <dgm:layoutNode name="Accent11">
+        <dgm:alg type="sp"/>
+        <dgm:shape xmlns:r="http://schemas.openxmlformats.org/officeDocument/2006/relationships" r:blip="">
+          <dgm:adjLst/>
+        </dgm:shape>
+        <dgm:presOf/>
+        <dgm:constrLst/>
+        <dgm:forEach name="Name18" ref="accentRepeat3"/>
+      </dgm:layoutNode>
+    </dgm:forEach>
+    <dgm:forEach name="Name19" axis="ch ch" ptType="node node" st="1 3" cnt="1 1">
+      <dgm:layoutNode name="Child3" styleLbl="node1">
+        <dgm:varLst>
+          <dgm:chMax val="0"/>
+          <dgm:chPref val="0"/>
+        </dgm:varLst>
+        <dgm:alg type="tx">
+          <dgm:param type="shpTxLTRAlignCh" val="ctr"/>
+          <dgm:param type="txAnchorVertCh" val="mid"/>
+        </dgm:alg>
+        <dgm:shape xmlns:r="http://schemas.openxmlformats.org/officeDocument/2006/relationships" type="ellipse" r:blip="">
+          <dgm:adjLst/>
+        </dgm:shape>
+        <dgm:presOf axis="self" ptType="node"/>
+        <dgm:constrLst>
+          <dgm:constr type="lMarg" refType="primFontSz" fact="0.3"/>
+          <dgm:constr type="rMarg" refType="primFontSz" fact="0.3"/>
+          <dgm:constr type="tMarg" refType="primFontSz" fact="0.3"/>
+          <dgm:constr type="bMarg" refType="primFontSz" fact="0.3"/>
+        </dgm:constrLst>
+        <dgm:ruleLst>
+          <dgm:rule type="primFontSz" val="5" fact="NaN" max="NaN"/>
+        </dgm:ruleLst>
+      </dgm:layoutNode>
+      <dgm:layoutNode name="Accent12">
+        <dgm:alg type="sp"/>
+        <dgm:shape xmlns:r="http://schemas.openxmlformats.org/officeDocument/2006/relationships" r:blip="">
+          <dgm:adjLst/>
+        </dgm:shape>
+        <dgm:presOf/>
+        <dgm:constrLst/>
+        <dgm:forEach name="Name20" ref="accentRepeat1"/>
+      </dgm:layoutNode>
+    </dgm:forEach>
+    <dgm:forEach name="Name21" axis="ch ch" ptType="node node" st="1 4" cnt="1 1">
+      <dgm:layoutNode name="Child4" styleLbl="node1">
+        <dgm:varLst>
+          <dgm:chMax val="0"/>
+          <dgm:chPref val="0"/>
+        </dgm:varLst>
+        <dgm:alg type="tx">
+          <dgm:param type="shpTxLTRAlignCh" val="ctr"/>
+          <dgm:param type="txAnchorVertCh" val="mid"/>
+        </dgm:alg>
+        <dgm:shape xmlns:r="http://schemas.openxmlformats.org/officeDocument/2006/relationships" type="ellipse" r:blip="">
+          <dgm:adjLst/>
+        </dgm:shape>
+        <dgm:presOf axis="self" ptType="node"/>
+        <dgm:constrLst>
+          <dgm:constr type="lMarg" refType="primFontSz" fact="0.3"/>
+          <dgm:constr type="rMarg" refType="primFontSz" fact="0.3"/>
+          <dgm:constr type="tMarg" refType="primFontSz" fact="0.3"/>
+          <dgm:constr type="bMarg" refType="primFontSz" fact="0.3"/>
+        </dgm:constrLst>
+        <dgm:ruleLst>
+          <dgm:rule type="primFontSz" val="5" fact="NaN" max="NaN"/>
+        </dgm:ruleLst>
+      </dgm:layoutNode>
+      <dgm:layoutNode name="Accent13">
+        <dgm:alg type="sp"/>
+        <dgm:shape xmlns:r="http://schemas.openxmlformats.org/officeDocument/2006/relationships" r:blip="">
+          <dgm:adjLst/>
+        </dgm:shape>
+        <dgm:presOf/>
+        <dgm:constrLst/>
+        <dgm:forEach name="Name22" ref="accentRepeat1"/>
+      </dgm:layoutNode>
+    </dgm:forEach>
+    <dgm:forEach name="Name23" axis="ch ch" ptType="node node" st="1 5" cnt="1 1">
+      <dgm:layoutNode name="Child5" styleLbl="node1">
+        <dgm:varLst>
+          <dgm:chMax val="0"/>
+          <dgm:chPref val="0"/>
+        </dgm:varLst>
+        <dgm:alg type="tx">
+          <dgm:param type="shpTxLTRAlignCh" val="ctr"/>
+          <dgm:param type="txAnchorVertCh" val="mid"/>
+        </dgm:alg>
+        <dgm:shape xmlns:r="http://schemas.openxmlformats.org/officeDocument/2006/relationships" type="ellipse" r:blip="">
+          <dgm:adjLst/>
+        </dgm:shape>
+        <dgm:presOf axis="self" ptType="node"/>
+        <dgm:constrLst>
+          <dgm:constr type="lMarg" refType="primFontSz" fact="0.3"/>
+          <dgm:constr type="rMarg" refType="primFontSz" fact="0.3"/>
+          <dgm:constr type="tMarg" refType="primFontSz" fact="0.3"/>
+          <dgm:constr type="bMarg" refType="primFontSz" fact="0.3"/>
+        </dgm:constrLst>
+        <dgm:ruleLst>
+          <dgm:rule type="primFontSz" val="5" fact="NaN" max="NaN"/>
+        </dgm:ruleLst>
+      </dgm:layoutNode>
+      <dgm:layoutNode name="Accent15">
+        <dgm:alg type="sp"/>
+        <dgm:shape xmlns:r="http://schemas.openxmlformats.org/officeDocument/2006/relationships" r:blip="">
+          <dgm:adjLst/>
+        </dgm:shape>
+        <dgm:presOf/>
+        <dgm:constrLst/>
+        <dgm:forEach name="Name24" ref="accentRepeat2"/>
+      </dgm:layoutNode>
+      <dgm:layoutNode name="Accent16">
+        <dgm:alg type="sp"/>
+        <dgm:shape xmlns:r="http://schemas.openxmlformats.org/officeDocument/2006/relationships" r:blip="">
+          <dgm:adjLst/>
+        </dgm:shape>
+        <dgm:presOf/>
+        <dgm:constrLst/>
+        <dgm:forEach name="Name25" ref="accentRepeat3"/>
+      </dgm:layoutNode>
+    </dgm:forEach>
+  </dgm:layoutNode>
+</dgm:layoutDef>
+</file>
+
 <file path=ppt/diagrams/quickStyle1.xml><?xml version="1.0" encoding="utf-8"?>
 <dgm:styleDef xmlns:dgm="http://schemas.openxmlformats.org/drawingml/2006/diagram" xmlns:a="http://schemas.openxmlformats.org/drawingml/2006/main" uniqueId="urn:microsoft.com/office/officeart/2005/8/quickstyle/simple1">
   <dgm:title val=""/>
@@ -3849,6 +5979,1089 @@
     </dgm:scene3d>
     <dgm:sp3d/>
     <dgm:txPr/>
+    <dgm:style>
+      <a:lnRef idx="0">
+        <a:scrgbClr r="0" g="0" b="0"/>
+      </a:lnRef>
+      <a:fillRef idx="0">
+        <a:scrgbClr r="0" g="0" b="0"/>
+      </a:fillRef>
+      <a:effectRef idx="0">
+        <a:scrgbClr r="0" g="0" b="0"/>
+      </a:effectRef>
+      <a:fontRef idx="minor"/>
+    </dgm:style>
+  </dgm:styleLbl>
+</dgm:styleDef>
+</file>
+
+<file path=ppt/diagrams/quickStyle2.xml><?xml version="1.0" encoding="utf-8"?>
+<dgm:styleDef xmlns:dgm="http://schemas.openxmlformats.org/drawingml/2006/diagram" xmlns:a="http://schemas.openxmlformats.org/drawingml/2006/main" uniqueId="urn:microsoft.com/office/officeart/2005/8/quickstyle/3d9">
+  <dgm:title val=""/>
+  <dgm:desc val=""/>
+  <dgm:catLst>
+    <dgm:cat type="3D" pri="11900"/>
+  </dgm:catLst>
+  <dgm:scene3d>
+    <a:camera prst="perspectiveRelaxed">
+      <a:rot lat="19149996" lon="20104178" rev="1577324"/>
+    </a:camera>
+    <a:lightRig rig="soft" dir="t"/>
+    <a:backdrop>
+      <a:anchor x="0" y="0" z="-210000"/>
+      <a:norm dx="0" dy="0" dz="914400"/>
+      <a:up dx="0" dy="914400" dz="0"/>
+    </a:backdrop>
+  </dgm:scene3d>
+  <dgm:styleLbl name="node0">
+    <dgm:scene3d>
+      <a:camera prst="orthographicFront"/>
+      <a:lightRig rig="threePt" dir="t"/>
+    </dgm:scene3d>
+    <dgm:sp3d extrusionH="152250" prstMaterial="matte">
+      <a:bevelT w="165100" prst="coolSlant"/>
+    </dgm:sp3d>
+    <dgm:txPr>
+      <a:sp3d extrusionH="28000" prstMaterial="matte"/>
+    </dgm:txPr>
+    <dgm:style>
+      <a:lnRef idx="0">
+        <a:scrgbClr r="0" g="0" b="0"/>
+      </a:lnRef>
+      <a:fillRef idx="1">
+        <a:scrgbClr r="0" g="0" b="0"/>
+      </a:fillRef>
+      <a:effectRef idx="2">
+        <a:scrgbClr r="0" g="0" b="0"/>
+      </a:effectRef>
+      <a:fontRef idx="minor">
+        <a:schemeClr val="lt1"/>
+      </a:fontRef>
+    </dgm:style>
+  </dgm:styleLbl>
+  <dgm:styleLbl name="lnNode1">
+    <dgm:scene3d>
+      <a:camera prst="orthographicFront"/>
+      <a:lightRig rig="threePt" dir="t"/>
+    </dgm:scene3d>
+    <dgm:sp3d extrusionH="152250" prstMaterial="matte">
+      <a:bevelT w="165100" prst="coolSlant"/>
+    </dgm:sp3d>
+    <dgm:txPr>
+      <a:sp3d extrusionH="28000" prstMaterial="matte"/>
+    </dgm:txPr>
+    <dgm:style>
+      <a:lnRef idx="0">
+        <a:scrgbClr r="0" g="0" b="0"/>
+      </a:lnRef>
+      <a:fillRef idx="1">
+        <a:scrgbClr r="0" g="0" b="0"/>
+      </a:fillRef>
+      <a:effectRef idx="2">
+        <a:scrgbClr r="0" g="0" b="0"/>
+      </a:effectRef>
+      <a:fontRef idx="minor">
+        <a:schemeClr val="lt1"/>
+      </a:fontRef>
+    </dgm:style>
+  </dgm:styleLbl>
+  <dgm:styleLbl name="vennNode1">
+    <dgm:scene3d>
+      <a:camera prst="orthographicFront"/>
+      <a:lightRig rig="threePt" dir="t"/>
+    </dgm:scene3d>
+    <dgm:sp3d extrusionH="152250" prstMaterial="matte">
+      <a:bevelT w="165100" prst="coolSlant"/>
+    </dgm:sp3d>
+    <dgm:txPr>
+      <a:sp3d extrusionH="28000" prstMaterial="matte"/>
+    </dgm:txPr>
+    <dgm:style>
+      <a:lnRef idx="0">
+        <a:scrgbClr r="0" g="0" b="0"/>
+      </a:lnRef>
+      <a:fillRef idx="1">
+        <a:scrgbClr r="0" g="0" b="0"/>
+      </a:fillRef>
+      <a:effectRef idx="2">
+        <a:scrgbClr r="0" g="0" b="0"/>
+      </a:effectRef>
+      <a:fontRef idx="minor">
+        <a:schemeClr val="tx1"/>
+      </a:fontRef>
+    </dgm:style>
+  </dgm:styleLbl>
+  <dgm:styleLbl name="alignNode1">
+    <dgm:scene3d>
+      <a:camera prst="orthographicFront"/>
+      <a:lightRig rig="threePt" dir="t"/>
+    </dgm:scene3d>
+    <dgm:sp3d extrusionH="152250" prstMaterial="matte">
+      <a:bevelT w="165100" prst="coolSlant"/>
+    </dgm:sp3d>
+    <dgm:txPr>
+      <a:sp3d extrusionH="28000" prstMaterial="matte"/>
+    </dgm:txPr>
+    <dgm:style>
+      <a:lnRef idx="1">
+        <a:scrgbClr r="0" g="0" b="0"/>
+      </a:lnRef>
+      <a:fillRef idx="1">
+        <a:scrgbClr r="0" g="0" b="0"/>
+      </a:fillRef>
+      <a:effectRef idx="2">
+        <a:scrgbClr r="0" g="0" b="0"/>
+      </a:effectRef>
+      <a:fontRef idx="minor">
+        <a:schemeClr val="lt1"/>
+      </a:fontRef>
+    </dgm:style>
+  </dgm:styleLbl>
+  <dgm:styleLbl name="node1">
+    <dgm:scene3d>
+      <a:camera prst="orthographicFront"/>
+      <a:lightRig rig="threePt" dir="t"/>
+    </dgm:scene3d>
+    <dgm:sp3d extrusionH="152250" prstMaterial="matte">
+      <a:bevelT w="165100" prst="coolSlant"/>
+    </dgm:sp3d>
+    <dgm:txPr>
+      <a:sp3d extrusionH="28000" prstMaterial="matte"/>
+    </dgm:txPr>
+    <dgm:style>
+      <a:lnRef idx="0">
+        <a:scrgbClr r="0" g="0" b="0"/>
+      </a:lnRef>
+      <a:fillRef idx="1">
+        <a:scrgbClr r="0" g="0" b="0"/>
+      </a:fillRef>
+      <a:effectRef idx="2">
+        <a:scrgbClr r="0" g="0" b="0"/>
+      </a:effectRef>
+      <a:fontRef idx="minor">
+        <a:schemeClr val="lt1"/>
+      </a:fontRef>
+    </dgm:style>
+  </dgm:styleLbl>
+  <dgm:styleLbl name="node2">
+    <dgm:scene3d>
+      <a:camera prst="orthographicFront"/>
+      <a:lightRig rig="threePt" dir="t"/>
+    </dgm:scene3d>
+    <dgm:sp3d extrusionH="152250" prstMaterial="matte">
+      <a:bevelT w="165100" prst="coolSlant"/>
+    </dgm:sp3d>
+    <dgm:txPr>
+      <a:sp3d extrusionH="28000" prstMaterial="matte"/>
+    </dgm:txPr>
+    <dgm:style>
+      <a:lnRef idx="0">
+        <a:scrgbClr r="0" g="0" b="0"/>
+      </a:lnRef>
+      <a:fillRef idx="1">
+        <a:scrgbClr r="0" g="0" b="0"/>
+      </a:fillRef>
+      <a:effectRef idx="2">
+        <a:scrgbClr r="0" g="0" b="0"/>
+      </a:effectRef>
+      <a:fontRef idx="minor">
+        <a:schemeClr val="lt1"/>
+      </a:fontRef>
+    </dgm:style>
+  </dgm:styleLbl>
+  <dgm:styleLbl name="node3">
+    <dgm:scene3d>
+      <a:camera prst="orthographicFront"/>
+      <a:lightRig rig="threePt" dir="t"/>
+    </dgm:scene3d>
+    <dgm:sp3d extrusionH="152250" prstMaterial="matte">
+      <a:bevelT w="165100" prst="coolSlant"/>
+    </dgm:sp3d>
+    <dgm:txPr>
+      <a:sp3d extrusionH="28000" prstMaterial="matte"/>
+    </dgm:txPr>
+    <dgm:style>
+      <a:lnRef idx="0">
+        <a:scrgbClr r="0" g="0" b="0"/>
+      </a:lnRef>
+      <a:fillRef idx="1">
+        <a:scrgbClr r="0" g="0" b="0"/>
+      </a:fillRef>
+      <a:effectRef idx="2">
+        <a:scrgbClr r="0" g="0" b="0"/>
+      </a:effectRef>
+      <a:fontRef idx="minor">
+        <a:schemeClr val="lt1"/>
+      </a:fontRef>
+    </dgm:style>
+  </dgm:styleLbl>
+  <dgm:styleLbl name="node4">
+    <dgm:scene3d>
+      <a:camera prst="orthographicFront"/>
+      <a:lightRig rig="threePt" dir="t"/>
+    </dgm:scene3d>
+    <dgm:sp3d extrusionH="152250" prstMaterial="matte">
+      <a:bevelT w="165100" prst="coolSlant"/>
+    </dgm:sp3d>
+    <dgm:txPr>
+      <a:sp3d extrusionH="28000" prstMaterial="matte"/>
+    </dgm:txPr>
+    <dgm:style>
+      <a:lnRef idx="0">
+        <a:scrgbClr r="0" g="0" b="0"/>
+      </a:lnRef>
+      <a:fillRef idx="1">
+        <a:scrgbClr r="0" g="0" b="0"/>
+      </a:fillRef>
+      <a:effectRef idx="2">
+        <a:scrgbClr r="0" g="0" b="0"/>
+      </a:effectRef>
+      <a:fontRef idx="minor">
+        <a:schemeClr val="lt1"/>
+      </a:fontRef>
+    </dgm:style>
+  </dgm:styleLbl>
+  <dgm:styleLbl name="fgImgPlace1">
+    <dgm:scene3d>
+      <a:camera prst="orthographicFront"/>
+      <a:lightRig rig="threePt" dir="t"/>
+    </dgm:scene3d>
+    <dgm:sp3d prstMaterial="matte"/>
+    <dgm:txPr/>
+    <dgm:style>
+      <a:lnRef idx="0">
+        <a:scrgbClr r="0" g="0" b="0"/>
+      </a:lnRef>
+      <a:fillRef idx="1">
+        <a:scrgbClr r="0" g="0" b="0"/>
+      </a:fillRef>
+      <a:effectRef idx="0">
+        <a:scrgbClr r="0" g="0" b="0"/>
+      </a:effectRef>
+      <a:fontRef idx="minor"/>
+    </dgm:style>
+  </dgm:styleLbl>
+  <dgm:styleLbl name="alignImgPlace1">
+    <dgm:scene3d>
+      <a:camera prst="orthographicFront"/>
+      <a:lightRig rig="threePt" dir="t"/>
+    </dgm:scene3d>
+    <dgm:sp3d extrusionH="152250" prstMaterial="matte">
+      <a:bevelT w="165100" prst="coolSlant"/>
+    </dgm:sp3d>
+    <dgm:txPr/>
+    <dgm:style>
+      <a:lnRef idx="0">
+        <a:scrgbClr r="0" g="0" b="0"/>
+      </a:lnRef>
+      <a:fillRef idx="1">
+        <a:scrgbClr r="0" g="0" b="0"/>
+      </a:fillRef>
+      <a:effectRef idx="0">
+        <a:scrgbClr r="0" g="0" b="0"/>
+      </a:effectRef>
+      <a:fontRef idx="minor"/>
+    </dgm:style>
+  </dgm:styleLbl>
+  <dgm:styleLbl name="bgImgPlace1">
+    <dgm:scene3d>
+      <a:camera prst="orthographicFront"/>
+      <a:lightRig rig="threePt" dir="t"/>
+    </dgm:scene3d>
+    <dgm:sp3d z="-227350" prstMaterial="matte"/>
+    <dgm:txPr/>
+    <dgm:style>
+      <a:lnRef idx="0">
+        <a:scrgbClr r="0" g="0" b="0"/>
+      </a:lnRef>
+      <a:fillRef idx="1">
+        <a:scrgbClr r="0" g="0" b="0"/>
+      </a:fillRef>
+      <a:effectRef idx="0">
+        <a:scrgbClr r="0" g="0" b="0"/>
+      </a:effectRef>
+      <a:fontRef idx="minor"/>
+    </dgm:style>
+  </dgm:styleLbl>
+  <dgm:styleLbl name="sibTrans2D1">
+    <dgm:scene3d>
+      <a:camera prst="orthographicFront"/>
+      <a:lightRig rig="threePt" dir="t"/>
+    </dgm:scene3d>
+    <dgm:sp3d z="-227350" prstMaterial="matte"/>
+    <dgm:txPr/>
+    <dgm:style>
+      <a:lnRef idx="0">
+        <a:scrgbClr r="0" g="0" b="0"/>
+      </a:lnRef>
+      <a:fillRef idx="1">
+        <a:scrgbClr r="0" g="0" b="0"/>
+      </a:fillRef>
+      <a:effectRef idx="0">
+        <a:scrgbClr r="0" g="0" b="0"/>
+      </a:effectRef>
+      <a:fontRef idx="minor">
+        <a:schemeClr val="lt1"/>
+      </a:fontRef>
+    </dgm:style>
+  </dgm:styleLbl>
+  <dgm:styleLbl name="fgSibTrans2D1">
+    <dgm:scene3d>
+      <a:camera prst="orthographicFront"/>
+      <a:lightRig rig="threePt" dir="t"/>
+    </dgm:scene3d>
+    <dgm:sp3d prstMaterial="matte"/>
+    <dgm:txPr/>
+    <dgm:style>
+      <a:lnRef idx="0">
+        <a:scrgbClr r="0" g="0" b="0"/>
+      </a:lnRef>
+      <a:fillRef idx="1">
+        <a:scrgbClr r="0" g="0" b="0"/>
+      </a:fillRef>
+      <a:effectRef idx="2">
+        <a:scrgbClr r="0" g="0" b="0"/>
+      </a:effectRef>
+      <a:fontRef idx="minor">
+        <a:schemeClr val="lt1"/>
+      </a:fontRef>
+    </dgm:style>
+  </dgm:styleLbl>
+  <dgm:styleLbl name="bgSibTrans2D1">
+    <dgm:scene3d>
+      <a:camera prst="orthographicFront"/>
+      <a:lightRig rig="threePt" dir="t"/>
+    </dgm:scene3d>
+    <dgm:sp3d z="-227350" prstMaterial="matte"/>
+    <dgm:txPr/>
+    <dgm:style>
+      <a:lnRef idx="0">
+        <a:scrgbClr r="0" g="0" b="0"/>
+      </a:lnRef>
+      <a:fillRef idx="1">
+        <a:scrgbClr r="0" g="0" b="0"/>
+      </a:fillRef>
+      <a:effectRef idx="0">
+        <a:scrgbClr r="0" g="0" b="0"/>
+      </a:effectRef>
+      <a:fontRef idx="minor">
+        <a:schemeClr val="lt1"/>
+      </a:fontRef>
+    </dgm:style>
+  </dgm:styleLbl>
+  <dgm:styleLbl name="sibTrans1D1">
+    <dgm:scene3d>
+      <a:camera prst="orthographicFront"/>
+      <a:lightRig rig="threePt" dir="t"/>
+    </dgm:scene3d>
+    <dgm:sp3d z="-227350" prstMaterial="matte"/>
+    <dgm:txPr/>
+    <dgm:style>
+      <a:lnRef idx="1">
+        <a:scrgbClr r="0" g="0" b="0"/>
+      </a:lnRef>
+      <a:fillRef idx="0">
+        <a:scrgbClr r="0" g="0" b="0"/>
+      </a:fillRef>
+      <a:effectRef idx="0">
+        <a:scrgbClr r="0" g="0" b="0"/>
+      </a:effectRef>
+      <a:fontRef idx="minor"/>
+    </dgm:style>
+  </dgm:styleLbl>
+  <dgm:styleLbl name="callout">
+    <dgm:scene3d>
+      <a:camera prst="orthographicFront"/>
+      <a:lightRig rig="threePt" dir="t"/>
+    </dgm:scene3d>
+    <dgm:sp3d prstMaterial="matte"/>
+    <dgm:txPr/>
+    <dgm:style>
+      <a:lnRef idx="2">
+        <a:scrgbClr r="0" g="0" b="0"/>
+      </a:lnRef>
+      <a:fillRef idx="1">
+        <a:scrgbClr r="0" g="0" b="0"/>
+      </a:fillRef>
+      <a:effectRef idx="0">
+        <a:scrgbClr r="0" g="0" b="0"/>
+      </a:effectRef>
+      <a:fontRef idx="minor"/>
+    </dgm:style>
+  </dgm:styleLbl>
+  <dgm:styleLbl name="asst0">
+    <dgm:scene3d>
+      <a:camera prst="orthographicFront"/>
+      <a:lightRig rig="threePt" dir="t"/>
+    </dgm:scene3d>
+    <dgm:sp3d extrusionH="152250" prstMaterial="matte">
+      <a:bevelT w="165100" prst="coolSlant"/>
+    </dgm:sp3d>
+    <dgm:txPr>
+      <a:sp3d extrusionH="28000" prstMaterial="matte"/>
+    </dgm:txPr>
+    <dgm:style>
+      <a:lnRef idx="0">
+        <a:scrgbClr r="0" g="0" b="0"/>
+      </a:lnRef>
+      <a:fillRef idx="1">
+        <a:scrgbClr r="0" g="0" b="0"/>
+      </a:fillRef>
+      <a:effectRef idx="2">
+        <a:scrgbClr r="0" g="0" b="0"/>
+      </a:effectRef>
+      <a:fontRef idx="minor">
+        <a:schemeClr val="lt1"/>
+      </a:fontRef>
+    </dgm:style>
+  </dgm:styleLbl>
+  <dgm:styleLbl name="asst1">
+    <dgm:scene3d>
+      <a:camera prst="orthographicFront"/>
+      <a:lightRig rig="threePt" dir="t"/>
+    </dgm:scene3d>
+    <dgm:sp3d extrusionH="152250" prstMaterial="matte">
+      <a:bevelT w="165100" prst="coolSlant"/>
+    </dgm:sp3d>
+    <dgm:txPr>
+      <a:sp3d extrusionH="28000" prstMaterial="matte"/>
+    </dgm:txPr>
+    <dgm:style>
+      <a:lnRef idx="0">
+        <a:scrgbClr r="0" g="0" b="0"/>
+      </a:lnRef>
+      <a:fillRef idx="1">
+        <a:scrgbClr r="0" g="0" b="0"/>
+      </a:fillRef>
+      <a:effectRef idx="2">
+        <a:scrgbClr r="0" g="0" b="0"/>
+      </a:effectRef>
+      <a:fontRef idx="minor">
+        <a:schemeClr val="lt1"/>
+      </a:fontRef>
+    </dgm:style>
+  </dgm:styleLbl>
+  <dgm:styleLbl name="asst2">
+    <dgm:scene3d>
+      <a:camera prst="orthographicFront"/>
+      <a:lightRig rig="threePt" dir="t"/>
+    </dgm:scene3d>
+    <dgm:sp3d extrusionH="152250" prstMaterial="matte">
+      <a:bevelT w="165100" prst="coolSlant"/>
+    </dgm:sp3d>
+    <dgm:txPr>
+      <a:sp3d extrusionH="28000" prstMaterial="matte"/>
+    </dgm:txPr>
+    <dgm:style>
+      <a:lnRef idx="0">
+        <a:scrgbClr r="0" g="0" b="0"/>
+      </a:lnRef>
+      <a:fillRef idx="1">
+        <a:scrgbClr r="0" g="0" b="0"/>
+      </a:fillRef>
+      <a:effectRef idx="2">
+        <a:scrgbClr r="0" g="0" b="0"/>
+      </a:effectRef>
+      <a:fontRef idx="minor">
+        <a:schemeClr val="lt1"/>
+      </a:fontRef>
+    </dgm:style>
+  </dgm:styleLbl>
+  <dgm:styleLbl name="asst3">
+    <dgm:scene3d>
+      <a:camera prst="orthographicFront"/>
+      <a:lightRig rig="threePt" dir="t"/>
+    </dgm:scene3d>
+    <dgm:sp3d extrusionH="152250" prstMaterial="matte">
+      <a:bevelT w="165100" prst="coolSlant"/>
+    </dgm:sp3d>
+    <dgm:txPr>
+      <a:sp3d extrusionH="28000" prstMaterial="matte"/>
+    </dgm:txPr>
+    <dgm:style>
+      <a:lnRef idx="0">
+        <a:scrgbClr r="0" g="0" b="0"/>
+      </a:lnRef>
+      <a:fillRef idx="1">
+        <a:scrgbClr r="0" g="0" b="0"/>
+      </a:fillRef>
+      <a:effectRef idx="2">
+        <a:scrgbClr r="0" g="0" b="0"/>
+      </a:effectRef>
+      <a:fontRef idx="minor">
+        <a:schemeClr val="lt1"/>
+      </a:fontRef>
+    </dgm:style>
+  </dgm:styleLbl>
+  <dgm:styleLbl name="parChTrans2D1">
+    <dgm:scene3d>
+      <a:camera prst="orthographicFront"/>
+      <a:lightRig rig="threePt" dir="t"/>
+    </dgm:scene3d>
+    <dgm:sp3d z="-227350" prstMaterial="matte"/>
+    <dgm:txPr/>
+    <dgm:style>
+      <a:lnRef idx="0">
+        <a:scrgbClr r="0" g="0" b="0"/>
+      </a:lnRef>
+      <a:fillRef idx="1">
+        <a:scrgbClr r="0" g="0" b="0"/>
+      </a:fillRef>
+      <a:effectRef idx="0">
+        <a:scrgbClr r="0" g="0" b="0"/>
+      </a:effectRef>
+      <a:fontRef idx="minor">
+        <a:schemeClr val="lt1"/>
+      </a:fontRef>
+    </dgm:style>
+  </dgm:styleLbl>
+  <dgm:styleLbl name="parChTrans2D2">
+    <dgm:scene3d>
+      <a:camera prst="orthographicFront"/>
+      <a:lightRig rig="threePt" dir="t"/>
+    </dgm:scene3d>
+    <dgm:sp3d z="-227350" prstMaterial="matte"/>
+    <dgm:txPr/>
+    <dgm:style>
+      <a:lnRef idx="0">
+        <a:scrgbClr r="0" g="0" b="0"/>
+      </a:lnRef>
+      <a:fillRef idx="1">
+        <a:scrgbClr r="0" g="0" b="0"/>
+      </a:fillRef>
+      <a:effectRef idx="0">
+        <a:scrgbClr r="0" g="0" b="0"/>
+      </a:effectRef>
+      <a:fontRef idx="minor">
+        <a:schemeClr val="lt1"/>
+      </a:fontRef>
+    </dgm:style>
+  </dgm:styleLbl>
+  <dgm:styleLbl name="parChTrans2D3">
+    <dgm:scene3d>
+      <a:camera prst="orthographicFront"/>
+      <a:lightRig rig="threePt" dir="t"/>
+    </dgm:scene3d>
+    <dgm:sp3d z="-227350" prstMaterial="matte"/>
+    <dgm:txPr/>
+    <dgm:style>
+      <a:lnRef idx="0">
+        <a:scrgbClr r="0" g="0" b="0"/>
+      </a:lnRef>
+      <a:fillRef idx="3">
+        <a:scrgbClr r="0" g="0" b="0"/>
+      </a:fillRef>
+      <a:effectRef idx="0">
+        <a:scrgbClr r="0" g="0" b="0"/>
+      </a:effectRef>
+      <a:fontRef idx="minor">
+        <a:schemeClr val="lt1"/>
+      </a:fontRef>
+    </dgm:style>
+  </dgm:styleLbl>
+  <dgm:styleLbl name="parChTrans2D4">
+    <dgm:scene3d>
+      <a:camera prst="orthographicFront"/>
+      <a:lightRig rig="threePt" dir="t"/>
+    </dgm:scene3d>
+    <dgm:sp3d z="-227350" prstMaterial="matte"/>
+    <dgm:txPr/>
+    <dgm:style>
+      <a:lnRef idx="0">
+        <a:scrgbClr r="0" g="0" b="0"/>
+      </a:lnRef>
+      <a:fillRef idx="3">
+        <a:scrgbClr r="0" g="0" b="0"/>
+      </a:fillRef>
+      <a:effectRef idx="0">
+        <a:scrgbClr r="0" g="0" b="0"/>
+      </a:effectRef>
+      <a:fontRef idx="minor">
+        <a:schemeClr val="lt1"/>
+      </a:fontRef>
+    </dgm:style>
+  </dgm:styleLbl>
+  <dgm:styleLbl name="parChTrans1D1">
+    <dgm:scene3d>
+      <a:camera prst="orthographicFront"/>
+      <a:lightRig rig="threePt" dir="t"/>
+    </dgm:scene3d>
+    <dgm:sp3d z="-227350" prstMaterial="matte"/>
+    <dgm:txPr/>
+    <dgm:style>
+      <a:lnRef idx="2">
+        <a:scrgbClr r="0" g="0" b="0"/>
+      </a:lnRef>
+      <a:fillRef idx="0">
+        <a:scrgbClr r="0" g="0" b="0"/>
+      </a:fillRef>
+      <a:effectRef idx="0">
+        <a:scrgbClr r="0" g="0" b="0"/>
+      </a:effectRef>
+      <a:fontRef idx="minor"/>
+    </dgm:style>
+  </dgm:styleLbl>
+  <dgm:styleLbl name="parChTrans1D2">
+    <dgm:scene3d>
+      <a:camera prst="orthographicFront"/>
+      <a:lightRig rig="threePt" dir="t"/>
+    </dgm:scene3d>
+    <dgm:sp3d z="-227350" prstMaterial="matte"/>
+    <dgm:txPr/>
+    <dgm:style>
+      <a:lnRef idx="2">
+        <a:scrgbClr r="0" g="0" b="0"/>
+      </a:lnRef>
+      <a:fillRef idx="0">
+        <a:scrgbClr r="0" g="0" b="0"/>
+      </a:fillRef>
+      <a:effectRef idx="0">
+        <a:scrgbClr r="0" g="0" b="0"/>
+      </a:effectRef>
+      <a:fontRef idx="minor"/>
+    </dgm:style>
+  </dgm:styleLbl>
+  <dgm:styleLbl name="parChTrans1D3">
+    <dgm:scene3d>
+      <a:camera prst="orthographicFront"/>
+      <a:lightRig rig="threePt" dir="t"/>
+    </dgm:scene3d>
+    <dgm:sp3d z="-227350" prstMaterial="matte"/>
+    <dgm:txPr/>
+    <dgm:style>
+      <a:lnRef idx="2">
+        <a:scrgbClr r="0" g="0" b="0"/>
+      </a:lnRef>
+      <a:fillRef idx="0">
+        <a:scrgbClr r="0" g="0" b="0"/>
+      </a:fillRef>
+      <a:effectRef idx="0">
+        <a:scrgbClr r="0" g="0" b="0"/>
+      </a:effectRef>
+      <a:fontRef idx="minor"/>
+    </dgm:style>
+  </dgm:styleLbl>
+  <dgm:styleLbl name="parChTrans1D4">
+    <dgm:scene3d>
+      <a:camera prst="orthographicFront"/>
+      <a:lightRig rig="threePt" dir="t"/>
+    </dgm:scene3d>
+    <dgm:sp3d z="-227350" prstMaterial="matte"/>
+    <dgm:txPr/>
+    <dgm:style>
+      <a:lnRef idx="2">
+        <a:scrgbClr r="0" g="0" b="0"/>
+      </a:lnRef>
+      <a:fillRef idx="0">
+        <a:scrgbClr r="0" g="0" b="0"/>
+      </a:fillRef>
+      <a:effectRef idx="0">
+        <a:scrgbClr r="0" g="0" b="0"/>
+      </a:effectRef>
+      <a:fontRef idx="minor"/>
+    </dgm:style>
+  </dgm:styleLbl>
+  <dgm:styleLbl name="fgAcc1">
+    <dgm:scene3d>
+      <a:camera prst="orthographicFront"/>
+      <a:lightRig rig="threePt" dir="t"/>
+    </dgm:scene3d>
+    <dgm:sp3d prstMaterial="matte"/>
+    <dgm:txPr/>
+    <dgm:style>
+      <a:lnRef idx="1">
+        <a:scrgbClr r="0" g="0" b="0"/>
+      </a:lnRef>
+      <a:fillRef idx="1">
+        <a:scrgbClr r="0" g="0" b="0"/>
+      </a:fillRef>
+      <a:effectRef idx="0">
+        <a:scrgbClr r="0" g="0" b="0"/>
+      </a:effectRef>
+      <a:fontRef idx="minor"/>
+    </dgm:style>
+  </dgm:styleLbl>
+  <dgm:styleLbl name="conFgAcc1">
+    <dgm:scene3d>
+      <a:camera prst="orthographicFront"/>
+      <a:lightRig rig="threePt" dir="t"/>
+    </dgm:scene3d>
+    <dgm:sp3d z="-227350" prstMaterial="matte"/>
+    <dgm:txPr/>
+    <dgm:style>
+      <a:lnRef idx="1">
+        <a:scrgbClr r="0" g="0" b="0"/>
+      </a:lnRef>
+      <a:fillRef idx="1">
+        <a:scrgbClr r="0" g="0" b="0"/>
+      </a:fillRef>
+      <a:effectRef idx="0">
+        <a:scrgbClr r="0" g="0" b="0"/>
+      </a:effectRef>
+      <a:fontRef idx="minor"/>
+    </dgm:style>
+  </dgm:styleLbl>
+  <dgm:styleLbl name="alignAcc1">
+    <dgm:scene3d>
+      <a:camera prst="orthographicFront"/>
+      <a:lightRig rig="threePt" dir="t"/>
+    </dgm:scene3d>
+    <dgm:sp3d extrusionH="152250" prstMaterial="matte">
+      <a:bevelT w="165100" prst="coolSlant"/>
+    </dgm:sp3d>
+    <dgm:txPr/>
+    <dgm:style>
+      <a:lnRef idx="0">
+        <a:scrgbClr r="0" g="0" b="0"/>
+      </a:lnRef>
+      <a:fillRef idx="1">
+        <a:scrgbClr r="0" g="0" b="0"/>
+      </a:fillRef>
+      <a:effectRef idx="2">
+        <a:scrgbClr r="0" g="0" b="0"/>
+      </a:effectRef>
+      <a:fontRef idx="minor"/>
+    </dgm:style>
+  </dgm:styleLbl>
+  <dgm:styleLbl name="trAlignAcc1">
+    <dgm:scene3d>
+      <a:camera prst="orthographicFront"/>
+      <a:lightRig rig="threePt" dir="t"/>
+    </dgm:scene3d>
+    <dgm:sp3d extrusionH="152250" prstMaterial="matte">
+      <a:bevelT w="165100" prst="coolSlant"/>
+    </dgm:sp3d>
+    <dgm:txPr/>
+    <dgm:style>
+      <a:lnRef idx="0">
+        <a:scrgbClr r="0" g="0" b="0"/>
+      </a:lnRef>
+      <a:fillRef idx="1">
+        <a:scrgbClr r="0" g="0" b="0"/>
+      </a:fillRef>
+      <a:effectRef idx="2">
+        <a:scrgbClr r="0" g="0" b="0"/>
+      </a:effectRef>
+      <a:fontRef idx="minor"/>
+    </dgm:style>
+  </dgm:styleLbl>
+  <dgm:styleLbl name="bgAcc1">
+    <dgm:scene3d>
+      <a:camera prst="orthographicFront"/>
+      <a:lightRig rig="threePt" dir="t"/>
+    </dgm:scene3d>
+    <dgm:sp3d z="-227350" prstMaterial="matte"/>
+    <dgm:txPr/>
+    <dgm:style>
+      <a:lnRef idx="1">
+        <a:scrgbClr r="0" g="0" b="0"/>
+      </a:lnRef>
+      <a:fillRef idx="1">
+        <a:scrgbClr r="0" g="0" b="0"/>
+      </a:fillRef>
+      <a:effectRef idx="0">
+        <a:scrgbClr r="0" g="0" b="0"/>
+      </a:effectRef>
+      <a:fontRef idx="minor"/>
+    </dgm:style>
+  </dgm:styleLbl>
+  <dgm:styleLbl name="solidFgAcc1">
+    <dgm:scene3d>
+      <a:camera prst="orthographicFront"/>
+      <a:lightRig rig="threePt" dir="t"/>
+    </dgm:scene3d>
+    <dgm:sp3d prstMaterial="matte"/>
+    <dgm:txPr/>
+    <dgm:style>
+      <a:lnRef idx="1">
+        <a:scrgbClr r="0" g="0" b="0"/>
+      </a:lnRef>
+      <a:fillRef idx="1">
+        <a:scrgbClr r="0" g="0" b="0"/>
+      </a:fillRef>
+      <a:effectRef idx="0">
+        <a:scrgbClr r="0" g="0" b="0"/>
+      </a:effectRef>
+      <a:fontRef idx="minor"/>
+    </dgm:style>
+  </dgm:styleLbl>
+  <dgm:styleLbl name="solidAlignAcc1">
+    <dgm:scene3d>
+      <a:camera prst="orthographicFront"/>
+      <a:lightRig rig="threePt" dir="t"/>
+    </dgm:scene3d>
+    <dgm:sp3d extrusionH="152250" prstMaterial="matte">
+      <a:bevelT w="165100" prst="coolSlant"/>
+    </dgm:sp3d>
+    <dgm:txPr/>
+    <dgm:style>
+      <a:lnRef idx="0">
+        <a:scrgbClr r="0" g="0" b="0"/>
+      </a:lnRef>
+      <a:fillRef idx="1">
+        <a:scrgbClr r="0" g="0" b="0"/>
+      </a:fillRef>
+      <a:effectRef idx="2">
+        <a:scrgbClr r="0" g="0" b="0"/>
+      </a:effectRef>
+      <a:fontRef idx="minor"/>
+    </dgm:style>
+  </dgm:styleLbl>
+  <dgm:styleLbl name="solidBgAcc1">
+    <dgm:scene3d>
+      <a:camera prst="orthographicFront"/>
+      <a:lightRig rig="threePt" dir="t"/>
+    </dgm:scene3d>
+    <dgm:sp3d z="-227350" prstMaterial="matte"/>
+    <dgm:txPr/>
+    <dgm:style>
+      <a:lnRef idx="1">
+        <a:scrgbClr r="0" g="0" b="0"/>
+      </a:lnRef>
+      <a:fillRef idx="1">
+        <a:scrgbClr r="0" g="0" b="0"/>
+      </a:fillRef>
+      <a:effectRef idx="0">
+        <a:scrgbClr r="0" g="0" b="0"/>
+      </a:effectRef>
+      <a:fontRef idx="minor"/>
+    </dgm:style>
+  </dgm:styleLbl>
+  <dgm:styleLbl name="fgAccFollowNode1">
+    <dgm:scene3d>
+      <a:camera prst="orthographicFront"/>
+      <a:lightRig rig="threePt" dir="t"/>
+    </dgm:scene3d>
+    <dgm:sp3d prstMaterial="matte"/>
+    <dgm:txPr/>
+    <dgm:style>
+      <a:lnRef idx="1">
+        <a:scrgbClr r="0" g="0" b="0"/>
+      </a:lnRef>
+      <a:fillRef idx="1">
+        <a:scrgbClr r="0" g="0" b="0"/>
+      </a:fillRef>
+      <a:effectRef idx="0">
+        <a:scrgbClr r="0" g="0" b="0"/>
+      </a:effectRef>
+      <a:fontRef idx="minor"/>
+    </dgm:style>
+  </dgm:styleLbl>
+  <dgm:styleLbl name="alignAccFollowNode1">
+    <dgm:scene3d>
+      <a:camera prst="orthographicFront"/>
+      <a:lightRig rig="threePt" dir="t"/>
+    </dgm:scene3d>
+    <dgm:sp3d extrusionH="152250" prstMaterial="matte">
+      <a:bevelT w="165100" prst="coolSlant"/>
+    </dgm:sp3d>
+    <dgm:txPr/>
+    <dgm:style>
+      <a:lnRef idx="0">
+        <a:scrgbClr r="0" g="0" b="0"/>
+      </a:lnRef>
+      <a:fillRef idx="1">
+        <a:scrgbClr r="0" g="0" b="0"/>
+      </a:fillRef>
+      <a:effectRef idx="2">
+        <a:scrgbClr r="0" g="0" b="0"/>
+      </a:effectRef>
+      <a:fontRef idx="minor"/>
+    </dgm:style>
+  </dgm:styleLbl>
+  <dgm:styleLbl name="bgAccFollowNode1">
+    <dgm:scene3d>
+      <a:camera prst="orthographicFront"/>
+      <a:lightRig rig="threePt" dir="t"/>
+    </dgm:scene3d>
+    <dgm:sp3d z="-227350" prstMaterial="matte"/>
+    <dgm:txPr/>
+    <dgm:style>
+      <a:lnRef idx="1">
+        <a:scrgbClr r="0" g="0" b="0"/>
+      </a:lnRef>
+      <a:fillRef idx="1">
+        <a:scrgbClr r="0" g="0" b="0"/>
+      </a:fillRef>
+      <a:effectRef idx="0">
+        <a:scrgbClr r="0" g="0" b="0"/>
+      </a:effectRef>
+      <a:fontRef idx="minor"/>
+    </dgm:style>
+  </dgm:styleLbl>
+  <dgm:styleLbl name="fgAcc0">
+    <dgm:scene3d>
+      <a:camera prst="orthographicFront"/>
+      <a:lightRig rig="threePt" dir="t"/>
+    </dgm:scene3d>
+    <dgm:sp3d prstMaterial="matte"/>
+    <dgm:txPr/>
+    <dgm:style>
+      <a:lnRef idx="0">
+        <a:scrgbClr r="0" g="0" b="0"/>
+      </a:lnRef>
+      <a:fillRef idx="1">
+        <a:scrgbClr r="0" g="0" b="0"/>
+      </a:fillRef>
+      <a:effectRef idx="0">
+        <a:scrgbClr r="0" g="0" b="0"/>
+      </a:effectRef>
+      <a:fontRef idx="minor"/>
+    </dgm:style>
+  </dgm:styleLbl>
+  <dgm:styleLbl name="fgAcc2">
+    <dgm:scene3d>
+      <a:camera prst="orthographicFront"/>
+      <a:lightRig rig="threePt" dir="t"/>
+    </dgm:scene3d>
+    <dgm:sp3d prstMaterial="matte"/>
+    <dgm:txPr/>
+    <dgm:style>
+      <a:lnRef idx="0">
+        <a:scrgbClr r="0" g="0" b="0"/>
+      </a:lnRef>
+      <a:fillRef idx="1">
+        <a:scrgbClr r="0" g="0" b="0"/>
+      </a:fillRef>
+      <a:effectRef idx="0">
+        <a:scrgbClr r="0" g="0" b="0"/>
+      </a:effectRef>
+      <a:fontRef idx="minor"/>
+    </dgm:style>
+  </dgm:styleLbl>
+  <dgm:styleLbl name="fgAcc3">
+    <dgm:scene3d>
+      <a:camera prst="orthographicFront"/>
+      <a:lightRig rig="threePt" dir="t"/>
+    </dgm:scene3d>
+    <dgm:sp3d prstMaterial="matte"/>
+    <dgm:txPr/>
+    <dgm:style>
+      <a:lnRef idx="0">
+        <a:scrgbClr r="0" g="0" b="0"/>
+      </a:lnRef>
+      <a:fillRef idx="1">
+        <a:scrgbClr r="0" g="0" b="0"/>
+      </a:fillRef>
+      <a:effectRef idx="0">
+        <a:scrgbClr r="0" g="0" b="0"/>
+      </a:effectRef>
+      <a:fontRef idx="minor"/>
+    </dgm:style>
+  </dgm:styleLbl>
+  <dgm:styleLbl name="fgAcc4">
+    <dgm:scene3d>
+      <a:camera prst="orthographicFront"/>
+      <a:lightRig rig="threePt" dir="t"/>
+    </dgm:scene3d>
+    <dgm:sp3d prstMaterial="matte"/>
+    <dgm:txPr/>
+    <dgm:style>
+      <a:lnRef idx="0">
+        <a:scrgbClr r="0" g="0" b="0"/>
+      </a:lnRef>
+      <a:fillRef idx="1">
+        <a:scrgbClr r="0" g="0" b="0"/>
+      </a:fillRef>
+      <a:effectRef idx="0">
+        <a:scrgbClr r="0" g="0" b="0"/>
+      </a:effectRef>
+      <a:fontRef idx="minor"/>
+    </dgm:style>
+  </dgm:styleLbl>
+  <dgm:styleLbl name="bgShp">
+    <dgm:scene3d>
+      <a:camera prst="orthographicFront"/>
+      <a:lightRig rig="threePt" dir="t"/>
+    </dgm:scene3d>
+    <dgm:sp3d z="-227350" prstMaterial="matte"/>
+    <dgm:txPr/>
+    <dgm:style>
+      <a:lnRef idx="0">
+        <a:scrgbClr r="0" g="0" b="0"/>
+      </a:lnRef>
+      <a:fillRef idx="1">
+        <a:scrgbClr r="0" g="0" b="0"/>
+      </a:fillRef>
+      <a:effectRef idx="0">
+        <a:scrgbClr r="0" g="0" b="0"/>
+      </a:effectRef>
+      <a:fontRef idx="minor"/>
+    </dgm:style>
+  </dgm:styleLbl>
+  <dgm:styleLbl name="dkBgShp">
+    <dgm:scene3d>
+      <a:camera prst="orthographicFront"/>
+      <a:lightRig rig="threePt" dir="t"/>
+    </dgm:scene3d>
+    <dgm:sp3d z="-227350" prstMaterial="matte"/>
+    <dgm:txPr/>
+    <dgm:style>
+      <a:lnRef idx="0">
+        <a:scrgbClr r="0" g="0" b="0"/>
+      </a:lnRef>
+      <a:fillRef idx="1">
+        <a:scrgbClr r="0" g="0" b="0"/>
+      </a:fillRef>
+      <a:effectRef idx="0">
+        <a:scrgbClr r="0" g="0" b="0"/>
+      </a:effectRef>
+      <a:fontRef idx="minor">
+        <a:schemeClr val="lt1"/>
+      </a:fontRef>
+    </dgm:style>
+  </dgm:styleLbl>
+  <dgm:styleLbl name="trBgShp">
+    <dgm:scene3d>
+      <a:camera prst="orthographicFront"/>
+      <a:lightRig rig="threePt" dir="t"/>
+    </dgm:scene3d>
+    <dgm:sp3d z="-227350" prstMaterial="matte"/>
+    <dgm:txPr/>
+    <dgm:style>
+      <a:lnRef idx="0">
+        <a:scrgbClr r="0" g="0" b="0"/>
+      </a:lnRef>
+      <a:fillRef idx="1">
+        <a:scrgbClr r="0" g="0" b="0"/>
+      </a:fillRef>
+      <a:effectRef idx="0">
+        <a:scrgbClr r="0" g="0" b="0"/>
+      </a:effectRef>
+      <a:fontRef idx="minor"/>
+    </dgm:style>
+  </dgm:styleLbl>
+  <dgm:styleLbl name="fgShp">
+    <dgm:scene3d>
+      <a:camera prst="orthographicFront"/>
+      <a:lightRig rig="threePt" dir="t"/>
+    </dgm:scene3d>
+    <dgm:sp3d prstMaterial="matte"/>
+    <dgm:txPr/>
+    <dgm:style>
+      <a:lnRef idx="0">
+        <a:scrgbClr r="0" g="0" b="0"/>
+      </a:lnRef>
+      <a:fillRef idx="1">
+        <a:scrgbClr r="0" g="0" b="0"/>
+      </a:fillRef>
+      <a:effectRef idx="0">
+        <a:scrgbClr r="0" g="0" b="0"/>
+      </a:effectRef>
+      <a:fontRef idx="minor">
+        <a:schemeClr val="lt1"/>
+      </a:fontRef>
+    </dgm:style>
+  </dgm:styleLbl>
+  <dgm:styleLbl name="revTx">
+    <dgm:scene3d>
+      <a:camera prst="orthographicFront"/>
+      <a:lightRig rig="threePt" dir="t"/>
+    </dgm:scene3d>
+    <dgm:sp3d/>
+    <dgm:txPr>
+      <a:sp3d extrusionH="28000" prstMaterial="matte"/>
+    </dgm:txPr>
     <dgm:style>
       <a:lnRef idx="0">
         <a:scrgbClr r="0" g="0" b="0"/>
@@ -4550,7 +7763,7 @@
           <a:p>
             <a:fld id="{76E79186-0F7F-4415-A6CE-613EF7028156}" type="slidenum">
               <a:rPr lang="en-US" smtClean="0"/>
-              <a:t>9</a:t>
+              <a:t>11</a:t>
             </a:fld>
             <a:endParaRPr lang="en-US"/>
           </a:p>
@@ -7629,6 +10842,236 @@
 </p:sld>
 </file>
 
+<file path=ppt/slides/slide10.xml><?xml version="1.0" encoding="utf-8"?>
+<p:sld xmlns:a="http://schemas.openxmlformats.org/drawingml/2006/main" xmlns:r="http://schemas.openxmlformats.org/officeDocument/2006/relationships" xmlns:p="http://schemas.openxmlformats.org/presentationml/2006/main">
+  <p:cSld>
+    <p:spTree>
+      <p:nvGrpSpPr>
+        <p:cNvPr id="1" name=""/>
+        <p:cNvGrpSpPr/>
+        <p:nvPr/>
+      </p:nvGrpSpPr>
+      <p:grpSpPr>
+        <a:xfrm>
+          <a:off x="0" y="0"/>
+          <a:ext cx="0" cy="0"/>
+          <a:chOff x="0" y="0"/>
+          <a:chExt cx="0" cy="0"/>
+        </a:xfrm>
+      </p:grpSpPr>
+      <p:sp>
+        <p:nvSpPr>
+          <p:cNvPr id="2" name="Title 1"/>
+          <p:cNvSpPr>
+            <a:spLocks noGrp="1"/>
+          </p:cNvSpPr>
+          <p:nvPr>
+            <p:ph type="title"/>
+          </p:nvPr>
+        </p:nvSpPr>
+        <p:spPr>
+          <a:xfrm>
+            <a:off x="210403" y="0"/>
+            <a:ext cx="10515600" cy="1325563"/>
+          </a:xfrm>
+        </p:spPr>
+        <p:txBody>
+          <a:bodyPr/>
+          <a:lstStyle/>
+          <a:p>
+            <a:r>
+              <a:rPr lang="en-US" dirty="0"/>
+              <a:t>Extreme Programming (XP) - </a:t>
+            </a:r>
+            <a:r>
+              <a:rPr lang="en-US" b="1" dirty="0"/>
+              <a:t>Diagram</a:t>
+            </a:r>
+            <a:endParaRPr lang="en-US" dirty="0"/>
+          </a:p>
+        </p:txBody>
+      </p:sp>
+      <p:pic>
+        <p:nvPicPr>
+          <p:cNvPr id="4" name="Picture 3"/>
+          <p:cNvPicPr>
+            <a:picLocks noChangeAspect="1"/>
+          </p:cNvPicPr>
+          <p:nvPr/>
+        </p:nvPicPr>
+        <p:blipFill>
+          <a:blip r:embed="rId2">
+            <a:extLst>
+              <a:ext uri="{28A0092B-C50C-407E-A947-70E740481C1C}">
+                <a14:useLocalDpi xmlns:a14="http://schemas.microsoft.com/office/drawing/2010/main" val="0"/>
+              </a:ext>
+            </a:extLst>
+          </a:blip>
+          <a:stretch>
+            <a:fillRect/>
+          </a:stretch>
+        </p:blipFill>
+        <p:spPr>
+          <a:xfrm>
+            <a:off x="210403" y="1325563"/>
+            <a:ext cx="11679535" cy="4884169"/>
+          </a:xfrm>
+          <a:prstGeom prst="rect">
+            <a:avLst/>
+          </a:prstGeom>
+        </p:spPr>
+      </p:pic>
+    </p:spTree>
+    <p:extLst>
+      <p:ext uri="{BB962C8B-B14F-4D97-AF65-F5344CB8AC3E}">
+        <p14:creationId xmlns:p14="http://schemas.microsoft.com/office/powerpoint/2010/main" val="2421292001"/>
+      </p:ext>
+    </p:extLst>
+  </p:cSld>
+  <p:clrMapOvr>
+    <a:masterClrMapping/>
+  </p:clrMapOvr>
+  <p:timing>
+    <p:tnLst>
+      <p:par>
+        <p:cTn id="1" dur="indefinite" restart="never" nodeType="tmRoot"/>
+      </p:par>
+    </p:tnLst>
+  </p:timing>
+</p:sld>
+</file>
+
+<file path=ppt/slides/slide11.xml><?xml version="1.0" encoding="utf-8"?>
+<p:sld xmlns:a="http://schemas.openxmlformats.org/drawingml/2006/main" xmlns:r="http://schemas.openxmlformats.org/officeDocument/2006/relationships" xmlns:p="http://schemas.openxmlformats.org/presentationml/2006/main">
+  <p:cSld>
+    <p:spTree>
+      <p:nvGrpSpPr>
+        <p:cNvPr id="1" name=""/>
+        <p:cNvGrpSpPr/>
+        <p:nvPr/>
+      </p:nvGrpSpPr>
+      <p:grpSpPr>
+        <a:xfrm>
+          <a:off x="0" y="0"/>
+          <a:ext cx="0" cy="0"/>
+          <a:chOff x="0" y="0"/>
+          <a:chExt cx="0" cy="0"/>
+        </a:xfrm>
+      </p:grpSpPr>
+      <p:sp>
+        <p:nvSpPr>
+          <p:cNvPr id="2" name="Title 1"/>
+          <p:cNvSpPr>
+            <a:spLocks noGrp="1"/>
+          </p:cNvSpPr>
+          <p:nvPr>
+            <p:ph type="title"/>
+          </p:nvPr>
+        </p:nvSpPr>
+        <p:spPr/>
+        <p:txBody>
+          <a:bodyPr>
+            <a:normAutofit/>
+          </a:bodyPr>
+          <a:lstStyle/>
+          <a:p>
+            <a:r>
+              <a:rPr lang="en-US" b="1" dirty="0" smtClean="0">
+                <a:ln w="13462">
+                  <a:solidFill>
+                    <a:schemeClr val="bg1"/>
+                  </a:solidFill>
+                  <a:prstDash val="solid"/>
+                </a:ln>
+                <a:solidFill>
+                  <a:schemeClr val="tx1">
+                    <a:lumMod val="85000"/>
+                    <a:lumOff val="15000"/>
+                  </a:schemeClr>
+                </a:solidFill>
+                <a:effectLst>
+                  <a:outerShdw dist="38100" dir="2700000" algn="bl" rotWithShape="0">
+                    <a:schemeClr val="accent5"/>
+                  </a:outerShdw>
+                </a:effectLst>
+              </a:rPr>
+              <a:t>Why </a:t>
+            </a:r>
+            <a:r>
+              <a:rPr lang="en-US" dirty="0" smtClean="0">
+                <a:ln w="13462">
+                  <a:solidFill>
+                    <a:schemeClr val="bg1"/>
+                  </a:solidFill>
+                  <a:prstDash val="solid"/>
+                </a:ln>
+                <a:solidFill>
+                  <a:schemeClr val="tx1">
+                    <a:lumMod val="85000"/>
+                    <a:lumOff val="15000"/>
+                  </a:schemeClr>
+                </a:solidFill>
+              </a:rPr>
+              <a:t>Name </a:t>
+            </a:r>
+            <a:r>
+              <a:rPr lang="en-US" dirty="0" smtClean="0"/>
+              <a:t>“Extreme Programming”?</a:t>
+            </a:r>
+            <a:endParaRPr lang="en-US" dirty="0"/>
+          </a:p>
+        </p:txBody>
+      </p:sp>
+      <p:pic>
+        <p:nvPicPr>
+          <p:cNvPr id="4" name="Picture 3"/>
+          <p:cNvPicPr>
+            <a:picLocks noChangeAspect="1"/>
+          </p:cNvPicPr>
+          <p:nvPr/>
+        </p:nvPicPr>
+        <p:blipFill>
+          <a:blip r:embed="rId3">
+            <a:extLst>
+              <a:ext uri="{28A0092B-C50C-407E-A947-70E740481C1C}">
+                <a14:useLocalDpi xmlns:a14="http://schemas.microsoft.com/office/drawing/2010/main" val="0"/>
+              </a:ext>
+            </a:extLst>
+          </a:blip>
+          <a:stretch>
+            <a:fillRect/>
+          </a:stretch>
+        </p:blipFill>
+        <p:spPr>
+          <a:xfrm>
+            <a:off x="2447214" y="1918008"/>
+            <a:ext cx="7297572" cy="3928526"/>
+          </a:xfrm>
+          <a:prstGeom prst="rect">
+            <a:avLst/>
+          </a:prstGeom>
+        </p:spPr>
+      </p:pic>
+    </p:spTree>
+    <p:extLst>
+      <p:ext uri="{BB962C8B-B14F-4D97-AF65-F5344CB8AC3E}">
+        <p14:creationId xmlns:p14="http://schemas.microsoft.com/office/powerpoint/2010/main" val="2760633230"/>
+      </p:ext>
+    </p:extLst>
+  </p:cSld>
+  <p:clrMapOvr>
+    <a:masterClrMapping/>
+  </p:clrMapOvr>
+  <p:timing>
+    <p:tnLst>
+      <p:par>
+        <p:cTn id="1" dur="indefinite" restart="never" nodeType="tmRoot"/>
+      </p:par>
+    </p:tnLst>
+  </p:timing>
+</p:sld>
+</file>
+
 <file path=ppt/slides/slide2.xml><?xml version="1.0" encoding="utf-8"?>
 <p:sld xmlns:a="http://schemas.openxmlformats.org/drawingml/2006/main" xmlns:r="http://schemas.openxmlformats.org/officeDocument/2006/relationships" xmlns:p="http://schemas.openxmlformats.org/presentationml/2006/main">
   <p:cSld>
@@ -10232,7 +13675,7 @@
           <p:cNvPr id="5" name="TextBox 4">
             <a:extLst>
               <a:ext uri="{FF2B5EF4-FFF2-40B4-BE49-F238E27FC236}">
-                <a16:creationId xmlns:a16="http://schemas.microsoft.com/office/drawing/2014/main" xmlns="" id="{845BC587-C97E-5C40-ADA8-4F2558DF8CD7}"/>
+                <a16:creationId xmlns="" xmlns:a16="http://schemas.microsoft.com/office/drawing/2014/main" id="{845BC587-C97E-5C40-ADA8-4F2558DF8CD7}"/>
               </a:ext>
             </a:extLst>
           </p:cNvPr>
@@ -10333,7 +13776,7 @@
           <p:cNvPr id="2" name="Title 1">
             <a:extLst>
               <a:ext uri="{FF2B5EF4-FFF2-40B4-BE49-F238E27FC236}">
-                <a16:creationId xmlns:a16="http://schemas.microsoft.com/office/drawing/2014/main" xmlns="" id="{C93B6084-F736-A941-B57C-DA4A0F990DB0}"/>
+                <a16:creationId xmlns="" xmlns:a16="http://schemas.microsoft.com/office/drawing/2014/main" id="{C93B6084-F736-A941-B57C-DA4A0F990DB0}"/>
               </a:ext>
             </a:extLst>
           </p:cNvPr>
@@ -10371,7 +13814,7 @@
           <p:cNvPr id="6" name="TextBox 5">
             <a:extLst>
               <a:ext uri="{FF2B5EF4-FFF2-40B4-BE49-F238E27FC236}">
-                <a16:creationId xmlns:a16="http://schemas.microsoft.com/office/drawing/2014/main" xmlns="" id="{4E292BAC-9FB4-7241-A8BB-F0A7AC4E93FD}"/>
+                <a16:creationId xmlns="" xmlns:a16="http://schemas.microsoft.com/office/drawing/2014/main" id="{4E292BAC-9FB4-7241-A8BB-F0A7AC4E93FD}"/>
               </a:ext>
             </a:extLst>
           </p:cNvPr>
@@ -10404,7 +13847,7 @@
           <p:cNvPr id="17" name="Content Placeholder 7">
             <a:extLst>
               <a:ext uri="{FF2B5EF4-FFF2-40B4-BE49-F238E27FC236}">
-                <a16:creationId xmlns="" xmlns:a16="http://schemas.microsoft.com/office/drawing/2014/main" id="{0A58F57A-67FF-4788-93F3-B1BC75A93263}"/>
+                <a16:creationId xmlns:a16="http://schemas.microsoft.com/office/drawing/2014/main" xmlns="" id="{0A58F57A-67FF-4788-93F3-B1BC75A93263}"/>
               </a:ext>
             </a:extLst>
           </p:cNvPr>
@@ -10473,70 +13916,74 @@
       </p:grpSpPr>
       <p:sp>
         <p:nvSpPr>
-          <p:cNvPr id="2" name="Title 1"/>
-          <p:cNvSpPr>
-            <a:spLocks noGrp="1"/>
-          </p:cNvSpPr>
-          <p:nvPr>
-            <p:ph type="title"/>
-          </p:nvPr>
+          <p:cNvPr id="4" name="Rounded Rectangle 3"/>
+          <p:cNvSpPr/>
+          <p:nvPr/>
         </p:nvSpPr>
         <p:spPr>
           <a:xfrm>
-            <a:off x="210403" y="0"/>
-            <a:ext cx="10515600" cy="1325563"/>
+            <a:off x="-1137" y="2"/>
+            <a:ext cx="12192000" cy="1064525"/>
           </a:xfrm>
+          <a:prstGeom prst="roundRect">
+            <a:avLst/>
+          </a:prstGeom>
         </p:spPr>
+        <p:style>
+          <a:lnRef idx="2">
+            <a:schemeClr val="accent1">
+              <a:shade val="50000"/>
+            </a:schemeClr>
+          </a:lnRef>
+          <a:fillRef idx="1">
+            <a:schemeClr val="accent1"/>
+          </a:fillRef>
+          <a:effectRef idx="0">
+            <a:schemeClr val="accent1"/>
+          </a:effectRef>
+          <a:fontRef idx="minor">
+            <a:schemeClr val="lt1"/>
+          </a:fontRef>
+        </p:style>
         <p:txBody>
-          <a:bodyPr/>
+          <a:bodyPr rtlCol="0" anchor="ctr"/>
           <a:lstStyle/>
           <a:p>
+            <a:pPr algn="ctr"/>
             <a:r>
-              <a:rPr lang="en-US" dirty="0"/>
-              <a:t>Extreme Programming (XP) - </a:t>
+              <a:rPr lang="en-US" sz="4000" dirty="0" smtClean="0"/>
+              <a:t>Individually, it doesn’t make sense</a:t>
             </a:r>
-            <a:r>
-              <a:rPr lang="en-US" b="1" dirty="0"/>
-              <a:t>Diagram</a:t>
-            </a:r>
-            <a:endParaRPr lang="en-US" dirty="0"/>
+            <a:endParaRPr lang="en-US" sz="4000" dirty="0"/>
           </a:p>
         </p:txBody>
       </p:sp>
-      <p:pic>
-        <p:nvPicPr>
-          <p:cNvPr id="4" name="Picture 3"/>
-          <p:cNvPicPr>
-            <a:picLocks noChangeAspect="1"/>
-          </p:cNvPicPr>
-          <p:nvPr/>
-        </p:nvPicPr>
-        <p:blipFill>
-          <a:blip r:embed="rId2">
-            <a:extLst>
-              <a:ext uri="{28A0092B-C50C-407E-A947-70E740481C1C}">
-                <a14:useLocalDpi xmlns:a14="http://schemas.microsoft.com/office/drawing/2010/main" val="0"/>
-              </a:ext>
-            </a:extLst>
-          </a:blip>
-          <a:stretch>
-            <a:fillRect/>
-          </a:stretch>
-        </p:blipFill>
-        <p:spPr>
-          <a:xfrm>
-            <a:off x="210403" y="1325563"/>
-            <a:ext cx="11679535" cy="4884169"/>
-          </a:xfrm>
-          <a:prstGeom prst="rect">
-            <a:avLst/>
-          </a:prstGeom>
-        </p:spPr>
-      </p:pic>
+      <p:graphicFrame>
+        <p:nvGraphicFramePr>
+          <p:cNvPr id="7" name="Diagram 6"/>
+          <p:cNvGraphicFramePr/>
+          <p:nvPr>
+            <p:extLst>
+              <p:ext uri="{D42A27DB-BD31-4B8C-83A1-F6EECF244321}">
+                <p14:modId xmlns:p14="http://schemas.microsoft.com/office/powerpoint/2010/main" val="458137713"/>
+              </p:ext>
+            </p:extLst>
+          </p:nvPr>
+        </p:nvGraphicFramePr>
+        <p:xfrm>
+          <a:off x="831555" y="2"/>
+          <a:ext cx="11360445" cy="6642153"/>
+        </p:xfrm>
+        <a:graphic>
+          <a:graphicData uri="http://schemas.openxmlformats.org/drawingml/2006/diagram">
+            <dgm:relIds xmlns:dgm="http://schemas.openxmlformats.org/drawingml/2006/diagram" xmlns:r="http://schemas.openxmlformats.org/officeDocument/2006/relationships" r:dm="rId2" r:lo="rId3" r:qs="rId4" r:cs="rId5"/>
+          </a:graphicData>
+        </a:graphic>
+      </p:graphicFrame>
     </p:spTree>
     <p:extLst>
       <p:ext uri="{BB962C8B-B14F-4D97-AF65-F5344CB8AC3E}">
-        <p14:creationId xmlns:p14="http://schemas.microsoft.com/office/powerpoint/2010/main" val="2421292001"/>
+        <p14:creationId xmlns:p14="http://schemas.microsoft.com/office/powerpoint/2010/main" val="2719786996"/>
       </p:ext>
     </p:extLst>
   </p:cSld>
@@ -10572,102 +14019,247 @@
       </p:grpSpPr>
       <p:sp>
         <p:nvSpPr>
-          <p:cNvPr id="2" name="Title 1"/>
-          <p:cNvSpPr>
-            <a:spLocks noGrp="1"/>
-          </p:cNvSpPr>
-          <p:nvPr>
-            <p:ph type="title"/>
-          </p:nvPr>
+          <p:cNvPr id="4" name="Rounded Rectangle 3"/>
+          <p:cNvSpPr/>
+          <p:nvPr/>
         </p:nvSpPr>
-        <p:spPr/>
+        <p:spPr>
+          <a:xfrm>
+            <a:off x="-1137" y="2"/>
+            <a:ext cx="12192000" cy="1064525"/>
+          </a:xfrm>
+          <a:prstGeom prst="roundRect">
+            <a:avLst/>
+          </a:prstGeom>
+        </p:spPr>
+        <p:style>
+          <a:lnRef idx="2">
+            <a:schemeClr val="accent1">
+              <a:shade val="50000"/>
+            </a:schemeClr>
+          </a:lnRef>
+          <a:fillRef idx="1">
+            <a:schemeClr val="accent1"/>
+          </a:fillRef>
+          <a:effectRef idx="0">
+            <a:schemeClr val="accent1"/>
+          </a:effectRef>
+          <a:fontRef idx="minor">
+            <a:schemeClr val="lt1"/>
+          </a:fontRef>
+        </p:style>
         <p:txBody>
-          <a:bodyPr>
-            <a:normAutofit/>
-          </a:bodyPr>
+          <a:bodyPr rtlCol="0" anchor="ctr"/>
           <a:lstStyle/>
           <a:p>
+            <a:pPr algn="ctr"/>
             <a:r>
-              <a:rPr lang="en-US" b="1" dirty="0" smtClean="0">
-                <a:ln w="13462">
-                  <a:solidFill>
-                    <a:schemeClr val="bg1"/>
-                  </a:solidFill>
-                  <a:prstDash val="solid"/>
-                </a:ln>
-                <a:solidFill>
-                  <a:schemeClr val="tx1">
-                    <a:lumMod val="85000"/>
-                    <a:lumOff val="15000"/>
-                  </a:schemeClr>
-                </a:solidFill>
-                <a:effectLst>
-                  <a:outerShdw dist="38100" dir="2700000" algn="bl" rotWithShape="0">
-                    <a:schemeClr val="accent5"/>
-                  </a:outerShdw>
-                </a:effectLst>
-              </a:rPr>
-              <a:t>Why </a:t>
+              <a:rPr lang="en-US" sz="4000" dirty="0" smtClean="0"/>
+              <a:t>Combined, it makes XP</a:t>
             </a:r>
-            <a:r>
-              <a:rPr lang="en-US" dirty="0" smtClean="0">
-                <a:ln w="13462">
-                  <a:solidFill>
-                    <a:schemeClr val="bg1"/>
-                  </a:solidFill>
-                  <a:prstDash val="solid"/>
-                </a:ln>
-                <a:solidFill>
-                  <a:schemeClr val="tx1">
-                    <a:lumMod val="85000"/>
-                    <a:lumOff val="15000"/>
-                  </a:schemeClr>
-                </a:solidFill>
-              </a:rPr>
-              <a:t>Name </a:t>
-            </a:r>
-            <a:r>
-              <a:rPr lang="en-US" dirty="0" smtClean="0"/>
-              <a:t>“Extreme Programming”?</a:t>
-            </a:r>
-            <a:endParaRPr lang="en-US" dirty="0"/>
+            <a:endParaRPr lang="en-US" sz="4000" dirty="0"/>
           </a:p>
         </p:txBody>
       </p:sp>
-      <p:pic>
-        <p:nvPicPr>
-          <p:cNvPr id="4" name="Picture 3"/>
-          <p:cNvPicPr>
-            <a:picLocks noChangeAspect="1"/>
-          </p:cNvPicPr>
+      <p:grpSp>
+        <p:nvGrpSpPr>
+          <p:cNvPr id="10" name="Group 9"/>
+          <p:cNvGrpSpPr/>
           <p:nvPr/>
-        </p:nvPicPr>
-        <p:blipFill>
-          <a:blip r:embed="rId3">
-            <a:extLst>
-              <a:ext uri="{28A0092B-C50C-407E-A947-70E740481C1C}">
-                <a14:useLocalDpi xmlns:a14="http://schemas.microsoft.com/office/drawing/2010/main" val="0"/>
-              </a:ext>
-            </a:extLst>
-          </a:blip>
-          <a:stretch>
-            <a:fillRect/>
-          </a:stretch>
-        </p:blipFill>
-        <p:spPr>
+        </p:nvGrpSpPr>
+        <p:grpSpPr>
           <a:xfrm>
-            <a:off x="2447214" y="1918008"/>
-            <a:ext cx="7297572" cy="3928526"/>
+            <a:off x="2718617" y="501820"/>
+            <a:ext cx="7315200" cy="6447919"/>
+            <a:chOff x="2437263" y="544023"/>
+            <a:chExt cx="7315200" cy="6447919"/>
           </a:xfrm>
-          <a:prstGeom prst="rect">
-            <a:avLst/>
-          </a:prstGeom>
-        </p:spPr>
-      </p:pic>
+        </p:grpSpPr>
+        <p:pic>
+          <p:nvPicPr>
+            <p:cNvPr id="2" name="Picture 1"/>
+            <p:cNvPicPr>
+              <a:picLocks noChangeAspect="1"/>
+            </p:cNvPicPr>
+            <p:nvPr/>
+          </p:nvPicPr>
+          <p:blipFill>
+            <a:blip r:embed="rId2">
+              <a:extLst>
+                <a:ext uri="{BEBA8EAE-BF5A-486C-A8C5-ECC9F3942E4B}">
+                  <a14:imgProps xmlns:a14="http://schemas.microsoft.com/office/drawing/2010/main">
+                    <a14:imgLayer r:embed="rId3">
+                      <a14:imgEffect>
+                        <a14:brightnessContrast bright="-40000"/>
+                      </a14:imgEffect>
+                    </a14:imgLayer>
+                  </a14:imgProps>
+                </a:ext>
+                <a:ext uri="{28A0092B-C50C-407E-A947-70E740481C1C}">
+                  <a14:useLocalDpi xmlns:a14="http://schemas.microsoft.com/office/drawing/2010/main" val="0"/>
+                </a:ext>
+              </a:extLst>
+            </a:blip>
+            <a:stretch>
+              <a:fillRect/>
+            </a:stretch>
+          </p:blipFill>
+          <p:spPr>
+            <a:xfrm rot="5400000">
+              <a:off x="3458623" y="214288"/>
+              <a:ext cx="5272480" cy="7315200"/>
+            </a:xfrm>
+            <a:prstGeom prst="rect">
+              <a:avLst/>
+            </a:prstGeom>
+          </p:spPr>
+        </p:pic>
+        <p:sp>
+          <p:nvSpPr>
+            <p:cNvPr id="3" name="TextBox 2"/>
+            <p:cNvSpPr txBox="1"/>
+            <p:nvPr/>
+          </p:nvSpPr>
+          <p:spPr>
+            <a:xfrm>
+              <a:off x="4439145" y="544023"/>
+              <a:ext cx="3311434" cy="6447919"/>
+            </a:xfrm>
+            <a:prstGeom prst="rect">
+              <a:avLst/>
+            </a:prstGeom>
+            <a:noFill/>
+          </p:spPr>
+          <p:txBody>
+            <a:bodyPr wrap="square" rtlCol="0">
+              <a:spAutoFit/>
+            </a:bodyPr>
+            <a:lstStyle/>
+            <a:p>
+              <a:r>
+                <a:rPr lang="en-US" sz="41300" dirty="0" smtClean="0"/>
+                <a:t>X</a:t>
+              </a:r>
+              <a:endParaRPr lang="en-US" sz="2800" dirty="0"/>
+            </a:p>
+          </p:txBody>
+        </p:sp>
+        <p:sp>
+          <p:nvSpPr>
+            <p:cNvPr id="5" name="TextBox 4"/>
+            <p:cNvSpPr txBox="1"/>
+            <p:nvPr/>
+          </p:nvSpPr>
+          <p:spPr>
+            <a:xfrm>
+              <a:off x="6682154" y="3271723"/>
+              <a:ext cx="2839239" cy="1200329"/>
+            </a:xfrm>
+            <a:prstGeom prst="rect">
+              <a:avLst/>
+            </a:prstGeom>
+            <a:solidFill>
+              <a:schemeClr val="accent1">
+                <a:hueOff val="0"/>
+                <a:satOff val="0"/>
+                <a:lumOff val="0"/>
+                <a:alpha val="36000"/>
+              </a:schemeClr>
+            </a:solidFill>
+          </p:spPr>
+          <p:txBody>
+            <a:bodyPr wrap="none" rtlCol="0">
+              <a:spAutoFit/>
+            </a:bodyPr>
+            <a:lstStyle/>
+            <a:p>
+              <a:r>
+                <a:rPr lang="en-US" sz="7200" dirty="0" err="1" smtClean="0"/>
+                <a:t>treme</a:t>
+              </a:r>
+              <a:endParaRPr lang="en-US" dirty="0"/>
+            </a:p>
+          </p:txBody>
+        </p:sp>
+        <p:sp>
+          <p:nvSpPr>
+            <p:cNvPr id="8" name="TextBox 7"/>
+            <p:cNvSpPr txBox="1"/>
+            <p:nvPr/>
+          </p:nvSpPr>
+          <p:spPr>
+            <a:xfrm>
+              <a:off x="4776461" y="3156058"/>
+              <a:ext cx="784189" cy="1200329"/>
+            </a:xfrm>
+            <a:prstGeom prst="rect">
+              <a:avLst/>
+            </a:prstGeom>
+            <a:solidFill>
+              <a:schemeClr val="accent1">
+                <a:hueOff val="0"/>
+                <a:satOff val="0"/>
+                <a:lumOff val="0"/>
+                <a:alpha val="36000"/>
+              </a:schemeClr>
+            </a:solidFill>
+          </p:spPr>
+          <p:txBody>
+            <a:bodyPr wrap="none" rtlCol="0">
+              <a:spAutoFit/>
+            </a:bodyPr>
+            <a:lstStyle/>
+            <a:p>
+              <a:r>
+                <a:rPr lang="en-US" sz="7200" dirty="0" smtClean="0"/>
+                <a:t>e</a:t>
+              </a:r>
+              <a:endParaRPr lang="en-US" dirty="0"/>
+            </a:p>
+          </p:txBody>
+        </p:sp>
+        <p:sp>
+          <p:nvSpPr>
+            <p:cNvPr id="9" name="TextBox 8"/>
+            <p:cNvSpPr txBox="1"/>
+            <p:nvPr/>
+          </p:nvSpPr>
+          <p:spPr>
+            <a:xfrm>
+              <a:off x="2973655" y="5192133"/>
+              <a:ext cx="6242415" cy="1200329"/>
+            </a:xfrm>
+            <a:prstGeom prst="rect">
+              <a:avLst/>
+            </a:prstGeom>
+            <a:solidFill>
+              <a:schemeClr val="accent1">
+                <a:hueOff val="0"/>
+                <a:satOff val="0"/>
+                <a:lumOff val="0"/>
+                <a:alpha val="36000"/>
+              </a:schemeClr>
+            </a:solidFill>
+          </p:spPr>
+          <p:txBody>
+            <a:bodyPr wrap="none" rtlCol="0">
+              <a:spAutoFit/>
+            </a:bodyPr>
+            <a:lstStyle/>
+            <a:p>
+              <a:r>
+                <a:rPr lang="en-US" sz="7200" dirty="0" smtClean="0"/>
+                <a:t>Programming</a:t>
+              </a:r>
+              <a:endParaRPr lang="en-US" dirty="0"/>
+            </a:p>
+          </p:txBody>
+        </p:sp>
+      </p:grpSp>
     </p:spTree>
     <p:extLst>
       <p:ext uri="{BB962C8B-B14F-4D97-AF65-F5344CB8AC3E}">
-        <p14:creationId xmlns:p14="http://schemas.microsoft.com/office/powerpoint/2010/main" val="2760633230"/>
+        <p14:creationId xmlns:p14="http://schemas.microsoft.com/office/powerpoint/2010/main" val="2614820902"/>
       </p:ext>
     </p:extLst>
   </p:cSld>

--- a/extreme_programming.pptx
+++ b/extreme_programming.pptx
@@ -7683,6 +7683,90 @@
 </file>
 
 <file path=ppt/notesSlides/notesSlide4.xml><?xml version="1.0" encoding="utf-8"?>
+<p:notes xmlns:a="http://schemas.openxmlformats.org/drawingml/2006/main" xmlns:r="http://schemas.openxmlformats.org/officeDocument/2006/relationships" xmlns:p="http://schemas.openxmlformats.org/presentationml/2006/main">
+  <p:cSld>
+    <p:spTree>
+      <p:nvGrpSpPr>
+        <p:cNvPr id="1" name=""/>
+        <p:cNvGrpSpPr/>
+        <p:nvPr/>
+      </p:nvGrpSpPr>
+      <p:grpSpPr>
+        <a:xfrm>
+          <a:off x="0" y="0"/>
+          <a:ext cx="0" cy="0"/>
+          <a:chOff x="0" y="0"/>
+          <a:chExt cx="0" cy="0"/>
+        </a:xfrm>
+      </p:grpSpPr>
+      <p:sp>
+        <p:nvSpPr>
+          <p:cNvPr id="2" name="Slide Image Placeholder 1"/>
+          <p:cNvSpPr>
+            <a:spLocks noGrp="1" noRot="1" noChangeAspect="1"/>
+          </p:cNvSpPr>
+          <p:nvPr>
+            <p:ph type="sldImg"/>
+          </p:nvPr>
+        </p:nvSpPr>
+        <p:spPr/>
+      </p:sp>
+      <p:sp>
+        <p:nvSpPr>
+          <p:cNvPr id="3" name="Notes Placeholder 2"/>
+          <p:cNvSpPr>
+            <a:spLocks noGrp="1"/>
+          </p:cNvSpPr>
+          <p:nvPr>
+            <p:ph type="body" idx="1"/>
+          </p:nvPr>
+        </p:nvSpPr>
+        <p:spPr/>
+        <p:txBody>
+          <a:bodyPr/>
+          <a:lstStyle/>
+          <a:p>
+            <a:endParaRPr lang="en-US" dirty="0"/>
+          </a:p>
+        </p:txBody>
+      </p:sp>
+      <p:sp>
+        <p:nvSpPr>
+          <p:cNvPr id="4" name="Slide Number Placeholder 3"/>
+          <p:cNvSpPr>
+            <a:spLocks noGrp="1"/>
+          </p:cNvSpPr>
+          <p:nvPr>
+            <p:ph type="sldNum" sz="quarter" idx="10"/>
+          </p:nvPr>
+        </p:nvSpPr>
+        <p:spPr/>
+        <p:txBody>
+          <a:bodyPr/>
+          <a:lstStyle/>
+          <a:p>
+            <a:fld id="{76E79186-0F7F-4415-A6CE-613EF7028156}" type="slidenum">
+              <a:rPr lang="en-US" smtClean="0"/>
+              <a:t>9</a:t>
+            </a:fld>
+            <a:endParaRPr lang="en-US"/>
+          </a:p>
+        </p:txBody>
+      </p:sp>
+    </p:spTree>
+    <p:extLst>
+      <p:ext uri="{BB962C8B-B14F-4D97-AF65-F5344CB8AC3E}">
+        <p14:creationId xmlns:p14="http://schemas.microsoft.com/office/powerpoint/2010/main" val="3896336248"/>
+      </p:ext>
+    </p:extLst>
+  </p:cSld>
+  <p:clrMapOvr>
+    <a:masterClrMapping/>
+  </p:clrMapOvr>
+</p:notes>
+</file>
+
+<file path=ppt/notesSlides/notesSlide5.xml><?xml version="1.0" encoding="utf-8"?>
 <p:notes xmlns:a="http://schemas.openxmlformats.org/drawingml/2006/main" xmlns:r="http://schemas.openxmlformats.org/officeDocument/2006/relationships" xmlns:p="http://schemas.openxmlformats.org/presentationml/2006/main">
   <p:cSld>
     <p:spTree>
@@ -14084,11 +14168,11 @@
             <p:nvPr/>
           </p:nvPicPr>
           <p:blipFill>
-            <a:blip r:embed="rId2">
+            <a:blip r:embed="rId3">
               <a:extLst>
                 <a:ext uri="{BEBA8EAE-BF5A-486C-A8C5-ECC9F3942E4B}">
                   <a14:imgProps xmlns:a14="http://schemas.microsoft.com/office/drawing/2010/main">
-                    <a14:imgLayer r:embed="rId3">
+                    <a14:imgLayer r:embed="rId4">
                       <a14:imgEffect>
                         <a14:brightnessContrast bright="-40000"/>
                       </a14:imgEffect>

--- a/extreme_programming.pptx
+++ b/extreme_programming.pptx
@@ -5,7 +5,7 @@
     <p:sldMasterId id="2147483648" r:id="rId1"/>
   </p:sldMasterIdLst>
   <p:notesMasterIdLst>
-    <p:notesMasterId r:id="rId13"/>
+    <p:notesMasterId r:id="rId14"/>
   </p:notesMasterIdLst>
   <p:sldIdLst>
     <p:sldId id="256" r:id="rId2"/>
@@ -19,6 +19,7 @@
     <p:sldId id="266" r:id="rId10"/>
     <p:sldId id="263" r:id="rId11"/>
     <p:sldId id="264" r:id="rId12"/>
+    <p:sldId id="267" r:id="rId13"/>
   </p:sldIdLst>
   <p:sldSz cx="12192000" cy="6858000"/>
   <p:notesSz cx="6858000" cy="9144000"/>
@@ -2472,6 +2473,13 @@
         </dgm:presLayoutVars>
       </dgm:prSet>
       <dgm:spPr/>
+      <dgm:t>
+        <a:bodyPr/>
+        <a:lstStyle/>
+        <a:p>
+          <a:endParaRPr lang="en-US"/>
+        </a:p>
+      </dgm:t>
     </dgm:pt>
     <dgm:pt modelId="{84913147-EB6F-40D0-B1DB-2D1AF1860883}" type="pres">
       <dgm:prSet presAssocID="{9E9850A8-081F-41AC-84A7-81EC49F98062}" presName="Parent" presStyleLbl="node0" presStyleIdx="0" presStyleCnt="1" custLinFactNeighborX="10697" custLinFactNeighborY="7182">
@@ -2481,6 +2489,13 @@
         </dgm:presLayoutVars>
       </dgm:prSet>
       <dgm:spPr/>
+      <dgm:t>
+        <a:bodyPr/>
+        <a:lstStyle/>
+        <a:p>
+          <a:endParaRPr lang="en-US"/>
+        </a:p>
+      </dgm:t>
     </dgm:pt>
     <dgm:pt modelId="{F6543234-C2E1-41C7-99F9-88BE8FB26255}" type="pres">
       <dgm:prSet presAssocID="{9E9850A8-081F-41AC-84A7-81EC49F98062}" presName="Accent2" presStyleLbl="node1" presStyleIdx="0" presStyleCnt="19"/>
@@ -2510,6 +2525,13 @@
         </dgm:presLayoutVars>
       </dgm:prSet>
       <dgm:spPr/>
+      <dgm:t>
+        <a:bodyPr/>
+        <a:lstStyle/>
+        <a:p>
+          <a:endParaRPr lang="en-US"/>
+        </a:p>
+      </dgm:t>
     </dgm:pt>
     <dgm:pt modelId="{790E05EA-0457-4ADB-B652-A3A39C5E935D}" type="pres">
       <dgm:prSet presAssocID="{B7AD6FA1-A26D-4A5C-8C90-6B87FF6B8437}" presName="Accent7" presStyleCnt="0"/>
@@ -2535,6 +2557,13 @@
         </dgm:presLayoutVars>
       </dgm:prSet>
       <dgm:spPr/>
+      <dgm:t>
+        <a:bodyPr/>
+        <a:lstStyle/>
+        <a:p>
+          <a:endParaRPr lang="en-US"/>
+        </a:p>
+      </dgm:t>
     </dgm:pt>
     <dgm:pt modelId="{7C726D60-FF5C-4FD5-AC99-A49E72E055D3}" type="pres">
       <dgm:prSet presAssocID="{42643A63-8AD7-4427-A529-BFB81CF332DD}" presName="Accent9" presStyleCnt="0"/>
@@ -2568,6 +2597,13 @@
         </dgm:presLayoutVars>
       </dgm:prSet>
       <dgm:spPr/>
+      <dgm:t>
+        <a:bodyPr/>
+        <a:lstStyle/>
+        <a:p>
+          <a:endParaRPr lang="en-US"/>
+        </a:p>
+      </dgm:t>
     </dgm:pt>
     <dgm:pt modelId="{C18848F4-B2D0-4AB6-8C08-E968BF6D04A6}" type="pres">
       <dgm:prSet presAssocID="{D1F2CE4B-FC08-4F2A-84DA-1B5A7FE753A2}" presName="Accent12" presStyleCnt="0"/>
@@ -2696,6 +2732,944 @@
       <dsp:cNvGrpSpPr/>
     </dsp:nvGrpSpPr>
     <dsp:grpSpPr/>
+    <dsp:sp modelId="{974D1544-313C-4B85-96E4-F98694E51952}">
+      <dsp:nvSpPr>
+        <dsp:cNvPr id="0" name=""/>
+        <dsp:cNvSpPr/>
+      </dsp:nvSpPr>
+      <dsp:spPr>
+        <a:xfrm>
+          <a:off x="1576052" y="508629"/>
+          <a:ext cx="4044300" cy="4044300"/>
+        </a:xfrm>
+        <a:prstGeom prst="blockArc">
+          <a:avLst>
+            <a:gd name="adj1" fmla="val 13114286"/>
+            <a:gd name="adj2" fmla="val 16200000"/>
+            <a:gd name="adj3" fmla="val 3897"/>
+          </a:avLst>
+        </a:prstGeom>
+        <a:solidFill>
+          <a:schemeClr val="accent1">
+            <a:tint val="60000"/>
+            <a:hueOff val="0"/>
+            <a:satOff val="0"/>
+            <a:lumOff val="0"/>
+            <a:alphaOff val="0"/>
+          </a:schemeClr>
+        </a:solidFill>
+        <a:ln>
+          <a:noFill/>
+        </a:ln>
+        <a:effectLst/>
+      </dsp:spPr>
+      <dsp:style>
+        <a:lnRef idx="0">
+          <a:scrgbClr r="0" g="0" b="0"/>
+        </a:lnRef>
+        <a:fillRef idx="1">
+          <a:scrgbClr r="0" g="0" b="0"/>
+        </a:fillRef>
+        <a:effectRef idx="0">
+          <a:scrgbClr r="0" g="0" b="0"/>
+        </a:effectRef>
+        <a:fontRef idx="minor">
+          <a:schemeClr val="lt1"/>
+        </a:fontRef>
+      </dsp:style>
+    </dsp:sp>
+    <dsp:sp modelId="{43787B64-6ECE-4862-83FC-999710B65D94}">
+      <dsp:nvSpPr>
+        <dsp:cNvPr id="0" name=""/>
+        <dsp:cNvSpPr/>
+      </dsp:nvSpPr>
+      <dsp:spPr>
+        <a:xfrm>
+          <a:off x="1576052" y="508629"/>
+          <a:ext cx="4044300" cy="4044300"/>
+        </a:xfrm>
+        <a:prstGeom prst="blockArc">
+          <a:avLst>
+            <a:gd name="adj1" fmla="val 10028571"/>
+            <a:gd name="adj2" fmla="val 13114286"/>
+            <a:gd name="adj3" fmla="val 3897"/>
+          </a:avLst>
+        </a:prstGeom>
+        <a:solidFill>
+          <a:schemeClr val="accent1">
+            <a:tint val="60000"/>
+            <a:hueOff val="0"/>
+            <a:satOff val="0"/>
+            <a:lumOff val="0"/>
+            <a:alphaOff val="0"/>
+          </a:schemeClr>
+        </a:solidFill>
+        <a:ln>
+          <a:noFill/>
+        </a:ln>
+        <a:effectLst/>
+      </dsp:spPr>
+      <dsp:style>
+        <a:lnRef idx="0">
+          <a:scrgbClr r="0" g="0" b="0"/>
+        </a:lnRef>
+        <a:fillRef idx="1">
+          <a:scrgbClr r="0" g="0" b="0"/>
+        </a:fillRef>
+        <a:effectRef idx="0">
+          <a:scrgbClr r="0" g="0" b="0"/>
+        </a:effectRef>
+        <a:fontRef idx="minor">
+          <a:schemeClr val="lt1"/>
+        </a:fontRef>
+      </dsp:style>
+    </dsp:sp>
+    <dsp:sp modelId="{62725212-3288-4862-A14D-4E6BB5BCB641}">
+      <dsp:nvSpPr>
+        <dsp:cNvPr id="0" name=""/>
+        <dsp:cNvSpPr/>
+      </dsp:nvSpPr>
+      <dsp:spPr>
+        <a:xfrm>
+          <a:off x="1576052" y="508629"/>
+          <a:ext cx="4044300" cy="4044300"/>
+        </a:xfrm>
+        <a:prstGeom prst="blockArc">
+          <a:avLst>
+            <a:gd name="adj1" fmla="val 6942857"/>
+            <a:gd name="adj2" fmla="val 10028571"/>
+            <a:gd name="adj3" fmla="val 3897"/>
+          </a:avLst>
+        </a:prstGeom>
+        <a:solidFill>
+          <a:schemeClr val="accent1">
+            <a:tint val="60000"/>
+            <a:hueOff val="0"/>
+            <a:satOff val="0"/>
+            <a:lumOff val="0"/>
+            <a:alphaOff val="0"/>
+          </a:schemeClr>
+        </a:solidFill>
+        <a:ln>
+          <a:noFill/>
+        </a:ln>
+        <a:effectLst/>
+      </dsp:spPr>
+      <dsp:style>
+        <a:lnRef idx="0">
+          <a:scrgbClr r="0" g="0" b="0"/>
+        </a:lnRef>
+        <a:fillRef idx="1">
+          <a:scrgbClr r="0" g="0" b="0"/>
+        </a:fillRef>
+        <a:effectRef idx="0">
+          <a:scrgbClr r="0" g="0" b="0"/>
+        </a:effectRef>
+        <a:fontRef idx="minor">
+          <a:schemeClr val="lt1"/>
+        </a:fontRef>
+      </dsp:style>
+    </dsp:sp>
+    <dsp:sp modelId="{D4C25836-BB1E-40C6-9055-79DFE51E84A4}">
+      <dsp:nvSpPr>
+        <dsp:cNvPr id="0" name=""/>
+        <dsp:cNvSpPr/>
+      </dsp:nvSpPr>
+      <dsp:spPr>
+        <a:xfrm>
+          <a:off x="1576052" y="508629"/>
+          <a:ext cx="4044300" cy="4044300"/>
+        </a:xfrm>
+        <a:prstGeom prst="blockArc">
+          <a:avLst>
+            <a:gd name="adj1" fmla="val 3857143"/>
+            <a:gd name="adj2" fmla="val 6942857"/>
+            <a:gd name="adj3" fmla="val 3897"/>
+          </a:avLst>
+        </a:prstGeom>
+        <a:solidFill>
+          <a:schemeClr val="accent1">
+            <a:tint val="60000"/>
+            <a:hueOff val="0"/>
+            <a:satOff val="0"/>
+            <a:lumOff val="0"/>
+            <a:alphaOff val="0"/>
+          </a:schemeClr>
+        </a:solidFill>
+        <a:ln>
+          <a:noFill/>
+        </a:ln>
+        <a:effectLst/>
+      </dsp:spPr>
+      <dsp:style>
+        <a:lnRef idx="0">
+          <a:scrgbClr r="0" g="0" b="0"/>
+        </a:lnRef>
+        <a:fillRef idx="1">
+          <a:scrgbClr r="0" g="0" b="0"/>
+        </a:fillRef>
+        <a:effectRef idx="0">
+          <a:scrgbClr r="0" g="0" b="0"/>
+        </a:effectRef>
+        <a:fontRef idx="minor">
+          <a:schemeClr val="lt1"/>
+        </a:fontRef>
+      </dsp:style>
+    </dsp:sp>
+    <dsp:sp modelId="{ADF11B85-49CD-4C45-834D-28EF8F01FAF4}">
+      <dsp:nvSpPr>
+        <dsp:cNvPr id="0" name=""/>
+        <dsp:cNvSpPr/>
+      </dsp:nvSpPr>
+      <dsp:spPr>
+        <a:xfrm>
+          <a:off x="1576052" y="508629"/>
+          <a:ext cx="4044300" cy="4044300"/>
+        </a:xfrm>
+        <a:prstGeom prst="blockArc">
+          <a:avLst>
+            <a:gd name="adj1" fmla="val 771429"/>
+            <a:gd name="adj2" fmla="val 3857143"/>
+            <a:gd name="adj3" fmla="val 3897"/>
+          </a:avLst>
+        </a:prstGeom>
+        <a:solidFill>
+          <a:schemeClr val="accent1">
+            <a:tint val="60000"/>
+            <a:hueOff val="0"/>
+            <a:satOff val="0"/>
+            <a:lumOff val="0"/>
+            <a:alphaOff val="0"/>
+          </a:schemeClr>
+        </a:solidFill>
+        <a:ln>
+          <a:noFill/>
+        </a:ln>
+        <a:effectLst/>
+      </dsp:spPr>
+      <dsp:style>
+        <a:lnRef idx="0">
+          <a:scrgbClr r="0" g="0" b="0"/>
+        </a:lnRef>
+        <a:fillRef idx="1">
+          <a:scrgbClr r="0" g="0" b="0"/>
+        </a:fillRef>
+        <a:effectRef idx="0">
+          <a:scrgbClr r="0" g="0" b="0"/>
+        </a:effectRef>
+        <a:fontRef idx="minor">
+          <a:schemeClr val="lt1"/>
+        </a:fontRef>
+      </dsp:style>
+    </dsp:sp>
+    <dsp:sp modelId="{3403E89E-646F-4749-98B8-1636056908AA}">
+      <dsp:nvSpPr>
+        <dsp:cNvPr id="0" name=""/>
+        <dsp:cNvSpPr/>
+      </dsp:nvSpPr>
+      <dsp:spPr>
+        <a:xfrm>
+          <a:off x="1576052" y="508629"/>
+          <a:ext cx="4044300" cy="4044300"/>
+        </a:xfrm>
+        <a:prstGeom prst="blockArc">
+          <a:avLst>
+            <a:gd name="adj1" fmla="val 19285714"/>
+            <a:gd name="adj2" fmla="val 771429"/>
+            <a:gd name="adj3" fmla="val 3897"/>
+          </a:avLst>
+        </a:prstGeom>
+        <a:solidFill>
+          <a:schemeClr val="accent1">
+            <a:tint val="60000"/>
+            <a:hueOff val="0"/>
+            <a:satOff val="0"/>
+            <a:lumOff val="0"/>
+            <a:alphaOff val="0"/>
+          </a:schemeClr>
+        </a:solidFill>
+        <a:ln>
+          <a:noFill/>
+        </a:ln>
+        <a:effectLst/>
+      </dsp:spPr>
+      <dsp:style>
+        <a:lnRef idx="0">
+          <a:scrgbClr r="0" g="0" b="0"/>
+        </a:lnRef>
+        <a:fillRef idx="1">
+          <a:scrgbClr r="0" g="0" b="0"/>
+        </a:fillRef>
+        <a:effectRef idx="0">
+          <a:scrgbClr r="0" g="0" b="0"/>
+        </a:effectRef>
+        <a:fontRef idx="minor">
+          <a:schemeClr val="lt1"/>
+        </a:fontRef>
+      </dsp:style>
+    </dsp:sp>
+    <dsp:sp modelId="{98C0CE5D-6568-4C58-8044-A6118E4DFAF6}">
+      <dsp:nvSpPr>
+        <dsp:cNvPr id="0" name=""/>
+        <dsp:cNvSpPr/>
+      </dsp:nvSpPr>
+      <dsp:spPr>
+        <a:xfrm>
+          <a:off x="1576052" y="508629"/>
+          <a:ext cx="4044300" cy="4044300"/>
+        </a:xfrm>
+        <a:prstGeom prst="blockArc">
+          <a:avLst>
+            <a:gd name="adj1" fmla="val 16200000"/>
+            <a:gd name="adj2" fmla="val 19285714"/>
+            <a:gd name="adj3" fmla="val 3897"/>
+          </a:avLst>
+        </a:prstGeom>
+        <a:solidFill>
+          <a:schemeClr val="accent1">
+            <a:tint val="60000"/>
+            <a:hueOff val="0"/>
+            <a:satOff val="0"/>
+            <a:lumOff val="0"/>
+            <a:alphaOff val="0"/>
+          </a:schemeClr>
+        </a:solidFill>
+        <a:ln>
+          <a:noFill/>
+        </a:ln>
+        <a:effectLst/>
+      </dsp:spPr>
+      <dsp:style>
+        <a:lnRef idx="0">
+          <a:scrgbClr r="0" g="0" b="0"/>
+        </a:lnRef>
+        <a:fillRef idx="1">
+          <a:scrgbClr r="0" g="0" b="0"/>
+        </a:fillRef>
+        <a:effectRef idx="0">
+          <a:scrgbClr r="0" g="0" b="0"/>
+        </a:effectRef>
+        <a:fontRef idx="minor">
+          <a:schemeClr val="lt1"/>
+        </a:fontRef>
+      </dsp:style>
+    </dsp:sp>
+    <dsp:sp modelId="{8046D806-D633-4925-88FF-13EA3736C642}">
+      <dsp:nvSpPr>
+        <dsp:cNvPr id="0" name=""/>
+        <dsp:cNvSpPr/>
+      </dsp:nvSpPr>
+      <dsp:spPr>
+        <a:xfrm>
+          <a:off x="2816366" y="1748944"/>
+          <a:ext cx="1563672" cy="1563672"/>
+        </a:xfrm>
+        <a:prstGeom prst="ellipse">
+          <a:avLst/>
+        </a:prstGeom>
+        <a:solidFill>
+          <a:schemeClr val="accent1">
+            <a:hueOff val="0"/>
+            <a:satOff val="0"/>
+            <a:lumOff val="0"/>
+            <a:alphaOff val="0"/>
+          </a:schemeClr>
+        </a:solidFill>
+        <a:ln w="12700" cap="flat" cmpd="sng" algn="ctr">
+          <a:solidFill>
+            <a:schemeClr val="lt1">
+              <a:hueOff val="0"/>
+              <a:satOff val="0"/>
+              <a:lumOff val="0"/>
+              <a:alphaOff val="0"/>
+            </a:schemeClr>
+          </a:solidFill>
+          <a:prstDash val="solid"/>
+          <a:miter lim="800000"/>
+        </a:ln>
+        <a:effectLst/>
+      </dsp:spPr>
+      <dsp:style>
+        <a:lnRef idx="2">
+          <a:scrgbClr r="0" g="0" b="0"/>
+        </a:lnRef>
+        <a:fillRef idx="1">
+          <a:scrgbClr r="0" g="0" b="0"/>
+        </a:fillRef>
+        <a:effectRef idx="0">
+          <a:scrgbClr r="0" g="0" b="0"/>
+        </a:effectRef>
+        <a:fontRef idx="minor">
+          <a:schemeClr val="lt1"/>
+        </a:fontRef>
+      </dsp:style>
+      <dsp:txBody>
+        <a:bodyPr spcFirstLastPara="0" vert="horz" wrap="square" lIns="15240" tIns="15240" rIns="15240" bIns="15240" numCol="1" spcCol="1270" anchor="ctr" anchorCtr="0">
+          <a:noAutofit/>
+        </a:bodyPr>
+        <a:lstStyle/>
+        <a:p>
+          <a:pPr lvl="0" algn="ctr" defTabSz="533400">
+            <a:lnSpc>
+              <a:spcPct val="90000"/>
+            </a:lnSpc>
+            <a:spcBef>
+              <a:spcPct val="0"/>
+            </a:spcBef>
+            <a:spcAft>
+              <a:spcPct val="35000"/>
+            </a:spcAft>
+          </a:pPr>
+          <a:r>
+            <a:rPr lang="en-US" sz="1200" kern="1200" dirty="0"/>
+            <a:t>Software development model</a:t>
+          </a:r>
+        </a:p>
+      </dsp:txBody>
+      <dsp:txXfrm>
+        <a:off x="3045360" y="1977938"/>
+        <a:ext cx="1105684" cy="1105684"/>
+      </dsp:txXfrm>
+    </dsp:sp>
+    <dsp:sp modelId="{0B9D4084-EA21-4F7B-A20F-0E1723A71ADE}">
+      <dsp:nvSpPr>
+        <dsp:cNvPr id="0" name=""/>
+        <dsp:cNvSpPr/>
+      </dsp:nvSpPr>
+      <dsp:spPr>
+        <a:xfrm>
+          <a:off x="3050917" y="749"/>
+          <a:ext cx="1094570" cy="1094570"/>
+        </a:xfrm>
+        <a:prstGeom prst="ellipse">
+          <a:avLst/>
+        </a:prstGeom>
+        <a:solidFill>
+          <a:schemeClr val="accent1">
+            <a:hueOff val="0"/>
+            <a:satOff val="0"/>
+            <a:lumOff val="0"/>
+            <a:alphaOff val="0"/>
+          </a:schemeClr>
+        </a:solidFill>
+        <a:ln w="12700" cap="flat" cmpd="sng" algn="ctr">
+          <a:solidFill>
+            <a:schemeClr val="lt1">
+              <a:hueOff val="0"/>
+              <a:satOff val="0"/>
+              <a:lumOff val="0"/>
+              <a:alphaOff val="0"/>
+            </a:schemeClr>
+          </a:solidFill>
+          <a:prstDash val="solid"/>
+          <a:miter lim="800000"/>
+        </a:ln>
+        <a:effectLst/>
+      </dsp:spPr>
+      <dsp:style>
+        <a:lnRef idx="2">
+          <a:scrgbClr r="0" g="0" b="0"/>
+        </a:lnRef>
+        <a:fillRef idx="1">
+          <a:scrgbClr r="0" g="0" b="0"/>
+        </a:fillRef>
+        <a:effectRef idx="0">
+          <a:scrgbClr r="0" g="0" b="0"/>
+        </a:effectRef>
+        <a:fontRef idx="minor">
+          <a:schemeClr val="lt1"/>
+        </a:fontRef>
+      </dsp:style>
+      <dsp:txBody>
+        <a:bodyPr spcFirstLastPara="0" vert="horz" wrap="square" lIns="12700" tIns="12700" rIns="12700" bIns="12700" numCol="1" spcCol="1270" anchor="ctr" anchorCtr="0">
+          <a:noAutofit/>
+        </a:bodyPr>
+        <a:lstStyle/>
+        <a:p>
+          <a:pPr lvl="0" algn="ctr" defTabSz="444500">
+            <a:lnSpc>
+              <a:spcPct val="90000"/>
+            </a:lnSpc>
+            <a:spcBef>
+              <a:spcPct val="0"/>
+            </a:spcBef>
+            <a:spcAft>
+              <a:spcPct val="35000"/>
+            </a:spcAft>
+          </a:pPr>
+          <a:r>
+            <a:rPr lang="en-US" sz="1000" kern="1200" dirty="0"/>
+            <a:t>Waterfall model</a:t>
+          </a:r>
+        </a:p>
+      </dsp:txBody>
+      <dsp:txXfrm>
+        <a:off x="3211213" y="161045"/>
+        <a:ext cx="773978" cy="773978"/>
+      </dsp:txXfrm>
+    </dsp:sp>
+    <dsp:sp modelId="{024B37C8-2E78-4627-9714-90BFEACD2D8D}">
+      <dsp:nvSpPr>
+        <dsp:cNvPr id="0" name=""/>
+        <dsp:cNvSpPr/>
+      </dsp:nvSpPr>
+      <dsp:spPr>
+        <a:xfrm>
+          <a:off x="4601090" y="747273"/>
+          <a:ext cx="1094570" cy="1094570"/>
+        </a:xfrm>
+        <a:prstGeom prst="ellipse">
+          <a:avLst/>
+        </a:prstGeom>
+        <a:solidFill>
+          <a:schemeClr val="accent1">
+            <a:hueOff val="0"/>
+            <a:satOff val="0"/>
+            <a:lumOff val="0"/>
+            <a:alphaOff val="0"/>
+          </a:schemeClr>
+        </a:solidFill>
+        <a:ln w="12700" cap="flat" cmpd="sng" algn="ctr">
+          <a:solidFill>
+            <a:schemeClr val="lt1">
+              <a:hueOff val="0"/>
+              <a:satOff val="0"/>
+              <a:lumOff val="0"/>
+              <a:alphaOff val="0"/>
+            </a:schemeClr>
+          </a:solidFill>
+          <a:prstDash val="solid"/>
+          <a:miter lim="800000"/>
+        </a:ln>
+        <a:effectLst/>
+      </dsp:spPr>
+      <dsp:style>
+        <a:lnRef idx="2">
+          <a:scrgbClr r="0" g="0" b="0"/>
+        </a:lnRef>
+        <a:fillRef idx="1">
+          <a:scrgbClr r="0" g="0" b="0"/>
+        </a:fillRef>
+        <a:effectRef idx="0">
+          <a:scrgbClr r="0" g="0" b="0"/>
+        </a:effectRef>
+        <a:fontRef idx="minor">
+          <a:schemeClr val="lt1"/>
+        </a:fontRef>
+      </dsp:style>
+      <dsp:txBody>
+        <a:bodyPr spcFirstLastPara="0" vert="horz" wrap="square" lIns="12700" tIns="12700" rIns="12700" bIns="12700" numCol="1" spcCol="1270" anchor="ctr" anchorCtr="0">
+          <a:noAutofit/>
+        </a:bodyPr>
+        <a:lstStyle/>
+        <a:p>
+          <a:pPr lvl="0" algn="ctr" defTabSz="444500">
+            <a:lnSpc>
+              <a:spcPct val="90000"/>
+            </a:lnSpc>
+            <a:spcBef>
+              <a:spcPct val="0"/>
+            </a:spcBef>
+            <a:spcAft>
+              <a:spcPct val="35000"/>
+            </a:spcAft>
+          </a:pPr>
+          <a:r>
+            <a:rPr lang="en-US" sz="1000" kern="1200" dirty="0"/>
+            <a:t>Iterative model</a:t>
+          </a:r>
+        </a:p>
+      </dsp:txBody>
+      <dsp:txXfrm>
+        <a:off x="4761386" y="907569"/>
+        <a:ext cx="773978" cy="773978"/>
+      </dsp:txXfrm>
+    </dsp:sp>
+    <dsp:sp modelId="{D02A1073-280A-4030-B61B-6AB009F7EB42}">
+      <dsp:nvSpPr>
+        <dsp:cNvPr id="0" name=""/>
+        <dsp:cNvSpPr/>
+      </dsp:nvSpPr>
+      <dsp:spPr>
+        <a:xfrm>
+          <a:off x="4983951" y="2424697"/>
+          <a:ext cx="1094570" cy="1094570"/>
+        </a:xfrm>
+        <a:prstGeom prst="ellipse">
+          <a:avLst/>
+        </a:prstGeom>
+        <a:solidFill>
+          <a:schemeClr val="accent1">
+            <a:hueOff val="0"/>
+            <a:satOff val="0"/>
+            <a:lumOff val="0"/>
+            <a:alphaOff val="0"/>
+          </a:schemeClr>
+        </a:solidFill>
+        <a:ln w="12700" cap="flat" cmpd="sng" algn="ctr">
+          <a:solidFill>
+            <a:schemeClr val="lt1">
+              <a:hueOff val="0"/>
+              <a:satOff val="0"/>
+              <a:lumOff val="0"/>
+              <a:alphaOff val="0"/>
+            </a:schemeClr>
+          </a:solidFill>
+          <a:prstDash val="solid"/>
+          <a:miter lim="800000"/>
+        </a:ln>
+        <a:effectLst/>
+      </dsp:spPr>
+      <dsp:style>
+        <a:lnRef idx="2">
+          <a:scrgbClr r="0" g="0" b="0"/>
+        </a:lnRef>
+        <a:fillRef idx="1">
+          <a:scrgbClr r="0" g="0" b="0"/>
+        </a:fillRef>
+        <a:effectRef idx="0">
+          <a:scrgbClr r="0" g="0" b="0"/>
+        </a:effectRef>
+        <a:fontRef idx="minor">
+          <a:schemeClr val="lt1"/>
+        </a:fontRef>
+      </dsp:style>
+      <dsp:txBody>
+        <a:bodyPr spcFirstLastPara="0" vert="horz" wrap="square" lIns="12700" tIns="12700" rIns="12700" bIns="12700" numCol="1" spcCol="1270" anchor="ctr" anchorCtr="0">
+          <a:noAutofit/>
+        </a:bodyPr>
+        <a:lstStyle/>
+        <a:p>
+          <a:pPr lvl="0" algn="ctr" defTabSz="444500">
+            <a:lnSpc>
+              <a:spcPct val="90000"/>
+            </a:lnSpc>
+            <a:spcBef>
+              <a:spcPct val="0"/>
+            </a:spcBef>
+            <a:spcAft>
+              <a:spcPct val="35000"/>
+            </a:spcAft>
+          </a:pPr>
+          <a:r>
+            <a:rPr lang="en-US" sz="1000" kern="1200" dirty="0"/>
+            <a:t>Agile model</a:t>
+          </a:r>
+        </a:p>
+      </dsp:txBody>
+      <dsp:txXfrm>
+        <a:off x="5144247" y="2584993"/>
+        <a:ext cx="773978" cy="773978"/>
+      </dsp:txXfrm>
+    </dsp:sp>
+    <dsp:sp modelId="{B0856285-8B4C-4921-A3FF-D6436B7247C2}">
+      <dsp:nvSpPr>
+        <dsp:cNvPr id="0" name=""/>
+        <dsp:cNvSpPr/>
+      </dsp:nvSpPr>
+      <dsp:spPr>
+        <a:xfrm>
+          <a:off x="3911198" y="3769887"/>
+          <a:ext cx="1094570" cy="1094570"/>
+        </a:xfrm>
+        <a:prstGeom prst="ellipse">
+          <a:avLst/>
+        </a:prstGeom>
+        <a:solidFill>
+          <a:schemeClr val="accent1">
+            <a:hueOff val="0"/>
+            <a:satOff val="0"/>
+            <a:lumOff val="0"/>
+            <a:alphaOff val="0"/>
+          </a:schemeClr>
+        </a:solidFill>
+        <a:ln w="12700" cap="flat" cmpd="sng" algn="ctr">
+          <a:solidFill>
+            <a:schemeClr val="lt1">
+              <a:hueOff val="0"/>
+              <a:satOff val="0"/>
+              <a:lumOff val="0"/>
+              <a:alphaOff val="0"/>
+            </a:schemeClr>
+          </a:solidFill>
+          <a:prstDash val="solid"/>
+          <a:miter lim="800000"/>
+        </a:ln>
+        <a:effectLst/>
+      </dsp:spPr>
+      <dsp:style>
+        <a:lnRef idx="2">
+          <a:scrgbClr r="0" g="0" b="0"/>
+        </a:lnRef>
+        <a:fillRef idx="1">
+          <a:scrgbClr r="0" g="0" b="0"/>
+        </a:fillRef>
+        <a:effectRef idx="0">
+          <a:scrgbClr r="0" g="0" b="0"/>
+        </a:effectRef>
+        <a:fontRef idx="minor">
+          <a:schemeClr val="lt1"/>
+        </a:fontRef>
+      </dsp:style>
+      <dsp:txBody>
+        <a:bodyPr spcFirstLastPara="0" vert="horz" wrap="square" lIns="12700" tIns="12700" rIns="12700" bIns="12700" numCol="1" spcCol="1270" anchor="ctr" anchorCtr="0">
+          <a:noAutofit/>
+        </a:bodyPr>
+        <a:lstStyle/>
+        <a:p>
+          <a:pPr lvl="0" algn="ctr" defTabSz="444500">
+            <a:lnSpc>
+              <a:spcPct val="90000"/>
+            </a:lnSpc>
+            <a:spcBef>
+              <a:spcPct val="0"/>
+            </a:spcBef>
+            <a:spcAft>
+              <a:spcPct val="35000"/>
+            </a:spcAft>
+          </a:pPr>
+          <a:r>
+            <a:rPr lang="en-US" sz="1000" kern="1200" dirty="0"/>
+            <a:t>RAD model</a:t>
+          </a:r>
+        </a:p>
+      </dsp:txBody>
+      <dsp:txXfrm>
+        <a:off x="4071494" y="3930183"/>
+        <a:ext cx="773978" cy="773978"/>
+      </dsp:txXfrm>
+    </dsp:sp>
+    <dsp:sp modelId="{120EC894-2FDD-4E69-8DA1-1E4987D6750C}">
+      <dsp:nvSpPr>
+        <dsp:cNvPr id="0" name=""/>
+        <dsp:cNvSpPr/>
+      </dsp:nvSpPr>
+      <dsp:spPr>
+        <a:xfrm>
+          <a:off x="2190636" y="3769887"/>
+          <a:ext cx="1094570" cy="1094570"/>
+        </a:xfrm>
+        <a:prstGeom prst="ellipse">
+          <a:avLst/>
+        </a:prstGeom>
+        <a:solidFill>
+          <a:schemeClr val="accent1">
+            <a:hueOff val="0"/>
+            <a:satOff val="0"/>
+            <a:lumOff val="0"/>
+            <a:alphaOff val="0"/>
+          </a:schemeClr>
+        </a:solidFill>
+        <a:ln w="12700" cap="flat" cmpd="sng" algn="ctr">
+          <a:solidFill>
+            <a:schemeClr val="lt1">
+              <a:hueOff val="0"/>
+              <a:satOff val="0"/>
+              <a:lumOff val="0"/>
+              <a:alphaOff val="0"/>
+            </a:schemeClr>
+          </a:solidFill>
+          <a:prstDash val="solid"/>
+          <a:miter lim="800000"/>
+        </a:ln>
+        <a:effectLst/>
+      </dsp:spPr>
+      <dsp:style>
+        <a:lnRef idx="2">
+          <a:scrgbClr r="0" g="0" b="0"/>
+        </a:lnRef>
+        <a:fillRef idx="1">
+          <a:scrgbClr r="0" g="0" b="0"/>
+        </a:fillRef>
+        <a:effectRef idx="0">
+          <a:scrgbClr r="0" g="0" b="0"/>
+        </a:effectRef>
+        <a:fontRef idx="minor">
+          <a:schemeClr val="lt1"/>
+        </a:fontRef>
+      </dsp:style>
+      <dsp:txBody>
+        <a:bodyPr spcFirstLastPara="0" vert="horz" wrap="square" lIns="12700" tIns="12700" rIns="12700" bIns="12700" numCol="1" spcCol="1270" anchor="ctr" anchorCtr="0">
+          <a:noAutofit/>
+        </a:bodyPr>
+        <a:lstStyle/>
+        <a:p>
+          <a:pPr lvl="0" algn="ctr" defTabSz="444500">
+            <a:lnSpc>
+              <a:spcPct val="90000"/>
+            </a:lnSpc>
+            <a:spcBef>
+              <a:spcPct val="0"/>
+            </a:spcBef>
+            <a:spcAft>
+              <a:spcPct val="35000"/>
+            </a:spcAft>
+          </a:pPr>
+          <a:r>
+            <a:rPr lang="en-US" sz="1000" kern="1200" dirty="0"/>
+            <a:t>Incremental model</a:t>
+          </a:r>
+        </a:p>
+      </dsp:txBody>
+      <dsp:txXfrm>
+        <a:off x="2350932" y="3930183"/>
+        <a:ext cx="773978" cy="773978"/>
+      </dsp:txXfrm>
+    </dsp:sp>
+    <dsp:sp modelId="{5EBC7458-FEF4-4BAA-BB89-62B9D0604C8A}">
+      <dsp:nvSpPr>
+        <dsp:cNvPr id="0" name=""/>
+        <dsp:cNvSpPr/>
+      </dsp:nvSpPr>
+      <dsp:spPr>
+        <a:xfrm>
+          <a:off x="1117883" y="2424697"/>
+          <a:ext cx="1094570" cy="1094570"/>
+        </a:xfrm>
+        <a:prstGeom prst="ellipse">
+          <a:avLst/>
+        </a:prstGeom>
+        <a:solidFill>
+          <a:schemeClr val="accent1">
+            <a:hueOff val="0"/>
+            <a:satOff val="0"/>
+            <a:lumOff val="0"/>
+            <a:alphaOff val="0"/>
+          </a:schemeClr>
+        </a:solidFill>
+        <a:ln w="12700" cap="flat" cmpd="sng" algn="ctr">
+          <a:solidFill>
+            <a:schemeClr val="lt1">
+              <a:hueOff val="0"/>
+              <a:satOff val="0"/>
+              <a:lumOff val="0"/>
+              <a:alphaOff val="0"/>
+            </a:schemeClr>
+          </a:solidFill>
+          <a:prstDash val="solid"/>
+          <a:miter lim="800000"/>
+        </a:ln>
+        <a:effectLst/>
+      </dsp:spPr>
+      <dsp:style>
+        <a:lnRef idx="2">
+          <a:scrgbClr r="0" g="0" b="0"/>
+        </a:lnRef>
+        <a:fillRef idx="1">
+          <a:scrgbClr r="0" g="0" b="0"/>
+        </a:fillRef>
+        <a:effectRef idx="0">
+          <a:scrgbClr r="0" g="0" b="0"/>
+        </a:effectRef>
+        <a:fontRef idx="minor">
+          <a:schemeClr val="lt1"/>
+        </a:fontRef>
+      </dsp:style>
+      <dsp:txBody>
+        <a:bodyPr spcFirstLastPara="0" vert="horz" wrap="square" lIns="12700" tIns="12700" rIns="12700" bIns="12700" numCol="1" spcCol="1270" anchor="ctr" anchorCtr="0">
+          <a:noAutofit/>
+        </a:bodyPr>
+        <a:lstStyle/>
+        <a:p>
+          <a:pPr lvl="0" algn="ctr" defTabSz="444500">
+            <a:lnSpc>
+              <a:spcPct val="90000"/>
+            </a:lnSpc>
+            <a:spcBef>
+              <a:spcPct val="0"/>
+            </a:spcBef>
+            <a:spcAft>
+              <a:spcPct val="35000"/>
+            </a:spcAft>
+          </a:pPr>
+          <a:r>
+            <a:rPr lang="en-US" sz="1000" kern="1200" dirty="0"/>
+            <a:t>V model</a:t>
+          </a:r>
+        </a:p>
+      </dsp:txBody>
+      <dsp:txXfrm>
+        <a:off x="1278179" y="2584993"/>
+        <a:ext cx="773978" cy="773978"/>
+      </dsp:txXfrm>
+    </dsp:sp>
+    <dsp:sp modelId="{C0E538A1-8247-4D29-A464-326B7E9E49F2}">
+      <dsp:nvSpPr>
+        <dsp:cNvPr id="0" name=""/>
+        <dsp:cNvSpPr/>
+      </dsp:nvSpPr>
+      <dsp:spPr>
+        <a:xfrm>
+          <a:off x="1500744" y="747273"/>
+          <a:ext cx="1094570" cy="1094570"/>
+        </a:xfrm>
+        <a:prstGeom prst="ellipse">
+          <a:avLst/>
+        </a:prstGeom>
+        <a:solidFill>
+          <a:schemeClr val="accent1">
+            <a:hueOff val="0"/>
+            <a:satOff val="0"/>
+            <a:lumOff val="0"/>
+            <a:alphaOff val="0"/>
+          </a:schemeClr>
+        </a:solidFill>
+        <a:ln w="12700" cap="flat" cmpd="sng" algn="ctr">
+          <a:solidFill>
+            <a:schemeClr val="lt1">
+              <a:hueOff val="0"/>
+              <a:satOff val="0"/>
+              <a:lumOff val="0"/>
+              <a:alphaOff val="0"/>
+            </a:schemeClr>
+          </a:solidFill>
+          <a:prstDash val="solid"/>
+          <a:miter lim="800000"/>
+        </a:ln>
+        <a:effectLst/>
+      </dsp:spPr>
+      <dsp:style>
+        <a:lnRef idx="2">
+          <a:scrgbClr r="0" g="0" b="0"/>
+        </a:lnRef>
+        <a:fillRef idx="1">
+          <a:scrgbClr r="0" g="0" b="0"/>
+        </a:fillRef>
+        <a:effectRef idx="0">
+          <a:scrgbClr r="0" g="0" b="0"/>
+        </a:effectRef>
+        <a:fontRef idx="minor">
+          <a:schemeClr val="lt1"/>
+        </a:fontRef>
+      </dsp:style>
+      <dsp:txBody>
+        <a:bodyPr spcFirstLastPara="0" vert="horz" wrap="square" lIns="12700" tIns="12700" rIns="12700" bIns="12700" numCol="1" spcCol="1270" anchor="ctr" anchorCtr="0">
+          <a:noAutofit/>
+        </a:bodyPr>
+        <a:lstStyle/>
+        <a:p>
+          <a:pPr lvl="0" algn="ctr" defTabSz="444500">
+            <a:lnSpc>
+              <a:spcPct val="90000"/>
+            </a:lnSpc>
+            <a:spcBef>
+              <a:spcPct val="0"/>
+            </a:spcBef>
+            <a:spcAft>
+              <a:spcPct val="35000"/>
+            </a:spcAft>
+          </a:pPr>
+          <a:r>
+            <a:rPr lang="en-US" sz="1000" kern="1200" dirty="0"/>
+            <a:t>Spiral model</a:t>
+          </a:r>
+        </a:p>
+      </dsp:txBody>
+      <dsp:txXfrm>
+        <a:off x="1661040" y="907569"/>
+        <a:ext cx="773978" cy="773978"/>
+      </dsp:txXfrm>
+    </dsp:sp>
   </dsp:spTree>
 </dsp:drawing>
 </file>
@@ -11156,6 +12130,66 @@
 </p:sld>
 </file>
 
+<file path=ppt/slides/slide12.xml><?xml version="1.0" encoding="utf-8"?>
+<p:sld xmlns:a="http://schemas.openxmlformats.org/drawingml/2006/main" xmlns:r="http://schemas.openxmlformats.org/officeDocument/2006/relationships" xmlns:p="http://schemas.openxmlformats.org/presentationml/2006/main">
+  <p:cSld>
+    <p:spTree>
+      <p:nvGrpSpPr>
+        <p:cNvPr id="1" name=""/>
+        <p:cNvGrpSpPr/>
+        <p:nvPr/>
+      </p:nvGrpSpPr>
+      <p:grpSpPr>
+        <a:xfrm>
+          <a:off x="0" y="0"/>
+          <a:ext cx="0" cy="0"/>
+          <a:chOff x="0" y="0"/>
+          <a:chExt cx="0" cy="0"/>
+        </a:xfrm>
+      </p:grpSpPr>
+      <p:pic>
+        <p:nvPicPr>
+          <p:cNvPr id="5" name="Picture 4"/>
+          <p:cNvPicPr>
+            <a:picLocks noChangeAspect="1"/>
+          </p:cNvPicPr>
+          <p:nvPr/>
+        </p:nvPicPr>
+        <p:blipFill>
+          <a:blip r:embed="rId2" cstate="print">
+            <a:extLst>
+              <a:ext uri="{28A0092B-C50C-407E-A947-70E740481C1C}">
+                <a14:useLocalDpi xmlns:a14="http://schemas.microsoft.com/office/drawing/2010/main" val="0"/>
+              </a:ext>
+            </a:extLst>
+          </a:blip>
+          <a:stretch>
+            <a:fillRect/>
+          </a:stretch>
+        </p:blipFill>
+        <p:spPr>
+          <a:xfrm>
+            <a:off x="198703" y="245661"/>
+            <a:ext cx="1971291" cy="1655884"/>
+          </a:xfrm>
+          <a:prstGeom prst="rect">
+            <a:avLst/>
+          </a:prstGeom>
+        </p:spPr>
+      </p:pic>
+    </p:spTree>
+    <p:extLst>
+      <p:ext uri="{BB962C8B-B14F-4D97-AF65-F5344CB8AC3E}">
+        <p14:creationId xmlns:p14="http://schemas.microsoft.com/office/powerpoint/2010/main" val="1915291594"/>
+      </p:ext>
+    </p:extLst>
+  </p:cSld>
+  <p:clrMapOvr>
+    <a:masterClrMapping/>
+  </p:clrMapOvr>
+</p:sld>
+</file>
+
 <file path=ppt/slides/slide2.xml><?xml version="1.0" encoding="utf-8"?>
 <p:sld xmlns:a="http://schemas.openxmlformats.org/drawingml/2006/main" xmlns:r="http://schemas.openxmlformats.org/officeDocument/2006/relationships" xmlns:p="http://schemas.openxmlformats.org/presentationml/2006/main">
   <p:cSld>
@@ -13759,7 +14793,7 @@
           <p:cNvPr id="5" name="TextBox 4">
             <a:extLst>
               <a:ext uri="{FF2B5EF4-FFF2-40B4-BE49-F238E27FC236}">
-                <a16:creationId xmlns="" xmlns:a16="http://schemas.microsoft.com/office/drawing/2014/main" id="{845BC587-C97E-5C40-ADA8-4F2558DF8CD7}"/>
+                <a16:creationId xmlns:a16="http://schemas.microsoft.com/office/drawing/2014/main" xmlns="" id="{845BC587-C97E-5C40-ADA8-4F2558DF8CD7}"/>
               </a:ext>
             </a:extLst>
           </p:cNvPr>
@@ -13860,7 +14894,7 @@
           <p:cNvPr id="2" name="Title 1">
             <a:extLst>
               <a:ext uri="{FF2B5EF4-FFF2-40B4-BE49-F238E27FC236}">
-                <a16:creationId xmlns="" xmlns:a16="http://schemas.microsoft.com/office/drawing/2014/main" id="{C93B6084-F736-A941-B57C-DA4A0F990DB0}"/>
+                <a16:creationId xmlns:a16="http://schemas.microsoft.com/office/drawing/2014/main" xmlns="" id="{C93B6084-F736-A941-B57C-DA4A0F990DB0}"/>
               </a:ext>
             </a:extLst>
           </p:cNvPr>
@@ -13898,7 +14932,7 @@
           <p:cNvPr id="6" name="TextBox 5">
             <a:extLst>
               <a:ext uri="{FF2B5EF4-FFF2-40B4-BE49-F238E27FC236}">
-                <a16:creationId xmlns="" xmlns:a16="http://schemas.microsoft.com/office/drawing/2014/main" id="{4E292BAC-9FB4-7241-A8BB-F0A7AC4E93FD}"/>
+                <a16:creationId xmlns:a16="http://schemas.microsoft.com/office/drawing/2014/main" xmlns="" id="{4E292BAC-9FB4-7241-A8BB-F0A7AC4E93FD}"/>
               </a:ext>
             </a:extLst>
           </p:cNvPr>
@@ -13931,7 +14965,7 @@
           <p:cNvPr id="17" name="Content Placeholder 7">
             <a:extLst>
               <a:ext uri="{FF2B5EF4-FFF2-40B4-BE49-F238E27FC236}">
-                <a16:creationId xmlns:a16="http://schemas.microsoft.com/office/drawing/2014/main" xmlns="" id="{0A58F57A-67FF-4788-93F3-B1BC75A93263}"/>
+                <a16:creationId xmlns="" xmlns:a16="http://schemas.microsoft.com/office/drawing/2014/main" id="{0A58F57A-67FF-4788-93F3-B1BC75A93263}"/>
               </a:ext>
             </a:extLst>
           </p:cNvPr>

--- a/extreme_programming.pptx
+++ b/extreme_programming.pptx
@@ -136,6 +136,55 @@
     </a:lvl9pPr>
   </p:defaultTextStyle>
   <p:extLst>
+    <p:ext uri="{521415D9-36F7-43E2-AB2F-B90AF26B5E84}">
+      <p14:sectionLst xmlns:p14="http://schemas.microsoft.com/office/powerpoint/2010/main">
+        <p14:section name="Aashish" id="{38557569-65EE-4CD2-A80F-0FF1E354EA6B}">
+          <p14:sldIdLst>
+            <p14:sldId id="256"/>
+            <p14:sldId id="257"/>
+            <p14:sldId id="258"/>
+            <p14:sldId id="259"/>
+            <p14:sldId id="262"/>
+            <p14:sldId id="260"/>
+            <p14:sldId id="261"/>
+            <p14:sldId id="265"/>
+            <p14:sldId id="266"/>
+            <p14:sldId id="263"/>
+            <p14:sldId id="264"/>
+            <p14:sldId id="267"/>
+          </p14:sldIdLst>
+        </p14:section>
+        <p14:section name="Asim" id="{7A21570C-8DEE-4C3C-B7A6-7DBEC18FD3EA}">
+          <p14:sldIdLst>
+            <p14:sldId id="276"/>
+            <p14:sldId id="277"/>
+            <p14:sldId id="278"/>
+            <p14:sldId id="279"/>
+            <p14:sldId id="280"/>
+            <p14:sldId id="281"/>
+          </p14:sldIdLst>
+        </p14:section>
+        <p14:section name="Sudip" id="{6CFB1B65-96C3-49BB-AB6D-80166A1D51DB}">
+          <p14:sldIdLst>
+            <p14:sldId id="282"/>
+            <p14:sldId id="283"/>
+            <p14:sldId id="284"/>
+          </p14:sldIdLst>
+        </p14:section>
+        <p14:section name="Niroj" id="{A75B5455-CBB2-4FE2-8B9B-7709705FA44C}">
+          <p14:sldIdLst>
+            <p14:sldId id="285"/>
+            <p14:sldId id="286"/>
+            <p14:sldId id="287"/>
+            <p14:sldId id="288"/>
+            <p14:sldId id="289"/>
+            <p14:sldId id="290"/>
+            <p14:sldId id="291"/>
+            <p14:sldId id="292"/>
+          </p14:sldIdLst>
+        </p14:section>
+      </p14:sectionLst>
+    </p:ext>
     <p:ext uri="{EFAFB233-063F-42B5-8137-9DF3F51BA10A}">
       <p15:sldGuideLst xmlns:p15="http://schemas.microsoft.com/office/powerpoint/2012/main"/>
     </p:ext>

--- a/extreme_programming.pptx
+++ b/extreme_programming.pptx
@@ -5,7 +5,7 @@
     <p:sldMasterId id="2147483648" r:id="rId1"/>
   </p:sldMasterIdLst>
   <p:notesMasterIdLst>
-    <p:notesMasterId r:id="rId31"/>
+    <p:notesMasterId r:id="rId33"/>
   </p:notesMasterIdLst>
   <p:sldIdLst>
     <p:sldId id="256" r:id="rId2"/>
@@ -29,14 +29,16 @@
     <p:sldId id="282" r:id="rId20"/>
     <p:sldId id="283" r:id="rId21"/>
     <p:sldId id="284" r:id="rId22"/>
-    <p:sldId id="285" r:id="rId23"/>
-    <p:sldId id="286" r:id="rId24"/>
-    <p:sldId id="287" r:id="rId25"/>
-    <p:sldId id="288" r:id="rId26"/>
-    <p:sldId id="289" r:id="rId27"/>
-    <p:sldId id="290" r:id="rId28"/>
-    <p:sldId id="291" r:id="rId29"/>
-    <p:sldId id="292" r:id="rId30"/>
+    <p:sldId id="293" r:id="rId23"/>
+    <p:sldId id="294" r:id="rId24"/>
+    <p:sldId id="285" r:id="rId25"/>
+    <p:sldId id="286" r:id="rId26"/>
+    <p:sldId id="287" r:id="rId27"/>
+    <p:sldId id="288" r:id="rId28"/>
+    <p:sldId id="289" r:id="rId29"/>
+    <p:sldId id="290" r:id="rId30"/>
+    <p:sldId id="291" r:id="rId31"/>
+    <p:sldId id="292" r:id="rId32"/>
   </p:sldIdLst>
   <p:sldSz cx="12192000" cy="6858000"/>
   <p:notesSz cx="6858000" cy="9144000"/>
@@ -169,6 +171,8 @@
             <p14:sldId id="282"/>
             <p14:sldId id="283"/>
             <p14:sldId id="284"/>
+            <p14:sldId id="293"/>
+            <p14:sldId id="294"/>
           </p14:sldIdLst>
         </p14:section>
         <p14:section name="Niroj" id="{A75B5455-CBB2-4FE2-8B9B-7709705FA44C}">
@@ -33454,6 +33458,220 @@
             <a:spLocks noGrp="1"/>
           </p:cNvSpPr>
           <p:nvPr>
+            <p:ph type="title"/>
+          </p:nvPr>
+        </p:nvSpPr>
+        <p:spPr/>
+        <p:txBody>
+          <a:bodyPr/>
+          <a:lstStyle/>
+          <a:p>
+            <a:r>
+              <a:rPr lang="en-IN" dirty="0" smtClean="0"/>
+              <a:t>When applicable </a:t>
+            </a:r>
+            <a:r>
+              <a:rPr lang="en-IN" dirty="0" err="1" smtClean="0"/>
+              <a:t>xp</a:t>
+            </a:r>
+            <a:r>
+              <a:rPr lang="en-IN" dirty="0" smtClean="0"/>
+              <a:t/>
+            </a:r>
+            <a:br>
+              <a:rPr lang="en-IN" dirty="0" smtClean="0"/>
+            </a:br>
+            <a:endParaRPr lang="en-IN" dirty="0"/>
+          </a:p>
+        </p:txBody>
+      </p:sp>
+      <p:sp>
+        <p:nvSpPr>
+          <p:cNvPr id="3" name="Content Placeholder 2"/>
+          <p:cNvSpPr>
+            <a:spLocks noGrp="1"/>
+          </p:cNvSpPr>
+          <p:nvPr>
+            <p:ph idx="1"/>
+          </p:nvPr>
+        </p:nvSpPr>
+        <p:spPr/>
+        <p:txBody>
+          <a:bodyPr/>
+          <a:lstStyle/>
+          <a:p>
+            <a:r>
+              <a:rPr lang="en-IN" dirty="0" smtClean="0"/>
+              <a:t>Dynamically  changing software requirements</a:t>
+            </a:r>
+          </a:p>
+          <a:p>
+            <a:r>
+              <a:rPr lang="en-IN" dirty="0"/>
+              <a:t> </a:t>
+            </a:r>
+            <a:r>
+              <a:rPr lang="en-IN" dirty="0" smtClean="0"/>
+              <a:t>Risks caused by fixed time project</a:t>
+            </a:r>
+          </a:p>
+          <a:p>
+            <a:r>
+              <a:rPr lang="en-IN" dirty="0" smtClean="0"/>
+              <a:t>Small co-located extended development team</a:t>
+            </a:r>
+          </a:p>
+          <a:p>
+            <a:r>
+              <a:rPr lang="en-IN" dirty="0" smtClean="0"/>
+              <a:t>Technology are using allows for automated</a:t>
+            </a:r>
+            <a:endParaRPr lang="en-IN" dirty="0"/>
+          </a:p>
+        </p:txBody>
+      </p:sp>
+    </p:spTree>
+    <p:extLst>
+      <p:ext uri="{BB962C8B-B14F-4D97-AF65-F5344CB8AC3E}">
+        <p14:creationId xmlns:p14="http://schemas.microsoft.com/office/powerpoint/2010/main" val="236466801"/>
+      </p:ext>
+    </p:extLst>
+  </p:cSld>
+  <p:clrMapOvr>
+    <a:masterClrMapping/>
+  </p:clrMapOvr>
+  <p:timing>
+    <p:tnLst>
+      <p:par>
+        <p:cTn id="1" dur="indefinite" restart="never" nodeType="tmRoot"/>
+      </p:par>
+    </p:tnLst>
+  </p:timing>
+</p:sld>
+</file>
+
+<file path=ppt/slides/slide23.xml><?xml version="1.0" encoding="utf-8"?>
+<p:sld xmlns:a="http://schemas.openxmlformats.org/drawingml/2006/main" xmlns:r="http://schemas.openxmlformats.org/officeDocument/2006/relationships" xmlns:p="http://schemas.openxmlformats.org/presentationml/2006/main">
+  <p:cSld>
+    <p:spTree>
+      <p:nvGrpSpPr>
+        <p:cNvPr id="1" name=""/>
+        <p:cNvGrpSpPr/>
+        <p:nvPr/>
+      </p:nvGrpSpPr>
+      <p:grpSpPr>
+        <a:xfrm>
+          <a:off x="0" y="0"/>
+          <a:ext cx="0" cy="0"/>
+          <a:chOff x="0" y="0"/>
+          <a:chExt cx="0" cy="0"/>
+        </a:xfrm>
+      </p:grpSpPr>
+      <p:sp>
+        <p:nvSpPr>
+          <p:cNvPr id="2" name="Title 1"/>
+          <p:cNvSpPr>
+            <a:spLocks noGrp="1"/>
+          </p:cNvSpPr>
+          <p:nvPr>
+            <p:ph type="title"/>
+          </p:nvPr>
+        </p:nvSpPr>
+        <p:spPr/>
+        <p:txBody>
+          <a:bodyPr/>
+          <a:lstStyle/>
+          <a:p>
+            <a:r>
+              <a:rPr lang="en-IN" dirty="0" smtClean="0"/>
+              <a:t>Controversy around </a:t>
+            </a:r>
+            <a:r>
+              <a:rPr lang="en-IN" dirty="0" err="1" smtClean="0"/>
+              <a:t>xp</a:t>
+            </a:r>
+            <a:endParaRPr lang="en-IN" dirty="0"/>
+          </a:p>
+        </p:txBody>
+      </p:sp>
+      <p:sp>
+        <p:nvSpPr>
+          <p:cNvPr id="3" name="Content Placeholder 2"/>
+          <p:cNvSpPr>
+            <a:spLocks noGrp="1"/>
+          </p:cNvSpPr>
+          <p:nvPr>
+            <p:ph idx="1"/>
+          </p:nvPr>
+        </p:nvSpPr>
+        <p:spPr/>
+        <p:txBody>
+          <a:bodyPr/>
+          <a:lstStyle/>
+          <a:p>
+            <a:r>
+              <a:rPr lang="en-IN" dirty="0" smtClean="0"/>
+              <a:t>Design documentation makes  XP controversial.</a:t>
+            </a:r>
+            <a:endParaRPr lang="en-IN" dirty="0"/>
+          </a:p>
+          <a:p>
+            <a:r>
+              <a:rPr lang="en-IN" dirty="0" smtClean="0"/>
+              <a:t>Face to face communication </a:t>
+            </a:r>
+          </a:p>
+          <a:p>
+            <a:r>
+              <a:rPr lang="en-IN" dirty="0" smtClean="0"/>
+              <a:t>Self-organising teams</a:t>
+            </a:r>
+          </a:p>
+          <a:p>
+            <a:r>
+              <a:rPr lang="en-IN" dirty="0" smtClean="0"/>
+              <a:t>Collaboration between programmers and business experts</a:t>
+            </a:r>
+          </a:p>
+        </p:txBody>
+      </p:sp>
+    </p:spTree>
+    <p:extLst>
+      <p:ext uri="{BB962C8B-B14F-4D97-AF65-F5344CB8AC3E}">
+        <p14:creationId xmlns:p14="http://schemas.microsoft.com/office/powerpoint/2010/main" val="2465320725"/>
+      </p:ext>
+    </p:extLst>
+  </p:cSld>
+  <p:clrMapOvr>
+    <a:masterClrMapping/>
+  </p:clrMapOvr>
+</p:sld>
+</file>
+
+<file path=ppt/slides/slide24.xml><?xml version="1.0" encoding="utf-8"?>
+<p:sld xmlns:a="http://schemas.openxmlformats.org/drawingml/2006/main" xmlns:r="http://schemas.openxmlformats.org/officeDocument/2006/relationships" xmlns:p="http://schemas.openxmlformats.org/presentationml/2006/main">
+  <p:cSld>
+    <p:spTree>
+      <p:nvGrpSpPr>
+        <p:cNvPr id="1" name=""/>
+        <p:cNvGrpSpPr/>
+        <p:nvPr/>
+      </p:nvGrpSpPr>
+      <p:grpSpPr>
+        <a:xfrm>
+          <a:off x="0" y="0"/>
+          <a:ext cx="0" cy="0"/>
+          <a:chOff x="0" y="0"/>
+          <a:chExt cx="0" cy="0"/>
+        </a:xfrm>
+      </p:grpSpPr>
+      <p:sp>
+        <p:nvSpPr>
+          <p:cNvPr id="2" name="Title 1"/>
+          <p:cNvSpPr>
+            <a:spLocks noGrp="1"/>
+          </p:cNvSpPr>
+          <p:nvPr>
             <p:ph type="ctrTitle"/>
           </p:nvPr>
         </p:nvSpPr>
@@ -33836,7 +34054,7 @@
 </p:sld>
 </file>
 
-<file path=ppt/slides/slide23.xml><?xml version="1.0" encoding="utf-8"?>
+<file path=ppt/slides/slide25.xml><?xml version="1.0" encoding="utf-8"?>
 <p:sld xmlns:a="http://schemas.openxmlformats.org/drawingml/2006/main" xmlns:r="http://schemas.openxmlformats.org/officeDocument/2006/relationships" xmlns:p="http://schemas.openxmlformats.org/presentationml/2006/main">
   <p:cSld>
     <p:spTree>
@@ -34004,7 +34222,7 @@
 </p:sld>
 </file>
 
-<file path=ppt/slides/slide24.xml><?xml version="1.0" encoding="utf-8"?>
+<file path=ppt/slides/slide26.xml><?xml version="1.0" encoding="utf-8"?>
 <p:sld xmlns:a="http://schemas.openxmlformats.org/drawingml/2006/main" xmlns:r="http://schemas.openxmlformats.org/officeDocument/2006/relationships" xmlns:p="http://schemas.openxmlformats.org/presentationml/2006/main">
   <p:cSld>
     <p:spTree>
@@ -34651,7 +34869,7 @@
 </p:sld>
 </file>
 
-<file path=ppt/slides/slide25.xml><?xml version="1.0" encoding="utf-8"?>
+<file path=ppt/slides/slide27.xml><?xml version="1.0" encoding="utf-8"?>
 <p:sld xmlns:a="http://schemas.openxmlformats.org/drawingml/2006/main" xmlns:r="http://schemas.openxmlformats.org/officeDocument/2006/relationships" xmlns:p="http://schemas.openxmlformats.org/presentationml/2006/main">
   <p:cSld>
     <p:spTree>
@@ -34786,7 +35004,7 @@
 </p:sld>
 </file>
 
-<file path=ppt/slides/slide26.xml><?xml version="1.0" encoding="utf-8"?>
+<file path=ppt/slides/slide28.xml><?xml version="1.0" encoding="utf-8"?>
 <p:sld xmlns:a="http://schemas.openxmlformats.org/drawingml/2006/main" xmlns:r="http://schemas.openxmlformats.org/officeDocument/2006/relationships" xmlns:p="http://schemas.openxmlformats.org/presentationml/2006/main">
   <p:cSld>
     <p:spTree>
@@ -34875,7 +35093,7 @@
 </p:sld>
 </file>
 
-<file path=ppt/slides/slide27.xml><?xml version="1.0" encoding="utf-8"?>
+<file path=ppt/slides/slide29.xml><?xml version="1.0" encoding="utf-8"?>
 <p:sld xmlns:a="http://schemas.openxmlformats.org/drawingml/2006/main" xmlns:r="http://schemas.openxmlformats.org/officeDocument/2006/relationships" xmlns:p="http://schemas.openxmlformats.org/presentationml/2006/main">
   <p:cSld>
     <p:spTree>
@@ -35094,320 +35312,6 @@
                                         </p:tav>
                                       </p:tavLst>
                                     </p:anim>
-                                  </p:childTnLst>
-                                </p:cTn>
-                              </p:par>
-                            </p:childTnLst>
-                          </p:cTn>
-                        </p:par>
-                      </p:childTnLst>
-                    </p:cTn>
-                  </p:par>
-                </p:childTnLst>
-              </p:cTn>
-              <p:prevCondLst>
-                <p:cond evt="onPrev" delay="0">
-                  <p:tgtEl>
-                    <p:sldTgt/>
-                  </p:tgtEl>
-                </p:cond>
-              </p:prevCondLst>
-              <p:nextCondLst>
-                <p:cond evt="onNext" delay="0">
-                  <p:tgtEl>
-                    <p:sldTgt/>
-                  </p:tgtEl>
-                </p:cond>
-              </p:nextCondLst>
-            </p:seq>
-          </p:childTnLst>
-        </p:cTn>
-      </p:par>
-    </p:tnLst>
-  </p:timing>
-</p:sld>
-</file>
-
-<file path=ppt/slides/slide28.xml><?xml version="1.0" encoding="utf-8"?>
-<p:sld xmlns:a="http://schemas.openxmlformats.org/drawingml/2006/main" xmlns:r="http://schemas.openxmlformats.org/officeDocument/2006/relationships" xmlns:p="http://schemas.openxmlformats.org/presentationml/2006/main">
-  <p:cSld>
-    <p:spTree>
-      <p:nvGrpSpPr>
-        <p:cNvPr id="1" name=""/>
-        <p:cNvGrpSpPr/>
-        <p:nvPr/>
-      </p:nvGrpSpPr>
-      <p:grpSpPr>
-        <a:xfrm>
-          <a:off x="0" y="0"/>
-          <a:ext cx="0" cy="0"/>
-          <a:chOff x="0" y="0"/>
-          <a:chExt cx="0" cy="0"/>
-        </a:xfrm>
-      </p:grpSpPr>
-      <p:sp>
-        <p:nvSpPr>
-          <p:cNvPr id="2" name="Title 1"/>
-          <p:cNvSpPr>
-            <a:spLocks noGrp="1"/>
-          </p:cNvSpPr>
-          <p:nvPr>
-            <p:ph type="title"/>
-          </p:nvPr>
-        </p:nvSpPr>
-        <p:spPr/>
-        <p:txBody>
-          <a:bodyPr/>
-          <a:lstStyle/>
-          <a:p>
-            <a:r>
-              <a:rPr lang="en-US" dirty="0" smtClean="0"/>
-              <a:t>Coach</a:t>
-            </a:r>
-            <a:endParaRPr lang="en-US" dirty="0"/>
-          </a:p>
-        </p:txBody>
-      </p:sp>
-      <p:sp>
-        <p:nvSpPr>
-          <p:cNvPr id="3" name="Content Placeholder 2"/>
-          <p:cNvSpPr>
-            <a:spLocks noGrp="1"/>
-          </p:cNvSpPr>
-          <p:nvPr>
-            <p:ph idx="1"/>
-          </p:nvPr>
-        </p:nvSpPr>
-        <p:spPr/>
-        <p:txBody>
-          <a:bodyPr>
-            <a:normAutofit/>
-          </a:bodyPr>
-          <a:lstStyle/>
-          <a:p>
-            <a:r>
-              <a:rPr lang="en-US" dirty="0" smtClean="0"/>
-              <a:t>New teams need coach.</a:t>
-            </a:r>
-            <a:endParaRPr lang="en-US" dirty="0"/>
-          </a:p>
-          <a:p>
-            <a:r>
-              <a:rPr lang="en-US" dirty="0" smtClean="0"/>
-              <a:t>Understanding whole idea of project.</a:t>
-            </a:r>
-            <a:endParaRPr lang="en-US" dirty="0"/>
-          </a:p>
-          <a:p>
-            <a:r>
-              <a:rPr lang="en-US" dirty="0"/>
-              <a:t>Remain calm even when everyone else is </a:t>
-            </a:r>
-            <a:r>
-              <a:rPr lang="en-US" dirty="0" smtClean="0"/>
-              <a:t>panicking.</a:t>
-            </a:r>
-            <a:endParaRPr lang="en-US" dirty="0"/>
-          </a:p>
-          <a:p>
-            <a:r>
-              <a:rPr lang="en-US" dirty="0"/>
-              <a:t>Be ready to help.</a:t>
-            </a:r>
-          </a:p>
-          <a:p>
-            <a:r>
-              <a:rPr lang="en-US" dirty="0" smtClean="0"/>
-              <a:t>Be the shadow for team.</a:t>
-            </a:r>
-            <a:endParaRPr lang="en-US" dirty="0"/>
-          </a:p>
-        </p:txBody>
-      </p:sp>
-    </p:spTree>
-    <p:extLst>
-      <p:ext uri="{BB962C8B-B14F-4D97-AF65-F5344CB8AC3E}">
-        <p14:creationId xmlns:p14="http://schemas.microsoft.com/office/powerpoint/2010/main" val="3434456809"/>
-      </p:ext>
-    </p:extLst>
-  </p:cSld>
-  <p:clrMapOvr>
-    <a:masterClrMapping/>
-  </p:clrMapOvr>
-  <p:timing>
-    <p:tnLst>
-      <p:par>
-        <p:cTn id="1" dur="indefinite" restart="never" nodeType="tmRoot"/>
-      </p:par>
-    </p:tnLst>
-  </p:timing>
-</p:sld>
-</file>
-
-<file path=ppt/slides/slide29.xml><?xml version="1.0" encoding="utf-8"?>
-<p:sld xmlns:a="http://schemas.openxmlformats.org/drawingml/2006/main" xmlns:r="http://schemas.openxmlformats.org/officeDocument/2006/relationships" xmlns:p="http://schemas.openxmlformats.org/presentationml/2006/main">
-  <p:cSld>
-    <p:spTree>
-      <p:nvGrpSpPr>
-        <p:cNvPr id="1" name=""/>
-        <p:cNvGrpSpPr/>
-        <p:nvPr/>
-      </p:nvGrpSpPr>
-      <p:grpSpPr>
-        <a:xfrm>
-          <a:off x="0" y="0"/>
-          <a:ext cx="0" cy="0"/>
-          <a:chOff x="0" y="0"/>
-          <a:chExt cx="0" cy="0"/>
-        </a:xfrm>
-      </p:grpSpPr>
-      <p:sp>
-        <p:nvSpPr>
-          <p:cNvPr id="4" name="Rectangle 3"/>
-          <p:cNvSpPr/>
-          <p:nvPr/>
-        </p:nvSpPr>
-        <p:spPr>
-          <a:xfrm>
-            <a:off x="1646830" y="1259175"/>
-            <a:ext cx="8898340" cy="4339650"/>
-          </a:xfrm>
-          <a:prstGeom prst="rect">
-            <a:avLst/>
-          </a:prstGeom>
-          <a:noFill/>
-        </p:spPr>
-        <p:txBody>
-          <a:bodyPr wrap="square" lIns="91440" tIns="45720" rIns="91440" bIns="45720">
-            <a:spAutoFit/>
-          </a:bodyPr>
-          <a:lstStyle/>
-          <a:p>
-            <a:pPr algn="ctr"/>
-            <a:r>
-              <a:rPr lang="en-US" sz="13800" b="1" dirty="0" smtClean="0">
-                <a:ln w="12700">
-                  <a:solidFill>
-                    <a:schemeClr val="accent1"/>
-                  </a:solidFill>
-                  <a:prstDash val="solid"/>
-                </a:ln>
-                <a:pattFill prst="pct50">
-                  <a:fgClr>
-                    <a:schemeClr val="accent1"/>
-                  </a:fgClr>
-                  <a:bgClr>
-                    <a:schemeClr val="accent1">
-                      <a:lumMod val="20000"/>
-                      <a:lumOff val="80000"/>
-                    </a:schemeClr>
-                  </a:bgClr>
-                </a:pattFill>
-                <a:effectLst>
-                  <a:outerShdw dist="38100" dir="2640000" algn="bl" rotWithShape="0">
-                    <a:schemeClr val="accent1"/>
-                  </a:outerShdw>
-                </a:effectLst>
-              </a:rPr>
-              <a:t>THANK YOU!</a:t>
-            </a:r>
-            <a:endParaRPr lang="en-US" sz="13800" b="1" dirty="0">
-              <a:ln w="12700">
-                <a:solidFill>
-                  <a:schemeClr val="accent1"/>
-                </a:solidFill>
-                <a:prstDash val="solid"/>
-              </a:ln>
-              <a:pattFill prst="pct50">
-                <a:fgClr>
-                  <a:schemeClr val="accent1"/>
-                </a:fgClr>
-                <a:bgClr>
-                  <a:schemeClr val="accent1">
-                    <a:lumMod val="20000"/>
-                    <a:lumOff val="80000"/>
-                  </a:schemeClr>
-                </a:bgClr>
-              </a:pattFill>
-              <a:effectLst>
-                <a:outerShdw dist="38100" dir="2640000" algn="bl" rotWithShape="0">
-                  <a:schemeClr val="accent1"/>
-                </a:outerShdw>
-              </a:effectLst>
-            </a:endParaRPr>
-          </a:p>
-        </p:txBody>
-      </p:sp>
-    </p:spTree>
-    <p:extLst>
-      <p:ext uri="{BB962C8B-B14F-4D97-AF65-F5344CB8AC3E}">
-        <p14:creationId xmlns:p14="http://schemas.microsoft.com/office/powerpoint/2010/main" val="2135904035"/>
-      </p:ext>
-    </p:extLst>
-  </p:cSld>
-  <p:clrMapOvr>
-    <a:masterClrMapping/>
-  </p:clrMapOvr>
-  <p:timing>
-    <p:tnLst>
-      <p:par>
-        <p:cTn id="1" dur="indefinite" restart="never" nodeType="tmRoot">
-          <p:childTnLst>
-            <p:seq concurrent="1" nextAc="seek">
-              <p:cTn id="2" dur="indefinite" nodeType="mainSeq">
-                <p:childTnLst>
-                  <p:par>
-                    <p:cTn id="3" fill="hold">
-                      <p:stCondLst>
-                        <p:cond delay="indefinite"/>
-                      </p:stCondLst>
-                      <p:childTnLst>
-                        <p:par>
-                          <p:cTn id="4" fill="hold">
-                            <p:stCondLst>
-                              <p:cond delay="0"/>
-                            </p:stCondLst>
-                            <p:childTnLst>
-                              <p:par>
-                                <p:cTn id="5" presetID="10" presetClass="entr" presetSubtype="0" fill="hold" nodeType="clickEffect">
-                                  <p:stCondLst>
-                                    <p:cond delay="0"/>
-                                  </p:stCondLst>
-                                  <p:childTnLst>
-                                    <p:set>
-                                      <p:cBhvr>
-                                        <p:cTn id="6" dur="1" fill="hold">
-                                          <p:stCondLst>
-                                            <p:cond delay="0"/>
-                                          </p:stCondLst>
-                                        </p:cTn>
-                                        <p:tgtEl>
-                                          <p:spTgt spid="4">
-                                            <p:txEl>
-                                              <p:pRg st="0" end="0"/>
-                                            </p:txEl>
-                                          </p:spTgt>
-                                        </p:tgtEl>
-                                        <p:attrNameLst>
-                                          <p:attrName>style.visibility</p:attrName>
-                                        </p:attrNameLst>
-                                      </p:cBhvr>
-                                      <p:to>
-                                        <p:strVal val="visible"/>
-                                      </p:to>
-                                    </p:set>
-                                    <p:animEffect transition="in" filter="fade">
-                                      <p:cBhvr>
-                                        <p:cTn id="7" dur="500"/>
-                                        <p:tgtEl>
-                                          <p:spTgt spid="4">
-                                            <p:txEl>
-                                              <p:pRg st="0" end="0"/>
-                                            </p:txEl>
-                                          </p:spTgt>
-                                        </p:tgtEl>
-                                      </p:cBhvr>
-                                    </p:animEffect>
                                   </p:childTnLst>
                                 </p:cTn>
                               </p:par>
@@ -36037,6 +35941,320 @@
       <p:bldP spid="3" grpId="0" build="p"/>
       <p:bldP spid="18" grpId="0"/>
     </p:bldLst>
+  </p:timing>
+</p:sld>
+</file>
+
+<file path=ppt/slides/slide30.xml><?xml version="1.0" encoding="utf-8"?>
+<p:sld xmlns:a="http://schemas.openxmlformats.org/drawingml/2006/main" xmlns:r="http://schemas.openxmlformats.org/officeDocument/2006/relationships" xmlns:p="http://schemas.openxmlformats.org/presentationml/2006/main">
+  <p:cSld>
+    <p:spTree>
+      <p:nvGrpSpPr>
+        <p:cNvPr id="1" name=""/>
+        <p:cNvGrpSpPr/>
+        <p:nvPr/>
+      </p:nvGrpSpPr>
+      <p:grpSpPr>
+        <a:xfrm>
+          <a:off x="0" y="0"/>
+          <a:ext cx="0" cy="0"/>
+          <a:chOff x="0" y="0"/>
+          <a:chExt cx="0" cy="0"/>
+        </a:xfrm>
+      </p:grpSpPr>
+      <p:sp>
+        <p:nvSpPr>
+          <p:cNvPr id="2" name="Title 1"/>
+          <p:cNvSpPr>
+            <a:spLocks noGrp="1"/>
+          </p:cNvSpPr>
+          <p:nvPr>
+            <p:ph type="title"/>
+          </p:nvPr>
+        </p:nvSpPr>
+        <p:spPr/>
+        <p:txBody>
+          <a:bodyPr/>
+          <a:lstStyle/>
+          <a:p>
+            <a:r>
+              <a:rPr lang="en-US" dirty="0" smtClean="0"/>
+              <a:t>Coach</a:t>
+            </a:r>
+            <a:endParaRPr lang="en-US" dirty="0"/>
+          </a:p>
+        </p:txBody>
+      </p:sp>
+      <p:sp>
+        <p:nvSpPr>
+          <p:cNvPr id="3" name="Content Placeholder 2"/>
+          <p:cNvSpPr>
+            <a:spLocks noGrp="1"/>
+          </p:cNvSpPr>
+          <p:nvPr>
+            <p:ph idx="1"/>
+          </p:nvPr>
+        </p:nvSpPr>
+        <p:spPr/>
+        <p:txBody>
+          <a:bodyPr>
+            <a:normAutofit/>
+          </a:bodyPr>
+          <a:lstStyle/>
+          <a:p>
+            <a:r>
+              <a:rPr lang="en-US" dirty="0" smtClean="0"/>
+              <a:t>New teams need coach.</a:t>
+            </a:r>
+            <a:endParaRPr lang="en-US" dirty="0"/>
+          </a:p>
+          <a:p>
+            <a:r>
+              <a:rPr lang="en-US" dirty="0" smtClean="0"/>
+              <a:t>Understanding whole idea of project.</a:t>
+            </a:r>
+            <a:endParaRPr lang="en-US" dirty="0"/>
+          </a:p>
+          <a:p>
+            <a:r>
+              <a:rPr lang="en-US" dirty="0"/>
+              <a:t>Remain calm even when everyone else is </a:t>
+            </a:r>
+            <a:r>
+              <a:rPr lang="en-US" dirty="0" smtClean="0"/>
+              <a:t>panicking.</a:t>
+            </a:r>
+            <a:endParaRPr lang="en-US" dirty="0"/>
+          </a:p>
+          <a:p>
+            <a:r>
+              <a:rPr lang="en-US" dirty="0"/>
+              <a:t>Be ready to help.</a:t>
+            </a:r>
+          </a:p>
+          <a:p>
+            <a:r>
+              <a:rPr lang="en-US" dirty="0" smtClean="0"/>
+              <a:t>Be the shadow for team.</a:t>
+            </a:r>
+            <a:endParaRPr lang="en-US" dirty="0"/>
+          </a:p>
+        </p:txBody>
+      </p:sp>
+    </p:spTree>
+    <p:extLst>
+      <p:ext uri="{BB962C8B-B14F-4D97-AF65-F5344CB8AC3E}">
+        <p14:creationId xmlns:p14="http://schemas.microsoft.com/office/powerpoint/2010/main" val="3434456809"/>
+      </p:ext>
+    </p:extLst>
+  </p:cSld>
+  <p:clrMapOvr>
+    <a:masterClrMapping/>
+  </p:clrMapOvr>
+  <p:timing>
+    <p:tnLst>
+      <p:par>
+        <p:cTn id="1" dur="indefinite" restart="never" nodeType="tmRoot"/>
+      </p:par>
+    </p:tnLst>
+  </p:timing>
+</p:sld>
+</file>
+
+<file path=ppt/slides/slide31.xml><?xml version="1.0" encoding="utf-8"?>
+<p:sld xmlns:a="http://schemas.openxmlformats.org/drawingml/2006/main" xmlns:r="http://schemas.openxmlformats.org/officeDocument/2006/relationships" xmlns:p="http://schemas.openxmlformats.org/presentationml/2006/main">
+  <p:cSld>
+    <p:spTree>
+      <p:nvGrpSpPr>
+        <p:cNvPr id="1" name=""/>
+        <p:cNvGrpSpPr/>
+        <p:nvPr/>
+      </p:nvGrpSpPr>
+      <p:grpSpPr>
+        <a:xfrm>
+          <a:off x="0" y="0"/>
+          <a:ext cx="0" cy="0"/>
+          <a:chOff x="0" y="0"/>
+          <a:chExt cx="0" cy="0"/>
+        </a:xfrm>
+      </p:grpSpPr>
+      <p:sp>
+        <p:nvSpPr>
+          <p:cNvPr id="4" name="Rectangle 3"/>
+          <p:cNvSpPr/>
+          <p:nvPr/>
+        </p:nvSpPr>
+        <p:spPr>
+          <a:xfrm>
+            <a:off x="1646830" y="1259175"/>
+            <a:ext cx="8898340" cy="4339650"/>
+          </a:xfrm>
+          <a:prstGeom prst="rect">
+            <a:avLst/>
+          </a:prstGeom>
+          <a:noFill/>
+        </p:spPr>
+        <p:txBody>
+          <a:bodyPr wrap="square" lIns="91440" tIns="45720" rIns="91440" bIns="45720">
+            <a:spAutoFit/>
+          </a:bodyPr>
+          <a:lstStyle/>
+          <a:p>
+            <a:pPr algn="ctr"/>
+            <a:r>
+              <a:rPr lang="en-US" sz="13800" b="1" dirty="0" smtClean="0">
+                <a:ln w="12700">
+                  <a:solidFill>
+                    <a:schemeClr val="accent1"/>
+                  </a:solidFill>
+                  <a:prstDash val="solid"/>
+                </a:ln>
+                <a:pattFill prst="pct50">
+                  <a:fgClr>
+                    <a:schemeClr val="accent1"/>
+                  </a:fgClr>
+                  <a:bgClr>
+                    <a:schemeClr val="accent1">
+                      <a:lumMod val="20000"/>
+                      <a:lumOff val="80000"/>
+                    </a:schemeClr>
+                  </a:bgClr>
+                </a:pattFill>
+                <a:effectLst>
+                  <a:outerShdw dist="38100" dir="2640000" algn="bl" rotWithShape="0">
+                    <a:schemeClr val="accent1"/>
+                  </a:outerShdw>
+                </a:effectLst>
+              </a:rPr>
+              <a:t>THANK YOU!</a:t>
+            </a:r>
+            <a:endParaRPr lang="en-US" sz="13800" b="1" dirty="0">
+              <a:ln w="12700">
+                <a:solidFill>
+                  <a:schemeClr val="accent1"/>
+                </a:solidFill>
+                <a:prstDash val="solid"/>
+              </a:ln>
+              <a:pattFill prst="pct50">
+                <a:fgClr>
+                  <a:schemeClr val="accent1"/>
+                </a:fgClr>
+                <a:bgClr>
+                  <a:schemeClr val="accent1">
+                    <a:lumMod val="20000"/>
+                    <a:lumOff val="80000"/>
+                  </a:schemeClr>
+                </a:bgClr>
+              </a:pattFill>
+              <a:effectLst>
+                <a:outerShdw dist="38100" dir="2640000" algn="bl" rotWithShape="0">
+                  <a:schemeClr val="accent1"/>
+                </a:outerShdw>
+              </a:effectLst>
+            </a:endParaRPr>
+          </a:p>
+        </p:txBody>
+      </p:sp>
+    </p:spTree>
+    <p:extLst>
+      <p:ext uri="{BB962C8B-B14F-4D97-AF65-F5344CB8AC3E}">
+        <p14:creationId xmlns:p14="http://schemas.microsoft.com/office/powerpoint/2010/main" val="2135904035"/>
+      </p:ext>
+    </p:extLst>
+  </p:cSld>
+  <p:clrMapOvr>
+    <a:masterClrMapping/>
+  </p:clrMapOvr>
+  <p:timing>
+    <p:tnLst>
+      <p:par>
+        <p:cTn id="1" dur="indefinite" restart="never" nodeType="tmRoot">
+          <p:childTnLst>
+            <p:seq concurrent="1" nextAc="seek">
+              <p:cTn id="2" dur="indefinite" nodeType="mainSeq">
+                <p:childTnLst>
+                  <p:par>
+                    <p:cTn id="3" fill="hold">
+                      <p:stCondLst>
+                        <p:cond delay="indefinite"/>
+                      </p:stCondLst>
+                      <p:childTnLst>
+                        <p:par>
+                          <p:cTn id="4" fill="hold">
+                            <p:stCondLst>
+                              <p:cond delay="0"/>
+                            </p:stCondLst>
+                            <p:childTnLst>
+                              <p:par>
+                                <p:cTn id="5" presetID="10" presetClass="entr" presetSubtype="0" fill="hold" nodeType="clickEffect">
+                                  <p:stCondLst>
+                                    <p:cond delay="0"/>
+                                  </p:stCondLst>
+                                  <p:childTnLst>
+                                    <p:set>
+                                      <p:cBhvr>
+                                        <p:cTn id="6" dur="1" fill="hold">
+                                          <p:stCondLst>
+                                            <p:cond delay="0"/>
+                                          </p:stCondLst>
+                                        </p:cTn>
+                                        <p:tgtEl>
+                                          <p:spTgt spid="4">
+                                            <p:txEl>
+                                              <p:pRg st="0" end="0"/>
+                                            </p:txEl>
+                                          </p:spTgt>
+                                        </p:tgtEl>
+                                        <p:attrNameLst>
+                                          <p:attrName>style.visibility</p:attrName>
+                                        </p:attrNameLst>
+                                      </p:cBhvr>
+                                      <p:to>
+                                        <p:strVal val="visible"/>
+                                      </p:to>
+                                    </p:set>
+                                    <p:animEffect transition="in" filter="fade">
+                                      <p:cBhvr>
+                                        <p:cTn id="7" dur="500"/>
+                                        <p:tgtEl>
+                                          <p:spTgt spid="4">
+                                            <p:txEl>
+                                              <p:pRg st="0" end="0"/>
+                                            </p:txEl>
+                                          </p:spTgt>
+                                        </p:tgtEl>
+                                      </p:cBhvr>
+                                    </p:animEffect>
+                                  </p:childTnLst>
+                                </p:cTn>
+                              </p:par>
+                            </p:childTnLst>
+                          </p:cTn>
+                        </p:par>
+                      </p:childTnLst>
+                    </p:cTn>
+                  </p:par>
+                </p:childTnLst>
+              </p:cTn>
+              <p:prevCondLst>
+                <p:cond evt="onPrev" delay="0">
+                  <p:tgtEl>
+                    <p:sldTgt/>
+                  </p:tgtEl>
+                </p:cond>
+              </p:prevCondLst>
+              <p:nextCondLst>
+                <p:cond evt="onNext" delay="0">
+                  <p:tgtEl>
+                    <p:sldTgt/>
+                  </p:tgtEl>
+                </p:cond>
+              </p:nextCondLst>
+            </p:seq>
+          </p:childTnLst>
+        </p:cTn>
+      </p:par>
+    </p:tnLst>
   </p:timing>
 </p:sld>
 </file>
